--- a/report.pptx
+++ b/report.pptx
@@ -5,11 +5,10 @@
     <p:sldMasterId id="2147483684" r:id="rId1"/>
   </p:sldMasterIdLst>
   <p:notesMasterIdLst>
-    <p:notesMasterId r:id="rId4"/>
+    <p:notesMasterId r:id="rId3"/>
   </p:notesMasterIdLst>
   <p:sldIdLst>
-    <p:sldId id="309" r:id="rId2"/>
-    <p:sldId id="311" r:id="rId3"/>
+    <p:sldId id="313" r:id="rId2"/>
   </p:sldIdLst>
   <p:sldSz cx="9144000" cy="6858000" type="screen4x3"/>
   <p:notesSz cx="6858000" cy="9144000"/>
@@ -209,7 +208,7 @@
           <a:p>
             <a:fld id="{4009ACC2-15F4-9549-B7EC-0A2B034E938B}" type="datetimeFigureOut">
               <a:rPr kumimoji="1" lang="ja-JP" altLang="en-US" smtClean="0"/>
-              <a:t>2020/5/25</a:t>
+              <a:t>2020/6/1</a:t>
             </a:fld>
             <a:endParaRPr kumimoji="1" lang="ja-JP" altLang="en-US"/>
           </a:p>
@@ -566,14 +565,14 @@
           </a:ln>
           <a:extLst>
             <a:ext uri="{909E8E84-426E-40dd-AFC4-6F175D3DCCD1}">
-              <a14:hiddenFill xmlns:a14="http://schemas.microsoft.com/office/drawing/2010/main" xmlns="">
+              <a14:hiddenFill xmlns="" xmlns:a14="http://schemas.microsoft.com/office/drawing/2010/main">
                 <a:solidFill>
                   <a:srgbClr val="FFFFFF"/>
                 </a:solidFill>
               </a14:hiddenFill>
             </a:ext>
             <a:ext uri="{91240B29-F687-4f45-9708-019B960494DF}">
-              <a14:hiddenLine xmlns:a14="http://schemas.microsoft.com/office/drawing/2010/main" xmlns="" w="9525">
+              <a14:hiddenLine xmlns="" xmlns:a14="http://schemas.microsoft.com/office/drawing/2010/main" w="9525">
                 <a:solidFill>
                   <a:srgbClr val="000000"/>
                 </a:solidFill>
@@ -699,7 +698,7 @@
           <a:p>
             <a:fld id="{E26EBCA1-5ECB-8E40-B3AE-716B5FED69E8}" type="datetime1">
               <a:rPr kumimoji="1" lang="ja-JP" altLang="en-US" smtClean="0"/>
-              <a:t>2020/5/25</a:t>
+              <a:t>2020/6/1</a:t>
             </a:fld>
             <a:endParaRPr kumimoji="1" lang="ja-JP" altLang="en-US"/>
           </a:p>
@@ -905,7 +904,7 @@
           <a:p>
             <a:fld id="{3273A65D-9C9B-4141-BA1F-9C97ABF2D1C1}" type="datetime1">
               <a:rPr kumimoji="1" lang="ja-JP" altLang="en-US" smtClean="0"/>
-              <a:t>2020/5/25</a:t>
+              <a:t>2020/6/1</a:t>
             </a:fld>
             <a:endParaRPr kumimoji="1" lang="ja-JP" altLang="en-US"/>
           </a:p>
@@ -1121,7 +1120,7 @@
           <a:p>
             <a:fld id="{AE195D0D-1AE5-5841-AEFB-938B6DFFC756}" type="datetime1">
               <a:rPr kumimoji="1" lang="ja-JP" altLang="en-US" smtClean="0"/>
-              <a:t>2020/5/25</a:t>
+              <a:t>2020/6/1</a:t>
             </a:fld>
             <a:endParaRPr kumimoji="1" lang="ja-JP" altLang="en-US"/>
           </a:p>
@@ -1244,14 +1243,14 @@
           </a:ln>
           <a:extLst>
             <a:ext uri="{909E8E84-426E-40dd-AFC4-6F175D3DCCD1}">
-              <a14:hiddenFill xmlns:a14="http://schemas.microsoft.com/office/drawing/2010/main" xmlns="">
+              <a14:hiddenFill xmlns="" xmlns:a14="http://schemas.microsoft.com/office/drawing/2010/main">
                 <a:solidFill>
                   <a:srgbClr val="FFFFFF"/>
                 </a:solidFill>
               </a14:hiddenFill>
             </a:ext>
             <a:ext uri="{91240B29-F687-4f45-9708-019B960494DF}">
-              <a14:hiddenLine xmlns:a14="http://schemas.microsoft.com/office/drawing/2010/main" xmlns="" w="9525">
+              <a14:hiddenLine xmlns="" xmlns:a14="http://schemas.microsoft.com/office/drawing/2010/main" w="9525">
                 <a:solidFill>
                   <a:srgbClr val="000000"/>
                 </a:solidFill>
@@ -1382,7 +1381,7 @@
           <a:p>
             <a:fld id="{A4EA8704-293A-AD45-9F35-B5ABB8982384}" type="datetime1">
               <a:rPr kumimoji="1" lang="ja-JP" altLang="en-US" smtClean="0"/>
-              <a:t>2020/5/25</a:t>
+              <a:t>2020/6/1</a:t>
             </a:fld>
             <a:endParaRPr kumimoji="1" lang="ja-JP" altLang="en-US"/>
           </a:p>
@@ -1721,7 +1720,7 @@
           <a:p>
             <a:fld id="{27739121-F866-EC43-8EC2-93E8DF1C20D1}" type="datetime1">
               <a:rPr kumimoji="1" lang="ja-JP" altLang="en-US" smtClean="0"/>
-              <a:t>2020/5/25</a:t>
+              <a:t>2020/6/1</a:t>
             </a:fld>
             <a:endParaRPr kumimoji="1" lang="ja-JP" altLang="en-US"/>
           </a:p>
@@ -2021,7 +2020,7 @@
           <a:p>
             <a:fld id="{9F3A4C24-3B35-5E4C-BE9C-A8135DC8CA72}" type="datetime1">
               <a:rPr kumimoji="1" lang="ja-JP" altLang="en-US" smtClean="0"/>
-              <a:t>2020/5/25</a:t>
+              <a:t>2020/6/1</a:t>
             </a:fld>
             <a:endParaRPr kumimoji="1" lang="ja-JP" altLang="en-US"/>
           </a:p>
@@ -2456,7 +2455,7 @@
           <a:p>
             <a:fld id="{A74684BC-A81C-754D-A391-49A92F618892}" type="datetime1">
               <a:rPr kumimoji="1" lang="ja-JP" altLang="en-US" smtClean="0"/>
-              <a:t>2020/5/25</a:t>
+              <a:t>2020/6/1</a:t>
             </a:fld>
             <a:endParaRPr kumimoji="1" lang="ja-JP" altLang="en-US"/>
           </a:p>
@@ -2578,7 +2577,7 @@
           <a:p>
             <a:fld id="{54B7F899-00DC-124E-821F-605077C78556}" type="datetime1">
               <a:rPr kumimoji="1" lang="ja-JP" altLang="en-US" smtClean="0"/>
-              <a:t>2020/5/25</a:t>
+              <a:t>2020/6/1</a:t>
             </a:fld>
             <a:endParaRPr kumimoji="1" lang="ja-JP" altLang="en-US"/>
           </a:p>
@@ -2677,7 +2676,7 @@
           <a:p>
             <a:fld id="{3D2A4B98-CDFE-7749-B2E2-1980E33736F2}" type="datetime1">
               <a:rPr kumimoji="1" lang="ja-JP" altLang="en-US" smtClean="0"/>
-              <a:t>2020/5/25</a:t>
+              <a:t>2020/6/1</a:t>
             </a:fld>
             <a:endParaRPr kumimoji="1" lang="ja-JP" altLang="en-US"/>
           </a:p>
@@ -2990,7 +2989,7 @@
           <a:p>
             <a:fld id="{946A77EC-F9D2-CA4C-A755-29607B8A96A9}" type="datetime1">
               <a:rPr kumimoji="1" lang="ja-JP" altLang="en-US" smtClean="0"/>
-              <a:t>2020/5/25</a:t>
+              <a:t>2020/6/1</a:t>
             </a:fld>
             <a:endParaRPr kumimoji="1" lang="ja-JP" altLang="en-US"/>
           </a:p>
@@ -3251,7 +3250,7 @@
           <a:p>
             <a:fld id="{A9C78329-7CD2-764E-8339-9AB5CDAF3C56}" type="datetime1">
               <a:rPr kumimoji="1" lang="ja-JP" altLang="en-US" smtClean="0"/>
-              <a:t>2020/5/25</a:t>
+              <a:t>2020/6/1</a:t>
             </a:fld>
             <a:endParaRPr kumimoji="1" lang="ja-JP" altLang="en-US"/>
           </a:p>
@@ -3505,7 +3504,7 @@
           <a:p>
             <a:fld id="{3E76350B-F897-D045-94FF-66AB3D167B12}" type="datetime1">
               <a:rPr kumimoji="1" lang="ja-JP" altLang="en-US" smtClean="0"/>
-              <a:t>2020/5/25</a:t>
+              <a:t>2020/6/1</a:t>
             </a:fld>
             <a:endParaRPr kumimoji="1" lang="ja-JP" altLang="en-US"/>
           </a:p>
@@ -3934,10 +3933,10 @@
       </p:grpSpPr>
       <p:sp>
         <p:nvSpPr>
-          <p:cNvPr id="2" name="コンテンツ プレースホルダー 1">
+          <p:cNvPr id="3" name="日付プレースホルダー 2">
             <a:extLst>
               <a:ext uri="{FF2B5EF4-FFF2-40B4-BE49-F238E27FC236}">
-                <a16:creationId xmlns:a16="http://schemas.microsoft.com/office/drawing/2014/main" id="{C625D991-F313-E742-9AD6-69A81ACB5D0C}"/>
+                <a16:creationId xmlns:a16="http://schemas.microsoft.com/office/drawing/2014/main" id="{4F776E32-7ABA-B847-A04E-06F03D5B85F0}"/>
               </a:ext>
             </a:extLst>
           </p:cNvPr>
@@ -3945,7 +3944,7 @@
             <a:spLocks noGrp="1"/>
           </p:cNvSpPr>
           <p:nvPr>
-            <p:ph idx="1"/>
+            <p:ph type="dt" sz="half" idx="10"/>
           </p:nvPr>
         </p:nvSpPr>
         <p:spPr/>
@@ -3953,118 +3952,20 @@
           <a:bodyPr/>
           <a:lstStyle/>
           <a:p>
-            <a:r>
-              <a:rPr kumimoji="1" lang="en-US" altLang="ja-JP" dirty="0">
-                <a:latin typeface="Cambria" panose="02040503050406030204" pitchFamily="18" charset="0"/>
-              </a:rPr>
-              <a:t>Survey on safe RL</a:t>
-            </a:r>
-          </a:p>
-          <a:p>
-            <a:pPr lvl="1"/>
-            <a:r>
-              <a:rPr lang="en" altLang="ja-JP" dirty="0"/>
-              <a:t>J. </a:t>
-            </a:r>
-            <a:r>
-              <a:rPr lang="en" altLang="ja-JP" dirty="0" err="1"/>
-              <a:t>Gracia</a:t>
-            </a:r>
-            <a:r>
-              <a:rPr lang="en" altLang="ja-JP" dirty="0"/>
-              <a:t> and F. Fernandes. “A Comprehensive Survey on Safe Reinforcement Learning.” </a:t>
-            </a:r>
-            <a:r>
-              <a:rPr lang="en" altLang="ja-JP" i="1" dirty="0"/>
-              <a:t>Journal of Machine Learning Research</a:t>
-            </a:r>
-            <a:r>
-              <a:rPr lang="en" altLang="ja-JP" dirty="0"/>
-              <a:t>, 2015.</a:t>
-            </a:r>
-          </a:p>
-          <a:p>
-            <a:pPr lvl="1"/>
-            <a:endParaRPr lang="en" altLang="ja-JP" dirty="0"/>
-          </a:p>
-          <a:p>
-            <a:r>
-              <a:rPr lang="en" altLang="ja-JP" dirty="0"/>
-              <a:t>Model-free approach</a:t>
-            </a:r>
-          </a:p>
-          <a:p>
-            <a:pPr lvl="1"/>
-            <a:r>
-              <a:rPr lang="en" altLang="ja-JP" dirty="0"/>
-              <a:t>Add safety constraints to optimization problem </a:t>
-            </a:r>
-          </a:p>
-          <a:p>
-            <a:pPr lvl="1"/>
-            <a:r>
-              <a:rPr lang="en" altLang="ja-JP" dirty="0"/>
-              <a:t>Certify learned policy to be safe</a:t>
-            </a:r>
-          </a:p>
-          <a:p>
-            <a:pPr lvl="1"/>
-            <a:r>
-              <a:rPr lang="en" altLang="ja-JP" dirty="0">
-                <a:solidFill>
-                  <a:srgbClr val="C00000"/>
-                </a:solidFill>
-              </a:rPr>
-              <a:t>Do not guarantee the safety during learning phase</a:t>
-            </a:r>
-          </a:p>
-          <a:p>
-            <a:pPr lvl="1"/>
-            <a:endParaRPr lang="en" altLang="ja-JP" dirty="0">
-              <a:solidFill>
-                <a:srgbClr val="FF0000"/>
-              </a:solidFill>
-            </a:endParaRPr>
-          </a:p>
-          <a:p>
-            <a:r>
-              <a:rPr lang="en" altLang="ja-JP" dirty="0"/>
-              <a:t>Model-based approach</a:t>
-            </a:r>
-          </a:p>
-          <a:p>
-            <a:pPr lvl="1"/>
-            <a:r>
-              <a:rPr lang="en" altLang="ja-JP" dirty="0"/>
-              <a:t>Using model information to guarantee the safety</a:t>
-            </a:r>
-          </a:p>
-          <a:p>
-            <a:pPr lvl="1"/>
-            <a:r>
-              <a:rPr lang="en" altLang="ja-JP" dirty="0"/>
-              <a:t>Certify the safety during learning phase</a:t>
-            </a:r>
-          </a:p>
-          <a:p>
-            <a:pPr lvl="1"/>
-            <a:r>
-              <a:rPr lang="en" altLang="ja-JP" dirty="0">
-                <a:solidFill>
-                  <a:srgbClr val="C00000"/>
-                </a:solidFill>
-              </a:rPr>
-              <a:t>Do not address the issue of exploration and performance optimization</a:t>
-            </a:r>
-          </a:p>
-        </p:txBody>
-      </p:sp>
-      <p:sp>
-        <p:nvSpPr>
-          <p:cNvPr id="3" name="日付プレースホルダー 2">
+            <a:fld id="{A4EA8704-293A-AD45-9F35-B5ABB8982384}" type="datetime1">
+              <a:rPr kumimoji="1" lang="ja-JP" altLang="en-US" smtClean="0"/>
+              <a:t>2020/6/2</a:t>
+            </a:fld>
+            <a:endParaRPr kumimoji="1" lang="ja-JP" altLang="en-US"/>
+          </a:p>
+        </p:txBody>
+      </p:sp>
+      <p:sp>
+        <p:nvSpPr>
+          <p:cNvPr id="4" name="フッター プレースホルダー 3">
             <a:extLst>
               <a:ext uri="{FF2B5EF4-FFF2-40B4-BE49-F238E27FC236}">
-                <a16:creationId xmlns:a16="http://schemas.microsoft.com/office/drawing/2014/main" id="{2AC6EC6F-E66E-C346-A1F3-293E79A6DFC6}"/>
+                <a16:creationId xmlns:a16="http://schemas.microsoft.com/office/drawing/2014/main" id="{D90BEAC7-9D94-BD45-8D99-F8A005145CD1}"/>
               </a:ext>
             </a:extLst>
           </p:cNvPr>
@@ -4072,7 +3973,7 @@
             <a:spLocks noGrp="1"/>
           </p:cNvSpPr>
           <p:nvPr>
-            <p:ph type="dt" sz="half" idx="10"/>
+            <p:ph type="ftr" sz="quarter" idx="11"/>
           </p:nvPr>
         </p:nvSpPr>
         <p:spPr/>
@@ -4080,20 +3981,20 @@
           <a:bodyPr/>
           <a:lstStyle/>
           <a:p>
-            <a:fld id="{A4EA8704-293A-AD45-9F35-B5ABB8982384}" type="datetime1">
-              <a:rPr kumimoji="1" lang="ja-JP" altLang="en-US" smtClean="0"/>
-              <a:t>2020/5/25</a:t>
-            </a:fld>
+            <a:r>
+              <a:rPr kumimoji="1" lang="en-US" altLang="ja-JP"/>
+              <a:t>Control System Theory Group</a:t>
+            </a:r>
             <a:endParaRPr kumimoji="1" lang="ja-JP" altLang="en-US"/>
           </a:p>
         </p:txBody>
       </p:sp>
       <p:sp>
         <p:nvSpPr>
-          <p:cNvPr id="4" name="フッター プレースホルダー 3">
+          <p:cNvPr id="8" name="コンテンツ プレースホルダー 1">
             <a:extLst>
               <a:ext uri="{FF2B5EF4-FFF2-40B4-BE49-F238E27FC236}">
-                <a16:creationId xmlns:a16="http://schemas.microsoft.com/office/drawing/2014/main" id="{BD482C43-0F26-EE4D-AD5C-EB4665C0262C}"/>
+                <a16:creationId xmlns:a16="http://schemas.microsoft.com/office/drawing/2014/main" id="{F0F0ECB6-9AB9-304D-90A2-177360B95CE6}"/>
               </a:ext>
             </a:extLst>
           </p:cNvPr>
@@ -4101,28 +4002,88 @@
             <a:spLocks noGrp="1"/>
           </p:cNvSpPr>
           <p:nvPr>
-            <p:ph type="ftr" sz="quarter" idx="11"/>
-          </p:nvPr>
-        </p:nvSpPr>
-        <p:spPr/>
-        <p:txBody>
-          <a:bodyPr/>
-          <a:lstStyle/>
-          <a:p>
-            <a:r>
-              <a:rPr kumimoji="1" lang="en-US" altLang="ja-JP"/>
-              <a:t>Control System Theory Group</a:t>
-            </a:r>
+            <p:ph idx="1"/>
+          </p:nvPr>
+        </p:nvSpPr>
+        <p:spPr>
+          <a:xfrm>
+            <a:off x="335572" y="1103023"/>
+            <a:ext cx="8480182" cy="5006090"/>
+          </a:xfrm>
+        </p:spPr>
+        <p:txBody>
+          <a:bodyPr/>
+          <a:lstStyle/>
+          <a:p>
+            <a:r>
+              <a:rPr kumimoji="1" lang="en-US" altLang="ja-JP" dirty="0"/>
+              <a:t>Planning study theme</a:t>
+            </a:r>
+          </a:p>
+          <a:p>
+            <a:pPr lvl="1"/>
+            <a:r>
+              <a:rPr lang="en-US" altLang="ja-JP" dirty="0"/>
+              <a:t>Want to make use of domain knowledge to emphasize RL</a:t>
+            </a:r>
+            <a:endParaRPr kumimoji="1" lang="en-US" altLang="ja-JP" dirty="0"/>
+          </a:p>
+          <a:p>
+            <a:endParaRPr lang="en-US" altLang="ja-JP" dirty="0"/>
+          </a:p>
+          <a:p>
+            <a:r>
+              <a:rPr kumimoji="1" lang="en-US" altLang="ja-JP" dirty="0"/>
+              <a:t>Reading a paper</a:t>
+            </a:r>
+          </a:p>
+          <a:p>
+            <a:pPr lvl="1"/>
+            <a:r>
+              <a:rPr lang="en-US" altLang="ja-JP" dirty="0"/>
+              <a:t>T. Yu, G. Thomas, L. Yu, S. </a:t>
+            </a:r>
+            <a:r>
+              <a:rPr lang="en-US" altLang="ja-JP" dirty="0" err="1"/>
+              <a:t>Ermon</a:t>
+            </a:r>
+            <a:r>
+              <a:rPr lang="en-US" altLang="ja-JP" dirty="0"/>
+              <a:t>, J. Zou, S. Levine, C. Finn and T. Ma. “MOPO: Model-based Offline Policy Optimization” </a:t>
+            </a:r>
+            <a:r>
+              <a:rPr lang="en" altLang="ja-JP" i="1" dirty="0" err="1"/>
+              <a:t>arXiv</a:t>
+            </a:r>
+            <a:r>
+              <a:rPr lang="en" altLang="ja-JP" i="1" dirty="0"/>
+              <a:t> preprint </a:t>
+            </a:r>
+            <a:r>
+              <a:rPr lang="en" altLang="ja-JP" i="1" dirty="0" err="1"/>
+              <a:t>arXiv</a:t>
+            </a:r>
+            <a:r>
+              <a:rPr lang="en" altLang="ja-JP" i="1" dirty="0"/>
+              <a:t>: 2005.13239, </a:t>
+            </a:r>
+            <a:r>
+              <a:rPr lang="en" altLang="ja-JP" dirty="0"/>
+              <a:t>2020.</a:t>
+            </a:r>
+          </a:p>
+          <a:p>
+            <a:pPr lvl="1"/>
             <a:endParaRPr kumimoji="1" lang="ja-JP" altLang="en-US"/>
           </a:p>
         </p:txBody>
       </p:sp>
       <p:sp>
         <p:nvSpPr>
-          <p:cNvPr id="5" name="タイトル 4">
+          <p:cNvPr id="9" name="タイトル 4">
             <a:extLst>
               <a:ext uri="{FF2B5EF4-FFF2-40B4-BE49-F238E27FC236}">
-                <a16:creationId xmlns:a16="http://schemas.microsoft.com/office/drawing/2014/main" id="{E3605840-3DEE-A143-9959-34CBA4FEC09D}"/>
+                <a16:creationId xmlns:a16="http://schemas.microsoft.com/office/drawing/2014/main" id="{9E6964F0-B37E-6E41-AFBD-62922D5DC2FF}"/>
               </a:ext>
             </a:extLst>
           </p:cNvPr>
@@ -4133,7 +4094,12 @@
             <p:ph type="title"/>
           </p:nvPr>
         </p:nvSpPr>
-        <p:spPr/>
+        <p:spPr>
+          <a:xfrm>
+            <a:off x="335572" y="271342"/>
+            <a:ext cx="8480182" cy="584443"/>
+          </a:xfrm>
+        </p:spPr>
         <p:txBody>
           <a:bodyPr/>
           <a:lstStyle/>
@@ -4149,259 +4115,7 @@
     </p:spTree>
     <p:extLst>
       <p:ext uri="{BB962C8B-B14F-4D97-AF65-F5344CB8AC3E}">
-        <p14:creationId xmlns:p14="http://schemas.microsoft.com/office/powerpoint/2010/main" val="2095835782"/>
-      </p:ext>
-    </p:extLst>
-  </p:cSld>
-  <p:clrMapOvr>
-    <a:masterClrMapping/>
-  </p:clrMapOvr>
-</p:sld>
-</file>
-
-<file path=ppt/slides/slide2.xml><?xml version="1.0" encoding="utf-8"?>
-<p:sld xmlns:a="http://schemas.openxmlformats.org/drawingml/2006/main" xmlns:r="http://schemas.openxmlformats.org/officeDocument/2006/relationships" xmlns:p="http://schemas.openxmlformats.org/presentationml/2006/main">
-  <p:cSld>
-    <p:spTree>
-      <p:nvGrpSpPr>
-        <p:cNvPr id="1" name=""/>
-        <p:cNvGrpSpPr/>
-        <p:nvPr/>
-      </p:nvGrpSpPr>
-      <p:grpSpPr>
-        <a:xfrm>
-          <a:off x="0" y="0"/>
-          <a:ext cx="0" cy="0"/>
-          <a:chOff x="0" y="0"/>
-          <a:chExt cx="0" cy="0"/>
-        </a:xfrm>
-      </p:grpSpPr>
-      <p:sp>
-        <p:nvSpPr>
-          <p:cNvPr id="2" name="コンテンツ プレースホルダー 1">
-            <a:extLst>
-              <a:ext uri="{FF2B5EF4-FFF2-40B4-BE49-F238E27FC236}">
-                <a16:creationId xmlns:a16="http://schemas.microsoft.com/office/drawing/2014/main" id="{9AD72165-F27E-9847-B3EF-6AFED154C7A2}"/>
-              </a:ext>
-            </a:extLst>
-          </p:cNvPr>
-          <p:cNvSpPr>
-            <a:spLocks noGrp="1"/>
-          </p:cNvSpPr>
-          <p:nvPr>
-            <p:ph idx="1"/>
-          </p:nvPr>
-        </p:nvSpPr>
-        <p:spPr/>
-        <p:txBody>
-          <a:bodyPr/>
-          <a:lstStyle/>
-          <a:p>
-            <a:r>
-              <a:rPr kumimoji="1" lang="en-US" altLang="ja-JP" dirty="0"/>
-              <a:t>Incorporating model information into model-free RL</a:t>
-            </a:r>
-          </a:p>
-          <a:p>
-            <a:pPr lvl="1"/>
-            <a:r>
-              <a:rPr kumimoji="1" lang="en-US" altLang="ja-JP" dirty="0"/>
-              <a:t>The study, I reported last week[1],</a:t>
-            </a:r>
-            <a:r>
-              <a:rPr lang="en-US" altLang="ja-JP" dirty="0"/>
-              <a:t> uses control barrier function</a:t>
-            </a:r>
-          </a:p>
-          <a:p>
-            <a:pPr lvl="1"/>
-            <a:endParaRPr lang="en-US" altLang="ja-JP" dirty="0"/>
-          </a:p>
-          <a:p>
-            <a:pPr lvl="1"/>
-            <a:r>
-              <a:rPr lang="en" altLang="ja-JP" dirty="0"/>
-              <a:t>[1] has a probability of safety violence</a:t>
-            </a:r>
-          </a:p>
-          <a:p>
-            <a:pPr lvl="1"/>
-            <a:endParaRPr kumimoji="1" lang="en" altLang="ja-JP" dirty="0"/>
-          </a:p>
-          <a:p>
-            <a:pPr lvl="1"/>
-            <a:r>
-              <a:rPr lang="en" altLang="ja-JP" dirty="0"/>
-              <a:t>Is there more effective use of prior knowledge???</a:t>
-            </a:r>
-            <a:endParaRPr kumimoji="1" lang="en-US" altLang="ja-JP" dirty="0"/>
-          </a:p>
-        </p:txBody>
-      </p:sp>
-      <p:sp>
-        <p:nvSpPr>
-          <p:cNvPr id="3" name="日付プレースホルダー 2">
-            <a:extLst>
-              <a:ext uri="{FF2B5EF4-FFF2-40B4-BE49-F238E27FC236}">
-                <a16:creationId xmlns:a16="http://schemas.microsoft.com/office/drawing/2014/main" id="{EE648B60-DAF8-AD41-8CED-97A578ACACB4}"/>
-              </a:ext>
-            </a:extLst>
-          </p:cNvPr>
-          <p:cNvSpPr>
-            <a:spLocks noGrp="1"/>
-          </p:cNvSpPr>
-          <p:nvPr>
-            <p:ph type="dt" sz="half" idx="10"/>
-          </p:nvPr>
-        </p:nvSpPr>
-        <p:spPr/>
-        <p:txBody>
-          <a:bodyPr/>
-          <a:lstStyle/>
-          <a:p>
-            <a:fld id="{A4EA8704-293A-AD45-9F35-B5ABB8982384}" type="datetime1">
-              <a:rPr kumimoji="1" lang="ja-JP" altLang="en-US" smtClean="0"/>
-              <a:t>2020/5/26</a:t>
-            </a:fld>
-            <a:endParaRPr kumimoji="1" lang="ja-JP" altLang="en-US"/>
-          </a:p>
-        </p:txBody>
-      </p:sp>
-      <p:sp>
-        <p:nvSpPr>
-          <p:cNvPr id="4" name="フッター プレースホルダー 3">
-            <a:extLst>
-              <a:ext uri="{FF2B5EF4-FFF2-40B4-BE49-F238E27FC236}">
-                <a16:creationId xmlns:a16="http://schemas.microsoft.com/office/drawing/2014/main" id="{1B23725F-9E28-F140-A244-FA3F8F841940}"/>
-              </a:ext>
-            </a:extLst>
-          </p:cNvPr>
-          <p:cNvSpPr>
-            <a:spLocks noGrp="1"/>
-          </p:cNvSpPr>
-          <p:nvPr>
-            <p:ph type="ftr" sz="quarter" idx="11"/>
-          </p:nvPr>
-        </p:nvSpPr>
-        <p:spPr/>
-        <p:txBody>
-          <a:bodyPr/>
-          <a:lstStyle/>
-          <a:p>
-            <a:r>
-              <a:rPr kumimoji="1" lang="en-US" altLang="ja-JP"/>
-              <a:t>Control System Theory Group</a:t>
-            </a:r>
-            <a:endParaRPr kumimoji="1" lang="ja-JP" altLang="en-US"/>
-          </a:p>
-        </p:txBody>
-      </p:sp>
-      <p:sp>
-        <p:nvSpPr>
-          <p:cNvPr id="5" name="タイトル 4">
-            <a:extLst>
-              <a:ext uri="{FF2B5EF4-FFF2-40B4-BE49-F238E27FC236}">
-                <a16:creationId xmlns:a16="http://schemas.microsoft.com/office/drawing/2014/main" id="{89995414-DF13-F048-A66B-EC807C0800C7}"/>
-              </a:ext>
-            </a:extLst>
-          </p:cNvPr>
-          <p:cNvSpPr>
-            <a:spLocks noGrp="1"/>
-          </p:cNvSpPr>
-          <p:nvPr>
-            <p:ph type="title"/>
-          </p:nvPr>
-        </p:nvSpPr>
-        <p:spPr/>
-        <p:txBody>
-          <a:bodyPr/>
-          <a:lstStyle/>
-          <a:p>
-            <a:r>
-              <a:rPr kumimoji="1" lang="en-US" altLang="ja-JP" dirty="0"/>
-              <a:t>Weekly Repor</a:t>
-            </a:r>
-            <a:r>
-              <a:rPr lang="en-US" altLang="ja-JP" dirty="0"/>
-              <a:t>t</a:t>
-            </a:r>
-            <a:endParaRPr kumimoji="1" lang="ja-JP" altLang="en-US"/>
-          </a:p>
-        </p:txBody>
-      </p:sp>
-      <p:sp>
-        <p:nvSpPr>
-          <p:cNvPr id="6" name="テキスト ボックス 5">
-            <a:extLst>
-              <a:ext uri="{FF2B5EF4-FFF2-40B4-BE49-F238E27FC236}">
-                <a16:creationId xmlns:a16="http://schemas.microsoft.com/office/drawing/2014/main" id="{8B8F0A79-7B0C-5C43-841E-535C0C82B6F8}"/>
-              </a:ext>
-            </a:extLst>
-          </p:cNvPr>
-          <p:cNvSpPr txBox="1"/>
-          <p:nvPr/>
-        </p:nvSpPr>
-        <p:spPr>
-          <a:xfrm>
-            <a:off x="462694" y="5797827"/>
-            <a:ext cx="7849300" cy="553998"/>
-          </a:xfrm>
-          <a:prstGeom prst="rect">
-            <a:avLst/>
-          </a:prstGeom>
-          <a:noFill/>
-        </p:spPr>
-        <p:txBody>
-          <a:bodyPr wrap="square" rtlCol="0">
-            <a:spAutoFit/>
-          </a:bodyPr>
-          <a:lstStyle/>
-          <a:p>
-            <a:r>
-              <a:rPr lang="en" altLang="ja-JP" sz="1000" dirty="0">
-                <a:latin typeface="Cambria" panose="02040503050406030204" pitchFamily="18" charset="0"/>
-              </a:rPr>
-              <a:t>[1] : R. Cheng, G. </a:t>
-            </a:r>
-            <a:r>
-              <a:rPr lang="en" altLang="ja-JP" sz="1000" dirty="0" err="1">
-                <a:latin typeface="Cambria" panose="02040503050406030204" pitchFamily="18" charset="0"/>
-              </a:rPr>
-              <a:t>Orosz</a:t>
-            </a:r>
-            <a:r>
-              <a:rPr lang="en" altLang="ja-JP" sz="1000" dirty="0">
-                <a:latin typeface="Cambria" panose="02040503050406030204" pitchFamily="18" charset="0"/>
-              </a:rPr>
-              <a:t>, R. M. Murray, and J. W. Burdick. “ End-to-end safe reinforcement learning through barrier functions for safety-critical continuous control tasks. ” </a:t>
-            </a:r>
-            <a:r>
-              <a:rPr lang="en" altLang="ja-JP" sz="1000" i="1" dirty="0">
-                <a:latin typeface="Cambria" panose="02040503050406030204" pitchFamily="18" charset="0"/>
-              </a:rPr>
-              <a:t>Thirty-Third AAAI Conference on Artificial Intelligence (AAAI-19), </a:t>
-            </a:r>
-            <a:r>
-              <a:rPr lang="en" altLang="ja-JP" sz="1000" dirty="0">
-                <a:latin typeface="Cambria" panose="02040503050406030204" pitchFamily="18" charset="0"/>
-              </a:rPr>
-              <a:t>2019.</a:t>
-            </a:r>
-            <a:endParaRPr lang="en-US" altLang="ja-JP" sz="1000" dirty="0">
-              <a:latin typeface="Cambria" panose="02040503050406030204" pitchFamily="18" charset="0"/>
-            </a:endParaRPr>
-          </a:p>
-          <a:p>
-            <a:endParaRPr kumimoji="1" lang="ja-JP" altLang="en-US" sz="1000">
-              <a:latin typeface="Cambria" panose="02040503050406030204" pitchFamily="18" charset="0"/>
-            </a:endParaRPr>
-          </a:p>
-        </p:txBody>
-      </p:sp>
-    </p:spTree>
-    <p:extLst>
-      <p:ext uri="{BB962C8B-B14F-4D97-AF65-F5344CB8AC3E}">
-        <p14:creationId xmlns:p14="http://schemas.microsoft.com/office/powerpoint/2010/main" val="3466246494"/>
+        <p14:creationId xmlns:p14="http://schemas.microsoft.com/office/powerpoint/2010/main" val="436737362"/>
       </p:ext>
     </p:extLst>
   </p:cSld>

--- a/report.pptx
+++ b/report.pptx
@@ -5,10 +5,13 @@
     <p:sldMasterId id="2147483684" r:id="rId1"/>
   </p:sldMasterIdLst>
   <p:notesMasterIdLst>
-    <p:notesMasterId r:id="rId3"/>
+    <p:notesMasterId r:id="rId6"/>
   </p:notesMasterIdLst>
   <p:sldIdLst>
-    <p:sldId id="313" r:id="rId2"/>
+    <p:sldId id="314" r:id="rId2"/>
+    <p:sldId id="318" r:id="rId3"/>
+    <p:sldId id="315" r:id="rId4"/>
+    <p:sldId id="317" r:id="rId5"/>
   </p:sldIdLst>
   <p:sldSz cx="9144000" cy="6858000" type="screen4x3"/>
   <p:notesSz cx="6858000" cy="9144000"/>
@@ -208,7 +211,7 @@
           <a:p>
             <a:fld id="{4009ACC2-15F4-9549-B7EC-0A2B034E938B}" type="datetimeFigureOut">
               <a:rPr kumimoji="1" lang="ja-JP" altLang="en-US" smtClean="0"/>
-              <a:t>2020/6/1</a:t>
+              <a:t>2020/6/8</a:t>
             </a:fld>
             <a:endParaRPr kumimoji="1" lang="ja-JP" altLang="en-US"/>
           </a:p>
@@ -565,14 +568,14 @@
           </a:ln>
           <a:extLst>
             <a:ext uri="{909E8E84-426E-40dd-AFC4-6F175D3DCCD1}">
-              <a14:hiddenFill xmlns="" xmlns:a14="http://schemas.microsoft.com/office/drawing/2010/main">
+              <a14:hiddenFill xmlns:a14="http://schemas.microsoft.com/office/drawing/2010/main" xmlns="">
                 <a:solidFill>
                   <a:srgbClr val="FFFFFF"/>
                 </a:solidFill>
               </a14:hiddenFill>
             </a:ext>
             <a:ext uri="{91240B29-F687-4f45-9708-019B960494DF}">
-              <a14:hiddenLine xmlns="" xmlns:a14="http://schemas.microsoft.com/office/drawing/2010/main" w="9525">
+              <a14:hiddenLine xmlns:a14="http://schemas.microsoft.com/office/drawing/2010/main" xmlns="" w="9525">
                 <a:solidFill>
                   <a:srgbClr val="000000"/>
                 </a:solidFill>
@@ -696,9 +699,9 @@
           <a:bodyPr/>
           <a:lstStyle/>
           <a:p>
-            <a:fld id="{E26EBCA1-5ECB-8E40-B3AE-716B5FED69E8}" type="datetime1">
+            <a:fld id="{4980F9A8-3FDE-FB40-A1B5-2BB638F7019C}" type="datetime1">
               <a:rPr kumimoji="1" lang="ja-JP" altLang="en-US" smtClean="0"/>
-              <a:t>2020/6/1</a:t>
+              <a:t>2020/6/9</a:t>
             </a:fld>
             <a:endParaRPr kumimoji="1" lang="ja-JP" altLang="en-US"/>
           </a:p>
@@ -902,9 +905,9 @@
           <a:bodyPr/>
           <a:lstStyle/>
           <a:p>
-            <a:fld id="{3273A65D-9C9B-4141-BA1F-9C97ABF2D1C1}" type="datetime1">
+            <a:fld id="{E26AC9C5-3541-1D4A-BF92-3F391C8897DC}" type="datetime1">
               <a:rPr kumimoji="1" lang="ja-JP" altLang="en-US" smtClean="0"/>
-              <a:t>2020/6/1</a:t>
+              <a:t>2020/6/9</a:t>
             </a:fld>
             <a:endParaRPr kumimoji="1" lang="ja-JP" altLang="en-US"/>
           </a:p>
@@ -1118,9 +1121,9 @@
           <a:bodyPr/>
           <a:lstStyle/>
           <a:p>
-            <a:fld id="{AE195D0D-1AE5-5841-AEFB-938B6DFFC756}" type="datetime1">
+            <a:fld id="{0E6A475F-8484-0144-B7D9-FA8543BAABA1}" type="datetime1">
               <a:rPr kumimoji="1" lang="ja-JP" altLang="en-US" smtClean="0"/>
-              <a:t>2020/6/1</a:t>
+              <a:t>2020/6/9</a:t>
             </a:fld>
             <a:endParaRPr kumimoji="1" lang="ja-JP" altLang="en-US"/>
           </a:p>
@@ -1243,14 +1246,14 @@
           </a:ln>
           <a:extLst>
             <a:ext uri="{909E8E84-426E-40dd-AFC4-6F175D3DCCD1}">
-              <a14:hiddenFill xmlns="" xmlns:a14="http://schemas.microsoft.com/office/drawing/2010/main">
+              <a14:hiddenFill xmlns:a14="http://schemas.microsoft.com/office/drawing/2010/main" xmlns="">
                 <a:solidFill>
                   <a:srgbClr val="FFFFFF"/>
                 </a:solidFill>
               </a14:hiddenFill>
             </a:ext>
             <a:ext uri="{91240B29-F687-4f45-9708-019B960494DF}">
-              <a14:hiddenLine xmlns="" xmlns:a14="http://schemas.microsoft.com/office/drawing/2010/main" w="9525">
+              <a14:hiddenLine xmlns:a14="http://schemas.microsoft.com/office/drawing/2010/main" xmlns="" w="9525">
                 <a:solidFill>
                   <a:srgbClr val="000000"/>
                 </a:solidFill>
@@ -1379,9 +1382,9 @@
           <a:bodyPr/>
           <a:lstStyle/>
           <a:p>
-            <a:fld id="{A4EA8704-293A-AD45-9F35-B5ABB8982384}" type="datetime1">
+            <a:fld id="{A8C27243-A68D-4E49-B907-FF91536835C8}" type="datetime1">
               <a:rPr kumimoji="1" lang="ja-JP" altLang="en-US" smtClean="0"/>
-              <a:t>2020/6/1</a:t>
+              <a:t>2020/6/9</a:t>
             </a:fld>
             <a:endParaRPr kumimoji="1" lang="ja-JP" altLang="en-US"/>
           </a:p>
@@ -1718,9 +1721,9 @@
           <a:bodyPr/>
           <a:lstStyle/>
           <a:p>
-            <a:fld id="{27739121-F866-EC43-8EC2-93E8DF1C20D1}" type="datetime1">
+            <a:fld id="{46A46089-04C7-964D-B2D1-589E4F69156C}" type="datetime1">
               <a:rPr kumimoji="1" lang="ja-JP" altLang="en-US" smtClean="0"/>
-              <a:t>2020/6/1</a:t>
+              <a:t>2020/6/9</a:t>
             </a:fld>
             <a:endParaRPr kumimoji="1" lang="ja-JP" altLang="en-US"/>
           </a:p>
@@ -2018,9 +2021,9 @@
           <a:bodyPr/>
           <a:lstStyle/>
           <a:p>
-            <a:fld id="{9F3A4C24-3B35-5E4C-BE9C-A8135DC8CA72}" type="datetime1">
+            <a:fld id="{9C996D03-6B71-3E4E-BEFC-3B99745A96BF}" type="datetime1">
               <a:rPr kumimoji="1" lang="ja-JP" altLang="en-US" smtClean="0"/>
-              <a:t>2020/6/1</a:t>
+              <a:t>2020/6/9</a:t>
             </a:fld>
             <a:endParaRPr kumimoji="1" lang="ja-JP" altLang="en-US"/>
           </a:p>
@@ -2453,9 +2456,9 @@
           <a:bodyPr/>
           <a:lstStyle/>
           <a:p>
-            <a:fld id="{A74684BC-A81C-754D-A391-49A92F618892}" type="datetime1">
+            <a:fld id="{DF4634F8-3BAB-9E49-B651-BE6DD68386B5}" type="datetime1">
               <a:rPr kumimoji="1" lang="ja-JP" altLang="en-US" smtClean="0"/>
-              <a:t>2020/6/1</a:t>
+              <a:t>2020/6/9</a:t>
             </a:fld>
             <a:endParaRPr kumimoji="1" lang="ja-JP" altLang="en-US"/>
           </a:p>
@@ -2575,9 +2578,9 @@
           <a:bodyPr/>
           <a:lstStyle/>
           <a:p>
-            <a:fld id="{54B7F899-00DC-124E-821F-605077C78556}" type="datetime1">
+            <a:fld id="{E42102BB-9088-BE4C-83BB-F79C3E29F6DD}" type="datetime1">
               <a:rPr kumimoji="1" lang="ja-JP" altLang="en-US" smtClean="0"/>
-              <a:t>2020/6/1</a:t>
+              <a:t>2020/6/9</a:t>
             </a:fld>
             <a:endParaRPr kumimoji="1" lang="ja-JP" altLang="en-US"/>
           </a:p>
@@ -2674,9 +2677,9 @@
           <a:bodyPr/>
           <a:lstStyle/>
           <a:p>
-            <a:fld id="{3D2A4B98-CDFE-7749-B2E2-1980E33736F2}" type="datetime1">
+            <a:fld id="{B42F49FD-E654-4843-A7D3-AD53FE119514}" type="datetime1">
               <a:rPr kumimoji="1" lang="ja-JP" altLang="en-US" smtClean="0"/>
-              <a:t>2020/6/1</a:t>
+              <a:t>2020/6/9</a:t>
             </a:fld>
             <a:endParaRPr kumimoji="1" lang="ja-JP" altLang="en-US"/>
           </a:p>
@@ -2987,9 +2990,9 @@
           <a:bodyPr/>
           <a:lstStyle/>
           <a:p>
-            <a:fld id="{946A77EC-F9D2-CA4C-A755-29607B8A96A9}" type="datetime1">
+            <a:fld id="{20D24AB1-1DB9-8049-BECA-4C95F2DD38E4}" type="datetime1">
               <a:rPr kumimoji="1" lang="ja-JP" altLang="en-US" smtClean="0"/>
-              <a:t>2020/6/1</a:t>
+              <a:t>2020/6/9</a:t>
             </a:fld>
             <a:endParaRPr kumimoji="1" lang="ja-JP" altLang="en-US"/>
           </a:p>
@@ -3248,9 +3251,9 @@
           <a:bodyPr/>
           <a:lstStyle/>
           <a:p>
-            <a:fld id="{A9C78329-7CD2-764E-8339-9AB5CDAF3C56}" type="datetime1">
+            <a:fld id="{FE7472FC-DDB4-A947-A427-28045F69B2C7}" type="datetime1">
               <a:rPr kumimoji="1" lang="ja-JP" altLang="en-US" smtClean="0"/>
-              <a:t>2020/6/1</a:t>
+              <a:t>2020/6/9</a:t>
             </a:fld>
             <a:endParaRPr kumimoji="1" lang="ja-JP" altLang="en-US"/>
           </a:p>
@@ -3502,9 +3505,9 @@
             </a:lvl1pPr>
           </a:lstStyle>
           <a:p>
-            <a:fld id="{3E76350B-F897-D045-94FF-66AB3D167B12}" type="datetime1">
+            <a:fld id="{09BC6D3B-9DE1-824B-AEEE-96E8AEF01640}" type="datetime1">
               <a:rPr kumimoji="1" lang="ja-JP" altLang="en-US" smtClean="0"/>
-              <a:t>2020/6/1</a:t>
+              <a:t>2020/6/9</a:t>
             </a:fld>
             <a:endParaRPr kumimoji="1" lang="ja-JP" altLang="en-US"/>
           </a:p>
@@ -3933,10 +3936,102 @@
       </p:grpSpPr>
       <p:sp>
         <p:nvSpPr>
+          <p:cNvPr id="2" name="コンテンツ プレースホルダー 1">
+            <a:extLst>
+              <a:ext uri="{FF2B5EF4-FFF2-40B4-BE49-F238E27FC236}">
+                <a16:creationId xmlns:a16="http://schemas.microsoft.com/office/drawing/2014/main" id="{6A096AED-9D82-ED48-B86A-59A01A65E3F9}"/>
+              </a:ext>
+            </a:extLst>
+          </p:cNvPr>
+          <p:cNvSpPr>
+            <a:spLocks noGrp="1"/>
+          </p:cNvSpPr>
+          <p:nvPr>
+            <p:ph idx="1"/>
+          </p:nvPr>
+        </p:nvSpPr>
+        <p:spPr/>
+        <p:txBody>
+          <a:bodyPr/>
+          <a:lstStyle/>
+          <a:p>
+            <a:r>
+              <a:rPr lang="en-US" altLang="ja-JP" dirty="0"/>
+              <a:t>Read papers</a:t>
+            </a:r>
+          </a:p>
+          <a:p>
+            <a:pPr lvl="1"/>
+            <a:r>
+              <a:rPr lang="en-US" altLang="ja-JP" dirty="0"/>
+              <a:t>[1]: T. Yu, G. Thomas, L. Yu, S. </a:t>
+            </a:r>
+            <a:r>
+              <a:rPr lang="en-US" altLang="ja-JP" dirty="0" err="1"/>
+              <a:t>Ermon</a:t>
+            </a:r>
+            <a:r>
+              <a:rPr lang="en-US" altLang="ja-JP" dirty="0"/>
+              <a:t>, J. Zou, S. Levine, C. Finn and T. Ma. “MOPO: Model-based Offline Policy Optimization.” </a:t>
+            </a:r>
+            <a:r>
+              <a:rPr lang="en" altLang="ja-JP" i="1" dirty="0" err="1"/>
+              <a:t>arXiv</a:t>
+            </a:r>
+            <a:r>
+              <a:rPr lang="en" altLang="ja-JP" i="1" dirty="0"/>
+              <a:t> preprint </a:t>
+            </a:r>
+            <a:r>
+              <a:rPr lang="en" altLang="ja-JP" i="1" dirty="0" err="1"/>
+              <a:t>arXiv</a:t>
+            </a:r>
+            <a:r>
+              <a:rPr lang="en" altLang="ja-JP" i="1" dirty="0"/>
+              <a:t>: 2005.13239, </a:t>
+            </a:r>
+            <a:r>
+              <a:rPr lang="en" altLang="ja-JP" dirty="0"/>
+              <a:t>2020.</a:t>
+            </a:r>
+          </a:p>
+          <a:p>
+            <a:pPr lvl="1"/>
+            <a:r>
+              <a:rPr lang="en" altLang="ja-JP" dirty="0"/>
+              <a:t>[2]: M. Janner, J. Fu, M. Zhang and S. Levine. “When to Trust Your Model: Model-Based Policy Optimization.”  </a:t>
+            </a:r>
+            <a:r>
+              <a:rPr lang="en" altLang="ja-JP" i="1" dirty="0"/>
+              <a:t>In Advances in Neural Information Processing Systems</a:t>
+            </a:r>
+            <a:r>
+              <a:rPr lang="en" altLang="ja-JP" dirty="0"/>
+              <a:t>, pp. 12498-12509, 2019. (in progress)</a:t>
+            </a:r>
+          </a:p>
+          <a:p>
+            <a:pPr lvl="1"/>
+            <a:endParaRPr lang="en" altLang="ja-JP" dirty="0"/>
+          </a:p>
+          <a:p>
+            <a:r>
+              <a:rPr lang="en" altLang="ja-JP" dirty="0"/>
+              <a:t>MOPO[1] is an application of MBPO[2] to offline RL</a:t>
+            </a:r>
+          </a:p>
+          <a:p>
+            <a:pPr lvl="1"/>
+            <a:endParaRPr kumimoji="1" lang="ja-JP" altLang="en-US"/>
+          </a:p>
+        </p:txBody>
+      </p:sp>
+      <p:sp>
+        <p:nvSpPr>
           <p:cNvPr id="3" name="日付プレースホルダー 2">
             <a:extLst>
               <a:ext uri="{FF2B5EF4-FFF2-40B4-BE49-F238E27FC236}">
-                <a16:creationId xmlns:a16="http://schemas.microsoft.com/office/drawing/2014/main" id="{4F776E32-7ABA-B847-A04E-06F03D5B85F0}"/>
+                <a16:creationId xmlns:a16="http://schemas.microsoft.com/office/drawing/2014/main" id="{2B30685C-E128-7A41-B34A-EAA764F32309}"/>
               </a:ext>
             </a:extLst>
           </p:cNvPr>
@@ -3952,9 +4047,9 @@
           <a:bodyPr/>
           <a:lstStyle/>
           <a:p>
-            <a:fld id="{A4EA8704-293A-AD45-9F35-B5ABB8982384}" type="datetime1">
+            <a:fld id="{A5C355EF-0999-4A42-8486-74C4388ED70C}" type="datetime1">
               <a:rPr kumimoji="1" lang="ja-JP" altLang="en-US" smtClean="0"/>
-              <a:t>2020/6/2</a:t>
+              <a:t>2020/6/9</a:t>
             </a:fld>
             <a:endParaRPr kumimoji="1" lang="ja-JP" altLang="en-US"/>
           </a:p>
@@ -3965,7 +4060,7 @@
           <p:cNvPr id="4" name="フッター プレースホルダー 3">
             <a:extLst>
               <a:ext uri="{FF2B5EF4-FFF2-40B4-BE49-F238E27FC236}">
-                <a16:creationId xmlns:a16="http://schemas.microsoft.com/office/drawing/2014/main" id="{D90BEAC7-9D94-BD45-8D99-F8A005145CD1}"/>
+                <a16:creationId xmlns:a16="http://schemas.microsoft.com/office/drawing/2014/main" id="{EAD29BEF-9616-8842-9842-8E8298779DAB}"/>
               </a:ext>
             </a:extLst>
           </p:cNvPr>
@@ -3991,10 +4086,69 @@
       </p:sp>
       <p:sp>
         <p:nvSpPr>
-          <p:cNvPr id="8" name="コンテンツ プレースホルダー 1">
+          <p:cNvPr id="5" name="タイトル 4">
             <a:extLst>
               <a:ext uri="{FF2B5EF4-FFF2-40B4-BE49-F238E27FC236}">
-                <a16:creationId xmlns:a16="http://schemas.microsoft.com/office/drawing/2014/main" id="{F0F0ECB6-9AB9-304D-90A2-177360B95CE6}"/>
+                <a16:creationId xmlns:a16="http://schemas.microsoft.com/office/drawing/2014/main" id="{05FDED1E-2360-1A46-8DE8-E15AB8B5A292}"/>
+              </a:ext>
+            </a:extLst>
+          </p:cNvPr>
+          <p:cNvSpPr>
+            <a:spLocks noGrp="1"/>
+          </p:cNvSpPr>
+          <p:nvPr>
+            <p:ph type="title"/>
+          </p:nvPr>
+        </p:nvSpPr>
+        <p:spPr/>
+        <p:txBody>
+          <a:bodyPr/>
+          <a:lstStyle/>
+          <a:p>
+            <a:r>
+              <a:rPr lang="en-US" altLang="ja-JP" dirty="0"/>
+              <a:t>Weekly Report</a:t>
+            </a:r>
+            <a:endParaRPr kumimoji="1" lang="ja-JP" altLang="en-US"/>
+          </a:p>
+        </p:txBody>
+      </p:sp>
+    </p:spTree>
+    <p:extLst>
+      <p:ext uri="{BB962C8B-B14F-4D97-AF65-F5344CB8AC3E}">
+        <p14:creationId xmlns:p14="http://schemas.microsoft.com/office/powerpoint/2010/main" val="675746479"/>
+      </p:ext>
+    </p:extLst>
+  </p:cSld>
+  <p:clrMapOvr>
+    <a:masterClrMapping/>
+  </p:clrMapOvr>
+</p:sld>
+</file>
+
+<file path=ppt/slides/slide2.xml><?xml version="1.0" encoding="utf-8"?>
+<p:sld xmlns:a="http://schemas.openxmlformats.org/drawingml/2006/main" xmlns:r="http://schemas.openxmlformats.org/officeDocument/2006/relationships" xmlns:p="http://schemas.openxmlformats.org/presentationml/2006/main">
+  <p:cSld>
+    <p:spTree>
+      <p:nvGrpSpPr>
+        <p:cNvPr id="1" name=""/>
+        <p:cNvGrpSpPr/>
+        <p:nvPr/>
+      </p:nvGrpSpPr>
+      <p:grpSpPr>
+        <a:xfrm>
+          <a:off x="0" y="0"/>
+          <a:ext cx="0" cy="0"/>
+          <a:chOff x="0" y="0"/>
+          <a:chExt cx="0" cy="0"/>
+        </a:xfrm>
+      </p:grpSpPr>
+      <p:sp>
+        <p:nvSpPr>
+          <p:cNvPr id="2" name="コンテンツ プレースホルダー 1">
+            <a:extLst>
+              <a:ext uri="{FF2B5EF4-FFF2-40B4-BE49-F238E27FC236}">
+                <a16:creationId xmlns:a16="http://schemas.microsoft.com/office/drawing/2014/main" id="{AD3A63C3-B0DD-E741-9129-CDC4A9133A78}"/>
               </a:ext>
             </a:extLst>
           </p:cNvPr>
@@ -4005,85 +4159,215 @@
             <p:ph idx="1"/>
           </p:nvPr>
         </p:nvSpPr>
-        <p:spPr>
-          <a:xfrm>
-            <a:off x="335572" y="1103023"/>
-            <a:ext cx="8480182" cy="5006090"/>
-          </a:xfrm>
-        </p:spPr>
+        <p:spPr/>
         <p:txBody>
           <a:bodyPr/>
           <a:lstStyle/>
           <a:p>
             <a:r>
-              <a:rPr kumimoji="1" lang="en-US" altLang="ja-JP" dirty="0"/>
-              <a:t>Planning study theme</a:t>
+              <a:rPr lang="en-US" altLang="ja-JP" dirty="0"/>
+              <a:t>MOPO[1] is </a:t>
+            </a:r>
+            <a:r>
+              <a:rPr lang="en-US" altLang="ja-JP" dirty="0">
+                <a:solidFill>
+                  <a:srgbClr val="FF0000"/>
+                </a:solidFill>
+              </a:rPr>
+              <a:t>(a)model-based </a:t>
+            </a:r>
+            <a:r>
+              <a:rPr lang="en-US" altLang="ja-JP" dirty="0">
+                <a:solidFill>
+                  <a:schemeClr val="accent1"/>
+                </a:solidFill>
+              </a:rPr>
+              <a:t>(b)offline </a:t>
+            </a:r>
+            <a:r>
+              <a:rPr lang="en-US" altLang="ja-JP" dirty="0"/>
+              <a:t>RL</a:t>
+            </a:r>
+          </a:p>
+          <a:p>
+            <a:endParaRPr lang="en-US" altLang="ja-JP" dirty="0"/>
+          </a:p>
+          <a:p>
+            <a:r>
+              <a:rPr lang="en-US" altLang="ja-JP" dirty="0">
+                <a:solidFill>
+                  <a:srgbClr val="FF0000"/>
+                </a:solidFill>
+              </a:rPr>
+              <a:t>(a) </a:t>
+            </a:r>
+            <a:r>
+              <a:rPr lang="en-US" altLang="ja-JP" dirty="0"/>
+              <a:t>model-based approach </a:t>
             </a:r>
           </a:p>
           <a:p>
             <a:pPr lvl="1"/>
             <a:r>
               <a:rPr lang="en-US" altLang="ja-JP" dirty="0"/>
-              <a:t>Want to make use of domain knowledge to emphasize RL</a:t>
-            </a:r>
-            <a:endParaRPr kumimoji="1" lang="en-US" altLang="ja-JP" dirty="0"/>
-          </a:p>
-          <a:p>
+              <a:t>has better efficiency of data sampling</a:t>
+            </a:r>
+          </a:p>
+          <a:p>
+            <a:pPr lvl="1"/>
+            <a:r>
+              <a:rPr lang="en-US" altLang="ja-JP" dirty="0"/>
+              <a:t>has (not small) issue of evaluation error </a:t>
+            </a:r>
+            <a:r>
+              <a:rPr lang="ja-JP" altLang="en-US"/>
+              <a:t>←</a:t>
+            </a:r>
+            <a:r>
+              <a:rPr lang="en-US" altLang="ja-JP" dirty="0"/>
+              <a:t> MBPO[2]</a:t>
+            </a:r>
+          </a:p>
+          <a:p>
+            <a:pPr lvl="1"/>
             <a:endParaRPr lang="en-US" altLang="ja-JP" dirty="0"/>
           </a:p>
           <a:p>
             <a:r>
-              <a:rPr kumimoji="1" lang="en-US" altLang="ja-JP" dirty="0"/>
-              <a:t>Reading a paper</a:t>
+              <a:rPr lang="en-US" altLang="ja-JP" dirty="0">
+                <a:solidFill>
+                  <a:schemeClr val="accent1"/>
+                </a:solidFill>
+              </a:rPr>
+              <a:t>(b) </a:t>
+            </a:r>
+            <a:r>
+              <a:rPr lang="en-US" altLang="ja-JP" dirty="0"/>
+              <a:t>offline approach</a:t>
             </a:r>
           </a:p>
           <a:p>
             <a:pPr lvl="1"/>
             <a:r>
               <a:rPr lang="en-US" altLang="ja-JP" dirty="0"/>
-              <a:t>T. Yu, G. Thomas, L. Yu, S. </a:t>
-            </a:r>
-            <a:r>
-              <a:rPr lang="en-US" altLang="ja-JP" dirty="0" err="1"/>
-              <a:t>Ermon</a:t>
+              <a:t>avoid interaction between environment (possibly </a:t>
+            </a:r>
+            <a:r>
+              <a:rPr lang="en-US" altLang="ja-JP" dirty="0">
+                <a:solidFill>
+                  <a:srgbClr val="FF0000"/>
+                </a:solidFill>
+              </a:rPr>
+              <a:t>dangerous</a:t>
             </a:r>
             <a:r>
               <a:rPr lang="en-US" altLang="ja-JP" dirty="0"/>
-              <a:t>, J. Zou, S. Levine, C. Finn and T. Ma. “MOPO: Model-based Offline Policy Optimization” </a:t>
-            </a:r>
-            <a:r>
-              <a:rPr lang="en" altLang="ja-JP" i="1" dirty="0" err="1"/>
-              <a:t>arXiv</a:t>
-            </a:r>
-            <a:r>
-              <a:rPr lang="en" altLang="ja-JP" i="1" dirty="0"/>
-              <a:t> preprint </a:t>
-            </a:r>
-            <a:r>
-              <a:rPr lang="en" altLang="ja-JP" i="1" dirty="0" err="1"/>
-              <a:t>arXiv</a:t>
-            </a:r>
-            <a:r>
-              <a:rPr lang="en" altLang="ja-JP" i="1" dirty="0"/>
-              <a:t>: 2005.13239, </a:t>
-            </a:r>
-            <a:r>
-              <a:rPr lang="en" altLang="ja-JP" dirty="0"/>
-              <a:t>2020.</a:t>
+              <a:t>)</a:t>
             </a:r>
           </a:p>
           <a:p>
             <a:pPr lvl="1"/>
-            <a:endParaRPr kumimoji="1" lang="ja-JP" altLang="en-US"/>
+            <a:r>
+              <a:rPr lang="en-US" altLang="ja-JP" dirty="0"/>
+              <a:t>does not have method to avoid the </a:t>
+            </a:r>
+            <a:r>
+              <a:rPr lang="en-US" altLang="ja-JP" dirty="0">
+                <a:solidFill>
+                  <a:srgbClr val="FF0000"/>
+                </a:solidFill>
+              </a:rPr>
+              <a:t>distributional shift </a:t>
+            </a:r>
+            <a:r>
+              <a:rPr lang="ja-JP" altLang="en-US"/>
+              <a:t>←</a:t>
+            </a:r>
+            <a:r>
+              <a:rPr lang="en-US" altLang="ja-JP" dirty="0"/>
+              <a:t> MOPO[1]</a:t>
+            </a:r>
+          </a:p>
+          <a:p>
+            <a:pPr lvl="1"/>
+            <a:endParaRPr lang="en-US" altLang="ja-JP" dirty="0"/>
+          </a:p>
+          <a:p>
+            <a:r>
+              <a:rPr lang="en-US" altLang="ja-JP" dirty="0"/>
+              <a:t>It is known that model-based RL is superior to model-free RL in offline fashion.</a:t>
+            </a:r>
+          </a:p>
+          <a:p>
+            <a:pPr lvl="1"/>
+            <a:endParaRPr lang="en-US" altLang="ja-JP" dirty="0"/>
           </a:p>
         </p:txBody>
       </p:sp>
       <p:sp>
         <p:nvSpPr>
-          <p:cNvPr id="9" name="タイトル 4">
+          <p:cNvPr id="3" name="日付プレースホルダー 2">
             <a:extLst>
               <a:ext uri="{FF2B5EF4-FFF2-40B4-BE49-F238E27FC236}">
-                <a16:creationId xmlns:a16="http://schemas.microsoft.com/office/drawing/2014/main" id="{9E6964F0-B37E-6E41-AFBD-62922D5DC2FF}"/>
+                <a16:creationId xmlns:a16="http://schemas.microsoft.com/office/drawing/2014/main" id="{80D1BDD1-8A7B-1940-AF3C-7864D3E4BB6E}"/>
+              </a:ext>
+            </a:extLst>
+          </p:cNvPr>
+          <p:cNvSpPr>
+            <a:spLocks noGrp="1"/>
+          </p:cNvSpPr>
+          <p:nvPr>
+            <p:ph type="dt" sz="half" idx="10"/>
+          </p:nvPr>
+        </p:nvSpPr>
+        <p:spPr/>
+        <p:txBody>
+          <a:bodyPr/>
+          <a:lstStyle/>
+          <a:p>
+            <a:fld id="{134083F2-7D93-0648-B1A6-0CA0A7D199EE}" type="datetime1">
+              <a:rPr kumimoji="1" lang="ja-JP" altLang="en-US" smtClean="0"/>
+              <a:t>2020/6/9</a:t>
+            </a:fld>
+            <a:endParaRPr kumimoji="1" lang="ja-JP" altLang="en-US"/>
+          </a:p>
+        </p:txBody>
+      </p:sp>
+      <p:sp>
+        <p:nvSpPr>
+          <p:cNvPr id="4" name="フッター プレースホルダー 3">
+            <a:extLst>
+              <a:ext uri="{FF2B5EF4-FFF2-40B4-BE49-F238E27FC236}">
+                <a16:creationId xmlns:a16="http://schemas.microsoft.com/office/drawing/2014/main" id="{A506FF19-682B-8F44-874A-4C572FE6F430}"/>
+              </a:ext>
+            </a:extLst>
+          </p:cNvPr>
+          <p:cNvSpPr>
+            <a:spLocks noGrp="1"/>
+          </p:cNvSpPr>
+          <p:nvPr>
+            <p:ph type="ftr" sz="quarter" idx="11"/>
+          </p:nvPr>
+        </p:nvSpPr>
+        <p:spPr/>
+        <p:txBody>
+          <a:bodyPr/>
+          <a:lstStyle/>
+          <a:p>
+            <a:r>
+              <a:rPr kumimoji="1" lang="en-US" altLang="ja-JP"/>
+              <a:t>Control System Theory Group</a:t>
+            </a:r>
+            <a:endParaRPr kumimoji="1" lang="ja-JP" altLang="en-US"/>
+          </a:p>
+        </p:txBody>
+      </p:sp>
+      <p:sp>
+        <p:nvSpPr>
+          <p:cNvPr id="5" name="タイトル 4">
+            <a:extLst>
+              <a:ext uri="{FF2B5EF4-FFF2-40B4-BE49-F238E27FC236}">
+                <a16:creationId xmlns:a16="http://schemas.microsoft.com/office/drawing/2014/main" id="{3EF99151-BF7D-8D46-A63F-09A6E2E1EB17}"/>
               </a:ext>
             </a:extLst>
           </p:cNvPr>
@@ -4094,12 +4378,7 @@
             <p:ph type="title"/>
           </p:nvPr>
         </p:nvSpPr>
-        <p:spPr>
-          <a:xfrm>
-            <a:off x="335572" y="271342"/>
-            <a:ext cx="8480182" cy="584443"/>
-          </a:xfrm>
-        </p:spPr>
+        <p:spPr/>
         <p:txBody>
           <a:bodyPr/>
           <a:lstStyle/>
@@ -4115,7 +4394,3588 @@
     </p:spTree>
     <p:extLst>
       <p:ext uri="{BB962C8B-B14F-4D97-AF65-F5344CB8AC3E}">
-        <p14:creationId xmlns:p14="http://schemas.microsoft.com/office/powerpoint/2010/main" val="436737362"/>
+        <p14:creationId xmlns:p14="http://schemas.microsoft.com/office/powerpoint/2010/main" val="757376455"/>
+      </p:ext>
+    </p:extLst>
+  </p:cSld>
+  <p:clrMapOvr>
+    <a:masterClrMapping/>
+  </p:clrMapOvr>
+</p:sld>
+</file>
+
+<file path=ppt/slides/slide3.xml><?xml version="1.0" encoding="utf-8"?>
+<p:sld xmlns:a="http://schemas.openxmlformats.org/drawingml/2006/main" xmlns:r="http://schemas.openxmlformats.org/officeDocument/2006/relationships" xmlns:p="http://schemas.openxmlformats.org/presentationml/2006/main">
+  <p:cSld>
+    <p:spTree>
+      <p:nvGrpSpPr>
+        <p:cNvPr id="1" name=""/>
+        <p:cNvGrpSpPr/>
+        <p:nvPr/>
+      </p:nvGrpSpPr>
+      <p:grpSpPr>
+        <a:xfrm>
+          <a:off x="0" y="0"/>
+          <a:ext cx="0" cy="0"/>
+          <a:chOff x="0" y="0"/>
+          <a:chExt cx="0" cy="0"/>
+        </a:xfrm>
+      </p:grpSpPr>
+      <mc:AlternateContent xmlns:mc="http://schemas.openxmlformats.org/markup-compatibility/2006" xmlns:a14="http://schemas.microsoft.com/office/drawing/2010/main">
+        <mc:Choice Requires="a14">
+          <p:sp>
+            <p:nvSpPr>
+              <p:cNvPr id="2" name="コンテンツ プレースホルダー 1">
+                <a:extLst>
+                  <a:ext uri="{FF2B5EF4-FFF2-40B4-BE49-F238E27FC236}">
+                    <a16:creationId xmlns:a16="http://schemas.microsoft.com/office/drawing/2014/main" id="{C7D5A4A2-BB4C-4C42-A8FE-BBB13BCB22B5}"/>
+                  </a:ext>
+                </a:extLst>
+              </p:cNvPr>
+              <p:cNvSpPr>
+                <a:spLocks noGrp="1"/>
+              </p:cNvSpPr>
+              <p:nvPr>
+                <p:ph idx="1"/>
+              </p:nvPr>
+            </p:nvSpPr>
+            <p:spPr>
+              <a:xfrm>
+                <a:off x="335572" y="1103022"/>
+                <a:ext cx="8480182" cy="5483635"/>
+              </a:xfrm>
+            </p:spPr>
+            <p:txBody>
+              <a:bodyPr>
+                <a:normAutofit/>
+              </a:bodyPr>
+              <a:lstStyle/>
+              <a:p>
+                <a:r>
+                  <a:rPr kumimoji="1" lang="en-US" altLang="ja-JP" dirty="0"/>
+                  <a:t>In [1]</a:t>
+                </a:r>
+              </a:p>
+              <a:p>
+                <a:pPr lvl="1"/>
+                <a:r>
+                  <a:rPr lang="en-US" altLang="ja-JP" dirty="0"/>
+                  <a:t>MDP </a:t>
+                </a:r>
+                <a14:m>
+                  <m:oMath xmlns:m="http://schemas.openxmlformats.org/officeDocument/2006/math">
+                    <m:r>
+                      <a:rPr lang="en-US" altLang="ja-JP" b="0" i="1" smtClean="0">
+                        <a:latin typeface="Cambria Math" panose="02040503050406030204" pitchFamily="18" charset="0"/>
+                      </a:rPr>
+                      <m:t>𝑀</m:t>
+                    </m:r>
+                    <m:r>
+                      <a:rPr lang="en-US" altLang="ja-JP" b="0" i="1" smtClean="0">
+                        <a:latin typeface="Cambria Math" panose="02040503050406030204" pitchFamily="18" charset="0"/>
+                      </a:rPr>
+                      <m:t>=</m:t>
+                    </m:r>
+                    <m:d>
+                      <m:dPr>
+                        <m:ctrlPr>
+                          <a:rPr lang="en-US" altLang="ja-JP" b="0" i="1" smtClean="0">
+                            <a:latin typeface="Cambria Math" panose="02040503050406030204" pitchFamily="18" charset="0"/>
+                          </a:rPr>
+                        </m:ctrlPr>
+                      </m:dPr>
+                      <m:e>
+                        <m:r>
+                          <a:rPr lang="en-US" altLang="ja-JP" b="0" i="1" smtClean="0">
+                            <a:latin typeface="Cambria Math" panose="02040503050406030204" pitchFamily="18" charset="0"/>
+                          </a:rPr>
+                          <m:t>𝑆</m:t>
+                        </m:r>
+                        <m:r>
+                          <a:rPr lang="en-US" altLang="ja-JP" b="0" i="1" smtClean="0">
+                            <a:latin typeface="Cambria Math" panose="02040503050406030204" pitchFamily="18" charset="0"/>
+                          </a:rPr>
+                          <m:t>,</m:t>
+                        </m:r>
+                        <m:r>
+                          <a:rPr lang="en-US" altLang="ja-JP" b="0" i="1" smtClean="0">
+                            <a:latin typeface="Cambria Math" panose="02040503050406030204" pitchFamily="18" charset="0"/>
+                          </a:rPr>
+                          <m:t>𝐴</m:t>
+                        </m:r>
+                        <m:r>
+                          <a:rPr lang="en-US" altLang="ja-JP" b="0" i="1" smtClean="0">
+                            <a:latin typeface="Cambria Math" panose="02040503050406030204" pitchFamily="18" charset="0"/>
+                          </a:rPr>
+                          <m:t>,</m:t>
+                        </m:r>
+                        <m:r>
+                          <a:rPr lang="en-US" altLang="ja-JP" b="0" i="1" smtClean="0">
+                            <a:latin typeface="Cambria Math" panose="02040503050406030204" pitchFamily="18" charset="0"/>
+                          </a:rPr>
+                          <m:t>𝑇</m:t>
+                        </m:r>
+                        <m:r>
+                          <a:rPr lang="en-US" altLang="ja-JP" b="0" i="1" smtClean="0">
+                            <a:latin typeface="Cambria Math" panose="02040503050406030204" pitchFamily="18" charset="0"/>
+                          </a:rPr>
+                          <m:t>,</m:t>
+                        </m:r>
+                        <m:r>
+                          <a:rPr lang="en-US" altLang="ja-JP" b="0" i="1" smtClean="0">
+                            <a:latin typeface="Cambria Math" panose="02040503050406030204" pitchFamily="18" charset="0"/>
+                          </a:rPr>
+                          <m:t>𝑟</m:t>
+                        </m:r>
+                        <m:r>
+                          <a:rPr lang="en-US" altLang="ja-JP" b="0" i="1" smtClean="0">
+                            <a:latin typeface="Cambria Math" panose="02040503050406030204" pitchFamily="18" charset="0"/>
+                          </a:rPr>
+                          <m:t>,</m:t>
+                        </m:r>
+                        <m:sSub>
+                          <m:sSubPr>
+                            <m:ctrlPr>
+                              <a:rPr lang="en-US" altLang="ja-JP" b="0" i="1" smtClean="0">
+                                <a:latin typeface="Cambria Math" panose="02040503050406030204" pitchFamily="18" charset="0"/>
+                              </a:rPr>
+                            </m:ctrlPr>
+                          </m:sSubPr>
+                          <m:e>
+                            <m:r>
+                              <a:rPr lang="en-US" altLang="ja-JP" b="0" i="1" smtClean="0">
+                                <a:latin typeface="Cambria Math" panose="02040503050406030204" pitchFamily="18" charset="0"/>
+                                <a:ea typeface="Cambria Math" panose="02040503050406030204" pitchFamily="18" charset="0"/>
+                              </a:rPr>
+                              <m:t>𝜇</m:t>
+                            </m:r>
+                          </m:e>
+                          <m:sub>
+                            <m:r>
+                              <a:rPr lang="en-US" altLang="ja-JP" b="0" i="1" smtClean="0">
+                                <a:latin typeface="Cambria Math" panose="02040503050406030204" pitchFamily="18" charset="0"/>
+                              </a:rPr>
+                              <m:t>0</m:t>
+                            </m:r>
+                          </m:sub>
+                        </m:sSub>
+                        <m:r>
+                          <a:rPr lang="en-US" altLang="ja-JP" b="0" i="1" smtClean="0">
+                            <a:latin typeface="Cambria Math" panose="02040503050406030204" pitchFamily="18" charset="0"/>
+                          </a:rPr>
+                          <m:t>,</m:t>
+                        </m:r>
+                        <m:r>
+                          <a:rPr lang="en-US" altLang="ja-JP" b="0" i="1" smtClean="0">
+                            <a:latin typeface="Cambria Math" panose="02040503050406030204" pitchFamily="18" charset="0"/>
+                            <a:ea typeface="Cambria Math" panose="02040503050406030204" pitchFamily="18" charset="0"/>
+                          </a:rPr>
+                          <m:t>𝛾</m:t>
+                        </m:r>
+                      </m:e>
+                    </m:d>
+                  </m:oMath>
+                </a14:m>
+                <a:endParaRPr lang="en-US" altLang="ja-JP" b="0" i="1" dirty="0">
+                  <a:latin typeface="Cambria Math" panose="02040503050406030204" pitchFamily="18" charset="0"/>
+                  <a:ea typeface="Cambria Math" panose="02040503050406030204" pitchFamily="18" charset="0"/>
+                </a:endParaRPr>
+              </a:p>
+              <a:p>
+                <a:pPr lvl="2"/>
+                <a14:m>
+                  <m:oMath xmlns:m="http://schemas.openxmlformats.org/officeDocument/2006/math">
+                    <m:r>
+                      <a:rPr lang="en-US" altLang="ja-JP" b="0" i="1" smtClean="0">
+                        <a:latin typeface="Cambria Math" panose="02040503050406030204" pitchFamily="18" charset="0"/>
+                      </a:rPr>
+                      <m:t>𝑇</m:t>
+                    </m:r>
+                    <m:d>
+                      <m:dPr>
+                        <m:endChr m:val="|"/>
+                        <m:ctrlPr>
+                          <a:rPr lang="en-US" altLang="ja-JP" b="0" i="1" smtClean="0">
+                            <a:latin typeface="Cambria Math" panose="02040503050406030204" pitchFamily="18" charset="0"/>
+                          </a:rPr>
+                        </m:ctrlPr>
+                      </m:dPr>
+                      <m:e>
+                        <m:sSup>
+                          <m:sSupPr>
+                            <m:ctrlPr>
+                              <a:rPr lang="en-US" altLang="ja-JP" b="0" i="1" smtClean="0">
+                                <a:latin typeface="Cambria Math" panose="02040503050406030204" pitchFamily="18" charset="0"/>
+                              </a:rPr>
+                            </m:ctrlPr>
+                          </m:sSupPr>
+                          <m:e>
+                            <m:r>
+                              <a:rPr lang="en-US" altLang="ja-JP" b="0" i="1" smtClean="0">
+                                <a:latin typeface="Cambria Math" panose="02040503050406030204" pitchFamily="18" charset="0"/>
+                              </a:rPr>
+                              <m:t>𝑠</m:t>
+                            </m:r>
+                          </m:e>
+                          <m:sup>
+                            <m:r>
+                              <a:rPr lang="en-US" altLang="ja-JP" b="0" i="1" smtClean="0">
+                                <a:latin typeface="Cambria Math" panose="02040503050406030204" pitchFamily="18" charset="0"/>
+                              </a:rPr>
+                              <m:t>′</m:t>
+                            </m:r>
+                          </m:sup>
+                        </m:sSup>
+                      </m:e>
+                    </m:d>
+                    <m:r>
+                      <a:rPr lang="en-US" altLang="ja-JP" b="0" i="1" smtClean="0">
+                        <a:latin typeface="Cambria Math" panose="02040503050406030204" pitchFamily="18" charset="0"/>
+                      </a:rPr>
+                      <m:t> </m:t>
+                    </m:r>
+                    <m:r>
+                      <a:rPr lang="en-US" altLang="ja-JP" b="0" i="1" smtClean="0">
+                        <a:latin typeface="Cambria Math" panose="02040503050406030204" pitchFamily="18" charset="0"/>
+                      </a:rPr>
+                      <m:t>𝑠</m:t>
+                    </m:r>
+                    <m:r>
+                      <a:rPr lang="en-US" altLang="ja-JP" b="0" i="1" smtClean="0">
+                        <a:latin typeface="Cambria Math" panose="02040503050406030204" pitchFamily="18" charset="0"/>
+                      </a:rPr>
+                      <m:t>,</m:t>
+                    </m:r>
+                    <m:r>
+                      <a:rPr lang="en-US" altLang="ja-JP" b="0" i="1" smtClean="0">
+                        <a:latin typeface="Cambria Math" panose="02040503050406030204" pitchFamily="18" charset="0"/>
+                      </a:rPr>
+                      <m:t>𝑎</m:t>
+                    </m:r>
+                    <m:r>
+                      <a:rPr lang="en-US" altLang="ja-JP" b="0" i="1" smtClean="0">
+                        <a:latin typeface="Cambria Math" panose="02040503050406030204" pitchFamily="18" charset="0"/>
+                      </a:rPr>
+                      <m:t>)</m:t>
+                    </m:r>
+                    <m:r>
+                      <a:rPr lang="en-US" altLang="ja-JP" b="0" i="0" smtClean="0">
+                        <a:latin typeface="Cambria Math" panose="02040503050406030204" pitchFamily="18" charset="0"/>
+                      </a:rPr>
+                      <m:t> </m:t>
+                    </m:r>
+                  </m:oMath>
+                </a14:m>
+                <a:r>
+                  <a:rPr kumimoji="1" lang="en-US" altLang="ja-JP" dirty="0"/>
+                  <a:t>is a transition probability distribution (True system)</a:t>
+                </a:r>
+              </a:p>
+              <a:p>
+                <a:pPr lvl="1"/>
+                <a:r>
+                  <a:rPr lang="en-US" altLang="ja-JP" dirty="0"/>
+                  <a:t>MDP </a:t>
+                </a:r>
+                <a14:m>
+                  <m:oMath xmlns:m="http://schemas.openxmlformats.org/officeDocument/2006/math">
+                    <m:acc>
+                      <m:accPr>
+                        <m:chr m:val="̂"/>
+                        <m:ctrlPr>
+                          <a:rPr lang="en-US" altLang="ja-JP" i="1" smtClean="0">
+                            <a:latin typeface="Cambria Math" panose="02040503050406030204" pitchFamily="18" charset="0"/>
+                          </a:rPr>
+                        </m:ctrlPr>
+                      </m:accPr>
+                      <m:e>
+                        <m:r>
+                          <a:rPr lang="en-US" altLang="ja-JP" b="0" i="1" smtClean="0">
+                            <a:latin typeface="Cambria Math" panose="02040503050406030204" pitchFamily="18" charset="0"/>
+                          </a:rPr>
+                          <m:t>𝑀</m:t>
+                        </m:r>
+                      </m:e>
+                    </m:acc>
+                    <m:r>
+                      <a:rPr lang="en-US" altLang="ja-JP" i="1">
+                        <a:latin typeface="Cambria Math" panose="02040503050406030204" pitchFamily="18" charset="0"/>
+                      </a:rPr>
+                      <m:t>=</m:t>
+                    </m:r>
+                    <m:d>
+                      <m:dPr>
+                        <m:ctrlPr>
+                          <a:rPr lang="en-US" altLang="ja-JP" i="1">
+                            <a:latin typeface="Cambria Math" panose="02040503050406030204" pitchFamily="18" charset="0"/>
+                          </a:rPr>
+                        </m:ctrlPr>
+                      </m:dPr>
+                      <m:e>
+                        <m:r>
+                          <a:rPr lang="en-US" altLang="ja-JP" i="1">
+                            <a:latin typeface="Cambria Math" panose="02040503050406030204" pitchFamily="18" charset="0"/>
+                          </a:rPr>
+                          <m:t>𝑆</m:t>
+                        </m:r>
+                        <m:r>
+                          <a:rPr lang="en-US" altLang="ja-JP" i="1">
+                            <a:latin typeface="Cambria Math" panose="02040503050406030204" pitchFamily="18" charset="0"/>
+                          </a:rPr>
+                          <m:t>,</m:t>
+                        </m:r>
+                        <m:r>
+                          <a:rPr lang="en-US" altLang="ja-JP" i="1">
+                            <a:latin typeface="Cambria Math" panose="02040503050406030204" pitchFamily="18" charset="0"/>
+                          </a:rPr>
+                          <m:t>𝐴</m:t>
+                        </m:r>
+                        <m:r>
+                          <a:rPr lang="en-US" altLang="ja-JP" i="1">
+                            <a:latin typeface="Cambria Math" panose="02040503050406030204" pitchFamily="18" charset="0"/>
+                          </a:rPr>
+                          <m:t>,</m:t>
+                        </m:r>
+                        <m:acc>
+                          <m:accPr>
+                            <m:chr m:val="̂"/>
+                            <m:ctrlPr>
+                              <a:rPr lang="en-US" altLang="ja-JP" i="1" smtClean="0">
+                                <a:solidFill>
+                                  <a:srgbClr val="FF0000"/>
+                                </a:solidFill>
+                                <a:latin typeface="Cambria Math" panose="02040503050406030204" pitchFamily="18" charset="0"/>
+                              </a:rPr>
+                            </m:ctrlPr>
+                          </m:accPr>
+                          <m:e>
+                            <m:r>
+                              <a:rPr lang="en-US" altLang="ja-JP" b="0" i="1" smtClean="0">
+                                <a:solidFill>
+                                  <a:srgbClr val="FF0000"/>
+                                </a:solidFill>
+                                <a:latin typeface="Cambria Math" panose="02040503050406030204" pitchFamily="18" charset="0"/>
+                              </a:rPr>
+                              <m:t>𝑇</m:t>
+                            </m:r>
+                          </m:e>
+                        </m:acc>
+                        <m:r>
+                          <a:rPr lang="en-US" altLang="ja-JP" i="1">
+                            <a:latin typeface="Cambria Math" panose="02040503050406030204" pitchFamily="18" charset="0"/>
+                          </a:rPr>
+                          <m:t>,</m:t>
+                        </m:r>
+                        <m:r>
+                          <a:rPr lang="en-US" altLang="ja-JP" i="1">
+                            <a:latin typeface="Cambria Math" panose="02040503050406030204" pitchFamily="18" charset="0"/>
+                          </a:rPr>
+                          <m:t>𝑟</m:t>
+                        </m:r>
+                        <m:r>
+                          <a:rPr lang="en-US" altLang="ja-JP" i="1">
+                            <a:latin typeface="Cambria Math" panose="02040503050406030204" pitchFamily="18" charset="0"/>
+                          </a:rPr>
+                          <m:t>,</m:t>
+                        </m:r>
+                        <m:sSub>
+                          <m:sSubPr>
+                            <m:ctrlPr>
+                              <a:rPr lang="en-US" altLang="ja-JP" i="1">
+                                <a:latin typeface="Cambria Math" panose="02040503050406030204" pitchFamily="18" charset="0"/>
+                              </a:rPr>
+                            </m:ctrlPr>
+                          </m:sSubPr>
+                          <m:e>
+                            <m:r>
+                              <a:rPr lang="en-US" altLang="ja-JP" i="1">
+                                <a:latin typeface="Cambria Math" panose="02040503050406030204" pitchFamily="18" charset="0"/>
+                                <a:ea typeface="Cambria Math" panose="02040503050406030204" pitchFamily="18" charset="0"/>
+                              </a:rPr>
+                              <m:t>𝜇</m:t>
+                            </m:r>
+                          </m:e>
+                          <m:sub>
+                            <m:r>
+                              <a:rPr lang="en-US" altLang="ja-JP" i="1">
+                                <a:latin typeface="Cambria Math" panose="02040503050406030204" pitchFamily="18" charset="0"/>
+                              </a:rPr>
+                              <m:t>0</m:t>
+                            </m:r>
+                          </m:sub>
+                        </m:sSub>
+                        <m:r>
+                          <a:rPr lang="en-US" altLang="ja-JP" i="1">
+                            <a:latin typeface="Cambria Math" panose="02040503050406030204" pitchFamily="18" charset="0"/>
+                          </a:rPr>
+                          <m:t>,</m:t>
+                        </m:r>
+                        <m:r>
+                          <a:rPr lang="en-US" altLang="ja-JP" i="1">
+                            <a:latin typeface="Cambria Math" panose="02040503050406030204" pitchFamily="18" charset="0"/>
+                            <a:ea typeface="Cambria Math" panose="02040503050406030204" pitchFamily="18" charset="0"/>
+                          </a:rPr>
+                          <m:t>𝛾</m:t>
+                        </m:r>
+                      </m:e>
+                    </m:d>
+                  </m:oMath>
+                </a14:m>
+                <a:endParaRPr kumimoji="1" lang="en-US" altLang="ja-JP" dirty="0"/>
+              </a:p>
+              <a:p>
+                <a:pPr lvl="2"/>
+                <a14:m>
+                  <m:oMath xmlns:m="http://schemas.openxmlformats.org/officeDocument/2006/math">
+                    <m:acc>
+                      <m:accPr>
+                        <m:chr m:val="̂"/>
+                        <m:ctrlPr>
+                          <a:rPr lang="en-US" altLang="ja-JP" i="1">
+                            <a:solidFill>
+                              <a:srgbClr val="FF0000"/>
+                            </a:solidFill>
+                            <a:latin typeface="Cambria Math" panose="02040503050406030204" pitchFamily="18" charset="0"/>
+                          </a:rPr>
+                        </m:ctrlPr>
+                      </m:accPr>
+                      <m:e>
+                        <m:r>
+                          <a:rPr lang="en-US" altLang="ja-JP" i="1">
+                            <a:solidFill>
+                              <a:srgbClr val="FF0000"/>
+                            </a:solidFill>
+                            <a:latin typeface="Cambria Math" panose="02040503050406030204" pitchFamily="18" charset="0"/>
+                          </a:rPr>
+                          <m:t>𝑇</m:t>
+                        </m:r>
+                      </m:e>
+                    </m:acc>
+                    <m:d>
+                      <m:dPr>
+                        <m:endChr m:val="|"/>
+                        <m:ctrlPr>
+                          <a:rPr lang="en-US" altLang="ja-JP" i="1" smtClean="0">
+                            <a:solidFill>
+                              <a:srgbClr val="FF0000"/>
+                            </a:solidFill>
+                            <a:latin typeface="Cambria Math" panose="02040503050406030204" pitchFamily="18" charset="0"/>
+                          </a:rPr>
+                        </m:ctrlPr>
+                      </m:dPr>
+                      <m:e>
+                        <m:sSup>
+                          <m:sSupPr>
+                            <m:ctrlPr>
+                              <a:rPr lang="en-US" altLang="ja-JP" i="1">
+                                <a:solidFill>
+                                  <a:srgbClr val="FF0000"/>
+                                </a:solidFill>
+                                <a:latin typeface="Cambria Math" panose="02040503050406030204" pitchFamily="18" charset="0"/>
+                              </a:rPr>
+                            </m:ctrlPr>
+                          </m:sSupPr>
+                          <m:e>
+                            <m:r>
+                              <a:rPr lang="en-US" altLang="ja-JP" i="1">
+                                <a:solidFill>
+                                  <a:srgbClr val="FF0000"/>
+                                </a:solidFill>
+                                <a:latin typeface="Cambria Math" panose="02040503050406030204" pitchFamily="18" charset="0"/>
+                              </a:rPr>
+                              <m:t>𝑠</m:t>
+                            </m:r>
+                          </m:e>
+                          <m:sup>
+                            <m:r>
+                              <a:rPr lang="en-US" altLang="ja-JP" i="1">
+                                <a:solidFill>
+                                  <a:srgbClr val="FF0000"/>
+                                </a:solidFill>
+                                <a:latin typeface="Cambria Math" panose="02040503050406030204" pitchFamily="18" charset="0"/>
+                              </a:rPr>
+                              <m:t>′</m:t>
+                            </m:r>
+                          </m:sup>
+                        </m:sSup>
+                      </m:e>
+                    </m:d>
+                    <m:r>
+                      <a:rPr lang="en-US" altLang="ja-JP" i="1">
+                        <a:solidFill>
+                          <a:srgbClr val="FF0000"/>
+                        </a:solidFill>
+                        <a:latin typeface="Cambria Math" panose="02040503050406030204" pitchFamily="18" charset="0"/>
+                      </a:rPr>
+                      <m:t> </m:t>
+                    </m:r>
+                    <m:r>
+                      <a:rPr lang="en-US" altLang="ja-JP" i="1">
+                        <a:solidFill>
+                          <a:srgbClr val="FF0000"/>
+                        </a:solidFill>
+                        <a:latin typeface="Cambria Math" panose="02040503050406030204" pitchFamily="18" charset="0"/>
+                      </a:rPr>
+                      <m:t>𝑠</m:t>
+                    </m:r>
+                    <m:r>
+                      <a:rPr lang="en-US" altLang="ja-JP" i="1">
+                        <a:solidFill>
+                          <a:srgbClr val="FF0000"/>
+                        </a:solidFill>
+                        <a:latin typeface="Cambria Math" panose="02040503050406030204" pitchFamily="18" charset="0"/>
+                      </a:rPr>
+                      <m:t>,</m:t>
+                    </m:r>
+                    <m:r>
+                      <a:rPr lang="en-US" altLang="ja-JP" i="1">
+                        <a:solidFill>
+                          <a:srgbClr val="FF0000"/>
+                        </a:solidFill>
+                        <a:latin typeface="Cambria Math" panose="02040503050406030204" pitchFamily="18" charset="0"/>
+                      </a:rPr>
+                      <m:t>𝑎</m:t>
+                    </m:r>
+                    <m:r>
+                      <a:rPr lang="en-US" altLang="ja-JP" i="1" smtClean="0">
+                        <a:solidFill>
+                          <a:srgbClr val="FF0000"/>
+                        </a:solidFill>
+                        <a:latin typeface="Cambria Math" panose="02040503050406030204" pitchFamily="18" charset="0"/>
+                      </a:rPr>
+                      <m:t>)</m:t>
+                    </m:r>
+                    <m:r>
+                      <a:rPr lang="en-US" altLang="ja-JP" b="0" i="1" smtClean="0">
+                        <a:solidFill>
+                          <a:srgbClr val="FF0000"/>
+                        </a:solidFill>
+                        <a:latin typeface="Cambria Math" panose="02040503050406030204" pitchFamily="18" charset="0"/>
+                      </a:rPr>
+                      <m:t> </m:t>
+                    </m:r>
+                  </m:oMath>
+                </a14:m>
+                <a:r>
+                  <a:rPr kumimoji="1" lang="en-US" altLang="ja-JP" dirty="0"/>
+                  <a:t>is the estimation of  </a:t>
+                </a:r>
+                <a14:m>
+                  <m:oMath xmlns:m="http://schemas.openxmlformats.org/officeDocument/2006/math">
+                    <m:r>
+                      <a:rPr lang="en-US" altLang="ja-JP" i="1">
+                        <a:latin typeface="Cambria Math" panose="02040503050406030204" pitchFamily="18" charset="0"/>
+                      </a:rPr>
+                      <m:t>𝑇</m:t>
+                    </m:r>
+                    <m:d>
+                      <m:dPr>
+                        <m:endChr m:val="|"/>
+                        <m:ctrlPr>
+                          <a:rPr lang="en-US" altLang="ja-JP" i="1">
+                            <a:latin typeface="Cambria Math" panose="02040503050406030204" pitchFamily="18" charset="0"/>
+                          </a:rPr>
+                        </m:ctrlPr>
+                      </m:dPr>
+                      <m:e>
+                        <m:sSup>
+                          <m:sSupPr>
+                            <m:ctrlPr>
+                              <a:rPr lang="en-US" altLang="ja-JP" i="1">
+                                <a:latin typeface="Cambria Math" panose="02040503050406030204" pitchFamily="18" charset="0"/>
+                              </a:rPr>
+                            </m:ctrlPr>
+                          </m:sSupPr>
+                          <m:e>
+                            <m:r>
+                              <a:rPr lang="en-US" altLang="ja-JP" i="1">
+                                <a:latin typeface="Cambria Math" panose="02040503050406030204" pitchFamily="18" charset="0"/>
+                              </a:rPr>
+                              <m:t>𝑠</m:t>
+                            </m:r>
+                          </m:e>
+                          <m:sup>
+                            <m:r>
+                              <a:rPr lang="en-US" altLang="ja-JP" i="1">
+                                <a:latin typeface="Cambria Math" panose="02040503050406030204" pitchFamily="18" charset="0"/>
+                              </a:rPr>
+                              <m:t>′</m:t>
+                            </m:r>
+                          </m:sup>
+                        </m:sSup>
+                      </m:e>
+                    </m:d>
+                    <m:r>
+                      <a:rPr lang="en-US" altLang="ja-JP" i="1">
+                        <a:latin typeface="Cambria Math" panose="02040503050406030204" pitchFamily="18" charset="0"/>
+                      </a:rPr>
+                      <m:t> </m:t>
+                    </m:r>
+                    <m:r>
+                      <a:rPr lang="en-US" altLang="ja-JP" i="1">
+                        <a:latin typeface="Cambria Math" panose="02040503050406030204" pitchFamily="18" charset="0"/>
+                      </a:rPr>
+                      <m:t>𝑠</m:t>
+                    </m:r>
+                    <m:r>
+                      <a:rPr lang="en-US" altLang="ja-JP" i="1">
+                        <a:latin typeface="Cambria Math" panose="02040503050406030204" pitchFamily="18" charset="0"/>
+                      </a:rPr>
+                      <m:t>,</m:t>
+                    </m:r>
+                    <m:r>
+                      <a:rPr lang="en-US" altLang="ja-JP" i="1">
+                        <a:latin typeface="Cambria Math" panose="02040503050406030204" pitchFamily="18" charset="0"/>
+                      </a:rPr>
+                      <m:t>𝑎</m:t>
+                    </m:r>
+                    <m:r>
+                      <a:rPr lang="en-US" altLang="ja-JP" i="1">
+                        <a:latin typeface="Cambria Math" panose="02040503050406030204" pitchFamily="18" charset="0"/>
+                      </a:rPr>
+                      <m:t>)</m:t>
+                    </m:r>
+                    <m:r>
+                      <a:rPr lang="en-US" altLang="ja-JP" b="0" i="0" smtClean="0">
+                        <a:latin typeface="Cambria Math" panose="02040503050406030204" pitchFamily="18" charset="0"/>
+                      </a:rPr>
+                      <m:t>, </m:t>
+                    </m:r>
+                  </m:oMath>
+                </a14:m>
+                <a:r>
+                  <a:rPr kumimoji="1" lang="en-US" altLang="ja-JP" dirty="0"/>
+                  <a:t>learned by MBPO[2]</a:t>
+                </a:r>
+                <a:endParaRPr lang="en-US" altLang="ja-JP" dirty="0"/>
+              </a:p>
+              <a:p>
+                <a:pPr lvl="1"/>
+                <a14:m>
+                  <m:oMath xmlns:m="http://schemas.openxmlformats.org/officeDocument/2006/math">
+                    <m:sSubSup>
+                      <m:sSubSupPr>
+                        <m:ctrlPr>
+                          <a:rPr kumimoji="1" lang="en-US" altLang="ja-JP" i="1" smtClean="0">
+                            <a:solidFill>
+                              <a:schemeClr val="tx1"/>
+                            </a:solidFill>
+                            <a:latin typeface="Cambria Math" panose="02040503050406030204" pitchFamily="18" charset="0"/>
+                          </a:rPr>
+                        </m:ctrlPr>
+                      </m:sSubSupPr>
+                      <m:e>
+                        <m:r>
+                          <a:rPr kumimoji="1" lang="en-US" altLang="ja-JP" i="1" smtClean="0">
+                            <a:solidFill>
+                              <a:schemeClr val="tx1"/>
+                            </a:solidFill>
+                            <a:latin typeface="Cambria Math" panose="02040503050406030204" pitchFamily="18" charset="0"/>
+                            <a:ea typeface="Cambria Math" panose="02040503050406030204" pitchFamily="18" charset="0"/>
+                          </a:rPr>
+                          <m:t>𝜌</m:t>
+                        </m:r>
+                      </m:e>
+                      <m:sub>
+                        <m:acc>
+                          <m:accPr>
+                            <m:chr m:val="̂"/>
+                            <m:ctrlPr>
+                              <a:rPr lang="en-US" altLang="ja-JP" i="1">
+                                <a:solidFill>
+                                  <a:schemeClr val="tx1"/>
+                                </a:solidFill>
+                                <a:latin typeface="Cambria Math" panose="02040503050406030204" pitchFamily="18" charset="0"/>
+                              </a:rPr>
+                            </m:ctrlPr>
+                          </m:accPr>
+                          <m:e>
+                            <m:r>
+                              <a:rPr lang="en-US" altLang="ja-JP" i="1">
+                                <a:solidFill>
+                                  <a:schemeClr val="tx1"/>
+                                </a:solidFill>
+                                <a:latin typeface="Cambria Math" panose="02040503050406030204" pitchFamily="18" charset="0"/>
+                              </a:rPr>
+                              <m:t>𝑇</m:t>
+                            </m:r>
+                          </m:e>
+                        </m:acc>
+                      </m:sub>
+                      <m:sup>
+                        <m:r>
+                          <a:rPr kumimoji="1" lang="en-US" altLang="ja-JP" i="1" smtClean="0">
+                            <a:solidFill>
+                              <a:schemeClr val="tx1"/>
+                            </a:solidFill>
+                            <a:latin typeface="Cambria Math" panose="02040503050406030204" pitchFamily="18" charset="0"/>
+                            <a:ea typeface="Cambria Math" panose="02040503050406030204" pitchFamily="18" charset="0"/>
+                          </a:rPr>
+                          <m:t>𝜋</m:t>
+                        </m:r>
+                      </m:sup>
+                    </m:sSubSup>
+                    <m:d>
+                      <m:dPr>
+                        <m:ctrlPr>
+                          <a:rPr kumimoji="1" lang="en-US" altLang="ja-JP" b="0" i="1" smtClean="0">
+                            <a:solidFill>
+                              <a:schemeClr val="tx1"/>
+                            </a:solidFill>
+                            <a:latin typeface="Cambria Math" panose="02040503050406030204" pitchFamily="18" charset="0"/>
+                          </a:rPr>
+                        </m:ctrlPr>
+                      </m:dPr>
+                      <m:e>
+                        <m:r>
+                          <a:rPr kumimoji="1" lang="en-US" altLang="ja-JP" b="0" i="1" smtClean="0">
+                            <a:solidFill>
+                              <a:schemeClr val="tx1"/>
+                            </a:solidFill>
+                            <a:latin typeface="Cambria Math" panose="02040503050406030204" pitchFamily="18" charset="0"/>
+                          </a:rPr>
+                          <m:t>𝑠</m:t>
+                        </m:r>
+                        <m:r>
+                          <a:rPr kumimoji="1" lang="en-US" altLang="ja-JP" b="0" i="1" smtClean="0">
+                            <a:solidFill>
+                              <a:schemeClr val="tx1"/>
+                            </a:solidFill>
+                            <a:latin typeface="Cambria Math" panose="02040503050406030204" pitchFamily="18" charset="0"/>
+                          </a:rPr>
+                          <m:t>,</m:t>
+                        </m:r>
+                        <m:r>
+                          <a:rPr kumimoji="1" lang="en-US" altLang="ja-JP" b="0" i="1" smtClean="0">
+                            <a:solidFill>
+                              <a:schemeClr val="tx1"/>
+                            </a:solidFill>
+                            <a:latin typeface="Cambria Math" panose="02040503050406030204" pitchFamily="18" charset="0"/>
+                          </a:rPr>
+                          <m:t>𝑎</m:t>
+                        </m:r>
+                      </m:e>
+                    </m:d>
+                    <m:r>
+                      <a:rPr kumimoji="1" lang="en-US" altLang="ja-JP" b="0" i="1" smtClean="0">
+                        <a:solidFill>
+                          <a:schemeClr val="tx1"/>
+                        </a:solidFill>
+                        <a:latin typeface="Cambria Math" panose="02040503050406030204" pitchFamily="18" charset="0"/>
+                      </a:rPr>
+                      <m:t>:</m:t>
+                    </m:r>
+                  </m:oMath>
+                </a14:m>
+                <a:r>
+                  <a:rPr kumimoji="1" lang="en-US" altLang="ja-JP" dirty="0"/>
+                  <a:t> probability to have </a:t>
+                </a:r>
+                <a14:m>
+                  <m:oMath xmlns:m="http://schemas.openxmlformats.org/officeDocument/2006/math">
+                    <m:d>
+                      <m:dPr>
+                        <m:ctrlPr>
+                          <a:rPr lang="en-US" altLang="ja-JP" i="1">
+                            <a:latin typeface="Cambria Math" panose="02040503050406030204" pitchFamily="18" charset="0"/>
+                          </a:rPr>
+                        </m:ctrlPr>
+                      </m:dPr>
+                      <m:e>
+                        <m:r>
+                          <a:rPr lang="en-US" altLang="ja-JP" i="1">
+                            <a:latin typeface="Cambria Math" panose="02040503050406030204" pitchFamily="18" charset="0"/>
+                          </a:rPr>
+                          <m:t>𝑠</m:t>
+                        </m:r>
+                        <m:r>
+                          <a:rPr lang="en-US" altLang="ja-JP" i="1">
+                            <a:latin typeface="Cambria Math" panose="02040503050406030204" pitchFamily="18" charset="0"/>
+                          </a:rPr>
+                          <m:t>,</m:t>
+                        </m:r>
+                        <m:r>
+                          <a:rPr lang="en-US" altLang="ja-JP" i="1">
+                            <a:latin typeface="Cambria Math" panose="02040503050406030204" pitchFamily="18" charset="0"/>
+                          </a:rPr>
+                          <m:t>𝑎</m:t>
+                        </m:r>
+                      </m:e>
+                    </m:d>
+                  </m:oMath>
+                </a14:m>
+                <a:r>
+                  <a:rPr kumimoji="1" lang="en-US" altLang="ja-JP" dirty="0"/>
+                  <a:t> with </a:t>
+                </a:r>
+                <a14:m>
+                  <m:oMath xmlns:m="http://schemas.openxmlformats.org/officeDocument/2006/math">
+                    <m:acc>
+                      <m:accPr>
+                        <m:chr m:val="̂"/>
+                        <m:ctrlPr>
+                          <a:rPr lang="en-US" altLang="ja-JP" i="1">
+                            <a:latin typeface="Cambria Math" panose="02040503050406030204" pitchFamily="18" charset="0"/>
+                          </a:rPr>
+                        </m:ctrlPr>
+                      </m:accPr>
+                      <m:e>
+                        <m:r>
+                          <a:rPr lang="en-US" altLang="ja-JP" i="1">
+                            <a:latin typeface="Cambria Math" panose="02040503050406030204" pitchFamily="18" charset="0"/>
+                          </a:rPr>
+                          <m:t>𝑇</m:t>
+                        </m:r>
+                      </m:e>
+                    </m:acc>
+                  </m:oMath>
+                </a14:m>
+                <a:r>
+                  <a:rPr kumimoji="1" lang="en-US" altLang="ja-JP" dirty="0"/>
+                  <a:t> and </a:t>
+                </a:r>
+                <a14:m>
+                  <m:oMath xmlns:m="http://schemas.openxmlformats.org/officeDocument/2006/math">
+                    <m:r>
+                      <a:rPr lang="en-US" altLang="ja-JP" i="1">
+                        <a:latin typeface="Cambria Math" panose="02040503050406030204" pitchFamily="18" charset="0"/>
+                        <a:ea typeface="Cambria Math" panose="02040503050406030204" pitchFamily="18" charset="0"/>
+                      </a:rPr>
+                      <m:t>𝜋</m:t>
+                    </m:r>
+                  </m:oMath>
+                </a14:m>
+                <a:endParaRPr kumimoji="1" lang="en-US" altLang="ja-JP" dirty="0"/>
+              </a:p>
+              <a:p>
+                <a:pPr lvl="2"/>
+                <a:endParaRPr lang="en-US" altLang="ja-JP" dirty="0"/>
+              </a:p>
+              <a:p>
+                <a:pPr lvl="2"/>
+                <a:endParaRPr lang="en-US" altLang="ja-JP" dirty="0"/>
+              </a:p>
+              <a:p>
+                <a:pPr lvl="1"/>
+                <a14:m>
+                  <m:oMath xmlns:m="http://schemas.openxmlformats.org/officeDocument/2006/math">
+                    <m:sSub>
+                      <m:sSubPr>
+                        <m:ctrlPr>
+                          <a:rPr kumimoji="1" lang="en-US" altLang="ja-JP" i="1" smtClean="0">
+                            <a:latin typeface="Cambria Math" panose="02040503050406030204" pitchFamily="18" charset="0"/>
+                          </a:rPr>
+                        </m:ctrlPr>
+                      </m:sSubPr>
+                      <m:e>
+                        <m:r>
+                          <a:rPr kumimoji="1" lang="en-US" altLang="ja-JP" b="0" i="1" smtClean="0">
+                            <a:latin typeface="Cambria Math" panose="02040503050406030204" pitchFamily="18" charset="0"/>
+                          </a:rPr>
+                          <m:t>𝑑</m:t>
+                        </m:r>
+                      </m:e>
+                      <m:sub>
+                        <m:r>
+                          <a:rPr kumimoji="1" lang="en-US" altLang="ja-JP" b="0" i="1" smtClean="0">
+                            <a:latin typeface="Cambria Math" panose="02040503050406030204" pitchFamily="18" charset="0"/>
+                          </a:rPr>
+                          <m:t>𝐹</m:t>
+                        </m:r>
+                      </m:sub>
+                    </m:sSub>
+                    <m:r>
+                      <a:rPr kumimoji="1" lang="en-US" altLang="ja-JP" b="0" i="1" smtClean="0">
+                        <a:latin typeface="Cambria Math" panose="02040503050406030204" pitchFamily="18" charset="0"/>
+                      </a:rPr>
+                      <m:t>(</m:t>
+                    </m:r>
+                    <m:r>
+                      <a:rPr kumimoji="1" lang="en-US" altLang="ja-JP" b="0" i="1" smtClean="0">
+                        <a:latin typeface="Cambria Math" panose="02040503050406030204" pitchFamily="18" charset="0"/>
+                      </a:rPr>
+                      <m:t>𝑇</m:t>
+                    </m:r>
+                    <m:d>
+                      <m:dPr>
+                        <m:ctrlPr>
+                          <a:rPr kumimoji="1" lang="en-US" altLang="ja-JP" b="0" i="1" smtClean="0">
+                            <a:latin typeface="Cambria Math" panose="02040503050406030204" pitchFamily="18" charset="0"/>
+                          </a:rPr>
+                        </m:ctrlPr>
+                      </m:dPr>
+                      <m:e>
+                        <m:r>
+                          <a:rPr kumimoji="1" lang="en-US" altLang="ja-JP" b="0" i="1" smtClean="0">
+                            <a:latin typeface="Cambria Math" panose="02040503050406030204" pitchFamily="18" charset="0"/>
+                          </a:rPr>
+                          <m:t>𝑠</m:t>
+                        </m:r>
+                        <m:r>
+                          <a:rPr kumimoji="1" lang="en-US" altLang="ja-JP" b="0" i="1" smtClean="0">
+                            <a:latin typeface="Cambria Math" panose="02040503050406030204" pitchFamily="18" charset="0"/>
+                          </a:rPr>
+                          <m:t>,</m:t>
+                        </m:r>
+                        <m:r>
+                          <a:rPr kumimoji="1" lang="en-US" altLang="ja-JP" b="0" i="1" smtClean="0">
+                            <a:latin typeface="Cambria Math" panose="02040503050406030204" pitchFamily="18" charset="0"/>
+                          </a:rPr>
+                          <m:t>𝑎</m:t>
+                        </m:r>
+                      </m:e>
+                    </m:d>
+                    <m:r>
+                      <a:rPr kumimoji="1" lang="en-US" altLang="ja-JP" b="0" i="1" smtClean="0">
+                        <a:latin typeface="Cambria Math" panose="02040503050406030204" pitchFamily="18" charset="0"/>
+                      </a:rPr>
+                      <m:t>,</m:t>
+                    </m:r>
+                    <m:acc>
+                      <m:accPr>
+                        <m:chr m:val="̂"/>
+                        <m:ctrlPr>
+                          <a:rPr lang="en-US" altLang="ja-JP" i="1">
+                            <a:latin typeface="Cambria Math" panose="02040503050406030204" pitchFamily="18" charset="0"/>
+                          </a:rPr>
+                        </m:ctrlPr>
+                      </m:accPr>
+                      <m:e>
+                        <m:r>
+                          <a:rPr lang="en-US" altLang="ja-JP" i="1">
+                            <a:latin typeface="Cambria Math" panose="02040503050406030204" pitchFamily="18" charset="0"/>
+                          </a:rPr>
+                          <m:t>𝑇</m:t>
+                        </m:r>
+                      </m:e>
+                    </m:acc>
+                    <m:r>
+                      <a:rPr lang="en-US" altLang="ja-JP" b="0" i="1" smtClean="0">
+                        <a:latin typeface="Cambria Math" panose="02040503050406030204" pitchFamily="18" charset="0"/>
+                      </a:rPr>
+                      <m:t>(</m:t>
+                    </m:r>
+                    <m:r>
+                      <a:rPr lang="en-US" altLang="ja-JP" b="0" i="1" smtClean="0">
+                        <a:latin typeface="Cambria Math" panose="02040503050406030204" pitchFamily="18" charset="0"/>
+                      </a:rPr>
+                      <m:t>𝑠</m:t>
+                    </m:r>
+                    <m:r>
+                      <a:rPr lang="en-US" altLang="ja-JP" b="0" i="1" smtClean="0">
+                        <a:latin typeface="Cambria Math" panose="02040503050406030204" pitchFamily="18" charset="0"/>
+                      </a:rPr>
+                      <m:t>,</m:t>
+                    </m:r>
+                    <m:r>
+                      <a:rPr lang="en-US" altLang="ja-JP" b="0" i="1" smtClean="0">
+                        <a:latin typeface="Cambria Math" panose="02040503050406030204" pitchFamily="18" charset="0"/>
+                      </a:rPr>
+                      <m:t>𝑎</m:t>
+                    </m:r>
+                    <m:r>
+                      <a:rPr lang="en-US" altLang="ja-JP" b="0" i="1" smtClean="0">
+                        <a:latin typeface="Cambria Math" panose="02040503050406030204" pitchFamily="18" charset="0"/>
+                      </a:rPr>
+                      <m:t>))</m:t>
+                    </m:r>
+                  </m:oMath>
+                </a14:m>
+                <a:r>
+                  <a:rPr lang="en-US" altLang="ja-JP" dirty="0"/>
+                  <a:t> : a kind of distance between </a:t>
+                </a:r>
+                <a14:m>
+                  <m:oMath xmlns:m="http://schemas.openxmlformats.org/officeDocument/2006/math">
+                    <m:r>
+                      <a:rPr lang="en-US" altLang="ja-JP" i="1">
+                        <a:latin typeface="Cambria Math" panose="02040503050406030204" pitchFamily="18" charset="0"/>
+                      </a:rPr>
+                      <m:t>𝑇</m:t>
+                    </m:r>
+                  </m:oMath>
+                </a14:m>
+                <a:r>
+                  <a:rPr lang="en-US" altLang="ja-JP" dirty="0"/>
+                  <a:t> and </a:t>
+                </a:r>
+                <a14:m>
+                  <m:oMath xmlns:m="http://schemas.openxmlformats.org/officeDocument/2006/math">
+                    <m:acc>
+                      <m:accPr>
+                        <m:chr m:val="̂"/>
+                        <m:ctrlPr>
+                          <a:rPr lang="en-US" altLang="ja-JP" i="1">
+                            <a:latin typeface="Cambria Math" panose="02040503050406030204" pitchFamily="18" charset="0"/>
+                          </a:rPr>
+                        </m:ctrlPr>
+                      </m:accPr>
+                      <m:e>
+                        <m:r>
+                          <a:rPr lang="en-US" altLang="ja-JP" i="1">
+                            <a:latin typeface="Cambria Math" panose="02040503050406030204" pitchFamily="18" charset="0"/>
+                          </a:rPr>
+                          <m:t>𝑇</m:t>
+                        </m:r>
+                      </m:e>
+                    </m:acc>
+                  </m:oMath>
+                </a14:m>
+                <a:endParaRPr kumimoji="1" lang="en-US" altLang="ja-JP" dirty="0"/>
+              </a:p>
+              <a:p>
+                <a:pPr lvl="2"/>
+                <a:r>
+                  <a:rPr lang="en-US" altLang="ja-JP" dirty="0"/>
+                  <a:t>We assume </a:t>
+                </a:r>
+                <a14:m>
+                  <m:oMath xmlns:m="http://schemas.openxmlformats.org/officeDocument/2006/math">
+                    <m:sSub>
+                      <m:sSubPr>
+                        <m:ctrlPr>
+                          <a:rPr lang="en-US" altLang="ja-JP" i="1">
+                            <a:latin typeface="Cambria Math" panose="02040503050406030204" pitchFamily="18" charset="0"/>
+                          </a:rPr>
+                        </m:ctrlPr>
+                      </m:sSubPr>
+                      <m:e>
+                        <m:r>
+                          <a:rPr lang="en-US" altLang="ja-JP" i="1">
+                            <a:latin typeface="Cambria Math" panose="02040503050406030204" pitchFamily="18" charset="0"/>
+                          </a:rPr>
+                          <m:t>𝑑</m:t>
+                        </m:r>
+                      </m:e>
+                      <m:sub>
+                        <m:r>
+                          <a:rPr lang="en-US" altLang="ja-JP" i="1">
+                            <a:latin typeface="Cambria Math" panose="02040503050406030204" pitchFamily="18" charset="0"/>
+                          </a:rPr>
+                          <m:t>𝐹</m:t>
+                        </m:r>
+                      </m:sub>
+                    </m:sSub>
+                    <m:d>
+                      <m:dPr>
+                        <m:ctrlPr>
+                          <a:rPr lang="en-US" altLang="ja-JP" i="1">
+                            <a:latin typeface="Cambria Math" panose="02040503050406030204" pitchFamily="18" charset="0"/>
+                          </a:rPr>
+                        </m:ctrlPr>
+                      </m:dPr>
+                      <m:e>
+                        <m:r>
+                          <a:rPr lang="en-US" altLang="ja-JP" i="1">
+                            <a:latin typeface="Cambria Math" panose="02040503050406030204" pitchFamily="18" charset="0"/>
+                          </a:rPr>
+                          <m:t>𝑇</m:t>
+                        </m:r>
+                        <m:d>
+                          <m:dPr>
+                            <m:ctrlPr>
+                              <a:rPr lang="en-US" altLang="ja-JP" i="1">
+                                <a:latin typeface="Cambria Math" panose="02040503050406030204" pitchFamily="18" charset="0"/>
+                              </a:rPr>
+                            </m:ctrlPr>
+                          </m:dPr>
+                          <m:e>
+                            <m:r>
+                              <a:rPr lang="en-US" altLang="ja-JP" i="1">
+                                <a:latin typeface="Cambria Math" panose="02040503050406030204" pitchFamily="18" charset="0"/>
+                              </a:rPr>
+                              <m:t>𝑠</m:t>
+                            </m:r>
+                            <m:r>
+                              <a:rPr lang="en-US" altLang="ja-JP" i="1">
+                                <a:latin typeface="Cambria Math" panose="02040503050406030204" pitchFamily="18" charset="0"/>
+                              </a:rPr>
+                              <m:t>,</m:t>
+                            </m:r>
+                            <m:r>
+                              <a:rPr lang="en-US" altLang="ja-JP" i="1">
+                                <a:latin typeface="Cambria Math" panose="02040503050406030204" pitchFamily="18" charset="0"/>
+                              </a:rPr>
+                              <m:t>𝑎</m:t>
+                            </m:r>
+                          </m:e>
+                        </m:d>
+                        <m:r>
+                          <a:rPr lang="en-US" altLang="ja-JP" i="1">
+                            <a:latin typeface="Cambria Math" panose="02040503050406030204" pitchFamily="18" charset="0"/>
+                          </a:rPr>
+                          <m:t>,</m:t>
+                        </m:r>
+                        <m:acc>
+                          <m:accPr>
+                            <m:chr m:val="̂"/>
+                            <m:ctrlPr>
+                              <a:rPr lang="en-US" altLang="ja-JP" i="1">
+                                <a:latin typeface="Cambria Math" panose="02040503050406030204" pitchFamily="18" charset="0"/>
+                              </a:rPr>
+                            </m:ctrlPr>
+                          </m:accPr>
+                          <m:e>
+                            <m:r>
+                              <a:rPr lang="en-US" altLang="ja-JP" i="1">
+                                <a:latin typeface="Cambria Math" panose="02040503050406030204" pitchFamily="18" charset="0"/>
+                              </a:rPr>
+                              <m:t>𝑇</m:t>
+                            </m:r>
+                          </m:e>
+                        </m:acc>
+                        <m:d>
+                          <m:dPr>
+                            <m:ctrlPr>
+                              <a:rPr lang="en-US" altLang="ja-JP" i="1">
+                                <a:latin typeface="Cambria Math" panose="02040503050406030204" pitchFamily="18" charset="0"/>
+                              </a:rPr>
+                            </m:ctrlPr>
+                          </m:dPr>
+                          <m:e>
+                            <m:r>
+                              <a:rPr lang="en-US" altLang="ja-JP" i="1">
+                                <a:latin typeface="Cambria Math" panose="02040503050406030204" pitchFamily="18" charset="0"/>
+                              </a:rPr>
+                              <m:t>𝑠</m:t>
+                            </m:r>
+                            <m:r>
+                              <a:rPr lang="en-US" altLang="ja-JP" i="1">
+                                <a:latin typeface="Cambria Math" panose="02040503050406030204" pitchFamily="18" charset="0"/>
+                              </a:rPr>
+                              <m:t>,</m:t>
+                            </m:r>
+                            <m:r>
+                              <a:rPr lang="en-US" altLang="ja-JP" i="1">
+                                <a:latin typeface="Cambria Math" panose="02040503050406030204" pitchFamily="18" charset="0"/>
+                              </a:rPr>
+                              <m:t>𝑎</m:t>
+                            </m:r>
+                          </m:e>
+                        </m:d>
+                      </m:e>
+                    </m:d>
+                    <m:r>
+                      <a:rPr lang="en-US" altLang="ja-JP" b="0" i="1" smtClean="0">
+                        <a:latin typeface="Cambria Math" panose="02040503050406030204" pitchFamily="18" charset="0"/>
+                      </a:rPr>
+                      <m:t> </m:t>
+                    </m:r>
+                    <m:r>
+                      <a:rPr lang="en-US" altLang="ja-JP" b="0" i="1" smtClean="0">
+                        <a:latin typeface="Cambria Math" panose="02040503050406030204" pitchFamily="18" charset="0"/>
+                        <a:ea typeface="Cambria Math" panose="02040503050406030204" pitchFamily="18" charset="0"/>
+                      </a:rPr>
+                      <m:t>≤</m:t>
+                    </m:r>
+                    <m:r>
+                      <a:rPr lang="en-US" altLang="ja-JP" b="0" i="1" smtClean="0">
+                        <a:latin typeface="Cambria Math" panose="02040503050406030204" pitchFamily="18" charset="0"/>
+                        <a:ea typeface="Cambria Math" panose="02040503050406030204" pitchFamily="18" charset="0"/>
+                      </a:rPr>
+                      <m:t>𝑢</m:t>
+                    </m:r>
+                    <m:r>
+                      <a:rPr lang="en-US" altLang="ja-JP" b="0" i="1" smtClean="0">
+                        <a:latin typeface="Cambria Math" panose="02040503050406030204" pitchFamily="18" charset="0"/>
+                        <a:ea typeface="Cambria Math" panose="02040503050406030204" pitchFamily="18" charset="0"/>
+                      </a:rPr>
+                      <m:t>(</m:t>
+                    </m:r>
+                    <m:r>
+                      <a:rPr lang="en-US" altLang="ja-JP" b="0" i="1" smtClean="0">
+                        <a:latin typeface="Cambria Math" panose="02040503050406030204" pitchFamily="18" charset="0"/>
+                        <a:ea typeface="Cambria Math" panose="02040503050406030204" pitchFamily="18" charset="0"/>
+                      </a:rPr>
+                      <m:t>𝑠</m:t>
+                    </m:r>
+                    <m:r>
+                      <a:rPr lang="en-US" altLang="ja-JP" b="0" i="1" smtClean="0">
+                        <a:latin typeface="Cambria Math" panose="02040503050406030204" pitchFamily="18" charset="0"/>
+                        <a:ea typeface="Cambria Math" panose="02040503050406030204" pitchFamily="18" charset="0"/>
+                      </a:rPr>
+                      <m:t>,</m:t>
+                    </m:r>
+                    <m:r>
+                      <a:rPr lang="en-US" altLang="ja-JP" b="0" i="1" smtClean="0">
+                        <a:latin typeface="Cambria Math" panose="02040503050406030204" pitchFamily="18" charset="0"/>
+                        <a:ea typeface="Cambria Math" panose="02040503050406030204" pitchFamily="18" charset="0"/>
+                      </a:rPr>
+                      <m:t>𝑎</m:t>
+                    </m:r>
+                    <m:r>
+                      <a:rPr lang="en-US" altLang="ja-JP" b="0" i="1" smtClean="0">
+                        <a:latin typeface="Cambria Math" panose="02040503050406030204" pitchFamily="18" charset="0"/>
+                        <a:ea typeface="Cambria Math" panose="02040503050406030204" pitchFamily="18" charset="0"/>
+                      </a:rPr>
+                      <m:t>)</m:t>
+                    </m:r>
+                  </m:oMath>
+                </a14:m>
+                <a:endParaRPr kumimoji="1" lang="en-US" altLang="ja-JP" dirty="0"/>
+              </a:p>
+              <a:p>
+                <a:pPr lvl="2"/>
+                <a:r>
+                  <a:rPr kumimoji="1" lang="en-US" altLang="ja-JP" dirty="0"/>
+                  <a:t>Penalized MDP : </a:t>
+                </a:r>
+                <a14:m>
+                  <m:oMath xmlns:m="http://schemas.openxmlformats.org/officeDocument/2006/math">
+                    <m:acc>
+                      <m:accPr>
+                        <m:chr m:val="̃"/>
+                        <m:ctrlPr>
+                          <a:rPr lang="en-US" altLang="ja-JP" i="1" smtClean="0">
+                            <a:latin typeface="Cambria Math" panose="02040503050406030204" pitchFamily="18" charset="0"/>
+                          </a:rPr>
+                        </m:ctrlPr>
+                      </m:accPr>
+                      <m:e>
+                        <m:r>
+                          <a:rPr lang="en-US" altLang="ja-JP" b="0" i="1" smtClean="0">
+                            <a:latin typeface="Cambria Math" panose="02040503050406030204" pitchFamily="18" charset="0"/>
+                          </a:rPr>
+                          <m:t>𝑀</m:t>
+                        </m:r>
+                      </m:e>
+                    </m:acc>
+                    <m:r>
+                      <a:rPr lang="en-US" altLang="ja-JP" i="1">
+                        <a:latin typeface="Cambria Math" panose="02040503050406030204" pitchFamily="18" charset="0"/>
+                      </a:rPr>
+                      <m:t>=</m:t>
+                    </m:r>
+                    <m:d>
+                      <m:dPr>
+                        <m:ctrlPr>
+                          <a:rPr lang="en-US" altLang="ja-JP" i="1">
+                            <a:latin typeface="Cambria Math" panose="02040503050406030204" pitchFamily="18" charset="0"/>
+                          </a:rPr>
+                        </m:ctrlPr>
+                      </m:dPr>
+                      <m:e>
+                        <m:r>
+                          <a:rPr lang="en-US" altLang="ja-JP" i="1">
+                            <a:latin typeface="Cambria Math" panose="02040503050406030204" pitchFamily="18" charset="0"/>
+                          </a:rPr>
+                          <m:t>𝑆</m:t>
+                        </m:r>
+                        <m:r>
+                          <a:rPr lang="en-US" altLang="ja-JP" i="1">
+                            <a:latin typeface="Cambria Math" panose="02040503050406030204" pitchFamily="18" charset="0"/>
+                          </a:rPr>
+                          <m:t>,</m:t>
+                        </m:r>
+                        <m:r>
+                          <a:rPr lang="en-US" altLang="ja-JP" i="1">
+                            <a:latin typeface="Cambria Math" panose="02040503050406030204" pitchFamily="18" charset="0"/>
+                          </a:rPr>
+                          <m:t>𝐴</m:t>
+                        </m:r>
+                        <m:r>
+                          <a:rPr lang="en-US" altLang="ja-JP" i="1">
+                            <a:latin typeface="Cambria Math" panose="02040503050406030204" pitchFamily="18" charset="0"/>
+                          </a:rPr>
+                          <m:t>,</m:t>
+                        </m:r>
+                        <m:acc>
+                          <m:accPr>
+                            <m:chr m:val="̂"/>
+                            <m:ctrlPr>
+                              <a:rPr lang="en-US" altLang="ja-JP" i="1" smtClean="0">
+                                <a:solidFill>
+                                  <a:schemeClr val="tx1"/>
+                                </a:solidFill>
+                                <a:latin typeface="Cambria Math" panose="02040503050406030204" pitchFamily="18" charset="0"/>
+                              </a:rPr>
+                            </m:ctrlPr>
+                          </m:accPr>
+                          <m:e>
+                            <m:r>
+                              <a:rPr lang="en-US" altLang="ja-JP" i="1">
+                                <a:solidFill>
+                                  <a:schemeClr val="tx1"/>
+                                </a:solidFill>
+                                <a:latin typeface="Cambria Math" panose="02040503050406030204" pitchFamily="18" charset="0"/>
+                              </a:rPr>
+                              <m:t>𝑇</m:t>
+                            </m:r>
+                          </m:e>
+                        </m:acc>
+                        <m:r>
+                          <a:rPr lang="en-US" altLang="ja-JP" i="1">
+                            <a:latin typeface="Cambria Math" panose="02040503050406030204" pitchFamily="18" charset="0"/>
+                          </a:rPr>
+                          <m:t>,</m:t>
+                        </m:r>
+                        <m:acc>
+                          <m:accPr>
+                            <m:chr m:val="̃"/>
+                            <m:ctrlPr>
+                              <a:rPr lang="en-US" altLang="ja-JP" i="1" smtClean="0">
+                                <a:solidFill>
+                                  <a:srgbClr val="FF0000"/>
+                                </a:solidFill>
+                                <a:latin typeface="Cambria Math" panose="02040503050406030204" pitchFamily="18" charset="0"/>
+                              </a:rPr>
+                            </m:ctrlPr>
+                          </m:accPr>
+                          <m:e>
+                            <m:r>
+                              <a:rPr lang="en-US" altLang="ja-JP" b="0" i="1" smtClean="0">
+                                <a:solidFill>
+                                  <a:srgbClr val="FF0000"/>
+                                </a:solidFill>
+                                <a:latin typeface="Cambria Math" panose="02040503050406030204" pitchFamily="18" charset="0"/>
+                              </a:rPr>
+                              <m:t>𝑟</m:t>
+                            </m:r>
+                          </m:e>
+                        </m:acc>
+                        <m:r>
+                          <a:rPr lang="en-US" altLang="ja-JP" i="1" smtClean="0">
+                            <a:solidFill>
+                              <a:schemeClr val="tx1"/>
+                            </a:solidFill>
+                            <a:latin typeface="Cambria Math" panose="02040503050406030204" pitchFamily="18" charset="0"/>
+                          </a:rPr>
+                          <m:t>,</m:t>
+                        </m:r>
+                        <m:sSub>
+                          <m:sSubPr>
+                            <m:ctrlPr>
+                              <a:rPr lang="en-US" altLang="ja-JP" i="1">
+                                <a:latin typeface="Cambria Math" panose="02040503050406030204" pitchFamily="18" charset="0"/>
+                              </a:rPr>
+                            </m:ctrlPr>
+                          </m:sSubPr>
+                          <m:e>
+                            <m:r>
+                              <a:rPr lang="en-US" altLang="ja-JP" i="1">
+                                <a:latin typeface="Cambria Math" panose="02040503050406030204" pitchFamily="18" charset="0"/>
+                                <a:ea typeface="Cambria Math" panose="02040503050406030204" pitchFamily="18" charset="0"/>
+                              </a:rPr>
+                              <m:t>𝜇</m:t>
+                            </m:r>
+                          </m:e>
+                          <m:sub>
+                            <m:r>
+                              <a:rPr lang="en-US" altLang="ja-JP" i="1">
+                                <a:latin typeface="Cambria Math" panose="02040503050406030204" pitchFamily="18" charset="0"/>
+                              </a:rPr>
+                              <m:t>0</m:t>
+                            </m:r>
+                          </m:sub>
+                        </m:sSub>
+                        <m:r>
+                          <a:rPr lang="en-US" altLang="ja-JP" i="1">
+                            <a:latin typeface="Cambria Math" panose="02040503050406030204" pitchFamily="18" charset="0"/>
+                          </a:rPr>
+                          <m:t>,</m:t>
+                        </m:r>
+                        <m:r>
+                          <a:rPr lang="en-US" altLang="ja-JP" i="1">
+                            <a:latin typeface="Cambria Math" panose="02040503050406030204" pitchFamily="18" charset="0"/>
+                            <a:ea typeface="Cambria Math" panose="02040503050406030204" pitchFamily="18" charset="0"/>
+                          </a:rPr>
+                          <m:t>𝛾</m:t>
+                        </m:r>
+                      </m:e>
+                    </m:d>
+                    <m:r>
+                      <a:rPr lang="en-US" altLang="ja-JP" i="1">
+                        <a:latin typeface="Cambria Math" panose="02040503050406030204" pitchFamily="18" charset="0"/>
+                        <a:ea typeface="Cambria Math" panose="02040503050406030204" pitchFamily="18" charset="0"/>
+                      </a:rPr>
+                      <m:t> </m:t>
+                    </m:r>
+                    <m:r>
+                      <a:rPr lang="en-US" altLang="ja-JP" b="0" i="1" smtClean="0">
+                        <a:latin typeface="Cambria Math" panose="02040503050406030204" pitchFamily="18" charset="0"/>
+                        <a:ea typeface="Cambria Math" panose="02040503050406030204" pitchFamily="18" charset="0"/>
+                      </a:rPr>
+                      <m:t>,  </m:t>
+                    </m:r>
+                    <m:acc>
+                      <m:accPr>
+                        <m:chr m:val="̃"/>
+                        <m:ctrlPr>
+                          <a:rPr kumimoji="1" lang="ja-JP" altLang="en-US" i="1" smtClean="0">
+                            <a:latin typeface="Cambria Math" panose="02040503050406030204" pitchFamily="18" charset="0"/>
+                          </a:rPr>
+                        </m:ctrlPr>
+                      </m:accPr>
+                      <m:e>
+                        <m:r>
+                          <a:rPr kumimoji="1" lang="en-US" altLang="ja-JP" b="0" i="1" smtClean="0">
+                            <a:latin typeface="Cambria Math" panose="02040503050406030204" pitchFamily="18" charset="0"/>
+                          </a:rPr>
+                          <m:t>𝑟</m:t>
+                        </m:r>
+                      </m:e>
+                    </m:acc>
+                    <m:d>
+                      <m:dPr>
+                        <m:ctrlPr>
+                          <a:rPr kumimoji="1" lang="en-US" altLang="ja-JP" b="0" i="1" smtClean="0">
+                            <a:latin typeface="Cambria Math" panose="02040503050406030204" pitchFamily="18" charset="0"/>
+                          </a:rPr>
+                        </m:ctrlPr>
+                      </m:dPr>
+                      <m:e>
+                        <m:r>
+                          <a:rPr kumimoji="1" lang="en-US" altLang="ja-JP" b="0" i="1" smtClean="0">
+                            <a:latin typeface="Cambria Math" panose="02040503050406030204" pitchFamily="18" charset="0"/>
+                          </a:rPr>
+                          <m:t>𝑠</m:t>
+                        </m:r>
+                        <m:r>
+                          <a:rPr kumimoji="1" lang="en-US" altLang="ja-JP" b="0" i="1" smtClean="0">
+                            <a:latin typeface="Cambria Math" panose="02040503050406030204" pitchFamily="18" charset="0"/>
+                          </a:rPr>
+                          <m:t>,</m:t>
+                        </m:r>
+                        <m:r>
+                          <a:rPr kumimoji="1" lang="en-US" altLang="ja-JP" b="0" i="1" smtClean="0">
+                            <a:latin typeface="Cambria Math" panose="02040503050406030204" pitchFamily="18" charset="0"/>
+                          </a:rPr>
+                          <m:t>𝑎</m:t>
+                        </m:r>
+                      </m:e>
+                    </m:d>
+                    <m:r>
+                      <a:rPr kumimoji="1" lang="en-US" altLang="ja-JP" b="0" i="1" smtClean="0">
+                        <a:latin typeface="Cambria Math" panose="02040503050406030204" pitchFamily="18" charset="0"/>
+                      </a:rPr>
+                      <m:t>=</m:t>
+                    </m:r>
+                    <m:r>
+                      <a:rPr kumimoji="1" lang="en-US" altLang="ja-JP" b="0" i="1" smtClean="0">
+                        <a:latin typeface="Cambria Math" panose="02040503050406030204" pitchFamily="18" charset="0"/>
+                      </a:rPr>
+                      <m:t>𝑟</m:t>
+                    </m:r>
+                    <m:d>
+                      <m:dPr>
+                        <m:ctrlPr>
+                          <a:rPr kumimoji="1" lang="en-US" altLang="ja-JP" b="0" i="1" smtClean="0">
+                            <a:latin typeface="Cambria Math" panose="02040503050406030204" pitchFamily="18" charset="0"/>
+                          </a:rPr>
+                        </m:ctrlPr>
+                      </m:dPr>
+                      <m:e>
+                        <m:r>
+                          <a:rPr kumimoji="1" lang="en-US" altLang="ja-JP" b="0" i="1" smtClean="0">
+                            <a:latin typeface="Cambria Math" panose="02040503050406030204" pitchFamily="18" charset="0"/>
+                          </a:rPr>
+                          <m:t>𝑠</m:t>
+                        </m:r>
+                        <m:r>
+                          <a:rPr kumimoji="1" lang="en-US" altLang="ja-JP" b="0" i="1" smtClean="0">
+                            <a:latin typeface="Cambria Math" panose="02040503050406030204" pitchFamily="18" charset="0"/>
+                          </a:rPr>
+                          <m:t>,</m:t>
+                        </m:r>
+                        <m:r>
+                          <a:rPr kumimoji="1" lang="en-US" altLang="ja-JP" b="0" i="1" smtClean="0">
+                            <a:latin typeface="Cambria Math" panose="02040503050406030204" pitchFamily="18" charset="0"/>
+                          </a:rPr>
+                          <m:t>𝑎</m:t>
+                        </m:r>
+                      </m:e>
+                    </m:d>
+                    <m:r>
+                      <a:rPr kumimoji="1" lang="en-US" altLang="ja-JP" b="0" i="1" smtClean="0">
+                        <a:latin typeface="Cambria Math" panose="02040503050406030204" pitchFamily="18" charset="0"/>
+                      </a:rPr>
+                      <m:t>−</m:t>
+                    </m:r>
+                    <m:r>
+                      <a:rPr kumimoji="1" lang="en-US" altLang="ja-JP" b="0" i="1" smtClean="0">
+                        <a:latin typeface="Cambria Math" panose="02040503050406030204" pitchFamily="18" charset="0"/>
+                        <a:ea typeface="Cambria Math" panose="02040503050406030204" pitchFamily="18" charset="0"/>
+                      </a:rPr>
+                      <m:t>𝜆</m:t>
+                    </m:r>
+                    <m:r>
+                      <a:rPr kumimoji="1" lang="en-US" altLang="ja-JP" b="0" i="1" smtClean="0">
+                        <a:latin typeface="Cambria Math" panose="02040503050406030204" pitchFamily="18" charset="0"/>
+                        <a:ea typeface="Cambria Math" panose="02040503050406030204" pitchFamily="18" charset="0"/>
+                      </a:rPr>
+                      <m:t>𝑢</m:t>
+                    </m:r>
+                    <m:d>
+                      <m:dPr>
+                        <m:ctrlPr>
+                          <a:rPr kumimoji="1" lang="en-US" altLang="ja-JP" b="0" i="1" smtClean="0">
+                            <a:latin typeface="Cambria Math" panose="02040503050406030204" pitchFamily="18" charset="0"/>
+                            <a:ea typeface="Cambria Math" panose="02040503050406030204" pitchFamily="18" charset="0"/>
+                          </a:rPr>
+                        </m:ctrlPr>
+                      </m:dPr>
+                      <m:e>
+                        <m:r>
+                          <a:rPr kumimoji="1" lang="en-US" altLang="ja-JP" b="0" i="1" smtClean="0">
+                            <a:latin typeface="Cambria Math" panose="02040503050406030204" pitchFamily="18" charset="0"/>
+                            <a:ea typeface="Cambria Math" panose="02040503050406030204" pitchFamily="18" charset="0"/>
+                          </a:rPr>
+                          <m:t>𝑠</m:t>
+                        </m:r>
+                        <m:r>
+                          <a:rPr kumimoji="1" lang="en-US" altLang="ja-JP" b="0" i="1" smtClean="0">
+                            <a:latin typeface="Cambria Math" panose="02040503050406030204" pitchFamily="18" charset="0"/>
+                            <a:ea typeface="Cambria Math" panose="02040503050406030204" pitchFamily="18" charset="0"/>
+                          </a:rPr>
+                          <m:t>,</m:t>
+                        </m:r>
+                        <m:r>
+                          <a:rPr kumimoji="1" lang="en-US" altLang="ja-JP" b="0" i="1" smtClean="0">
+                            <a:latin typeface="Cambria Math" panose="02040503050406030204" pitchFamily="18" charset="0"/>
+                            <a:ea typeface="Cambria Math" panose="02040503050406030204" pitchFamily="18" charset="0"/>
+                          </a:rPr>
+                          <m:t>𝑎</m:t>
+                        </m:r>
+                      </m:e>
+                    </m:d>
+                  </m:oMath>
+                </a14:m>
+                <a:endParaRPr kumimoji="1" lang="en-US" altLang="ja-JP" b="0" i="1" dirty="0">
+                  <a:latin typeface="Cambria Math" panose="02040503050406030204" pitchFamily="18" charset="0"/>
+                  <a:ea typeface="Cambria Math" panose="02040503050406030204" pitchFamily="18" charset="0"/>
+                </a:endParaRPr>
+              </a:p>
+              <a:p>
+                <a:pPr marL="914400" lvl="2" indent="0">
+                  <a:buNone/>
+                </a:pPr>
+                <a14:m>
+                  <m:oMathPara xmlns:m="http://schemas.openxmlformats.org/officeDocument/2006/math">
+                    <m:oMathParaPr>
+                      <m:jc m:val="centerGroup"/>
+                    </m:oMathParaPr>
+                    <m:oMath xmlns:m="http://schemas.openxmlformats.org/officeDocument/2006/math">
+                      <m:r>
+                        <a:rPr kumimoji="1" lang="en-US" altLang="ja-JP" b="0" i="1" smtClean="0">
+                          <a:latin typeface="Cambria Math" panose="02040503050406030204" pitchFamily="18" charset="0"/>
+                        </a:rPr>
+                        <m:t> </m:t>
+                      </m:r>
+                    </m:oMath>
+                  </m:oMathPara>
+                </a14:m>
+                <a:endParaRPr kumimoji="1" lang="en-US" altLang="ja-JP" dirty="0"/>
+              </a:p>
+              <a:p>
+                <a:pPr lvl="2"/>
+                <a14:m>
+                  <m:oMath xmlns:m="http://schemas.openxmlformats.org/officeDocument/2006/math">
+                    <m:acc>
+                      <m:accPr>
+                        <m:chr m:val="̃"/>
+                        <m:ctrlPr>
+                          <a:rPr lang="en-US" altLang="ja-JP" i="1">
+                            <a:latin typeface="Cambria Math" panose="02040503050406030204" pitchFamily="18" charset="0"/>
+                          </a:rPr>
+                        </m:ctrlPr>
+                      </m:accPr>
+                      <m:e>
+                        <m:r>
+                          <a:rPr lang="en-US" altLang="ja-JP" i="1">
+                            <a:latin typeface="Cambria Math" panose="02040503050406030204" pitchFamily="18" charset="0"/>
+                          </a:rPr>
+                          <m:t>𝑀</m:t>
+                        </m:r>
+                      </m:e>
+                    </m:acc>
+                  </m:oMath>
+                </a14:m>
+                <a:r>
+                  <a:rPr kumimoji="1" lang="en-US" altLang="ja-JP" dirty="0"/>
+                  <a:t> gives lower bound: </a:t>
+                </a:r>
+              </a:p>
+              <a:p>
+                <a:pPr lvl="2"/>
+                <a:endParaRPr lang="en-US" altLang="ja-JP" dirty="0"/>
+              </a:p>
+              <a:p>
+                <a:pPr marL="914400" lvl="2" indent="0">
+                  <a:buNone/>
+                </a:pPr>
+                <a:r>
+                  <a:rPr lang="en-US" altLang="ja-JP" dirty="0"/>
+                  <a:t>    where </a:t>
+                </a:r>
+                <a14:m>
+                  <m:oMath xmlns:m="http://schemas.openxmlformats.org/officeDocument/2006/math">
+                    <m:sSub>
+                      <m:sSubPr>
+                        <m:ctrlPr>
+                          <a:rPr lang="en-US" altLang="ja-JP" i="1">
+                            <a:latin typeface="Cambria Math" panose="02040503050406030204" pitchFamily="18" charset="0"/>
+                          </a:rPr>
+                        </m:ctrlPr>
+                      </m:sSubPr>
+                      <m:e>
+                        <m:r>
+                          <a:rPr lang="en-US" altLang="ja-JP" i="1">
+                            <a:latin typeface="Cambria Math" panose="02040503050406030204" pitchFamily="18" charset="0"/>
+                            <a:ea typeface="Cambria Math" panose="02040503050406030204" pitchFamily="18" charset="0"/>
+                          </a:rPr>
+                          <m:t>𝜂</m:t>
+                        </m:r>
+                      </m:e>
+                      <m:sub>
+                        <m:r>
+                          <a:rPr lang="en-US" altLang="ja-JP" i="1">
+                            <a:latin typeface="Cambria Math" panose="02040503050406030204" pitchFamily="18" charset="0"/>
+                          </a:rPr>
+                          <m:t>𝑀</m:t>
+                        </m:r>
+                      </m:sub>
+                    </m:sSub>
+                    <m:d>
+                      <m:dPr>
+                        <m:ctrlPr>
+                          <a:rPr lang="en-US" altLang="ja-JP" i="1">
+                            <a:latin typeface="Cambria Math" panose="02040503050406030204" pitchFamily="18" charset="0"/>
+                          </a:rPr>
+                        </m:ctrlPr>
+                      </m:dPr>
+                      <m:e>
+                        <m:r>
+                          <a:rPr lang="en-US" altLang="ja-JP" i="1">
+                            <a:latin typeface="Cambria Math" panose="02040503050406030204" pitchFamily="18" charset="0"/>
+                            <a:ea typeface="Cambria Math" panose="02040503050406030204" pitchFamily="18" charset="0"/>
+                          </a:rPr>
+                          <m:t>𝜋</m:t>
+                        </m:r>
+                      </m:e>
+                    </m:d>
+                    <m:r>
+                      <a:rPr lang="en-US" altLang="ja-JP" i="1">
+                        <a:latin typeface="Cambria Math" panose="02040503050406030204" pitchFamily="18" charset="0"/>
+                        <a:ea typeface="Cambria Math" panose="02040503050406030204" pitchFamily="18" charset="0"/>
+                      </a:rPr>
+                      <m:t>=</m:t>
+                    </m:r>
+                    <m:sSub>
+                      <m:sSubPr>
+                        <m:ctrlPr>
+                          <a:rPr lang="en-US" altLang="ja-JP" i="1">
+                            <a:latin typeface="Cambria Math" panose="02040503050406030204" pitchFamily="18" charset="0"/>
+                            <a:ea typeface="Cambria Math" panose="02040503050406030204" pitchFamily="18" charset="0"/>
+                          </a:rPr>
+                        </m:ctrlPr>
+                      </m:sSubPr>
+                      <m:e>
+                        <m:r>
+                          <a:rPr lang="en-US" altLang="ja-JP" i="1">
+                            <a:latin typeface="Cambria Math" panose="02040503050406030204" pitchFamily="18" charset="0"/>
+                            <a:ea typeface="Cambria Math" panose="02040503050406030204" pitchFamily="18" charset="0"/>
+                          </a:rPr>
+                          <m:t>𝔼</m:t>
+                        </m:r>
+                      </m:e>
+                      <m:sub>
+                        <m:r>
+                          <a:rPr lang="en-US" altLang="ja-JP" i="1">
+                            <a:latin typeface="Cambria Math" panose="02040503050406030204" pitchFamily="18" charset="0"/>
+                            <a:ea typeface="Cambria Math" panose="02040503050406030204" pitchFamily="18" charset="0"/>
+                          </a:rPr>
+                          <m:t>𝜋</m:t>
+                        </m:r>
+                        <m:r>
+                          <a:rPr lang="en-US" altLang="ja-JP" i="1">
+                            <a:latin typeface="Cambria Math" panose="02040503050406030204" pitchFamily="18" charset="0"/>
+                            <a:ea typeface="Cambria Math" panose="02040503050406030204" pitchFamily="18" charset="0"/>
+                          </a:rPr>
+                          <m:t>,</m:t>
+                        </m:r>
+                        <m:r>
+                          <a:rPr lang="en-US" altLang="ja-JP" i="1">
+                            <a:latin typeface="Cambria Math" panose="02040503050406030204" pitchFamily="18" charset="0"/>
+                            <a:ea typeface="Cambria Math" panose="02040503050406030204" pitchFamily="18" charset="0"/>
+                          </a:rPr>
+                          <m:t>𝑇</m:t>
+                        </m:r>
+                        <m:r>
+                          <a:rPr lang="en-US" altLang="ja-JP" i="1">
+                            <a:latin typeface="Cambria Math" panose="02040503050406030204" pitchFamily="18" charset="0"/>
+                            <a:ea typeface="Cambria Math" panose="02040503050406030204" pitchFamily="18" charset="0"/>
+                          </a:rPr>
+                          <m:t>,</m:t>
+                        </m:r>
+                        <m:sSub>
+                          <m:sSubPr>
+                            <m:ctrlPr>
+                              <a:rPr lang="en-US" altLang="ja-JP" i="1">
+                                <a:latin typeface="Cambria Math" panose="02040503050406030204" pitchFamily="18" charset="0"/>
+                              </a:rPr>
+                            </m:ctrlPr>
+                          </m:sSubPr>
+                          <m:e>
+                            <m:r>
+                              <a:rPr lang="en-US" altLang="ja-JP" i="1">
+                                <a:latin typeface="Cambria Math" panose="02040503050406030204" pitchFamily="18" charset="0"/>
+                                <a:ea typeface="Cambria Math" panose="02040503050406030204" pitchFamily="18" charset="0"/>
+                              </a:rPr>
+                              <m:t>𝜇</m:t>
+                            </m:r>
+                          </m:e>
+                          <m:sub>
+                            <m:r>
+                              <a:rPr lang="en-US" altLang="ja-JP" i="1">
+                                <a:latin typeface="Cambria Math" panose="02040503050406030204" pitchFamily="18" charset="0"/>
+                              </a:rPr>
+                              <m:t>0</m:t>
+                            </m:r>
+                          </m:sub>
+                        </m:sSub>
+                      </m:sub>
+                    </m:sSub>
+                    <m:r>
+                      <a:rPr lang="en-US" altLang="ja-JP" i="1">
+                        <a:latin typeface="Cambria Math" panose="02040503050406030204" pitchFamily="18" charset="0"/>
+                        <a:ea typeface="Cambria Math" panose="02040503050406030204" pitchFamily="18" charset="0"/>
+                      </a:rPr>
+                      <m:t>[</m:t>
+                    </m:r>
+                    <m:nary>
+                      <m:naryPr>
+                        <m:chr m:val="∑"/>
+                        <m:limLoc m:val="subSup"/>
+                        <m:ctrlPr>
+                          <a:rPr lang="en-US" altLang="ja-JP" i="1">
+                            <a:latin typeface="Cambria Math" panose="02040503050406030204" pitchFamily="18" charset="0"/>
+                            <a:ea typeface="Cambria Math" panose="02040503050406030204" pitchFamily="18" charset="0"/>
+                          </a:rPr>
+                        </m:ctrlPr>
+                      </m:naryPr>
+                      <m:sub>
+                        <m:r>
+                          <m:rPr>
+                            <m:brk m:alnAt="25"/>
+                          </m:rPr>
+                          <a:rPr lang="en-US" altLang="ja-JP" i="1">
+                            <a:latin typeface="Cambria Math" panose="02040503050406030204" pitchFamily="18" charset="0"/>
+                            <a:ea typeface="Cambria Math" panose="02040503050406030204" pitchFamily="18" charset="0"/>
+                          </a:rPr>
+                          <m:t>𝑡</m:t>
+                        </m:r>
+                        <m:r>
+                          <a:rPr lang="en-US" altLang="ja-JP" i="1">
+                            <a:latin typeface="Cambria Math" panose="02040503050406030204" pitchFamily="18" charset="0"/>
+                            <a:ea typeface="Cambria Math" panose="02040503050406030204" pitchFamily="18" charset="0"/>
+                          </a:rPr>
+                          <m:t>=0</m:t>
+                        </m:r>
+                      </m:sub>
+                      <m:sup>
+                        <m:r>
+                          <a:rPr lang="en-US" altLang="ja-JP" i="1">
+                            <a:latin typeface="Cambria Math" panose="02040503050406030204" pitchFamily="18" charset="0"/>
+                            <a:ea typeface="Cambria Math" panose="02040503050406030204" pitchFamily="18" charset="0"/>
+                          </a:rPr>
+                          <m:t>∞</m:t>
+                        </m:r>
+                      </m:sup>
+                      <m:e>
+                        <m:sSup>
+                          <m:sSupPr>
+                            <m:ctrlPr>
+                              <a:rPr lang="en-US" altLang="ja-JP" i="1">
+                                <a:latin typeface="Cambria Math" panose="02040503050406030204" pitchFamily="18" charset="0"/>
+                                <a:ea typeface="Cambria Math" panose="02040503050406030204" pitchFamily="18" charset="0"/>
+                              </a:rPr>
+                            </m:ctrlPr>
+                          </m:sSupPr>
+                          <m:e>
+                            <m:r>
+                              <a:rPr lang="en-US" altLang="ja-JP" i="1">
+                                <a:latin typeface="Cambria Math" panose="02040503050406030204" pitchFamily="18" charset="0"/>
+                                <a:ea typeface="Cambria Math" panose="02040503050406030204" pitchFamily="18" charset="0"/>
+                              </a:rPr>
+                              <m:t>𝛾</m:t>
+                            </m:r>
+                          </m:e>
+                          <m:sup>
+                            <m:r>
+                              <a:rPr lang="en-US" altLang="ja-JP" i="1">
+                                <a:latin typeface="Cambria Math" panose="02040503050406030204" pitchFamily="18" charset="0"/>
+                                <a:ea typeface="Cambria Math" panose="02040503050406030204" pitchFamily="18" charset="0"/>
+                              </a:rPr>
+                              <m:t>𝑡</m:t>
+                            </m:r>
+                          </m:sup>
+                        </m:sSup>
+                        <m:r>
+                          <a:rPr lang="en-US" altLang="ja-JP" i="1">
+                            <a:latin typeface="Cambria Math" panose="02040503050406030204" pitchFamily="18" charset="0"/>
+                            <a:ea typeface="Cambria Math" panose="02040503050406030204" pitchFamily="18" charset="0"/>
+                          </a:rPr>
+                          <m:t>𝑟</m:t>
+                        </m:r>
+                        <m:r>
+                          <a:rPr lang="en-US" altLang="ja-JP" i="1">
+                            <a:latin typeface="Cambria Math" panose="02040503050406030204" pitchFamily="18" charset="0"/>
+                            <a:ea typeface="Cambria Math" panose="02040503050406030204" pitchFamily="18" charset="0"/>
+                          </a:rPr>
+                          <m:t>(</m:t>
+                        </m:r>
+                        <m:sSub>
+                          <m:sSubPr>
+                            <m:ctrlPr>
+                              <a:rPr lang="en-US" altLang="ja-JP" i="1">
+                                <a:latin typeface="Cambria Math" panose="02040503050406030204" pitchFamily="18" charset="0"/>
+                                <a:ea typeface="Cambria Math" panose="02040503050406030204" pitchFamily="18" charset="0"/>
+                              </a:rPr>
+                            </m:ctrlPr>
+                          </m:sSubPr>
+                          <m:e>
+                            <m:r>
+                              <a:rPr lang="en-US" altLang="ja-JP" i="1">
+                                <a:latin typeface="Cambria Math" panose="02040503050406030204" pitchFamily="18" charset="0"/>
+                                <a:ea typeface="Cambria Math" panose="02040503050406030204" pitchFamily="18" charset="0"/>
+                              </a:rPr>
+                              <m:t>𝑠</m:t>
+                            </m:r>
+                          </m:e>
+                          <m:sub>
+                            <m:r>
+                              <a:rPr lang="en-US" altLang="ja-JP" i="1">
+                                <a:latin typeface="Cambria Math" panose="02040503050406030204" pitchFamily="18" charset="0"/>
+                                <a:ea typeface="Cambria Math" panose="02040503050406030204" pitchFamily="18" charset="0"/>
+                              </a:rPr>
+                              <m:t>𝑡</m:t>
+                            </m:r>
+                          </m:sub>
+                        </m:sSub>
+                        <m:r>
+                          <a:rPr lang="en-US" altLang="ja-JP" i="1">
+                            <a:latin typeface="Cambria Math" panose="02040503050406030204" pitchFamily="18" charset="0"/>
+                            <a:ea typeface="Cambria Math" panose="02040503050406030204" pitchFamily="18" charset="0"/>
+                          </a:rPr>
+                          <m:t>,</m:t>
+                        </m:r>
+                        <m:sSub>
+                          <m:sSubPr>
+                            <m:ctrlPr>
+                              <a:rPr lang="en-US" altLang="ja-JP" i="1">
+                                <a:latin typeface="Cambria Math" panose="02040503050406030204" pitchFamily="18" charset="0"/>
+                                <a:ea typeface="Cambria Math" panose="02040503050406030204" pitchFamily="18" charset="0"/>
+                              </a:rPr>
+                            </m:ctrlPr>
+                          </m:sSubPr>
+                          <m:e>
+                            <m:r>
+                              <a:rPr lang="en-US" altLang="ja-JP" i="1">
+                                <a:latin typeface="Cambria Math" panose="02040503050406030204" pitchFamily="18" charset="0"/>
+                                <a:ea typeface="Cambria Math" panose="02040503050406030204" pitchFamily="18" charset="0"/>
+                              </a:rPr>
+                              <m:t>𝑎</m:t>
+                            </m:r>
+                          </m:e>
+                          <m:sub>
+                            <m:r>
+                              <a:rPr lang="en-US" altLang="ja-JP" i="1">
+                                <a:latin typeface="Cambria Math" panose="02040503050406030204" pitchFamily="18" charset="0"/>
+                                <a:ea typeface="Cambria Math" panose="02040503050406030204" pitchFamily="18" charset="0"/>
+                              </a:rPr>
+                              <m:t>𝑡</m:t>
+                            </m:r>
+                          </m:sub>
+                        </m:sSub>
+                        <m:r>
+                          <a:rPr lang="en-US" altLang="ja-JP" i="1">
+                            <a:latin typeface="Cambria Math" panose="02040503050406030204" pitchFamily="18" charset="0"/>
+                            <a:ea typeface="Cambria Math" panose="02040503050406030204" pitchFamily="18" charset="0"/>
+                          </a:rPr>
+                          <m:t>)</m:t>
+                        </m:r>
+                      </m:e>
+                    </m:nary>
+                    <m:r>
+                      <a:rPr lang="en-US" altLang="ja-JP" i="1">
+                        <a:latin typeface="Cambria Math" panose="02040503050406030204" pitchFamily="18" charset="0"/>
+                        <a:ea typeface="Cambria Math" panose="02040503050406030204" pitchFamily="18" charset="0"/>
+                      </a:rPr>
+                      <m:t>]</m:t>
+                    </m:r>
+                  </m:oMath>
+                </a14:m>
+                <a:endParaRPr kumimoji="1" lang="en-US" altLang="ja-JP" dirty="0"/>
+              </a:p>
+              <a:p>
+                <a:pPr marL="457200" lvl="1" indent="0">
+                  <a:buNone/>
+                </a:pPr>
+                <a:endParaRPr lang="en-US" altLang="ja-JP" dirty="0"/>
+              </a:p>
+            </p:txBody>
+          </p:sp>
+        </mc:Choice>
+        <mc:Fallback xmlns="">
+          <p:sp>
+            <p:nvSpPr>
+              <p:cNvPr id="2" name="コンテンツ プレースホルダー 1">
+                <a:extLst>
+                  <a:ext uri="{FF2B5EF4-FFF2-40B4-BE49-F238E27FC236}">
+                    <a16:creationId xmlns:a16="http://schemas.microsoft.com/office/drawing/2014/main" id="{C7D5A4A2-BB4C-4C42-A8FE-BBB13BCB22B5}"/>
+                  </a:ext>
+                </a:extLst>
+              </p:cNvPr>
+              <p:cNvSpPr>
+                <a:spLocks noGrp="1" noRot="1" noChangeAspect="1" noMove="1" noResize="1" noEditPoints="1" noAdjustHandles="1" noChangeArrowheads="1" noChangeShapeType="1" noTextEdit="1"/>
+              </p:cNvSpPr>
+              <p:nvPr>
+                <p:ph idx="1"/>
+              </p:nvPr>
+            </p:nvSpPr>
+            <p:spPr>
+              <a:xfrm>
+                <a:off x="335572" y="1103022"/>
+                <a:ext cx="8480182" cy="5483635"/>
+              </a:xfrm>
+              <a:blipFill>
+                <a:blip r:embed="rId2"/>
+                <a:stretch>
+                  <a:fillRect l="-598" t="-1155" b="-2771"/>
+                </a:stretch>
+              </a:blipFill>
+            </p:spPr>
+            <p:txBody>
+              <a:bodyPr/>
+              <a:lstStyle/>
+              <a:p>
+                <a:r>
+                  <a:rPr lang="ja-JP" altLang="en-US">
+                    <a:noFill/>
+                  </a:rPr>
+                  <a:t> </a:t>
+                </a:r>
+              </a:p>
+            </p:txBody>
+          </p:sp>
+        </mc:Fallback>
+      </mc:AlternateContent>
+      <p:sp>
+        <p:nvSpPr>
+          <p:cNvPr id="3" name="日付プレースホルダー 2">
+            <a:extLst>
+              <a:ext uri="{FF2B5EF4-FFF2-40B4-BE49-F238E27FC236}">
+                <a16:creationId xmlns:a16="http://schemas.microsoft.com/office/drawing/2014/main" id="{AC015531-89C7-2B46-A3B4-660035626986}"/>
+              </a:ext>
+            </a:extLst>
+          </p:cNvPr>
+          <p:cNvSpPr>
+            <a:spLocks noGrp="1"/>
+          </p:cNvSpPr>
+          <p:nvPr>
+            <p:ph type="dt" sz="half" idx="10"/>
+          </p:nvPr>
+        </p:nvSpPr>
+        <p:spPr/>
+        <p:txBody>
+          <a:bodyPr/>
+          <a:lstStyle/>
+          <a:p>
+            <a:fld id="{A78451A6-5633-1640-B5F3-A4E1A483860B}" type="datetime1">
+              <a:rPr kumimoji="1" lang="ja-JP" altLang="en-US" smtClean="0"/>
+              <a:t>2020/6/9</a:t>
+            </a:fld>
+            <a:endParaRPr kumimoji="1" lang="ja-JP" altLang="en-US"/>
+          </a:p>
+        </p:txBody>
+      </p:sp>
+      <p:sp>
+        <p:nvSpPr>
+          <p:cNvPr id="4" name="フッター プレースホルダー 3">
+            <a:extLst>
+              <a:ext uri="{FF2B5EF4-FFF2-40B4-BE49-F238E27FC236}">
+                <a16:creationId xmlns:a16="http://schemas.microsoft.com/office/drawing/2014/main" id="{4260D634-7BC8-3B4D-90FF-27C8405FEA2D}"/>
+              </a:ext>
+            </a:extLst>
+          </p:cNvPr>
+          <p:cNvSpPr>
+            <a:spLocks noGrp="1"/>
+          </p:cNvSpPr>
+          <p:nvPr>
+            <p:ph type="ftr" sz="quarter" idx="11"/>
+          </p:nvPr>
+        </p:nvSpPr>
+        <p:spPr/>
+        <p:txBody>
+          <a:bodyPr/>
+          <a:lstStyle/>
+          <a:p>
+            <a:r>
+              <a:rPr kumimoji="1" lang="en-US" altLang="ja-JP" dirty="0"/>
+              <a:t>Control System Theory Group</a:t>
+            </a:r>
+            <a:endParaRPr kumimoji="1" lang="ja-JP" altLang="en-US"/>
+          </a:p>
+        </p:txBody>
+      </p:sp>
+      <p:sp>
+        <p:nvSpPr>
+          <p:cNvPr id="5" name="タイトル 4">
+            <a:extLst>
+              <a:ext uri="{FF2B5EF4-FFF2-40B4-BE49-F238E27FC236}">
+                <a16:creationId xmlns:a16="http://schemas.microsoft.com/office/drawing/2014/main" id="{79DD4A9A-FFE5-A945-9D5F-1A71273013D6}"/>
+              </a:ext>
+            </a:extLst>
+          </p:cNvPr>
+          <p:cNvSpPr>
+            <a:spLocks noGrp="1"/>
+          </p:cNvSpPr>
+          <p:nvPr>
+            <p:ph type="title"/>
+          </p:nvPr>
+        </p:nvSpPr>
+        <p:spPr/>
+        <p:txBody>
+          <a:bodyPr/>
+          <a:lstStyle/>
+          <a:p>
+            <a:r>
+              <a:rPr kumimoji="1" lang="en-US" altLang="ja-JP" dirty="0"/>
+              <a:t>Weekly Report</a:t>
+            </a:r>
+            <a:endParaRPr kumimoji="1" lang="ja-JP" altLang="en-US"/>
+          </a:p>
+        </p:txBody>
+      </p:sp>
+      <p:grpSp>
+        <p:nvGrpSpPr>
+          <p:cNvPr id="11" name="グループ化 10">
+            <a:extLst>
+              <a:ext uri="{FF2B5EF4-FFF2-40B4-BE49-F238E27FC236}">
+                <a16:creationId xmlns:a16="http://schemas.microsoft.com/office/drawing/2014/main" id="{7AB68E66-5E37-454F-9082-B5FCA97FD184}"/>
+              </a:ext>
+            </a:extLst>
+          </p:cNvPr>
+          <p:cNvGrpSpPr/>
+          <p:nvPr/>
+        </p:nvGrpSpPr>
+        <p:grpSpPr>
+          <a:xfrm>
+            <a:off x="3646447" y="5129170"/>
+            <a:ext cx="1821716" cy="369336"/>
+            <a:chOff x="3278459" y="5140321"/>
+            <a:chExt cx="1821716" cy="369336"/>
+          </a:xfrm>
+        </p:grpSpPr>
+        <mc:AlternateContent xmlns:mc="http://schemas.openxmlformats.org/markup-compatibility/2006" xmlns:a14="http://schemas.microsoft.com/office/drawing/2010/main">
+          <mc:Choice Requires="a14">
+            <p:sp>
+              <p:nvSpPr>
+                <p:cNvPr id="9" name="テキスト ボックス 8">
+                  <a:extLst>
+                    <a:ext uri="{FF2B5EF4-FFF2-40B4-BE49-F238E27FC236}">
+                      <a16:creationId xmlns:a16="http://schemas.microsoft.com/office/drawing/2014/main" id="{6D31FC22-26CC-9A40-A577-1524D86FAD8E}"/>
+                    </a:ext>
+                  </a:extLst>
+                </p:cNvPr>
+                <p:cNvSpPr txBox="1"/>
+                <p:nvPr/>
+              </p:nvSpPr>
+              <p:spPr>
+                <a:xfrm>
+                  <a:off x="3278459" y="5140321"/>
+                  <a:ext cx="1821716" cy="369332"/>
+                </a:xfrm>
+                <a:prstGeom prst="rect">
+                  <a:avLst/>
+                </a:prstGeom>
+                <a:noFill/>
+              </p:spPr>
+              <p:txBody>
+                <a:bodyPr wrap="none" rtlCol="0">
+                  <a:spAutoFit/>
+                </a:bodyPr>
+                <a:lstStyle/>
+                <a:p>
+                  <a:pPr/>
+                  <a14:m>
+                    <m:oMathPara xmlns:m="http://schemas.openxmlformats.org/officeDocument/2006/math">
+                      <m:oMathParaPr>
+                        <m:jc m:val="centerGroup"/>
+                      </m:oMathParaPr>
+                      <m:oMath xmlns:m="http://schemas.openxmlformats.org/officeDocument/2006/math">
+                        <m:sSub>
+                          <m:sSubPr>
+                            <m:ctrlPr>
+                              <a:rPr kumimoji="1" lang="en-US" altLang="ja-JP" i="1">
+                                <a:latin typeface="Cambria Math" panose="02040503050406030204" pitchFamily="18" charset="0"/>
+                              </a:rPr>
+                            </m:ctrlPr>
+                          </m:sSubPr>
+                          <m:e>
+                            <m:r>
+                              <a:rPr kumimoji="1" lang="en-US" altLang="ja-JP" i="1">
+                                <a:latin typeface="Cambria Math" panose="02040503050406030204" pitchFamily="18" charset="0"/>
+                                <a:ea typeface="Cambria Math" panose="02040503050406030204" pitchFamily="18" charset="0"/>
+                              </a:rPr>
+                              <m:t>𝜂</m:t>
+                            </m:r>
+                          </m:e>
+                          <m:sub>
+                            <m:r>
+                              <a:rPr kumimoji="1" lang="en-US" altLang="ja-JP" i="1">
+                                <a:latin typeface="Cambria Math" panose="02040503050406030204" pitchFamily="18" charset="0"/>
+                              </a:rPr>
+                              <m:t>𝑀</m:t>
+                            </m:r>
+                          </m:sub>
+                        </m:sSub>
+                        <m:d>
+                          <m:dPr>
+                            <m:ctrlPr>
+                              <a:rPr kumimoji="1" lang="en-US" altLang="ja-JP" i="1">
+                                <a:latin typeface="Cambria Math" panose="02040503050406030204" pitchFamily="18" charset="0"/>
+                              </a:rPr>
+                            </m:ctrlPr>
+                          </m:dPr>
+                          <m:e>
+                            <m:r>
+                              <a:rPr kumimoji="1" lang="en-US" altLang="ja-JP" i="1">
+                                <a:latin typeface="Cambria Math" panose="02040503050406030204" pitchFamily="18" charset="0"/>
+                                <a:ea typeface="Cambria Math" panose="02040503050406030204" pitchFamily="18" charset="0"/>
+                              </a:rPr>
+                              <m:t>𝜋</m:t>
+                            </m:r>
+                          </m:e>
+                        </m:d>
+                        <m:r>
+                          <a:rPr lang="en-US" altLang="ja-JP" i="1">
+                            <a:latin typeface="Cambria Math" panose="02040503050406030204" pitchFamily="18" charset="0"/>
+                            <a:ea typeface="Cambria Math" panose="02040503050406030204" pitchFamily="18" charset="0"/>
+                          </a:rPr>
+                          <m:t> </m:t>
+                        </m:r>
+                        <m:r>
+                          <a:rPr kumimoji="1" lang="en-US" altLang="ja-JP" b="0" i="1" smtClean="0">
+                            <a:latin typeface="Cambria Math" panose="02040503050406030204" pitchFamily="18" charset="0"/>
+                            <a:ea typeface="Cambria Math" panose="02040503050406030204" pitchFamily="18" charset="0"/>
+                          </a:rPr>
+                          <m:t>≥</m:t>
+                        </m:r>
+                        <m:sSub>
+                          <m:sSubPr>
+                            <m:ctrlPr>
+                              <a:rPr kumimoji="1" lang="en-US" altLang="ja-JP" i="1">
+                                <a:latin typeface="Cambria Math" panose="02040503050406030204" pitchFamily="18" charset="0"/>
+                              </a:rPr>
+                            </m:ctrlPr>
+                          </m:sSubPr>
+                          <m:e>
+                            <m:r>
+                              <a:rPr kumimoji="1" lang="en-US" altLang="ja-JP" i="1">
+                                <a:latin typeface="Cambria Math" panose="02040503050406030204" pitchFamily="18" charset="0"/>
+                                <a:ea typeface="Cambria Math" panose="02040503050406030204" pitchFamily="18" charset="0"/>
+                              </a:rPr>
+                              <m:t>𝜂</m:t>
+                            </m:r>
+                          </m:e>
+                          <m:sub>
+                            <m:acc>
+                              <m:accPr>
+                                <m:chr m:val="̃"/>
+                                <m:ctrlPr>
+                                  <a:rPr lang="en-US" altLang="ja-JP" i="1">
+                                    <a:latin typeface="Cambria Math" panose="02040503050406030204" pitchFamily="18" charset="0"/>
+                                  </a:rPr>
+                                </m:ctrlPr>
+                              </m:accPr>
+                              <m:e>
+                                <m:r>
+                                  <a:rPr lang="en-US" altLang="ja-JP" i="1">
+                                    <a:latin typeface="Cambria Math" panose="02040503050406030204" pitchFamily="18" charset="0"/>
+                                  </a:rPr>
+                                  <m:t>𝑀</m:t>
+                                </m:r>
+                              </m:e>
+                            </m:acc>
+                          </m:sub>
+                        </m:sSub>
+                        <m:d>
+                          <m:dPr>
+                            <m:ctrlPr>
+                              <a:rPr kumimoji="1" lang="en-US" altLang="ja-JP" i="1">
+                                <a:latin typeface="Cambria Math" panose="02040503050406030204" pitchFamily="18" charset="0"/>
+                              </a:rPr>
+                            </m:ctrlPr>
+                          </m:dPr>
+                          <m:e>
+                            <m:r>
+                              <a:rPr kumimoji="1" lang="en-US" altLang="ja-JP" i="1">
+                                <a:latin typeface="Cambria Math" panose="02040503050406030204" pitchFamily="18" charset="0"/>
+                                <a:ea typeface="Cambria Math" panose="02040503050406030204" pitchFamily="18" charset="0"/>
+                              </a:rPr>
+                              <m:t>𝜋</m:t>
+                            </m:r>
+                          </m:e>
+                        </m:d>
+                      </m:oMath>
+                    </m:oMathPara>
+                  </a14:m>
+                  <a:endParaRPr kumimoji="1" lang="ja-JP" altLang="en-US"/>
+                </a:p>
+              </p:txBody>
+            </p:sp>
+          </mc:Choice>
+          <mc:Fallback xmlns="">
+            <p:sp>
+              <p:nvSpPr>
+                <p:cNvPr id="9" name="テキスト ボックス 8">
+                  <a:extLst>
+                    <a:ext uri="{FF2B5EF4-FFF2-40B4-BE49-F238E27FC236}">
+                      <a16:creationId xmlns:a16="http://schemas.microsoft.com/office/drawing/2014/main" id="{6D31FC22-26CC-9A40-A577-1524D86FAD8E}"/>
+                    </a:ext>
+                  </a:extLst>
+                </p:cNvPr>
+                <p:cNvSpPr txBox="1">
+                  <a:spLocks noRot="1" noChangeAspect="1" noMove="1" noResize="1" noEditPoints="1" noAdjustHandles="1" noChangeArrowheads="1" noChangeShapeType="1" noTextEdit="1"/>
+                </p:cNvSpPr>
+                <p:nvPr/>
+              </p:nvSpPr>
+              <p:spPr>
+                <a:xfrm>
+                  <a:off x="3278459" y="5140321"/>
+                  <a:ext cx="1821716" cy="369332"/>
+                </a:xfrm>
+                <a:prstGeom prst="rect">
+                  <a:avLst/>
+                </a:prstGeom>
+                <a:blipFill>
+                  <a:blip r:embed="rId3"/>
+                  <a:stretch>
+                    <a:fillRect b="-13333"/>
+                  </a:stretch>
+                </a:blipFill>
+              </p:spPr>
+              <p:txBody>
+                <a:bodyPr/>
+                <a:lstStyle/>
+                <a:p>
+                  <a:r>
+                    <a:rPr lang="ja-JP" altLang="en-US">
+                      <a:noFill/>
+                    </a:rPr>
+                    <a:t> </a:t>
+                  </a:r>
+                </a:p>
+              </p:txBody>
+            </p:sp>
+          </mc:Fallback>
+        </mc:AlternateContent>
+        <p:sp>
+          <p:nvSpPr>
+            <p:cNvPr id="10" name="角丸四角形 9">
+              <a:extLst>
+                <a:ext uri="{FF2B5EF4-FFF2-40B4-BE49-F238E27FC236}">
+                  <a16:creationId xmlns:a16="http://schemas.microsoft.com/office/drawing/2014/main" id="{361DAF53-8170-A640-AC4C-E641A7B881AC}"/>
+                </a:ext>
+              </a:extLst>
+            </p:cNvPr>
+            <p:cNvSpPr/>
+            <p:nvPr/>
+          </p:nvSpPr>
+          <p:spPr>
+            <a:xfrm>
+              <a:off x="3345365" y="5140325"/>
+              <a:ext cx="1683835" cy="369332"/>
+            </a:xfrm>
+            <a:prstGeom prst="roundRect">
+              <a:avLst/>
+            </a:prstGeom>
+            <a:solidFill>
+              <a:schemeClr val="accent1">
+                <a:alpha val="27000"/>
+              </a:schemeClr>
+            </a:solidFill>
+          </p:spPr>
+          <p:style>
+            <a:lnRef idx="2">
+              <a:schemeClr val="accent1">
+                <a:shade val="50000"/>
+              </a:schemeClr>
+            </a:lnRef>
+            <a:fillRef idx="1">
+              <a:schemeClr val="accent1"/>
+            </a:fillRef>
+            <a:effectRef idx="0">
+              <a:schemeClr val="accent1"/>
+            </a:effectRef>
+            <a:fontRef idx="minor">
+              <a:schemeClr val="lt1"/>
+            </a:fontRef>
+          </p:style>
+          <p:txBody>
+            <a:bodyPr rtlCol="0" anchor="ctr"/>
+            <a:lstStyle/>
+            <a:p>
+              <a:pPr algn="ctr"/>
+              <a:endParaRPr kumimoji="1" lang="ja-JP" altLang="en-US"/>
+            </a:p>
+          </p:txBody>
+        </p:sp>
+      </p:grpSp>
+    </p:spTree>
+    <p:extLst>
+      <p:ext uri="{BB962C8B-B14F-4D97-AF65-F5344CB8AC3E}">
+        <p14:creationId xmlns:p14="http://schemas.microsoft.com/office/powerpoint/2010/main" val="113083262"/>
+      </p:ext>
+    </p:extLst>
+  </p:cSld>
+  <p:clrMapOvr>
+    <a:masterClrMapping/>
+  </p:clrMapOvr>
+</p:sld>
+</file>
+
+<file path=ppt/slides/slide4.xml><?xml version="1.0" encoding="utf-8"?>
+<p:sld xmlns:a="http://schemas.openxmlformats.org/drawingml/2006/main" xmlns:r="http://schemas.openxmlformats.org/officeDocument/2006/relationships" xmlns:p="http://schemas.openxmlformats.org/presentationml/2006/main">
+  <p:cSld>
+    <p:spTree>
+      <p:nvGrpSpPr>
+        <p:cNvPr id="1" name=""/>
+        <p:cNvGrpSpPr/>
+        <p:nvPr/>
+      </p:nvGrpSpPr>
+      <p:grpSpPr>
+        <a:xfrm>
+          <a:off x="0" y="0"/>
+          <a:ext cx="0" cy="0"/>
+          <a:chOff x="0" y="0"/>
+          <a:chExt cx="0" cy="0"/>
+        </a:xfrm>
+      </p:grpSpPr>
+      <mc:AlternateContent xmlns:mc="http://schemas.openxmlformats.org/markup-compatibility/2006" xmlns:a14="http://schemas.microsoft.com/office/drawing/2010/main">
+        <mc:Choice Requires="a14">
+          <p:sp>
+            <p:nvSpPr>
+              <p:cNvPr id="2" name="コンテンツ プレースホルダー 1">
+                <a:extLst>
+                  <a:ext uri="{FF2B5EF4-FFF2-40B4-BE49-F238E27FC236}">
+                    <a16:creationId xmlns:a16="http://schemas.microsoft.com/office/drawing/2014/main" id="{09F8A0F4-F2FC-F24C-A6DC-C3004A91F660}"/>
+                  </a:ext>
+                </a:extLst>
+              </p:cNvPr>
+              <p:cNvSpPr>
+                <a:spLocks noGrp="1"/>
+              </p:cNvSpPr>
+              <p:nvPr>
+                <p:ph idx="1"/>
+              </p:nvPr>
+            </p:nvSpPr>
+            <p:spPr/>
+            <p:txBody>
+              <a:bodyPr/>
+              <a:lstStyle/>
+              <a:p>
+                <a:r>
+                  <a:rPr kumimoji="1" lang="en-US" altLang="ja-JP" dirty="0"/>
+                  <a:t>Apply </a:t>
+                </a:r>
+                <a:r>
+                  <a:rPr lang="en-US" altLang="ja-JP"/>
+                  <a:t>policy optimization (like SAC) </a:t>
+                </a:r>
+                <a:r>
+                  <a:rPr lang="en-US" altLang="ja-JP" dirty="0"/>
+                  <a:t>over </a:t>
+                </a:r>
+                <a14:m>
+                  <m:oMath xmlns:m="http://schemas.openxmlformats.org/officeDocument/2006/math">
+                    <m:acc>
+                      <m:accPr>
+                        <m:chr m:val="̃"/>
+                        <m:ctrlPr>
+                          <a:rPr lang="en-US" altLang="ja-JP" i="1">
+                            <a:latin typeface="Cambria Math" panose="02040503050406030204" pitchFamily="18" charset="0"/>
+                          </a:rPr>
+                        </m:ctrlPr>
+                      </m:accPr>
+                      <m:e>
+                        <m:r>
+                          <a:rPr lang="en-US" altLang="ja-JP" i="1">
+                            <a:latin typeface="Cambria Math" panose="02040503050406030204" pitchFamily="18" charset="0"/>
+                          </a:rPr>
+                          <m:t>𝑀</m:t>
+                        </m:r>
+                      </m:e>
+                    </m:acc>
+                  </m:oMath>
+                </a14:m>
+                <a:endParaRPr lang="en-US" altLang="ja-JP" dirty="0"/>
+              </a:p>
+              <a:p>
+                <a:endParaRPr lang="en-US" altLang="ja-JP" dirty="0"/>
+              </a:p>
+              <a:p>
+                <a:endParaRPr kumimoji="1" lang="en-US" altLang="ja-JP" dirty="0"/>
+              </a:p>
+              <a:p>
+                <a:endParaRPr lang="en-US" altLang="ja-JP" dirty="0"/>
+              </a:p>
+              <a:p>
+                <a:r>
+                  <a:rPr lang="en-US" altLang="ja-JP" dirty="0">
+                    <a:solidFill>
+                      <a:srgbClr val="FF0000"/>
+                    </a:solidFill>
+                  </a:rPr>
+                  <a:t>If</a:t>
+                </a:r>
+                <a:r>
+                  <a:rPr lang="en-US" altLang="ja-JP" dirty="0"/>
+                  <a:t> we have </a:t>
+                </a:r>
+                <a14:m>
+                  <m:oMath xmlns:m="http://schemas.openxmlformats.org/officeDocument/2006/math">
+                    <m:r>
+                      <a:rPr lang="en-US" altLang="ja-JP" b="0" i="1" smtClean="0">
+                        <a:latin typeface="Cambria Math" panose="02040503050406030204" pitchFamily="18" charset="0"/>
+                      </a:rPr>
+                      <m:t>𝑢</m:t>
+                    </m:r>
+                    <m:d>
+                      <m:dPr>
+                        <m:ctrlPr>
+                          <a:rPr lang="en-US" altLang="ja-JP" i="1">
+                            <a:latin typeface="Cambria Math" panose="02040503050406030204" pitchFamily="18" charset="0"/>
+                          </a:rPr>
+                        </m:ctrlPr>
+                      </m:dPr>
+                      <m:e>
+                        <m:r>
+                          <a:rPr lang="en-US" altLang="ja-JP" i="1">
+                            <a:latin typeface="Cambria Math" panose="02040503050406030204" pitchFamily="18" charset="0"/>
+                          </a:rPr>
+                          <m:t>𝑠</m:t>
+                        </m:r>
+                        <m:r>
+                          <a:rPr lang="en-US" altLang="ja-JP" i="1">
+                            <a:latin typeface="Cambria Math" panose="02040503050406030204" pitchFamily="18" charset="0"/>
+                          </a:rPr>
+                          <m:t>,</m:t>
+                        </m:r>
+                        <m:r>
+                          <a:rPr lang="en-US" altLang="ja-JP" i="1">
+                            <a:latin typeface="Cambria Math" panose="02040503050406030204" pitchFamily="18" charset="0"/>
+                          </a:rPr>
+                          <m:t>𝑎</m:t>
+                        </m:r>
+                      </m:e>
+                    </m:d>
+                  </m:oMath>
+                </a14:m>
+                <a:endParaRPr lang="en-US" altLang="ja-JP" dirty="0"/>
+              </a:p>
+              <a:p>
+                <a:pPr lvl="1"/>
+                <a:r>
+                  <a:rPr lang="en-US" altLang="ja-JP" dirty="0"/>
+                  <a:t>Learned policy </a:t>
+                </a:r>
+                <a14:m>
+                  <m:oMath xmlns:m="http://schemas.openxmlformats.org/officeDocument/2006/math">
+                    <m:acc>
+                      <m:accPr>
+                        <m:chr m:val="̂"/>
+                        <m:ctrlPr>
+                          <a:rPr lang="en-US" altLang="ja-JP" i="1">
+                            <a:latin typeface="Cambria Math" panose="02040503050406030204" pitchFamily="18" charset="0"/>
+                          </a:rPr>
+                        </m:ctrlPr>
+                      </m:accPr>
+                      <m:e>
+                        <m:r>
+                          <a:rPr lang="en-US" altLang="ja-JP" i="1">
+                            <a:latin typeface="Cambria Math" panose="02040503050406030204" pitchFamily="18" charset="0"/>
+                            <a:ea typeface="Cambria Math" panose="02040503050406030204" pitchFamily="18" charset="0"/>
+                          </a:rPr>
+                          <m:t>𝜋</m:t>
+                        </m:r>
+                      </m:e>
+                    </m:acc>
+                    <m:r>
+                      <a:rPr lang="en-US" altLang="ja-JP" i="1">
+                        <a:latin typeface="Cambria Math" panose="02040503050406030204" pitchFamily="18" charset="0"/>
+                      </a:rPr>
+                      <m:t> </m:t>
+                    </m:r>
+                  </m:oMath>
+                </a14:m>
+                <a:r>
+                  <a:rPr lang="en-US" altLang="ja-JP" dirty="0"/>
+                  <a:t>is evaluated as follows:</a:t>
+                </a:r>
+              </a:p>
+              <a:p>
+                <a:pPr lvl="4"/>
+                <a:endParaRPr lang="en-US" altLang="ja-JP" dirty="0"/>
+              </a:p>
+              <a:p>
+                <a:pPr lvl="1"/>
+                <a:endParaRPr lang="en-US" altLang="ja-JP" dirty="0"/>
+              </a:p>
+              <a:p>
+                <a:pPr lvl="1"/>
+                <a:endParaRPr lang="en-US" altLang="ja-JP" dirty="0"/>
+              </a:p>
+              <a:p>
+                <a:pPr marL="457200" lvl="1" indent="0">
+                  <a:buNone/>
+                </a:pPr>
+                <a:r>
+                  <a:rPr lang="en-US" altLang="ja-JP" dirty="0"/>
+                  <a:t>    where</a:t>
+                </a:r>
+                <a14:m>
+                  <m:oMath xmlns:m="http://schemas.openxmlformats.org/officeDocument/2006/math">
+                    <m:sSub>
+                      <m:sSubPr>
+                        <m:ctrlPr>
+                          <a:rPr lang="en-US" altLang="ja-JP" i="1">
+                            <a:latin typeface="Cambria Math" panose="02040503050406030204" pitchFamily="18" charset="0"/>
+                            <a:ea typeface="Cambria Math" panose="02040503050406030204" pitchFamily="18" charset="0"/>
+                          </a:rPr>
+                        </m:ctrlPr>
+                      </m:sSubPr>
+                      <m:e>
+                        <m:r>
+                          <a:rPr lang="en-US" altLang="ja-JP" b="0" i="1" smtClean="0">
+                            <a:latin typeface="Cambria Math" panose="02040503050406030204" pitchFamily="18" charset="0"/>
+                            <a:ea typeface="Cambria Math" panose="02040503050406030204" pitchFamily="18" charset="0"/>
+                          </a:rPr>
+                          <m:t> </m:t>
+                        </m:r>
+                        <m:r>
+                          <a:rPr lang="en-US" altLang="ja-JP" i="1">
+                            <a:latin typeface="Cambria Math" panose="02040503050406030204" pitchFamily="18" charset="0"/>
+                            <a:ea typeface="Cambria Math" panose="02040503050406030204" pitchFamily="18" charset="0"/>
+                          </a:rPr>
+                          <m:t>𝜀</m:t>
+                        </m:r>
+                      </m:e>
+                      <m:sub>
+                        <m:r>
+                          <a:rPr lang="en-US" altLang="ja-JP" i="1">
+                            <a:latin typeface="Cambria Math" panose="02040503050406030204" pitchFamily="18" charset="0"/>
+                            <a:ea typeface="Cambria Math" panose="02040503050406030204" pitchFamily="18" charset="0"/>
+                          </a:rPr>
+                          <m:t>𝑢</m:t>
+                        </m:r>
+                      </m:sub>
+                    </m:sSub>
+                    <m:d>
+                      <m:dPr>
+                        <m:ctrlPr>
+                          <a:rPr lang="en-US" altLang="ja-JP" i="1">
+                            <a:latin typeface="Cambria Math" panose="02040503050406030204" pitchFamily="18" charset="0"/>
+                            <a:ea typeface="Cambria Math" panose="02040503050406030204" pitchFamily="18" charset="0"/>
+                          </a:rPr>
+                        </m:ctrlPr>
+                      </m:dPr>
+                      <m:e>
+                        <m:r>
+                          <a:rPr lang="en-US" altLang="ja-JP" i="1">
+                            <a:latin typeface="Cambria Math" panose="02040503050406030204" pitchFamily="18" charset="0"/>
+                            <a:ea typeface="Cambria Math" panose="02040503050406030204" pitchFamily="18" charset="0"/>
+                          </a:rPr>
+                          <m:t>𝜋</m:t>
+                        </m:r>
+                      </m:e>
+                    </m:d>
+                    <m:r>
+                      <a:rPr lang="en-US" altLang="ja-JP" b="0" i="1" smtClean="0">
+                        <a:latin typeface="Cambria Math" panose="02040503050406030204" pitchFamily="18" charset="0"/>
+                        <a:ea typeface="Cambria Math" panose="02040503050406030204" pitchFamily="18" charset="0"/>
+                      </a:rPr>
+                      <m:t>=</m:t>
+                    </m:r>
+                  </m:oMath>
+                </a14:m>
+                <a:r>
+                  <a:rPr lang="en-US" altLang="ja-JP" dirty="0">
+                    <a:ea typeface="Cambria Math" panose="02040503050406030204" pitchFamily="18" charset="0"/>
+                  </a:rPr>
+                  <a:t> </a:t>
+                </a:r>
+                <a14:m>
+                  <m:oMath xmlns:m="http://schemas.openxmlformats.org/officeDocument/2006/math">
+                    <m:sSub>
+                      <m:sSubPr>
+                        <m:ctrlPr>
+                          <a:rPr lang="en-US" altLang="ja-JP" i="1">
+                            <a:latin typeface="Cambria Math" panose="02040503050406030204" pitchFamily="18" charset="0"/>
+                            <a:ea typeface="Cambria Math" panose="02040503050406030204" pitchFamily="18" charset="0"/>
+                          </a:rPr>
+                        </m:ctrlPr>
+                      </m:sSubPr>
+                      <m:e>
+                        <m:r>
+                          <a:rPr lang="en-US" altLang="ja-JP" i="1">
+                            <a:latin typeface="Cambria Math" panose="02040503050406030204" pitchFamily="18" charset="0"/>
+                            <a:ea typeface="Cambria Math" panose="02040503050406030204" pitchFamily="18" charset="0"/>
+                          </a:rPr>
+                          <m:t>𝔼</m:t>
+                        </m:r>
+                      </m:e>
+                      <m:sub>
+                        <m:d>
+                          <m:dPr>
+                            <m:ctrlPr>
+                              <a:rPr lang="en-US" altLang="ja-JP" b="0" i="1" smtClean="0">
+                                <a:latin typeface="Cambria Math" panose="02040503050406030204" pitchFamily="18" charset="0"/>
+                                <a:ea typeface="Cambria Math" panose="02040503050406030204" pitchFamily="18" charset="0"/>
+                              </a:rPr>
+                            </m:ctrlPr>
+                          </m:dPr>
+                          <m:e>
+                            <m:r>
+                              <a:rPr lang="en-US" altLang="ja-JP" b="0" i="1" smtClean="0">
+                                <a:latin typeface="Cambria Math" panose="02040503050406030204" pitchFamily="18" charset="0"/>
+                                <a:ea typeface="Cambria Math" panose="02040503050406030204" pitchFamily="18" charset="0"/>
+                              </a:rPr>
+                              <m:t>𝑠</m:t>
+                            </m:r>
+                            <m:r>
+                              <a:rPr lang="en-US" altLang="ja-JP" b="0" i="1" smtClean="0">
+                                <a:latin typeface="Cambria Math" panose="02040503050406030204" pitchFamily="18" charset="0"/>
+                                <a:ea typeface="Cambria Math" panose="02040503050406030204" pitchFamily="18" charset="0"/>
+                              </a:rPr>
+                              <m:t>,</m:t>
+                            </m:r>
+                            <m:r>
+                              <a:rPr lang="en-US" altLang="ja-JP" b="0" i="1" smtClean="0">
+                                <a:latin typeface="Cambria Math" panose="02040503050406030204" pitchFamily="18" charset="0"/>
+                                <a:ea typeface="Cambria Math" panose="02040503050406030204" pitchFamily="18" charset="0"/>
+                              </a:rPr>
+                              <m:t>𝑎</m:t>
+                            </m:r>
+                          </m:e>
+                        </m:d>
+                        <m:r>
+                          <a:rPr lang="en-US" altLang="ja-JP" b="0" i="1" smtClean="0">
+                            <a:latin typeface="Cambria Math" panose="02040503050406030204" pitchFamily="18" charset="0"/>
+                            <a:ea typeface="Cambria Math" panose="02040503050406030204" pitchFamily="18" charset="0"/>
+                          </a:rPr>
+                          <m:t>~</m:t>
+                        </m:r>
+                        <m:sSubSup>
+                          <m:sSubSupPr>
+                            <m:ctrlPr>
+                              <a:rPr lang="en-US" altLang="ja-JP" i="1">
+                                <a:latin typeface="Cambria Math" panose="02040503050406030204" pitchFamily="18" charset="0"/>
+                              </a:rPr>
+                            </m:ctrlPr>
+                          </m:sSubSupPr>
+                          <m:e>
+                            <m:r>
+                              <a:rPr lang="en-US" altLang="ja-JP" i="1">
+                                <a:latin typeface="Cambria Math" panose="02040503050406030204" pitchFamily="18" charset="0"/>
+                                <a:ea typeface="Cambria Math" panose="02040503050406030204" pitchFamily="18" charset="0"/>
+                              </a:rPr>
+                              <m:t>𝜌</m:t>
+                            </m:r>
+                          </m:e>
+                          <m:sub>
+                            <m:acc>
+                              <m:accPr>
+                                <m:chr m:val="̂"/>
+                                <m:ctrlPr>
+                                  <a:rPr lang="en-US" altLang="ja-JP" i="1">
+                                    <a:latin typeface="Cambria Math" panose="02040503050406030204" pitchFamily="18" charset="0"/>
+                                  </a:rPr>
+                                </m:ctrlPr>
+                              </m:accPr>
+                              <m:e>
+                                <m:r>
+                                  <a:rPr lang="en-US" altLang="ja-JP" i="1">
+                                    <a:latin typeface="Cambria Math" panose="02040503050406030204" pitchFamily="18" charset="0"/>
+                                  </a:rPr>
+                                  <m:t>𝑇</m:t>
+                                </m:r>
+                              </m:e>
+                            </m:acc>
+                          </m:sub>
+                          <m:sup>
+                            <m:r>
+                              <a:rPr lang="en-US" altLang="ja-JP" i="1">
+                                <a:latin typeface="Cambria Math" panose="02040503050406030204" pitchFamily="18" charset="0"/>
+                                <a:ea typeface="Cambria Math" panose="02040503050406030204" pitchFamily="18" charset="0"/>
+                              </a:rPr>
+                              <m:t>𝜋</m:t>
+                            </m:r>
+                          </m:sup>
+                        </m:sSubSup>
+                      </m:sub>
+                    </m:sSub>
+                    <m:r>
+                      <a:rPr lang="en-US" altLang="ja-JP" b="0" i="1" smtClean="0">
+                        <a:latin typeface="Cambria Math" panose="02040503050406030204" pitchFamily="18" charset="0"/>
+                      </a:rPr>
+                      <m:t>𝑢</m:t>
+                    </m:r>
+                    <m:r>
+                      <a:rPr lang="en-US" altLang="ja-JP" b="0" i="1" smtClean="0">
+                        <a:latin typeface="Cambria Math" panose="02040503050406030204" pitchFamily="18" charset="0"/>
+                      </a:rPr>
+                      <m:t>(</m:t>
+                    </m:r>
+                    <m:r>
+                      <a:rPr lang="en-US" altLang="ja-JP" b="0" i="1" smtClean="0">
+                        <a:latin typeface="Cambria Math" panose="02040503050406030204" pitchFamily="18" charset="0"/>
+                      </a:rPr>
+                      <m:t>𝑠</m:t>
+                    </m:r>
+                    <m:r>
+                      <a:rPr lang="en-US" altLang="ja-JP" b="0" i="1" smtClean="0">
+                        <a:latin typeface="Cambria Math" panose="02040503050406030204" pitchFamily="18" charset="0"/>
+                      </a:rPr>
+                      <m:t>,</m:t>
+                    </m:r>
+                    <m:r>
+                      <a:rPr lang="en-US" altLang="ja-JP" b="0" i="1" smtClean="0">
+                        <a:latin typeface="Cambria Math" panose="02040503050406030204" pitchFamily="18" charset="0"/>
+                      </a:rPr>
+                      <m:t>𝑎</m:t>
+                    </m:r>
+                    <m:r>
+                      <a:rPr lang="en-US" altLang="ja-JP" b="0" i="1" smtClean="0">
+                        <a:latin typeface="Cambria Math" panose="02040503050406030204" pitchFamily="18" charset="0"/>
+                      </a:rPr>
+                      <m:t>)</m:t>
+                    </m:r>
+                  </m:oMath>
+                </a14:m>
+                <a:endParaRPr lang="en-US" altLang="ja-JP" dirty="0"/>
+              </a:p>
+              <a:p>
+                <a:pPr marL="457200" lvl="1" indent="0">
+                  <a:buNone/>
+                </a:pPr>
+                <a:endParaRPr lang="ja-JP" altLang="en-US"/>
+              </a:p>
+              <a:p>
+                <a:r>
+                  <a:rPr lang="en-US" altLang="ja-JP" dirty="0"/>
+                  <a:t>Becaus</a:t>
+                </a:r>
+                <a:r>
+                  <a:rPr kumimoji="1" lang="en-US" altLang="ja-JP" dirty="0"/>
+                  <a:t>e we cannot have exact </a:t>
+                </a:r>
+                <a14:m>
+                  <m:oMath xmlns:m="http://schemas.openxmlformats.org/officeDocument/2006/math">
+                    <m:r>
+                      <a:rPr lang="en-US" altLang="ja-JP" i="1">
+                        <a:latin typeface="Cambria Math" panose="02040503050406030204" pitchFamily="18" charset="0"/>
+                      </a:rPr>
+                      <m:t>𝑢</m:t>
+                    </m:r>
+                    <m:d>
+                      <m:dPr>
+                        <m:ctrlPr>
+                          <a:rPr lang="en-US" altLang="ja-JP" i="1">
+                            <a:latin typeface="Cambria Math" panose="02040503050406030204" pitchFamily="18" charset="0"/>
+                          </a:rPr>
+                        </m:ctrlPr>
+                      </m:dPr>
+                      <m:e>
+                        <m:r>
+                          <a:rPr lang="en-US" altLang="ja-JP" i="1">
+                            <a:latin typeface="Cambria Math" panose="02040503050406030204" pitchFamily="18" charset="0"/>
+                          </a:rPr>
+                          <m:t>𝑠</m:t>
+                        </m:r>
+                        <m:r>
+                          <a:rPr lang="en-US" altLang="ja-JP" i="1">
+                            <a:latin typeface="Cambria Math" panose="02040503050406030204" pitchFamily="18" charset="0"/>
+                          </a:rPr>
+                          <m:t>,</m:t>
+                        </m:r>
+                        <m:r>
+                          <a:rPr lang="en-US" altLang="ja-JP" i="1">
+                            <a:latin typeface="Cambria Math" panose="02040503050406030204" pitchFamily="18" charset="0"/>
+                          </a:rPr>
+                          <m:t>𝑎</m:t>
+                        </m:r>
+                      </m:e>
+                    </m:d>
+                  </m:oMath>
+                </a14:m>
+                <a:r>
+                  <a:rPr kumimoji="1" lang="en-US" altLang="ja-JP" dirty="0"/>
+                  <a:t>, [1] uses heuristic surrogate</a:t>
+                </a:r>
+              </a:p>
+              <a:p>
+                <a:r>
+                  <a:rPr lang="en-US" altLang="ja-JP" dirty="0"/>
+                  <a:t>[1,2] uses neural network to approximate dynamics </a:t>
+                </a:r>
+                <a14:m>
+                  <m:oMath xmlns:m="http://schemas.openxmlformats.org/officeDocument/2006/math">
+                    <m:r>
+                      <a:rPr lang="en-US" altLang="ja-JP" b="0" i="1" smtClean="0">
+                        <a:latin typeface="Cambria Math" panose="02040503050406030204" pitchFamily="18" charset="0"/>
+                      </a:rPr>
+                      <m:t>𝑇</m:t>
+                    </m:r>
+                  </m:oMath>
+                </a14:m>
+                <a:endParaRPr kumimoji="1" lang="ja-JP" altLang="en-US"/>
+              </a:p>
+            </p:txBody>
+          </p:sp>
+        </mc:Choice>
+        <mc:Fallback xmlns="">
+          <p:sp>
+            <p:nvSpPr>
+              <p:cNvPr id="2" name="コンテンツ プレースホルダー 1">
+                <a:extLst>
+                  <a:ext uri="{FF2B5EF4-FFF2-40B4-BE49-F238E27FC236}">
+                    <a16:creationId xmlns:a16="http://schemas.microsoft.com/office/drawing/2014/main" id="{09F8A0F4-F2FC-F24C-A6DC-C3004A91F660}"/>
+                  </a:ext>
+                </a:extLst>
+              </p:cNvPr>
+              <p:cNvSpPr>
+                <a:spLocks noGrp="1" noRot="1" noChangeAspect="1" noMove="1" noResize="1" noEditPoints="1" noAdjustHandles="1" noChangeArrowheads="1" noChangeShapeType="1" noTextEdit="1"/>
+              </p:cNvSpPr>
+              <p:nvPr>
+                <p:ph idx="1"/>
+              </p:nvPr>
+            </p:nvSpPr>
+            <p:spPr>
+              <a:blipFill>
+                <a:blip r:embed="rId2"/>
+                <a:stretch>
+                  <a:fillRect l="-598" t="-1266" b="-2025"/>
+                </a:stretch>
+              </a:blipFill>
+            </p:spPr>
+            <p:txBody>
+              <a:bodyPr/>
+              <a:lstStyle/>
+              <a:p>
+                <a:r>
+                  <a:rPr lang="ja-JP" altLang="en-US">
+                    <a:noFill/>
+                  </a:rPr>
+                  <a:t> </a:t>
+                </a:r>
+              </a:p>
+            </p:txBody>
+          </p:sp>
+        </mc:Fallback>
+      </mc:AlternateContent>
+      <p:sp>
+        <p:nvSpPr>
+          <p:cNvPr id="3" name="日付プレースホルダー 2">
+            <a:extLst>
+              <a:ext uri="{FF2B5EF4-FFF2-40B4-BE49-F238E27FC236}">
+                <a16:creationId xmlns:a16="http://schemas.microsoft.com/office/drawing/2014/main" id="{F0813952-A73B-654F-9872-23DCAE8719EC}"/>
+              </a:ext>
+            </a:extLst>
+          </p:cNvPr>
+          <p:cNvSpPr>
+            <a:spLocks noGrp="1"/>
+          </p:cNvSpPr>
+          <p:nvPr>
+            <p:ph type="dt" sz="half" idx="10"/>
+          </p:nvPr>
+        </p:nvSpPr>
+        <p:spPr/>
+        <p:txBody>
+          <a:bodyPr/>
+          <a:lstStyle/>
+          <a:p>
+            <a:fld id="{B330F009-02A4-AE4D-8EB3-460616595EE8}" type="datetime1">
+              <a:rPr kumimoji="1" lang="ja-JP" altLang="en-US" smtClean="0"/>
+              <a:t>2020/6/9</a:t>
+            </a:fld>
+            <a:endParaRPr kumimoji="1" lang="ja-JP" altLang="en-US"/>
+          </a:p>
+        </p:txBody>
+      </p:sp>
+      <p:sp>
+        <p:nvSpPr>
+          <p:cNvPr id="4" name="フッター プレースホルダー 3">
+            <a:extLst>
+              <a:ext uri="{FF2B5EF4-FFF2-40B4-BE49-F238E27FC236}">
+                <a16:creationId xmlns:a16="http://schemas.microsoft.com/office/drawing/2014/main" id="{D9F2CC16-C5B5-EF4B-8982-91B5F502AD92}"/>
+              </a:ext>
+            </a:extLst>
+          </p:cNvPr>
+          <p:cNvSpPr>
+            <a:spLocks noGrp="1"/>
+          </p:cNvSpPr>
+          <p:nvPr>
+            <p:ph type="ftr" sz="quarter" idx="11"/>
+          </p:nvPr>
+        </p:nvSpPr>
+        <p:spPr/>
+        <p:txBody>
+          <a:bodyPr/>
+          <a:lstStyle/>
+          <a:p>
+            <a:r>
+              <a:rPr kumimoji="1" lang="en-US" altLang="ja-JP"/>
+              <a:t>Control System Theory Group</a:t>
+            </a:r>
+            <a:endParaRPr kumimoji="1" lang="ja-JP" altLang="en-US"/>
+          </a:p>
+        </p:txBody>
+      </p:sp>
+      <p:sp>
+        <p:nvSpPr>
+          <p:cNvPr id="5" name="タイトル 4">
+            <a:extLst>
+              <a:ext uri="{FF2B5EF4-FFF2-40B4-BE49-F238E27FC236}">
+                <a16:creationId xmlns:a16="http://schemas.microsoft.com/office/drawing/2014/main" id="{B56DE043-7098-7E45-B333-3D3901F7A764}"/>
+              </a:ext>
+            </a:extLst>
+          </p:cNvPr>
+          <p:cNvSpPr>
+            <a:spLocks noGrp="1"/>
+          </p:cNvSpPr>
+          <p:nvPr>
+            <p:ph type="title"/>
+          </p:nvPr>
+        </p:nvSpPr>
+        <p:spPr/>
+        <p:txBody>
+          <a:bodyPr/>
+          <a:lstStyle/>
+          <a:p>
+            <a:r>
+              <a:rPr lang="en-US" altLang="ja-JP" dirty="0"/>
+              <a:t>Weekly Report</a:t>
+            </a:r>
+            <a:endParaRPr kumimoji="1" lang="ja-JP" altLang="en-US"/>
+          </a:p>
+        </p:txBody>
+      </p:sp>
+      <mc:AlternateContent xmlns:mc="http://schemas.openxmlformats.org/markup-compatibility/2006" xmlns:a14="http://schemas.microsoft.com/office/drawing/2010/main">
+        <mc:Choice Requires="a14">
+          <p:sp>
+            <p:nvSpPr>
+              <p:cNvPr id="6" name="テキスト ボックス 5">
+                <a:extLst>
+                  <a:ext uri="{FF2B5EF4-FFF2-40B4-BE49-F238E27FC236}">
+                    <a16:creationId xmlns:a16="http://schemas.microsoft.com/office/drawing/2014/main" id="{CD9F24D6-8AF4-514B-BBFA-BA7515C569AA}"/>
+                  </a:ext>
+                </a:extLst>
+              </p:cNvPr>
+              <p:cNvSpPr txBox="1"/>
+              <p:nvPr/>
+            </p:nvSpPr>
+            <p:spPr>
+              <a:xfrm>
+                <a:off x="2196791" y="1749398"/>
+                <a:ext cx="2343910" cy="369332"/>
+              </a:xfrm>
+              <a:prstGeom prst="rect">
+                <a:avLst/>
+              </a:prstGeom>
+              <a:noFill/>
+            </p:spPr>
+            <p:txBody>
+              <a:bodyPr wrap="none" rtlCol="0">
+                <a:spAutoFit/>
+              </a:bodyPr>
+              <a:lstStyle/>
+              <a:p>
+                <a:pPr/>
+                <a14:m>
+                  <m:oMathPara xmlns:m="http://schemas.openxmlformats.org/officeDocument/2006/math">
+                    <m:oMathParaPr>
+                      <m:jc m:val="centerGroup"/>
+                    </m:oMathParaPr>
+                    <m:oMath xmlns:m="http://schemas.openxmlformats.org/officeDocument/2006/math">
+                      <m:acc>
+                        <m:accPr>
+                          <m:chr m:val="̂"/>
+                          <m:ctrlPr>
+                            <a:rPr lang="en-US" altLang="ja-JP" i="1" smtClean="0">
+                              <a:latin typeface="Cambria Math" panose="02040503050406030204" pitchFamily="18" charset="0"/>
+                            </a:rPr>
+                          </m:ctrlPr>
+                        </m:accPr>
+                        <m:e>
+                          <m:r>
+                            <a:rPr lang="en-US" altLang="ja-JP" i="1">
+                              <a:latin typeface="Cambria Math" panose="02040503050406030204" pitchFamily="18" charset="0"/>
+                              <a:ea typeface="Cambria Math" panose="02040503050406030204" pitchFamily="18" charset="0"/>
+                            </a:rPr>
+                            <m:t>𝜋</m:t>
+                          </m:r>
+                        </m:e>
+                      </m:acc>
+                      <m:r>
+                        <a:rPr lang="en-US" altLang="ja-JP" i="1">
+                          <a:latin typeface="Cambria Math" panose="02040503050406030204" pitchFamily="18" charset="0"/>
+                          <a:ea typeface="Cambria Math" panose="02040503050406030204" pitchFamily="18" charset="0"/>
+                        </a:rPr>
+                        <m:t> </m:t>
+                      </m:r>
+                      <m:r>
+                        <a:rPr kumimoji="1" lang="en-US" altLang="ja-JP" b="0" i="1" smtClean="0">
+                          <a:latin typeface="Cambria Math" panose="02040503050406030204" pitchFamily="18" charset="0"/>
+                          <a:ea typeface="Cambria Math" panose="02040503050406030204" pitchFamily="18" charset="0"/>
+                        </a:rPr>
+                        <m:t>=</m:t>
+                      </m:r>
+                      <m:sSub>
+                        <m:sSubPr>
+                          <m:ctrlPr>
+                            <a:rPr kumimoji="1" lang="en-US" altLang="ja-JP" b="0" i="1" smtClean="0">
+                              <a:latin typeface="Cambria Math" panose="02040503050406030204" pitchFamily="18" charset="0"/>
+                              <a:ea typeface="Cambria Math" panose="02040503050406030204" pitchFamily="18" charset="0"/>
+                            </a:rPr>
+                          </m:ctrlPr>
+                        </m:sSubPr>
+                        <m:e>
+                          <m:r>
+                            <a:rPr kumimoji="1" lang="en-US" altLang="ja-JP" b="0" i="1" smtClean="0">
+                              <a:latin typeface="Cambria Math" panose="02040503050406030204" pitchFamily="18" charset="0"/>
+                              <a:ea typeface="Cambria Math" panose="02040503050406030204" pitchFamily="18" charset="0"/>
+                            </a:rPr>
+                            <m:t>𝑎𝑟𝑔𝑚𝑎𝑥</m:t>
+                          </m:r>
+                        </m:e>
+                        <m:sub>
+                          <m:r>
+                            <a:rPr kumimoji="1" lang="en-US" altLang="ja-JP" b="0" i="1" smtClean="0">
+                              <a:latin typeface="Cambria Math" panose="02040503050406030204" pitchFamily="18" charset="0"/>
+                              <a:ea typeface="Cambria Math" panose="02040503050406030204" pitchFamily="18" charset="0"/>
+                            </a:rPr>
+                            <m:t>𝜋</m:t>
+                          </m:r>
+                        </m:sub>
+                      </m:sSub>
+                      <m:sSub>
+                        <m:sSubPr>
+                          <m:ctrlPr>
+                            <a:rPr kumimoji="1" lang="en-US" altLang="ja-JP" i="1">
+                              <a:latin typeface="Cambria Math" panose="02040503050406030204" pitchFamily="18" charset="0"/>
+                            </a:rPr>
+                          </m:ctrlPr>
+                        </m:sSubPr>
+                        <m:e>
+                          <m:r>
+                            <a:rPr kumimoji="1" lang="en-US" altLang="ja-JP" b="0" i="1" smtClean="0">
+                              <a:latin typeface="Cambria Math" panose="02040503050406030204" pitchFamily="18" charset="0"/>
+                            </a:rPr>
+                            <m:t> </m:t>
+                          </m:r>
+                          <m:r>
+                            <a:rPr kumimoji="1" lang="en-US" altLang="ja-JP" i="1">
+                              <a:latin typeface="Cambria Math" panose="02040503050406030204" pitchFamily="18" charset="0"/>
+                              <a:ea typeface="Cambria Math" panose="02040503050406030204" pitchFamily="18" charset="0"/>
+                            </a:rPr>
+                            <m:t>𝜂</m:t>
+                          </m:r>
+                        </m:e>
+                        <m:sub>
+                          <m:acc>
+                            <m:accPr>
+                              <m:chr m:val="̃"/>
+                              <m:ctrlPr>
+                                <a:rPr lang="en-US" altLang="ja-JP" i="1">
+                                  <a:latin typeface="Cambria Math" panose="02040503050406030204" pitchFamily="18" charset="0"/>
+                                </a:rPr>
+                              </m:ctrlPr>
+                            </m:accPr>
+                            <m:e>
+                              <m:r>
+                                <a:rPr lang="en-US" altLang="ja-JP" i="1">
+                                  <a:latin typeface="Cambria Math" panose="02040503050406030204" pitchFamily="18" charset="0"/>
+                                </a:rPr>
+                                <m:t>𝑀</m:t>
+                              </m:r>
+                            </m:e>
+                          </m:acc>
+                        </m:sub>
+                      </m:sSub>
+                      <m:d>
+                        <m:dPr>
+                          <m:ctrlPr>
+                            <a:rPr kumimoji="1" lang="en-US" altLang="ja-JP" i="1">
+                              <a:latin typeface="Cambria Math" panose="02040503050406030204" pitchFamily="18" charset="0"/>
+                            </a:rPr>
+                          </m:ctrlPr>
+                        </m:dPr>
+                        <m:e>
+                          <m:r>
+                            <a:rPr kumimoji="1" lang="en-US" altLang="ja-JP" i="1">
+                              <a:latin typeface="Cambria Math" panose="02040503050406030204" pitchFamily="18" charset="0"/>
+                              <a:ea typeface="Cambria Math" panose="02040503050406030204" pitchFamily="18" charset="0"/>
+                            </a:rPr>
+                            <m:t>𝜋</m:t>
+                          </m:r>
+                        </m:e>
+                      </m:d>
+                    </m:oMath>
+                  </m:oMathPara>
+                </a14:m>
+                <a:endParaRPr kumimoji="1" lang="ja-JP" altLang="en-US"/>
+              </a:p>
+            </p:txBody>
+          </p:sp>
+        </mc:Choice>
+        <mc:Fallback xmlns="">
+          <p:sp>
+            <p:nvSpPr>
+              <p:cNvPr id="6" name="テキスト ボックス 5">
+                <a:extLst>
+                  <a:ext uri="{FF2B5EF4-FFF2-40B4-BE49-F238E27FC236}">
+                    <a16:creationId xmlns:a16="http://schemas.microsoft.com/office/drawing/2014/main" id="{CD9F24D6-8AF4-514B-BBFA-BA7515C569AA}"/>
+                  </a:ext>
+                </a:extLst>
+              </p:cNvPr>
+              <p:cNvSpPr txBox="1">
+                <a:spLocks noRot="1" noChangeAspect="1" noMove="1" noResize="1" noEditPoints="1" noAdjustHandles="1" noChangeArrowheads="1" noChangeShapeType="1" noTextEdit="1"/>
+              </p:cNvSpPr>
+              <p:nvPr/>
+            </p:nvSpPr>
+            <p:spPr>
+              <a:xfrm>
+                <a:off x="2196791" y="1749398"/>
+                <a:ext cx="2343910" cy="369332"/>
+              </a:xfrm>
+              <a:prstGeom prst="rect">
+                <a:avLst/>
+              </a:prstGeom>
+              <a:blipFill>
+                <a:blip r:embed="rId3"/>
+                <a:stretch>
+                  <a:fillRect b="-13333"/>
+                </a:stretch>
+              </a:blipFill>
+            </p:spPr>
+            <p:txBody>
+              <a:bodyPr/>
+              <a:lstStyle/>
+              <a:p>
+                <a:r>
+                  <a:rPr lang="ja-JP" altLang="en-US">
+                    <a:noFill/>
+                  </a:rPr>
+                  <a:t> </a:t>
+                </a:r>
+              </a:p>
+            </p:txBody>
+          </p:sp>
+        </mc:Fallback>
+      </mc:AlternateContent>
+      <p:sp>
+        <p:nvSpPr>
+          <p:cNvPr id="9" name="角丸四角形 8">
+            <a:extLst>
+              <a:ext uri="{FF2B5EF4-FFF2-40B4-BE49-F238E27FC236}">
+                <a16:creationId xmlns:a16="http://schemas.microsoft.com/office/drawing/2014/main" id="{63BC13D3-25A7-7842-84E7-D4DBF8A2E3EF}"/>
+              </a:ext>
+            </a:extLst>
+          </p:cNvPr>
+          <p:cNvSpPr/>
+          <p:nvPr/>
+        </p:nvSpPr>
+        <p:spPr>
+          <a:xfrm>
+            <a:off x="2007218" y="1688351"/>
+            <a:ext cx="2754353" cy="519590"/>
+          </a:xfrm>
+          <a:prstGeom prst="roundRect">
+            <a:avLst/>
+          </a:prstGeom>
+          <a:solidFill>
+            <a:schemeClr val="accent1">
+              <a:alpha val="27000"/>
+            </a:schemeClr>
+          </a:solidFill>
+        </p:spPr>
+        <p:style>
+          <a:lnRef idx="2">
+            <a:schemeClr val="accent1">
+              <a:shade val="50000"/>
+            </a:schemeClr>
+          </a:lnRef>
+          <a:fillRef idx="1">
+            <a:schemeClr val="accent1"/>
+          </a:fillRef>
+          <a:effectRef idx="0">
+            <a:schemeClr val="accent1"/>
+          </a:effectRef>
+          <a:fontRef idx="minor">
+            <a:schemeClr val="lt1"/>
+          </a:fontRef>
+        </p:style>
+        <p:txBody>
+          <a:bodyPr rtlCol="0" anchor="ctr"/>
+          <a:lstStyle/>
+          <a:p>
+            <a:pPr algn="ctr"/>
+            <a:endParaRPr kumimoji="1" lang="ja-JP" altLang="en-US"/>
+          </a:p>
+        </p:txBody>
+      </p:sp>
+      <mc:AlternateContent xmlns:mc="http://schemas.openxmlformats.org/markup-compatibility/2006" xmlns:a14="http://schemas.microsoft.com/office/drawing/2010/main">
+        <mc:Choice Requires="a14">
+          <p:sp>
+            <p:nvSpPr>
+              <p:cNvPr id="10" name="テキスト ボックス 9">
+                <a:extLst>
+                  <a:ext uri="{FF2B5EF4-FFF2-40B4-BE49-F238E27FC236}">
+                    <a16:creationId xmlns:a16="http://schemas.microsoft.com/office/drawing/2014/main" id="{25F7AB1C-168F-F84A-8F4B-34B846FC28C6}"/>
+                  </a:ext>
+                </a:extLst>
+              </p:cNvPr>
+              <p:cNvSpPr txBox="1"/>
+              <p:nvPr/>
+            </p:nvSpPr>
+            <p:spPr>
+              <a:xfrm>
+                <a:off x="2174487" y="3816497"/>
+                <a:ext cx="3691267" cy="369332"/>
+              </a:xfrm>
+              <a:prstGeom prst="rect">
+                <a:avLst/>
+              </a:prstGeom>
+              <a:noFill/>
+            </p:spPr>
+            <p:txBody>
+              <a:bodyPr wrap="none" rtlCol="0">
+                <a:spAutoFit/>
+              </a:bodyPr>
+              <a:lstStyle/>
+              <a:p>
+                <a:pPr/>
+                <a14:m>
+                  <m:oMathPara xmlns:m="http://schemas.openxmlformats.org/officeDocument/2006/math">
+                    <m:oMathParaPr>
+                      <m:jc m:val="centerGroup"/>
+                    </m:oMathParaPr>
+                    <m:oMath xmlns:m="http://schemas.openxmlformats.org/officeDocument/2006/math">
+                      <m:sSub>
+                        <m:sSubPr>
+                          <m:ctrlPr>
+                            <a:rPr kumimoji="1" lang="en-US" altLang="ja-JP" i="1" smtClean="0">
+                              <a:latin typeface="Cambria Math" panose="02040503050406030204" pitchFamily="18" charset="0"/>
+                            </a:rPr>
+                          </m:ctrlPr>
+                        </m:sSubPr>
+                        <m:e>
+                          <m:r>
+                            <a:rPr kumimoji="1" lang="en-US" altLang="ja-JP" i="1">
+                              <a:latin typeface="Cambria Math" panose="02040503050406030204" pitchFamily="18" charset="0"/>
+                              <a:ea typeface="Cambria Math" panose="02040503050406030204" pitchFamily="18" charset="0"/>
+                            </a:rPr>
+                            <m:t>𝜂</m:t>
+                          </m:r>
+                        </m:e>
+                        <m:sub>
+                          <m:r>
+                            <a:rPr kumimoji="1" lang="en-US" altLang="ja-JP" i="1">
+                              <a:latin typeface="Cambria Math" panose="02040503050406030204" pitchFamily="18" charset="0"/>
+                            </a:rPr>
+                            <m:t>𝑀</m:t>
+                          </m:r>
+                        </m:sub>
+                      </m:sSub>
+                      <m:d>
+                        <m:dPr>
+                          <m:ctrlPr>
+                            <a:rPr kumimoji="1" lang="en-US" altLang="ja-JP" i="1">
+                              <a:latin typeface="Cambria Math" panose="02040503050406030204" pitchFamily="18" charset="0"/>
+                            </a:rPr>
+                          </m:ctrlPr>
+                        </m:dPr>
+                        <m:e>
+                          <m:acc>
+                            <m:accPr>
+                              <m:chr m:val="̂"/>
+                              <m:ctrlPr>
+                                <a:rPr lang="en-US" altLang="ja-JP" i="1">
+                                  <a:latin typeface="Cambria Math" panose="02040503050406030204" pitchFamily="18" charset="0"/>
+                                </a:rPr>
+                              </m:ctrlPr>
+                            </m:accPr>
+                            <m:e>
+                              <m:r>
+                                <a:rPr lang="en-US" altLang="ja-JP" i="1">
+                                  <a:latin typeface="Cambria Math" panose="02040503050406030204" pitchFamily="18" charset="0"/>
+                                  <a:ea typeface="Cambria Math" panose="02040503050406030204" pitchFamily="18" charset="0"/>
+                                </a:rPr>
+                                <m:t>𝜋</m:t>
+                              </m:r>
+                            </m:e>
+                          </m:acc>
+                        </m:e>
+                      </m:d>
+                      <m:r>
+                        <a:rPr kumimoji="1" lang="en-US" altLang="ja-JP" b="0" i="1" smtClean="0">
+                          <a:latin typeface="Cambria Math" panose="02040503050406030204" pitchFamily="18" charset="0"/>
+                          <a:ea typeface="Cambria Math" panose="02040503050406030204" pitchFamily="18" charset="0"/>
+                        </a:rPr>
+                        <m:t> ≥ </m:t>
+                      </m:r>
+                      <m:sSub>
+                        <m:sSubPr>
+                          <m:ctrlPr>
+                            <a:rPr kumimoji="1" lang="en-US" altLang="ja-JP" b="0" i="1" smtClean="0">
+                              <a:latin typeface="Cambria Math" panose="02040503050406030204" pitchFamily="18" charset="0"/>
+                              <a:ea typeface="Cambria Math" panose="02040503050406030204" pitchFamily="18" charset="0"/>
+                            </a:rPr>
+                          </m:ctrlPr>
+                        </m:sSubPr>
+                        <m:e>
+                          <m:r>
+                            <a:rPr kumimoji="1" lang="en-US" altLang="ja-JP" i="1">
+                              <a:latin typeface="Cambria Math" panose="02040503050406030204" pitchFamily="18" charset="0"/>
+                              <a:ea typeface="Cambria Math" panose="02040503050406030204" pitchFamily="18" charset="0"/>
+                            </a:rPr>
+                            <m:t>𝑠𝑢𝑝</m:t>
+                          </m:r>
+                        </m:e>
+                        <m:sub>
+                          <m:r>
+                            <a:rPr kumimoji="1" lang="en-US" altLang="ja-JP" b="0" i="1" smtClean="0">
+                              <a:latin typeface="Cambria Math" panose="02040503050406030204" pitchFamily="18" charset="0"/>
+                              <a:ea typeface="Cambria Math" panose="02040503050406030204" pitchFamily="18" charset="0"/>
+                            </a:rPr>
+                            <m:t>𝜋</m:t>
+                          </m:r>
+                        </m:sub>
+                      </m:sSub>
+                      <m:r>
+                        <a:rPr kumimoji="1" lang="en-US" altLang="ja-JP" b="0" i="1" smtClean="0">
+                          <a:latin typeface="Cambria Math" panose="02040503050406030204" pitchFamily="18" charset="0"/>
+                          <a:ea typeface="Cambria Math" panose="02040503050406030204" pitchFamily="18" charset="0"/>
+                        </a:rPr>
+                        <m:t>{</m:t>
+                      </m:r>
+                      <m:sSub>
+                        <m:sSubPr>
+                          <m:ctrlPr>
+                            <a:rPr kumimoji="1" lang="en-US" altLang="ja-JP" i="1">
+                              <a:latin typeface="Cambria Math" panose="02040503050406030204" pitchFamily="18" charset="0"/>
+                            </a:rPr>
+                          </m:ctrlPr>
+                        </m:sSubPr>
+                        <m:e>
+                          <m:r>
+                            <a:rPr kumimoji="1" lang="en-US" altLang="ja-JP" i="1">
+                              <a:latin typeface="Cambria Math" panose="02040503050406030204" pitchFamily="18" charset="0"/>
+                              <a:ea typeface="Cambria Math" panose="02040503050406030204" pitchFamily="18" charset="0"/>
+                            </a:rPr>
+                            <m:t>𝜂</m:t>
+                          </m:r>
+                        </m:e>
+                        <m:sub>
+                          <m:r>
+                            <a:rPr kumimoji="1" lang="en-US" altLang="ja-JP" i="1">
+                              <a:latin typeface="Cambria Math" panose="02040503050406030204" pitchFamily="18" charset="0"/>
+                            </a:rPr>
+                            <m:t>𝑀</m:t>
+                          </m:r>
+                        </m:sub>
+                      </m:sSub>
+                      <m:d>
+                        <m:dPr>
+                          <m:ctrlPr>
+                            <a:rPr kumimoji="1" lang="en-US" altLang="ja-JP" i="1">
+                              <a:latin typeface="Cambria Math" panose="02040503050406030204" pitchFamily="18" charset="0"/>
+                            </a:rPr>
+                          </m:ctrlPr>
+                        </m:dPr>
+                        <m:e>
+                          <m:r>
+                            <a:rPr kumimoji="1" lang="en-US" altLang="ja-JP" i="1" smtClean="0">
+                              <a:latin typeface="Cambria Math" panose="02040503050406030204" pitchFamily="18" charset="0"/>
+                              <a:ea typeface="Cambria Math" panose="02040503050406030204" pitchFamily="18" charset="0"/>
+                            </a:rPr>
+                            <m:t>𝜋</m:t>
+                          </m:r>
+                        </m:e>
+                      </m:d>
+                      <m:r>
+                        <a:rPr lang="en-US" altLang="ja-JP" b="0" i="1" smtClean="0">
+                          <a:latin typeface="Cambria Math" panose="02040503050406030204" pitchFamily="18" charset="0"/>
+                          <a:ea typeface="Cambria Math" panose="02040503050406030204" pitchFamily="18" charset="0"/>
+                        </a:rPr>
+                        <m:t> −2</m:t>
+                      </m:r>
+                      <m:r>
+                        <a:rPr lang="en-US" altLang="ja-JP" b="0" i="1" smtClean="0">
+                          <a:latin typeface="Cambria Math" panose="02040503050406030204" pitchFamily="18" charset="0"/>
+                          <a:ea typeface="Cambria Math" panose="02040503050406030204" pitchFamily="18" charset="0"/>
+                        </a:rPr>
+                        <m:t>𝜆</m:t>
+                      </m:r>
+                      <m:sSub>
+                        <m:sSubPr>
+                          <m:ctrlPr>
+                            <a:rPr lang="en-US" altLang="ja-JP" b="0" i="1" smtClean="0">
+                              <a:latin typeface="Cambria Math" panose="02040503050406030204" pitchFamily="18" charset="0"/>
+                              <a:ea typeface="Cambria Math" panose="02040503050406030204" pitchFamily="18" charset="0"/>
+                            </a:rPr>
+                          </m:ctrlPr>
+                        </m:sSubPr>
+                        <m:e>
+                          <m:r>
+                            <a:rPr lang="en-US" altLang="ja-JP" b="0" i="1" smtClean="0">
+                              <a:latin typeface="Cambria Math" panose="02040503050406030204" pitchFamily="18" charset="0"/>
+                              <a:ea typeface="Cambria Math" panose="02040503050406030204" pitchFamily="18" charset="0"/>
+                            </a:rPr>
+                            <m:t>𝜀</m:t>
+                          </m:r>
+                        </m:e>
+                        <m:sub>
+                          <m:r>
+                            <a:rPr lang="en-US" altLang="ja-JP" b="0" i="1" smtClean="0">
+                              <a:latin typeface="Cambria Math" panose="02040503050406030204" pitchFamily="18" charset="0"/>
+                              <a:ea typeface="Cambria Math" panose="02040503050406030204" pitchFamily="18" charset="0"/>
+                            </a:rPr>
+                            <m:t>𝑢</m:t>
+                          </m:r>
+                        </m:sub>
+                      </m:sSub>
+                      <m:r>
+                        <a:rPr lang="en-US" altLang="ja-JP" b="0" i="1" smtClean="0">
+                          <a:latin typeface="Cambria Math" panose="02040503050406030204" pitchFamily="18" charset="0"/>
+                          <a:ea typeface="Cambria Math" panose="02040503050406030204" pitchFamily="18" charset="0"/>
+                        </a:rPr>
+                        <m:t>(</m:t>
+                      </m:r>
+                      <m:r>
+                        <a:rPr lang="en-US" altLang="ja-JP" b="0" i="1" smtClean="0">
+                          <a:latin typeface="Cambria Math" panose="02040503050406030204" pitchFamily="18" charset="0"/>
+                          <a:ea typeface="Cambria Math" panose="02040503050406030204" pitchFamily="18" charset="0"/>
+                        </a:rPr>
+                        <m:t>𝜋</m:t>
+                      </m:r>
+                      <m:r>
+                        <a:rPr lang="en-US" altLang="ja-JP" b="0" i="1" smtClean="0">
+                          <a:latin typeface="Cambria Math" panose="02040503050406030204" pitchFamily="18" charset="0"/>
+                          <a:ea typeface="Cambria Math" panose="02040503050406030204" pitchFamily="18" charset="0"/>
+                        </a:rPr>
+                        <m:t>)}</m:t>
+                      </m:r>
+                    </m:oMath>
+                  </m:oMathPara>
+                </a14:m>
+                <a:endParaRPr kumimoji="1" lang="ja-JP" altLang="en-US"/>
+              </a:p>
+            </p:txBody>
+          </p:sp>
+        </mc:Choice>
+        <mc:Fallback xmlns="">
+          <p:sp>
+            <p:nvSpPr>
+              <p:cNvPr id="10" name="テキスト ボックス 9">
+                <a:extLst>
+                  <a:ext uri="{FF2B5EF4-FFF2-40B4-BE49-F238E27FC236}">
+                    <a16:creationId xmlns:a16="http://schemas.microsoft.com/office/drawing/2014/main" id="{25F7AB1C-168F-F84A-8F4B-34B846FC28C6}"/>
+                  </a:ext>
+                </a:extLst>
+              </p:cNvPr>
+              <p:cNvSpPr txBox="1">
+                <a:spLocks noRot="1" noChangeAspect="1" noMove="1" noResize="1" noEditPoints="1" noAdjustHandles="1" noChangeArrowheads="1" noChangeShapeType="1" noTextEdit="1"/>
+              </p:cNvSpPr>
+              <p:nvPr/>
+            </p:nvSpPr>
+            <p:spPr>
+              <a:xfrm>
+                <a:off x="2174487" y="3816497"/>
+                <a:ext cx="3691267" cy="369332"/>
+              </a:xfrm>
+              <a:prstGeom prst="rect">
+                <a:avLst/>
+              </a:prstGeom>
+              <a:blipFill>
+                <a:blip r:embed="rId4"/>
+                <a:stretch>
+                  <a:fillRect b="-13333"/>
+                </a:stretch>
+              </a:blipFill>
+            </p:spPr>
+            <p:txBody>
+              <a:bodyPr/>
+              <a:lstStyle/>
+              <a:p>
+                <a:r>
+                  <a:rPr lang="ja-JP" altLang="en-US">
+                    <a:noFill/>
+                  </a:rPr>
+                  <a:t> </a:t>
+                </a:r>
+              </a:p>
+            </p:txBody>
+          </p:sp>
+        </mc:Fallback>
+      </mc:AlternateContent>
+      <p:sp>
+        <p:nvSpPr>
+          <p:cNvPr id="11" name="角丸四角形 10">
+            <a:extLst>
+              <a:ext uri="{FF2B5EF4-FFF2-40B4-BE49-F238E27FC236}">
+                <a16:creationId xmlns:a16="http://schemas.microsoft.com/office/drawing/2014/main" id="{31CA4963-D4A3-4249-A74E-240D5EA9E541}"/>
+              </a:ext>
+            </a:extLst>
+          </p:cNvPr>
+          <p:cNvSpPr/>
+          <p:nvPr/>
+        </p:nvSpPr>
+        <p:spPr>
+          <a:xfrm>
+            <a:off x="2007218" y="3741368"/>
+            <a:ext cx="3974333" cy="519590"/>
+          </a:xfrm>
+          <a:prstGeom prst="roundRect">
+            <a:avLst/>
+          </a:prstGeom>
+          <a:solidFill>
+            <a:schemeClr val="accent1">
+              <a:alpha val="27000"/>
+            </a:schemeClr>
+          </a:solidFill>
+        </p:spPr>
+        <p:style>
+          <a:lnRef idx="2">
+            <a:schemeClr val="accent1">
+              <a:shade val="50000"/>
+            </a:schemeClr>
+          </a:lnRef>
+          <a:fillRef idx="1">
+            <a:schemeClr val="accent1"/>
+          </a:fillRef>
+          <a:effectRef idx="0">
+            <a:schemeClr val="accent1"/>
+          </a:effectRef>
+          <a:fontRef idx="minor">
+            <a:schemeClr val="lt1"/>
+          </a:fontRef>
+        </p:style>
+        <p:txBody>
+          <a:bodyPr rtlCol="0" anchor="ctr"/>
+          <a:lstStyle/>
+          <a:p>
+            <a:pPr algn="ctr"/>
+            <a:endParaRPr kumimoji="1" lang="ja-JP" altLang="en-US"/>
+          </a:p>
+        </p:txBody>
+      </p:sp>
+    </p:spTree>
+    <p:extLst>
+      <p:ext uri="{BB962C8B-B14F-4D97-AF65-F5344CB8AC3E}">
+        <p14:creationId xmlns:p14="http://schemas.microsoft.com/office/powerpoint/2010/main" val="187073269"/>
       </p:ext>
     </p:extLst>
   </p:cSld>

--- a/report.pptx
+++ b/report.pptx
@@ -5,11 +5,13 @@
     <p:sldMasterId id="2147483684" r:id="rId1"/>
   </p:sldMasterIdLst>
   <p:notesMasterIdLst>
-    <p:notesMasterId r:id="rId4"/>
+    <p:notesMasterId r:id="rId6"/>
   </p:notesMasterIdLst>
   <p:sldIdLst>
-    <p:sldId id="327" r:id="rId2"/>
-    <p:sldId id="338" r:id="rId3"/>
+    <p:sldId id="344" r:id="rId2"/>
+    <p:sldId id="341" r:id="rId3"/>
+    <p:sldId id="345" r:id="rId4"/>
+    <p:sldId id="343" r:id="rId5"/>
   </p:sldIdLst>
   <p:sldSz cx="9144000" cy="6858000" type="screen4x3"/>
   <p:notesSz cx="6858000" cy="9144000"/>
@@ -209,7 +211,7 @@
           <a:p>
             <a:fld id="{4009ACC2-15F4-9549-B7EC-0A2B034E938B}" type="datetimeFigureOut">
               <a:rPr kumimoji="1" lang="ja-JP" altLang="en-US" smtClean="0"/>
-              <a:t>2020/7/13</a:t>
+              <a:t>2020/7/18</a:t>
             </a:fld>
             <a:endParaRPr kumimoji="1" lang="ja-JP" altLang="en-US"/>
           </a:p>
@@ -699,7 +701,7 @@
           <a:p>
             <a:fld id="{E9E59658-536A-9C47-BE27-5916453304A2}" type="datetime1">
               <a:rPr kumimoji="1" lang="ja-JP" altLang="en-US" smtClean="0"/>
-              <a:t>2020/7/14</a:t>
+              <a:t>2020/7/18</a:t>
             </a:fld>
             <a:endParaRPr kumimoji="1" lang="ja-JP" altLang="en-US"/>
           </a:p>
@@ -905,7 +907,7 @@
           <a:p>
             <a:fld id="{BD3F9A9C-0CC8-724D-8CAB-CE583F909772}" type="datetime1">
               <a:rPr kumimoji="1" lang="ja-JP" altLang="en-US" smtClean="0"/>
-              <a:t>2020/7/14</a:t>
+              <a:t>2020/7/18</a:t>
             </a:fld>
             <a:endParaRPr kumimoji="1" lang="ja-JP" altLang="en-US"/>
           </a:p>
@@ -1121,7 +1123,7 @@
           <a:p>
             <a:fld id="{AC55A472-1073-0547-9A59-DD081FE17D43}" type="datetime1">
               <a:rPr kumimoji="1" lang="ja-JP" altLang="en-US" smtClean="0"/>
-              <a:t>2020/7/14</a:t>
+              <a:t>2020/7/18</a:t>
             </a:fld>
             <a:endParaRPr kumimoji="1" lang="ja-JP" altLang="en-US"/>
           </a:p>
@@ -1382,7 +1384,7 @@
           <a:p>
             <a:fld id="{90235FA2-C49A-5C4F-85BF-B1D7D24C5B31}" type="datetime1">
               <a:rPr kumimoji="1" lang="ja-JP" altLang="en-US" smtClean="0"/>
-              <a:t>2020/7/14</a:t>
+              <a:t>2020/7/18</a:t>
             </a:fld>
             <a:endParaRPr kumimoji="1" lang="ja-JP" altLang="en-US"/>
           </a:p>
@@ -1721,7 +1723,7 @@
           <a:p>
             <a:fld id="{F4B8FB07-8ABC-B147-BBD9-82E1124A9195}" type="datetime1">
               <a:rPr kumimoji="1" lang="ja-JP" altLang="en-US" smtClean="0"/>
-              <a:t>2020/7/14</a:t>
+              <a:t>2020/7/18</a:t>
             </a:fld>
             <a:endParaRPr kumimoji="1" lang="ja-JP" altLang="en-US"/>
           </a:p>
@@ -2021,7 +2023,7 @@
           <a:p>
             <a:fld id="{2E987E7E-FA9C-3947-926C-79EF22991022}" type="datetime1">
               <a:rPr kumimoji="1" lang="ja-JP" altLang="en-US" smtClean="0"/>
-              <a:t>2020/7/14</a:t>
+              <a:t>2020/7/18</a:t>
             </a:fld>
             <a:endParaRPr kumimoji="1" lang="ja-JP" altLang="en-US"/>
           </a:p>
@@ -2456,7 +2458,7 @@
           <a:p>
             <a:fld id="{6AA3599C-7060-A14F-A8FF-BFA2E3E43F87}" type="datetime1">
               <a:rPr kumimoji="1" lang="ja-JP" altLang="en-US" smtClean="0"/>
-              <a:t>2020/7/14</a:t>
+              <a:t>2020/7/18</a:t>
             </a:fld>
             <a:endParaRPr kumimoji="1" lang="ja-JP" altLang="en-US"/>
           </a:p>
@@ -2578,7 +2580,7 @@
           <a:p>
             <a:fld id="{2ACB3C61-04B3-8341-A053-431BFDE0369C}" type="datetime1">
               <a:rPr kumimoji="1" lang="ja-JP" altLang="en-US" smtClean="0"/>
-              <a:t>2020/7/14</a:t>
+              <a:t>2020/7/18</a:t>
             </a:fld>
             <a:endParaRPr kumimoji="1" lang="ja-JP" altLang="en-US"/>
           </a:p>
@@ -2677,7 +2679,7 @@
           <a:p>
             <a:fld id="{17E05920-A0FF-A94D-B91E-11B016CF8687}" type="datetime1">
               <a:rPr kumimoji="1" lang="ja-JP" altLang="en-US" smtClean="0"/>
-              <a:t>2020/7/14</a:t>
+              <a:t>2020/7/18</a:t>
             </a:fld>
             <a:endParaRPr kumimoji="1" lang="ja-JP" altLang="en-US"/>
           </a:p>
@@ -2990,7 +2992,7 @@
           <a:p>
             <a:fld id="{73151009-4B49-E243-94A4-1303689190AE}" type="datetime1">
               <a:rPr kumimoji="1" lang="ja-JP" altLang="en-US" smtClean="0"/>
-              <a:t>2020/7/14</a:t>
+              <a:t>2020/7/18</a:t>
             </a:fld>
             <a:endParaRPr kumimoji="1" lang="ja-JP" altLang="en-US"/>
           </a:p>
@@ -3251,7 +3253,7 @@
           <a:p>
             <a:fld id="{F948BB96-C546-0F48-8959-F4ED01CF136A}" type="datetime1">
               <a:rPr kumimoji="1" lang="ja-JP" altLang="en-US" smtClean="0"/>
-              <a:t>2020/7/14</a:t>
+              <a:t>2020/7/18</a:t>
             </a:fld>
             <a:endParaRPr kumimoji="1" lang="ja-JP" altLang="en-US"/>
           </a:p>
@@ -3505,7 +3507,7 @@
           <a:p>
             <a:fld id="{23C8A647-1D3A-F547-BEEB-E9A419355659}" type="datetime1">
               <a:rPr kumimoji="1" lang="ja-JP" altLang="en-US" smtClean="0"/>
-              <a:t>2020/7/14</a:t>
+              <a:t>2020/7/18</a:t>
             </a:fld>
             <a:endParaRPr kumimoji="1" lang="ja-JP" altLang="en-US"/>
           </a:p>
@@ -3932,1447 +3934,6 @@
           <a:chExt cx="0" cy="0"/>
         </a:xfrm>
       </p:grpSpPr>
-      <p:sp>
-        <p:nvSpPr>
-          <p:cNvPr id="2" name="コンテンツ プレースホルダー 1">
-            <a:extLst>
-              <a:ext uri="{FF2B5EF4-FFF2-40B4-BE49-F238E27FC236}">
-                <a16:creationId xmlns:a16="http://schemas.microsoft.com/office/drawing/2014/main" id="{384D74C2-F9BE-AA47-AF54-418F0CE6BDB7}"/>
-              </a:ext>
-            </a:extLst>
-          </p:cNvPr>
-          <p:cNvSpPr>
-            <a:spLocks noGrp="1"/>
-          </p:cNvSpPr>
-          <p:nvPr>
-            <p:ph idx="1"/>
-          </p:nvPr>
-        </p:nvSpPr>
-        <p:spPr/>
-        <p:txBody>
-          <a:bodyPr/>
-          <a:lstStyle/>
-          <a:p>
-            <a:r>
-              <a:rPr kumimoji="1" lang="en-US" altLang="ja-JP" dirty="0"/>
-              <a:t>Read a paper</a:t>
-            </a:r>
-          </a:p>
-          <a:p>
-            <a:pPr lvl="1"/>
-            <a:r>
-              <a:rPr lang="en" altLang="ja-JP" dirty="0"/>
-              <a:t>[1] : Li Wang, </a:t>
-            </a:r>
-            <a:r>
-              <a:rPr lang="en" altLang="ja-JP" dirty="0" err="1"/>
-              <a:t>Evangelos</a:t>
-            </a:r>
-            <a:r>
-              <a:rPr lang="en" altLang="ja-JP" dirty="0"/>
-              <a:t> A </a:t>
-            </a:r>
-            <a:r>
-              <a:rPr lang="en" altLang="ja-JP" dirty="0" err="1"/>
-              <a:t>Theodorou</a:t>
-            </a:r>
-            <a:r>
-              <a:rPr lang="en" altLang="ja-JP" dirty="0"/>
-              <a:t>, and Magnus </a:t>
-            </a:r>
-            <a:r>
-              <a:rPr lang="en" altLang="ja-JP" dirty="0" err="1"/>
-              <a:t>Egerstedt</a:t>
-            </a:r>
-            <a:r>
-              <a:rPr lang="en" altLang="ja-JP" dirty="0"/>
-              <a:t>. “Safe learning of quadrotor dynamics using barrier certificates,” </a:t>
-            </a:r>
-            <a:r>
-              <a:rPr lang="en" altLang="ja-JP" i="1" dirty="0"/>
-              <a:t>In 2018 IEEE International Conference on Robotics and Automation (ICRA)</a:t>
-            </a:r>
-            <a:r>
-              <a:rPr lang="en" altLang="ja-JP" dirty="0"/>
-              <a:t>, pages 2460-2465, 2018.</a:t>
-            </a:r>
-            <a:endParaRPr lang="en" altLang="ja-JP" sz="2200" dirty="0"/>
-          </a:p>
-          <a:p>
-            <a:pPr lvl="1"/>
-            <a:endParaRPr lang="en" altLang="ja-JP" sz="2200" dirty="0"/>
-          </a:p>
-          <a:p>
-            <a:r>
-              <a:rPr lang="en" altLang="ja-JP" dirty="0"/>
-              <a:t>Expand confident safe region under unknown dynamics by making gaussian process </a:t>
-            </a:r>
-            <a:r>
-              <a:rPr lang="en" altLang="ja-JP"/>
-              <a:t>more accurate</a:t>
-            </a:r>
-            <a:endParaRPr lang="en" altLang="ja-JP" dirty="0"/>
-          </a:p>
-        </p:txBody>
-      </p:sp>
-      <p:sp>
-        <p:nvSpPr>
-          <p:cNvPr id="16" name="円/楕円 15">
-            <a:extLst>
-              <a:ext uri="{FF2B5EF4-FFF2-40B4-BE49-F238E27FC236}">
-                <a16:creationId xmlns:a16="http://schemas.microsoft.com/office/drawing/2014/main" id="{34140EE1-410C-2841-8E30-0759F067001E}"/>
-              </a:ext>
-            </a:extLst>
-          </p:cNvPr>
-          <p:cNvSpPr/>
-          <p:nvPr/>
-        </p:nvSpPr>
-        <p:spPr>
-          <a:xfrm>
-            <a:off x="2582561" y="3960593"/>
-            <a:ext cx="3302221" cy="2148520"/>
-          </a:xfrm>
-          <a:prstGeom prst="ellipse">
-            <a:avLst/>
-          </a:prstGeom>
-          <a:solidFill>
-            <a:schemeClr val="accent6">
-              <a:alpha val="8000"/>
-            </a:schemeClr>
-          </a:solidFill>
-          <a:ln w="19050">
-            <a:solidFill>
-              <a:schemeClr val="accent6"/>
-            </a:solidFill>
-          </a:ln>
-        </p:spPr>
-        <p:style>
-          <a:lnRef idx="2">
-            <a:schemeClr val="accent1">
-              <a:shade val="50000"/>
-            </a:schemeClr>
-          </a:lnRef>
-          <a:fillRef idx="1">
-            <a:schemeClr val="accent1"/>
-          </a:fillRef>
-          <a:effectRef idx="0">
-            <a:schemeClr val="accent1"/>
-          </a:effectRef>
-          <a:fontRef idx="minor">
-            <a:schemeClr val="lt1"/>
-          </a:fontRef>
-        </p:style>
-        <p:txBody>
-          <a:bodyPr rtlCol="0" anchor="ctr"/>
-          <a:lstStyle/>
-          <a:p>
-            <a:pPr algn="ctr"/>
-            <a:endParaRPr kumimoji="1" lang="ja-JP" altLang="en-US"/>
-          </a:p>
-        </p:txBody>
-      </p:sp>
-      <p:sp>
-        <p:nvSpPr>
-          <p:cNvPr id="17" name="円/楕円 16">
-            <a:extLst>
-              <a:ext uri="{FF2B5EF4-FFF2-40B4-BE49-F238E27FC236}">
-                <a16:creationId xmlns:a16="http://schemas.microsoft.com/office/drawing/2014/main" id="{6B6DD3BF-EF41-9649-BEBB-9FDB03C43915}"/>
-              </a:ext>
-            </a:extLst>
-          </p:cNvPr>
-          <p:cNvSpPr/>
-          <p:nvPr/>
-        </p:nvSpPr>
-        <p:spPr>
-          <a:xfrm>
-            <a:off x="3563410" y="4572501"/>
-            <a:ext cx="2182915" cy="1349877"/>
-          </a:xfrm>
-          <a:prstGeom prst="ellipse">
-            <a:avLst/>
-          </a:prstGeom>
-          <a:solidFill>
-            <a:schemeClr val="bg1"/>
-          </a:solidFill>
-          <a:ln w="19050"/>
-        </p:spPr>
-        <p:style>
-          <a:lnRef idx="2">
-            <a:schemeClr val="accent1">
-              <a:shade val="50000"/>
-            </a:schemeClr>
-          </a:lnRef>
-          <a:fillRef idx="1">
-            <a:schemeClr val="accent1"/>
-          </a:fillRef>
-          <a:effectRef idx="0">
-            <a:schemeClr val="accent1"/>
-          </a:effectRef>
-          <a:fontRef idx="minor">
-            <a:schemeClr val="lt1"/>
-          </a:fontRef>
-        </p:style>
-        <p:txBody>
-          <a:bodyPr rtlCol="0" anchor="ctr"/>
-          <a:lstStyle/>
-          <a:p>
-            <a:pPr algn="ctr"/>
-            <a:endParaRPr kumimoji="1" lang="ja-JP" altLang="en-US"/>
-          </a:p>
-        </p:txBody>
-      </p:sp>
-      <p:sp>
-        <p:nvSpPr>
-          <p:cNvPr id="18" name="テキスト ボックス 17">
-            <a:extLst>
-              <a:ext uri="{FF2B5EF4-FFF2-40B4-BE49-F238E27FC236}">
-                <a16:creationId xmlns:a16="http://schemas.microsoft.com/office/drawing/2014/main" id="{868337CE-A73B-3345-B8BE-655582D4CCB0}"/>
-              </a:ext>
-            </a:extLst>
-          </p:cNvPr>
-          <p:cNvSpPr txBox="1"/>
-          <p:nvPr/>
-        </p:nvSpPr>
-        <p:spPr>
-          <a:xfrm>
-            <a:off x="4048728" y="5034853"/>
-            <a:ext cx="1274901" cy="369332"/>
-          </a:xfrm>
-          <a:prstGeom prst="rect">
-            <a:avLst/>
-          </a:prstGeom>
-          <a:noFill/>
-        </p:spPr>
-        <p:txBody>
-          <a:bodyPr wrap="square" rtlCol="0">
-            <a:spAutoFit/>
-          </a:bodyPr>
-          <a:lstStyle/>
-          <a:p>
-            <a:pPr algn="l"/>
-            <a:r>
-              <a:rPr kumimoji="1" lang="en-US" altLang="ja-JP" dirty="0">
-                <a:latin typeface="Cambria" panose="02040503050406030204" pitchFamily="18" charset="0"/>
-              </a:rPr>
-              <a:t>Safe region</a:t>
-            </a:r>
-            <a:endParaRPr kumimoji="1" lang="ja-JP" altLang="en-US">
-              <a:latin typeface="Cambria" panose="02040503050406030204" pitchFamily="18" charset="0"/>
-            </a:endParaRPr>
-          </a:p>
-        </p:txBody>
-      </p:sp>
-      <p:sp>
-        <p:nvSpPr>
-          <p:cNvPr id="19" name="テキスト ボックス 18">
-            <a:extLst>
-              <a:ext uri="{FF2B5EF4-FFF2-40B4-BE49-F238E27FC236}">
-                <a16:creationId xmlns:a16="http://schemas.microsoft.com/office/drawing/2014/main" id="{ADB3CFF0-0776-234F-BBF6-815BA84CC311}"/>
-              </a:ext>
-            </a:extLst>
-          </p:cNvPr>
-          <p:cNvSpPr txBox="1"/>
-          <p:nvPr/>
-        </p:nvSpPr>
-        <p:spPr>
-          <a:xfrm>
-            <a:off x="1150947" y="5624364"/>
-            <a:ext cx="1633589" cy="646331"/>
-          </a:xfrm>
-          <a:prstGeom prst="rect">
-            <a:avLst/>
-          </a:prstGeom>
-          <a:noFill/>
-        </p:spPr>
-        <p:txBody>
-          <a:bodyPr wrap="none" rtlCol="0">
-            <a:spAutoFit/>
-          </a:bodyPr>
-          <a:lstStyle/>
-          <a:p>
-            <a:pPr algn="ctr"/>
-            <a:r>
-              <a:rPr kumimoji="1" lang="en-US" altLang="ja-JP" dirty="0">
-                <a:latin typeface="Cambria" panose="02040503050406030204" pitchFamily="18" charset="0"/>
-              </a:rPr>
-              <a:t>Safe region</a:t>
-            </a:r>
-          </a:p>
-          <a:p>
-            <a:pPr algn="ctr"/>
-            <a:r>
-              <a:rPr kumimoji="1" lang="en-US" altLang="ja-JP" dirty="0">
-                <a:latin typeface="Cambria" panose="02040503050406030204" pitchFamily="18" charset="0"/>
-              </a:rPr>
-              <a:t>(ground truth)</a:t>
-            </a:r>
-            <a:endParaRPr kumimoji="1" lang="ja-JP" altLang="en-US">
-              <a:latin typeface="Cambria" panose="02040503050406030204" pitchFamily="18" charset="0"/>
-            </a:endParaRPr>
-          </a:p>
-        </p:txBody>
-      </p:sp>
-      <p:sp>
-        <p:nvSpPr>
-          <p:cNvPr id="22" name="円/楕円 21">
-            <a:extLst>
-              <a:ext uri="{FF2B5EF4-FFF2-40B4-BE49-F238E27FC236}">
-                <a16:creationId xmlns:a16="http://schemas.microsoft.com/office/drawing/2014/main" id="{A662B1C1-F100-0C4E-B586-68E40FAE9BD3}"/>
-              </a:ext>
-            </a:extLst>
-          </p:cNvPr>
-          <p:cNvSpPr/>
-          <p:nvPr/>
-        </p:nvSpPr>
-        <p:spPr>
-          <a:xfrm>
-            <a:off x="3828606" y="4545226"/>
-            <a:ext cx="321719" cy="358970"/>
-          </a:xfrm>
-          <a:prstGeom prst="ellipse">
-            <a:avLst/>
-          </a:prstGeom>
-          <a:solidFill>
-            <a:schemeClr val="bg1">
-              <a:lumMod val="50000"/>
-              <a:alpha val="62000"/>
-            </a:schemeClr>
-          </a:solidFill>
-          <a:ln>
-            <a:solidFill>
-              <a:schemeClr val="tx1"/>
-            </a:solidFill>
-          </a:ln>
-        </p:spPr>
-        <p:style>
-          <a:lnRef idx="2">
-            <a:schemeClr val="accent1">
-              <a:shade val="50000"/>
-            </a:schemeClr>
-          </a:lnRef>
-          <a:fillRef idx="1">
-            <a:schemeClr val="accent1"/>
-          </a:fillRef>
-          <a:effectRef idx="0">
-            <a:schemeClr val="accent1"/>
-          </a:effectRef>
-          <a:fontRef idx="minor">
-            <a:schemeClr val="lt1"/>
-          </a:fontRef>
-        </p:style>
-        <p:txBody>
-          <a:bodyPr rtlCol="0" anchor="ctr"/>
-          <a:lstStyle/>
-          <a:p>
-            <a:pPr algn="ctr"/>
-            <a:endParaRPr kumimoji="1" lang="ja-JP" altLang="en-US"/>
-          </a:p>
-        </p:txBody>
-      </p:sp>
-      <p:sp>
-        <p:nvSpPr>
-          <p:cNvPr id="23" name="テキスト ボックス 22">
-            <a:extLst>
-              <a:ext uri="{FF2B5EF4-FFF2-40B4-BE49-F238E27FC236}">
-                <a16:creationId xmlns:a16="http://schemas.microsoft.com/office/drawing/2014/main" id="{7FD03B99-0755-0D48-8673-B369F7C50930}"/>
-              </a:ext>
-            </a:extLst>
-          </p:cNvPr>
-          <p:cNvSpPr txBox="1"/>
-          <p:nvPr/>
-        </p:nvSpPr>
-        <p:spPr>
-          <a:xfrm>
-            <a:off x="3774564" y="4542513"/>
-            <a:ext cx="321719" cy="369332"/>
-          </a:xfrm>
-          <a:prstGeom prst="rect">
-            <a:avLst/>
-          </a:prstGeom>
-          <a:noFill/>
-        </p:spPr>
-        <p:txBody>
-          <a:bodyPr wrap="square" rtlCol="0">
-            <a:spAutoFit/>
-          </a:bodyPr>
-          <a:lstStyle/>
-          <a:p>
-            <a:pPr algn="l"/>
-            <a:r>
-              <a:rPr kumimoji="1" lang="ja-JP" altLang="en-US">
-                <a:solidFill>
-                  <a:srgbClr val="FF0000"/>
-                </a:solidFill>
-                <a:latin typeface="Cambria" panose="02040503050406030204" pitchFamily="18" charset="0"/>
-              </a:rPr>
-              <a:t>・</a:t>
-            </a:r>
-          </a:p>
-        </p:txBody>
-      </p:sp>
-      <p:sp>
-        <p:nvSpPr>
-          <p:cNvPr id="26" name="円/楕円 25">
-            <a:extLst>
-              <a:ext uri="{FF2B5EF4-FFF2-40B4-BE49-F238E27FC236}">
-                <a16:creationId xmlns:a16="http://schemas.microsoft.com/office/drawing/2014/main" id="{4E188571-DAC1-7B41-AE3E-8E86F22C6095}"/>
-              </a:ext>
-            </a:extLst>
-          </p:cNvPr>
-          <p:cNvSpPr/>
-          <p:nvPr/>
-        </p:nvSpPr>
-        <p:spPr>
-          <a:xfrm>
-            <a:off x="3098476" y="4626102"/>
-            <a:ext cx="676088" cy="694495"/>
-          </a:xfrm>
-          <a:prstGeom prst="ellipse">
-            <a:avLst/>
-          </a:prstGeom>
-          <a:solidFill>
-            <a:schemeClr val="bg1">
-              <a:lumMod val="50000"/>
-              <a:alpha val="53000"/>
-            </a:schemeClr>
-          </a:solidFill>
-          <a:ln>
-            <a:solidFill>
-              <a:schemeClr val="tx1"/>
-            </a:solidFill>
-          </a:ln>
-        </p:spPr>
-        <p:style>
-          <a:lnRef idx="2">
-            <a:schemeClr val="accent1">
-              <a:shade val="50000"/>
-            </a:schemeClr>
-          </a:lnRef>
-          <a:fillRef idx="1">
-            <a:schemeClr val="accent1"/>
-          </a:fillRef>
-          <a:effectRef idx="0">
-            <a:schemeClr val="accent1"/>
-          </a:effectRef>
-          <a:fontRef idx="minor">
-            <a:schemeClr val="lt1"/>
-          </a:fontRef>
-        </p:style>
-        <p:txBody>
-          <a:bodyPr rtlCol="0" anchor="ctr"/>
-          <a:lstStyle/>
-          <a:p>
-            <a:pPr algn="ctr"/>
-            <a:endParaRPr kumimoji="1" lang="ja-JP" altLang="en-US"/>
-          </a:p>
-        </p:txBody>
-      </p:sp>
-      <p:grpSp>
-        <p:nvGrpSpPr>
-          <p:cNvPr id="45" name="グループ化 44">
-            <a:extLst>
-              <a:ext uri="{FF2B5EF4-FFF2-40B4-BE49-F238E27FC236}">
-                <a16:creationId xmlns:a16="http://schemas.microsoft.com/office/drawing/2014/main" id="{14C07BBA-1DE2-E143-BE2A-856CBF16E9EE}"/>
-              </a:ext>
-            </a:extLst>
-          </p:cNvPr>
-          <p:cNvGrpSpPr/>
-          <p:nvPr/>
-        </p:nvGrpSpPr>
-        <p:grpSpPr>
-          <a:xfrm>
-            <a:off x="3285443" y="4438936"/>
-            <a:ext cx="2493744" cy="1508594"/>
-            <a:chOff x="3285443" y="4438936"/>
-            <a:chExt cx="2493744" cy="1508594"/>
-          </a:xfrm>
-        </p:grpSpPr>
-        <p:sp>
-          <p:nvSpPr>
-            <p:cNvPr id="21" name="円/楕円 20">
-              <a:extLst>
-                <a:ext uri="{FF2B5EF4-FFF2-40B4-BE49-F238E27FC236}">
-                  <a16:creationId xmlns:a16="http://schemas.microsoft.com/office/drawing/2014/main" id="{132891CF-A2F6-CA49-96B1-2FD6EAEC9973}"/>
-                </a:ext>
-              </a:extLst>
-            </p:cNvPr>
-            <p:cNvSpPr/>
-            <p:nvPr/>
-          </p:nvSpPr>
-          <p:spPr>
-            <a:xfrm>
-              <a:off x="3395311" y="4438936"/>
-              <a:ext cx="2383876" cy="1508594"/>
-            </a:xfrm>
-            <a:prstGeom prst="ellipse">
-              <a:avLst/>
-            </a:prstGeom>
-            <a:noFill/>
-            <a:ln w="12700">
-              <a:solidFill>
-                <a:schemeClr val="accent1">
-                  <a:shade val="50000"/>
-                </a:schemeClr>
-              </a:solidFill>
-              <a:prstDash val="dash"/>
-            </a:ln>
-          </p:spPr>
-          <p:style>
-            <a:lnRef idx="2">
-              <a:schemeClr val="accent1">
-                <a:shade val="50000"/>
-              </a:schemeClr>
-            </a:lnRef>
-            <a:fillRef idx="1">
-              <a:schemeClr val="accent1"/>
-            </a:fillRef>
-            <a:effectRef idx="0">
-              <a:schemeClr val="accent1"/>
-            </a:effectRef>
-            <a:fontRef idx="minor">
-              <a:schemeClr val="lt1"/>
-            </a:fontRef>
-          </p:style>
-          <p:txBody>
-            <a:bodyPr rtlCol="0" anchor="ctr"/>
-            <a:lstStyle/>
-            <a:p>
-              <a:pPr algn="ctr"/>
-              <a:endParaRPr kumimoji="1" lang="ja-JP" altLang="en-US"/>
-            </a:p>
-          </p:txBody>
-        </p:sp>
-        <p:grpSp>
-          <p:nvGrpSpPr>
-            <p:cNvPr id="44" name="グループ化 43">
-              <a:extLst>
-                <a:ext uri="{FF2B5EF4-FFF2-40B4-BE49-F238E27FC236}">
-                  <a16:creationId xmlns:a16="http://schemas.microsoft.com/office/drawing/2014/main" id="{D0AA47F9-50C9-4942-83DB-7582A132D046}"/>
-                </a:ext>
-              </a:extLst>
-            </p:cNvPr>
-            <p:cNvGrpSpPr/>
-            <p:nvPr/>
-          </p:nvGrpSpPr>
-          <p:grpSpPr>
-            <a:xfrm>
-              <a:off x="3285443" y="4793864"/>
-              <a:ext cx="321719" cy="358970"/>
-              <a:chOff x="3285443" y="4793864"/>
-              <a:chExt cx="321719" cy="358970"/>
-            </a:xfrm>
-          </p:grpSpPr>
-          <p:sp>
-            <p:nvSpPr>
-              <p:cNvPr id="28" name="円/楕円 27">
-                <a:extLst>
-                  <a:ext uri="{FF2B5EF4-FFF2-40B4-BE49-F238E27FC236}">
-                    <a16:creationId xmlns:a16="http://schemas.microsoft.com/office/drawing/2014/main" id="{7BC84BE4-8963-D549-97C2-CEC9BFB53D97}"/>
-                  </a:ext>
-                </a:extLst>
-              </p:cNvPr>
-              <p:cNvSpPr/>
-              <p:nvPr/>
-            </p:nvSpPr>
-            <p:spPr>
-              <a:xfrm>
-                <a:off x="3285443" y="4793864"/>
-                <a:ext cx="321719" cy="358970"/>
-              </a:xfrm>
-              <a:prstGeom prst="ellipse">
-                <a:avLst/>
-              </a:prstGeom>
-              <a:solidFill>
-                <a:schemeClr val="accent1">
-                  <a:lumMod val="75000"/>
-                  <a:alpha val="62000"/>
-                </a:schemeClr>
-              </a:solidFill>
-              <a:ln>
-                <a:solidFill>
-                  <a:schemeClr val="tx1"/>
-                </a:solidFill>
-              </a:ln>
-            </p:spPr>
-            <p:style>
-              <a:lnRef idx="2">
-                <a:schemeClr val="accent1">
-                  <a:shade val="50000"/>
-                </a:schemeClr>
-              </a:lnRef>
-              <a:fillRef idx="1">
-                <a:schemeClr val="accent1"/>
-              </a:fillRef>
-              <a:effectRef idx="0">
-                <a:schemeClr val="accent1"/>
-              </a:effectRef>
-              <a:fontRef idx="minor">
-                <a:schemeClr val="lt1"/>
-              </a:fontRef>
-            </p:style>
-            <p:txBody>
-              <a:bodyPr rtlCol="0" anchor="ctr"/>
-              <a:lstStyle/>
-              <a:p>
-                <a:pPr algn="ctr"/>
-                <a:endParaRPr kumimoji="1" lang="ja-JP" altLang="en-US"/>
-              </a:p>
-            </p:txBody>
-          </p:sp>
-          <p:cxnSp>
-            <p:nvCxnSpPr>
-              <p:cNvPr id="42" name="直線矢印コネクタ 41">
-                <a:extLst>
-                  <a:ext uri="{FF2B5EF4-FFF2-40B4-BE49-F238E27FC236}">
-                    <a16:creationId xmlns:a16="http://schemas.microsoft.com/office/drawing/2014/main" id="{B8A5D90C-9657-8841-B38D-3D19FC747BF0}"/>
-                  </a:ext>
-                </a:extLst>
-              </p:cNvPr>
-              <p:cNvCxnSpPr>
-                <a:cxnSpLocks/>
-              </p:cNvCxnSpPr>
-              <p:nvPr/>
-            </p:nvCxnSpPr>
-            <p:spPr>
-              <a:xfrm>
-                <a:off x="3322914" y="4884625"/>
-                <a:ext cx="86485" cy="135568"/>
-              </a:xfrm>
-              <a:prstGeom prst="straightConnector1">
-                <a:avLst/>
-              </a:prstGeom>
-              <a:ln w="19050">
-                <a:solidFill>
-                  <a:schemeClr val="accent2"/>
-                </a:solidFill>
-                <a:tailEnd type="triangle"/>
-              </a:ln>
-            </p:spPr>
-            <p:style>
-              <a:lnRef idx="1">
-                <a:schemeClr val="accent1"/>
-              </a:lnRef>
-              <a:fillRef idx="0">
-                <a:schemeClr val="accent1"/>
-              </a:fillRef>
-              <a:effectRef idx="0">
-                <a:schemeClr val="accent1"/>
-              </a:effectRef>
-              <a:fontRef idx="minor">
-                <a:schemeClr val="tx1"/>
-              </a:fontRef>
-            </p:style>
-          </p:cxnSp>
-        </p:grpSp>
-      </p:grpSp>
-      <p:sp>
-        <p:nvSpPr>
-          <p:cNvPr id="27" name="テキスト ボックス 26">
-            <a:extLst>
-              <a:ext uri="{FF2B5EF4-FFF2-40B4-BE49-F238E27FC236}">
-                <a16:creationId xmlns:a16="http://schemas.microsoft.com/office/drawing/2014/main" id="{D0A7576A-E861-384F-8CCD-E23FC0EE2224}"/>
-              </a:ext>
-            </a:extLst>
-          </p:cNvPr>
-          <p:cNvSpPr txBox="1"/>
-          <p:nvPr/>
-        </p:nvSpPr>
-        <p:spPr>
-          <a:xfrm>
-            <a:off x="3242716" y="4804478"/>
-            <a:ext cx="321719" cy="369332"/>
-          </a:xfrm>
-          <a:prstGeom prst="rect">
-            <a:avLst/>
-          </a:prstGeom>
-          <a:noFill/>
-        </p:spPr>
-        <p:txBody>
-          <a:bodyPr wrap="square" rtlCol="0">
-            <a:spAutoFit/>
-          </a:bodyPr>
-          <a:lstStyle/>
-          <a:p>
-            <a:pPr algn="l"/>
-            <a:r>
-              <a:rPr kumimoji="1" lang="ja-JP" altLang="en-US">
-                <a:solidFill>
-                  <a:srgbClr val="FF0000"/>
-                </a:solidFill>
-                <a:latin typeface="Cambria" panose="02040503050406030204" pitchFamily="18" charset="0"/>
-              </a:rPr>
-              <a:t>・</a:t>
-            </a:r>
-          </a:p>
-        </p:txBody>
-      </p:sp>
-      <mc:AlternateContent xmlns:mc="http://schemas.openxmlformats.org/markup-compatibility/2006">
-        <mc:Choice xmlns:a14="http://schemas.microsoft.com/office/drawing/2010/main" Requires="a14">
-          <p:sp>
-            <p:nvSpPr>
-              <p:cNvPr id="29" name="テキスト ボックス 28">
-                <a:extLst>
-                  <a:ext uri="{FF2B5EF4-FFF2-40B4-BE49-F238E27FC236}">
-                    <a16:creationId xmlns:a16="http://schemas.microsoft.com/office/drawing/2014/main" id="{AC303105-3E4C-BF42-BAB7-5DC9847D7FBD}"/>
-                  </a:ext>
-                </a:extLst>
-              </p:cNvPr>
-              <p:cNvSpPr txBox="1"/>
-              <p:nvPr/>
-            </p:nvSpPr>
-            <p:spPr>
-              <a:xfrm>
-                <a:off x="1020018" y="4275497"/>
-                <a:ext cx="2655407" cy="307777"/>
-              </a:xfrm>
-              <a:prstGeom prst="rect">
-                <a:avLst/>
-              </a:prstGeom>
-              <a:noFill/>
-            </p:spPr>
-            <p:txBody>
-              <a:bodyPr wrap="none" rtlCol="0">
-                <a:spAutoFit/>
-              </a:bodyPr>
-              <a:lstStyle/>
-              <a:p>
-                <a14:m>
-                  <m:oMathPara xmlns:m="http://schemas.openxmlformats.org/officeDocument/2006/math">
-                    <m:oMathParaPr>
-                      <m:jc m:val="centerGroup"/>
-                    </m:oMathParaPr>
-                    <m:oMath xmlns:m="http://schemas.openxmlformats.org/officeDocument/2006/math">
-                      <m:sSub>
-                        <m:sSubPr>
-                          <m:ctrlPr>
-                            <a:rPr kumimoji="1" lang="en-US" altLang="ja-JP" sz="1400" i="1" smtClean="0">
-                              <a:latin typeface="Cambria Math" panose="02040503050406030204" pitchFamily="18" charset="0"/>
-                            </a:rPr>
-                          </m:ctrlPr>
-                        </m:sSubPr>
-                        <m:e>
-                          <m:r>
-                            <a:rPr kumimoji="1" lang="en-US" altLang="ja-JP" sz="1400" b="0" i="1" smtClean="0">
-                              <a:latin typeface="Cambria Math" panose="02040503050406030204" pitchFamily="18" charset="0"/>
-                            </a:rPr>
-                            <m:t>𝑥</m:t>
-                          </m:r>
-                        </m:e>
-                        <m:sub>
-                          <m:r>
-                            <a:rPr kumimoji="1" lang="en-US" altLang="ja-JP" sz="1400" b="0" i="1" smtClean="0">
-                              <a:latin typeface="Cambria Math" panose="02040503050406030204" pitchFamily="18" charset="0"/>
-                            </a:rPr>
-                            <m:t>𝑡</m:t>
-                          </m:r>
-                          <m:r>
-                            <a:rPr kumimoji="1" lang="en-US" altLang="ja-JP" sz="1400" b="0" i="1" smtClean="0">
-                              <a:latin typeface="Cambria Math" panose="02040503050406030204" pitchFamily="18" charset="0"/>
-                            </a:rPr>
-                            <m:t>+1</m:t>
-                          </m:r>
-                        </m:sub>
-                      </m:sSub>
-                      <m:r>
-                        <a:rPr kumimoji="1" lang="en-US" altLang="ja-JP" sz="1400" b="0" i="1" smtClean="0">
-                          <a:latin typeface="Cambria Math" panose="02040503050406030204" pitchFamily="18" charset="0"/>
-                        </a:rPr>
-                        <m:t>=</m:t>
-                      </m:r>
-                      <m:r>
-                        <a:rPr kumimoji="1" lang="en-US" altLang="ja-JP" sz="1400" b="0" i="1" smtClean="0">
-                          <a:latin typeface="Cambria Math" panose="02040503050406030204" pitchFamily="18" charset="0"/>
-                        </a:rPr>
-                        <m:t>𝑓</m:t>
-                      </m:r>
-                      <m:d>
-                        <m:dPr>
-                          <m:ctrlPr>
-                            <a:rPr kumimoji="1" lang="en-US" altLang="ja-JP" sz="1400" b="0" i="1" smtClean="0">
-                              <a:latin typeface="Cambria Math" panose="02040503050406030204" pitchFamily="18" charset="0"/>
-                            </a:rPr>
-                          </m:ctrlPr>
-                        </m:dPr>
-                        <m:e>
-                          <m:sSub>
-                            <m:sSubPr>
-                              <m:ctrlPr>
-                                <a:rPr kumimoji="1" lang="en-US" altLang="ja-JP" sz="1400" i="1">
-                                  <a:latin typeface="Cambria Math" panose="02040503050406030204" pitchFamily="18" charset="0"/>
-                                </a:rPr>
-                              </m:ctrlPr>
-                            </m:sSubPr>
-                            <m:e>
-                              <m:r>
-                                <a:rPr kumimoji="1" lang="en-US" altLang="ja-JP" sz="1400" i="1">
-                                  <a:latin typeface="Cambria Math" panose="02040503050406030204" pitchFamily="18" charset="0"/>
-                                </a:rPr>
-                                <m:t>𝑥</m:t>
-                              </m:r>
-                            </m:e>
-                            <m:sub>
-                              <m:r>
-                                <a:rPr kumimoji="1" lang="en-US" altLang="ja-JP" sz="1400" i="1">
-                                  <a:latin typeface="Cambria Math" panose="02040503050406030204" pitchFamily="18" charset="0"/>
-                                </a:rPr>
-                                <m:t>𝑡</m:t>
-                              </m:r>
-                            </m:sub>
-                          </m:sSub>
-                        </m:e>
-                      </m:d>
-                      <m:r>
-                        <a:rPr kumimoji="1" lang="en-US" altLang="ja-JP" sz="1400" b="0" i="1" smtClean="0">
-                          <a:latin typeface="Cambria Math" panose="02040503050406030204" pitchFamily="18" charset="0"/>
-                        </a:rPr>
-                        <m:t>+</m:t>
-                      </m:r>
-                      <m:r>
-                        <a:rPr kumimoji="1" lang="en-US" altLang="ja-JP" sz="1400" b="0" i="1" smtClean="0">
-                          <a:solidFill>
-                            <a:schemeClr val="accent2"/>
-                          </a:solidFill>
-                          <a:latin typeface="Cambria Math" panose="02040503050406030204" pitchFamily="18" charset="0"/>
-                        </a:rPr>
-                        <m:t>𝑔</m:t>
-                      </m:r>
-                      <m:d>
-                        <m:dPr>
-                          <m:ctrlPr>
-                            <a:rPr kumimoji="1" lang="en-US" altLang="ja-JP" sz="1400" b="0" i="1" smtClean="0">
-                              <a:solidFill>
-                                <a:schemeClr val="accent2"/>
-                              </a:solidFill>
-                              <a:latin typeface="Cambria Math" panose="02040503050406030204" pitchFamily="18" charset="0"/>
-                            </a:rPr>
-                          </m:ctrlPr>
-                        </m:dPr>
-                        <m:e>
-                          <m:sSub>
-                            <m:sSubPr>
-                              <m:ctrlPr>
-                                <a:rPr kumimoji="1" lang="en-US" altLang="ja-JP" sz="1400" i="1">
-                                  <a:solidFill>
-                                    <a:schemeClr val="accent2"/>
-                                  </a:solidFill>
-                                  <a:latin typeface="Cambria Math" panose="02040503050406030204" pitchFamily="18" charset="0"/>
-                                </a:rPr>
-                              </m:ctrlPr>
-                            </m:sSubPr>
-                            <m:e>
-                              <m:r>
-                                <a:rPr kumimoji="1" lang="en-US" altLang="ja-JP" sz="1400" i="1">
-                                  <a:solidFill>
-                                    <a:schemeClr val="accent2"/>
-                                  </a:solidFill>
-                                  <a:latin typeface="Cambria Math" panose="02040503050406030204" pitchFamily="18" charset="0"/>
-                                </a:rPr>
-                                <m:t>𝑥</m:t>
-                              </m:r>
-                            </m:e>
-                            <m:sub>
-                              <m:r>
-                                <a:rPr kumimoji="1" lang="en-US" altLang="ja-JP" sz="1400" i="1">
-                                  <a:solidFill>
-                                    <a:schemeClr val="accent2"/>
-                                  </a:solidFill>
-                                  <a:latin typeface="Cambria Math" panose="02040503050406030204" pitchFamily="18" charset="0"/>
-                                </a:rPr>
-                                <m:t>𝑡</m:t>
-                              </m:r>
-                            </m:sub>
-                          </m:sSub>
-                        </m:e>
-                      </m:d>
-                      <m:sSub>
-                        <m:sSubPr>
-                          <m:ctrlPr>
-                            <a:rPr kumimoji="1" lang="en-US" altLang="ja-JP" sz="1400" i="1" smtClean="0">
-                              <a:solidFill>
-                                <a:schemeClr val="accent2"/>
-                              </a:solidFill>
-                              <a:latin typeface="Cambria Math" panose="02040503050406030204" pitchFamily="18" charset="0"/>
-                            </a:rPr>
-                          </m:ctrlPr>
-                        </m:sSubPr>
-                        <m:e>
-                          <m:r>
-                            <a:rPr kumimoji="1" lang="en-US" altLang="ja-JP" sz="1400" b="0" i="1" smtClean="0">
-                              <a:solidFill>
-                                <a:schemeClr val="accent2"/>
-                              </a:solidFill>
-                              <a:latin typeface="Cambria Math" panose="02040503050406030204" pitchFamily="18" charset="0"/>
-                            </a:rPr>
-                            <m:t>𝑢</m:t>
-                          </m:r>
-                        </m:e>
-                        <m:sub>
-                          <m:r>
-                            <a:rPr kumimoji="1" lang="en-US" altLang="ja-JP" sz="1400" i="1">
-                              <a:solidFill>
-                                <a:schemeClr val="accent2"/>
-                              </a:solidFill>
-                              <a:latin typeface="Cambria Math" panose="02040503050406030204" pitchFamily="18" charset="0"/>
-                            </a:rPr>
-                            <m:t>𝑡</m:t>
-                          </m:r>
-                        </m:sub>
-                      </m:sSub>
-                      <m:r>
-                        <a:rPr kumimoji="1" lang="en-US" altLang="ja-JP" sz="1400" b="0" i="1" smtClean="0">
-                          <a:latin typeface="Cambria Math" panose="02040503050406030204" pitchFamily="18" charset="0"/>
-                        </a:rPr>
-                        <m:t>+</m:t>
-                      </m:r>
-                      <m:r>
-                        <a:rPr kumimoji="1" lang="en-US" altLang="ja-JP" sz="1400" b="0" i="1" smtClean="0">
-                          <a:solidFill>
-                            <a:schemeClr val="bg1">
-                              <a:lumMod val="50000"/>
-                            </a:schemeClr>
-                          </a:solidFill>
-                          <a:latin typeface="Cambria Math" panose="02040503050406030204" pitchFamily="18" charset="0"/>
-                        </a:rPr>
-                        <m:t>𝑑</m:t>
-                      </m:r>
-                      <m:r>
-                        <a:rPr kumimoji="1" lang="en-US" altLang="ja-JP" sz="1400" b="0" i="1" smtClean="0">
-                          <a:solidFill>
-                            <a:schemeClr val="bg1">
-                              <a:lumMod val="50000"/>
-                            </a:schemeClr>
-                          </a:solidFill>
-                          <a:latin typeface="Cambria Math" panose="02040503050406030204" pitchFamily="18" charset="0"/>
-                        </a:rPr>
-                        <m:t>(</m:t>
-                      </m:r>
-                      <m:sSub>
-                        <m:sSubPr>
-                          <m:ctrlPr>
-                            <a:rPr kumimoji="1" lang="en-US" altLang="ja-JP" sz="1400" i="1">
-                              <a:solidFill>
-                                <a:schemeClr val="bg1">
-                                  <a:lumMod val="50000"/>
-                                </a:schemeClr>
-                              </a:solidFill>
-                              <a:latin typeface="Cambria Math" panose="02040503050406030204" pitchFamily="18" charset="0"/>
-                            </a:rPr>
-                          </m:ctrlPr>
-                        </m:sSubPr>
-                        <m:e>
-                          <m:r>
-                            <a:rPr kumimoji="1" lang="en-US" altLang="ja-JP" sz="1400" i="1">
-                              <a:solidFill>
-                                <a:schemeClr val="bg1">
-                                  <a:lumMod val="50000"/>
-                                </a:schemeClr>
-                              </a:solidFill>
-                              <a:latin typeface="Cambria Math" panose="02040503050406030204" pitchFamily="18" charset="0"/>
-                            </a:rPr>
-                            <m:t>𝑥</m:t>
-                          </m:r>
-                        </m:e>
-                        <m:sub>
-                          <m:r>
-                            <a:rPr kumimoji="1" lang="en-US" altLang="ja-JP" sz="1400" i="1">
-                              <a:solidFill>
-                                <a:schemeClr val="bg1">
-                                  <a:lumMod val="50000"/>
-                                </a:schemeClr>
-                              </a:solidFill>
-                              <a:latin typeface="Cambria Math" panose="02040503050406030204" pitchFamily="18" charset="0"/>
-                            </a:rPr>
-                            <m:t>𝑡</m:t>
-                          </m:r>
-                        </m:sub>
-                      </m:sSub>
-                      <m:r>
-                        <a:rPr kumimoji="1" lang="en-US" altLang="ja-JP" sz="1400" b="0" i="1" smtClean="0">
-                          <a:solidFill>
-                            <a:schemeClr val="bg1">
-                              <a:lumMod val="50000"/>
-                            </a:schemeClr>
-                          </a:solidFill>
-                          <a:latin typeface="Cambria Math" panose="02040503050406030204" pitchFamily="18" charset="0"/>
-                        </a:rPr>
-                        <m:t>)</m:t>
-                      </m:r>
-                    </m:oMath>
-                  </m:oMathPara>
-                </a14:m>
-                <a:endParaRPr kumimoji="1" lang="ja-JP" altLang="en-US" sz="1400"/>
-              </a:p>
-            </p:txBody>
-          </p:sp>
-        </mc:Choice>
-        <mc:Fallback>
-          <p:sp>
-            <p:nvSpPr>
-              <p:cNvPr id="29" name="テキスト ボックス 28">
-                <a:extLst>
-                  <a:ext uri="{FF2B5EF4-FFF2-40B4-BE49-F238E27FC236}">
-                    <a16:creationId xmlns:a16="http://schemas.microsoft.com/office/drawing/2014/main" id="{AC303105-3E4C-BF42-BAB7-5DC9847D7FBD}"/>
-                  </a:ext>
-                </a:extLst>
-              </p:cNvPr>
-              <p:cNvSpPr txBox="1">
-                <a:spLocks noRot="1" noChangeAspect="1" noMove="1" noResize="1" noEditPoints="1" noAdjustHandles="1" noChangeArrowheads="1" noChangeShapeType="1" noTextEdit="1"/>
-              </p:cNvSpPr>
-              <p:nvPr/>
-            </p:nvSpPr>
-            <p:spPr>
-              <a:xfrm>
-                <a:off x="1020018" y="4275497"/>
-                <a:ext cx="2655407" cy="307777"/>
-              </a:xfrm>
-              <a:prstGeom prst="rect">
-                <a:avLst/>
-              </a:prstGeom>
-              <a:blipFill>
-                <a:blip r:embed="rId2"/>
-                <a:stretch>
-                  <a:fillRect b="-4000"/>
-                </a:stretch>
-              </a:blipFill>
-            </p:spPr>
-            <p:txBody>
-              <a:bodyPr/>
-              <a:lstStyle/>
-              <a:p>
-                <a:r>
-                  <a:rPr lang="ja-JP" altLang="en-US">
-                    <a:noFill/>
-                  </a:rPr>
-                  <a:t> </a:t>
-                </a:r>
-              </a:p>
-            </p:txBody>
-          </p:sp>
-        </mc:Fallback>
-      </mc:AlternateContent>
-      <p:cxnSp>
-        <p:nvCxnSpPr>
-          <p:cNvPr id="31" name="直線矢印コネクタ 30">
-            <a:extLst>
-              <a:ext uri="{FF2B5EF4-FFF2-40B4-BE49-F238E27FC236}">
-                <a16:creationId xmlns:a16="http://schemas.microsoft.com/office/drawing/2014/main" id="{20FD076F-F027-BD4E-9A5A-19318BC25ADC}"/>
-              </a:ext>
-            </a:extLst>
-          </p:cNvPr>
-          <p:cNvCxnSpPr>
-            <a:cxnSpLocks/>
-          </p:cNvCxnSpPr>
-          <p:nvPr/>
-        </p:nvCxnSpPr>
-        <p:spPr>
-          <a:xfrm>
-            <a:off x="3942475" y="4558318"/>
-            <a:ext cx="86485" cy="135568"/>
-          </a:xfrm>
-          <a:prstGeom prst="straightConnector1">
-            <a:avLst/>
-          </a:prstGeom>
-          <a:ln w="19050">
-            <a:solidFill>
-              <a:schemeClr val="accent2"/>
-            </a:solidFill>
-            <a:tailEnd type="triangle"/>
-          </a:ln>
-        </p:spPr>
-        <p:style>
-          <a:lnRef idx="1">
-            <a:schemeClr val="accent1"/>
-          </a:lnRef>
-          <a:fillRef idx="0">
-            <a:schemeClr val="accent1"/>
-          </a:fillRef>
-          <a:effectRef idx="0">
-            <a:schemeClr val="accent1"/>
-          </a:effectRef>
-          <a:fontRef idx="minor">
-            <a:schemeClr val="tx1"/>
-          </a:fontRef>
-        </p:style>
-      </p:cxnSp>
-      <p:cxnSp>
-        <p:nvCxnSpPr>
-          <p:cNvPr id="41" name="直線矢印コネクタ 40">
-            <a:extLst>
-              <a:ext uri="{FF2B5EF4-FFF2-40B4-BE49-F238E27FC236}">
-                <a16:creationId xmlns:a16="http://schemas.microsoft.com/office/drawing/2014/main" id="{8C8D66C1-C653-8F46-B50F-75076DBF4199}"/>
-              </a:ext>
-            </a:extLst>
-          </p:cNvPr>
-          <p:cNvCxnSpPr>
-            <a:cxnSpLocks/>
-          </p:cNvCxnSpPr>
-          <p:nvPr/>
-        </p:nvCxnSpPr>
-        <p:spPr>
-          <a:xfrm>
-            <a:off x="3165903" y="4776277"/>
-            <a:ext cx="86485" cy="135568"/>
-          </a:xfrm>
-          <a:prstGeom prst="straightConnector1">
-            <a:avLst/>
-          </a:prstGeom>
-          <a:ln w="19050">
-            <a:solidFill>
-              <a:schemeClr val="accent2"/>
-            </a:solidFill>
-            <a:tailEnd type="triangle"/>
-          </a:ln>
-        </p:spPr>
-        <p:style>
-          <a:lnRef idx="1">
-            <a:schemeClr val="accent1"/>
-          </a:lnRef>
-          <a:fillRef idx="0">
-            <a:schemeClr val="accent1"/>
-          </a:fillRef>
-          <a:effectRef idx="0">
-            <a:schemeClr val="accent1"/>
-          </a:effectRef>
-          <a:fontRef idx="minor">
-            <a:schemeClr val="tx1"/>
-          </a:fontRef>
-        </p:style>
-      </p:cxnSp>
-      <mc:AlternateContent xmlns:mc="http://schemas.openxmlformats.org/markup-compatibility/2006">
-        <mc:Choice xmlns:a14="http://schemas.microsoft.com/office/drawing/2010/main" Requires="a14">
-          <p:sp>
-            <p:nvSpPr>
-              <p:cNvPr id="43" name="テキスト ボックス 42">
-                <a:extLst>
-                  <a:ext uri="{FF2B5EF4-FFF2-40B4-BE49-F238E27FC236}">
-                    <a16:creationId xmlns:a16="http://schemas.microsoft.com/office/drawing/2014/main" id="{80F85AA4-71E7-CE46-AFD0-76395E39FFDE}"/>
-                  </a:ext>
-                </a:extLst>
-              </p:cNvPr>
-              <p:cNvSpPr txBox="1"/>
-              <p:nvPr/>
-            </p:nvSpPr>
-            <p:spPr>
-              <a:xfrm>
-                <a:off x="5931782" y="4149048"/>
-                <a:ext cx="3029434" cy="1169551"/>
-              </a:xfrm>
-              <a:prstGeom prst="rect">
-                <a:avLst/>
-              </a:prstGeom>
-              <a:noFill/>
-            </p:spPr>
-            <p:txBody>
-              <a:bodyPr wrap="square" rtlCol="0">
-                <a:spAutoFit/>
-              </a:bodyPr>
-              <a:lstStyle/>
-              <a:p>
-                <a:r>
-                  <a:rPr kumimoji="1" lang="en-US" altLang="ja-JP" sz="1400" dirty="0">
-                    <a:latin typeface="Cambria" panose="02040503050406030204" pitchFamily="18" charset="0"/>
-                  </a:rPr>
-                  <a:t>Confident safe region:</a:t>
-                </a:r>
-              </a:p>
-              <a:p>
-                <a:pPr lvl="1"/>
-                <a:r>
-                  <a:rPr kumimoji="1" lang="en-US" altLang="ja-JP" sz="1400" dirty="0">
-                    <a:latin typeface="Cambria" panose="02040503050406030204" pitchFamily="18" charset="0"/>
-                  </a:rPr>
-                  <a:t>The region where there exists input </a:t>
-                </a:r>
-                <a14:m>
-                  <m:oMath xmlns:m="http://schemas.openxmlformats.org/officeDocument/2006/math">
-                    <m:r>
-                      <a:rPr kumimoji="1" lang="en-US" altLang="ja-JP" sz="1400" i="1" smtClean="0">
-                        <a:latin typeface="Cambria Math" panose="02040503050406030204" pitchFamily="18" charset="0"/>
-                      </a:rPr>
-                      <m:t>𝑢</m:t>
-                    </m:r>
-                    <m:r>
-                      <a:rPr kumimoji="1" lang="en-US" altLang="ja-JP" sz="1400" i="1" smtClean="0">
-                        <a:latin typeface="Cambria Math" panose="02040503050406030204" pitchFamily="18" charset="0"/>
-                        <a:ea typeface="Cambria Math" panose="02040503050406030204" pitchFamily="18" charset="0"/>
-                      </a:rPr>
-                      <m:t>∈</m:t>
-                    </m:r>
-                    <m:r>
-                      <a:rPr kumimoji="1" lang="en-US" altLang="ja-JP" sz="1400" i="1" smtClean="0">
-                        <a:latin typeface="Cambria Math" panose="02040503050406030204" pitchFamily="18" charset="0"/>
-                        <a:ea typeface="Cambria Math" panose="02040503050406030204" pitchFamily="18" charset="0"/>
-                      </a:rPr>
-                      <m:t>𝒰</m:t>
-                    </m:r>
-                  </m:oMath>
-                </a14:m>
-                <a:r>
-                  <a:rPr kumimoji="1" lang="en-US" altLang="ja-JP" sz="1400" dirty="0">
-                    <a:latin typeface="Cambria" panose="02040503050406030204" pitchFamily="18" charset="0"/>
-                  </a:rPr>
-                  <a:t> that worst GP estimated next state can be return to the region</a:t>
-                </a:r>
-                <a:endParaRPr kumimoji="1" lang="ja-JP" altLang="en-US" sz="1400">
-                  <a:latin typeface="Cambria" panose="02040503050406030204" pitchFamily="18" charset="0"/>
-                </a:endParaRPr>
-              </a:p>
-            </p:txBody>
-          </p:sp>
-        </mc:Choice>
-        <mc:Fallback>
-          <p:sp>
-            <p:nvSpPr>
-              <p:cNvPr id="43" name="テキスト ボックス 42">
-                <a:extLst>
-                  <a:ext uri="{FF2B5EF4-FFF2-40B4-BE49-F238E27FC236}">
-                    <a16:creationId xmlns:a16="http://schemas.microsoft.com/office/drawing/2014/main" id="{80F85AA4-71E7-CE46-AFD0-76395E39FFDE}"/>
-                  </a:ext>
-                </a:extLst>
-              </p:cNvPr>
-              <p:cNvSpPr txBox="1">
-                <a:spLocks noRot="1" noChangeAspect="1" noMove="1" noResize="1" noEditPoints="1" noAdjustHandles="1" noChangeArrowheads="1" noChangeShapeType="1" noTextEdit="1"/>
-              </p:cNvSpPr>
-              <p:nvPr/>
-            </p:nvSpPr>
-            <p:spPr>
-              <a:xfrm>
-                <a:off x="5931782" y="4149048"/>
-                <a:ext cx="3029434" cy="1169551"/>
-              </a:xfrm>
-              <a:prstGeom prst="rect">
-                <a:avLst/>
-              </a:prstGeom>
-              <a:blipFill>
-                <a:blip r:embed="rId3"/>
-                <a:stretch>
-                  <a:fillRect l="-417" t="-1075" b="-3226"/>
-                </a:stretch>
-              </a:blipFill>
-            </p:spPr>
-            <p:txBody>
-              <a:bodyPr/>
-              <a:lstStyle/>
-              <a:p>
-                <a:r>
-                  <a:rPr lang="ja-JP" altLang="en-US">
-                    <a:noFill/>
-                  </a:rPr>
-                  <a:t> </a:t>
-                </a:r>
-              </a:p>
-            </p:txBody>
-          </p:sp>
-        </mc:Fallback>
-      </mc:AlternateContent>
-      <p:sp>
-        <p:nvSpPr>
-          <p:cNvPr id="4" name="フッター プレースホルダー 3">
-            <a:extLst>
-              <a:ext uri="{FF2B5EF4-FFF2-40B4-BE49-F238E27FC236}">
-                <a16:creationId xmlns:a16="http://schemas.microsoft.com/office/drawing/2014/main" id="{A5D83B6A-AF66-474A-BCFF-2A0686BAF731}"/>
-              </a:ext>
-            </a:extLst>
-          </p:cNvPr>
-          <p:cNvSpPr>
-            <a:spLocks noGrp="1"/>
-          </p:cNvSpPr>
-          <p:nvPr>
-            <p:ph type="ftr" sz="quarter" idx="11"/>
-          </p:nvPr>
-        </p:nvSpPr>
-        <p:spPr/>
-        <p:txBody>
-          <a:bodyPr/>
-          <a:lstStyle/>
-          <a:p>
-            <a:r>
-              <a:rPr kumimoji="1" lang="en-US" altLang="ja-JP"/>
-              <a:t>Control System Theory Group</a:t>
-            </a:r>
-            <a:endParaRPr kumimoji="1" lang="ja-JP" altLang="en-US"/>
-          </a:p>
-        </p:txBody>
-      </p:sp>
-      <p:sp>
-        <p:nvSpPr>
-          <p:cNvPr id="5" name="タイトル 4">
-            <a:extLst>
-              <a:ext uri="{FF2B5EF4-FFF2-40B4-BE49-F238E27FC236}">
-                <a16:creationId xmlns:a16="http://schemas.microsoft.com/office/drawing/2014/main" id="{B74DE80C-E0DC-1F4B-9FC1-B67E91239118}"/>
-              </a:ext>
-            </a:extLst>
-          </p:cNvPr>
-          <p:cNvSpPr>
-            <a:spLocks noGrp="1"/>
-          </p:cNvSpPr>
-          <p:nvPr>
-            <p:ph type="title"/>
-          </p:nvPr>
-        </p:nvSpPr>
-        <p:spPr/>
-        <p:txBody>
-          <a:bodyPr/>
-          <a:lstStyle/>
-          <a:p>
-            <a:r>
-              <a:rPr kumimoji="1" lang="en-US" altLang="ja-JP" dirty="0"/>
-              <a:t>Weekly</a:t>
-            </a:r>
-            <a:r>
-              <a:rPr kumimoji="1" lang="ja-JP" altLang="en-US"/>
-              <a:t> </a:t>
-            </a:r>
-            <a:r>
-              <a:rPr kumimoji="1" lang="en-US" altLang="ja-JP" dirty="0"/>
-              <a:t>Report</a:t>
-            </a:r>
-            <a:endParaRPr kumimoji="1" lang="ja-JP" altLang="en-US"/>
-          </a:p>
-        </p:txBody>
-      </p:sp>
-      <p:sp>
-        <p:nvSpPr>
-          <p:cNvPr id="46" name="日付プレースホルダー 45">
-            <a:extLst>
-              <a:ext uri="{FF2B5EF4-FFF2-40B4-BE49-F238E27FC236}">
-                <a16:creationId xmlns:a16="http://schemas.microsoft.com/office/drawing/2014/main" id="{6C77806B-0DF0-4B45-9CB6-85692B12B737}"/>
-              </a:ext>
-            </a:extLst>
-          </p:cNvPr>
-          <p:cNvSpPr>
-            <a:spLocks noGrp="1"/>
-          </p:cNvSpPr>
-          <p:nvPr>
-            <p:ph type="dt" sz="half" idx="10"/>
-          </p:nvPr>
-        </p:nvSpPr>
-        <p:spPr/>
-        <p:txBody>
-          <a:bodyPr/>
-          <a:lstStyle/>
-          <a:p>
-            <a:fld id="{AE431D68-07F1-014C-93FA-485131656E9F}" type="datetime1">
-              <a:rPr kumimoji="1" lang="ja-JP" altLang="en-US" smtClean="0"/>
-              <a:t>2020/7/14</a:t>
-            </a:fld>
-            <a:endParaRPr kumimoji="1" lang="ja-JP" altLang="en-US"/>
-          </a:p>
-        </p:txBody>
-      </p:sp>
-    </p:spTree>
-    <p:extLst>
-      <p:ext uri="{BB962C8B-B14F-4D97-AF65-F5344CB8AC3E}">
-        <p14:creationId xmlns:p14="http://schemas.microsoft.com/office/powerpoint/2010/main" val="2265531583"/>
-      </p:ext>
-    </p:extLst>
-  </p:cSld>
-  <p:clrMapOvr>
-    <a:masterClrMapping/>
-  </p:clrMapOvr>
-  <p:timing>
-    <p:tnLst>
-      <p:par>
-        <p:cTn id="1" dur="indefinite" restart="never" nodeType="tmRoot">
-          <p:childTnLst>
-            <p:seq concurrent="1" nextAc="seek">
-              <p:cTn id="2" dur="indefinite" nodeType="mainSeq">
-                <p:childTnLst>
-                  <p:par>
-                    <p:cTn id="3" fill="hold">
-                      <p:stCondLst>
-                        <p:cond delay="indefinite"/>
-                      </p:stCondLst>
-                      <p:childTnLst>
-                        <p:par>
-                          <p:cTn id="4" fill="hold">
-                            <p:stCondLst>
-                              <p:cond delay="0"/>
-                            </p:stCondLst>
-                            <p:childTnLst>
-                              <p:par>
-                                <p:cTn id="5" presetID="9" presetClass="entr" presetSubtype="0" fill="hold" nodeType="clickEffect">
-                                  <p:stCondLst>
-                                    <p:cond delay="0"/>
-                                  </p:stCondLst>
-                                  <p:childTnLst>
-                                    <p:set>
-                                      <p:cBhvr>
-                                        <p:cTn id="6" dur="1" fill="hold">
-                                          <p:stCondLst>
-                                            <p:cond delay="0"/>
-                                          </p:stCondLst>
-                                        </p:cTn>
-                                        <p:tgtEl>
-                                          <p:spTgt spid="45"/>
-                                        </p:tgtEl>
-                                        <p:attrNameLst>
-                                          <p:attrName>style.visibility</p:attrName>
-                                        </p:attrNameLst>
-                                      </p:cBhvr>
-                                      <p:to>
-                                        <p:strVal val="visible"/>
-                                      </p:to>
-                                    </p:set>
-                                    <p:animEffect transition="in" filter="dissolve">
-                                      <p:cBhvr>
-                                        <p:cTn id="7" dur="500"/>
-                                        <p:tgtEl>
-                                          <p:spTgt spid="45"/>
-                                        </p:tgtEl>
-                                      </p:cBhvr>
-                                    </p:animEffect>
-                                  </p:childTnLst>
-                                </p:cTn>
-                              </p:par>
-                            </p:childTnLst>
-                          </p:cTn>
-                        </p:par>
-                      </p:childTnLst>
-                    </p:cTn>
-                  </p:par>
-                </p:childTnLst>
-              </p:cTn>
-              <p:prevCondLst>
-                <p:cond evt="onPrev" delay="0">
-                  <p:tgtEl>
-                    <p:sldTgt/>
-                  </p:tgtEl>
-                </p:cond>
-              </p:prevCondLst>
-              <p:nextCondLst>
-                <p:cond evt="onNext" delay="0">
-                  <p:tgtEl>
-                    <p:sldTgt/>
-                  </p:tgtEl>
-                </p:cond>
-              </p:nextCondLst>
-            </p:seq>
-          </p:childTnLst>
-        </p:cTn>
-      </p:par>
-    </p:tnLst>
-  </p:timing>
-</p:sld>
-</file>
-
-<file path=ppt/slides/slide2.xml><?xml version="1.0" encoding="utf-8"?>
-<p:sld xmlns:a="http://schemas.openxmlformats.org/drawingml/2006/main" xmlns:r="http://schemas.openxmlformats.org/officeDocument/2006/relationships" xmlns:p="http://schemas.openxmlformats.org/presentationml/2006/main">
-  <p:cSld>
-    <p:spTree>
-      <p:nvGrpSpPr>
-        <p:cNvPr id="1" name=""/>
-        <p:cNvGrpSpPr/>
-        <p:nvPr/>
-      </p:nvGrpSpPr>
-      <p:grpSpPr>
-        <a:xfrm>
-          <a:off x="0" y="0"/>
-          <a:ext cx="0" cy="0"/>
-          <a:chOff x="0" y="0"/>
-          <a:chExt cx="0" cy="0"/>
-        </a:xfrm>
-      </p:grpSpPr>
       <mc:AlternateContent xmlns:mc="http://schemas.openxmlformats.org/markup-compatibility/2006">
         <mc:Choice xmlns:a14="http://schemas.microsoft.com/office/drawing/2010/main" Requires="a14">
           <p:sp>
@@ -5380,7 +3941,7 @@
               <p:cNvPr id="2" name="コンテンツ プレースホルダー 1">
                 <a:extLst>
                   <a:ext uri="{FF2B5EF4-FFF2-40B4-BE49-F238E27FC236}">
-                    <a16:creationId xmlns:a16="http://schemas.microsoft.com/office/drawing/2014/main" id="{FB1A9E28-E124-044D-B184-A109074BEAD0}"/>
+                    <a16:creationId xmlns:a16="http://schemas.microsoft.com/office/drawing/2014/main" id="{D7144CF1-99EF-854E-BED2-53CD731C20D7}"/>
                   </a:ext>
                 </a:extLst>
               </p:cNvPr>
@@ -5397,78 +3958,145 @@
               <a:lstStyle/>
               <a:p>
                 <a:r>
-                  <a:rPr kumimoji="1" lang="en-US" altLang="ja-JP" dirty="0"/>
-                  <a:t>GP can be more accurate by sampling uncertain state</a:t>
+                  <a:rPr lang="en-US" altLang="ja-JP" dirty="0"/>
+                  <a:t>My report in last week</a:t>
                 </a:r>
-              </a:p>
-              <a:p>
-                <a:endParaRPr lang="en-US" altLang="ja-JP" dirty="0"/>
-              </a:p>
-              <a:p>
-                <a:endParaRPr kumimoji="1" lang="en-US" altLang="ja-JP" dirty="0"/>
-              </a:p>
-              <a:p>
-                <a:endParaRPr lang="en-US" altLang="ja-JP" dirty="0"/>
-              </a:p>
-              <a:p>
-                <a:endParaRPr kumimoji="1" lang="en-US" altLang="ja-JP" dirty="0"/>
-              </a:p>
-              <a:p>
-                <a:endParaRPr lang="en-US" altLang="ja-JP" dirty="0"/>
-              </a:p>
-              <a:p>
-                <a:endParaRPr kumimoji="1" lang="en-US" altLang="ja-JP" dirty="0"/>
-              </a:p>
-              <a:p>
-                <a:endParaRPr lang="en-US" altLang="ja-JP" dirty="0"/>
+                <a:endParaRPr lang="ja-JP" altLang="en-US"/>
               </a:p>
               <a:p>
                 <a:pPr lvl="1"/>
                 <a:r>
                   <a:rPr kumimoji="1" lang="en-US" altLang="ja-JP" dirty="0"/>
-                  <a:t>In [1], desired input such that </a:t>
+                  <a:t>System dynamics</a:t>
+                </a:r>
+                <a:endParaRPr lang="en-US" altLang="ja-JP" dirty="0"/>
+              </a:p>
+              <a:p>
+                <a:pPr lvl="2"/>
+                <a:r>
+                  <a:rPr kumimoji="1" lang="en-US" altLang="ja-JP" dirty="0"/>
+                  <a:t>Ground truth dynamics: </a:t>
                 </a:r>
                 <a14:m>
                   <m:oMath xmlns:m="http://schemas.openxmlformats.org/officeDocument/2006/math">
                     <m:sSub>
                       <m:sSubPr>
                         <m:ctrlPr>
-                          <a:rPr kumimoji="1" lang="en-US" altLang="ja-JP" i="1" smtClean="0">
+                          <a:rPr lang="en-US" altLang="ja-JP" i="1">
                             <a:latin typeface="Cambria Math" panose="02040503050406030204" pitchFamily="18" charset="0"/>
                           </a:rPr>
                         </m:ctrlPr>
                       </m:sSubPr>
                       <m:e>
                         <m:r>
-                          <a:rPr kumimoji="1" lang="en-US" altLang="ja-JP" b="0" i="1" smtClean="0">
+                          <a:rPr lang="en-US" altLang="ja-JP" i="1">
                             <a:latin typeface="Cambria Math" panose="02040503050406030204" pitchFamily="18" charset="0"/>
                           </a:rPr>
-                          <m:t>𝑥</m:t>
+                          <m:t>𝑠</m:t>
                         </m:r>
                       </m:e>
                       <m:sub>
                         <m:r>
-                          <a:rPr kumimoji="1" lang="en-US" altLang="ja-JP" b="0" i="1" smtClean="0">
+                          <a:rPr lang="en-US" altLang="ja-JP" i="1">
                             <a:latin typeface="Cambria Math" panose="02040503050406030204" pitchFamily="18" charset="0"/>
                           </a:rPr>
-                          <m:t>𝑑𝑒𝑠𝑖𝑟𝑒</m:t>
+                          <m:t>𝑡</m:t>
+                        </m:r>
+                        <m:r>
+                          <a:rPr lang="en-US" altLang="ja-JP" i="1">
+                            <a:latin typeface="Cambria Math" panose="02040503050406030204" pitchFamily="18" charset="0"/>
+                          </a:rPr>
+                          <m:t>+1</m:t>
                         </m:r>
                       </m:sub>
                     </m:sSub>
                     <m:r>
-                      <a:rPr kumimoji="1" lang="en-US" altLang="ja-JP" b="0" i="1" smtClean="0">
+                      <a:rPr lang="en-US" altLang="ja-JP" i="1">
                         <a:latin typeface="Cambria Math" panose="02040503050406030204" pitchFamily="18" charset="0"/>
                       </a:rPr>
                       <m:t>=</m:t>
                     </m:r>
+                    <m:sSub>
+                      <m:sSubPr>
+                        <m:ctrlPr>
+                          <a:rPr lang="en-US" altLang="ja-JP" i="1">
+                            <a:latin typeface="Cambria Math" panose="02040503050406030204" pitchFamily="18" charset="0"/>
+                          </a:rPr>
+                        </m:ctrlPr>
+                      </m:sSubPr>
+                      <m:e>
+                        <m:r>
+                          <a:rPr lang="en-US" altLang="ja-JP" i="1">
+                            <a:latin typeface="Cambria Math" panose="02040503050406030204" pitchFamily="18" charset="0"/>
+                          </a:rPr>
+                          <m:t>𝑓</m:t>
+                        </m:r>
+                      </m:e>
+                      <m:sub>
+                        <m:r>
+                          <a:rPr lang="en-US" altLang="ja-JP" i="1">
+                            <a:latin typeface="Cambria Math" panose="02040503050406030204" pitchFamily="18" charset="0"/>
+                          </a:rPr>
+                          <m:t>𝑡</m:t>
+                        </m:r>
+                        <m:r>
+                          <a:rPr lang="en-US" altLang="ja-JP" i="1">
+                            <a:latin typeface="Cambria Math" panose="02040503050406030204" pitchFamily="18" charset="0"/>
+                          </a:rPr>
+                          <m:t>𝑟𝑢𝑒</m:t>
+                        </m:r>
+                      </m:sub>
+                    </m:sSub>
+                    <m:d>
+                      <m:dPr>
+                        <m:ctrlPr>
+                          <a:rPr lang="en-US" altLang="ja-JP" i="1">
+                            <a:latin typeface="Cambria Math" panose="02040503050406030204" pitchFamily="18" charset="0"/>
+                          </a:rPr>
+                        </m:ctrlPr>
+                      </m:dPr>
+                      <m:e>
+                        <m:sSub>
+                          <m:sSubPr>
+                            <m:ctrlPr>
+                              <a:rPr lang="en-US" altLang="ja-JP" i="1">
+                                <a:latin typeface="Cambria Math" panose="02040503050406030204" pitchFamily="18" charset="0"/>
+                              </a:rPr>
+                            </m:ctrlPr>
+                          </m:sSubPr>
+                          <m:e>
+                            <m:r>
+                              <a:rPr lang="en-US" altLang="ja-JP" i="1">
+                                <a:latin typeface="Cambria Math" panose="02040503050406030204" pitchFamily="18" charset="0"/>
+                              </a:rPr>
+                              <m:t>𝑠</m:t>
+                            </m:r>
+                          </m:e>
+                          <m:sub>
+                            <m:r>
+                              <a:rPr lang="en-US" altLang="ja-JP" i="1">
+                                <a:latin typeface="Cambria Math" panose="02040503050406030204" pitchFamily="18" charset="0"/>
+                              </a:rPr>
+                              <m:t>𝑡</m:t>
+                            </m:r>
+                          </m:sub>
+                        </m:sSub>
+                      </m:e>
+                    </m:d>
                     <m:r>
-                      <a:rPr kumimoji="1" lang="en-US" altLang="ja-JP" b="0" i="1" smtClean="0">
+                      <a:rPr lang="en-US" altLang="ja-JP" i="1">
                         <a:latin typeface="Cambria Math" panose="02040503050406030204" pitchFamily="18" charset="0"/>
                       </a:rPr>
-                      <m:t>𝑓</m:t>
+                      <m:t>+</m:t>
                     </m:r>
                     <m:r>
-                      <a:rPr kumimoji="1" lang="en-US" altLang="ja-JP" b="0" i="1" smtClean="0">
+                      <a:rPr lang="en-US" altLang="ja-JP" i="1">
+                        <a:latin typeface="Cambria Math" panose="02040503050406030204" pitchFamily="18" charset="0"/>
+                      </a:rPr>
+                      <m:t>𝑔</m:t>
+                    </m:r>
+                    <m:r>
+                      <a:rPr lang="en-US" altLang="ja-JP" i="1">
                         <a:latin typeface="Cambria Math" panose="02040503050406030204" pitchFamily="18" charset="0"/>
                       </a:rPr>
                       <m:t>(</m:t>
@@ -5486,92 +4114,208 @@
                           <a:rPr lang="en-US" altLang="ja-JP" i="1">
                             <a:latin typeface="Cambria Math" panose="02040503050406030204" pitchFamily="18" charset="0"/>
                           </a:rPr>
-                          <m:t>𝑥</m:t>
+                          <m:t>𝑠</m:t>
                         </m:r>
                       </m:e>
                       <m:sub>
                         <m:r>
-                          <a:rPr lang="en-US" altLang="ja-JP" b="0" i="1" smtClean="0">
+                          <a:rPr lang="en-US" altLang="ja-JP" i="1">
                             <a:latin typeface="Cambria Math" panose="02040503050406030204" pitchFamily="18" charset="0"/>
                           </a:rPr>
-                          <m:t>𝑐𝑢𝑟𝑟𝑒𝑛𝑡</m:t>
+                          <m:t>𝑡</m:t>
                         </m:r>
                       </m:sub>
                     </m:sSub>
                     <m:r>
-                      <a:rPr lang="en-US" altLang="ja-JP" b="0" i="1" smtClean="0">
+                      <a:rPr lang="en-US" altLang="ja-JP" i="1">
                         <a:latin typeface="Cambria Math" panose="02040503050406030204" pitchFamily="18" charset="0"/>
                       </a:rPr>
-                      <m:t>,</m:t>
+                      <m:t>)</m:t>
                     </m:r>
                     <m:sSub>
                       <m:sSubPr>
                         <m:ctrlPr>
-                          <a:rPr lang="en-US" altLang="ja-JP" i="1" smtClean="0">
-                            <a:solidFill>
-                              <a:srgbClr val="FF0000"/>
-                            </a:solidFill>
+                          <a:rPr lang="en-US" altLang="ja-JP" i="1">
                             <a:latin typeface="Cambria Math" panose="02040503050406030204" pitchFamily="18" charset="0"/>
                           </a:rPr>
                         </m:ctrlPr>
                       </m:sSubPr>
                       <m:e>
                         <m:r>
-                          <a:rPr lang="en-US" altLang="ja-JP" b="0" i="1" smtClean="0">
-                            <a:solidFill>
-                              <a:srgbClr val="FF0000"/>
-                            </a:solidFill>
+                          <a:rPr lang="en-US" altLang="ja-JP" i="1">
                             <a:latin typeface="Cambria Math" panose="02040503050406030204" pitchFamily="18" charset="0"/>
                           </a:rPr>
-                          <m:t>𝑢</m:t>
+                          <m:t>𝑎</m:t>
                         </m:r>
                       </m:e>
                       <m:sub>
                         <m:r>
                           <a:rPr lang="en-US" altLang="ja-JP" i="1">
-                            <a:solidFill>
-                              <a:srgbClr val="FF0000"/>
-                            </a:solidFill>
                             <a:latin typeface="Cambria Math" panose="02040503050406030204" pitchFamily="18" charset="0"/>
                           </a:rPr>
-                          <m:t>𝑑𝑒𝑠𝑖𝑟𝑒</m:t>
+                          <m:t>𝑡</m:t>
                         </m:r>
                       </m:sub>
                     </m:sSub>
+                  </m:oMath>
+                </a14:m>
+                <a:r>
+                  <a:rPr lang="en-US" altLang="ja-JP" dirty="0"/>
+                  <a:t>, </a:t>
+                </a:r>
+              </a:p>
+              <a:p>
+                <a:pPr marL="914400" lvl="2" indent="0">
+                  <a:buNone/>
+                </a:pPr>
+                <a:r>
+                  <a:rPr lang="en-US" altLang="ja-JP" dirty="0"/>
+                  <a:t>    where </a:t>
+                </a:r>
+                <a14:m>
+                  <m:oMath xmlns:m="http://schemas.openxmlformats.org/officeDocument/2006/math">
+                    <m:sSub>
+                      <m:sSubPr>
+                        <m:ctrlPr>
+                          <a:rPr lang="en-US" altLang="ja-JP" i="1">
+                            <a:latin typeface="Cambria Math" panose="02040503050406030204" pitchFamily="18" charset="0"/>
+                          </a:rPr>
+                        </m:ctrlPr>
+                      </m:sSubPr>
+                      <m:e>
+                        <m:r>
+                          <a:rPr lang="en-US" altLang="ja-JP" i="1">
+                            <a:latin typeface="Cambria Math" panose="02040503050406030204" pitchFamily="18" charset="0"/>
+                          </a:rPr>
+                          <m:t>𝑓</m:t>
+                        </m:r>
+                      </m:e>
+                      <m:sub>
+                        <m:r>
+                          <a:rPr lang="en-US" altLang="ja-JP" i="1">
+                            <a:latin typeface="Cambria Math" panose="02040503050406030204" pitchFamily="18" charset="0"/>
+                          </a:rPr>
+                          <m:t>𝑡𝑟𝑢𝑒</m:t>
+                        </m:r>
+                      </m:sub>
+                    </m:sSub>
+                  </m:oMath>
+                </a14:m>
+                <a:r>
+                  <a:rPr lang="en-US" altLang="ja-JP" dirty="0"/>
+                  <a:t>, </a:t>
+                </a:r>
+                <a14:m>
+                  <m:oMath xmlns:m="http://schemas.openxmlformats.org/officeDocument/2006/math">
                     <m:r>
-                      <a:rPr kumimoji="1" lang="en-US" altLang="ja-JP" b="0" i="1" smtClean="0">
+                      <a:rPr lang="en-US" altLang="ja-JP" i="1">
                         <a:latin typeface="Cambria Math" panose="02040503050406030204" pitchFamily="18" charset="0"/>
                       </a:rPr>
-                      <m:t>)</m:t>
+                      <m:t>𝑔</m:t>
                     </m:r>
                   </m:oMath>
                 </a14:m>
                 <a:r>
-                  <a:rPr kumimoji="1" lang="en-US" altLang="ja-JP" dirty="0"/>
-                  <a:t> is known</a:t>
+                  <a:rPr lang="en-US" altLang="ja-JP" dirty="0"/>
+                  <a:t> are Lipsitz continuous</a:t>
                 </a:r>
               </a:p>
               <a:p>
-                <a:pPr lvl="1"/>
+                <a:pPr lvl="2"/>
+                <a:endParaRPr lang="en-US" altLang="ja-JP" dirty="0"/>
+              </a:p>
+              <a:p>
+                <a:pPr lvl="2"/>
                 <a:r>
-                  <a:rPr kumimoji="1" lang="en-US" altLang="ja-JP" dirty="0"/>
-                  <a:t>[1] assume</a:t>
+                  <a:rPr lang="en-US" altLang="ja-JP" dirty="0"/>
+                  <a:t>Agent knows nominal dynamics i.e., </a:t>
+                </a:r>
+                <a14:m>
+                  <m:oMath xmlns:m="http://schemas.openxmlformats.org/officeDocument/2006/math">
+                    <m:r>
+                      <a:rPr lang="en-US" altLang="ja-JP" i="1">
+                        <a:latin typeface="Cambria Math" panose="02040503050406030204" pitchFamily="18" charset="0"/>
+                      </a:rPr>
+                      <m:t>𝑓</m:t>
+                    </m:r>
+                  </m:oMath>
+                </a14:m>
+                <a:r>
+                  <a:rPr lang="en-US" altLang="ja-JP" dirty="0"/>
+                  <a:t>, </a:t>
+                </a:r>
+                <a14:m>
+                  <m:oMath xmlns:m="http://schemas.openxmlformats.org/officeDocument/2006/math">
+                    <m:r>
+                      <a:rPr lang="en-US" altLang="ja-JP" i="1">
+                        <a:latin typeface="Cambria Math" panose="02040503050406030204" pitchFamily="18" charset="0"/>
+                      </a:rPr>
+                      <m:t>𝑔</m:t>
+                    </m:r>
+                  </m:oMath>
+                </a14:m>
+                <a:r>
+                  <a:rPr lang="en-US" altLang="ja-JP" dirty="0"/>
+                  <a:t> is </a:t>
+                </a:r>
+                <a:r>
+                  <a:rPr lang="en-US" altLang="ja-JP" dirty="0">
+                    <a:solidFill>
+                      <a:schemeClr val="accent1"/>
+                    </a:solidFill>
+                  </a:rPr>
+                  <a:t>known</a:t>
                 </a:r>
                 <a:r>
                   <a:rPr lang="en-US" altLang="ja-JP" dirty="0"/>
-                  <a:t>s the smoothness of dynamics to reduce computational difficulty</a:t>
+                  <a:t> and </a:t>
+                </a:r>
+                <a14:m>
+                  <m:oMath xmlns:m="http://schemas.openxmlformats.org/officeDocument/2006/math">
+                    <m:r>
+                      <a:rPr lang="en-US" altLang="ja-JP" i="1">
+                        <a:latin typeface="Cambria Math" panose="02040503050406030204" pitchFamily="18" charset="0"/>
+                      </a:rPr>
+                      <m:t>𝑑</m:t>
+                    </m:r>
+                  </m:oMath>
+                </a14:m>
+                <a:r>
+                  <a:rPr lang="en-US" altLang="ja-JP" dirty="0"/>
+                  <a:t> is </a:t>
+                </a:r>
+                <a:r>
+                  <a:rPr lang="en-US" altLang="ja-JP" dirty="0">
+                    <a:solidFill>
+                      <a:srgbClr val="C00000"/>
+                    </a:solidFill>
+                  </a:rPr>
+                  <a:t>unknown</a:t>
                 </a:r>
               </a:p>
               <a:p>
-                <a:pPr lvl="1"/>
-                <a:r>
-                  <a:rPr kumimoji="1" lang="en-US" altLang="ja-JP" dirty="0"/>
-                  <a:t>[1]</a:t>
-                </a:r>
-                <a:r>
-                  <a:rPr lang="en-US" altLang="ja-JP" dirty="0"/>
-                  <a:t> does not ensure the convergence to ground truth</a:t>
-                </a:r>
+                <a:pPr lvl="2"/>
+                <a:endParaRPr lang="en-US" altLang="ja-JP" dirty="0">
+                  <a:solidFill>
+                    <a:srgbClr val="C00000"/>
+                  </a:solidFill>
+                </a:endParaRPr>
+              </a:p>
+              <a:p>
+                <a:pPr lvl="2"/>
+                <a:endParaRPr lang="en-US" altLang="ja-JP" dirty="0">
+                  <a:solidFill>
+                    <a:srgbClr val="C00000"/>
+                  </a:solidFill>
+                </a:endParaRPr>
+              </a:p>
+              <a:p>
+                <a:pPr lvl="2"/>
+                <a:endParaRPr lang="en-US" altLang="ja-JP" dirty="0">
+                  <a:solidFill>
+                    <a:srgbClr val="C00000"/>
+                  </a:solidFill>
+                </a:endParaRPr>
               </a:p>
             </p:txBody>
           </p:sp>
@@ -5582,7 +4326,7 @@
               <p:cNvPr id="2" name="コンテンツ プレースホルダー 1">
                 <a:extLst>
                   <a:ext uri="{FF2B5EF4-FFF2-40B4-BE49-F238E27FC236}">
-                    <a16:creationId xmlns:a16="http://schemas.microsoft.com/office/drawing/2014/main" id="{FB1A9E28-E124-044D-B184-A109074BEAD0}"/>
+                    <a16:creationId xmlns:a16="http://schemas.microsoft.com/office/drawing/2014/main" id="{D7144CF1-99EF-854E-BED2-53CD731C20D7}"/>
                   </a:ext>
                 </a:extLst>
               </p:cNvPr>
@@ -5618,10 +4362,39 @@
       </mc:AlternateContent>
       <p:sp>
         <p:nvSpPr>
+          <p:cNvPr id="3" name="日付プレースホルダー 2">
+            <a:extLst>
+              <a:ext uri="{FF2B5EF4-FFF2-40B4-BE49-F238E27FC236}">
+                <a16:creationId xmlns:a16="http://schemas.microsoft.com/office/drawing/2014/main" id="{1497252A-D05D-5548-9B61-A7B4633CBC73}"/>
+              </a:ext>
+            </a:extLst>
+          </p:cNvPr>
+          <p:cNvSpPr>
+            <a:spLocks noGrp="1"/>
+          </p:cNvSpPr>
+          <p:nvPr>
+            <p:ph type="dt" sz="half" idx="10"/>
+          </p:nvPr>
+        </p:nvSpPr>
+        <p:spPr/>
+        <p:txBody>
+          <a:bodyPr/>
+          <a:lstStyle/>
+          <a:p>
+            <a:fld id="{90235FA2-C49A-5C4F-85BF-B1D7D24C5B31}" type="datetime1">
+              <a:rPr kumimoji="1" lang="ja-JP" altLang="en-US" smtClean="0"/>
+              <a:t>2020/7/27</a:t>
+            </a:fld>
+            <a:endParaRPr kumimoji="1" lang="ja-JP" altLang="en-US"/>
+          </a:p>
+        </p:txBody>
+      </p:sp>
+      <p:sp>
+        <p:nvSpPr>
           <p:cNvPr id="4" name="フッター プレースホルダー 3">
             <a:extLst>
               <a:ext uri="{FF2B5EF4-FFF2-40B4-BE49-F238E27FC236}">
-                <a16:creationId xmlns:a16="http://schemas.microsoft.com/office/drawing/2014/main" id="{04DF4D83-A68E-8F4A-91C7-AC80F5A91499}"/>
+                <a16:creationId xmlns:a16="http://schemas.microsoft.com/office/drawing/2014/main" id="{9EF8A7C4-A9AD-7E4B-BDA6-BD12A790C043}"/>
               </a:ext>
             </a:extLst>
           </p:cNvPr>
@@ -5638,7 +4411,7 @@
           <a:lstStyle/>
           <a:p>
             <a:r>
-              <a:rPr kumimoji="1" lang="en-US" altLang="ja-JP"/>
+              <a:rPr kumimoji="1" lang="en-US" altLang="ja-JP" dirty="0"/>
               <a:t>Control System Theory Group</a:t>
             </a:r>
             <a:endParaRPr kumimoji="1" lang="ja-JP" altLang="en-US"/>
@@ -5650,7 +4423,7 @@
           <p:cNvPr id="5" name="タイトル 4">
             <a:extLst>
               <a:ext uri="{FF2B5EF4-FFF2-40B4-BE49-F238E27FC236}">
-                <a16:creationId xmlns:a16="http://schemas.microsoft.com/office/drawing/2014/main" id="{AF5C10F0-9C41-BF42-83D2-762716B037D7}"/>
+                <a16:creationId xmlns:a16="http://schemas.microsoft.com/office/drawing/2014/main" id="{FA52C83B-F164-5049-BFCE-598BEE52C42D}"/>
               </a:ext>
             </a:extLst>
           </p:cNvPr>
@@ -5674,72 +4447,400 @@
           </a:p>
         </p:txBody>
       </p:sp>
-      <p:pic>
-        <p:nvPicPr>
-          <p:cNvPr id="6" name="図 5">
+      <mc:AlternateContent xmlns:mc="http://schemas.openxmlformats.org/markup-compatibility/2006">
+        <mc:Choice xmlns:a14="http://schemas.microsoft.com/office/drawing/2010/main" Requires="a14">
+          <p:sp>
+            <p:nvSpPr>
+              <p:cNvPr id="6" name="テキスト ボックス 5">
+                <a:extLst>
+                  <a:ext uri="{FF2B5EF4-FFF2-40B4-BE49-F238E27FC236}">
+                    <a16:creationId xmlns:a16="http://schemas.microsoft.com/office/drawing/2014/main" id="{BD968A5C-7540-514E-B754-5E6C3F8B2952}"/>
+                  </a:ext>
+                </a:extLst>
+              </p:cNvPr>
+              <p:cNvSpPr txBox="1"/>
+              <p:nvPr/>
+            </p:nvSpPr>
+            <p:spPr>
+              <a:xfrm>
+                <a:off x="1924980" y="3244334"/>
+                <a:ext cx="4868640" cy="369332"/>
+              </a:xfrm>
+              <a:prstGeom prst="rect">
+                <a:avLst/>
+              </a:prstGeom>
+              <a:noFill/>
+            </p:spPr>
+            <p:txBody>
+              <a:bodyPr wrap="none" rtlCol="0">
+                <a:spAutoFit/>
+              </a:bodyPr>
+              <a:lstStyle/>
+              <a:p>
+                <a14:m>
+                  <m:oMath xmlns:m="http://schemas.openxmlformats.org/officeDocument/2006/math">
+                    <m:sSub>
+                      <m:sSubPr>
+                        <m:ctrlPr>
+                          <a:rPr kumimoji="1" lang="en-US" altLang="ja-JP" i="1" smtClean="0">
+                            <a:latin typeface="Cambria Math" panose="02040503050406030204" pitchFamily="18" charset="0"/>
+                          </a:rPr>
+                        </m:ctrlPr>
+                      </m:sSubPr>
+                      <m:e>
+                        <m:r>
+                          <a:rPr kumimoji="1" lang="en-US" altLang="ja-JP" b="0" i="1" smtClean="0">
+                            <a:latin typeface="Cambria Math" panose="02040503050406030204" pitchFamily="18" charset="0"/>
+                          </a:rPr>
+                          <m:t>𝑠</m:t>
+                        </m:r>
+                      </m:e>
+                      <m:sub>
+                        <m:r>
+                          <a:rPr kumimoji="1" lang="en-US" altLang="ja-JP" b="0" i="1" smtClean="0">
+                            <a:latin typeface="Cambria Math" panose="02040503050406030204" pitchFamily="18" charset="0"/>
+                          </a:rPr>
+                          <m:t>𝑡</m:t>
+                        </m:r>
+                        <m:r>
+                          <a:rPr kumimoji="1" lang="en-US" altLang="ja-JP" b="0" i="1" smtClean="0">
+                            <a:latin typeface="Cambria Math" panose="02040503050406030204" pitchFamily="18" charset="0"/>
+                          </a:rPr>
+                          <m:t>+1</m:t>
+                        </m:r>
+                      </m:sub>
+                    </m:sSub>
+                    <m:r>
+                      <a:rPr kumimoji="1" lang="en-US" altLang="ja-JP" b="0" i="1" smtClean="0">
+                        <a:latin typeface="Cambria Math" panose="02040503050406030204" pitchFamily="18" charset="0"/>
+                      </a:rPr>
+                      <m:t>=</m:t>
+                    </m:r>
+                    <m:r>
+                      <a:rPr kumimoji="1" lang="en-US" altLang="ja-JP" i="1" smtClean="0">
+                        <a:solidFill>
+                          <a:schemeClr val="accent1"/>
+                        </a:solidFill>
+                        <a:latin typeface="Cambria Math" panose="02040503050406030204" pitchFamily="18" charset="0"/>
+                      </a:rPr>
+                      <m:t>𝑓</m:t>
+                    </m:r>
+                    <m:d>
+                      <m:dPr>
+                        <m:ctrlPr>
+                          <a:rPr kumimoji="1" lang="en-US" altLang="ja-JP" b="0" i="1" smtClean="0">
+                            <a:solidFill>
+                              <a:schemeClr val="accent1"/>
+                            </a:solidFill>
+                            <a:latin typeface="Cambria Math" panose="02040503050406030204" pitchFamily="18" charset="0"/>
+                          </a:rPr>
+                        </m:ctrlPr>
+                      </m:dPr>
+                      <m:e>
+                        <m:sSub>
+                          <m:sSubPr>
+                            <m:ctrlPr>
+                              <a:rPr kumimoji="1" lang="en-US" altLang="ja-JP" i="1">
+                                <a:solidFill>
+                                  <a:schemeClr val="accent1"/>
+                                </a:solidFill>
+                                <a:latin typeface="Cambria Math" panose="02040503050406030204" pitchFamily="18" charset="0"/>
+                              </a:rPr>
+                            </m:ctrlPr>
+                          </m:sSubPr>
+                          <m:e>
+                            <m:r>
+                              <a:rPr kumimoji="1" lang="en-US" altLang="ja-JP" i="1">
+                                <a:solidFill>
+                                  <a:schemeClr val="accent1"/>
+                                </a:solidFill>
+                                <a:latin typeface="Cambria Math" panose="02040503050406030204" pitchFamily="18" charset="0"/>
+                              </a:rPr>
+                              <m:t>𝑠</m:t>
+                            </m:r>
+                          </m:e>
+                          <m:sub>
+                            <m:r>
+                              <a:rPr kumimoji="1" lang="en-US" altLang="ja-JP" i="1">
+                                <a:solidFill>
+                                  <a:schemeClr val="accent1"/>
+                                </a:solidFill>
+                                <a:latin typeface="Cambria Math" panose="02040503050406030204" pitchFamily="18" charset="0"/>
+                              </a:rPr>
+                              <m:t>𝑡</m:t>
+                            </m:r>
+                          </m:sub>
+                        </m:sSub>
+                      </m:e>
+                    </m:d>
+                    <m:r>
+                      <a:rPr kumimoji="1" lang="en-US" altLang="ja-JP" b="0" i="1" smtClean="0">
+                        <a:latin typeface="Cambria Math" panose="02040503050406030204" pitchFamily="18" charset="0"/>
+                      </a:rPr>
+                      <m:t>+</m:t>
+                    </m:r>
+                    <m:r>
+                      <a:rPr kumimoji="1" lang="en-US" altLang="ja-JP" b="0" i="1" smtClean="0">
+                        <a:solidFill>
+                          <a:srgbClr val="C00000"/>
+                        </a:solidFill>
+                        <a:latin typeface="Cambria Math" panose="02040503050406030204" pitchFamily="18" charset="0"/>
+                      </a:rPr>
+                      <m:t>𝑑</m:t>
+                    </m:r>
+                    <m:r>
+                      <a:rPr kumimoji="1" lang="en-US" altLang="ja-JP" b="0" i="1" smtClean="0">
+                        <a:solidFill>
+                          <a:srgbClr val="C00000"/>
+                        </a:solidFill>
+                        <a:latin typeface="Cambria Math" panose="02040503050406030204" pitchFamily="18" charset="0"/>
+                      </a:rPr>
+                      <m:t>(</m:t>
+                    </m:r>
+                    <m:sSub>
+                      <m:sSubPr>
+                        <m:ctrlPr>
+                          <a:rPr kumimoji="1" lang="en-US" altLang="ja-JP" i="1">
+                            <a:solidFill>
+                              <a:srgbClr val="C00000"/>
+                            </a:solidFill>
+                            <a:latin typeface="Cambria Math" panose="02040503050406030204" pitchFamily="18" charset="0"/>
+                          </a:rPr>
+                        </m:ctrlPr>
+                      </m:sSubPr>
+                      <m:e>
+                        <m:r>
+                          <a:rPr kumimoji="1" lang="en-US" altLang="ja-JP" i="1">
+                            <a:solidFill>
+                              <a:srgbClr val="C00000"/>
+                            </a:solidFill>
+                            <a:latin typeface="Cambria Math" panose="02040503050406030204" pitchFamily="18" charset="0"/>
+                          </a:rPr>
+                          <m:t>𝑠</m:t>
+                        </m:r>
+                      </m:e>
+                      <m:sub>
+                        <m:r>
+                          <a:rPr kumimoji="1" lang="en-US" altLang="ja-JP" i="1">
+                            <a:solidFill>
+                              <a:srgbClr val="C00000"/>
+                            </a:solidFill>
+                            <a:latin typeface="Cambria Math" panose="02040503050406030204" pitchFamily="18" charset="0"/>
+                          </a:rPr>
+                          <m:t>𝑡</m:t>
+                        </m:r>
+                      </m:sub>
+                    </m:sSub>
+                    <m:r>
+                      <a:rPr kumimoji="1" lang="en-US" altLang="ja-JP" b="0" i="1" smtClean="0">
+                        <a:solidFill>
+                          <a:srgbClr val="C00000"/>
+                        </a:solidFill>
+                        <a:latin typeface="Cambria Math" panose="02040503050406030204" pitchFamily="18" charset="0"/>
+                      </a:rPr>
+                      <m:t>)</m:t>
+                    </m:r>
+                    <m:r>
+                      <a:rPr kumimoji="1" lang="en-US" altLang="ja-JP" b="0" i="1" smtClean="0">
+                        <a:latin typeface="Cambria Math" panose="02040503050406030204" pitchFamily="18" charset="0"/>
+                      </a:rPr>
+                      <m:t>+</m:t>
+                    </m:r>
+                    <m:r>
+                      <a:rPr kumimoji="1" lang="en-US" altLang="ja-JP" b="0" i="1" smtClean="0">
+                        <a:solidFill>
+                          <a:schemeClr val="accent1"/>
+                        </a:solidFill>
+                        <a:latin typeface="Cambria Math" panose="02040503050406030204" pitchFamily="18" charset="0"/>
+                      </a:rPr>
+                      <m:t>𝑔</m:t>
+                    </m:r>
+                    <m:d>
+                      <m:dPr>
+                        <m:ctrlPr>
+                          <a:rPr kumimoji="1" lang="en-US" altLang="ja-JP" b="0" i="1" smtClean="0">
+                            <a:solidFill>
+                              <a:schemeClr val="accent1"/>
+                            </a:solidFill>
+                            <a:latin typeface="Cambria Math" panose="02040503050406030204" pitchFamily="18" charset="0"/>
+                          </a:rPr>
+                        </m:ctrlPr>
+                      </m:dPr>
+                      <m:e>
+                        <m:sSub>
+                          <m:sSubPr>
+                            <m:ctrlPr>
+                              <a:rPr kumimoji="1" lang="en-US" altLang="ja-JP" i="1">
+                                <a:solidFill>
+                                  <a:schemeClr val="accent1"/>
+                                </a:solidFill>
+                                <a:latin typeface="Cambria Math" panose="02040503050406030204" pitchFamily="18" charset="0"/>
+                              </a:rPr>
+                            </m:ctrlPr>
+                          </m:sSubPr>
+                          <m:e>
+                            <m:r>
+                              <a:rPr kumimoji="1" lang="en-US" altLang="ja-JP" i="1">
+                                <a:solidFill>
+                                  <a:schemeClr val="accent1"/>
+                                </a:solidFill>
+                                <a:latin typeface="Cambria Math" panose="02040503050406030204" pitchFamily="18" charset="0"/>
+                              </a:rPr>
+                              <m:t>𝑠</m:t>
+                            </m:r>
+                          </m:e>
+                          <m:sub>
+                            <m:r>
+                              <a:rPr kumimoji="1" lang="en-US" altLang="ja-JP" i="1">
+                                <a:solidFill>
+                                  <a:schemeClr val="accent1"/>
+                                </a:solidFill>
+                                <a:latin typeface="Cambria Math" panose="02040503050406030204" pitchFamily="18" charset="0"/>
+                              </a:rPr>
+                              <m:t>𝑡</m:t>
+                            </m:r>
+                          </m:sub>
+                        </m:sSub>
+                      </m:e>
+                    </m:d>
+                    <m:sSub>
+                      <m:sSubPr>
+                        <m:ctrlPr>
+                          <a:rPr kumimoji="1" lang="en-US" altLang="ja-JP" i="1">
+                            <a:latin typeface="Cambria Math" panose="02040503050406030204" pitchFamily="18" charset="0"/>
+                          </a:rPr>
+                        </m:ctrlPr>
+                      </m:sSubPr>
+                      <m:e>
+                        <m:r>
+                          <a:rPr kumimoji="1" lang="en-US" altLang="ja-JP" b="0" i="1" smtClean="0">
+                            <a:latin typeface="Cambria Math" panose="02040503050406030204" pitchFamily="18" charset="0"/>
+                          </a:rPr>
+                          <m:t>𝑎</m:t>
+                        </m:r>
+                      </m:e>
+                      <m:sub>
+                        <m:r>
+                          <a:rPr kumimoji="1" lang="en-US" altLang="ja-JP" i="1">
+                            <a:latin typeface="Cambria Math" panose="02040503050406030204" pitchFamily="18" charset="0"/>
+                          </a:rPr>
+                          <m:t>𝑡</m:t>
+                        </m:r>
+                      </m:sub>
+                    </m:sSub>
+                  </m:oMath>
+                </a14:m>
+                <a:r>
+                  <a:rPr kumimoji="1" lang="en-US" altLang="ja-JP" dirty="0"/>
+                  <a:t> </a:t>
+                </a:r>
+                <a:r>
+                  <a:rPr kumimoji="1" lang="en-US" altLang="ja-JP" dirty="0">
+                    <a:latin typeface="Cambria" panose="02040503050406030204" pitchFamily="18" charset="0"/>
+                  </a:rPr>
+                  <a:t>: nominal model</a:t>
+                </a:r>
+                <a:endParaRPr kumimoji="1" lang="ja-JP" altLang="en-US">
+                  <a:latin typeface="Cambria" panose="02040503050406030204" pitchFamily="18" charset="0"/>
+                </a:endParaRPr>
+              </a:p>
+            </p:txBody>
+          </p:sp>
+        </mc:Choice>
+        <mc:Fallback>
+          <p:sp>
+            <p:nvSpPr>
+              <p:cNvPr id="6" name="テキスト ボックス 5">
+                <a:extLst>
+                  <a:ext uri="{FF2B5EF4-FFF2-40B4-BE49-F238E27FC236}">
+                    <a16:creationId xmlns:a16="http://schemas.microsoft.com/office/drawing/2014/main" id="{BD968A5C-7540-514E-B754-5E6C3F8B2952}"/>
+                  </a:ext>
+                </a:extLst>
+              </p:cNvPr>
+              <p:cNvSpPr txBox="1">
+                <a:spLocks noRot="1" noChangeAspect="1" noMove="1" noResize="1" noEditPoints="1" noAdjustHandles="1" noChangeArrowheads="1" noChangeShapeType="1" noTextEdit="1"/>
+              </p:cNvSpPr>
+              <p:nvPr/>
+            </p:nvSpPr>
+            <p:spPr>
+              <a:xfrm>
+                <a:off x="1924980" y="3244334"/>
+                <a:ext cx="4868640" cy="369332"/>
+              </a:xfrm>
+              <a:prstGeom prst="rect">
+                <a:avLst/>
+              </a:prstGeom>
+              <a:blipFill>
+                <a:blip r:embed="rId3"/>
+                <a:stretch>
+                  <a:fillRect t="-6452" b="-19355"/>
+                </a:stretch>
+              </a:blipFill>
+            </p:spPr>
+            <p:txBody>
+              <a:bodyPr/>
+              <a:lstStyle/>
+              <a:p>
+                <a:r>
+                  <a:rPr lang="ja-JP" altLang="en-US">
+                    <a:noFill/>
+                  </a:rPr>
+                  <a:t> </a:t>
+                </a:r>
+              </a:p>
+            </p:txBody>
+          </p:sp>
+        </mc:Fallback>
+      </mc:AlternateContent>
+      <p:cxnSp>
+        <p:nvCxnSpPr>
+          <p:cNvPr id="9" name="直線コネクタ 8">
             <a:extLst>
               <a:ext uri="{FF2B5EF4-FFF2-40B4-BE49-F238E27FC236}">
-                <a16:creationId xmlns:a16="http://schemas.microsoft.com/office/drawing/2014/main" id="{F86C9DD0-1D8E-0A4A-B9A2-0E3D5BA62E78}"/>
+                <a16:creationId xmlns:a16="http://schemas.microsoft.com/office/drawing/2014/main" id="{3CFB5A3A-E903-9947-A8A7-510B2901E5E1}"/>
               </a:ext>
             </a:extLst>
           </p:cNvPr>
-          <p:cNvPicPr>
-            <a:picLocks noChangeAspect="1"/>
-          </p:cNvPicPr>
+          <p:cNvCxnSpPr>
+            <a:cxnSpLocks/>
+          </p:cNvCxnSpPr>
           <p:nvPr/>
-        </p:nvPicPr>
-        <p:blipFill>
-          <a:blip r:embed="rId3"/>
-          <a:stretch>
-            <a:fillRect/>
-          </a:stretch>
-        </p:blipFill>
+        </p:nvCxnSpPr>
         <p:spPr>
           <a:xfrm>
-            <a:off x="628650" y="1659635"/>
-            <a:ext cx="3790696" cy="2463953"/>
+            <a:off x="3479180" y="3613666"/>
+            <a:ext cx="546410" cy="0"/>
           </a:xfrm>
-          <a:prstGeom prst="rect">
+          <a:prstGeom prst="line">
             <a:avLst/>
           </a:prstGeom>
+          <a:ln w="19050">
+            <a:solidFill>
+              <a:srgbClr val="C00000"/>
+            </a:solidFill>
+          </a:ln>
         </p:spPr>
-      </p:pic>
-      <p:pic>
-        <p:nvPicPr>
-          <p:cNvPr id="8" name="図 7">
+        <p:style>
+          <a:lnRef idx="1">
+            <a:schemeClr val="accent1"/>
+          </a:lnRef>
+          <a:fillRef idx="0">
+            <a:schemeClr val="accent1"/>
+          </a:fillRef>
+          <a:effectRef idx="0">
+            <a:schemeClr val="accent1"/>
+          </a:effectRef>
+          <a:fontRef idx="minor">
+            <a:schemeClr val="tx1"/>
+          </a:fontRef>
+        </p:style>
+      </p:cxnSp>
+      <p:sp>
+        <p:nvSpPr>
+          <p:cNvPr id="11" name="テキスト ボックス 10">
             <a:extLst>
               <a:ext uri="{FF2B5EF4-FFF2-40B4-BE49-F238E27FC236}">
-                <a16:creationId xmlns:a16="http://schemas.microsoft.com/office/drawing/2014/main" id="{26C68D0B-AB89-084D-95B5-C529592E5994}"/>
-              </a:ext>
-            </a:extLst>
-          </p:cNvPr>
-          <p:cNvPicPr>
-            <a:picLocks noChangeAspect="1"/>
-          </p:cNvPicPr>
-          <p:nvPr/>
-        </p:nvPicPr>
-        <p:blipFill>
-          <a:blip r:embed="rId4"/>
-          <a:stretch>
-            <a:fillRect/>
-          </a:stretch>
-        </p:blipFill>
-        <p:spPr>
-          <a:xfrm>
-            <a:off x="4677172" y="1655064"/>
-            <a:ext cx="3685524" cy="2468524"/>
-          </a:xfrm>
-          <a:prstGeom prst="rect">
-            <a:avLst/>
-          </a:prstGeom>
-        </p:spPr>
-      </p:pic>
-      <p:sp>
-        <p:nvSpPr>
-          <p:cNvPr id="9" name="テキスト ボックス 8">
-            <a:extLst>
-              <a:ext uri="{FF2B5EF4-FFF2-40B4-BE49-F238E27FC236}">
-                <a16:creationId xmlns:a16="http://schemas.microsoft.com/office/drawing/2014/main" id="{D284E2B1-74D0-A345-AE4B-579B58A6A087}"/>
+                <a16:creationId xmlns:a16="http://schemas.microsoft.com/office/drawing/2014/main" id="{8CA36ED1-5BBA-2C44-97FF-7B4F036A3DB5}"/>
               </a:ext>
             </a:extLst>
           </p:cNvPr>
@@ -5748,8 +4849,8 @@
         </p:nvSpPr>
         <p:spPr>
           <a:xfrm>
-            <a:off x="6903720" y="2916758"/>
-            <a:ext cx="415498" cy="369332"/>
+            <a:off x="3639130" y="3552619"/>
+            <a:ext cx="457176" cy="369332"/>
           </a:xfrm>
           <a:prstGeom prst="rect">
             <a:avLst/>
@@ -5765,27 +4866,324 @@
             <a:r>
               <a:rPr kumimoji="1" lang="en-US" altLang="ja-JP" dirty="0">
                 <a:solidFill>
-                  <a:srgbClr val="FF0000"/>
+                  <a:srgbClr val="C00000"/>
                 </a:solidFill>
                 <a:latin typeface="Cambria" panose="02040503050406030204" pitchFamily="18" charset="0"/>
               </a:rPr>
-              <a:t>×</a:t>
+              <a:t>GP</a:t>
             </a:r>
             <a:endParaRPr kumimoji="1" lang="ja-JP" altLang="en-US">
               <a:solidFill>
-                <a:srgbClr val="FF0000"/>
+                <a:srgbClr val="C00000"/>
               </a:solidFill>
               <a:latin typeface="Cambria" panose="02040503050406030204" pitchFamily="18" charset="0"/>
             </a:endParaRPr>
           </a:p>
         </p:txBody>
       </p:sp>
+    </p:spTree>
+    <p:extLst>
+      <p:ext uri="{BB962C8B-B14F-4D97-AF65-F5344CB8AC3E}">
+        <p14:creationId xmlns:p14="http://schemas.microsoft.com/office/powerpoint/2010/main" val="3559829101"/>
+      </p:ext>
+    </p:extLst>
+  </p:cSld>
+  <p:clrMapOvr>
+    <a:masterClrMapping/>
+  </p:clrMapOvr>
+</p:sld>
+</file>
+
+<file path=ppt/slides/slide2.xml><?xml version="1.0" encoding="utf-8"?>
+<p:sld xmlns:a="http://schemas.openxmlformats.org/drawingml/2006/main" xmlns:r="http://schemas.openxmlformats.org/officeDocument/2006/relationships" xmlns:p="http://schemas.openxmlformats.org/presentationml/2006/main">
+  <p:cSld>
+    <p:spTree>
+      <p:nvGrpSpPr>
+        <p:cNvPr id="1" name=""/>
+        <p:cNvGrpSpPr/>
+        <p:nvPr/>
+      </p:nvGrpSpPr>
+      <p:grpSpPr>
+        <a:xfrm>
+          <a:off x="0" y="0"/>
+          <a:ext cx="0" cy="0"/>
+          <a:chOff x="0" y="0"/>
+          <a:chExt cx="0" cy="0"/>
+        </a:xfrm>
+      </p:grpSpPr>
+      <mc:AlternateContent xmlns:mc="http://schemas.openxmlformats.org/markup-compatibility/2006">
+        <mc:Choice xmlns:a14="http://schemas.microsoft.com/office/drawing/2010/main" Requires="a14">
+          <p:sp>
+            <p:nvSpPr>
+              <p:cNvPr id="2" name="コンテンツ プレースホルダー 1">
+                <a:extLst>
+                  <a:ext uri="{FF2B5EF4-FFF2-40B4-BE49-F238E27FC236}">
+                    <a16:creationId xmlns:a16="http://schemas.microsoft.com/office/drawing/2014/main" id="{3FED6889-77F2-3E46-89F5-F563820918EB}"/>
+                  </a:ext>
+                </a:extLst>
+              </p:cNvPr>
+              <p:cNvSpPr>
+                <a:spLocks noGrp="1"/>
+              </p:cNvSpPr>
+              <p:nvPr>
+                <p:ph idx="1"/>
+              </p:nvPr>
+            </p:nvSpPr>
+            <p:spPr/>
+            <p:txBody>
+              <a:bodyPr/>
+              <a:lstStyle/>
+              <a:p>
+                <a:r>
+                  <a:rPr kumimoji="1" lang="en-US" altLang="ja-JP" dirty="0"/>
+                  <a:t>Safety constraint</a:t>
+                </a:r>
+              </a:p>
+              <a:p>
+                <a:pPr lvl="1"/>
+                <a:r>
+                  <a:rPr kumimoji="1" lang="en-US" altLang="ja-JP" dirty="0"/>
+                  <a:t>If CBF </a:t>
+                </a:r>
+                <a14:m>
+                  <m:oMath xmlns:m="http://schemas.openxmlformats.org/officeDocument/2006/math">
+                    <m:r>
+                      <a:rPr kumimoji="1" lang="en-US" altLang="ja-JP" b="0" i="1" smtClean="0">
+                        <a:latin typeface="Cambria Math" panose="02040503050406030204" pitchFamily="18" charset="0"/>
+                      </a:rPr>
+                      <m:t>h</m:t>
+                    </m:r>
+                    <m:r>
+                      <a:rPr kumimoji="1" lang="en-US" altLang="ja-JP" b="0" i="1" smtClean="0">
+                        <a:latin typeface="Cambria Math" panose="02040503050406030204" pitchFamily="18" charset="0"/>
+                      </a:rPr>
+                      <m:t>(</m:t>
+                    </m:r>
+                    <m:r>
+                      <a:rPr kumimoji="1" lang="en-US" altLang="ja-JP" b="0" i="1" smtClean="0">
+                        <a:latin typeface="Cambria Math" panose="02040503050406030204" pitchFamily="18" charset="0"/>
+                      </a:rPr>
+                      <m:t>𝑠</m:t>
+                    </m:r>
+                    <m:r>
+                      <a:rPr kumimoji="1" lang="en-US" altLang="ja-JP" b="0" i="1" smtClean="0">
+                        <a:latin typeface="Cambria Math" panose="02040503050406030204" pitchFamily="18" charset="0"/>
+                      </a:rPr>
+                      <m:t>)</m:t>
+                    </m:r>
+                  </m:oMath>
+                </a14:m>
+                <a:r>
+                  <a:rPr kumimoji="1" lang="en-US" altLang="ja-JP" dirty="0"/>
+                  <a:t> is given, set of safe states is defined as</a:t>
+                </a:r>
+              </a:p>
+              <a:p>
+                <a:pPr lvl="1"/>
+                <a:endParaRPr lang="en-US" altLang="ja-JP" dirty="0"/>
+              </a:p>
+              <a:p>
+                <a:pPr lvl="4"/>
+                <a:endParaRPr kumimoji="1" lang="en-US" altLang="ja-JP" dirty="0"/>
+              </a:p>
+              <a:p>
+                <a:pPr lvl="1"/>
+                <a:endParaRPr lang="en-US" altLang="ja-JP" dirty="0"/>
+              </a:p>
+              <a:p>
+                <a:pPr lvl="1"/>
+                <a:r>
+                  <a:rPr kumimoji="1" lang="en-US" altLang="ja-JP" dirty="0"/>
+                  <a:t>Because </a:t>
+                </a:r>
+                <a14:m>
+                  <m:oMath xmlns:m="http://schemas.openxmlformats.org/officeDocument/2006/math">
+                    <m:r>
+                      <a:rPr lang="en-US" altLang="ja-JP" i="1">
+                        <a:latin typeface="Cambria Math" panose="02040503050406030204" pitchFamily="18" charset="0"/>
+                      </a:rPr>
+                      <m:t>h</m:t>
+                    </m:r>
+                    <m:d>
+                      <m:dPr>
+                        <m:ctrlPr>
+                          <a:rPr lang="en-US" altLang="ja-JP" i="1">
+                            <a:latin typeface="Cambria Math" panose="02040503050406030204" pitchFamily="18" charset="0"/>
+                          </a:rPr>
+                        </m:ctrlPr>
+                      </m:dPr>
+                      <m:e>
+                        <m:r>
+                          <a:rPr lang="en-US" altLang="ja-JP" i="1">
+                            <a:latin typeface="Cambria Math" panose="02040503050406030204" pitchFamily="18" charset="0"/>
+                          </a:rPr>
+                          <m:t>𝑠</m:t>
+                        </m:r>
+                      </m:e>
+                    </m:d>
+                  </m:oMath>
+                </a14:m>
+                <a:r>
+                  <a:rPr kumimoji="1" lang="en-US" altLang="ja-JP" dirty="0"/>
+                  <a:t> is CBF, following condition is hold for </a:t>
+                </a:r>
+                <a14:m>
+                  <m:oMath xmlns:m="http://schemas.openxmlformats.org/officeDocument/2006/math">
+                    <m:r>
+                      <a:rPr kumimoji="1" lang="en-US" altLang="ja-JP" b="0" i="1" smtClean="0">
+                        <a:latin typeface="Cambria Math" panose="02040503050406030204" pitchFamily="18" charset="0"/>
+                        <a:ea typeface="Cambria Math" panose="02040503050406030204" pitchFamily="18" charset="0"/>
+                      </a:rPr>
+                      <m:t>∀</m:t>
+                    </m:r>
+                    <m:r>
+                      <a:rPr kumimoji="1" lang="en-US" altLang="ja-JP" b="0" i="1" smtClean="0">
+                        <a:latin typeface="Cambria Math" panose="02040503050406030204" pitchFamily="18" charset="0"/>
+                      </a:rPr>
+                      <m:t>𝑠</m:t>
+                    </m:r>
+                    <m:r>
+                      <a:rPr kumimoji="1" lang="en-US" altLang="ja-JP" b="0" i="1" smtClean="0">
+                        <a:latin typeface="Cambria Math" panose="02040503050406030204" pitchFamily="18" charset="0"/>
+                        <a:ea typeface="Cambria Math" panose="02040503050406030204" pitchFamily="18" charset="0"/>
+                      </a:rPr>
+                      <m:t>∈</m:t>
+                    </m:r>
+                  </m:oMath>
+                </a14:m>
+                <a:r>
+                  <a:rPr lang="en-US" altLang="ja-JP" dirty="0"/>
+                  <a:t> </a:t>
+                </a:r>
+                <a14:m>
+                  <m:oMath xmlns:m="http://schemas.openxmlformats.org/officeDocument/2006/math">
+                    <m:sSub>
+                      <m:sSubPr>
+                        <m:ctrlPr>
+                          <a:rPr lang="en-US" altLang="ja-JP" i="1">
+                            <a:latin typeface="Cambria Math" panose="02040503050406030204" pitchFamily="18" charset="0"/>
+                          </a:rPr>
+                        </m:ctrlPr>
+                      </m:sSubPr>
+                      <m:e>
+                        <m:r>
+                          <a:rPr lang="en-US" altLang="ja-JP" i="1">
+                            <a:latin typeface="Cambria Math" panose="02040503050406030204" pitchFamily="18" charset="0"/>
+                          </a:rPr>
+                          <m:t>𝑆</m:t>
+                        </m:r>
+                      </m:e>
+                      <m:sub>
+                        <m:r>
+                          <a:rPr lang="en-US" altLang="ja-JP" i="1">
+                            <a:latin typeface="Cambria Math" panose="02040503050406030204" pitchFamily="18" charset="0"/>
+                          </a:rPr>
+                          <m:t>𝑠𝑎𝑓𝑒</m:t>
+                        </m:r>
+                      </m:sub>
+                    </m:sSub>
+                  </m:oMath>
+                </a14:m>
+                <a:endParaRPr kumimoji="1" lang="en-US" altLang="ja-JP" dirty="0"/>
+              </a:p>
+              <a:p>
+                <a:pPr lvl="1"/>
+                <a:endParaRPr lang="en-US" altLang="ja-JP" dirty="0"/>
+              </a:p>
+              <a:p>
+                <a:pPr lvl="1"/>
+                <a:endParaRPr kumimoji="1" lang="en-US" altLang="ja-JP" dirty="0"/>
+              </a:p>
+              <a:p>
+                <a:pPr lvl="1"/>
+                <a:endParaRPr lang="en-US" altLang="ja-JP" dirty="0"/>
+              </a:p>
+              <a:p>
+                <a:pPr lvl="1"/>
+                <a:r>
+                  <a:rPr lang="en-US" altLang="ja-JP" dirty="0"/>
+                  <a:t>Set of safe actions</a:t>
+                </a:r>
+              </a:p>
+              <a:p>
+                <a:pPr lvl="1"/>
+                <a:endParaRPr lang="en-US" altLang="ja-JP" dirty="0"/>
+              </a:p>
+              <a:p>
+                <a:pPr lvl="1"/>
+                <a:endParaRPr lang="en-US" altLang="ja-JP" dirty="0"/>
+              </a:p>
+              <a:p>
+                <a:pPr lvl="1"/>
+                <a:r>
+                  <a:rPr lang="en-US" altLang="ja-JP" dirty="0"/>
+                  <a:t>Safe policy set</a:t>
+                </a:r>
+              </a:p>
+              <a:p>
+                <a:pPr lvl="1"/>
+                <a:endParaRPr kumimoji="1" lang="en-US" altLang="ja-JP" dirty="0"/>
+              </a:p>
+              <a:p>
+                <a:pPr lvl="1"/>
+                <a:endParaRPr lang="en-US" altLang="ja-JP" dirty="0"/>
+              </a:p>
+              <a:p>
+                <a:pPr lvl="1"/>
+                <a:endParaRPr kumimoji="1" lang="en-US" altLang="ja-JP" dirty="0"/>
+              </a:p>
+              <a:p>
+                <a:endParaRPr kumimoji="1" lang="ja-JP" altLang="en-US"/>
+              </a:p>
+            </p:txBody>
+          </p:sp>
+        </mc:Choice>
+        <mc:Fallback>
+          <p:sp>
+            <p:nvSpPr>
+              <p:cNvPr id="2" name="コンテンツ プレースホルダー 1">
+                <a:extLst>
+                  <a:ext uri="{FF2B5EF4-FFF2-40B4-BE49-F238E27FC236}">
+                    <a16:creationId xmlns:a16="http://schemas.microsoft.com/office/drawing/2014/main" id="{3FED6889-77F2-3E46-89F5-F563820918EB}"/>
+                  </a:ext>
+                </a:extLst>
+              </p:cNvPr>
+              <p:cNvSpPr>
+                <a:spLocks noGrp="1" noRot="1" noChangeAspect="1" noMove="1" noResize="1" noEditPoints="1" noAdjustHandles="1" noChangeArrowheads="1" noChangeShapeType="1" noTextEdit="1"/>
+              </p:cNvSpPr>
+              <p:nvPr>
+                <p:ph idx="1"/>
+              </p:nvPr>
+            </p:nvSpPr>
+            <p:spPr>
+              <a:blipFill>
+                <a:blip r:embed="rId2"/>
+                <a:stretch>
+                  <a:fillRect l="-598" t="-1266"/>
+                </a:stretch>
+              </a:blipFill>
+            </p:spPr>
+            <p:txBody>
+              <a:bodyPr/>
+              <a:lstStyle/>
+              <a:p>
+                <a:r>
+                  <a:rPr lang="ja-JP" altLang="en-US">
+                    <a:noFill/>
+                  </a:rPr>
+                  <a:t> </a:t>
+                </a:r>
+              </a:p>
+            </p:txBody>
+          </p:sp>
+        </mc:Fallback>
+      </mc:AlternateContent>
       <p:sp>
         <p:nvSpPr>
-          <p:cNvPr id="10" name="日付プレースホルダー 9">
+          <p:cNvPr id="3" name="日付プレースホルダー 2">
             <a:extLst>
               <a:ext uri="{FF2B5EF4-FFF2-40B4-BE49-F238E27FC236}">
-                <a16:creationId xmlns:a16="http://schemas.microsoft.com/office/drawing/2014/main" id="{C3674548-B218-A748-9990-A0155AB036A2}"/>
+                <a16:creationId xmlns:a16="http://schemas.microsoft.com/office/drawing/2014/main" id="{B7863DA7-A329-D14B-AA5B-6BC962632373}"/>
               </a:ext>
             </a:extLst>
           </p:cNvPr>
@@ -5801,10 +5199,4120 @@
           <a:bodyPr/>
           <a:lstStyle/>
           <a:p>
-            <a:fld id="{88AF6454-D7F7-FA41-A22C-1C726BA790BF}" type="datetime1">
+            <a:fld id="{90235FA2-C49A-5C4F-85BF-B1D7D24C5B31}" type="datetime1">
               <a:rPr kumimoji="1" lang="ja-JP" altLang="en-US" smtClean="0"/>
-              <a:t>2020/7/14</a:t>
+              <a:t>2020/7/27</a:t>
             </a:fld>
+            <a:endParaRPr kumimoji="1" lang="ja-JP" altLang="en-US"/>
+          </a:p>
+        </p:txBody>
+      </p:sp>
+      <p:sp>
+        <p:nvSpPr>
+          <p:cNvPr id="4" name="フッター プレースホルダー 3">
+            <a:extLst>
+              <a:ext uri="{FF2B5EF4-FFF2-40B4-BE49-F238E27FC236}">
+                <a16:creationId xmlns:a16="http://schemas.microsoft.com/office/drawing/2014/main" id="{74A4FE38-ED65-1846-B3A9-68305B044FFD}"/>
+              </a:ext>
+            </a:extLst>
+          </p:cNvPr>
+          <p:cNvSpPr>
+            <a:spLocks noGrp="1"/>
+          </p:cNvSpPr>
+          <p:nvPr>
+            <p:ph type="ftr" sz="quarter" idx="11"/>
+          </p:nvPr>
+        </p:nvSpPr>
+        <p:spPr/>
+        <p:txBody>
+          <a:bodyPr/>
+          <a:lstStyle/>
+          <a:p>
+            <a:r>
+              <a:rPr kumimoji="1" lang="en-US" altLang="ja-JP" dirty="0"/>
+              <a:t>Control System Theory Group</a:t>
+            </a:r>
+            <a:endParaRPr kumimoji="1" lang="ja-JP" altLang="en-US"/>
+          </a:p>
+        </p:txBody>
+      </p:sp>
+      <p:sp>
+        <p:nvSpPr>
+          <p:cNvPr id="5" name="タイトル 4">
+            <a:extLst>
+              <a:ext uri="{FF2B5EF4-FFF2-40B4-BE49-F238E27FC236}">
+                <a16:creationId xmlns:a16="http://schemas.microsoft.com/office/drawing/2014/main" id="{B5D0E3E5-B501-094B-9582-D6EFEC4E5E1D}"/>
+              </a:ext>
+            </a:extLst>
+          </p:cNvPr>
+          <p:cNvSpPr>
+            <a:spLocks noGrp="1"/>
+          </p:cNvSpPr>
+          <p:nvPr>
+            <p:ph type="title"/>
+          </p:nvPr>
+        </p:nvSpPr>
+        <p:spPr/>
+        <p:txBody>
+          <a:bodyPr/>
+          <a:lstStyle/>
+          <a:p>
+            <a:r>
+              <a:rPr kumimoji="1" lang="en-US" altLang="ja-JP" dirty="0"/>
+              <a:t>Weekly Report</a:t>
+            </a:r>
+            <a:endParaRPr kumimoji="1" lang="ja-JP" altLang="en-US"/>
+          </a:p>
+        </p:txBody>
+      </p:sp>
+      <mc:AlternateContent xmlns:mc="http://schemas.openxmlformats.org/markup-compatibility/2006">
+        <mc:Choice xmlns:a14="http://schemas.microsoft.com/office/drawing/2010/main" Requires="a14">
+          <p:sp>
+            <p:nvSpPr>
+              <p:cNvPr id="6" name="テキスト ボックス 5">
+                <a:extLst>
+                  <a:ext uri="{FF2B5EF4-FFF2-40B4-BE49-F238E27FC236}">
+                    <a16:creationId xmlns:a16="http://schemas.microsoft.com/office/drawing/2014/main" id="{E4188789-97C9-F749-BA0C-4A56291350A8}"/>
+                  </a:ext>
+                </a:extLst>
+              </p:cNvPr>
+              <p:cNvSpPr txBox="1"/>
+              <p:nvPr/>
+            </p:nvSpPr>
+            <p:spPr>
+              <a:xfrm>
+                <a:off x="1657350" y="2002832"/>
+                <a:ext cx="2775632" cy="391582"/>
+              </a:xfrm>
+              <a:prstGeom prst="rect">
+                <a:avLst/>
+              </a:prstGeom>
+              <a:noFill/>
+            </p:spPr>
+            <p:txBody>
+              <a:bodyPr wrap="none" rtlCol="0">
+                <a:spAutoFit/>
+              </a:bodyPr>
+              <a:lstStyle/>
+              <a:p>
+                <a14:m>
+                  <m:oMathPara xmlns:m="http://schemas.openxmlformats.org/officeDocument/2006/math">
+                    <m:oMathParaPr>
+                      <m:jc m:val="centerGroup"/>
+                    </m:oMathParaPr>
+                    <m:oMath xmlns:m="http://schemas.openxmlformats.org/officeDocument/2006/math">
+                      <m:sSub>
+                        <m:sSubPr>
+                          <m:ctrlPr>
+                            <a:rPr kumimoji="1" lang="en-US" altLang="ja-JP" b="0" i="1" smtClean="0">
+                              <a:latin typeface="Cambria Math" panose="02040503050406030204" pitchFamily="18" charset="0"/>
+                            </a:rPr>
+                          </m:ctrlPr>
+                        </m:sSubPr>
+                        <m:e>
+                          <m:r>
+                            <a:rPr kumimoji="1" lang="en-US" altLang="ja-JP" b="0" i="1" smtClean="0">
+                              <a:latin typeface="Cambria Math" panose="02040503050406030204" pitchFamily="18" charset="0"/>
+                            </a:rPr>
+                            <m:t>𝑆</m:t>
+                          </m:r>
+                        </m:e>
+                        <m:sub>
+                          <m:r>
+                            <a:rPr kumimoji="1" lang="en-US" altLang="ja-JP" b="0" i="1" smtClean="0">
+                              <a:latin typeface="Cambria Math" panose="02040503050406030204" pitchFamily="18" charset="0"/>
+                            </a:rPr>
+                            <m:t>𝑠𝑎𝑓𝑒</m:t>
+                          </m:r>
+                        </m:sub>
+                      </m:sSub>
+                      <m:r>
+                        <a:rPr kumimoji="1" lang="en-US" altLang="ja-JP" b="0" i="1" smtClean="0">
+                          <a:latin typeface="Cambria Math" panose="02040503050406030204" pitchFamily="18" charset="0"/>
+                        </a:rPr>
+                        <m:t>=</m:t>
+                      </m:r>
+                      <m:d>
+                        <m:dPr>
+                          <m:begChr m:val="{"/>
+                          <m:endChr m:val="|"/>
+                          <m:ctrlPr>
+                            <a:rPr kumimoji="1" lang="en-US" altLang="ja-JP" b="0" i="1" smtClean="0">
+                              <a:latin typeface="Cambria Math" panose="02040503050406030204" pitchFamily="18" charset="0"/>
+                            </a:rPr>
+                          </m:ctrlPr>
+                        </m:dPr>
+                        <m:e>
+                          <m:r>
+                            <a:rPr kumimoji="1" lang="en-US" altLang="ja-JP" b="0" i="1" smtClean="0">
+                              <a:latin typeface="Cambria Math" panose="02040503050406030204" pitchFamily="18" charset="0"/>
+                            </a:rPr>
+                            <m:t>𝑠</m:t>
+                          </m:r>
+                          <m:r>
+                            <a:rPr kumimoji="1" lang="en-US" altLang="ja-JP" b="0" i="1" smtClean="0">
+                              <a:latin typeface="Cambria Math" panose="02040503050406030204" pitchFamily="18" charset="0"/>
+                              <a:ea typeface="Cambria Math" panose="02040503050406030204" pitchFamily="18" charset="0"/>
+                            </a:rPr>
+                            <m:t>∈</m:t>
+                          </m:r>
+                          <m:r>
+                            <a:rPr kumimoji="1" lang="en-US" altLang="ja-JP" b="0" i="1" smtClean="0">
+                              <a:latin typeface="Cambria Math" panose="02040503050406030204" pitchFamily="18" charset="0"/>
+                              <a:ea typeface="Cambria Math" panose="02040503050406030204" pitchFamily="18" charset="0"/>
+                            </a:rPr>
+                            <m:t>𝑆</m:t>
+                          </m:r>
+                          <m:r>
+                            <a:rPr kumimoji="1" lang="en-US" altLang="ja-JP" b="0" i="1" smtClean="0">
+                              <a:latin typeface="Cambria Math" panose="02040503050406030204" pitchFamily="18" charset="0"/>
+                              <a:ea typeface="Cambria Math" panose="02040503050406030204" pitchFamily="18" charset="0"/>
+                            </a:rPr>
+                            <m:t> </m:t>
+                          </m:r>
+                        </m:e>
+                      </m:d>
+                      <m:r>
+                        <a:rPr kumimoji="1" lang="en-US" altLang="ja-JP" b="0" i="1" smtClean="0">
+                          <a:latin typeface="Cambria Math" panose="02040503050406030204" pitchFamily="18" charset="0"/>
+                          <a:ea typeface="Cambria Math" panose="02040503050406030204" pitchFamily="18" charset="0"/>
+                        </a:rPr>
+                        <m:t> </m:t>
+                      </m:r>
+                      <m:r>
+                        <a:rPr kumimoji="1" lang="en-US" altLang="ja-JP" b="0" i="1" smtClean="0">
+                          <a:latin typeface="Cambria Math" panose="02040503050406030204" pitchFamily="18" charset="0"/>
+                          <a:ea typeface="Cambria Math" panose="02040503050406030204" pitchFamily="18" charset="0"/>
+                        </a:rPr>
+                        <m:t>h</m:t>
+                      </m:r>
+                      <m:r>
+                        <a:rPr kumimoji="1" lang="en-US" altLang="ja-JP" b="0" i="1" smtClean="0">
+                          <a:latin typeface="Cambria Math" panose="02040503050406030204" pitchFamily="18" charset="0"/>
+                          <a:ea typeface="Cambria Math" panose="02040503050406030204" pitchFamily="18" charset="0"/>
+                        </a:rPr>
+                        <m:t>(</m:t>
+                      </m:r>
+                      <m:r>
+                        <a:rPr kumimoji="1" lang="en-US" altLang="ja-JP" b="0" i="1" smtClean="0">
+                          <a:latin typeface="Cambria Math" panose="02040503050406030204" pitchFamily="18" charset="0"/>
+                          <a:ea typeface="Cambria Math" panose="02040503050406030204" pitchFamily="18" charset="0"/>
+                        </a:rPr>
+                        <m:t>𝑠</m:t>
+                      </m:r>
+                      <m:r>
+                        <a:rPr kumimoji="1" lang="en-US" altLang="ja-JP" b="0" i="1" smtClean="0">
+                          <a:latin typeface="Cambria Math" panose="02040503050406030204" pitchFamily="18" charset="0"/>
+                          <a:ea typeface="Cambria Math" panose="02040503050406030204" pitchFamily="18" charset="0"/>
+                        </a:rPr>
+                        <m:t>)≥0}</m:t>
+                      </m:r>
+                    </m:oMath>
+                  </m:oMathPara>
+                </a14:m>
+                <a:endParaRPr kumimoji="1" lang="ja-JP" altLang="en-US">
+                  <a:latin typeface="Cambria" panose="02040503050406030204" pitchFamily="18" charset="0"/>
+                </a:endParaRPr>
+              </a:p>
+            </p:txBody>
+          </p:sp>
+        </mc:Choice>
+        <mc:Fallback>
+          <p:sp>
+            <p:nvSpPr>
+              <p:cNvPr id="6" name="テキスト ボックス 5">
+                <a:extLst>
+                  <a:ext uri="{FF2B5EF4-FFF2-40B4-BE49-F238E27FC236}">
+                    <a16:creationId xmlns:a16="http://schemas.microsoft.com/office/drawing/2014/main" id="{E4188789-97C9-F749-BA0C-4A56291350A8}"/>
+                  </a:ext>
+                </a:extLst>
+              </p:cNvPr>
+              <p:cNvSpPr txBox="1">
+                <a:spLocks noRot="1" noChangeAspect="1" noMove="1" noResize="1" noEditPoints="1" noAdjustHandles="1" noChangeArrowheads="1" noChangeShapeType="1" noTextEdit="1"/>
+              </p:cNvSpPr>
+              <p:nvPr/>
+            </p:nvSpPr>
+            <p:spPr>
+              <a:xfrm>
+                <a:off x="1657350" y="2002832"/>
+                <a:ext cx="2775632" cy="391582"/>
+              </a:xfrm>
+              <a:prstGeom prst="rect">
+                <a:avLst/>
+              </a:prstGeom>
+              <a:blipFill>
+                <a:blip r:embed="rId3"/>
+                <a:stretch>
+                  <a:fillRect b="-6250"/>
+                </a:stretch>
+              </a:blipFill>
+            </p:spPr>
+            <p:txBody>
+              <a:bodyPr/>
+              <a:lstStyle/>
+              <a:p>
+                <a:r>
+                  <a:rPr lang="ja-JP" altLang="en-US">
+                    <a:noFill/>
+                  </a:rPr>
+                  <a:t> </a:t>
+                </a:r>
+              </a:p>
+            </p:txBody>
+          </p:sp>
+        </mc:Fallback>
+      </mc:AlternateContent>
+      <mc:AlternateContent xmlns:mc="http://schemas.openxmlformats.org/markup-compatibility/2006">
+        <mc:Choice xmlns:a14="http://schemas.microsoft.com/office/drawing/2010/main" Requires="a14">
+          <p:sp>
+            <p:nvSpPr>
+              <p:cNvPr id="7" name="テキスト ボックス 6">
+                <a:extLst>
+                  <a:ext uri="{FF2B5EF4-FFF2-40B4-BE49-F238E27FC236}">
+                    <a16:creationId xmlns:a16="http://schemas.microsoft.com/office/drawing/2014/main" id="{D998A710-F99C-BE4D-B2AC-4AAC2B12ACA1}"/>
+                  </a:ext>
+                </a:extLst>
+              </p:cNvPr>
+              <p:cNvSpPr txBox="1"/>
+              <p:nvPr/>
+            </p:nvSpPr>
+            <p:spPr>
+              <a:xfrm>
+                <a:off x="1641134" y="3294223"/>
+                <a:ext cx="4915513" cy="626967"/>
+              </a:xfrm>
+              <a:prstGeom prst="rect">
+                <a:avLst/>
+              </a:prstGeom>
+              <a:noFill/>
+            </p:spPr>
+            <p:txBody>
+              <a:bodyPr wrap="none" rtlCol="0">
+                <a:spAutoFit/>
+              </a:bodyPr>
+              <a:lstStyle/>
+              <a:p>
+                <a14:m>
+                  <m:oMathPara xmlns:m="http://schemas.openxmlformats.org/officeDocument/2006/math">
+                    <m:oMathParaPr>
+                      <m:jc m:val="centerGroup"/>
+                    </m:oMathParaPr>
+                    <m:oMath xmlns:m="http://schemas.openxmlformats.org/officeDocument/2006/math">
+                      <m:sSub>
+                        <m:sSubPr>
+                          <m:ctrlPr>
+                            <a:rPr kumimoji="1" lang="en-US" altLang="ja-JP" b="0" i="1" smtClean="0">
+                              <a:solidFill>
+                                <a:schemeClr val="tx1"/>
+                              </a:solidFill>
+                              <a:latin typeface="Cambria Math" panose="02040503050406030204" pitchFamily="18" charset="0"/>
+                              <a:ea typeface="Cambria Math" panose="02040503050406030204" pitchFamily="18" charset="0"/>
+                            </a:rPr>
+                          </m:ctrlPr>
+                        </m:sSubPr>
+                        <m:e>
+                          <m:r>
+                            <m:rPr>
+                              <m:sty m:val="p"/>
+                            </m:rPr>
+                            <a:rPr kumimoji="1" lang="en-US" altLang="ja-JP" b="0" i="0" smtClean="0">
+                              <a:solidFill>
+                                <a:schemeClr val="tx1"/>
+                              </a:solidFill>
+                              <a:latin typeface="Cambria Math" panose="02040503050406030204" pitchFamily="18" charset="0"/>
+                              <a:ea typeface="Cambria Math" panose="02040503050406030204" pitchFamily="18" charset="0"/>
+                            </a:rPr>
+                            <m:t>sup</m:t>
+                          </m:r>
+                        </m:e>
+                        <m:sub>
+                          <m:r>
+                            <a:rPr kumimoji="1" lang="en-US" altLang="ja-JP" b="0" i="1" smtClean="0">
+                              <a:solidFill>
+                                <a:schemeClr val="tx1"/>
+                              </a:solidFill>
+                              <a:latin typeface="Cambria Math" panose="02040503050406030204" pitchFamily="18" charset="0"/>
+                              <a:ea typeface="Cambria Math" panose="02040503050406030204" pitchFamily="18" charset="0"/>
+                            </a:rPr>
+                            <m:t>𝑎</m:t>
+                          </m:r>
+                          <m:r>
+                            <a:rPr kumimoji="1" lang="en-US" altLang="ja-JP" b="0" i="1" smtClean="0">
+                              <a:solidFill>
+                                <a:schemeClr val="tx1"/>
+                              </a:solidFill>
+                              <a:latin typeface="Cambria Math" panose="02040503050406030204" pitchFamily="18" charset="0"/>
+                              <a:ea typeface="Cambria Math" panose="02040503050406030204" pitchFamily="18" charset="0"/>
+                            </a:rPr>
+                            <m:t>∈</m:t>
+                          </m:r>
+                          <m:r>
+                            <a:rPr kumimoji="1" lang="en-US" altLang="ja-JP" b="0" i="1" smtClean="0">
+                              <a:solidFill>
+                                <a:schemeClr val="tx1"/>
+                              </a:solidFill>
+                              <a:latin typeface="Cambria Math" panose="02040503050406030204" pitchFamily="18" charset="0"/>
+                              <a:ea typeface="Cambria Math" panose="02040503050406030204" pitchFamily="18" charset="0"/>
+                            </a:rPr>
+                            <m:t>𝐴</m:t>
+                          </m:r>
+                        </m:sub>
+                      </m:sSub>
+                      <m:d>
+                        <m:dPr>
+                          <m:begChr m:val="{"/>
+                          <m:endChr m:val="}"/>
+                          <m:ctrlPr>
+                            <a:rPr kumimoji="1" lang="en-US" altLang="ja-JP" b="0" i="1" smtClean="0">
+                              <a:solidFill>
+                                <a:schemeClr val="tx1"/>
+                              </a:solidFill>
+                              <a:latin typeface="Cambria Math" panose="02040503050406030204" pitchFamily="18" charset="0"/>
+                              <a:ea typeface="Cambria Math" panose="02040503050406030204" pitchFamily="18" charset="0"/>
+                            </a:rPr>
+                          </m:ctrlPr>
+                        </m:dPr>
+                        <m:e>
+                          <m:f>
+                            <m:fPr>
+                              <m:ctrlPr>
+                                <a:rPr kumimoji="1" lang="en-US" altLang="ja-JP" b="0" i="1" smtClean="0">
+                                  <a:solidFill>
+                                    <a:schemeClr val="tx1"/>
+                                  </a:solidFill>
+                                  <a:latin typeface="Cambria Math" panose="02040503050406030204" pitchFamily="18" charset="0"/>
+                                  <a:ea typeface="Cambria Math" panose="02040503050406030204" pitchFamily="18" charset="0"/>
+                                </a:rPr>
+                              </m:ctrlPr>
+                            </m:fPr>
+                            <m:num>
+                              <m:r>
+                                <a:rPr kumimoji="1" lang="en-US" altLang="ja-JP" b="0" i="1" smtClean="0">
+                                  <a:solidFill>
+                                    <a:schemeClr val="tx1"/>
+                                  </a:solidFill>
+                                  <a:latin typeface="Cambria Math" panose="02040503050406030204" pitchFamily="18" charset="0"/>
+                                  <a:ea typeface="Cambria Math" panose="02040503050406030204" pitchFamily="18" charset="0"/>
+                                </a:rPr>
+                                <m:t>𝜕</m:t>
+                              </m:r>
+                              <m:r>
+                                <a:rPr kumimoji="1" lang="en-US" altLang="ja-JP" b="0" i="1" smtClean="0">
+                                  <a:solidFill>
+                                    <a:schemeClr val="tx1"/>
+                                  </a:solidFill>
+                                  <a:latin typeface="Cambria Math" panose="02040503050406030204" pitchFamily="18" charset="0"/>
+                                  <a:ea typeface="Cambria Math" panose="02040503050406030204" pitchFamily="18" charset="0"/>
+                                </a:rPr>
+                                <m:t>h</m:t>
+                              </m:r>
+                            </m:num>
+                            <m:den>
+                              <m:r>
+                                <a:rPr kumimoji="1" lang="en-US" altLang="ja-JP" b="0" i="1" smtClean="0">
+                                  <a:solidFill>
+                                    <a:schemeClr val="tx1"/>
+                                  </a:solidFill>
+                                  <a:latin typeface="Cambria Math" panose="02040503050406030204" pitchFamily="18" charset="0"/>
+                                  <a:ea typeface="Cambria Math" panose="02040503050406030204" pitchFamily="18" charset="0"/>
+                                </a:rPr>
+                                <m:t>𝜕</m:t>
+                              </m:r>
+                              <m:r>
+                                <a:rPr kumimoji="1" lang="en-US" altLang="ja-JP" b="0" i="1" smtClean="0">
+                                  <a:solidFill>
+                                    <a:schemeClr val="tx1"/>
+                                  </a:solidFill>
+                                  <a:latin typeface="Cambria Math" panose="02040503050406030204" pitchFamily="18" charset="0"/>
+                                  <a:ea typeface="Cambria Math" panose="02040503050406030204" pitchFamily="18" charset="0"/>
+                                </a:rPr>
+                                <m:t>𝑠</m:t>
+                              </m:r>
+                            </m:den>
+                          </m:f>
+                          <m:d>
+                            <m:dPr>
+                              <m:ctrlPr>
+                                <a:rPr kumimoji="1" lang="en-US" altLang="ja-JP" b="0" i="1" smtClean="0">
+                                  <a:solidFill>
+                                    <a:schemeClr val="tx1"/>
+                                  </a:solidFill>
+                                  <a:latin typeface="Cambria Math" panose="02040503050406030204" pitchFamily="18" charset="0"/>
+                                  <a:ea typeface="Cambria Math" panose="02040503050406030204" pitchFamily="18" charset="0"/>
+                                </a:rPr>
+                              </m:ctrlPr>
+                            </m:dPr>
+                            <m:e>
+                              <m:r>
+                                <a:rPr kumimoji="1" lang="en-US" altLang="ja-JP" i="1">
+                                  <a:solidFill>
+                                    <a:schemeClr val="tx1"/>
+                                  </a:solidFill>
+                                  <a:latin typeface="Cambria Math" panose="02040503050406030204" pitchFamily="18" charset="0"/>
+                                </a:rPr>
+                                <m:t>𝑓</m:t>
+                              </m:r>
+                              <m:d>
+                                <m:dPr>
+                                  <m:ctrlPr>
+                                    <a:rPr kumimoji="1" lang="en-US" altLang="ja-JP" i="1">
+                                      <a:solidFill>
+                                        <a:schemeClr val="tx1"/>
+                                      </a:solidFill>
+                                      <a:latin typeface="Cambria Math" panose="02040503050406030204" pitchFamily="18" charset="0"/>
+                                    </a:rPr>
+                                  </m:ctrlPr>
+                                </m:dPr>
+                                <m:e>
+                                  <m:r>
+                                    <a:rPr kumimoji="1" lang="en-US" altLang="ja-JP" b="0" i="1" smtClean="0">
+                                      <a:solidFill>
+                                        <a:schemeClr val="tx1"/>
+                                      </a:solidFill>
+                                      <a:latin typeface="Cambria Math" panose="02040503050406030204" pitchFamily="18" charset="0"/>
+                                    </a:rPr>
+                                    <m:t>𝑠</m:t>
+                                  </m:r>
+                                </m:e>
+                              </m:d>
+                              <m:r>
+                                <a:rPr kumimoji="1" lang="en-US" altLang="ja-JP" i="1">
+                                  <a:solidFill>
+                                    <a:schemeClr val="tx1"/>
+                                  </a:solidFill>
+                                  <a:latin typeface="Cambria Math" panose="02040503050406030204" pitchFamily="18" charset="0"/>
+                                </a:rPr>
+                                <m:t>+</m:t>
+                              </m:r>
+                              <m:r>
+                                <a:rPr kumimoji="1" lang="en-US" altLang="ja-JP" i="1">
+                                  <a:solidFill>
+                                    <a:schemeClr val="tx1"/>
+                                  </a:solidFill>
+                                  <a:latin typeface="Cambria Math" panose="02040503050406030204" pitchFamily="18" charset="0"/>
+                                </a:rPr>
+                                <m:t>𝑑</m:t>
+                              </m:r>
+                              <m:d>
+                                <m:dPr>
+                                  <m:ctrlPr>
+                                    <a:rPr kumimoji="1" lang="en-US" altLang="ja-JP" i="1">
+                                      <a:solidFill>
+                                        <a:schemeClr val="tx1"/>
+                                      </a:solidFill>
+                                      <a:latin typeface="Cambria Math" panose="02040503050406030204" pitchFamily="18" charset="0"/>
+                                    </a:rPr>
+                                  </m:ctrlPr>
+                                </m:dPr>
+                                <m:e>
+                                  <m:r>
+                                    <a:rPr kumimoji="1" lang="en-US" altLang="ja-JP" b="0" i="1" smtClean="0">
+                                      <a:solidFill>
+                                        <a:schemeClr val="tx1"/>
+                                      </a:solidFill>
+                                      <a:latin typeface="Cambria Math" panose="02040503050406030204" pitchFamily="18" charset="0"/>
+                                    </a:rPr>
+                                    <m:t>𝑠</m:t>
+                                  </m:r>
+                                </m:e>
+                              </m:d>
+                              <m:r>
+                                <a:rPr kumimoji="1" lang="en-US" altLang="ja-JP" i="1">
+                                  <a:solidFill>
+                                    <a:schemeClr val="tx1"/>
+                                  </a:solidFill>
+                                  <a:latin typeface="Cambria Math" panose="02040503050406030204" pitchFamily="18" charset="0"/>
+                                </a:rPr>
+                                <m:t>+</m:t>
+                              </m:r>
+                              <m:r>
+                                <a:rPr kumimoji="1" lang="en-US" altLang="ja-JP" i="1">
+                                  <a:solidFill>
+                                    <a:schemeClr val="tx1"/>
+                                  </a:solidFill>
+                                  <a:latin typeface="Cambria Math" panose="02040503050406030204" pitchFamily="18" charset="0"/>
+                                </a:rPr>
+                                <m:t>𝑔</m:t>
+                              </m:r>
+                              <m:d>
+                                <m:dPr>
+                                  <m:ctrlPr>
+                                    <a:rPr kumimoji="1" lang="en-US" altLang="ja-JP" i="1">
+                                      <a:solidFill>
+                                        <a:schemeClr val="tx1"/>
+                                      </a:solidFill>
+                                      <a:latin typeface="Cambria Math" panose="02040503050406030204" pitchFamily="18" charset="0"/>
+                                    </a:rPr>
+                                  </m:ctrlPr>
+                                </m:dPr>
+                                <m:e>
+                                  <m:r>
+                                    <a:rPr kumimoji="1" lang="en-US" altLang="ja-JP" b="0" i="1" smtClean="0">
+                                      <a:solidFill>
+                                        <a:schemeClr val="tx1"/>
+                                      </a:solidFill>
+                                      <a:latin typeface="Cambria Math" panose="02040503050406030204" pitchFamily="18" charset="0"/>
+                                    </a:rPr>
+                                    <m:t>𝑠</m:t>
+                                  </m:r>
+                                </m:e>
+                              </m:d>
+                              <m:r>
+                                <a:rPr kumimoji="1" lang="en-US" altLang="ja-JP" b="0" i="1" smtClean="0">
+                                  <a:solidFill>
+                                    <a:schemeClr val="tx1"/>
+                                  </a:solidFill>
+                                  <a:latin typeface="Cambria Math" panose="02040503050406030204" pitchFamily="18" charset="0"/>
+                                </a:rPr>
+                                <m:t>𝑎</m:t>
+                              </m:r>
+                            </m:e>
+                          </m:d>
+                          <m:r>
+                            <a:rPr kumimoji="1" lang="en-US" altLang="ja-JP" b="0" i="1" smtClean="0">
+                              <a:solidFill>
+                                <a:schemeClr val="tx1"/>
+                              </a:solidFill>
+                              <a:latin typeface="Cambria Math" panose="02040503050406030204" pitchFamily="18" charset="0"/>
+                              <a:ea typeface="Cambria Math" panose="02040503050406030204" pitchFamily="18" charset="0"/>
+                            </a:rPr>
+                            <m:t>+</m:t>
+                          </m:r>
+                          <m:r>
+                            <a:rPr kumimoji="1" lang="en-US" altLang="ja-JP" b="0" i="1" smtClean="0">
+                              <a:solidFill>
+                                <a:schemeClr val="tx1"/>
+                              </a:solidFill>
+                              <a:latin typeface="Cambria Math" panose="02040503050406030204" pitchFamily="18" charset="0"/>
+                              <a:ea typeface="Cambria Math" panose="02040503050406030204" pitchFamily="18" charset="0"/>
+                            </a:rPr>
+                            <m:t>𝛾</m:t>
+                          </m:r>
+                          <m:r>
+                            <a:rPr kumimoji="1" lang="en-US" altLang="ja-JP" b="0" i="1" smtClean="0">
+                              <a:solidFill>
+                                <a:schemeClr val="tx1"/>
+                              </a:solidFill>
+                              <a:latin typeface="Cambria Math" panose="02040503050406030204" pitchFamily="18" charset="0"/>
+                              <a:ea typeface="Cambria Math" panose="02040503050406030204" pitchFamily="18" charset="0"/>
+                            </a:rPr>
+                            <m:t>h</m:t>
+                          </m:r>
+                          <m:d>
+                            <m:dPr>
+                              <m:ctrlPr>
+                                <a:rPr kumimoji="1" lang="en-US" altLang="ja-JP" b="0" i="1" smtClean="0">
+                                  <a:solidFill>
+                                    <a:schemeClr val="tx1"/>
+                                  </a:solidFill>
+                                  <a:latin typeface="Cambria Math" panose="02040503050406030204" pitchFamily="18" charset="0"/>
+                                  <a:ea typeface="Cambria Math" panose="02040503050406030204" pitchFamily="18" charset="0"/>
+                                </a:rPr>
+                              </m:ctrlPr>
+                            </m:dPr>
+                            <m:e>
+                              <m:r>
+                                <a:rPr kumimoji="1" lang="en-US" altLang="ja-JP" b="0" i="1" smtClean="0">
+                                  <a:solidFill>
+                                    <a:schemeClr val="tx1"/>
+                                  </a:solidFill>
+                                  <a:latin typeface="Cambria Math" panose="02040503050406030204" pitchFamily="18" charset="0"/>
+                                  <a:ea typeface="Cambria Math" panose="02040503050406030204" pitchFamily="18" charset="0"/>
+                                </a:rPr>
+                                <m:t>𝑠</m:t>
+                              </m:r>
+                            </m:e>
+                          </m:d>
+                        </m:e>
+                      </m:d>
+                      <m:r>
+                        <a:rPr kumimoji="1" lang="en-US" altLang="ja-JP" b="0" i="1" smtClean="0">
+                          <a:solidFill>
+                            <a:schemeClr val="tx1"/>
+                          </a:solidFill>
+                          <a:latin typeface="Cambria Math" panose="02040503050406030204" pitchFamily="18" charset="0"/>
+                          <a:ea typeface="Cambria Math" panose="02040503050406030204" pitchFamily="18" charset="0"/>
+                        </a:rPr>
+                        <m:t>≥0</m:t>
+                      </m:r>
+                    </m:oMath>
+                  </m:oMathPara>
+                </a14:m>
+                <a:endParaRPr kumimoji="1" lang="ja-JP" altLang="en-US">
+                  <a:solidFill>
+                    <a:schemeClr val="tx1"/>
+                  </a:solidFill>
+                  <a:latin typeface="Cambria" panose="02040503050406030204" pitchFamily="18" charset="0"/>
+                </a:endParaRPr>
+              </a:p>
+            </p:txBody>
+          </p:sp>
+        </mc:Choice>
+        <mc:Fallback>
+          <p:sp>
+            <p:nvSpPr>
+              <p:cNvPr id="7" name="テキスト ボックス 6">
+                <a:extLst>
+                  <a:ext uri="{FF2B5EF4-FFF2-40B4-BE49-F238E27FC236}">
+                    <a16:creationId xmlns:a16="http://schemas.microsoft.com/office/drawing/2014/main" id="{D998A710-F99C-BE4D-B2AC-4AAC2B12ACA1}"/>
+                  </a:ext>
+                </a:extLst>
+              </p:cNvPr>
+              <p:cNvSpPr txBox="1">
+                <a:spLocks noRot="1" noChangeAspect="1" noMove="1" noResize="1" noEditPoints="1" noAdjustHandles="1" noChangeArrowheads="1" noChangeShapeType="1" noTextEdit="1"/>
+              </p:cNvSpPr>
+              <p:nvPr/>
+            </p:nvSpPr>
+            <p:spPr>
+              <a:xfrm>
+                <a:off x="1641134" y="3294223"/>
+                <a:ext cx="4915513" cy="626967"/>
+              </a:xfrm>
+              <a:prstGeom prst="rect">
+                <a:avLst/>
+              </a:prstGeom>
+              <a:blipFill>
+                <a:blip r:embed="rId4"/>
+                <a:stretch>
+                  <a:fillRect b="-1961"/>
+                </a:stretch>
+              </a:blipFill>
+            </p:spPr>
+            <p:txBody>
+              <a:bodyPr/>
+              <a:lstStyle/>
+              <a:p>
+                <a:r>
+                  <a:rPr lang="ja-JP" altLang="en-US">
+                    <a:noFill/>
+                  </a:rPr>
+                  <a:t> </a:t>
+                </a:r>
+              </a:p>
+            </p:txBody>
+          </p:sp>
+        </mc:Fallback>
+      </mc:AlternateContent>
+      <mc:AlternateContent xmlns:mc="http://schemas.openxmlformats.org/markup-compatibility/2006">
+        <mc:Choice xmlns:a14="http://schemas.microsoft.com/office/drawing/2010/main" Requires="a14">
+          <p:sp>
+            <p:nvSpPr>
+              <p:cNvPr id="8" name="テキスト ボックス 7">
+                <a:extLst>
+                  <a:ext uri="{FF2B5EF4-FFF2-40B4-BE49-F238E27FC236}">
+                    <a16:creationId xmlns:a16="http://schemas.microsoft.com/office/drawing/2014/main" id="{4B5534DC-B794-A54A-AE5D-CB20916D3B82}"/>
+                  </a:ext>
+                </a:extLst>
+              </p:cNvPr>
+              <p:cNvSpPr txBox="1"/>
+              <p:nvPr/>
+            </p:nvSpPr>
+            <p:spPr>
+              <a:xfrm>
+                <a:off x="1637687" y="4529859"/>
+                <a:ext cx="5669629" cy="619080"/>
+              </a:xfrm>
+              <a:prstGeom prst="rect">
+                <a:avLst/>
+              </a:prstGeom>
+              <a:noFill/>
+            </p:spPr>
+            <p:txBody>
+              <a:bodyPr wrap="none" rtlCol="0">
+                <a:spAutoFit/>
+              </a:bodyPr>
+              <a:lstStyle/>
+              <a:p>
+                <a14:m>
+                  <m:oMathPara xmlns:m="http://schemas.openxmlformats.org/officeDocument/2006/math">
+                    <m:oMathParaPr>
+                      <m:jc m:val="centerGroup"/>
+                    </m:oMathParaPr>
+                    <m:oMath xmlns:m="http://schemas.openxmlformats.org/officeDocument/2006/math">
+                      <m:r>
+                        <a:rPr kumimoji="1" lang="en-US" altLang="ja-JP" i="1" smtClean="0">
+                          <a:latin typeface="Cambria Math" panose="02040503050406030204" pitchFamily="18" charset="0"/>
+                          <a:ea typeface="Cambria Math" panose="02040503050406030204" pitchFamily="18" charset="0"/>
+                        </a:rPr>
+                        <m:t>𝑈</m:t>
+                      </m:r>
+                      <m:d>
+                        <m:dPr>
+                          <m:ctrlPr>
+                            <a:rPr kumimoji="1" lang="en-US" altLang="ja-JP" b="0" i="1" smtClean="0">
+                              <a:latin typeface="Cambria Math" panose="02040503050406030204" pitchFamily="18" charset="0"/>
+                              <a:ea typeface="Cambria Math" panose="02040503050406030204" pitchFamily="18" charset="0"/>
+                            </a:rPr>
+                          </m:ctrlPr>
+                        </m:dPr>
+                        <m:e>
+                          <m:r>
+                            <a:rPr kumimoji="1" lang="en-US" altLang="ja-JP" b="0" i="1" smtClean="0">
+                              <a:latin typeface="Cambria Math" panose="02040503050406030204" pitchFamily="18" charset="0"/>
+                              <a:ea typeface="Cambria Math" panose="02040503050406030204" pitchFamily="18" charset="0"/>
+                            </a:rPr>
+                            <m:t>𝑠</m:t>
+                          </m:r>
+                        </m:e>
+                      </m:d>
+                      <m:r>
+                        <a:rPr kumimoji="1" lang="en-US" altLang="ja-JP" b="0" i="1" smtClean="0">
+                          <a:latin typeface="Cambria Math" panose="02040503050406030204" pitchFamily="18" charset="0"/>
+                          <a:ea typeface="Cambria Math" panose="02040503050406030204" pitchFamily="18" charset="0"/>
+                        </a:rPr>
+                        <m:t>=</m:t>
+                      </m:r>
+                      <m:d>
+                        <m:dPr>
+                          <m:begChr m:val="{"/>
+                          <m:endChr m:val="|"/>
+                          <m:ctrlPr>
+                            <a:rPr kumimoji="1" lang="en-US" altLang="ja-JP" b="0" i="1" smtClean="0">
+                              <a:latin typeface="Cambria Math" panose="02040503050406030204" pitchFamily="18" charset="0"/>
+                              <a:ea typeface="Cambria Math" panose="02040503050406030204" pitchFamily="18" charset="0"/>
+                            </a:rPr>
+                          </m:ctrlPr>
+                        </m:dPr>
+                        <m:e>
+                          <m:r>
+                            <a:rPr kumimoji="1" lang="en-US" altLang="ja-JP" b="0" i="1" smtClean="0">
+                              <a:latin typeface="Cambria Math" panose="02040503050406030204" pitchFamily="18" charset="0"/>
+                              <a:ea typeface="Cambria Math" panose="02040503050406030204" pitchFamily="18" charset="0"/>
+                            </a:rPr>
+                            <m:t>𝑎</m:t>
+                          </m:r>
+                          <m:r>
+                            <a:rPr kumimoji="1" lang="en-US" altLang="ja-JP" b="0" i="1" smtClean="0">
+                              <a:latin typeface="Cambria Math" panose="02040503050406030204" pitchFamily="18" charset="0"/>
+                              <a:ea typeface="Cambria Math" panose="02040503050406030204" pitchFamily="18" charset="0"/>
+                            </a:rPr>
+                            <m:t>∈</m:t>
+                          </m:r>
+                          <m:r>
+                            <a:rPr kumimoji="1" lang="en-US" altLang="ja-JP" b="0" i="1" smtClean="0">
+                              <a:latin typeface="Cambria Math" panose="02040503050406030204" pitchFamily="18" charset="0"/>
+                              <a:ea typeface="Cambria Math" panose="02040503050406030204" pitchFamily="18" charset="0"/>
+                            </a:rPr>
+                            <m:t>𝐴</m:t>
+                          </m:r>
+                          <m:r>
+                            <a:rPr kumimoji="1" lang="en-US" altLang="ja-JP" b="0" i="1" smtClean="0">
+                              <a:latin typeface="Cambria Math" panose="02040503050406030204" pitchFamily="18" charset="0"/>
+                              <a:ea typeface="Cambria Math" panose="02040503050406030204" pitchFamily="18" charset="0"/>
+                            </a:rPr>
+                            <m:t> </m:t>
+                          </m:r>
+                        </m:e>
+                      </m:d>
+                      <m:f>
+                        <m:fPr>
+                          <m:ctrlPr>
+                            <a:rPr kumimoji="1" lang="en-US" altLang="ja-JP" i="1">
+                              <a:latin typeface="Cambria Math" panose="02040503050406030204" pitchFamily="18" charset="0"/>
+                              <a:ea typeface="Cambria Math" panose="02040503050406030204" pitchFamily="18" charset="0"/>
+                            </a:rPr>
+                          </m:ctrlPr>
+                        </m:fPr>
+                        <m:num>
+                          <m:r>
+                            <a:rPr kumimoji="1" lang="en-US" altLang="ja-JP" i="1">
+                              <a:latin typeface="Cambria Math" panose="02040503050406030204" pitchFamily="18" charset="0"/>
+                              <a:ea typeface="Cambria Math" panose="02040503050406030204" pitchFamily="18" charset="0"/>
+                            </a:rPr>
+                            <m:t>𝜕</m:t>
+                          </m:r>
+                          <m:r>
+                            <a:rPr kumimoji="1" lang="en-US" altLang="ja-JP" i="1">
+                              <a:latin typeface="Cambria Math" panose="02040503050406030204" pitchFamily="18" charset="0"/>
+                              <a:ea typeface="Cambria Math" panose="02040503050406030204" pitchFamily="18" charset="0"/>
+                            </a:rPr>
+                            <m:t>h</m:t>
+                          </m:r>
+                        </m:num>
+                        <m:den>
+                          <m:r>
+                            <a:rPr kumimoji="1" lang="en-US" altLang="ja-JP" i="1">
+                              <a:latin typeface="Cambria Math" panose="02040503050406030204" pitchFamily="18" charset="0"/>
+                              <a:ea typeface="Cambria Math" panose="02040503050406030204" pitchFamily="18" charset="0"/>
+                            </a:rPr>
+                            <m:t>𝜕</m:t>
+                          </m:r>
+                          <m:r>
+                            <a:rPr kumimoji="1" lang="en-US" altLang="ja-JP" i="1">
+                              <a:latin typeface="Cambria Math" panose="02040503050406030204" pitchFamily="18" charset="0"/>
+                              <a:ea typeface="Cambria Math" panose="02040503050406030204" pitchFamily="18" charset="0"/>
+                            </a:rPr>
+                            <m:t>𝑠</m:t>
+                          </m:r>
+                        </m:den>
+                      </m:f>
+                      <m:d>
+                        <m:dPr>
+                          <m:ctrlPr>
+                            <a:rPr kumimoji="1" lang="en-US" altLang="ja-JP" i="1">
+                              <a:latin typeface="Cambria Math" panose="02040503050406030204" pitchFamily="18" charset="0"/>
+                              <a:ea typeface="Cambria Math" panose="02040503050406030204" pitchFamily="18" charset="0"/>
+                            </a:rPr>
+                          </m:ctrlPr>
+                        </m:dPr>
+                        <m:e>
+                          <m:r>
+                            <a:rPr kumimoji="1" lang="en-US" altLang="ja-JP" i="1">
+                              <a:latin typeface="Cambria Math" panose="02040503050406030204" pitchFamily="18" charset="0"/>
+                            </a:rPr>
+                            <m:t>𝑓</m:t>
+                          </m:r>
+                          <m:d>
+                            <m:dPr>
+                              <m:ctrlPr>
+                                <a:rPr kumimoji="1" lang="en-US" altLang="ja-JP" i="1">
+                                  <a:latin typeface="Cambria Math" panose="02040503050406030204" pitchFamily="18" charset="0"/>
+                                </a:rPr>
+                              </m:ctrlPr>
+                            </m:dPr>
+                            <m:e>
+                              <m:r>
+                                <a:rPr kumimoji="1" lang="en-US" altLang="ja-JP" i="1">
+                                  <a:latin typeface="Cambria Math" panose="02040503050406030204" pitchFamily="18" charset="0"/>
+                                </a:rPr>
+                                <m:t>𝑠</m:t>
+                              </m:r>
+                            </m:e>
+                          </m:d>
+                          <m:r>
+                            <a:rPr kumimoji="1" lang="en-US" altLang="ja-JP" i="1">
+                              <a:latin typeface="Cambria Math" panose="02040503050406030204" pitchFamily="18" charset="0"/>
+                            </a:rPr>
+                            <m:t>+</m:t>
+                          </m:r>
+                          <m:r>
+                            <a:rPr kumimoji="1" lang="en-US" altLang="ja-JP" i="1">
+                              <a:latin typeface="Cambria Math" panose="02040503050406030204" pitchFamily="18" charset="0"/>
+                            </a:rPr>
+                            <m:t>𝑑</m:t>
+                          </m:r>
+                          <m:d>
+                            <m:dPr>
+                              <m:ctrlPr>
+                                <a:rPr kumimoji="1" lang="en-US" altLang="ja-JP" i="1">
+                                  <a:latin typeface="Cambria Math" panose="02040503050406030204" pitchFamily="18" charset="0"/>
+                                </a:rPr>
+                              </m:ctrlPr>
+                            </m:dPr>
+                            <m:e>
+                              <m:r>
+                                <a:rPr kumimoji="1" lang="en-US" altLang="ja-JP" i="1">
+                                  <a:latin typeface="Cambria Math" panose="02040503050406030204" pitchFamily="18" charset="0"/>
+                                </a:rPr>
+                                <m:t>𝑠</m:t>
+                              </m:r>
+                            </m:e>
+                          </m:d>
+                          <m:r>
+                            <a:rPr kumimoji="1" lang="en-US" altLang="ja-JP" i="1">
+                              <a:latin typeface="Cambria Math" panose="02040503050406030204" pitchFamily="18" charset="0"/>
+                            </a:rPr>
+                            <m:t>+</m:t>
+                          </m:r>
+                          <m:r>
+                            <a:rPr kumimoji="1" lang="en-US" altLang="ja-JP" i="1">
+                              <a:latin typeface="Cambria Math" panose="02040503050406030204" pitchFamily="18" charset="0"/>
+                            </a:rPr>
+                            <m:t>𝑔</m:t>
+                          </m:r>
+                          <m:d>
+                            <m:dPr>
+                              <m:ctrlPr>
+                                <a:rPr kumimoji="1" lang="en-US" altLang="ja-JP" i="1">
+                                  <a:latin typeface="Cambria Math" panose="02040503050406030204" pitchFamily="18" charset="0"/>
+                                </a:rPr>
+                              </m:ctrlPr>
+                            </m:dPr>
+                            <m:e>
+                              <m:r>
+                                <a:rPr kumimoji="1" lang="en-US" altLang="ja-JP" i="1">
+                                  <a:latin typeface="Cambria Math" panose="02040503050406030204" pitchFamily="18" charset="0"/>
+                                </a:rPr>
+                                <m:t>𝑠</m:t>
+                              </m:r>
+                            </m:e>
+                          </m:d>
+                          <m:r>
+                            <a:rPr kumimoji="1" lang="en-US" altLang="ja-JP" i="1">
+                              <a:latin typeface="Cambria Math" panose="02040503050406030204" pitchFamily="18" charset="0"/>
+                            </a:rPr>
+                            <m:t>𝑎</m:t>
+                          </m:r>
+                        </m:e>
+                      </m:d>
+                      <m:r>
+                        <a:rPr kumimoji="1" lang="en-US" altLang="ja-JP" i="1">
+                          <a:latin typeface="Cambria Math" panose="02040503050406030204" pitchFamily="18" charset="0"/>
+                          <a:ea typeface="Cambria Math" panose="02040503050406030204" pitchFamily="18" charset="0"/>
+                        </a:rPr>
+                        <m:t>+</m:t>
+                      </m:r>
+                      <m:r>
+                        <a:rPr kumimoji="1" lang="en-US" altLang="ja-JP" i="1">
+                          <a:latin typeface="Cambria Math" panose="02040503050406030204" pitchFamily="18" charset="0"/>
+                          <a:ea typeface="Cambria Math" panose="02040503050406030204" pitchFamily="18" charset="0"/>
+                        </a:rPr>
+                        <m:t>𝛾</m:t>
+                      </m:r>
+                      <m:r>
+                        <a:rPr kumimoji="1" lang="en-US" altLang="ja-JP" i="1">
+                          <a:latin typeface="Cambria Math" panose="02040503050406030204" pitchFamily="18" charset="0"/>
+                          <a:ea typeface="Cambria Math" panose="02040503050406030204" pitchFamily="18" charset="0"/>
+                        </a:rPr>
+                        <m:t>h</m:t>
+                      </m:r>
+                      <m:d>
+                        <m:dPr>
+                          <m:ctrlPr>
+                            <a:rPr kumimoji="1" lang="en-US" altLang="ja-JP" i="1">
+                              <a:latin typeface="Cambria Math" panose="02040503050406030204" pitchFamily="18" charset="0"/>
+                              <a:ea typeface="Cambria Math" panose="02040503050406030204" pitchFamily="18" charset="0"/>
+                            </a:rPr>
+                          </m:ctrlPr>
+                        </m:dPr>
+                        <m:e>
+                          <m:r>
+                            <a:rPr kumimoji="1" lang="en-US" altLang="ja-JP" i="1">
+                              <a:latin typeface="Cambria Math" panose="02040503050406030204" pitchFamily="18" charset="0"/>
+                              <a:ea typeface="Cambria Math" panose="02040503050406030204" pitchFamily="18" charset="0"/>
+                            </a:rPr>
+                            <m:t>𝑠</m:t>
+                          </m:r>
+                        </m:e>
+                      </m:d>
+                      <m:r>
+                        <a:rPr kumimoji="1" lang="en-US" altLang="ja-JP" i="1">
+                          <a:latin typeface="Cambria Math" panose="02040503050406030204" pitchFamily="18" charset="0"/>
+                          <a:ea typeface="Cambria Math" panose="02040503050406030204" pitchFamily="18" charset="0"/>
+                        </a:rPr>
+                        <m:t>≥0</m:t>
+                      </m:r>
+                      <m:r>
+                        <a:rPr kumimoji="1" lang="en-US" altLang="ja-JP" b="0" i="1" smtClean="0">
+                          <a:latin typeface="Cambria Math" panose="02040503050406030204" pitchFamily="18" charset="0"/>
+                          <a:ea typeface="Cambria Math" panose="02040503050406030204" pitchFamily="18" charset="0"/>
+                        </a:rPr>
+                        <m:t>}</m:t>
+                      </m:r>
+                    </m:oMath>
+                  </m:oMathPara>
+                </a14:m>
+                <a:endParaRPr kumimoji="1" lang="ja-JP" altLang="en-US">
+                  <a:solidFill>
+                    <a:schemeClr val="tx1"/>
+                  </a:solidFill>
+                  <a:latin typeface="Cambria" panose="02040503050406030204" pitchFamily="18" charset="0"/>
+                </a:endParaRPr>
+              </a:p>
+            </p:txBody>
+          </p:sp>
+        </mc:Choice>
+        <mc:Fallback>
+          <p:sp>
+            <p:nvSpPr>
+              <p:cNvPr id="8" name="テキスト ボックス 7">
+                <a:extLst>
+                  <a:ext uri="{FF2B5EF4-FFF2-40B4-BE49-F238E27FC236}">
+                    <a16:creationId xmlns:a16="http://schemas.microsoft.com/office/drawing/2014/main" id="{4B5534DC-B794-A54A-AE5D-CB20916D3B82}"/>
+                  </a:ext>
+                </a:extLst>
+              </p:cNvPr>
+              <p:cNvSpPr txBox="1">
+                <a:spLocks noRot="1" noChangeAspect="1" noMove="1" noResize="1" noEditPoints="1" noAdjustHandles="1" noChangeArrowheads="1" noChangeShapeType="1" noTextEdit="1"/>
+              </p:cNvSpPr>
+              <p:nvPr/>
+            </p:nvSpPr>
+            <p:spPr>
+              <a:xfrm>
+                <a:off x="1637687" y="4529859"/>
+                <a:ext cx="5669629" cy="619080"/>
+              </a:xfrm>
+              <a:prstGeom prst="rect">
+                <a:avLst/>
+              </a:prstGeom>
+              <a:blipFill>
+                <a:blip r:embed="rId5"/>
+                <a:stretch>
+                  <a:fillRect b="-6122"/>
+                </a:stretch>
+              </a:blipFill>
+            </p:spPr>
+            <p:txBody>
+              <a:bodyPr/>
+              <a:lstStyle/>
+              <a:p>
+                <a:r>
+                  <a:rPr lang="ja-JP" altLang="en-US">
+                    <a:noFill/>
+                  </a:rPr>
+                  <a:t> </a:t>
+                </a:r>
+              </a:p>
+            </p:txBody>
+          </p:sp>
+        </mc:Fallback>
+      </mc:AlternateContent>
+      <mc:AlternateContent xmlns:mc="http://schemas.openxmlformats.org/markup-compatibility/2006">
+        <mc:Choice xmlns:a14="http://schemas.microsoft.com/office/drawing/2010/main" Requires="a14">
+          <p:sp>
+            <p:nvSpPr>
+              <p:cNvPr id="11" name="テキスト ボックス 10">
+                <a:extLst>
+                  <a:ext uri="{FF2B5EF4-FFF2-40B4-BE49-F238E27FC236}">
+                    <a16:creationId xmlns:a16="http://schemas.microsoft.com/office/drawing/2014/main" id="{256CB3E5-37E9-FE49-B899-0355D17C4F76}"/>
+                  </a:ext>
+                </a:extLst>
+              </p:cNvPr>
+              <p:cNvSpPr txBox="1"/>
+              <p:nvPr/>
+            </p:nvSpPr>
+            <p:spPr>
+              <a:xfrm>
+                <a:off x="1657350" y="5613652"/>
+                <a:ext cx="5126916" cy="640112"/>
+              </a:xfrm>
+              <a:prstGeom prst="rect">
+                <a:avLst/>
+              </a:prstGeom>
+              <a:noFill/>
+            </p:spPr>
+            <p:txBody>
+              <a:bodyPr wrap="none" rtlCol="0">
+                <a:spAutoFit/>
+              </a:bodyPr>
+              <a:lstStyle/>
+              <a:p>
+                <a14:m>
+                  <m:oMathPara xmlns:m="http://schemas.openxmlformats.org/officeDocument/2006/math">
+                    <m:oMathParaPr>
+                      <m:jc m:val="centerGroup"/>
+                    </m:oMathParaPr>
+                    <m:oMath xmlns:m="http://schemas.openxmlformats.org/officeDocument/2006/math">
+                      <m:sSub>
+                        <m:sSubPr>
+                          <m:ctrlPr>
+                            <a:rPr kumimoji="1" lang="en-US" altLang="ja-JP" b="0" i="1" smtClean="0">
+                              <a:latin typeface="Cambria Math" panose="02040503050406030204" pitchFamily="18" charset="0"/>
+                              <a:ea typeface="Cambria Math" panose="02040503050406030204" pitchFamily="18" charset="0"/>
+                            </a:rPr>
+                          </m:ctrlPr>
+                        </m:sSubPr>
+                        <m:e>
+                          <m:r>
+                            <m:rPr>
+                              <m:sty m:val="p"/>
+                            </m:rPr>
+                            <a:rPr kumimoji="1" lang="el-GR" altLang="ja-JP" b="0" i="1" smtClean="0">
+                              <a:latin typeface="Cambria Math" panose="02040503050406030204" pitchFamily="18" charset="0"/>
+                              <a:ea typeface="Cambria Math" panose="02040503050406030204" pitchFamily="18" charset="0"/>
+                            </a:rPr>
+                            <m:t>Π</m:t>
+                          </m:r>
+                        </m:e>
+                        <m:sub>
+                          <m:r>
+                            <a:rPr kumimoji="1" lang="en-US" altLang="ja-JP" b="0" i="1" smtClean="0">
+                              <a:latin typeface="Cambria Math" panose="02040503050406030204" pitchFamily="18" charset="0"/>
+                              <a:ea typeface="Cambria Math" panose="02040503050406030204" pitchFamily="18" charset="0"/>
+                            </a:rPr>
+                            <m:t>𝑠𝑎𝑓𝑒</m:t>
+                          </m:r>
+                        </m:sub>
+                      </m:sSub>
+                      <m:r>
+                        <a:rPr kumimoji="1" lang="en-US" altLang="ja-JP" b="0" i="1" smtClean="0">
+                          <a:latin typeface="Cambria Math" panose="02040503050406030204" pitchFamily="18" charset="0"/>
+                          <a:ea typeface="Cambria Math" panose="02040503050406030204" pitchFamily="18" charset="0"/>
+                        </a:rPr>
+                        <m:t>=</m:t>
+                      </m:r>
+                      <m:d>
+                        <m:dPr>
+                          <m:begChr m:val="{"/>
+                          <m:endChr m:val="|"/>
+                          <m:ctrlPr>
+                            <a:rPr kumimoji="1" lang="en-US" altLang="ja-JP" b="0" i="1" smtClean="0">
+                              <a:latin typeface="Cambria Math" panose="02040503050406030204" pitchFamily="18" charset="0"/>
+                              <a:ea typeface="Cambria Math" panose="02040503050406030204" pitchFamily="18" charset="0"/>
+                            </a:rPr>
+                          </m:ctrlPr>
+                        </m:dPr>
+                        <m:e>
+                          <m:r>
+                            <a:rPr kumimoji="1" lang="en-US" altLang="ja-JP" b="0" i="1" smtClean="0">
+                              <a:latin typeface="Cambria Math" panose="02040503050406030204" pitchFamily="18" charset="0"/>
+                              <a:ea typeface="Cambria Math" panose="02040503050406030204" pitchFamily="18" charset="0"/>
+                            </a:rPr>
+                            <m:t>𝜋</m:t>
+                          </m:r>
+                          <m:r>
+                            <a:rPr kumimoji="1" lang="en-US" altLang="ja-JP" b="0" i="1" smtClean="0">
+                              <a:latin typeface="Cambria Math" panose="02040503050406030204" pitchFamily="18" charset="0"/>
+                              <a:ea typeface="Cambria Math" panose="02040503050406030204" pitchFamily="18" charset="0"/>
+                            </a:rPr>
+                            <m:t>∈</m:t>
+                          </m:r>
+                          <m:r>
+                            <m:rPr>
+                              <m:sty m:val="p"/>
+                            </m:rPr>
+                            <a:rPr kumimoji="1" lang="el-GR" altLang="ja-JP" i="1">
+                              <a:latin typeface="Cambria Math" panose="02040503050406030204" pitchFamily="18" charset="0"/>
+                              <a:ea typeface="Cambria Math" panose="02040503050406030204" pitchFamily="18" charset="0"/>
+                            </a:rPr>
+                            <m:t>Π</m:t>
+                          </m:r>
+                          <m:r>
+                            <a:rPr kumimoji="1" lang="en-US" altLang="ja-JP" b="0" i="1" smtClean="0">
+                              <a:latin typeface="Cambria Math" panose="02040503050406030204" pitchFamily="18" charset="0"/>
+                              <a:ea typeface="Cambria Math" panose="02040503050406030204" pitchFamily="18" charset="0"/>
+                            </a:rPr>
+                            <m:t> </m:t>
+                          </m:r>
+                        </m:e>
+                      </m:d>
+                      <m:r>
+                        <a:rPr kumimoji="1" lang="en-US" altLang="ja-JP" b="0" i="1" smtClean="0">
+                          <a:latin typeface="Cambria Math" panose="02040503050406030204" pitchFamily="18" charset="0"/>
+                          <a:ea typeface="Cambria Math" panose="02040503050406030204" pitchFamily="18" charset="0"/>
+                        </a:rPr>
+                        <m:t> </m:t>
+                      </m:r>
+                      <m:nary>
+                        <m:naryPr>
+                          <m:chr m:val="∑"/>
+                          <m:limLoc m:val="subSup"/>
+                          <m:supHide m:val="on"/>
+                          <m:ctrlPr>
+                            <a:rPr kumimoji="1" lang="en-US" altLang="ja-JP" b="0" i="1" smtClean="0">
+                              <a:latin typeface="Cambria Math" panose="02040503050406030204" pitchFamily="18" charset="0"/>
+                              <a:ea typeface="Cambria Math" panose="02040503050406030204" pitchFamily="18" charset="0"/>
+                            </a:rPr>
+                          </m:ctrlPr>
+                        </m:naryPr>
+                        <m:sub>
+                          <m:r>
+                            <m:rPr>
+                              <m:brk m:alnAt="9"/>
+                            </m:rPr>
+                            <a:rPr kumimoji="1" lang="en-US" altLang="ja-JP" b="0" i="1" smtClean="0">
+                              <a:latin typeface="Cambria Math" panose="02040503050406030204" pitchFamily="18" charset="0"/>
+                              <a:ea typeface="Cambria Math" panose="02040503050406030204" pitchFamily="18" charset="0"/>
+                            </a:rPr>
+                            <m:t>𝑎</m:t>
+                          </m:r>
+                          <m:r>
+                            <a:rPr kumimoji="1" lang="en-US" altLang="ja-JP" b="0" i="1" smtClean="0">
+                              <a:latin typeface="Cambria Math" panose="02040503050406030204" pitchFamily="18" charset="0"/>
+                              <a:ea typeface="Cambria Math" panose="02040503050406030204" pitchFamily="18" charset="0"/>
+                            </a:rPr>
+                            <m:t>∈</m:t>
+                          </m:r>
+                          <m:r>
+                            <a:rPr kumimoji="1" lang="en-US" altLang="ja-JP" b="0" i="1" smtClean="0">
+                              <a:latin typeface="Cambria Math" panose="02040503050406030204" pitchFamily="18" charset="0"/>
+                              <a:ea typeface="Cambria Math" panose="02040503050406030204" pitchFamily="18" charset="0"/>
+                            </a:rPr>
+                            <m:t>𝑈</m:t>
+                          </m:r>
+                          <m:r>
+                            <a:rPr kumimoji="1" lang="en-US" altLang="ja-JP" b="0" i="1" smtClean="0">
+                              <a:latin typeface="Cambria Math" panose="02040503050406030204" pitchFamily="18" charset="0"/>
+                              <a:ea typeface="Cambria Math" panose="02040503050406030204" pitchFamily="18" charset="0"/>
+                            </a:rPr>
+                            <m:t>(</m:t>
+                          </m:r>
+                          <m:r>
+                            <a:rPr kumimoji="1" lang="en-US" altLang="ja-JP" b="0" i="1" smtClean="0">
+                              <a:latin typeface="Cambria Math" panose="02040503050406030204" pitchFamily="18" charset="0"/>
+                              <a:ea typeface="Cambria Math" panose="02040503050406030204" pitchFamily="18" charset="0"/>
+                            </a:rPr>
+                            <m:t>𝑠</m:t>
+                          </m:r>
+                          <m:r>
+                            <a:rPr kumimoji="1" lang="en-US" altLang="ja-JP" b="0" i="1" smtClean="0">
+                              <a:latin typeface="Cambria Math" panose="02040503050406030204" pitchFamily="18" charset="0"/>
+                              <a:ea typeface="Cambria Math" panose="02040503050406030204" pitchFamily="18" charset="0"/>
+                            </a:rPr>
+                            <m:t>)</m:t>
+                          </m:r>
+                        </m:sub>
+                        <m:sup/>
+                        <m:e>
+                          <m:r>
+                            <a:rPr kumimoji="1" lang="en-US" altLang="ja-JP" b="0" i="1" smtClean="0">
+                              <a:latin typeface="Cambria Math" panose="02040503050406030204" pitchFamily="18" charset="0"/>
+                              <a:ea typeface="Cambria Math" panose="02040503050406030204" pitchFamily="18" charset="0"/>
+                            </a:rPr>
+                            <m:t>𝜋</m:t>
+                          </m:r>
+                          <m:r>
+                            <a:rPr kumimoji="1" lang="en-US" altLang="ja-JP" b="0" i="1" smtClean="0">
+                              <a:latin typeface="Cambria Math" panose="02040503050406030204" pitchFamily="18" charset="0"/>
+                              <a:ea typeface="Cambria Math" panose="02040503050406030204" pitchFamily="18" charset="0"/>
+                            </a:rPr>
+                            <m:t>(</m:t>
+                          </m:r>
+                          <m:r>
+                            <a:rPr kumimoji="1" lang="en-US" altLang="ja-JP" b="0" i="1" smtClean="0">
+                              <a:latin typeface="Cambria Math" panose="02040503050406030204" pitchFamily="18" charset="0"/>
+                              <a:ea typeface="Cambria Math" panose="02040503050406030204" pitchFamily="18" charset="0"/>
+                            </a:rPr>
+                            <m:t>𝑎</m:t>
+                          </m:r>
+                          <m:r>
+                            <a:rPr kumimoji="1" lang="en-US" altLang="ja-JP" b="0" i="1" smtClean="0">
+                              <a:latin typeface="Cambria Math" panose="02040503050406030204" pitchFamily="18" charset="0"/>
+                              <a:ea typeface="Cambria Math" panose="02040503050406030204" pitchFamily="18" charset="0"/>
+                            </a:rPr>
+                            <m:t>|</m:t>
+                          </m:r>
+                          <m:r>
+                            <a:rPr kumimoji="1" lang="en-US" altLang="ja-JP" b="0" i="1" smtClean="0">
+                              <a:latin typeface="Cambria Math" panose="02040503050406030204" pitchFamily="18" charset="0"/>
+                              <a:ea typeface="Cambria Math" panose="02040503050406030204" pitchFamily="18" charset="0"/>
+                            </a:rPr>
+                            <m:t>𝑠</m:t>
+                          </m:r>
+                          <m:r>
+                            <a:rPr kumimoji="1" lang="en-US" altLang="ja-JP" b="0" i="1" smtClean="0">
+                              <a:latin typeface="Cambria Math" panose="02040503050406030204" pitchFamily="18" charset="0"/>
+                              <a:ea typeface="Cambria Math" panose="02040503050406030204" pitchFamily="18" charset="0"/>
+                            </a:rPr>
+                            <m:t>)</m:t>
+                          </m:r>
+                        </m:e>
+                      </m:nary>
+                      <m:r>
+                        <a:rPr kumimoji="1" lang="en-US" altLang="ja-JP" b="0" i="1" smtClean="0">
+                          <a:latin typeface="Cambria Math" panose="02040503050406030204" pitchFamily="18" charset="0"/>
+                          <a:ea typeface="Cambria Math" panose="02040503050406030204" pitchFamily="18" charset="0"/>
+                        </a:rPr>
+                        <m:t>=1, ∀</m:t>
+                      </m:r>
+                      <m:r>
+                        <a:rPr kumimoji="1" lang="en-US" altLang="ja-JP" b="0" i="1" smtClean="0">
+                          <a:latin typeface="Cambria Math" panose="02040503050406030204" pitchFamily="18" charset="0"/>
+                          <a:ea typeface="Cambria Math" panose="02040503050406030204" pitchFamily="18" charset="0"/>
+                        </a:rPr>
+                        <m:t>𝑠</m:t>
+                      </m:r>
+                      <m:r>
+                        <a:rPr kumimoji="1" lang="en-US" altLang="ja-JP" b="0" i="1" smtClean="0">
+                          <a:latin typeface="Cambria Math" panose="02040503050406030204" pitchFamily="18" charset="0"/>
+                          <a:ea typeface="Cambria Math" panose="02040503050406030204" pitchFamily="18" charset="0"/>
+                        </a:rPr>
+                        <m:t>∈</m:t>
+                      </m:r>
+                      <m:sSub>
+                        <m:sSubPr>
+                          <m:ctrlPr>
+                            <a:rPr kumimoji="1" lang="en-US" altLang="ja-JP" i="1">
+                              <a:latin typeface="Cambria Math" panose="02040503050406030204" pitchFamily="18" charset="0"/>
+                            </a:rPr>
+                          </m:ctrlPr>
+                        </m:sSubPr>
+                        <m:e>
+                          <m:r>
+                            <a:rPr kumimoji="1" lang="en-US" altLang="ja-JP" i="1">
+                              <a:latin typeface="Cambria Math" panose="02040503050406030204" pitchFamily="18" charset="0"/>
+                            </a:rPr>
+                            <m:t>𝑆</m:t>
+                          </m:r>
+                        </m:e>
+                        <m:sub>
+                          <m:r>
+                            <a:rPr kumimoji="1" lang="en-US" altLang="ja-JP" i="1">
+                              <a:latin typeface="Cambria Math" panose="02040503050406030204" pitchFamily="18" charset="0"/>
+                            </a:rPr>
+                            <m:t>𝑠𝑎𝑓𝑒</m:t>
+                          </m:r>
+                        </m:sub>
+                      </m:sSub>
+                      <m:r>
+                        <a:rPr kumimoji="1" lang="en-US" altLang="ja-JP" b="0" i="1" smtClean="0">
+                          <a:latin typeface="Cambria Math" panose="02040503050406030204" pitchFamily="18" charset="0"/>
+                          <a:ea typeface="Cambria Math" panose="02040503050406030204" pitchFamily="18" charset="0"/>
+                        </a:rPr>
+                        <m:t>}</m:t>
+                      </m:r>
+                    </m:oMath>
+                  </m:oMathPara>
+                </a14:m>
+                <a:endParaRPr kumimoji="1" lang="ja-JP" altLang="en-US">
+                  <a:solidFill>
+                    <a:schemeClr val="tx1"/>
+                  </a:solidFill>
+                  <a:latin typeface="Cambria" panose="02040503050406030204" pitchFamily="18" charset="0"/>
+                </a:endParaRPr>
+              </a:p>
+            </p:txBody>
+          </p:sp>
+        </mc:Choice>
+        <mc:Fallback>
+          <p:sp>
+            <p:nvSpPr>
+              <p:cNvPr id="11" name="テキスト ボックス 10">
+                <a:extLst>
+                  <a:ext uri="{FF2B5EF4-FFF2-40B4-BE49-F238E27FC236}">
+                    <a16:creationId xmlns:a16="http://schemas.microsoft.com/office/drawing/2014/main" id="{256CB3E5-37E9-FE49-B899-0355D17C4F76}"/>
+                  </a:ext>
+                </a:extLst>
+              </p:cNvPr>
+              <p:cNvSpPr txBox="1">
+                <a:spLocks noRot="1" noChangeAspect="1" noMove="1" noResize="1" noEditPoints="1" noAdjustHandles="1" noChangeArrowheads="1" noChangeShapeType="1" noTextEdit="1"/>
+              </p:cNvSpPr>
+              <p:nvPr/>
+            </p:nvSpPr>
+            <p:spPr>
+              <a:xfrm>
+                <a:off x="1657350" y="5613652"/>
+                <a:ext cx="5126916" cy="640112"/>
+              </a:xfrm>
+              <a:prstGeom prst="rect">
+                <a:avLst/>
+              </a:prstGeom>
+              <a:blipFill>
+                <a:blip r:embed="rId6"/>
+                <a:stretch>
+                  <a:fillRect t="-152941" b="-213725"/>
+                </a:stretch>
+              </a:blipFill>
+            </p:spPr>
+            <p:txBody>
+              <a:bodyPr/>
+              <a:lstStyle/>
+              <a:p>
+                <a:r>
+                  <a:rPr lang="ja-JP" altLang="en-US">
+                    <a:noFill/>
+                  </a:rPr>
+                  <a:t> </a:t>
+                </a:r>
+              </a:p>
+            </p:txBody>
+          </p:sp>
+        </mc:Fallback>
+      </mc:AlternateContent>
+    </p:spTree>
+    <p:extLst>
+      <p:ext uri="{BB962C8B-B14F-4D97-AF65-F5344CB8AC3E}">
+        <p14:creationId xmlns:p14="http://schemas.microsoft.com/office/powerpoint/2010/main" val="3330526374"/>
+      </p:ext>
+    </p:extLst>
+  </p:cSld>
+  <p:clrMapOvr>
+    <a:masterClrMapping/>
+  </p:clrMapOvr>
+</p:sld>
+</file>
+
+<file path=ppt/slides/slide3.xml><?xml version="1.0" encoding="utf-8"?>
+<p:sld xmlns:a="http://schemas.openxmlformats.org/drawingml/2006/main" xmlns:r="http://schemas.openxmlformats.org/officeDocument/2006/relationships" xmlns:p="http://schemas.openxmlformats.org/presentationml/2006/main">
+  <p:cSld>
+    <p:spTree>
+      <p:nvGrpSpPr>
+        <p:cNvPr id="1" name=""/>
+        <p:cNvGrpSpPr/>
+        <p:nvPr/>
+      </p:nvGrpSpPr>
+      <p:grpSpPr>
+        <a:xfrm>
+          <a:off x="0" y="0"/>
+          <a:ext cx="0" cy="0"/>
+          <a:chOff x="0" y="0"/>
+          <a:chExt cx="0" cy="0"/>
+        </a:xfrm>
+      </p:grpSpPr>
+      <mc:AlternateContent xmlns:mc="http://schemas.openxmlformats.org/markup-compatibility/2006">
+        <mc:Choice xmlns:a14="http://schemas.microsoft.com/office/drawing/2010/main" Requires="a14">
+          <p:sp>
+            <p:nvSpPr>
+              <p:cNvPr id="2" name="コンテンツ プレースホルダー 1">
+                <a:extLst>
+                  <a:ext uri="{FF2B5EF4-FFF2-40B4-BE49-F238E27FC236}">
+                    <a16:creationId xmlns:a16="http://schemas.microsoft.com/office/drawing/2014/main" id="{64ACCA72-2454-684D-B8C5-D840F9147260}"/>
+                  </a:ext>
+                </a:extLst>
+              </p:cNvPr>
+              <p:cNvSpPr>
+                <a:spLocks noGrp="1"/>
+              </p:cNvSpPr>
+              <p:nvPr>
+                <p:ph idx="1"/>
+              </p:nvPr>
+            </p:nvSpPr>
+            <p:spPr/>
+            <p:txBody>
+              <a:bodyPr/>
+              <a:lstStyle/>
+              <a:p>
+                <a:r>
+                  <a:rPr lang="en-US" altLang="ja-JP" dirty="0"/>
+                  <a:t>Draft of study theme (vol2)</a:t>
+                </a:r>
+              </a:p>
+              <a:p>
+                <a:pPr lvl="1"/>
+                <a:r>
+                  <a:rPr lang="en-US" altLang="ja-JP" dirty="0"/>
+                  <a:t>Propose </a:t>
+                </a:r>
+                <a14:m>
+                  <m:oMath xmlns:m="http://schemas.openxmlformats.org/officeDocument/2006/math">
+                    <m:r>
+                      <a:rPr lang="en-US" altLang="ja-JP" i="1">
+                        <a:latin typeface="Cambria Math" panose="02040503050406030204" pitchFamily="18" charset="0"/>
+                      </a:rPr>
+                      <m:t>𝐶</m:t>
+                    </m:r>
+                    <m:d>
+                      <m:dPr>
+                        <m:ctrlPr>
+                          <a:rPr lang="en-US" altLang="ja-JP" i="1">
+                            <a:latin typeface="Cambria Math" panose="02040503050406030204" pitchFamily="18" charset="0"/>
+                          </a:rPr>
+                        </m:ctrlPr>
+                      </m:dPr>
+                      <m:e>
+                        <m:sSub>
+                          <m:sSubPr>
+                            <m:ctrlPr>
+                              <a:rPr lang="en-US" altLang="ja-JP" i="1">
+                                <a:latin typeface="Cambria Math" panose="02040503050406030204" pitchFamily="18" charset="0"/>
+                                <a:ea typeface="Cambria Math" panose="02040503050406030204" pitchFamily="18" charset="0"/>
+                              </a:rPr>
+                            </m:ctrlPr>
+                          </m:sSubPr>
+                          <m:e>
+                            <m:r>
+                              <m:rPr>
+                                <m:sty m:val="p"/>
+                              </m:rPr>
+                              <a:rPr lang="el-GR" altLang="ja-JP" i="1">
+                                <a:latin typeface="Cambria Math" panose="02040503050406030204" pitchFamily="18" charset="0"/>
+                                <a:ea typeface="Cambria Math" panose="02040503050406030204" pitchFamily="18" charset="0"/>
+                              </a:rPr>
+                              <m:t>Π</m:t>
+                            </m:r>
+                          </m:e>
+                          <m:sub>
+                            <m:r>
+                              <a:rPr lang="en-US" altLang="ja-JP" i="1">
+                                <a:latin typeface="Cambria Math" panose="02040503050406030204" pitchFamily="18" charset="0"/>
+                                <a:ea typeface="Cambria Math" panose="02040503050406030204" pitchFamily="18" charset="0"/>
+                              </a:rPr>
+                              <m:t>𝑠𝑎𝑓𝑒</m:t>
+                            </m:r>
+                          </m:sub>
+                        </m:sSub>
+                      </m:e>
+                    </m:d>
+                  </m:oMath>
+                </a14:m>
+                <a:r>
+                  <a:rPr lang="en-US" altLang="ja-JP" dirty="0"/>
+                  <a:t> : a class of evaluation function </a:t>
+                </a:r>
+                <a14:m>
+                  <m:oMath xmlns:m="http://schemas.openxmlformats.org/officeDocument/2006/math">
+                    <m:r>
+                      <a:rPr lang="en-US" altLang="ja-JP" b="0" i="1" smtClean="0">
+                        <a:latin typeface="Cambria Math" panose="02040503050406030204" pitchFamily="18" charset="0"/>
+                      </a:rPr>
+                      <m:t>𝐽</m:t>
+                    </m:r>
+                    <m:r>
+                      <a:rPr lang="en-US" altLang="ja-JP" b="0" i="1" smtClean="0">
+                        <a:latin typeface="Cambria Math" panose="02040503050406030204" pitchFamily="18" charset="0"/>
+                      </a:rPr>
+                      <m:t>(</m:t>
+                    </m:r>
+                    <m:r>
+                      <a:rPr lang="en-US" altLang="ja-JP" b="0" i="1" smtClean="0">
+                        <a:latin typeface="Cambria Math" panose="02040503050406030204" pitchFamily="18" charset="0"/>
+                        <a:ea typeface="Cambria Math" panose="02040503050406030204" pitchFamily="18" charset="0"/>
+                      </a:rPr>
+                      <m:t>𝜋</m:t>
+                    </m:r>
+                    <m:r>
+                      <a:rPr lang="en-US" altLang="ja-JP" b="0" i="1" smtClean="0">
+                        <a:latin typeface="Cambria Math" panose="02040503050406030204" pitchFamily="18" charset="0"/>
+                      </a:rPr>
+                      <m:t>)</m:t>
+                    </m:r>
+                  </m:oMath>
+                </a14:m>
+                <a:endParaRPr lang="en-US" altLang="ja-JP" dirty="0"/>
+              </a:p>
+              <a:p>
+                <a:pPr lvl="1"/>
+                <a:endParaRPr lang="en-US" altLang="ja-JP" dirty="0"/>
+              </a:p>
+              <a:p>
+                <a:pPr lvl="1"/>
+                <a:endParaRPr lang="en-US" altLang="ja-JP" dirty="0"/>
+              </a:p>
+              <a:p>
+                <a:pPr marL="457200" lvl="1" indent="0">
+                  <a:buNone/>
+                </a:pPr>
+                <a:r>
+                  <a:rPr lang="en-US" altLang="ja-JP" dirty="0"/>
+                  <a:t>   where </a:t>
+                </a:r>
+                <a14:m>
+                  <m:oMath xmlns:m="http://schemas.openxmlformats.org/officeDocument/2006/math">
+                    <m:sSup>
+                      <m:sSupPr>
+                        <m:ctrlPr>
+                          <a:rPr lang="en-US" altLang="ja-JP" i="1">
+                            <a:latin typeface="Cambria Math" panose="02040503050406030204" pitchFamily="18" charset="0"/>
+                            <a:ea typeface="Cambria Math" panose="02040503050406030204" pitchFamily="18" charset="0"/>
+                          </a:rPr>
+                        </m:ctrlPr>
+                      </m:sSupPr>
+                      <m:e>
+                        <m:r>
+                          <a:rPr lang="en-US" altLang="ja-JP" i="1">
+                            <a:latin typeface="Cambria Math" panose="02040503050406030204" pitchFamily="18" charset="0"/>
+                            <a:ea typeface="Cambria Math" panose="02040503050406030204" pitchFamily="18" charset="0"/>
+                          </a:rPr>
+                          <m:t>𝜋</m:t>
+                        </m:r>
+                      </m:e>
+                      <m:sup>
+                        <m:r>
+                          <a:rPr lang="en-US" altLang="ja-JP" i="1">
+                            <a:latin typeface="Cambria Math" panose="02040503050406030204" pitchFamily="18" charset="0"/>
+                            <a:ea typeface="Cambria Math" panose="02040503050406030204" pitchFamily="18" charset="0"/>
+                          </a:rPr>
+                          <m:t>∗</m:t>
+                        </m:r>
+                      </m:sup>
+                    </m:sSup>
+                    <m:r>
+                      <a:rPr lang="en-US" altLang="ja-JP" i="1">
+                        <a:latin typeface="Cambria Math" panose="02040503050406030204" pitchFamily="18" charset="0"/>
+                        <a:ea typeface="Cambria Math" panose="02040503050406030204" pitchFamily="18" charset="0"/>
+                      </a:rPr>
+                      <m:t>=</m:t>
+                    </m:r>
+                    <m:sSub>
+                      <m:sSubPr>
+                        <m:ctrlPr>
+                          <a:rPr lang="en-US" altLang="ja-JP" i="1">
+                            <a:latin typeface="Cambria Math" panose="02040503050406030204" pitchFamily="18" charset="0"/>
+                          </a:rPr>
+                        </m:ctrlPr>
+                      </m:sSubPr>
+                      <m:e>
+                        <m:r>
+                          <m:rPr>
+                            <m:sty m:val="p"/>
+                          </m:rPr>
+                          <a:rPr lang="en-US" altLang="ja-JP">
+                            <a:latin typeface="Cambria Math" panose="02040503050406030204" pitchFamily="18" charset="0"/>
+                          </a:rPr>
+                          <m:t>argmax</m:t>
+                        </m:r>
+                      </m:e>
+                      <m:sub>
+                        <m:r>
+                          <a:rPr lang="en-US" altLang="ja-JP" i="1">
+                            <a:latin typeface="Cambria Math" panose="02040503050406030204" pitchFamily="18" charset="0"/>
+                            <a:ea typeface="Cambria Math" panose="02040503050406030204" pitchFamily="18" charset="0"/>
+                          </a:rPr>
+                          <m:t>𝜋</m:t>
+                        </m:r>
+                        <m:r>
+                          <a:rPr lang="en-US" altLang="ja-JP" i="1">
+                            <a:latin typeface="Cambria Math" panose="02040503050406030204" pitchFamily="18" charset="0"/>
+                            <a:ea typeface="Cambria Math" panose="02040503050406030204" pitchFamily="18" charset="0"/>
+                          </a:rPr>
+                          <m:t>∈</m:t>
+                        </m:r>
+                        <m:r>
+                          <m:rPr>
+                            <m:sty m:val="p"/>
+                          </m:rPr>
+                          <a:rPr lang="el-GR" altLang="ja-JP" i="1" smtClean="0">
+                            <a:latin typeface="Cambria Math" panose="02040503050406030204" pitchFamily="18" charset="0"/>
+                            <a:ea typeface="Cambria Math" panose="02040503050406030204" pitchFamily="18" charset="0"/>
+                          </a:rPr>
+                          <m:t>Π</m:t>
+                        </m:r>
+                      </m:sub>
+                    </m:sSub>
+                    <m:r>
+                      <a:rPr lang="en-US" altLang="ja-JP" i="1">
+                        <a:latin typeface="Cambria Math" panose="02040503050406030204" pitchFamily="18" charset="0"/>
+                        <a:ea typeface="Cambria Math" panose="02040503050406030204" pitchFamily="18" charset="0"/>
+                      </a:rPr>
+                      <m:t> </m:t>
+                    </m:r>
+                    <m:r>
+                      <a:rPr lang="en-US" altLang="ja-JP" i="1">
+                        <a:latin typeface="Cambria Math" panose="02040503050406030204" pitchFamily="18" charset="0"/>
+                        <a:ea typeface="Cambria Math" panose="02040503050406030204" pitchFamily="18" charset="0"/>
+                      </a:rPr>
+                      <m:t>𝐽</m:t>
+                    </m:r>
+                    <m:d>
+                      <m:dPr>
+                        <m:ctrlPr>
+                          <a:rPr lang="en-US" altLang="ja-JP" i="1">
+                            <a:latin typeface="Cambria Math" panose="02040503050406030204" pitchFamily="18" charset="0"/>
+                            <a:ea typeface="Cambria Math" panose="02040503050406030204" pitchFamily="18" charset="0"/>
+                          </a:rPr>
+                        </m:ctrlPr>
+                      </m:dPr>
+                      <m:e>
+                        <m:r>
+                          <a:rPr lang="en-US" altLang="ja-JP" i="1">
+                            <a:latin typeface="Cambria Math" panose="02040503050406030204" pitchFamily="18" charset="0"/>
+                            <a:ea typeface="Cambria Math" panose="02040503050406030204" pitchFamily="18" charset="0"/>
+                          </a:rPr>
+                          <m:t>𝜋</m:t>
+                        </m:r>
+                      </m:e>
+                    </m:d>
+                    <m:r>
+                      <a:rPr lang="en-US" altLang="ja-JP" b="0" i="0" smtClean="0">
+                        <a:latin typeface="Cambria Math" panose="02040503050406030204" pitchFamily="18" charset="0"/>
+                        <a:ea typeface="Cambria Math" panose="02040503050406030204" pitchFamily="18" charset="0"/>
+                      </a:rPr>
+                      <m:t>, </m:t>
+                    </m:r>
+                    <m:sSubSup>
+                      <m:sSubSupPr>
+                        <m:ctrlPr>
+                          <a:rPr lang="en-US" altLang="ja-JP" i="1">
+                            <a:latin typeface="Cambria Math" panose="02040503050406030204" pitchFamily="18" charset="0"/>
+                            <a:ea typeface="Cambria Math" panose="02040503050406030204" pitchFamily="18" charset="0"/>
+                          </a:rPr>
+                        </m:ctrlPr>
+                      </m:sSubSupPr>
+                      <m:e>
+                        <m:r>
+                          <a:rPr lang="en-US" altLang="ja-JP" i="1">
+                            <a:latin typeface="Cambria Math" panose="02040503050406030204" pitchFamily="18" charset="0"/>
+                            <a:ea typeface="Cambria Math" panose="02040503050406030204" pitchFamily="18" charset="0"/>
+                          </a:rPr>
+                          <m:t>𝜋</m:t>
+                        </m:r>
+                      </m:e>
+                      <m:sub>
+                        <m:r>
+                          <a:rPr lang="en-US" altLang="ja-JP" i="1">
+                            <a:latin typeface="Cambria Math" panose="02040503050406030204" pitchFamily="18" charset="0"/>
+                            <a:ea typeface="Cambria Math" panose="02040503050406030204" pitchFamily="18" charset="0"/>
+                          </a:rPr>
+                          <m:t>𝑠𝑎𝑓𝑒</m:t>
+                        </m:r>
+                      </m:sub>
+                      <m:sup>
+                        <m:r>
+                          <a:rPr lang="en-US" altLang="ja-JP" i="1">
+                            <a:latin typeface="Cambria Math" panose="02040503050406030204" pitchFamily="18" charset="0"/>
+                            <a:ea typeface="Cambria Math" panose="02040503050406030204" pitchFamily="18" charset="0"/>
+                          </a:rPr>
+                          <m:t>∗</m:t>
+                        </m:r>
+                      </m:sup>
+                    </m:sSubSup>
+                    <m:r>
+                      <a:rPr lang="en-US" altLang="ja-JP" b="0" i="1" smtClean="0">
+                        <a:latin typeface="Cambria Math" panose="02040503050406030204" pitchFamily="18" charset="0"/>
+                        <a:ea typeface="Cambria Math" panose="02040503050406030204" pitchFamily="18" charset="0"/>
+                      </a:rPr>
+                      <m:t>=</m:t>
+                    </m:r>
+                    <m:sSub>
+                      <m:sSubPr>
+                        <m:ctrlPr>
+                          <a:rPr lang="en-US" altLang="ja-JP" i="1">
+                            <a:latin typeface="Cambria Math" panose="02040503050406030204" pitchFamily="18" charset="0"/>
+                          </a:rPr>
+                        </m:ctrlPr>
+                      </m:sSubPr>
+                      <m:e>
+                        <m:r>
+                          <m:rPr>
+                            <m:sty m:val="p"/>
+                          </m:rPr>
+                          <a:rPr lang="en-US" altLang="ja-JP">
+                            <a:latin typeface="Cambria Math" panose="02040503050406030204" pitchFamily="18" charset="0"/>
+                          </a:rPr>
+                          <m:t>argmax</m:t>
+                        </m:r>
+                      </m:e>
+                      <m:sub>
+                        <m:r>
+                          <a:rPr lang="en-US" altLang="ja-JP" i="1" smtClean="0">
+                            <a:latin typeface="Cambria Math" panose="02040503050406030204" pitchFamily="18" charset="0"/>
+                            <a:ea typeface="Cambria Math" panose="02040503050406030204" pitchFamily="18" charset="0"/>
+                          </a:rPr>
+                          <m:t>𝜋</m:t>
+                        </m:r>
+                        <m:r>
+                          <a:rPr lang="en-US" altLang="ja-JP" i="1" smtClean="0">
+                            <a:latin typeface="Cambria Math" panose="02040503050406030204" pitchFamily="18" charset="0"/>
+                            <a:ea typeface="Cambria Math" panose="02040503050406030204" pitchFamily="18" charset="0"/>
+                          </a:rPr>
+                          <m:t>∈</m:t>
+                        </m:r>
+                        <m:sSub>
+                          <m:sSubPr>
+                            <m:ctrlPr>
+                              <a:rPr lang="en-US" altLang="ja-JP" i="1">
+                                <a:latin typeface="Cambria Math" panose="02040503050406030204" pitchFamily="18" charset="0"/>
+                                <a:ea typeface="Cambria Math" panose="02040503050406030204" pitchFamily="18" charset="0"/>
+                              </a:rPr>
+                            </m:ctrlPr>
+                          </m:sSubPr>
+                          <m:e>
+                            <m:r>
+                              <m:rPr>
+                                <m:sty m:val="p"/>
+                              </m:rPr>
+                              <a:rPr lang="el-GR" altLang="ja-JP" i="1">
+                                <a:latin typeface="Cambria Math" panose="02040503050406030204" pitchFamily="18" charset="0"/>
+                                <a:ea typeface="Cambria Math" panose="02040503050406030204" pitchFamily="18" charset="0"/>
+                              </a:rPr>
+                              <m:t>Π</m:t>
+                            </m:r>
+                          </m:e>
+                          <m:sub>
+                            <m:r>
+                              <a:rPr lang="en-US" altLang="ja-JP" i="1">
+                                <a:latin typeface="Cambria Math" panose="02040503050406030204" pitchFamily="18" charset="0"/>
+                                <a:ea typeface="Cambria Math" panose="02040503050406030204" pitchFamily="18" charset="0"/>
+                              </a:rPr>
+                              <m:t>𝑠𝑎𝑓𝑒</m:t>
+                            </m:r>
+                          </m:sub>
+                        </m:sSub>
+                      </m:sub>
+                    </m:sSub>
+                    <m:r>
+                      <a:rPr lang="en-US" altLang="ja-JP" i="1">
+                        <a:latin typeface="Cambria Math" panose="02040503050406030204" pitchFamily="18" charset="0"/>
+                        <a:ea typeface="Cambria Math" panose="02040503050406030204" pitchFamily="18" charset="0"/>
+                      </a:rPr>
+                      <m:t> </m:t>
+                    </m:r>
+                    <m:r>
+                      <a:rPr lang="en-US" altLang="ja-JP" b="0" i="1" smtClean="0">
+                        <a:latin typeface="Cambria Math" panose="02040503050406030204" pitchFamily="18" charset="0"/>
+                        <a:ea typeface="Cambria Math" panose="02040503050406030204" pitchFamily="18" charset="0"/>
+                      </a:rPr>
+                      <m:t>𝐽</m:t>
+                    </m:r>
+                    <m:d>
+                      <m:dPr>
+                        <m:ctrlPr>
+                          <a:rPr lang="en-US" altLang="ja-JP" i="1">
+                            <a:latin typeface="Cambria Math" panose="02040503050406030204" pitchFamily="18" charset="0"/>
+                            <a:ea typeface="Cambria Math" panose="02040503050406030204" pitchFamily="18" charset="0"/>
+                          </a:rPr>
+                        </m:ctrlPr>
+                      </m:dPr>
+                      <m:e>
+                        <m:r>
+                          <a:rPr lang="en-US" altLang="ja-JP" i="1" smtClean="0">
+                            <a:latin typeface="Cambria Math" panose="02040503050406030204" pitchFamily="18" charset="0"/>
+                            <a:ea typeface="Cambria Math" panose="02040503050406030204" pitchFamily="18" charset="0"/>
+                          </a:rPr>
+                          <m:t>𝜋</m:t>
+                        </m:r>
+                      </m:e>
+                    </m:d>
+                  </m:oMath>
+                </a14:m>
+                <a:endParaRPr lang="en-US" altLang="ja-JP" dirty="0"/>
+              </a:p>
+              <a:p>
+                <a:pPr marL="457200" lvl="1" indent="0">
+                  <a:buNone/>
+                </a:pPr>
+                <a:endParaRPr lang="en-US" altLang="ja-JP" dirty="0"/>
+              </a:p>
+              <a:p>
+                <a:pPr marL="457200" lvl="1" indent="0">
+                  <a:buNone/>
+                </a:pPr>
+                <a:endParaRPr lang="en-US" altLang="ja-JP" dirty="0"/>
+              </a:p>
+              <a:p>
+                <a:pPr lvl="1"/>
+                <a:r>
+                  <a:rPr lang="en-US" altLang="ja-JP" dirty="0"/>
+                  <a:t>Given</a:t>
+                </a:r>
+              </a:p>
+              <a:p>
+                <a:pPr lvl="2"/>
+                <a:r>
+                  <a:rPr lang="en-US" altLang="ja-JP" dirty="0"/>
+                  <a:t>System model </a:t>
+                </a:r>
+                <a14:m>
+                  <m:oMath xmlns:m="http://schemas.openxmlformats.org/officeDocument/2006/math">
+                    <m:sSub>
+                      <m:sSubPr>
+                        <m:ctrlPr>
+                          <a:rPr lang="en-US" altLang="ja-JP" i="1" smtClean="0">
+                            <a:solidFill>
+                              <a:schemeClr val="tx1"/>
+                            </a:solidFill>
+                            <a:latin typeface="Cambria Math" panose="02040503050406030204" pitchFamily="18" charset="0"/>
+                          </a:rPr>
+                        </m:ctrlPr>
+                      </m:sSubPr>
+                      <m:e>
+                        <m:r>
+                          <a:rPr lang="en-US" altLang="ja-JP" i="1">
+                            <a:solidFill>
+                              <a:schemeClr val="tx1"/>
+                            </a:solidFill>
+                            <a:latin typeface="Cambria Math" panose="02040503050406030204" pitchFamily="18" charset="0"/>
+                          </a:rPr>
+                          <m:t>𝑠</m:t>
+                        </m:r>
+                      </m:e>
+                      <m:sub>
+                        <m:r>
+                          <a:rPr lang="en-US" altLang="ja-JP" i="1">
+                            <a:solidFill>
+                              <a:schemeClr val="tx1"/>
+                            </a:solidFill>
+                            <a:latin typeface="Cambria Math" panose="02040503050406030204" pitchFamily="18" charset="0"/>
+                          </a:rPr>
+                          <m:t>𝑡</m:t>
+                        </m:r>
+                        <m:r>
+                          <a:rPr lang="en-US" altLang="ja-JP" i="1">
+                            <a:solidFill>
+                              <a:schemeClr val="tx1"/>
+                            </a:solidFill>
+                            <a:latin typeface="Cambria Math" panose="02040503050406030204" pitchFamily="18" charset="0"/>
+                          </a:rPr>
+                          <m:t>+1</m:t>
+                        </m:r>
+                      </m:sub>
+                    </m:sSub>
+                    <m:r>
+                      <a:rPr lang="en-US" altLang="ja-JP" i="1">
+                        <a:solidFill>
+                          <a:schemeClr val="tx1"/>
+                        </a:solidFill>
+                        <a:latin typeface="Cambria Math" panose="02040503050406030204" pitchFamily="18" charset="0"/>
+                      </a:rPr>
+                      <m:t>=</m:t>
+                    </m:r>
+                    <m:r>
+                      <a:rPr lang="en-US" altLang="ja-JP" i="1">
+                        <a:solidFill>
+                          <a:schemeClr val="tx1"/>
+                        </a:solidFill>
+                        <a:latin typeface="Cambria Math" panose="02040503050406030204" pitchFamily="18" charset="0"/>
+                      </a:rPr>
+                      <m:t>𝑓</m:t>
+                    </m:r>
+                    <m:d>
+                      <m:dPr>
+                        <m:ctrlPr>
+                          <a:rPr lang="en-US" altLang="ja-JP" i="1">
+                            <a:solidFill>
+                              <a:schemeClr val="tx1"/>
+                            </a:solidFill>
+                            <a:latin typeface="Cambria Math" panose="02040503050406030204" pitchFamily="18" charset="0"/>
+                          </a:rPr>
+                        </m:ctrlPr>
+                      </m:dPr>
+                      <m:e>
+                        <m:sSub>
+                          <m:sSubPr>
+                            <m:ctrlPr>
+                              <a:rPr lang="en-US" altLang="ja-JP" i="1">
+                                <a:solidFill>
+                                  <a:schemeClr val="tx1"/>
+                                </a:solidFill>
+                                <a:latin typeface="Cambria Math" panose="02040503050406030204" pitchFamily="18" charset="0"/>
+                              </a:rPr>
+                            </m:ctrlPr>
+                          </m:sSubPr>
+                          <m:e>
+                            <m:r>
+                              <a:rPr lang="en-US" altLang="ja-JP" i="1">
+                                <a:solidFill>
+                                  <a:schemeClr val="tx1"/>
+                                </a:solidFill>
+                                <a:latin typeface="Cambria Math" panose="02040503050406030204" pitchFamily="18" charset="0"/>
+                              </a:rPr>
+                              <m:t>𝑠</m:t>
+                            </m:r>
+                          </m:e>
+                          <m:sub>
+                            <m:r>
+                              <a:rPr lang="en-US" altLang="ja-JP" i="1">
+                                <a:solidFill>
+                                  <a:schemeClr val="tx1"/>
+                                </a:solidFill>
+                                <a:latin typeface="Cambria Math" panose="02040503050406030204" pitchFamily="18" charset="0"/>
+                              </a:rPr>
+                              <m:t>𝑡</m:t>
+                            </m:r>
+                          </m:sub>
+                        </m:sSub>
+                      </m:e>
+                    </m:d>
+                    <m:r>
+                      <a:rPr lang="en-US" altLang="ja-JP" i="1">
+                        <a:solidFill>
+                          <a:schemeClr val="tx1"/>
+                        </a:solidFill>
+                        <a:latin typeface="Cambria Math" panose="02040503050406030204" pitchFamily="18" charset="0"/>
+                      </a:rPr>
+                      <m:t>+</m:t>
+                    </m:r>
+                    <m:r>
+                      <a:rPr lang="en-US" altLang="ja-JP" i="1">
+                        <a:solidFill>
+                          <a:schemeClr val="tx1"/>
+                        </a:solidFill>
+                        <a:latin typeface="Cambria Math" panose="02040503050406030204" pitchFamily="18" charset="0"/>
+                      </a:rPr>
+                      <m:t>𝑔</m:t>
+                    </m:r>
+                    <m:d>
+                      <m:dPr>
+                        <m:ctrlPr>
+                          <a:rPr lang="en-US" altLang="ja-JP" i="1">
+                            <a:solidFill>
+                              <a:schemeClr val="tx1"/>
+                            </a:solidFill>
+                            <a:latin typeface="Cambria Math" panose="02040503050406030204" pitchFamily="18" charset="0"/>
+                          </a:rPr>
+                        </m:ctrlPr>
+                      </m:dPr>
+                      <m:e>
+                        <m:sSub>
+                          <m:sSubPr>
+                            <m:ctrlPr>
+                              <a:rPr lang="en-US" altLang="ja-JP" i="1">
+                                <a:solidFill>
+                                  <a:schemeClr val="tx1"/>
+                                </a:solidFill>
+                                <a:latin typeface="Cambria Math" panose="02040503050406030204" pitchFamily="18" charset="0"/>
+                              </a:rPr>
+                            </m:ctrlPr>
+                          </m:sSubPr>
+                          <m:e>
+                            <m:r>
+                              <a:rPr lang="en-US" altLang="ja-JP" i="1">
+                                <a:solidFill>
+                                  <a:schemeClr val="tx1"/>
+                                </a:solidFill>
+                                <a:latin typeface="Cambria Math" panose="02040503050406030204" pitchFamily="18" charset="0"/>
+                              </a:rPr>
+                              <m:t>𝑠</m:t>
+                            </m:r>
+                          </m:e>
+                          <m:sub>
+                            <m:r>
+                              <a:rPr lang="en-US" altLang="ja-JP" i="1">
+                                <a:solidFill>
+                                  <a:schemeClr val="tx1"/>
+                                </a:solidFill>
+                                <a:latin typeface="Cambria Math" panose="02040503050406030204" pitchFamily="18" charset="0"/>
+                              </a:rPr>
+                              <m:t>𝑡</m:t>
+                            </m:r>
+                          </m:sub>
+                        </m:sSub>
+                      </m:e>
+                    </m:d>
+                    <m:sSub>
+                      <m:sSubPr>
+                        <m:ctrlPr>
+                          <a:rPr lang="en-US" altLang="ja-JP" i="1">
+                            <a:solidFill>
+                              <a:schemeClr val="tx1"/>
+                            </a:solidFill>
+                            <a:latin typeface="Cambria Math" panose="02040503050406030204" pitchFamily="18" charset="0"/>
+                          </a:rPr>
+                        </m:ctrlPr>
+                      </m:sSubPr>
+                      <m:e>
+                        <m:r>
+                          <a:rPr lang="en-US" altLang="ja-JP" i="1">
+                            <a:solidFill>
+                              <a:schemeClr val="tx1"/>
+                            </a:solidFill>
+                            <a:latin typeface="Cambria Math" panose="02040503050406030204" pitchFamily="18" charset="0"/>
+                          </a:rPr>
+                          <m:t>𝑎</m:t>
+                        </m:r>
+                      </m:e>
+                      <m:sub>
+                        <m:r>
+                          <a:rPr lang="en-US" altLang="ja-JP" i="1">
+                            <a:solidFill>
+                              <a:schemeClr val="tx1"/>
+                            </a:solidFill>
+                            <a:latin typeface="Cambria Math" panose="02040503050406030204" pitchFamily="18" charset="0"/>
+                          </a:rPr>
+                          <m:t>𝑡</m:t>
+                        </m:r>
+                      </m:sub>
+                    </m:sSub>
+                  </m:oMath>
+                </a14:m>
+                <a:endParaRPr lang="en-US" altLang="ja-JP" dirty="0"/>
+              </a:p>
+              <a:p>
+                <a:pPr lvl="2"/>
+                <a:r>
+                  <a:rPr lang="en-US" altLang="ja-JP" dirty="0"/>
+                  <a:t>CBF </a:t>
+                </a:r>
+                <a14:m>
+                  <m:oMath xmlns:m="http://schemas.openxmlformats.org/officeDocument/2006/math">
+                    <m:r>
+                      <a:rPr lang="en-US" altLang="ja-JP" b="0" i="1" smtClean="0">
+                        <a:latin typeface="Cambria Math" panose="02040503050406030204" pitchFamily="18" charset="0"/>
+                      </a:rPr>
+                      <m:t>h</m:t>
+                    </m:r>
+                    <m:r>
+                      <a:rPr lang="en-US" altLang="ja-JP" b="0" i="1" smtClean="0">
+                        <a:latin typeface="Cambria Math" panose="02040503050406030204" pitchFamily="18" charset="0"/>
+                      </a:rPr>
+                      <m:t>(</m:t>
+                    </m:r>
+                    <m:r>
+                      <a:rPr lang="en-US" altLang="ja-JP" b="0" i="1" smtClean="0">
+                        <a:latin typeface="Cambria Math" panose="02040503050406030204" pitchFamily="18" charset="0"/>
+                      </a:rPr>
+                      <m:t>𝑠</m:t>
+                    </m:r>
+                    <m:r>
+                      <a:rPr lang="en-US" altLang="ja-JP" b="0" i="1" smtClean="0">
+                        <a:latin typeface="Cambria Math" panose="02040503050406030204" pitchFamily="18" charset="0"/>
+                      </a:rPr>
+                      <m:t>)</m:t>
+                    </m:r>
+                  </m:oMath>
+                </a14:m>
+                <a:r>
+                  <a:rPr lang="en-US" altLang="ja-JP" dirty="0"/>
+                  <a:t>, safe region </a:t>
+                </a:r>
+                <a14:m>
+                  <m:oMath xmlns:m="http://schemas.openxmlformats.org/officeDocument/2006/math">
+                    <m:sSub>
+                      <m:sSubPr>
+                        <m:ctrlPr>
+                          <a:rPr lang="en-US" altLang="ja-JP" i="1">
+                            <a:latin typeface="Cambria Math" panose="02040503050406030204" pitchFamily="18" charset="0"/>
+                          </a:rPr>
+                        </m:ctrlPr>
+                      </m:sSubPr>
+                      <m:e>
+                        <m:r>
+                          <a:rPr lang="en-US" altLang="ja-JP" i="1">
+                            <a:latin typeface="Cambria Math" panose="02040503050406030204" pitchFamily="18" charset="0"/>
+                          </a:rPr>
+                          <m:t>𝑆</m:t>
+                        </m:r>
+                      </m:e>
+                      <m:sub>
+                        <m:r>
+                          <a:rPr lang="en-US" altLang="ja-JP" i="1">
+                            <a:latin typeface="Cambria Math" panose="02040503050406030204" pitchFamily="18" charset="0"/>
+                          </a:rPr>
+                          <m:t>𝑠𝑎𝑓𝑒</m:t>
+                        </m:r>
+                      </m:sub>
+                    </m:sSub>
+                  </m:oMath>
+                </a14:m>
+                <a:r>
+                  <a:rPr lang="en-US" altLang="ja-JP" dirty="0"/>
+                  <a:t>, safe policy set </a:t>
+                </a:r>
+                <a14:m>
+                  <m:oMath xmlns:m="http://schemas.openxmlformats.org/officeDocument/2006/math">
+                    <m:sSub>
+                      <m:sSubPr>
+                        <m:ctrlPr>
+                          <a:rPr lang="en-US" altLang="ja-JP" i="1">
+                            <a:latin typeface="Cambria Math" panose="02040503050406030204" pitchFamily="18" charset="0"/>
+                            <a:ea typeface="Cambria Math" panose="02040503050406030204" pitchFamily="18" charset="0"/>
+                          </a:rPr>
+                        </m:ctrlPr>
+                      </m:sSubPr>
+                      <m:e>
+                        <m:r>
+                          <m:rPr>
+                            <m:sty m:val="p"/>
+                          </m:rPr>
+                          <a:rPr lang="el-GR" altLang="ja-JP" i="1">
+                            <a:latin typeface="Cambria Math" panose="02040503050406030204" pitchFamily="18" charset="0"/>
+                            <a:ea typeface="Cambria Math" panose="02040503050406030204" pitchFamily="18" charset="0"/>
+                          </a:rPr>
+                          <m:t>Π</m:t>
+                        </m:r>
+                      </m:e>
+                      <m:sub>
+                        <m:r>
+                          <a:rPr lang="en-US" altLang="ja-JP" i="1">
+                            <a:latin typeface="Cambria Math" panose="02040503050406030204" pitchFamily="18" charset="0"/>
+                            <a:ea typeface="Cambria Math" panose="02040503050406030204" pitchFamily="18" charset="0"/>
+                          </a:rPr>
+                          <m:t>𝑠𝑎𝑓𝑒</m:t>
+                        </m:r>
+                      </m:sub>
+                    </m:sSub>
+                  </m:oMath>
+                </a14:m>
+                <a:r>
+                  <a:rPr lang="en-US" altLang="ja-JP" dirty="0"/>
+                  <a:t> </a:t>
+                </a:r>
+              </a:p>
+            </p:txBody>
+          </p:sp>
+        </mc:Choice>
+        <mc:Fallback>
+          <p:sp>
+            <p:nvSpPr>
+              <p:cNvPr id="2" name="コンテンツ プレースホルダー 1">
+                <a:extLst>
+                  <a:ext uri="{FF2B5EF4-FFF2-40B4-BE49-F238E27FC236}">
+                    <a16:creationId xmlns:a16="http://schemas.microsoft.com/office/drawing/2014/main" id="{64ACCA72-2454-684D-B8C5-D840F9147260}"/>
+                  </a:ext>
+                </a:extLst>
+              </p:cNvPr>
+              <p:cNvSpPr>
+                <a:spLocks noGrp="1" noRot="1" noChangeAspect="1" noMove="1" noResize="1" noEditPoints="1" noAdjustHandles="1" noChangeArrowheads="1" noChangeShapeType="1" noTextEdit="1"/>
+              </p:cNvSpPr>
+              <p:nvPr>
+                <p:ph idx="1"/>
+              </p:nvPr>
+            </p:nvSpPr>
+            <p:spPr>
+              <a:blipFill>
+                <a:blip r:embed="rId2"/>
+                <a:stretch>
+                  <a:fillRect l="-598" t="-1266"/>
+                </a:stretch>
+              </a:blipFill>
+            </p:spPr>
+            <p:txBody>
+              <a:bodyPr/>
+              <a:lstStyle/>
+              <a:p>
+                <a:r>
+                  <a:rPr lang="ja-JP" altLang="en-US">
+                    <a:noFill/>
+                  </a:rPr>
+                  <a:t> </a:t>
+                </a:r>
+              </a:p>
+            </p:txBody>
+          </p:sp>
+        </mc:Fallback>
+      </mc:AlternateContent>
+      <p:sp>
+        <p:nvSpPr>
+          <p:cNvPr id="3" name="日付プレースホルダー 2">
+            <a:extLst>
+              <a:ext uri="{FF2B5EF4-FFF2-40B4-BE49-F238E27FC236}">
+                <a16:creationId xmlns:a16="http://schemas.microsoft.com/office/drawing/2014/main" id="{EF8F9746-6DE3-0E40-AAAE-214F823E6AF4}"/>
+              </a:ext>
+            </a:extLst>
+          </p:cNvPr>
+          <p:cNvSpPr>
+            <a:spLocks noGrp="1"/>
+          </p:cNvSpPr>
+          <p:nvPr>
+            <p:ph type="dt" sz="half" idx="10"/>
+          </p:nvPr>
+        </p:nvSpPr>
+        <p:spPr/>
+        <p:txBody>
+          <a:bodyPr/>
+          <a:lstStyle/>
+          <a:p>
+            <a:fld id="{90235FA2-C49A-5C4F-85BF-B1D7D24C5B31}" type="datetime1">
+              <a:rPr kumimoji="1" lang="ja-JP" altLang="en-US" smtClean="0"/>
+              <a:t>2020/7/27</a:t>
+            </a:fld>
+            <a:endParaRPr kumimoji="1" lang="ja-JP" altLang="en-US"/>
+          </a:p>
+        </p:txBody>
+      </p:sp>
+      <p:sp>
+        <p:nvSpPr>
+          <p:cNvPr id="4" name="フッター プレースホルダー 3">
+            <a:extLst>
+              <a:ext uri="{FF2B5EF4-FFF2-40B4-BE49-F238E27FC236}">
+                <a16:creationId xmlns:a16="http://schemas.microsoft.com/office/drawing/2014/main" id="{37D040E4-28AE-A84E-BA4A-4093B9857527}"/>
+              </a:ext>
+            </a:extLst>
+          </p:cNvPr>
+          <p:cNvSpPr>
+            <a:spLocks noGrp="1"/>
+          </p:cNvSpPr>
+          <p:nvPr>
+            <p:ph type="ftr" sz="quarter" idx="11"/>
+          </p:nvPr>
+        </p:nvSpPr>
+        <p:spPr/>
+        <p:txBody>
+          <a:bodyPr/>
+          <a:lstStyle/>
+          <a:p>
+            <a:r>
+              <a:rPr kumimoji="1" lang="en-US" altLang="ja-JP"/>
+              <a:t>Control System Theory Group</a:t>
+            </a:r>
+            <a:endParaRPr kumimoji="1" lang="ja-JP" altLang="en-US"/>
+          </a:p>
+        </p:txBody>
+      </p:sp>
+      <p:sp>
+        <p:nvSpPr>
+          <p:cNvPr id="5" name="タイトル 4">
+            <a:extLst>
+              <a:ext uri="{FF2B5EF4-FFF2-40B4-BE49-F238E27FC236}">
+                <a16:creationId xmlns:a16="http://schemas.microsoft.com/office/drawing/2014/main" id="{2AC0F8FE-0C47-A147-AE02-FAAFBB99CAE1}"/>
+              </a:ext>
+            </a:extLst>
+          </p:cNvPr>
+          <p:cNvSpPr>
+            <a:spLocks noGrp="1"/>
+          </p:cNvSpPr>
+          <p:nvPr>
+            <p:ph type="title"/>
+          </p:nvPr>
+        </p:nvSpPr>
+        <p:spPr/>
+        <p:txBody>
+          <a:bodyPr/>
+          <a:lstStyle/>
+          <a:p>
+            <a:r>
+              <a:rPr kumimoji="1" lang="en-US" altLang="ja-JP" dirty="0"/>
+              <a:t>Weekly Report</a:t>
+            </a:r>
+            <a:endParaRPr kumimoji="1" lang="ja-JP" altLang="en-US"/>
+          </a:p>
+        </p:txBody>
+      </p:sp>
+      <mc:AlternateContent xmlns:mc="http://schemas.openxmlformats.org/markup-compatibility/2006">
+        <mc:Choice xmlns:a14="http://schemas.microsoft.com/office/drawing/2010/main" Requires="a14">
+          <p:sp>
+            <p:nvSpPr>
+              <p:cNvPr id="6" name="テキスト ボックス 5">
+                <a:extLst>
+                  <a:ext uri="{FF2B5EF4-FFF2-40B4-BE49-F238E27FC236}">
+                    <a16:creationId xmlns:a16="http://schemas.microsoft.com/office/drawing/2014/main" id="{D3662B5B-B677-254E-A5E5-F0B236960F87}"/>
+                  </a:ext>
+                </a:extLst>
+              </p:cNvPr>
+              <p:cNvSpPr txBox="1"/>
+              <p:nvPr/>
+            </p:nvSpPr>
+            <p:spPr>
+              <a:xfrm>
+                <a:off x="2219092" y="1996069"/>
+                <a:ext cx="3842142" cy="419923"/>
+              </a:xfrm>
+              <a:prstGeom prst="rect">
+                <a:avLst/>
+              </a:prstGeom>
+              <a:noFill/>
+            </p:spPr>
+            <p:txBody>
+              <a:bodyPr wrap="none" rtlCol="0">
+                <a:spAutoFit/>
+              </a:bodyPr>
+              <a:lstStyle/>
+              <a:p>
+                <a14:m>
+                  <m:oMathPara xmlns:m="http://schemas.openxmlformats.org/officeDocument/2006/math">
+                    <m:oMathParaPr>
+                      <m:jc m:val="centerGroup"/>
+                    </m:oMathParaPr>
+                    <m:oMath xmlns:m="http://schemas.openxmlformats.org/officeDocument/2006/math">
+                      <m:r>
+                        <a:rPr kumimoji="1" lang="en-US" altLang="ja-JP" b="0" i="1" smtClean="0">
+                          <a:latin typeface="Cambria Math" panose="02040503050406030204" pitchFamily="18" charset="0"/>
+                        </a:rPr>
+                        <m:t>𝐶</m:t>
+                      </m:r>
+                      <m:d>
+                        <m:dPr>
+                          <m:ctrlPr>
+                            <a:rPr kumimoji="1" lang="en-US" altLang="ja-JP" b="0" i="1" smtClean="0">
+                              <a:latin typeface="Cambria Math" panose="02040503050406030204" pitchFamily="18" charset="0"/>
+                            </a:rPr>
+                          </m:ctrlPr>
+                        </m:dPr>
+                        <m:e>
+                          <m:sSub>
+                            <m:sSubPr>
+                              <m:ctrlPr>
+                                <a:rPr lang="en-US" altLang="ja-JP" i="1">
+                                  <a:latin typeface="Cambria Math" panose="02040503050406030204" pitchFamily="18" charset="0"/>
+                                  <a:ea typeface="Cambria Math" panose="02040503050406030204" pitchFamily="18" charset="0"/>
+                                </a:rPr>
+                              </m:ctrlPr>
+                            </m:sSubPr>
+                            <m:e>
+                              <m:r>
+                                <m:rPr>
+                                  <m:sty m:val="p"/>
+                                </m:rPr>
+                                <a:rPr lang="el-GR" altLang="ja-JP" i="1">
+                                  <a:latin typeface="Cambria Math" panose="02040503050406030204" pitchFamily="18" charset="0"/>
+                                  <a:ea typeface="Cambria Math" panose="02040503050406030204" pitchFamily="18" charset="0"/>
+                                </a:rPr>
+                                <m:t>Π</m:t>
+                              </m:r>
+                            </m:e>
+                            <m:sub>
+                              <m:r>
+                                <a:rPr lang="en-US" altLang="ja-JP" i="1">
+                                  <a:latin typeface="Cambria Math" panose="02040503050406030204" pitchFamily="18" charset="0"/>
+                                  <a:ea typeface="Cambria Math" panose="02040503050406030204" pitchFamily="18" charset="0"/>
+                                </a:rPr>
+                                <m:t>𝑠𝑎𝑓𝑒</m:t>
+                              </m:r>
+                            </m:sub>
+                          </m:sSub>
+                        </m:e>
+                      </m:d>
+                      <m:r>
+                        <a:rPr kumimoji="1" lang="en-US" altLang="ja-JP" b="0" i="1" smtClean="0">
+                          <a:latin typeface="Cambria Math" panose="02040503050406030204" pitchFamily="18" charset="0"/>
+                        </a:rPr>
+                        <m:t>=</m:t>
+                      </m:r>
+                      <m:d>
+                        <m:dPr>
+                          <m:begChr m:val="{"/>
+                          <m:endChr m:val="|"/>
+                          <m:ctrlPr>
+                            <a:rPr kumimoji="1" lang="en-US" altLang="ja-JP" b="0" i="1" smtClean="0">
+                              <a:latin typeface="Cambria Math" panose="02040503050406030204" pitchFamily="18" charset="0"/>
+                            </a:rPr>
+                          </m:ctrlPr>
+                        </m:dPr>
+                        <m:e>
+                          <m:r>
+                            <a:rPr kumimoji="1" lang="en-US" altLang="ja-JP" b="0" i="1" smtClean="0">
+                              <a:latin typeface="Cambria Math" panose="02040503050406030204" pitchFamily="18" charset="0"/>
+                            </a:rPr>
+                            <m:t> </m:t>
+                          </m:r>
+                          <m:r>
+                            <a:rPr kumimoji="1" lang="en-US" altLang="ja-JP" b="0" i="1" smtClean="0">
+                              <a:latin typeface="Cambria Math" panose="02040503050406030204" pitchFamily="18" charset="0"/>
+                            </a:rPr>
+                            <m:t>𝐽</m:t>
+                          </m:r>
+                          <m:d>
+                            <m:dPr>
+                              <m:ctrlPr>
+                                <a:rPr kumimoji="1" lang="en-US" altLang="ja-JP" b="0" i="1" smtClean="0">
+                                  <a:latin typeface="Cambria Math" panose="02040503050406030204" pitchFamily="18" charset="0"/>
+                                </a:rPr>
+                              </m:ctrlPr>
+                            </m:dPr>
+                            <m:e>
+                              <m:r>
+                                <a:rPr kumimoji="1" lang="en-US" altLang="ja-JP" b="0" i="1" smtClean="0">
+                                  <a:latin typeface="Cambria Math" panose="02040503050406030204" pitchFamily="18" charset="0"/>
+                                  <a:ea typeface="Cambria Math" panose="02040503050406030204" pitchFamily="18" charset="0"/>
+                                </a:rPr>
+                                <m:t>∙</m:t>
+                              </m:r>
+                            </m:e>
+                          </m:d>
+                          <m:r>
+                            <a:rPr kumimoji="1" lang="en-US" altLang="ja-JP" b="0" i="1" smtClean="0">
+                              <a:latin typeface="Cambria Math" panose="02040503050406030204" pitchFamily="18" charset="0"/>
+                              <a:ea typeface="Cambria Math" panose="02040503050406030204" pitchFamily="18" charset="0"/>
+                            </a:rPr>
+                            <m:t> </m:t>
+                          </m:r>
+                        </m:e>
+                      </m:d>
+                      <m:r>
+                        <a:rPr kumimoji="1" lang="en-US" altLang="ja-JP" b="0" i="1" smtClean="0">
+                          <a:latin typeface="Cambria Math" panose="02040503050406030204" pitchFamily="18" charset="0"/>
+                          <a:ea typeface="Cambria Math" panose="02040503050406030204" pitchFamily="18" charset="0"/>
+                        </a:rPr>
+                        <m:t> </m:t>
+                      </m:r>
+                      <m:r>
+                        <a:rPr kumimoji="1" lang="en-US" altLang="ja-JP" b="0" i="1" smtClean="0">
+                          <a:latin typeface="Cambria Math" panose="02040503050406030204" pitchFamily="18" charset="0"/>
+                          <a:ea typeface="Cambria Math" panose="02040503050406030204" pitchFamily="18" charset="0"/>
+                        </a:rPr>
+                        <m:t>𝐽</m:t>
+                      </m:r>
+                      <m:d>
+                        <m:dPr>
+                          <m:ctrlPr>
+                            <a:rPr kumimoji="1" lang="en-US" altLang="ja-JP" b="0" i="1" smtClean="0">
+                              <a:latin typeface="Cambria Math" panose="02040503050406030204" pitchFamily="18" charset="0"/>
+                              <a:ea typeface="Cambria Math" panose="02040503050406030204" pitchFamily="18" charset="0"/>
+                            </a:rPr>
+                          </m:ctrlPr>
+                        </m:dPr>
+                        <m:e>
+                          <m:sSup>
+                            <m:sSupPr>
+                              <m:ctrlPr>
+                                <a:rPr kumimoji="1" lang="en-US" altLang="ja-JP" b="0" i="1" smtClean="0">
+                                  <a:latin typeface="Cambria Math" panose="02040503050406030204" pitchFamily="18" charset="0"/>
+                                  <a:ea typeface="Cambria Math" panose="02040503050406030204" pitchFamily="18" charset="0"/>
+                                </a:rPr>
+                              </m:ctrlPr>
+                            </m:sSupPr>
+                            <m:e>
+                              <m:r>
+                                <a:rPr kumimoji="1" lang="en-US" altLang="ja-JP" b="0" i="1" smtClean="0">
+                                  <a:latin typeface="Cambria Math" panose="02040503050406030204" pitchFamily="18" charset="0"/>
+                                  <a:ea typeface="Cambria Math" panose="02040503050406030204" pitchFamily="18" charset="0"/>
+                                </a:rPr>
+                                <m:t>𝜋</m:t>
+                              </m:r>
+                            </m:e>
+                            <m:sup>
+                              <m:r>
+                                <a:rPr kumimoji="1" lang="en-US" altLang="ja-JP" b="0" i="1" smtClean="0">
+                                  <a:latin typeface="Cambria Math" panose="02040503050406030204" pitchFamily="18" charset="0"/>
+                                  <a:ea typeface="Cambria Math" panose="02040503050406030204" pitchFamily="18" charset="0"/>
+                                </a:rPr>
+                                <m:t>∗</m:t>
+                              </m:r>
+                            </m:sup>
+                          </m:sSup>
+                        </m:e>
+                      </m:d>
+                      <m:r>
+                        <a:rPr kumimoji="1" lang="en-US" altLang="ja-JP" b="0" i="1" smtClean="0">
+                          <a:latin typeface="Cambria Math" panose="02040503050406030204" pitchFamily="18" charset="0"/>
+                          <a:ea typeface="Cambria Math" panose="02040503050406030204" pitchFamily="18" charset="0"/>
+                        </a:rPr>
+                        <m:t>=</m:t>
+                      </m:r>
+                      <m:r>
+                        <a:rPr kumimoji="1" lang="en-US" altLang="ja-JP" b="0" i="1" smtClean="0">
+                          <a:latin typeface="Cambria Math" panose="02040503050406030204" pitchFamily="18" charset="0"/>
+                          <a:ea typeface="Cambria Math" panose="02040503050406030204" pitchFamily="18" charset="0"/>
+                        </a:rPr>
+                        <m:t>𝐽</m:t>
+                      </m:r>
+                      <m:r>
+                        <a:rPr kumimoji="1" lang="en-US" altLang="ja-JP" b="0" i="1" smtClean="0">
+                          <a:latin typeface="Cambria Math" panose="02040503050406030204" pitchFamily="18" charset="0"/>
+                          <a:ea typeface="Cambria Math" panose="02040503050406030204" pitchFamily="18" charset="0"/>
+                        </a:rPr>
+                        <m:t>(</m:t>
+                      </m:r>
+                      <m:sSubSup>
+                        <m:sSubSupPr>
+                          <m:ctrlPr>
+                            <a:rPr kumimoji="1" lang="en-US" altLang="ja-JP" b="0" i="1" smtClean="0">
+                              <a:latin typeface="Cambria Math" panose="02040503050406030204" pitchFamily="18" charset="0"/>
+                              <a:ea typeface="Cambria Math" panose="02040503050406030204" pitchFamily="18" charset="0"/>
+                            </a:rPr>
+                          </m:ctrlPr>
+                        </m:sSubSupPr>
+                        <m:e>
+                          <m:r>
+                            <a:rPr kumimoji="1" lang="en-US" altLang="ja-JP" b="0" i="1" smtClean="0">
+                              <a:latin typeface="Cambria Math" panose="02040503050406030204" pitchFamily="18" charset="0"/>
+                              <a:ea typeface="Cambria Math" panose="02040503050406030204" pitchFamily="18" charset="0"/>
+                            </a:rPr>
+                            <m:t>𝜋</m:t>
+                          </m:r>
+                        </m:e>
+                        <m:sub>
+                          <m:r>
+                            <a:rPr kumimoji="1" lang="en-US" altLang="ja-JP" b="0" i="1" smtClean="0">
+                              <a:latin typeface="Cambria Math" panose="02040503050406030204" pitchFamily="18" charset="0"/>
+                              <a:ea typeface="Cambria Math" panose="02040503050406030204" pitchFamily="18" charset="0"/>
+                            </a:rPr>
+                            <m:t>𝑠𝑎𝑓𝑒</m:t>
+                          </m:r>
+                        </m:sub>
+                        <m:sup>
+                          <m:r>
+                            <a:rPr kumimoji="1" lang="en-US" altLang="ja-JP" b="0" i="1" smtClean="0">
+                              <a:latin typeface="Cambria Math" panose="02040503050406030204" pitchFamily="18" charset="0"/>
+                              <a:ea typeface="Cambria Math" panose="02040503050406030204" pitchFamily="18" charset="0"/>
+                            </a:rPr>
+                            <m:t>∗</m:t>
+                          </m:r>
+                        </m:sup>
+                      </m:sSubSup>
+                      <m:r>
+                        <a:rPr kumimoji="1" lang="en-US" altLang="ja-JP" b="0" i="1" smtClean="0">
+                          <a:latin typeface="Cambria Math" panose="02040503050406030204" pitchFamily="18" charset="0"/>
+                          <a:ea typeface="Cambria Math" panose="02040503050406030204" pitchFamily="18" charset="0"/>
+                        </a:rPr>
+                        <m:t>)</m:t>
+                      </m:r>
+                      <m:r>
+                        <a:rPr kumimoji="1" lang="en-US" altLang="ja-JP" b="0" i="1" smtClean="0">
+                          <a:latin typeface="Cambria Math" panose="02040503050406030204" pitchFamily="18" charset="0"/>
+                        </a:rPr>
+                        <m:t>}</m:t>
+                      </m:r>
+                    </m:oMath>
+                  </m:oMathPara>
+                </a14:m>
+                <a:endParaRPr kumimoji="1" lang="ja-JP" altLang="en-US"/>
+              </a:p>
+            </p:txBody>
+          </p:sp>
+        </mc:Choice>
+        <mc:Fallback>
+          <p:sp>
+            <p:nvSpPr>
+              <p:cNvPr id="6" name="テキスト ボックス 5">
+                <a:extLst>
+                  <a:ext uri="{FF2B5EF4-FFF2-40B4-BE49-F238E27FC236}">
+                    <a16:creationId xmlns:a16="http://schemas.microsoft.com/office/drawing/2014/main" id="{D3662B5B-B677-254E-A5E5-F0B236960F87}"/>
+                  </a:ext>
+                </a:extLst>
+              </p:cNvPr>
+              <p:cNvSpPr txBox="1">
+                <a:spLocks noRot="1" noChangeAspect="1" noMove="1" noResize="1" noEditPoints="1" noAdjustHandles="1" noChangeArrowheads="1" noChangeShapeType="1" noTextEdit="1"/>
+              </p:cNvSpPr>
+              <p:nvPr/>
+            </p:nvSpPr>
+            <p:spPr>
+              <a:xfrm>
+                <a:off x="2219092" y="1996069"/>
+                <a:ext cx="3842142" cy="419923"/>
+              </a:xfrm>
+              <a:prstGeom prst="rect">
+                <a:avLst/>
+              </a:prstGeom>
+              <a:blipFill>
+                <a:blip r:embed="rId3"/>
+                <a:stretch>
+                  <a:fillRect b="-5882"/>
+                </a:stretch>
+              </a:blipFill>
+            </p:spPr>
+            <p:txBody>
+              <a:bodyPr/>
+              <a:lstStyle/>
+              <a:p>
+                <a:r>
+                  <a:rPr lang="ja-JP" altLang="en-US">
+                    <a:noFill/>
+                  </a:rPr>
+                  <a:t> </a:t>
+                </a:r>
+              </a:p>
+            </p:txBody>
+          </p:sp>
+        </mc:Fallback>
+      </mc:AlternateContent>
+      <mc:AlternateContent xmlns:mc="http://schemas.openxmlformats.org/markup-compatibility/2006">
+        <mc:Choice xmlns:a14="http://schemas.microsoft.com/office/drawing/2010/main" Requires="a14">
+          <p:sp>
+            <p:nvSpPr>
+              <p:cNvPr id="8" name="テキスト ボックス 7">
+                <a:extLst>
+                  <a:ext uri="{FF2B5EF4-FFF2-40B4-BE49-F238E27FC236}">
+                    <a16:creationId xmlns:a16="http://schemas.microsoft.com/office/drawing/2014/main" id="{2C3C8788-B103-E845-B84C-55FCB4B5CCE0}"/>
+                  </a:ext>
+                </a:extLst>
+              </p:cNvPr>
+              <p:cNvSpPr txBox="1"/>
+              <p:nvPr/>
+            </p:nvSpPr>
+            <p:spPr>
+              <a:xfrm>
+                <a:off x="1637687" y="4974725"/>
+                <a:ext cx="5052665" cy="560603"/>
+              </a:xfrm>
+              <a:prstGeom prst="rect">
+                <a:avLst/>
+              </a:prstGeom>
+              <a:noFill/>
+            </p:spPr>
+            <p:txBody>
+              <a:bodyPr wrap="none" rtlCol="0">
+                <a:spAutoFit/>
+              </a:bodyPr>
+              <a:lstStyle/>
+              <a:p>
+                <a14:m>
+                  <m:oMathPara xmlns:m="http://schemas.openxmlformats.org/officeDocument/2006/math">
+                    <m:oMathParaPr>
+                      <m:jc m:val="centerGroup"/>
+                    </m:oMathParaPr>
+                    <m:oMath xmlns:m="http://schemas.openxmlformats.org/officeDocument/2006/math">
+                      <m:r>
+                        <a:rPr kumimoji="1" lang="en-US" altLang="ja-JP" sz="1600" i="1" smtClean="0">
+                          <a:latin typeface="Cambria Math" panose="02040503050406030204" pitchFamily="18" charset="0"/>
+                          <a:ea typeface="Cambria Math" panose="02040503050406030204" pitchFamily="18" charset="0"/>
+                        </a:rPr>
+                        <m:t>𝑈</m:t>
+                      </m:r>
+                      <m:d>
+                        <m:dPr>
+                          <m:ctrlPr>
+                            <a:rPr kumimoji="1" lang="en-US" altLang="ja-JP" sz="1600" b="0" i="1" smtClean="0">
+                              <a:latin typeface="Cambria Math" panose="02040503050406030204" pitchFamily="18" charset="0"/>
+                              <a:ea typeface="Cambria Math" panose="02040503050406030204" pitchFamily="18" charset="0"/>
+                            </a:rPr>
+                          </m:ctrlPr>
+                        </m:dPr>
+                        <m:e>
+                          <m:r>
+                            <a:rPr kumimoji="1" lang="en-US" altLang="ja-JP" sz="1600" b="0" i="1" smtClean="0">
+                              <a:latin typeface="Cambria Math" panose="02040503050406030204" pitchFamily="18" charset="0"/>
+                              <a:ea typeface="Cambria Math" panose="02040503050406030204" pitchFamily="18" charset="0"/>
+                            </a:rPr>
+                            <m:t>𝑠</m:t>
+                          </m:r>
+                        </m:e>
+                      </m:d>
+                      <m:r>
+                        <a:rPr kumimoji="1" lang="en-US" altLang="ja-JP" sz="1600" b="0" i="1" smtClean="0">
+                          <a:latin typeface="Cambria Math" panose="02040503050406030204" pitchFamily="18" charset="0"/>
+                          <a:ea typeface="Cambria Math" panose="02040503050406030204" pitchFamily="18" charset="0"/>
+                        </a:rPr>
+                        <m:t>=</m:t>
+                      </m:r>
+                      <m:d>
+                        <m:dPr>
+                          <m:begChr m:val="{"/>
+                          <m:endChr m:val="|"/>
+                          <m:ctrlPr>
+                            <a:rPr kumimoji="1" lang="en-US" altLang="ja-JP" sz="1600" b="0" i="1" smtClean="0">
+                              <a:latin typeface="Cambria Math" panose="02040503050406030204" pitchFamily="18" charset="0"/>
+                              <a:ea typeface="Cambria Math" panose="02040503050406030204" pitchFamily="18" charset="0"/>
+                            </a:rPr>
+                          </m:ctrlPr>
+                        </m:dPr>
+                        <m:e>
+                          <m:r>
+                            <a:rPr kumimoji="1" lang="en-US" altLang="ja-JP" sz="1600" b="0" i="1" smtClean="0">
+                              <a:latin typeface="Cambria Math" panose="02040503050406030204" pitchFamily="18" charset="0"/>
+                              <a:ea typeface="Cambria Math" panose="02040503050406030204" pitchFamily="18" charset="0"/>
+                            </a:rPr>
+                            <m:t>𝑎</m:t>
+                          </m:r>
+                          <m:r>
+                            <a:rPr kumimoji="1" lang="en-US" altLang="ja-JP" sz="1600" b="0" i="1" smtClean="0">
+                              <a:latin typeface="Cambria Math" panose="02040503050406030204" pitchFamily="18" charset="0"/>
+                              <a:ea typeface="Cambria Math" panose="02040503050406030204" pitchFamily="18" charset="0"/>
+                            </a:rPr>
+                            <m:t>∈</m:t>
+                          </m:r>
+                          <m:r>
+                            <a:rPr kumimoji="1" lang="en-US" altLang="ja-JP" sz="1600" b="0" i="1" smtClean="0">
+                              <a:latin typeface="Cambria Math" panose="02040503050406030204" pitchFamily="18" charset="0"/>
+                              <a:ea typeface="Cambria Math" panose="02040503050406030204" pitchFamily="18" charset="0"/>
+                            </a:rPr>
+                            <m:t>𝐴</m:t>
+                          </m:r>
+                          <m:r>
+                            <a:rPr kumimoji="1" lang="en-US" altLang="ja-JP" sz="1600" b="0" i="1" smtClean="0">
+                              <a:latin typeface="Cambria Math" panose="02040503050406030204" pitchFamily="18" charset="0"/>
+                              <a:ea typeface="Cambria Math" panose="02040503050406030204" pitchFamily="18" charset="0"/>
+                            </a:rPr>
+                            <m:t> </m:t>
+                          </m:r>
+                        </m:e>
+                      </m:d>
+                      <m:f>
+                        <m:fPr>
+                          <m:ctrlPr>
+                            <a:rPr kumimoji="1" lang="en-US" altLang="ja-JP" sz="1600" i="1">
+                              <a:latin typeface="Cambria Math" panose="02040503050406030204" pitchFamily="18" charset="0"/>
+                              <a:ea typeface="Cambria Math" panose="02040503050406030204" pitchFamily="18" charset="0"/>
+                            </a:rPr>
+                          </m:ctrlPr>
+                        </m:fPr>
+                        <m:num>
+                          <m:r>
+                            <a:rPr kumimoji="1" lang="en-US" altLang="ja-JP" sz="1600" i="1">
+                              <a:latin typeface="Cambria Math" panose="02040503050406030204" pitchFamily="18" charset="0"/>
+                              <a:ea typeface="Cambria Math" panose="02040503050406030204" pitchFamily="18" charset="0"/>
+                            </a:rPr>
+                            <m:t>𝜕</m:t>
+                          </m:r>
+                          <m:r>
+                            <a:rPr kumimoji="1" lang="en-US" altLang="ja-JP" sz="1600" i="1">
+                              <a:latin typeface="Cambria Math" panose="02040503050406030204" pitchFamily="18" charset="0"/>
+                              <a:ea typeface="Cambria Math" panose="02040503050406030204" pitchFamily="18" charset="0"/>
+                            </a:rPr>
+                            <m:t>h</m:t>
+                          </m:r>
+                        </m:num>
+                        <m:den>
+                          <m:r>
+                            <a:rPr kumimoji="1" lang="en-US" altLang="ja-JP" sz="1600" i="1">
+                              <a:latin typeface="Cambria Math" panose="02040503050406030204" pitchFamily="18" charset="0"/>
+                              <a:ea typeface="Cambria Math" panose="02040503050406030204" pitchFamily="18" charset="0"/>
+                            </a:rPr>
+                            <m:t>𝜕</m:t>
+                          </m:r>
+                          <m:r>
+                            <a:rPr kumimoji="1" lang="en-US" altLang="ja-JP" sz="1600" i="1">
+                              <a:latin typeface="Cambria Math" panose="02040503050406030204" pitchFamily="18" charset="0"/>
+                              <a:ea typeface="Cambria Math" panose="02040503050406030204" pitchFamily="18" charset="0"/>
+                            </a:rPr>
+                            <m:t>𝑠</m:t>
+                          </m:r>
+                        </m:den>
+                      </m:f>
+                      <m:d>
+                        <m:dPr>
+                          <m:ctrlPr>
+                            <a:rPr kumimoji="1" lang="en-US" altLang="ja-JP" sz="1600" i="1">
+                              <a:latin typeface="Cambria Math" panose="02040503050406030204" pitchFamily="18" charset="0"/>
+                              <a:ea typeface="Cambria Math" panose="02040503050406030204" pitchFamily="18" charset="0"/>
+                            </a:rPr>
+                          </m:ctrlPr>
+                        </m:dPr>
+                        <m:e>
+                          <m:r>
+                            <a:rPr kumimoji="1" lang="en-US" altLang="ja-JP" sz="1600" i="1">
+                              <a:latin typeface="Cambria Math" panose="02040503050406030204" pitchFamily="18" charset="0"/>
+                            </a:rPr>
+                            <m:t>𝑓</m:t>
+                          </m:r>
+                          <m:d>
+                            <m:dPr>
+                              <m:ctrlPr>
+                                <a:rPr kumimoji="1" lang="en-US" altLang="ja-JP" sz="1600" i="1">
+                                  <a:latin typeface="Cambria Math" panose="02040503050406030204" pitchFamily="18" charset="0"/>
+                                </a:rPr>
+                              </m:ctrlPr>
+                            </m:dPr>
+                            <m:e>
+                              <m:r>
+                                <a:rPr kumimoji="1" lang="en-US" altLang="ja-JP" sz="1600" i="1">
+                                  <a:latin typeface="Cambria Math" panose="02040503050406030204" pitchFamily="18" charset="0"/>
+                                </a:rPr>
+                                <m:t>𝑠</m:t>
+                              </m:r>
+                            </m:e>
+                          </m:d>
+                          <m:r>
+                            <a:rPr kumimoji="1" lang="en-US" altLang="ja-JP" sz="1600" i="1">
+                              <a:latin typeface="Cambria Math" panose="02040503050406030204" pitchFamily="18" charset="0"/>
+                            </a:rPr>
+                            <m:t>+</m:t>
+                          </m:r>
+                          <m:r>
+                            <a:rPr kumimoji="1" lang="en-US" altLang="ja-JP" sz="1600" i="1">
+                              <a:latin typeface="Cambria Math" panose="02040503050406030204" pitchFamily="18" charset="0"/>
+                            </a:rPr>
+                            <m:t>𝑑</m:t>
+                          </m:r>
+                          <m:d>
+                            <m:dPr>
+                              <m:ctrlPr>
+                                <a:rPr kumimoji="1" lang="en-US" altLang="ja-JP" sz="1600" i="1">
+                                  <a:latin typeface="Cambria Math" panose="02040503050406030204" pitchFamily="18" charset="0"/>
+                                </a:rPr>
+                              </m:ctrlPr>
+                            </m:dPr>
+                            <m:e>
+                              <m:r>
+                                <a:rPr kumimoji="1" lang="en-US" altLang="ja-JP" sz="1600" i="1">
+                                  <a:latin typeface="Cambria Math" panose="02040503050406030204" pitchFamily="18" charset="0"/>
+                                </a:rPr>
+                                <m:t>𝑠</m:t>
+                              </m:r>
+                            </m:e>
+                          </m:d>
+                          <m:r>
+                            <a:rPr kumimoji="1" lang="en-US" altLang="ja-JP" sz="1600" i="1">
+                              <a:latin typeface="Cambria Math" panose="02040503050406030204" pitchFamily="18" charset="0"/>
+                            </a:rPr>
+                            <m:t>+</m:t>
+                          </m:r>
+                          <m:r>
+                            <a:rPr kumimoji="1" lang="en-US" altLang="ja-JP" sz="1600" i="1">
+                              <a:latin typeface="Cambria Math" panose="02040503050406030204" pitchFamily="18" charset="0"/>
+                            </a:rPr>
+                            <m:t>𝑔</m:t>
+                          </m:r>
+                          <m:d>
+                            <m:dPr>
+                              <m:ctrlPr>
+                                <a:rPr kumimoji="1" lang="en-US" altLang="ja-JP" sz="1600" i="1">
+                                  <a:latin typeface="Cambria Math" panose="02040503050406030204" pitchFamily="18" charset="0"/>
+                                </a:rPr>
+                              </m:ctrlPr>
+                            </m:dPr>
+                            <m:e>
+                              <m:r>
+                                <a:rPr kumimoji="1" lang="en-US" altLang="ja-JP" sz="1600" i="1">
+                                  <a:latin typeface="Cambria Math" panose="02040503050406030204" pitchFamily="18" charset="0"/>
+                                </a:rPr>
+                                <m:t>𝑠</m:t>
+                              </m:r>
+                            </m:e>
+                          </m:d>
+                          <m:r>
+                            <a:rPr kumimoji="1" lang="en-US" altLang="ja-JP" sz="1600" i="1">
+                              <a:latin typeface="Cambria Math" panose="02040503050406030204" pitchFamily="18" charset="0"/>
+                            </a:rPr>
+                            <m:t>𝑎</m:t>
+                          </m:r>
+                        </m:e>
+                      </m:d>
+                      <m:r>
+                        <a:rPr kumimoji="1" lang="en-US" altLang="ja-JP" sz="1600" i="1">
+                          <a:latin typeface="Cambria Math" panose="02040503050406030204" pitchFamily="18" charset="0"/>
+                          <a:ea typeface="Cambria Math" panose="02040503050406030204" pitchFamily="18" charset="0"/>
+                        </a:rPr>
+                        <m:t>+</m:t>
+                      </m:r>
+                      <m:r>
+                        <a:rPr kumimoji="1" lang="en-US" altLang="ja-JP" sz="1600" i="1">
+                          <a:latin typeface="Cambria Math" panose="02040503050406030204" pitchFamily="18" charset="0"/>
+                          <a:ea typeface="Cambria Math" panose="02040503050406030204" pitchFamily="18" charset="0"/>
+                        </a:rPr>
+                        <m:t>𝛾</m:t>
+                      </m:r>
+                      <m:r>
+                        <a:rPr kumimoji="1" lang="en-US" altLang="ja-JP" sz="1600" i="1">
+                          <a:latin typeface="Cambria Math" panose="02040503050406030204" pitchFamily="18" charset="0"/>
+                          <a:ea typeface="Cambria Math" panose="02040503050406030204" pitchFamily="18" charset="0"/>
+                        </a:rPr>
+                        <m:t>h</m:t>
+                      </m:r>
+                      <m:d>
+                        <m:dPr>
+                          <m:ctrlPr>
+                            <a:rPr kumimoji="1" lang="en-US" altLang="ja-JP" sz="1600" i="1">
+                              <a:latin typeface="Cambria Math" panose="02040503050406030204" pitchFamily="18" charset="0"/>
+                              <a:ea typeface="Cambria Math" panose="02040503050406030204" pitchFamily="18" charset="0"/>
+                            </a:rPr>
+                          </m:ctrlPr>
+                        </m:dPr>
+                        <m:e>
+                          <m:r>
+                            <a:rPr kumimoji="1" lang="en-US" altLang="ja-JP" sz="1600" i="1">
+                              <a:latin typeface="Cambria Math" panose="02040503050406030204" pitchFamily="18" charset="0"/>
+                              <a:ea typeface="Cambria Math" panose="02040503050406030204" pitchFamily="18" charset="0"/>
+                            </a:rPr>
+                            <m:t>𝑠</m:t>
+                          </m:r>
+                        </m:e>
+                      </m:d>
+                      <m:r>
+                        <a:rPr kumimoji="1" lang="en-US" altLang="ja-JP" sz="1600" i="1">
+                          <a:latin typeface="Cambria Math" panose="02040503050406030204" pitchFamily="18" charset="0"/>
+                          <a:ea typeface="Cambria Math" panose="02040503050406030204" pitchFamily="18" charset="0"/>
+                        </a:rPr>
+                        <m:t>≥0</m:t>
+                      </m:r>
+                      <m:r>
+                        <a:rPr kumimoji="1" lang="en-US" altLang="ja-JP" sz="1600" b="0" i="1" smtClean="0">
+                          <a:latin typeface="Cambria Math" panose="02040503050406030204" pitchFamily="18" charset="0"/>
+                          <a:ea typeface="Cambria Math" panose="02040503050406030204" pitchFamily="18" charset="0"/>
+                        </a:rPr>
+                        <m:t>}</m:t>
+                      </m:r>
+                    </m:oMath>
+                  </m:oMathPara>
+                </a14:m>
+                <a:endParaRPr kumimoji="1" lang="ja-JP" altLang="en-US" sz="1600">
+                  <a:solidFill>
+                    <a:schemeClr val="tx1"/>
+                  </a:solidFill>
+                  <a:latin typeface="Cambria" panose="02040503050406030204" pitchFamily="18" charset="0"/>
+                </a:endParaRPr>
+              </a:p>
+            </p:txBody>
+          </p:sp>
+        </mc:Choice>
+        <mc:Fallback>
+          <p:sp>
+            <p:nvSpPr>
+              <p:cNvPr id="8" name="テキスト ボックス 7">
+                <a:extLst>
+                  <a:ext uri="{FF2B5EF4-FFF2-40B4-BE49-F238E27FC236}">
+                    <a16:creationId xmlns:a16="http://schemas.microsoft.com/office/drawing/2014/main" id="{2C3C8788-B103-E845-B84C-55FCB4B5CCE0}"/>
+                  </a:ext>
+                </a:extLst>
+              </p:cNvPr>
+              <p:cNvSpPr txBox="1">
+                <a:spLocks noRot="1" noChangeAspect="1" noMove="1" noResize="1" noEditPoints="1" noAdjustHandles="1" noChangeArrowheads="1" noChangeShapeType="1" noTextEdit="1"/>
+              </p:cNvSpPr>
+              <p:nvPr/>
+            </p:nvSpPr>
+            <p:spPr>
+              <a:xfrm>
+                <a:off x="1637687" y="4974725"/>
+                <a:ext cx="5052665" cy="560603"/>
+              </a:xfrm>
+              <a:prstGeom prst="rect">
+                <a:avLst/>
+              </a:prstGeom>
+              <a:blipFill>
+                <a:blip r:embed="rId4"/>
+                <a:stretch>
+                  <a:fillRect b="-2222"/>
+                </a:stretch>
+              </a:blipFill>
+            </p:spPr>
+            <p:txBody>
+              <a:bodyPr/>
+              <a:lstStyle/>
+              <a:p>
+                <a:r>
+                  <a:rPr lang="ja-JP" altLang="en-US">
+                    <a:noFill/>
+                  </a:rPr>
+                  <a:t> </a:t>
+                </a:r>
+              </a:p>
+            </p:txBody>
+          </p:sp>
+        </mc:Fallback>
+      </mc:AlternateContent>
+      <mc:AlternateContent xmlns:mc="http://schemas.openxmlformats.org/markup-compatibility/2006">
+        <mc:Choice xmlns:a14="http://schemas.microsoft.com/office/drawing/2010/main" Requires="a14">
+          <p:sp>
+            <p:nvSpPr>
+              <p:cNvPr id="9" name="テキスト ボックス 8">
+                <a:extLst>
+                  <a:ext uri="{FF2B5EF4-FFF2-40B4-BE49-F238E27FC236}">
+                    <a16:creationId xmlns:a16="http://schemas.microsoft.com/office/drawing/2014/main" id="{FE2C4438-0390-8E4F-AE0B-CDB6197799BC}"/>
+                  </a:ext>
+                </a:extLst>
+              </p:cNvPr>
+              <p:cNvSpPr txBox="1"/>
+              <p:nvPr/>
+            </p:nvSpPr>
+            <p:spPr>
+              <a:xfrm>
+                <a:off x="1637687" y="5489327"/>
+                <a:ext cx="4570547" cy="579261"/>
+              </a:xfrm>
+              <a:prstGeom prst="rect">
+                <a:avLst/>
+              </a:prstGeom>
+              <a:noFill/>
+            </p:spPr>
+            <p:txBody>
+              <a:bodyPr wrap="none" rtlCol="0">
+                <a:spAutoFit/>
+              </a:bodyPr>
+              <a:lstStyle/>
+              <a:p>
+                <a14:m>
+                  <m:oMathPara xmlns:m="http://schemas.openxmlformats.org/officeDocument/2006/math">
+                    <m:oMathParaPr>
+                      <m:jc m:val="centerGroup"/>
+                    </m:oMathParaPr>
+                    <m:oMath xmlns:m="http://schemas.openxmlformats.org/officeDocument/2006/math">
+                      <m:sSub>
+                        <m:sSubPr>
+                          <m:ctrlPr>
+                            <a:rPr kumimoji="1" lang="en-US" altLang="ja-JP" sz="1600" b="0" i="1" smtClean="0">
+                              <a:latin typeface="Cambria Math" panose="02040503050406030204" pitchFamily="18" charset="0"/>
+                              <a:ea typeface="Cambria Math" panose="02040503050406030204" pitchFamily="18" charset="0"/>
+                            </a:rPr>
+                          </m:ctrlPr>
+                        </m:sSubPr>
+                        <m:e>
+                          <m:r>
+                            <m:rPr>
+                              <m:sty m:val="p"/>
+                            </m:rPr>
+                            <a:rPr kumimoji="1" lang="el-GR" altLang="ja-JP" sz="1600" b="0" i="1" smtClean="0">
+                              <a:latin typeface="Cambria Math" panose="02040503050406030204" pitchFamily="18" charset="0"/>
+                              <a:ea typeface="Cambria Math" panose="02040503050406030204" pitchFamily="18" charset="0"/>
+                            </a:rPr>
+                            <m:t>Π</m:t>
+                          </m:r>
+                        </m:e>
+                        <m:sub>
+                          <m:r>
+                            <a:rPr kumimoji="1" lang="en-US" altLang="ja-JP" sz="1600" b="0" i="1" smtClean="0">
+                              <a:latin typeface="Cambria Math" panose="02040503050406030204" pitchFamily="18" charset="0"/>
+                              <a:ea typeface="Cambria Math" panose="02040503050406030204" pitchFamily="18" charset="0"/>
+                            </a:rPr>
+                            <m:t>𝑠𝑎𝑓𝑒</m:t>
+                          </m:r>
+                        </m:sub>
+                      </m:sSub>
+                      <m:r>
+                        <a:rPr kumimoji="1" lang="en-US" altLang="ja-JP" sz="1600" b="0" i="1" smtClean="0">
+                          <a:latin typeface="Cambria Math" panose="02040503050406030204" pitchFamily="18" charset="0"/>
+                          <a:ea typeface="Cambria Math" panose="02040503050406030204" pitchFamily="18" charset="0"/>
+                        </a:rPr>
+                        <m:t>=</m:t>
+                      </m:r>
+                      <m:d>
+                        <m:dPr>
+                          <m:begChr m:val="{"/>
+                          <m:endChr m:val="|"/>
+                          <m:ctrlPr>
+                            <a:rPr kumimoji="1" lang="en-US" altLang="ja-JP" sz="1600" b="0" i="1" smtClean="0">
+                              <a:latin typeface="Cambria Math" panose="02040503050406030204" pitchFamily="18" charset="0"/>
+                              <a:ea typeface="Cambria Math" panose="02040503050406030204" pitchFamily="18" charset="0"/>
+                            </a:rPr>
+                          </m:ctrlPr>
+                        </m:dPr>
+                        <m:e>
+                          <m:r>
+                            <a:rPr kumimoji="1" lang="en-US" altLang="ja-JP" sz="1600" b="0" i="1" smtClean="0">
+                              <a:latin typeface="Cambria Math" panose="02040503050406030204" pitchFamily="18" charset="0"/>
+                              <a:ea typeface="Cambria Math" panose="02040503050406030204" pitchFamily="18" charset="0"/>
+                            </a:rPr>
+                            <m:t>𝜋</m:t>
+                          </m:r>
+                          <m:r>
+                            <a:rPr kumimoji="1" lang="en-US" altLang="ja-JP" sz="1600" b="0" i="1" smtClean="0">
+                              <a:latin typeface="Cambria Math" panose="02040503050406030204" pitchFamily="18" charset="0"/>
+                              <a:ea typeface="Cambria Math" panose="02040503050406030204" pitchFamily="18" charset="0"/>
+                            </a:rPr>
+                            <m:t>∈</m:t>
+                          </m:r>
+                          <m:r>
+                            <m:rPr>
+                              <m:sty m:val="p"/>
+                            </m:rPr>
+                            <a:rPr kumimoji="1" lang="el-GR" altLang="ja-JP" sz="1600" i="1">
+                              <a:latin typeface="Cambria Math" panose="02040503050406030204" pitchFamily="18" charset="0"/>
+                              <a:ea typeface="Cambria Math" panose="02040503050406030204" pitchFamily="18" charset="0"/>
+                            </a:rPr>
+                            <m:t>Π</m:t>
+                          </m:r>
+                          <m:r>
+                            <a:rPr kumimoji="1" lang="en-US" altLang="ja-JP" sz="1600" b="0" i="1" smtClean="0">
+                              <a:latin typeface="Cambria Math" panose="02040503050406030204" pitchFamily="18" charset="0"/>
+                              <a:ea typeface="Cambria Math" panose="02040503050406030204" pitchFamily="18" charset="0"/>
+                            </a:rPr>
+                            <m:t> </m:t>
+                          </m:r>
+                        </m:e>
+                      </m:d>
+                      <m:r>
+                        <a:rPr kumimoji="1" lang="en-US" altLang="ja-JP" sz="1600" b="0" i="1" smtClean="0">
+                          <a:latin typeface="Cambria Math" panose="02040503050406030204" pitchFamily="18" charset="0"/>
+                          <a:ea typeface="Cambria Math" panose="02040503050406030204" pitchFamily="18" charset="0"/>
+                        </a:rPr>
+                        <m:t> </m:t>
+                      </m:r>
+                      <m:nary>
+                        <m:naryPr>
+                          <m:chr m:val="∑"/>
+                          <m:limLoc m:val="subSup"/>
+                          <m:supHide m:val="on"/>
+                          <m:ctrlPr>
+                            <a:rPr kumimoji="1" lang="en-US" altLang="ja-JP" sz="1600" b="0" i="1" smtClean="0">
+                              <a:latin typeface="Cambria Math" panose="02040503050406030204" pitchFamily="18" charset="0"/>
+                              <a:ea typeface="Cambria Math" panose="02040503050406030204" pitchFamily="18" charset="0"/>
+                            </a:rPr>
+                          </m:ctrlPr>
+                        </m:naryPr>
+                        <m:sub>
+                          <m:r>
+                            <m:rPr>
+                              <m:brk m:alnAt="9"/>
+                            </m:rPr>
+                            <a:rPr kumimoji="1" lang="en-US" altLang="ja-JP" sz="1600" b="0" i="1" smtClean="0">
+                              <a:latin typeface="Cambria Math" panose="02040503050406030204" pitchFamily="18" charset="0"/>
+                              <a:ea typeface="Cambria Math" panose="02040503050406030204" pitchFamily="18" charset="0"/>
+                            </a:rPr>
+                            <m:t>𝑎</m:t>
+                          </m:r>
+                          <m:r>
+                            <a:rPr kumimoji="1" lang="en-US" altLang="ja-JP" sz="1600" b="0" i="1" smtClean="0">
+                              <a:latin typeface="Cambria Math" panose="02040503050406030204" pitchFamily="18" charset="0"/>
+                              <a:ea typeface="Cambria Math" panose="02040503050406030204" pitchFamily="18" charset="0"/>
+                            </a:rPr>
+                            <m:t>∈</m:t>
+                          </m:r>
+                          <m:r>
+                            <a:rPr kumimoji="1" lang="en-US" altLang="ja-JP" sz="1600" b="0" i="1" smtClean="0">
+                              <a:latin typeface="Cambria Math" panose="02040503050406030204" pitchFamily="18" charset="0"/>
+                              <a:ea typeface="Cambria Math" panose="02040503050406030204" pitchFamily="18" charset="0"/>
+                            </a:rPr>
+                            <m:t>𝑈</m:t>
+                          </m:r>
+                          <m:r>
+                            <a:rPr kumimoji="1" lang="en-US" altLang="ja-JP" sz="1600" b="0" i="1" smtClean="0">
+                              <a:latin typeface="Cambria Math" panose="02040503050406030204" pitchFamily="18" charset="0"/>
+                              <a:ea typeface="Cambria Math" panose="02040503050406030204" pitchFamily="18" charset="0"/>
+                            </a:rPr>
+                            <m:t>(</m:t>
+                          </m:r>
+                          <m:r>
+                            <a:rPr kumimoji="1" lang="en-US" altLang="ja-JP" sz="1600" b="0" i="1" smtClean="0">
+                              <a:latin typeface="Cambria Math" panose="02040503050406030204" pitchFamily="18" charset="0"/>
+                              <a:ea typeface="Cambria Math" panose="02040503050406030204" pitchFamily="18" charset="0"/>
+                            </a:rPr>
+                            <m:t>𝑠</m:t>
+                          </m:r>
+                          <m:r>
+                            <a:rPr kumimoji="1" lang="en-US" altLang="ja-JP" sz="1600" b="0" i="1" smtClean="0">
+                              <a:latin typeface="Cambria Math" panose="02040503050406030204" pitchFamily="18" charset="0"/>
+                              <a:ea typeface="Cambria Math" panose="02040503050406030204" pitchFamily="18" charset="0"/>
+                            </a:rPr>
+                            <m:t>)</m:t>
+                          </m:r>
+                        </m:sub>
+                        <m:sup/>
+                        <m:e>
+                          <m:r>
+                            <a:rPr kumimoji="1" lang="en-US" altLang="ja-JP" sz="1600" b="0" i="1" smtClean="0">
+                              <a:latin typeface="Cambria Math" panose="02040503050406030204" pitchFamily="18" charset="0"/>
+                              <a:ea typeface="Cambria Math" panose="02040503050406030204" pitchFamily="18" charset="0"/>
+                            </a:rPr>
+                            <m:t>𝜋</m:t>
+                          </m:r>
+                          <m:r>
+                            <a:rPr kumimoji="1" lang="en-US" altLang="ja-JP" sz="1600" b="0" i="1" smtClean="0">
+                              <a:latin typeface="Cambria Math" panose="02040503050406030204" pitchFamily="18" charset="0"/>
+                              <a:ea typeface="Cambria Math" panose="02040503050406030204" pitchFamily="18" charset="0"/>
+                            </a:rPr>
+                            <m:t>(</m:t>
+                          </m:r>
+                          <m:r>
+                            <a:rPr kumimoji="1" lang="en-US" altLang="ja-JP" sz="1600" b="0" i="1" smtClean="0">
+                              <a:latin typeface="Cambria Math" panose="02040503050406030204" pitchFamily="18" charset="0"/>
+                              <a:ea typeface="Cambria Math" panose="02040503050406030204" pitchFamily="18" charset="0"/>
+                            </a:rPr>
+                            <m:t>𝑎</m:t>
+                          </m:r>
+                          <m:r>
+                            <a:rPr kumimoji="1" lang="en-US" altLang="ja-JP" sz="1600" b="0" i="1" smtClean="0">
+                              <a:latin typeface="Cambria Math" panose="02040503050406030204" pitchFamily="18" charset="0"/>
+                              <a:ea typeface="Cambria Math" panose="02040503050406030204" pitchFamily="18" charset="0"/>
+                            </a:rPr>
+                            <m:t>|</m:t>
+                          </m:r>
+                          <m:r>
+                            <a:rPr kumimoji="1" lang="en-US" altLang="ja-JP" sz="1600" b="0" i="1" smtClean="0">
+                              <a:latin typeface="Cambria Math" panose="02040503050406030204" pitchFamily="18" charset="0"/>
+                              <a:ea typeface="Cambria Math" panose="02040503050406030204" pitchFamily="18" charset="0"/>
+                            </a:rPr>
+                            <m:t>𝑠</m:t>
+                          </m:r>
+                          <m:r>
+                            <a:rPr kumimoji="1" lang="en-US" altLang="ja-JP" sz="1600" b="0" i="1" smtClean="0">
+                              <a:latin typeface="Cambria Math" panose="02040503050406030204" pitchFamily="18" charset="0"/>
+                              <a:ea typeface="Cambria Math" panose="02040503050406030204" pitchFamily="18" charset="0"/>
+                            </a:rPr>
+                            <m:t>)</m:t>
+                          </m:r>
+                        </m:e>
+                      </m:nary>
+                      <m:r>
+                        <a:rPr kumimoji="1" lang="en-US" altLang="ja-JP" sz="1600" b="0" i="1" smtClean="0">
+                          <a:latin typeface="Cambria Math" panose="02040503050406030204" pitchFamily="18" charset="0"/>
+                          <a:ea typeface="Cambria Math" panose="02040503050406030204" pitchFamily="18" charset="0"/>
+                        </a:rPr>
+                        <m:t>=1, ∀</m:t>
+                      </m:r>
+                      <m:r>
+                        <a:rPr kumimoji="1" lang="en-US" altLang="ja-JP" sz="1600" b="0" i="1" smtClean="0">
+                          <a:latin typeface="Cambria Math" panose="02040503050406030204" pitchFamily="18" charset="0"/>
+                          <a:ea typeface="Cambria Math" panose="02040503050406030204" pitchFamily="18" charset="0"/>
+                        </a:rPr>
+                        <m:t>𝑠</m:t>
+                      </m:r>
+                      <m:r>
+                        <a:rPr kumimoji="1" lang="en-US" altLang="ja-JP" sz="1600" b="0" i="1" smtClean="0">
+                          <a:latin typeface="Cambria Math" panose="02040503050406030204" pitchFamily="18" charset="0"/>
+                          <a:ea typeface="Cambria Math" panose="02040503050406030204" pitchFamily="18" charset="0"/>
+                        </a:rPr>
+                        <m:t>∈</m:t>
+                      </m:r>
+                      <m:sSub>
+                        <m:sSubPr>
+                          <m:ctrlPr>
+                            <a:rPr kumimoji="1" lang="en-US" altLang="ja-JP" sz="1600" i="1">
+                              <a:latin typeface="Cambria Math" panose="02040503050406030204" pitchFamily="18" charset="0"/>
+                            </a:rPr>
+                          </m:ctrlPr>
+                        </m:sSubPr>
+                        <m:e>
+                          <m:r>
+                            <a:rPr kumimoji="1" lang="en-US" altLang="ja-JP" sz="1600" i="1">
+                              <a:latin typeface="Cambria Math" panose="02040503050406030204" pitchFamily="18" charset="0"/>
+                            </a:rPr>
+                            <m:t>𝑆</m:t>
+                          </m:r>
+                        </m:e>
+                        <m:sub>
+                          <m:r>
+                            <a:rPr kumimoji="1" lang="en-US" altLang="ja-JP" sz="1600" i="1">
+                              <a:latin typeface="Cambria Math" panose="02040503050406030204" pitchFamily="18" charset="0"/>
+                            </a:rPr>
+                            <m:t>𝑠𝑎𝑓𝑒</m:t>
+                          </m:r>
+                        </m:sub>
+                      </m:sSub>
+                      <m:r>
+                        <a:rPr kumimoji="1" lang="en-US" altLang="ja-JP" sz="1600" b="0" i="1" smtClean="0">
+                          <a:latin typeface="Cambria Math" panose="02040503050406030204" pitchFamily="18" charset="0"/>
+                          <a:ea typeface="Cambria Math" panose="02040503050406030204" pitchFamily="18" charset="0"/>
+                        </a:rPr>
+                        <m:t>}</m:t>
+                      </m:r>
+                    </m:oMath>
+                  </m:oMathPara>
+                </a14:m>
+                <a:endParaRPr kumimoji="1" lang="ja-JP" altLang="en-US" sz="1600">
+                  <a:solidFill>
+                    <a:schemeClr val="tx1"/>
+                  </a:solidFill>
+                  <a:latin typeface="Cambria" panose="02040503050406030204" pitchFamily="18" charset="0"/>
+                </a:endParaRPr>
+              </a:p>
+            </p:txBody>
+          </p:sp>
+        </mc:Choice>
+        <mc:Fallback>
+          <p:sp>
+            <p:nvSpPr>
+              <p:cNvPr id="9" name="テキスト ボックス 8">
+                <a:extLst>
+                  <a:ext uri="{FF2B5EF4-FFF2-40B4-BE49-F238E27FC236}">
+                    <a16:creationId xmlns:a16="http://schemas.microsoft.com/office/drawing/2014/main" id="{FE2C4438-0390-8E4F-AE0B-CDB6197799BC}"/>
+                  </a:ext>
+                </a:extLst>
+              </p:cNvPr>
+              <p:cNvSpPr txBox="1">
+                <a:spLocks noRot="1" noChangeAspect="1" noMove="1" noResize="1" noEditPoints="1" noAdjustHandles="1" noChangeArrowheads="1" noChangeShapeType="1" noTextEdit="1"/>
+              </p:cNvSpPr>
+              <p:nvPr/>
+            </p:nvSpPr>
+            <p:spPr>
+              <a:xfrm>
+                <a:off x="1637687" y="5489327"/>
+                <a:ext cx="4570547" cy="579261"/>
+              </a:xfrm>
+              <a:prstGeom prst="rect">
+                <a:avLst/>
+              </a:prstGeom>
+              <a:blipFill>
+                <a:blip r:embed="rId5"/>
+                <a:stretch>
+                  <a:fillRect t="-156522" b="-215217"/>
+                </a:stretch>
+              </a:blipFill>
+            </p:spPr>
+            <p:txBody>
+              <a:bodyPr/>
+              <a:lstStyle/>
+              <a:p>
+                <a:r>
+                  <a:rPr lang="ja-JP" altLang="en-US">
+                    <a:noFill/>
+                  </a:rPr>
+                  <a:t> </a:t>
+                </a:r>
+              </a:p>
+            </p:txBody>
+          </p:sp>
+        </mc:Fallback>
+      </mc:AlternateContent>
+    </p:spTree>
+    <p:extLst>
+      <p:ext uri="{BB962C8B-B14F-4D97-AF65-F5344CB8AC3E}">
+        <p14:creationId xmlns:p14="http://schemas.microsoft.com/office/powerpoint/2010/main" val="1814484812"/>
+      </p:ext>
+    </p:extLst>
+  </p:cSld>
+  <p:clrMapOvr>
+    <a:masterClrMapping/>
+  </p:clrMapOvr>
+</p:sld>
+</file>
+
+<file path=ppt/slides/slide4.xml><?xml version="1.0" encoding="utf-8"?>
+<p:sld xmlns:a="http://schemas.openxmlformats.org/drawingml/2006/main" xmlns:r="http://schemas.openxmlformats.org/officeDocument/2006/relationships" xmlns:p="http://schemas.openxmlformats.org/presentationml/2006/main">
+  <p:cSld>
+    <p:spTree>
+      <p:nvGrpSpPr>
+        <p:cNvPr id="1" name=""/>
+        <p:cNvGrpSpPr/>
+        <p:nvPr/>
+      </p:nvGrpSpPr>
+      <p:grpSpPr>
+        <a:xfrm>
+          <a:off x="0" y="0"/>
+          <a:ext cx="0" cy="0"/>
+          <a:chOff x="0" y="0"/>
+          <a:chExt cx="0" cy="0"/>
+        </a:xfrm>
+      </p:grpSpPr>
+      <mc:AlternateContent xmlns:mc="http://schemas.openxmlformats.org/markup-compatibility/2006">
+        <mc:Choice xmlns:a14="http://schemas.microsoft.com/office/drawing/2010/main" Requires="a14">
+          <p:sp>
+            <p:nvSpPr>
+              <p:cNvPr id="2" name="コンテンツ プレースホルダー 1">
+                <a:extLst>
+                  <a:ext uri="{FF2B5EF4-FFF2-40B4-BE49-F238E27FC236}">
+                    <a16:creationId xmlns:a16="http://schemas.microsoft.com/office/drawing/2014/main" id="{702ED280-1688-1043-A9BE-ACC5B27DC34F}"/>
+                  </a:ext>
+                </a:extLst>
+              </p:cNvPr>
+              <p:cNvSpPr>
+                <a:spLocks noGrp="1"/>
+              </p:cNvSpPr>
+              <p:nvPr>
+                <p:ph idx="1"/>
+              </p:nvPr>
+            </p:nvSpPr>
+            <p:spPr/>
+            <p:txBody>
+              <a:bodyPr/>
+              <a:lstStyle/>
+              <a:p>
+                <a:r>
+                  <a:rPr lang="en-US" altLang="ja-JP" dirty="0"/>
+                  <a:t>What is that for?</a:t>
+                </a:r>
+              </a:p>
+              <a:p>
+                <a:pPr lvl="1"/>
+                <a14:m>
+                  <m:oMath xmlns:m="http://schemas.openxmlformats.org/officeDocument/2006/math">
+                    <m:sSup>
+                      <m:sSupPr>
+                        <m:ctrlPr>
+                          <a:rPr lang="en-US" altLang="ja-JP" i="1">
+                            <a:latin typeface="Cambria Math" panose="02040503050406030204" pitchFamily="18" charset="0"/>
+                            <a:ea typeface="Cambria Math" panose="02040503050406030204" pitchFamily="18" charset="0"/>
+                          </a:rPr>
+                        </m:ctrlPr>
+                      </m:sSupPr>
+                      <m:e>
+                        <m:r>
+                          <a:rPr lang="en-US" altLang="ja-JP" i="1">
+                            <a:latin typeface="Cambria Math" panose="02040503050406030204" pitchFamily="18" charset="0"/>
+                            <a:ea typeface="Cambria Math" panose="02040503050406030204" pitchFamily="18" charset="0"/>
+                          </a:rPr>
+                          <m:t>𝜋</m:t>
+                        </m:r>
+                      </m:e>
+                      <m:sup>
+                        <m:r>
+                          <a:rPr lang="en-US" altLang="ja-JP" i="1">
+                            <a:latin typeface="Cambria Math" panose="02040503050406030204" pitchFamily="18" charset="0"/>
+                            <a:ea typeface="Cambria Math" panose="02040503050406030204" pitchFamily="18" charset="0"/>
+                          </a:rPr>
+                          <m:t>∗</m:t>
+                        </m:r>
+                      </m:sup>
+                    </m:sSup>
+                    <m:r>
+                      <a:rPr lang="en-US" altLang="ja-JP" i="1">
+                        <a:latin typeface="Cambria Math" panose="02040503050406030204" pitchFamily="18" charset="0"/>
+                        <a:ea typeface="Cambria Math" panose="02040503050406030204" pitchFamily="18" charset="0"/>
+                      </a:rPr>
+                      <m:t>=</m:t>
+                    </m:r>
+                    <m:sSub>
+                      <m:sSubPr>
+                        <m:ctrlPr>
+                          <a:rPr lang="en-US" altLang="ja-JP" i="1">
+                            <a:latin typeface="Cambria Math" panose="02040503050406030204" pitchFamily="18" charset="0"/>
+                          </a:rPr>
+                        </m:ctrlPr>
+                      </m:sSubPr>
+                      <m:e>
+                        <m:r>
+                          <m:rPr>
+                            <m:sty m:val="p"/>
+                          </m:rPr>
+                          <a:rPr lang="en-US" altLang="ja-JP">
+                            <a:latin typeface="Cambria Math" panose="02040503050406030204" pitchFamily="18" charset="0"/>
+                          </a:rPr>
+                          <m:t>argmax</m:t>
+                        </m:r>
+                      </m:e>
+                      <m:sub>
+                        <m:r>
+                          <a:rPr lang="en-US" altLang="ja-JP" i="1">
+                            <a:latin typeface="Cambria Math" panose="02040503050406030204" pitchFamily="18" charset="0"/>
+                            <a:ea typeface="Cambria Math" panose="02040503050406030204" pitchFamily="18" charset="0"/>
+                          </a:rPr>
+                          <m:t>𝜋</m:t>
+                        </m:r>
+                        <m:r>
+                          <a:rPr lang="en-US" altLang="ja-JP" i="1">
+                            <a:latin typeface="Cambria Math" panose="02040503050406030204" pitchFamily="18" charset="0"/>
+                            <a:ea typeface="Cambria Math" panose="02040503050406030204" pitchFamily="18" charset="0"/>
+                          </a:rPr>
+                          <m:t>∈</m:t>
+                        </m:r>
+                        <m:r>
+                          <m:rPr>
+                            <m:sty m:val="p"/>
+                          </m:rPr>
+                          <a:rPr lang="el-GR" altLang="ja-JP" i="1">
+                            <a:latin typeface="Cambria Math" panose="02040503050406030204" pitchFamily="18" charset="0"/>
+                            <a:ea typeface="Cambria Math" panose="02040503050406030204" pitchFamily="18" charset="0"/>
+                          </a:rPr>
+                          <m:t>Π</m:t>
+                        </m:r>
+                      </m:sub>
+                    </m:sSub>
+                    <m:r>
+                      <a:rPr lang="en-US" altLang="ja-JP" i="1">
+                        <a:latin typeface="Cambria Math" panose="02040503050406030204" pitchFamily="18" charset="0"/>
+                        <a:ea typeface="Cambria Math" panose="02040503050406030204" pitchFamily="18" charset="0"/>
+                      </a:rPr>
+                      <m:t> </m:t>
+                    </m:r>
+                    <m:r>
+                      <a:rPr lang="en-US" altLang="ja-JP" i="1">
+                        <a:latin typeface="Cambria Math" panose="02040503050406030204" pitchFamily="18" charset="0"/>
+                        <a:ea typeface="Cambria Math" panose="02040503050406030204" pitchFamily="18" charset="0"/>
+                      </a:rPr>
+                      <m:t>𝐽</m:t>
+                    </m:r>
+                    <m:d>
+                      <m:dPr>
+                        <m:ctrlPr>
+                          <a:rPr lang="en-US" altLang="ja-JP" i="1">
+                            <a:latin typeface="Cambria Math" panose="02040503050406030204" pitchFamily="18" charset="0"/>
+                            <a:ea typeface="Cambria Math" panose="02040503050406030204" pitchFamily="18" charset="0"/>
+                          </a:rPr>
+                        </m:ctrlPr>
+                      </m:dPr>
+                      <m:e>
+                        <m:r>
+                          <a:rPr lang="en-US" altLang="ja-JP" i="1">
+                            <a:latin typeface="Cambria Math" panose="02040503050406030204" pitchFamily="18" charset="0"/>
+                            <a:ea typeface="Cambria Math" panose="02040503050406030204" pitchFamily="18" charset="0"/>
+                          </a:rPr>
+                          <m:t>𝜋</m:t>
+                        </m:r>
+                      </m:e>
+                    </m:d>
+                  </m:oMath>
+                </a14:m>
+                <a:r>
+                  <a:rPr kumimoji="1" lang="en-US" altLang="ja-JP" dirty="0"/>
+                  <a:t> is what we really want</a:t>
+                </a:r>
+              </a:p>
+              <a:p>
+                <a:pPr lvl="2"/>
+                <a:r>
+                  <a:rPr kumimoji="1" lang="en-US" altLang="ja-JP" dirty="0"/>
+                  <a:t>This can be achieved with </a:t>
+                </a:r>
+                <a:r>
+                  <a:rPr kumimoji="1" lang="en-US" altLang="ja-JP" dirty="0">
+                    <a:solidFill>
+                      <a:schemeClr val="accent1"/>
+                    </a:solidFill>
+                  </a:rPr>
+                  <a:t>simple</a:t>
+                </a:r>
+                <a:r>
+                  <a:rPr kumimoji="1" lang="en-US" altLang="ja-JP" dirty="0"/>
+                  <a:t> RL algorithm</a:t>
+                </a:r>
+              </a:p>
+              <a:p>
+                <a:pPr lvl="2"/>
+                <a:r>
+                  <a:rPr lang="en-US" altLang="ja-JP" dirty="0"/>
+                  <a:t>But dangerous interaction is often needed (</a:t>
+                </a:r>
+                <a:r>
+                  <a:rPr lang="en-US" altLang="ja-JP" dirty="0">
+                    <a:solidFill>
+                      <a:srgbClr val="C00000"/>
+                    </a:solidFill>
+                  </a:rPr>
+                  <a:t>preferred to be avoided</a:t>
+                </a:r>
+                <a:r>
+                  <a:rPr lang="en-US" altLang="ja-JP" dirty="0"/>
+                  <a:t>) </a:t>
+                </a:r>
+              </a:p>
+              <a:p>
+                <a:pPr lvl="4"/>
+                <a:endParaRPr lang="en-US" altLang="ja-JP" dirty="0"/>
+              </a:p>
+              <a:p>
+                <a:pPr lvl="2"/>
+                <a:endParaRPr lang="en-US" altLang="ja-JP" dirty="0"/>
+              </a:p>
+              <a:p>
+                <a:pPr lvl="1"/>
+                <a:r>
+                  <a:rPr kumimoji="1" lang="en-US" altLang="ja-JP" dirty="0"/>
+                  <a:t>We compromise with </a:t>
+                </a:r>
+                <a14:m>
+                  <m:oMath xmlns:m="http://schemas.openxmlformats.org/officeDocument/2006/math">
+                    <m:sSubSup>
+                      <m:sSubSupPr>
+                        <m:ctrlPr>
+                          <a:rPr lang="en-US" altLang="ja-JP" i="1">
+                            <a:latin typeface="Cambria Math" panose="02040503050406030204" pitchFamily="18" charset="0"/>
+                            <a:ea typeface="Cambria Math" panose="02040503050406030204" pitchFamily="18" charset="0"/>
+                          </a:rPr>
+                        </m:ctrlPr>
+                      </m:sSubSupPr>
+                      <m:e>
+                        <m:r>
+                          <a:rPr lang="en-US" altLang="ja-JP" i="1">
+                            <a:latin typeface="Cambria Math" panose="02040503050406030204" pitchFamily="18" charset="0"/>
+                            <a:ea typeface="Cambria Math" panose="02040503050406030204" pitchFamily="18" charset="0"/>
+                          </a:rPr>
+                          <m:t>𝜋</m:t>
+                        </m:r>
+                      </m:e>
+                      <m:sub>
+                        <m:r>
+                          <a:rPr lang="en-US" altLang="ja-JP" i="1">
+                            <a:latin typeface="Cambria Math" panose="02040503050406030204" pitchFamily="18" charset="0"/>
+                            <a:ea typeface="Cambria Math" panose="02040503050406030204" pitchFamily="18" charset="0"/>
+                          </a:rPr>
+                          <m:t>𝑠𝑎𝑓𝑒</m:t>
+                        </m:r>
+                      </m:sub>
+                      <m:sup>
+                        <m:r>
+                          <a:rPr lang="en-US" altLang="ja-JP" i="1">
+                            <a:latin typeface="Cambria Math" panose="02040503050406030204" pitchFamily="18" charset="0"/>
+                            <a:ea typeface="Cambria Math" panose="02040503050406030204" pitchFamily="18" charset="0"/>
+                          </a:rPr>
+                          <m:t>∗</m:t>
+                        </m:r>
+                      </m:sup>
+                    </m:sSubSup>
+                    <m:r>
+                      <a:rPr lang="en-US" altLang="ja-JP" i="1">
+                        <a:latin typeface="Cambria Math" panose="02040503050406030204" pitchFamily="18" charset="0"/>
+                        <a:ea typeface="Cambria Math" panose="02040503050406030204" pitchFamily="18" charset="0"/>
+                      </a:rPr>
+                      <m:t>=</m:t>
+                    </m:r>
+                    <m:sSub>
+                      <m:sSubPr>
+                        <m:ctrlPr>
+                          <a:rPr lang="en-US" altLang="ja-JP" i="1">
+                            <a:latin typeface="Cambria Math" panose="02040503050406030204" pitchFamily="18" charset="0"/>
+                          </a:rPr>
+                        </m:ctrlPr>
+                      </m:sSubPr>
+                      <m:e>
+                        <m:r>
+                          <m:rPr>
+                            <m:sty m:val="p"/>
+                          </m:rPr>
+                          <a:rPr lang="en-US" altLang="ja-JP">
+                            <a:latin typeface="Cambria Math" panose="02040503050406030204" pitchFamily="18" charset="0"/>
+                          </a:rPr>
+                          <m:t>argmax</m:t>
+                        </m:r>
+                      </m:e>
+                      <m:sub>
+                        <m:r>
+                          <a:rPr lang="en-US" altLang="ja-JP" i="1">
+                            <a:latin typeface="Cambria Math" panose="02040503050406030204" pitchFamily="18" charset="0"/>
+                            <a:ea typeface="Cambria Math" panose="02040503050406030204" pitchFamily="18" charset="0"/>
+                          </a:rPr>
+                          <m:t>𝜋</m:t>
+                        </m:r>
+                        <m:r>
+                          <a:rPr lang="en-US" altLang="ja-JP" i="1">
+                            <a:latin typeface="Cambria Math" panose="02040503050406030204" pitchFamily="18" charset="0"/>
+                            <a:ea typeface="Cambria Math" panose="02040503050406030204" pitchFamily="18" charset="0"/>
+                          </a:rPr>
+                          <m:t>∈</m:t>
+                        </m:r>
+                        <m:sSub>
+                          <m:sSubPr>
+                            <m:ctrlPr>
+                              <a:rPr lang="en-US" altLang="ja-JP" i="1">
+                                <a:latin typeface="Cambria Math" panose="02040503050406030204" pitchFamily="18" charset="0"/>
+                                <a:ea typeface="Cambria Math" panose="02040503050406030204" pitchFamily="18" charset="0"/>
+                              </a:rPr>
+                            </m:ctrlPr>
+                          </m:sSubPr>
+                          <m:e>
+                            <m:r>
+                              <m:rPr>
+                                <m:sty m:val="p"/>
+                              </m:rPr>
+                              <a:rPr lang="el-GR" altLang="ja-JP" i="1">
+                                <a:latin typeface="Cambria Math" panose="02040503050406030204" pitchFamily="18" charset="0"/>
+                                <a:ea typeface="Cambria Math" panose="02040503050406030204" pitchFamily="18" charset="0"/>
+                              </a:rPr>
+                              <m:t>Π</m:t>
+                            </m:r>
+                          </m:e>
+                          <m:sub>
+                            <m:r>
+                              <a:rPr lang="en-US" altLang="ja-JP" i="1">
+                                <a:latin typeface="Cambria Math" panose="02040503050406030204" pitchFamily="18" charset="0"/>
+                                <a:ea typeface="Cambria Math" panose="02040503050406030204" pitchFamily="18" charset="0"/>
+                              </a:rPr>
+                              <m:t>𝑠𝑎𝑓𝑒</m:t>
+                            </m:r>
+                          </m:sub>
+                        </m:sSub>
+                      </m:sub>
+                    </m:sSub>
+                    <m:r>
+                      <a:rPr lang="en-US" altLang="ja-JP" i="1">
+                        <a:latin typeface="Cambria Math" panose="02040503050406030204" pitchFamily="18" charset="0"/>
+                        <a:ea typeface="Cambria Math" panose="02040503050406030204" pitchFamily="18" charset="0"/>
+                      </a:rPr>
+                      <m:t> </m:t>
+                    </m:r>
+                    <m:r>
+                      <a:rPr lang="en-US" altLang="ja-JP" i="1">
+                        <a:latin typeface="Cambria Math" panose="02040503050406030204" pitchFamily="18" charset="0"/>
+                        <a:ea typeface="Cambria Math" panose="02040503050406030204" pitchFamily="18" charset="0"/>
+                      </a:rPr>
+                      <m:t>𝐽</m:t>
+                    </m:r>
+                    <m:d>
+                      <m:dPr>
+                        <m:ctrlPr>
+                          <a:rPr lang="en-US" altLang="ja-JP" i="1">
+                            <a:latin typeface="Cambria Math" panose="02040503050406030204" pitchFamily="18" charset="0"/>
+                            <a:ea typeface="Cambria Math" panose="02040503050406030204" pitchFamily="18" charset="0"/>
+                          </a:rPr>
+                        </m:ctrlPr>
+                      </m:dPr>
+                      <m:e>
+                        <m:r>
+                          <a:rPr lang="en-US" altLang="ja-JP" i="1">
+                            <a:latin typeface="Cambria Math" panose="02040503050406030204" pitchFamily="18" charset="0"/>
+                            <a:ea typeface="Cambria Math" panose="02040503050406030204" pitchFamily="18" charset="0"/>
+                          </a:rPr>
+                          <m:t>𝜋</m:t>
+                        </m:r>
+                      </m:e>
+                    </m:d>
+                  </m:oMath>
+                </a14:m>
+                <a:r>
+                  <a:rPr kumimoji="1" lang="en-US" altLang="ja-JP" dirty="0"/>
+                  <a:t> (</a:t>
+                </a:r>
+                <a:r>
+                  <a:rPr kumimoji="1" lang="en-US" altLang="ja-JP" dirty="0">
+                    <a:solidFill>
+                      <a:schemeClr val="accent1"/>
+                    </a:solidFill>
+                  </a:rPr>
+                  <a:t>feasible</a:t>
+                </a:r>
+                <a:r>
+                  <a:rPr kumimoji="1" lang="en-US" altLang="ja-JP" dirty="0"/>
+                  <a:t> algorithm)</a:t>
+                </a:r>
+              </a:p>
+              <a:p>
+                <a:pPr lvl="2"/>
+                <a:r>
+                  <a:rPr lang="en-US" altLang="ja-JP" dirty="0"/>
+                  <a:t>If  </a:t>
+                </a:r>
+                <a14:m>
+                  <m:oMath xmlns:m="http://schemas.openxmlformats.org/officeDocument/2006/math">
+                    <m:r>
+                      <a:rPr lang="en-US" altLang="ja-JP" i="1">
+                        <a:latin typeface="Cambria Math" panose="02040503050406030204" pitchFamily="18" charset="0"/>
+                        <a:ea typeface="Cambria Math" panose="02040503050406030204" pitchFamily="18" charset="0"/>
+                      </a:rPr>
+                      <m:t>𝐽</m:t>
+                    </m:r>
+                    <m:d>
+                      <m:dPr>
+                        <m:ctrlPr>
+                          <a:rPr lang="en-US" altLang="ja-JP" i="1">
+                            <a:latin typeface="Cambria Math" panose="02040503050406030204" pitchFamily="18" charset="0"/>
+                            <a:ea typeface="Cambria Math" panose="02040503050406030204" pitchFamily="18" charset="0"/>
+                          </a:rPr>
+                        </m:ctrlPr>
+                      </m:dPr>
+                      <m:e>
+                        <m:sSup>
+                          <m:sSupPr>
+                            <m:ctrlPr>
+                              <a:rPr lang="en-US" altLang="ja-JP" i="1">
+                                <a:latin typeface="Cambria Math" panose="02040503050406030204" pitchFamily="18" charset="0"/>
+                                <a:ea typeface="Cambria Math" panose="02040503050406030204" pitchFamily="18" charset="0"/>
+                              </a:rPr>
+                            </m:ctrlPr>
+                          </m:sSupPr>
+                          <m:e>
+                            <m:r>
+                              <a:rPr lang="en-US" altLang="ja-JP" i="1">
+                                <a:latin typeface="Cambria Math" panose="02040503050406030204" pitchFamily="18" charset="0"/>
+                                <a:ea typeface="Cambria Math" panose="02040503050406030204" pitchFamily="18" charset="0"/>
+                              </a:rPr>
+                              <m:t>𝜋</m:t>
+                            </m:r>
+                          </m:e>
+                          <m:sup>
+                            <m:r>
+                              <a:rPr lang="en-US" altLang="ja-JP" i="1">
+                                <a:latin typeface="Cambria Math" panose="02040503050406030204" pitchFamily="18" charset="0"/>
+                                <a:ea typeface="Cambria Math" panose="02040503050406030204" pitchFamily="18" charset="0"/>
+                              </a:rPr>
+                              <m:t>∗</m:t>
+                            </m:r>
+                          </m:sup>
+                        </m:sSup>
+                      </m:e>
+                    </m:d>
+                    <m:r>
+                      <a:rPr lang="en-US" altLang="ja-JP" b="0" i="1" smtClean="0">
+                        <a:latin typeface="Cambria Math" panose="02040503050406030204" pitchFamily="18" charset="0"/>
+                        <a:ea typeface="Cambria Math" panose="02040503050406030204" pitchFamily="18" charset="0"/>
+                      </a:rPr>
+                      <m:t>&gt;</m:t>
+                    </m:r>
+                    <m:r>
+                      <a:rPr lang="en-US" altLang="ja-JP" i="1">
+                        <a:latin typeface="Cambria Math" panose="02040503050406030204" pitchFamily="18" charset="0"/>
+                        <a:ea typeface="Cambria Math" panose="02040503050406030204" pitchFamily="18" charset="0"/>
+                      </a:rPr>
+                      <m:t>𝐽</m:t>
+                    </m:r>
+                    <m:r>
+                      <a:rPr lang="en-US" altLang="ja-JP" i="1">
+                        <a:latin typeface="Cambria Math" panose="02040503050406030204" pitchFamily="18" charset="0"/>
+                        <a:ea typeface="Cambria Math" panose="02040503050406030204" pitchFamily="18" charset="0"/>
+                      </a:rPr>
+                      <m:t>(</m:t>
+                    </m:r>
+                    <m:sSubSup>
+                      <m:sSubSupPr>
+                        <m:ctrlPr>
+                          <a:rPr lang="en-US" altLang="ja-JP" i="1">
+                            <a:latin typeface="Cambria Math" panose="02040503050406030204" pitchFamily="18" charset="0"/>
+                            <a:ea typeface="Cambria Math" panose="02040503050406030204" pitchFamily="18" charset="0"/>
+                          </a:rPr>
+                        </m:ctrlPr>
+                      </m:sSubSupPr>
+                      <m:e>
+                        <m:r>
+                          <a:rPr lang="en-US" altLang="ja-JP" i="1">
+                            <a:latin typeface="Cambria Math" panose="02040503050406030204" pitchFamily="18" charset="0"/>
+                            <a:ea typeface="Cambria Math" panose="02040503050406030204" pitchFamily="18" charset="0"/>
+                          </a:rPr>
+                          <m:t>𝜋</m:t>
+                        </m:r>
+                      </m:e>
+                      <m:sub>
+                        <m:r>
+                          <a:rPr lang="en-US" altLang="ja-JP" i="1">
+                            <a:latin typeface="Cambria Math" panose="02040503050406030204" pitchFamily="18" charset="0"/>
+                            <a:ea typeface="Cambria Math" panose="02040503050406030204" pitchFamily="18" charset="0"/>
+                          </a:rPr>
+                          <m:t>𝑠𝑎𝑓𝑒</m:t>
+                        </m:r>
+                      </m:sub>
+                      <m:sup>
+                        <m:r>
+                          <a:rPr lang="en-US" altLang="ja-JP" i="1">
+                            <a:latin typeface="Cambria Math" panose="02040503050406030204" pitchFamily="18" charset="0"/>
+                            <a:ea typeface="Cambria Math" panose="02040503050406030204" pitchFamily="18" charset="0"/>
+                          </a:rPr>
+                          <m:t>∗</m:t>
+                        </m:r>
+                      </m:sup>
+                    </m:sSubSup>
+                    <m:r>
+                      <a:rPr lang="en-US" altLang="ja-JP" i="1">
+                        <a:latin typeface="Cambria Math" panose="02040503050406030204" pitchFamily="18" charset="0"/>
+                        <a:ea typeface="Cambria Math" panose="02040503050406030204" pitchFamily="18" charset="0"/>
+                      </a:rPr>
+                      <m:t>)</m:t>
+                    </m:r>
+                  </m:oMath>
+                </a14:m>
+                <a:r>
+                  <a:rPr kumimoji="1" lang="en-US" altLang="ja-JP" dirty="0"/>
+                  <a:t>, it is not so good</a:t>
+                </a:r>
+              </a:p>
+              <a:p>
+                <a:pPr lvl="2"/>
+                <a:endParaRPr lang="en-US" altLang="ja-JP" dirty="0"/>
+              </a:p>
+              <a:p>
+                <a:pPr lvl="1"/>
+                <a:r>
+                  <a:rPr kumimoji="1" lang="en-US" altLang="ja-JP" dirty="0"/>
+                  <a:t>If we know function class </a:t>
+                </a:r>
+                <a14:m>
+                  <m:oMath xmlns:m="http://schemas.openxmlformats.org/officeDocument/2006/math">
+                    <m:r>
+                      <a:rPr lang="en-US" altLang="ja-JP" i="1">
+                        <a:latin typeface="Cambria Math" panose="02040503050406030204" pitchFamily="18" charset="0"/>
+                      </a:rPr>
+                      <m:t>𝐶</m:t>
+                    </m:r>
+                    <m:d>
+                      <m:dPr>
+                        <m:ctrlPr>
+                          <a:rPr lang="en-US" altLang="ja-JP" i="1">
+                            <a:latin typeface="Cambria Math" panose="02040503050406030204" pitchFamily="18" charset="0"/>
+                          </a:rPr>
+                        </m:ctrlPr>
+                      </m:dPr>
+                      <m:e>
+                        <m:sSub>
+                          <m:sSubPr>
+                            <m:ctrlPr>
+                              <a:rPr lang="en-US" altLang="ja-JP" i="1">
+                                <a:latin typeface="Cambria Math" panose="02040503050406030204" pitchFamily="18" charset="0"/>
+                                <a:ea typeface="Cambria Math" panose="02040503050406030204" pitchFamily="18" charset="0"/>
+                              </a:rPr>
+                            </m:ctrlPr>
+                          </m:sSubPr>
+                          <m:e>
+                            <m:r>
+                              <m:rPr>
+                                <m:sty m:val="p"/>
+                              </m:rPr>
+                              <a:rPr lang="el-GR" altLang="ja-JP" i="1">
+                                <a:latin typeface="Cambria Math" panose="02040503050406030204" pitchFamily="18" charset="0"/>
+                                <a:ea typeface="Cambria Math" panose="02040503050406030204" pitchFamily="18" charset="0"/>
+                              </a:rPr>
+                              <m:t>Π</m:t>
+                            </m:r>
+                          </m:e>
+                          <m:sub>
+                            <m:r>
+                              <a:rPr lang="en-US" altLang="ja-JP" i="1">
+                                <a:latin typeface="Cambria Math" panose="02040503050406030204" pitchFamily="18" charset="0"/>
+                                <a:ea typeface="Cambria Math" panose="02040503050406030204" pitchFamily="18" charset="0"/>
+                              </a:rPr>
+                              <m:t>𝑠𝑎𝑓𝑒</m:t>
+                            </m:r>
+                          </m:sub>
+                        </m:sSub>
+                      </m:e>
+                    </m:d>
+                  </m:oMath>
+                </a14:m>
+                <a:endParaRPr kumimoji="1" lang="en-US" altLang="ja-JP" dirty="0"/>
+              </a:p>
+              <a:p>
+                <a:pPr lvl="2"/>
+                <a:r>
+                  <a:rPr lang="en-US" altLang="ja-JP" dirty="0"/>
+                  <a:t>We can decide whether we should use safe RL for considering RL tasks</a:t>
+                </a:r>
+                <a:endParaRPr kumimoji="1" lang="ja-JP" altLang="en-US"/>
+              </a:p>
+            </p:txBody>
+          </p:sp>
+        </mc:Choice>
+        <mc:Fallback>
+          <p:sp>
+            <p:nvSpPr>
+              <p:cNvPr id="2" name="コンテンツ プレースホルダー 1">
+                <a:extLst>
+                  <a:ext uri="{FF2B5EF4-FFF2-40B4-BE49-F238E27FC236}">
+                    <a16:creationId xmlns:a16="http://schemas.microsoft.com/office/drawing/2014/main" id="{702ED280-1688-1043-A9BE-ACC5B27DC34F}"/>
+                  </a:ext>
+                </a:extLst>
+              </p:cNvPr>
+              <p:cNvSpPr>
+                <a:spLocks noGrp="1" noRot="1" noChangeAspect="1" noMove="1" noResize="1" noEditPoints="1" noAdjustHandles="1" noChangeArrowheads="1" noChangeShapeType="1" noTextEdit="1"/>
+              </p:cNvSpPr>
+              <p:nvPr>
+                <p:ph idx="1"/>
+              </p:nvPr>
+            </p:nvSpPr>
+            <p:spPr>
+              <a:blipFill>
+                <a:blip r:embed="rId2"/>
+                <a:stretch>
+                  <a:fillRect l="-598" t="-1266" r="-299"/>
+                </a:stretch>
+              </a:blipFill>
+            </p:spPr>
+            <p:txBody>
+              <a:bodyPr/>
+              <a:lstStyle/>
+              <a:p>
+                <a:r>
+                  <a:rPr lang="ja-JP" altLang="en-US">
+                    <a:noFill/>
+                  </a:rPr>
+                  <a:t> </a:t>
+                </a:r>
+              </a:p>
+            </p:txBody>
+          </p:sp>
+        </mc:Fallback>
+      </mc:AlternateContent>
+      <p:sp>
+        <p:nvSpPr>
+          <p:cNvPr id="3" name="日付プレースホルダー 2">
+            <a:extLst>
+              <a:ext uri="{FF2B5EF4-FFF2-40B4-BE49-F238E27FC236}">
+                <a16:creationId xmlns:a16="http://schemas.microsoft.com/office/drawing/2014/main" id="{4E7CA1E2-8740-CD4E-9B72-E584CF41BCEE}"/>
+              </a:ext>
+            </a:extLst>
+          </p:cNvPr>
+          <p:cNvSpPr>
+            <a:spLocks noGrp="1"/>
+          </p:cNvSpPr>
+          <p:nvPr>
+            <p:ph type="dt" sz="half" idx="10"/>
+          </p:nvPr>
+        </p:nvSpPr>
+        <p:spPr/>
+        <p:txBody>
+          <a:bodyPr/>
+          <a:lstStyle/>
+          <a:p>
+            <a:fld id="{90235FA2-C49A-5C4F-85BF-B1D7D24C5B31}" type="datetime1">
+              <a:rPr kumimoji="1" lang="ja-JP" altLang="en-US" smtClean="0"/>
+              <a:t>2020/7/27</a:t>
+            </a:fld>
+            <a:endParaRPr kumimoji="1" lang="ja-JP" altLang="en-US"/>
+          </a:p>
+        </p:txBody>
+      </p:sp>
+      <p:sp>
+        <p:nvSpPr>
+          <p:cNvPr id="4" name="フッター プレースホルダー 3">
+            <a:extLst>
+              <a:ext uri="{FF2B5EF4-FFF2-40B4-BE49-F238E27FC236}">
+                <a16:creationId xmlns:a16="http://schemas.microsoft.com/office/drawing/2014/main" id="{3A6CCBF1-E9E5-154B-B56B-9D0FAA4DBDAF}"/>
+              </a:ext>
+            </a:extLst>
+          </p:cNvPr>
+          <p:cNvSpPr>
+            <a:spLocks noGrp="1"/>
+          </p:cNvSpPr>
+          <p:nvPr>
+            <p:ph type="ftr" sz="quarter" idx="11"/>
+          </p:nvPr>
+        </p:nvSpPr>
+        <p:spPr/>
+        <p:txBody>
+          <a:bodyPr/>
+          <a:lstStyle/>
+          <a:p>
+            <a:r>
+              <a:rPr kumimoji="1" lang="en-US" altLang="ja-JP"/>
+              <a:t>Control System Theory Group</a:t>
+            </a:r>
+            <a:endParaRPr kumimoji="1" lang="ja-JP" altLang="en-US"/>
+          </a:p>
+        </p:txBody>
+      </p:sp>
+      <p:sp>
+        <p:nvSpPr>
+          <p:cNvPr id="5" name="タイトル 4">
+            <a:extLst>
+              <a:ext uri="{FF2B5EF4-FFF2-40B4-BE49-F238E27FC236}">
+                <a16:creationId xmlns:a16="http://schemas.microsoft.com/office/drawing/2014/main" id="{C387742E-763B-D64E-8405-420C4AE24811}"/>
+              </a:ext>
+            </a:extLst>
+          </p:cNvPr>
+          <p:cNvSpPr>
+            <a:spLocks noGrp="1"/>
+          </p:cNvSpPr>
+          <p:nvPr>
+            <p:ph type="title"/>
+          </p:nvPr>
+        </p:nvSpPr>
+        <p:spPr/>
+        <p:txBody>
+          <a:bodyPr/>
+          <a:lstStyle/>
+          <a:p>
+            <a:r>
+              <a:rPr kumimoji="1" lang="en-US" altLang="ja-JP" dirty="0"/>
+              <a:t>Weekly Report</a:t>
+            </a:r>
+            <a:endParaRPr kumimoji="1" lang="ja-JP" altLang="en-US"/>
+          </a:p>
+        </p:txBody>
+      </p:sp>
+      <p:sp>
+        <p:nvSpPr>
+          <p:cNvPr id="6" name="下矢印 5">
+            <a:extLst>
+              <a:ext uri="{FF2B5EF4-FFF2-40B4-BE49-F238E27FC236}">
+                <a16:creationId xmlns:a16="http://schemas.microsoft.com/office/drawing/2014/main" id="{94E58875-3747-F540-88CF-7283449AD342}"/>
+              </a:ext>
+            </a:extLst>
+          </p:cNvPr>
+          <p:cNvSpPr/>
+          <p:nvPr/>
+        </p:nvSpPr>
+        <p:spPr>
+          <a:xfrm>
+            <a:off x="4329684" y="2564780"/>
+            <a:ext cx="484632" cy="379142"/>
+          </a:xfrm>
+          <a:prstGeom prst="downArrow">
+            <a:avLst/>
+          </a:prstGeom>
+        </p:spPr>
+        <p:style>
+          <a:lnRef idx="2">
+            <a:schemeClr val="accent1">
+              <a:shade val="50000"/>
+            </a:schemeClr>
+          </a:lnRef>
+          <a:fillRef idx="1">
+            <a:schemeClr val="accent1"/>
+          </a:fillRef>
+          <a:effectRef idx="0">
+            <a:schemeClr val="accent1"/>
+          </a:effectRef>
+          <a:fontRef idx="minor">
+            <a:schemeClr val="lt1"/>
+          </a:fontRef>
+        </p:style>
+        <p:txBody>
+          <a:bodyPr rtlCol="0" anchor="ctr"/>
+          <a:lstStyle/>
+          <a:p>
+            <a:pPr algn="ctr"/>
             <a:endParaRPr kumimoji="1" lang="ja-JP" altLang="en-US"/>
           </a:p>
         </p:txBody>
@@ -5812,7 +9320,7 @@
     </p:spTree>
     <p:extLst>
       <p:ext uri="{BB962C8B-B14F-4D97-AF65-F5344CB8AC3E}">
-        <p14:creationId xmlns:p14="http://schemas.microsoft.com/office/powerpoint/2010/main" val="1683662300"/>
+        <p14:creationId xmlns:p14="http://schemas.microsoft.com/office/powerpoint/2010/main" val="402331837"/>
       </p:ext>
     </p:extLst>
   </p:cSld>

--- a/report.pptx
+++ b/report.pptx
@@ -5,13 +5,11 @@
     <p:sldMasterId id="2147483684" r:id="rId1"/>
   </p:sldMasterIdLst>
   <p:notesMasterIdLst>
-    <p:notesMasterId r:id="rId6"/>
+    <p:notesMasterId r:id="rId4"/>
   </p:notesMasterIdLst>
   <p:sldIdLst>
-    <p:sldId id="344" r:id="rId2"/>
-    <p:sldId id="341" r:id="rId3"/>
-    <p:sldId id="345" r:id="rId4"/>
-    <p:sldId id="343" r:id="rId5"/>
+    <p:sldId id="345" r:id="rId2"/>
+    <p:sldId id="343" r:id="rId3"/>
   </p:sldIdLst>
   <p:sldSz cx="9144000" cy="6858000" type="screen4x3"/>
   <p:notesSz cx="6858000" cy="9144000"/>
@@ -3941,7 +3939,7 @@
               <p:cNvPr id="2" name="コンテンツ プレースホルダー 1">
                 <a:extLst>
                   <a:ext uri="{FF2B5EF4-FFF2-40B4-BE49-F238E27FC236}">
-                    <a16:creationId xmlns:a16="http://schemas.microsoft.com/office/drawing/2014/main" id="{D7144CF1-99EF-854E-BED2-53CD731C20D7}"/>
+                    <a16:creationId xmlns:a16="http://schemas.microsoft.com/office/drawing/2014/main" id="{64ACCA72-2454-684D-B8C5-D840F9147260}"/>
                   </a:ext>
                 </a:extLst>
               </p:cNvPr>
@@ -3952,30 +3950,53 @@
                 <p:ph idx="1"/>
               </p:nvPr>
             </p:nvSpPr>
-            <p:spPr/>
+            <p:spPr>
+              <a:xfrm>
+                <a:off x="335572" y="1103022"/>
+                <a:ext cx="8480182" cy="5754977"/>
+              </a:xfrm>
+            </p:spPr>
             <p:txBody>
-              <a:bodyPr/>
+              <a:bodyPr>
+                <a:normAutofit/>
+              </a:bodyPr>
               <a:lstStyle/>
               <a:p>
                 <a:r>
                   <a:rPr lang="en-US" altLang="ja-JP" dirty="0"/>
-                  <a:t>My report in last week</a:t>
+                  <a:t>Draft of study theme (vol2)</a:t>
                 </a:r>
-                <a:endParaRPr lang="ja-JP" altLang="en-US"/>
               </a:p>
               <a:p>
                 <a:pPr lvl="1"/>
                 <a:r>
-                  <a:rPr kumimoji="1" lang="en-US" altLang="ja-JP" dirty="0"/>
-                  <a:t>System dynamics</a:t>
+                  <a:rPr lang="en-US" altLang="ja-JP" dirty="0"/>
+                  <a:t>Safe RL : Data constrained reinforcement learning</a:t>
                 </a:r>
-                <a:endParaRPr lang="en-US" altLang="ja-JP" dirty="0"/>
               </a:p>
               <a:p>
                 <a:pPr lvl="2"/>
                 <a:r>
-                  <a:rPr kumimoji="1" lang="en-US" altLang="ja-JP" dirty="0"/>
-                  <a:t>Ground truth dynamics: </a:t>
+                  <a:rPr lang="en-US" altLang="ja-JP" dirty="0"/>
+                  <a:t>Does the learned policy achieve optimal performance?</a:t>
+                </a:r>
+              </a:p>
+              <a:p>
+                <a:pPr lvl="2"/>
+                <a:endParaRPr lang="en-US" altLang="ja-JP" dirty="0"/>
+              </a:p>
+              <a:p>
+                <a:pPr lvl="1"/>
+                <a:r>
+                  <a:rPr lang="en-US" altLang="ja-JP" dirty="0"/>
+                  <a:t>Given</a:t>
+                </a:r>
+              </a:p>
+              <a:p>
+                <a:pPr lvl="2"/>
+                <a:r>
+                  <a:rPr lang="en-US" altLang="ja-JP" dirty="0"/>
+                  <a:t>System model </a:t>
                 </a:r>
                 <a14:m>
                   <m:oMath xmlns:m="http://schemas.openxmlformats.org/officeDocument/2006/math">
@@ -4016,37 +4037,12 @@
                       </a:rPr>
                       <m:t>=</m:t>
                     </m:r>
-                    <m:sSub>
-                      <m:sSubPr>
-                        <m:ctrlPr>
-                          <a:rPr lang="en-US" altLang="ja-JP" i="1">
-                            <a:latin typeface="Cambria Math" panose="02040503050406030204" pitchFamily="18" charset="0"/>
-                          </a:rPr>
-                        </m:ctrlPr>
-                      </m:sSubPr>
-                      <m:e>
-                        <m:r>
-                          <a:rPr lang="en-US" altLang="ja-JP" i="1">
-                            <a:latin typeface="Cambria Math" panose="02040503050406030204" pitchFamily="18" charset="0"/>
-                          </a:rPr>
-                          <m:t>𝑓</m:t>
-                        </m:r>
-                      </m:e>
-                      <m:sub>
-                        <m:r>
-                          <a:rPr lang="en-US" altLang="ja-JP" i="1">
-                            <a:latin typeface="Cambria Math" panose="02040503050406030204" pitchFamily="18" charset="0"/>
-                          </a:rPr>
-                          <m:t>𝑡</m:t>
-                        </m:r>
-                        <m:r>
-                          <a:rPr lang="en-US" altLang="ja-JP" i="1">
-                            <a:latin typeface="Cambria Math" panose="02040503050406030204" pitchFamily="18" charset="0"/>
-                          </a:rPr>
-                          <m:t>𝑟𝑢𝑒</m:t>
-                        </m:r>
-                      </m:sub>
-                    </m:sSub>
+                    <m:r>
+                      <a:rPr lang="en-US" altLang="ja-JP" i="1">
+                        <a:latin typeface="Cambria Math" panose="02040503050406030204" pitchFamily="18" charset="0"/>
+                      </a:rPr>
+                      <m:t>𝑓</m:t>
+                    </m:r>
                     <m:d>
                       <m:dPr>
                         <m:ctrlPr>
@@ -4095,43 +4091,42 @@
                       </a:rPr>
                       <m:t>𝑔</m:t>
                     </m:r>
-                    <m:r>
-                      <a:rPr lang="en-US" altLang="ja-JP" i="1">
-                        <a:latin typeface="Cambria Math" panose="02040503050406030204" pitchFamily="18" charset="0"/>
-                      </a:rPr>
-                      <m:t>(</m:t>
-                    </m:r>
-                    <m:sSub>
-                      <m:sSubPr>
+                    <m:d>
+                      <m:dPr>
                         <m:ctrlPr>
                           <a:rPr lang="en-US" altLang="ja-JP" i="1">
                             <a:latin typeface="Cambria Math" panose="02040503050406030204" pitchFamily="18" charset="0"/>
                           </a:rPr>
                         </m:ctrlPr>
-                      </m:sSubPr>
+                      </m:dPr>
                       <m:e>
-                        <m:r>
-                          <a:rPr lang="en-US" altLang="ja-JP" i="1">
-                            <a:latin typeface="Cambria Math" panose="02040503050406030204" pitchFamily="18" charset="0"/>
-                          </a:rPr>
-                          <m:t>𝑠</m:t>
-                        </m:r>
+                        <m:sSub>
+                          <m:sSubPr>
+                            <m:ctrlPr>
+                              <a:rPr lang="en-US" altLang="ja-JP" i="1">
+                                <a:latin typeface="Cambria Math" panose="02040503050406030204" pitchFamily="18" charset="0"/>
+                              </a:rPr>
+                            </m:ctrlPr>
+                          </m:sSubPr>
+                          <m:e>
+                            <m:r>
+                              <a:rPr lang="en-US" altLang="ja-JP" i="1">
+                                <a:latin typeface="Cambria Math" panose="02040503050406030204" pitchFamily="18" charset="0"/>
+                              </a:rPr>
+                              <m:t>𝑠</m:t>
+                            </m:r>
+                          </m:e>
+                          <m:sub>
+                            <m:r>
+                              <a:rPr lang="en-US" altLang="ja-JP" i="1">
+                                <a:latin typeface="Cambria Math" panose="02040503050406030204" pitchFamily="18" charset="0"/>
+                              </a:rPr>
+                              <m:t>𝑡</m:t>
+                            </m:r>
+                          </m:sub>
+                        </m:sSub>
                       </m:e>
-                      <m:sub>
-                        <m:r>
-                          <a:rPr lang="en-US" altLang="ja-JP" i="1">
-                            <a:latin typeface="Cambria Math" panose="02040503050406030204" pitchFamily="18" charset="0"/>
-                          </a:rPr>
-                          <m:t>𝑡</m:t>
-                        </m:r>
-                      </m:sub>
-                    </m:sSub>
-                    <m:r>
-                      <a:rPr lang="en-US" altLang="ja-JP" i="1">
-                        <a:latin typeface="Cambria Math" panose="02040503050406030204" pitchFamily="18" charset="0"/>
-                      </a:rPr>
-                      <m:t>)</m:t>
-                    </m:r>
+                    </m:d>
                     <m:sSub>
                       <m:sSubPr>
                         <m:ctrlPr>
@@ -4159,842 +4154,13 @@
                     </m:sSub>
                   </m:oMath>
                 </a14:m>
-                <a:r>
-                  <a:rPr lang="en-US" altLang="ja-JP" dirty="0"/>
-                  <a:t>, </a:t>
-                </a:r>
-              </a:p>
-              <a:p>
-                <a:pPr marL="914400" lvl="2" indent="0">
-                  <a:buNone/>
-                </a:pPr>
-                <a:r>
-                  <a:rPr lang="en-US" altLang="ja-JP" dirty="0"/>
-                  <a:t>    where </a:t>
-                </a:r>
-                <a14:m>
-                  <m:oMath xmlns:m="http://schemas.openxmlformats.org/officeDocument/2006/math">
-                    <m:sSub>
-                      <m:sSubPr>
-                        <m:ctrlPr>
-                          <a:rPr lang="en-US" altLang="ja-JP" i="1">
-                            <a:latin typeface="Cambria Math" panose="02040503050406030204" pitchFamily="18" charset="0"/>
-                          </a:rPr>
-                        </m:ctrlPr>
-                      </m:sSubPr>
-                      <m:e>
-                        <m:r>
-                          <a:rPr lang="en-US" altLang="ja-JP" i="1">
-                            <a:latin typeface="Cambria Math" panose="02040503050406030204" pitchFamily="18" charset="0"/>
-                          </a:rPr>
-                          <m:t>𝑓</m:t>
-                        </m:r>
-                      </m:e>
-                      <m:sub>
-                        <m:r>
-                          <a:rPr lang="en-US" altLang="ja-JP" i="1">
-                            <a:latin typeface="Cambria Math" panose="02040503050406030204" pitchFamily="18" charset="0"/>
-                          </a:rPr>
-                          <m:t>𝑡𝑟𝑢𝑒</m:t>
-                        </m:r>
-                      </m:sub>
-                    </m:sSub>
-                  </m:oMath>
-                </a14:m>
-                <a:r>
-                  <a:rPr lang="en-US" altLang="ja-JP" dirty="0"/>
-                  <a:t>, </a:t>
-                </a:r>
-                <a14:m>
-                  <m:oMath xmlns:m="http://schemas.openxmlformats.org/officeDocument/2006/math">
-                    <m:r>
-                      <a:rPr lang="en-US" altLang="ja-JP" i="1">
-                        <a:latin typeface="Cambria Math" panose="02040503050406030204" pitchFamily="18" charset="0"/>
-                      </a:rPr>
-                      <m:t>𝑔</m:t>
-                    </m:r>
-                  </m:oMath>
-                </a14:m>
-                <a:r>
-                  <a:rPr lang="en-US" altLang="ja-JP" dirty="0"/>
-                  <a:t> are Lipsitz continuous</a:t>
-                </a:r>
-              </a:p>
-              <a:p>
-                <a:pPr lvl="2"/>
                 <a:endParaRPr lang="en-US" altLang="ja-JP" dirty="0"/>
               </a:p>
               <a:p>
                 <a:pPr lvl="2"/>
                 <a:r>
                   <a:rPr lang="en-US" altLang="ja-JP" dirty="0"/>
-                  <a:t>Agent knows nominal dynamics i.e., </a:t>
-                </a:r>
-                <a14:m>
-                  <m:oMath xmlns:m="http://schemas.openxmlformats.org/officeDocument/2006/math">
-                    <m:r>
-                      <a:rPr lang="en-US" altLang="ja-JP" i="1">
-                        <a:latin typeface="Cambria Math" panose="02040503050406030204" pitchFamily="18" charset="0"/>
-                      </a:rPr>
-                      <m:t>𝑓</m:t>
-                    </m:r>
-                  </m:oMath>
-                </a14:m>
-                <a:r>
-                  <a:rPr lang="en-US" altLang="ja-JP" dirty="0"/>
-                  <a:t>, </a:t>
-                </a:r>
-                <a14:m>
-                  <m:oMath xmlns:m="http://schemas.openxmlformats.org/officeDocument/2006/math">
-                    <m:r>
-                      <a:rPr lang="en-US" altLang="ja-JP" i="1">
-                        <a:latin typeface="Cambria Math" panose="02040503050406030204" pitchFamily="18" charset="0"/>
-                      </a:rPr>
-                      <m:t>𝑔</m:t>
-                    </m:r>
-                  </m:oMath>
-                </a14:m>
-                <a:r>
-                  <a:rPr lang="en-US" altLang="ja-JP" dirty="0"/>
-                  <a:t> is </a:t>
-                </a:r>
-                <a:r>
-                  <a:rPr lang="en-US" altLang="ja-JP" dirty="0">
-                    <a:solidFill>
-                      <a:schemeClr val="accent1"/>
-                    </a:solidFill>
-                  </a:rPr>
-                  <a:t>known</a:t>
-                </a:r>
-                <a:r>
-                  <a:rPr lang="en-US" altLang="ja-JP" dirty="0"/>
-                  <a:t> and </a:t>
-                </a:r>
-                <a14:m>
-                  <m:oMath xmlns:m="http://schemas.openxmlformats.org/officeDocument/2006/math">
-                    <m:r>
-                      <a:rPr lang="en-US" altLang="ja-JP" i="1">
-                        <a:latin typeface="Cambria Math" panose="02040503050406030204" pitchFamily="18" charset="0"/>
-                      </a:rPr>
-                      <m:t>𝑑</m:t>
-                    </m:r>
-                  </m:oMath>
-                </a14:m>
-                <a:r>
-                  <a:rPr lang="en-US" altLang="ja-JP" dirty="0"/>
-                  <a:t> is </a:t>
-                </a:r>
-                <a:r>
-                  <a:rPr lang="en-US" altLang="ja-JP" dirty="0">
-                    <a:solidFill>
-                      <a:srgbClr val="C00000"/>
-                    </a:solidFill>
-                  </a:rPr>
-                  <a:t>unknown</a:t>
-                </a:r>
-              </a:p>
-              <a:p>
-                <a:pPr lvl="2"/>
-                <a:endParaRPr lang="en-US" altLang="ja-JP" dirty="0">
-                  <a:solidFill>
-                    <a:srgbClr val="C00000"/>
-                  </a:solidFill>
-                </a:endParaRPr>
-              </a:p>
-              <a:p>
-                <a:pPr lvl="2"/>
-                <a:endParaRPr lang="en-US" altLang="ja-JP" dirty="0">
-                  <a:solidFill>
-                    <a:srgbClr val="C00000"/>
-                  </a:solidFill>
-                </a:endParaRPr>
-              </a:p>
-              <a:p>
-                <a:pPr lvl="2"/>
-                <a:endParaRPr lang="en-US" altLang="ja-JP" dirty="0">
-                  <a:solidFill>
-                    <a:srgbClr val="C00000"/>
-                  </a:solidFill>
-                </a:endParaRPr>
-              </a:p>
-            </p:txBody>
-          </p:sp>
-        </mc:Choice>
-        <mc:Fallback>
-          <p:sp>
-            <p:nvSpPr>
-              <p:cNvPr id="2" name="コンテンツ プレースホルダー 1">
-                <a:extLst>
-                  <a:ext uri="{FF2B5EF4-FFF2-40B4-BE49-F238E27FC236}">
-                    <a16:creationId xmlns:a16="http://schemas.microsoft.com/office/drawing/2014/main" id="{D7144CF1-99EF-854E-BED2-53CD731C20D7}"/>
-                  </a:ext>
-                </a:extLst>
-              </p:cNvPr>
-              <p:cNvSpPr>
-                <a:spLocks noGrp="1" noRot="1" noChangeAspect="1" noMove="1" noResize="1" noEditPoints="1" noAdjustHandles="1" noChangeArrowheads="1" noChangeShapeType="1" noTextEdit="1"/>
-              </p:cNvSpPr>
-              <p:nvPr>
-                <p:ph idx="1"/>
-              </p:nvPr>
-            </p:nvSpPr>
-            <p:spPr>
-              <a:blipFill>
-                <a:blip r:embed="rId2"/>
-                <a:stretch>
-                  <a:fillRect l="-598" t="-1266"/>
-                </a:stretch>
-              </a:blipFill>
-            </p:spPr>
-            <p:txBody>
-              <a:bodyPr/>
-              <a:lstStyle/>
-              <a:p>
-                <a:r>
-                  <a:rPr lang="ja-JP" altLang="en-US">
-                    <a:noFill/>
-                  </a:rPr>
-                  <a:t> </a:t>
-                </a:r>
-              </a:p>
-            </p:txBody>
-          </p:sp>
-        </mc:Fallback>
-      </mc:AlternateContent>
-      <p:sp>
-        <p:nvSpPr>
-          <p:cNvPr id="3" name="日付プレースホルダー 2">
-            <a:extLst>
-              <a:ext uri="{FF2B5EF4-FFF2-40B4-BE49-F238E27FC236}">
-                <a16:creationId xmlns:a16="http://schemas.microsoft.com/office/drawing/2014/main" id="{1497252A-D05D-5548-9B61-A7B4633CBC73}"/>
-              </a:ext>
-            </a:extLst>
-          </p:cNvPr>
-          <p:cNvSpPr>
-            <a:spLocks noGrp="1"/>
-          </p:cNvSpPr>
-          <p:nvPr>
-            <p:ph type="dt" sz="half" idx="10"/>
-          </p:nvPr>
-        </p:nvSpPr>
-        <p:spPr/>
-        <p:txBody>
-          <a:bodyPr/>
-          <a:lstStyle/>
-          <a:p>
-            <a:fld id="{90235FA2-C49A-5C4F-85BF-B1D7D24C5B31}" type="datetime1">
-              <a:rPr kumimoji="1" lang="ja-JP" altLang="en-US" smtClean="0"/>
-              <a:t>2020/7/27</a:t>
-            </a:fld>
-            <a:endParaRPr kumimoji="1" lang="ja-JP" altLang="en-US"/>
-          </a:p>
-        </p:txBody>
-      </p:sp>
-      <p:sp>
-        <p:nvSpPr>
-          <p:cNvPr id="4" name="フッター プレースホルダー 3">
-            <a:extLst>
-              <a:ext uri="{FF2B5EF4-FFF2-40B4-BE49-F238E27FC236}">
-                <a16:creationId xmlns:a16="http://schemas.microsoft.com/office/drawing/2014/main" id="{9EF8A7C4-A9AD-7E4B-BDA6-BD12A790C043}"/>
-              </a:ext>
-            </a:extLst>
-          </p:cNvPr>
-          <p:cNvSpPr>
-            <a:spLocks noGrp="1"/>
-          </p:cNvSpPr>
-          <p:nvPr>
-            <p:ph type="ftr" sz="quarter" idx="11"/>
-          </p:nvPr>
-        </p:nvSpPr>
-        <p:spPr/>
-        <p:txBody>
-          <a:bodyPr/>
-          <a:lstStyle/>
-          <a:p>
-            <a:r>
-              <a:rPr kumimoji="1" lang="en-US" altLang="ja-JP" dirty="0"/>
-              <a:t>Control System Theory Group</a:t>
-            </a:r>
-            <a:endParaRPr kumimoji="1" lang="ja-JP" altLang="en-US"/>
-          </a:p>
-        </p:txBody>
-      </p:sp>
-      <p:sp>
-        <p:nvSpPr>
-          <p:cNvPr id="5" name="タイトル 4">
-            <a:extLst>
-              <a:ext uri="{FF2B5EF4-FFF2-40B4-BE49-F238E27FC236}">
-                <a16:creationId xmlns:a16="http://schemas.microsoft.com/office/drawing/2014/main" id="{FA52C83B-F164-5049-BFCE-598BEE52C42D}"/>
-              </a:ext>
-            </a:extLst>
-          </p:cNvPr>
-          <p:cNvSpPr>
-            <a:spLocks noGrp="1"/>
-          </p:cNvSpPr>
-          <p:nvPr>
-            <p:ph type="title"/>
-          </p:nvPr>
-        </p:nvSpPr>
-        <p:spPr/>
-        <p:txBody>
-          <a:bodyPr/>
-          <a:lstStyle/>
-          <a:p>
-            <a:r>
-              <a:rPr kumimoji="1" lang="en-US" altLang="ja-JP" dirty="0"/>
-              <a:t>Weekly Report</a:t>
-            </a:r>
-            <a:endParaRPr kumimoji="1" lang="ja-JP" altLang="en-US"/>
-          </a:p>
-        </p:txBody>
-      </p:sp>
-      <mc:AlternateContent xmlns:mc="http://schemas.openxmlformats.org/markup-compatibility/2006">
-        <mc:Choice xmlns:a14="http://schemas.microsoft.com/office/drawing/2010/main" Requires="a14">
-          <p:sp>
-            <p:nvSpPr>
-              <p:cNvPr id="6" name="テキスト ボックス 5">
-                <a:extLst>
-                  <a:ext uri="{FF2B5EF4-FFF2-40B4-BE49-F238E27FC236}">
-                    <a16:creationId xmlns:a16="http://schemas.microsoft.com/office/drawing/2014/main" id="{BD968A5C-7540-514E-B754-5E6C3F8B2952}"/>
-                  </a:ext>
-                </a:extLst>
-              </p:cNvPr>
-              <p:cNvSpPr txBox="1"/>
-              <p:nvPr/>
-            </p:nvSpPr>
-            <p:spPr>
-              <a:xfrm>
-                <a:off x="1924980" y="3244334"/>
-                <a:ext cx="4868640" cy="369332"/>
-              </a:xfrm>
-              <a:prstGeom prst="rect">
-                <a:avLst/>
-              </a:prstGeom>
-              <a:noFill/>
-            </p:spPr>
-            <p:txBody>
-              <a:bodyPr wrap="none" rtlCol="0">
-                <a:spAutoFit/>
-              </a:bodyPr>
-              <a:lstStyle/>
-              <a:p>
-                <a14:m>
-                  <m:oMath xmlns:m="http://schemas.openxmlformats.org/officeDocument/2006/math">
-                    <m:sSub>
-                      <m:sSubPr>
-                        <m:ctrlPr>
-                          <a:rPr kumimoji="1" lang="en-US" altLang="ja-JP" i="1" smtClean="0">
-                            <a:latin typeface="Cambria Math" panose="02040503050406030204" pitchFamily="18" charset="0"/>
-                          </a:rPr>
-                        </m:ctrlPr>
-                      </m:sSubPr>
-                      <m:e>
-                        <m:r>
-                          <a:rPr kumimoji="1" lang="en-US" altLang="ja-JP" b="0" i="1" smtClean="0">
-                            <a:latin typeface="Cambria Math" panose="02040503050406030204" pitchFamily="18" charset="0"/>
-                          </a:rPr>
-                          <m:t>𝑠</m:t>
-                        </m:r>
-                      </m:e>
-                      <m:sub>
-                        <m:r>
-                          <a:rPr kumimoji="1" lang="en-US" altLang="ja-JP" b="0" i="1" smtClean="0">
-                            <a:latin typeface="Cambria Math" panose="02040503050406030204" pitchFamily="18" charset="0"/>
-                          </a:rPr>
-                          <m:t>𝑡</m:t>
-                        </m:r>
-                        <m:r>
-                          <a:rPr kumimoji="1" lang="en-US" altLang="ja-JP" b="0" i="1" smtClean="0">
-                            <a:latin typeface="Cambria Math" panose="02040503050406030204" pitchFamily="18" charset="0"/>
-                          </a:rPr>
-                          <m:t>+1</m:t>
-                        </m:r>
-                      </m:sub>
-                    </m:sSub>
-                    <m:r>
-                      <a:rPr kumimoji="1" lang="en-US" altLang="ja-JP" b="0" i="1" smtClean="0">
-                        <a:latin typeface="Cambria Math" panose="02040503050406030204" pitchFamily="18" charset="0"/>
-                      </a:rPr>
-                      <m:t>=</m:t>
-                    </m:r>
-                    <m:r>
-                      <a:rPr kumimoji="1" lang="en-US" altLang="ja-JP" i="1" smtClean="0">
-                        <a:solidFill>
-                          <a:schemeClr val="accent1"/>
-                        </a:solidFill>
-                        <a:latin typeface="Cambria Math" panose="02040503050406030204" pitchFamily="18" charset="0"/>
-                      </a:rPr>
-                      <m:t>𝑓</m:t>
-                    </m:r>
-                    <m:d>
-                      <m:dPr>
-                        <m:ctrlPr>
-                          <a:rPr kumimoji="1" lang="en-US" altLang="ja-JP" b="0" i="1" smtClean="0">
-                            <a:solidFill>
-                              <a:schemeClr val="accent1"/>
-                            </a:solidFill>
-                            <a:latin typeface="Cambria Math" panose="02040503050406030204" pitchFamily="18" charset="0"/>
-                          </a:rPr>
-                        </m:ctrlPr>
-                      </m:dPr>
-                      <m:e>
-                        <m:sSub>
-                          <m:sSubPr>
-                            <m:ctrlPr>
-                              <a:rPr kumimoji="1" lang="en-US" altLang="ja-JP" i="1">
-                                <a:solidFill>
-                                  <a:schemeClr val="accent1"/>
-                                </a:solidFill>
-                                <a:latin typeface="Cambria Math" panose="02040503050406030204" pitchFamily="18" charset="0"/>
-                              </a:rPr>
-                            </m:ctrlPr>
-                          </m:sSubPr>
-                          <m:e>
-                            <m:r>
-                              <a:rPr kumimoji="1" lang="en-US" altLang="ja-JP" i="1">
-                                <a:solidFill>
-                                  <a:schemeClr val="accent1"/>
-                                </a:solidFill>
-                                <a:latin typeface="Cambria Math" panose="02040503050406030204" pitchFamily="18" charset="0"/>
-                              </a:rPr>
-                              <m:t>𝑠</m:t>
-                            </m:r>
-                          </m:e>
-                          <m:sub>
-                            <m:r>
-                              <a:rPr kumimoji="1" lang="en-US" altLang="ja-JP" i="1">
-                                <a:solidFill>
-                                  <a:schemeClr val="accent1"/>
-                                </a:solidFill>
-                                <a:latin typeface="Cambria Math" panose="02040503050406030204" pitchFamily="18" charset="0"/>
-                              </a:rPr>
-                              <m:t>𝑡</m:t>
-                            </m:r>
-                          </m:sub>
-                        </m:sSub>
-                      </m:e>
-                    </m:d>
-                    <m:r>
-                      <a:rPr kumimoji="1" lang="en-US" altLang="ja-JP" b="0" i="1" smtClean="0">
-                        <a:latin typeface="Cambria Math" panose="02040503050406030204" pitchFamily="18" charset="0"/>
-                      </a:rPr>
-                      <m:t>+</m:t>
-                    </m:r>
-                    <m:r>
-                      <a:rPr kumimoji="1" lang="en-US" altLang="ja-JP" b="0" i="1" smtClean="0">
-                        <a:solidFill>
-                          <a:srgbClr val="C00000"/>
-                        </a:solidFill>
-                        <a:latin typeface="Cambria Math" panose="02040503050406030204" pitchFamily="18" charset="0"/>
-                      </a:rPr>
-                      <m:t>𝑑</m:t>
-                    </m:r>
-                    <m:r>
-                      <a:rPr kumimoji="1" lang="en-US" altLang="ja-JP" b="0" i="1" smtClean="0">
-                        <a:solidFill>
-                          <a:srgbClr val="C00000"/>
-                        </a:solidFill>
-                        <a:latin typeface="Cambria Math" panose="02040503050406030204" pitchFamily="18" charset="0"/>
-                      </a:rPr>
-                      <m:t>(</m:t>
-                    </m:r>
-                    <m:sSub>
-                      <m:sSubPr>
-                        <m:ctrlPr>
-                          <a:rPr kumimoji="1" lang="en-US" altLang="ja-JP" i="1">
-                            <a:solidFill>
-                              <a:srgbClr val="C00000"/>
-                            </a:solidFill>
-                            <a:latin typeface="Cambria Math" panose="02040503050406030204" pitchFamily="18" charset="0"/>
-                          </a:rPr>
-                        </m:ctrlPr>
-                      </m:sSubPr>
-                      <m:e>
-                        <m:r>
-                          <a:rPr kumimoji="1" lang="en-US" altLang="ja-JP" i="1">
-                            <a:solidFill>
-                              <a:srgbClr val="C00000"/>
-                            </a:solidFill>
-                            <a:latin typeface="Cambria Math" panose="02040503050406030204" pitchFamily="18" charset="0"/>
-                          </a:rPr>
-                          <m:t>𝑠</m:t>
-                        </m:r>
-                      </m:e>
-                      <m:sub>
-                        <m:r>
-                          <a:rPr kumimoji="1" lang="en-US" altLang="ja-JP" i="1">
-                            <a:solidFill>
-                              <a:srgbClr val="C00000"/>
-                            </a:solidFill>
-                            <a:latin typeface="Cambria Math" panose="02040503050406030204" pitchFamily="18" charset="0"/>
-                          </a:rPr>
-                          <m:t>𝑡</m:t>
-                        </m:r>
-                      </m:sub>
-                    </m:sSub>
-                    <m:r>
-                      <a:rPr kumimoji="1" lang="en-US" altLang="ja-JP" b="0" i="1" smtClean="0">
-                        <a:solidFill>
-                          <a:srgbClr val="C00000"/>
-                        </a:solidFill>
-                        <a:latin typeface="Cambria Math" panose="02040503050406030204" pitchFamily="18" charset="0"/>
-                      </a:rPr>
-                      <m:t>)</m:t>
-                    </m:r>
-                    <m:r>
-                      <a:rPr kumimoji="1" lang="en-US" altLang="ja-JP" b="0" i="1" smtClean="0">
-                        <a:latin typeface="Cambria Math" panose="02040503050406030204" pitchFamily="18" charset="0"/>
-                      </a:rPr>
-                      <m:t>+</m:t>
-                    </m:r>
-                    <m:r>
-                      <a:rPr kumimoji="1" lang="en-US" altLang="ja-JP" b="0" i="1" smtClean="0">
-                        <a:solidFill>
-                          <a:schemeClr val="accent1"/>
-                        </a:solidFill>
-                        <a:latin typeface="Cambria Math" panose="02040503050406030204" pitchFamily="18" charset="0"/>
-                      </a:rPr>
-                      <m:t>𝑔</m:t>
-                    </m:r>
-                    <m:d>
-                      <m:dPr>
-                        <m:ctrlPr>
-                          <a:rPr kumimoji="1" lang="en-US" altLang="ja-JP" b="0" i="1" smtClean="0">
-                            <a:solidFill>
-                              <a:schemeClr val="accent1"/>
-                            </a:solidFill>
-                            <a:latin typeface="Cambria Math" panose="02040503050406030204" pitchFamily="18" charset="0"/>
-                          </a:rPr>
-                        </m:ctrlPr>
-                      </m:dPr>
-                      <m:e>
-                        <m:sSub>
-                          <m:sSubPr>
-                            <m:ctrlPr>
-                              <a:rPr kumimoji="1" lang="en-US" altLang="ja-JP" i="1">
-                                <a:solidFill>
-                                  <a:schemeClr val="accent1"/>
-                                </a:solidFill>
-                                <a:latin typeface="Cambria Math" panose="02040503050406030204" pitchFamily="18" charset="0"/>
-                              </a:rPr>
-                            </m:ctrlPr>
-                          </m:sSubPr>
-                          <m:e>
-                            <m:r>
-                              <a:rPr kumimoji="1" lang="en-US" altLang="ja-JP" i="1">
-                                <a:solidFill>
-                                  <a:schemeClr val="accent1"/>
-                                </a:solidFill>
-                                <a:latin typeface="Cambria Math" panose="02040503050406030204" pitchFamily="18" charset="0"/>
-                              </a:rPr>
-                              <m:t>𝑠</m:t>
-                            </m:r>
-                          </m:e>
-                          <m:sub>
-                            <m:r>
-                              <a:rPr kumimoji="1" lang="en-US" altLang="ja-JP" i="1">
-                                <a:solidFill>
-                                  <a:schemeClr val="accent1"/>
-                                </a:solidFill>
-                                <a:latin typeface="Cambria Math" panose="02040503050406030204" pitchFamily="18" charset="0"/>
-                              </a:rPr>
-                              <m:t>𝑡</m:t>
-                            </m:r>
-                          </m:sub>
-                        </m:sSub>
-                      </m:e>
-                    </m:d>
-                    <m:sSub>
-                      <m:sSubPr>
-                        <m:ctrlPr>
-                          <a:rPr kumimoji="1" lang="en-US" altLang="ja-JP" i="1">
-                            <a:latin typeface="Cambria Math" panose="02040503050406030204" pitchFamily="18" charset="0"/>
-                          </a:rPr>
-                        </m:ctrlPr>
-                      </m:sSubPr>
-                      <m:e>
-                        <m:r>
-                          <a:rPr kumimoji="1" lang="en-US" altLang="ja-JP" b="0" i="1" smtClean="0">
-                            <a:latin typeface="Cambria Math" panose="02040503050406030204" pitchFamily="18" charset="0"/>
-                          </a:rPr>
-                          <m:t>𝑎</m:t>
-                        </m:r>
-                      </m:e>
-                      <m:sub>
-                        <m:r>
-                          <a:rPr kumimoji="1" lang="en-US" altLang="ja-JP" i="1">
-                            <a:latin typeface="Cambria Math" panose="02040503050406030204" pitchFamily="18" charset="0"/>
-                          </a:rPr>
-                          <m:t>𝑡</m:t>
-                        </m:r>
-                      </m:sub>
-                    </m:sSub>
-                  </m:oMath>
-                </a14:m>
-                <a:r>
-                  <a:rPr kumimoji="1" lang="en-US" altLang="ja-JP" dirty="0"/>
-                  <a:t> </a:t>
-                </a:r>
-                <a:r>
-                  <a:rPr kumimoji="1" lang="en-US" altLang="ja-JP" dirty="0">
-                    <a:latin typeface="Cambria" panose="02040503050406030204" pitchFamily="18" charset="0"/>
-                  </a:rPr>
-                  <a:t>: nominal model</a:t>
-                </a:r>
-                <a:endParaRPr kumimoji="1" lang="ja-JP" altLang="en-US">
-                  <a:latin typeface="Cambria" panose="02040503050406030204" pitchFamily="18" charset="0"/>
-                </a:endParaRPr>
-              </a:p>
-            </p:txBody>
-          </p:sp>
-        </mc:Choice>
-        <mc:Fallback>
-          <p:sp>
-            <p:nvSpPr>
-              <p:cNvPr id="6" name="テキスト ボックス 5">
-                <a:extLst>
-                  <a:ext uri="{FF2B5EF4-FFF2-40B4-BE49-F238E27FC236}">
-                    <a16:creationId xmlns:a16="http://schemas.microsoft.com/office/drawing/2014/main" id="{BD968A5C-7540-514E-B754-5E6C3F8B2952}"/>
-                  </a:ext>
-                </a:extLst>
-              </p:cNvPr>
-              <p:cNvSpPr txBox="1">
-                <a:spLocks noRot="1" noChangeAspect="1" noMove="1" noResize="1" noEditPoints="1" noAdjustHandles="1" noChangeArrowheads="1" noChangeShapeType="1" noTextEdit="1"/>
-              </p:cNvSpPr>
-              <p:nvPr/>
-            </p:nvSpPr>
-            <p:spPr>
-              <a:xfrm>
-                <a:off x="1924980" y="3244334"/>
-                <a:ext cx="4868640" cy="369332"/>
-              </a:xfrm>
-              <a:prstGeom prst="rect">
-                <a:avLst/>
-              </a:prstGeom>
-              <a:blipFill>
-                <a:blip r:embed="rId3"/>
-                <a:stretch>
-                  <a:fillRect t="-6452" b="-19355"/>
-                </a:stretch>
-              </a:blipFill>
-            </p:spPr>
-            <p:txBody>
-              <a:bodyPr/>
-              <a:lstStyle/>
-              <a:p>
-                <a:r>
-                  <a:rPr lang="ja-JP" altLang="en-US">
-                    <a:noFill/>
-                  </a:rPr>
-                  <a:t> </a:t>
-                </a:r>
-              </a:p>
-            </p:txBody>
-          </p:sp>
-        </mc:Fallback>
-      </mc:AlternateContent>
-      <p:cxnSp>
-        <p:nvCxnSpPr>
-          <p:cNvPr id="9" name="直線コネクタ 8">
-            <a:extLst>
-              <a:ext uri="{FF2B5EF4-FFF2-40B4-BE49-F238E27FC236}">
-                <a16:creationId xmlns:a16="http://schemas.microsoft.com/office/drawing/2014/main" id="{3CFB5A3A-E903-9947-A8A7-510B2901E5E1}"/>
-              </a:ext>
-            </a:extLst>
-          </p:cNvPr>
-          <p:cNvCxnSpPr>
-            <a:cxnSpLocks/>
-          </p:cNvCxnSpPr>
-          <p:nvPr/>
-        </p:nvCxnSpPr>
-        <p:spPr>
-          <a:xfrm>
-            <a:off x="3479180" y="3613666"/>
-            <a:ext cx="546410" cy="0"/>
-          </a:xfrm>
-          <a:prstGeom prst="line">
-            <a:avLst/>
-          </a:prstGeom>
-          <a:ln w="19050">
-            <a:solidFill>
-              <a:srgbClr val="C00000"/>
-            </a:solidFill>
-          </a:ln>
-        </p:spPr>
-        <p:style>
-          <a:lnRef idx="1">
-            <a:schemeClr val="accent1"/>
-          </a:lnRef>
-          <a:fillRef idx="0">
-            <a:schemeClr val="accent1"/>
-          </a:fillRef>
-          <a:effectRef idx="0">
-            <a:schemeClr val="accent1"/>
-          </a:effectRef>
-          <a:fontRef idx="minor">
-            <a:schemeClr val="tx1"/>
-          </a:fontRef>
-        </p:style>
-      </p:cxnSp>
-      <p:sp>
-        <p:nvSpPr>
-          <p:cNvPr id="11" name="テキスト ボックス 10">
-            <a:extLst>
-              <a:ext uri="{FF2B5EF4-FFF2-40B4-BE49-F238E27FC236}">
-                <a16:creationId xmlns:a16="http://schemas.microsoft.com/office/drawing/2014/main" id="{8CA36ED1-5BBA-2C44-97FF-7B4F036A3DB5}"/>
-              </a:ext>
-            </a:extLst>
-          </p:cNvPr>
-          <p:cNvSpPr txBox="1"/>
-          <p:nvPr/>
-        </p:nvSpPr>
-        <p:spPr>
-          <a:xfrm>
-            <a:off x="3639130" y="3552619"/>
-            <a:ext cx="457176" cy="369332"/>
-          </a:xfrm>
-          <a:prstGeom prst="rect">
-            <a:avLst/>
-          </a:prstGeom>
-          <a:noFill/>
-        </p:spPr>
-        <p:txBody>
-          <a:bodyPr wrap="none" rtlCol="0">
-            <a:spAutoFit/>
-          </a:bodyPr>
-          <a:lstStyle/>
-          <a:p>
-            <a:r>
-              <a:rPr kumimoji="1" lang="en-US" altLang="ja-JP" dirty="0">
-                <a:solidFill>
-                  <a:srgbClr val="C00000"/>
-                </a:solidFill>
-                <a:latin typeface="Cambria" panose="02040503050406030204" pitchFamily="18" charset="0"/>
-              </a:rPr>
-              <a:t>GP</a:t>
-            </a:r>
-            <a:endParaRPr kumimoji="1" lang="ja-JP" altLang="en-US">
-              <a:solidFill>
-                <a:srgbClr val="C00000"/>
-              </a:solidFill>
-              <a:latin typeface="Cambria" panose="02040503050406030204" pitchFamily="18" charset="0"/>
-            </a:endParaRPr>
-          </a:p>
-        </p:txBody>
-      </p:sp>
-    </p:spTree>
-    <p:extLst>
-      <p:ext uri="{BB962C8B-B14F-4D97-AF65-F5344CB8AC3E}">
-        <p14:creationId xmlns:p14="http://schemas.microsoft.com/office/powerpoint/2010/main" val="3559829101"/>
-      </p:ext>
-    </p:extLst>
-  </p:cSld>
-  <p:clrMapOvr>
-    <a:masterClrMapping/>
-  </p:clrMapOvr>
-</p:sld>
-</file>
-
-<file path=ppt/slides/slide2.xml><?xml version="1.0" encoding="utf-8"?>
-<p:sld xmlns:a="http://schemas.openxmlformats.org/drawingml/2006/main" xmlns:r="http://schemas.openxmlformats.org/officeDocument/2006/relationships" xmlns:p="http://schemas.openxmlformats.org/presentationml/2006/main">
-  <p:cSld>
-    <p:spTree>
-      <p:nvGrpSpPr>
-        <p:cNvPr id="1" name=""/>
-        <p:cNvGrpSpPr/>
-        <p:nvPr/>
-      </p:nvGrpSpPr>
-      <p:grpSpPr>
-        <a:xfrm>
-          <a:off x="0" y="0"/>
-          <a:ext cx="0" cy="0"/>
-          <a:chOff x="0" y="0"/>
-          <a:chExt cx="0" cy="0"/>
-        </a:xfrm>
-      </p:grpSpPr>
-      <mc:AlternateContent xmlns:mc="http://schemas.openxmlformats.org/markup-compatibility/2006">
-        <mc:Choice xmlns:a14="http://schemas.microsoft.com/office/drawing/2010/main" Requires="a14">
-          <p:sp>
-            <p:nvSpPr>
-              <p:cNvPr id="2" name="コンテンツ プレースホルダー 1">
-                <a:extLst>
-                  <a:ext uri="{FF2B5EF4-FFF2-40B4-BE49-F238E27FC236}">
-                    <a16:creationId xmlns:a16="http://schemas.microsoft.com/office/drawing/2014/main" id="{3FED6889-77F2-3E46-89F5-F563820918EB}"/>
-                  </a:ext>
-                </a:extLst>
-              </p:cNvPr>
-              <p:cNvSpPr>
-                <a:spLocks noGrp="1"/>
-              </p:cNvSpPr>
-              <p:nvPr>
-                <p:ph idx="1"/>
-              </p:nvPr>
-            </p:nvSpPr>
-            <p:spPr/>
-            <p:txBody>
-              <a:bodyPr/>
-              <a:lstStyle/>
-              <a:p>
-                <a:r>
-                  <a:rPr kumimoji="1" lang="en-US" altLang="ja-JP" dirty="0"/>
-                  <a:t>Safety constraint</a:t>
-                </a:r>
-              </a:p>
-              <a:p>
-                <a:pPr lvl="1"/>
-                <a:r>
-                  <a:rPr kumimoji="1" lang="en-US" altLang="ja-JP" dirty="0"/>
-                  <a:t>If CBF </a:t>
-                </a:r>
-                <a14:m>
-                  <m:oMath xmlns:m="http://schemas.openxmlformats.org/officeDocument/2006/math">
-                    <m:r>
-                      <a:rPr kumimoji="1" lang="en-US" altLang="ja-JP" b="0" i="1" smtClean="0">
-                        <a:latin typeface="Cambria Math" panose="02040503050406030204" pitchFamily="18" charset="0"/>
-                      </a:rPr>
-                      <m:t>h</m:t>
-                    </m:r>
-                    <m:r>
-                      <a:rPr kumimoji="1" lang="en-US" altLang="ja-JP" b="0" i="1" smtClean="0">
-                        <a:latin typeface="Cambria Math" panose="02040503050406030204" pitchFamily="18" charset="0"/>
-                      </a:rPr>
-                      <m:t>(</m:t>
-                    </m:r>
-                    <m:r>
-                      <a:rPr kumimoji="1" lang="en-US" altLang="ja-JP" b="0" i="1" smtClean="0">
-                        <a:latin typeface="Cambria Math" panose="02040503050406030204" pitchFamily="18" charset="0"/>
-                      </a:rPr>
-                      <m:t>𝑠</m:t>
-                    </m:r>
-                    <m:r>
-                      <a:rPr kumimoji="1" lang="en-US" altLang="ja-JP" b="0" i="1" smtClean="0">
-                        <a:latin typeface="Cambria Math" panose="02040503050406030204" pitchFamily="18" charset="0"/>
-                      </a:rPr>
-                      <m:t>)</m:t>
-                    </m:r>
-                  </m:oMath>
-                </a14:m>
-                <a:r>
-                  <a:rPr kumimoji="1" lang="en-US" altLang="ja-JP" dirty="0"/>
-                  <a:t> is given, set of safe states is defined as</a:t>
-                </a:r>
-              </a:p>
-              <a:p>
-                <a:pPr lvl="1"/>
-                <a:endParaRPr lang="en-US" altLang="ja-JP" dirty="0"/>
-              </a:p>
-              <a:p>
-                <a:pPr lvl="4"/>
-                <a:endParaRPr kumimoji="1" lang="en-US" altLang="ja-JP" dirty="0"/>
-              </a:p>
-              <a:p>
-                <a:pPr lvl="1"/>
-                <a:endParaRPr lang="en-US" altLang="ja-JP" dirty="0"/>
-              </a:p>
-              <a:p>
-                <a:pPr lvl="1"/>
-                <a:r>
-                  <a:rPr kumimoji="1" lang="en-US" altLang="ja-JP" dirty="0"/>
-                  <a:t>Because </a:t>
+                  <a:t>CBF </a:t>
                 </a:r>
                 <a14:m>
                   <m:oMath xmlns:m="http://schemas.openxmlformats.org/officeDocument/2006/math">
@@ -5004,56 +4170,29 @@
                       </a:rPr>
                       <m:t>h</m:t>
                     </m:r>
-                    <m:d>
-                      <m:dPr>
-                        <m:ctrlPr>
-                          <a:rPr lang="en-US" altLang="ja-JP" i="1">
-                            <a:latin typeface="Cambria Math" panose="02040503050406030204" pitchFamily="18" charset="0"/>
-                          </a:rPr>
-                        </m:ctrlPr>
-                      </m:dPr>
-                      <m:e>
-                        <m:r>
-                          <a:rPr lang="en-US" altLang="ja-JP" i="1">
-                            <a:latin typeface="Cambria Math" panose="02040503050406030204" pitchFamily="18" charset="0"/>
-                          </a:rPr>
-                          <m:t>𝑠</m:t>
-                        </m:r>
-                      </m:e>
-                    </m:d>
-                  </m:oMath>
-                </a14:m>
-                <a:r>
-                  <a:rPr kumimoji="1" lang="en-US" altLang="ja-JP" dirty="0"/>
-                  <a:t> is CBF, following condition is hold for </a:t>
-                </a:r>
-                <a14:m>
-                  <m:oMath xmlns:m="http://schemas.openxmlformats.org/officeDocument/2006/math">
                     <m:r>
-                      <a:rPr kumimoji="1" lang="en-US" altLang="ja-JP" b="0" i="1" smtClean="0">
+                      <a:rPr lang="en-US" altLang="ja-JP" i="1">
                         <a:latin typeface="Cambria Math" panose="02040503050406030204" pitchFamily="18" charset="0"/>
-                        <a:ea typeface="Cambria Math" panose="02040503050406030204" pitchFamily="18" charset="0"/>
                       </a:rPr>
-                      <m:t>∀</m:t>
+                      <m:t>(</m:t>
                     </m:r>
                     <m:r>
-                      <a:rPr kumimoji="1" lang="en-US" altLang="ja-JP" b="0" i="1" smtClean="0">
+                      <a:rPr lang="en-US" altLang="ja-JP" i="1">
                         <a:latin typeface="Cambria Math" panose="02040503050406030204" pitchFamily="18" charset="0"/>
                       </a:rPr>
                       <m:t>𝑠</m:t>
                     </m:r>
                     <m:r>
-                      <a:rPr kumimoji="1" lang="en-US" altLang="ja-JP" b="0" i="1" smtClean="0">
+                      <a:rPr lang="en-US" altLang="ja-JP" i="1">
                         <a:latin typeface="Cambria Math" panose="02040503050406030204" pitchFamily="18" charset="0"/>
-                        <a:ea typeface="Cambria Math" panose="02040503050406030204" pitchFamily="18" charset="0"/>
                       </a:rPr>
-                      <m:t>∈</m:t>
+                      <m:t>)</m:t>
                     </m:r>
                   </m:oMath>
                 </a14:m>
                 <a:r>
                   <a:rPr lang="en-US" altLang="ja-JP" dirty="0"/>
-                  <a:t> </a:t>
+                  <a:t>, safe region </a:t>
                 </a:r>
                 <a14:m>
                   <m:oMath xmlns:m="http://schemas.openxmlformats.org/officeDocument/2006/math">
@@ -5084,25 +4223,48 @@
                     </m:sSub>
                   </m:oMath>
                 </a14:m>
-                <a:endParaRPr kumimoji="1" lang="en-US" altLang="ja-JP" dirty="0"/>
-              </a:p>
-              <a:p>
-                <a:pPr lvl="1"/>
-                <a:endParaRPr lang="en-US" altLang="ja-JP" dirty="0"/>
-              </a:p>
-              <a:p>
-                <a:pPr lvl="1"/>
-                <a:endParaRPr kumimoji="1" lang="en-US" altLang="ja-JP" dirty="0"/>
-              </a:p>
-              <a:p>
-                <a:pPr lvl="1"/>
-                <a:endParaRPr lang="en-US" altLang="ja-JP" dirty="0"/>
-              </a:p>
-              <a:p>
-                <a:pPr lvl="1"/>
                 <a:r>
                   <a:rPr lang="en-US" altLang="ja-JP" dirty="0"/>
-                  <a:t>Set of safe actions</a:t>
+                  <a:t>, safe policy set </a:t>
+                </a:r>
+                <a14:m>
+                  <m:oMath xmlns:m="http://schemas.openxmlformats.org/officeDocument/2006/math">
+                    <m:sSub>
+                      <m:sSubPr>
+                        <m:ctrlPr>
+                          <a:rPr lang="en-US" altLang="ja-JP" i="1">
+                            <a:latin typeface="Cambria Math" panose="02040503050406030204" pitchFamily="18" charset="0"/>
+                            <a:ea typeface="Cambria Math" panose="02040503050406030204" pitchFamily="18" charset="0"/>
+                          </a:rPr>
+                        </m:ctrlPr>
+                      </m:sSubPr>
+                      <m:e>
+                        <m:r>
+                          <m:rPr>
+                            <m:sty m:val="p"/>
+                          </m:rPr>
+                          <a:rPr lang="el-GR" altLang="ja-JP" i="1">
+                            <a:latin typeface="Cambria Math" panose="02040503050406030204" pitchFamily="18" charset="0"/>
+                            <a:ea typeface="Cambria Math" panose="02040503050406030204" pitchFamily="18" charset="0"/>
+                          </a:rPr>
+                          <m:t>Π</m:t>
+                        </m:r>
+                      </m:e>
+                      <m:sub>
+                        <m:r>
+                          <a:rPr lang="en-US" altLang="ja-JP" i="1">
+                            <a:latin typeface="Cambria Math" panose="02040503050406030204" pitchFamily="18" charset="0"/>
+                            <a:ea typeface="Cambria Math" panose="02040503050406030204" pitchFamily="18" charset="0"/>
+                          </a:rPr>
+                          <m:t>𝑠𝑎𝑓𝑒</m:t>
+                        </m:r>
+                      </m:sub>
+                    </m:sSub>
+                  </m:oMath>
+                </a14:m>
+                <a:r>
+                  <a:rPr lang="en-US" altLang="ja-JP" dirty="0"/>
+                  <a:t> </a:t>
                 </a:r>
               </a:p>
               <a:p>
@@ -5115,1609 +4277,19 @@
               </a:p>
               <a:p>
                 <a:pPr lvl="1"/>
-                <a:r>
-                  <a:rPr lang="en-US" altLang="ja-JP" dirty="0"/>
-                  <a:t>Safe policy set</a:t>
-                </a:r>
-              </a:p>
-              <a:p>
-                <a:pPr lvl="1"/>
-                <a:endParaRPr kumimoji="1" lang="en-US" altLang="ja-JP" dirty="0"/>
-              </a:p>
-              <a:p>
-                <a:pPr lvl="1"/>
                 <a:endParaRPr lang="en-US" altLang="ja-JP" dirty="0"/>
               </a:p>
               <a:p>
-                <a:pPr lvl="1"/>
-                <a:endParaRPr kumimoji="1" lang="en-US" altLang="ja-JP" dirty="0"/>
-              </a:p>
-              <a:p>
-                <a:endParaRPr kumimoji="1" lang="ja-JP" altLang="en-US"/>
-              </a:p>
-            </p:txBody>
-          </p:sp>
-        </mc:Choice>
-        <mc:Fallback>
-          <p:sp>
-            <p:nvSpPr>
-              <p:cNvPr id="2" name="コンテンツ プレースホルダー 1">
-                <a:extLst>
-                  <a:ext uri="{FF2B5EF4-FFF2-40B4-BE49-F238E27FC236}">
-                    <a16:creationId xmlns:a16="http://schemas.microsoft.com/office/drawing/2014/main" id="{3FED6889-77F2-3E46-89F5-F563820918EB}"/>
-                  </a:ext>
-                </a:extLst>
-              </p:cNvPr>
-              <p:cNvSpPr>
-                <a:spLocks noGrp="1" noRot="1" noChangeAspect="1" noMove="1" noResize="1" noEditPoints="1" noAdjustHandles="1" noChangeArrowheads="1" noChangeShapeType="1" noTextEdit="1"/>
-              </p:cNvSpPr>
-              <p:nvPr>
-                <p:ph idx="1"/>
-              </p:nvPr>
-            </p:nvSpPr>
-            <p:spPr>
-              <a:blipFill>
-                <a:blip r:embed="rId2"/>
-                <a:stretch>
-                  <a:fillRect l="-598" t="-1266"/>
-                </a:stretch>
-              </a:blipFill>
-            </p:spPr>
-            <p:txBody>
-              <a:bodyPr/>
-              <a:lstStyle/>
-              <a:p>
-                <a:r>
-                  <a:rPr lang="ja-JP" altLang="en-US">
-                    <a:noFill/>
-                  </a:rPr>
-                  <a:t> </a:t>
-                </a:r>
-              </a:p>
-            </p:txBody>
-          </p:sp>
-        </mc:Fallback>
-      </mc:AlternateContent>
-      <p:sp>
-        <p:nvSpPr>
-          <p:cNvPr id="3" name="日付プレースホルダー 2">
-            <a:extLst>
-              <a:ext uri="{FF2B5EF4-FFF2-40B4-BE49-F238E27FC236}">
-                <a16:creationId xmlns:a16="http://schemas.microsoft.com/office/drawing/2014/main" id="{B7863DA7-A329-D14B-AA5B-6BC962632373}"/>
-              </a:ext>
-            </a:extLst>
-          </p:cNvPr>
-          <p:cNvSpPr>
-            <a:spLocks noGrp="1"/>
-          </p:cNvSpPr>
-          <p:nvPr>
-            <p:ph type="dt" sz="half" idx="10"/>
-          </p:nvPr>
-        </p:nvSpPr>
-        <p:spPr/>
-        <p:txBody>
-          <a:bodyPr/>
-          <a:lstStyle/>
-          <a:p>
-            <a:fld id="{90235FA2-C49A-5C4F-85BF-B1D7D24C5B31}" type="datetime1">
-              <a:rPr kumimoji="1" lang="ja-JP" altLang="en-US" smtClean="0"/>
-              <a:t>2020/7/27</a:t>
-            </a:fld>
-            <a:endParaRPr kumimoji="1" lang="ja-JP" altLang="en-US"/>
-          </a:p>
-        </p:txBody>
-      </p:sp>
-      <p:sp>
-        <p:nvSpPr>
-          <p:cNvPr id="4" name="フッター プレースホルダー 3">
-            <a:extLst>
-              <a:ext uri="{FF2B5EF4-FFF2-40B4-BE49-F238E27FC236}">
-                <a16:creationId xmlns:a16="http://schemas.microsoft.com/office/drawing/2014/main" id="{74A4FE38-ED65-1846-B3A9-68305B044FFD}"/>
-              </a:ext>
-            </a:extLst>
-          </p:cNvPr>
-          <p:cNvSpPr>
-            <a:spLocks noGrp="1"/>
-          </p:cNvSpPr>
-          <p:nvPr>
-            <p:ph type="ftr" sz="quarter" idx="11"/>
-          </p:nvPr>
-        </p:nvSpPr>
-        <p:spPr/>
-        <p:txBody>
-          <a:bodyPr/>
-          <a:lstStyle/>
-          <a:p>
-            <a:r>
-              <a:rPr kumimoji="1" lang="en-US" altLang="ja-JP" dirty="0"/>
-              <a:t>Control System Theory Group</a:t>
-            </a:r>
-            <a:endParaRPr kumimoji="1" lang="ja-JP" altLang="en-US"/>
-          </a:p>
-        </p:txBody>
-      </p:sp>
-      <p:sp>
-        <p:nvSpPr>
-          <p:cNvPr id="5" name="タイトル 4">
-            <a:extLst>
-              <a:ext uri="{FF2B5EF4-FFF2-40B4-BE49-F238E27FC236}">
-                <a16:creationId xmlns:a16="http://schemas.microsoft.com/office/drawing/2014/main" id="{B5D0E3E5-B501-094B-9582-D6EFEC4E5E1D}"/>
-              </a:ext>
-            </a:extLst>
-          </p:cNvPr>
-          <p:cNvSpPr>
-            <a:spLocks noGrp="1"/>
-          </p:cNvSpPr>
-          <p:nvPr>
-            <p:ph type="title"/>
-          </p:nvPr>
-        </p:nvSpPr>
-        <p:spPr/>
-        <p:txBody>
-          <a:bodyPr/>
-          <a:lstStyle/>
-          <a:p>
-            <a:r>
-              <a:rPr kumimoji="1" lang="en-US" altLang="ja-JP" dirty="0"/>
-              <a:t>Weekly Report</a:t>
-            </a:r>
-            <a:endParaRPr kumimoji="1" lang="ja-JP" altLang="en-US"/>
-          </a:p>
-        </p:txBody>
-      </p:sp>
-      <mc:AlternateContent xmlns:mc="http://schemas.openxmlformats.org/markup-compatibility/2006">
-        <mc:Choice xmlns:a14="http://schemas.microsoft.com/office/drawing/2010/main" Requires="a14">
-          <p:sp>
-            <p:nvSpPr>
-              <p:cNvPr id="6" name="テキスト ボックス 5">
-                <a:extLst>
-                  <a:ext uri="{FF2B5EF4-FFF2-40B4-BE49-F238E27FC236}">
-                    <a16:creationId xmlns:a16="http://schemas.microsoft.com/office/drawing/2014/main" id="{E4188789-97C9-F749-BA0C-4A56291350A8}"/>
-                  </a:ext>
-                </a:extLst>
-              </p:cNvPr>
-              <p:cNvSpPr txBox="1"/>
-              <p:nvPr/>
-            </p:nvSpPr>
-            <p:spPr>
-              <a:xfrm>
-                <a:off x="1657350" y="2002832"/>
-                <a:ext cx="2775632" cy="391582"/>
-              </a:xfrm>
-              <a:prstGeom prst="rect">
-                <a:avLst/>
-              </a:prstGeom>
-              <a:noFill/>
-            </p:spPr>
-            <p:txBody>
-              <a:bodyPr wrap="none" rtlCol="0">
-                <a:spAutoFit/>
-              </a:bodyPr>
-              <a:lstStyle/>
-              <a:p>
-                <a14:m>
-                  <m:oMathPara xmlns:m="http://schemas.openxmlformats.org/officeDocument/2006/math">
-                    <m:oMathParaPr>
-                      <m:jc m:val="centerGroup"/>
-                    </m:oMathParaPr>
-                    <m:oMath xmlns:m="http://schemas.openxmlformats.org/officeDocument/2006/math">
-                      <m:sSub>
-                        <m:sSubPr>
-                          <m:ctrlPr>
-                            <a:rPr kumimoji="1" lang="en-US" altLang="ja-JP" b="0" i="1" smtClean="0">
-                              <a:latin typeface="Cambria Math" panose="02040503050406030204" pitchFamily="18" charset="0"/>
-                            </a:rPr>
-                          </m:ctrlPr>
-                        </m:sSubPr>
-                        <m:e>
-                          <m:r>
-                            <a:rPr kumimoji="1" lang="en-US" altLang="ja-JP" b="0" i="1" smtClean="0">
-                              <a:latin typeface="Cambria Math" panose="02040503050406030204" pitchFamily="18" charset="0"/>
-                            </a:rPr>
-                            <m:t>𝑆</m:t>
-                          </m:r>
-                        </m:e>
-                        <m:sub>
-                          <m:r>
-                            <a:rPr kumimoji="1" lang="en-US" altLang="ja-JP" b="0" i="1" smtClean="0">
-                              <a:latin typeface="Cambria Math" panose="02040503050406030204" pitchFamily="18" charset="0"/>
-                            </a:rPr>
-                            <m:t>𝑠𝑎𝑓𝑒</m:t>
-                          </m:r>
-                        </m:sub>
-                      </m:sSub>
-                      <m:r>
-                        <a:rPr kumimoji="1" lang="en-US" altLang="ja-JP" b="0" i="1" smtClean="0">
-                          <a:latin typeface="Cambria Math" panose="02040503050406030204" pitchFamily="18" charset="0"/>
-                        </a:rPr>
-                        <m:t>=</m:t>
-                      </m:r>
-                      <m:d>
-                        <m:dPr>
-                          <m:begChr m:val="{"/>
-                          <m:endChr m:val="|"/>
-                          <m:ctrlPr>
-                            <a:rPr kumimoji="1" lang="en-US" altLang="ja-JP" b="0" i="1" smtClean="0">
-                              <a:latin typeface="Cambria Math" panose="02040503050406030204" pitchFamily="18" charset="0"/>
-                            </a:rPr>
-                          </m:ctrlPr>
-                        </m:dPr>
-                        <m:e>
-                          <m:r>
-                            <a:rPr kumimoji="1" lang="en-US" altLang="ja-JP" b="0" i="1" smtClean="0">
-                              <a:latin typeface="Cambria Math" panose="02040503050406030204" pitchFamily="18" charset="0"/>
-                            </a:rPr>
-                            <m:t>𝑠</m:t>
-                          </m:r>
-                          <m:r>
-                            <a:rPr kumimoji="1" lang="en-US" altLang="ja-JP" b="0" i="1" smtClean="0">
-                              <a:latin typeface="Cambria Math" panose="02040503050406030204" pitchFamily="18" charset="0"/>
-                              <a:ea typeface="Cambria Math" panose="02040503050406030204" pitchFamily="18" charset="0"/>
-                            </a:rPr>
-                            <m:t>∈</m:t>
-                          </m:r>
-                          <m:r>
-                            <a:rPr kumimoji="1" lang="en-US" altLang="ja-JP" b="0" i="1" smtClean="0">
-                              <a:latin typeface="Cambria Math" panose="02040503050406030204" pitchFamily="18" charset="0"/>
-                              <a:ea typeface="Cambria Math" panose="02040503050406030204" pitchFamily="18" charset="0"/>
-                            </a:rPr>
-                            <m:t>𝑆</m:t>
-                          </m:r>
-                          <m:r>
-                            <a:rPr kumimoji="1" lang="en-US" altLang="ja-JP" b="0" i="1" smtClean="0">
-                              <a:latin typeface="Cambria Math" panose="02040503050406030204" pitchFamily="18" charset="0"/>
-                              <a:ea typeface="Cambria Math" panose="02040503050406030204" pitchFamily="18" charset="0"/>
-                            </a:rPr>
-                            <m:t> </m:t>
-                          </m:r>
-                        </m:e>
-                      </m:d>
-                      <m:r>
-                        <a:rPr kumimoji="1" lang="en-US" altLang="ja-JP" b="0" i="1" smtClean="0">
-                          <a:latin typeface="Cambria Math" panose="02040503050406030204" pitchFamily="18" charset="0"/>
-                          <a:ea typeface="Cambria Math" panose="02040503050406030204" pitchFamily="18" charset="0"/>
-                        </a:rPr>
-                        <m:t> </m:t>
-                      </m:r>
-                      <m:r>
-                        <a:rPr kumimoji="1" lang="en-US" altLang="ja-JP" b="0" i="1" smtClean="0">
-                          <a:latin typeface="Cambria Math" panose="02040503050406030204" pitchFamily="18" charset="0"/>
-                          <a:ea typeface="Cambria Math" panose="02040503050406030204" pitchFamily="18" charset="0"/>
-                        </a:rPr>
-                        <m:t>h</m:t>
-                      </m:r>
-                      <m:r>
-                        <a:rPr kumimoji="1" lang="en-US" altLang="ja-JP" b="0" i="1" smtClean="0">
-                          <a:latin typeface="Cambria Math" panose="02040503050406030204" pitchFamily="18" charset="0"/>
-                          <a:ea typeface="Cambria Math" panose="02040503050406030204" pitchFamily="18" charset="0"/>
-                        </a:rPr>
-                        <m:t>(</m:t>
-                      </m:r>
-                      <m:r>
-                        <a:rPr kumimoji="1" lang="en-US" altLang="ja-JP" b="0" i="1" smtClean="0">
-                          <a:latin typeface="Cambria Math" panose="02040503050406030204" pitchFamily="18" charset="0"/>
-                          <a:ea typeface="Cambria Math" panose="02040503050406030204" pitchFamily="18" charset="0"/>
-                        </a:rPr>
-                        <m:t>𝑠</m:t>
-                      </m:r>
-                      <m:r>
-                        <a:rPr kumimoji="1" lang="en-US" altLang="ja-JP" b="0" i="1" smtClean="0">
-                          <a:latin typeface="Cambria Math" panose="02040503050406030204" pitchFamily="18" charset="0"/>
-                          <a:ea typeface="Cambria Math" panose="02040503050406030204" pitchFamily="18" charset="0"/>
-                        </a:rPr>
-                        <m:t>)≥0}</m:t>
-                      </m:r>
-                    </m:oMath>
-                  </m:oMathPara>
-                </a14:m>
-                <a:endParaRPr kumimoji="1" lang="ja-JP" altLang="en-US">
-                  <a:latin typeface="Cambria" panose="02040503050406030204" pitchFamily="18" charset="0"/>
-                </a:endParaRPr>
-              </a:p>
-            </p:txBody>
-          </p:sp>
-        </mc:Choice>
-        <mc:Fallback>
-          <p:sp>
-            <p:nvSpPr>
-              <p:cNvPr id="6" name="テキスト ボックス 5">
-                <a:extLst>
-                  <a:ext uri="{FF2B5EF4-FFF2-40B4-BE49-F238E27FC236}">
-                    <a16:creationId xmlns:a16="http://schemas.microsoft.com/office/drawing/2014/main" id="{E4188789-97C9-F749-BA0C-4A56291350A8}"/>
-                  </a:ext>
-                </a:extLst>
-              </p:cNvPr>
-              <p:cNvSpPr txBox="1">
-                <a:spLocks noRot="1" noChangeAspect="1" noMove="1" noResize="1" noEditPoints="1" noAdjustHandles="1" noChangeArrowheads="1" noChangeShapeType="1" noTextEdit="1"/>
-              </p:cNvSpPr>
-              <p:nvPr/>
-            </p:nvSpPr>
-            <p:spPr>
-              <a:xfrm>
-                <a:off x="1657350" y="2002832"/>
-                <a:ext cx="2775632" cy="391582"/>
-              </a:xfrm>
-              <a:prstGeom prst="rect">
-                <a:avLst/>
-              </a:prstGeom>
-              <a:blipFill>
-                <a:blip r:embed="rId3"/>
-                <a:stretch>
-                  <a:fillRect b="-6250"/>
-                </a:stretch>
-              </a:blipFill>
-            </p:spPr>
-            <p:txBody>
-              <a:bodyPr/>
-              <a:lstStyle/>
-              <a:p>
-                <a:r>
-                  <a:rPr lang="ja-JP" altLang="en-US">
-                    <a:noFill/>
-                  </a:rPr>
-                  <a:t> </a:t>
-                </a:r>
-              </a:p>
-            </p:txBody>
-          </p:sp>
-        </mc:Fallback>
-      </mc:AlternateContent>
-      <mc:AlternateContent xmlns:mc="http://schemas.openxmlformats.org/markup-compatibility/2006">
-        <mc:Choice xmlns:a14="http://schemas.microsoft.com/office/drawing/2010/main" Requires="a14">
-          <p:sp>
-            <p:nvSpPr>
-              <p:cNvPr id="7" name="テキスト ボックス 6">
-                <a:extLst>
-                  <a:ext uri="{FF2B5EF4-FFF2-40B4-BE49-F238E27FC236}">
-                    <a16:creationId xmlns:a16="http://schemas.microsoft.com/office/drawing/2014/main" id="{D998A710-F99C-BE4D-B2AC-4AAC2B12ACA1}"/>
-                  </a:ext>
-                </a:extLst>
-              </p:cNvPr>
-              <p:cNvSpPr txBox="1"/>
-              <p:nvPr/>
-            </p:nvSpPr>
-            <p:spPr>
-              <a:xfrm>
-                <a:off x="1641134" y="3294223"/>
-                <a:ext cx="4915513" cy="626967"/>
-              </a:xfrm>
-              <a:prstGeom prst="rect">
-                <a:avLst/>
-              </a:prstGeom>
-              <a:noFill/>
-            </p:spPr>
-            <p:txBody>
-              <a:bodyPr wrap="none" rtlCol="0">
-                <a:spAutoFit/>
-              </a:bodyPr>
-              <a:lstStyle/>
-              <a:p>
-                <a14:m>
-                  <m:oMathPara xmlns:m="http://schemas.openxmlformats.org/officeDocument/2006/math">
-                    <m:oMathParaPr>
-                      <m:jc m:val="centerGroup"/>
-                    </m:oMathParaPr>
-                    <m:oMath xmlns:m="http://schemas.openxmlformats.org/officeDocument/2006/math">
-                      <m:sSub>
-                        <m:sSubPr>
-                          <m:ctrlPr>
-                            <a:rPr kumimoji="1" lang="en-US" altLang="ja-JP" b="0" i="1" smtClean="0">
-                              <a:solidFill>
-                                <a:schemeClr val="tx1"/>
-                              </a:solidFill>
-                              <a:latin typeface="Cambria Math" panose="02040503050406030204" pitchFamily="18" charset="0"/>
-                              <a:ea typeface="Cambria Math" panose="02040503050406030204" pitchFamily="18" charset="0"/>
-                            </a:rPr>
-                          </m:ctrlPr>
-                        </m:sSubPr>
-                        <m:e>
-                          <m:r>
-                            <m:rPr>
-                              <m:sty m:val="p"/>
-                            </m:rPr>
-                            <a:rPr kumimoji="1" lang="en-US" altLang="ja-JP" b="0" i="0" smtClean="0">
-                              <a:solidFill>
-                                <a:schemeClr val="tx1"/>
-                              </a:solidFill>
-                              <a:latin typeface="Cambria Math" panose="02040503050406030204" pitchFamily="18" charset="0"/>
-                              <a:ea typeface="Cambria Math" panose="02040503050406030204" pitchFamily="18" charset="0"/>
-                            </a:rPr>
-                            <m:t>sup</m:t>
-                          </m:r>
-                        </m:e>
-                        <m:sub>
-                          <m:r>
-                            <a:rPr kumimoji="1" lang="en-US" altLang="ja-JP" b="0" i="1" smtClean="0">
-                              <a:solidFill>
-                                <a:schemeClr val="tx1"/>
-                              </a:solidFill>
-                              <a:latin typeface="Cambria Math" panose="02040503050406030204" pitchFamily="18" charset="0"/>
-                              <a:ea typeface="Cambria Math" panose="02040503050406030204" pitchFamily="18" charset="0"/>
-                            </a:rPr>
-                            <m:t>𝑎</m:t>
-                          </m:r>
-                          <m:r>
-                            <a:rPr kumimoji="1" lang="en-US" altLang="ja-JP" b="0" i="1" smtClean="0">
-                              <a:solidFill>
-                                <a:schemeClr val="tx1"/>
-                              </a:solidFill>
-                              <a:latin typeface="Cambria Math" panose="02040503050406030204" pitchFamily="18" charset="0"/>
-                              <a:ea typeface="Cambria Math" panose="02040503050406030204" pitchFamily="18" charset="0"/>
-                            </a:rPr>
-                            <m:t>∈</m:t>
-                          </m:r>
-                          <m:r>
-                            <a:rPr kumimoji="1" lang="en-US" altLang="ja-JP" b="0" i="1" smtClean="0">
-                              <a:solidFill>
-                                <a:schemeClr val="tx1"/>
-                              </a:solidFill>
-                              <a:latin typeface="Cambria Math" panose="02040503050406030204" pitchFamily="18" charset="0"/>
-                              <a:ea typeface="Cambria Math" panose="02040503050406030204" pitchFamily="18" charset="0"/>
-                            </a:rPr>
-                            <m:t>𝐴</m:t>
-                          </m:r>
-                        </m:sub>
-                      </m:sSub>
-                      <m:d>
-                        <m:dPr>
-                          <m:begChr m:val="{"/>
-                          <m:endChr m:val="}"/>
-                          <m:ctrlPr>
-                            <a:rPr kumimoji="1" lang="en-US" altLang="ja-JP" b="0" i="1" smtClean="0">
-                              <a:solidFill>
-                                <a:schemeClr val="tx1"/>
-                              </a:solidFill>
-                              <a:latin typeface="Cambria Math" panose="02040503050406030204" pitchFamily="18" charset="0"/>
-                              <a:ea typeface="Cambria Math" panose="02040503050406030204" pitchFamily="18" charset="0"/>
-                            </a:rPr>
-                          </m:ctrlPr>
-                        </m:dPr>
-                        <m:e>
-                          <m:f>
-                            <m:fPr>
-                              <m:ctrlPr>
-                                <a:rPr kumimoji="1" lang="en-US" altLang="ja-JP" b="0" i="1" smtClean="0">
-                                  <a:solidFill>
-                                    <a:schemeClr val="tx1"/>
-                                  </a:solidFill>
-                                  <a:latin typeface="Cambria Math" panose="02040503050406030204" pitchFamily="18" charset="0"/>
-                                  <a:ea typeface="Cambria Math" panose="02040503050406030204" pitchFamily="18" charset="0"/>
-                                </a:rPr>
-                              </m:ctrlPr>
-                            </m:fPr>
-                            <m:num>
-                              <m:r>
-                                <a:rPr kumimoji="1" lang="en-US" altLang="ja-JP" b="0" i="1" smtClean="0">
-                                  <a:solidFill>
-                                    <a:schemeClr val="tx1"/>
-                                  </a:solidFill>
-                                  <a:latin typeface="Cambria Math" panose="02040503050406030204" pitchFamily="18" charset="0"/>
-                                  <a:ea typeface="Cambria Math" panose="02040503050406030204" pitchFamily="18" charset="0"/>
-                                </a:rPr>
-                                <m:t>𝜕</m:t>
-                              </m:r>
-                              <m:r>
-                                <a:rPr kumimoji="1" lang="en-US" altLang="ja-JP" b="0" i="1" smtClean="0">
-                                  <a:solidFill>
-                                    <a:schemeClr val="tx1"/>
-                                  </a:solidFill>
-                                  <a:latin typeface="Cambria Math" panose="02040503050406030204" pitchFamily="18" charset="0"/>
-                                  <a:ea typeface="Cambria Math" panose="02040503050406030204" pitchFamily="18" charset="0"/>
-                                </a:rPr>
-                                <m:t>h</m:t>
-                              </m:r>
-                            </m:num>
-                            <m:den>
-                              <m:r>
-                                <a:rPr kumimoji="1" lang="en-US" altLang="ja-JP" b="0" i="1" smtClean="0">
-                                  <a:solidFill>
-                                    <a:schemeClr val="tx1"/>
-                                  </a:solidFill>
-                                  <a:latin typeface="Cambria Math" panose="02040503050406030204" pitchFamily="18" charset="0"/>
-                                  <a:ea typeface="Cambria Math" panose="02040503050406030204" pitchFamily="18" charset="0"/>
-                                </a:rPr>
-                                <m:t>𝜕</m:t>
-                              </m:r>
-                              <m:r>
-                                <a:rPr kumimoji="1" lang="en-US" altLang="ja-JP" b="0" i="1" smtClean="0">
-                                  <a:solidFill>
-                                    <a:schemeClr val="tx1"/>
-                                  </a:solidFill>
-                                  <a:latin typeface="Cambria Math" panose="02040503050406030204" pitchFamily="18" charset="0"/>
-                                  <a:ea typeface="Cambria Math" panose="02040503050406030204" pitchFamily="18" charset="0"/>
-                                </a:rPr>
-                                <m:t>𝑠</m:t>
-                              </m:r>
-                            </m:den>
-                          </m:f>
-                          <m:d>
-                            <m:dPr>
-                              <m:ctrlPr>
-                                <a:rPr kumimoji="1" lang="en-US" altLang="ja-JP" b="0" i="1" smtClean="0">
-                                  <a:solidFill>
-                                    <a:schemeClr val="tx1"/>
-                                  </a:solidFill>
-                                  <a:latin typeface="Cambria Math" panose="02040503050406030204" pitchFamily="18" charset="0"/>
-                                  <a:ea typeface="Cambria Math" panose="02040503050406030204" pitchFamily="18" charset="0"/>
-                                </a:rPr>
-                              </m:ctrlPr>
-                            </m:dPr>
-                            <m:e>
-                              <m:r>
-                                <a:rPr kumimoji="1" lang="en-US" altLang="ja-JP" i="1">
-                                  <a:solidFill>
-                                    <a:schemeClr val="tx1"/>
-                                  </a:solidFill>
-                                  <a:latin typeface="Cambria Math" panose="02040503050406030204" pitchFamily="18" charset="0"/>
-                                </a:rPr>
-                                <m:t>𝑓</m:t>
-                              </m:r>
-                              <m:d>
-                                <m:dPr>
-                                  <m:ctrlPr>
-                                    <a:rPr kumimoji="1" lang="en-US" altLang="ja-JP" i="1">
-                                      <a:solidFill>
-                                        <a:schemeClr val="tx1"/>
-                                      </a:solidFill>
-                                      <a:latin typeface="Cambria Math" panose="02040503050406030204" pitchFamily="18" charset="0"/>
-                                    </a:rPr>
-                                  </m:ctrlPr>
-                                </m:dPr>
-                                <m:e>
-                                  <m:r>
-                                    <a:rPr kumimoji="1" lang="en-US" altLang="ja-JP" b="0" i="1" smtClean="0">
-                                      <a:solidFill>
-                                        <a:schemeClr val="tx1"/>
-                                      </a:solidFill>
-                                      <a:latin typeface="Cambria Math" panose="02040503050406030204" pitchFamily="18" charset="0"/>
-                                    </a:rPr>
-                                    <m:t>𝑠</m:t>
-                                  </m:r>
-                                </m:e>
-                              </m:d>
-                              <m:r>
-                                <a:rPr kumimoji="1" lang="en-US" altLang="ja-JP" i="1">
-                                  <a:solidFill>
-                                    <a:schemeClr val="tx1"/>
-                                  </a:solidFill>
-                                  <a:latin typeface="Cambria Math" panose="02040503050406030204" pitchFamily="18" charset="0"/>
-                                </a:rPr>
-                                <m:t>+</m:t>
-                              </m:r>
-                              <m:r>
-                                <a:rPr kumimoji="1" lang="en-US" altLang="ja-JP" i="1">
-                                  <a:solidFill>
-                                    <a:schemeClr val="tx1"/>
-                                  </a:solidFill>
-                                  <a:latin typeface="Cambria Math" panose="02040503050406030204" pitchFamily="18" charset="0"/>
-                                </a:rPr>
-                                <m:t>𝑑</m:t>
-                              </m:r>
-                              <m:d>
-                                <m:dPr>
-                                  <m:ctrlPr>
-                                    <a:rPr kumimoji="1" lang="en-US" altLang="ja-JP" i="1">
-                                      <a:solidFill>
-                                        <a:schemeClr val="tx1"/>
-                                      </a:solidFill>
-                                      <a:latin typeface="Cambria Math" panose="02040503050406030204" pitchFamily="18" charset="0"/>
-                                    </a:rPr>
-                                  </m:ctrlPr>
-                                </m:dPr>
-                                <m:e>
-                                  <m:r>
-                                    <a:rPr kumimoji="1" lang="en-US" altLang="ja-JP" b="0" i="1" smtClean="0">
-                                      <a:solidFill>
-                                        <a:schemeClr val="tx1"/>
-                                      </a:solidFill>
-                                      <a:latin typeface="Cambria Math" panose="02040503050406030204" pitchFamily="18" charset="0"/>
-                                    </a:rPr>
-                                    <m:t>𝑠</m:t>
-                                  </m:r>
-                                </m:e>
-                              </m:d>
-                              <m:r>
-                                <a:rPr kumimoji="1" lang="en-US" altLang="ja-JP" i="1">
-                                  <a:solidFill>
-                                    <a:schemeClr val="tx1"/>
-                                  </a:solidFill>
-                                  <a:latin typeface="Cambria Math" panose="02040503050406030204" pitchFamily="18" charset="0"/>
-                                </a:rPr>
-                                <m:t>+</m:t>
-                              </m:r>
-                              <m:r>
-                                <a:rPr kumimoji="1" lang="en-US" altLang="ja-JP" i="1">
-                                  <a:solidFill>
-                                    <a:schemeClr val="tx1"/>
-                                  </a:solidFill>
-                                  <a:latin typeface="Cambria Math" panose="02040503050406030204" pitchFamily="18" charset="0"/>
-                                </a:rPr>
-                                <m:t>𝑔</m:t>
-                              </m:r>
-                              <m:d>
-                                <m:dPr>
-                                  <m:ctrlPr>
-                                    <a:rPr kumimoji="1" lang="en-US" altLang="ja-JP" i="1">
-                                      <a:solidFill>
-                                        <a:schemeClr val="tx1"/>
-                                      </a:solidFill>
-                                      <a:latin typeface="Cambria Math" panose="02040503050406030204" pitchFamily="18" charset="0"/>
-                                    </a:rPr>
-                                  </m:ctrlPr>
-                                </m:dPr>
-                                <m:e>
-                                  <m:r>
-                                    <a:rPr kumimoji="1" lang="en-US" altLang="ja-JP" b="0" i="1" smtClean="0">
-                                      <a:solidFill>
-                                        <a:schemeClr val="tx1"/>
-                                      </a:solidFill>
-                                      <a:latin typeface="Cambria Math" panose="02040503050406030204" pitchFamily="18" charset="0"/>
-                                    </a:rPr>
-                                    <m:t>𝑠</m:t>
-                                  </m:r>
-                                </m:e>
-                              </m:d>
-                              <m:r>
-                                <a:rPr kumimoji="1" lang="en-US" altLang="ja-JP" b="0" i="1" smtClean="0">
-                                  <a:solidFill>
-                                    <a:schemeClr val="tx1"/>
-                                  </a:solidFill>
-                                  <a:latin typeface="Cambria Math" panose="02040503050406030204" pitchFamily="18" charset="0"/>
-                                </a:rPr>
-                                <m:t>𝑎</m:t>
-                              </m:r>
-                            </m:e>
-                          </m:d>
-                          <m:r>
-                            <a:rPr kumimoji="1" lang="en-US" altLang="ja-JP" b="0" i="1" smtClean="0">
-                              <a:solidFill>
-                                <a:schemeClr val="tx1"/>
-                              </a:solidFill>
-                              <a:latin typeface="Cambria Math" panose="02040503050406030204" pitchFamily="18" charset="0"/>
-                              <a:ea typeface="Cambria Math" panose="02040503050406030204" pitchFamily="18" charset="0"/>
-                            </a:rPr>
-                            <m:t>+</m:t>
-                          </m:r>
-                          <m:r>
-                            <a:rPr kumimoji="1" lang="en-US" altLang="ja-JP" b="0" i="1" smtClean="0">
-                              <a:solidFill>
-                                <a:schemeClr val="tx1"/>
-                              </a:solidFill>
-                              <a:latin typeface="Cambria Math" panose="02040503050406030204" pitchFamily="18" charset="0"/>
-                              <a:ea typeface="Cambria Math" panose="02040503050406030204" pitchFamily="18" charset="0"/>
-                            </a:rPr>
-                            <m:t>𝛾</m:t>
-                          </m:r>
-                          <m:r>
-                            <a:rPr kumimoji="1" lang="en-US" altLang="ja-JP" b="0" i="1" smtClean="0">
-                              <a:solidFill>
-                                <a:schemeClr val="tx1"/>
-                              </a:solidFill>
-                              <a:latin typeface="Cambria Math" panose="02040503050406030204" pitchFamily="18" charset="0"/>
-                              <a:ea typeface="Cambria Math" panose="02040503050406030204" pitchFamily="18" charset="0"/>
-                            </a:rPr>
-                            <m:t>h</m:t>
-                          </m:r>
-                          <m:d>
-                            <m:dPr>
-                              <m:ctrlPr>
-                                <a:rPr kumimoji="1" lang="en-US" altLang="ja-JP" b="0" i="1" smtClean="0">
-                                  <a:solidFill>
-                                    <a:schemeClr val="tx1"/>
-                                  </a:solidFill>
-                                  <a:latin typeface="Cambria Math" panose="02040503050406030204" pitchFamily="18" charset="0"/>
-                                  <a:ea typeface="Cambria Math" panose="02040503050406030204" pitchFamily="18" charset="0"/>
-                                </a:rPr>
-                              </m:ctrlPr>
-                            </m:dPr>
-                            <m:e>
-                              <m:r>
-                                <a:rPr kumimoji="1" lang="en-US" altLang="ja-JP" b="0" i="1" smtClean="0">
-                                  <a:solidFill>
-                                    <a:schemeClr val="tx1"/>
-                                  </a:solidFill>
-                                  <a:latin typeface="Cambria Math" panose="02040503050406030204" pitchFamily="18" charset="0"/>
-                                  <a:ea typeface="Cambria Math" panose="02040503050406030204" pitchFamily="18" charset="0"/>
-                                </a:rPr>
-                                <m:t>𝑠</m:t>
-                              </m:r>
-                            </m:e>
-                          </m:d>
-                        </m:e>
-                      </m:d>
-                      <m:r>
-                        <a:rPr kumimoji="1" lang="en-US" altLang="ja-JP" b="0" i="1" smtClean="0">
-                          <a:solidFill>
-                            <a:schemeClr val="tx1"/>
-                          </a:solidFill>
-                          <a:latin typeface="Cambria Math" panose="02040503050406030204" pitchFamily="18" charset="0"/>
-                          <a:ea typeface="Cambria Math" panose="02040503050406030204" pitchFamily="18" charset="0"/>
-                        </a:rPr>
-                        <m:t>≥0</m:t>
-                      </m:r>
-                    </m:oMath>
-                  </m:oMathPara>
-                </a14:m>
-                <a:endParaRPr kumimoji="1" lang="ja-JP" altLang="en-US">
-                  <a:solidFill>
-                    <a:schemeClr val="tx1"/>
-                  </a:solidFill>
-                  <a:latin typeface="Cambria" panose="02040503050406030204" pitchFamily="18" charset="0"/>
-                </a:endParaRPr>
-              </a:p>
-            </p:txBody>
-          </p:sp>
-        </mc:Choice>
-        <mc:Fallback>
-          <p:sp>
-            <p:nvSpPr>
-              <p:cNvPr id="7" name="テキスト ボックス 6">
-                <a:extLst>
-                  <a:ext uri="{FF2B5EF4-FFF2-40B4-BE49-F238E27FC236}">
-                    <a16:creationId xmlns:a16="http://schemas.microsoft.com/office/drawing/2014/main" id="{D998A710-F99C-BE4D-B2AC-4AAC2B12ACA1}"/>
-                  </a:ext>
-                </a:extLst>
-              </p:cNvPr>
-              <p:cNvSpPr txBox="1">
-                <a:spLocks noRot="1" noChangeAspect="1" noMove="1" noResize="1" noEditPoints="1" noAdjustHandles="1" noChangeArrowheads="1" noChangeShapeType="1" noTextEdit="1"/>
-              </p:cNvSpPr>
-              <p:nvPr/>
-            </p:nvSpPr>
-            <p:spPr>
-              <a:xfrm>
-                <a:off x="1641134" y="3294223"/>
-                <a:ext cx="4915513" cy="626967"/>
-              </a:xfrm>
-              <a:prstGeom prst="rect">
-                <a:avLst/>
-              </a:prstGeom>
-              <a:blipFill>
-                <a:blip r:embed="rId4"/>
-                <a:stretch>
-                  <a:fillRect b="-1961"/>
-                </a:stretch>
-              </a:blipFill>
-            </p:spPr>
-            <p:txBody>
-              <a:bodyPr/>
-              <a:lstStyle/>
-              <a:p>
-                <a:r>
-                  <a:rPr lang="ja-JP" altLang="en-US">
-                    <a:noFill/>
-                  </a:rPr>
-                  <a:t> </a:t>
-                </a:r>
-              </a:p>
-            </p:txBody>
-          </p:sp>
-        </mc:Fallback>
-      </mc:AlternateContent>
-      <mc:AlternateContent xmlns:mc="http://schemas.openxmlformats.org/markup-compatibility/2006">
-        <mc:Choice xmlns:a14="http://schemas.microsoft.com/office/drawing/2010/main" Requires="a14">
-          <p:sp>
-            <p:nvSpPr>
-              <p:cNvPr id="8" name="テキスト ボックス 7">
-                <a:extLst>
-                  <a:ext uri="{FF2B5EF4-FFF2-40B4-BE49-F238E27FC236}">
-                    <a16:creationId xmlns:a16="http://schemas.microsoft.com/office/drawing/2014/main" id="{4B5534DC-B794-A54A-AE5D-CB20916D3B82}"/>
-                  </a:ext>
-                </a:extLst>
-              </p:cNvPr>
-              <p:cNvSpPr txBox="1"/>
-              <p:nvPr/>
-            </p:nvSpPr>
-            <p:spPr>
-              <a:xfrm>
-                <a:off x="1637687" y="4529859"/>
-                <a:ext cx="5669629" cy="619080"/>
-              </a:xfrm>
-              <a:prstGeom prst="rect">
-                <a:avLst/>
-              </a:prstGeom>
-              <a:noFill/>
-            </p:spPr>
-            <p:txBody>
-              <a:bodyPr wrap="none" rtlCol="0">
-                <a:spAutoFit/>
-              </a:bodyPr>
-              <a:lstStyle/>
-              <a:p>
-                <a14:m>
-                  <m:oMathPara xmlns:m="http://schemas.openxmlformats.org/officeDocument/2006/math">
-                    <m:oMathParaPr>
-                      <m:jc m:val="centerGroup"/>
-                    </m:oMathParaPr>
-                    <m:oMath xmlns:m="http://schemas.openxmlformats.org/officeDocument/2006/math">
-                      <m:r>
-                        <a:rPr kumimoji="1" lang="en-US" altLang="ja-JP" i="1" smtClean="0">
-                          <a:latin typeface="Cambria Math" panose="02040503050406030204" pitchFamily="18" charset="0"/>
-                          <a:ea typeface="Cambria Math" panose="02040503050406030204" pitchFamily="18" charset="0"/>
-                        </a:rPr>
-                        <m:t>𝑈</m:t>
-                      </m:r>
-                      <m:d>
-                        <m:dPr>
-                          <m:ctrlPr>
-                            <a:rPr kumimoji="1" lang="en-US" altLang="ja-JP" b="0" i="1" smtClean="0">
-                              <a:latin typeface="Cambria Math" panose="02040503050406030204" pitchFamily="18" charset="0"/>
-                              <a:ea typeface="Cambria Math" panose="02040503050406030204" pitchFamily="18" charset="0"/>
-                            </a:rPr>
-                          </m:ctrlPr>
-                        </m:dPr>
-                        <m:e>
-                          <m:r>
-                            <a:rPr kumimoji="1" lang="en-US" altLang="ja-JP" b="0" i="1" smtClean="0">
-                              <a:latin typeface="Cambria Math" panose="02040503050406030204" pitchFamily="18" charset="0"/>
-                              <a:ea typeface="Cambria Math" panose="02040503050406030204" pitchFamily="18" charset="0"/>
-                            </a:rPr>
-                            <m:t>𝑠</m:t>
-                          </m:r>
-                        </m:e>
-                      </m:d>
-                      <m:r>
-                        <a:rPr kumimoji="1" lang="en-US" altLang="ja-JP" b="0" i="1" smtClean="0">
-                          <a:latin typeface="Cambria Math" panose="02040503050406030204" pitchFamily="18" charset="0"/>
-                          <a:ea typeface="Cambria Math" panose="02040503050406030204" pitchFamily="18" charset="0"/>
-                        </a:rPr>
-                        <m:t>=</m:t>
-                      </m:r>
-                      <m:d>
-                        <m:dPr>
-                          <m:begChr m:val="{"/>
-                          <m:endChr m:val="|"/>
-                          <m:ctrlPr>
-                            <a:rPr kumimoji="1" lang="en-US" altLang="ja-JP" b="0" i="1" smtClean="0">
-                              <a:latin typeface="Cambria Math" panose="02040503050406030204" pitchFamily="18" charset="0"/>
-                              <a:ea typeface="Cambria Math" panose="02040503050406030204" pitchFamily="18" charset="0"/>
-                            </a:rPr>
-                          </m:ctrlPr>
-                        </m:dPr>
-                        <m:e>
-                          <m:r>
-                            <a:rPr kumimoji="1" lang="en-US" altLang="ja-JP" b="0" i="1" smtClean="0">
-                              <a:latin typeface="Cambria Math" panose="02040503050406030204" pitchFamily="18" charset="0"/>
-                              <a:ea typeface="Cambria Math" panose="02040503050406030204" pitchFamily="18" charset="0"/>
-                            </a:rPr>
-                            <m:t>𝑎</m:t>
-                          </m:r>
-                          <m:r>
-                            <a:rPr kumimoji="1" lang="en-US" altLang="ja-JP" b="0" i="1" smtClean="0">
-                              <a:latin typeface="Cambria Math" panose="02040503050406030204" pitchFamily="18" charset="0"/>
-                              <a:ea typeface="Cambria Math" panose="02040503050406030204" pitchFamily="18" charset="0"/>
-                            </a:rPr>
-                            <m:t>∈</m:t>
-                          </m:r>
-                          <m:r>
-                            <a:rPr kumimoji="1" lang="en-US" altLang="ja-JP" b="0" i="1" smtClean="0">
-                              <a:latin typeface="Cambria Math" panose="02040503050406030204" pitchFamily="18" charset="0"/>
-                              <a:ea typeface="Cambria Math" panose="02040503050406030204" pitchFamily="18" charset="0"/>
-                            </a:rPr>
-                            <m:t>𝐴</m:t>
-                          </m:r>
-                          <m:r>
-                            <a:rPr kumimoji="1" lang="en-US" altLang="ja-JP" b="0" i="1" smtClean="0">
-                              <a:latin typeface="Cambria Math" panose="02040503050406030204" pitchFamily="18" charset="0"/>
-                              <a:ea typeface="Cambria Math" panose="02040503050406030204" pitchFamily="18" charset="0"/>
-                            </a:rPr>
-                            <m:t> </m:t>
-                          </m:r>
-                        </m:e>
-                      </m:d>
-                      <m:f>
-                        <m:fPr>
-                          <m:ctrlPr>
-                            <a:rPr kumimoji="1" lang="en-US" altLang="ja-JP" i="1">
-                              <a:latin typeface="Cambria Math" panose="02040503050406030204" pitchFamily="18" charset="0"/>
-                              <a:ea typeface="Cambria Math" panose="02040503050406030204" pitchFamily="18" charset="0"/>
-                            </a:rPr>
-                          </m:ctrlPr>
-                        </m:fPr>
-                        <m:num>
-                          <m:r>
-                            <a:rPr kumimoji="1" lang="en-US" altLang="ja-JP" i="1">
-                              <a:latin typeface="Cambria Math" panose="02040503050406030204" pitchFamily="18" charset="0"/>
-                              <a:ea typeface="Cambria Math" panose="02040503050406030204" pitchFamily="18" charset="0"/>
-                            </a:rPr>
-                            <m:t>𝜕</m:t>
-                          </m:r>
-                          <m:r>
-                            <a:rPr kumimoji="1" lang="en-US" altLang="ja-JP" i="1">
-                              <a:latin typeface="Cambria Math" panose="02040503050406030204" pitchFamily="18" charset="0"/>
-                              <a:ea typeface="Cambria Math" panose="02040503050406030204" pitchFamily="18" charset="0"/>
-                            </a:rPr>
-                            <m:t>h</m:t>
-                          </m:r>
-                        </m:num>
-                        <m:den>
-                          <m:r>
-                            <a:rPr kumimoji="1" lang="en-US" altLang="ja-JP" i="1">
-                              <a:latin typeface="Cambria Math" panose="02040503050406030204" pitchFamily="18" charset="0"/>
-                              <a:ea typeface="Cambria Math" panose="02040503050406030204" pitchFamily="18" charset="0"/>
-                            </a:rPr>
-                            <m:t>𝜕</m:t>
-                          </m:r>
-                          <m:r>
-                            <a:rPr kumimoji="1" lang="en-US" altLang="ja-JP" i="1">
-                              <a:latin typeface="Cambria Math" panose="02040503050406030204" pitchFamily="18" charset="0"/>
-                              <a:ea typeface="Cambria Math" panose="02040503050406030204" pitchFamily="18" charset="0"/>
-                            </a:rPr>
-                            <m:t>𝑠</m:t>
-                          </m:r>
-                        </m:den>
-                      </m:f>
-                      <m:d>
-                        <m:dPr>
-                          <m:ctrlPr>
-                            <a:rPr kumimoji="1" lang="en-US" altLang="ja-JP" i="1">
-                              <a:latin typeface="Cambria Math" panose="02040503050406030204" pitchFamily="18" charset="0"/>
-                              <a:ea typeface="Cambria Math" panose="02040503050406030204" pitchFamily="18" charset="0"/>
-                            </a:rPr>
-                          </m:ctrlPr>
-                        </m:dPr>
-                        <m:e>
-                          <m:r>
-                            <a:rPr kumimoji="1" lang="en-US" altLang="ja-JP" i="1">
-                              <a:latin typeface="Cambria Math" panose="02040503050406030204" pitchFamily="18" charset="0"/>
-                            </a:rPr>
-                            <m:t>𝑓</m:t>
-                          </m:r>
-                          <m:d>
-                            <m:dPr>
-                              <m:ctrlPr>
-                                <a:rPr kumimoji="1" lang="en-US" altLang="ja-JP" i="1">
-                                  <a:latin typeface="Cambria Math" panose="02040503050406030204" pitchFamily="18" charset="0"/>
-                                </a:rPr>
-                              </m:ctrlPr>
-                            </m:dPr>
-                            <m:e>
-                              <m:r>
-                                <a:rPr kumimoji="1" lang="en-US" altLang="ja-JP" i="1">
-                                  <a:latin typeface="Cambria Math" panose="02040503050406030204" pitchFamily="18" charset="0"/>
-                                </a:rPr>
-                                <m:t>𝑠</m:t>
-                              </m:r>
-                            </m:e>
-                          </m:d>
-                          <m:r>
-                            <a:rPr kumimoji="1" lang="en-US" altLang="ja-JP" i="1">
-                              <a:latin typeface="Cambria Math" panose="02040503050406030204" pitchFamily="18" charset="0"/>
-                            </a:rPr>
-                            <m:t>+</m:t>
-                          </m:r>
-                          <m:r>
-                            <a:rPr kumimoji="1" lang="en-US" altLang="ja-JP" i="1">
-                              <a:latin typeface="Cambria Math" panose="02040503050406030204" pitchFamily="18" charset="0"/>
-                            </a:rPr>
-                            <m:t>𝑑</m:t>
-                          </m:r>
-                          <m:d>
-                            <m:dPr>
-                              <m:ctrlPr>
-                                <a:rPr kumimoji="1" lang="en-US" altLang="ja-JP" i="1">
-                                  <a:latin typeface="Cambria Math" panose="02040503050406030204" pitchFamily="18" charset="0"/>
-                                </a:rPr>
-                              </m:ctrlPr>
-                            </m:dPr>
-                            <m:e>
-                              <m:r>
-                                <a:rPr kumimoji="1" lang="en-US" altLang="ja-JP" i="1">
-                                  <a:latin typeface="Cambria Math" panose="02040503050406030204" pitchFamily="18" charset="0"/>
-                                </a:rPr>
-                                <m:t>𝑠</m:t>
-                              </m:r>
-                            </m:e>
-                          </m:d>
-                          <m:r>
-                            <a:rPr kumimoji="1" lang="en-US" altLang="ja-JP" i="1">
-                              <a:latin typeface="Cambria Math" panose="02040503050406030204" pitchFamily="18" charset="0"/>
-                            </a:rPr>
-                            <m:t>+</m:t>
-                          </m:r>
-                          <m:r>
-                            <a:rPr kumimoji="1" lang="en-US" altLang="ja-JP" i="1">
-                              <a:latin typeface="Cambria Math" panose="02040503050406030204" pitchFamily="18" charset="0"/>
-                            </a:rPr>
-                            <m:t>𝑔</m:t>
-                          </m:r>
-                          <m:d>
-                            <m:dPr>
-                              <m:ctrlPr>
-                                <a:rPr kumimoji="1" lang="en-US" altLang="ja-JP" i="1">
-                                  <a:latin typeface="Cambria Math" panose="02040503050406030204" pitchFamily="18" charset="0"/>
-                                </a:rPr>
-                              </m:ctrlPr>
-                            </m:dPr>
-                            <m:e>
-                              <m:r>
-                                <a:rPr kumimoji="1" lang="en-US" altLang="ja-JP" i="1">
-                                  <a:latin typeface="Cambria Math" panose="02040503050406030204" pitchFamily="18" charset="0"/>
-                                </a:rPr>
-                                <m:t>𝑠</m:t>
-                              </m:r>
-                            </m:e>
-                          </m:d>
-                          <m:r>
-                            <a:rPr kumimoji="1" lang="en-US" altLang="ja-JP" i="1">
-                              <a:latin typeface="Cambria Math" panose="02040503050406030204" pitchFamily="18" charset="0"/>
-                            </a:rPr>
-                            <m:t>𝑎</m:t>
-                          </m:r>
-                        </m:e>
-                      </m:d>
-                      <m:r>
-                        <a:rPr kumimoji="1" lang="en-US" altLang="ja-JP" i="1">
-                          <a:latin typeface="Cambria Math" panose="02040503050406030204" pitchFamily="18" charset="0"/>
-                          <a:ea typeface="Cambria Math" panose="02040503050406030204" pitchFamily="18" charset="0"/>
-                        </a:rPr>
-                        <m:t>+</m:t>
-                      </m:r>
-                      <m:r>
-                        <a:rPr kumimoji="1" lang="en-US" altLang="ja-JP" i="1">
-                          <a:latin typeface="Cambria Math" panose="02040503050406030204" pitchFamily="18" charset="0"/>
-                          <a:ea typeface="Cambria Math" panose="02040503050406030204" pitchFamily="18" charset="0"/>
-                        </a:rPr>
-                        <m:t>𝛾</m:t>
-                      </m:r>
-                      <m:r>
-                        <a:rPr kumimoji="1" lang="en-US" altLang="ja-JP" i="1">
-                          <a:latin typeface="Cambria Math" panose="02040503050406030204" pitchFamily="18" charset="0"/>
-                          <a:ea typeface="Cambria Math" panose="02040503050406030204" pitchFamily="18" charset="0"/>
-                        </a:rPr>
-                        <m:t>h</m:t>
-                      </m:r>
-                      <m:d>
-                        <m:dPr>
-                          <m:ctrlPr>
-                            <a:rPr kumimoji="1" lang="en-US" altLang="ja-JP" i="1">
-                              <a:latin typeface="Cambria Math" panose="02040503050406030204" pitchFamily="18" charset="0"/>
-                              <a:ea typeface="Cambria Math" panose="02040503050406030204" pitchFamily="18" charset="0"/>
-                            </a:rPr>
-                          </m:ctrlPr>
-                        </m:dPr>
-                        <m:e>
-                          <m:r>
-                            <a:rPr kumimoji="1" lang="en-US" altLang="ja-JP" i="1">
-                              <a:latin typeface="Cambria Math" panose="02040503050406030204" pitchFamily="18" charset="0"/>
-                              <a:ea typeface="Cambria Math" panose="02040503050406030204" pitchFamily="18" charset="0"/>
-                            </a:rPr>
-                            <m:t>𝑠</m:t>
-                          </m:r>
-                        </m:e>
-                      </m:d>
-                      <m:r>
-                        <a:rPr kumimoji="1" lang="en-US" altLang="ja-JP" i="1">
-                          <a:latin typeface="Cambria Math" panose="02040503050406030204" pitchFamily="18" charset="0"/>
-                          <a:ea typeface="Cambria Math" panose="02040503050406030204" pitchFamily="18" charset="0"/>
-                        </a:rPr>
-                        <m:t>≥0</m:t>
-                      </m:r>
-                      <m:r>
-                        <a:rPr kumimoji="1" lang="en-US" altLang="ja-JP" b="0" i="1" smtClean="0">
-                          <a:latin typeface="Cambria Math" panose="02040503050406030204" pitchFamily="18" charset="0"/>
-                          <a:ea typeface="Cambria Math" panose="02040503050406030204" pitchFamily="18" charset="0"/>
-                        </a:rPr>
-                        <m:t>}</m:t>
-                      </m:r>
-                    </m:oMath>
-                  </m:oMathPara>
-                </a14:m>
-                <a:endParaRPr kumimoji="1" lang="ja-JP" altLang="en-US">
-                  <a:solidFill>
-                    <a:schemeClr val="tx1"/>
-                  </a:solidFill>
-                  <a:latin typeface="Cambria" panose="02040503050406030204" pitchFamily="18" charset="0"/>
-                </a:endParaRPr>
-              </a:p>
-            </p:txBody>
-          </p:sp>
-        </mc:Choice>
-        <mc:Fallback>
-          <p:sp>
-            <p:nvSpPr>
-              <p:cNvPr id="8" name="テキスト ボックス 7">
-                <a:extLst>
-                  <a:ext uri="{FF2B5EF4-FFF2-40B4-BE49-F238E27FC236}">
-                    <a16:creationId xmlns:a16="http://schemas.microsoft.com/office/drawing/2014/main" id="{4B5534DC-B794-A54A-AE5D-CB20916D3B82}"/>
-                  </a:ext>
-                </a:extLst>
-              </p:cNvPr>
-              <p:cNvSpPr txBox="1">
-                <a:spLocks noRot="1" noChangeAspect="1" noMove="1" noResize="1" noEditPoints="1" noAdjustHandles="1" noChangeArrowheads="1" noChangeShapeType="1" noTextEdit="1"/>
-              </p:cNvSpPr>
-              <p:nvPr/>
-            </p:nvSpPr>
-            <p:spPr>
-              <a:xfrm>
-                <a:off x="1637687" y="4529859"/>
-                <a:ext cx="5669629" cy="619080"/>
-              </a:xfrm>
-              <a:prstGeom prst="rect">
-                <a:avLst/>
-              </a:prstGeom>
-              <a:blipFill>
-                <a:blip r:embed="rId5"/>
-                <a:stretch>
-                  <a:fillRect b="-6122"/>
-                </a:stretch>
-              </a:blipFill>
-            </p:spPr>
-            <p:txBody>
-              <a:bodyPr/>
-              <a:lstStyle/>
-              <a:p>
-                <a:r>
-                  <a:rPr lang="ja-JP" altLang="en-US">
-                    <a:noFill/>
-                  </a:rPr>
-                  <a:t> </a:t>
-                </a:r>
-              </a:p>
-            </p:txBody>
-          </p:sp>
-        </mc:Fallback>
-      </mc:AlternateContent>
-      <mc:AlternateContent xmlns:mc="http://schemas.openxmlformats.org/markup-compatibility/2006">
-        <mc:Choice xmlns:a14="http://schemas.microsoft.com/office/drawing/2010/main" Requires="a14">
-          <p:sp>
-            <p:nvSpPr>
-              <p:cNvPr id="11" name="テキスト ボックス 10">
-                <a:extLst>
-                  <a:ext uri="{FF2B5EF4-FFF2-40B4-BE49-F238E27FC236}">
-                    <a16:creationId xmlns:a16="http://schemas.microsoft.com/office/drawing/2014/main" id="{256CB3E5-37E9-FE49-B899-0355D17C4F76}"/>
-                  </a:ext>
-                </a:extLst>
-              </p:cNvPr>
-              <p:cNvSpPr txBox="1"/>
-              <p:nvPr/>
-            </p:nvSpPr>
-            <p:spPr>
-              <a:xfrm>
-                <a:off x="1657350" y="5613652"/>
-                <a:ext cx="5126916" cy="640112"/>
-              </a:xfrm>
-              <a:prstGeom prst="rect">
-                <a:avLst/>
-              </a:prstGeom>
-              <a:noFill/>
-            </p:spPr>
-            <p:txBody>
-              <a:bodyPr wrap="none" rtlCol="0">
-                <a:spAutoFit/>
-              </a:bodyPr>
-              <a:lstStyle/>
-              <a:p>
-                <a14:m>
-                  <m:oMathPara xmlns:m="http://schemas.openxmlformats.org/officeDocument/2006/math">
-                    <m:oMathParaPr>
-                      <m:jc m:val="centerGroup"/>
-                    </m:oMathParaPr>
-                    <m:oMath xmlns:m="http://schemas.openxmlformats.org/officeDocument/2006/math">
-                      <m:sSub>
-                        <m:sSubPr>
-                          <m:ctrlPr>
-                            <a:rPr kumimoji="1" lang="en-US" altLang="ja-JP" b="0" i="1" smtClean="0">
-                              <a:latin typeface="Cambria Math" panose="02040503050406030204" pitchFamily="18" charset="0"/>
-                              <a:ea typeface="Cambria Math" panose="02040503050406030204" pitchFamily="18" charset="0"/>
-                            </a:rPr>
-                          </m:ctrlPr>
-                        </m:sSubPr>
-                        <m:e>
-                          <m:r>
-                            <m:rPr>
-                              <m:sty m:val="p"/>
-                            </m:rPr>
-                            <a:rPr kumimoji="1" lang="el-GR" altLang="ja-JP" b="0" i="1" smtClean="0">
-                              <a:latin typeface="Cambria Math" panose="02040503050406030204" pitchFamily="18" charset="0"/>
-                              <a:ea typeface="Cambria Math" panose="02040503050406030204" pitchFamily="18" charset="0"/>
-                            </a:rPr>
-                            <m:t>Π</m:t>
-                          </m:r>
-                        </m:e>
-                        <m:sub>
-                          <m:r>
-                            <a:rPr kumimoji="1" lang="en-US" altLang="ja-JP" b="0" i="1" smtClean="0">
-                              <a:latin typeface="Cambria Math" panose="02040503050406030204" pitchFamily="18" charset="0"/>
-                              <a:ea typeface="Cambria Math" panose="02040503050406030204" pitchFamily="18" charset="0"/>
-                            </a:rPr>
-                            <m:t>𝑠𝑎𝑓𝑒</m:t>
-                          </m:r>
-                        </m:sub>
-                      </m:sSub>
-                      <m:r>
-                        <a:rPr kumimoji="1" lang="en-US" altLang="ja-JP" b="0" i="1" smtClean="0">
-                          <a:latin typeface="Cambria Math" panose="02040503050406030204" pitchFamily="18" charset="0"/>
-                          <a:ea typeface="Cambria Math" panose="02040503050406030204" pitchFamily="18" charset="0"/>
-                        </a:rPr>
-                        <m:t>=</m:t>
-                      </m:r>
-                      <m:d>
-                        <m:dPr>
-                          <m:begChr m:val="{"/>
-                          <m:endChr m:val="|"/>
-                          <m:ctrlPr>
-                            <a:rPr kumimoji="1" lang="en-US" altLang="ja-JP" b="0" i="1" smtClean="0">
-                              <a:latin typeface="Cambria Math" panose="02040503050406030204" pitchFamily="18" charset="0"/>
-                              <a:ea typeface="Cambria Math" panose="02040503050406030204" pitchFamily="18" charset="0"/>
-                            </a:rPr>
-                          </m:ctrlPr>
-                        </m:dPr>
-                        <m:e>
-                          <m:r>
-                            <a:rPr kumimoji="1" lang="en-US" altLang="ja-JP" b="0" i="1" smtClean="0">
-                              <a:latin typeface="Cambria Math" panose="02040503050406030204" pitchFamily="18" charset="0"/>
-                              <a:ea typeface="Cambria Math" panose="02040503050406030204" pitchFamily="18" charset="0"/>
-                            </a:rPr>
-                            <m:t>𝜋</m:t>
-                          </m:r>
-                          <m:r>
-                            <a:rPr kumimoji="1" lang="en-US" altLang="ja-JP" b="0" i="1" smtClean="0">
-                              <a:latin typeface="Cambria Math" panose="02040503050406030204" pitchFamily="18" charset="0"/>
-                              <a:ea typeface="Cambria Math" panose="02040503050406030204" pitchFamily="18" charset="0"/>
-                            </a:rPr>
-                            <m:t>∈</m:t>
-                          </m:r>
-                          <m:r>
-                            <m:rPr>
-                              <m:sty m:val="p"/>
-                            </m:rPr>
-                            <a:rPr kumimoji="1" lang="el-GR" altLang="ja-JP" i="1">
-                              <a:latin typeface="Cambria Math" panose="02040503050406030204" pitchFamily="18" charset="0"/>
-                              <a:ea typeface="Cambria Math" panose="02040503050406030204" pitchFamily="18" charset="0"/>
-                            </a:rPr>
-                            <m:t>Π</m:t>
-                          </m:r>
-                          <m:r>
-                            <a:rPr kumimoji="1" lang="en-US" altLang="ja-JP" b="0" i="1" smtClean="0">
-                              <a:latin typeface="Cambria Math" panose="02040503050406030204" pitchFamily="18" charset="0"/>
-                              <a:ea typeface="Cambria Math" panose="02040503050406030204" pitchFamily="18" charset="0"/>
-                            </a:rPr>
-                            <m:t> </m:t>
-                          </m:r>
-                        </m:e>
-                      </m:d>
-                      <m:r>
-                        <a:rPr kumimoji="1" lang="en-US" altLang="ja-JP" b="0" i="1" smtClean="0">
-                          <a:latin typeface="Cambria Math" panose="02040503050406030204" pitchFamily="18" charset="0"/>
-                          <a:ea typeface="Cambria Math" panose="02040503050406030204" pitchFamily="18" charset="0"/>
-                        </a:rPr>
-                        <m:t> </m:t>
-                      </m:r>
-                      <m:nary>
-                        <m:naryPr>
-                          <m:chr m:val="∑"/>
-                          <m:limLoc m:val="subSup"/>
-                          <m:supHide m:val="on"/>
-                          <m:ctrlPr>
-                            <a:rPr kumimoji="1" lang="en-US" altLang="ja-JP" b="0" i="1" smtClean="0">
-                              <a:latin typeface="Cambria Math" panose="02040503050406030204" pitchFamily="18" charset="0"/>
-                              <a:ea typeface="Cambria Math" panose="02040503050406030204" pitchFamily="18" charset="0"/>
-                            </a:rPr>
-                          </m:ctrlPr>
-                        </m:naryPr>
-                        <m:sub>
-                          <m:r>
-                            <m:rPr>
-                              <m:brk m:alnAt="9"/>
-                            </m:rPr>
-                            <a:rPr kumimoji="1" lang="en-US" altLang="ja-JP" b="0" i="1" smtClean="0">
-                              <a:latin typeface="Cambria Math" panose="02040503050406030204" pitchFamily="18" charset="0"/>
-                              <a:ea typeface="Cambria Math" panose="02040503050406030204" pitchFamily="18" charset="0"/>
-                            </a:rPr>
-                            <m:t>𝑎</m:t>
-                          </m:r>
-                          <m:r>
-                            <a:rPr kumimoji="1" lang="en-US" altLang="ja-JP" b="0" i="1" smtClean="0">
-                              <a:latin typeface="Cambria Math" panose="02040503050406030204" pitchFamily="18" charset="0"/>
-                              <a:ea typeface="Cambria Math" panose="02040503050406030204" pitchFamily="18" charset="0"/>
-                            </a:rPr>
-                            <m:t>∈</m:t>
-                          </m:r>
-                          <m:r>
-                            <a:rPr kumimoji="1" lang="en-US" altLang="ja-JP" b="0" i="1" smtClean="0">
-                              <a:latin typeface="Cambria Math" panose="02040503050406030204" pitchFamily="18" charset="0"/>
-                              <a:ea typeface="Cambria Math" panose="02040503050406030204" pitchFamily="18" charset="0"/>
-                            </a:rPr>
-                            <m:t>𝑈</m:t>
-                          </m:r>
-                          <m:r>
-                            <a:rPr kumimoji="1" lang="en-US" altLang="ja-JP" b="0" i="1" smtClean="0">
-                              <a:latin typeface="Cambria Math" panose="02040503050406030204" pitchFamily="18" charset="0"/>
-                              <a:ea typeface="Cambria Math" panose="02040503050406030204" pitchFamily="18" charset="0"/>
-                            </a:rPr>
-                            <m:t>(</m:t>
-                          </m:r>
-                          <m:r>
-                            <a:rPr kumimoji="1" lang="en-US" altLang="ja-JP" b="0" i="1" smtClean="0">
-                              <a:latin typeface="Cambria Math" panose="02040503050406030204" pitchFamily="18" charset="0"/>
-                              <a:ea typeface="Cambria Math" panose="02040503050406030204" pitchFamily="18" charset="0"/>
-                            </a:rPr>
-                            <m:t>𝑠</m:t>
-                          </m:r>
-                          <m:r>
-                            <a:rPr kumimoji="1" lang="en-US" altLang="ja-JP" b="0" i="1" smtClean="0">
-                              <a:latin typeface="Cambria Math" panose="02040503050406030204" pitchFamily="18" charset="0"/>
-                              <a:ea typeface="Cambria Math" panose="02040503050406030204" pitchFamily="18" charset="0"/>
-                            </a:rPr>
-                            <m:t>)</m:t>
-                          </m:r>
-                        </m:sub>
-                        <m:sup/>
-                        <m:e>
-                          <m:r>
-                            <a:rPr kumimoji="1" lang="en-US" altLang="ja-JP" b="0" i="1" smtClean="0">
-                              <a:latin typeface="Cambria Math" panose="02040503050406030204" pitchFamily="18" charset="0"/>
-                              <a:ea typeface="Cambria Math" panose="02040503050406030204" pitchFamily="18" charset="0"/>
-                            </a:rPr>
-                            <m:t>𝜋</m:t>
-                          </m:r>
-                          <m:r>
-                            <a:rPr kumimoji="1" lang="en-US" altLang="ja-JP" b="0" i="1" smtClean="0">
-                              <a:latin typeface="Cambria Math" panose="02040503050406030204" pitchFamily="18" charset="0"/>
-                              <a:ea typeface="Cambria Math" panose="02040503050406030204" pitchFamily="18" charset="0"/>
-                            </a:rPr>
-                            <m:t>(</m:t>
-                          </m:r>
-                          <m:r>
-                            <a:rPr kumimoji="1" lang="en-US" altLang="ja-JP" b="0" i="1" smtClean="0">
-                              <a:latin typeface="Cambria Math" panose="02040503050406030204" pitchFamily="18" charset="0"/>
-                              <a:ea typeface="Cambria Math" panose="02040503050406030204" pitchFamily="18" charset="0"/>
-                            </a:rPr>
-                            <m:t>𝑎</m:t>
-                          </m:r>
-                          <m:r>
-                            <a:rPr kumimoji="1" lang="en-US" altLang="ja-JP" b="0" i="1" smtClean="0">
-                              <a:latin typeface="Cambria Math" panose="02040503050406030204" pitchFamily="18" charset="0"/>
-                              <a:ea typeface="Cambria Math" panose="02040503050406030204" pitchFamily="18" charset="0"/>
-                            </a:rPr>
-                            <m:t>|</m:t>
-                          </m:r>
-                          <m:r>
-                            <a:rPr kumimoji="1" lang="en-US" altLang="ja-JP" b="0" i="1" smtClean="0">
-                              <a:latin typeface="Cambria Math" panose="02040503050406030204" pitchFamily="18" charset="0"/>
-                              <a:ea typeface="Cambria Math" panose="02040503050406030204" pitchFamily="18" charset="0"/>
-                            </a:rPr>
-                            <m:t>𝑠</m:t>
-                          </m:r>
-                          <m:r>
-                            <a:rPr kumimoji="1" lang="en-US" altLang="ja-JP" b="0" i="1" smtClean="0">
-                              <a:latin typeface="Cambria Math" panose="02040503050406030204" pitchFamily="18" charset="0"/>
-                              <a:ea typeface="Cambria Math" panose="02040503050406030204" pitchFamily="18" charset="0"/>
-                            </a:rPr>
-                            <m:t>)</m:t>
-                          </m:r>
-                        </m:e>
-                      </m:nary>
-                      <m:r>
-                        <a:rPr kumimoji="1" lang="en-US" altLang="ja-JP" b="0" i="1" smtClean="0">
-                          <a:latin typeface="Cambria Math" panose="02040503050406030204" pitchFamily="18" charset="0"/>
-                          <a:ea typeface="Cambria Math" panose="02040503050406030204" pitchFamily="18" charset="0"/>
-                        </a:rPr>
-                        <m:t>=1, ∀</m:t>
-                      </m:r>
-                      <m:r>
-                        <a:rPr kumimoji="1" lang="en-US" altLang="ja-JP" b="0" i="1" smtClean="0">
-                          <a:latin typeface="Cambria Math" panose="02040503050406030204" pitchFamily="18" charset="0"/>
-                          <a:ea typeface="Cambria Math" panose="02040503050406030204" pitchFamily="18" charset="0"/>
-                        </a:rPr>
-                        <m:t>𝑠</m:t>
-                      </m:r>
-                      <m:r>
-                        <a:rPr kumimoji="1" lang="en-US" altLang="ja-JP" b="0" i="1" smtClean="0">
-                          <a:latin typeface="Cambria Math" panose="02040503050406030204" pitchFamily="18" charset="0"/>
-                          <a:ea typeface="Cambria Math" panose="02040503050406030204" pitchFamily="18" charset="0"/>
-                        </a:rPr>
-                        <m:t>∈</m:t>
-                      </m:r>
-                      <m:sSub>
-                        <m:sSubPr>
-                          <m:ctrlPr>
-                            <a:rPr kumimoji="1" lang="en-US" altLang="ja-JP" i="1">
-                              <a:latin typeface="Cambria Math" panose="02040503050406030204" pitchFamily="18" charset="0"/>
-                            </a:rPr>
-                          </m:ctrlPr>
-                        </m:sSubPr>
-                        <m:e>
-                          <m:r>
-                            <a:rPr kumimoji="1" lang="en-US" altLang="ja-JP" i="1">
-                              <a:latin typeface="Cambria Math" panose="02040503050406030204" pitchFamily="18" charset="0"/>
-                            </a:rPr>
-                            <m:t>𝑆</m:t>
-                          </m:r>
-                        </m:e>
-                        <m:sub>
-                          <m:r>
-                            <a:rPr kumimoji="1" lang="en-US" altLang="ja-JP" i="1">
-                              <a:latin typeface="Cambria Math" panose="02040503050406030204" pitchFamily="18" charset="0"/>
-                            </a:rPr>
-                            <m:t>𝑠𝑎𝑓𝑒</m:t>
-                          </m:r>
-                        </m:sub>
-                      </m:sSub>
-                      <m:r>
-                        <a:rPr kumimoji="1" lang="en-US" altLang="ja-JP" b="0" i="1" smtClean="0">
-                          <a:latin typeface="Cambria Math" panose="02040503050406030204" pitchFamily="18" charset="0"/>
-                          <a:ea typeface="Cambria Math" panose="02040503050406030204" pitchFamily="18" charset="0"/>
-                        </a:rPr>
-                        <m:t>}</m:t>
-                      </m:r>
-                    </m:oMath>
-                  </m:oMathPara>
-                </a14:m>
-                <a:endParaRPr kumimoji="1" lang="ja-JP" altLang="en-US">
-                  <a:solidFill>
-                    <a:schemeClr val="tx1"/>
-                  </a:solidFill>
-                  <a:latin typeface="Cambria" panose="02040503050406030204" pitchFamily="18" charset="0"/>
-                </a:endParaRPr>
-              </a:p>
-            </p:txBody>
-          </p:sp>
-        </mc:Choice>
-        <mc:Fallback>
-          <p:sp>
-            <p:nvSpPr>
-              <p:cNvPr id="11" name="テキスト ボックス 10">
-                <a:extLst>
-                  <a:ext uri="{FF2B5EF4-FFF2-40B4-BE49-F238E27FC236}">
-                    <a16:creationId xmlns:a16="http://schemas.microsoft.com/office/drawing/2014/main" id="{256CB3E5-37E9-FE49-B899-0355D17C4F76}"/>
-                  </a:ext>
-                </a:extLst>
-              </p:cNvPr>
-              <p:cNvSpPr txBox="1">
-                <a:spLocks noRot="1" noChangeAspect="1" noMove="1" noResize="1" noEditPoints="1" noAdjustHandles="1" noChangeArrowheads="1" noChangeShapeType="1" noTextEdit="1"/>
-              </p:cNvSpPr>
-              <p:nvPr/>
-            </p:nvSpPr>
-            <p:spPr>
-              <a:xfrm>
-                <a:off x="1657350" y="5613652"/>
-                <a:ext cx="5126916" cy="640112"/>
-              </a:xfrm>
-              <a:prstGeom prst="rect">
-                <a:avLst/>
-              </a:prstGeom>
-              <a:blipFill>
-                <a:blip r:embed="rId6"/>
-                <a:stretch>
-                  <a:fillRect t="-152941" b="-213725"/>
-                </a:stretch>
-              </a:blipFill>
-            </p:spPr>
-            <p:txBody>
-              <a:bodyPr/>
-              <a:lstStyle/>
-              <a:p>
-                <a:r>
-                  <a:rPr lang="ja-JP" altLang="en-US">
-                    <a:noFill/>
-                  </a:rPr>
-                  <a:t> </a:t>
-                </a:r>
-              </a:p>
-            </p:txBody>
-          </p:sp>
-        </mc:Fallback>
-      </mc:AlternateContent>
-    </p:spTree>
-    <p:extLst>
-      <p:ext uri="{BB962C8B-B14F-4D97-AF65-F5344CB8AC3E}">
-        <p14:creationId xmlns:p14="http://schemas.microsoft.com/office/powerpoint/2010/main" val="3330526374"/>
-      </p:ext>
-    </p:extLst>
-  </p:cSld>
-  <p:clrMapOvr>
-    <a:masterClrMapping/>
-  </p:clrMapOvr>
-</p:sld>
-</file>
-
-<file path=ppt/slides/slide3.xml><?xml version="1.0" encoding="utf-8"?>
-<p:sld xmlns:a="http://schemas.openxmlformats.org/drawingml/2006/main" xmlns:r="http://schemas.openxmlformats.org/officeDocument/2006/relationships" xmlns:p="http://schemas.openxmlformats.org/presentationml/2006/main">
-  <p:cSld>
-    <p:spTree>
-      <p:nvGrpSpPr>
-        <p:cNvPr id="1" name=""/>
-        <p:cNvGrpSpPr/>
-        <p:nvPr/>
-      </p:nvGrpSpPr>
-      <p:grpSpPr>
-        <a:xfrm>
-          <a:off x="0" y="0"/>
-          <a:ext cx="0" cy="0"/>
-          <a:chOff x="0" y="0"/>
-          <a:chExt cx="0" cy="0"/>
-        </a:xfrm>
-      </p:grpSpPr>
-      <mc:AlternateContent xmlns:mc="http://schemas.openxmlformats.org/markup-compatibility/2006">
-        <mc:Choice xmlns:a14="http://schemas.microsoft.com/office/drawing/2010/main" Requires="a14">
-          <p:sp>
-            <p:nvSpPr>
-              <p:cNvPr id="2" name="コンテンツ プレースホルダー 1">
-                <a:extLst>
-                  <a:ext uri="{FF2B5EF4-FFF2-40B4-BE49-F238E27FC236}">
-                    <a16:creationId xmlns:a16="http://schemas.microsoft.com/office/drawing/2014/main" id="{64ACCA72-2454-684D-B8C5-D840F9147260}"/>
-                  </a:ext>
-                </a:extLst>
-              </p:cNvPr>
-              <p:cNvSpPr>
-                <a:spLocks noGrp="1"/>
-              </p:cNvSpPr>
-              <p:nvPr>
-                <p:ph idx="1"/>
-              </p:nvPr>
-            </p:nvSpPr>
-            <p:spPr/>
-            <p:txBody>
-              <a:bodyPr/>
-              <a:lstStyle/>
-              <a:p>
-                <a:r>
-                  <a:rPr lang="en-US" altLang="ja-JP" dirty="0"/>
-                  <a:t>Draft of study theme (vol2)</a:t>
-                </a:r>
+                <a:pPr marL="457200" lvl="1" indent="0">
+                  <a:buNone/>
+                </a:pPr>
+                <a:endParaRPr lang="en-US" altLang="ja-JP" dirty="0"/>
               </a:p>
               <a:p>
                 <a:pPr lvl="1"/>
                 <a:r>
                   <a:rPr lang="en-US" altLang="ja-JP" dirty="0"/>
-                  <a:t>Propose </a:t>
-                </a:r>
-                <a14:m>
-                  <m:oMath xmlns:m="http://schemas.openxmlformats.org/officeDocument/2006/math">
-                    <m:r>
-                      <a:rPr lang="en-US" altLang="ja-JP" i="1">
-                        <a:latin typeface="Cambria Math" panose="02040503050406030204" pitchFamily="18" charset="0"/>
-                      </a:rPr>
-                      <m:t>𝐶</m:t>
-                    </m:r>
-                    <m:d>
-                      <m:dPr>
-                        <m:ctrlPr>
-                          <a:rPr lang="en-US" altLang="ja-JP" i="1">
-                            <a:latin typeface="Cambria Math" panose="02040503050406030204" pitchFamily="18" charset="0"/>
-                          </a:rPr>
-                        </m:ctrlPr>
-                      </m:dPr>
-                      <m:e>
-                        <m:sSub>
-                          <m:sSubPr>
-                            <m:ctrlPr>
-                              <a:rPr lang="en-US" altLang="ja-JP" i="1">
-                                <a:latin typeface="Cambria Math" panose="02040503050406030204" pitchFamily="18" charset="0"/>
-                                <a:ea typeface="Cambria Math" panose="02040503050406030204" pitchFamily="18" charset="0"/>
-                              </a:rPr>
-                            </m:ctrlPr>
-                          </m:sSubPr>
-                          <m:e>
-                            <m:r>
-                              <m:rPr>
-                                <m:sty m:val="p"/>
-                              </m:rPr>
-                              <a:rPr lang="el-GR" altLang="ja-JP" i="1">
-                                <a:latin typeface="Cambria Math" panose="02040503050406030204" pitchFamily="18" charset="0"/>
-                                <a:ea typeface="Cambria Math" panose="02040503050406030204" pitchFamily="18" charset="0"/>
-                              </a:rPr>
-                              <m:t>Π</m:t>
-                            </m:r>
-                          </m:e>
-                          <m:sub>
-                            <m:r>
-                              <a:rPr lang="en-US" altLang="ja-JP" i="1">
-                                <a:latin typeface="Cambria Math" panose="02040503050406030204" pitchFamily="18" charset="0"/>
-                                <a:ea typeface="Cambria Math" panose="02040503050406030204" pitchFamily="18" charset="0"/>
-                              </a:rPr>
-                              <m:t>𝑠𝑎𝑓𝑒</m:t>
-                            </m:r>
-                          </m:sub>
-                        </m:sSub>
-                      </m:e>
-                    </m:d>
-                  </m:oMath>
-                </a14:m>
-                <a:r>
-                  <a:rPr lang="en-US" altLang="ja-JP" dirty="0"/>
-                  <a:t> : a class of evaluation function </a:t>
+                  <a:t>Propose a class of evaluation function </a:t>
                 </a:r>
                 <a14:m>
                   <m:oMath xmlns:m="http://schemas.openxmlformats.org/officeDocument/2006/math">
@@ -7043,351 +4615,6 @@
                 </a:pPr>
                 <a:endParaRPr lang="en-US" altLang="ja-JP" dirty="0"/>
               </a:p>
-              <a:p>
-                <a:pPr marL="457200" lvl="1" indent="0">
-                  <a:buNone/>
-                </a:pPr>
-                <a:endParaRPr lang="en-US" altLang="ja-JP" dirty="0"/>
-              </a:p>
-              <a:p>
-                <a:pPr lvl="1"/>
-                <a:r>
-                  <a:rPr lang="en-US" altLang="ja-JP" dirty="0"/>
-                  <a:t>Given</a:t>
-                </a:r>
-              </a:p>
-              <a:p>
-                <a:pPr lvl="2"/>
-                <a:r>
-                  <a:rPr lang="en-US" altLang="ja-JP" dirty="0"/>
-                  <a:t>System model </a:t>
-                </a:r>
-                <a14:m>
-                  <m:oMath xmlns:m="http://schemas.openxmlformats.org/officeDocument/2006/math">
-                    <m:sSub>
-                      <m:sSubPr>
-                        <m:ctrlPr>
-                          <a:rPr lang="en-US" altLang="ja-JP" i="1" smtClean="0">
-                            <a:solidFill>
-                              <a:schemeClr val="tx1"/>
-                            </a:solidFill>
-                            <a:latin typeface="Cambria Math" panose="02040503050406030204" pitchFamily="18" charset="0"/>
-                          </a:rPr>
-                        </m:ctrlPr>
-                      </m:sSubPr>
-                      <m:e>
-                        <m:r>
-                          <a:rPr lang="en-US" altLang="ja-JP" i="1">
-                            <a:solidFill>
-                              <a:schemeClr val="tx1"/>
-                            </a:solidFill>
-                            <a:latin typeface="Cambria Math" panose="02040503050406030204" pitchFamily="18" charset="0"/>
-                          </a:rPr>
-                          <m:t>𝑠</m:t>
-                        </m:r>
-                      </m:e>
-                      <m:sub>
-                        <m:r>
-                          <a:rPr lang="en-US" altLang="ja-JP" i="1">
-                            <a:solidFill>
-                              <a:schemeClr val="tx1"/>
-                            </a:solidFill>
-                            <a:latin typeface="Cambria Math" panose="02040503050406030204" pitchFamily="18" charset="0"/>
-                          </a:rPr>
-                          <m:t>𝑡</m:t>
-                        </m:r>
-                        <m:r>
-                          <a:rPr lang="en-US" altLang="ja-JP" i="1">
-                            <a:solidFill>
-                              <a:schemeClr val="tx1"/>
-                            </a:solidFill>
-                            <a:latin typeface="Cambria Math" panose="02040503050406030204" pitchFamily="18" charset="0"/>
-                          </a:rPr>
-                          <m:t>+1</m:t>
-                        </m:r>
-                      </m:sub>
-                    </m:sSub>
-                    <m:r>
-                      <a:rPr lang="en-US" altLang="ja-JP" i="1">
-                        <a:solidFill>
-                          <a:schemeClr val="tx1"/>
-                        </a:solidFill>
-                        <a:latin typeface="Cambria Math" panose="02040503050406030204" pitchFamily="18" charset="0"/>
-                      </a:rPr>
-                      <m:t>=</m:t>
-                    </m:r>
-                    <m:r>
-                      <a:rPr lang="en-US" altLang="ja-JP" i="1">
-                        <a:solidFill>
-                          <a:schemeClr val="tx1"/>
-                        </a:solidFill>
-                        <a:latin typeface="Cambria Math" panose="02040503050406030204" pitchFamily="18" charset="0"/>
-                      </a:rPr>
-                      <m:t>𝑓</m:t>
-                    </m:r>
-                    <m:d>
-                      <m:dPr>
-                        <m:ctrlPr>
-                          <a:rPr lang="en-US" altLang="ja-JP" i="1">
-                            <a:solidFill>
-                              <a:schemeClr val="tx1"/>
-                            </a:solidFill>
-                            <a:latin typeface="Cambria Math" panose="02040503050406030204" pitchFamily="18" charset="0"/>
-                          </a:rPr>
-                        </m:ctrlPr>
-                      </m:dPr>
-                      <m:e>
-                        <m:sSub>
-                          <m:sSubPr>
-                            <m:ctrlPr>
-                              <a:rPr lang="en-US" altLang="ja-JP" i="1">
-                                <a:solidFill>
-                                  <a:schemeClr val="tx1"/>
-                                </a:solidFill>
-                                <a:latin typeface="Cambria Math" panose="02040503050406030204" pitchFamily="18" charset="0"/>
-                              </a:rPr>
-                            </m:ctrlPr>
-                          </m:sSubPr>
-                          <m:e>
-                            <m:r>
-                              <a:rPr lang="en-US" altLang="ja-JP" i="1">
-                                <a:solidFill>
-                                  <a:schemeClr val="tx1"/>
-                                </a:solidFill>
-                                <a:latin typeface="Cambria Math" panose="02040503050406030204" pitchFamily="18" charset="0"/>
-                              </a:rPr>
-                              <m:t>𝑠</m:t>
-                            </m:r>
-                          </m:e>
-                          <m:sub>
-                            <m:r>
-                              <a:rPr lang="en-US" altLang="ja-JP" i="1">
-                                <a:solidFill>
-                                  <a:schemeClr val="tx1"/>
-                                </a:solidFill>
-                                <a:latin typeface="Cambria Math" panose="02040503050406030204" pitchFamily="18" charset="0"/>
-                              </a:rPr>
-                              <m:t>𝑡</m:t>
-                            </m:r>
-                          </m:sub>
-                        </m:sSub>
-                      </m:e>
-                    </m:d>
-                    <m:r>
-                      <a:rPr lang="en-US" altLang="ja-JP" i="1">
-                        <a:solidFill>
-                          <a:schemeClr val="tx1"/>
-                        </a:solidFill>
-                        <a:latin typeface="Cambria Math" panose="02040503050406030204" pitchFamily="18" charset="0"/>
-                      </a:rPr>
-                      <m:t>+</m:t>
-                    </m:r>
-                    <m:r>
-                      <a:rPr lang="en-US" altLang="ja-JP" i="1">
-                        <a:solidFill>
-                          <a:schemeClr val="tx1"/>
-                        </a:solidFill>
-                        <a:latin typeface="Cambria Math" panose="02040503050406030204" pitchFamily="18" charset="0"/>
-                      </a:rPr>
-                      <m:t>𝑔</m:t>
-                    </m:r>
-                    <m:d>
-                      <m:dPr>
-                        <m:ctrlPr>
-                          <a:rPr lang="en-US" altLang="ja-JP" i="1">
-                            <a:solidFill>
-                              <a:schemeClr val="tx1"/>
-                            </a:solidFill>
-                            <a:latin typeface="Cambria Math" panose="02040503050406030204" pitchFamily="18" charset="0"/>
-                          </a:rPr>
-                        </m:ctrlPr>
-                      </m:dPr>
-                      <m:e>
-                        <m:sSub>
-                          <m:sSubPr>
-                            <m:ctrlPr>
-                              <a:rPr lang="en-US" altLang="ja-JP" i="1">
-                                <a:solidFill>
-                                  <a:schemeClr val="tx1"/>
-                                </a:solidFill>
-                                <a:latin typeface="Cambria Math" panose="02040503050406030204" pitchFamily="18" charset="0"/>
-                              </a:rPr>
-                            </m:ctrlPr>
-                          </m:sSubPr>
-                          <m:e>
-                            <m:r>
-                              <a:rPr lang="en-US" altLang="ja-JP" i="1">
-                                <a:solidFill>
-                                  <a:schemeClr val="tx1"/>
-                                </a:solidFill>
-                                <a:latin typeface="Cambria Math" panose="02040503050406030204" pitchFamily="18" charset="0"/>
-                              </a:rPr>
-                              <m:t>𝑠</m:t>
-                            </m:r>
-                          </m:e>
-                          <m:sub>
-                            <m:r>
-                              <a:rPr lang="en-US" altLang="ja-JP" i="1">
-                                <a:solidFill>
-                                  <a:schemeClr val="tx1"/>
-                                </a:solidFill>
-                                <a:latin typeface="Cambria Math" panose="02040503050406030204" pitchFamily="18" charset="0"/>
-                              </a:rPr>
-                              <m:t>𝑡</m:t>
-                            </m:r>
-                          </m:sub>
-                        </m:sSub>
-                      </m:e>
-                    </m:d>
-                    <m:sSub>
-                      <m:sSubPr>
-                        <m:ctrlPr>
-                          <a:rPr lang="en-US" altLang="ja-JP" i="1">
-                            <a:solidFill>
-                              <a:schemeClr val="tx1"/>
-                            </a:solidFill>
-                            <a:latin typeface="Cambria Math" panose="02040503050406030204" pitchFamily="18" charset="0"/>
-                          </a:rPr>
-                        </m:ctrlPr>
-                      </m:sSubPr>
-                      <m:e>
-                        <m:r>
-                          <a:rPr lang="en-US" altLang="ja-JP" i="1">
-                            <a:solidFill>
-                              <a:schemeClr val="tx1"/>
-                            </a:solidFill>
-                            <a:latin typeface="Cambria Math" panose="02040503050406030204" pitchFamily="18" charset="0"/>
-                          </a:rPr>
-                          <m:t>𝑎</m:t>
-                        </m:r>
-                      </m:e>
-                      <m:sub>
-                        <m:r>
-                          <a:rPr lang="en-US" altLang="ja-JP" i="1">
-                            <a:solidFill>
-                              <a:schemeClr val="tx1"/>
-                            </a:solidFill>
-                            <a:latin typeface="Cambria Math" panose="02040503050406030204" pitchFamily="18" charset="0"/>
-                          </a:rPr>
-                          <m:t>𝑡</m:t>
-                        </m:r>
-                      </m:sub>
-                    </m:sSub>
-                  </m:oMath>
-                </a14:m>
-                <a:endParaRPr lang="en-US" altLang="ja-JP" dirty="0"/>
-              </a:p>
-              <a:p>
-                <a:pPr lvl="2"/>
-                <a:r>
-                  <a:rPr lang="en-US" altLang="ja-JP" dirty="0"/>
-                  <a:t>CBF </a:t>
-                </a:r>
-                <a14:m>
-                  <m:oMath xmlns:m="http://schemas.openxmlformats.org/officeDocument/2006/math">
-                    <m:r>
-                      <a:rPr lang="en-US" altLang="ja-JP" b="0" i="1" smtClean="0">
-                        <a:latin typeface="Cambria Math" panose="02040503050406030204" pitchFamily="18" charset="0"/>
-                      </a:rPr>
-                      <m:t>h</m:t>
-                    </m:r>
-                    <m:r>
-                      <a:rPr lang="en-US" altLang="ja-JP" b="0" i="1" smtClean="0">
-                        <a:latin typeface="Cambria Math" panose="02040503050406030204" pitchFamily="18" charset="0"/>
-                      </a:rPr>
-                      <m:t>(</m:t>
-                    </m:r>
-                    <m:r>
-                      <a:rPr lang="en-US" altLang="ja-JP" b="0" i="1" smtClean="0">
-                        <a:latin typeface="Cambria Math" panose="02040503050406030204" pitchFamily="18" charset="0"/>
-                      </a:rPr>
-                      <m:t>𝑠</m:t>
-                    </m:r>
-                    <m:r>
-                      <a:rPr lang="en-US" altLang="ja-JP" b="0" i="1" smtClean="0">
-                        <a:latin typeface="Cambria Math" panose="02040503050406030204" pitchFamily="18" charset="0"/>
-                      </a:rPr>
-                      <m:t>)</m:t>
-                    </m:r>
-                  </m:oMath>
-                </a14:m>
-                <a:r>
-                  <a:rPr lang="en-US" altLang="ja-JP" dirty="0"/>
-                  <a:t>, safe region </a:t>
-                </a:r>
-                <a14:m>
-                  <m:oMath xmlns:m="http://schemas.openxmlformats.org/officeDocument/2006/math">
-                    <m:sSub>
-                      <m:sSubPr>
-                        <m:ctrlPr>
-                          <a:rPr lang="en-US" altLang="ja-JP" i="1">
-                            <a:latin typeface="Cambria Math" panose="02040503050406030204" pitchFamily="18" charset="0"/>
-                          </a:rPr>
-                        </m:ctrlPr>
-                      </m:sSubPr>
-                      <m:e>
-                        <m:r>
-                          <a:rPr lang="en-US" altLang="ja-JP" i="1">
-                            <a:latin typeface="Cambria Math" panose="02040503050406030204" pitchFamily="18" charset="0"/>
-                          </a:rPr>
-                          <m:t>𝑆</m:t>
-                        </m:r>
-                      </m:e>
-                      <m:sub>
-                        <m:r>
-                          <a:rPr lang="en-US" altLang="ja-JP" i="1">
-                            <a:latin typeface="Cambria Math" panose="02040503050406030204" pitchFamily="18" charset="0"/>
-                          </a:rPr>
-                          <m:t>𝑠𝑎𝑓𝑒</m:t>
-                        </m:r>
-                      </m:sub>
-                    </m:sSub>
-                  </m:oMath>
-                </a14:m>
-                <a:r>
-                  <a:rPr lang="en-US" altLang="ja-JP" dirty="0"/>
-                  <a:t>, safe policy set </a:t>
-                </a:r>
-                <a14:m>
-                  <m:oMath xmlns:m="http://schemas.openxmlformats.org/officeDocument/2006/math">
-                    <m:sSub>
-                      <m:sSubPr>
-                        <m:ctrlPr>
-                          <a:rPr lang="en-US" altLang="ja-JP" i="1">
-                            <a:latin typeface="Cambria Math" panose="02040503050406030204" pitchFamily="18" charset="0"/>
-                            <a:ea typeface="Cambria Math" panose="02040503050406030204" pitchFamily="18" charset="0"/>
-                          </a:rPr>
-                        </m:ctrlPr>
-                      </m:sSubPr>
-                      <m:e>
-                        <m:r>
-                          <m:rPr>
-                            <m:sty m:val="p"/>
-                          </m:rPr>
-                          <a:rPr lang="el-GR" altLang="ja-JP" i="1">
-                            <a:latin typeface="Cambria Math" panose="02040503050406030204" pitchFamily="18" charset="0"/>
-                            <a:ea typeface="Cambria Math" panose="02040503050406030204" pitchFamily="18" charset="0"/>
-                          </a:rPr>
-                          <m:t>Π</m:t>
-                        </m:r>
-                      </m:e>
-                      <m:sub>
-                        <m:r>
-                          <a:rPr lang="en-US" altLang="ja-JP" i="1">
-                            <a:latin typeface="Cambria Math" panose="02040503050406030204" pitchFamily="18" charset="0"/>
-                            <a:ea typeface="Cambria Math" panose="02040503050406030204" pitchFamily="18" charset="0"/>
-                          </a:rPr>
-                          <m:t>𝑠𝑎𝑓𝑒</m:t>
-                        </m:r>
-                      </m:sub>
-                    </m:sSub>
-                  </m:oMath>
-                </a14:m>
-                <a:r>
-                  <a:rPr lang="en-US" altLang="ja-JP" dirty="0"/>
-                  <a:t> </a:t>
-                </a:r>
-              </a:p>
             </p:txBody>
           </p:sp>
         </mc:Choice>
@@ -7409,10 +4636,14 @@
               </p:nvPr>
             </p:nvSpPr>
             <p:spPr>
+              <a:xfrm>
+                <a:off x="335572" y="1103022"/>
+                <a:ext cx="8480182" cy="5754977"/>
+              </a:xfrm>
               <a:blipFill>
                 <a:blip r:embed="rId2"/>
                 <a:stretch>
-                  <a:fillRect l="-598" t="-1266"/>
+                  <a:fillRect l="-598" t="-1101"/>
                 </a:stretch>
               </a:blipFill>
             </p:spPr>
@@ -7534,7 +4765,7 @@
             </p:nvSpPr>
             <p:spPr>
               <a:xfrm>
-                <a:off x="2219092" y="1996069"/>
+                <a:off x="2209494" y="5258655"/>
                 <a:ext cx="3842142" cy="419923"/>
               </a:xfrm>
               <a:prstGeom prst="rect">
@@ -7808,7 +5039,7 @@
             </p:nvSpPr>
             <p:spPr>
               <a:xfrm>
-                <a:off x="2219092" y="1996069"/>
+                <a:off x="2209494" y="5258655"/>
                 <a:ext cx="3842142" cy="419923"/>
               </a:xfrm>
               <a:prstGeom prst="rect">
@@ -7852,8 +5083,8 @@
             </p:nvSpPr>
             <p:spPr>
               <a:xfrm>
-                <a:off x="1637687" y="4974725"/>
-                <a:ext cx="5052665" cy="560603"/>
+                <a:off x="4605454" y="3564632"/>
+                <a:ext cx="3352776" cy="443519"/>
               </a:xfrm>
               <a:prstGeom prst="rect">
                 <a:avLst/>
@@ -7873,7 +5104,7 @@
                     </m:oMathParaPr>
                     <m:oMath xmlns:m="http://schemas.openxmlformats.org/officeDocument/2006/math">
                       <m:r>
-                        <a:rPr kumimoji="1" lang="en-US" altLang="ja-JP" sz="1600" i="1" smtClean="0">
+                        <a:rPr kumimoji="1" lang="en-US" altLang="ja-JP" sz="1200" i="1" smtClean="0">
                           <a:latin typeface="Cambria Math" panose="02040503050406030204" pitchFamily="18" charset="0"/>
                           <a:ea typeface="Cambria Math" panose="02040503050406030204" pitchFamily="18" charset="0"/>
                         </a:rPr>
@@ -7882,7 +5113,7 @@
                       <m:d>
                         <m:dPr>
                           <m:ctrlPr>
-                            <a:rPr kumimoji="1" lang="en-US" altLang="ja-JP" sz="1600" b="0" i="1" smtClean="0">
+                            <a:rPr kumimoji="1" lang="en-US" altLang="ja-JP" sz="1200" b="0" i="1" smtClean="0">
                               <a:latin typeface="Cambria Math" panose="02040503050406030204" pitchFamily="18" charset="0"/>
                               <a:ea typeface="Cambria Math" panose="02040503050406030204" pitchFamily="18" charset="0"/>
                             </a:rPr>
@@ -7890,7 +5121,7 @@
                         </m:dPr>
                         <m:e>
                           <m:r>
-                            <a:rPr kumimoji="1" lang="en-US" altLang="ja-JP" sz="1600" b="0" i="1" smtClean="0">
+                            <a:rPr kumimoji="1" lang="en-US" altLang="ja-JP" sz="1200" b="0" i="1" smtClean="0">
                               <a:latin typeface="Cambria Math" panose="02040503050406030204" pitchFamily="18" charset="0"/>
                               <a:ea typeface="Cambria Math" panose="02040503050406030204" pitchFamily="18" charset="0"/>
                             </a:rPr>
@@ -7899,7 +5130,7 @@
                         </m:e>
                       </m:d>
                       <m:r>
-                        <a:rPr kumimoji="1" lang="en-US" altLang="ja-JP" sz="1600" b="0" i="1" smtClean="0">
+                        <a:rPr kumimoji="1" lang="en-US" altLang="ja-JP" sz="1200" b="0" i="1" smtClean="0">
                           <a:latin typeface="Cambria Math" panose="02040503050406030204" pitchFamily="18" charset="0"/>
                           <a:ea typeface="Cambria Math" panose="02040503050406030204" pitchFamily="18" charset="0"/>
                         </a:rPr>
@@ -7910,7 +5141,7 @@
                           <m:begChr m:val="{"/>
                           <m:endChr m:val="|"/>
                           <m:ctrlPr>
-                            <a:rPr kumimoji="1" lang="en-US" altLang="ja-JP" sz="1600" b="0" i="1" smtClean="0">
+                            <a:rPr kumimoji="1" lang="en-US" altLang="ja-JP" sz="1200" b="0" i="1" smtClean="0">
                               <a:latin typeface="Cambria Math" panose="02040503050406030204" pitchFamily="18" charset="0"/>
                               <a:ea typeface="Cambria Math" panose="02040503050406030204" pitchFamily="18" charset="0"/>
                             </a:rPr>
@@ -7918,28 +5149,28 @@
                         </m:dPr>
                         <m:e>
                           <m:r>
-                            <a:rPr kumimoji="1" lang="en-US" altLang="ja-JP" sz="1600" b="0" i="1" smtClean="0">
+                            <a:rPr kumimoji="1" lang="en-US" altLang="ja-JP" sz="1200" b="0" i="1" smtClean="0">
                               <a:latin typeface="Cambria Math" panose="02040503050406030204" pitchFamily="18" charset="0"/>
                               <a:ea typeface="Cambria Math" panose="02040503050406030204" pitchFamily="18" charset="0"/>
                             </a:rPr>
                             <m:t>𝑎</m:t>
                           </m:r>
                           <m:r>
-                            <a:rPr kumimoji="1" lang="en-US" altLang="ja-JP" sz="1600" b="0" i="1" smtClean="0">
+                            <a:rPr kumimoji="1" lang="en-US" altLang="ja-JP" sz="1200" b="0" i="1" smtClean="0">
                               <a:latin typeface="Cambria Math" panose="02040503050406030204" pitchFamily="18" charset="0"/>
                               <a:ea typeface="Cambria Math" panose="02040503050406030204" pitchFamily="18" charset="0"/>
                             </a:rPr>
                             <m:t>∈</m:t>
                           </m:r>
                           <m:r>
-                            <a:rPr kumimoji="1" lang="en-US" altLang="ja-JP" sz="1600" b="0" i="1" smtClean="0">
+                            <a:rPr kumimoji="1" lang="en-US" altLang="ja-JP" sz="1200" b="0" i="1" smtClean="0">
                               <a:latin typeface="Cambria Math" panose="02040503050406030204" pitchFamily="18" charset="0"/>
                               <a:ea typeface="Cambria Math" panose="02040503050406030204" pitchFamily="18" charset="0"/>
                             </a:rPr>
                             <m:t>𝐴</m:t>
                           </m:r>
                           <m:r>
-                            <a:rPr kumimoji="1" lang="en-US" altLang="ja-JP" sz="1600" b="0" i="1" smtClean="0">
+                            <a:rPr kumimoji="1" lang="en-US" altLang="ja-JP" sz="1200" b="0" i="1" smtClean="0">
                               <a:latin typeface="Cambria Math" panose="02040503050406030204" pitchFamily="18" charset="0"/>
                               <a:ea typeface="Cambria Math" panose="02040503050406030204" pitchFamily="18" charset="0"/>
                             </a:rPr>
@@ -7950,7 +5181,7 @@
                       <m:f>
                         <m:fPr>
                           <m:ctrlPr>
-                            <a:rPr kumimoji="1" lang="en-US" altLang="ja-JP" sz="1600" i="1">
+                            <a:rPr kumimoji="1" lang="en-US" altLang="ja-JP" sz="1200" i="1">
                               <a:latin typeface="Cambria Math" panose="02040503050406030204" pitchFamily="18" charset="0"/>
                               <a:ea typeface="Cambria Math" panose="02040503050406030204" pitchFamily="18" charset="0"/>
                             </a:rPr>
@@ -7958,14 +5189,14 @@
                         </m:fPr>
                         <m:num>
                           <m:r>
-                            <a:rPr kumimoji="1" lang="en-US" altLang="ja-JP" sz="1600" i="1">
+                            <a:rPr kumimoji="1" lang="en-US" altLang="ja-JP" sz="1200" i="1">
                               <a:latin typeface="Cambria Math" panose="02040503050406030204" pitchFamily="18" charset="0"/>
                               <a:ea typeface="Cambria Math" panose="02040503050406030204" pitchFamily="18" charset="0"/>
                             </a:rPr>
                             <m:t>𝜕</m:t>
                           </m:r>
                           <m:r>
-                            <a:rPr kumimoji="1" lang="en-US" altLang="ja-JP" sz="1600" i="1">
+                            <a:rPr kumimoji="1" lang="en-US" altLang="ja-JP" sz="1200" i="1">
                               <a:latin typeface="Cambria Math" panose="02040503050406030204" pitchFamily="18" charset="0"/>
                               <a:ea typeface="Cambria Math" panose="02040503050406030204" pitchFamily="18" charset="0"/>
                             </a:rPr>
@@ -7974,14 +5205,14 @@
                         </m:num>
                         <m:den>
                           <m:r>
-                            <a:rPr kumimoji="1" lang="en-US" altLang="ja-JP" sz="1600" i="1">
+                            <a:rPr kumimoji="1" lang="en-US" altLang="ja-JP" sz="1200" i="1">
                               <a:latin typeface="Cambria Math" panose="02040503050406030204" pitchFamily="18" charset="0"/>
                               <a:ea typeface="Cambria Math" panose="02040503050406030204" pitchFamily="18" charset="0"/>
                             </a:rPr>
                             <m:t>𝜕</m:t>
                           </m:r>
                           <m:r>
-                            <a:rPr kumimoji="1" lang="en-US" altLang="ja-JP" sz="1600" i="1">
+                            <a:rPr kumimoji="1" lang="en-US" altLang="ja-JP" sz="1200" i="1">
                               <a:latin typeface="Cambria Math" panose="02040503050406030204" pitchFamily="18" charset="0"/>
                               <a:ea typeface="Cambria Math" panose="02040503050406030204" pitchFamily="18" charset="0"/>
                             </a:rPr>
@@ -7992,7 +5223,7 @@
                       <m:d>
                         <m:dPr>
                           <m:ctrlPr>
-                            <a:rPr kumimoji="1" lang="en-US" altLang="ja-JP" sz="1600" i="1">
+                            <a:rPr kumimoji="1" lang="en-US" altLang="ja-JP" sz="1200" i="1">
                               <a:latin typeface="Cambria Math" panose="02040503050406030204" pitchFamily="18" charset="0"/>
                               <a:ea typeface="Cambria Math" panose="02040503050406030204" pitchFamily="18" charset="0"/>
                             </a:rPr>
@@ -8000,7 +5231,7 @@
                         </m:dPr>
                         <m:e>
                           <m:r>
-                            <a:rPr kumimoji="1" lang="en-US" altLang="ja-JP" sz="1600" i="1">
+                            <a:rPr kumimoji="1" lang="en-US" altLang="ja-JP" sz="1200" i="1">
                               <a:latin typeface="Cambria Math" panose="02040503050406030204" pitchFamily="18" charset="0"/>
                             </a:rPr>
                             <m:t>𝑓</m:t>
@@ -8008,14 +5239,14 @@
                           <m:d>
                             <m:dPr>
                               <m:ctrlPr>
-                                <a:rPr kumimoji="1" lang="en-US" altLang="ja-JP" sz="1600" i="1">
+                                <a:rPr kumimoji="1" lang="en-US" altLang="ja-JP" sz="1200" i="1">
                                   <a:latin typeface="Cambria Math" panose="02040503050406030204" pitchFamily="18" charset="0"/>
                                 </a:rPr>
                               </m:ctrlPr>
                             </m:dPr>
                             <m:e>
                               <m:r>
-                                <a:rPr kumimoji="1" lang="en-US" altLang="ja-JP" sz="1600" i="1">
+                                <a:rPr kumimoji="1" lang="en-US" altLang="ja-JP" sz="1200" i="1">
                                   <a:latin typeface="Cambria Math" panose="02040503050406030204" pitchFamily="18" charset="0"/>
                                 </a:rPr>
                                 <m:t>𝑠</m:t>
@@ -8023,28 +5254,28 @@
                             </m:e>
                           </m:d>
                           <m:r>
-                            <a:rPr kumimoji="1" lang="en-US" altLang="ja-JP" sz="1600" i="1">
+                            <a:rPr kumimoji="1" lang="en-US" altLang="ja-JP" sz="1200" i="1">
                               <a:latin typeface="Cambria Math" panose="02040503050406030204" pitchFamily="18" charset="0"/>
                             </a:rPr>
                             <m:t>+</m:t>
                           </m:r>
                           <m:r>
-                            <a:rPr kumimoji="1" lang="en-US" altLang="ja-JP" sz="1600" i="1">
+                            <a:rPr kumimoji="1" lang="en-US" altLang="ja-JP" sz="1200" i="1">
                               <a:latin typeface="Cambria Math" panose="02040503050406030204" pitchFamily="18" charset="0"/>
                             </a:rPr>
-                            <m:t>𝑑</m:t>
+                            <m:t>𝑔</m:t>
                           </m:r>
                           <m:d>
                             <m:dPr>
                               <m:ctrlPr>
-                                <a:rPr kumimoji="1" lang="en-US" altLang="ja-JP" sz="1600" i="1">
+                                <a:rPr kumimoji="1" lang="en-US" altLang="ja-JP" sz="1200" i="1">
                                   <a:latin typeface="Cambria Math" panose="02040503050406030204" pitchFamily="18" charset="0"/>
                                 </a:rPr>
                               </m:ctrlPr>
                             </m:dPr>
                             <m:e>
                               <m:r>
-                                <a:rPr kumimoji="1" lang="en-US" altLang="ja-JP" sz="1600" i="1">
+                                <a:rPr kumimoji="1" lang="en-US" altLang="ja-JP" sz="1200" i="1">
                                   <a:latin typeface="Cambria Math" panose="02040503050406030204" pitchFamily="18" charset="0"/>
                                 </a:rPr>
                                 <m:t>𝑠</m:t>
@@ -8052,36 +5283,7 @@
                             </m:e>
                           </m:d>
                           <m:r>
-                            <a:rPr kumimoji="1" lang="en-US" altLang="ja-JP" sz="1600" i="1">
-                              <a:latin typeface="Cambria Math" panose="02040503050406030204" pitchFamily="18" charset="0"/>
-                            </a:rPr>
-                            <m:t>+</m:t>
-                          </m:r>
-                          <m:r>
-                            <a:rPr kumimoji="1" lang="en-US" altLang="ja-JP" sz="1600" i="1">
-                              <a:latin typeface="Cambria Math" panose="02040503050406030204" pitchFamily="18" charset="0"/>
-                            </a:rPr>
-                            <m:t>𝑔</m:t>
-                          </m:r>
-                          <m:d>
-                            <m:dPr>
-                              <m:ctrlPr>
-                                <a:rPr kumimoji="1" lang="en-US" altLang="ja-JP" sz="1600" i="1">
-                                  <a:latin typeface="Cambria Math" panose="02040503050406030204" pitchFamily="18" charset="0"/>
-                                </a:rPr>
-                              </m:ctrlPr>
-                            </m:dPr>
-                            <m:e>
-                              <m:r>
-                                <a:rPr kumimoji="1" lang="en-US" altLang="ja-JP" sz="1600" i="1">
-                                  <a:latin typeface="Cambria Math" panose="02040503050406030204" pitchFamily="18" charset="0"/>
-                                </a:rPr>
-                                <m:t>𝑠</m:t>
-                              </m:r>
-                            </m:e>
-                          </m:d>
-                          <m:r>
-                            <a:rPr kumimoji="1" lang="en-US" altLang="ja-JP" sz="1600" i="1">
+                            <a:rPr kumimoji="1" lang="en-US" altLang="ja-JP" sz="1200" i="1">
                               <a:latin typeface="Cambria Math" panose="02040503050406030204" pitchFamily="18" charset="0"/>
                             </a:rPr>
                             <m:t>𝑎</m:t>
@@ -8089,21 +5291,21 @@
                         </m:e>
                       </m:d>
                       <m:r>
-                        <a:rPr kumimoji="1" lang="en-US" altLang="ja-JP" sz="1600" i="1">
+                        <a:rPr kumimoji="1" lang="en-US" altLang="ja-JP" sz="1200" i="1">
                           <a:latin typeface="Cambria Math" panose="02040503050406030204" pitchFamily="18" charset="0"/>
                           <a:ea typeface="Cambria Math" panose="02040503050406030204" pitchFamily="18" charset="0"/>
                         </a:rPr>
                         <m:t>+</m:t>
                       </m:r>
                       <m:r>
-                        <a:rPr kumimoji="1" lang="en-US" altLang="ja-JP" sz="1600" i="1">
+                        <a:rPr kumimoji="1" lang="en-US" altLang="ja-JP" sz="1200" i="1">
                           <a:latin typeface="Cambria Math" panose="02040503050406030204" pitchFamily="18" charset="0"/>
                           <a:ea typeface="Cambria Math" panose="02040503050406030204" pitchFamily="18" charset="0"/>
                         </a:rPr>
                         <m:t>𝛾</m:t>
                       </m:r>
                       <m:r>
-                        <a:rPr kumimoji="1" lang="en-US" altLang="ja-JP" sz="1600" i="1">
+                        <a:rPr kumimoji="1" lang="en-US" altLang="ja-JP" sz="1200" i="1">
                           <a:latin typeface="Cambria Math" panose="02040503050406030204" pitchFamily="18" charset="0"/>
                           <a:ea typeface="Cambria Math" panose="02040503050406030204" pitchFamily="18" charset="0"/>
                         </a:rPr>
@@ -8112,7 +5314,7 @@
                       <m:d>
                         <m:dPr>
                           <m:ctrlPr>
-                            <a:rPr kumimoji="1" lang="en-US" altLang="ja-JP" sz="1600" i="1">
+                            <a:rPr kumimoji="1" lang="en-US" altLang="ja-JP" sz="1200" i="1">
                               <a:latin typeface="Cambria Math" panose="02040503050406030204" pitchFamily="18" charset="0"/>
                               <a:ea typeface="Cambria Math" panose="02040503050406030204" pitchFamily="18" charset="0"/>
                             </a:rPr>
@@ -8120,7 +5322,7 @@
                         </m:dPr>
                         <m:e>
                           <m:r>
-                            <a:rPr kumimoji="1" lang="en-US" altLang="ja-JP" sz="1600" i="1">
+                            <a:rPr kumimoji="1" lang="en-US" altLang="ja-JP" sz="1200" i="1">
                               <a:latin typeface="Cambria Math" panose="02040503050406030204" pitchFamily="18" charset="0"/>
                               <a:ea typeface="Cambria Math" panose="02040503050406030204" pitchFamily="18" charset="0"/>
                             </a:rPr>
@@ -8129,14 +5331,14 @@
                         </m:e>
                       </m:d>
                       <m:r>
-                        <a:rPr kumimoji="1" lang="en-US" altLang="ja-JP" sz="1600" i="1">
+                        <a:rPr kumimoji="1" lang="en-US" altLang="ja-JP" sz="1200" i="1">
                           <a:latin typeface="Cambria Math" panose="02040503050406030204" pitchFamily="18" charset="0"/>
                           <a:ea typeface="Cambria Math" panose="02040503050406030204" pitchFamily="18" charset="0"/>
                         </a:rPr>
                         <m:t>≥0</m:t>
                       </m:r>
                       <m:r>
-                        <a:rPr kumimoji="1" lang="en-US" altLang="ja-JP" sz="1600" b="0" i="1" smtClean="0">
+                        <a:rPr kumimoji="1" lang="en-US" altLang="ja-JP" sz="1200" b="0" i="1" smtClean="0">
                           <a:latin typeface="Cambria Math" panose="02040503050406030204" pitchFamily="18" charset="0"/>
                           <a:ea typeface="Cambria Math" panose="02040503050406030204" pitchFamily="18" charset="0"/>
                         </a:rPr>
@@ -8145,7 +5347,7 @@
                     </m:oMath>
                   </m:oMathPara>
                 </a14:m>
-                <a:endParaRPr kumimoji="1" lang="ja-JP" altLang="en-US" sz="1600">
+                <a:endParaRPr kumimoji="1" lang="ja-JP" altLang="en-US" sz="1200">
                   <a:solidFill>
                     <a:schemeClr val="tx1"/>
                   </a:solidFill>
@@ -8172,8 +5374,8 @@
             </p:nvSpPr>
             <p:spPr>
               <a:xfrm>
-                <a:off x="1637687" y="4974725"/>
-                <a:ext cx="5052665" cy="560603"/>
+                <a:off x="4605454" y="3564632"/>
+                <a:ext cx="3352776" cy="443519"/>
               </a:xfrm>
               <a:prstGeom prst="rect">
                 <a:avLst/>
@@ -8181,7 +5383,7 @@
               <a:blipFill>
                 <a:blip r:embed="rId4"/>
                 <a:stretch>
-                  <a:fillRect b="-2222"/>
+                  <a:fillRect/>
                 </a:stretch>
               </a:blipFill>
             </p:spPr>
@@ -8216,8 +5418,8 @@
             </p:nvSpPr>
             <p:spPr>
               <a:xfrm>
-                <a:off x="1637687" y="5489327"/>
-                <a:ext cx="4570547" cy="579261"/>
+                <a:off x="4605454" y="4079234"/>
+                <a:ext cx="3476656" cy="457561"/>
               </a:xfrm>
               <a:prstGeom prst="rect">
                 <a:avLst/>
@@ -8239,7 +5441,7 @@
                       <m:sSub>
                         <m:sSubPr>
                           <m:ctrlPr>
-                            <a:rPr kumimoji="1" lang="en-US" altLang="ja-JP" sz="1600" b="0" i="1" smtClean="0">
+                            <a:rPr kumimoji="1" lang="en-US" altLang="ja-JP" sz="1200" b="0" i="1" smtClean="0">
                               <a:latin typeface="Cambria Math" panose="02040503050406030204" pitchFamily="18" charset="0"/>
                               <a:ea typeface="Cambria Math" panose="02040503050406030204" pitchFamily="18" charset="0"/>
                             </a:rPr>
@@ -8250,7 +5452,7 @@
                             <m:rPr>
                               <m:sty m:val="p"/>
                             </m:rPr>
-                            <a:rPr kumimoji="1" lang="el-GR" altLang="ja-JP" sz="1600" b="0" i="1" smtClean="0">
+                            <a:rPr kumimoji="1" lang="el-GR" altLang="ja-JP" sz="1200" b="0" i="1" smtClean="0">
                               <a:latin typeface="Cambria Math" panose="02040503050406030204" pitchFamily="18" charset="0"/>
                               <a:ea typeface="Cambria Math" panose="02040503050406030204" pitchFamily="18" charset="0"/>
                             </a:rPr>
@@ -8259,7 +5461,7 @@
                         </m:e>
                         <m:sub>
                           <m:r>
-                            <a:rPr kumimoji="1" lang="en-US" altLang="ja-JP" sz="1600" b="0" i="1" smtClean="0">
+                            <a:rPr kumimoji="1" lang="en-US" altLang="ja-JP" sz="1200" b="0" i="1" smtClean="0">
                               <a:latin typeface="Cambria Math" panose="02040503050406030204" pitchFamily="18" charset="0"/>
                               <a:ea typeface="Cambria Math" panose="02040503050406030204" pitchFamily="18" charset="0"/>
                             </a:rPr>
@@ -8268,7 +5470,7 @@
                         </m:sub>
                       </m:sSub>
                       <m:r>
-                        <a:rPr kumimoji="1" lang="en-US" altLang="ja-JP" sz="1600" b="0" i="1" smtClean="0">
+                        <a:rPr kumimoji="1" lang="en-US" altLang="ja-JP" sz="1200" b="0" i="1" smtClean="0">
                           <a:latin typeface="Cambria Math" panose="02040503050406030204" pitchFamily="18" charset="0"/>
                           <a:ea typeface="Cambria Math" panose="02040503050406030204" pitchFamily="18" charset="0"/>
                         </a:rPr>
@@ -8279,7 +5481,7 @@
                           <m:begChr m:val="{"/>
                           <m:endChr m:val="|"/>
                           <m:ctrlPr>
-                            <a:rPr kumimoji="1" lang="en-US" altLang="ja-JP" sz="1600" b="0" i="1" smtClean="0">
+                            <a:rPr kumimoji="1" lang="en-US" altLang="ja-JP" sz="1200" b="0" i="1" smtClean="0">
                               <a:latin typeface="Cambria Math" panose="02040503050406030204" pitchFamily="18" charset="0"/>
                               <a:ea typeface="Cambria Math" panose="02040503050406030204" pitchFamily="18" charset="0"/>
                             </a:rPr>
@@ -8287,14 +5489,14 @@
                         </m:dPr>
                         <m:e>
                           <m:r>
-                            <a:rPr kumimoji="1" lang="en-US" altLang="ja-JP" sz="1600" b="0" i="1" smtClean="0">
+                            <a:rPr kumimoji="1" lang="en-US" altLang="ja-JP" sz="1200" b="0" i="1" smtClean="0">
                               <a:latin typeface="Cambria Math" panose="02040503050406030204" pitchFamily="18" charset="0"/>
                               <a:ea typeface="Cambria Math" panose="02040503050406030204" pitchFamily="18" charset="0"/>
                             </a:rPr>
                             <m:t>𝜋</m:t>
                           </m:r>
                           <m:r>
-                            <a:rPr kumimoji="1" lang="en-US" altLang="ja-JP" sz="1600" b="0" i="1" smtClean="0">
+                            <a:rPr kumimoji="1" lang="en-US" altLang="ja-JP" sz="1200" b="0" i="1" smtClean="0">
                               <a:latin typeface="Cambria Math" panose="02040503050406030204" pitchFamily="18" charset="0"/>
                               <a:ea typeface="Cambria Math" panose="02040503050406030204" pitchFamily="18" charset="0"/>
                             </a:rPr>
@@ -8304,14 +5506,14 @@
                             <m:rPr>
                               <m:sty m:val="p"/>
                             </m:rPr>
-                            <a:rPr kumimoji="1" lang="el-GR" altLang="ja-JP" sz="1600" i="1">
+                            <a:rPr kumimoji="1" lang="el-GR" altLang="ja-JP" sz="1200" i="1">
                               <a:latin typeface="Cambria Math" panose="02040503050406030204" pitchFamily="18" charset="0"/>
                               <a:ea typeface="Cambria Math" panose="02040503050406030204" pitchFamily="18" charset="0"/>
                             </a:rPr>
                             <m:t>Π</m:t>
                           </m:r>
                           <m:r>
-                            <a:rPr kumimoji="1" lang="en-US" altLang="ja-JP" sz="1600" b="0" i="1" smtClean="0">
+                            <a:rPr kumimoji="1" lang="en-US" altLang="ja-JP" sz="1200" b="0" i="1" smtClean="0">
                               <a:latin typeface="Cambria Math" panose="02040503050406030204" pitchFamily="18" charset="0"/>
                               <a:ea typeface="Cambria Math" panose="02040503050406030204" pitchFamily="18" charset="0"/>
                             </a:rPr>
@@ -8320,7 +5522,7 @@
                         </m:e>
                       </m:d>
                       <m:r>
-                        <a:rPr kumimoji="1" lang="en-US" altLang="ja-JP" sz="1600" b="0" i="1" smtClean="0">
+                        <a:rPr kumimoji="1" lang="en-US" altLang="ja-JP" sz="1200" b="0" i="1" smtClean="0">
                           <a:latin typeface="Cambria Math" panose="02040503050406030204" pitchFamily="18" charset="0"/>
                           <a:ea typeface="Cambria Math" panose="02040503050406030204" pitchFamily="18" charset="0"/>
                         </a:rPr>
@@ -8332,7 +5534,7 @@
                           <m:limLoc m:val="subSup"/>
                           <m:supHide m:val="on"/>
                           <m:ctrlPr>
-                            <a:rPr kumimoji="1" lang="en-US" altLang="ja-JP" sz="1600" b="0" i="1" smtClean="0">
+                            <a:rPr kumimoji="1" lang="en-US" altLang="ja-JP" sz="1200" b="0" i="1" smtClean="0">
                               <a:latin typeface="Cambria Math" panose="02040503050406030204" pitchFamily="18" charset="0"/>
                               <a:ea typeface="Cambria Math" panose="02040503050406030204" pitchFamily="18" charset="0"/>
                             </a:rPr>
@@ -8343,42 +5545,42 @@
                             <m:rPr>
                               <m:brk m:alnAt="9"/>
                             </m:rPr>
-                            <a:rPr kumimoji="1" lang="en-US" altLang="ja-JP" sz="1600" b="0" i="1" smtClean="0">
+                            <a:rPr kumimoji="1" lang="en-US" altLang="ja-JP" sz="1200" b="0" i="1" smtClean="0">
                               <a:latin typeface="Cambria Math" panose="02040503050406030204" pitchFamily="18" charset="0"/>
                               <a:ea typeface="Cambria Math" panose="02040503050406030204" pitchFamily="18" charset="0"/>
                             </a:rPr>
                             <m:t>𝑎</m:t>
                           </m:r>
                           <m:r>
-                            <a:rPr kumimoji="1" lang="en-US" altLang="ja-JP" sz="1600" b="0" i="1" smtClean="0">
+                            <a:rPr kumimoji="1" lang="en-US" altLang="ja-JP" sz="1200" b="0" i="1" smtClean="0">
                               <a:latin typeface="Cambria Math" panose="02040503050406030204" pitchFamily="18" charset="0"/>
                               <a:ea typeface="Cambria Math" panose="02040503050406030204" pitchFamily="18" charset="0"/>
                             </a:rPr>
                             <m:t>∈</m:t>
                           </m:r>
                           <m:r>
-                            <a:rPr kumimoji="1" lang="en-US" altLang="ja-JP" sz="1600" b="0" i="1" smtClean="0">
+                            <a:rPr kumimoji="1" lang="en-US" altLang="ja-JP" sz="1200" b="0" i="1" smtClean="0">
                               <a:latin typeface="Cambria Math" panose="02040503050406030204" pitchFamily="18" charset="0"/>
                               <a:ea typeface="Cambria Math" panose="02040503050406030204" pitchFamily="18" charset="0"/>
                             </a:rPr>
                             <m:t>𝑈</m:t>
                           </m:r>
                           <m:r>
-                            <a:rPr kumimoji="1" lang="en-US" altLang="ja-JP" sz="1600" b="0" i="1" smtClean="0">
+                            <a:rPr kumimoji="1" lang="en-US" altLang="ja-JP" sz="1200" b="0" i="1" smtClean="0">
                               <a:latin typeface="Cambria Math" panose="02040503050406030204" pitchFamily="18" charset="0"/>
                               <a:ea typeface="Cambria Math" panose="02040503050406030204" pitchFamily="18" charset="0"/>
                             </a:rPr>
                             <m:t>(</m:t>
                           </m:r>
                           <m:r>
-                            <a:rPr kumimoji="1" lang="en-US" altLang="ja-JP" sz="1600" b="0" i="1" smtClean="0">
+                            <a:rPr kumimoji="1" lang="en-US" altLang="ja-JP" sz="1200" b="0" i="1" smtClean="0">
                               <a:latin typeface="Cambria Math" panose="02040503050406030204" pitchFamily="18" charset="0"/>
                               <a:ea typeface="Cambria Math" panose="02040503050406030204" pitchFamily="18" charset="0"/>
                             </a:rPr>
                             <m:t>𝑠</m:t>
                           </m:r>
                           <m:r>
-                            <a:rPr kumimoji="1" lang="en-US" altLang="ja-JP" sz="1600" b="0" i="1" smtClean="0">
+                            <a:rPr kumimoji="1" lang="en-US" altLang="ja-JP" sz="1200" b="0" i="1" smtClean="0">
                               <a:latin typeface="Cambria Math" panose="02040503050406030204" pitchFamily="18" charset="0"/>
                               <a:ea typeface="Cambria Math" panose="02040503050406030204" pitchFamily="18" charset="0"/>
                             </a:rPr>
@@ -8388,42 +5590,42 @@
                         <m:sup/>
                         <m:e>
                           <m:r>
-                            <a:rPr kumimoji="1" lang="en-US" altLang="ja-JP" sz="1600" b="0" i="1" smtClean="0">
+                            <a:rPr kumimoji="1" lang="en-US" altLang="ja-JP" sz="1200" b="0" i="1" smtClean="0">
                               <a:latin typeface="Cambria Math" panose="02040503050406030204" pitchFamily="18" charset="0"/>
                               <a:ea typeface="Cambria Math" panose="02040503050406030204" pitchFamily="18" charset="0"/>
                             </a:rPr>
                             <m:t>𝜋</m:t>
                           </m:r>
                           <m:r>
-                            <a:rPr kumimoji="1" lang="en-US" altLang="ja-JP" sz="1600" b="0" i="1" smtClean="0">
+                            <a:rPr kumimoji="1" lang="en-US" altLang="ja-JP" sz="1200" b="0" i="1" smtClean="0">
                               <a:latin typeface="Cambria Math" panose="02040503050406030204" pitchFamily="18" charset="0"/>
                               <a:ea typeface="Cambria Math" panose="02040503050406030204" pitchFamily="18" charset="0"/>
                             </a:rPr>
                             <m:t>(</m:t>
                           </m:r>
                           <m:r>
-                            <a:rPr kumimoji="1" lang="en-US" altLang="ja-JP" sz="1600" b="0" i="1" smtClean="0">
+                            <a:rPr kumimoji="1" lang="en-US" altLang="ja-JP" sz="1200" b="0" i="1" smtClean="0">
                               <a:latin typeface="Cambria Math" panose="02040503050406030204" pitchFamily="18" charset="0"/>
                               <a:ea typeface="Cambria Math" panose="02040503050406030204" pitchFamily="18" charset="0"/>
                             </a:rPr>
                             <m:t>𝑎</m:t>
                           </m:r>
                           <m:r>
-                            <a:rPr kumimoji="1" lang="en-US" altLang="ja-JP" sz="1600" b="0" i="1" smtClean="0">
+                            <a:rPr kumimoji="1" lang="en-US" altLang="ja-JP" sz="1200" b="0" i="1" smtClean="0">
                               <a:latin typeface="Cambria Math" panose="02040503050406030204" pitchFamily="18" charset="0"/>
                               <a:ea typeface="Cambria Math" panose="02040503050406030204" pitchFamily="18" charset="0"/>
                             </a:rPr>
                             <m:t>|</m:t>
                           </m:r>
                           <m:r>
-                            <a:rPr kumimoji="1" lang="en-US" altLang="ja-JP" sz="1600" b="0" i="1" smtClean="0">
+                            <a:rPr kumimoji="1" lang="en-US" altLang="ja-JP" sz="1200" b="0" i="1" smtClean="0">
                               <a:latin typeface="Cambria Math" panose="02040503050406030204" pitchFamily="18" charset="0"/>
                               <a:ea typeface="Cambria Math" panose="02040503050406030204" pitchFamily="18" charset="0"/>
                             </a:rPr>
                             <m:t>𝑠</m:t>
                           </m:r>
                           <m:r>
-                            <a:rPr kumimoji="1" lang="en-US" altLang="ja-JP" sz="1600" b="0" i="1" smtClean="0">
+                            <a:rPr kumimoji="1" lang="en-US" altLang="ja-JP" sz="1200" b="0" i="1" smtClean="0">
                               <a:latin typeface="Cambria Math" panose="02040503050406030204" pitchFamily="18" charset="0"/>
                               <a:ea typeface="Cambria Math" panose="02040503050406030204" pitchFamily="18" charset="0"/>
                             </a:rPr>
@@ -8432,21 +5634,21 @@
                         </m:e>
                       </m:nary>
                       <m:r>
-                        <a:rPr kumimoji="1" lang="en-US" altLang="ja-JP" sz="1600" b="0" i="1" smtClean="0">
+                        <a:rPr kumimoji="1" lang="en-US" altLang="ja-JP" sz="1200" b="0" i="1" smtClean="0">
                           <a:latin typeface="Cambria Math" panose="02040503050406030204" pitchFamily="18" charset="0"/>
                           <a:ea typeface="Cambria Math" panose="02040503050406030204" pitchFamily="18" charset="0"/>
                         </a:rPr>
                         <m:t>=1, ∀</m:t>
                       </m:r>
                       <m:r>
-                        <a:rPr kumimoji="1" lang="en-US" altLang="ja-JP" sz="1600" b="0" i="1" smtClean="0">
+                        <a:rPr kumimoji="1" lang="en-US" altLang="ja-JP" sz="1200" b="0" i="1" smtClean="0">
                           <a:latin typeface="Cambria Math" panose="02040503050406030204" pitchFamily="18" charset="0"/>
                           <a:ea typeface="Cambria Math" panose="02040503050406030204" pitchFamily="18" charset="0"/>
                         </a:rPr>
                         <m:t>𝑠</m:t>
                       </m:r>
                       <m:r>
-                        <a:rPr kumimoji="1" lang="en-US" altLang="ja-JP" sz="1600" b="0" i="1" smtClean="0">
+                        <a:rPr kumimoji="1" lang="en-US" altLang="ja-JP" sz="1200" b="0" i="1" smtClean="0">
                           <a:latin typeface="Cambria Math" panose="02040503050406030204" pitchFamily="18" charset="0"/>
                           <a:ea typeface="Cambria Math" panose="02040503050406030204" pitchFamily="18" charset="0"/>
                         </a:rPr>
@@ -8455,14 +5657,14 @@
                       <m:sSub>
                         <m:sSubPr>
                           <m:ctrlPr>
-                            <a:rPr kumimoji="1" lang="en-US" altLang="ja-JP" sz="1600" i="1">
+                            <a:rPr kumimoji="1" lang="en-US" altLang="ja-JP" sz="1200" i="1">
                               <a:latin typeface="Cambria Math" panose="02040503050406030204" pitchFamily="18" charset="0"/>
                             </a:rPr>
                           </m:ctrlPr>
                         </m:sSubPr>
                         <m:e>
                           <m:r>
-                            <a:rPr kumimoji="1" lang="en-US" altLang="ja-JP" sz="1600" i="1">
+                            <a:rPr kumimoji="1" lang="en-US" altLang="ja-JP" sz="1200" i="1">
                               <a:latin typeface="Cambria Math" panose="02040503050406030204" pitchFamily="18" charset="0"/>
                             </a:rPr>
                             <m:t>𝑆</m:t>
@@ -8470,7 +5672,7 @@
                         </m:e>
                         <m:sub>
                           <m:r>
-                            <a:rPr kumimoji="1" lang="en-US" altLang="ja-JP" sz="1600" i="1">
+                            <a:rPr kumimoji="1" lang="en-US" altLang="ja-JP" sz="1200" i="1">
                               <a:latin typeface="Cambria Math" panose="02040503050406030204" pitchFamily="18" charset="0"/>
                             </a:rPr>
                             <m:t>𝑠𝑎𝑓𝑒</m:t>
@@ -8478,7 +5680,7 @@
                         </m:sub>
                       </m:sSub>
                       <m:r>
-                        <a:rPr kumimoji="1" lang="en-US" altLang="ja-JP" sz="1600" b="0" i="1" smtClean="0">
+                        <a:rPr kumimoji="1" lang="en-US" altLang="ja-JP" sz="1200" b="0" i="1" smtClean="0">
                           <a:latin typeface="Cambria Math" panose="02040503050406030204" pitchFamily="18" charset="0"/>
                           <a:ea typeface="Cambria Math" panose="02040503050406030204" pitchFamily="18" charset="0"/>
                         </a:rPr>
@@ -8487,7 +5689,7 @@
                     </m:oMath>
                   </m:oMathPara>
                 </a14:m>
-                <a:endParaRPr kumimoji="1" lang="ja-JP" altLang="en-US" sz="1600">
+                <a:endParaRPr kumimoji="1" lang="ja-JP" altLang="en-US" sz="1200">
                   <a:solidFill>
                     <a:schemeClr val="tx1"/>
                   </a:solidFill>
@@ -8514,8 +5716,8 @@
             </p:nvSpPr>
             <p:spPr>
               <a:xfrm>
-                <a:off x="1637687" y="5489327"/>
-                <a:ext cx="4570547" cy="579261"/>
+                <a:off x="4605454" y="4079234"/>
+                <a:ext cx="3476656" cy="457561"/>
               </a:xfrm>
               <a:prstGeom prst="rect">
                 <a:avLst/>
@@ -8523,7 +5725,7 @@
               <a:blipFill>
                 <a:blip r:embed="rId5"/>
                 <a:stretch>
-                  <a:fillRect t="-156522" b="-215217"/>
+                  <a:fillRect t="-137838" b="-200000"/>
                 </a:stretch>
               </a:blipFill>
             </p:spPr>
@@ -8542,6 +5744,58 @@
           </p:sp>
         </mc:Fallback>
       </mc:AlternateContent>
+      <p:sp>
+        <p:nvSpPr>
+          <p:cNvPr id="13" name="角丸四角形吹き出し 12">
+            <a:extLst>
+              <a:ext uri="{FF2B5EF4-FFF2-40B4-BE49-F238E27FC236}">
+                <a16:creationId xmlns:a16="http://schemas.microsoft.com/office/drawing/2014/main" id="{481C4883-40CB-7D44-B6C9-46B1809962B7}"/>
+              </a:ext>
+            </a:extLst>
+          </p:cNvPr>
+          <p:cNvSpPr/>
+          <p:nvPr/>
+        </p:nvSpPr>
+        <p:spPr>
+          <a:xfrm>
+            <a:off x="4482789" y="3538212"/>
+            <a:ext cx="3655076" cy="1042655"/>
+          </a:xfrm>
+          <a:prstGeom prst="wedgeRoundRectCallout">
+            <a:avLst>
+              <a:gd name="adj1" fmla="val -15649"/>
+              <a:gd name="adj2" fmla="val -58926"/>
+              <a:gd name="adj3" fmla="val 16667"/>
+            </a:avLst>
+          </a:prstGeom>
+          <a:noFill/>
+          <a:ln w="19050"/>
+        </p:spPr>
+        <p:style>
+          <a:lnRef idx="2">
+            <a:schemeClr val="accent1">
+              <a:shade val="50000"/>
+            </a:schemeClr>
+          </a:lnRef>
+          <a:fillRef idx="1">
+            <a:schemeClr val="accent1"/>
+          </a:fillRef>
+          <a:effectRef idx="0">
+            <a:schemeClr val="accent1"/>
+          </a:effectRef>
+          <a:fontRef idx="minor">
+            <a:schemeClr val="lt1"/>
+          </a:fontRef>
+        </p:style>
+        <p:txBody>
+          <a:bodyPr rtlCol="0" anchor="ctr"/>
+          <a:lstStyle/>
+          <a:p>
+            <a:pPr algn="ctr"/>
+            <a:endParaRPr kumimoji="1" lang="ja-JP" altLang="en-US"/>
+          </a:p>
+        </p:txBody>
+      </p:sp>
     </p:spTree>
     <p:extLst>
       <p:ext uri="{BB962C8B-B14F-4D97-AF65-F5344CB8AC3E}">
@@ -8555,7 +5809,7 @@
 </p:sld>
 </file>
 
-<file path=ppt/slides/slide4.xml><?xml version="1.0" encoding="utf-8"?>
+<file path=ppt/slides/slide2.xml><?xml version="1.0" encoding="utf-8"?>
 <p:sld xmlns:a="http://schemas.openxmlformats.org/drawingml/2006/main" xmlns:r="http://schemas.openxmlformats.org/officeDocument/2006/relationships" xmlns:p="http://schemas.openxmlformats.org/presentationml/2006/main">
   <p:cSld>
     <p:spTree>

--- a/report.pptx
+++ b/report.pptx
@@ -5,11 +5,12 @@
     <p:sldMasterId id="2147483684" r:id="rId1"/>
   </p:sldMasterIdLst>
   <p:notesMasterIdLst>
-    <p:notesMasterId r:id="rId4"/>
+    <p:notesMasterId r:id="rId5"/>
   </p:notesMasterIdLst>
   <p:sldIdLst>
-    <p:sldId id="345" r:id="rId2"/>
-    <p:sldId id="343" r:id="rId3"/>
+    <p:sldId id="346" r:id="rId2"/>
+    <p:sldId id="347" r:id="rId3"/>
+    <p:sldId id="348" r:id="rId4"/>
   </p:sldIdLst>
   <p:sldSz cx="9144000" cy="6858000" type="screen4x3"/>
   <p:notesSz cx="6858000" cy="9144000"/>
@@ -209,7 +210,7 @@
           <a:p>
             <a:fld id="{4009ACC2-15F4-9549-B7EC-0A2B034E938B}" type="datetimeFigureOut">
               <a:rPr kumimoji="1" lang="ja-JP" altLang="en-US" smtClean="0"/>
-              <a:t>2020/7/18</a:t>
+              <a:t>2020/10/4</a:t>
             </a:fld>
             <a:endParaRPr kumimoji="1" lang="ja-JP" altLang="en-US"/>
           </a:p>
@@ -566,14 +567,14 @@
           </a:ln>
           <a:extLst>
             <a:ext uri="{909E8E84-426E-40dd-AFC4-6F175D3DCCD1}">
-              <a14:hiddenFill xmlns:a14="http://schemas.microsoft.com/office/drawing/2010/main" xmlns="">
+              <a14:hiddenFill xmlns="" xmlns:a14="http://schemas.microsoft.com/office/drawing/2010/main">
                 <a:solidFill>
                   <a:srgbClr val="FFFFFF"/>
                 </a:solidFill>
               </a14:hiddenFill>
             </a:ext>
             <a:ext uri="{91240B29-F687-4f45-9708-019B960494DF}">
-              <a14:hiddenLine xmlns:a14="http://schemas.microsoft.com/office/drawing/2010/main" xmlns="" w="9525">
+              <a14:hiddenLine xmlns="" xmlns:a14="http://schemas.microsoft.com/office/drawing/2010/main" w="9525">
                 <a:solidFill>
                   <a:srgbClr val="000000"/>
                 </a:solidFill>
@@ -699,7 +700,7 @@
           <a:p>
             <a:fld id="{E9E59658-536A-9C47-BE27-5916453304A2}" type="datetime1">
               <a:rPr kumimoji="1" lang="ja-JP" altLang="en-US" smtClean="0"/>
-              <a:t>2020/7/18</a:t>
+              <a:t>2020/10/4</a:t>
             </a:fld>
             <a:endParaRPr kumimoji="1" lang="ja-JP" altLang="en-US"/>
           </a:p>
@@ -905,7 +906,7 @@
           <a:p>
             <a:fld id="{BD3F9A9C-0CC8-724D-8CAB-CE583F909772}" type="datetime1">
               <a:rPr kumimoji="1" lang="ja-JP" altLang="en-US" smtClean="0"/>
-              <a:t>2020/7/18</a:t>
+              <a:t>2020/10/4</a:t>
             </a:fld>
             <a:endParaRPr kumimoji="1" lang="ja-JP" altLang="en-US"/>
           </a:p>
@@ -1121,7 +1122,7 @@
           <a:p>
             <a:fld id="{AC55A472-1073-0547-9A59-DD081FE17D43}" type="datetime1">
               <a:rPr kumimoji="1" lang="ja-JP" altLang="en-US" smtClean="0"/>
-              <a:t>2020/7/18</a:t>
+              <a:t>2020/10/4</a:t>
             </a:fld>
             <a:endParaRPr kumimoji="1" lang="ja-JP" altLang="en-US"/>
           </a:p>
@@ -1244,14 +1245,14 @@
           </a:ln>
           <a:extLst>
             <a:ext uri="{909E8E84-426E-40dd-AFC4-6F175D3DCCD1}">
-              <a14:hiddenFill xmlns:a14="http://schemas.microsoft.com/office/drawing/2010/main" xmlns="">
+              <a14:hiddenFill xmlns="" xmlns:a14="http://schemas.microsoft.com/office/drawing/2010/main">
                 <a:solidFill>
                   <a:srgbClr val="FFFFFF"/>
                 </a:solidFill>
               </a14:hiddenFill>
             </a:ext>
             <a:ext uri="{91240B29-F687-4f45-9708-019B960494DF}">
-              <a14:hiddenLine xmlns:a14="http://schemas.microsoft.com/office/drawing/2010/main" xmlns="" w="9525">
+              <a14:hiddenLine xmlns="" xmlns:a14="http://schemas.microsoft.com/office/drawing/2010/main" w="9525">
                 <a:solidFill>
                   <a:srgbClr val="000000"/>
                 </a:solidFill>
@@ -1382,7 +1383,7 @@
           <a:p>
             <a:fld id="{90235FA2-C49A-5C4F-85BF-B1D7D24C5B31}" type="datetime1">
               <a:rPr kumimoji="1" lang="ja-JP" altLang="en-US" smtClean="0"/>
-              <a:t>2020/7/18</a:t>
+              <a:t>2020/10/4</a:t>
             </a:fld>
             <a:endParaRPr kumimoji="1" lang="ja-JP" altLang="en-US"/>
           </a:p>
@@ -1721,7 +1722,7 @@
           <a:p>
             <a:fld id="{F4B8FB07-8ABC-B147-BBD9-82E1124A9195}" type="datetime1">
               <a:rPr kumimoji="1" lang="ja-JP" altLang="en-US" smtClean="0"/>
-              <a:t>2020/7/18</a:t>
+              <a:t>2020/10/4</a:t>
             </a:fld>
             <a:endParaRPr kumimoji="1" lang="ja-JP" altLang="en-US"/>
           </a:p>
@@ -2021,7 +2022,7 @@
           <a:p>
             <a:fld id="{2E987E7E-FA9C-3947-926C-79EF22991022}" type="datetime1">
               <a:rPr kumimoji="1" lang="ja-JP" altLang="en-US" smtClean="0"/>
-              <a:t>2020/7/18</a:t>
+              <a:t>2020/10/4</a:t>
             </a:fld>
             <a:endParaRPr kumimoji="1" lang="ja-JP" altLang="en-US"/>
           </a:p>
@@ -2456,7 +2457,7 @@
           <a:p>
             <a:fld id="{6AA3599C-7060-A14F-A8FF-BFA2E3E43F87}" type="datetime1">
               <a:rPr kumimoji="1" lang="ja-JP" altLang="en-US" smtClean="0"/>
-              <a:t>2020/7/18</a:t>
+              <a:t>2020/10/4</a:t>
             </a:fld>
             <a:endParaRPr kumimoji="1" lang="ja-JP" altLang="en-US"/>
           </a:p>
@@ -2578,7 +2579,7 @@
           <a:p>
             <a:fld id="{2ACB3C61-04B3-8341-A053-431BFDE0369C}" type="datetime1">
               <a:rPr kumimoji="1" lang="ja-JP" altLang="en-US" smtClean="0"/>
-              <a:t>2020/7/18</a:t>
+              <a:t>2020/10/4</a:t>
             </a:fld>
             <a:endParaRPr kumimoji="1" lang="ja-JP" altLang="en-US"/>
           </a:p>
@@ -2677,7 +2678,7 @@
           <a:p>
             <a:fld id="{17E05920-A0FF-A94D-B91E-11B016CF8687}" type="datetime1">
               <a:rPr kumimoji="1" lang="ja-JP" altLang="en-US" smtClean="0"/>
-              <a:t>2020/7/18</a:t>
+              <a:t>2020/10/4</a:t>
             </a:fld>
             <a:endParaRPr kumimoji="1" lang="ja-JP" altLang="en-US"/>
           </a:p>
@@ -2990,7 +2991,7 @@
           <a:p>
             <a:fld id="{73151009-4B49-E243-94A4-1303689190AE}" type="datetime1">
               <a:rPr kumimoji="1" lang="ja-JP" altLang="en-US" smtClean="0"/>
-              <a:t>2020/7/18</a:t>
+              <a:t>2020/10/4</a:t>
             </a:fld>
             <a:endParaRPr kumimoji="1" lang="ja-JP" altLang="en-US"/>
           </a:p>
@@ -3251,7 +3252,7 @@
           <a:p>
             <a:fld id="{F948BB96-C546-0F48-8959-F4ED01CF136A}" type="datetime1">
               <a:rPr kumimoji="1" lang="ja-JP" altLang="en-US" smtClean="0"/>
-              <a:t>2020/7/18</a:t>
+              <a:t>2020/10/4</a:t>
             </a:fld>
             <a:endParaRPr kumimoji="1" lang="ja-JP" altLang="en-US"/>
           </a:p>
@@ -3505,7 +3506,7 @@
           <a:p>
             <a:fld id="{23C8A647-1D3A-F547-BEEB-E9A419355659}" type="datetime1">
               <a:rPr kumimoji="1" lang="ja-JP" altLang="en-US" smtClean="0"/>
-              <a:t>2020/7/18</a:t>
+              <a:t>2020/10/4</a:t>
             </a:fld>
             <a:endParaRPr kumimoji="1" lang="ja-JP" altLang="en-US"/>
           </a:p>
@@ -3939,7 +3940,7 @@
               <p:cNvPr id="2" name="コンテンツ プレースホルダー 1">
                 <a:extLst>
                   <a:ext uri="{FF2B5EF4-FFF2-40B4-BE49-F238E27FC236}">
-                    <a16:creationId xmlns:a16="http://schemas.microsoft.com/office/drawing/2014/main" id="{64ACCA72-2454-684D-B8C5-D840F9147260}"/>
+                    <a16:creationId xmlns:a16="http://schemas.microsoft.com/office/drawing/2014/main" id="{F3D4B3BC-471E-1041-A7B6-02F9CB0A2773}"/>
                   </a:ext>
                 </a:extLst>
               </p:cNvPr>
@@ -3950,670 +3951,163 @@
                 <p:ph idx="1"/>
               </p:nvPr>
             </p:nvSpPr>
-            <p:spPr>
-              <a:xfrm>
-                <a:off x="335572" y="1103022"/>
-                <a:ext cx="8480182" cy="5754977"/>
-              </a:xfrm>
-            </p:spPr>
+            <p:spPr/>
             <p:txBody>
-              <a:bodyPr>
-                <a:normAutofit/>
-              </a:bodyPr>
+              <a:bodyPr/>
               <a:lstStyle/>
               <a:p>
                 <a:r>
-                  <a:rPr lang="en-US" altLang="ja-JP" dirty="0"/>
-                  <a:t>Draft of study theme (vol2)</a:t>
+                  <a:rPr kumimoji="1" lang="en-US" altLang="ja-JP" dirty="0"/>
+                  <a:t>Self-triggered control (cf. : Event-triggered control)</a:t>
                 </a:r>
               </a:p>
               <a:p>
                 <a:pPr lvl="1"/>
                 <a:r>
                   <a:rPr lang="en-US" altLang="ja-JP" dirty="0"/>
-                  <a:t>Safe RL : Data constrained reinforcement learning</a:t>
+                  <a:t>Controller decides action signal and next observation time</a:t>
                 </a:r>
-              </a:p>
-              <a:p>
-                <a:pPr lvl="2"/>
-                <a:r>
-                  <a:rPr lang="en-US" altLang="ja-JP" dirty="0"/>
-                  <a:t>Does the learned policy achieve optimal performance?</a:t>
-                </a:r>
-              </a:p>
-              <a:p>
-                <a:pPr lvl="2"/>
-                <a:endParaRPr lang="en-US" altLang="ja-JP" dirty="0"/>
               </a:p>
               <a:p>
                 <a:pPr lvl="1"/>
                 <a:r>
-                  <a:rPr lang="en-US" altLang="ja-JP" dirty="0"/>
-                  <a:t>Given</a:t>
+                  <a:rPr kumimoji="1" lang="en-US" altLang="ja-JP" dirty="0"/>
+                  <a:t>(</a:t>
                 </a:r>
-              </a:p>
-              <a:p>
-                <a:pPr lvl="2"/>
                 <a:r>
                   <a:rPr lang="en-US" altLang="ja-JP" dirty="0"/>
-                  <a:t>System model </a:t>
+                  <a:t>State feedback) c</a:t>
+                </a:r>
+                <a:r>
+                  <a:rPr kumimoji="1" lang="en-US" altLang="ja-JP" dirty="0"/>
+                  <a:t>ontrol low function: </a:t>
                 </a:r>
                 <a14:m>
                   <m:oMath xmlns:m="http://schemas.openxmlformats.org/officeDocument/2006/math">
-                    <m:sSub>
-                      <m:sSubPr>
+                    <m:r>
+                      <a:rPr kumimoji="1" lang="el-GR" altLang="ja-JP" b="0" i="1" smtClean="0">
+                        <a:latin typeface="Cambria Math" panose="02040503050406030204" pitchFamily="18" charset="0"/>
+                        <a:ea typeface="Cambria Math" panose="02040503050406030204" pitchFamily="18" charset="0"/>
+                      </a:rPr>
+                      <m:t>𝜋</m:t>
+                    </m:r>
+                    <m:d>
+                      <m:dPr>
                         <m:ctrlPr>
-                          <a:rPr lang="en-US" altLang="ja-JP" i="1">
+                          <a:rPr kumimoji="1" lang="en-US" altLang="ja-JP" b="0" i="1" smtClean="0">
                             <a:latin typeface="Cambria Math" panose="02040503050406030204" pitchFamily="18" charset="0"/>
                           </a:rPr>
                         </m:ctrlPr>
-                      </m:sSubPr>
+                      </m:dPr>
                       <m:e>
                         <m:r>
-                          <a:rPr lang="en-US" altLang="ja-JP" i="1">
+                          <a:rPr kumimoji="1" lang="en-US" altLang="ja-JP" b="0" i="1" smtClean="0">
                             <a:latin typeface="Cambria Math" panose="02040503050406030204" pitchFamily="18" charset="0"/>
                           </a:rPr>
                           <m:t>𝑠</m:t>
                         </m:r>
                       </m:e>
-                      <m:sub>
-                        <m:r>
-                          <a:rPr lang="en-US" altLang="ja-JP" i="1">
-                            <a:latin typeface="Cambria Math" panose="02040503050406030204" pitchFamily="18" charset="0"/>
-                          </a:rPr>
-                          <m:t>𝑡</m:t>
-                        </m:r>
-                        <m:r>
-                          <a:rPr lang="en-US" altLang="ja-JP" i="1">
-                            <a:latin typeface="Cambria Math" panose="02040503050406030204" pitchFamily="18" charset="0"/>
-                          </a:rPr>
-                          <m:t>+1</m:t>
-                        </m:r>
-                      </m:sub>
-                    </m:sSub>
+                    </m:d>
                     <m:r>
-                      <a:rPr lang="en-US" altLang="ja-JP" i="1">
+                      <a:rPr kumimoji="1" lang="en-US" altLang="ja-JP" b="0" i="1" smtClean="0">
                         <a:latin typeface="Cambria Math" panose="02040503050406030204" pitchFamily="18" charset="0"/>
                       </a:rPr>
                       <m:t>=</m:t>
                     </m:r>
-                    <m:r>
-                      <a:rPr lang="en-US" altLang="ja-JP" i="1">
-                        <a:latin typeface="Cambria Math" panose="02040503050406030204" pitchFamily="18" charset="0"/>
-                      </a:rPr>
-                      <m:t>𝑓</m:t>
-                    </m:r>
                     <m:d>
                       <m:dPr>
+                        <m:begChr m:val="["/>
+                        <m:endChr m:val="]"/>
                         <m:ctrlPr>
-                          <a:rPr lang="en-US" altLang="ja-JP" i="1">
+                          <a:rPr kumimoji="1" lang="en-US" altLang="ja-JP" b="0" i="1" smtClean="0">
                             <a:latin typeface="Cambria Math" panose="02040503050406030204" pitchFamily="18" charset="0"/>
                           </a:rPr>
                         </m:ctrlPr>
                       </m:dPr>
                       <m:e>
-                        <m:sSub>
-                          <m:sSubPr>
+                        <m:m>
+                          <m:mPr>
+                            <m:mcs>
+                              <m:mc>
+                                <m:mcPr>
+                                  <m:count m:val="2"/>
+                                  <m:mcJc m:val="center"/>
+                                </m:mcPr>
+                              </m:mc>
+                            </m:mcs>
                             <m:ctrlPr>
-                              <a:rPr lang="en-US" altLang="ja-JP" i="1">
+                              <a:rPr kumimoji="1" lang="en-US" altLang="ja-JP" b="0" i="1" smtClean="0">
                                 <a:latin typeface="Cambria Math" panose="02040503050406030204" pitchFamily="18" charset="0"/>
                               </a:rPr>
                             </m:ctrlPr>
-                          </m:sSubPr>
-                          <m:e>
-                            <m:r>
-                              <a:rPr lang="en-US" altLang="ja-JP" i="1">
-                                <a:latin typeface="Cambria Math" panose="02040503050406030204" pitchFamily="18" charset="0"/>
-                              </a:rPr>
-                              <m:t>𝑠</m:t>
-                            </m:r>
-                          </m:e>
-                          <m:sub>
-                            <m:r>
-                              <a:rPr lang="en-US" altLang="ja-JP" i="1">
-                                <a:latin typeface="Cambria Math" panose="02040503050406030204" pitchFamily="18" charset="0"/>
-                              </a:rPr>
-                              <m:t>𝑡</m:t>
-                            </m:r>
-                          </m:sub>
-                        </m:sSub>
-                      </m:e>
-                    </m:d>
-                    <m:r>
-                      <a:rPr lang="en-US" altLang="ja-JP" i="1">
-                        <a:latin typeface="Cambria Math" panose="02040503050406030204" pitchFamily="18" charset="0"/>
-                      </a:rPr>
-                      <m:t>+</m:t>
-                    </m:r>
-                    <m:r>
-                      <a:rPr lang="en-US" altLang="ja-JP" i="1">
-                        <a:latin typeface="Cambria Math" panose="02040503050406030204" pitchFamily="18" charset="0"/>
-                      </a:rPr>
-                      <m:t>𝑔</m:t>
-                    </m:r>
-                    <m:d>
-                      <m:dPr>
-                        <m:ctrlPr>
-                          <a:rPr lang="en-US" altLang="ja-JP" i="1">
-                            <a:latin typeface="Cambria Math" panose="02040503050406030204" pitchFamily="18" charset="0"/>
-                          </a:rPr>
-                        </m:ctrlPr>
-                      </m:dPr>
-                      <m:e>
-                        <m:sSub>
-                          <m:sSubPr>
-                            <m:ctrlPr>
-                              <a:rPr lang="en-US" altLang="ja-JP" i="1">
-                                <a:latin typeface="Cambria Math" panose="02040503050406030204" pitchFamily="18" charset="0"/>
-                              </a:rPr>
-                            </m:ctrlPr>
-                          </m:sSubPr>
-                          <m:e>
-                            <m:r>
-                              <a:rPr lang="en-US" altLang="ja-JP" i="1">
-                                <a:latin typeface="Cambria Math" panose="02040503050406030204" pitchFamily="18" charset="0"/>
-                              </a:rPr>
-                              <m:t>𝑠</m:t>
-                            </m:r>
-                          </m:e>
-                          <m:sub>
-                            <m:r>
-                              <a:rPr lang="en-US" altLang="ja-JP" i="1">
-                                <a:latin typeface="Cambria Math" panose="02040503050406030204" pitchFamily="18" charset="0"/>
-                              </a:rPr>
-                              <m:t>𝑡</m:t>
-                            </m:r>
-                          </m:sub>
-                        </m:sSub>
-                      </m:e>
-                    </m:d>
-                    <m:sSub>
-                      <m:sSubPr>
-                        <m:ctrlPr>
-                          <a:rPr lang="en-US" altLang="ja-JP" i="1">
-                            <a:latin typeface="Cambria Math" panose="02040503050406030204" pitchFamily="18" charset="0"/>
-                          </a:rPr>
-                        </m:ctrlPr>
-                      </m:sSubPr>
-                      <m:e>
-                        <m:r>
-                          <a:rPr lang="en-US" altLang="ja-JP" i="1">
-                            <a:latin typeface="Cambria Math" panose="02040503050406030204" pitchFamily="18" charset="0"/>
-                          </a:rPr>
-                          <m:t>𝑎</m:t>
-                        </m:r>
-                      </m:e>
-                      <m:sub>
-                        <m:r>
-                          <a:rPr lang="en-US" altLang="ja-JP" i="1">
-                            <a:latin typeface="Cambria Math" panose="02040503050406030204" pitchFamily="18" charset="0"/>
-                          </a:rPr>
-                          <m:t>𝑡</m:t>
-                        </m:r>
-                      </m:sub>
-                    </m:sSub>
-                  </m:oMath>
-                </a14:m>
-                <a:endParaRPr lang="en-US" altLang="ja-JP" dirty="0"/>
-              </a:p>
-              <a:p>
-                <a:pPr lvl="2"/>
-                <a:r>
-                  <a:rPr lang="en-US" altLang="ja-JP" dirty="0"/>
-                  <a:t>CBF </a:t>
-                </a:r>
-                <a14:m>
-                  <m:oMath xmlns:m="http://schemas.openxmlformats.org/officeDocument/2006/math">
-                    <m:r>
-                      <a:rPr lang="en-US" altLang="ja-JP" i="1">
-                        <a:latin typeface="Cambria Math" panose="02040503050406030204" pitchFamily="18" charset="0"/>
-                      </a:rPr>
-                      <m:t>h</m:t>
-                    </m:r>
-                    <m:r>
-                      <a:rPr lang="en-US" altLang="ja-JP" i="1">
-                        <a:latin typeface="Cambria Math" panose="02040503050406030204" pitchFamily="18" charset="0"/>
-                      </a:rPr>
-                      <m:t>(</m:t>
-                    </m:r>
-                    <m:r>
-                      <a:rPr lang="en-US" altLang="ja-JP" i="1">
-                        <a:latin typeface="Cambria Math" panose="02040503050406030204" pitchFamily="18" charset="0"/>
-                      </a:rPr>
-                      <m:t>𝑠</m:t>
-                    </m:r>
-                    <m:r>
-                      <a:rPr lang="en-US" altLang="ja-JP" i="1">
-                        <a:latin typeface="Cambria Math" panose="02040503050406030204" pitchFamily="18" charset="0"/>
-                      </a:rPr>
-                      <m:t>)</m:t>
-                    </m:r>
-                  </m:oMath>
-                </a14:m>
-                <a:r>
-                  <a:rPr lang="en-US" altLang="ja-JP" dirty="0"/>
-                  <a:t>, safe region </a:t>
-                </a:r>
-                <a14:m>
-                  <m:oMath xmlns:m="http://schemas.openxmlformats.org/officeDocument/2006/math">
-                    <m:sSub>
-                      <m:sSubPr>
-                        <m:ctrlPr>
-                          <a:rPr lang="en-US" altLang="ja-JP" i="1">
-                            <a:latin typeface="Cambria Math" panose="02040503050406030204" pitchFamily="18" charset="0"/>
-                          </a:rPr>
-                        </m:ctrlPr>
-                      </m:sSubPr>
-                      <m:e>
-                        <m:r>
-                          <a:rPr lang="en-US" altLang="ja-JP" i="1">
-                            <a:latin typeface="Cambria Math" panose="02040503050406030204" pitchFamily="18" charset="0"/>
-                          </a:rPr>
-                          <m:t>𝑆</m:t>
-                        </m:r>
-                      </m:e>
-                      <m:sub>
-                        <m:r>
-                          <a:rPr lang="en-US" altLang="ja-JP" i="1">
-                            <a:latin typeface="Cambria Math" panose="02040503050406030204" pitchFamily="18" charset="0"/>
-                          </a:rPr>
-                          <m:t>𝑠𝑎𝑓𝑒</m:t>
-                        </m:r>
-                      </m:sub>
-                    </m:sSub>
-                  </m:oMath>
-                </a14:m>
-                <a:r>
-                  <a:rPr lang="en-US" altLang="ja-JP" dirty="0"/>
-                  <a:t>, safe policy set </a:t>
-                </a:r>
-                <a14:m>
-                  <m:oMath xmlns:m="http://schemas.openxmlformats.org/officeDocument/2006/math">
-                    <m:sSub>
-                      <m:sSubPr>
-                        <m:ctrlPr>
-                          <a:rPr lang="en-US" altLang="ja-JP" i="1">
-                            <a:latin typeface="Cambria Math" panose="02040503050406030204" pitchFamily="18" charset="0"/>
-                            <a:ea typeface="Cambria Math" panose="02040503050406030204" pitchFamily="18" charset="0"/>
-                          </a:rPr>
-                        </m:ctrlPr>
-                      </m:sSubPr>
-                      <m:e>
-                        <m:r>
-                          <m:rPr>
-                            <m:sty m:val="p"/>
-                          </m:rPr>
-                          <a:rPr lang="el-GR" altLang="ja-JP" i="1">
-                            <a:latin typeface="Cambria Math" panose="02040503050406030204" pitchFamily="18" charset="0"/>
-                            <a:ea typeface="Cambria Math" panose="02040503050406030204" pitchFamily="18" charset="0"/>
-                          </a:rPr>
-                          <m:t>Π</m:t>
-                        </m:r>
-                      </m:e>
-                      <m:sub>
-                        <m:r>
-                          <a:rPr lang="en-US" altLang="ja-JP" i="1">
-                            <a:latin typeface="Cambria Math" panose="02040503050406030204" pitchFamily="18" charset="0"/>
-                            <a:ea typeface="Cambria Math" panose="02040503050406030204" pitchFamily="18" charset="0"/>
-                          </a:rPr>
-                          <m:t>𝑠𝑎𝑓𝑒</m:t>
-                        </m:r>
-                      </m:sub>
-                    </m:sSub>
-                  </m:oMath>
-                </a14:m>
-                <a:r>
-                  <a:rPr lang="en-US" altLang="ja-JP" dirty="0"/>
-                  <a:t> </a:t>
-                </a:r>
-              </a:p>
-              <a:p>
-                <a:pPr lvl="1"/>
-                <a:endParaRPr lang="en-US" altLang="ja-JP" dirty="0"/>
-              </a:p>
-              <a:p>
-                <a:pPr lvl="1"/>
-                <a:endParaRPr lang="en-US" altLang="ja-JP" dirty="0"/>
-              </a:p>
-              <a:p>
-                <a:pPr lvl="1"/>
-                <a:endParaRPr lang="en-US" altLang="ja-JP" dirty="0"/>
-              </a:p>
-              <a:p>
-                <a:pPr marL="457200" lvl="1" indent="0">
-                  <a:buNone/>
-                </a:pPr>
-                <a:endParaRPr lang="en-US" altLang="ja-JP" dirty="0"/>
-              </a:p>
-              <a:p>
-                <a:pPr lvl="1"/>
-                <a:r>
-                  <a:rPr lang="en-US" altLang="ja-JP" dirty="0"/>
-                  <a:t>Propose a class of evaluation function </a:t>
-                </a:r>
-                <a14:m>
-                  <m:oMath xmlns:m="http://schemas.openxmlformats.org/officeDocument/2006/math">
-                    <m:r>
-                      <a:rPr lang="en-US" altLang="ja-JP" b="0" i="1" smtClean="0">
-                        <a:latin typeface="Cambria Math" panose="02040503050406030204" pitchFamily="18" charset="0"/>
-                      </a:rPr>
-                      <m:t>𝐽</m:t>
-                    </m:r>
-                    <m:r>
-                      <a:rPr lang="en-US" altLang="ja-JP" b="0" i="1" smtClean="0">
-                        <a:latin typeface="Cambria Math" panose="02040503050406030204" pitchFamily="18" charset="0"/>
-                      </a:rPr>
-                      <m:t>(</m:t>
-                    </m:r>
-                    <m:r>
-                      <a:rPr lang="en-US" altLang="ja-JP" b="0" i="1" smtClean="0">
-                        <a:latin typeface="Cambria Math" panose="02040503050406030204" pitchFamily="18" charset="0"/>
-                        <a:ea typeface="Cambria Math" panose="02040503050406030204" pitchFamily="18" charset="0"/>
-                      </a:rPr>
-                      <m:t>𝜋</m:t>
-                    </m:r>
-                    <m:r>
-                      <a:rPr lang="en-US" altLang="ja-JP" b="0" i="1" smtClean="0">
-                        <a:latin typeface="Cambria Math" panose="02040503050406030204" pitchFamily="18" charset="0"/>
-                      </a:rPr>
-                      <m:t>)</m:t>
-                    </m:r>
-                  </m:oMath>
-                </a14:m>
-                <a:endParaRPr lang="en-US" altLang="ja-JP" dirty="0"/>
-              </a:p>
-              <a:p>
-                <a:pPr lvl="1"/>
-                <a:endParaRPr lang="en-US" altLang="ja-JP" dirty="0"/>
-              </a:p>
-              <a:p>
-                <a:pPr lvl="1"/>
-                <a:endParaRPr lang="en-US" altLang="ja-JP" dirty="0"/>
-              </a:p>
-              <a:p>
-                <a:pPr marL="457200" lvl="1" indent="0">
-                  <a:buNone/>
-                </a:pPr>
-                <a:r>
-                  <a:rPr lang="en-US" altLang="ja-JP" dirty="0"/>
-                  <a:t>   where </a:t>
-                </a:r>
-                <a14:m>
-                  <m:oMath xmlns:m="http://schemas.openxmlformats.org/officeDocument/2006/math">
-                    <m:sSup>
-                      <m:sSupPr>
-                        <m:ctrlPr>
-                          <a:rPr lang="en-US" altLang="ja-JP" i="1">
-                            <a:latin typeface="Cambria Math" panose="02040503050406030204" pitchFamily="18" charset="0"/>
-                            <a:ea typeface="Cambria Math" panose="02040503050406030204" pitchFamily="18" charset="0"/>
-                          </a:rPr>
-                        </m:ctrlPr>
-                      </m:sSupPr>
-                      <m:e>
-                        <m:r>
-                          <a:rPr lang="en-US" altLang="ja-JP" i="1">
-                            <a:latin typeface="Cambria Math" panose="02040503050406030204" pitchFamily="18" charset="0"/>
-                            <a:ea typeface="Cambria Math" panose="02040503050406030204" pitchFamily="18" charset="0"/>
-                          </a:rPr>
-                          <m:t>𝜋</m:t>
-                        </m:r>
-                      </m:e>
-                      <m:sup>
-                        <m:r>
-                          <a:rPr lang="en-US" altLang="ja-JP" i="1">
-                            <a:latin typeface="Cambria Math" panose="02040503050406030204" pitchFamily="18" charset="0"/>
-                            <a:ea typeface="Cambria Math" panose="02040503050406030204" pitchFamily="18" charset="0"/>
-                          </a:rPr>
-                          <m:t>∗</m:t>
-                        </m:r>
-                      </m:sup>
-                    </m:sSup>
-                    <m:r>
-                      <a:rPr lang="en-US" altLang="ja-JP" i="1">
-                        <a:latin typeface="Cambria Math" panose="02040503050406030204" pitchFamily="18" charset="0"/>
-                        <a:ea typeface="Cambria Math" panose="02040503050406030204" pitchFamily="18" charset="0"/>
-                      </a:rPr>
-                      <m:t>=</m:t>
-                    </m:r>
-                    <m:sSub>
-                      <m:sSubPr>
-                        <m:ctrlPr>
-                          <a:rPr lang="en-US" altLang="ja-JP" i="1">
-                            <a:latin typeface="Cambria Math" panose="02040503050406030204" pitchFamily="18" charset="0"/>
-                          </a:rPr>
-                        </m:ctrlPr>
-                      </m:sSubPr>
-                      <m:e>
-                        <m:r>
-                          <m:rPr>
-                            <m:sty m:val="p"/>
-                          </m:rPr>
-                          <a:rPr lang="en-US" altLang="ja-JP">
-                            <a:latin typeface="Cambria Math" panose="02040503050406030204" pitchFamily="18" charset="0"/>
-                          </a:rPr>
-                          <m:t>argmax</m:t>
-                        </m:r>
-                      </m:e>
-                      <m:sub>
-                        <m:r>
-                          <a:rPr lang="en-US" altLang="ja-JP" i="1">
-                            <a:latin typeface="Cambria Math" panose="02040503050406030204" pitchFamily="18" charset="0"/>
-                            <a:ea typeface="Cambria Math" panose="02040503050406030204" pitchFamily="18" charset="0"/>
-                          </a:rPr>
-                          <m:t>𝜋</m:t>
-                        </m:r>
-                        <m:r>
-                          <a:rPr lang="en-US" altLang="ja-JP" i="1">
-                            <a:latin typeface="Cambria Math" panose="02040503050406030204" pitchFamily="18" charset="0"/>
-                            <a:ea typeface="Cambria Math" panose="02040503050406030204" pitchFamily="18" charset="0"/>
-                          </a:rPr>
-                          <m:t>∈</m:t>
-                        </m:r>
-                        <m:r>
-                          <m:rPr>
-                            <m:sty m:val="p"/>
-                          </m:rPr>
-                          <a:rPr lang="el-GR" altLang="ja-JP" i="1" smtClean="0">
-                            <a:latin typeface="Cambria Math" panose="02040503050406030204" pitchFamily="18" charset="0"/>
-                            <a:ea typeface="Cambria Math" panose="02040503050406030204" pitchFamily="18" charset="0"/>
-                          </a:rPr>
-                          <m:t>Π</m:t>
-                        </m:r>
-                      </m:sub>
-                    </m:sSub>
-                    <m:r>
-                      <a:rPr lang="en-US" altLang="ja-JP" i="1">
-                        <a:latin typeface="Cambria Math" panose="02040503050406030204" pitchFamily="18" charset="0"/>
-                        <a:ea typeface="Cambria Math" panose="02040503050406030204" pitchFamily="18" charset="0"/>
-                      </a:rPr>
-                      <m:t> </m:t>
-                    </m:r>
-                    <m:r>
-                      <a:rPr lang="en-US" altLang="ja-JP" i="1">
-                        <a:latin typeface="Cambria Math" panose="02040503050406030204" pitchFamily="18" charset="0"/>
-                        <a:ea typeface="Cambria Math" panose="02040503050406030204" pitchFamily="18" charset="0"/>
-                      </a:rPr>
-                      <m:t>𝐽</m:t>
-                    </m:r>
-                    <m:d>
-                      <m:dPr>
-                        <m:ctrlPr>
-                          <a:rPr lang="en-US" altLang="ja-JP" i="1">
-                            <a:latin typeface="Cambria Math" panose="02040503050406030204" pitchFamily="18" charset="0"/>
-                            <a:ea typeface="Cambria Math" panose="02040503050406030204" pitchFamily="18" charset="0"/>
-                          </a:rPr>
-                        </m:ctrlPr>
-                      </m:dPr>
-                      <m:e>
-                        <m:r>
-                          <a:rPr lang="en-US" altLang="ja-JP" i="1">
-                            <a:latin typeface="Cambria Math" panose="02040503050406030204" pitchFamily="18" charset="0"/>
-                            <a:ea typeface="Cambria Math" panose="02040503050406030204" pitchFamily="18" charset="0"/>
-                          </a:rPr>
-                          <m:t>𝜋</m:t>
-                        </m:r>
-                      </m:e>
-                    </m:d>
-                    <m:r>
-                      <a:rPr lang="en-US" altLang="ja-JP" b="0" i="0" smtClean="0">
-                        <a:latin typeface="Cambria Math" panose="02040503050406030204" pitchFamily="18" charset="0"/>
-                        <a:ea typeface="Cambria Math" panose="02040503050406030204" pitchFamily="18" charset="0"/>
-                      </a:rPr>
-                      <m:t>, </m:t>
-                    </m:r>
-                    <m:sSubSup>
-                      <m:sSubSupPr>
-                        <m:ctrlPr>
-                          <a:rPr lang="en-US" altLang="ja-JP" i="1">
-                            <a:latin typeface="Cambria Math" panose="02040503050406030204" pitchFamily="18" charset="0"/>
-                            <a:ea typeface="Cambria Math" panose="02040503050406030204" pitchFamily="18" charset="0"/>
-                          </a:rPr>
-                        </m:ctrlPr>
-                      </m:sSubSupPr>
-                      <m:e>
-                        <m:r>
-                          <a:rPr lang="en-US" altLang="ja-JP" i="1">
-                            <a:latin typeface="Cambria Math" panose="02040503050406030204" pitchFamily="18" charset="0"/>
-                            <a:ea typeface="Cambria Math" panose="02040503050406030204" pitchFamily="18" charset="0"/>
-                          </a:rPr>
-                          <m:t>𝜋</m:t>
-                        </m:r>
-                      </m:e>
-                      <m:sub>
-                        <m:r>
-                          <a:rPr lang="en-US" altLang="ja-JP" i="1">
-                            <a:latin typeface="Cambria Math" panose="02040503050406030204" pitchFamily="18" charset="0"/>
-                            <a:ea typeface="Cambria Math" panose="02040503050406030204" pitchFamily="18" charset="0"/>
-                          </a:rPr>
-                          <m:t>𝑠𝑎𝑓𝑒</m:t>
-                        </m:r>
-                      </m:sub>
-                      <m:sup>
-                        <m:r>
-                          <a:rPr lang="en-US" altLang="ja-JP" i="1">
-                            <a:latin typeface="Cambria Math" panose="02040503050406030204" pitchFamily="18" charset="0"/>
-                            <a:ea typeface="Cambria Math" panose="02040503050406030204" pitchFamily="18" charset="0"/>
-                          </a:rPr>
-                          <m:t>∗</m:t>
-                        </m:r>
-                      </m:sup>
-                    </m:sSubSup>
-                    <m:r>
-                      <a:rPr lang="en-US" altLang="ja-JP" b="0" i="1" smtClean="0">
-                        <a:latin typeface="Cambria Math" panose="02040503050406030204" pitchFamily="18" charset="0"/>
-                        <a:ea typeface="Cambria Math" panose="02040503050406030204" pitchFamily="18" charset="0"/>
-                      </a:rPr>
-                      <m:t>=</m:t>
-                    </m:r>
-                    <m:sSub>
-                      <m:sSubPr>
-                        <m:ctrlPr>
-                          <a:rPr lang="en-US" altLang="ja-JP" i="1">
-                            <a:latin typeface="Cambria Math" panose="02040503050406030204" pitchFamily="18" charset="0"/>
-                          </a:rPr>
-                        </m:ctrlPr>
-                      </m:sSubPr>
-                      <m:e>
-                        <m:r>
-                          <m:rPr>
-                            <m:sty m:val="p"/>
-                          </m:rPr>
-                          <a:rPr lang="en-US" altLang="ja-JP">
-                            <a:latin typeface="Cambria Math" panose="02040503050406030204" pitchFamily="18" charset="0"/>
-                          </a:rPr>
-                          <m:t>argmax</m:t>
-                        </m:r>
-                      </m:e>
-                      <m:sub>
-                        <m:r>
-                          <a:rPr lang="en-US" altLang="ja-JP" i="1" smtClean="0">
-                            <a:latin typeface="Cambria Math" panose="02040503050406030204" pitchFamily="18" charset="0"/>
-                            <a:ea typeface="Cambria Math" panose="02040503050406030204" pitchFamily="18" charset="0"/>
-                          </a:rPr>
-                          <m:t>𝜋</m:t>
-                        </m:r>
-                        <m:r>
-                          <a:rPr lang="en-US" altLang="ja-JP" i="1" smtClean="0">
-                            <a:latin typeface="Cambria Math" panose="02040503050406030204" pitchFamily="18" charset="0"/>
-                            <a:ea typeface="Cambria Math" panose="02040503050406030204" pitchFamily="18" charset="0"/>
-                          </a:rPr>
-                          <m:t>∈</m:t>
-                        </m:r>
-                        <m:sSub>
-                          <m:sSubPr>
-                            <m:ctrlPr>
-                              <a:rPr lang="en-US" altLang="ja-JP" i="1">
-                                <a:latin typeface="Cambria Math" panose="02040503050406030204" pitchFamily="18" charset="0"/>
-                                <a:ea typeface="Cambria Math" panose="02040503050406030204" pitchFamily="18" charset="0"/>
-                              </a:rPr>
-                            </m:ctrlPr>
-                          </m:sSubPr>
-                          <m:e>
-                            <m:r>
-                              <m:rPr>
-                                <m:sty m:val="p"/>
-                              </m:rPr>
-                              <a:rPr lang="el-GR" altLang="ja-JP" i="1">
-                                <a:latin typeface="Cambria Math" panose="02040503050406030204" pitchFamily="18" charset="0"/>
-                                <a:ea typeface="Cambria Math" panose="02040503050406030204" pitchFamily="18" charset="0"/>
-                              </a:rPr>
-                              <m:t>Π</m:t>
-                            </m:r>
-                          </m:e>
-                          <m:sub>
-                            <m:r>
-                              <a:rPr lang="en-US" altLang="ja-JP" i="1">
-                                <a:latin typeface="Cambria Math" panose="02040503050406030204" pitchFamily="18" charset="0"/>
-                                <a:ea typeface="Cambria Math" panose="02040503050406030204" pitchFamily="18" charset="0"/>
-                              </a:rPr>
-                              <m:t>𝑠𝑎𝑓𝑒</m:t>
-                            </m:r>
-                          </m:sub>
-                        </m:sSub>
-                      </m:sub>
-                    </m:sSub>
-                    <m:r>
-                      <a:rPr lang="en-US" altLang="ja-JP" i="1">
-                        <a:latin typeface="Cambria Math" panose="02040503050406030204" pitchFamily="18" charset="0"/>
-                        <a:ea typeface="Cambria Math" panose="02040503050406030204" pitchFamily="18" charset="0"/>
-                      </a:rPr>
-                      <m:t> </m:t>
-                    </m:r>
-                    <m:r>
-                      <a:rPr lang="en-US" altLang="ja-JP" b="0" i="1" smtClean="0">
-                        <a:latin typeface="Cambria Math" panose="02040503050406030204" pitchFamily="18" charset="0"/>
-                        <a:ea typeface="Cambria Math" panose="02040503050406030204" pitchFamily="18" charset="0"/>
-                      </a:rPr>
-                      <m:t>𝐽</m:t>
-                    </m:r>
-                    <m:d>
-                      <m:dPr>
-                        <m:ctrlPr>
-                          <a:rPr lang="en-US" altLang="ja-JP" i="1">
-                            <a:latin typeface="Cambria Math" panose="02040503050406030204" pitchFamily="18" charset="0"/>
-                            <a:ea typeface="Cambria Math" panose="02040503050406030204" pitchFamily="18" charset="0"/>
-                          </a:rPr>
-                        </m:ctrlPr>
-                      </m:dPr>
-                      <m:e>
-                        <m:r>
-                          <a:rPr lang="en-US" altLang="ja-JP" i="1" smtClean="0">
-                            <a:latin typeface="Cambria Math" panose="02040503050406030204" pitchFamily="18" charset="0"/>
-                            <a:ea typeface="Cambria Math" panose="02040503050406030204" pitchFamily="18" charset="0"/>
-                          </a:rPr>
-                          <m:t>𝜋</m:t>
-                        </m:r>
+                          </m:mPr>
+                          <m:mr>
+                            <m:e>
+                              <m:r>
+                                <m:rPr>
+                                  <m:brk m:alnAt="7"/>
+                                </m:rPr>
+                                <a:rPr kumimoji="1" lang="en-US" altLang="ja-JP" b="0" i="1" smtClean="0">
+                                  <a:latin typeface="Cambria Math" panose="02040503050406030204" pitchFamily="18" charset="0"/>
+                                </a:rPr>
+                                <m:t>𝑎</m:t>
+                              </m:r>
+                              <m:r>
+                                <a:rPr kumimoji="1" lang="en-US" altLang="ja-JP" b="0" i="1" smtClean="0">
+                                  <a:latin typeface="Cambria Math" panose="02040503050406030204" pitchFamily="18" charset="0"/>
+                                </a:rPr>
+                                <m:t>(</m:t>
+                              </m:r>
+                              <m:r>
+                                <a:rPr kumimoji="1" lang="en-US" altLang="ja-JP" b="0" i="1" smtClean="0">
+                                  <a:latin typeface="Cambria Math" panose="02040503050406030204" pitchFamily="18" charset="0"/>
+                                </a:rPr>
+                                <m:t>𝑠</m:t>
+                              </m:r>
+                              <m:r>
+                                <a:rPr kumimoji="1" lang="en-US" altLang="ja-JP" b="0" i="1" smtClean="0">
+                                  <a:latin typeface="Cambria Math" panose="02040503050406030204" pitchFamily="18" charset="0"/>
+                                </a:rPr>
+                                <m:t>)</m:t>
+                              </m:r>
+                            </m:e>
+                            <m:e>
+                              <m:r>
+                                <a:rPr kumimoji="1" lang="en-US" altLang="ja-JP" b="0" i="1" smtClean="0">
+                                  <a:latin typeface="Cambria Math" panose="02040503050406030204" pitchFamily="18" charset="0"/>
+                                  <a:ea typeface="Cambria Math" panose="02040503050406030204" pitchFamily="18" charset="0"/>
+                                </a:rPr>
+                                <m:t>𝜏</m:t>
+                              </m:r>
+                              <m:r>
+                                <a:rPr kumimoji="1" lang="en-US" altLang="ja-JP" b="0" i="1" smtClean="0">
+                                  <a:latin typeface="Cambria Math" panose="02040503050406030204" pitchFamily="18" charset="0"/>
+                                  <a:ea typeface="Cambria Math" panose="02040503050406030204" pitchFamily="18" charset="0"/>
+                                </a:rPr>
+                                <m:t>(</m:t>
+                              </m:r>
+                              <m:r>
+                                <a:rPr kumimoji="1" lang="en-US" altLang="ja-JP" b="0" i="1" smtClean="0">
+                                  <a:latin typeface="Cambria Math" panose="02040503050406030204" pitchFamily="18" charset="0"/>
+                                  <a:ea typeface="Cambria Math" panose="02040503050406030204" pitchFamily="18" charset="0"/>
+                                </a:rPr>
+                                <m:t>𝑠</m:t>
+                              </m:r>
+                              <m:r>
+                                <a:rPr kumimoji="1" lang="en-US" altLang="ja-JP" b="0" i="1" smtClean="0">
+                                  <a:latin typeface="Cambria Math" panose="02040503050406030204" pitchFamily="18" charset="0"/>
+                                  <a:ea typeface="Cambria Math" panose="02040503050406030204" pitchFamily="18" charset="0"/>
+                                </a:rPr>
+                                <m:t>)</m:t>
+                              </m:r>
+                            </m:e>
+                          </m:mr>
+                        </m:m>
                       </m:e>
                     </m:d>
                   </m:oMath>
                 </a14:m>
-                <a:endParaRPr lang="en-US" altLang="ja-JP" dirty="0"/>
-              </a:p>
-              <a:p>
-                <a:pPr marL="457200" lvl="1" indent="0">
-                  <a:buNone/>
-                </a:pPr>
-                <a:endParaRPr lang="en-US" altLang="ja-JP" dirty="0"/>
+                <a:endParaRPr kumimoji="1" lang="ja-JP" altLang="en-US"/>
               </a:p>
             </p:txBody>
           </p:sp>
@@ -4624,7 +4118,7 @@
               <p:cNvPr id="2" name="コンテンツ プレースホルダー 1">
                 <a:extLst>
                   <a:ext uri="{FF2B5EF4-FFF2-40B4-BE49-F238E27FC236}">
-                    <a16:creationId xmlns:a16="http://schemas.microsoft.com/office/drawing/2014/main" id="{64ACCA72-2454-684D-B8C5-D840F9147260}"/>
+                    <a16:creationId xmlns:a16="http://schemas.microsoft.com/office/drawing/2014/main" id="{F3D4B3BC-471E-1041-A7B6-02F9CB0A2773}"/>
                   </a:ext>
                 </a:extLst>
               </p:cNvPr>
@@ -4636,14 +4130,10 @@
               </p:nvPr>
             </p:nvSpPr>
             <p:spPr>
-              <a:xfrm>
-                <a:off x="335572" y="1103022"/>
-                <a:ext cx="8480182" cy="5754977"/>
-              </a:xfrm>
               <a:blipFill>
                 <a:blip r:embed="rId2"/>
                 <a:stretch>
-                  <a:fillRect l="-598" t="-1101"/>
+                  <a:fillRect l="-598" t="-1266"/>
                 </a:stretch>
               </a:blipFill>
             </p:spPr>
@@ -4667,7 +4157,7 @@
           <p:cNvPr id="3" name="日付プレースホルダー 2">
             <a:extLst>
               <a:ext uri="{FF2B5EF4-FFF2-40B4-BE49-F238E27FC236}">
-                <a16:creationId xmlns:a16="http://schemas.microsoft.com/office/drawing/2014/main" id="{EF8F9746-6DE3-0E40-AAAE-214F823E6AF4}"/>
+                <a16:creationId xmlns:a16="http://schemas.microsoft.com/office/drawing/2014/main" id="{AFE3B555-0E73-E24B-8105-F5BEB3575EFD}"/>
               </a:ext>
             </a:extLst>
           </p:cNvPr>
@@ -4685,7 +4175,7 @@
           <a:p>
             <a:fld id="{90235FA2-C49A-5C4F-85BF-B1D7D24C5B31}" type="datetime1">
               <a:rPr kumimoji="1" lang="ja-JP" altLang="en-US" smtClean="0"/>
-              <a:t>2020/7/27</a:t>
+              <a:t>2020/10/5</a:t>
             </a:fld>
             <a:endParaRPr kumimoji="1" lang="ja-JP" altLang="en-US"/>
           </a:p>
@@ -4696,7 +4186,7 @@
           <p:cNvPr id="4" name="フッター プレースホルダー 3">
             <a:extLst>
               <a:ext uri="{FF2B5EF4-FFF2-40B4-BE49-F238E27FC236}">
-                <a16:creationId xmlns:a16="http://schemas.microsoft.com/office/drawing/2014/main" id="{37D040E4-28AE-A84E-BA4A-4093B9857527}"/>
+                <a16:creationId xmlns:a16="http://schemas.microsoft.com/office/drawing/2014/main" id="{B8E3B3CB-6547-7D4C-9329-2099B6B0B8B7}"/>
               </a:ext>
             </a:extLst>
           </p:cNvPr>
@@ -4725,7 +4215,7 @@
           <p:cNvPr id="5" name="タイトル 4">
             <a:extLst>
               <a:ext uri="{FF2B5EF4-FFF2-40B4-BE49-F238E27FC236}">
-                <a16:creationId xmlns:a16="http://schemas.microsoft.com/office/drawing/2014/main" id="{2AC0F8FE-0C47-A147-AE02-FAAFBB99CAE1}"/>
+                <a16:creationId xmlns:a16="http://schemas.microsoft.com/office/drawing/2014/main" id="{E9179099-CB8E-3B4F-BB3A-35E1AF3AC4F5}"/>
               </a:ext>
             </a:extLst>
           </p:cNvPr>
@@ -4749,14 +4239,548 @@
           </a:p>
         </p:txBody>
       </p:sp>
+      <p:cxnSp>
+        <p:nvCxnSpPr>
+          <p:cNvPr id="7" name="直線矢印コネクタ 6">
+            <a:extLst>
+              <a:ext uri="{FF2B5EF4-FFF2-40B4-BE49-F238E27FC236}">
+                <a16:creationId xmlns:a16="http://schemas.microsoft.com/office/drawing/2014/main" id="{D8D1BB1A-23B9-4E42-858A-AECFF69071F8}"/>
+              </a:ext>
+            </a:extLst>
+          </p:cNvPr>
+          <p:cNvCxnSpPr>
+            <a:cxnSpLocks/>
+            <a:endCxn id="9" idx="2"/>
+          </p:cNvCxnSpPr>
+          <p:nvPr/>
+        </p:nvCxnSpPr>
+        <p:spPr>
+          <a:xfrm>
+            <a:off x="711197" y="3429000"/>
+            <a:ext cx="1506986" cy="0"/>
+          </a:xfrm>
+          <a:prstGeom prst="straightConnector1">
+            <a:avLst/>
+          </a:prstGeom>
+          <a:ln>
+            <a:tailEnd type="triangle"/>
+          </a:ln>
+        </p:spPr>
+        <p:style>
+          <a:lnRef idx="1">
+            <a:schemeClr val="dk1"/>
+          </a:lnRef>
+          <a:fillRef idx="0">
+            <a:schemeClr val="dk1"/>
+          </a:fillRef>
+          <a:effectRef idx="0">
+            <a:schemeClr val="dk1"/>
+          </a:effectRef>
+          <a:fontRef idx="minor">
+            <a:schemeClr val="tx1"/>
+          </a:fontRef>
+        </p:style>
+      </p:cxnSp>
       <mc:AlternateContent xmlns:mc="http://schemas.openxmlformats.org/markup-compatibility/2006">
         <mc:Choice xmlns:a14="http://schemas.microsoft.com/office/drawing/2010/main" Requires="a14">
           <p:sp>
             <p:nvSpPr>
-              <p:cNvPr id="6" name="テキスト ボックス 5">
+              <p:cNvPr id="9" name="円/楕円 8">
                 <a:extLst>
                   <a:ext uri="{FF2B5EF4-FFF2-40B4-BE49-F238E27FC236}">
-                    <a16:creationId xmlns:a16="http://schemas.microsoft.com/office/drawing/2014/main" id="{D3662B5B-B677-254E-A5E5-F0B236960F87}"/>
+                    <a16:creationId xmlns:a16="http://schemas.microsoft.com/office/drawing/2014/main" id="{7DDA7494-FF4F-6E45-BD03-90DD4A7BDA6A}"/>
+                  </a:ext>
+                </a:extLst>
+              </p:cNvPr>
+              <p:cNvSpPr/>
+              <p:nvPr/>
+            </p:nvSpPr>
+            <p:spPr>
+              <a:xfrm>
+                <a:off x="2218183" y="3115736"/>
+                <a:ext cx="627239" cy="626527"/>
+              </a:xfrm>
+              <a:prstGeom prst="ellipse">
+                <a:avLst/>
+              </a:prstGeom>
+              <a:noFill/>
+              <a:ln>
+                <a:solidFill>
+                  <a:schemeClr val="tx1"/>
+                </a:solidFill>
+              </a:ln>
+            </p:spPr>
+            <p:style>
+              <a:lnRef idx="2">
+                <a:schemeClr val="accent1">
+                  <a:shade val="50000"/>
+                </a:schemeClr>
+              </a:lnRef>
+              <a:fillRef idx="1">
+                <a:schemeClr val="accent1"/>
+              </a:fillRef>
+              <a:effectRef idx="0">
+                <a:schemeClr val="accent1"/>
+              </a:effectRef>
+              <a:fontRef idx="minor">
+                <a:schemeClr val="lt1"/>
+              </a:fontRef>
+            </p:style>
+            <p:txBody>
+              <a:bodyPr rtlCol="0" anchor="ctr"/>
+              <a:lstStyle/>
+              <a:p>
+                <a:pPr algn="ctr"/>
+                <a14:m>
+                  <m:oMathPara xmlns:m="http://schemas.openxmlformats.org/officeDocument/2006/math">
+                    <m:oMathParaPr>
+                      <m:jc m:val="centerGroup"/>
+                    </m:oMathParaPr>
+                    <m:oMath xmlns:m="http://schemas.openxmlformats.org/officeDocument/2006/math">
+                      <m:sSub>
+                        <m:sSubPr>
+                          <m:ctrlPr>
+                            <a:rPr kumimoji="1" lang="en-US" altLang="ja-JP" i="1" smtClean="0">
+                              <a:solidFill>
+                                <a:schemeClr val="tx1"/>
+                              </a:solidFill>
+                              <a:latin typeface="Cambria Math" panose="02040503050406030204" pitchFamily="18" charset="0"/>
+                            </a:rPr>
+                          </m:ctrlPr>
+                        </m:sSubPr>
+                        <m:e>
+                          <m:r>
+                            <a:rPr kumimoji="1" lang="en-US" altLang="ja-JP" b="0" i="1" smtClean="0">
+                              <a:solidFill>
+                                <a:schemeClr val="tx1"/>
+                              </a:solidFill>
+                              <a:latin typeface="Cambria Math" panose="02040503050406030204" pitchFamily="18" charset="0"/>
+                            </a:rPr>
+                            <m:t>𝑡</m:t>
+                          </m:r>
+                        </m:e>
+                        <m:sub>
+                          <m:r>
+                            <a:rPr kumimoji="1" lang="en-US" altLang="ja-JP" b="0" i="1" smtClean="0">
+                              <a:solidFill>
+                                <a:schemeClr val="tx1"/>
+                              </a:solidFill>
+                              <a:latin typeface="Cambria Math" panose="02040503050406030204" pitchFamily="18" charset="0"/>
+                            </a:rPr>
+                            <m:t>𝑘</m:t>
+                          </m:r>
+                        </m:sub>
+                      </m:sSub>
+                    </m:oMath>
+                  </m:oMathPara>
+                </a14:m>
+                <a:endParaRPr kumimoji="1" lang="ja-JP" altLang="en-US">
+                  <a:solidFill>
+                    <a:schemeClr val="tx1"/>
+                  </a:solidFill>
+                </a:endParaRPr>
+              </a:p>
+            </p:txBody>
+          </p:sp>
+        </mc:Choice>
+        <mc:Fallback>
+          <p:sp>
+            <p:nvSpPr>
+              <p:cNvPr id="9" name="円/楕円 8">
+                <a:extLst>
+                  <a:ext uri="{FF2B5EF4-FFF2-40B4-BE49-F238E27FC236}">
+                    <a16:creationId xmlns:a16="http://schemas.microsoft.com/office/drawing/2014/main" id="{7DDA7494-FF4F-6E45-BD03-90DD4A7BDA6A}"/>
+                  </a:ext>
+                </a:extLst>
+              </p:cNvPr>
+              <p:cNvSpPr>
+                <a:spLocks noRot="1" noChangeAspect="1" noMove="1" noResize="1" noEditPoints="1" noAdjustHandles="1" noChangeArrowheads="1" noChangeShapeType="1" noTextEdit="1"/>
+              </p:cNvSpPr>
+              <p:nvPr/>
+            </p:nvSpPr>
+            <p:spPr>
+              <a:xfrm>
+                <a:off x="2218183" y="3115736"/>
+                <a:ext cx="627239" cy="626527"/>
+              </a:xfrm>
+              <a:prstGeom prst="ellipse">
+                <a:avLst/>
+              </a:prstGeom>
+              <a:blipFill>
+                <a:blip r:embed="rId3"/>
+                <a:stretch>
+                  <a:fillRect/>
+                </a:stretch>
+              </a:blipFill>
+              <a:ln>
+                <a:solidFill>
+                  <a:schemeClr val="tx1"/>
+                </a:solidFill>
+              </a:ln>
+            </p:spPr>
+            <p:txBody>
+              <a:bodyPr/>
+              <a:lstStyle/>
+              <a:p>
+                <a:r>
+                  <a:rPr lang="ja-JP" altLang="en-US">
+                    <a:noFill/>
+                  </a:rPr>
+                  <a:t> </a:t>
+                </a:r>
+              </a:p>
+            </p:txBody>
+          </p:sp>
+        </mc:Fallback>
+      </mc:AlternateContent>
+      <p:cxnSp>
+        <p:nvCxnSpPr>
+          <p:cNvPr id="11" name="直線矢印コネクタ 10">
+            <a:extLst>
+              <a:ext uri="{FF2B5EF4-FFF2-40B4-BE49-F238E27FC236}">
+                <a16:creationId xmlns:a16="http://schemas.microsoft.com/office/drawing/2014/main" id="{CC858E99-035C-2744-9A70-C75C07517254}"/>
+              </a:ext>
+            </a:extLst>
+          </p:cNvPr>
+          <p:cNvCxnSpPr>
+            <a:cxnSpLocks/>
+            <a:stCxn id="9" idx="6"/>
+            <a:endCxn id="12" idx="2"/>
+          </p:cNvCxnSpPr>
+          <p:nvPr/>
+        </p:nvCxnSpPr>
+        <p:spPr>
+          <a:xfrm>
+            <a:off x="2845422" y="3429000"/>
+            <a:ext cx="3394155" cy="0"/>
+          </a:xfrm>
+          <a:prstGeom prst="straightConnector1">
+            <a:avLst/>
+          </a:prstGeom>
+          <a:ln>
+            <a:tailEnd type="triangle"/>
+          </a:ln>
+        </p:spPr>
+        <p:style>
+          <a:lnRef idx="1">
+            <a:schemeClr val="dk1"/>
+          </a:lnRef>
+          <a:fillRef idx="0">
+            <a:schemeClr val="dk1"/>
+          </a:fillRef>
+          <a:effectRef idx="0">
+            <a:schemeClr val="dk1"/>
+          </a:effectRef>
+          <a:fontRef idx="minor">
+            <a:schemeClr val="tx1"/>
+          </a:fontRef>
+        </p:style>
+      </p:cxnSp>
+      <mc:AlternateContent xmlns:mc="http://schemas.openxmlformats.org/markup-compatibility/2006">
+        <mc:Choice xmlns:a14="http://schemas.microsoft.com/office/drawing/2010/main" Requires="a14">
+          <p:sp>
+            <p:nvSpPr>
+              <p:cNvPr id="12" name="円/楕円 11">
+                <a:extLst>
+                  <a:ext uri="{FF2B5EF4-FFF2-40B4-BE49-F238E27FC236}">
+                    <a16:creationId xmlns:a16="http://schemas.microsoft.com/office/drawing/2014/main" id="{EC1B49FA-1B98-4E4A-B18D-6B0082AEB912}"/>
+                  </a:ext>
+                </a:extLst>
+              </p:cNvPr>
+              <p:cNvSpPr/>
+              <p:nvPr/>
+            </p:nvSpPr>
+            <p:spPr>
+              <a:xfrm>
+                <a:off x="6239577" y="3115736"/>
+                <a:ext cx="627239" cy="626527"/>
+              </a:xfrm>
+              <a:prstGeom prst="ellipse">
+                <a:avLst/>
+              </a:prstGeom>
+              <a:noFill/>
+              <a:ln>
+                <a:solidFill>
+                  <a:schemeClr val="tx1"/>
+                </a:solidFill>
+              </a:ln>
+            </p:spPr>
+            <p:style>
+              <a:lnRef idx="2">
+                <a:schemeClr val="accent1">
+                  <a:shade val="50000"/>
+                </a:schemeClr>
+              </a:lnRef>
+              <a:fillRef idx="1">
+                <a:schemeClr val="accent1"/>
+              </a:fillRef>
+              <a:effectRef idx="0">
+                <a:schemeClr val="accent1"/>
+              </a:effectRef>
+              <a:fontRef idx="minor">
+                <a:schemeClr val="lt1"/>
+              </a:fontRef>
+            </p:style>
+            <p:txBody>
+              <a:bodyPr rtlCol="0" anchor="ctr"/>
+              <a:lstStyle/>
+              <a:p>
+                <a:pPr algn="ctr"/>
+                <a14:m>
+                  <m:oMathPara xmlns:m="http://schemas.openxmlformats.org/officeDocument/2006/math">
+                    <m:oMathParaPr>
+                      <m:jc m:val="centerGroup"/>
+                    </m:oMathParaPr>
+                    <m:oMath xmlns:m="http://schemas.openxmlformats.org/officeDocument/2006/math">
+                      <m:sSub>
+                        <m:sSubPr>
+                          <m:ctrlPr>
+                            <a:rPr kumimoji="1" lang="en-US" altLang="ja-JP" i="1" smtClean="0">
+                              <a:solidFill>
+                                <a:schemeClr val="tx1"/>
+                              </a:solidFill>
+                              <a:latin typeface="Cambria Math" panose="02040503050406030204" pitchFamily="18" charset="0"/>
+                            </a:rPr>
+                          </m:ctrlPr>
+                        </m:sSubPr>
+                        <m:e>
+                          <m:r>
+                            <a:rPr kumimoji="1" lang="en-US" altLang="ja-JP" b="0" i="1" smtClean="0">
+                              <a:solidFill>
+                                <a:schemeClr val="tx1"/>
+                              </a:solidFill>
+                              <a:latin typeface="Cambria Math" panose="02040503050406030204" pitchFamily="18" charset="0"/>
+                            </a:rPr>
+                            <m:t>𝑡</m:t>
+                          </m:r>
+                        </m:e>
+                        <m:sub>
+                          <m:r>
+                            <a:rPr kumimoji="1" lang="en-US" altLang="ja-JP" b="0" i="1" smtClean="0">
+                              <a:solidFill>
+                                <a:schemeClr val="tx1"/>
+                              </a:solidFill>
+                              <a:latin typeface="Cambria Math" panose="02040503050406030204" pitchFamily="18" charset="0"/>
+                            </a:rPr>
+                            <m:t>𝑘</m:t>
+                          </m:r>
+                          <m:r>
+                            <a:rPr kumimoji="1" lang="en-US" altLang="ja-JP" b="0" i="1" smtClean="0">
+                              <a:solidFill>
+                                <a:schemeClr val="tx1"/>
+                              </a:solidFill>
+                              <a:latin typeface="Cambria Math" panose="02040503050406030204" pitchFamily="18" charset="0"/>
+                            </a:rPr>
+                            <m:t>+1</m:t>
+                          </m:r>
+                        </m:sub>
+                      </m:sSub>
+                    </m:oMath>
+                  </m:oMathPara>
+                </a14:m>
+                <a:endParaRPr kumimoji="1" lang="ja-JP" altLang="en-US">
+                  <a:solidFill>
+                    <a:schemeClr val="tx1"/>
+                  </a:solidFill>
+                </a:endParaRPr>
+              </a:p>
+            </p:txBody>
+          </p:sp>
+        </mc:Choice>
+        <mc:Fallback>
+          <p:sp>
+            <p:nvSpPr>
+              <p:cNvPr id="12" name="円/楕円 11">
+                <a:extLst>
+                  <a:ext uri="{FF2B5EF4-FFF2-40B4-BE49-F238E27FC236}">
+                    <a16:creationId xmlns:a16="http://schemas.microsoft.com/office/drawing/2014/main" id="{EC1B49FA-1B98-4E4A-B18D-6B0082AEB912}"/>
+                  </a:ext>
+                </a:extLst>
+              </p:cNvPr>
+              <p:cNvSpPr>
+                <a:spLocks noRot="1" noChangeAspect="1" noMove="1" noResize="1" noEditPoints="1" noAdjustHandles="1" noChangeArrowheads="1" noChangeShapeType="1" noTextEdit="1"/>
+              </p:cNvSpPr>
+              <p:nvPr/>
+            </p:nvSpPr>
+            <p:spPr>
+              <a:xfrm>
+                <a:off x="6239577" y="3115736"/>
+                <a:ext cx="627239" cy="626527"/>
+              </a:xfrm>
+              <a:prstGeom prst="ellipse">
+                <a:avLst/>
+              </a:prstGeom>
+              <a:blipFill>
+                <a:blip r:embed="rId4"/>
+                <a:stretch>
+                  <a:fillRect/>
+                </a:stretch>
+              </a:blipFill>
+              <a:ln>
+                <a:solidFill>
+                  <a:schemeClr val="tx1"/>
+                </a:solidFill>
+              </a:ln>
+            </p:spPr>
+            <p:txBody>
+              <a:bodyPr/>
+              <a:lstStyle/>
+              <a:p>
+                <a:r>
+                  <a:rPr lang="ja-JP" altLang="en-US">
+                    <a:noFill/>
+                  </a:rPr>
+                  <a:t> </a:t>
+                </a:r>
+              </a:p>
+            </p:txBody>
+          </p:sp>
+        </mc:Fallback>
+      </mc:AlternateContent>
+      <p:cxnSp>
+        <p:nvCxnSpPr>
+          <p:cNvPr id="15" name="直線矢印コネクタ 14">
+            <a:extLst>
+              <a:ext uri="{FF2B5EF4-FFF2-40B4-BE49-F238E27FC236}">
+                <a16:creationId xmlns:a16="http://schemas.microsoft.com/office/drawing/2014/main" id="{37D09B72-514E-4E43-9509-7D3287C23456}"/>
+              </a:ext>
+            </a:extLst>
+          </p:cNvPr>
+          <p:cNvCxnSpPr>
+            <a:cxnSpLocks/>
+            <a:stCxn id="12" idx="6"/>
+          </p:cNvCxnSpPr>
+          <p:nvPr/>
+        </p:nvCxnSpPr>
+        <p:spPr>
+          <a:xfrm>
+            <a:off x="6866816" y="3429000"/>
+            <a:ext cx="1506986" cy="0"/>
+          </a:xfrm>
+          <a:prstGeom prst="straightConnector1">
+            <a:avLst/>
+          </a:prstGeom>
+          <a:ln>
+            <a:tailEnd type="triangle"/>
+          </a:ln>
+        </p:spPr>
+        <p:style>
+          <a:lnRef idx="1">
+            <a:schemeClr val="dk1"/>
+          </a:lnRef>
+          <a:fillRef idx="0">
+            <a:schemeClr val="dk1"/>
+          </a:fillRef>
+          <a:effectRef idx="0">
+            <a:schemeClr val="dk1"/>
+          </a:effectRef>
+          <a:fontRef idx="minor">
+            <a:schemeClr val="tx1"/>
+          </a:fontRef>
+        </p:style>
+      </p:cxnSp>
+      <p:cxnSp>
+        <p:nvCxnSpPr>
+          <p:cNvPr id="19" name="直線コネクタ 18">
+            <a:extLst>
+              <a:ext uri="{FF2B5EF4-FFF2-40B4-BE49-F238E27FC236}">
+                <a16:creationId xmlns:a16="http://schemas.microsoft.com/office/drawing/2014/main" id="{B13CB828-499E-374B-AF53-C7BE812D3375}"/>
+              </a:ext>
+            </a:extLst>
+          </p:cNvPr>
+          <p:cNvCxnSpPr>
+            <a:cxnSpLocks/>
+            <a:stCxn id="9" idx="4"/>
+          </p:cNvCxnSpPr>
+          <p:nvPr/>
+        </p:nvCxnSpPr>
+        <p:spPr>
+          <a:xfrm>
+            <a:off x="2531803" y="3742263"/>
+            <a:ext cx="0" cy="1788176"/>
+          </a:xfrm>
+          <a:prstGeom prst="line">
+            <a:avLst/>
+          </a:prstGeom>
+          <a:ln>
+            <a:solidFill>
+              <a:schemeClr val="bg1">
+                <a:lumMod val="50000"/>
+              </a:schemeClr>
+            </a:solidFill>
+            <a:prstDash val="dash"/>
+          </a:ln>
+        </p:spPr>
+        <p:style>
+          <a:lnRef idx="1">
+            <a:schemeClr val="accent1"/>
+          </a:lnRef>
+          <a:fillRef idx="0">
+            <a:schemeClr val="accent1"/>
+          </a:fillRef>
+          <a:effectRef idx="0">
+            <a:schemeClr val="accent1"/>
+          </a:effectRef>
+          <a:fontRef idx="minor">
+            <a:schemeClr val="tx1"/>
+          </a:fontRef>
+        </p:style>
+      </p:cxnSp>
+      <p:cxnSp>
+        <p:nvCxnSpPr>
+          <p:cNvPr id="23" name="直線コネクタ 22">
+            <a:extLst>
+              <a:ext uri="{FF2B5EF4-FFF2-40B4-BE49-F238E27FC236}">
+                <a16:creationId xmlns:a16="http://schemas.microsoft.com/office/drawing/2014/main" id="{B2A62CBB-7447-D847-B91A-EA0176DAD2F9}"/>
+              </a:ext>
+            </a:extLst>
+          </p:cNvPr>
+          <p:cNvCxnSpPr>
+            <a:cxnSpLocks/>
+            <a:stCxn id="12" idx="4"/>
+          </p:cNvCxnSpPr>
+          <p:nvPr/>
+        </p:nvCxnSpPr>
+        <p:spPr>
+          <a:xfrm>
+            <a:off x="6553197" y="3742263"/>
+            <a:ext cx="0" cy="1788176"/>
+          </a:xfrm>
+          <a:prstGeom prst="line">
+            <a:avLst/>
+          </a:prstGeom>
+          <a:ln>
+            <a:solidFill>
+              <a:schemeClr val="bg1">
+                <a:lumMod val="50000"/>
+              </a:schemeClr>
+            </a:solidFill>
+            <a:prstDash val="dash"/>
+          </a:ln>
+        </p:spPr>
+        <p:style>
+          <a:lnRef idx="1">
+            <a:schemeClr val="accent1"/>
+          </a:lnRef>
+          <a:fillRef idx="0">
+            <a:schemeClr val="accent1"/>
+          </a:fillRef>
+          <a:effectRef idx="0">
+            <a:schemeClr val="accent1"/>
+          </a:effectRef>
+          <a:fontRef idx="minor">
+            <a:schemeClr val="tx1"/>
+          </a:fontRef>
+        </p:style>
+      </p:cxnSp>
+      <mc:AlternateContent xmlns:mc="http://schemas.openxmlformats.org/markup-compatibility/2006">
+        <mc:Choice xmlns:a14="http://schemas.microsoft.com/office/drawing/2010/main" Requires="a14">
+          <p:sp>
+            <p:nvSpPr>
+              <p:cNvPr id="26" name="テキスト ボックス 25">
+                <a:extLst>
+                  <a:ext uri="{FF2B5EF4-FFF2-40B4-BE49-F238E27FC236}">
+                    <a16:creationId xmlns:a16="http://schemas.microsoft.com/office/drawing/2014/main" id="{497223B4-7109-D348-BC03-7E7B7AA85DCE}"/>
                   </a:ext>
                 </a:extLst>
               </p:cNvPr>
@@ -4765,8 +4789,395 @@
             </p:nvSpPr>
             <p:spPr>
               <a:xfrm>
-                <a:off x="2209494" y="5258655"/>
-                <a:ext cx="3842142" cy="419923"/>
+                <a:off x="3325210" y="4057613"/>
+                <a:ext cx="2434577" cy="369332"/>
+              </a:xfrm>
+              <a:prstGeom prst="rect">
+                <a:avLst/>
+              </a:prstGeom>
+              <a:noFill/>
+            </p:spPr>
+            <p:txBody>
+              <a:bodyPr wrap="none" rtlCol="0">
+                <a:spAutoFit/>
+              </a:bodyPr>
+              <a:lstStyle/>
+              <a:p>
+                <a:r>
+                  <a:rPr kumimoji="1" lang="en-US" altLang="ja-JP" b="0" dirty="0">
+                    <a:latin typeface="Cambria" panose="02040503050406030204" pitchFamily="18" charset="0"/>
+                  </a:rPr>
+                  <a:t>Constant input:</a:t>
+                </a:r>
+                <a:r>
+                  <a:rPr kumimoji="1" lang="en-US" altLang="ja-JP" b="0" dirty="0"/>
+                  <a:t> </a:t>
+                </a:r>
+                <a14:m>
+                  <m:oMath xmlns:m="http://schemas.openxmlformats.org/officeDocument/2006/math">
+                    <m:r>
+                      <a:rPr kumimoji="1" lang="en-US" altLang="ja-JP" b="0" i="1" smtClean="0">
+                        <a:latin typeface="Cambria Math" panose="02040503050406030204" pitchFamily="18" charset="0"/>
+                      </a:rPr>
+                      <m:t>𝑎</m:t>
+                    </m:r>
+                    <m:r>
+                      <a:rPr kumimoji="1" lang="en-US" altLang="ja-JP" b="0" i="1" smtClean="0">
+                        <a:latin typeface="Cambria Math" panose="02040503050406030204" pitchFamily="18" charset="0"/>
+                      </a:rPr>
+                      <m:t>=</m:t>
+                    </m:r>
+                    <m:sSub>
+                      <m:sSubPr>
+                        <m:ctrlPr>
+                          <a:rPr kumimoji="1" lang="en-US" altLang="ja-JP" b="0" i="1" smtClean="0">
+                            <a:latin typeface="Cambria Math" panose="02040503050406030204" pitchFamily="18" charset="0"/>
+                          </a:rPr>
+                        </m:ctrlPr>
+                      </m:sSubPr>
+                      <m:e>
+                        <m:r>
+                          <a:rPr kumimoji="1" lang="en-US" altLang="ja-JP" b="0" i="1" smtClean="0">
+                            <a:latin typeface="Cambria Math" panose="02040503050406030204" pitchFamily="18" charset="0"/>
+                          </a:rPr>
+                          <m:t>𝑎</m:t>
+                        </m:r>
+                      </m:e>
+                      <m:sub>
+                        <m:r>
+                          <a:rPr kumimoji="1" lang="en-US" altLang="ja-JP" b="0" i="1" smtClean="0">
+                            <a:latin typeface="Cambria Math" panose="02040503050406030204" pitchFamily="18" charset="0"/>
+                          </a:rPr>
+                          <m:t>𝑘</m:t>
+                        </m:r>
+                      </m:sub>
+                    </m:sSub>
+                  </m:oMath>
+                </a14:m>
+                <a:endParaRPr kumimoji="1" lang="ja-JP" altLang="en-US"/>
+              </a:p>
+            </p:txBody>
+          </p:sp>
+        </mc:Choice>
+        <mc:Fallback>
+          <p:sp>
+            <p:nvSpPr>
+              <p:cNvPr id="26" name="テキスト ボックス 25">
+                <a:extLst>
+                  <a:ext uri="{FF2B5EF4-FFF2-40B4-BE49-F238E27FC236}">
+                    <a16:creationId xmlns:a16="http://schemas.microsoft.com/office/drawing/2014/main" id="{497223B4-7109-D348-BC03-7E7B7AA85DCE}"/>
+                  </a:ext>
+                </a:extLst>
+              </p:cNvPr>
+              <p:cNvSpPr txBox="1">
+                <a:spLocks noRot="1" noChangeAspect="1" noMove="1" noResize="1" noEditPoints="1" noAdjustHandles="1" noChangeArrowheads="1" noChangeShapeType="1" noTextEdit="1"/>
+              </p:cNvSpPr>
+              <p:nvPr/>
+            </p:nvSpPr>
+            <p:spPr>
+              <a:xfrm>
+                <a:off x="3325210" y="4057613"/>
+                <a:ext cx="2434577" cy="369332"/>
+              </a:xfrm>
+              <a:prstGeom prst="rect">
+                <a:avLst/>
+              </a:prstGeom>
+              <a:blipFill>
+                <a:blip r:embed="rId5"/>
+                <a:stretch>
+                  <a:fillRect l="-2073" t="-6452" b="-19355"/>
+                </a:stretch>
+              </a:blipFill>
+            </p:spPr>
+            <p:txBody>
+              <a:bodyPr/>
+              <a:lstStyle/>
+              <a:p>
+                <a:r>
+                  <a:rPr lang="ja-JP" altLang="en-US">
+                    <a:noFill/>
+                  </a:rPr>
+                  <a:t> </a:t>
+                </a:r>
+              </a:p>
+            </p:txBody>
+          </p:sp>
+        </mc:Fallback>
+      </mc:AlternateContent>
+      <p:sp>
+        <p:nvSpPr>
+          <p:cNvPr id="28" name="右中かっこ 27">
+            <a:extLst>
+              <a:ext uri="{FF2B5EF4-FFF2-40B4-BE49-F238E27FC236}">
+                <a16:creationId xmlns:a16="http://schemas.microsoft.com/office/drawing/2014/main" id="{40E7299E-7E9B-364D-8F6B-C70C35C2C732}"/>
+              </a:ext>
+            </a:extLst>
+          </p:cNvPr>
+          <p:cNvSpPr/>
+          <p:nvPr/>
+        </p:nvSpPr>
+        <p:spPr>
+          <a:xfrm rot="5400000">
+            <a:off x="4277214" y="3254456"/>
+            <a:ext cx="530572" cy="4021393"/>
+          </a:xfrm>
+          <a:prstGeom prst="rightBrace">
+            <a:avLst>
+              <a:gd name="adj1" fmla="val 155964"/>
+              <a:gd name="adj2" fmla="val 50000"/>
+            </a:avLst>
+          </a:prstGeom>
+          <a:ln>
+            <a:solidFill>
+              <a:schemeClr val="bg1">
+                <a:lumMod val="50000"/>
+              </a:schemeClr>
+            </a:solidFill>
+          </a:ln>
+        </p:spPr>
+        <p:style>
+          <a:lnRef idx="1">
+            <a:schemeClr val="accent1"/>
+          </a:lnRef>
+          <a:fillRef idx="0">
+            <a:schemeClr val="accent1"/>
+          </a:fillRef>
+          <a:effectRef idx="0">
+            <a:schemeClr val="accent1"/>
+          </a:effectRef>
+          <a:fontRef idx="minor">
+            <a:schemeClr val="tx1"/>
+          </a:fontRef>
+        </p:style>
+        <p:txBody>
+          <a:bodyPr rtlCol="0" anchor="ctr"/>
+          <a:lstStyle/>
+          <a:p>
+            <a:pPr algn="ctr"/>
+            <a:endParaRPr kumimoji="1" lang="ja-JP" altLang="en-US"/>
+          </a:p>
+        </p:txBody>
+      </p:sp>
+      <mc:AlternateContent xmlns:mc="http://schemas.openxmlformats.org/markup-compatibility/2006">
+        <mc:Choice xmlns:a14="http://schemas.microsoft.com/office/drawing/2010/main" Requires="a14">
+          <p:sp>
+            <p:nvSpPr>
+              <p:cNvPr id="31" name="テキスト ボックス 30">
+                <a:extLst>
+                  <a:ext uri="{FF2B5EF4-FFF2-40B4-BE49-F238E27FC236}">
+                    <a16:creationId xmlns:a16="http://schemas.microsoft.com/office/drawing/2014/main" id="{4E71F504-9D57-7244-96C8-6570FBBBEE19}"/>
+                  </a:ext>
+                </a:extLst>
+              </p:cNvPr>
+              <p:cNvSpPr txBox="1"/>
+              <p:nvPr/>
+            </p:nvSpPr>
+            <p:spPr>
+              <a:xfrm>
+                <a:off x="3610415" y="5570311"/>
+                <a:ext cx="2024272" cy="369332"/>
+              </a:xfrm>
+              <a:prstGeom prst="rect">
+                <a:avLst/>
+              </a:prstGeom>
+              <a:noFill/>
+            </p:spPr>
+            <p:txBody>
+              <a:bodyPr wrap="none" rtlCol="0">
+                <a:spAutoFit/>
+              </a:bodyPr>
+              <a:lstStyle/>
+              <a:p>
+                <a:r>
+                  <a:rPr kumimoji="1" lang="en-US" altLang="ja-JP" dirty="0">
+                    <a:latin typeface="Cambria" panose="02040503050406030204" pitchFamily="18" charset="0"/>
+                  </a:rPr>
+                  <a:t>Interval </a:t>
+                </a:r>
+                <a14:m>
+                  <m:oMath xmlns:m="http://schemas.openxmlformats.org/officeDocument/2006/math">
+                    <m:sSub>
+                      <m:sSubPr>
+                        <m:ctrlPr>
+                          <a:rPr kumimoji="1" lang="en-US" altLang="ja-JP" b="0" i="1" smtClean="0">
+                            <a:latin typeface="Cambria Math" panose="02040503050406030204" pitchFamily="18" charset="0"/>
+                            <a:ea typeface="Cambria Math" panose="02040503050406030204" pitchFamily="18" charset="0"/>
+                          </a:rPr>
+                        </m:ctrlPr>
+                      </m:sSubPr>
+                      <m:e>
+                        <m:r>
+                          <a:rPr kumimoji="1" lang="en-US" altLang="ja-JP" i="1">
+                            <a:latin typeface="Cambria Math" panose="02040503050406030204" pitchFamily="18" charset="0"/>
+                            <a:ea typeface="Cambria Math" panose="02040503050406030204" pitchFamily="18" charset="0"/>
+                          </a:rPr>
+                          <m:t>𝜏</m:t>
+                        </m:r>
+                      </m:e>
+                      <m:sub>
+                        <m:r>
+                          <a:rPr kumimoji="1" lang="en-US" altLang="ja-JP" b="0" i="1" smtClean="0">
+                            <a:latin typeface="Cambria Math" panose="02040503050406030204" pitchFamily="18" charset="0"/>
+                            <a:ea typeface="Cambria Math" panose="02040503050406030204" pitchFamily="18" charset="0"/>
+                          </a:rPr>
+                          <m:t>𝑘</m:t>
+                        </m:r>
+                      </m:sub>
+                    </m:sSub>
+                  </m:oMath>
+                </a14:m>
+                <a:r>
+                  <a:rPr kumimoji="1" lang="en-US" altLang="ja-JP" dirty="0">
+                    <a:latin typeface="Cambria" panose="02040503050406030204" pitchFamily="18" charset="0"/>
+                  </a:rPr>
+                  <a:t> second</a:t>
+                </a:r>
+                <a:endParaRPr kumimoji="1" lang="ja-JP" altLang="en-US">
+                  <a:latin typeface="Cambria" panose="02040503050406030204" pitchFamily="18" charset="0"/>
+                </a:endParaRPr>
+              </a:p>
+            </p:txBody>
+          </p:sp>
+        </mc:Choice>
+        <mc:Fallback>
+          <p:sp>
+            <p:nvSpPr>
+              <p:cNvPr id="31" name="テキスト ボックス 30">
+                <a:extLst>
+                  <a:ext uri="{FF2B5EF4-FFF2-40B4-BE49-F238E27FC236}">
+                    <a16:creationId xmlns:a16="http://schemas.microsoft.com/office/drawing/2014/main" id="{4E71F504-9D57-7244-96C8-6570FBBBEE19}"/>
+                  </a:ext>
+                </a:extLst>
+              </p:cNvPr>
+              <p:cNvSpPr txBox="1">
+                <a:spLocks noRot="1" noChangeAspect="1" noMove="1" noResize="1" noEditPoints="1" noAdjustHandles="1" noChangeArrowheads="1" noChangeShapeType="1" noTextEdit="1"/>
+              </p:cNvSpPr>
+              <p:nvPr/>
+            </p:nvSpPr>
+            <p:spPr>
+              <a:xfrm>
+                <a:off x="3610415" y="5570311"/>
+                <a:ext cx="2024272" cy="369332"/>
+              </a:xfrm>
+              <a:prstGeom prst="rect">
+                <a:avLst/>
+              </a:prstGeom>
+              <a:blipFill>
+                <a:blip r:embed="rId6"/>
+                <a:stretch>
+                  <a:fillRect l="-1863" t="-6667" b="-23333"/>
+                </a:stretch>
+              </a:blipFill>
+            </p:spPr>
+            <p:txBody>
+              <a:bodyPr/>
+              <a:lstStyle/>
+              <a:p>
+                <a:r>
+                  <a:rPr lang="ja-JP" altLang="en-US">
+                    <a:noFill/>
+                  </a:rPr>
+                  <a:t> </a:t>
+                </a:r>
+              </a:p>
+            </p:txBody>
+          </p:sp>
+        </mc:Fallback>
+      </mc:AlternateContent>
+      <p:sp>
+        <p:nvSpPr>
+          <p:cNvPr id="32" name="テキスト ボックス 31">
+            <a:extLst>
+              <a:ext uri="{FF2B5EF4-FFF2-40B4-BE49-F238E27FC236}">
+                <a16:creationId xmlns:a16="http://schemas.microsoft.com/office/drawing/2014/main" id="{89AB18A7-B061-1048-BFC9-E97FADD5CB1E}"/>
+              </a:ext>
+            </a:extLst>
+          </p:cNvPr>
+          <p:cNvSpPr txBox="1"/>
+          <p:nvPr/>
+        </p:nvSpPr>
+        <p:spPr>
+          <a:xfrm>
+            <a:off x="1852834" y="2623884"/>
+            <a:ext cx="1357936" cy="369332"/>
+          </a:xfrm>
+          <a:prstGeom prst="rect">
+            <a:avLst/>
+          </a:prstGeom>
+          <a:noFill/>
+        </p:spPr>
+        <p:txBody>
+          <a:bodyPr wrap="none" rtlCol="0">
+            <a:spAutoFit/>
+          </a:bodyPr>
+          <a:lstStyle/>
+          <a:p>
+            <a:r>
+              <a:rPr kumimoji="1" lang="en-US" altLang="ja-JP" b="0" dirty="0">
+                <a:latin typeface="Cambria" panose="02040503050406030204" pitchFamily="18" charset="0"/>
+              </a:rPr>
+              <a:t>observation</a:t>
+            </a:r>
+            <a:endParaRPr kumimoji="1" lang="ja-JP" altLang="en-US"/>
+          </a:p>
+        </p:txBody>
+      </p:sp>
+      <p:sp>
+        <p:nvSpPr>
+          <p:cNvPr id="34" name="テキスト ボックス 33">
+            <a:extLst>
+              <a:ext uri="{FF2B5EF4-FFF2-40B4-BE49-F238E27FC236}">
+                <a16:creationId xmlns:a16="http://schemas.microsoft.com/office/drawing/2014/main" id="{EA89E448-347A-8740-971E-C302C2F28532}"/>
+              </a:ext>
+            </a:extLst>
+          </p:cNvPr>
+          <p:cNvSpPr txBox="1"/>
+          <p:nvPr/>
+        </p:nvSpPr>
+        <p:spPr>
+          <a:xfrm>
+            <a:off x="5874228" y="2644610"/>
+            <a:ext cx="1357936" cy="369332"/>
+          </a:xfrm>
+          <a:prstGeom prst="rect">
+            <a:avLst/>
+          </a:prstGeom>
+          <a:noFill/>
+        </p:spPr>
+        <p:txBody>
+          <a:bodyPr wrap="none" rtlCol="0">
+            <a:spAutoFit/>
+          </a:bodyPr>
+          <a:lstStyle/>
+          <a:p>
+            <a:r>
+              <a:rPr kumimoji="1" lang="en-US" altLang="ja-JP" b="0" dirty="0">
+                <a:latin typeface="Cambria" panose="02040503050406030204" pitchFamily="18" charset="0"/>
+              </a:rPr>
+              <a:t>observation</a:t>
+            </a:r>
+            <a:endParaRPr kumimoji="1" lang="ja-JP" altLang="en-US"/>
+          </a:p>
+        </p:txBody>
+      </p:sp>
+      <mc:AlternateContent xmlns:mc="http://schemas.openxmlformats.org/markup-compatibility/2006">
+        <mc:Choice xmlns:a14="http://schemas.microsoft.com/office/drawing/2010/main" Requires="a14">
+          <p:sp>
+            <p:nvSpPr>
+              <p:cNvPr id="35" name="テキスト ボックス 34">
+                <a:extLst>
+                  <a:ext uri="{FF2B5EF4-FFF2-40B4-BE49-F238E27FC236}">
+                    <a16:creationId xmlns:a16="http://schemas.microsoft.com/office/drawing/2014/main" id="{010349C6-DCB4-0A45-B4BE-13E102ED5CEF}"/>
+                  </a:ext>
+                </a:extLst>
+              </p:cNvPr>
+              <p:cNvSpPr txBox="1"/>
+              <p:nvPr/>
+            </p:nvSpPr>
+            <p:spPr>
+              <a:xfrm>
+                <a:off x="7115602" y="4057613"/>
+                <a:ext cx="1137747" cy="369332"/>
               </a:xfrm>
               <a:prstGeom prst="rect">
                 <a:avLst/>
@@ -4789,231 +5200,45 @@
                         <a:rPr kumimoji="1" lang="en-US" altLang="ja-JP" b="0" i="1" smtClean="0">
                           <a:latin typeface="Cambria Math" panose="02040503050406030204" pitchFamily="18" charset="0"/>
                         </a:rPr>
-                        <m:t>𝐶</m:t>
+                        <m:t>𝑎</m:t>
                       </m:r>
-                      <m:d>
-                        <m:dPr>
-                          <m:ctrlPr>
-                            <a:rPr kumimoji="1" lang="en-US" altLang="ja-JP" b="0" i="1" smtClean="0">
-                              <a:latin typeface="Cambria Math" panose="02040503050406030204" pitchFamily="18" charset="0"/>
-                            </a:rPr>
-                          </m:ctrlPr>
-                        </m:dPr>
-                        <m:e>
-                          <m:sSub>
-                            <m:sSubPr>
-                              <m:ctrlPr>
-                                <a:rPr lang="en-US" altLang="ja-JP" i="1">
-                                  <a:latin typeface="Cambria Math" panose="02040503050406030204" pitchFamily="18" charset="0"/>
-                                  <a:ea typeface="Cambria Math" panose="02040503050406030204" pitchFamily="18" charset="0"/>
-                                </a:rPr>
-                              </m:ctrlPr>
-                            </m:sSubPr>
-                            <m:e>
-                              <m:r>
-                                <m:rPr>
-                                  <m:sty m:val="p"/>
-                                </m:rPr>
-                                <a:rPr lang="el-GR" altLang="ja-JP" i="1">
-                                  <a:latin typeface="Cambria Math" panose="02040503050406030204" pitchFamily="18" charset="0"/>
-                                  <a:ea typeface="Cambria Math" panose="02040503050406030204" pitchFamily="18" charset="0"/>
-                                </a:rPr>
-                                <m:t>Π</m:t>
-                              </m:r>
-                            </m:e>
-                            <m:sub>
-                              <m:r>
-                                <a:rPr lang="en-US" altLang="ja-JP" i="1">
-                                  <a:latin typeface="Cambria Math" panose="02040503050406030204" pitchFamily="18" charset="0"/>
-                                  <a:ea typeface="Cambria Math" panose="02040503050406030204" pitchFamily="18" charset="0"/>
-                                </a:rPr>
-                                <m:t>𝑠𝑎𝑓𝑒</m:t>
-                              </m:r>
-                            </m:sub>
-                          </m:sSub>
-                        </m:e>
-                      </m:d>
                       <m:r>
                         <a:rPr kumimoji="1" lang="en-US" altLang="ja-JP" b="0" i="1" smtClean="0">
                           <a:latin typeface="Cambria Math" panose="02040503050406030204" pitchFamily="18" charset="0"/>
                         </a:rPr>
                         <m:t>=</m:t>
                       </m:r>
-                      <m:d>
-                        <m:dPr>
-                          <m:begChr m:val="{"/>
-                          <m:endChr m:val="|"/>
+                      <m:sSub>
+                        <m:sSubPr>
                           <m:ctrlPr>
                             <a:rPr kumimoji="1" lang="en-US" altLang="ja-JP" b="0" i="1" smtClean="0">
                               <a:latin typeface="Cambria Math" panose="02040503050406030204" pitchFamily="18" charset="0"/>
                             </a:rPr>
                           </m:ctrlPr>
-                        </m:dPr>
+                        </m:sSubPr>
                         <m:e>
                           <m:r>
                             <a:rPr kumimoji="1" lang="en-US" altLang="ja-JP" b="0" i="1" smtClean="0">
                               <a:latin typeface="Cambria Math" panose="02040503050406030204" pitchFamily="18" charset="0"/>
                             </a:rPr>
-                            <m:t> </m:t>
-                          </m:r>
-                          <m:r>
-                            <a:rPr kumimoji="1" lang="en-US" altLang="ja-JP" b="0" i="1" smtClean="0">
-                              <a:latin typeface="Cambria Math" panose="02040503050406030204" pitchFamily="18" charset="0"/>
-                            </a:rPr>
-                            <m:t>𝐽</m:t>
-                          </m:r>
-                          <m:d>
-                            <m:dPr>
-                              <m:ctrlPr>
-                                <a:rPr kumimoji="1" lang="en-US" altLang="ja-JP" b="0" i="1" smtClean="0">
-                                  <a:latin typeface="Cambria Math" panose="02040503050406030204" pitchFamily="18" charset="0"/>
-                                </a:rPr>
-                              </m:ctrlPr>
-                            </m:dPr>
-                            <m:e>
-                              <m:r>
-                                <a:rPr kumimoji="1" lang="en-US" altLang="ja-JP" b="0" i="1" smtClean="0">
-                                  <a:latin typeface="Cambria Math" panose="02040503050406030204" pitchFamily="18" charset="0"/>
-                                  <a:ea typeface="Cambria Math" panose="02040503050406030204" pitchFamily="18" charset="0"/>
-                                </a:rPr>
-                                <m:t>∙</m:t>
-                              </m:r>
-                            </m:e>
-                          </m:d>
-                          <m:r>
-                            <a:rPr kumimoji="1" lang="en-US" altLang="ja-JP" b="0" i="1" smtClean="0">
-                              <a:latin typeface="Cambria Math" panose="02040503050406030204" pitchFamily="18" charset="0"/>
-                              <a:ea typeface="Cambria Math" panose="02040503050406030204" pitchFamily="18" charset="0"/>
-                            </a:rPr>
-                            <m:t> </m:t>
-                          </m:r>
-                        </m:e>
-                      </m:d>
-                      <m:r>
-                        <a:rPr kumimoji="1" lang="en-US" altLang="ja-JP" b="0" i="1" smtClean="0">
-                          <a:latin typeface="Cambria Math" panose="02040503050406030204" pitchFamily="18" charset="0"/>
-                          <a:ea typeface="Cambria Math" panose="02040503050406030204" pitchFamily="18" charset="0"/>
-                        </a:rPr>
-                        <m:t> </m:t>
-                      </m:r>
-                      <m:r>
-                        <a:rPr kumimoji="1" lang="en-US" altLang="ja-JP" b="0" i="1" smtClean="0">
-                          <a:latin typeface="Cambria Math" panose="02040503050406030204" pitchFamily="18" charset="0"/>
-                          <a:ea typeface="Cambria Math" panose="02040503050406030204" pitchFamily="18" charset="0"/>
-                        </a:rPr>
-                        <m:t>𝐽</m:t>
-                      </m:r>
-                      <m:d>
-                        <m:dPr>
-                          <m:ctrlPr>
-                            <a:rPr kumimoji="1" lang="en-US" altLang="ja-JP" b="0" i="1" smtClean="0">
-                              <a:latin typeface="Cambria Math" panose="02040503050406030204" pitchFamily="18" charset="0"/>
-                              <a:ea typeface="Cambria Math" panose="02040503050406030204" pitchFamily="18" charset="0"/>
-                            </a:rPr>
-                          </m:ctrlPr>
-                        </m:dPr>
-                        <m:e>
-                          <m:sSup>
-                            <m:sSupPr>
-                              <m:ctrlPr>
-                                <a:rPr kumimoji="1" lang="en-US" altLang="ja-JP" b="0" i="1" smtClean="0">
-                                  <a:latin typeface="Cambria Math" panose="02040503050406030204" pitchFamily="18" charset="0"/>
-                                  <a:ea typeface="Cambria Math" panose="02040503050406030204" pitchFamily="18" charset="0"/>
-                                </a:rPr>
-                              </m:ctrlPr>
-                            </m:sSupPr>
-                            <m:e>
-                              <m:r>
-                                <a:rPr kumimoji="1" lang="en-US" altLang="ja-JP" b="0" i="1" smtClean="0">
-                                  <a:latin typeface="Cambria Math" panose="02040503050406030204" pitchFamily="18" charset="0"/>
-                                  <a:ea typeface="Cambria Math" panose="02040503050406030204" pitchFamily="18" charset="0"/>
-                                </a:rPr>
-                                <m:t>𝜋</m:t>
-                              </m:r>
-                            </m:e>
-                            <m:sup>
-                              <m:r>
-                                <a:rPr kumimoji="1" lang="en-US" altLang="ja-JP" b="0" i="1" smtClean="0">
-                                  <a:latin typeface="Cambria Math" panose="02040503050406030204" pitchFamily="18" charset="0"/>
-                                  <a:ea typeface="Cambria Math" panose="02040503050406030204" pitchFamily="18" charset="0"/>
-                                </a:rPr>
-                                <m:t>∗</m:t>
-                              </m:r>
-                            </m:sup>
-                          </m:sSup>
-                        </m:e>
-                      </m:d>
-                      <m:r>
-                        <a:rPr kumimoji="1" lang="en-US" altLang="ja-JP" b="0" i="1" smtClean="0">
-                          <a:latin typeface="Cambria Math" panose="02040503050406030204" pitchFamily="18" charset="0"/>
-                          <a:ea typeface="Cambria Math" panose="02040503050406030204" pitchFamily="18" charset="0"/>
-                        </a:rPr>
-                        <m:t>=</m:t>
-                      </m:r>
-                      <m:r>
-                        <a:rPr kumimoji="1" lang="en-US" altLang="ja-JP" b="0" i="1" smtClean="0">
-                          <a:latin typeface="Cambria Math" panose="02040503050406030204" pitchFamily="18" charset="0"/>
-                          <a:ea typeface="Cambria Math" panose="02040503050406030204" pitchFamily="18" charset="0"/>
-                        </a:rPr>
-                        <m:t>𝐽</m:t>
-                      </m:r>
-                      <m:r>
-                        <a:rPr kumimoji="1" lang="en-US" altLang="ja-JP" b="0" i="1" smtClean="0">
-                          <a:latin typeface="Cambria Math" panose="02040503050406030204" pitchFamily="18" charset="0"/>
-                          <a:ea typeface="Cambria Math" panose="02040503050406030204" pitchFamily="18" charset="0"/>
-                        </a:rPr>
-                        <m:t>(</m:t>
-                      </m:r>
-                      <m:sSubSup>
-                        <m:sSubSupPr>
-                          <m:ctrlPr>
-                            <a:rPr kumimoji="1" lang="en-US" altLang="ja-JP" b="0" i="1" smtClean="0">
-                              <a:latin typeface="Cambria Math" panose="02040503050406030204" pitchFamily="18" charset="0"/>
-                              <a:ea typeface="Cambria Math" panose="02040503050406030204" pitchFamily="18" charset="0"/>
-                            </a:rPr>
-                          </m:ctrlPr>
-                        </m:sSubSupPr>
-                        <m:e>
-                          <m:r>
-                            <a:rPr kumimoji="1" lang="en-US" altLang="ja-JP" b="0" i="1" smtClean="0">
-                              <a:latin typeface="Cambria Math" panose="02040503050406030204" pitchFamily="18" charset="0"/>
-                              <a:ea typeface="Cambria Math" panose="02040503050406030204" pitchFamily="18" charset="0"/>
-                            </a:rPr>
-                            <m:t>𝜋</m:t>
+                            <m:t>𝑎</m:t>
                           </m:r>
                         </m:e>
                         <m:sub>
                           <m:r>
                             <a:rPr kumimoji="1" lang="en-US" altLang="ja-JP" b="0" i="1" smtClean="0">
                               <a:latin typeface="Cambria Math" panose="02040503050406030204" pitchFamily="18" charset="0"/>
-                              <a:ea typeface="Cambria Math" panose="02040503050406030204" pitchFamily="18" charset="0"/>
                             </a:rPr>
-                            <m:t>𝑠𝑎𝑓𝑒</m:t>
+                            <m:t>𝑘</m:t>
                           </m:r>
-                        </m:sub>
-                        <m:sup>
                           <m:r>
                             <a:rPr kumimoji="1" lang="en-US" altLang="ja-JP" b="0" i="1" smtClean="0">
                               <a:latin typeface="Cambria Math" panose="02040503050406030204" pitchFamily="18" charset="0"/>
-                              <a:ea typeface="Cambria Math" panose="02040503050406030204" pitchFamily="18" charset="0"/>
                             </a:rPr>
-                            <m:t>∗</m:t>
+                            <m:t>+1</m:t>
                           </m:r>
-                        </m:sup>
-                      </m:sSubSup>
-                      <m:r>
-                        <a:rPr kumimoji="1" lang="en-US" altLang="ja-JP" b="0" i="1" smtClean="0">
-                          <a:latin typeface="Cambria Math" panose="02040503050406030204" pitchFamily="18" charset="0"/>
-                          <a:ea typeface="Cambria Math" panose="02040503050406030204" pitchFamily="18" charset="0"/>
-                        </a:rPr>
-                        <m:t>)</m:t>
-                      </m:r>
-                      <m:r>
-                        <a:rPr kumimoji="1" lang="en-US" altLang="ja-JP" b="0" i="1" smtClean="0">
-                          <a:latin typeface="Cambria Math" panose="02040503050406030204" pitchFamily="18" charset="0"/>
-                        </a:rPr>
-                        <m:t>}</m:t>
-                      </m:r>
+                        </m:sub>
+                      </m:sSub>
                     </m:oMath>
                   </m:oMathPara>
                 </a14:m>
@@ -5025,10 +5250,10 @@
         <mc:Fallback>
           <p:sp>
             <p:nvSpPr>
-              <p:cNvPr id="6" name="テキスト ボックス 5">
+              <p:cNvPr id="35" name="テキスト ボックス 34">
                 <a:extLst>
                   <a:ext uri="{FF2B5EF4-FFF2-40B4-BE49-F238E27FC236}">
-                    <a16:creationId xmlns:a16="http://schemas.microsoft.com/office/drawing/2014/main" id="{D3662B5B-B677-254E-A5E5-F0B236960F87}"/>
+                    <a16:creationId xmlns:a16="http://schemas.microsoft.com/office/drawing/2014/main" id="{010349C6-DCB4-0A45-B4BE-13E102ED5CEF}"/>
                   </a:ext>
                 </a:extLst>
               </p:cNvPr>
@@ -5039,349 +5264,14 @@
             </p:nvSpPr>
             <p:spPr>
               <a:xfrm>
-                <a:off x="2209494" y="5258655"/>
-                <a:ext cx="3842142" cy="419923"/>
+                <a:off x="7115602" y="4057613"/>
+                <a:ext cx="1137747" cy="369332"/>
               </a:xfrm>
               <a:prstGeom prst="rect">
                 <a:avLst/>
               </a:prstGeom>
               <a:blipFill>
-                <a:blip r:embed="rId3"/>
-                <a:stretch>
-                  <a:fillRect b="-5882"/>
-                </a:stretch>
-              </a:blipFill>
-            </p:spPr>
-            <p:txBody>
-              <a:bodyPr/>
-              <a:lstStyle/>
-              <a:p>
-                <a:r>
-                  <a:rPr lang="ja-JP" altLang="en-US">
-                    <a:noFill/>
-                  </a:rPr>
-                  <a:t> </a:t>
-                </a:r>
-              </a:p>
-            </p:txBody>
-          </p:sp>
-        </mc:Fallback>
-      </mc:AlternateContent>
-      <mc:AlternateContent xmlns:mc="http://schemas.openxmlformats.org/markup-compatibility/2006">
-        <mc:Choice xmlns:a14="http://schemas.microsoft.com/office/drawing/2010/main" Requires="a14">
-          <p:sp>
-            <p:nvSpPr>
-              <p:cNvPr id="8" name="テキスト ボックス 7">
-                <a:extLst>
-                  <a:ext uri="{FF2B5EF4-FFF2-40B4-BE49-F238E27FC236}">
-                    <a16:creationId xmlns:a16="http://schemas.microsoft.com/office/drawing/2014/main" id="{2C3C8788-B103-E845-B84C-55FCB4B5CCE0}"/>
-                  </a:ext>
-                </a:extLst>
-              </p:cNvPr>
-              <p:cNvSpPr txBox="1"/>
-              <p:nvPr/>
-            </p:nvSpPr>
-            <p:spPr>
-              <a:xfrm>
-                <a:off x="4605454" y="3564632"/>
-                <a:ext cx="3352776" cy="443519"/>
-              </a:xfrm>
-              <a:prstGeom prst="rect">
-                <a:avLst/>
-              </a:prstGeom>
-              <a:noFill/>
-            </p:spPr>
-            <p:txBody>
-              <a:bodyPr wrap="none" rtlCol="0">
-                <a:spAutoFit/>
-              </a:bodyPr>
-              <a:lstStyle/>
-              <a:p>
-                <a14:m>
-                  <m:oMathPara xmlns:m="http://schemas.openxmlformats.org/officeDocument/2006/math">
-                    <m:oMathParaPr>
-                      <m:jc m:val="centerGroup"/>
-                    </m:oMathParaPr>
-                    <m:oMath xmlns:m="http://schemas.openxmlformats.org/officeDocument/2006/math">
-                      <m:r>
-                        <a:rPr kumimoji="1" lang="en-US" altLang="ja-JP" sz="1200" i="1" smtClean="0">
-                          <a:latin typeface="Cambria Math" panose="02040503050406030204" pitchFamily="18" charset="0"/>
-                          <a:ea typeface="Cambria Math" panose="02040503050406030204" pitchFamily="18" charset="0"/>
-                        </a:rPr>
-                        <m:t>𝑈</m:t>
-                      </m:r>
-                      <m:d>
-                        <m:dPr>
-                          <m:ctrlPr>
-                            <a:rPr kumimoji="1" lang="en-US" altLang="ja-JP" sz="1200" b="0" i="1" smtClean="0">
-                              <a:latin typeface="Cambria Math" panose="02040503050406030204" pitchFamily="18" charset="0"/>
-                              <a:ea typeface="Cambria Math" panose="02040503050406030204" pitchFamily="18" charset="0"/>
-                            </a:rPr>
-                          </m:ctrlPr>
-                        </m:dPr>
-                        <m:e>
-                          <m:r>
-                            <a:rPr kumimoji="1" lang="en-US" altLang="ja-JP" sz="1200" b="0" i="1" smtClean="0">
-                              <a:latin typeface="Cambria Math" panose="02040503050406030204" pitchFamily="18" charset="0"/>
-                              <a:ea typeface="Cambria Math" panose="02040503050406030204" pitchFamily="18" charset="0"/>
-                            </a:rPr>
-                            <m:t>𝑠</m:t>
-                          </m:r>
-                        </m:e>
-                      </m:d>
-                      <m:r>
-                        <a:rPr kumimoji="1" lang="en-US" altLang="ja-JP" sz="1200" b="0" i="1" smtClean="0">
-                          <a:latin typeface="Cambria Math" panose="02040503050406030204" pitchFamily="18" charset="0"/>
-                          <a:ea typeface="Cambria Math" panose="02040503050406030204" pitchFamily="18" charset="0"/>
-                        </a:rPr>
-                        <m:t>=</m:t>
-                      </m:r>
-                      <m:d>
-                        <m:dPr>
-                          <m:begChr m:val="{"/>
-                          <m:endChr m:val="|"/>
-                          <m:ctrlPr>
-                            <a:rPr kumimoji="1" lang="en-US" altLang="ja-JP" sz="1200" b="0" i="1" smtClean="0">
-                              <a:latin typeface="Cambria Math" panose="02040503050406030204" pitchFamily="18" charset="0"/>
-                              <a:ea typeface="Cambria Math" panose="02040503050406030204" pitchFamily="18" charset="0"/>
-                            </a:rPr>
-                          </m:ctrlPr>
-                        </m:dPr>
-                        <m:e>
-                          <m:r>
-                            <a:rPr kumimoji="1" lang="en-US" altLang="ja-JP" sz="1200" b="0" i="1" smtClean="0">
-                              <a:latin typeface="Cambria Math" panose="02040503050406030204" pitchFamily="18" charset="0"/>
-                              <a:ea typeface="Cambria Math" panose="02040503050406030204" pitchFamily="18" charset="0"/>
-                            </a:rPr>
-                            <m:t>𝑎</m:t>
-                          </m:r>
-                          <m:r>
-                            <a:rPr kumimoji="1" lang="en-US" altLang="ja-JP" sz="1200" b="0" i="1" smtClean="0">
-                              <a:latin typeface="Cambria Math" panose="02040503050406030204" pitchFamily="18" charset="0"/>
-                              <a:ea typeface="Cambria Math" panose="02040503050406030204" pitchFamily="18" charset="0"/>
-                            </a:rPr>
-                            <m:t>∈</m:t>
-                          </m:r>
-                          <m:r>
-                            <a:rPr kumimoji="1" lang="en-US" altLang="ja-JP" sz="1200" b="0" i="1" smtClean="0">
-                              <a:latin typeface="Cambria Math" panose="02040503050406030204" pitchFamily="18" charset="0"/>
-                              <a:ea typeface="Cambria Math" panose="02040503050406030204" pitchFamily="18" charset="0"/>
-                            </a:rPr>
-                            <m:t>𝐴</m:t>
-                          </m:r>
-                          <m:r>
-                            <a:rPr kumimoji="1" lang="en-US" altLang="ja-JP" sz="1200" b="0" i="1" smtClean="0">
-                              <a:latin typeface="Cambria Math" panose="02040503050406030204" pitchFamily="18" charset="0"/>
-                              <a:ea typeface="Cambria Math" panose="02040503050406030204" pitchFamily="18" charset="0"/>
-                            </a:rPr>
-                            <m:t> </m:t>
-                          </m:r>
-                        </m:e>
-                      </m:d>
-                      <m:f>
-                        <m:fPr>
-                          <m:ctrlPr>
-                            <a:rPr kumimoji="1" lang="en-US" altLang="ja-JP" sz="1200" i="1">
-                              <a:latin typeface="Cambria Math" panose="02040503050406030204" pitchFamily="18" charset="0"/>
-                              <a:ea typeface="Cambria Math" panose="02040503050406030204" pitchFamily="18" charset="0"/>
-                            </a:rPr>
-                          </m:ctrlPr>
-                        </m:fPr>
-                        <m:num>
-                          <m:r>
-                            <a:rPr kumimoji="1" lang="en-US" altLang="ja-JP" sz="1200" i="1">
-                              <a:latin typeface="Cambria Math" panose="02040503050406030204" pitchFamily="18" charset="0"/>
-                              <a:ea typeface="Cambria Math" panose="02040503050406030204" pitchFamily="18" charset="0"/>
-                            </a:rPr>
-                            <m:t>𝜕</m:t>
-                          </m:r>
-                          <m:r>
-                            <a:rPr kumimoji="1" lang="en-US" altLang="ja-JP" sz="1200" i="1">
-                              <a:latin typeface="Cambria Math" panose="02040503050406030204" pitchFamily="18" charset="0"/>
-                              <a:ea typeface="Cambria Math" panose="02040503050406030204" pitchFamily="18" charset="0"/>
-                            </a:rPr>
-                            <m:t>h</m:t>
-                          </m:r>
-                        </m:num>
-                        <m:den>
-                          <m:r>
-                            <a:rPr kumimoji="1" lang="en-US" altLang="ja-JP" sz="1200" i="1">
-                              <a:latin typeface="Cambria Math" panose="02040503050406030204" pitchFamily="18" charset="0"/>
-                              <a:ea typeface="Cambria Math" panose="02040503050406030204" pitchFamily="18" charset="0"/>
-                            </a:rPr>
-                            <m:t>𝜕</m:t>
-                          </m:r>
-                          <m:r>
-                            <a:rPr kumimoji="1" lang="en-US" altLang="ja-JP" sz="1200" i="1">
-                              <a:latin typeface="Cambria Math" panose="02040503050406030204" pitchFamily="18" charset="0"/>
-                              <a:ea typeface="Cambria Math" panose="02040503050406030204" pitchFamily="18" charset="0"/>
-                            </a:rPr>
-                            <m:t>𝑠</m:t>
-                          </m:r>
-                        </m:den>
-                      </m:f>
-                      <m:d>
-                        <m:dPr>
-                          <m:ctrlPr>
-                            <a:rPr kumimoji="1" lang="en-US" altLang="ja-JP" sz="1200" i="1">
-                              <a:latin typeface="Cambria Math" panose="02040503050406030204" pitchFamily="18" charset="0"/>
-                              <a:ea typeface="Cambria Math" panose="02040503050406030204" pitchFamily="18" charset="0"/>
-                            </a:rPr>
-                          </m:ctrlPr>
-                        </m:dPr>
-                        <m:e>
-                          <m:r>
-                            <a:rPr kumimoji="1" lang="en-US" altLang="ja-JP" sz="1200" i="1">
-                              <a:latin typeface="Cambria Math" panose="02040503050406030204" pitchFamily="18" charset="0"/>
-                            </a:rPr>
-                            <m:t>𝑓</m:t>
-                          </m:r>
-                          <m:d>
-                            <m:dPr>
-                              <m:ctrlPr>
-                                <a:rPr kumimoji="1" lang="en-US" altLang="ja-JP" sz="1200" i="1">
-                                  <a:latin typeface="Cambria Math" panose="02040503050406030204" pitchFamily="18" charset="0"/>
-                                </a:rPr>
-                              </m:ctrlPr>
-                            </m:dPr>
-                            <m:e>
-                              <m:r>
-                                <a:rPr kumimoji="1" lang="en-US" altLang="ja-JP" sz="1200" i="1">
-                                  <a:latin typeface="Cambria Math" panose="02040503050406030204" pitchFamily="18" charset="0"/>
-                                </a:rPr>
-                                <m:t>𝑠</m:t>
-                              </m:r>
-                            </m:e>
-                          </m:d>
-                          <m:r>
-                            <a:rPr kumimoji="1" lang="en-US" altLang="ja-JP" sz="1200" i="1">
-                              <a:latin typeface="Cambria Math" panose="02040503050406030204" pitchFamily="18" charset="0"/>
-                            </a:rPr>
-                            <m:t>+</m:t>
-                          </m:r>
-                          <m:r>
-                            <a:rPr kumimoji="1" lang="en-US" altLang="ja-JP" sz="1200" i="1">
-                              <a:latin typeface="Cambria Math" panose="02040503050406030204" pitchFamily="18" charset="0"/>
-                            </a:rPr>
-                            <m:t>𝑔</m:t>
-                          </m:r>
-                          <m:d>
-                            <m:dPr>
-                              <m:ctrlPr>
-                                <a:rPr kumimoji="1" lang="en-US" altLang="ja-JP" sz="1200" i="1">
-                                  <a:latin typeface="Cambria Math" panose="02040503050406030204" pitchFamily="18" charset="0"/>
-                                </a:rPr>
-                              </m:ctrlPr>
-                            </m:dPr>
-                            <m:e>
-                              <m:r>
-                                <a:rPr kumimoji="1" lang="en-US" altLang="ja-JP" sz="1200" i="1">
-                                  <a:latin typeface="Cambria Math" panose="02040503050406030204" pitchFamily="18" charset="0"/>
-                                </a:rPr>
-                                <m:t>𝑠</m:t>
-                              </m:r>
-                            </m:e>
-                          </m:d>
-                          <m:r>
-                            <a:rPr kumimoji="1" lang="en-US" altLang="ja-JP" sz="1200" i="1">
-                              <a:latin typeface="Cambria Math" panose="02040503050406030204" pitchFamily="18" charset="0"/>
-                            </a:rPr>
-                            <m:t>𝑎</m:t>
-                          </m:r>
-                        </m:e>
-                      </m:d>
-                      <m:r>
-                        <a:rPr kumimoji="1" lang="en-US" altLang="ja-JP" sz="1200" i="1">
-                          <a:latin typeface="Cambria Math" panose="02040503050406030204" pitchFamily="18" charset="0"/>
-                          <a:ea typeface="Cambria Math" panose="02040503050406030204" pitchFamily="18" charset="0"/>
-                        </a:rPr>
-                        <m:t>+</m:t>
-                      </m:r>
-                      <m:r>
-                        <a:rPr kumimoji="1" lang="en-US" altLang="ja-JP" sz="1200" i="1">
-                          <a:latin typeface="Cambria Math" panose="02040503050406030204" pitchFamily="18" charset="0"/>
-                          <a:ea typeface="Cambria Math" panose="02040503050406030204" pitchFamily="18" charset="0"/>
-                        </a:rPr>
-                        <m:t>𝛾</m:t>
-                      </m:r>
-                      <m:r>
-                        <a:rPr kumimoji="1" lang="en-US" altLang="ja-JP" sz="1200" i="1">
-                          <a:latin typeface="Cambria Math" panose="02040503050406030204" pitchFamily="18" charset="0"/>
-                          <a:ea typeface="Cambria Math" panose="02040503050406030204" pitchFamily="18" charset="0"/>
-                        </a:rPr>
-                        <m:t>h</m:t>
-                      </m:r>
-                      <m:d>
-                        <m:dPr>
-                          <m:ctrlPr>
-                            <a:rPr kumimoji="1" lang="en-US" altLang="ja-JP" sz="1200" i="1">
-                              <a:latin typeface="Cambria Math" panose="02040503050406030204" pitchFamily="18" charset="0"/>
-                              <a:ea typeface="Cambria Math" panose="02040503050406030204" pitchFamily="18" charset="0"/>
-                            </a:rPr>
-                          </m:ctrlPr>
-                        </m:dPr>
-                        <m:e>
-                          <m:r>
-                            <a:rPr kumimoji="1" lang="en-US" altLang="ja-JP" sz="1200" i="1">
-                              <a:latin typeface="Cambria Math" panose="02040503050406030204" pitchFamily="18" charset="0"/>
-                              <a:ea typeface="Cambria Math" panose="02040503050406030204" pitchFamily="18" charset="0"/>
-                            </a:rPr>
-                            <m:t>𝑠</m:t>
-                          </m:r>
-                        </m:e>
-                      </m:d>
-                      <m:r>
-                        <a:rPr kumimoji="1" lang="en-US" altLang="ja-JP" sz="1200" i="1">
-                          <a:latin typeface="Cambria Math" panose="02040503050406030204" pitchFamily="18" charset="0"/>
-                          <a:ea typeface="Cambria Math" panose="02040503050406030204" pitchFamily="18" charset="0"/>
-                        </a:rPr>
-                        <m:t>≥0</m:t>
-                      </m:r>
-                      <m:r>
-                        <a:rPr kumimoji="1" lang="en-US" altLang="ja-JP" sz="1200" b="0" i="1" smtClean="0">
-                          <a:latin typeface="Cambria Math" panose="02040503050406030204" pitchFamily="18" charset="0"/>
-                          <a:ea typeface="Cambria Math" panose="02040503050406030204" pitchFamily="18" charset="0"/>
-                        </a:rPr>
-                        <m:t>}</m:t>
-                      </m:r>
-                    </m:oMath>
-                  </m:oMathPara>
-                </a14:m>
-                <a:endParaRPr kumimoji="1" lang="ja-JP" altLang="en-US" sz="1200">
-                  <a:solidFill>
-                    <a:schemeClr val="tx1"/>
-                  </a:solidFill>
-                  <a:latin typeface="Cambria" panose="02040503050406030204" pitchFamily="18" charset="0"/>
-                </a:endParaRPr>
-              </a:p>
-            </p:txBody>
-          </p:sp>
-        </mc:Choice>
-        <mc:Fallback>
-          <p:sp>
-            <p:nvSpPr>
-              <p:cNvPr id="8" name="テキスト ボックス 7">
-                <a:extLst>
-                  <a:ext uri="{FF2B5EF4-FFF2-40B4-BE49-F238E27FC236}">
-                    <a16:creationId xmlns:a16="http://schemas.microsoft.com/office/drawing/2014/main" id="{2C3C8788-B103-E845-B84C-55FCB4B5CCE0}"/>
-                  </a:ext>
-                </a:extLst>
-              </p:cNvPr>
-              <p:cNvSpPr txBox="1">
-                <a:spLocks noRot="1" noChangeAspect="1" noMove="1" noResize="1" noEditPoints="1" noAdjustHandles="1" noChangeArrowheads="1" noChangeShapeType="1" noTextEdit="1"/>
-              </p:cNvSpPr>
-              <p:nvPr/>
-            </p:nvSpPr>
-            <p:spPr>
-              <a:xfrm>
-                <a:off x="4605454" y="3564632"/>
-                <a:ext cx="3352776" cy="443519"/>
-              </a:xfrm>
-              <a:prstGeom prst="rect">
-                <a:avLst/>
-              </a:prstGeom>
-              <a:blipFill>
-                <a:blip r:embed="rId4"/>
+                <a:blip r:embed="rId7"/>
                 <a:stretch>
                   <a:fillRect/>
                 </a:stretch>
@@ -5402,404 +5292,10 @@
           </p:sp>
         </mc:Fallback>
       </mc:AlternateContent>
-      <mc:AlternateContent xmlns:mc="http://schemas.openxmlformats.org/markup-compatibility/2006">
-        <mc:Choice xmlns:a14="http://schemas.microsoft.com/office/drawing/2010/main" Requires="a14">
-          <p:sp>
-            <p:nvSpPr>
-              <p:cNvPr id="9" name="テキスト ボックス 8">
-                <a:extLst>
-                  <a:ext uri="{FF2B5EF4-FFF2-40B4-BE49-F238E27FC236}">
-                    <a16:creationId xmlns:a16="http://schemas.microsoft.com/office/drawing/2014/main" id="{FE2C4438-0390-8E4F-AE0B-CDB6197799BC}"/>
-                  </a:ext>
-                </a:extLst>
-              </p:cNvPr>
-              <p:cNvSpPr txBox="1"/>
-              <p:nvPr/>
-            </p:nvSpPr>
-            <p:spPr>
-              <a:xfrm>
-                <a:off x="4605454" y="4079234"/>
-                <a:ext cx="3476656" cy="457561"/>
-              </a:xfrm>
-              <a:prstGeom prst="rect">
-                <a:avLst/>
-              </a:prstGeom>
-              <a:noFill/>
-            </p:spPr>
-            <p:txBody>
-              <a:bodyPr wrap="none" rtlCol="0">
-                <a:spAutoFit/>
-              </a:bodyPr>
-              <a:lstStyle/>
-              <a:p>
-                <a14:m>
-                  <m:oMathPara xmlns:m="http://schemas.openxmlformats.org/officeDocument/2006/math">
-                    <m:oMathParaPr>
-                      <m:jc m:val="centerGroup"/>
-                    </m:oMathParaPr>
-                    <m:oMath xmlns:m="http://schemas.openxmlformats.org/officeDocument/2006/math">
-                      <m:sSub>
-                        <m:sSubPr>
-                          <m:ctrlPr>
-                            <a:rPr kumimoji="1" lang="en-US" altLang="ja-JP" sz="1200" b="0" i="1" smtClean="0">
-                              <a:latin typeface="Cambria Math" panose="02040503050406030204" pitchFamily="18" charset="0"/>
-                              <a:ea typeface="Cambria Math" panose="02040503050406030204" pitchFamily="18" charset="0"/>
-                            </a:rPr>
-                          </m:ctrlPr>
-                        </m:sSubPr>
-                        <m:e>
-                          <m:r>
-                            <m:rPr>
-                              <m:sty m:val="p"/>
-                            </m:rPr>
-                            <a:rPr kumimoji="1" lang="el-GR" altLang="ja-JP" sz="1200" b="0" i="1" smtClean="0">
-                              <a:latin typeface="Cambria Math" panose="02040503050406030204" pitchFamily="18" charset="0"/>
-                              <a:ea typeface="Cambria Math" panose="02040503050406030204" pitchFamily="18" charset="0"/>
-                            </a:rPr>
-                            <m:t>Π</m:t>
-                          </m:r>
-                        </m:e>
-                        <m:sub>
-                          <m:r>
-                            <a:rPr kumimoji="1" lang="en-US" altLang="ja-JP" sz="1200" b="0" i="1" smtClean="0">
-                              <a:latin typeface="Cambria Math" panose="02040503050406030204" pitchFamily="18" charset="0"/>
-                              <a:ea typeface="Cambria Math" panose="02040503050406030204" pitchFamily="18" charset="0"/>
-                            </a:rPr>
-                            <m:t>𝑠𝑎𝑓𝑒</m:t>
-                          </m:r>
-                        </m:sub>
-                      </m:sSub>
-                      <m:r>
-                        <a:rPr kumimoji="1" lang="en-US" altLang="ja-JP" sz="1200" b="0" i="1" smtClean="0">
-                          <a:latin typeface="Cambria Math" panose="02040503050406030204" pitchFamily="18" charset="0"/>
-                          <a:ea typeface="Cambria Math" panose="02040503050406030204" pitchFamily="18" charset="0"/>
-                        </a:rPr>
-                        <m:t>=</m:t>
-                      </m:r>
-                      <m:d>
-                        <m:dPr>
-                          <m:begChr m:val="{"/>
-                          <m:endChr m:val="|"/>
-                          <m:ctrlPr>
-                            <a:rPr kumimoji="1" lang="en-US" altLang="ja-JP" sz="1200" b="0" i="1" smtClean="0">
-                              <a:latin typeface="Cambria Math" panose="02040503050406030204" pitchFamily="18" charset="0"/>
-                              <a:ea typeface="Cambria Math" panose="02040503050406030204" pitchFamily="18" charset="0"/>
-                            </a:rPr>
-                          </m:ctrlPr>
-                        </m:dPr>
-                        <m:e>
-                          <m:r>
-                            <a:rPr kumimoji="1" lang="en-US" altLang="ja-JP" sz="1200" b="0" i="1" smtClean="0">
-                              <a:latin typeface="Cambria Math" panose="02040503050406030204" pitchFamily="18" charset="0"/>
-                              <a:ea typeface="Cambria Math" panose="02040503050406030204" pitchFamily="18" charset="0"/>
-                            </a:rPr>
-                            <m:t>𝜋</m:t>
-                          </m:r>
-                          <m:r>
-                            <a:rPr kumimoji="1" lang="en-US" altLang="ja-JP" sz="1200" b="0" i="1" smtClean="0">
-                              <a:latin typeface="Cambria Math" panose="02040503050406030204" pitchFamily="18" charset="0"/>
-                              <a:ea typeface="Cambria Math" panose="02040503050406030204" pitchFamily="18" charset="0"/>
-                            </a:rPr>
-                            <m:t>∈</m:t>
-                          </m:r>
-                          <m:r>
-                            <m:rPr>
-                              <m:sty m:val="p"/>
-                            </m:rPr>
-                            <a:rPr kumimoji="1" lang="el-GR" altLang="ja-JP" sz="1200" i="1">
-                              <a:latin typeface="Cambria Math" panose="02040503050406030204" pitchFamily="18" charset="0"/>
-                              <a:ea typeface="Cambria Math" panose="02040503050406030204" pitchFamily="18" charset="0"/>
-                            </a:rPr>
-                            <m:t>Π</m:t>
-                          </m:r>
-                          <m:r>
-                            <a:rPr kumimoji="1" lang="en-US" altLang="ja-JP" sz="1200" b="0" i="1" smtClean="0">
-                              <a:latin typeface="Cambria Math" panose="02040503050406030204" pitchFamily="18" charset="0"/>
-                              <a:ea typeface="Cambria Math" panose="02040503050406030204" pitchFamily="18" charset="0"/>
-                            </a:rPr>
-                            <m:t> </m:t>
-                          </m:r>
-                        </m:e>
-                      </m:d>
-                      <m:r>
-                        <a:rPr kumimoji="1" lang="en-US" altLang="ja-JP" sz="1200" b="0" i="1" smtClean="0">
-                          <a:latin typeface="Cambria Math" panose="02040503050406030204" pitchFamily="18" charset="0"/>
-                          <a:ea typeface="Cambria Math" panose="02040503050406030204" pitchFamily="18" charset="0"/>
-                        </a:rPr>
-                        <m:t> </m:t>
-                      </m:r>
-                      <m:nary>
-                        <m:naryPr>
-                          <m:chr m:val="∑"/>
-                          <m:limLoc m:val="subSup"/>
-                          <m:supHide m:val="on"/>
-                          <m:ctrlPr>
-                            <a:rPr kumimoji="1" lang="en-US" altLang="ja-JP" sz="1200" b="0" i="1" smtClean="0">
-                              <a:latin typeface="Cambria Math" panose="02040503050406030204" pitchFamily="18" charset="0"/>
-                              <a:ea typeface="Cambria Math" panose="02040503050406030204" pitchFamily="18" charset="0"/>
-                            </a:rPr>
-                          </m:ctrlPr>
-                        </m:naryPr>
-                        <m:sub>
-                          <m:r>
-                            <m:rPr>
-                              <m:brk m:alnAt="9"/>
-                            </m:rPr>
-                            <a:rPr kumimoji="1" lang="en-US" altLang="ja-JP" sz="1200" b="0" i="1" smtClean="0">
-                              <a:latin typeface="Cambria Math" panose="02040503050406030204" pitchFamily="18" charset="0"/>
-                              <a:ea typeface="Cambria Math" panose="02040503050406030204" pitchFamily="18" charset="0"/>
-                            </a:rPr>
-                            <m:t>𝑎</m:t>
-                          </m:r>
-                          <m:r>
-                            <a:rPr kumimoji="1" lang="en-US" altLang="ja-JP" sz="1200" b="0" i="1" smtClean="0">
-                              <a:latin typeface="Cambria Math" panose="02040503050406030204" pitchFamily="18" charset="0"/>
-                              <a:ea typeface="Cambria Math" panose="02040503050406030204" pitchFamily="18" charset="0"/>
-                            </a:rPr>
-                            <m:t>∈</m:t>
-                          </m:r>
-                          <m:r>
-                            <a:rPr kumimoji="1" lang="en-US" altLang="ja-JP" sz="1200" b="0" i="1" smtClean="0">
-                              <a:latin typeface="Cambria Math" panose="02040503050406030204" pitchFamily="18" charset="0"/>
-                              <a:ea typeface="Cambria Math" panose="02040503050406030204" pitchFamily="18" charset="0"/>
-                            </a:rPr>
-                            <m:t>𝑈</m:t>
-                          </m:r>
-                          <m:r>
-                            <a:rPr kumimoji="1" lang="en-US" altLang="ja-JP" sz="1200" b="0" i="1" smtClean="0">
-                              <a:latin typeface="Cambria Math" panose="02040503050406030204" pitchFamily="18" charset="0"/>
-                              <a:ea typeface="Cambria Math" panose="02040503050406030204" pitchFamily="18" charset="0"/>
-                            </a:rPr>
-                            <m:t>(</m:t>
-                          </m:r>
-                          <m:r>
-                            <a:rPr kumimoji="1" lang="en-US" altLang="ja-JP" sz="1200" b="0" i="1" smtClean="0">
-                              <a:latin typeface="Cambria Math" panose="02040503050406030204" pitchFamily="18" charset="0"/>
-                              <a:ea typeface="Cambria Math" panose="02040503050406030204" pitchFamily="18" charset="0"/>
-                            </a:rPr>
-                            <m:t>𝑠</m:t>
-                          </m:r>
-                          <m:r>
-                            <a:rPr kumimoji="1" lang="en-US" altLang="ja-JP" sz="1200" b="0" i="1" smtClean="0">
-                              <a:latin typeface="Cambria Math" panose="02040503050406030204" pitchFamily="18" charset="0"/>
-                              <a:ea typeface="Cambria Math" panose="02040503050406030204" pitchFamily="18" charset="0"/>
-                            </a:rPr>
-                            <m:t>)</m:t>
-                          </m:r>
-                        </m:sub>
-                        <m:sup/>
-                        <m:e>
-                          <m:r>
-                            <a:rPr kumimoji="1" lang="en-US" altLang="ja-JP" sz="1200" b="0" i="1" smtClean="0">
-                              <a:latin typeface="Cambria Math" panose="02040503050406030204" pitchFamily="18" charset="0"/>
-                              <a:ea typeface="Cambria Math" panose="02040503050406030204" pitchFamily="18" charset="0"/>
-                            </a:rPr>
-                            <m:t>𝜋</m:t>
-                          </m:r>
-                          <m:r>
-                            <a:rPr kumimoji="1" lang="en-US" altLang="ja-JP" sz="1200" b="0" i="1" smtClean="0">
-                              <a:latin typeface="Cambria Math" panose="02040503050406030204" pitchFamily="18" charset="0"/>
-                              <a:ea typeface="Cambria Math" panose="02040503050406030204" pitchFamily="18" charset="0"/>
-                            </a:rPr>
-                            <m:t>(</m:t>
-                          </m:r>
-                          <m:r>
-                            <a:rPr kumimoji="1" lang="en-US" altLang="ja-JP" sz="1200" b="0" i="1" smtClean="0">
-                              <a:latin typeface="Cambria Math" panose="02040503050406030204" pitchFamily="18" charset="0"/>
-                              <a:ea typeface="Cambria Math" panose="02040503050406030204" pitchFamily="18" charset="0"/>
-                            </a:rPr>
-                            <m:t>𝑎</m:t>
-                          </m:r>
-                          <m:r>
-                            <a:rPr kumimoji="1" lang="en-US" altLang="ja-JP" sz="1200" b="0" i="1" smtClean="0">
-                              <a:latin typeface="Cambria Math" panose="02040503050406030204" pitchFamily="18" charset="0"/>
-                              <a:ea typeface="Cambria Math" panose="02040503050406030204" pitchFamily="18" charset="0"/>
-                            </a:rPr>
-                            <m:t>|</m:t>
-                          </m:r>
-                          <m:r>
-                            <a:rPr kumimoji="1" lang="en-US" altLang="ja-JP" sz="1200" b="0" i="1" smtClean="0">
-                              <a:latin typeface="Cambria Math" panose="02040503050406030204" pitchFamily="18" charset="0"/>
-                              <a:ea typeface="Cambria Math" panose="02040503050406030204" pitchFamily="18" charset="0"/>
-                            </a:rPr>
-                            <m:t>𝑠</m:t>
-                          </m:r>
-                          <m:r>
-                            <a:rPr kumimoji="1" lang="en-US" altLang="ja-JP" sz="1200" b="0" i="1" smtClean="0">
-                              <a:latin typeface="Cambria Math" panose="02040503050406030204" pitchFamily="18" charset="0"/>
-                              <a:ea typeface="Cambria Math" panose="02040503050406030204" pitchFamily="18" charset="0"/>
-                            </a:rPr>
-                            <m:t>)</m:t>
-                          </m:r>
-                        </m:e>
-                      </m:nary>
-                      <m:r>
-                        <a:rPr kumimoji="1" lang="en-US" altLang="ja-JP" sz="1200" b="0" i="1" smtClean="0">
-                          <a:latin typeface="Cambria Math" panose="02040503050406030204" pitchFamily="18" charset="0"/>
-                          <a:ea typeface="Cambria Math" panose="02040503050406030204" pitchFamily="18" charset="0"/>
-                        </a:rPr>
-                        <m:t>=1, ∀</m:t>
-                      </m:r>
-                      <m:r>
-                        <a:rPr kumimoji="1" lang="en-US" altLang="ja-JP" sz="1200" b="0" i="1" smtClean="0">
-                          <a:latin typeface="Cambria Math" panose="02040503050406030204" pitchFamily="18" charset="0"/>
-                          <a:ea typeface="Cambria Math" panose="02040503050406030204" pitchFamily="18" charset="0"/>
-                        </a:rPr>
-                        <m:t>𝑠</m:t>
-                      </m:r>
-                      <m:r>
-                        <a:rPr kumimoji="1" lang="en-US" altLang="ja-JP" sz="1200" b="0" i="1" smtClean="0">
-                          <a:latin typeface="Cambria Math" panose="02040503050406030204" pitchFamily="18" charset="0"/>
-                          <a:ea typeface="Cambria Math" panose="02040503050406030204" pitchFamily="18" charset="0"/>
-                        </a:rPr>
-                        <m:t>∈</m:t>
-                      </m:r>
-                      <m:sSub>
-                        <m:sSubPr>
-                          <m:ctrlPr>
-                            <a:rPr kumimoji="1" lang="en-US" altLang="ja-JP" sz="1200" i="1">
-                              <a:latin typeface="Cambria Math" panose="02040503050406030204" pitchFamily="18" charset="0"/>
-                            </a:rPr>
-                          </m:ctrlPr>
-                        </m:sSubPr>
-                        <m:e>
-                          <m:r>
-                            <a:rPr kumimoji="1" lang="en-US" altLang="ja-JP" sz="1200" i="1">
-                              <a:latin typeface="Cambria Math" panose="02040503050406030204" pitchFamily="18" charset="0"/>
-                            </a:rPr>
-                            <m:t>𝑆</m:t>
-                          </m:r>
-                        </m:e>
-                        <m:sub>
-                          <m:r>
-                            <a:rPr kumimoji="1" lang="en-US" altLang="ja-JP" sz="1200" i="1">
-                              <a:latin typeface="Cambria Math" panose="02040503050406030204" pitchFamily="18" charset="0"/>
-                            </a:rPr>
-                            <m:t>𝑠𝑎𝑓𝑒</m:t>
-                          </m:r>
-                        </m:sub>
-                      </m:sSub>
-                      <m:r>
-                        <a:rPr kumimoji="1" lang="en-US" altLang="ja-JP" sz="1200" b="0" i="1" smtClean="0">
-                          <a:latin typeface="Cambria Math" panose="02040503050406030204" pitchFamily="18" charset="0"/>
-                          <a:ea typeface="Cambria Math" panose="02040503050406030204" pitchFamily="18" charset="0"/>
-                        </a:rPr>
-                        <m:t>}</m:t>
-                      </m:r>
-                    </m:oMath>
-                  </m:oMathPara>
-                </a14:m>
-                <a:endParaRPr kumimoji="1" lang="ja-JP" altLang="en-US" sz="1200">
-                  <a:solidFill>
-                    <a:schemeClr val="tx1"/>
-                  </a:solidFill>
-                  <a:latin typeface="Cambria" panose="02040503050406030204" pitchFamily="18" charset="0"/>
-                </a:endParaRPr>
-              </a:p>
-            </p:txBody>
-          </p:sp>
-        </mc:Choice>
-        <mc:Fallback>
-          <p:sp>
-            <p:nvSpPr>
-              <p:cNvPr id="9" name="テキスト ボックス 8">
-                <a:extLst>
-                  <a:ext uri="{FF2B5EF4-FFF2-40B4-BE49-F238E27FC236}">
-                    <a16:creationId xmlns:a16="http://schemas.microsoft.com/office/drawing/2014/main" id="{FE2C4438-0390-8E4F-AE0B-CDB6197799BC}"/>
-                  </a:ext>
-                </a:extLst>
-              </p:cNvPr>
-              <p:cNvSpPr txBox="1">
-                <a:spLocks noRot="1" noChangeAspect="1" noMove="1" noResize="1" noEditPoints="1" noAdjustHandles="1" noChangeArrowheads="1" noChangeShapeType="1" noTextEdit="1"/>
-              </p:cNvSpPr>
-              <p:nvPr/>
-            </p:nvSpPr>
-            <p:spPr>
-              <a:xfrm>
-                <a:off x="4605454" y="4079234"/>
-                <a:ext cx="3476656" cy="457561"/>
-              </a:xfrm>
-              <a:prstGeom prst="rect">
-                <a:avLst/>
-              </a:prstGeom>
-              <a:blipFill>
-                <a:blip r:embed="rId5"/>
-                <a:stretch>
-                  <a:fillRect t="-137838" b="-200000"/>
-                </a:stretch>
-              </a:blipFill>
-            </p:spPr>
-            <p:txBody>
-              <a:bodyPr/>
-              <a:lstStyle/>
-              <a:p>
-                <a:r>
-                  <a:rPr lang="ja-JP" altLang="en-US">
-                    <a:noFill/>
-                  </a:rPr>
-                  <a:t> </a:t>
-                </a:r>
-              </a:p>
-            </p:txBody>
-          </p:sp>
-        </mc:Fallback>
-      </mc:AlternateContent>
-      <p:sp>
-        <p:nvSpPr>
-          <p:cNvPr id="13" name="角丸四角形吹き出し 12">
-            <a:extLst>
-              <a:ext uri="{FF2B5EF4-FFF2-40B4-BE49-F238E27FC236}">
-                <a16:creationId xmlns:a16="http://schemas.microsoft.com/office/drawing/2014/main" id="{481C4883-40CB-7D44-B6C9-46B1809962B7}"/>
-              </a:ext>
-            </a:extLst>
-          </p:cNvPr>
-          <p:cNvSpPr/>
-          <p:nvPr/>
-        </p:nvSpPr>
-        <p:spPr>
-          <a:xfrm>
-            <a:off x="4482789" y="3538212"/>
-            <a:ext cx="3655076" cy="1042655"/>
-          </a:xfrm>
-          <a:prstGeom prst="wedgeRoundRectCallout">
-            <a:avLst>
-              <a:gd name="adj1" fmla="val -15649"/>
-              <a:gd name="adj2" fmla="val -58926"/>
-              <a:gd name="adj3" fmla="val 16667"/>
-            </a:avLst>
-          </a:prstGeom>
-          <a:noFill/>
-          <a:ln w="19050"/>
-        </p:spPr>
-        <p:style>
-          <a:lnRef idx="2">
-            <a:schemeClr val="accent1">
-              <a:shade val="50000"/>
-            </a:schemeClr>
-          </a:lnRef>
-          <a:fillRef idx="1">
-            <a:schemeClr val="accent1"/>
-          </a:fillRef>
-          <a:effectRef idx="0">
-            <a:schemeClr val="accent1"/>
-          </a:effectRef>
-          <a:fontRef idx="minor">
-            <a:schemeClr val="lt1"/>
-          </a:fontRef>
-        </p:style>
-        <p:txBody>
-          <a:bodyPr rtlCol="0" anchor="ctr"/>
-          <a:lstStyle/>
-          <a:p>
-            <a:pPr algn="ctr"/>
-            <a:endParaRPr kumimoji="1" lang="ja-JP" altLang="en-US"/>
-          </a:p>
-        </p:txBody>
-      </p:sp>
     </p:spTree>
     <p:extLst>
       <p:ext uri="{BB962C8B-B14F-4D97-AF65-F5344CB8AC3E}">
-        <p14:creationId xmlns:p14="http://schemas.microsoft.com/office/powerpoint/2010/main" val="1814484812"/>
+        <p14:creationId xmlns:p14="http://schemas.microsoft.com/office/powerpoint/2010/main" val="3812837834"/>
       </p:ext>
     </p:extLst>
   </p:cSld>
@@ -5833,7 +5329,7 @@
               <p:cNvPr id="2" name="コンテンツ プレースホルダー 1">
                 <a:extLst>
                   <a:ext uri="{FF2B5EF4-FFF2-40B4-BE49-F238E27FC236}">
-                    <a16:creationId xmlns:a16="http://schemas.microsoft.com/office/drawing/2014/main" id="{702ED280-1688-1043-A9BE-ACC5B27DC34F}"/>
+                    <a16:creationId xmlns:a16="http://schemas.microsoft.com/office/drawing/2014/main" id="{191B1619-4040-2247-8BD2-C1A67AB62744}"/>
                   </a:ext>
                 </a:extLst>
               </p:cNvPr>
@@ -5850,26 +5346,22 @@
               <a:lstStyle/>
               <a:p>
                 <a:r>
-                  <a:rPr lang="en-US" altLang="ja-JP" dirty="0"/>
-                  <a:t>What is that for?</a:t>
+                  <a:rPr kumimoji="1" lang="en-US" altLang="ja-JP" dirty="0"/>
+                  <a:t>Reinforcement learning for optimal self-triggered control </a:t>
                 </a:r>
-              </a:p>
-              <a:p>
-                <a:pPr lvl="1"/>
                 <a14:m>
                   <m:oMath xmlns:m="http://schemas.openxmlformats.org/officeDocument/2006/math">
                     <m:sSup>
                       <m:sSupPr>
                         <m:ctrlPr>
-                          <a:rPr lang="en-US" altLang="ja-JP" i="1">
+                          <a:rPr kumimoji="1" lang="en-US" altLang="ja-JP" i="1" smtClean="0">
                             <a:latin typeface="Cambria Math" panose="02040503050406030204" pitchFamily="18" charset="0"/>
-                            <a:ea typeface="Cambria Math" panose="02040503050406030204" pitchFamily="18" charset="0"/>
                           </a:rPr>
                         </m:ctrlPr>
                       </m:sSupPr>
                       <m:e>
                         <m:r>
-                          <a:rPr lang="en-US" altLang="ja-JP" i="1">
+                          <a:rPr kumimoji="1" lang="en-US" altLang="ja-JP" i="1" smtClean="0">
                             <a:latin typeface="Cambria Math" panose="02040503050406030204" pitchFamily="18" charset="0"/>
                             <a:ea typeface="Cambria Math" panose="02040503050406030204" pitchFamily="18" charset="0"/>
                           </a:rPr>
@@ -5878,522 +5370,144 @@
                       </m:e>
                       <m:sup>
                         <m:r>
-                          <a:rPr lang="en-US" altLang="ja-JP" i="1">
+                          <a:rPr kumimoji="1" lang="en-US" altLang="ja-JP" b="0" i="1" smtClean="0">
                             <a:latin typeface="Cambria Math" panose="02040503050406030204" pitchFamily="18" charset="0"/>
-                            <a:ea typeface="Cambria Math" panose="02040503050406030204" pitchFamily="18" charset="0"/>
                           </a:rPr>
                           <m:t>∗</m:t>
                         </m:r>
                       </m:sup>
                     </m:sSup>
+                  </m:oMath>
+                </a14:m>
+                <a:endParaRPr kumimoji="1" lang="en-US" altLang="ja-JP" dirty="0"/>
+              </a:p>
+              <a:p>
+                <a:endParaRPr lang="en-US" altLang="ja-JP" dirty="0"/>
+              </a:p>
+              <a:p>
+                <a:endParaRPr kumimoji="1" lang="en-US" altLang="ja-JP" dirty="0"/>
+              </a:p>
+              <a:p>
+                <a:endParaRPr lang="en-US" altLang="ja-JP" dirty="0"/>
+              </a:p>
+              <a:p>
+                <a:endParaRPr kumimoji="1" lang="en-US" altLang="ja-JP" dirty="0"/>
+              </a:p>
+              <a:p>
+                <a:endParaRPr lang="en-US" altLang="ja-JP" dirty="0"/>
+              </a:p>
+              <a:p>
+                <a:endParaRPr kumimoji="1" lang="en-US" altLang="ja-JP" dirty="0"/>
+              </a:p>
+              <a:p>
+                <a:endParaRPr lang="en-US" altLang="ja-JP" dirty="0"/>
+              </a:p>
+              <a:p>
+                <a:pPr lvl="1"/>
+                <a:endParaRPr kumimoji="1" lang="en-US" altLang="ja-JP" dirty="0"/>
+              </a:p>
+              <a:p>
+                <a:pPr lvl="1"/>
+                <a:r>
+                  <a:rPr kumimoji="1" lang="en-US" altLang="ja-JP" dirty="0"/>
+                  <a:t>Assume every </a:t>
+                </a:r>
+                <a:r>
+                  <a:rPr kumimoji="1" lang="en-US" altLang="ja-JP" i="1" dirty="0" err="1"/>
+                  <a:t>i-th</a:t>
+                </a:r>
+                <a:r>
+                  <a:rPr kumimoji="1" lang="en-US" altLang="ja-JP" dirty="0"/>
+                  <a:t> step’s access to data tuple </a:t>
+                </a:r>
+                <a14:m>
+                  <m:oMath xmlns:m="http://schemas.openxmlformats.org/officeDocument/2006/math">
                     <m:r>
-                      <a:rPr lang="en-US" altLang="ja-JP" i="1">
+                      <a:rPr kumimoji="1" lang="en-US" altLang="ja-JP" b="0" i="1" smtClean="0">
                         <a:latin typeface="Cambria Math" panose="02040503050406030204" pitchFamily="18" charset="0"/>
-                        <a:ea typeface="Cambria Math" panose="02040503050406030204" pitchFamily="18" charset="0"/>
                       </a:rPr>
-                      <m:t>=</m:t>
+                      <m:t>(</m:t>
                     </m:r>
                     <m:sSub>
                       <m:sSubPr>
                         <m:ctrlPr>
-                          <a:rPr lang="en-US" altLang="ja-JP" i="1">
+                          <a:rPr kumimoji="1" lang="en-US" altLang="ja-JP" b="0" i="1" smtClean="0">
                             <a:latin typeface="Cambria Math" panose="02040503050406030204" pitchFamily="18" charset="0"/>
                           </a:rPr>
                         </m:ctrlPr>
                       </m:sSubPr>
                       <m:e>
                         <m:r>
-                          <m:rPr>
-                            <m:sty m:val="p"/>
-                          </m:rPr>
-                          <a:rPr lang="en-US" altLang="ja-JP">
+                          <a:rPr kumimoji="1" lang="en-US" altLang="ja-JP" b="0" i="1" smtClean="0">
                             <a:latin typeface="Cambria Math" panose="02040503050406030204" pitchFamily="18" charset="0"/>
                           </a:rPr>
-                          <m:t>argmax</m:t>
+                          <m:t>𝑠</m:t>
                         </m:r>
                       </m:e>
                       <m:sub>
                         <m:r>
-                          <a:rPr lang="en-US" altLang="ja-JP" i="1">
+                          <a:rPr kumimoji="1" lang="en-US" altLang="ja-JP" b="0" i="1" smtClean="0">
+                            <a:latin typeface="Cambria Math" panose="02040503050406030204" pitchFamily="18" charset="0"/>
+                          </a:rPr>
+                          <m:t>𝑡</m:t>
+                        </m:r>
+                      </m:sub>
+                    </m:sSub>
+                    <m:r>
+                      <a:rPr kumimoji="1" lang="en-US" altLang="ja-JP" b="0" i="1" smtClean="0">
+                        <a:latin typeface="Cambria Math" panose="02040503050406030204" pitchFamily="18" charset="0"/>
+                      </a:rPr>
+                      <m:t>, </m:t>
+                    </m:r>
+                    <m:sSubSup>
+                      <m:sSubSupPr>
+                        <m:ctrlPr>
+                          <a:rPr kumimoji="1" lang="en-US" altLang="ja-JP" b="0" i="1" smtClean="0">
+                            <a:latin typeface="Cambria Math" panose="02040503050406030204" pitchFamily="18" charset="0"/>
+                          </a:rPr>
+                        </m:ctrlPr>
+                      </m:sSubSupPr>
+                      <m:e>
+                        <m:r>
+                          <a:rPr kumimoji="1" lang="en-US" altLang="ja-JP" b="0" i="1" smtClean="0">
+                            <a:latin typeface="Cambria Math" panose="02040503050406030204" pitchFamily="18" charset="0"/>
+                          </a:rPr>
+                          <m:t>𝑟</m:t>
+                        </m:r>
+                      </m:e>
+                      <m:sub>
+                        <m:r>
+                          <a:rPr kumimoji="1" lang="en-US" altLang="ja-JP" b="0" i="1" smtClean="0">
+                            <a:latin typeface="Cambria Math" panose="02040503050406030204" pitchFamily="18" charset="0"/>
+                          </a:rPr>
+                          <m:t>𝑖</m:t>
+                        </m:r>
+                      </m:sub>
+                      <m:sup>
+                        <m:r>
+                          <a:rPr kumimoji="1" lang="en-US" altLang="ja-JP" b="0" i="1" smtClean="0">
                             <a:latin typeface="Cambria Math" panose="02040503050406030204" pitchFamily="18" charset="0"/>
                             <a:ea typeface="Cambria Math" panose="02040503050406030204" pitchFamily="18" charset="0"/>
                           </a:rPr>
                           <m:t>𝜋</m:t>
                         </m:r>
-                        <m:r>
-                          <a:rPr lang="en-US" altLang="ja-JP" i="1">
-                            <a:latin typeface="Cambria Math" panose="02040503050406030204" pitchFamily="18" charset="0"/>
-                            <a:ea typeface="Cambria Math" panose="02040503050406030204" pitchFamily="18" charset="0"/>
-                          </a:rPr>
-                          <m:t>∈</m:t>
-                        </m:r>
-                        <m:r>
-                          <m:rPr>
-                            <m:sty m:val="p"/>
-                          </m:rPr>
-                          <a:rPr lang="el-GR" altLang="ja-JP" i="1">
-                            <a:latin typeface="Cambria Math" panose="02040503050406030204" pitchFamily="18" charset="0"/>
-                            <a:ea typeface="Cambria Math" panose="02040503050406030204" pitchFamily="18" charset="0"/>
-                          </a:rPr>
-                          <m:t>Π</m:t>
-                        </m:r>
-                      </m:sub>
-                    </m:sSub>
-                    <m:r>
-                      <a:rPr lang="en-US" altLang="ja-JP" i="1">
-                        <a:latin typeface="Cambria Math" panose="02040503050406030204" pitchFamily="18" charset="0"/>
-                        <a:ea typeface="Cambria Math" panose="02040503050406030204" pitchFamily="18" charset="0"/>
-                      </a:rPr>
-                      <m:t> </m:t>
-                    </m:r>
-                    <m:r>
-                      <a:rPr lang="en-US" altLang="ja-JP" i="1">
-                        <a:latin typeface="Cambria Math" panose="02040503050406030204" pitchFamily="18" charset="0"/>
-                        <a:ea typeface="Cambria Math" panose="02040503050406030204" pitchFamily="18" charset="0"/>
-                      </a:rPr>
-                      <m:t>𝐽</m:t>
-                    </m:r>
-                    <m:d>
-                      <m:dPr>
-                        <m:ctrlPr>
-                          <a:rPr lang="en-US" altLang="ja-JP" i="1">
-                            <a:latin typeface="Cambria Math" panose="02040503050406030204" pitchFamily="18" charset="0"/>
-                            <a:ea typeface="Cambria Math" panose="02040503050406030204" pitchFamily="18" charset="0"/>
-                          </a:rPr>
-                        </m:ctrlPr>
-                      </m:dPr>
-                      <m:e>
-                        <m:r>
-                          <a:rPr lang="en-US" altLang="ja-JP" i="1">
-                            <a:latin typeface="Cambria Math" panose="02040503050406030204" pitchFamily="18" charset="0"/>
-                            <a:ea typeface="Cambria Math" panose="02040503050406030204" pitchFamily="18" charset="0"/>
-                          </a:rPr>
-                          <m:t>𝜋</m:t>
-                        </m:r>
-                      </m:e>
-                    </m:d>
-                  </m:oMath>
-                </a14:m>
-                <a:r>
-                  <a:rPr kumimoji="1" lang="en-US" altLang="ja-JP" dirty="0"/>
-                  <a:t> is what we really want</a:t>
-                </a:r>
-              </a:p>
-              <a:p>
-                <a:pPr lvl="2"/>
-                <a:r>
-                  <a:rPr kumimoji="1" lang="en-US" altLang="ja-JP" dirty="0"/>
-                  <a:t>This can be achieved with </a:t>
-                </a:r>
-                <a:r>
-                  <a:rPr kumimoji="1" lang="en-US" altLang="ja-JP" dirty="0">
-                    <a:solidFill>
-                      <a:schemeClr val="accent1"/>
-                    </a:solidFill>
-                  </a:rPr>
-                  <a:t>simple</a:t>
-                </a:r>
-                <a:r>
-                  <a:rPr kumimoji="1" lang="en-US" altLang="ja-JP" dirty="0"/>
-                  <a:t> RL algorithm</a:t>
-                </a:r>
-              </a:p>
-              <a:p>
-                <a:pPr lvl="2"/>
-                <a:r>
-                  <a:rPr lang="en-US" altLang="ja-JP" dirty="0"/>
-                  <a:t>But dangerous interaction is often needed (</a:t>
-                </a:r>
-                <a:r>
-                  <a:rPr lang="en-US" altLang="ja-JP" dirty="0">
-                    <a:solidFill>
-                      <a:srgbClr val="C00000"/>
-                    </a:solidFill>
-                  </a:rPr>
-                  <a:t>preferred to be avoided</a:t>
-                </a:r>
-                <a:r>
-                  <a:rPr lang="en-US" altLang="ja-JP" dirty="0"/>
-                  <a:t>) </a:t>
-                </a:r>
-              </a:p>
-              <a:p>
-                <a:pPr lvl="4"/>
-                <a:endParaRPr lang="en-US" altLang="ja-JP" dirty="0"/>
-              </a:p>
-              <a:p>
-                <a:pPr lvl="2"/>
-                <a:endParaRPr lang="en-US" altLang="ja-JP" dirty="0"/>
-              </a:p>
-              <a:p>
-                <a:pPr lvl="1"/>
-                <a:r>
-                  <a:rPr kumimoji="1" lang="en-US" altLang="ja-JP" dirty="0"/>
-                  <a:t>We compromise with </a:t>
-                </a:r>
-                <a14:m>
-                  <m:oMath xmlns:m="http://schemas.openxmlformats.org/officeDocument/2006/math">
-                    <m:sSubSup>
-                      <m:sSubSupPr>
-                        <m:ctrlPr>
-                          <a:rPr lang="en-US" altLang="ja-JP" i="1">
-                            <a:latin typeface="Cambria Math" panose="02040503050406030204" pitchFamily="18" charset="0"/>
-                            <a:ea typeface="Cambria Math" panose="02040503050406030204" pitchFamily="18" charset="0"/>
-                          </a:rPr>
-                        </m:ctrlPr>
-                      </m:sSubSupPr>
-                      <m:e>
-                        <m:r>
-                          <a:rPr lang="en-US" altLang="ja-JP" i="1">
-                            <a:latin typeface="Cambria Math" panose="02040503050406030204" pitchFamily="18" charset="0"/>
-                            <a:ea typeface="Cambria Math" panose="02040503050406030204" pitchFamily="18" charset="0"/>
-                          </a:rPr>
-                          <m:t>𝜋</m:t>
-                        </m:r>
-                      </m:e>
-                      <m:sub>
-                        <m:r>
-                          <a:rPr lang="en-US" altLang="ja-JP" i="1">
-                            <a:latin typeface="Cambria Math" panose="02040503050406030204" pitchFamily="18" charset="0"/>
-                            <a:ea typeface="Cambria Math" panose="02040503050406030204" pitchFamily="18" charset="0"/>
-                          </a:rPr>
-                          <m:t>𝑠𝑎𝑓𝑒</m:t>
-                        </m:r>
-                      </m:sub>
-                      <m:sup>
-                        <m:r>
-                          <a:rPr lang="en-US" altLang="ja-JP" i="1">
-                            <a:latin typeface="Cambria Math" panose="02040503050406030204" pitchFamily="18" charset="0"/>
-                            <a:ea typeface="Cambria Math" panose="02040503050406030204" pitchFamily="18" charset="0"/>
-                          </a:rPr>
-                          <m:t>∗</m:t>
-                        </m:r>
                       </m:sup>
                     </m:sSubSup>
                     <m:r>
-                      <a:rPr lang="en-US" altLang="ja-JP" i="1">
+                      <a:rPr kumimoji="1" lang="en-US" altLang="ja-JP" b="0" i="1" smtClean="0">
                         <a:latin typeface="Cambria Math" panose="02040503050406030204" pitchFamily="18" charset="0"/>
-                        <a:ea typeface="Cambria Math" panose="02040503050406030204" pitchFamily="18" charset="0"/>
-                      </a:rPr>
-                      <m:t>=</m:t>
-                    </m:r>
-                    <m:sSub>
-                      <m:sSubPr>
-                        <m:ctrlPr>
-                          <a:rPr lang="en-US" altLang="ja-JP" i="1">
-                            <a:latin typeface="Cambria Math" panose="02040503050406030204" pitchFamily="18" charset="0"/>
-                          </a:rPr>
-                        </m:ctrlPr>
-                      </m:sSubPr>
-                      <m:e>
-                        <m:r>
-                          <m:rPr>
-                            <m:sty m:val="p"/>
-                          </m:rPr>
-                          <a:rPr lang="en-US" altLang="ja-JP">
-                            <a:latin typeface="Cambria Math" panose="02040503050406030204" pitchFamily="18" charset="0"/>
-                          </a:rPr>
-                          <m:t>argmax</m:t>
-                        </m:r>
-                      </m:e>
-                      <m:sub>
-                        <m:r>
-                          <a:rPr lang="en-US" altLang="ja-JP" i="1">
-                            <a:latin typeface="Cambria Math" panose="02040503050406030204" pitchFamily="18" charset="0"/>
-                            <a:ea typeface="Cambria Math" panose="02040503050406030204" pitchFamily="18" charset="0"/>
-                          </a:rPr>
-                          <m:t>𝜋</m:t>
-                        </m:r>
-                        <m:r>
-                          <a:rPr lang="en-US" altLang="ja-JP" i="1">
-                            <a:latin typeface="Cambria Math" panose="02040503050406030204" pitchFamily="18" charset="0"/>
-                            <a:ea typeface="Cambria Math" panose="02040503050406030204" pitchFamily="18" charset="0"/>
-                          </a:rPr>
-                          <m:t>∈</m:t>
-                        </m:r>
-                        <m:sSub>
-                          <m:sSubPr>
-                            <m:ctrlPr>
-                              <a:rPr lang="en-US" altLang="ja-JP" i="1">
-                                <a:latin typeface="Cambria Math" panose="02040503050406030204" pitchFamily="18" charset="0"/>
-                                <a:ea typeface="Cambria Math" panose="02040503050406030204" pitchFamily="18" charset="0"/>
-                              </a:rPr>
-                            </m:ctrlPr>
-                          </m:sSubPr>
-                          <m:e>
-                            <m:r>
-                              <m:rPr>
-                                <m:sty m:val="p"/>
-                              </m:rPr>
-                              <a:rPr lang="el-GR" altLang="ja-JP" i="1">
-                                <a:latin typeface="Cambria Math" panose="02040503050406030204" pitchFamily="18" charset="0"/>
-                                <a:ea typeface="Cambria Math" panose="02040503050406030204" pitchFamily="18" charset="0"/>
-                              </a:rPr>
-                              <m:t>Π</m:t>
-                            </m:r>
-                          </m:e>
-                          <m:sub>
-                            <m:r>
-                              <a:rPr lang="en-US" altLang="ja-JP" i="1">
-                                <a:latin typeface="Cambria Math" panose="02040503050406030204" pitchFamily="18" charset="0"/>
-                                <a:ea typeface="Cambria Math" panose="02040503050406030204" pitchFamily="18" charset="0"/>
-                              </a:rPr>
-                              <m:t>𝑠𝑎𝑓𝑒</m:t>
-                            </m:r>
-                          </m:sub>
-                        </m:sSub>
-                      </m:sub>
-                    </m:sSub>
-                    <m:r>
-                      <a:rPr lang="en-US" altLang="ja-JP" i="1">
-                        <a:latin typeface="Cambria Math" panose="02040503050406030204" pitchFamily="18" charset="0"/>
-                        <a:ea typeface="Cambria Math" panose="02040503050406030204" pitchFamily="18" charset="0"/>
-                      </a:rPr>
-                      <m:t> </m:t>
-                    </m:r>
-                    <m:r>
-                      <a:rPr lang="en-US" altLang="ja-JP" i="1">
-                        <a:latin typeface="Cambria Math" panose="02040503050406030204" pitchFamily="18" charset="0"/>
-                        <a:ea typeface="Cambria Math" panose="02040503050406030204" pitchFamily="18" charset="0"/>
-                      </a:rPr>
-                      <m:t>𝐽</m:t>
-                    </m:r>
-                    <m:d>
-                      <m:dPr>
-                        <m:ctrlPr>
-                          <a:rPr lang="en-US" altLang="ja-JP" i="1">
-                            <a:latin typeface="Cambria Math" panose="02040503050406030204" pitchFamily="18" charset="0"/>
-                            <a:ea typeface="Cambria Math" panose="02040503050406030204" pitchFamily="18" charset="0"/>
-                          </a:rPr>
-                        </m:ctrlPr>
-                      </m:dPr>
-                      <m:e>
-                        <m:r>
-                          <a:rPr lang="en-US" altLang="ja-JP" i="1">
-                            <a:latin typeface="Cambria Math" panose="02040503050406030204" pitchFamily="18" charset="0"/>
-                            <a:ea typeface="Cambria Math" panose="02040503050406030204" pitchFamily="18" charset="0"/>
-                          </a:rPr>
-                          <m:t>𝜋</m:t>
-                        </m:r>
-                      </m:e>
-                    </m:d>
-                  </m:oMath>
-                </a14:m>
-                <a:r>
-                  <a:rPr kumimoji="1" lang="en-US" altLang="ja-JP" dirty="0"/>
-                  <a:t> (</a:t>
-                </a:r>
-                <a:r>
-                  <a:rPr kumimoji="1" lang="en-US" altLang="ja-JP" dirty="0">
-                    <a:solidFill>
-                      <a:schemeClr val="accent1"/>
-                    </a:solidFill>
-                  </a:rPr>
-                  <a:t>feasible</a:t>
-                </a:r>
-                <a:r>
-                  <a:rPr kumimoji="1" lang="en-US" altLang="ja-JP" dirty="0"/>
-                  <a:t> algorithm)</a:t>
-                </a:r>
-              </a:p>
-              <a:p>
-                <a:pPr lvl="2"/>
-                <a:r>
-                  <a:rPr lang="en-US" altLang="ja-JP" dirty="0"/>
-                  <a:t>If  </a:t>
-                </a:r>
-                <a14:m>
-                  <m:oMath xmlns:m="http://schemas.openxmlformats.org/officeDocument/2006/math">
-                    <m:r>
-                      <a:rPr lang="en-US" altLang="ja-JP" i="1">
-                        <a:latin typeface="Cambria Math" panose="02040503050406030204" pitchFamily="18" charset="0"/>
-                        <a:ea typeface="Cambria Math" panose="02040503050406030204" pitchFamily="18" charset="0"/>
-                      </a:rPr>
-                      <m:t>𝐽</m:t>
-                    </m:r>
-                    <m:d>
-                      <m:dPr>
-                        <m:ctrlPr>
-                          <a:rPr lang="en-US" altLang="ja-JP" i="1">
-                            <a:latin typeface="Cambria Math" panose="02040503050406030204" pitchFamily="18" charset="0"/>
-                            <a:ea typeface="Cambria Math" panose="02040503050406030204" pitchFamily="18" charset="0"/>
-                          </a:rPr>
-                        </m:ctrlPr>
-                      </m:dPr>
-                      <m:e>
-                        <m:sSup>
-                          <m:sSupPr>
-                            <m:ctrlPr>
-                              <a:rPr lang="en-US" altLang="ja-JP" i="1">
-                                <a:latin typeface="Cambria Math" panose="02040503050406030204" pitchFamily="18" charset="0"/>
-                                <a:ea typeface="Cambria Math" panose="02040503050406030204" pitchFamily="18" charset="0"/>
-                              </a:rPr>
-                            </m:ctrlPr>
-                          </m:sSupPr>
-                          <m:e>
-                            <m:r>
-                              <a:rPr lang="en-US" altLang="ja-JP" i="1">
-                                <a:latin typeface="Cambria Math" panose="02040503050406030204" pitchFamily="18" charset="0"/>
-                                <a:ea typeface="Cambria Math" panose="02040503050406030204" pitchFamily="18" charset="0"/>
-                              </a:rPr>
-                              <m:t>𝜋</m:t>
-                            </m:r>
-                          </m:e>
-                          <m:sup>
-                            <m:r>
-                              <a:rPr lang="en-US" altLang="ja-JP" i="1">
-                                <a:latin typeface="Cambria Math" panose="02040503050406030204" pitchFamily="18" charset="0"/>
-                                <a:ea typeface="Cambria Math" panose="02040503050406030204" pitchFamily="18" charset="0"/>
-                              </a:rPr>
-                              <m:t>∗</m:t>
-                            </m:r>
-                          </m:sup>
-                        </m:sSup>
-                      </m:e>
-                    </m:d>
-                    <m:r>
-                      <a:rPr lang="en-US" altLang="ja-JP" b="0" i="1" smtClean="0">
-                        <a:latin typeface="Cambria Math" panose="02040503050406030204" pitchFamily="18" charset="0"/>
-                        <a:ea typeface="Cambria Math" panose="02040503050406030204" pitchFamily="18" charset="0"/>
-                      </a:rPr>
-                      <m:t>&gt;</m:t>
-                    </m:r>
-                    <m:r>
-                      <a:rPr lang="en-US" altLang="ja-JP" i="1">
-                        <a:latin typeface="Cambria Math" panose="02040503050406030204" pitchFamily="18" charset="0"/>
-                        <a:ea typeface="Cambria Math" panose="02040503050406030204" pitchFamily="18" charset="0"/>
-                      </a:rPr>
-                      <m:t>𝐽</m:t>
-                    </m:r>
-                    <m:r>
-                      <a:rPr lang="en-US" altLang="ja-JP" i="1">
-                        <a:latin typeface="Cambria Math" panose="02040503050406030204" pitchFamily="18" charset="0"/>
-                        <a:ea typeface="Cambria Math" panose="02040503050406030204" pitchFamily="18" charset="0"/>
-                      </a:rPr>
-                      <m:t>(</m:t>
-                    </m:r>
-                    <m:sSubSup>
-                      <m:sSubSupPr>
-                        <m:ctrlPr>
-                          <a:rPr lang="en-US" altLang="ja-JP" i="1">
-                            <a:latin typeface="Cambria Math" panose="02040503050406030204" pitchFamily="18" charset="0"/>
-                            <a:ea typeface="Cambria Math" panose="02040503050406030204" pitchFamily="18" charset="0"/>
-                          </a:rPr>
-                        </m:ctrlPr>
-                      </m:sSubSupPr>
-                      <m:e>
-                        <m:r>
-                          <a:rPr lang="en-US" altLang="ja-JP" i="1">
-                            <a:latin typeface="Cambria Math" panose="02040503050406030204" pitchFamily="18" charset="0"/>
-                            <a:ea typeface="Cambria Math" panose="02040503050406030204" pitchFamily="18" charset="0"/>
-                          </a:rPr>
-                          <m:t>𝜋</m:t>
-                        </m:r>
-                      </m:e>
-                      <m:sub>
-                        <m:r>
-                          <a:rPr lang="en-US" altLang="ja-JP" i="1">
-                            <a:latin typeface="Cambria Math" panose="02040503050406030204" pitchFamily="18" charset="0"/>
-                            <a:ea typeface="Cambria Math" panose="02040503050406030204" pitchFamily="18" charset="0"/>
-                          </a:rPr>
-                          <m:t>𝑠𝑎𝑓𝑒</m:t>
-                        </m:r>
-                      </m:sub>
-                      <m:sup>
-                        <m:r>
-                          <a:rPr lang="en-US" altLang="ja-JP" i="1">
-                            <a:latin typeface="Cambria Math" panose="02040503050406030204" pitchFamily="18" charset="0"/>
-                            <a:ea typeface="Cambria Math" panose="02040503050406030204" pitchFamily="18" charset="0"/>
-                          </a:rPr>
-                          <m:t>∗</m:t>
-                        </m:r>
-                      </m:sup>
-                    </m:sSubSup>
-                    <m:r>
-                      <a:rPr lang="en-US" altLang="ja-JP" i="1">
-                        <a:latin typeface="Cambria Math" panose="02040503050406030204" pitchFamily="18" charset="0"/>
-                        <a:ea typeface="Cambria Math" panose="02040503050406030204" pitchFamily="18" charset="0"/>
                       </a:rPr>
                       <m:t>)</m:t>
                     </m:r>
                   </m:oMath>
                 </a14:m>
-                <a:r>
-                  <a:rPr kumimoji="1" lang="en-US" altLang="ja-JP" dirty="0"/>
-                  <a:t>, it is not so good</a:t>
-                </a:r>
-              </a:p>
-              <a:p>
-                <a:pPr lvl="2"/>
-                <a:endParaRPr lang="en-US" altLang="ja-JP" dirty="0"/>
-              </a:p>
-              <a:p>
-                <a:pPr lvl="1"/>
-                <a:r>
-                  <a:rPr kumimoji="1" lang="en-US" altLang="ja-JP" dirty="0"/>
-                  <a:t>If we know function class </a:t>
-                </a:r>
-                <a14:m>
-                  <m:oMath xmlns:m="http://schemas.openxmlformats.org/officeDocument/2006/math">
-                    <m:r>
-                      <a:rPr lang="en-US" altLang="ja-JP" i="1">
-                        <a:latin typeface="Cambria Math" panose="02040503050406030204" pitchFamily="18" charset="0"/>
-                      </a:rPr>
-                      <m:t>𝐶</m:t>
-                    </m:r>
-                    <m:d>
-                      <m:dPr>
-                        <m:ctrlPr>
-                          <a:rPr lang="en-US" altLang="ja-JP" i="1">
-                            <a:latin typeface="Cambria Math" panose="02040503050406030204" pitchFamily="18" charset="0"/>
-                          </a:rPr>
-                        </m:ctrlPr>
-                      </m:dPr>
-                      <m:e>
-                        <m:sSub>
-                          <m:sSubPr>
-                            <m:ctrlPr>
-                              <a:rPr lang="en-US" altLang="ja-JP" i="1">
-                                <a:latin typeface="Cambria Math" panose="02040503050406030204" pitchFamily="18" charset="0"/>
-                                <a:ea typeface="Cambria Math" panose="02040503050406030204" pitchFamily="18" charset="0"/>
-                              </a:rPr>
-                            </m:ctrlPr>
-                          </m:sSubPr>
-                          <m:e>
-                            <m:r>
-                              <m:rPr>
-                                <m:sty m:val="p"/>
-                              </m:rPr>
-                              <a:rPr lang="el-GR" altLang="ja-JP" i="1">
-                                <a:latin typeface="Cambria Math" panose="02040503050406030204" pitchFamily="18" charset="0"/>
-                                <a:ea typeface="Cambria Math" panose="02040503050406030204" pitchFamily="18" charset="0"/>
-                              </a:rPr>
-                              <m:t>Π</m:t>
-                            </m:r>
-                          </m:e>
-                          <m:sub>
-                            <m:r>
-                              <a:rPr lang="en-US" altLang="ja-JP" i="1">
-                                <a:latin typeface="Cambria Math" panose="02040503050406030204" pitchFamily="18" charset="0"/>
-                                <a:ea typeface="Cambria Math" panose="02040503050406030204" pitchFamily="18" charset="0"/>
-                              </a:rPr>
-                              <m:t>𝑠𝑎𝑓𝑒</m:t>
-                            </m:r>
-                          </m:sub>
-                        </m:sSub>
-                      </m:e>
-                    </m:d>
-                  </m:oMath>
-                </a14:m>
                 <a:endParaRPr kumimoji="1" lang="en-US" altLang="ja-JP" dirty="0"/>
               </a:p>
               <a:p>
-                <a:pPr lvl="2"/>
-                <a:r>
-                  <a:rPr lang="en-US" altLang="ja-JP" dirty="0"/>
-                  <a:t>We can decide whether we should use safe RL for considering RL tasks</a:t>
-                </a:r>
-                <a:endParaRPr kumimoji="1" lang="ja-JP" altLang="en-US"/>
+                <a:pPr marL="457200" lvl="1" indent="0">
+                  <a:buNone/>
+                </a:pPr>
+                <a:endParaRPr lang="en-US" altLang="ja-JP" dirty="0"/>
               </a:p>
             </p:txBody>
           </p:sp>
@@ -6404,7 +5518,7 @@
               <p:cNvPr id="2" name="コンテンツ プレースホルダー 1">
                 <a:extLst>
                   <a:ext uri="{FF2B5EF4-FFF2-40B4-BE49-F238E27FC236}">
-                    <a16:creationId xmlns:a16="http://schemas.microsoft.com/office/drawing/2014/main" id="{702ED280-1688-1043-A9BE-ACC5B27DC34F}"/>
+                    <a16:creationId xmlns:a16="http://schemas.microsoft.com/office/drawing/2014/main" id="{191B1619-4040-2247-8BD2-C1A67AB62744}"/>
                   </a:ext>
                 </a:extLst>
               </p:cNvPr>
@@ -6419,7 +5533,7 @@
               <a:blipFill>
                 <a:blip r:embed="rId2"/>
                 <a:stretch>
-                  <a:fillRect l="-598" t="-1266" r="-299"/>
+                  <a:fillRect l="-598" t="-1266"/>
                 </a:stretch>
               </a:blipFill>
             </p:spPr>
@@ -6443,7 +5557,7 @@
           <p:cNvPr id="3" name="日付プレースホルダー 2">
             <a:extLst>
               <a:ext uri="{FF2B5EF4-FFF2-40B4-BE49-F238E27FC236}">
-                <a16:creationId xmlns:a16="http://schemas.microsoft.com/office/drawing/2014/main" id="{4E7CA1E2-8740-CD4E-9B72-E584CF41BCEE}"/>
+                <a16:creationId xmlns:a16="http://schemas.microsoft.com/office/drawing/2014/main" id="{4A44F9F2-B28A-0441-A607-C685244CBB2F}"/>
               </a:ext>
             </a:extLst>
           </p:cNvPr>
@@ -6461,7 +5575,7 @@
           <a:p>
             <a:fld id="{90235FA2-C49A-5C4F-85BF-B1D7D24C5B31}" type="datetime1">
               <a:rPr kumimoji="1" lang="ja-JP" altLang="en-US" smtClean="0"/>
-              <a:t>2020/7/27</a:t>
+              <a:t>2020/10/5</a:t>
             </a:fld>
             <a:endParaRPr kumimoji="1" lang="ja-JP" altLang="en-US"/>
           </a:p>
@@ -6472,7 +5586,7 @@
           <p:cNvPr id="4" name="フッター プレースホルダー 3">
             <a:extLst>
               <a:ext uri="{FF2B5EF4-FFF2-40B4-BE49-F238E27FC236}">
-                <a16:creationId xmlns:a16="http://schemas.microsoft.com/office/drawing/2014/main" id="{3A6CCBF1-E9E5-154B-B56B-9D0FAA4DBDAF}"/>
+                <a16:creationId xmlns:a16="http://schemas.microsoft.com/office/drawing/2014/main" id="{9A640ED1-BE5E-8B4F-B2A8-BC66F6F82CD7}"/>
               </a:ext>
             </a:extLst>
           </p:cNvPr>
@@ -6501,7 +5615,7 @@
           <p:cNvPr id="5" name="タイトル 4">
             <a:extLst>
               <a:ext uri="{FF2B5EF4-FFF2-40B4-BE49-F238E27FC236}">
-                <a16:creationId xmlns:a16="http://schemas.microsoft.com/office/drawing/2014/main" id="{C387742E-763B-D64E-8405-420C4AE24811}"/>
+                <a16:creationId xmlns:a16="http://schemas.microsoft.com/office/drawing/2014/main" id="{DC310B20-45CE-5B4C-8B9C-F7A7C1F694EE}"/>
               </a:ext>
             </a:extLst>
           </p:cNvPr>
@@ -6525,12 +5639,1370 @@
           </a:p>
         </p:txBody>
       </p:sp>
+      <p:grpSp>
+        <p:nvGrpSpPr>
+          <p:cNvPr id="9" name="グループ化 8">
+            <a:extLst>
+              <a:ext uri="{FF2B5EF4-FFF2-40B4-BE49-F238E27FC236}">
+                <a16:creationId xmlns:a16="http://schemas.microsoft.com/office/drawing/2014/main" id="{792E26B0-CE24-9248-8700-DBF49B502BB6}"/>
+              </a:ext>
+            </a:extLst>
+          </p:cNvPr>
+          <p:cNvGrpSpPr/>
+          <p:nvPr/>
+        </p:nvGrpSpPr>
+        <p:grpSpPr>
+          <a:xfrm>
+            <a:off x="1478845" y="1806222"/>
+            <a:ext cx="4876800" cy="2596445"/>
+            <a:chOff x="1478845" y="1772355"/>
+            <a:chExt cx="4876800" cy="2596445"/>
+          </a:xfrm>
+        </p:grpSpPr>
+        <p:sp>
+          <p:nvSpPr>
+            <p:cNvPr id="7" name="角丸四角形 6">
+              <a:extLst>
+                <a:ext uri="{FF2B5EF4-FFF2-40B4-BE49-F238E27FC236}">
+                  <a16:creationId xmlns:a16="http://schemas.microsoft.com/office/drawing/2014/main" id="{9D73CED1-DE1A-4F4F-98F1-A1A12FF7CE1A}"/>
+                </a:ext>
+              </a:extLst>
+            </p:cNvPr>
+            <p:cNvSpPr/>
+            <p:nvPr/>
+          </p:nvSpPr>
+          <p:spPr>
+            <a:xfrm>
+              <a:off x="1478845" y="1772355"/>
+              <a:ext cx="4876800" cy="2596445"/>
+            </a:xfrm>
+            <a:prstGeom prst="roundRect">
+              <a:avLst/>
+            </a:prstGeom>
+            <a:solidFill>
+              <a:schemeClr val="accent6">
+                <a:lumMod val="60000"/>
+                <a:lumOff val="40000"/>
+                <a:alpha val="20000"/>
+              </a:schemeClr>
+            </a:solidFill>
+            <a:ln>
+              <a:solidFill>
+                <a:schemeClr val="accent6">
+                  <a:lumMod val="75000"/>
+                </a:schemeClr>
+              </a:solidFill>
+            </a:ln>
+          </p:spPr>
+          <p:style>
+            <a:lnRef idx="2">
+              <a:schemeClr val="accent1">
+                <a:shade val="50000"/>
+              </a:schemeClr>
+            </a:lnRef>
+            <a:fillRef idx="1">
+              <a:schemeClr val="accent1"/>
+            </a:fillRef>
+            <a:effectRef idx="0">
+              <a:schemeClr val="accent1"/>
+            </a:effectRef>
+            <a:fontRef idx="minor">
+              <a:schemeClr val="lt1"/>
+            </a:fontRef>
+          </p:style>
+          <p:txBody>
+            <a:bodyPr rtlCol="0" anchor="ctr"/>
+            <a:lstStyle/>
+            <a:p>
+              <a:pPr algn="ctr"/>
+              <a:endParaRPr kumimoji="1" lang="ja-JP" altLang="en-US"/>
+            </a:p>
+          </p:txBody>
+        </p:sp>
+        <mc:AlternateContent xmlns:mc="http://schemas.openxmlformats.org/markup-compatibility/2006">
+          <mc:Choice xmlns:a14="http://schemas.microsoft.com/office/drawing/2010/main" Requires="a14">
+            <p:sp>
+              <p:nvSpPr>
+                <p:cNvPr id="6" name="テキスト ボックス 5">
+                  <a:extLst>
+                    <a:ext uri="{FF2B5EF4-FFF2-40B4-BE49-F238E27FC236}">
+                      <a16:creationId xmlns:a16="http://schemas.microsoft.com/office/drawing/2014/main" id="{B677A305-DDE4-8F40-AA2D-BC2C77A61A9D}"/>
+                    </a:ext>
+                  </a:extLst>
+                </p:cNvPr>
+                <p:cNvSpPr txBox="1"/>
+                <p:nvPr/>
+              </p:nvSpPr>
+              <p:spPr>
+                <a:xfrm>
+                  <a:off x="1583269" y="1851377"/>
+                  <a:ext cx="4571059" cy="2428101"/>
+                </a:xfrm>
+                <a:prstGeom prst="rect">
+                  <a:avLst/>
+                </a:prstGeom>
+                <a:noFill/>
+              </p:spPr>
+              <p:txBody>
+                <a:bodyPr wrap="none" rtlCol="0">
+                  <a:spAutoFit/>
+                </a:bodyPr>
+                <a:lstStyle/>
+                <a:p>
+                  <a:pPr algn="ctr">
+                    <a:lnSpc>
+                      <a:spcPct val="150000"/>
+                    </a:lnSpc>
+                  </a:pPr>
+                  <a14:m>
+                    <m:oMathPara xmlns:m="http://schemas.openxmlformats.org/officeDocument/2006/math">
+                      <m:oMathParaPr>
+                        <m:jc m:val="centerGroup"/>
+                      </m:oMathParaPr>
+                      <m:oMath xmlns:m="http://schemas.openxmlformats.org/officeDocument/2006/math">
+                        <m:sSup>
+                          <m:sSupPr>
+                            <m:ctrlPr>
+                              <a:rPr kumimoji="1" lang="el-GR" altLang="ja-JP" i="1" smtClean="0">
+                                <a:latin typeface="Cambria Math" panose="02040503050406030204" pitchFamily="18" charset="0"/>
+                                <a:ea typeface="Cambria Math" panose="02040503050406030204" pitchFamily="18" charset="0"/>
+                              </a:rPr>
+                            </m:ctrlPr>
+                          </m:sSupPr>
+                          <m:e>
+                            <m:r>
+                              <a:rPr kumimoji="1" lang="el-GR" altLang="ja-JP" i="1" smtClean="0">
+                                <a:latin typeface="Cambria Math" panose="02040503050406030204" pitchFamily="18" charset="0"/>
+                                <a:ea typeface="Cambria Math" panose="02040503050406030204" pitchFamily="18" charset="0"/>
+                              </a:rPr>
+                              <m:t>𝜋</m:t>
+                            </m:r>
+                          </m:e>
+                          <m:sup>
+                            <m:r>
+                              <a:rPr kumimoji="1" lang="en-US" altLang="ja-JP" b="0" i="1" smtClean="0">
+                                <a:latin typeface="Cambria Math" panose="02040503050406030204" pitchFamily="18" charset="0"/>
+                                <a:ea typeface="Cambria Math" panose="02040503050406030204" pitchFamily="18" charset="0"/>
+                              </a:rPr>
+                              <m:t>∗</m:t>
+                            </m:r>
+                          </m:sup>
+                        </m:sSup>
+                        <m:d>
+                          <m:dPr>
+                            <m:ctrlPr>
+                              <a:rPr kumimoji="1" lang="en-US" altLang="ja-JP" b="0" i="1" smtClean="0">
+                                <a:latin typeface="Cambria Math" panose="02040503050406030204" pitchFamily="18" charset="0"/>
+                                <a:ea typeface="Cambria Math" panose="02040503050406030204" pitchFamily="18" charset="0"/>
+                              </a:rPr>
+                            </m:ctrlPr>
+                          </m:dPr>
+                          <m:e>
+                            <m:r>
+                              <a:rPr kumimoji="1" lang="en-US" altLang="ja-JP" b="0" i="1" smtClean="0">
+                                <a:latin typeface="Cambria Math" panose="02040503050406030204" pitchFamily="18" charset="0"/>
+                                <a:ea typeface="Cambria Math" panose="02040503050406030204" pitchFamily="18" charset="0"/>
+                              </a:rPr>
+                              <m:t>𝑠</m:t>
+                            </m:r>
+                          </m:e>
+                        </m:d>
+                        <m:r>
+                          <a:rPr kumimoji="1" lang="en-US" altLang="ja-JP" b="0" i="1" smtClean="0">
+                            <a:latin typeface="Cambria Math" panose="02040503050406030204" pitchFamily="18" charset="0"/>
+                            <a:ea typeface="Cambria Math" panose="02040503050406030204" pitchFamily="18" charset="0"/>
+                          </a:rPr>
+                          <m:t>=</m:t>
+                        </m:r>
+                        <m:sSub>
+                          <m:sSubPr>
+                            <m:ctrlPr>
+                              <a:rPr kumimoji="1" lang="en-US" altLang="ja-JP" b="0" i="1" smtClean="0">
+                                <a:latin typeface="Cambria Math" panose="02040503050406030204" pitchFamily="18" charset="0"/>
+                                <a:ea typeface="Cambria Math" panose="02040503050406030204" pitchFamily="18" charset="0"/>
+                              </a:rPr>
+                            </m:ctrlPr>
+                          </m:sSubPr>
+                          <m:e>
+                            <m:r>
+                              <m:rPr>
+                                <m:sty m:val="p"/>
+                              </m:rPr>
+                              <a:rPr kumimoji="1" lang="en-US" altLang="ja-JP">
+                                <a:latin typeface="Cambria Math" panose="02040503050406030204" pitchFamily="18" charset="0"/>
+                                <a:ea typeface="Cambria Math" panose="02040503050406030204" pitchFamily="18" charset="0"/>
+                              </a:rPr>
+                              <m:t>argmax</m:t>
+                            </m:r>
+                          </m:e>
+                          <m:sub>
+                            <m:r>
+                              <a:rPr kumimoji="1" lang="en-US" altLang="ja-JP" b="0" i="1" smtClean="0">
+                                <a:latin typeface="Cambria Math" panose="02040503050406030204" pitchFamily="18" charset="0"/>
+                                <a:ea typeface="Cambria Math" panose="02040503050406030204" pitchFamily="18" charset="0"/>
+                              </a:rPr>
+                              <m:t>𝜋</m:t>
+                            </m:r>
+                          </m:sub>
+                        </m:sSub>
+                        <m:r>
+                          <a:rPr kumimoji="1" lang="en-US" altLang="ja-JP" b="0" i="1" smtClean="0">
+                            <a:latin typeface="Cambria Math" panose="02040503050406030204" pitchFamily="18" charset="0"/>
+                            <a:ea typeface="Cambria Math" panose="02040503050406030204" pitchFamily="18" charset="0"/>
+                          </a:rPr>
+                          <m:t> </m:t>
+                        </m:r>
+                        <m:r>
+                          <a:rPr kumimoji="1" lang="en-US" altLang="ja-JP" b="0" i="1" smtClean="0">
+                            <a:latin typeface="Cambria Math" panose="02040503050406030204" pitchFamily="18" charset="0"/>
+                            <a:ea typeface="Cambria Math" panose="02040503050406030204" pitchFamily="18" charset="0"/>
+                          </a:rPr>
+                          <m:t>𝐽</m:t>
+                        </m:r>
+                        <m:d>
+                          <m:dPr>
+                            <m:ctrlPr>
+                              <a:rPr kumimoji="1" lang="en-US" altLang="ja-JP" b="0" i="1" smtClean="0">
+                                <a:latin typeface="Cambria Math" panose="02040503050406030204" pitchFamily="18" charset="0"/>
+                                <a:ea typeface="Cambria Math" panose="02040503050406030204" pitchFamily="18" charset="0"/>
+                              </a:rPr>
+                            </m:ctrlPr>
+                          </m:dPr>
+                          <m:e>
+                            <m:r>
+                              <a:rPr kumimoji="1" lang="en-US" altLang="ja-JP" b="0" i="1" smtClean="0">
+                                <a:latin typeface="Cambria Math" panose="02040503050406030204" pitchFamily="18" charset="0"/>
+                                <a:ea typeface="Cambria Math" panose="02040503050406030204" pitchFamily="18" charset="0"/>
+                              </a:rPr>
+                              <m:t>𝜋</m:t>
+                            </m:r>
+                          </m:e>
+                        </m:d>
+                      </m:oMath>
+                    </m:oMathPara>
+                  </a14:m>
+                  <a:endParaRPr kumimoji="1" lang="en-US" altLang="ja-JP" b="0" dirty="0">
+                    <a:ea typeface="Cambria Math" panose="02040503050406030204" pitchFamily="18" charset="0"/>
+                  </a:endParaRPr>
+                </a:p>
+                <a:p>
+                  <a:pPr algn="ctr">
+                    <a:lnSpc>
+                      <a:spcPct val="150000"/>
+                    </a:lnSpc>
+                  </a:pPr>
+                  <a:endParaRPr kumimoji="1" lang="en-US" altLang="ja-JP" b="0" dirty="0">
+                    <a:ea typeface="Cambria Math" panose="02040503050406030204" pitchFamily="18" charset="0"/>
+                  </a:endParaRPr>
+                </a:p>
+                <a:p>
+                  <a:pPr algn="ctr"/>
+                  <a14:m>
+                    <m:oMathPara xmlns:m="http://schemas.openxmlformats.org/officeDocument/2006/math">
+                      <m:oMathParaPr>
+                        <m:jc m:val="centerGroup"/>
+                      </m:oMathParaPr>
+                      <m:oMath xmlns:m="http://schemas.openxmlformats.org/officeDocument/2006/math">
+                        <m:r>
+                          <a:rPr kumimoji="1" lang="en-US" altLang="ja-JP" b="0" i="1" smtClean="0">
+                            <a:latin typeface="Cambria Math" panose="02040503050406030204" pitchFamily="18" charset="0"/>
+                          </a:rPr>
+                          <m:t>𝐽</m:t>
+                        </m:r>
+                        <m:d>
+                          <m:dPr>
+                            <m:ctrlPr>
+                              <a:rPr kumimoji="1" lang="en-US" altLang="ja-JP" b="0" i="1" smtClean="0">
+                                <a:latin typeface="Cambria Math" panose="02040503050406030204" pitchFamily="18" charset="0"/>
+                              </a:rPr>
+                            </m:ctrlPr>
+                          </m:dPr>
+                          <m:e>
+                            <m:r>
+                              <a:rPr kumimoji="1" lang="en-US" altLang="ja-JP" b="0" i="1" smtClean="0">
+                                <a:latin typeface="Cambria Math" panose="02040503050406030204" pitchFamily="18" charset="0"/>
+                                <a:ea typeface="Cambria Math" panose="02040503050406030204" pitchFamily="18" charset="0"/>
+                              </a:rPr>
+                              <m:t>𝜋</m:t>
+                            </m:r>
+                          </m:e>
+                        </m:d>
+                        <m:r>
+                          <a:rPr kumimoji="1" lang="en-US" altLang="ja-JP" b="0" i="1" smtClean="0">
+                            <a:latin typeface="Cambria Math" panose="02040503050406030204" pitchFamily="18" charset="0"/>
+                          </a:rPr>
+                          <m:t>=</m:t>
+                        </m:r>
+                        <m:sSub>
+                          <m:sSubPr>
+                            <m:ctrlPr>
+                              <a:rPr kumimoji="1" lang="en-US" altLang="ja-JP" b="0" i="1" smtClean="0">
+                                <a:latin typeface="Cambria Math" panose="02040503050406030204" pitchFamily="18" charset="0"/>
+                                <a:ea typeface="Cambria Math" panose="02040503050406030204" pitchFamily="18" charset="0"/>
+                              </a:rPr>
+                            </m:ctrlPr>
+                          </m:sSubPr>
+                          <m:e>
+                            <m:r>
+                              <a:rPr kumimoji="1" lang="en-US" altLang="ja-JP" i="1">
+                                <a:latin typeface="Cambria Math" panose="02040503050406030204" pitchFamily="18" charset="0"/>
+                                <a:ea typeface="Cambria Math" panose="02040503050406030204" pitchFamily="18" charset="0"/>
+                              </a:rPr>
+                              <m:t>𝔼</m:t>
+                            </m:r>
+                          </m:e>
+                          <m:sub>
+                            <m:sSub>
+                              <m:sSubPr>
+                                <m:ctrlPr>
+                                  <a:rPr kumimoji="1" lang="en-US" altLang="ja-JP" b="0" i="1" smtClean="0">
+                                    <a:latin typeface="Cambria Math" panose="02040503050406030204" pitchFamily="18" charset="0"/>
+                                    <a:ea typeface="Cambria Math" panose="02040503050406030204" pitchFamily="18" charset="0"/>
+                                  </a:rPr>
+                                </m:ctrlPr>
+                              </m:sSubPr>
+                              <m:e>
+                                <m:r>
+                                  <a:rPr kumimoji="1" lang="en-US" altLang="ja-JP" b="0" i="1" smtClean="0">
+                                    <a:latin typeface="Cambria Math" panose="02040503050406030204" pitchFamily="18" charset="0"/>
+                                    <a:ea typeface="Cambria Math" panose="02040503050406030204" pitchFamily="18" charset="0"/>
+                                  </a:rPr>
+                                  <m:t>𝑠</m:t>
+                                </m:r>
+                              </m:e>
+                              <m:sub>
+                                <m:r>
+                                  <a:rPr kumimoji="1" lang="en-US" altLang="ja-JP" b="0" i="1" smtClean="0">
+                                    <a:latin typeface="Cambria Math" panose="02040503050406030204" pitchFamily="18" charset="0"/>
+                                    <a:ea typeface="Cambria Math" panose="02040503050406030204" pitchFamily="18" charset="0"/>
+                                  </a:rPr>
+                                  <m:t>0</m:t>
+                                </m:r>
+                              </m:sub>
+                            </m:sSub>
+                          </m:sub>
+                        </m:sSub>
+                        <m:r>
+                          <a:rPr kumimoji="1" lang="en-US" altLang="ja-JP" b="0" i="1" smtClean="0">
+                            <a:latin typeface="Cambria Math" panose="02040503050406030204" pitchFamily="18" charset="0"/>
+                            <a:ea typeface="Cambria Math" panose="02040503050406030204" pitchFamily="18" charset="0"/>
+                          </a:rPr>
+                          <m:t>[</m:t>
+                        </m:r>
+                        <m:sSup>
+                          <m:sSupPr>
+                            <m:ctrlPr>
+                              <a:rPr kumimoji="1" lang="en-US" altLang="ja-JP" b="0" i="1" smtClean="0">
+                                <a:latin typeface="Cambria Math" panose="02040503050406030204" pitchFamily="18" charset="0"/>
+                                <a:ea typeface="Cambria Math" panose="02040503050406030204" pitchFamily="18" charset="0"/>
+                              </a:rPr>
+                            </m:ctrlPr>
+                          </m:sSupPr>
+                          <m:e>
+                            <m:r>
+                              <a:rPr kumimoji="1" lang="en-US" altLang="ja-JP" b="0" i="1" smtClean="0">
+                                <a:latin typeface="Cambria Math" panose="02040503050406030204" pitchFamily="18" charset="0"/>
+                                <a:ea typeface="Cambria Math" panose="02040503050406030204" pitchFamily="18" charset="0"/>
+                              </a:rPr>
+                              <m:t>𝑉</m:t>
+                            </m:r>
+                          </m:e>
+                          <m:sup>
+                            <m:r>
+                              <a:rPr kumimoji="1" lang="en-US" altLang="ja-JP" b="0" i="1" smtClean="0">
+                                <a:latin typeface="Cambria Math" panose="02040503050406030204" pitchFamily="18" charset="0"/>
+                                <a:ea typeface="Cambria Math" panose="02040503050406030204" pitchFamily="18" charset="0"/>
+                              </a:rPr>
+                              <m:t>𝜋</m:t>
+                            </m:r>
+                          </m:sup>
+                        </m:sSup>
+                        <m:r>
+                          <a:rPr kumimoji="1" lang="en-US" altLang="ja-JP" b="0" i="1" smtClean="0">
+                            <a:latin typeface="Cambria Math" panose="02040503050406030204" pitchFamily="18" charset="0"/>
+                            <a:ea typeface="Cambria Math" panose="02040503050406030204" pitchFamily="18" charset="0"/>
+                          </a:rPr>
+                          <m:t>(</m:t>
+                        </m:r>
+                        <m:sSub>
+                          <m:sSubPr>
+                            <m:ctrlPr>
+                              <a:rPr kumimoji="1" lang="en-US" altLang="ja-JP" b="0" i="1" smtClean="0">
+                                <a:latin typeface="Cambria Math" panose="02040503050406030204" pitchFamily="18" charset="0"/>
+                                <a:ea typeface="Cambria Math" panose="02040503050406030204" pitchFamily="18" charset="0"/>
+                              </a:rPr>
+                            </m:ctrlPr>
+                          </m:sSubPr>
+                          <m:e>
+                            <m:r>
+                              <a:rPr kumimoji="1" lang="en-US" altLang="ja-JP" b="0" i="1" smtClean="0">
+                                <a:latin typeface="Cambria Math" panose="02040503050406030204" pitchFamily="18" charset="0"/>
+                                <a:ea typeface="Cambria Math" panose="02040503050406030204" pitchFamily="18" charset="0"/>
+                              </a:rPr>
+                              <m:t>𝑠</m:t>
+                            </m:r>
+                          </m:e>
+                          <m:sub>
+                            <m:r>
+                              <a:rPr kumimoji="1" lang="en-US" altLang="ja-JP" b="0" i="1" smtClean="0">
+                                <a:latin typeface="Cambria Math" panose="02040503050406030204" pitchFamily="18" charset="0"/>
+                                <a:ea typeface="Cambria Math" panose="02040503050406030204" pitchFamily="18" charset="0"/>
+                              </a:rPr>
+                              <m:t>0</m:t>
+                            </m:r>
+                          </m:sub>
+                        </m:sSub>
+                        <m:r>
+                          <a:rPr kumimoji="1" lang="en-US" altLang="ja-JP" b="0" i="1" smtClean="0">
+                            <a:latin typeface="Cambria Math" panose="02040503050406030204" pitchFamily="18" charset="0"/>
+                            <a:ea typeface="Cambria Math" panose="02040503050406030204" pitchFamily="18" charset="0"/>
+                          </a:rPr>
+                          <m:t>)]</m:t>
+                        </m:r>
+                      </m:oMath>
+                    </m:oMathPara>
+                  </a14:m>
+                  <a:endParaRPr kumimoji="1" lang="en-US" altLang="ja-JP" dirty="0"/>
+                </a:p>
+                <a:p>
+                  <a:pPr algn="ctr"/>
+                  <a14:m>
+                    <m:oMathPara xmlns:m="http://schemas.openxmlformats.org/officeDocument/2006/math">
+                      <m:oMathParaPr>
+                        <m:jc m:val="centerGroup"/>
+                      </m:oMathParaPr>
+                      <m:oMath xmlns:m="http://schemas.openxmlformats.org/officeDocument/2006/math">
+                        <m:sSup>
+                          <m:sSupPr>
+                            <m:ctrlPr>
+                              <a:rPr kumimoji="1" lang="en-US" altLang="ja-JP" i="1">
+                                <a:latin typeface="Cambria Math" panose="02040503050406030204" pitchFamily="18" charset="0"/>
+                                <a:ea typeface="Cambria Math" panose="02040503050406030204" pitchFamily="18" charset="0"/>
+                              </a:rPr>
+                            </m:ctrlPr>
+                          </m:sSupPr>
+                          <m:e>
+                            <m:r>
+                              <a:rPr kumimoji="1" lang="en-US" altLang="ja-JP" i="1">
+                                <a:latin typeface="Cambria Math" panose="02040503050406030204" pitchFamily="18" charset="0"/>
+                                <a:ea typeface="Cambria Math" panose="02040503050406030204" pitchFamily="18" charset="0"/>
+                              </a:rPr>
+                              <m:t>𝑉</m:t>
+                            </m:r>
+                          </m:e>
+                          <m:sup>
+                            <m:r>
+                              <a:rPr kumimoji="1" lang="en-US" altLang="ja-JP" i="1">
+                                <a:latin typeface="Cambria Math" panose="02040503050406030204" pitchFamily="18" charset="0"/>
+                                <a:ea typeface="Cambria Math" panose="02040503050406030204" pitchFamily="18" charset="0"/>
+                              </a:rPr>
+                              <m:t>𝜋</m:t>
+                            </m:r>
+                          </m:sup>
+                        </m:sSup>
+                        <m:d>
+                          <m:dPr>
+                            <m:ctrlPr>
+                              <a:rPr kumimoji="1" lang="en-US" altLang="ja-JP" b="0" i="1" smtClean="0">
+                                <a:latin typeface="Cambria Math" panose="02040503050406030204" pitchFamily="18" charset="0"/>
+                                <a:ea typeface="Cambria Math" panose="02040503050406030204" pitchFamily="18" charset="0"/>
+                              </a:rPr>
+                            </m:ctrlPr>
+                          </m:dPr>
+                          <m:e>
+                            <m:r>
+                              <a:rPr kumimoji="1" lang="en-US" altLang="ja-JP" b="0" i="1" smtClean="0">
+                                <a:latin typeface="Cambria Math" panose="02040503050406030204" pitchFamily="18" charset="0"/>
+                                <a:ea typeface="Cambria Math" panose="02040503050406030204" pitchFamily="18" charset="0"/>
+                              </a:rPr>
+                              <m:t>𝑠</m:t>
+                            </m:r>
+                          </m:e>
+                        </m:d>
+                        <m:r>
+                          <a:rPr kumimoji="1" lang="en-US" altLang="ja-JP" b="0" i="1" smtClean="0">
+                            <a:latin typeface="Cambria Math" panose="02040503050406030204" pitchFamily="18" charset="0"/>
+                            <a:ea typeface="Cambria Math" panose="02040503050406030204" pitchFamily="18" charset="0"/>
+                          </a:rPr>
+                          <m:t>=</m:t>
+                        </m:r>
+                        <m:nary>
+                          <m:naryPr>
+                            <m:chr m:val="∑"/>
+                            <m:limLoc m:val="subSup"/>
+                            <m:ctrlPr>
+                              <a:rPr kumimoji="1" lang="en-US" altLang="ja-JP" b="0" i="1" smtClean="0">
+                                <a:latin typeface="Cambria Math" panose="02040503050406030204" pitchFamily="18" charset="0"/>
+                                <a:ea typeface="Cambria Math" panose="02040503050406030204" pitchFamily="18" charset="0"/>
+                              </a:rPr>
+                            </m:ctrlPr>
+                          </m:naryPr>
+                          <m:sub>
+                            <m:r>
+                              <m:rPr>
+                                <m:brk m:alnAt="25"/>
+                              </m:rPr>
+                              <a:rPr kumimoji="1" lang="en-US" altLang="ja-JP" b="0" i="1" smtClean="0">
+                                <a:latin typeface="Cambria Math" panose="02040503050406030204" pitchFamily="18" charset="0"/>
+                                <a:ea typeface="Cambria Math" panose="02040503050406030204" pitchFamily="18" charset="0"/>
+                              </a:rPr>
+                              <m:t>𝑖</m:t>
+                            </m:r>
+                            <m:r>
+                              <a:rPr kumimoji="1" lang="en-US" altLang="ja-JP" b="0" i="1" smtClean="0">
+                                <a:latin typeface="Cambria Math" panose="02040503050406030204" pitchFamily="18" charset="0"/>
+                                <a:ea typeface="Cambria Math" panose="02040503050406030204" pitchFamily="18" charset="0"/>
+                              </a:rPr>
+                              <m:t>=0</m:t>
+                            </m:r>
+                          </m:sub>
+                          <m:sup>
+                            <m:r>
+                              <a:rPr kumimoji="1" lang="en-US" altLang="ja-JP" b="0" i="1" smtClean="0">
+                                <a:latin typeface="Cambria Math" panose="02040503050406030204" pitchFamily="18" charset="0"/>
+                                <a:ea typeface="Cambria Math" panose="02040503050406030204" pitchFamily="18" charset="0"/>
+                              </a:rPr>
+                              <m:t>∞</m:t>
+                            </m:r>
+                          </m:sup>
+                          <m:e>
+                            <m:sSup>
+                              <m:sSupPr>
+                                <m:ctrlPr>
+                                  <a:rPr kumimoji="1" lang="en-US" altLang="ja-JP" b="0" i="1" smtClean="0">
+                                    <a:latin typeface="Cambria Math" panose="02040503050406030204" pitchFamily="18" charset="0"/>
+                                    <a:ea typeface="Cambria Math" panose="02040503050406030204" pitchFamily="18" charset="0"/>
+                                  </a:rPr>
+                                </m:ctrlPr>
+                              </m:sSupPr>
+                              <m:e>
+                                <m:r>
+                                  <a:rPr kumimoji="1" lang="en-US" altLang="ja-JP" b="0" i="1" smtClean="0">
+                                    <a:latin typeface="Cambria Math" panose="02040503050406030204" pitchFamily="18" charset="0"/>
+                                    <a:ea typeface="Cambria Math" panose="02040503050406030204" pitchFamily="18" charset="0"/>
+                                  </a:rPr>
+                                  <m:t>𝛾</m:t>
+                                </m:r>
+                              </m:e>
+                              <m:sup>
+                                <m:r>
+                                  <a:rPr kumimoji="1" lang="en-US" altLang="ja-JP" b="0" i="1" smtClean="0">
+                                    <a:latin typeface="Cambria Math" panose="02040503050406030204" pitchFamily="18" charset="0"/>
+                                    <a:ea typeface="Cambria Math" panose="02040503050406030204" pitchFamily="18" charset="0"/>
+                                  </a:rPr>
+                                  <m:t>𝑖</m:t>
+                                </m:r>
+                              </m:sup>
+                            </m:sSup>
+                            <m:sSubSup>
+                              <m:sSubSupPr>
+                                <m:ctrlPr>
+                                  <a:rPr kumimoji="1" lang="en-US" altLang="ja-JP" b="0" i="1" smtClean="0">
+                                    <a:latin typeface="Cambria Math" panose="02040503050406030204" pitchFamily="18" charset="0"/>
+                                    <a:ea typeface="Cambria Math" panose="02040503050406030204" pitchFamily="18" charset="0"/>
+                                  </a:rPr>
+                                </m:ctrlPr>
+                              </m:sSubSupPr>
+                              <m:e>
+                                <m:r>
+                                  <a:rPr kumimoji="1" lang="en-US" altLang="ja-JP" b="0" i="1" smtClean="0">
+                                    <a:latin typeface="Cambria Math" panose="02040503050406030204" pitchFamily="18" charset="0"/>
+                                    <a:ea typeface="Cambria Math" panose="02040503050406030204" pitchFamily="18" charset="0"/>
+                                  </a:rPr>
+                                  <m:t>𝑟</m:t>
+                                </m:r>
+                              </m:e>
+                              <m:sub>
+                                <m:r>
+                                  <a:rPr kumimoji="1" lang="en-US" altLang="ja-JP" b="0" i="1" smtClean="0">
+                                    <a:latin typeface="Cambria Math" panose="02040503050406030204" pitchFamily="18" charset="0"/>
+                                    <a:ea typeface="Cambria Math" panose="02040503050406030204" pitchFamily="18" charset="0"/>
+                                  </a:rPr>
+                                  <m:t>𝑖</m:t>
+                                </m:r>
+                              </m:sub>
+                              <m:sup>
+                                <m:r>
+                                  <a:rPr kumimoji="1" lang="en-US" altLang="ja-JP" b="0" i="1" smtClean="0">
+                                    <a:latin typeface="Cambria Math" panose="02040503050406030204" pitchFamily="18" charset="0"/>
+                                    <a:ea typeface="Cambria Math" panose="02040503050406030204" pitchFamily="18" charset="0"/>
+                                  </a:rPr>
+                                  <m:t>𝜋</m:t>
+                                </m:r>
+                              </m:sup>
+                            </m:sSubSup>
+                          </m:e>
+                        </m:nary>
+                      </m:oMath>
+                    </m:oMathPara>
+                  </a14:m>
+                  <a:endParaRPr kumimoji="1" lang="en-US" altLang="ja-JP" dirty="0"/>
+                </a:p>
+                <a:p>
+                  <a:pPr algn="ctr"/>
+                  <a14:m>
+                    <m:oMathPara xmlns:m="http://schemas.openxmlformats.org/officeDocument/2006/math">
+                      <m:oMathParaPr>
+                        <m:jc m:val="centerGroup"/>
+                      </m:oMathParaPr>
+                      <m:oMath xmlns:m="http://schemas.openxmlformats.org/officeDocument/2006/math">
+                        <m:sSubSup>
+                          <m:sSubSupPr>
+                            <m:ctrlPr>
+                              <a:rPr kumimoji="1" lang="en-US" altLang="ja-JP" i="1" smtClean="0">
+                                <a:latin typeface="Cambria Math" panose="02040503050406030204" pitchFamily="18" charset="0"/>
+                                <a:ea typeface="Cambria Math" panose="02040503050406030204" pitchFamily="18" charset="0"/>
+                              </a:rPr>
+                            </m:ctrlPr>
+                          </m:sSubSupPr>
+                          <m:e>
+                            <m:r>
+                              <a:rPr kumimoji="1" lang="en-US" altLang="ja-JP" b="0" i="1" smtClean="0">
+                                <a:latin typeface="Cambria Math" panose="02040503050406030204" pitchFamily="18" charset="0"/>
+                                <a:ea typeface="Cambria Math" panose="02040503050406030204" pitchFamily="18" charset="0"/>
+                              </a:rPr>
+                              <m:t>𝑟</m:t>
+                            </m:r>
+                          </m:e>
+                          <m:sub>
+                            <m:r>
+                              <a:rPr kumimoji="1" lang="en-US" altLang="ja-JP" i="1">
+                                <a:latin typeface="Cambria Math" panose="02040503050406030204" pitchFamily="18" charset="0"/>
+                                <a:ea typeface="Cambria Math" panose="02040503050406030204" pitchFamily="18" charset="0"/>
+                              </a:rPr>
+                              <m:t>𝑖</m:t>
+                            </m:r>
+                          </m:sub>
+                          <m:sup>
+                            <m:r>
+                              <a:rPr kumimoji="1" lang="en-US" altLang="ja-JP" i="1">
+                                <a:latin typeface="Cambria Math" panose="02040503050406030204" pitchFamily="18" charset="0"/>
+                                <a:ea typeface="Cambria Math" panose="02040503050406030204" pitchFamily="18" charset="0"/>
+                              </a:rPr>
+                              <m:t>𝜋</m:t>
+                            </m:r>
+                          </m:sup>
+                        </m:sSubSup>
+                        <m:r>
+                          <a:rPr kumimoji="1" lang="en-US" altLang="ja-JP" b="0" i="1" smtClean="0">
+                            <a:latin typeface="Cambria Math" panose="02040503050406030204" pitchFamily="18" charset="0"/>
+                            <a:ea typeface="Cambria Math" panose="02040503050406030204" pitchFamily="18" charset="0"/>
+                          </a:rPr>
+                          <m:t>=−</m:t>
+                        </m:r>
+                        <m:nary>
+                          <m:naryPr>
+                            <m:ctrlPr>
+                              <a:rPr kumimoji="1" lang="en-US" altLang="ja-JP" b="0" i="1" smtClean="0">
+                                <a:latin typeface="Cambria Math" panose="02040503050406030204" pitchFamily="18" charset="0"/>
+                                <a:ea typeface="Cambria Math" panose="02040503050406030204" pitchFamily="18" charset="0"/>
+                              </a:rPr>
+                            </m:ctrlPr>
+                          </m:naryPr>
+                          <m:sub>
+                            <m:sSub>
+                              <m:sSubPr>
+                                <m:ctrlPr>
+                                  <a:rPr kumimoji="1" lang="en-US" altLang="ja-JP" b="0" i="1" smtClean="0">
+                                    <a:latin typeface="Cambria Math" panose="02040503050406030204" pitchFamily="18" charset="0"/>
+                                    <a:ea typeface="Cambria Math" panose="02040503050406030204" pitchFamily="18" charset="0"/>
+                                  </a:rPr>
+                                </m:ctrlPr>
+                              </m:sSubPr>
+                              <m:e>
+                                <m:r>
+                                  <a:rPr kumimoji="1" lang="en-US" altLang="ja-JP" b="0" i="1" smtClean="0">
+                                    <a:latin typeface="Cambria Math" panose="02040503050406030204" pitchFamily="18" charset="0"/>
+                                    <a:ea typeface="Cambria Math" panose="02040503050406030204" pitchFamily="18" charset="0"/>
+                                  </a:rPr>
+                                  <m:t>𝑇</m:t>
+                                </m:r>
+                              </m:e>
+                              <m:sub>
+                                <m:r>
+                                  <a:rPr kumimoji="1" lang="en-US" altLang="ja-JP" b="0" i="1" smtClean="0">
+                                    <a:latin typeface="Cambria Math" panose="02040503050406030204" pitchFamily="18" charset="0"/>
+                                    <a:ea typeface="Cambria Math" panose="02040503050406030204" pitchFamily="18" charset="0"/>
+                                  </a:rPr>
+                                  <m:t>𝑖</m:t>
+                                </m:r>
+                              </m:sub>
+                            </m:sSub>
+                          </m:sub>
+                          <m:sup>
+                            <m:sSub>
+                              <m:sSubPr>
+                                <m:ctrlPr>
+                                  <a:rPr kumimoji="1" lang="en-US" altLang="ja-JP" b="0" i="1" smtClean="0">
+                                    <a:latin typeface="Cambria Math" panose="02040503050406030204" pitchFamily="18" charset="0"/>
+                                    <a:ea typeface="Cambria Math" panose="02040503050406030204" pitchFamily="18" charset="0"/>
+                                  </a:rPr>
+                                </m:ctrlPr>
+                              </m:sSubPr>
+                              <m:e>
+                                <m:r>
+                                  <a:rPr kumimoji="1" lang="en-US" altLang="ja-JP" b="0" i="1" smtClean="0">
+                                    <a:latin typeface="Cambria Math" panose="02040503050406030204" pitchFamily="18" charset="0"/>
+                                    <a:ea typeface="Cambria Math" panose="02040503050406030204" pitchFamily="18" charset="0"/>
+                                  </a:rPr>
+                                  <m:t>𝑇</m:t>
+                                </m:r>
+                              </m:e>
+                              <m:sub>
+                                <m:r>
+                                  <a:rPr kumimoji="1" lang="en-US" altLang="ja-JP" b="0" i="1" smtClean="0">
+                                    <a:latin typeface="Cambria Math" panose="02040503050406030204" pitchFamily="18" charset="0"/>
+                                    <a:ea typeface="Cambria Math" panose="02040503050406030204" pitchFamily="18" charset="0"/>
+                                  </a:rPr>
+                                  <m:t>𝑖</m:t>
+                                </m:r>
+                                <m:r>
+                                  <a:rPr kumimoji="1" lang="en-US" altLang="ja-JP" b="0" i="1" smtClean="0">
+                                    <a:latin typeface="Cambria Math" panose="02040503050406030204" pitchFamily="18" charset="0"/>
+                                    <a:ea typeface="Cambria Math" panose="02040503050406030204" pitchFamily="18" charset="0"/>
+                                  </a:rPr>
+                                  <m:t>+1</m:t>
+                                </m:r>
+                              </m:sub>
+                            </m:sSub>
+                          </m:sup>
+                          <m:e>
+                            <m:sSup>
+                              <m:sSupPr>
+                                <m:ctrlPr>
+                                  <a:rPr kumimoji="1" lang="en-US" altLang="ja-JP" b="0" i="1" smtClean="0">
+                                    <a:latin typeface="Cambria Math" panose="02040503050406030204" pitchFamily="18" charset="0"/>
+                                    <a:ea typeface="Cambria Math" panose="02040503050406030204" pitchFamily="18" charset="0"/>
+                                  </a:rPr>
+                                </m:ctrlPr>
+                              </m:sSupPr>
+                              <m:e>
+                                <m:r>
+                                  <a:rPr kumimoji="1" lang="en-US" altLang="ja-JP" i="1">
+                                    <a:latin typeface="Cambria Math" panose="02040503050406030204" pitchFamily="18" charset="0"/>
+                                    <a:ea typeface="Cambria Math" panose="02040503050406030204" pitchFamily="18" charset="0"/>
+                                  </a:rPr>
+                                  <m:t>𝑠</m:t>
+                                </m:r>
+                                <m:d>
+                                  <m:dPr>
+                                    <m:ctrlPr>
+                                      <a:rPr kumimoji="1" lang="en-US" altLang="ja-JP" i="1">
+                                        <a:latin typeface="Cambria Math" panose="02040503050406030204" pitchFamily="18" charset="0"/>
+                                        <a:ea typeface="Cambria Math" panose="02040503050406030204" pitchFamily="18" charset="0"/>
+                                      </a:rPr>
+                                    </m:ctrlPr>
+                                  </m:dPr>
+                                  <m:e>
+                                    <m:r>
+                                      <a:rPr kumimoji="1" lang="en-US" altLang="ja-JP" i="1">
+                                        <a:latin typeface="Cambria Math" panose="02040503050406030204" pitchFamily="18" charset="0"/>
+                                        <a:ea typeface="Cambria Math" panose="02040503050406030204" pitchFamily="18" charset="0"/>
+                                      </a:rPr>
+                                      <m:t>𝑡</m:t>
+                                    </m:r>
+                                  </m:e>
+                                </m:d>
+                              </m:e>
+                              <m:sup>
+                                <m:r>
+                                  <a:rPr kumimoji="1" lang="en-US" altLang="ja-JP" b="0" i="1" smtClean="0">
+                                    <a:latin typeface="Cambria Math" panose="02040503050406030204" pitchFamily="18" charset="0"/>
+                                    <a:ea typeface="Cambria Math" panose="02040503050406030204" pitchFamily="18" charset="0"/>
+                                  </a:rPr>
+                                  <m:t>𝑇</m:t>
+                                </m:r>
+                              </m:sup>
+                            </m:sSup>
+                            <m:r>
+                              <a:rPr kumimoji="1" lang="en-US" altLang="ja-JP" b="0" i="1" smtClean="0">
+                                <a:latin typeface="Cambria Math" panose="02040503050406030204" pitchFamily="18" charset="0"/>
+                                <a:ea typeface="Cambria Math" panose="02040503050406030204" pitchFamily="18" charset="0"/>
+                              </a:rPr>
+                              <m:t>𝑄𝑠</m:t>
+                            </m:r>
+                            <m:d>
+                              <m:dPr>
+                                <m:ctrlPr>
+                                  <a:rPr kumimoji="1" lang="en-US" altLang="ja-JP" b="0" i="1" smtClean="0">
+                                    <a:latin typeface="Cambria Math" panose="02040503050406030204" pitchFamily="18" charset="0"/>
+                                    <a:ea typeface="Cambria Math" panose="02040503050406030204" pitchFamily="18" charset="0"/>
+                                  </a:rPr>
+                                </m:ctrlPr>
+                              </m:dPr>
+                              <m:e>
+                                <m:r>
+                                  <a:rPr kumimoji="1" lang="en-US" altLang="ja-JP" b="0" i="1" smtClean="0">
+                                    <a:latin typeface="Cambria Math" panose="02040503050406030204" pitchFamily="18" charset="0"/>
+                                    <a:ea typeface="Cambria Math" panose="02040503050406030204" pitchFamily="18" charset="0"/>
+                                  </a:rPr>
+                                  <m:t>𝑡</m:t>
+                                </m:r>
+                              </m:e>
+                            </m:d>
+                            <m:r>
+                              <a:rPr kumimoji="1" lang="en-US" altLang="ja-JP" b="0" i="1" smtClean="0">
+                                <a:latin typeface="Cambria Math" panose="02040503050406030204" pitchFamily="18" charset="0"/>
+                                <a:ea typeface="Cambria Math" panose="02040503050406030204" pitchFamily="18" charset="0"/>
+                              </a:rPr>
+                              <m:t>𝑑𝑡</m:t>
+                            </m:r>
+                          </m:e>
+                        </m:nary>
+                        <m:r>
+                          <a:rPr kumimoji="1" lang="en-US" altLang="ja-JP" b="0" i="1" smtClean="0">
+                            <a:latin typeface="Cambria Math" panose="02040503050406030204" pitchFamily="18" charset="0"/>
+                            <a:ea typeface="Cambria Math" panose="02040503050406030204" pitchFamily="18" charset="0"/>
+                          </a:rPr>
+                          <m:t>−</m:t>
+                        </m:r>
+                        <m:sSub>
+                          <m:sSubPr>
+                            <m:ctrlPr>
+                              <a:rPr kumimoji="1" lang="en-US" altLang="ja-JP" b="0" i="1" smtClean="0">
+                                <a:latin typeface="Cambria Math" panose="02040503050406030204" pitchFamily="18" charset="0"/>
+                                <a:ea typeface="Cambria Math" panose="02040503050406030204" pitchFamily="18" charset="0"/>
+                              </a:rPr>
+                            </m:ctrlPr>
+                          </m:sSubPr>
+                          <m:e>
+                            <m:r>
+                              <a:rPr kumimoji="1" lang="en-US" altLang="ja-JP" b="0" i="1" smtClean="0">
+                                <a:latin typeface="Cambria Math" panose="02040503050406030204" pitchFamily="18" charset="0"/>
+                                <a:ea typeface="Cambria Math" panose="02040503050406030204" pitchFamily="18" charset="0"/>
+                              </a:rPr>
+                              <m:t>𝜏</m:t>
+                            </m:r>
+                          </m:e>
+                          <m:sub>
+                            <m:r>
+                              <a:rPr kumimoji="1" lang="en-US" altLang="ja-JP" b="0" i="1" smtClean="0">
+                                <a:latin typeface="Cambria Math" panose="02040503050406030204" pitchFamily="18" charset="0"/>
+                                <a:ea typeface="Cambria Math" panose="02040503050406030204" pitchFamily="18" charset="0"/>
+                              </a:rPr>
+                              <m:t>𝑖</m:t>
+                            </m:r>
+                          </m:sub>
+                        </m:sSub>
+                        <m:sSubSup>
+                          <m:sSubSupPr>
+                            <m:ctrlPr>
+                              <a:rPr kumimoji="1" lang="en-US" altLang="ja-JP" b="0" i="1" smtClean="0">
+                                <a:latin typeface="Cambria Math" panose="02040503050406030204" pitchFamily="18" charset="0"/>
+                                <a:ea typeface="Cambria Math" panose="02040503050406030204" pitchFamily="18" charset="0"/>
+                              </a:rPr>
+                            </m:ctrlPr>
+                          </m:sSubSupPr>
+                          <m:e>
+                            <m:r>
+                              <a:rPr kumimoji="1" lang="en-US" altLang="ja-JP" b="0" i="1" smtClean="0">
+                                <a:latin typeface="Cambria Math" panose="02040503050406030204" pitchFamily="18" charset="0"/>
+                                <a:ea typeface="Cambria Math" panose="02040503050406030204" pitchFamily="18" charset="0"/>
+                              </a:rPr>
+                              <m:t>𝑎</m:t>
+                            </m:r>
+                          </m:e>
+                          <m:sub>
+                            <m:r>
+                              <a:rPr kumimoji="1" lang="en-US" altLang="ja-JP" b="0" i="1" smtClean="0">
+                                <a:latin typeface="Cambria Math" panose="02040503050406030204" pitchFamily="18" charset="0"/>
+                                <a:ea typeface="Cambria Math" panose="02040503050406030204" pitchFamily="18" charset="0"/>
+                              </a:rPr>
+                              <m:t>𝑖</m:t>
+                            </m:r>
+                          </m:sub>
+                          <m:sup>
+                            <m:r>
+                              <a:rPr kumimoji="1" lang="en-US" altLang="ja-JP" b="0" i="1" smtClean="0">
+                                <a:latin typeface="Cambria Math" panose="02040503050406030204" pitchFamily="18" charset="0"/>
+                                <a:ea typeface="Cambria Math" panose="02040503050406030204" pitchFamily="18" charset="0"/>
+                              </a:rPr>
+                              <m:t>𝑇</m:t>
+                            </m:r>
+                          </m:sup>
+                        </m:sSubSup>
+                        <m:r>
+                          <a:rPr kumimoji="1" lang="en-US" altLang="ja-JP" b="0" i="1" smtClean="0">
+                            <a:latin typeface="Cambria Math" panose="02040503050406030204" pitchFamily="18" charset="0"/>
+                            <a:ea typeface="Cambria Math" panose="02040503050406030204" pitchFamily="18" charset="0"/>
+                          </a:rPr>
+                          <m:t>𝑅</m:t>
+                        </m:r>
+                        <m:sSub>
+                          <m:sSubPr>
+                            <m:ctrlPr>
+                              <a:rPr kumimoji="1" lang="en-US" altLang="ja-JP" b="0" i="1" smtClean="0">
+                                <a:latin typeface="Cambria Math" panose="02040503050406030204" pitchFamily="18" charset="0"/>
+                                <a:ea typeface="Cambria Math" panose="02040503050406030204" pitchFamily="18" charset="0"/>
+                              </a:rPr>
+                            </m:ctrlPr>
+                          </m:sSubPr>
+                          <m:e>
+                            <m:r>
+                              <a:rPr kumimoji="1" lang="en-US" altLang="ja-JP" b="0" i="1" smtClean="0">
+                                <a:latin typeface="Cambria Math" panose="02040503050406030204" pitchFamily="18" charset="0"/>
+                                <a:ea typeface="Cambria Math" panose="02040503050406030204" pitchFamily="18" charset="0"/>
+                              </a:rPr>
+                              <m:t>𝑎</m:t>
+                            </m:r>
+                          </m:e>
+                          <m:sub>
+                            <m:r>
+                              <a:rPr kumimoji="1" lang="en-US" altLang="ja-JP" b="0" i="1" smtClean="0">
+                                <a:latin typeface="Cambria Math" panose="02040503050406030204" pitchFamily="18" charset="0"/>
+                                <a:ea typeface="Cambria Math" panose="02040503050406030204" pitchFamily="18" charset="0"/>
+                              </a:rPr>
+                              <m:t>𝑖</m:t>
+                            </m:r>
+                          </m:sub>
+                        </m:sSub>
+                        <m:r>
+                          <a:rPr kumimoji="1" lang="en-US" altLang="ja-JP" b="0" i="1" smtClean="0">
+                            <a:latin typeface="Cambria Math" panose="02040503050406030204" pitchFamily="18" charset="0"/>
+                            <a:ea typeface="Cambria Math" panose="02040503050406030204" pitchFamily="18" charset="0"/>
+                          </a:rPr>
+                          <m:t>+</m:t>
+                        </m:r>
+                        <m:r>
+                          <a:rPr kumimoji="1" lang="en-US" altLang="ja-JP" b="0" i="1" smtClean="0">
+                            <a:latin typeface="Cambria Math" panose="02040503050406030204" pitchFamily="18" charset="0"/>
+                            <a:ea typeface="Cambria Math" panose="02040503050406030204" pitchFamily="18" charset="0"/>
+                          </a:rPr>
+                          <m:t>𝜆</m:t>
+                        </m:r>
+                        <m:sSub>
+                          <m:sSubPr>
+                            <m:ctrlPr>
+                              <a:rPr kumimoji="1" lang="en-US" altLang="ja-JP" b="0" i="1" smtClean="0">
+                                <a:latin typeface="Cambria Math" panose="02040503050406030204" pitchFamily="18" charset="0"/>
+                                <a:ea typeface="Cambria Math" panose="02040503050406030204" pitchFamily="18" charset="0"/>
+                              </a:rPr>
+                            </m:ctrlPr>
+                          </m:sSubPr>
+                          <m:e>
+                            <m:r>
+                              <a:rPr kumimoji="1" lang="en-US" altLang="ja-JP" b="0" i="1" smtClean="0">
+                                <a:latin typeface="Cambria Math" panose="02040503050406030204" pitchFamily="18" charset="0"/>
+                                <a:ea typeface="Cambria Math" panose="02040503050406030204" pitchFamily="18" charset="0"/>
+                              </a:rPr>
+                              <m:t>𝜏</m:t>
+                            </m:r>
+                          </m:e>
+                          <m:sub>
+                            <m:r>
+                              <a:rPr kumimoji="1" lang="en-US" altLang="ja-JP" b="0" i="1" smtClean="0">
+                                <a:latin typeface="Cambria Math" panose="02040503050406030204" pitchFamily="18" charset="0"/>
+                                <a:ea typeface="Cambria Math" panose="02040503050406030204" pitchFamily="18" charset="0"/>
+                              </a:rPr>
+                              <m:t>𝑖</m:t>
+                            </m:r>
+                          </m:sub>
+                        </m:sSub>
+                      </m:oMath>
+                    </m:oMathPara>
+                  </a14:m>
+                  <a:endParaRPr kumimoji="1" lang="ja-JP" altLang="en-US"/>
+                </a:p>
+              </p:txBody>
+            </p:sp>
+          </mc:Choice>
+          <mc:Fallback>
+            <p:sp>
+              <p:nvSpPr>
+                <p:cNvPr id="6" name="テキスト ボックス 5">
+                  <a:extLst>
+                    <a:ext uri="{FF2B5EF4-FFF2-40B4-BE49-F238E27FC236}">
+                      <a16:creationId xmlns:a16="http://schemas.microsoft.com/office/drawing/2014/main" id="{B677A305-DDE4-8F40-AA2D-BC2C77A61A9D}"/>
+                    </a:ext>
+                  </a:extLst>
+                </p:cNvPr>
+                <p:cNvSpPr txBox="1">
+                  <a:spLocks noRot="1" noChangeAspect="1" noMove="1" noResize="1" noEditPoints="1" noAdjustHandles="1" noChangeArrowheads="1" noChangeShapeType="1" noTextEdit="1"/>
+                </p:cNvSpPr>
+                <p:nvPr/>
+              </p:nvSpPr>
+              <p:spPr>
+                <a:xfrm>
+                  <a:off x="1583269" y="1851377"/>
+                  <a:ext cx="4571059" cy="2428101"/>
+                </a:xfrm>
+                <a:prstGeom prst="rect">
+                  <a:avLst/>
+                </a:prstGeom>
+                <a:blipFill>
+                  <a:blip r:embed="rId3"/>
+                  <a:stretch>
+                    <a:fillRect l="-1662" b="-65285"/>
+                  </a:stretch>
+                </a:blipFill>
+              </p:spPr>
+              <p:txBody>
+                <a:bodyPr/>
+                <a:lstStyle/>
+                <a:p>
+                  <a:r>
+                    <a:rPr lang="ja-JP" altLang="en-US">
+                      <a:noFill/>
+                    </a:rPr>
+                    <a:t> </a:t>
+                  </a:r>
+                </a:p>
+              </p:txBody>
+            </p:sp>
+          </mc:Fallback>
+        </mc:AlternateContent>
+      </p:grpSp>
+    </p:spTree>
+    <p:extLst>
+      <p:ext uri="{BB962C8B-B14F-4D97-AF65-F5344CB8AC3E}">
+        <p14:creationId xmlns:p14="http://schemas.microsoft.com/office/powerpoint/2010/main" val="1389604371"/>
+      </p:ext>
+    </p:extLst>
+  </p:cSld>
+  <p:clrMapOvr>
+    <a:masterClrMapping/>
+  </p:clrMapOvr>
+</p:sld>
+</file>
+
+<file path=ppt/slides/slide3.xml><?xml version="1.0" encoding="utf-8"?>
+<p:sld xmlns:a="http://schemas.openxmlformats.org/drawingml/2006/main" xmlns:r="http://schemas.openxmlformats.org/officeDocument/2006/relationships" xmlns:p="http://schemas.openxmlformats.org/presentationml/2006/main">
+  <p:cSld>
+    <p:spTree>
+      <p:nvGrpSpPr>
+        <p:cNvPr id="1" name=""/>
+        <p:cNvGrpSpPr/>
+        <p:nvPr/>
+      </p:nvGrpSpPr>
+      <p:grpSpPr>
+        <a:xfrm>
+          <a:off x="0" y="0"/>
+          <a:ext cx="0" cy="0"/>
+          <a:chOff x="0" y="0"/>
+          <a:chExt cx="0" cy="0"/>
+        </a:xfrm>
+      </p:grpSpPr>
+      <mc:AlternateContent xmlns:mc="http://schemas.openxmlformats.org/markup-compatibility/2006">
+        <mc:Choice xmlns:a14="http://schemas.microsoft.com/office/drawing/2010/main" Requires="a14">
+          <p:sp>
+            <p:nvSpPr>
+              <p:cNvPr id="2" name="コンテンツ プレースホルダー 1">
+                <a:extLst>
+                  <a:ext uri="{FF2B5EF4-FFF2-40B4-BE49-F238E27FC236}">
+                    <a16:creationId xmlns:a16="http://schemas.microsoft.com/office/drawing/2014/main" id="{0208EC81-5A07-B141-9B02-16FFF0C2D62E}"/>
+                  </a:ext>
+                </a:extLst>
+              </p:cNvPr>
+              <p:cNvSpPr>
+                <a:spLocks noGrp="1"/>
+              </p:cNvSpPr>
+              <p:nvPr>
+                <p:ph idx="1"/>
+              </p:nvPr>
+            </p:nvSpPr>
+            <p:spPr/>
+            <p:txBody>
+              <a:bodyPr>
+                <a:normAutofit/>
+              </a:bodyPr>
+              <a:lstStyle/>
+              <a:p>
+                <a:r>
+                  <a:rPr kumimoji="1" lang="en-US" altLang="ja-JP" dirty="0"/>
+                  <a:t>We can regard this task as a simple RL framework</a:t>
+                </a:r>
+              </a:p>
+              <a:p>
+                <a:endParaRPr lang="en-US" altLang="ja-JP" dirty="0"/>
+              </a:p>
+              <a:p>
+                <a:endParaRPr kumimoji="1" lang="en-US" altLang="ja-JP" dirty="0"/>
+              </a:p>
+              <a:p>
+                <a:endParaRPr lang="en-US" altLang="ja-JP" dirty="0"/>
+              </a:p>
+              <a:p>
+                <a:endParaRPr kumimoji="1" lang="en-US" altLang="ja-JP" dirty="0"/>
+              </a:p>
+              <a:p>
+                <a:endParaRPr lang="en-US" altLang="ja-JP" dirty="0"/>
+              </a:p>
+              <a:p>
+                <a:pPr lvl="1"/>
+                <a:endParaRPr kumimoji="1" lang="en-US" altLang="ja-JP" dirty="0"/>
+              </a:p>
+              <a:p>
+                <a:pPr lvl="1"/>
+                <a:r>
+                  <a:rPr lang="en-US" altLang="ja-JP" dirty="0"/>
+                  <a:t>It will converge to optimal policy by long long iteration</a:t>
+                </a:r>
+              </a:p>
+              <a:p>
+                <a:pPr lvl="1"/>
+                <a:endParaRPr kumimoji="1" lang="en-US" altLang="ja-JP" dirty="0"/>
+              </a:p>
+              <a:p>
+                <a:r>
+                  <a:rPr kumimoji="1" lang="en-US" altLang="ja-JP" dirty="0"/>
+                  <a:t>I want to discuss </a:t>
+                </a:r>
+                <a:r>
+                  <a:rPr lang="en-US" altLang="ja-JP" dirty="0"/>
+                  <a:t>unique feature of this problem for master thesis</a:t>
+                </a:r>
+              </a:p>
+              <a:p>
+                <a:pPr lvl="1"/>
+                <a:r>
+                  <a:rPr lang="en-US" altLang="ja-JP" dirty="0"/>
+                  <a:t>Ex.) step size ratio of gradient method for </a:t>
+                </a:r>
+                <a14:m>
+                  <m:oMath xmlns:m="http://schemas.openxmlformats.org/officeDocument/2006/math">
+                    <m:sSub>
+                      <m:sSubPr>
+                        <m:ctrlPr>
+                          <a:rPr lang="en-US" altLang="ja-JP" i="1" smtClean="0">
+                            <a:latin typeface="Cambria Math" panose="02040503050406030204" pitchFamily="18" charset="0"/>
+                            <a:ea typeface="Cambria Math" panose="02040503050406030204" pitchFamily="18" charset="0"/>
+                          </a:rPr>
+                        </m:ctrlPr>
+                      </m:sSubPr>
+                      <m:e>
+                        <m:r>
+                          <a:rPr lang="en-US" altLang="ja-JP" b="0" i="1" smtClean="0">
+                            <a:latin typeface="Cambria Math" panose="02040503050406030204" pitchFamily="18" charset="0"/>
+                            <a:ea typeface="Cambria Math" panose="02040503050406030204" pitchFamily="18" charset="0"/>
+                          </a:rPr>
+                          <m:t>𝑎</m:t>
+                        </m:r>
+                      </m:e>
+                      <m:sub>
+                        <m:r>
+                          <a:rPr lang="en-US" altLang="ja-JP" i="1" smtClean="0">
+                            <a:latin typeface="Cambria Math" panose="02040503050406030204" pitchFamily="18" charset="0"/>
+                            <a:ea typeface="Cambria Math" panose="02040503050406030204" pitchFamily="18" charset="0"/>
+                          </a:rPr>
+                          <m:t>𝜇</m:t>
+                        </m:r>
+                      </m:sub>
+                    </m:sSub>
+                    <m:d>
+                      <m:dPr>
+                        <m:ctrlPr>
+                          <a:rPr lang="en-US" altLang="ja-JP" i="1" smtClean="0">
+                            <a:latin typeface="Cambria Math" panose="02040503050406030204" pitchFamily="18" charset="0"/>
+                            <a:ea typeface="Cambria Math" panose="02040503050406030204" pitchFamily="18" charset="0"/>
+                          </a:rPr>
+                        </m:ctrlPr>
+                      </m:dPr>
+                      <m:e>
+                        <m:r>
+                          <a:rPr lang="en-US" altLang="ja-JP" i="1">
+                            <a:latin typeface="Cambria Math" panose="02040503050406030204" pitchFamily="18" charset="0"/>
+                            <a:ea typeface="Cambria Math" panose="02040503050406030204" pitchFamily="18" charset="0"/>
+                          </a:rPr>
+                          <m:t>𝑠</m:t>
+                        </m:r>
+                      </m:e>
+                    </m:d>
+                    <m:r>
+                      <a:rPr lang="en-US" altLang="ja-JP" b="0" i="0" smtClean="0">
+                        <a:latin typeface="Cambria Math" panose="02040503050406030204" pitchFamily="18" charset="0"/>
+                        <a:ea typeface="Cambria Math" panose="02040503050406030204" pitchFamily="18" charset="0"/>
+                      </a:rPr>
+                      <m:t>,  </m:t>
+                    </m:r>
+                    <m:sSub>
+                      <m:sSubPr>
+                        <m:ctrlPr>
+                          <a:rPr lang="en-US" altLang="ja-JP" i="1" smtClean="0">
+                            <a:latin typeface="Cambria Math" panose="02040503050406030204" pitchFamily="18" charset="0"/>
+                            <a:ea typeface="Cambria Math" panose="02040503050406030204" pitchFamily="18" charset="0"/>
+                          </a:rPr>
+                        </m:ctrlPr>
+                      </m:sSubPr>
+                      <m:e>
+                        <m:r>
+                          <a:rPr lang="en-US" altLang="ja-JP" i="1">
+                            <a:latin typeface="Cambria Math" panose="02040503050406030204" pitchFamily="18" charset="0"/>
+                            <a:ea typeface="Cambria Math" panose="02040503050406030204" pitchFamily="18" charset="0"/>
+                          </a:rPr>
+                          <m:t>𝜏</m:t>
+                        </m:r>
+                      </m:e>
+                      <m:sub>
+                        <m:r>
+                          <a:rPr lang="en-US" altLang="ja-JP" i="1" smtClean="0">
+                            <a:latin typeface="Cambria Math" panose="02040503050406030204" pitchFamily="18" charset="0"/>
+                            <a:ea typeface="Cambria Math" panose="02040503050406030204" pitchFamily="18" charset="0"/>
+                          </a:rPr>
+                          <m:t>𝜑</m:t>
+                        </m:r>
+                      </m:sub>
+                    </m:sSub>
+                    <m:r>
+                      <a:rPr lang="en-US" altLang="ja-JP" i="1">
+                        <a:latin typeface="Cambria Math" panose="02040503050406030204" pitchFamily="18" charset="0"/>
+                        <a:ea typeface="Cambria Math" panose="02040503050406030204" pitchFamily="18" charset="0"/>
+                      </a:rPr>
+                      <m:t>(</m:t>
+                    </m:r>
+                    <m:r>
+                      <a:rPr lang="en-US" altLang="ja-JP" i="1">
+                        <a:latin typeface="Cambria Math" panose="02040503050406030204" pitchFamily="18" charset="0"/>
+                        <a:ea typeface="Cambria Math" panose="02040503050406030204" pitchFamily="18" charset="0"/>
+                      </a:rPr>
+                      <m:t>𝑠</m:t>
+                    </m:r>
+                    <m:r>
+                      <a:rPr lang="en-US" altLang="ja-JP" i="1">
+                        <a:latin typeface="Cambria Math" panose="02040503050406030204" pitchFamily="18" charset="0"/>
+                        <a:ea typeface="Cambria Math" panose="02040503050406030204" pitchFamily="18" charset="0"/>
+                      </a:rPr>
+                      <m:t>)</m:t>
+                    </m:r>
+                  </m:oMath>
+                </a14:m>
+                <a:endParaRPr kumimoji="1" lang="ja-JP" altLang="en-US"/>
+              </a:p>
+            </p:txBody>
+          </p:sp>
+        </mc:Choice>
+        <mc:Fallback>
+          <p:sp>
+            <p:nvSpPr>
+              <p:cNvPr id="2" name="コンテンツ プレースホルダー 1">
+                <a:extLst>
+                  <a:ext uri="{FF2B5EF4-FFF2-40B4-BE49-F238E27FC236}">
+                    <a16:creationId xmlns:a16="http://schemas.microsoft.com/office/drawing/2014/main" id="{0208EC81-5A07-B141-9B02-16FFF0C2D62E}"/>
+                  </a:ext>
+                </a:extLst>
+              </p:cNvPr>
+              <p:cNvSpPr>
+                <a:spLocks noGrp="1" noRot="1" noChangeAspect="1" noMove="1" noResize="1" noEditPoints="1" noAdjustHandles="1" noChangeArrowheads="1" noChangeShapeType="1" noTextEdit="1"/>
+              </p:cNvSpPr>
+              <p:nvPr>
+                <p:ph idx="1"/>
+              </p:nvPr>
+            </p:nvSpPr>
+            <p:spPr>
+              <a:blipFill>
+                <a:blip r:embed="rId2"/>
+                <a:stretch>
+                  <a:fillRect l="-598" t="-1266"/>
+                </a:stretch>
+              </a:blipFill>
+            </p:spPr>
+            <p:txBody>
+              <a:bodyPr/>
+              <a:lstStyle/>
+              <a:p>
+                <a:r>
+                  <a:rPr lang="ja-JP" altLang="en-US">
+                    <a:noFill/>
+                  </a:rPr>
+                  <a:t> </a:t>
+                </a:r>
+              </a:p>
+            </p:txBody>
+          </p:sp>
+        </mc:Fallback>
+      </mc:AlternateContent>
       <p:sp>
         <p:nvSpPr>
-          <p:cNvPr id="6" name="下矢印 5">
+          <p:cNvPr id="3" name="日付プレースホルダー 2">
             <a:extLst>
               <a:ext uri="{FF2B5EF4-FFF2-40B4-BE49-F238E27FC236}">
-                <a16:creationId xmlns:a16="http://schemas.microsoft.com/office/drawing/2014/main" id="{94E58875-3747-F540-88CF-7283449AD342}"/>
+                <a16:creationId xmlns:a16="http://schemas.microsoft.com/office/drawing/2014/main" id="{8E108F34-0A11-924E-BAA0-98F18A740810}"/>
+              </a:ext>
+            </a:extLst>
+          </p:cNvPr>
+          <p:cNvSpPr>
+            <a:spLocks noGrp="1"/>
+          </p:cNvSpPr>
+          <p:nvPr>
+            <p:ph type="dt" sz="half" idx="10"/>
+          </p:nvPr>
+        </p:nvSpPr>
+        <p:spPr/>
+        <p:txBody>
+          <a:bodyPr/>
+          <a:lstStyle/>
+          <a:p>
+            <a:fld id="{90235FA2-C49A-5C4F-85BF-B1D7D24C5B31}" type="datetime1">
+              <a:rPr kumimoji="1" lang="ja-JP" altLang="en-US" smtClean="0"/>
+              <a:t>2020/10/6</a:t>
+            </a:fld>
+            <a:endParaRPr kumimoji="1" lang="ja-JP" altLang="en-US"/>
+          </a:p>
+        </p:txBody>
+      </p:sp>
+      <p:sp>
+        <p:nvSpPr>
+          <p:cNvPr id="4" name="フッター プレースホルダー 3">
+            <a:extLst>
+              <a:ext uri="{FF2B5EF4-FFF2-40B4-BE49-F238E27FC236}">
+                <a16:creationId xmlns:a16="http://schemas.microsoft.com/office/drawing/2014/main" id="{5C8F50E2-0495-5C46-9AEB-5BEBFDBFFB7E}"/>
+              </a:ext>
+            </a:extLst>
+          </p:cNvPr>
+          <p:cNvSpPr>
+            <a:spLocks noGrp="1"/>
+          </p:cNvSpPr>
+          <p:nvPr>
+            <p:ph type="ftr" sz="quarter" idx="11"/>
+          </p:nvPr>
+        </p:nvSpPr>
+        <p:spPr/>
+        <p:txBody>
+          <a:bodyPr/>
+          <a:lstStyle/>
+          <a:p>
+            <a:r>
+              <a:rPr kumimoji="1" lang="en-US" altLang="ja-JP"/>
+              <a:t>Control System Theory Group</a:t>
+            </a:r>
+            <a:endParaRPr kumimoji="1" lang="ja-JP" altLang="en-US"/>
+          </a:p>
+        </p:txBody>
+      </p:sp>
+      <p:sp>
+        <p:nvSpPr>
+          <p:cNvPr id="5" name="タイトル 4">
+            <a:extLst>
+              <a:ext uri="{FF2B5EF4-FFF2-40B4-BE49-F238E27FC236}">
+                <a16:creationId xmlns:a16="http://schemas.microsoft.com/office/drawing/2014/main" id="{ED2F28ED-E7AA-D240-B369-0AB2111EB545}"/>
+              </a:ext>
+            </a:extLst>
+          </p:cNvPr>
+          <p:cNvSpPr>
+            <a:spLocks noGrp="1"/>
+          </p:cNvSpPr>
+          <p:nvPr>
+            <p:ph type="title"/>
+          </p:nvPr>
+        </p:nvSpPr>
+        <p:spPr/>
+        <p:txBody>
+          <a:bodyPr/>
+          <a:lstStyle/>
+          <a:p>
+            <a:r>
+              <a:rPr kumimoji="1" lang="en-US" altLang="ja-JP" dirty="0"/>
+              <a:t>Weekly Report</a:t>
+            </a:r>
+            <a:endParaRPr kumimoji="1" lang="ja-JP" altLang="en-US"/>
+          </a:p>
+        </p:txBody>
+      </p:sp>
+      <p:sp>
+        <p:nvSpPr>
+          <p:cNvPr id="6" name="角丸四角形 5">
+            <a:extLst>
+              <a:ext uri="{FF2B5EF4-FFF2-40B4-BE49-F238E27FC236}">
+                <a16:creationId xmlns:a16="http://schemas.microsoft.com/office/drawing/2014/main" id="{66F41EED-EAEC-934D-A499-66CDE74FF031}"/>
               </a:ext>
             </a:extLst>
           </p:cNvPr>
@@ -6539,12 +7011,20 @@
         </p:nvSpPr>
         <p:spPr>
           <a:xfrm>
-            <a:off x="4329684" y="2564780"/>
-            <a:ext cx="484632" cy="379142"/>
+            <a:off x="2510717" y="1765489"/>
+            <a:ext cx="1862667" cy="914400"/>
           </a:xfrm>
-          <a:prstGeom prst="downArrow">
+          <a:prstGeom prst="roundRect">
             <a:avLst/>
           </a:prstGeom>
+          <a:solidFill>
+            <a:schemeClr val="tx1"/>
+          </a:solidFill>
+          <a:ln>
+            <a:solidFill>
+              <a:schemeClr val="tx1"/>
+            </a:solidFill>
+          </a:ln>
         </p:spPr>
         <p:style>
           <a:lnRef idx="2">
@@ -6567,14 +7047,753 @@
           <a:lstStyle/>
           <a:p>
             <a:pPr algn="ctr"/>
-            <a:endParaRPr kumimoji="1" lang="ja-JP" altLang="en-US"/>
+            <a:r>
+              <a:rPr kumimoji="1" lang="en-US" altLang="ja-JP" dirty="0">
+                <a:latin typeface="Cambria" panose="02040503050406030204" pitchFamily="18" charset="0"/>
+              </a:rPr>
+              <a:t>Black Box System</a:t>
+            </a:r>
+            <a:endParaRPr kumimoji="1" lang="ja-JP" altLang="en-US">
+              <a:latin typeface="Cambria" panose="02040503050406030204" pitchFamily="18" charset="0"/>
+            </a:endParaRPr>
           </a:p>
         </p:txBody>
       </p:sp>
+      <p:sp>
+        <p:nvSpPr>
+          <p:cNvPr id="7" name="正方形/長方形 6">
+            <a:extLst>
+              <a:ext uri="{FF2B5EF4-FFF2-40B4-BE49-F238E27FC236}">
+                <a16:creationId xmlns:a16="http://schemas.microsoft.com/office/drawing/2014/main" id="{0CA83CA0-9FC6-814D-B22D-C302D7736831}"/>
+              </a:ext>
+            </a:extLst>
+          </p:cNvPr>
+          <p:cNvSpPr/>
+          <p:nvPr/>
+        </p:nvSpPr>
+        <p:spPr>
+          <a:xfrm>
+            <a:off x="2984850" y="3121447"/>
+            <a:ext cx="914400" cy="548777"/>
+          </a:xfrm>
+          <a:prstGeom prst="rect">
+            <a:avLst/>
+          </a:prstGeom>
+          <a:noFill/>
+          <a:ln>
+            <a:solidFill>
+              <a:schemeClr val="tx1">
+                <a:lumMod val="95000"/>
+                <a:lumOff val="5000"/>
+              </a:schemeClr>
+            </a:solidFill>
+          </a:ln>
+        </p:spPr>
+        <p:style>
+          <a:lnRef idx="2">
+            <a:schemeClr val="accent1">
+              <a:shade val="50000"/>
+            </a:schemeClr>
+          </a:lnRef>
+          <a:fillRef idx="1">
+            <a:schemeClr val="accent1"/>
+          </a:fillRef>
+          <a:effectRef idx="0">
+            <a:schemeClr val="accent1"/>
+          </a:effectRef>
+          <a:fontRef idx="minor">
+            <a:schemeClr val="lt1"/>
+          </a:fontRef>
+        </p:style>
+        <p:txBody>
+          <a:bodyPr rtlCol="0" anchor="ctr"/>
+          <a:lstStyle/>
+          <a:p>
+            <a:pPr algn="ctr"/>
+            <a:r>
+              <a:rPr kumimoji="1" lang="en-US" altLang="ja-JP" dirty="0">
+                <a:solidFill>
+                  <a:schemeClr val="tx1">
+                    <a:lumMod val="85000"/>
+                    <a:lumOff val="15000"/>
+                  </a:schemeClr>
+                </a:solidFill>
+                <a:latin typeface="Cambria" panose="02040503050406030204" pitchFamily="18" charset="0"/>
+              </a:rPr>
+              <a:t>agent</a:t>
+            </a:r>
+            <a:endParaRPr kumimoji="1" lang="ja-JP" altLang="en-US">
+              <a:solidFill>
+                <a:schemeClr val="tx1">
+                  <a:lumMod val="85000"/>
+                  <a:lumOff val="15000"/>
+                </a:schemeClr>
+              </a:solidFill>
+              <a:latin typeface="Cambria" panose="02040503050406030204" pitchFamily="18" charset="0"/>
+            </a:endParaRPr>
+          </a:p>
+        </p:txBody>
+      </p:sp>
+      <p:cxnSp>
+        <p:nvCxnSpPr>
+          <p:cNvPr id="10" name="カギ線コネクタ 9">
+            <a:extLst>
+              <a:ext uri="{FF2B5EF4-FFF2-40B4-BE49-F238E27FC236}">
+                <a16:creationId xmlns:a16="http://schemas.microsoft.com/office/drawing/2014/main" id="{BB58C9F1-D06E-AF4A-BC2E-9CCA1E9BC813}"/>
+              </a:ext>
+            </a:extLst>
+          </p:cNvPr>
+          <p:cNvCxnSpPr>
+            <a:cxnSpLocks/>
+            <a:stCxn id="7" idx="1"/>
+            <a:endCxn id="6" idx="1"/>
+          </p:cNvCxnSpPr>
+          <p:nvPr/>
+        </p:nvCxnSpPr>
+        <p:spPr>
+          <a:xfrm rot="10800000">
+            <a:off x="2510718" y="2222690"/>
+            <a:ext cx="474133" cy="1173147"/>
+          </a:xfrm>
+          <a:prstGeom prst="bentConnector3">
+            <a:avLst>
+              <a:gd name="adj1" fmla="val 164880"/>
+            </a:avLst>
+          </a:prstGeom>
+          <a:ln>
+            <a:solidFill>
+              <a:schemeClr val="bg1">
+                <a:lumMod val="50000"/>
+              </a:schemeClr>
+            </a:solidFill>
+            <a:tailEnd type="triangle"/>
+          </a:ln>
+        </p:spPr>
+        <p:style>
+          <a:lnRef idx="1">
+            <a:schemeClr val="accent1"/>
+          </a:lnRef>
+          <a:fillRef idx="0">
+            <a:schemeClr val="accent1"/>
+          </a:fillRef>
+          <a:effectRef idx="0">
+            <a:schemeClr val="accent1"/>
+          </a:effectRef>
+          <a:fontRef idx="minor">
+            <a:schemeClr val="tx1"/>
+          </a:fontRef>
+        </p:style>
+      </p:cxnSp>
+      <p:cxnSp>
+        <p:nvCxnSpPr>
+          <p:cNvPr id="19" name="カギ線コネクタ 18">
+            <a:extLst>
+              <a:ext uri="{FF2B5EF4-FFF2-40B4-BE49-F238E27FC236}">
+                <a16:creationId xmlns:a16="http://schemas.microsoft.com/office/drawing/2014/main" id="{4486193C-91BD-EC4D-96D2-FCCE4206E448}"/>
+              </a:ext>
+            </a:extLst>
+          </p:cNvPr>
+          <p:cNvCxnSpPr>
+            <a:cxnSpLocks/>
+            <a:stCxn id="6" idx="3"/>
+            <a:endCxn id="7" idx="3"/>
+          </p:cNvCxnSpPr>
+          <p:nvPr/>
+        </p:nvCxnSpPr>
+        <p:spPr>
+          <a:xfrm flipH="1">
+            <a:off x="3899250" y="2222689"/>
+            <a:ext cx="474134" cy="1173147"/>
+          </a:xfrm>
+          <a:prstGeom prst="bentConnector3">
+            <a:avLst>
+              <a:gd name="adj1" fmla="val -55357"/>
+            </a:avLst>
+          </a:prstGeom>
+          <a:ln>
+            <a:solidFill>
+              <a:schemeClr val="bg1">
+                <a:lumMod val="50000"/>
+              </a:schemeClr>
+            </a:solidFill>
+            <a:tailEnd type="triangle"/>
+          </a:ln>
+        </p:spPr>
+        <p:style>
+          <a:lnRef idx="1">
+            <a:schemeClr val="accent1"/>
+          </a:lnRef>
+          <a:fillRef idx="0">
+            <a:schemeClr val="accent1"/>
+          </a:fillRef>
+          <a:effectRef idx="0">
+            <a:schemeClr val="accent1"/>
+          </a:effectRef>
+          <a:fontRef idx="minor">
+            <a:schemeClr val="tx1"/>
+          </a:fontRef>
+        </p:style>
+      </p:cxnSp>
+      <mc:AlternateContent xmlns:mc="http://schemas.openxmlformats.org/markup-compatibility/2006">
+        <mc:Choice xmlns:a14="http://schemas.microsoft.com/office/drawing/2010/main" Requires="a14">
+          <p:sp>
+            <p:nvSpPr>
+              <p:cNvPr id="25" name="テキスト ボックス 24">
+                <a:extLst>
+                  <a:ext uri="{FF2B5EF4-FFF2-40B4-BE49-F238E27FC236}">
+                    <a16:creationId xmlns:a16="http://schemas.microsoft.com/office/drawing/2014/main" id="{5AA375D1-2488-764C-B275-7B23BD1B2C3A}"/>
+                  </a:ext>
+                </a:extLst>
+              </p:cNvPr>
+              <p:cNvSpPr txBox="1"/>
+              <p:nvPr/>
+            </p:nvSpPr>
+            <p:spPr>
+              <a:xfrm>
+                <a:off x="1462732" y="2624596"/>
+                <a:ext cx="707437" cy="369332"/>
+              </a:xfrm>
+              <a:prstGeom prst="rect">
+                <a:avLst/>
+              </a:prstGeom>
+              <a:noFill/>
+            </p:spPr>
+            <p:txBody>
+              <a:bodyPr wrap="none" rtlCol="0">
+                <a:spAutoFit/>
+              </a:bodyPr>
+              <a:lstStyle/>
+              <a:p>
+                <a14:m>
+                  <m:oMathPara xmlns:m="http://schemas.openxmlformats.org/officeDocument/2006/math">
+                    <m:oMathParaPr>
+                      <m:jc m:val="centerGroup"/>
+                    </m:oMathParaPr>
+                    <m:oMath xmlns:m="http://schemas.openxmlformats.org/officeDocument/2006/math">
+                      <m:sSub>
+                        <m:sSubPr>
+                          <m:ctrlPr>
+                            <a:rPr kumimoji="1" lang="en-US" altLang="ja-JP" i="1" smtClean="0">
+                              <a:latin typeface="Cambria Math" panose="02040503050406030204" pitchFamily="18" charset="0"/>
+                            </a:rPr>
+                          </m:ctrlPr>
+                        </m:sSubPr>
+                        <m:e>
+                          <m:r>
+                            <a:rPr kumimoji="1" lang="en-US" altLang="ja-JP" b="0" i="1" smtClean="0">
+                              <a:latin typeface="Cambria Math" panose="02040503050406030204" pitchFamily="18" charset="0"/>
+                            </a:rPr>
+                            <m:t>𝑎</m:t>
+                          </m:r>
+                        </m:e>
+                        <m:sub>
+                          <m:r>
+                            <a:rPr kumimoji="1" lang="en-US" altLang="ja-JP" b="0" i="1" smtClean="0">
+                              <a:latin typeface="Cambria Math" panose="02040503050406030204" pitchFamily="18" charset="0"/>
+                            </a:rPr>
+                            <m:t>𝑖</m:t>
+                          </m:r>
+                        </m:sub>
+                      </m:sSub>
+                      <m:r>
+                        <a:rPr kumimoji="1" lang="en-US" altLang="ja-JP" b="0" i="1" smtClean="0">
+                          <a:latin typeface="Cambria Math" panose="02040503050406030204" pitchFamily="18" charset="0"/>
+                        </a:rPr>
+                        <m:t>,</m:t>
+                      </m:r>
+                      <m:sSub>
+                        <m:sSubPr>
+                          <m:ctrlPr>
+                            <a:rPr kumimoji="1" lang="en-US" altLang="ja-JP" b="0" i="1" smtClean="0">
+                              <a:latin typeface="Cambria Math" panose="02040503050406030204" pitchFamily="18" charset="0"/>
+                            </a:rPr>
+                          </m:ctrlPr>
+                        </m:sSubPr>
+                        <m:e>
+                          <m:r>
+                            <a:rPr kumimoji="1" lang="en-US" altLang="ja-JP" b="0" i="1" smtClean="0">
+                              <a:latin typeface="Cambria Math" panose="02040503050406030204" pitchFamily="18" charset="0"/>
+                              <a:ea typeface="Cambria Math" panose="02040503050406030204" pitchFamily="18" charset="0"/>
+                            </a:rPr>
+                            <m:t>𝜏</m:t>
+                          </m:r>
+                        </m:e>
+                        <m:sub>
+                          <m:r>
+                            <a:rPr kumimoji="1" lang="en-US" altLang="ja-JP" b="0" i="1" smtClean="0">
+                              <a:latin typeface="Cambria Math" panose="02040503050406030204" pitchFamily="18" charset="0"/>
+                            </a:rPr>
+                            <m:t>𝑖</m:t>
+                          </m:r>
+                        </m:sub>
+                      </m:sSub>
+                    </m:oMath>
+                  </m:oMathPara>
+                </a14:m>
+                <a:endParaRPr kumimoji="1" lang="ja-JP" altLang="en-US"/>
+              </a:p>
+            </p:txBody>
+          </p:sp>
+        </mc:Choice>
+        <mc:Fallback>
+          <p:sp>
+            <p:nvSpPr>
+              <p:cNvPr id="25" name="テキスト ボックス 24">
+                <a:extLst>
+                  <a:ext uri="{FF2B5EF4-FFF2-40B4-BE49-F238E27FC236}">
+                    <a16:creationId xmlns:a16="http://schemas.microsoft.com/office/drawing/2014/main" id="{5AA375D1-2488-764C-B275-7B23BD1B2C3A}"/>
+                  </a:ext>
+                </a:extLst>
+              </p:cNvPr>
+              <p:cNvSpPr txBox="1">
+                <a:spLocks noRot="1" noChangeAspect="1" noMove="1" noResize="1" noEditPoints="1" noAdjustHandles="1" noChangeArrowheads="1" noChangeShapeType="1" noTextEdit="1"/>
+              </p:cNvSpPr>
+              <p:nvPr/>
+            </p:nvSpPr>
+            <p:spPr>
+              <a:xfrm>
+                <a:off x="1462732" y="2624596"/>
+                <a:ext cx="707437" cy="369332"/>
+              </a:xfrm>
+              <a:prstGeom prst="rect">
+                <a:avLst/>
+              </a:prstGeom>
+              <a:blipFill>
+                <a:blip r:embed="rId3"/>
+                <a:stretch>
+                  <a:fillRect/>
+                </a:stretch>
+              </a:blipFill>
+            </p:spPr>
+            <p:txBody>
+              <a:bodyPr/>
+              <a:lstStyle/>
+              <a:p>
+                <a:r>
+                  <a:rPr lang="ja-JP" altLang="en-US">
+                    <a:noFill/>
+                  </a:rPr>
+                  <a:t> </a:t>
+                </a:r>
+              </a:p>
+            </p:txBody>
+          </p:sp>
+        </mc:Fallback>
+      </mc:AlternateContent>
+      <mc:AlternateContent xmlns:mc="http://schemas.openxmlformats.org/markup-compatibility/2006">
+        <mc:Choice xmlns:a14="http://schemas.microsoft.com/office/drawing/2010/main" Requires="a14">
+          <p:sp>
+            <p:nvSpPr>
+              <p:cNvPr id="26" name="テキスト ボックス 25">
+                <a:extLst>
+                  <a:ext uri="{FF2B5EF4-FFF2-40B4-BE49-F238E27FC236}">
+                    <a16:creationId xmlns:a16="http://schemas.microsoft.com/office/drawing/2014/main" id="{BA9E20CA-E8A3-D141-A108-116B6335E9C3}"/>
+                  </a:ext>
+                </a:extLst>
+              </p:cNvPr>
+              <p:cNvSpPr txBox="1"/>
+              <p:nvPr/>
+            </p:nvSpPr>
+            <p:spPr>
+              <a:xfrm>
+                <a:off x="4643472" y="2628358"/>
+                <a:ext cx="878382" cy="369332"/>
+              </a:xfrm>
+              <a:prstGeom prst="rect">
+                <a:avLst/>
+              </a:prstGeom>
+              <a:noFill/>
+            </p:spPr>
+            <p:txBody>
+              <a:bodyPr wrap="none" rtlCol="0">
+                <a:spAutoFit/>
+              </a:bodyPr>
+              <a:lstStyle/>
+              <a:p>
+                <a14:m>
+                  <m:oMathPara xmlns:m="http://schemas.openxmlformats.org/officeDocument/2006/math">
+                    <m:oMathParaPr>
+                      <m:jc m:val="centerGroup"/>
+                    </m:oMathParaPr>
+                    <m:oMath xmlns:m="http://schemas.openxmlformats.org/officeDocument/2006/math">
+                      <m:sSub>
+                        <m:sSubPr>
+                          <m:ctrlPr>
+                            <a:rPr kumimoji="1" lang="en-US" altLang="ja-JP" i="1" smtClean="0">
+                              <a:latin typeface="Cambria Math" panose="02040503050406030204" pitchFamily="18" charset="0"/>
+                            </a:rPr>
+                          </m:ctrlPr>
+                        </m:sSubPr>
+                        <m:e>
+                          <m:r>
+                            <a:rPr kumimoji="1" lang="en-US" altLang="ja-JP" b="0" i="1" smtClean="0">
+                              <a:latin typeface="Cambria Math" panose="02040503050406030204" pitchFamily="18" charset="0"/>
+                            </a:rPr>
+                            <m:t>𝑟</m:t>
+                          </m:r>
+                        </m:e>
+                        <m:sub>
+                          <m:r>
+                            <a:rPr kumimoji="1" lang="en-US" altLang="ja-JP" b="0" i="1" smtClean="0">
+                              <a:latin typeface="Cambria Math" panose="02040503050406030204" pitchFamily="18" charset="0"/>
+                            </a:rPr>
+                            <m:t>𝑖</m:t>
+                          </m:r>
+                        </m:sub>
+                      </m:sSub>
+                      <m:r>
+                        <a:rPr kumimoji="1" lang="en-US" altLang="ja-JP" b="0" i="1" smtClean="0">
+                          <a:latin typeface="Cambria Math" panose="02040503050406030204" pitchFamily="18" charset="0"/>
+                        </a:rPr>
+                        <m:t>,</m:t>
+                      </m:r>
+                      <m:sSub>
+                        <m:sSubPr>
+                          <m:ctrlPr>
+                            <a:rPr kumimoji="1" lang="en-US" altLang="ja-JP" b="0" i="1" smtClean="0">
+                              <a:latin typeface="Cambria Math" panose="02040503050406030204" pitchFamily="18" charset="0"/>
+                            </a:rPr>
+                          </m:ctrlPr>
+                        </m:sSubPr>
+                        <m:e>
+                          <m:r>
+                            <a:rPr kumimoji="1" lang="en-US" altLang="ja-JP" b="0" i="1" smtClean="0">
+                              <a:latin typeface="Cambria Math" panose="02040503050406030204" pitchFamily="18" charset="0"/>
+                            </a:rPr>
+                            <m:t>𝑠</m:t>
+                          </m:r>
+                        </m:e>
+                        <m:sub>
+                          <m:r>
+                            <a:rPr kumimoji="1" lang="en-US" altLang="ja-JP" b="0" i="1" smtClean="0">
+                              <a:latin typeface="Cambria Math" panose="02040503050406030204" pitchFamily="18" charset="0"/>
+                            </a:rPr>
+                            <m:t>𝑖</m:t>
+                          </m:r>
+                          <m:r>
+                            <a:rPr kumimoji="1" lang="en-US" altLang="ja-JP" b="0" i="1" smtClean="0">
+                              <a:latin typeface="Cambria Math" panose="02040503050406030204" pitchFamily="18" charset="0"/>
+                            </a:rPr>
+                            <m:t>+1</m:t>
+                          </m:r>
+                        </m:sub>
+                      </m:sSub>
+                    </m:oMath>
+                  </m:oMathPara>
+                </a14:m>
+                <a:endParaRPr kumimoji="1" lang="ja-JP" altLang="en-US"/>
+              </a:p>
+            </p:txBody>
+          </p:sp>
+        </mc:Choice>
+        <mc:Fallback>
+          <p:sp>
+            <p:nvSpPr>
+              <p:cNvPr id="26" name="テキスト ボックス 25">
+                <a:extLst>
+                  <a:ext uri="{FF2B5EF4-FFF2-40B4-BE49-F238E27FC236}">
+                    <a16:creationId xmlns:a16="http://schemas.microsoft.com/office/drawing/2014/main" id="{BA9E20CA-E8A3-D141-A108-116B6335E9C3}"/>
+                  </a:ext>
+                </a:extLst>
+              </p:cNvPr>
+              <p:cNvSpPr txBox="1">
+                <a:spLocks noRot="1" noChangeAspect="1" noMove="1" noResize="1" noEditPoints="1" noAdjustHandles="1" noChangeArrowheads="1" noChangeShapeType="1" noTextEdit="1"/>
+              </p:cNvSpPr>
+              <p:nvPr/>
+            </p:nvSpPr>
+            <p:spPr>
+              <a:xfrm>
+                <a:off x="4643472" y="2628358"/>
+                <a:ext cx="878382" cy="369332"/>
+              </a:xfrm>
+              <a:prstGeom prst="rect">
+                <a:avLst/>
+              </a:prstGeom>
+              <a:blipFill>
+                <a:blip r:embed="rId4"/>
+                <a:stretch>
+                  <a:fillRect/>
+                </a:stretch>
+              </a:blipFill>
+            </p:spPr>
+            <p:txBody>
+              <a:bodyPr/>
+              <a:lstStyle/>
+              <a:p>
+                <a:r>
+                  <a:rPr lang="ja-JP" altLang="en-US">
+                    <a:noFill/>
+                  </a:rPr>
+                  <a:t> </a:t>
+                </a:r>
+              </a:p>
+            </p:txBody>
+          </p:sp>
+        </mc:Fallback>
+      </mc:AlternateContent>
+      <mc:AlternateContent xmlns:mc="http://schemas.openxmlformats.org/markup-compatibility/2006">
+        <mc:Choice xmlns:a14="http://schemas.microsoft.com/office/drawing/2010/main" Requires="a14">
+          <p:sp>
+            <p:nvSpPr>
+              <p:cNvPr id="27" name="テキスト ボックス 26">
+                <a:extLst>
+                  <a:ext uri="{FF2B5EF4-FFF2-40B4-BE49-F238E27FC236}">
+                    <a16:creationId xmlns:a16="http://schemas.microsoft.com/office/drawing/2014/main" id="{4BC35E4F-A744-2445-9FFC-C84B0248DF2A}"/>
+                  </a:ext>
+                </a:extLst>
+              </p:cNvPr>
+              <p:cNvSpPr txBox="1"/>
+              <p:nvPr/>
+            </p:nvSpPr>
+            <p:spPr>
+              <a:xfrm>
+                <a:off x="3050917" y="5455664"/>
+                <a:ext cx="1647695" cy="299313"/>
+              </a:xfrm>
+              <a:prstGeom prst="rect">
+                <a:avLst/>
+              </a:prstGeom>
+              <a:noFill/>
+            </p:spPr>
+            <p:txBody>
+              <a:bodyPr wrap="none" lIns="0" tIns="0" rIns="0" bIns="0" rtlCol="0">
+                <a:spAutoFit/>
+              </a:bodyPr>
+              <a:lstStyle/>
+              <a:p>
+                <a14:m>
+                  <m:oMathPara xmlns:m="http://schemas.openxmlformats.org/officeDocument/2006/math">
+                    <m:oMathParaPr>
+                      <m:jc m:val="centerGroup"/>
+                    </m:oMathParaPr>
+                    <m:oMath xmlns:m="http://schemas.openxmlformats.org/officeDocument/2006/math">
+                      <m:sSub>
+                        <m:sSubPr>
+                          <m:ctrlPr>
+                            <a:rPr kumimoji="1" lang="en-US" altLang="ja-JP" i="1" smtClean="0">
+                              <a:latin typeface="Cambria Math" panose="02040503050406030204" pitchFamily="18" charset="0"/>
+                            </a:rPr>
+                          </m:ctrlPr>
+                        </m:sSubPr>
+                        <m:e>
+                          <m:r>
+                            <m:rPr>
+                              <m:sty m:val="p"/>
+                            </m:rPr>
+                            <a:rPr kumimoji="1" lang="en-US" altLang="ja-JP" i="1" smtClean="0">
+                              <a:latin typeface="Cambria Math" panose="02040503050406030204" pitchFamily="18" charset="0"/>
+                              <a:ea typeface="Cambria Math" panose="02040503050406030204" pitchFamily="18" charset="0"/>
+                            </a:rPr>
+                            <m:t>∇</m:t>
+                          </m:r>
+                        </m:e>
+                        <m:sub>
+                          <m:r>
+                            <a:rPr kumimoji="1" lang="en-US" altLang="ja-JP" i="1" smtClean="0">
+                              <a:latin typeface="Cambria Math" panose="02040503050406030204" pitchFamily="18" charset="0"/>
+                              <a:ea typeface="Cambria Math" panose="02040503050406030204" pitchFamily="18" charset="0"/>
+                            </a:rPr>
+                            <m:t>𝜇</m:t>
+                          </m:r>
+                        </m:sub>
+                      </m:sSub>
+                      <m:r>
+                        <a:rPr kumimoji="1" lang="en-US" altLang="ja-JP" b="0" i="1" smtClean="0">
+                          <a:latin typeface="Cambria Math" panose="02040503050406030204" pitchFamily="18" charset="0"/>
+                        </a:rPr>
+                        <m:t> </m:t>
+                      </m:r>
+                      <m:r>
+                        <a:rPr kumimoji="1" lang="en-US" altLang="ja-JP" b="0" i="1" smtClean="0">
+                          <a:latin typeface="Cambria Math" panose="02040503050406030204" pitchFamily="18" charset="0"/>
+                        </a:rPr>
+                        <m:t>𝐽</m:t>
+                      </m:r>
+                      <m:d>
+                        <m:dPr>
+                          <m:ctrlPr>
+                            <a:rPr kumimoji="1" lang="en-US" altLang="ja-JP" b="0" i="1" smtClean="0">
+                              <a:latin typeface="Cambria Math" panose="02040503050406030204" pitchFamily="18" charset="0"/>
+                            </a:rPr>
+                          </m:ctrlPr>
+                        </m:dPr>
+                        <m:e>
+                          <m:r>
+                            <a:rPr kumimoji="1" lang="en-US" altLang="ja-JP" b="0" i="1" smtClean="0">
+                              <a:latin typeface="Cambria Math" panose="02040503050406030204" pitchFamily="18" charset="0"/>
+                              <a:ea typeface="Cambria Math" panose="02040503050406030204" pitchFamily="18" charset="0"/>
+                            </a:rPr>
+                            <m:t>𝜋</m:t>
+                          </m:r>
+                        </m:e>
+                      </m:d>
+                      <m:r>
+                        <a:rPr kumimoji="1" lang="en-US" altLang="ja-JP" b="0" i="1" smtClean="0">
+                          <a:latin typeface="Cambria Math" panose="02040503050406030204" pitchFamily="18" charset="0"/>
+                        </a:rPr>
+                        <m:t>,</m:t>
+                      </m:r>
+                      <m:sSub>
+                        <m:sSubPr>
+                          <m:ctrlPr>
+                            <a:rPr kumimoji="1" lang="en-US" altLang="ja-JP" i="1">
+                              <a:latin typeface="Cambria Math" panose="02040503050406030204" pitchFamily="18" charset="0"/>
+                            </a:rPr>
+                          </m:ctrlPr>
+                        </m:sSubPr>
+                        <m:e>
+                          <m:r>
+                            <m:rPr>
+                              <m:sty m:val="p"/>
+                            </m:rPr>
+                            <a:rPr kumimoji="1" lang="en-US" altLang="ja-JP" i="1">
+                              <a:latin typeface="Cambria Math" panose="02040503050406030204" pitchFamily="18" charset="0"/>
+                              <a:ea typeface="Cambria Math" panose="02040503050406030204" pitchFamily="18" charset="0"/>
+                            </a:rPr>
+                            <m:t>∇</m:t>
+                          </m:r>
+                        </m:e>
+                        <m:sub>
+                          <m:r>
+                            <a:rPr kumimoji="1" lang="en-US" altLang="ja-JP" i="1" smtClean="0">
+                              <a:latin typeface="Cambria Math" panose="02040503050406030204" pitchFamily="18" charset="0"/>
+                              <a:ea typeface="Cambria Math" panose="02040503050406030204" pitchFamily="18" charset="0"/>
+                            </a:rPr>
+                            <m:t>𝜑</m:t>
+                          </m:r>
+                        </m:sub>
+                      </m:sSub>
+                      <m:r>
+                        <a:rPr kumimoji="1" lang="en-US" altLang="ja-JP" i="1">
+                          <a:latin typeface="Cambria Math" panose="02040503050406030204" pitchFamily="18" charset="0"/>
+                        </a:rPr>
+                        <m:t> </m:t>
+                      </m:r>
+                      <m:r>
+                        <a:rPr kumimoji="1" lang="en-US" altLang="ja-JP" i="1">
+                          <a:latin typeface="Cambria Math" panose="02040503050406030204" pitchFamily="18" charset="0"/>
+                        </a:rPr>
+                        <m:t>𝐽</m:t>
+                      </m:r>
+                      <m:d>
+                        <m:dPr>
+                          <m:ctrlPr>
+                            <a:rPr kumimoji="1" lang="en-US" altLang="ja-JP" i="1">
+                              <a:latin typeface="Cambria Math" panose="02040503050406030204" pitchFamily="18" charset="0"/>
+                            </a:rPr>
+                          </m:ctrlPr>
+                        </m:dPr>
+                        <m:e>
+                          <m:r>
+                            <a:rPr kumimoji="1" lang="en-US" altLang="ja-JP" i="1">
+                              <a:latin typeface="Cambria Math" panose="02040503050406030204" pitchFamily="18" charset="0"/>
+                              <a:ea typeface="Cambria Math" panose="02040503050406030204" pitchFamily="18" charset="0"/>
+                            </a:rPr>
+                            <m:t>𝜋</m:t>
+                          </m:r>
+                        </m:e>
+                      </m:d>
+                    </m:oMath>
+                  </m:oMathPara>
+                </a14:m>
+                <a:endParaRPr kumimoji="1" lang="ja-JP" altLang="en-US"/>
+              </a:p>
+            </p:txBody>
+          </p:sp>
+        </mc:Choice>
+        <mc:Fallback>
+          <p:sp>
+            <p:nvSpPr>
+              <p:cNvPr id="27" name="テキスト ボックス 26">
+                <a:extLst>
+                  <a:ext uri="{FF2B5EF4-FFF2-40B4-BE49-F238E27FC236}">
+                    <a16:creationId xmlns:a16="http://schemas.microsoft.com/office/drawing/2014/main" id="{4BC35E4F-A744-2445-9FFC-C84B0248DF2A}"/>
+                  </a:ext>
+                </a:extLst>
+              </p:cNvPr>
+              <p:cNvSpPr txBox="1">
+                <a:spLocks noRot="1" noChangeAspect="1" noMove="1" noResize="1" noEditPoints="1" noAdjustHandles="1" noChangeArrowheads="1" noChangeShapeType="1" noTextEdit="1"/>
+              </p:cNvSpPr>
+              <p:nvPr/>
+            </p:nvSpPr>
+            <p:spPr>
+              <a:xfrm>
+                <a:off x="3050917" y="5455664"/>
+                <a:ext cx="1647695" cy="299313"/>
+              </a:xfrm>
+              <a:prstGeom prst="rect">
+                <a:avLst/>
+              </a:prstGeom>
+              <a:blipFill>
+                <a:blip r:embed="rId5"/>
+                <a:stretch>
+                  <a:fillRect l="-2308" t="-8333" b="-25000"/>
+                </a:stretch>
+              </a:blipFill>
+            </p:spPr>
+            <p:txBody>
+              <a:bodyPr/>
+              <a:lstStyle/>
+              <a:p>
+                <a:r>
+                  <a:rPr lang="ja-JP" altLang="en-US">
+                    <a:noFill/>
+                  </a:rPr>
+                  <a:t> </a:t>
+                </a:r>
+              </a:p>
+            </p:txBody>
+          </p:sp>
+        </mc:Fallback>
+      </mc:AlternateContent>
+      <p:cxnSp>
+        <p:nvCxnSpPr>
+          <p:cNvPr id="29" name="直線コネクタ 28">
+            <a:extLst>
+              <a:ext uri="{FF2B5EF4-FFF2-40B4-BE49-F238E27FC236}">
+                <a16:creationId xmlns:a16="http://schemas.microsoft.com/office/drawing/2014/main" id="{B1213596-AFF0-E346-8C81-F5094F54E46A}"/>
+              </a:ext>
+            </a:extLst>
+          </p:cNvPr>
+          <p:cNvCxnSpPr>
+            <a:cxnSpLocks/>
+          </p:cNvCxnSpPr>
+          <p:nvPr/>
+        </p:nvCxnSpPr>
+        <p:spPr>
+          <a:xfrm>
+            <a:off x="3375626" y="5407275"/>
+            <a:ext cx="984099" cy="0"/>
+          </a:xfrm>
+          <a:prstGeom prst="line">
+            <a:avLst/>
+          </a:prstGeom>
+          <a:ln w="9525">
+            <a:solidFill>
+              <a:srgbClr val="FF0000"/>
+            </a:solidFill>
+            <a:prstDash val="dash"/>
+          </a:ln>
+        </p:spPr>
+        <p:style>
+          <a:lnRef idx="1">
+            <a:schemeClr val="accent1"/>
+          </a:lnRef>
+          <a:fillRef idx="0">
+            <a:schemeClr val="accent1"/>
+          </a:fillRef>
+          <a:effectRef idx="0">
+            <a:schemeClr val="accent1"/>
+          </a:effectRef>
+          <a:fontRef idx="minor">
+            <a:schemeClr val="tx1"/>
+          </a:fontRef>
+        </p:style>
+      </p:cxnSp>
     </p:spTree>
     <p:extLst>
       <p:ext uri="{BB962C8B-B14F-4D97-AF65-F5344CB8AC3E}">
-        <p14:creationId xmlns:p14="http://schemas.microsoft.com/office/powerpoint/2010/main" val="402331837"/>
+        <p14:creationId xmlns:p14="http://schemas.microsoft.com/office/powerpoint/2010/main" val="3086185331"/>
       </p:ext>
     </p:extLst>
   </p:cSld>

--- a/report.pptx
+++ b/report.pptx
@@ -5,13 +5,12 @@
     <p:sldMasterId id="2147483684" r:id="rId1"/>
   </p:sldMasterIdLst>
   <p:notesMasterIdLst>
-    <p:notesMasterId r:id="rId6"/>
+    <p:notesMasterId r:id="rId5"/>
   </p:notesMasterIdLst>
   <p:sldIdLst>
     <p:sldId id="359" r:id="rId2"/>
     <p:sldId id="360" r:id="rId3"/>
     <p:sldId id="361" r:id="rId4"/>
-    <p:sldId id="357" r:id="rId5"/>
   </p:sldIdLst>
   <p:sldSz cx="9144000" cy="6858000" type="screen4x3"/>
   <p:notesSz cx="6858000" cy="9144000"/>
@@ -14250,3321 +14249,6 @@
 </p:sld>
 </file>
 
-<file path=ppt/slides/slide4.xml><?xml version="1.0" encoding="utf-8"?>
-<p:sld xmlns:a="http://schemas.openxmlformats.org/drawingml/2006/main" xmlns:r="http://schemas.openxmlformats.org/officeDocument/2006/relationships" xmlns:p="http://schemas.openxmlformats.org/presentationml/2006/main">
-  <p:cSld>
-    <p:spTree>
-      <p:nvGrpSpPr>
-        <p:cNvPr id="1" name=""/>
-        <p:cNvGrpSpPr/>
-        <p:nvPr/>
-      </p:nvGrpSpPr>
-      <p:grpSpPr>
-        <a:xfrm>
-          <a:off x="0" y="0"/>
-          <a:ext cx="0" cy="0"/>
-          <a:chOff x="0" y="0"/>
-          <a:chExt cx="0" cy="0"/>
-        </a:xfrm>
-      </p:grpSpPr>
-      <mc:AlternateContent xmlns:mc="http://schemas.openxmlformats.org/markup-compatibility/2006" xmlns:a14="http://schemas.microsoft.com/office/drawing/2010/main">
-        <mc:Choice Requires="a14">
-          <p:sp>
-            <p:nvSpPr>
-              <p:cNvPr id="2" name="コンテンツ プレースホルダー 1">
-                <a:extLst>
-                  <a:ext uri="{FF2B5EF4-FFF2-40B4-BE49-F238E27FC236}">
-                    <a16:creationId xmlns:a16="http://schemas.microsoft.com/office/drawing/2014/main" id="{E8DB4A4F-E6EF-314B-9C7F-C33701DE09EC}"/>
-                  </a:ext>
-                </a:extLst>
-              </p:cNvPr>
-              <p:cNvSpPr>
-                <a:spLocks noGrp="1"/>
-              </p:cNvSpPr>
-              <p:nvPr>
-                <p:ph idx="1"/>
-              </p:nvPr>
-            </p:nvSpPr>
-            <p:spPr>
-              <a:xfrm>
-                <a:off x="335572" y="1103023"/>
-                <a:ext cx="8480182" cy="5006090"/>
-              </a:xfrm>
-            </p:spPr>
-            <p:txBody>
-              <a:bodyPr/>
-              <a:lstStyle/>
-              <a:p>
-                <a:r>
-                  <a:rPr lang="en-US" altLang="ja-JP" dirty="0">
-                    <a:ea typeface="Cambria Math" panose="02040503050406030204" pitchFamily="18" charset="0"/>
-                  </a:rPr>
-                  <a:t>Is there validity to divide policy function into two NNs?</a:t>
-                </a:r>
-              </a:p>
-              <a:p>
-                <a:pPr lvl="1"/>
-                <a14:m>
-                  <m:oMath xmlns:m="http://schemas.openxmlformats.org/officeDocument/2006/math">
-                    <m:r>
-                      <a:rPr lang="en-US" altLang="ja-JP" i="1">
-                        <a:latin typeface="Cambria Math" panose="02040503050406030204" pitchFamily="18" charset="0"/>
-                        <a:ea typeface="Cambria Math" panose="02040503050406030204" pitchFamily="18" charset="0"/>
-                      </a:rPr>
-                      <m:t>𝜃</m:t>
-                    </m:r>
-                  </m:oMath>
-                </a14:m>
-                <a:r>
-                  <a:rPr lang="en-US" altLang="ja-JP" dirty="0"/>
-                  <a:t> expresses the combined network: </a:t>
-                </a:r>
-                <a14:m>
-                  <m:oMath xmlns:m="http://schemas.openxmlformats.org/officeDocument/2006/math">
-                    <m:r>
-                      <a:rPr lang="en-US" altLang="ja-JP" i="1">
-                        <a:latin typeface="Cambria Math" panose="02040503050406030204" pitchFamily="18" charset="0"/>
-                        <a:ea typeface="Cambria Math" panose="02040503050406030204" pitchFamily="18" charset="0"/>
-                      </a:rPr>
-                      <m:t>𝜃</m:t>
-                    </m:r>
-                    <m:r>
-                      <a:rPr lang="en-US" altLang="ja-JP" i="1">
-                        <a:latin typeface="Cambria Math" panose="02040503050406030204" pitchFamily="18" charset="0"/>
-                      </a:rPr>
-                      <m:t>=</m:t>
-                    </m:r>
-                    <m:d>
-                      <m:dPr>
-                        <m:begChr m:val="["/>
-                        <m:endChr m:val="]"/>
-                        <m:ctrlPr>
-                          <a:rPr lang="en-US" altLang="ja-JP" i="1">
-                            <a:latin typeface="Cambria Math" panose="02040503050406030204" pitchFamily="18" charset="0"/>
-                          </a:rPr>
-                        </m:ctrlPr>
-                      </m:dPr>
-                      <m:e>
-                        <m:m>
-                          <m:mPr>
-                            <m:mcs>
-                              <m:mc>
-                                <m:mcPr>
-                                  <m:count m:val="2"/>
-                                  <m:mcJc m:val="center"/>
-                                </m:mcPr>
-                              </m:mc>
-                            </m:mcs>
-                            <m:ctrlPr>
-                              <a:rPr lang="en-US" altLang="ja-JP" i="1">
-                                <a:latin typeface="Cambria Math" panose="02040503050406030204" pitchFamily="18" charset="0"/>
-                              </a:rPr>
-                            </m:ctrlPr>
-                          </m:mPr>
-                          <m:mr>
-                            <m:e>
-                              <m:sSup>
-                                <m:sSupPr>
-                                  <m:ctrlPr>
-                                    <a:rPr lang="en-US" altLang="ja-JP" i="1">
-                                      <a:latin typeface="Cambria Math" panose="02040503050406030204" pitchFamily="18" charset="0"/>
-                                      <a:ea typeface="Cambria Math" panose="02040503050406030204" pitchFamily="18" charset="0"/>
-                                    </a:rPr>
-                                  </m:ctrlPr>
-                                </m:sSupPr>
-                                <m:e>
-                                  <m:r>
-                                    <a:rPr lang="en-US" altLang="ja-JP" i="1">
-                                      <a:latin typeface="Cambria Math" panose="02040503050406030204" pitchFamily="18" charset="0"/>
-                                      <a:ea typeface="Cambria Math" panose="02040503050406030204" pitchFamily="18" charset="0"/>
-                                    </a:rPr>
-                                    <m:t>𝜃</m:t>
-                                  </m:r>
-                                </m:e>
-                                <m:sup>
-                                  <m:r>
-                                    <a:rPr lang="en-US" altLang="ja-JP" i="1">
-                                      <a:latin typeface="Cambria Math" panose="02040503050406030204" pitchFamily="18" charset="0"/>
-                                      <a:ea typeface="Cambria Math" panose="02040503050406030204" pitchFamily="18" charset="0"/>
-                                    </a:rPr>
-                                    <m:t>𝑎</m:t>
-                                  </m:r>
-                                </m:sup>
-                              </m:sSup>
-                            </m:e>
-                            <m:e>
-                              <m:sSup>
-                                <m:sSupPr>
-                                  <m:ctrlPr>
-                                    <a:rPr lang="en-US" altLang="ja-JP" i="1">
-                                      <a:latin typeface="Cambria Math" panose="02040503050406030204" pitchFamily="18" charset="0"/>
-                                      <a:ea typeface="Cambria Math" panose="02040503050406030204" pitchFamily="18" charset="0"/>
-                                    </a:rPr>
-                                  </m:ctrlPr>
-                                </m:sSupPr>
-                                <m:e>
-                                  <m:r>
-                                    <a:rPr lang="en-US" altLang="ja-JP" i="1">
-                                      <a:latin typeface="Cambria Math" panose="02040503050406030204" pitchFamily="18" charset="0"/>
-                                      <a:ea typeface="Cambria Math" panose="02040503050406030204" pitchFamily="18" charset="0"/>
-                                    </a:rPr>
-                                    <m:t>𝜃</m:t>
-                                  </m:r>
-                                </m:e>
-                                <m:sup>
-                                  <m:r>
-                                    <a:rPr lang="en-US" altLang="ja-JP" i="1">
-                                      <a:latin typeface="Cambria Math" panose="02040503050406030204" pitchFamily="18" charset="0"/>
-                                      <a:ea typeface="Cambria Math" panose="02040503050406030204" pitchFamily="18" charset="0"/>
-                                    </a:rPr>
-                                    <m:t>𝜏</m:t>
-                                  </m:r>
-                                </m:sup>
-                              </m:sSup>
-                            </m:e>
-                          </m:mr>
-                        </m:m>
-                      </m:e>
-                    </m:d>
-                  </m:oMath>
-                </a14:m>
-                <a:endParaRPr lang="en-US" altLang="ja-JP" dirty="0"/>
-              </a:p>
-              <a:p>
-                <a:pPr lvl="1"/>
-                <a:endParaRPr lang="en-US" altLang="ja-JP" dirty="0"/>
-              </a:p>
-              <a:p>
-                <a:pPr lvl="1"/>
-                <a:endParaRPr lang="en-US" altLang="ja-JP" dirty="0"/>
-              </a:p>
-              <a:p>
-                <a:pPr lvl="1"/>
-                <a:endParaRPr lang="en-US" altLang="ja-JP" dirty="0"/>
-              </a:p>
-              <a:p>
-                <a:pPr lvl="1"/>
-                <a:endParaRPr lang="en-US" altLang="ja-JP" dirty="0"/>
-              </a:p>
-              <a:p>
-                <a:pPr lvl="1"/>
-                <a:endParaRPr lang="en-US" altLang="ja-JP" dirty="0"/>
-              </a:p>
-              <a:p>
-                <a:pPr lvl="1"/>
-                <a:endParaRPr lang="en-US" altLang="ja-JP" dirty="0"/>
-              </a:p>
-              <a:p>
-                <a:pPr lvl="1"/>
-                <a:endParaRPr lang="en-US" altLang="ja-JP" dirty="0"/>
-              </a:p>
-              <a:p>
-                <a:pPr lvl="1"/>
-                <a:endParaRPr lang="en-US" altLang="ja-JP" dirty="0"/>
-              </a:p>
-              <a:p>
-                <a:pPr lvl="1"/>
-                <a:r>
-                  <a:rPr lang="en-US" altLang="ja-JP" dirty="0"/>
-                  <a:t>Because small changes of</a:t>
-                </a:r>
-                <a:r>
-                  <a:rPr lang="en-US" altLang="ja-JP" dirty="0">
-                    <a:solidFill>
-                      <a:schemeClr val="tx1"/>
-                    </a:solidFill>
-                  </a:rPr>
-                  <a:t> </a:t>
-                </a:r>
-                <a14:m>
-                  <m:oMath xmlns:m="http://schemas.openxmlformats.org/officeDocument/2006/math">
-                    <m:sSup>
-                      <m:sSupPr>
-                        <m:ctrlPr>
-                          <a:rPr lang="en-US" altLang="ja-JP" i="1">
-                            <a:solidFill>
-                              <a:schemeClr val="tx1"/>
-                            </a:solidFill>
-                            <a:latin typeface="Cambria Math" panose="02040503050406030204" pitchFamily="18" charset="0"/>
-                          </a:rPr>
-                        </m:ctrlPr>
-                      </m:sSupPr>
-                      <m:e>
-                        <m:r>
-                          <a:rPr lang="en-US" altLang="ja-JP" i="1">
-                            <a:solidFill>
-                              <a:schemeClr val="tx1"/>
-                            </a:solidFill>
-                            <a:latin typeface="Cambria Math" panose="02040503050406030204" pitchFamily="18" charset="0"/>
-                            <a:ea typeface="Cambria Math" panose="02040503050406030204" pitchFamily="18" charset="0"/>
-                          </a:rPr>
-                          <m:t>𝜃</m:t>
-                        </m:r>
-                      </m:e>
-                      <m:sup>
-                        <m:r>
-                          <a:rPr lang="en-US" altLang="ja-JP" i="1">
-                            <a:solidFill>
-                              <a:schemeClr val="tx1"/>
-                            </a:solidFill>
-                            <a:latin typeface="Cambria Math" panose="02040503050406030204" pitchFamily="18" charset="0"/>
-                          </a:rPr>
-                          <m:t>𝑎</m:t>
-                        </m:r>
-                      </m:sup>
-                    </m:sSup>
-                  </m:oMath>
-                </a14:m>
-                <a:r>
-                  <a:rPr lang="en-US" altLang="ja-JP" b="0" dirty="0">
-                    <a:solidFill>
-                      <a:schemeClr val="tx1"/>
-                    </a:solidFill>
-                    <a:ea typeface="Cambria Math" panose="02040503050406030204" pitchFamily="18" charset="0"/>
-                  </a:rPr>
-                  <a:t>, </a:t>
-                </a:r>
-                <a14:m>
-                  <m:oMath xmlns:m="http://schemas.openxmlformats.org/officeDocument/2006/math">
-                    <m:sSup>
-                      <m:sSupPr>
-                        <m:ctrlPr>
-                          <a:rPr lang="en-US" altLang="ja-JP" i="1">
-                            <a:solidFill>
-                              <a:schemeClr val="tx1"/>
-                            </a:solidFill>
-                            <a:latin typeface="Cambria Math" panose="02040503050406030204" pitchFamily="18" charset="0"/>
-                          </a:rPr>
-                        </m:ctrlPr>
-                      </m:sSupPr>
-                      <m:e>
-                        <m:r>
-                          <a:rPr lang="en-US" altLang="ja-JP" i="1">
-                            <a:solidFill>
-                              <a:schemeClr val="tx1"/>
-                            </a:solidFill>
-                            <a:latin typeface="Cambria Math" panose="02040503050406030204" pitchFamily="18" charset="0"/>
-                            <a:ea typeface="Cambria Math" panose="02040503050406030204" pitchFamily="18" charset="0"/>
-                          </a:rPr>
-                          <m:t>𝜃</m:t>
-                        </m:r>
-                      </m:e>
-                      <m:sup>
-                        <m:r>
-                          <a:rPr lang="en-US" altLang="ja-JP" i="1" smtClean="0">
-                            <a:solidFill>
-                              <a:schemeClr val="tx1"/>
-                            </a:solidFill>
-                            <a:latin typeface="Cambria Math" panose="02040503050406030204" pitchFamily="18" charset="0"/>
-                            <a:ea typeface="Cambria Math" panose="02040503050406030204" pitchFamily="18" charset="0"/>
-                          </a:rPr>
-                          <m:t>𝜏</m:t>
-                        </m:r>
-                      </m:sup>
-                    </m:sSup>
-                  </m:oMath>
-                </a14:m>
-                <a:r>
-                  <a:rPr lang="en-US" altLang="ja-JP" b="0" dirty="0">
-                    <a:ea typeface="Cambria Math" panose="02040503050406030204" pitchFamily="18" charset="0"/>
-                  </a:rPr>
-                  <a:t> does not affect the output of the other NN, </a:t>
-                </a:r>
-                <a14:m>
-                  <m:oMath xmlns:m="http://schemas.openxmlformats.org/officeDocument/2006/math">
-                    <m:sSub>
-                      <m:sSubPr>
-                        <m:ctrlPr>
-                          <a:rPr lang="en-US" altLang="ja-JP" i="1">
-                            <a:latin typeface="Cambria Math" panose="02040503050406030204" pitchFamily="18" charset="0"/>
-                          </a:rPr>
-                        </m:ctrlPr>
-                      </m:sSubPr>
-                      <m:e>
-                        <m:r>
-                          <m:rPr>
-                            <m:sty m:val="p"/>
-                          </m:rPr>
-                          <a:rPr lang="en-US" altLang="ja-JP" i="1">
-                            <a:latin typeface="Cambria Math" panose="02040503050406030204" pitchFamily="18" charset="0"/>
-                            <a:ea typeface="Cambria Math" panose="02040503050406030204" pitchFamily="18" charset="0"/>
-                          </a:rPr>
-                          <m:t>∇</m:t>
-                        </m:r>
-                      </m:e>
-                      <m:sub>
-                        <m:sSup>
-                          <m:sSupPr>
-                            <m:ctrlPr>
-                              <a:rPr lang="en-US" altLang="ja-JP" i="1">
-                                <a:latin typeface="Cambria Math" panose="02040503050406030204" pitchFamily="18" charset="0"/>
-                                <a:ea typeface="Cambria Math" panose="02040503050406030204" pitchFamily="18" charset="0"/>
-                              </a:rPr>
-                            </m:ctrlPr>
-                          </m:sSupPr>
-                          <m:e>
-                            <m:r>
-                              <a:rPr lang="en-US" altLang="ja-JP" i="1">
-                                <a:latin typeface="Cambria Math" panose="02040503050406030204" pitchFamily="18" charset="0"/>
-                                <a:ea typeface="Cambria Math" panose="02040503050406030204" pitchFamily="18" charset="0"/>
-                              </a:rPr>
-                              <m:t>𝜃</m:t>
-                            </m:r>
-                          </m:e>
-                          <m:sup>
-                            <m:r>
-                              <a:rPr lang="en-US" altLang="ja-JP" i="1">
-                                <a:latin typeface="Cambria Math" panose="02040503050406030204" pitchFamily="18" charset="0"/>
-                                <a:ea typeface="Cambria Math" panose="02040503050406030204" pitchFamily="18" charset="0"/>
-                              </a:rPr>
-                              <m:t>𝑎</m:t>
-                            </m:r>
-                          </m:sup>
-                        </m:sSup>
-                      </m:sub>
-                    </m:sSub>
-                    <m:r>
-                      <a:rPr lang="en-US" altLang="ja-JP" i="1">
-                        <a:latin typeface="Cambria Math" panose="02040503050406030204" pitchFamily="18" charset="0"/>
-                      </a:rPr>
-                      <m:t>𝐽</m:t>
-                    </m:r>
-                    <m:d>
-                      <m:dPr>
-                        <m:ctrlPr>
-                          <a:rPr lang="en-US" altLang="ja-JP" i="1">
-                            <a:latin typeface="Cambria Math" panose="02040503050406030204" pitchFamily="18" charset="0"/>
-                          </a:rPr>
-                        </m:ctrlPr>
-                      </m:dPr>
-                      <m:e>
-                        <m:sSup>
-                          <m:sSupPr>
-                            <m:ctrlPr>
-                              <a:rPr lang="en-US" altLang="ja-JP" i="1">
-                                <a:latin typeface="Cambria Math" panose="02040503050406030204" pitchFamily="18" charset="0"/>
-                                <a:ea typeface="Cambria Math" panose="02040503050406030204" pitchFamily="18" charset="0"/>
-                              </a:rPr>
-                            </m:ctrlPr>
-                          </m:sSupPr>
-                          <m:e>
-                            <m:r>
-                              <a:rPr lang="en-US" altLang="ja-JP" i="1">
-                                <a:latin typeface="Cambria Math" panose="02040503050406030204" pitchFamily="18" charset="0"/>
-                                <a:ea typeface="Cambria Math" panose="02040503050406030204" pitchFamily="18" charset="0"/>
-                              </a:rPr>
-                              <m:t>𝜃</m:t>
-                            </m:r>
-                          </m:e>
-                          <m:sup>
-                            <m:r>
-                              <a:rPr lang="en-US" altLang="ja-JP" i="1">
-                                <a:latin typeface="Cambria Math" panose="02040503050406030204" pitchFamily="18" charset="0"/>
-                                <a:ea typeface="Cambria Math" panose="02040503050406030204" pitchFamily="18" charset="0"/>
-                              </a:rPr>
-                              <m:t>𝜋</m:t>
-                            </m:r>
-                          </m:sup>
-                        </m:sSup>
-                      </m:e>
-                    </m:d>
-                    <m:r>
-                      <a:rPr lang="en-US" altLang="ja-JP" i="1">
-                        <a:latin typeface="Cambria Math" panose="02040503050406030204" pitchFamily="18" charset="0"/>
-                      </a:rPr>
-                      <m:t>,</m:t>
-                    </m:r>
-                    <m:sSub>
-                      <m:sSubPr>
-                        <m:ctrlPr>
-                          <a:rPr lang="en-US" altLang="ja-JP" i="1">
-                            <a:latin typeface="Cambria Math" panose="02040503050406030204" pitchFamily="18" charset="0"/>
-                          </a:rPr>
-                        </m:ctrlPr>
-                      </m:sSubPr>
-                      <m:e>
-                        <m:r>
-                          <m:rPr>
-                            <m:sty m:val="p"/>
-                          </m:rPr>
-                          <a:rPr lang="en-US" altLang="ja-JP" i="1">
-                            <a:latin typeface="Cambria Math" panose="02040503050406030204" pitchFamily="18" charset="0"/>
-                            <a:ea typeface="Cambria Math" panose="02040503050406030204" pitchFamily="18" charset="0"/>
-                          </a:rPr>
-                          <m:t>∇</m:t>
-                        </m:r>
-                      </m:e>
-                      <m:sub>
-                        <m:sSup>
-                          <m:sSupPr>
-                            <m:ctrlPr>
-                              <a:rPr lang="en-US" altLang="ja-JP" i="1">
-                                <a:latin typeface="Cambria Math" panose="02040503050406030204" pitchFamily="18" charset="0"/>
-                                <a:ea typeface="Cambria Math" panose="02040503050406030204" pitchFamily="18" charset="0"/>
-                              </a:rPr>
-                            </m:ctrlPr>
-                          </m:sSupPr>
-                          <m:e>
-                            <m:r>
-                              <a:rPr lang="en-US" altLang="ja-JP" i="1">
-                                <a:latin typeface="Cambria Math" panose="02040503050406030204" pitchFamily="18" charset="0"/>
-                                <a:ea typeface="Cambria Math" panose="02040503050406030204" pitchFamily="18" charset="0"/>
-                              </a:rPr>
-                              <m:t>𝜃</m:t>
-                            </m:r>
-                          </m:e>
-                          <m:sup>
-                            <m:r>
-                              <a:rPr lang="en-US" altLang="ja-JP" i="1">
-                                <a:latin typeface="Cambria Math" panose="02040503050406030204" pitchFamily="18" charset="0"/>
-                                <a:ea typeface="Cambria Math" panose="02040503050406030204" pitchFamily="18" charset="0"/>
-                              </a:rPr>
-                              <m:t>𝜏</m:t>
-                            </m:r>
-                          </m:sup>
-                        </m:sSup>
-                      </m:sub>
-                    </m:sSub>
-                    <m:r>
-                      <a:rPr lang="en-US" altLang="ja-JP" i="1">
-                        <a:latin typeface="Cambria Math" panose="02040503050406030204" pitchFamily="18" charset="0"/>
-                      </a:rPr>
-                      <m:t>𝐽</m:t>
-                    </m:r>
-                    <m:d>
-                      <m:dPr>
-                        <m:ctrlPr>
-                          <a:rPr lang="en-US" altLang="ja-JP" i="1">
-                            <a:latin typeface="Cambria Math" panose="02040503050406030204" pitchFamily="18" charset="0"/>
-                          </a:rPr>
-                        </m:ctrlPr>
-                      </m:dPr>
-                      <m:e>
-                        <m:sSup>
-                          <m:sSupPr>
-                            <m:ctrlPr>
-                              <a:rPr lang="en-US" altLang="ja-JP" i="1">
-                                <a:latin typeface="Cambria Math" panose="02040503050406030204" pitchFamily="18" charset="0"/>
-                                <a:ea typeface="Cambria Math" panose="02040503050406030204" pitchFamily="18" charset="0"/>
-                              </a:rPr>
-                            </m:ctrlPr>
-                          </m:sSupPr>
-                          <m:e>
-                            <m:r>
-                              <a:rPr lang="en-US" altLang="ja-JP" i="1">
-                                <a:latin typeface="Cambria Math" panose="02040503050406030204" pitchFamily="18" charset="0"/>
-                                <a:ea typeface="Cambria Math" panose="02040503050406030204" pitchFamily="18" charset="0"/>
-                              </a:rPr>
-                              <m:t>𝜃</m:t>
-                            </m:r>
-                          </m:e>
-                          <m:sup>
-                            <m:r>
-                              <a:rPr lang="en-US" altLang="ja-JP" i="1">
-                                <a:latin typeface="Cambria Math" panose="02040503050406030204" pitchFamily="18" charset="0"/>
-                                <a:ea typeface="Cambria Math" panose="02040503050406030204" pitchFamily="18" charset="0"/>
-                              </a:rPr>
-                              <m:t>𝜋</m:t>
-                            </m:r>
-                          </m:sup>
-                        </m:sSup>
-                      </m:e>
-                    </m:d>
-                  </m:oMath>
-                </a14:m>
-                <a:r>
-                  <a:rPr lang="en-US" altLang="ja-JP" b="0" dirty="0">
-                    <a:ea typeface="Cambria Math" panose="02040503050406030204" pitchFamily="18" charset="0"/>
-                  </a:rPr>
-                  <a:t> can be calculated simply.</a:t>
-                </a:r>
-              </a:p>
-              <a:p>
-                <a:pPr lvl="1"/>
-                <a:r>
-                  <a:rPr lang="en-US" altLang="ja-JP" b="0" dirty="0">
-                    <a:ea typeface="Cambria Math" panose="02040503050406030204" pitchFamily="18" charset="0"/>
-                  </a:rPr>
-                  <a:t>Is there validity to set th</a:t>
-                </a:r>
-                <a:r>
-                  <a:rPr lang="en-US" altLang="ja-JP" dirty="0">
-                    <a:ea typeface="Cambria Math" panose="02040503050406030204" pitchFamily="18" charset="0"/>
-                  </a:rPr>
-                  <a:t>e argument of </a:t>
-                </a:r>
-                <a14:m>
-                  <m:oMath xmlns:m="http://schemas.openxmlformats.org/officeDocument/2006/math">
-                    <m:r>
-                      <a:rPr lang="en-US" altLang="ja-JP" i="1" smtClean="0">
-                        <a:latin typeface="Cambria Math" panose="02040503050406030204" pitchFamily="18" charset="0"/>
-                        <a:ea typeface="Cambria Math" panose="02040503050406030204" pitchFamily="18" charset="0"/>
-                      </a:rPr>
-                      <m:t>𝜏</m:t>
-                    </m:r>
-                  </m:oMath>
-                </a14:m>
-                <a:r>
-                  <a:rPr lang="en-US" altLang="ja-JP" b="0" dirty="0">
-                    <a:ea typeface="Cambria Math" panose="02040503050406030204" pitchFamily="18" charset="0"/>
-                  </a:rPr>
-                  <a:t> to be only </a:t>
-                </a:r>
-                <a14:m>
-                  <m:oMath xmlns:m="http://schemas.openxmlformats.org/officeDocument/2006/math">
-                    <m:r>
-                      <m:rPr>
-                        <m:sty m:val="p"/>
-                      </m:rPr>
-                      <a:rPr lang="en-US" altLang="ja-JP" b="0" i="0" smtClean="0">
-                        <a:latin typeface="Cambria Math" panose="02040503050406030204" pitchFamily="18" charset="0"/>
-                        <a:ea typeface="Cambria Math" panose="02040503050406030204" pitchFamily="18" charset="0"/>
-                      </a:rPr>
-                      <m:t>s</m:t>
-                    </m:r>
-                  </m:oMath>
-                </a14:m>
-                <a:r>
-                  <a:rPr lang="en-US" altLang="ja-JP" b="0" dirty="0">
-                    <a:ea typeface="Cambria Math" panose="02040503050406030204" pitchFamily="18" charset="0"/>
-                  </a:rPr>
-                  <a:t>, without </a:t>
-                </a:r>
-                <a14:m>
-                  <m:oMath xmlns:m="http://schemas.openxmlformats.org/officeDocument/2006/math">
-                    <m:r>
-                      <a:rPr lang="en-US" altLang="ja-JP" i="1">
-                        <a:latin typeface="Cambria Math" panose="02040503050406030204" pitchFamily="18" charset="0"/>
-                        <a:ea typeface="Cambria Math" panose="02040503050406030204" pitchFamily="18" charset="0"/>
-                      </a:rPr>
-                      <m:t>𝑎</m:t>
-                    </m:r>
-                  </m:oMath>
-                </a14:m>
-                <a:r>
-                  <a:rPr lang="en-US" altLang="ja-JP" b="0" dirty="0">
-                    <a:ea typeface="Cambria Math" panose="02040503050406030204" pitchFamily="18" charset="0"/>
-                  </a:rPr>
-                  <a:t>? </a:t>
-                </a:r>
-              </a:p>
-            </p:txBody>
-          </p:sp>
-        </mc:Choice>
-        <mc:Fallback xmlns="">
-          <p:sp>
-            <p:nvSpPr>
-              <p:cNvPr id="2" name="コンテンツ プレースホルダー 1">
-                <a:extLst>
-                  <a:ext uri="{FF2B5EF4-FFF2-40B4-BE49-F238E27FC236}">
-                    <a16:creationId xmlns:a16="http://schemas.microsoft.com/office/drawing/2014/main" id="{E8DB4A4F-E6EF-314B-9C7F-C33701DE09EC}"/>
-                  </a:ext>
-                </a:extLst>
-              </p:cNvPr>
-              <p:cNvSpPr>
-                <a:spLocks noGrp="1" noRot="1" noChangeAspect="1" noMove="1" noResize="1" noEditPoints="1" noAdjustHandles="1" noChangeArrowheads="1" noChangeShapeType="1" noTextEdit="1"/>
-              </p:cNvSpPr>
-              <p:nvPr>
-                <p:ph idx="1"/>
-              </p:nvPr>
-            </p:nvSpPr>
-            <p:spPr>
-              <a:xfrm>
-                <a:off x="335572" y="1103023"/>
-                <a:ext cx="8480182" cy="5006090"/>
-              </a:xfrm>
-              <a:blipFill>
-                <a:blip r:embed="rId2"/>
-                <a:stretch>
-                  <a:fillRect l="-598" t="-1266" r="-897"/>
-                </a:stretch>
-              </a:blipFill>
-            </p:spPr>
-            <p:txBody>
-              <a:bodyPr/>
-              <a:lstStyle/>
-              <a:p>
-                <a:r>
-                  <a:rPr lang="ja-JP" altLang="en-US">
-                    <a:noFill/>
-                  </a:rPr>
-                  <a:t> </a:t>
-                </a:r>
-              </a:p>
-            </p:txBody>
-          </p:sp>
-        </mc:Fallback>
-      </mc:AlternateContent>
-      <p:sp>
-        <p:nvSpPr>
-          <p:cNvPr id="3" name="日付プレースホルダー 2">
-            <a:extLst>
-              <a:ext uri="{FF2B5EF4-FFF2-40B4-BE49-F238E27FC236}">
-                <a16:creationId xmlns:a16="http://schemas.microsoft.com/office/drawing/2014/main" id="{06AA1419-4488-F341-8BDD-ACF19093BF69}"/>
-              </a:ext>
-            </a:extLst>
-          </p:cNvPr>
-          <p:cNvSpPr>
-            <a:spLocks noGrp="1"/>
-          </p:cNvSpPr>
-          <p:nvPr>
-            <p:ph type="dt" sz="half" idx="10"/>
-          </p:nvPr>
-        </p:nvSpPr>
-        <p:spPr/>
-        <p:txBody>
-          <a:bodyPr/>
-          <a:lstStyle/>
-          <a:p>
-            <a:fld id="{90235FA2-C49A-5C4F-85BF-B1D7D24C5B31}" type="datetime1">
-              <a:rPr kumimoji="1" lang="ja-JP" altLang="en-US" smtClean="0"/>
-              <a:t>2020/10/27</a:t>
-            </a:fld>
-            <a:endParaRPr kumimoji="1" lang="ja-JP" altLang="en-US"/>
-          </a:p>
-        </p:txBody>
-      </p:sp>
-      <p:sp>
-        <p:nvSpPr>
-          <p:cNvPr id="4" name="フッター プレースホルダー 3">
-            <a:extLst>
-              <a:ext uri="{FF2B5EF4-FFF2-40B4-BE49-F238E27FC236}">
-                <a16:creationId xmlns:a16="http://schemas.microsoft.com/office/drawing/2014/main" id="{DFF186DF-C3CA-8248-9970-DB07569C74E0}"/>
-              </a:ext>
-            </a:extLst>
-          </p:cNvPr>
-          <p:cNvSpPr>
-            <a:spLocks noGrp="1"/>
-          </p:cNvSpPr>
-          <p:nvPr>
-            <p:ph type="ftr" sz="quarter" idx="11"/>
-          </p:nvPr>
-        </p:nvSpPr>
-        <p:spPr/>
-        <p:txBody>
-          <a:bodyPr/>
-          <a:lstStyle/>
-          <a:p>
-            <a:r>
-              <a:rPr kumimoji="1" lang="en-US" altLang="ja-JP" dirty="0"/>
-              <a:t>Control System Theory Group</a:t>
-            </a:r>
-            <a:endParaRPr kumimoji="1" lang="ja-JP" altLang="en-US"/>
-          </a:p>
-        </p:txBody>
-      </p:sp>
-      <p:sp>
-        <p:nvSpPr>
-          <p:cNvPr id="5" name="タイトル 4">
-            <a:extLst>
-              <a:ext uri="{FF2B5EF4-FFF2-40B4-BE49-F238E27FC236}">
-                <a16:creationId xmlns:a16="http://schemas.microsoft.com/office/drawing/2014/main" id="{20D5D537-4CDC-744E-849A-94D1956F4AAD}"/>
-              </a:ext>
-            </a:extLst>
-          </p:cNvPr>
-          <p:cNvSpPr>
-            <a:spLocks noGrp="1"/>
-          </p:cNvSpPr>
-          <p:nvPr>
-            <p:ph type="title"/>
-          </p:nvPr>
-        </p:nvSpPr>
-        <p:spPr/>
-        <p:txBody>
-          <a:bodyPr/>
-          <a:lstStyle/>
-          <a:p>
-            <a:r>
-              <a:rPr lang="en-US" altLang="ja-JP" dirty="0"/>
-              <a:t>Weekly Report</a:t>
-            </a:r>
-            <a:endParaRPr kumimoji="1" lang="ja-JP" altLang="en-US"/>
-          </a:p>
-        </p:txBody>
-      </p:sp>
-      <p:grpSp>
-        <p:nvGrpSpPr>
-          <p:cNvPr id="53" name="グループ化 52">
-            <a:extLst>
-              <a:ext uri="{FF2B5EF4-FFF2-40B4-BE49-F238E27FC236}">
-                <a16:creationId xmlns:a16="http://schemas.microsoft.com/office/drawing/2014/main" id="{52CEF5E8-2905-BB46-95E0-17D43EE4183F}"/>
-              </a:ext>
-            </a:extLst>
-          </p:cNvPr>
-          <p:cNvGrpSpPr/>
-          <p:nvPr/>
-        </p:nvGrpSpPr>
-        <p:grpSpPr>
-          <a:xfrm>
-            <a:off x="1304716" y="1952547"/>
-            <a:ext cx="3849284" cy="2328435"/>
-            <a:chOff x="1657350" y="3396268"/>
-            <a:chExt cx="3849284" cy="2328435"/>
-          </a:xfrm>
-        </p:grpSpPr>
-        <p:grpSp>
-          <p:nvGrpSpPr>
-            <p:cNvPr id="49" name="グループ化 48">
-              <a:extLst>
-                <a:ext uri="{FF2B5EF4-FFF2-40B4-BE49-F238E27FC236}">
-                  <a16:creationId xmlns:a16="http://schemas.microsoft.com/office/drawing/2014/main" id="{0331793D-5785-4C43-B05D-B00DC7FC84CA}"/>
-                </a:ext>
-              </a:extLst>
-            </p:cNvPr>
-            <p:cNvGrpSpPr/>
-            <p:nvPr/>
-          </p:nvGrpSpPr>
-          <p:grpSpPr>
-            <a:xfrm>
-              <a:off x="1657350" y="3429000"/>
-              <a:ext cx="3849284" cy="2295703"/>
-              <a:chOff x="812218" y="3925229"/>
-              <a:chExt cx="3849284" cy="2295703"/>
-            </a:xfrm>
-          </p:grpSpPr>
-          <p:sp>
-            <p:nvSpPr>
-              <p:cNvPr id="6" name="円/楕円 5">
-                <a:extLst>
-                  <a:ext uri="{FF2B5EF4-FFF2-40B4-BE49-F238E27FC236}">
-                    <a16:creationId xmlns:a16="http://schemas.microsoft.com/office/drawing/2014/main" id="{DF8B9563-02DB-5B41-B306-461B3BFA685D}"/>
-                  </a:ext>
-                </a:extLst>
-              </p:cNvPr>
-              <p:cNvSpPr/>
-              <p:nvPr/>
-            </p:nvSpPr>
-            <p:spPr>
-              <a:xfrm>
-                <a:off x="1009221" y="4654955"/>
-                <a:ext cx="185346" cy="190040"/>
-              </a:xfrm>
-              <a:prstGeom prst="ellipse">
-                <a:avLst/>
-              </a:prstGeom>
-              <a:noFill/>
-              <a:ln>
-                <a:solidFill>
-                  <a:schemeClr val="bg2">
-                    <a:lumMod val="25000"/>
-                  </a:schemeClr>
-                </a:solidFill>
-              </a:ln>
-            </p:spPr>
-            <p:style>
-              <a:lnRef idx="2">
-                <a:schemeClr val="accent1">
-                  <a:shade val="50000"/>
-                </a:schemeClr>
-              </a:lnRef>
-              <a:fillRef idx="1">
-                <a:schemeClr val="accent1"/>
-              </a:fillRef>
-              <a:effectRef idx="0">
-                <a:schemeClr val="accent1"/>
-              </a:effectRef>
-              <a:fontRef idx="minor">
-                <a:schemeClr val="lt1"/>
-              </a:fontRef>
-            </p:style>
-            <p:txBody>
-              <a:bodyPr rtlCol="0" anchor="ctr"/>
-              <a:lstStyle/>
-              <a:p>
-                <a:pPr algn="ctr"/>
-                <a:endParaRPr kumimoji="1" lang="ja-JP" altLang="en-US"/>
-              </a:p>
-            </p:txBody>
-          </p:sp>
-          <p:sp>
-            <p:nvSpPr>
-              <p:cNvPr id="7" name="円/楕円 6">
-                <a:extLst>
-                  <a:ext uri="{FF2B5EF4-FFF2-40B4-BE49-F238E27FC236}">
-                    <a16:creationId xmlns:a16="http://schemas.microsoft.com/office/drawing/2014/main" id="{1A48449C-DF7E-DE44-9839-771D785B99F6}"/>
-                  </a:ext>
-                </a:extLst>
-              </p:cNvPr>
-              <p:cNvSpPr/>
-              <p:nvPr/>
-            </p:nvSpPr>
-            <p:spPr>
-              <a:xfrm>
-                <a:off x="1009221" y="5252789"/>
-                <a:ext cx="185346" cy="190040"/>
-              </a:xfrm>
-              <a:prstGeom prst="ellipse">
-                <a:avLst/>
-              </a:prstGeom>
-              <a:noFill/>
-              <a:ln>
-                <a:solidFill>
-                  <a:schemeClr val="bg2">
-                    <a:lumMod val="25000"/>
-                  </a:schemeClr>
-                </a:solidFill>
-              </a:ln>
-            </p:spPr>
-            <p:style>
-              <a:lnRef idx="2">
-                <a:schemeClr val="accent1">
-                  <a:shade val="50000"/>
-                </a:schemeClr>
-              </a:lnRef>
-              <a:fillRef idx="1">
-                <a:schemeClr val="accent1"/>
-              </a:fillRef>
-              <a:effectRef idx="0">
-                <a:schemeClr val="accent1"/>
-              </a:effectRef>
-              <a:fontRef idx="minor">
-                <a:schemeClr val="lt1"/>
-              </a:fontRef>
-            </p:style>
-            <p:txBody>
-              <a:bodyPr rtlCol="0" anchor="ctr"/>
-              <a:lstStyle/>
-              <a:p>
-                <a:pPr algn="ctr"/>
-                <a:endParaRPr kumimoji="1" lang="ja-JP" altLang="en-US"/>
-              </a:p>
-            </p:txBody>
-          </p:sp>
-          <p:sp>
-            <p:nvSpPr>
-              <p:cNvPr id="8" name="円/楕円 7">
-                <a:extLst>
-                  <a:ext uri="{FF2B5EF4-FFF2-40B4-BE49-F238E27FC236}">
-                    <a16:creationId xmlns:a16="http://schemas.microsoft.com/office/drawing/2014/main" id="{F2714CE8-8720-F84D-B7DA-A6FCB6C2E78E}"/>
-                  </a:ext>
-                </a:extLst>
-              </p:cNvPr>
-              <p:cNvSpPr/>
-              <p:nvPr/>
-            </p:nvSpPr>
-            <p:spPr>
-              <a:xfrm>
-                <a:off x="2020763" y="3926556"/>
-                <a:ext cx="185346" cy="190040"/>
-              </a:xfrm>
-              <a:prstGeom prst="ellipse">
-                <a:avLst/>
-              </a:prstGeom>
-              <a:noFill/>
-              <a:ln>
-                <a:solidFill>
-                  <a:schemeClr val="bg2">
-                    <a:lumMod val="25000"/>
-                  </a:schemeClr>
-                </a:solidFill>
-              </a:ln>
-            </p:spPr>
-            <p:style>
-              <a:lnRef idx="2">
-                <a:schemeClr val="accent1">
-                  <a:shade val="50000"/>
-                </a:schemeClr>
-              </a:lnRef>
-              <a:fillRef idx="1">
-                <a:schemeClr val="accent1"/>
-              </a:fillRef>
-              <a:effectRef idx="0">
-                <a:schemeClr val="accent1"/>
-              </a:effectRef>
-              <a:fontRef idx="minor">
-                <a:schemeClr val="lt1"/>
-              </a:fontRef>
-            </p:style>
-            <p:txBody>
-              <a:bodyPr rtlCol="0" anchor="ctr"/>
-              <a:lstStyle/>
-              <a:p>
-                <a:pPr algn="ctr"/>
-                <a:endParaRPr kumimoji="1" lang="ja-JP" altLang="en-US"/>
-              </a:p>
-            </p:txBody>
-          </p:sp>
-          <p:sp>
-            <p:nvSpPr>
-              <p:cNvPr id="9" name="円/楕円 8">
-                <a:extLst>
-                  <a:ext uri="{FF2B5EF4-FFF2-40B4-BE49-F238E27FC236}">
-                    <a16:creationId xmlns:a16="http://schemas.microsoft.com/office/drawing/2014/main" id="{02F62211-63A5-3C44-8740-0A46DD25F4F9}"/>
-                  </a:ext>
-                </a:extLst>
-              </p:cNvPr>
-              <p:cNvSpPr/>
-              <p:nvPr/>
-            </p:nvSpPr>
-            <p:spPr>
-              <a:xfrm>
-                <a:off x="2020763" y="4561263"/>
-                <a:ext cx="185346" cy="190040"/>
-              </a:xfrm>
-              <a:prstGeom prst="ellipse">
-                <a:avLst/>
-              </a:prstGeom>
-              <a:noFill/>
-              <a:ln>
-                <a:solidFill>
-                  <a:schemeClr val="bg2">
-                    <a:lumMod val="25000"/>
-                  </a:schemeClr>
-                </a:solidFill>
-              </a:ln>
-            </p:spPr>
-            <p:style>
-              <a:lnRef idx="2">
-                <a:schemeClr val="accent1">
-                  <a:shade val="50000"/>
-                </a:schemeClr>
-              </a:lnRef>
-              <a:fillRef idx="1">
-                <a:schemeClr val="accent1"/>
-              </a:fillRef>
-              <a:effectRef idx="0">
-                <a:schemeClr val="accent1"/>
-              </a:effectRef>
-              <a:fontRef idx="minor">
-                <a:schemeClr val="lt1"/>
-              </a:fontRef>
-            </p:style>
-            <p:txBody>
-              <a:bodyPr rtlCol="0" anchor="ctr"/>
-              <a:lstStyle/>
-              <a:p>
-                <a:pPr algn="ctr"/>
-                <a:endParaRPr kumimoji="1" lang="ja-JP" altLang="en-US"/>
-              </a:p>
-            </p:txBody>
-          </p:sp>
-          <p:cxnSp>
-            <p:nvCxnSpPr>
-              <p:cNvPr id="10" name="直線コネクタ 9">
-                <a:extLst>
-                  <a:ext uri="{FF2B5EF4-FFF2-40B4-BE49-F238E27FC236}">
-                    <a16:creationId xmlns:a16="http://schemas.microsoft.com/office/drawing/2014/main" id="{0B30214B-B759-8444-9514-FAC8A19DE690}"/>
-                  </a:ext>
-                </a:extLst>
-              </p:cNvPr>
-              <p:cNvCxnSpPr>
-                <a:cxnSpLocks/>
-                <a:stCxn id="6" idx="6"/>
-                <a:endCxn id="8" idx="2"/>
-              </p:cNvCxnSpPr>
-              <p:nvPr/>
-            </p:nvCxnSpPr>
-            <p:spPr>
-              <a:xfrm flipV="1">
-                <a:off x="1194567" y="4021576"/>
-                <a:ext cx="826197" cy="728399"/>
-              </a:xfrm>
-              <a:prstGeom prst="line">
-                <a:avLst/>
-              </a:prstGeom>
-              <a:ln>
-                <a:solidFill>
-                  <a:schemeClr val="accent1"/>
-                </a:solidFill>
-              </a:ln>
-            </p:spPr>
-            <p:style>
-              <a:lnRef idx="1">
-                <a:schemeClr val="accent1"/>
-              </a:lnRef>
-              <a:fillRef idx="0">
-                <a:schemeClr val="accent1"/>
-              </a:fillRef>
-              <a:effectRef idx="0">
-                <a:schemeClr val="accent1"/>
-              </a:effectRef>
-              <a:fontRef idx="minor">
-                <a:schemeClr val="tx1"/>
-              </a:fontRef>
-            </p:style>
-          </p:cxnSp>
-          <p:cxnSp>
-            <p:nvCxnSpPr>
-              <p:cNvPr id="11" name="直線コネクタ 10">
-                <a:extLst>
-                  <a:ext uri="{FF2B5EF4-FFF2-40B4-BE49-F238E27FC236}">
-                    <a16:creationId xmlns:a16="http://schemas.microsoft.com/office/drawing/2014/main" id="{CCE4721B-8C62-5849-9F4F-C20C6F83913F}"/>
-                  </a:ext>
-                </a:extLst>
-              </p:cNvPr>
-              <p:cNvCxnSpPr>
-                <a:cxnSpLocks/>
-                <a:stCxn id="6" idx="6"/>
-                <a:endCxn id="9" idx="2"/>
-              </p:cNvCxnSpPr>
-              <p:nvPr/>
-            </p:nvCxnSpPr>
-            <p:spPr>
-              <a:xfrm flipV="1">
-                <a:off x="1194567" y="4656283"/>
-                <a:ext cx="826197" cy="93693"/>
-              </a:xfrm>
-              <a:prstGeom prst="line">
-                <a:avLst/>
-              </a:prstGeom>
-              <a:ln>
-                <a:solidFill>
-                  <a:schemeClr val="accent1"/>
-                </a:solidFill>
-              </a:ln>
-            </p:spPr>
-            <p:style>
-              <a:lnRef idx="1">
-                <a:schemeClr val="accent1"/>
-              </a:lnRef>
-              <a:fillRef idx="0">
-                <a:schemeClr val="accent1"/>
-              </a:fillRef>
-              <a:effectRef idx="0">
-                <a:schemeClr val="accent1"/>
-              </a:effectRef>
-              <a:fontRef idx="minor">
-                <a:schemeClr val="tx1"/>
-              </a:fontRef>
-            </p:style>
-          </p:cxnSp>
-          <p:cxnSp>
-            <p:nvCxnSpPr>
-              <p:cNvPr id="12" name="直線コネクタ 11">
-                <a:extLst>
-                  <a:ext uri="{FF2B5EF4-FFF2-40B4-BE49-F238E27FC236}">
-                    <a16:creationId xmlns:a16="http://schemas.microsoft.com/office/drawing/2014/main" id="{9A5682EA-FBD8-7349-809B-69C4288914E5}"/>
-                  </a:ext>
-                </a:extLst>
-              </p:cNvPr>
-              <p:cNvCxnSpPr>
-                <a:cxnSpLocks/>
-              </p:cNvCxnSpPr>
-              <p:nvPr/>
-            </p:nvCxnSpPr>
-            <p:spPr>
-              <a:xfrm>
-                <a:off x="2113436" y="4206880"/>
-                <a:ext cx="0" cy="231611"/>
-              </a:xfrm>
-              <a:prstGeom prst="line">
-                <a:avLst/>
-              </a:prstGeom>
-              <a:ln>
-                <a:solidFill>
-                  <a:schemeClr val="bg2">
-                    <a:lumMod val="25000"/>
-                  </a:schemeClr>
-                </a:solidFill>
-                <a:prstDash val="lgDash"/>
-              </a:ln>
-            </p:spPr>
-            <p:style>
-              <a:lnRef idx="1">
-                <a:schemeClr val="accent1"/>
-              </a:lnRef>
-              <a:fillRef idx="0">
-                <a:schemeClr val="accent1"/>
-              </a:fillRef>
-              <a:effectRef idx="0">
-                <a:schemeClr val="accent1"/>
-              </a:effectRef>
-              <a:fontRef idx="minor">
-                <a:schemeClr val="tx1"/>
-              </a:fontRef>
-            </p:style>
-          </p:cxnSp>
-          <p:cxnSp>
-            <p:nvCxnSpPr>
-              <p:cNvPr id="13" name="直線コネクタ 12">
-                <a:extLst>
-                  <a:ext uri="{FF2B5EF4-FFF2-40B4-BE49-F238E27FC236}">
-                    <a16:creationId xmlns:a16="http://schemas.microsoft.com/office/drawing/2014/main" id="{C628FEBC-B17A-F446-9C4F-E1F52CB88B74}"/>
-                  </a:ext>
-                </a:extLst>
-              </p:cNvPr>
-              <p:cNvCxnSpPr>
-                <a:cxnSpLocks/>
-                <a:stCxn id="7" idx="6"/>
-                <a:endCxn id="8" idx="2"/>
-              </p:cNvCxnSpPr>
-              <p:nvPr/>
-            </p:nvCxnSpPr>
-            <p:spPr>
-              <a:xfrm flipV="1">
-                <a:off x="1194567" y="4021576"/>
-                <a:ext cx="826197" cy="1326232"/>
-              </a:xfrm>
-              <a:prstGeom prst="line">
-                <a:avLst/>
-              </a:prstGeom>
-              <a:ln>
-                <a:solidFill>
-                  <a:schemeClr val="accent1"/>
-                </a:solidFill>
-              </a:ln>
-            </p:spPr>
-            <p:style>
-              <a:lnRef idx="1">
-                <a:schemeClr val="accent1"/>
-              </a:lnRef>
-              <a:fillRef idx="0">
-                <a:schemeClr val="accent1"/>
-              </a:fillRef>
-              <a:effectRef idx="0">
-                <a:schemeClr val="accent1"/>
-              </a:effectRef>
-              <a:fontRef idx="minor">
-                <a:schemeClr val="tx1"/>
-              </a:fontRef>
-            </p:style>
-          </p:cxnSp>
-          <p:cxnSp>
-            <p:nvCxnSpPr>
-              <p:cNvPr id="14" name="直線コネクタ 13">
-                <a:extLst>
-                  <a:ext uri="{FF2B5EF4-FFF2-40B4-BE49-F238E27FC236}">
-                    <a16:creationId xmlns:a16="http://schemas.microsoft.com/office/drawing/2014/main" id="{E21FE1AE-E7AE-E249-8FD1-9F2024F6CD41}"/>
-                  </a:ext>
-                </a:extLst>
-              </p:cNvPr>
-              <p:cNvCxnSpPr>
-                <a:cxnSpLocks/>
-                <a:stCxn id="7" idx="6"/>
-                <a:endCxn id="9" idx="2"/>
-              </p:cNvCxnSpPr>
-              <p:nvPr/>
-            </p:nvCxnSpPr>
-            <p:spPr>
-              <a:xfrm flipV="1">
-                <a:off x="1194567" y="4656283"/>
-                <a:ext cx="826197" cy="691526"/>
-              </a:xfrm>
-              <a:prstGeom prst="line">
-                <a:avLst/>
-              </a:prstGeom>
-              <a:ln>
-                <a:solidFill>
-                  <a:schemeClr val="accent1"/>
-                </a:solidFill>
-              </a:ln>
-            </p:spPr>
-            <p:style>
-              <a:lnRef idx="1">
-                <a:schemeClr val="accent1"/>
-              </a:lnRef>
-              <a:fillRef idx="0">
-                <a:schemeClr val="accent1"/>
-              </a:fillRef>
-              <a:effectRef idx="0">
-                <a:schemeClr val="accent1"/>
-              </a:effectRef>
-              <a:fontRef idx="minor">
-                <a:schemeClr val="tx1"/>
-              </a:fontRef>
-            </p:style>
-          </p:cxnSp>
-          <p:sp>
-            <p:nvSpPr>
-              <p:cNvPr id="15" name="円/楕円 14">
-                <a:extLst>
-                  <a:ext uri="{FF2B5EF4-FFF2-40B4-BE49-F238E27FC236}">
-                    <a16:creationId xmlns:a16="http://schemas.microsoft.com/office/drawing/2014/main" id="{FE9059F8-D273-6D42-A678-3A182CD08B28}"/>
-                  </a:ext>
-                </a:extLst>
-              </p:cNvPr>
-              <p:cNvSpPr/>
-              <p:nvPr/>
-            </p:nvSpPr>
-            <p:spPr>
-              <a:xfrm>
-                <a:off x="3004129" y="3925229"/>
-                <a:ext cx="185346" cy="190040"/>
-              </a:xfrm>
-              <a:prstGeom prst="ellipse">
-                <a:avLst/>
-              </a:prstGeom>
-              <a:noFill/>
-              <a:ln>
-                <a:solidFill>
-                  <a:schemeClr val="bg2">
-                    <a:lumMod val="25000"/>
-                  </a:schemeClr>
-                </a:solidFill>
-              </a:ln>
-            </p:spPr>
-            <p:style>
-              <a:lnRef idx="2">
-                <a:schemeClr val="accent1">
-                  <a:shade val="50000"/>
-                </a:schemeClr>
-              </a:lnRef>
-              <a:fillRef idx="1">
-                <a:schemeClr val="accent1"/>
-              </a:fillRef>
-              <a:effectRef idx="0">
-                <a:schemeClr val="accent1"/>
-              </a:effectRef>
-              <a:fontRef idx="minor">
-                <a:schemeClr val="lt1"/>
-              </a:fontRef>
-            </p:style>
-            <p:txBody>
-              <a:bodyPr rtlCol="0" anchor="ctr"/>
-              <a:lstStyle/>
-              <a:p>
-                <a:pPr algn="ctr"/>
-                <a:endParaRPr kumimoji="1" lang="ja-JP" altLang="en-US"/>
-              </a:p>
-            </p:txBody>
-          </p:sp>
-          <p:sp>
-            <p:nvSpPr>
-              <p:cNvPr id="16" name="円/楕円 15">
-                <a:extLst>
-                  <a:ext uri="{FF2B5EF4-FFF2-40B4-BE49-F238E27FC236}">
-                    <a16:creationId xmlns:a16="http://schemas.microsoft.com/office/drawing/2014/main" id="{3E77AC92-C08B-9444-AC49-60CD9FD98DEA}"/>
-                  </a:ext>
-                </a:extLst>
-              </p:cNvPr>
-              <p:cNvSpPr/>
-              <p:nvPr/>
-            </p:nvSpPr>
-            <p:spPr>
-              <a:xfrm>
-                <a:off x="3004129" y="4559936"/>
-                <a:ext cx="185346" cy="190040"/>
-              </a:xfrm>
-              <a:prstGeom prst="ellipse">
-                <a:avLst/>
-              </a:prstGeom>
-              <a:noFill/>
-              <a:ln>
-                <a:solidFill>
-                  <a:schemeClr val="bg2">
-                    <a:lumMod val="25000"/>
-                  </a:schemeClr>
-                </a:solidFill>
-              </a:ln>
-            </p:spPr>
-            <p:style>
-              <a:lnRef idx="2">
-                <a:schemeClr val="accent1">
-                  <a:shade val="50000"/>
-                </a:schemeClr>
-              </a:lnRef>
-              <a:fillRef idx="1">
-                <a:schemeClr val="accent1"/>
-              </a:fillRef>
-              <a:effectRef idx="0">
-                <a:schemeClr val="accent1"/>
-              </a:effectRef>
-              <a:fontRef idx="minor">
-                <a:schemeClr val="lt1"/>
-              </a:fontRef>
-            </p:style>
-            <p:txBody>
-              <a:bodyPr rtlCol="0" anchor="ctr"/>
-              <a:lstStyle/>
-              <a:p>
-                <a:pPr algn="ctr"/>
-                <a:endParaRPr kumimoji="1" lang="ja-JP" altLang="en-US"/>
-              </a:p>
-            </p:txBody>
-          </p:sp>
-          <p:cxnSp>
-            <p:nvCxnSpPr>
-              <p:cNvPr id="17" name="直線コネクタ 16">
-                <a:extLst>
-                  <a:ext uri="{FF2B5EF4-FFF2-40B4-BE49-F238E27FC236}">
-                    <a16:creationId xmlns:a16="http://schemas.microsoft.com/office/drawing/2014/main" id="{01501BFC-3A28-1841-BA1B-95B4DB4E9330}"/>
-                  </a:ext>
-                </a:extLst>
-              </p:cNvPr>
-              <p:cNvCxnSpPr>
-                <a:cxnSpLocks/>
-              </p:cNvCxnSpPr>
-              <p:nvPr/>
-            </p:nvCxnSpPr>
-            <p:spPr>
-              <a:xfrm>
-                <a:off x="3096802" y="4206880"/>
-                <a:ext cx="0" cy="231611"/>
-              </a:xfrm>
-              <a:prstGeom prst="line">
-                <a:avLst/>
-              </a:prstGeom>
-              <a:ln>
-                <a:solidFill>
-                  <a:schemeClr val="bg2">
-                    <a:lumMod val="25000"/>
-                  </a:schemeClr>
-                </a:solidFill>
-                <a:prstDash val="lgDash"/>
-              </a:ln>
-            </p:spPr>
-            <p:style>
-              <a:lnRef idx="1">
-                <a:schemeClr val="accent1"/>
-              </a:lnRef>
-              <a:fillRef idx="0">
-                <a:schemeClr val="accent1"/>
-              </a:fillRef>
-              <a:effectRef idx="0">
-                <a:schemeClr val="accent1"/>
-              </a:effectRef>
-              <a:fontRef idx="minor">
-                <a:schemeClr val="tx1"/>
-              </a:fontRef>
-            </p:style>
-          </p:cxnSp>
-          <p:cxnSp>
-            <p:nvCxnSpPr>
-              <p:cNvPr id="18" name="直線コネクタ 17">
-                <a:extLst>
-                  <a:ext uri="{FF2B5EF4-FFF2-40B4-BE49-F238E27FC236}">
-                    <a16:creationId xmlns:a16="http://schemas.microsoft.com/office/drawing/2014/main" id="{8E410C89-9211-1340-A50F-3ADFDFEA22BB}"/>
-                  </a:ext>
-                </a:extLst>
-              </p:cNvPr>
-              <p:cNvCxnSpPr>
-                <a:cxnSpLocks/>
-                <a:stCxn id="8" idx="6"/>
-                <a:endCxn id="15" idx="2"/>
-              </p:cNvCxnSpPr>
-              <p:nvPr/>
-            </p:nvCxnSpPr>
-            <p:spPr>
-              <a:xfrm flipV="1">
-                <a:off x="2206109" y="4020249"/>
-                <a:ext cx="798020" cy="1327"/>
-              </a:xfrm>
-              <a:prstGeom prst="line">
-                <a:avLst/>
-              </a:prstGeom>
-              <a:ln>
-                <a:solidFill>
-                  <a:schemeClr val="accent1"/>
-                </a:solidFill>
-              </a:ln>
-            </p:spPr>
-            <p:style>
-              <a:lnRef idx="1">
-                <a:schemeClr val="accent1"/>
-              </a:lnRef>
-              <a:fillRef idx="0">
-                <a:schemeClr val="accent1"/>
-              </a:fillRef>
-              <a:effectRef idx="0">
-                <a:schemeClr val="accent1"/>
-              </a:effectRef>
-              <a:fontRef idx="minor">
-                <a:schemeClr val="tx1"/>
-              </a:fontRef>
-            </p:style>
-          </p:cxnSp>
-          <p:cxnSp>
-            <p:nvCxnSpPr>
-              <p:cNvPr id="19" name="直線コネクタ 18">
-                <a:extLst>
-                  <a:ext uri="{FF2B5EF4-FFF2-40B4-BE49-F238E27FC236}">
-                    <a16:creationId xmlns:a16="http://schemas.microsoft.com/office/drawing/2014/main" id="{BA449A4A-1139-7B42-8438-647CE9D92AE5}"/>
-                  </a:ext>
-                </a:extLst>
-              </p:cNvPr>
-              <p:cNvCxnSpPr>
-                <a:cxnSpLocks/>
-                <a:stCxn id="8" idx="6"/>
-                <a:endCxn id="16" idx="2"/>
-              </p:cNvCxnSpPr>
-              <p:nvPr/>
-            </p:nvCxnSpPr>
-            <p:spPr>
-              <a:xfrm>
-                <a:off x="2206109" y="4021576"/>
-                <a:ext cx="798020" cy="633379"/>
-              </a:xfrm>
-              <a:prstGeom prst="line">
-                <a:avLst/>
-              </a:prstGeom>
-              <a:ln>
-                <a:solidFill>
-                  <a:schemeClr val="accent1"/>
-                </a:solidFill>
-              </a:ln>
-            </p:spPr>
-            <p:style>
-              <a:lnRef idx="1">
-                <a:schemeClr val="accent1"/>
-              </a:lnRef>
-              <a:fillRef idx="0">
-                <a:schemeClr val="accent1"/>
-              </a:fillRef>
-              <a:effectRef idx="0">
-                <a:schemeClr val="accent1"/>
-              </a:effectRef>
-              <a:fontRef idx="minor">
-                <a:schemeClr val="tx1"/>
-              </a:fontRef>
-            </p:style>
-          </p:cxnSp>
-          <p:cxnSp>
-            <p:nvCxnSpPr>
-              <p:cNvPr id="20" name="直線コネクタ 19">
-                <a:extLst>
-                  <a:ext uri="{FF2B5EF4-FFF2-40B4-BE49-F238E27FC236}">
-                    <a16:creationId xmlns:a16="http://schemas.microsoft.com/office/drawing/2014/main" id="{AECBA229-B0E9-FF4E-8FF4-1A5C4EF5294A}"/>
-                  </a:ext>
-                </a:extLst>
-              </p:cNvPr>
-              <p:cNvCxnSpPr>
-                <a:cxnSpLocks/>
-                <a:stCxn id="9" idx="6"/>
-                <a:endCxn id="16" idx="2"/>
-              </p:cNvCxnSpPr>
-              <p:nvPr/>
-            </p:nvCxnSpPr>
-            <p:spPr>
-              <a:xfrm flipV="1">
-                <a:off x="2206109" y="4654955"/>
-                <a:ext cx="798020" cy="1327"/>
-              </a:xfrm>
-              <a:prstGeom prst="line">
-                <a:avLst/>
-              </a:prstGeom>
-              <a:ln>
-                <a:solidFill>
-                  <a:schemeClr val="accent1"/>
-                </a:solidFill>
-              </a:ln>
-            </p:spPr>
-            <p:style>
-              <a:lnRef idx="1">
-                <a:schemeClr val="accent1"/>
-              </a:lnRef>
-              <a:fillRef idx="0">
-                <a:schemeClr val="accent1"/>
-              </a:fillRef>
-              <a:effectRef idx="0">
-                <a:schemeClr val="accent1"/>
-              </a:effectRef>
-              <a:fontRef idx="minor">
-                <a:schemeClr val="tx1"/>
-              </a:fontRef>
-            </p:style>
-          </p:cxnSp>
-          <p:cxnSp>
-            <p:nvCxnSpPr>
-              <p:cNvPr id="21" name="直線コネクタ 20">
-                <a:extLst>
-                  <a:ext uri="{FF2B5EF4-FFF2-40B4-BE49-F238E27FC236}">
-                    <a16:creationId xmlns:a16="http://schemas.microsoft.com/office/drawing/2014/main" id="{B93A60B5-3682-3543-9C10-68E0173DC3B3}"/>
-                  </a:ext>
-                </a:extLst>
-              </p:cNvPr>
-              <p:cNvCxnSpPr>
-                <a:cxnSpLocks/>
-                <a:stCxn id="9" idx="6"/>
-                <a:endCxn id="15" idx="2"/>
-              </p:cNvCxnSpPr>
-              <p:nvPr/>
-            </p:nvCxnSpPr>
-            <p:spPr>
-              <a:xfrm flipV="1">
-                <a:off x="2206109" y="4020249"/>
-                <a:ext cx="798020" cy="636034"/>
-              </a:xfrm>
-              <a:prstGeom prst="line">
-                <a:avLst/>
-              </a:prstGeom>
-              <a:ln>
-                <a:solidFill>
-                  <a:schemeClr val="accent1"/>
-                </a:solidFill>
-              </a:ln>
-            </p:spPr>
-            <p:style>
-              <a:lnRef idx="1">
-                <a:schemeClr val="accent1"/>
-              </a:lnRef>
-              <a:fillRef idx="0">
-                <a:schemeClr val="accent1"/>
-              </a:fillRef>
-              <a:effectRef idx="0">
-                <a:schemeClr val="accent1"/>
-              </a:effectRef>
-              <a:fontRef idx="minor">
-                <a:schemeClr val="tx1"/>
-              </a:fontRef>
-            </p:style>
-          </p:cxnSp>
-          <p:sp>
-            <p:nvSpPr>
-              <p:cNvPr id="22" name="円/楕円 21">
-                <a:extLst>
-                  <a:ext uri="{FF2B5EF4-FFF2-40B4-BE49-F238E27FC236}">
-                    <a16:creationId xmlns:a16="http://schemas.microsoft.com/office/drawing/2014/main" id="{B791657F-0618-B34A-9590-3881251138DB}"/>
-                  </a:ext>
-                </a:extLst>
-              </p:cNvPr>
-              <p:cNvSpPr/>
-              <p:nvPr/>
-            </p:nvSpPr>
-            <p:spPr>
-              <a:xfrm>
-                <a:off x="4005854" y="4654955"/>
-                <a:ext cx="185346" cy="190040"/>
-              </a:xfrm>
-              <a:prstGeom prst="ellipse">
-                <a:avLst/>
-              </a:prstGeom>
-              <a:noFill/>
-              <a:ln>
-                <a:solidFill>
-                  <a:schemeClr val="bg2">
-                    <a:lumMod val="25000"/>
-                  </a:schemeClr>
-                </a:solidFill>
-              </a:ln>
-            </p:spPr>
-            <p:style>
-              <a:lnRef idx="2">
-                <a:schemeClr val="accent1">
-                  <a:shade val="50000"/>
-                </a:schemeClr>
-              </a:lnRef>
-              <a:fillRef idx="1">
-                <a:schemeClr val="accent1"/>
-              </a:fillRef>
-              <a:effectRef idx="0">
-                <a:schemeClr val="accent1"/>
-              </a:effectRef>
-              <a:fontRef idx="minor">
-                <a:schemeClr val="lt1"/>
-              </a:fontRef>
-            </p:style>
-            <p:txBody>
-              <a:bodyPr rtlCol="0" anchor="ctr"/>
-              <a:lstStyle/>
-              <a:p>
-                <a:pPr algn="ctr"/>
-                <a:endParaRPr kumimoji="1" lang="ja-JP" altLang="en-US"/>
-              </a:p>
-            </p:txBody>
-          </p:sp>
-          <p:cxnSp>
-            <p:nvCxnSpPr>
-              <p:cNvPr id="23" name="直線コネクタ 22">
-                <a:extLst>
-                  <a:ext uri="{FF2B5EF4-FFF2-40B4-BE49-F238E27FC236}">
-                    <a16:creationId xmlns:a16="http://schemas.microsoft.com/office/drawing/2014/main" id="{73FFFB48-F9BD-E445-86A6-B95BD6EA0FD2}"/>
-                  </a:ext>
-                </a:extLst>
-              </p:cNvPr>
-              <p:cNvCxnSpPr>
-                <a:cxnSpLocks/>
-                <a:stCxn id="22" idx="2"/>
-                <a:endCxn id="15" idx="6"/>
-              </p:cNvCxnSpPr>
-              <p:nvPr/>
-            </p:nvCxnSpPr>
-            <p:spPr>
-              <a:xfrm flipH="1" flipV="1">
-                <a:off x="3189475" y="4020249"/>
-                <a:ext cx="816379" cy="729726"/>
-              </a:xfrm>
-              <a:prstGeom prst="line">
-                <a:avLst/>
-              </a:prstGeom>
-              <a:ln>
-                <a:solidFill>
-                  <a:schemeClr val="accent1"/>
-                </a:solidFill>
-              </a:ln>
-            </p:spPr>
-            <p:style>
-              <a:lnRef idx="1">
-                <a:schemeClr val="accent1"/>
-              </a:lnRef>
-              <a:fillRef idx="0">
-                <a:schemeClr val="accent1"/>
-              </a:fillRef>
-              <a:effectRef idx="0">
-                <a:schemeClr val="accent1"/>
-              </a:effectRef>
-              <a:fontRef idx="minor">
-                <a:schemeClr val="tx1"/>
-              </a:fontRef>
-            </p:style>
-          </p:cxnSp>
-          <p:cxnSp>
-            <p:nvCxnSpPr>
-              <p:cNvPr id="24" name="直線コネクタ 23">
-                <a:extLst>
-                  <a:ext uri="{FF2B5EF4-FFF2-40B4-BE49-F238E27FC236}">
-                    <a16:creationId xmlns:a16="http://schemas.microsoft.com/office/drawing/2014/main" id="{7766F440-ACAD-C449-825F-DCE6AC69C239}"/>
-                  </a:ext>
-                </a:extLst>
-              </p:cNvPr>
-              <p:cNvCxnSpPr>
-                <a:cxnSpLocks/>
-                <a:stCxn id="22" idx="2"/>
-                <a:endCxn id="16" idx="6"/>
-              </p:cNvCxnSpPr>
-              <p:nvPr/>
-            </p:nvCxnSpPr>
-            <p:spPr>
-              <a:xfrm flipH="1" flipV="1">
-                <a:off x="3189475" y="4654956"/>
-                <a:ext cx="816379" cy="95019"/>
-              </a:xfrm>
-              <a:prstGeom prst="line">
-                <a:avLst/>
-              </a:prstGeom>
-              <a:ln>
-                <a:solidFill>
-                  <a:schemeClr val="accent1"/>
-                </a:solidFill>
-              </a:ln>
-            </p:spPr>
-            <p:style>
-              <a:lnRef idx="1">
-                <a:schemeClr val="accent1"/>
-              </a:lnRef>
-              <a:fillRef idx="0">
-                <a:schemeClr val="accent1"/>
-              </a:fillRef>
-              <a:effectRef idx="0">
-                <a:schemeClr val="accent1"/>
-              </a:effectRef>
-              <a:fontRef idx="minor">
-                <a:schemeClr val="tx1"/>
-              </a:fontRef>
-            </p:style>
-          </p:cxnSp>
-          <mc:AlternateContent xmlns:mc="http://schemas.openxmlformats.org/markup-compatibility/2006" xmlns:a14="http://schemas.microsoft.com/office/drawing/2010/main">
-            <mc:Choice Requires="a14">
-              <p:sp>
-                <p:nvSpPr>
-                  <p:cNvPr id="25" name="テキスト ボックス 24">
-                    <a:extLst>
-                      <a:ext uri="{FF2B5EF4-FFF2-40B4-BE49-F238E27FC236}">
-                        <a16:creationId xmlns:a16="http://schemas.microsoft.com/office/drawing/2014/main" id="{0220A4A2-96AF-4949-8742-241ABD17646F}"/>
-                      </a:ext>
-                    </a:extLst>
-                  </p:cNvPr>
-                  <p:cNvSpPr txBox="1"/>
-                  <p:nvPr/>
-                </p:nvSpPr>
-                <p:spPr>
-                  <a:xfrm>
-                    <a:off x="4098527" y="4475259"/>
-                    <a:ext cx="562975" cy="307777"/>
-                  </a:xfrm>
-                  <a:prstGeom prst="rect">
-                    <a:avLst/>
-                  </a:prstGeom>
-                  <a:noFill/>
-                </p:spPr>
-                <p:txBody>
-                  <a:bodyPr wrap="none" rtlCol="0">
-                    <a:spAutoFit/>
-                  </a:bodyPr>
-                  <a:lstStyle/>
-                  <a:p>
-                    <a:pPr/>
-                    <a14:m>
-                      <m:oMathPara xmlns:m="http://schemas.openxmlformats.org/officeDocument/2006/math">
-                        <m:oMathParaPr>
-                          <m:jc m:val="centerGroup"/>
-                        </m:oMathParaPr>
-                        <m:oMath xmlns:m="http://schemas.openxmlformats.org/officeDocument/2006/math">
-                          <m:r>
-                            <a:rPr kumimoji="1" lang="en-US" altLang="ja-JP" sz="1400" b="0" i="1" smtClean="0">
-                              <a:solidFill>
-                                <a:schemeClr val="accent1"/>
-                              </a:solidFill>
-                              <a:latin typeface="Cambria Math" panose="02040503050406030204" pitchFamily="18" charset="0"/>
-                            </a:rPr>
-                            <m:t>𝑎</m:t>
-                          </m:r>
-                          <m:r>
-                            <a:rPr kumimoji="1" lang="en-US" altLang="ja-JP" sz="1400" b="0" i="1" smtClean="0">
-                              <a:solidFill>
-                                <a:schemeClr val="accent1"/>
-                              </a:solidFill>
-                              <a:latin typeface="Cambria Math" panose="02040503050406030204" pitchFamily="18" charset="0"/>
-                            </a:rPr>
-                            <m:t>(</m:t>
-                          </m:r>
-                          <m:r>
-                            <a:rPr kumimoji="1" lang="en-US" altLang="ja-JP" sz="1400" b="0" i="1" smtClean="0">
-                              <a:solidFill>
-                                <a:schemeClr val="accent1"/>
-                              </a:solidFill>
-                              <a:latin typeface="Cambria Math" panose="02040503050406030204" pitchFamily="18" charset="0"/>
-                            </a:rPr>
-                            <m:t>𝑠</m:t>
-                          </m:r>
-                          <m:r>
-                            <a:rPr kumimoji="1" lang="en-US" altLang="ja-JP" sz="1400" b="0" i="1" smtClean="0">
-                              <a:solidFill>
-                                <a:schemeClr val="accent1"/>
-                              </a:solidFill>
-                              <a:latin typeface="Cambria Math" panose="02040503050406030204" pitchFamily="18" charset="0"/>
-                            </a:rPr>
-                            <m:t>)</m:t>
-                          </m:r>
-                        </m:oMath>
-                      </m:oMathPara>
-                    </a14:m>
-                    <a:endParaRPr kumimoji="1" lang="ja-JP" altLang="en-US" sz="1400">
-                      <a:solidFill>
-                        <a:schemeClr val="accent1"/>
-                      </a:solidFill>
-                    </a:endParaRPr>
-                  </a:p>
-                </p:txBody>
-              </p:sp>
-            </mc:Choice>
-            <mc:Fallback xmlns="">
-              <p:sp>
-                <p:nvSpPr>
-                  <p:cNvPr id="25" name="テキスト ボックス 24">
-                    <a:extLst>
-                      <a:ext uri="{FF2B5EF4-FFF2-40B4-BE49-F238E27FC236}">
-                        <a16:creationId xmlns:a16="http://schemas.microsoft.com/office/drawing/2014/main" id="{0220A4A2-96AF-4949-8742-241ABD17646F}"/>
-                      </a:ext>
-                    </a:extLst>
-                  </p:cNvPr>
-                  <p:cNvSpPr txBox="1">
-                    <a:spLocks noRot="1" noChangeAspect="1" noMove="1" noResize="1" noEditPoints="1" noAdjustHandles="1" noChangeArrowheads="1" noChangeShapeType="1" noTextEdit="1"/>
-                  </p:cNvSpPr>
-                  <p:nvPr/>
-                </p:nvSpPr>
-                <p:spPr>
-                  <a:xfrm>
-                    <a:off x="4098527" y="4475259"/>
-                    <a:ext cx="562975" cy="307777"/>
-                  </a:xfrm>
-                  <a:prstGeom prst="rect">
-                    <a:avLst/>
-                  </a:prstGeom>
-                  <a:blipFill>
-                    <a:blip r:embed="rId3"/>
-                    <a:stretch>
-                      <a:fillRect b="-8000"/>
-                    </a:stretch>
-                  </a:blipFill>
-                </p:spPr>
-                <p:txBody>
-                  <a:bodyPr/>
-                  <a:lstStyle/>
-                  <a:p>
-                    <a:r>
-                      <a:rPr lang="ja-JP" altLang="en-US">
-                        <a:noFill/>
-                      </a:rPr>
-                      <a:t> </a:t>
-                    </a:r>
-                  </a:p>
-                </p:txBody>
-              </p:sp>
-            </mc:Fallback>
-          </mc:AlternateContent>
-          <mc:AlternateContent xmlns:mc="http://schemas.openxmlformats.org/markup-compatibility/2006" xmlns:a14="http://schemas.microsoft.com/office/drawing/2010/main">
-            <mc:Choice Requires="a14">
-              <p:sp>
-                <p:nvSpPr>
-                  <p:cNvPr id="26" name="正方形/長方形 25">
-                    <a:extLst>
-                      <a:ext uri="{FF2B5EF4-FFF2-40B4-BE49-F238E27FC236}">
-                        <a16:creationId xmlns:a16="http://schemas.microsoft.com/office/drawing/2014/main" id="{0F95C1DF-F9F4-1242-96D8-342BB8576850}"/>
-                      </a:ext>
-                    </a:extLst>
-                  </p:cNvPr>
-                  <p:cNvSpPr/>
-                  <p:nvPr/>
-                </p:nvSpPr>
-                <p:spPr>
-                  <a:xfrm>
-                    <a:off x="817243" y="4332998"/>
-                    <a:ext cx="382349" cy="307777"/>
-                  </a:xfrm>
-                  <a:prstGeom prst="rect">
-                    <a:avLst/>
-                  </a:prstGeom>
-                </p:spPr>
-                <p:txBody>
-                  <a:bodyPr wrap="none">
-                    <a:spAutoFit/>
-                  </a:bodyPr>
-                  <a:lstStyle/>
-                  <a:p>
-                    <a:pPr/>
-                    <a14:m>
-                      <m:oMathPara xmlns:m="http://schemas.openxmlformats.org/officeDocument/2006/math">
-                        <m:oMathParaPr>
-                          <m:jc m:val="centerGroup"/>
-                        </m:oMathParaPr>
-                        <m:oMath xmlns:m="http://schemas.openxmlformats.org/officeDocument/2006/math">
-                          <m:sSub>
-                            <m:sSubPr>
-                              <m:ctrlPr>
-                                <a:rPr lang="en-US" altLang="ja-JP" sz="1400" i="1" smtClean="0">
-                                  <a:solidFill>
-                                    <a:schemeClr val="tx1">
-                                      <a:lumMod val="85000"/>
-                                      <a:lumOff val="15000"/>
-                                    </a:schemeClr>
-                                  </a:solidFill>
-                                  <a:latin typeface="Cambria Math" panose="02040503050406030204" pitchFamily="18" charset="0"/>
-                                </a:rPr>
-                              </m:ctrlPr>
-                            </m:sSubPr>
-                            <m:e>
-                              <m:r>
-                                <a:rPr lang="en-US" altLang="ja-JP" sz="1400" b="0" i="1" smtClean="0">
-                                  <a:solidFill>
-                                    <a:schemeClr val="tx1">
-                                      <a:lumMod val="85000"/>
-                                      <a:lumOff val="15000"/>
-                                    </a:schemeClr>
-                                  </a:solidFill>
-                                  <a:latin typeface="Cambria Math" panose="02040503050406030204" pitchFamily="18" charset="0"/>
-                                </a:rPr>
-                                <m:t>𝑠</m:t>
-                              </m:r>
-                            </m:e>
-                            <m:sub>
-                              <m:r>
-                                <a:rPr lang="en-US" altLang="ja-JP" sz="1400" b="0" i="1" smtClean="0">
-                                  <a:solidFill>
-                                    <a:schemeClr val="tx1">
-                                      <a:lumMod val="85000"/>
-                                      <a:lumOff val="15000"/>
-                                    </a:schemeClr>
-                                  </a:solidFill>
-                                  <a:latin typeface="Cambria Math" panose="02040503050406030204" pitchFamily="18" charset="0"/>
-                                </a:rPr>
-                                <m:t>1</m:t>
-                              </m:r>
-                            </m:sub>
-                          </m:sSub>
-                        </m:oMath>
-                      </m:oMathPara>
-                    </a14:m>
-                    <a:endParaRPr lang="ja-JP" altLang="en-US" sz="1400">
-                      <a:solidFill>
-                        <a:schemeClr val="tx1">
-                          <a:lumMod val="85000"/>
-                          <a:lumOff val="15000"/>
-                        </a:schemeClr>
-                      </a:solidFill>
-                    </a:endParaRPr>
-                  </a:p>
-                </p:txBody>
-              </p:sp>
-            </mc:Choice>
-            <mc:Fallback xmlns="">
-              <p:sp>
-                <p:nvSpPr>
-                  <p:cNvPr id="26" name="正方形/長方形 25">
-                    <a:extLst>
-                      <a:ext uri="{FF2B5EF4-FFF2-40B4-BE49-F238E27FC236}">
-                        <a16:creationId xmlns:a16="http://schemas.microsoft.com/office/drawing/2014/main" id="{0F95C1DF-F9F4-1242-96D8-342BB8576850}"/>
-                      </a:ext>
-                    </a:extLst>
-                  </p:cNvPr>
-                  <p:cNvSpPr>
-                    <a:spLocks noRot="1" noChangeAspect="1" noMove="1" noResize="1" noEditPoints="1" noAdjustHandles="1" noChangeArrowheads="1" noChangeShapeType="1" noTextEdit="1"/>
-                  </p:cNvSpPr>
-                  <p:nvPr/>
-                </p:nvSpPr>
-                <p:spPr>
-                  <a:xfrm>
-                    <a:off x="817243" y="4332998"/>
-                    <a:ext cx="382349" cy="307777"/>
-                  </a:xfrm>
-                  <a:prstGeom prst="rect">
-                    <a:avLst/>
-                  </a:prstGeom>
-                  <a:blipFill>
-                    <a:blip r:embed="rId4"/>
-                    <a:stretch>
-                      <a:fillRect/>
-                    </a:stretch>
-                  </a:blipFill>
-                </p:spPr>
-                <p:txBody>
-                  <a:bodyPr/>
-                  <a:lstStyle/>
-                  <a:p>
-                    <a:r>
-                      <a:rPr lang="ja-JP" altLang="en-US">
-                        <a:noFill/>
-                      </a:rPr>
-                      <a:t> </a:t>
-                    </a:r>
-                  </a:p>
-                </p:txBody>
-              </p:sp>
-            </mc:Fallback>
-          </mc:AlternateContent>
-          <p:sp>
-            <p:nvSpPr>
-              <p:cNvPr id="28" name="円/楕円 27">
-                <a:extLst>
-                  <a:ext uri="{FF2B5EF4-FFF2-40B4-BE49-F238E27FC236}">
-                    <a16:creationId xmlns:a16="http://schemas.microsoft.com/office/drawing/2014/main" id="{8C05AC09-D5FE-C547-8AE8-9E3687AB7159}"/>
-                  </a:ext>
-                </a:extLst>
-              </p:cNvPr>
-              <p:cNvSpPr/>
-              <p:nvPr/>
-            </p:nvSpPr>
-            <p:spPr>
-              <a:xfrm>
-                <a:off x="2001701" y="5396186"/>
-                <a:ext cx="185346" cy="190040"/>
-              </a:xfrm>
-              <a:prstGeom prst="ellipse">
-                <a:avLst/>
-              </a:prstGeom>
-              <a:noFill/>
-              <a:ln>
-                <a:solidFill>
-                  <a:schemeClr val="bg2">
-                    <a:lumMod val="25000"/>
-                  </a:schemeClr>
-                </a:solidFill>
-              </a:ln>
-            </p:spPr>
-            <p:style>
-              <a:lnRef idx="2">
-                <a:schemeClr val="accent1">
-                  <a:shade val="50000"/>
-                </a:schemeClr>
-              </a:lnRef>
-              <a:fillRef idx="1">
-                <a:schemeClr val="accent1"/>
-              </a:fillRef>
-              <a:effectRef idx="0">
-                <a:schemeClr val="accent1"/>
-              </a:effectRef>
-              <a:fontRef idx="minor">
-                <a:schemeClr val="lt1"/>
-              </a:fontRef>
-            </p:style>
-            <p:txBody>
-              <a:bodyPr rtlCol="0" anchor="ctr"/>
-              <a:lstStyle/>
-              <a:p>
-                <a:pPr algn="ctr"/>
-                <a:endParaRPr kumimoji="1" lang="ja-JP" altLang="en-US"/>
-              </a:p>
-            </p:txBody>
-          </p:sp>
-          <p:sp>
-            <p:nvSpPr>
-              <p:cNvPr id="29" name="円/楕円 28">
-                <a:extLst>
-                  <a:ext uri="{FF2B5EF4-FFF2-40B4-BE49-F238E27FC236}">
-                    <a16:creationId xmlns:a16="http://schemas.microsoft.com/office/drawing/2014/main" id="{3C9D833A-8C91-9F41-A211-335095648BF3}"/>
-                  </a:ext>
-                </a:extLst>
-              </p:cNvPr>
-              <p:cNvSpPr/>
-              <p:nvPr/>
-            </p:nvSpPr>
-            <p:spPr>
-              <a:xfrm>
-                <a:off x="2001701" y="6030892"/>
-                <a:ext cx="185346" cy="190040"/>
-              </a:xfrm>
-              <a:prstGeom prst="ellipse">
-                <a:avLst/>
-              </a:prstGeom>
-              <a:noFill/>
-              <a:ln>
-                <a:solidFill>
-                  <a:schemeClr val="bg2">
-                    <a:lumMod val="25000"/>
-                  </a:schemeClr>
-                </a:solidFill>
-              </a:ln>
-            </p:spPr>
-            <p:style>
-              <a:lnRef idx="2">
-                <a:schemeClr val="accent1">
-                  <a:shade val="50000"/>
-                </a:schemeClr>
-              </a:lnRef>
-              <a:fillRef idx="1">
-                <a:schemeClr val="accent1"/>
-              </a:fillRef>
-              <a:effectRef idx="0">
-                <a:schemeClr val="accent1"/>
-              </a:effectRef>
-              <a:fontRef idx="minor">
-                <a:schemeClr val="lt1"/>
-              </a:fontRef>
-            </p:style>
-            <p:txBody>
-              <a:bodyPr rtlCol="0" anchor="ctr"/>
-              <a:lstStyle/>
-              <a:p>
-                <a:pPr algn="ctr"/>
-                <a:endParaRPr kumimoji="1" lang="ja-JP" altLang="en-US"/>
-              </a:p>
-            </p:txBody>
-          </p:sp>
-          <p:cxnSp>
-            <p:nvCxnSpPr>
-              <p:cNvPr id="30" name="直線コネクタ 29">
-                <a:extLst>
-                  <a:ext uri="{FF2B5EF4-FFF2-40B4-BE49-F238E27FC236}">
-                    <a16:creationId xmlns:a16="http://schemas.microsoft.com/office/drawing/2014/main" id="{AE9DFBDB-EB11-414A-B763-A28319765371}"/>
-                  </a:ext>
-                </a:extLst>
-              </p:cNvPr>
-              <p:cNvCxnSpPr>
-                <a:cxnSpLocks/>
-                <a:stCxn id="6" idx="6"/>
-                <a:endCxn id="28" idx="2"/>
-              </p:cNvCxnSpPr>
-              <p:nvPr/>
-            </p:nvCxnSpPr>
-            <p:spPr>
-              <a:xfrm>
-                <a:off x="1194567" y="4749975"/>
-                <a:ext cx="807134" cy="741230"/>
-              </a:xfrm>
-              <a:prstGeom prst="line">
-                <a:avLst/>
-              </a:prstGeom>
-              <a:ln>
-                <a:solidFill>
-                  <a:srgbClr val="C00000"/>
-                </a:solidFill>
-              </a:ln>
-            </p:spPr>
-            <p:style>
-              <a:lnRef idx="1">
-                <a:schemeClr val="accent1"/>
-              </a:lnRef>
-              <a:fillRef idx="0">
-                <a:schemeClr val="accent1"/>
-              </a:fillRef>
-              <a:effectRef idx="0">
-                <a:schemeClr val="accent1"/>
-              </a:effectRef>
-              <a:fontRef idx="minor">
-                <a:schemeClr val="tx1"/>
-              </a:fontRef>
-            </p:style>
-          </p:cxnSp>
-          <p:cxnSp>
-            <p:nvCxnSpPr>
-              <p:cNvPr id="31" name="直線コネクタ 30">
-                <a:extLst>
-                  <a:ext uri="{FF2B5EF4-FFF2-40B4-BE49-F238E27FC236}">
-                    <a16:creationId xmlns:a16="http://schemas.microsoft.com/office/drawing/2014/main" id="{BD24E86A-BEDC-6646-9E9C-DFCCAACAFBAC}"/>
-                  </a:ext>
-                </a:extLst>
-              </p:cNvPr>
-              <p:cNvCxnSpPr>
-                <a:cxnSpLocks/>
-                <a:stCxn id="6" idx="6"/>
-                <a:endCxn id="29" idx="1"/>
-              </p:cNvCxnSpPr>
-              <p:nvPr/>
-            </p:nvCxnSpPr>
-            <p:spPr>
-              <a:xfrm>
-                <a:off x="1194567" y="4749975"/>
-                <a:ext cx="834277" cy="1308748"/>
-              </a:xfrm>
-              <a:prstGeom prst="line">
-                <a:avLst/>
-              </a:prstGeom>
-              <a:ln>
-                <a:solidFill>
-                  <a:srgbClr val="C00000"/>
-                </a:solidFill>
-              </a:ln>
-            </p:spPr>
-            <p:style>
-              <a:lnRef idx="1">
-                <a:schemeClr val="accent1"/>
-              </a:lnRef>
-              <a:fillRef idx="0">
-                <a:schemeClr val="accent1"/>
-              </a:fillRef>
-              <a:effectRef idx="0">
-                <a:schemeClr val="accent1"/>
-              </a:effectRef>
-              <a:fontRef idx="minor">
-                <a:schemeClr val="tx1"/>
-              </a:fontRef>
-            </p:style>
-          </p:cxnSp>
-          <p:cxnSp>
-            <p:nvCxnSpPr>
-              <p:cNvPr id="32" name="直線コネクタ 31">
-                <a:extLst>
-                  <a:ext uri="{FF2B5EF4-FFF2-40B4-BE49-F238E27FC236}">
-                    <a16:creationId xmlns:a16="http://schemas.microsoft.com/office/drawing/2014/main" id="{8A63934E-3786-4543-9107-D95B1B05E3A6}"/>
-                  </a:ext>
-                </a:extLst>
-              </p:cNvPr>
-              <p:cNvCxnSpPr>
-                <a:cxnSpLocks/>
-              </p:cNvCxnSpPr>
-              <p:nvPr/>
-            </p:nvCxnSpPr>
-            <p:spPr>
-              <a:xfrm>
-                <a:off x="2094374" y="5676509"/>
-                <a:ext cx="0" cy="231611"/>
-              </a:xfrm>
-              <a:prstGeom prst="line">
-                <a:avLst/>
-              </a:prstGeom>
-              <a:ln>
-                <a:solidFill>
-                  <a:schemeClr val="bg2">
-                    <a:lumMod val="25000"/>
-                  </a:schemeClr>
-                </a:solidFill>
-                <a:prstDash val="lgDash"/>
-              </a:ln>
-            </p:spPr>
-            <p:style>
-              <a:lnRef idx="1">
-                <a:schemeClr val="accent1"/>
-              </a:lnRef>
-              <a:fillRef idx="0">
-                <a:schemeClr val="accent1"/>
-              </a:fillRef>
-              <a:effectRef idx="0">
-                <a:schemeClr val="accent1"/>
-              </a:effectRef>
-              <a:fontRef idx="minor">
-                <a:schemeClr val="tx1"/>
-              </a:fontRef>
-            </p:style>
-          </p:cxnSp>
-          <p:cxnSp>
-            <p:nvCxnSpPr>
-              <p:cNvPr id="33" name="直線コネクタ 32">
-                <a:extLst>
-                  <a:ext uri="{FF2B5EF4-FFF2-40B4-BE49-F238E27FC236}">
-                    <a16:creationId xmlns:a16="http://schemas.microsoft.com/office/drawing/2014/main" id="{6137D2EB-CD7A-0B4F-8909-6A698F875840}"/>
-                  </a:ext>
-                </a:extLst>
-              </p:cNvPr>
-              <p:cNvCxnSpPr>
-                <a:cxnSpLocks/>
-                <a:stCxn id="7" idx="6"/>
-                <a:endCxn id="28" idx="2"/>
-              </p:cNvCxnSpPr>
-              <p:nvPr/>
-            </p:nvCxnSpPr>
-            <p:spPr>
-              <a:xfrm>
-                <a:off x="1194567" y="5347808"/>
-                <a:ext cx="807134" cy="143397"/>
-              </a:xfrm>
-              <a:prstGeom prst="line">
-                <a:avLst/>
-              </a:prstGeom>
-              <a:ln>
-                <a:solidFill>
-                  <a:srgbClr val="C00000"/>
-                </a:solidFill>
-              </a:ln>
-            </p:spPr>
-            <p:style>
-              <a:lnRef idx="1">
-                <a:schemeClr val="accent1"/>
-              </a:lnRef>
-              <a:fillRef idx="0">
-                <a:schemeClr val="accent1"/>
-              </a:fillRef>
-              <a:effectRef idx="0">
-                <a:schemeClr val="accent1"/>
-              </a:effectRef>
-              <a:fontRef idx="minor">
-                <a:schemeClr val="tx1"/>
-              </a:fontRef>
-            </p:style>
-          </p:cxnSp>
-          <p:cxnSp>
-            <p:nvCxnSpPr>
-              <p:cNvPr id="34" name="直線コネクタ 33">
-                <a:extLst>
-                  <a:ext uri="{FF2B5EF4-FFF2-40B4-BE49-F238E27FC236}">
-                    <a16:creationId xmlns:a16="http://schemas.microsoft.com/office/drawing/2014/main" id="{FC3D5853-F3D8-C849-862D-538C9430E7A8}"/>
-                  </a:ext>
-                </a:extLst>
-              </p:cNvPr>
-              <p:cNvCxnSpPr>
-                <a:cxnSpLocks/>
-                <a:stCxn id="7" idx="6"/>
-                <a:endCxn id="29" idx="1"/>
-              </p:cNvCxnSpPr>
-              <p:nvPr/>
-            </p:nvCxnSpPr>
-            <p:spPr>
-              <a:xfrm>
-                <a:off x="1194567" y="5347808"/>
-                <a:ext cx="834277" cy="710915"/>
-              </a:xfrm>
-              <a:prstGeom prst="line">
-                <a:avLst/>
-              </a:prstGeom>
-              <a:ln>
-                <a:solidFill>
-                  <a:srgbClr val="C00000"/>
-                </a:solidFill>
-              </a:ln>
-            </p:spPr>
-            <p:style>
-              <a:lnRef idx="1">
-                <a:schemeClr val="accent1"/>
-              </a:lnRef>
-              <a:fillRef idx="0">
-                <a:schemeClr val="accent1"/>
-              </a:fillRef>
-              <a:effectRef idx="0">
-                <a:schemeClr val="accent1"/>
-              </a:effectRef>
-              <a:fontRef idx="minor">
-                <a:schemeClr val="tx1"/>
-              </a:fontRef>
-            </p:style>
-          </p:cxnSp>
-          <p:sp>
-            <p:nvSpPr>
-              <p:cNvPr id="35" name="円/楕円 34">
-                <a:extLst>
-                  <a:ext uri="{FF2B5EF4-FFF2-40B4-BE49-F238E27FC236}">
-                    <a16:creationId xmlns:a16="http://schemas.microsoft.com/office/drawing/2014/main" id="{69F00EAF-1793-674D-A2C5-5EB0D7213BCF}"/>
-                  </a:ext>
-                </a:extLst>
-              </p:cNvPr>
-              <p:cNvSpPr/>
-              <p:nvPr/>
-            </p:nvSpPr>
-            <p:spPr>
-              <a:xfrm>
-                <a:off x="2985067" y="5394859"/>
-                <a:ext cx="185346" cy="190040"/>
-              </a:xfrm>
-              <a:prstGeom prst="ellipse">
-                <a:avLst/>
-              </a:prstGeom>
-              <a:noFill/>
-              <a:ln>
-                <a:solidFill>
-                  <a:schemeClr val="bg2">
-                    <a:lumMod val="25000"/>
-                  </a:schemeClr>
-                </a:solidFill>
-              </a:ln>
-            </p:spPr>
-            <p:style>
-              <a:lnRef idx="2">
-                <a:schemeClr val="accent1">
-                  <a:shade val="50000"/>
-                </a:schemeClr>
-              </a:lnRef>
-              <a:fillRef idx="1">
-                <a:schemeClr val="accent1"/>
-              </a:fillRef>
-              <a:effectRef idx="0">
-                <a:schemeClr val="accent1"/>
-              </a:effectRef>
-              <a:fontRef idx="minor">
-                <a:schemeClr val="lt1"/>
-              </a:fontRef>
-            </p:style>
-            <p:txBody>
-              <a:bodyPr rtlCol="0" anchor="ctr"/>
-              <a:lstStyle/>
-              <a:p>
-                <a:pPr algn="ctr"/>
-                <a:endParaRPr kumimoji="1" lang="ja-JP" altLang="en-US"/>
-              </a:p>
-            </p:txBody>
-          </p:sp>
-          <p:sp>
-            <p:nvSpPr>
-              <p:cNvPr id="36" name="円/楕円 35">
-                <a:extLst>
-                  <a:ext uri="{FF2B5EF4-FFF2-40B4-BE49-F238E27FC236}">
-                    <a16:creationId xmlns:a16="http://schemas.microsoft.com/office/drawing/2014/main" id="{7D559B35-63BB-D547-BE7F-B1AA48B99ED9}"/>
-                  </a:ext>
-                </a:extLst>
-              </p:cNvPr>
-              <p:cNvSpPr/>
-              <p:nvPr/>
-            </p:nvSpPr>
-            <p:spPr>
-              <a:xfrm>
-                <a:off x="2985067" y="6029565"/>
-                <a:ext cx="185346" cy="190040"/>
-              </a:xfrm>
-              <a:prstGeom prst="ellipse">
-                <a:avLst/>
-              </a:prstGeom>
-              <a:noFill/>
-              <a:ln>
-                <a:solidFill>
-                  <a:schemeClr val="bg2">
-                    <a:lumMod val="25000"/>
-                  </a:schemeClr>
-                </a:solidFill>
-              </a:ln>
-            </p:spPr>
-            <p:style>
-              <a:lnRef idx="2">
-                <a:schemeClr val="accent1">
-                  <a:shade val="50000"/>
-                </a:schemeClr>
-              </a:lnRef>
-              <a:fillRef idx="1">
-                <a:schemeClr val="accent1"/>
-              </a:fillRef>
-              <a:effectRef idx="0">
-                <a:schemeClr val="accent1"/>
-              </a:effectRef>
-              <a:fontRef idx="minor">
-                <a:schemeClr val="lt1"/>
-              </a:fontRef>
-            </p:style>
-            <p:txBody>
-              <a:bodyPr rtlCol="0" anchor="ctr"/>
-              <a:lstStyle/>
-              <a:p>
-                <a:pPr algn="ctr"/>
-                <a:endParaRPr kumimoji="1" lang="ja-JP" altLang="en-US"/>
-              </a:p>
-            </p:txBody>
-          </p:sp>
-          <p:cxnSp>
-            <p:nvCxnSpPr>
-              <p:cNvPr id="37" name="直線コネクタ 36">
-                <a:extLst>
-                  <a:ext uri="{FF2B5EF4-FFF2-40B4-BE49-F238E27FC236}">
-                    <a16:creationId xmlns:a16="http://schemas.microsoft.com/office/drawing/2014/main" id="{CCE7C8DD-AF21-1840-96A7-39DA28A05A4F}"/>
-                  </a:ext>
-                </a:extLst>
-              </p:cNvPr>
-              <p:cNvCxnSpPr>
-                <a:cxnSpLocks/>
-              </p:cNvCxnSpPr>
-              <p:nvPr/>
-            </p:nvCxnSpPr>
-            <p:spPr>
-              <a:xfrm>
-                <a:off x="3077740" y="5676509"/>
-                <a:ext cx="0" cy="231611"/>
-              </a:xfrm>
-              <a:prstGeom prst="line">
-                <a:avLst/>
-              </a:prstGeom>
-              <a:ln>
-                <a:solidFill>
-                  <a:schemeClr val="bg2">
-                    <a:lumMod val="25000"/>
-                  </a:schemeClr>
-                </a:solidFill>
-                <a:prstDash val="lgDash"/>
-              </a:ln>
-            </p:spPr>
-            <p:style>
-              <a:lnRef idx="1">
-                <a:schemeClr val="accent1"/>
-              </a:lnRef>
-              <a:fillRef idx="0">
-                <a:schemeClr val="accent1"/>
-              </a:fillRef>
-              <a:effectRef idx="0">
-                <a:schemeClr val="accent1"/>
-              </a:effectRef>
-              <a:fontRef idx="minor">
-                <a:schemeClr val="tx1"/>
-              </a:fontRef>
-            </p:style>
-          </p:cxnSp>
-          <p:cxnSp>
-            <p:nvCxnSpPr>
-              <p:cNvPr id="38" name="直線コネクタ 37">
-                <a:extLst>
-                  <a:ext uri="{FF2B5EF4-FFF2-40B4-BE49-F238E27FC236}">
-                    <a16:creationId xmlns:a16="http://schemas.microsoft.com/office/drawing/2014/main" id="{46F2AB78-ED0C-1142-B309-A248642C9FAE}"/>
-                  </a:ext>
-                </a:extLst>
-              </p:cNvPr>
-              <p:cNvCxnSpPr>
-                <a:cxnSpLocks/>
-                <a:stCxn id="28" idx="6"/>
-                <a:endCxn id="35" idx="2"/>
-              </p:cNvCxnSpPr>
-              <p:nvPr/>
-            </p:nvCxnSpPr>
-            <p:spPr>
-              <a:xfrm flipV="1">
-                <a:off x="2187047" y="5489878"/>
-                <a:ext cx="798020" cy="1327"/>
-              </a:xfrm>
-              <a:prstGeom prst="line">
-                <a:avLst/>
-              </a:prstGeom>
-              <a:ln>
-                <a:solidFill>
-                  <a:srgbClr val="C00000"/>
-                </a:solidFill>
-              </a:ln>
-            </p:spPr>
-            <p:style>
-              <a:lnRef idx="1">
-                <a:schemeClr val="accent1"/>
-              </a:lnRef>
-              <a:fillRef idx="0">
-                <a:schemeClr val="accent1"/>
-              </a:fillRef>
-              <a:effectRef idx="0">
-                <a:schemeClr val="accent1"/>
-              </a:effectRef>
-              <a:fontRef idx="minor">
-                <a:schemeClr val="tx1"/>
-              </a:fontRef>
-            </p:style>
-          </p:cxnSp>
-          <p:cxnSp>
-            <p:nvCxnSpPr>
-              <p:cNvPr id="39" name="直線コネクタ 38">
-                <a:extLst>
-                  <a:ext uri="{FF2B5EF4-FFF2-40B4-BE49-F238E27FC236}">
-                    <a16:creationId xmlns:a16="http://schemas.microsoft.com/office/drawing/2014/main" id="{D9AEA4B8-6AB6-0644-B80D-245B747AA5F1}"/>
-                  </a:ext>
-                </a:extLst>
-              </p:cNvPr>
-              <p:cNvCxnSpPr>
-                <a:cxnSpLocks/>
-                <a:stCxn id="28" idx="6"/>
-                <a:endCxn id="36" idx="2"/>
-              </p:cNvCxnSpPr>
-              <p:nvPr/>
-            </p:nvCxnSpPr>
-            <p:spPr>
-              <a:xfrm>
-                <a:off x="2187047" y="5491206"/>
-                <a:ext cx="798020" cy="633379"/>
-              </a:xfrm>
-              <a:prstGeom prst="line">
-                <a:avLst/>
-              </a:prstGeom>
-              <a:ln>
-                <a:solidFill>
-                  <a:srgbClr val="C00000"/>
-                </a:solidFill>
-              </a:ln>
-            </p:spPr>
-            <p:style>
-              <a:lnRef idx="1">
-                <a:schemeClr val="accent1"/>
-              </a:lnRef>
-              <a:fillRef idx="0">
-                <a:schemeClr val="accent1"/>
-              </a:fillRef>
-              <a:effectRef idx="0">
-                <a:schemeClr val="accent1"/>
-              </a:effectRef>
-              <a:fontRef idx="minor">
-                <a:schemeClr val="tx1"/>
-              </a:fontRef>
-            </p:style>
-          </p:cxnSp>
-          <p:cxnSp>
-            <p:nvCxnSpPr>
-              <p:cNvPr id="40" name="直線コネクタ 39">
-                <a:extLst>
-                  <a:ext uri="{FF2B5EF4-FFF2-40B4-BE49-F238E27FC236}">
-                    <a16:creationId xmlns:a16="http://schemas.microsoft.com/office/drawing/2014/main" id="{954E9668-915D-9840-A5B5-3E918D01C949}"/>
-                  </a:ext>
-                </a:extLst>
-              </p:cNvPr>
-              <p:cNvCxnSpPr>
-                <a:cxnSpLocks/>
-                <a:stCxn id="29" idx="6"/>
-                <a:endCxn id="36" idx="2"/>
-              </p:cNvCxnSpPr>
-              <p:nvPr/>
-            </p:nvCxnSpPr>
-            <p:spPr>
-              <a:xfrm flipV="1">
-                <a:off x="2187047" y="6124585"/>
-                <a:ext cx="798020" cy="1327"/>
-              </a:xfrm>
-              <a:prstGeom prst="line">
-                <a:avLst/>
-              </a:prstGeom>
-              <a:ln>
-                <a:solidFill>
-                  <a:srgbClr val="C00000"/>
-                </a:solidFill>
-              </a:ln>
-            </p:spPr>
-            <p:style>
-              <a:lnRef idx="1">
-                <a:schemeClr val="accent1"/>
-              </a:lnRef>
-              <a:fillRef idx="0">
-                <a:schemeClr val="accent1"/>
-              </a:fillRef>
-              <a:effectRef idx="0">
-                <a:schemeClr val="accent1"/>
-              </a:effectRef>
-              <a:fontRef idx="minor">
-                <a:schemeClr val="tx1"/>
-              </a:fontRef>
-            </p:style>
-          </p:cxnSp>
-          <p:cxnSp>
-            <p:nvCxnSpPr>
-              <p:cNvPr id="41" name="直線コネクタ 40">
-                <a:extLst>
-                  <a:ext uri="{FF2B5EF4-FFF2-40B4-BE49-F238E27FC236}">
-                    <a16:creationId xmlns:a16="http://schemas.microsoft.com/office/drawing/2014/main" id="{CF67CF92-1681-794F-8277-09EDD2B7A1DC}"/>
-                  </a:ext>
-                </a:extLst>
-              </p:cNvPr>
-              <p:cNvCxnSpPr>
-                <a:cxnSpLocks/>
-                <a:stCxn id="29" idx="6"/>
-                <a:endCxn id="35" idx="2"/>
-              </p:cNvCxnSpPr>
-              <p:nvPr/>
-            </p:nvCxnSpPr>
-            <p:spPr>
-              <a:xfrm flipV="1">
-                <a:off x="2187047" y="5489878"/>
-                <a:ext cx="798020" cy="636034"/>
-              </a:xfrm>
-              <a:prstGeom prst="line">
-                <a:avLst/>
-              </a:prstGeom>
-              <a:ln>
-                <a:solidFill>
-                  <a:srgbClr val="C00000"/>
-                </a:solidFill>
-              </a:ln>
-            </p:spPr>
-            <p:style>
-              <a:lnRef idx="1">
-                <a:schemeClr val="accent1"/>
-              </a:lnRef>
-              <a:fillRef idx="0">
-                <a:schemeClr val="accent1"/>
-              </a:fillRef>
-              <a:effectRef idx="0">
-                <a:schemeClr val="accent1"/>
-              </a:effectRef>
-              <a:fontRef idx="minor">
-                <a:schemeClr val="tx1"/>
-              </a:fontRef>
-            </p:style>
-          </p:cxnSp>
-          <p:sp>
-            <p:nvSpPr>
-              <p:cNvPr id="42" name="円/楕円 41">
-                <a:extLst>
-                  <a:ext uri="{FF2B5EF4-FFF2-40B4-BE49-F238E27FC236}">
-                    <a16:creationId xmlns:a16="http://schemas.microsoft.com/office/drawing/2014/main" id="{15CBCFAF-BE99-9F44-AE6A-4C9507CD0C07}"/>
-                  </a:ext>
-                </a:extLst>
-              </p:cNvPr>
-              <p:cNvSpPr/>
-              <p:nvPr/>
-            </p:nvSpPr>
-            <p:spPr>
-              <a:xfrm>
-                <a:off x="4005855" y="5241589"/>
-                <a:ext cx="185346" cy="190040"/>
-              </a:xfrm>
-              <a:prstGeom prst="ellipse">
-                <a:avLst/>
-              </a:prstGeom>
-              <a:noFill/>
-              <a:ln>
-                <a:solidFill>
-                  <a:schemeClr val="bg2">
-                    <a:lumMod val="25000"/>
-                  </a:schemeClr>
-                </a:solidFill>
-              </a:ln>
-            </p:spPr>
-            <p:style>
-              <a:lnRef idx="2">
-                <a:schemeClr val="accent1">
-                  <a:shade val="50000"/>
-                </a:schemeClr>
-              </a:lnRef>
-              <a:fillRef idx="1">
-                <a:schemeClr val="accent1"/>
-              </a:fillRef>
-              <a:effectRef idx="0">
-                <a:schemeClr val="accent1"/>
-              </a:effectRef>
-              <a:fontRef idx="minor">
-                <a:schemeClr val="lt1"/>
-              </a:fontRef>
-            </p:style>
-            <p:txBody>
-              <a:bodyPr rtlCol="0" anchor="ctr"/>
-              <a:lstStyle/>
-              <a:p>
-                <a:pPr algn="ctr"/>
-                <a:endParaRPr kumimoji="1" lang="ja-JP" altLang="en-US"/>
-              </a:p>
-            </p:txBody>
-          </p:sp>
-          <p:cxnSp>
-            <p:nvCxnSpPr>
-              <p:cNvPr id="43" name="直線コネクタ 42">
-                <a:extLst>
-                  <a:ext uri="{FF2B5EF4-FFF2-40B4-BE49-F238E27FC236}">
-                    <a16:creationId xmlns:a16="http://schemas.microsoft.com/office/drawing/2014/main" id="{C014137C-830E-D341-BA25-44C4A3DC7BD8}"/>
-                  </a:ext>
-                </a:extLst>
-              </p:cNvPr>
-              <p:cNvCxnSpPr>
-                <a:cxnSpLocks/>
-                <a:stCxn id="42" idx="2"/>
-                <a:endCxn id="35" idx="6"/>
-              </p:cNvCxnSpPr>
-              <p:nvPr/>
-            </p:nvCxnSpPr>
-            <p:spPr>
-              <a:xfrm flipH="1">
-                <a:off x="3170413" y="5336609"/>
-                <a:ext cx="835442" cy="153270"/>
-              </a:xfrm>
-              <a:prstGeom prst="line">
-                <a:avLst/>
-              </a:prstGeom>
-              <a:ln>
-                <a:solidFill>
-                  <a:srgbClr val="C00000"/>
-                </a:solidFill>
-              </a:ln>
-            </p:spPr>
-            <p:style>
-              <a:lnRef idx="1">
-                <a:schemeClr val="accent1"/>
-              </a:lnRef>
-              <a:fillRef idx="0">
-                <a:schemeClr val="accent1"/>
-              </a:fillRef>
-              <a:effectRef idx="0">
-                <a:schemeClr val="accent1"/>
-              </a:effectRef>
-              <a:fontRef idx="minor">
-                <a:schemeClr val="tx1"/>
-              </a:fontRef>
-            </p:style>
-          </p:cxnSp>
-          <p:cxnSp>
-            <p:nvCxnSpPr>
-              <p:cNvPr id="44" name="直線コネクタ 43">
-                <a:extLst>
-                  <a:ext uri="{FF2B5EF4-FFF2-40B4-BE49-F238E27FC236}">
-                    <a16:creationId xmlns:a16="http://schemas.microsoft.com/office/drawing/2014/main" id="{70A009BC-BCE5-0E45-ADF6-38DF6D1690D2}"/>
-                  </a:ext>
-                </a:extLst>
-              </p:cNvPr>
-              <p:cNvCxnSpPr>
-                <a:cxnSpLocks/>
-                <a:stCxn id="42" idx="2"/>
-                <a:endCxn id="36" idx="6"/>
-              </p:cNvCxnSpPr>
-              <p:nvPr/>
-            </p:nvCxnSpPr>
-            <p:spPr>
-              <a:xfrm flipH="1">
-                <a:off x="3170413" y="5336609"/>
-                <a:ext cx="835442" cy="787976"/>
-              </a:xfrm>
-              <a:prstGeom prst="line">
-                <a:avLst/>
-              </a:prstGeom>
-              <a:ln>
-                <a:solidFill>
-                  <a:srgbClr val="C00000"/>
-                </a:solidFill>
-              </a:ln>
-            </p:spPr>
-            <p:style>
-              <a:lnRef idx="1">
-                <a:schemeClr val="accent1"/>
-              </a:lnRef>
-              <a:fillRef idx="0">
-                <a:schemeClr val="accent1"/>
-              </a:fillRef>
-              <a:effectRef idx="0">
-                <a:schemeClr val="accent1"/>
-              </a:effectRef>
-              <a:fontRef idx="minor">
-                <a:schemeClr val="tx1"/>
-              </a:fontRef>
-            </p:style>
-          </p:cxnSp>
-          <mc:AlternateContent xmlns:mc="http://schemas.openxmlformats.org/markup-compatibility/2006" xmlns:a14="http://schemas.microsoft.com/office/drawing/2010/main">
-            <mc:Choice Requires="a14">
-              <p:sp>
-                <p:nvSpPr>
-                  <p:cNvPr id="45" name="テキスト ボックス 44">
-                    <a:extLst>
-                      <a:ext uri="{FF2B5EF4-FFF2-40B4-BE49-F238E27FC236}">
-                        <a16:creationId xmlns:a16="http://schemas.microsoft.com/office/drawing/2014/main" id="{276AF539-B254-3845-9AC6-56B41BD57FB1}"/>
-                      </a:ext>
-                    </a:extLst>
-                  </p:cNvPr>
-                  <p:cNvSpPr txBox="1"/>
-                  <p:nvPr/>
-                </p:nvSpPr>
-                <p:spPr>
-                  <a:xfrm>
-                    <a:off x="4098527" y="5061893"/>
-                    <a:ext cx="544829" cy="307777"/>
-                  </a:xfrm>
-                  <a:prstGeom prst="rect">
-                    <a:avLst/>
-                  </a:prstGeom>
-                  <a:noFill/>
-                </p:spPr>
-                <p:txBody>
-                  <a:bodyPr wrap="none" rtlCol="0">
-                    <a:spAutoFit/>
-                  </a:bodyPr>
-                  <a:lstStyle/>
-                  <a:p>
-                    <a:pPr/>
-                    <a14:m>
-                      <m:oMathPara xmlns:m="http://schemas.openxmlformats.org/officeDocument/2006/math">
-                        <m:oMathParaPr>
-                          <m:jc m:val="centerGroup"/>
-                        </m:oMathParaPr>
-                        <m:oMath xmlns:m="http://schemas.openxmlformats.org/officeDocument/2006/math">
-                          <m:r>
-                            <a:rPr kumimoji="1" lang="en-US" altLang="ja-JP" sz="1400" b="0" i="1" smtClean="0">
-                              <a:solidFill>
-                                <a:srgbClr val="C00000"/>
-                              </a:solidFill>
-                              <a:latin typeface="Cambria Math" panose="02040503050406030204" pitchFamily="18" charset="0"/>
-                              <a:ea typeface="Cambria Math" panose="02040503050406030204" pitchFamily="18" charset="0"/>
-                            </a:rPr>
-                            <m:t>𝜏</m:t>
-                          </m:r>
-                          <m:r>
-                            <a:rPr kumimoji="1" lang="en-US" altLang="ja-JP" sz="1400" b="0" i="1" smtClean="0">
-                              <a:solidFill>
-                                <a:srgbClr val="C00000"/>
-                              </a:solidFill>
-                              <a:latin typeface="Cambria Math" panose="02040503050406030204" pitchFamily="18" charset="0"/>
-                            </a:rPr>
-                            <m:t>(</m:t>
-                          </m:r>
-                          <m:r>
-                            <a:rPr kumimoji="1" lang="en-US" altLang="ja-JP" sz="1400" b="0" i="1" smtClean="0">
-                              <a:solidFill>
-                                <a:srgbClr val="C00000"/>
-                              </a:solidFill>
-                              <a:latin typeface="Cambria Math" panose="02040503050406030204" pitchFamily="18" charset="0"/>
-                            </a:rPr>
-                            <m:t>𝑠</m:t>
-                          </m:r>
-                          <m:r>
-                            <a:rPr kumimoji="1" lang="en-US" altLang="ja-JP" sz="1400" b="0" i="1" smtClean="0">
-                              <a:solidFill>
-                                <a:srgbClr val="C00000"/>
-                              </a:solidFill>
-                              <a:latin typeface="Cambria Math" panose="02040503050406030204" pitchFamily="18" charset="0"/>
-                            </a:rPr>
-                            <m:t>)</m:t>
-                          </m:r>
-                        </m:oMath>
-                      </m:oMathPara>
-                    </a14:m>
-                    <a:endParaRPr kumimoji="1" lang="ja-JP" altLang="en-US" sz="1400">
-                      <a:solidFill>
-                        <a:srgbClr val="C00000"/>
-                      </a:solidFill>
-                    </a:endParaRPr>
-                  </a:p>
-                </p:txBody>
-              </p:sp>
-            </mc:Choice>
-            <mc:Fallback xmlns="">
-              <p:sp>
-                <p:nvSpPr>
-                  <p:cNvPr id="45" name="テキスト ボックス 44">
-                    <a:extLst>
-                      <a:ext uri="{FF2B5EF4-FFF2-40B4-BE49-F238E27FC236}">
-                        <a16:creationId xmlns:a16="http://schemas.microsoft.com/office/drawing/2014/main" id="{276AF539-B254-3845-9AC6-56B41BD57FB1}"/>
-                      </a:ext>
-                    </a:extLst>
-                  </p:cNvPr>
-                  <p:cNvSpPr txBox="1">
-                    <a:spLocks noRot="1" noChangeAspect="1" noMove="1" noResize="1" noEditPoints="1" noAdjustHandles="1" noChangeArrowheads="1" noChangeShapeType="1" noTextEdit="1"/>
-                  </p:cNvSpPr>
-                  <p:nvPr/>
-                </p:nvSpPr>
-                <p:spPr>
-                  <a:xfrm>
-                    <a:off x="4098527" y="5061893"/>
-                    <a:ext cx="544829" cy="307777"/>
-                  </a:xfrm>
-                  <a:prstGeom prst="rect">
-                    <a:avLst/>
-                  </a:prstGeom>
-                  <a:blipFill>
-                    <a:blip r:embed="rId5"/>
-                    <a:stretch>
-                      <a:fillRect b="-8000"/>
-                    </a:stretch>
-                  </a:blipFill>
-                </p:spPr>
-                <p:txBody>
-                  <a:bodyPr/>
-                  <a:lstStyle/>
-                  <a:p>
-                    <a:r>
-                      <a:rPr lang="ja-JP" altLang="en-US">
-                        <a:noFill/>
-                      </a:rPr>
-                      <a:t> </a:t>
-                    </a:r>
-                  </a:p>
-                </p:txBody>
-              </p:sp>
-            </mc:Fallback>
-          </mc:AlternateContent>
-          <mc:AlternateContent xmlns:mc="http://schemas.openxmlformats.org/markup-compatibility/2006" xmlns:a14="http://schemas.microsoft.com/office/drawing/2010/main">
-            <mc:Choice Requires="a14">
-              <p:sp>
-                <p:nvSpPr>
-                  <p:cNvPr id="48" name="正方形/長方形 47">
-                    <a:extLst>
-                      <a:ext uri="{FF2B5EF4-FFF2-40B4-BE49-F238E27FC236}">
-                        <a16:creationId xmlns:a16="http://schemas.microsoft.com/office/drawing/2014/main" id="{CFF05447-9DCF-814D-89CE-09000F766E90}"/>
-                      </a:ext>
-                    </a:extLst>
-                  </p:cNvPr>
-                  <p:cNvSpPr/>
-                  <p:nvPr/>
-                </p:nvSpPr>
-                <p:spPr>
-                  <a:xfrm>
-                    <a:off x="812218" y="5432789"/>
-                    <a:ext cx="386516" cy="307777"/>
-                  </a:xfrm>
-                  <a:prstGeom prst="rect">
-                    <a:avLst/>
-                  </a:prstGeom>
-                </p:spPr>
-                <p:txBody>
-                  <a:bodyPr wrap="none">
-                    <a:spAutoFit/>
-                  </a:bodyPr>
-                  <a:lstStyle/>
-                  <a:p>
-                    <a:pPr/>
-                    <a14:m>
-                      <m:oMathPara xmlns:m="http://schemas.openxmlformats.org/officeDocument/2006/math">
-                        <m:oMathParaPr>
-                          <m:jc m:val="centerGroup"/>
-                        </m:oMathParaPr>
-                        <m:oMath xmlns:m="http://schemas.openxmlformats.org/officeDocument/2006/math">
-                          <m:sSub>
-                            <m:sSubPr>
-                              <m:ctrlPr>
-                                <a:rPr lang="en-US" altLang="ja-JP" sz="1400" i="1" smtClean="0">
-                                  <a:solidFill>
-                                    <a:schemeClr val="tx1">
-                                      <a:lumMod val="85000"/>
-                                      <a:lumOff val="15000"/>
-                                    </a:schemeClr>
-                                  </a:solidFill>
-                                  <a:latin typeface="Cambria Math" panose="02040503050406030204" pitchFamily="18" charset="0"/>
-                                </a:rPr>
-                              </m:ctrlPr>
-                            </m:sSubPr>
-                            <m:e>
-                              <m:r>
-                                <a:rPr lang="en-US" altLang="ja-JP" sz="1400" b="0" i="1" smtClean="0">
-                                  <a:solidFill>
-                                    <a:schemeClr val="tx1">
-                                      <a:lumMod val="85000"/>
-                                      <a:lumOff val="15000"/>
-                                    </a:schemeClr>
-                                  </a:solidFill>
-                                  <a:latin typeface="Cambria Math" panose="02040503050406030204" pitchFamily="18" charset="0"/>
-                                </a:rPr>
-                                <m:t>𝑠</m:t>
-                              </m:r>
-                            </m:e>
-                            <m:sub>
-                              <m:r>
-                                <a:rPr lang="en-US" altLang="ja-JP" sz="1400" b="0" i="1" smtClean="0">
-                                  <a:solidFill>
-                                    <a:schemeClr val="tx1">
-                                      <a:lumMod val="85000"/>
-                                      <a:lumOff val="15000"/>
-                                    </a:schemeClr>
-                                  </a:solidFill>
-                                  <a:latin typeface="Cambria Math" panose="02040503050406030204" pitchFamily="18" charset="0"/>
-                                </a:rPr>
-                                <m:t>2</m:t>
-                              </m:r>
-                            </m:sub>
-                          </m:sSub>
-                        </m:oMath>
-                      </m:oMathPara>
-                    </a14:m>
-                    <a:endParaRPr lang="ja-JP" altLang="en-US" sz="1400">
-                      <a:solidFill>
-                        <a:schemeClr val="tx1">
-                          <a:lumMod val="85000"/>
-                          <a:lumOff val="15000"/>
-                        </a:schemeClr>
-                      </a:solidFill>
-                    </a:endParaRPr>
-                  </a:p>
-                </p:txBody>
-              </p:sp>
-            </mc:Choice>
-            <mc:Fallback xmlns="">
-              <p:sp>
-                <p:nvSpPr>
-                  <p:cNvPr id="48" name="正方形/長方形 47">
-                    <a:extLst>
-                      <a:ext uri="{FF2B5EF4-FFF2-40B4-BE49-F238E27FC236}">
-                        <a16:creationId xmlns:a16="http://schemas.microsoft.com/office/drawing/2014/main" id="{CFF05447-9DCF-814D-89CE-09000F766E90}"/>
-                      </a:ext>
-                    </a:extLst>
-                  </p:cNvPr>
-                  <p:cNvSpPr>
-                    <a:spLocks noRot="1" noChangeAspect="1" noMove="1" noResize="1" noEditPoints="1" noAdjustHandles="1" noChangeArrowheads="1" noChangeShapeType="1" noTextEdit="1"/>
-                  </p:cNvSpPr>
-                  <p:nvPr/>
-                </p:nvSpPr>
-                <p:spPr>
-                  <a:xfrm>
-                    <a:off x="812218" y="5432789"/>
-                    <a:ext cx="386516" cy="307777"/>
-                  </a:xfrm>
-                  <a:prstGeom prst="rect">
-                    <a:avLst/>
-                  </a:prstGeom>
-                  <a:blipFill>
-                    <a:blip r:embed="rId6"/>
-                    <a:stretch>
-                      <a:fillRect/>
-                    </a:stretch>
-                  </a:blipFill>
-                </p:spPr>
-                <p:txBody>
-                  <a:bodyPr/>
-                  <a:lstStyle/>
-                  <a:p>
-                    <a:r>
-                      <a:rPr lang="ja-JP" altLang="en-US">
-                        <a:noFill/>
-                      </a:rPr>
-                      <a:t> </a:t>
-                    </a:r>
-                  </a:p>
-                </p:txBody>
-              </p:sp>
-            </mc:Fallback>
-          </mc:AlternateContent>
-        </p:grpSp>
-        <mc:AlternateContent xmlns:mc="http://schemas.openxmlformats.org/markup-compatibility/2006" xmlns:a14="http://schemas.microsoft.com/office/drawing/2010/main">
-          <mc:Choice Requires="a14">
-            <p:sp>
-              <p:nvSpPr>
-                <p:cNvPr id="51" name="正方形/長方形 50">
-                  <a:extLst>
-                    <a:ext uri="{FF2B5EF4-FFF2-40B4-BE49-F238E27FC236}">
-                      <a16:creationId xmlns:a16="http://schemas.microsoft.com/office/drawing/2014/main" id="{BFBD4500-EC2A-8847-913D-ACE8B2CB4A72}"/>
-                    </a:ext>
-                  </a:extLst>
-                </p:cNvPr>
-                <p:cNvSpPr/>
-                <p:nvPr/>
-              </p:nvSpPr>
-              <p:spPr>
-                <a:xfrm>
-                  <a:off x="4262502" y="5384822"/>
-                  <a:ext cx="443711" cy="338554"/>
-                </a:xfrm>
-                <a:prstGeom prst="rect">
-                  <a:avLst/>
-                </a:prstGeom>
-              </p:spPr>
-              <p:txBody>
-                <a:bodyPr wrap="none">
-                  <a:spAutoFit/>
-                </a:bodyPr>
-                <a:lstStyle/>
-                <a:p>
-                  <a:pPr/>
-                  <a14:m>
-                    <m:oMathPara xmlns:m="http://schemas.openxmlformats.org/officeDocument/2006/math">
-                      <m:oMathParaPr>
-                        <m:jc m:val="centerGroup"/>
-                      </m:oMathParaPr>
-                      <m:oMath xmlns:m="http://schemas.openxmlformats.org/officeDocument/2006/math">
-                        <m:sSup>
-                          <m:sSupPr>
-                            <m:ctrlPr>
-                              <a:rPr lang="en-US" altLang="ja-JP" sz="1600" i="1" smtClean="0">
-                                <a:solidFill>
-                                  <a:srgbClr val="C00000"/>
-                                </a:solidFill>
-                                <a:latin typeface="Cambria Math" panose="02040503050406030204" pitchFamily="18" charset="0"/>
-                              </a:rPr>
-                            </m:ctrlPr>
-                          </m:sSupPr>
-                          <m:e>
-                            <m:r>
-                              <a:rPr lang="en-US" altLang="ja-JP" sz="1600" i="1" smtClean="0">
-                                <a:solidFill>
-                                  <a:srgbClr val="C00000"/>
-                                </a:solidFill>
-                                <a:latin typeface="Cambria Math" panose="02040503050406030204" pitchFamily="18" charset="0"/>
-                                <a:ea typeface="Cambria Math" panose="02040503050406030204" pitchFamily="18" charset="0"/>
-                              </a:rPr>
-                              <m:t>𝜃</m:t>
-                            </m:r>
-                          </m:e>
-                          <m:sup>
-                            <m:r>
-                              <a:rPr lang="en-US" altLang="ja-JP" sz="1600" i="1" smtClean="0">
-                                <a:solidFill>
-                                  <a:srgbClr val="C00000"/>
-                                </a:solidFill>
-                                <a:latin typeface="Cambria Math" panose="02040503050406030204" pitchFamily="18" charset="0"/>
-                                <a:ea typeface="Cambria Math" panose="02040503050406030204" pitchFamily="18" charset="0"/>
-                              </a:rPr>
-                              <m:t>𝜏</m:t>
-                            </m:r>
-                          </m:sup>
-                        </m:sSup>
-                      </m:oMath>
-                    </m:oMathPara>
-                  </a14:m>
-                  <a:endParaRPr lang="ja-JP" altLang="en-US" sz="1600">
-                    <a:solidFill>
-                      <a:srgbClr val="C00000"/>
-                    </a:solidFill>
-                  </a:endParaRPr>
-                </a:p>
-              </p:txBody>
-            </p:sp>
-          </mc:Choice>
-          <mc:Fallback xmlns="">
-            <p:sp>
-              <p:nvSpPr>
-                <p:cNvPr id="51" name="正方形/長方形 50">
-                  <a:extLst>
-                    <a:ext uri="{FF2B5EF4-FFF2-40B4-BE49-F238E27FC236}">
-                      <a16:creationId xmlns:a16="http://schemas.microsoft.com/office/drawing/2014/main" id="{BFBD4500-EC2A-8847-913D-ACE8B2CB4A72}"/>
-                    </a:ext>
-                  </a:extLst>
-                </p:cNvPr>
-                <p:cNvSpPr>
-                  <a:spLocks noRot="1" noChangeAspect="1" noMove="1" noResize="1" noEditPoints="1" noAdjustHandles="1" noChangeArrowheads="1" noChangeShapeType="1" noTextEdit="1"/>
-                </p:cNvSpPr>
-                <p:nvPr/>
-              </p:nvSpPr>
-              <p:spPr>
-                <a:xfrm>
-                  <a:off x="4262502" y="5384822"/>
-                  <a:ext cx="443711" cy="338554"/>
-                </a:xfrm>
-                <a:prstGeom prst="rect">
-                  <a:avLst/>
-                </a:prstGeom>
-                <a:blipFill>
-                  <a:blip r:embed="rId7"/>
-                  <a:stretch>
-                    <a:fillRect/>
-                  </a:stretch>
-                </a:blipFill>
-              </p:spPr>
-              <p:txBody>
-                <a:bodyPr/>
-                <a:lstStyle/>
-                <a:p>
-                  <a:r>
-                    <a:rPr lang="ja-JP" altLang="en-US">
-                      <a:noFill/>
-                    </a:rPr>
-                    <a:t> </a:t>
-                  </a:r>
-                </a:p>
-              </p:txBody>
-            </p:sp>
-          </mc:Fallback>
-        </mc:AlternateContent>
-        <mc:AlternateContent xmlns:mc="http://schemas.openxmlformats.org/markup-compatibility/2006" xmlns:a14="http://schemas.microsoft.com/office/drawing/2010/main">
-          <mc:Choice Requires="a14">
-            <p:sp>
-              <p:nvSpPr>
-                <p:cNvPr id="52" name="正方形/長方形 51">
-                  <a:extLst>
-                    <a:ext uri="{FF2B5EF4-FFF2-40B4-BE49-F238E27FC236}">
-                      <a16:creationId xmlns:a16="http://schemas.microsoft.com/office/drawing/2014/main" id="{185C7132-6C8E-184C-9192-BEC4D486DC8B}"/>
-                    </a:ext>
-                  </a:extLst>
-                </p:cNvPr>
-                <p:cNvSpPr/>
-                <p:nvPr/>
-              </p:nvSpPr>
-              <p:spPr>
-                <a:xfrm>
-                  <a:off x="4245701" y="3396268"/>
-                  <a:ext cx="461793" cy="338554"/>
-                </a:xfrm>
-                <a:prstGeom prst="rect">
-                  <a:avLst/>
-                </a:prstGeom>
-              </p:spPr>
-              <p:txBody>
-                <a:bodyPr wrap="none">
-                  <a:spAutoFit/>
-                </a:bodyPr>
-                <a:lstStyle/>
-                <a:p>
-                  <a:pPr/>
-                  <a14:m>
-                    <m:oMathPara xmlns:m="http://schemas.openxmlformats.org/officeDocument/2006/math">
-                      <m:oMathParaPr>
-                        <m:jc m:val="centerGroup"/>
-                      </m:oMathParaPr>
-                      <m:oMath xmlns:m="http://schemas.openxmlformats.org/officeDocument/2006/math">
-                        <m:sSup>
-                          <m:sSupPr>
-                            <m:ctrlPr>
-                              <a:rPr lang="en-US" altLang="ja-JP" sz="1600" i="1" smtClean="0">
-                                <a:solidFill>
-                                  <a:schemeClr val="accent1"/>
-                                </a:solidFill>
-                                <a:latin typeface="Cambria Math" panose="02040503050406030204" pitchFamily="18" charset="0"/>
-                              </a:rPr>
-                            </m:ctrlPr>
-                          </m:sSupPr>
-                          <m:e>
-                            <m:r>
-                              <a:rPr lang="en-US" altLang="ja-JP" sz="1600" i="1" smtClean="0">
-                                <a:solidFill>
-                                  <a:schemeClr val="accent1"/>
-                                </a:solidFill>
-                                <a:latin typeface="Cambria Math" panose="02040503050406030204" pitchFamily="18" charset="0"/>
-                                <a:ea typeface="Cambria Math" panose="02040503050406030204" pitchFamily="18" charset="0"/>
-                              </a:rPr>
-                              <m:t>𝜃</m:t>
-                            </m:r>
-                          </m:e>
-                          <m:sup>
-                            <m:r>
-                              <a:rPr lang="en-US" altLang="ja-JP" sz="1600" b="0" i="1" smtClean="0">
-                                <a:solidFill>
-                                  <a:schemeClr val="accent1"/>
-                                </a:solidFill>
-                                <a:latin typeface="Cambria Math" panose="02040503050406030204" pitchFamily="18" charset="0"/>
-                              </a:rPr>
-                              <m:t>𝑎</m:t>
-                            </m:r>
-                          </m:sup>
-                        </m:sSup>
-                      </m:oMath>
-                    </m:oMathPara>
-                  </a14:m>
-                  <a:endParaRPr lang="ja-JP" altLang="en-US" sz="1600">
-                    <a:solidFill>
-                      <a:schemeClr val="accent1"/>
-                    </a:solidFill>
-                  </a:endParaRPr>
-                </a:p>
-              </p:txBody>
-            </p:sp>
-          </mc:Choice>
-          <mc:Fallback xmlns="">
-            <p:sp>
-              <p:nvSpPr>
-                <p:cNvPr id="52" name="正方形/長方形 51">
-                  <a:extLst>
-                    <a:ext uri="{FF2B5EF4-FFF2-40B4-BE49-F238E27FC236}">
-                      <a16:creationId xmlns:a16="http://schemas.microsoft.com/office/drawing/2014/main" id="{185C7132-6C8E-184C-9192-BEC4D486DC8B}"/>
-                    </a:ext>
-                  </a:extLst>
-                </p:cNvPr>
-                <p:cNvSpPr>
-                  <a:spLocks noRot="1" noChangeAspect="1" noMove="1" noResize="1" noEditPoints="1" noAdjustHandles="1" noChangeArrowheads="1" noChangeShapeType="1" noTextEdit="1"/>
-                </p:cNvSpPr>
-                <p:nvPr/>
-              </p:nvSpPr>
-              <p:spPr>
-                <a:xfrm>
-                  <a:off x="4245701" y="3396268"/>
-                  <a:ext cx="461793" cy="338554"/>
-                </a:xfrm>
-                <a:prstGeom prst="rect">
-                  <a:avLst/>
-                </a:prstGeom>
-                <a:blipFill>
-                  <a:blip r:embed="rId8"/>
-                  <a:stretch>
-                    <a:fillRect/>
-                  </a:stretch>
-                </a:blipFill>
-              </p:spPr>
-              <p:txBody>
-                <a:bodyPr/>
-                <a:lstStyle/>
-                <a:p>
-                  <a:r>
-                    <a:rPr lang="ja-JP" altLang="en-US">
-                      <a:noFill/>
-                    </a:rPr>
-                    <a:t> </a:t>
-                  </a:r>
-                </a:p>
-              </p:txBody>
-            </p:sp>
-          </mc:Fallback>
-        </mc:AlternateContent>
-      </p:grpSp>
-    </p:spTree>
-    <p:extLst>
-      <p:ext uri="{BB962C8B-B14F-4D97-AF65-F5344CB8AC3E}">
-        <p14:creationId xmlns:p14="http://schemas.microsoft.com/office/powerpoint/2010/main" val="1958388546"/>
-      </p:ext>
-    </p:extLst>
-  </p:cSld>
-  <p:clrMapOvr>
-    <a:masterClrMapping/>
-  </p:clrMapOvr>
-</p:sld>
-</file>
-
 <file path=ppt/theme/theme1.xml><?xml version="1.0" encoding="utf-8"?>
 <a:theme xmlns:a="http://schemas.openxmlformats.org/drawingml/2006/main" name="Office テーマ">
   <a:themeElements>

--- a/report.pptx
+++ b/report.pptx
@@ -5,16 +5,13 @@
     <p:sldMasterId id="2147483684" r:id="rId1"/>
   </p:sldMasterIdLst>
   <p:notesMasterIdLst>
-    <p:notesMasterId r:id="rId9"/>
+    <p:notesMasterId r:id="rId6"/>
   </p:notesMasterIdLst>
   <p:sldIdLst>
-    <p:sldId id="262" r:id="rId2"/>
-    <p:sldId id="261" r:id="rId3"/>
-    <p:sldId id="263" r:id="rId4"/>
-    <p:sldId id="264" r:id="rId5"/>
-    <p:sldId id="265" r:id="rId6"/>
-    <p:sldId id="266" r:id="rId7"/>
-    <p:sldId id="267" r:id="rId8"/>
+    <p:sldId id="268" r:id="rId2"/>
+    <p:sldId id="269" r:id="rId3"/>
+    <p:sldId id="270" r:id="rId4"/>
+    <p:sldId id="271" r:id="rId5"/>
   </p:sldIdLst>
   <p:sldSz cx="9144000" cy="6858000" type="screen4x3"/>
   <p:notesSz cx="6858000" cy="9144000"/>
@@ -214,7 +211,7 @@
           <a:p>
             <a:fld id="{4009ACC2-15F4-9549-B7EC-0A2B034E938B}" type="datetimeFigureOut">
               <a:rPr kumimoji="1" lang="ja-JP" altLang="en-US" smtClean="0"/>
-              <a:t>2020/11/16</a:t>
+              <a:t>2020/11/24</a:t>
             </a:fld>
             <a:endParaRPr kumimoji="1" lang="ja-JP" altLang="en-US"/>
           </a:p>
@@ -704,7 +701,7 @@
           <a:p>
             <a:fld id="{E9E59658-536A-9C47-BE27-5916453304A2}" type="datetime1">
               <a:rPr kumimoji="1" lang="ja-JP" altLang="en-US" smtClean="0"/>
-              <a:t>2020/11/16</a:t>
+              <a:t>2020/11/24</a:t>
             </a:fld>
             <a:endParaRPr kumimoji="1" lang="ja-JP" altLang="en-US"/>
           </a:p>
@@ -910,7 +907,7 @@
           <a:p>
             <a:fld id="{BD3F9A9C-0CC8-724D-8CAB-CE583F909772}" type="datetime1">
               <a:rPr kumimoji="1" lang="ja-JP" altLang="en-US" smtClean="0"/>
-              <a:t>2020/11/16</a:t>
+              <a:t>2020/11/24</a:t>
             </a:fld>
             <a:endParaRPr kumimoji="1" lang="ja-JP" altLang="en-US"/>
           </a:p>
@@ -1126,7 +1123,7 @@
           <a:p>
             <a:fld id="{AC55A472-1073-0547-9A59-DD081FE17D43}" type="datetime1">
               <a:rPr kumimoji="1" lang="ja-JP" altLang="en-US" smtClean="0"/>
-              <a:t>2020/11/16</a:t>
+              <a:t>2020/11/24</a:t>
             </a:fld>
             <a:endParaRPr kumimoji="1" lang="ja-JP" altLang="en-US"/>
           </a:p>
@@ -1387,7 +1384,7 @@
           <a:p>
             <a:fld id="{90235FA2-C49A-5C4F-85BF-B1D7D24C5B31}" type="datetime1">
               <a:rPr kumimoji="1" lang="ja-JP" altLang="en-US" smtClean="0"/>
-              <a:t>2020/11/16</a:t>
+              <a:t>2020/11/24</a:t>
             </a:fld>
             <a:endParaRPr kumimoji="1" lang="ja-JP" altLang="en-US"/>
           </a:p>
@@ -1726,7 +1723,7 @@
           <a:p>
             <a:fld id="{F4B8FB07-8ABC-B147-BBD9-82E1124A9195}" type="datetime1">
               <a:rPr kumimoji="1" lang="ja-JP" altLang="en-US" smtClean="0"/>
-              <a:t>2020/11/16</a:t>
+              <a:t>2020/11/24</a:t>
             </a:fld>
             <a:endParaRPr kumimoji="1" lang="ja-JP" altLang="en-US"/>
           </a:p>
@@ -2026,7 +2023,7 @@
           <a:p>
             <a:fld id="{2E987E7E-FA9C-3947-926C-79EF22991022}" type="datetime1">
               <a:rPr kumimoji="1" lang="ja-JP" altLang="en-US" smtClean="0"/>
-              <a:t>2020/11/16</a:t>
+              <a:t>2020/11/24</a:t>
             </a:fld>
             <a:endParaRPr kumimoji="1" lang="ja-JP" altLang="en-US"/>
           </a:p>
@@ -2461,7 +2458,7 @@
           <a:p>
             <a:fld id="{6AA3599C-7060-A14F-A8FF-BFA2E3E43F87}" type="datetime1">
               <a:rPr kumimoji="1" lang="ja-JP" altLang="en-US" smtClean="0"/>
-              <a:t>2020/11/16</a:t>
+              <a:t>2020/11/24</a:t>
             </a:fld>
             <a:endParaRPr kumimoji="1" lang="ja-JP" altLang="en-US"/>
           </a:p>
@@ -2583,7 +2580,7 @@
           <a:p>
             <a:fld id="{2ACB3C61-04B3-8341-A053-431BFDE0369C}" type="datetime1">
               <a:rPr kumimoji="1" lang="ja-JP" altLang="en-US" smtClean="0"/>
-              <a:t>2020/11/16</a:t>
+              <a:t>2020/11/24</a:t>
             </a:fld>
             <a:endParaRPr kumimoji="1" lang="ja-JP" altLang="en-US"/>
           </a:p>
@@ -2682,7 +2679,7 @@
           <a:p>
             <a:fld id="{17E05920-A0FF-A94D-B91E-11B016CF8687}" type="datetime1">
               <a:rPr kumimoji="1" lang="ja-JP" altLang="en-US" smtClean="0"/>
-              <a:t>2020/11/16</a:t>
+              <a:t>2020/11/24</a:t>
             </a:fld>
             <a:endParaRPr kumimoji="1" lang="ja-JP" altLang="en-US"/>
           </a:p>
@@ -2995,7 +2992,7 @@
           <a:p>
             <a:fld id="{73151009-4B49-E243-94A4-1303689190AE}" type="datetime1">
               <a:rPr kumimoji="1" lang="ja-JP" altLang="en-US" smtClean="0"/>
-              <a:t>2020/11/16</a:t>
+              <a:t>2020/11/24</a:t>
             </a:fld>
             <a:endParaRPr kumimoji="1" lang="ja-JP" altLang="en-US"/>
           </a:p>
@@ -3256,7 +3253,7 @@
           <a:p>
             <a:fld id="{F948BB96-C546-0F48-8959-F4ED01CF136A}" type="datetime1">
               <a:rPr kumimoji="1" lang="ja-JP" altLang="en-US" smtClean="0"/>
-              <a:t>2020/11/16</a:t>
+              <a:t>2020/11/24</a:t>
             </a:fld>
             <a:endParaRPr kumimoji="1" lang="ja-JP" altLang="en-US"/>
           </a:p>
@@ -3510,7 +3507,7 @@
           <a:p>
             <a:fld id="{23C8A647-1D3A-F547-BEEB-E9A419355659}" type="datetime1">
               <a:rPr kumimoji="1" lang="ja-JP" altLang="en-US" smtClean="0"/>
-              <a:t>2020/11/16</a:t>
+              <a:t>2020/11/24</a:t>
             </a:fld>
             <a:endParaRPr kumimoji="1" lang="ja-JP" altLang="en-US"/>
           </a:p>
@@ -3937,1826 +3934,14 @@
           <a:chExt cx="0" cy="0"/>
         </a:xfrm>
       </p:grpSpPr>
-      <p:sp>
-        <p:nvSpPr>
-          <p:cNvPr id="2" name="コンテンツ プレースホルダー 1">
-            <a:extLst>
-              <a:ext uri="{FF2B5EF4-FFF2-40B4-BE49-F238E27FC236}">
-                <a16:creationId xmlns:a16="http://schemas.microsoft.com/office/drawing/2014/main" id="{03141916-AD8B-EF41-8B74-2BBCE63954D5}"/>
-              </a:ext>
-            </a:extLst>
-          </p:cNvPr>
-          <p:cNvSpPr>
-            <a:spLocks noGrp="1"/>
-          </p:cNvSpPr>
-          <p:nvPr>
-            <p:ph idx="1"/>
-          </p:nvPr>
-        </p:nvSpPr>
-        <p:spPr/>
-        <p:txBody>
-          <a:bodyPr/>
-          <a:lstStyle/>
-          <a:p>
-            <a:r>
-              <a:rPr lang="en-US" altLang="ja-JP" dirty="0"/>
-              <a:t>Report on last week</a:t>
-            </a:r>
-          </a:p>
-          <a:p>
-            <a:pPr lvl="1"/>
-            <a:r>
-              <a:rPr lang="en-US" altLang="ja-JP" dirty="0"/>
-              <a:t>It was possible to apply RL to event-triggered control</a:t>
-            </a:r>
-          </a:p>
-          <a:p>
-            <a:pPr lvl="1"/>
-            <a:r>
-              <a:rPr lang="en-US" altLang="ja-JP" dirty="0"/>
-              <a:t>It will be applicable to self-triggered control as well</a:t>
-            </a:r>
-          </a:p>
-          <a:p>
-            <a:pPr lvl="1"/>
-            <a:endParaRPr kumimoji="1" lang="en-US" altLang="ja-JP" dirty="0"/>
-          </a:p>
-          <a:p>
-            <a:pPr lvl="1"/>
-            <a:endParaRPr lang="en-US" altLang="ja-JP" dirty="0"/>
-          </a:p>
-          <a:p>
-            <a:pPr lvl="1"/>
-            <a:r>
-              <a:rPr kumimoji="1" lang="en-US" altLang="ja-JP" dirty="0"/>
-              <a:t>(At least with same steps,) it was not conducted well</a:t>
-            </a:r>
-          </a:p>
-          <a:p>
-            <a:pPr lvl="2"/>
-            <a:r>
-              <a:rPr lang="en-US" altLang="ja-JP" dirty="0"/>
-              <a:t>Algorithm did not converge</a:t>
-            </a:r>
-          </a:p>
-          <a:p>
-            <a:pPr lvl="2"/>
-            <a:endParaRPr kumimoji="1" lang="en-US" altLang="ja-JP" dirty="0"/>
-          </a:p>
-          <a:p>
-            <a:pPr lvl="2"/>
-            <a:endParaRPr lang="en-US" altLang="ja-JP" dirty="0"/>
-          </a:p>
-          <a:p>
-            <a:pPr lvl="1"/>
-            <a:r>
-              <a:rPr lang="en-US" altLang="ja-JP" dirty="0"/>
-              <a:t>Conjecture: </a:t>
-            </a:r>
-          </a:p>
-          <a:p>
-            <a:pPr marL="914400" lvl="2" indent="0">
-              <a:buNone/>
-            </a:pPr>
-            <a:r>
-              <a:rPr lang="en-US" altLang="ja-JP" b="1" dirty="0"/>
-              <a:t>The control performance changes rapidly with little parameter change</a:t>
-            </a:r>
-            <a:endParaRPr lang="en-US" altLang="ja-JP" dirty="0"/>
-          </a:p>
-          <a:p>
-            <a:pPr lvl="1"/>
-            <a:endParaRPr lang="en-US" altLang="ja-JP" dirty="0"/>
-          </a:p>
-          <a:p>
-            <a:pPr lvl="1"/>
-            <a:r>
-              <a:rPr lang="en-US" altLang="ja-JP" dirty="0"/>
-              <a:t>If the conjecture is valid, research the condition and consider solution					</a:t>
-            </a:r>
-          </a:p>
-        </p:txBody>
-      </p:sp>
-      <p:sp>
-        <p:nvSpPr>
-          <p:cNvPr id="3" name="日付プレースホルダー 2">
-            <a:extLst>
-              <a:ext uri="{FF2B5EF4-FFF2-40B4-BE49-F238E27FC236}">
-                <a16:creationId xmlns:a16="http://schemas.microsoft.com/office/drawing/2014/main" id="{D544863B-1412-4349-83E6-1A3DFD10A3DB}"/>
-              </a:ext>
-            </a:extLst>
-          </p:cNvPr>
-          <p:cNvSpPr>
-            <a:spLocks noGrp="1"/>
-          </p:cNvSpPr>
-          <p:nvPr>
-            <p:ph type="dt" sz="half" idx="10"/>
-          </p:nvPr>
-        </p:nvSpPr>
-        <p:spPr/>
-        <p:txBody>
-          <a:bodyPr/>
-          <a:lstStyle/>
-          <a:p>
-            <a:fld id="{90235FA2-C49A-5C4F-85BF-B1D7D24C5B31}" type="datetime1">
-              <a:rPr kumimoji="1" lang="ja-JP" altLang="en-US" smtClean="0"/>
-              <a:t>2020/11/16</a:t>
-            </a:fld>
-            <a:endParaRPr kumimoji="1" lang="ja-JP" altLang="en-US"/>
-          </a:p>
-        </p:txBody>
-      </p:sp>
-      <p:sp>
-        <p:nvSpPr>
-          <p:cNvPr id="4" name="フッター プレースホルダー 3">
-            <a:extLst>
-              <a:ext uri="{FF2B5EF4-FFF2-40B4-BE49-F238E27FC236}">
-                <a16:creationId xmlns:a16="http://schemas.microsoft.com/office/drawing/2014/main" id="{F4780EAC-6AAB-7A40-9AF9-B0A612DE1CB4}"/>
-              </a:ext>
-            </a:extLst>
-          </p:cNvPr>
-          <p:cNvSpPr>
-            <a:spLocks noGrp="1"/>
-          </p:cNvSpPr>
-          <p:nvPr>
-            <p:ph type="ftr" sz="quarter" idx="11"/>
-          </p:nvPr>
-        </p:nvSpPr>
-        <p:spPr/>
-        <p:txBody>
-          <a:bodyPr/>
-          <a:lstStyle/>
-          <a:p>
-            <a:r>
-              <a:rPr kumimoji="1" lang="en-US" altLang="ja-JP"/>
-              <a:t>Control System Theory Group</a:t>
-            </a:r>
-            <a:endParaRPr kumimoji="1" lang="ja-JP" altLang="en-US"/>
-          </a:p>
-        </p:txBody>
-      </p:sp>
-      <p:sp>
-        <p:nvSpPr>
-          <p:cNvPr id="5" name="タイトル 4">
-            <a:extLst>
-              <a:ext uri="{FF2B5EF4-FFF2-40B4-BE49-F238E27FC236}">
-                <a16:creationId xmlns:a16="http://schemas.microsoft.com/office/drawing/2014/main" id="{4FE20D18-33A2-DB4F-B227-F93435C28C61}"/>
-              </a:ext>
-            </a:extLst>
-          </p:cNvPr>
-          <p:cNvSpPr>
-            <a:spLocks noGrp="1"/>
-          </p:cNvSpPr>
-          <p:nvPr>
-            <p:ph type="title"/>
-          </p:nvPr>
-        </p:nvSpPr>
-        <p:spPr/>
-        <p:txBody>
-          <a:bodyPr/>
-          <a:lstStyle/>
-          <a:p>
-            <a:r>
-              <a:rPr kumimoji="1" lang="en-US" altLang="ja-JP" dirty="0"/>
-              <a:t>Weekly Report</a:t>
-            </a:r>
-            <a:endParaRPr kumimoji="1" lang="ja-JP" altLang="en-US"/>
-          </a:p>
-        </p:txBody>
-      </p:sp>
-      <p:sp>
-        <p:nvSpPr>
-          <p:cNvPr id="6" name="右矢印 5">
-            <a:extLst>
-              <a:ext uri="{FF2B5EF4-FFF2-40B4-BE49-F238E27FC236}">
-                <a16:creationId xmlns:a16="http://schemas.microsoft.com/office/drawing/2014/main" id="{439F717A-5869-4B4E-8EB1-C8D2991B8743}"/>
-              </a:ext>
-            </a:extLst>
-          </p:cNvPr>
-          <p:cNvSpPr/>
-          <p:nvPr/>
-        </p:nvSpPr>
-        <p:spPr>
-          <a:xfrm>
-            <a:off x="1115122" y="5512661"/>
-            <a:ext cx="802888" cy="484632"/>
-          </a:xfrm>
-          <a:prstGeom prst="rightArrow">
-            <a:avLst/>
-          </a:prstGeom>
-        </p:spPr>
-        <p:style>
-          <a:lnRef idx="2">
-            <a:schemeClr val="accent1">
-              <a:shade val="50000"/>
-            </a:schemeClr>
-          </a:lnRef>
-          <a:fillRef idx="1">
-            <a:schemeClr val="accent1"/>
-          </a:fillRef>
-          <a:effectRef idx="0">
-            <a:schemeClr val="accent1"/>
-          </a:effectRef>
-          <a:fontRef idx="minor">
-            <a:schemeClr val="lt1"/>
-          </a:fontRef>
-        </p:style>
-        <p:txBody>
-          <a:bodyPr rtlCol="0" anchor="ctr"/>
-          <a:lstStyle/>
-          <a:p>
-            <a:pPr algn="ctr"/>
-            <a:endParaRPr kumimoji="1" lang="ja-JP" altLang="en-US"/>
-          </a:p>
-        </p:txBody>
-      </p:sp>
-      <p:sp>
-        <p:nvSpPr>
-          <p:cNvPr id="7" name="テキスト ボックス 6">
-            <a:extLst>
-              <a:ext uri="{FF2B5EF4-FFF2-40B4-BE49-F238E27FC236}">
-                <a16:creationId xmlns:a16="http://schemas.microsoft.com/office/drawing/2014/main" id="{C7A2DF7D-F6FE-6348-8568-34FB35FC5784}"/>
-              </a:ext>
-            </a:extLst>
-          </p:cNvPr>
-          <p:cNvSpPr txBox="1"/>
-          <p:nvPr/>
-        </p:nvSpPr>
-        <p:spPr>
-          <a:xfrm>
-            <a:off x="2018371" y="5570311"/>
-            <a:ext cx="5454771" cy="369332"/>
-          </a:xfrm>
-          <a:prstGeom prst="rect">
-            <a:avLst/>
-          </a:prstGeom>
-          <a:noFill/>
-        </p:spPr>
-        <p:txBody>
-          <a:bodyPr wrap="square" rtlCol="0">
-            <a:spAutoFit/>
-          </a:bodyPr>
-          <a:lstStyle/>
-          <a:p>
-            <a:r>
-              <a:rPr kumimoji="1" lang="en-US" altLang="ja-JP" dirty="0">
-                <a:latin typeface="Cambria" panose="02040503050406030204" pitchFamily="18" charset="0"/>
-              </a:rPr>
-              <a:t>Check the validity </a:t>
-            </a:r>
-            <a:r>
-              <a:rPr kumimoji="1" lang="en-US" altLang="ja-JP" dirty="0">
-                <a:solidFill>
-                  <a:schemeClr val="bg1">
-                    <a:lumMod val="50000"/>
-                  </a:schemeClr>
-                </a:solidFill>
-                <a:latin typeface="Cambria" panose="02040503050406030204" pitchFamily="18" charset="0"/>
-              </a:rPr>
-              <a:t>(conclusion: NO)</a:t>
-            </a:r>
-            <a:endParaRPr kumimoji="1" lang="ja-JP" altLang="en-US">
-              <a:solidFill>
-                <a:schemeClr val="bg1">
-                  <a:lumMod val="50000"/>
-                </a:schemeClr>
-              </a:solidFill>
-              <a:latin typeface="Cambria" panose="02040503050406030204" pitchFamily="18" charset="0"/>
-            </a:endParaRPr>
-          </a:p>
-        </p:txBody>
-      </p:sp>
-    </p:spTree>
-    <p:extLst>
-      <p:ext uri="{BB962C8B-B14F-4D97-AF65-F5344CB8AC3E}">
-        <p14:creationId xmlns:p14="http://schemas.microsoft.com/office/powerpoint/2010/main" val="1319366918"/>
-      </p:ext>
-    </p:extLst>
-  </p:cSld>
-  <p:clrMapOvr>
-    <a:masterClrMapping/>
-  </p:clrMapOvr>
-</p:sld>
-</file>
-
-<file path=ppt/slides/slide2.xml><?xml version="1.0" encoding="utf-8"?>
-<p:sld xmlns:a="http://schemas.openxmlformats.org/drawingml/2006/main" xmlns:r="http://schemas.openxmlformats.org/officeDocument/2006/relationships" xmlns:p="http://schemas.openxmlformats.org/presentationml/2006/main">
-  <p:cSld>
-    <p:spTree>
-      <p:nvGrpSpPr>
-        <p:cNvPr id="1" name=""/>
-        <p:cNvGrpSpPr/>
-        <p:nvPr/>
-      </p:nvGrpSpPr>
-      <p:grpSpPr>
-        <a:xfrm>
-          <a:off x="0" y="0"/>
-          <a:ext cx="0" cy="0"/>
-          <a:chOff x="0" y="0"/>
-          <a:chExt cx="0" cy="0"/>
-        </a:xfrm>
-      </p:grpSpPr>
-      <p:sp>
-        <p:nvSpPr>
-          <p:cNvPr id="2" name="コンテンツ プレースホルダー 1">
-            <a:extLst>
-              <a:ext uri="{FF2B5EF4-FFF2-40B4-BE49-F238E27FC236}">
-                <a16:creationId xmlns:a16="http://schemas.microsoft.com/office/drawing/2014/main" id="{F6CD0E04-96EE-F54F-BAB8-B7A8935DA094}"/>
-              </a:ext>
-            </a:extLst>
-          </p:cNvPr>
-          <p:cNvSpPr>
-            <a:spLocks noGrp="1"/>
-          </p:cNvSpPr>
-          <p:nvPr>
-            <p:ph idx="1"/>
-          </p:nvPr>
-        </p:nvSpPr>
-        <p:spPr/>
-        <p:txBody>
-          <a:bodyPr/>
-          <a:lstStyle/>
-          <a:p>
-            <a:r>
-              <a:rPr kumimoji="1" lang="en-US" altLang="ja-JP" dirty="0"/>
-              <a:t>Recently experienced data</a:t>
-            </a:r>
-          </a:p>
-          <a:p>
-            <a:endParaRPr lang="en-US" altLang="ja-JP" dirty="0"/>
-          </a:p>
-          <a:p>
-            <a:endParaRPr kumimoji="1" lang="en-US" altLang="ja-JP" dirty="0"/>
-          </a:p>
-          <a:p>
-            <a:endParaRPr lang="en-US" altLang="ja-JP" dirty="0"/>
-          </a:p>
-          <a:p>
-            <a:endParaRPr kumimoji="1" lang="en-US" altLang="ja-JP" dirty="0"/>
-          </a:p>
-          <a:p>
-            <a:endParaRPr lang="en-US" altLang="ja-JP" dirty="0"/>
-          </a:p>
-          <a:p>
-            <a:endParaRPr kumimoji="1" lang="en-US" altLang="ja-JP" dirty="0"/>
-          </a:p>
-          <a:p>
-            <a:r>
-              <a:rPr lang="en-US" altLang="ja-JP" sz="2400" dirty="0"/>
-              <a:t>This scatter plot does not show control path</a:t>
-            </a:r>
-            <a:endParaRPr lang="en-US" altLang="ja-JP" sz="2400" dirty="0">
-              <a:solidFill>
-                <a:srgbClr val="FF0000"/>
-              </a:solidFill>
-            </a:endParaRPr>
-          </a:p>
-          <a:p>
-            <a:endParaRPr kumimoji="1" lang="ja-JP" altLang="en-US"/>
-          </a:p>
-        </p:txBody>
-      </p:sp>
-      <p:sp>
-        <p:nvSpPr>
-          <p:cNvPr id="3" name="日付プレースホルダー 2">
-            <a:extLst>
-              <a:ext uri="{FF2B5EF4-FFF2-40B4-BE49-F238E27FC236}">
-                <a16:creationId xmlns:a16="http://schemas.microsoft.com/office/drawing/2014/main" id="{F250ECC0-9083-B347-86F6-EAE87732A373}"/>
-              </a:ext>
-            </a:extLst>
-          </p:cNvPr>
-          <p:cNvSpPr>
-            <a:spLocks noGrp="1"/>
-          </p:cNvSpPr>
-          <p:nvPr>
-            <p:ph type="dt" sz="half" idx="10"/>
-          </p:nvPr>
-        </p:nvSpPr>
-        <p:spPr/>
-        <p:txBody>
-          <a:bodyPr/>
-          <a:lstStyle/>
-          <a:p>
-            <a:fld id="{90235FA2-C49A-5C4F-85BF-B1D7D24C5B31}" type="datetime1">
-              <a:rPr kumimoji="1" lang="ja-JP" altLang="en-US" smtClean="0"/>
-              <a:t>2020/11/17</a:t>
-            </a:fld>
-            <a:endParaRPr kumimoji="1" lang="ja-JP" altLang="en-US"/>
-          </a:p>
-        </p:txBody>
-      </p:sp>
-      <p:sp>
-        <p:nvSpPr>
-          <p:cNvPr id="4" name="フッター プレースホルダー 3">
-            <a:extLst>
-              <a:ext uri="{FF2B5EF4-FFF2-40B4-BE49-F238E27FC236}">
-                <a16:creationId xmlns:a16="http://schemas.microsoft.com/office/drawing/2014/main" id="{6E8273B6-9463-A24D-B5E9-46F4FE4DD9D7}"/>
-              </a:ext>
-            </a:extLst>
-          </p:cNvPr>
-          <p:cNvSpPr>
-            <a:spLocks noGrp="1"/>
-          </p:cNvSpPr>
-          <p:nvPr>
-            <p:ph type="ftr" sz="quarter" idx="11"/>
-          </p:nvPr>
-        </p:nvSpPr>
-        <p:spPr/>
-        <p:txBody>
-          <a:bodyPr/>
-          <a:lstStyle/>
-          <a:p>
-            <a:r>
-              <a:rPr kumimoji="1" lang="en-US" altLang="ja-JP"/>
-              <a:t>Control System Theory Group</a:t>
-            </a:r>
-            <a:endParaRPr kumimoji="1" lang="ja-JP" altLang="en-US"/>
-          </a:p>
-        </p:txBody>
-      </p:sp>
-      <p:sp>
-        <p:nvSpPr>
-          <p:cNvPr id="5" name="タイトル 4">
-            <a:extLst>
-              <a:ext uri="{FF2B5EF4-FFF2-40B4-BE49-F238E27FC236}">
-                <a16:creationId xmlns:a16="http://schemas.microsoft.com/office/drawing/2014/main" id="{D52D0EBF-D71C-1649-AD2A-63D65F1E0068}"/>
-              </a:ext>
-            </a:extLst>
-          </p:cNvPr>
-          <p:cNvSpPr>
-            <a:spLocks noGrp="1"/>
-          </p:cNvSpPr>
-          <p:nvPr>
-            <p:ph type="title"/>
-          </p:nvPr>
-        </p:nvSpPr>
-        <p:spPr/>
-        <p:txBody>
-          <a:bodyPr/>
-          <a:lstStyle/>
-          <a:p>
-            <a:r>
-              <a:rPr kumimoji="1" lang="en-US" altLang="ja-JP" dirty="0"/>
-              <a:t>Weekly Report</a:t>
-            </a:r>
-            <a:endParaRPr kumimoji="1" lang="ja-JP" altLang="en-US"/>
-          </a:p>
-        </p:txBody>
-      </p:sp>
-      <p:pic>
-        <p:nvPicPr>
-          <p:cNvPr id="6" name="図 5">
-            <a:extLst>
-              <a:ext uri="{FF2B5EF4-FFF2-40B4-BE49-F238E27FC236}">
-                <a16:creationId xmlns:a16="http://schemas.microsoft.com/office/drawing/2014/main" id="{B8D61556-1AA4-8E43-A9A3-2499DBE42346}"/>
-              </a:ext>
-            </a:extLst>
-          </p:cNvPr>
-          <p:cNvPicPr>
-            <a:picLocks noChangeAspect="1"/>
-          </p:cNvPicPr>
-          <p:nvPr/>
-        </p:nvPicPr>
-        <p:blipFill>
-          <a:blip r:embed="rId2"/>
-          <a:stretch>
-            <a:fillRect/>
-          </a:stretch>
-        </p:blipFill>
-        <p:spPr>
-          <a:xfrm>
-            <a:off x="628650" y="1652707"/>
-            <a:ext cx="3236491" cy="2236121"/>
-          </a:xfrm>
-          <a:prstGeom prst="rect">
-            <a:avLst/>
-          </a:prstGeom>
-        </p:spPr>
-      </p:pic>
-      <p:sp>
-        <p:nvSpPr>
-          <p:cNvPr id="7" name="コンテンツ プレースホルダー 1">
-            <a:extLst>
-              <a:ext uri="{FF2B5EF4-FFF2-40B4-BE49-F238E27FC236}">
-                <a16:creationId xmlns:a16="http://schemas.microsoft.com/office/drawing/2014/main" id="{FBF958AE-F416-9E4B-8EB4-9D347ADE729E}"/>
-              </a:ext>
-            </a:extLst>
-          </p:cNvPr>
-          <p:cNvSpPr txBox="1">
-            <a:spLocks/>
-          </p:cNvSpPr>
-          <p:nvPr/>
-        </p:nvSpPr>
-        <p:spPr>
-          <a:xfrm>
-            <a:off x="4321072" y="1552704"/>
-            <a:ext cx="4286900" cy="2733110"/>
-          </a:xfrm>
-          <a:prstGeom prst="rect">
-            <a:avLst/>
-          </a:prstGeom>
-        </p:spPr>
-        <p:txBody>
-          <a:bodyPr vert="horz" lIns="91440" tIns="45720" rIns="91440" bIns="45720" rtlCol="0">
-            <a:normAutofit/>
-          </a:bodyPr>
-          <a:lstStyle>
-            <a:lvl1pPr marL="228600" indent="-228600" algn="l" defTabSz="914400" rtl="0" eaLnBrk="1" latinLnBrk="0" hangingPunct="1">
-              <a:lnSpc>
-                <a:spcPct val="90000"/>
-              </a:lnSpc>
-              <a:spcBef>
-                <a:spcPts val="1000"/>
-              </a:spcBef>
-              <a:buClr>
-                <a:srgbClr val="0070C0"/>
-              </a:buClr>
-              <a:buFont typeface="Arial" panose="020B0604020202020204" pitchFamily="34" charset="0"/>
-              <a:buChar char="•"/>
-              <a:defRPr kumimoji="1" sz="2200" b="0" i="0" kern="1200">
-                <a:solidFill>
-                  <a:schemeClr val="tx1"/>
-                </a:solidFill>
-                <a:latin typeface="Cambria" panose="02040503050406030204" pitchFamily="18" charset="0"/>
-                <a:ea typeface="+mn-ea"/>
-                <a:cs typeface="+mn-cs"/>
-              </a:defRPr>
-            </a:lvl1pPr>
-            <a:lvl2pPr marL="685800" indent="-228600" algn="l" defTabSz="914400" rtl="0" eaLnBrk="1" latinLnBrk="0" hangingPunct="1">
-              <a:lnSpc>
-                <a:spcPct val="90000"/>
-              </a:lnSpc>
-              <a:spcBef>
-                <a:spcPts val="500"/>
-              </a:spcBef>
-              <a:buClr>
-                <a:srgbClr val="0070C0"/>
-              </a:buClr>
-              <a:buFont typeface="Arial" panose="020B0604020202020204" pitchFamily="34" charset="0"/>
-              <a:buChar char="•"/>
-              <a:defRPr kumimoji="1" sz="2000" b="0" i="0" kern="1200">
-                <a:solidFill>
-                  <a:schemeClr val="tx1"/>
-                </a:solidFill>
-                <a:latin typeface="Cambria" panose="02040503050406030204" pitchFamily="18" charset="0"/>
-                <a:ea typeface="+mn-ea"/>
-                <a:cs typeface="+mn-cs"/>
-              </a:defRPr>
-            </a:lvl2pPr>
-            <a:lvl3pPr marL="1143000" indent="-228600" algn="l" defTabSz="914400" rtl="0" eaLnBrk="1" latinLnBrk="0" hangingPunct="1">
-              <a:lnSpc>
-                <a:spcPct val="90000"/>
-              </a:lnSpc>
-              <a:spcBef>
-                <a:spcPts val="500"/>
-              </a:spcBef>
-              <a:buClr>
-                <a:srgbClr val="0070C0"/>
-              </a:buClr>
-              <a:buFont typeface="Arial" panose="020B0604020202020204" pitchFamily="34" charset="0"/>
-              <a:buChar char="•"/>
-              <a:defRPr kumimoji="1" sz="1800" b="0" i="0" kern="1200">
-                <a:solidFill>
-                  <a:schemeClr val="tx1"/>
-                </a:solidFill>
-                <a:latin typeface="Cambria" panose="02040503050406030204" pitchFamily="18" charset="0"/>
-                <a:ea typeface="+mn-ea"/>
-                <a:cs typeface="+mn-cs"/>
-              </a:defRPr>
-            </a:lvl3pPr>
-            <a:lvl4pPr marL="1600200" indent="-228600" algn="l" defTabSz="914400" rtl="0" eaLnBrk="1" latinLnBrk="0" hangingPunct="1">
-              <a:lnSpc>
-                <a:spcPct val="90000"/>
-              </a:lnSpc>
-              <a:spcBef>
-                <a:spcPts val="500"/>
-              </a:spcBef>
-              <a:buClr>
-                <a:srgbClr val="0070C0"/>
-              </a:buClr>
-              <a:buFont typeface="Arial" panose="020B0604020202020204" pitchFamily="34" charset="0"/>
-              <a:buChar char="•"/>
-              <a:defRPr kumimoji="1" sz="1600" b="0" i="0" kern="1200">
-                <a:solidFill>
-                  <a:schemeClr val="tx1"/>
-                </a:solidFill>
-                <a:latin typeface="Cambria" panose="02040503050406030204" pitchFamily="18" charset="0"/>
-                <a:ea typeface="+mn-ea"/>
-                <a:cs typeface="+mn-cs"/>
-              </a:defRPr>
-            </a:lvl4pPr>
-            <a:lvl5pPr marL="2057400" indent="-228600" algn="l" defTabSz="914400" rtl="0" eaLnBrk="1" latinLnBrk="0" hangingPunct="1">
-              <a:lnSpc>
-                <a:spcPct val="90000"/>
-              </a:lnSpc>
-              <a:spcBef>
-                <a:spcPts val="500"/>
-              </a:spcBef>
-              <a:buClr>
-                <a:srgbClr val="0070C0"/>
-              </a:buClr>
-              <a:buFont typeface="Arial" panose="020B0604020202020204" pitchFamily="34" charset="0"/>
-              <a:buChar char="•"/>
-              <a:defRPr kumimoji="1" sz="1400" b="0" i="0" kern="1200">
-                <a:solidFill>
-                  <a:schemeClr val="tx1"/>
-                </a:solidFill>
-                <a:latin typeface="Cambria" panose="02040503050406030204" pitchFamily="18" charset="0"/>
-                <a:ea typeface="+mn-ea"/>
-                <a:cs typeface="+mn-cs"/>
-              </a:defRPr>
-            </a:lvl5pPr>
-            <a:lvl6pPr marL="2514600" indent="-228600" algn="l" defTabSz="914400" rtl="0" eaLnBrk="1" latinLnBrk="0" hangingPunct="1">
-              <a:lnSpc>
-                <a:spcPct val="90000"/>
-              </a:lnSpc>
-              <a:spcBef>
-                <a:spcPts val="500"/>
-              </a:spcBef>
-              <a:buFont typeface="Arial" panose="020B0604020202020204" pitchFamily="34" charset="0"/>
-              <a:buChar char="•"/>
-              <a:defRPr kumimoji="1" sz="1800" kern="1200">
-                <a:solidFill>
-                  <a:schemeClr val="tx1"/>
-                </a:solidFill>
-                <a:latin typeface="+mn-lt"/>
-                <a:ea typeface="+mn-ea"/>
-                <a:cs typeface="+mn-cs"/>
-              </a:defRPr>
-            </a:lvl6pPr>
-            <a:lvl7pPr marL="2971800" indent="-228600" algn="l" defTabSz="914400" rtl="0" eaLnBrk="1" latinLnBrk="0" hangingPunct="1">
-              <a:lnSpc>
-                <a:spcPct val="90000"/>
-              </a:lnSpc>
-              <a:spcBef>
-                <a:spcPts val="500"/>
-              </a:spcBef>
-              <a:buFont typeface="Arial" panose="020B0604020202020204" pitchFamily="34" charset="0"/>
-              <a:buChar char="•"/>
-              <a:defRPr kumimoji="1" sz="1800" kern="1200">
-                <a:solidFill>
-                  <a:schemeClr val="tx1"/>
-                </a:solidFill>
-                <a:latin typeface="+mn-lt"/>
-                <a:ea typeface="+mn-ea"/>
-                <a:cs typeface="+mn-cs"/>
-              </a:defRPr>
-            </a:lvl7pPr>
-            <a:lvl8pPr marL="3429000" indent="-228600" algn="l" defTabSz="914400" rtl="0" eaLnBrk="1" latinLnBrk="0" hangingPunct="1">
-              <a:lnSpc>
-                <a:spcPct val="90000"/>
-              </a:lnSpc>
-              <a:spcBef>
-                <a:spcPts val="500"/>
-              </a:spcBef>
-              <a:buFont typeface="Arial" panose="020B0604020202020204" pitchFamily="34" charset="0"/>
-              <a:buChar char="•"/>
-              <a:defRPr kumimoji="1" sz="1800" kern="1200">
-                <a:solidFill>
-                  <a:schemeClr val="tx1"/>
-                </a:solidFill>
-                <a:latin typeface="+mn-lt"/>
-                <a:ea typeface="+mn-ea"/>
-                <a:cs typeface="+mn-cs"/>
-              </a:defRPr>
-            </a:lvl8pPr>
-            <a:lvl9pPr marL="3886200" indent="-228600" algn="l" defTabSz="914400" rtl="0" eaLnBrk="1" latinLnBrk="0" hangingPunct="1">
-              <a:lnSpc>
-                <a:spcPct val="90000"/>
-              </a:lnSpc>
-              <a:spcBef>
-                <a:spcPts val="500"/>
-              </a:spcBef>
-              <a:buFont typeface="Arial" panose="020B0604020202020204" pitchFamily="34" charset="0"/>
-              <a:buChar char="•"/>
-              <a:defRPr kumimoji="1" sz="1800" kern="1200">
-                <a:solidFill>
-                  <a:schemeClr val="tx1"/>
-                </a:solidFill>
-                <a:latin typeface="+mn-lt"/>
-                <a:ea typeface="+mn-ea"/>
-                <a:cs typeface="+mn-cs"/>
-              </a:defRPr>
-            </a:lvl9pPr>
-          </a:lstStyle>
-          <a:p>
-            <a:r>
-              <a:rPr lang="en-US" altLang="ja-JP" sz="1800" dirty="0"/>
-              <a:t>Although parameter changes </a:t>
-            </a:r>
-            <a:r>
-              <a:rPr lang="en-US" altLang="ja-JP" sz="1800" dirty="0">
-                <a:solidFill>
-                  <a:srgbClr val="FF0000"/>
-                </a:solidFill>
-              </a:rPr>
-              <a:t>slightly, </a:t>
-            </a:r>
-            <a:r>
-              <a:rPr lang="en-US" altLang="ja-JP" sz="1800" dirty="0"/>
-              <a:t>control path changes </a:t>
-            </a:r>
-            <a:r>
-              <a:rPr lang="en-US" altLang="ja-JP" sz="1800" dirty="0">
-                <a:solidFill>
-                  <a:srgbClr val="FF0000"/>
-                </a:solidFill>
-              </a:rPr>
-              <a:t>drastically(?)</a:t>
-            </a:r>
-          </a:p>
-          <a:p>
-            <a:endParaRPr lang="en-US" altLang="ja-JP" sz="1800" dirty="0"/>
-          </a:p>
-        </p:txBody>
-      </p:sp>
-      <p:sp>
-        <p:nvSpPr>
-          <p:cNvPr id="8" name="テキスト ボックス 7">
-            <a:extLst>
-              <a:ext uri="{FF2B5EF4-FFF2-40B4-BE49-F238E27FC236}">
-                <a16:creationId xmlns:a16="http://schemas.microsoft.com/office/drawing/2014/main" id="{64E2261E-D7FE-AE40-8F90-D56364D1FAFA}"/>
-              </a:ext>
-            </a:extLst>
-          </p:cNvPr>
-          <p:cNvSpPr txBox="1"/>
-          <p:nvPr/>
-        </p:nvSpPr>
-        <p:spPr>
-          <a:xfrm>
-            <a:off x="2445407" y="3689281"/>
-            <a:ext cx="385042" cy="215444"/>
-          </a:xfrm>
-          <a:prstGeom prst="rect">
-            <a:avLst/>
-          </a:prstGeom>
-          <a:noFill/>
-        </p:spPr>
-        <p:txBody>
-          <a:bodyPr wrap="none" rtlCol="0">
-            <a:spAutoFit/>
-          </a:bodyPr>
-          <a:lstStyle/>
-          <a:p>
-            <a:r>
-              <a:rPr kumimoji="1" lang="en-US" altLang="ja-JP" sz="800" dirty="0">
-                <a:solidFill>
-                  <a:schemeClr val="tx1">
-                    <a:lumMod val="65000"/>
-                    <a:lumOff val="35000"/>
-                  </a:schemeClr>
-                </a:solidFill>
-                <a:latin typeface="Calibri" panose="020F0502020204030204" pitchFamily="34" charset="0"/>
-                <a:cs typeface="Calibri" panose="020F0502020204030204" pitchFamily="34" charset="0"/>
-              </a:rPr>
-              <a:t>(rad)</a:t>
-            </a:r>
-            <a:endParaRPr kumimoji="1" lang="ja-JP" altLang="en-US" sz="800">
-              <a:solidFill>
-                <a:schemeClr val="tx1">
-                  <a:lumMod val="65000"/>
-                  <a:lumOff val="35000"/>
-                </a:schemeClr>
-              </a:solidFill>
-              <a:latin typeface="Calibri" panose="020F0502020204030204" pitchFamily="34" charset="0"/>
-              <a:cs typeface="Calibri" panose="020F0502020204030204" pitchFamily="34" charset="0"/>
-            </a:endParaRPr>
-          </a:p>
-        </p:txBody>
-      </p:sp>
-      <p:sp>
-        <p:nvSpPr>
-          <p:cNvPr id="10" name="テキスト ボックス 9">
-            <a:extLst>
-              <a:ext uri="{FF2B5EF4-FFF2-40B4-BE49-F238E27FC236}">
-                <a16:creationId xmlns:a16="http://schemas.microsoft.com/office/drawing/2014/main" id="{728654B5-7EFD-784F-AF8A-FAE2344F8901}"/>
-              </a:ext>
-            </a:extLst>
-          </p:cNvPr>
-          <p:cNvSpPr txBox="1"/>
-          <p:nvPr/>
-        </p:nvSpPr>
-        <p:spPr>
-          <a:xfrm rot="16200000">
-            <a:off x="495955" y="2084082"/>
-            <a:ext cx="465192" cy="215444"/>
-          </a:xfrm>
-          <a:prstGeom prst="rect">
-            <a:avLst/>
-          </a:prstGeom>
-          <a:noFill/>
-        </p:spPr>
-        <p:txBody>
-          <a:bodyPr wrap="none" rtlCol="0">
-            <a:spAutoFit/>
-          </a:bodyPr>
-          <a:lstStyle/>
-          <a:p>
-            <a:r>
-              <a:rPr kumimoji="1" lang="en-US" altLang="ja-JP" sz="800" dirty="0">
-                <a:solidFill>
-                  <a:schemeClr val="tx1">
-                    <a:lumMod val="65000"/>
-                    <a:lumOff val="35000"/>
-                  </a:schemeClr>
-                </a:solidFill>
-                <a:latin typeface="Calibri" panose="020F0502020204030204" pitchFamily="34" charset="0"/>
-                <a:cs typeface="Calibri" panose="020F0502020204030204" pitchFamily="34" charset="0"/>
-              </a:rPr>
-              <a:t>(rad/s)</a:t>
-            </a:r>
-            <a:endParaRPr kumimoji="1" lang="ja-JP" altLang="en-US" sz="800">
-              <a:solidFill>
-                <a:schemeClr val="tx1">
-                  <a:lumMod val="65000"/>
-                  <a:lumOff val="35000"/>
-                </a:schemeClr>
-              </a:solidFill>
-              <a:latin typeface="Calibri" panose="020F0502020204030204" pitchFamily="34" charset="0"/>
-              <a:cs typeface="Calibri" panose="020F0502020204030204" pitchFamily="34" charset="0"/>
-            </a:endParaRPr>
-          </a:p>
-        </p:txBody>
-      </p:sp>
-    </p:spTree>
-    <p:extLst>
-      <p:ext uri="{BB962C8B-B14F-4D97-AF65-F5344CB8AC3E}">
-        <p14:creationId xmlns:p14="http://schemas.microsoft.com/office/powerpoint/2010/main" val="2379581750"/>
-      </p:ext>
-    </p:extLst>
-  </p:cSld>
-  <p:clrMapOvr>
-    <a:masterClrMapping/>
-  </p:clrMapOvr>
-</p:sld>
-</file>
-
-<file path=ppt/slides/slide3.xml><?xml version="1.0" encoding="utf-8"?>
-<p:sld xmlns:a="http://schemas.openxmlformats.org/drawingml/2006/main" xmlns:r="http://schemas.openxmlformats.org/officeDocument/2006/relationships" xmlns:p="http://schemas.openxmlformats.org/presentationml/2006/main">
-  <p:cSld>
-    <p:spTree>
-      <p:nvGrpSpPr>
-        <p:cNvPr id="1" name=""/>
-        <p:cNvGrpSpPr/>
-        <p:nvPr/>
-      </p:nvGrpSpPr>
-      <p:grpSpPr>
-        <a:xfrm>
-          <a:off x="0" y="0"/>
-          <a:ext cx="0" cy="0"/>
-          <a:chOff x="0" y="0"/>
-          <a:chExt cx="0" cy="0"/>
-        </a:xfrm>
-      </p:grpSpPr>
-      <p:sp>
-        <p:nvSpPr>
-          <p:cNvPr id="2" name="コンテンツ プレースホルダー 1">
-            <a:extLst>
-              <a:ext uri="{FF2B5EF4-FFF2-40B4-BE49-F238E27FC236}">
-                <a16:creationId xmlns:a16="http://schemas.microsoft.com/office/drawing/2014/main" id="{96E7FA76-3A55-0248-88B1-B3A6AC070C8E}"/>
-              </a:ext>
-            </a:extLst>
-          </p:cNvPr>
-          <p:cNvSpPr>
-            <a:spLocks noGrp="1"/>
-          </p:cNvSpPr>
-          <p:nvPr>
-            <p:ph idx="1"/>
-          </p:nvPr>
-        </p:nvSpPr>
-        <p:spPr/>
-        <p:txBody>
-          <a:bodyPr/>
-          <a:lstStyle/>
-          <a:p>
-            <a:r>
-              <a:rPr kumimoji="1" lang="en-US" altLang="ja-JP" dirty="0"/>
-              <a:t>Depict control path for each episode(new starting point)</a:t>
-            </a:r>
-          </a:p>
-          <a:p>
-            <a:endParaRPr lang="en-US" altLang="ja-JP" dirty="0"/>
-          </a:p>
-          <a:p>
-            <a:endParaRPr kumimoji="1" lang="en-US" altLang="ja-JP" dirty="0"/>
-          </a:p>
-          <a:p>
-            <a:endParaRPr lang="en-US" altLang="ja-JP" dirty="0"/>
-          </a:p>
-          <a:p>
-            <a:endParaRPr kumimoji="1" lang="en-US" altLang="ja-JP" dirty="0"/>
-          </a:p>
-          <a:p>
-            <a:endParaRPr lang="en-US" altLang="ja-JP" dirty="0"/>
-          </a:p>
-          <a:p>
-            <a:endParaRPr kumimoji="1" lang="en-US" altLang="ja-JP" dirty="0"/>
-          </a:p>
-          <a:p>
-            <a:r>
-              <a:rPr lang="en-US" altLang="ja-JP" dirty="0"/>
-              <a:t>It is not possible to see why policy became bad with this picture</a:t>
-            </a:r>
-          </a:p>
-          <a:p>
-            <a:pPr lvl="1"/>
-            <a:r>
-              <a:rPr lang="en-US" altLang="ja-JP" dirty="0"/>
-              <a:t>(P1) Control path suddenly changed in </a:t>
-            </a:r>
-            <a:r>
-              <a:rPr lang="en-US" altLang="ja-JP" dirty="0">
-                <a:solidFill>
-                  <a:schemeClr val="accent2"/>
-                </a:solidFill>
-              </a:rPr>
-              <a:t>second </a:t>
-            </a:r>
-            <a:r>
-              <a:rPr lang="en-US" altLang="ja-JP" dirty="0"/>
-              <a:t>episode (conjecture)</a:t>
-            </a:r>
-          </a:p>
-          <a:p>
-            <a:pPr lvl="1"/>
-            <a:r>
-              <a:rPr lang="en-US" altLang="ja-JP" dirty="0"/>
-              <a:t>(P2) Overfit to </a:t>
-            </a:r>
-            <a:r>
-              <a:rPr lang="en-US" altLang="ja-JP" dirty="0">
-                <a:solidFill>
-                  <a:schemeClr val="accent1">
-                    <a:lumMod val="75000"/>
-                  </a:schemeClr>
-                </a:solidFill>
-              </a:rPr>
-              <a:t>blue</a:t>
-            </a:r>
-            <a:r>
-              <a:rPr lang="en-US" altLang="ja-JP" dirty="0"/>
-              <a:t> path</a:t>
-            </a:r>
-          </a:p>
-          <a:p>
-            <a:pPr lvl="1"/>
-            <a:r>
-              <a:rPr lang="en-US" altLang="ja-JP" dirty="0"/>
-              <a:t>(P3) Other reason</a:t>
-            </a:r>
-          </a:p>
-          <a:p>
-            <a:pPr marL="457200" lvl="1" indent="0">
-              <a:buNone/>
-            </a:pPr>
-            <a:endParaRPr lang="en-US" altLang="ja-JP" dirty="0"/>
-          </a:p>
-        </p:txBody>
-      </p:sp>
-      <p:sp>
-        <p:nvSpPr>
-          <p:cNvPr id="3" name="日付プレースホルダー 2">
-            <a:extLst>
-              <a:ext uri="{FF2B5EF4-FFF2-40B4-BE49-F238E27FC236}">
-                <a16:creationId xmlns:a16="http://schemas.microsoft.com/office/drawing/2014/main" id="{57017641-9A43-0449-BD74-8ACFCDBD0735}"/>
-              </a:ext>
-            </a:extLst>
-          </p:cNvPr>
-          <p:cNvSpPr>
-            <a:spLocks noGrp="1"/>
-          </p:cNvSpPr>
-          <p:nvPr>
-            <p:ph type="dt" sz="half" idx="10"/>
-          </p:nvPr>
-        </p:nvSpPr>
-        <p:spPr/>
-        <p:txBody>
-          <a:bodyPr/>
-          <a:lstStyle/>
-          <a:p>
-            <a:fld id="{90235FA2-C49A-5C4F-85BF-B1D7D24C5B31}" type="datetime1">
-              <a:rPr kumimoji="1" lang="ja-JP" altLang="en-US" smtClean="0"/>
-              <a:t>2020/11/17</a:t>
-            </a:fld>
-            <a:endParaRPr kumimoji="1" lang="ja-JP" altLang="en-US"/>
-          </a:p>
-        </p:txBody>
-      </p:sp>
-      <p:sp>
-        <p:nvSpPr>
-          <p:cNvPr id="4" name="フッター プレースホルダー 3">
-            <a:extLst>
-              <a:ext uri="{FF2B5EF4-FFF2-40B4-BE49-F238E27FC236}">
-                <a16:creationId xmlns:a16="http://schemas.microsoft.com/office/drawing/2014/main" id="{E86D5E88-6DBC-1941-AAD9-4CBD73F8B02D}"/>
-              </a:ext>
-            </a:extLst>
-          </p:cNvPr>
-          <p:cNvSpPr>
-            <a:spLocks noGrp="1"/>
-          </p:cNvSpPr>
-          <p:nvPr>
-            <p:ph type="ftr" sz="quarter" idx="11"/>
-          </p:nvPr>
-        </p:nvSpPr>
-        <p:spPr/>
-        <p:txBody>
-          <a:bodyPr/>
-          <a:lstStyle/>
-          <a:p>
-            <a:r>
-              <a:rPr kumimoji="1" lang="en-US" altLang="ja-JP"/>
-              <a:t>Control System Theory Group</a:t>
-            </a:r>
-            <a:endParaRPr kumimoji="1" lang="ja-JP" altLang="en-US"/>
-          </a:p>
-        </p:txBody>
-      </p:sp>
-      <p:sp>
-        <p:nvSpPr>
-          <p:cNvPr id="5" name="タイトル 4">
-            <a:extLst>
-              <a:ext uri="{FF2B5EF4-FFF2-40B4-BE49-F238E27FC236}">
-                <a16:creationId xmlns:a16="http://schemas.microsoft.com/office/drawing/2014/main" id="{1352C757-EBEB-6541-A0AC-CA9EE508DC40}"/>
-              </a:ext>
-            </a:extLst>
-          </p:cNvPr>
-          <p:cNvSpPr>
-            <a:spLocks noGrp="1"/>
-          </p:cNvSpPr>
-          <p:nvPr>
-            <p:ph type="title"/>
-          </p:nvPr>
-        </p:nvSpPr>
-        <p:spPr/>
-        <p:txBody>
-          <a:bodyPr/>
-          <a:lstStyle/>
-          <a:p>
-            <a:r>
-              <a:rPr kumimoji="1" lang="en-US" altLang="ja-JP" dirty="0"/>
-              <a:t>Weekly Report</a:t>
-            </a:r>
-            <a:endParaRPr kumimoji="1" lang="ja-JP" altLang="en-US"/>
-          </a:p>
-        </p:txBody>
-      </p:sp>
-      <p:pic>
-        <p:nvPicPr>
-          <p:cNvPr id="8" name="コンテンツ プレースホルダー 6">
-            <a:extLst>
-              <a:ext uri="{FF2B5EF4-FFF2-40B4-BE49-F238E27FC236}">
-                <a16:creationId xmlns:a16="http://schemas.microsoft.com/office/drawing/2014/main" id="{26A0628C-77D2-434C-BFBA-61206956EC09}"/>
-              </a:ext>
-            </a:extLst>
-          </p:cNvPr>
-          <p:cNvPicPr>
-            <a:picLocks noChangeAspect="1"/>
-          </p:cNvPicPr>
-          <p:nvPr/>
-        </p:nvPicPr>
-        <p:blipFill>
-          <a:blip r:embed="rId2"/>
-          <a:stretch>
-            <a:fillRect/>
-          </a:stretch>
-        </p:blipFill>
-        <p:spPr>
-          <a:xfrm>
-            <a:off x="628650" y="1627789"/>
-            <a:ext cx="4248150" cy="2350754"/>
-          </a:xfrm>
-          <a:prstGeom prst="rect">
-            <a:avLst/>
-          </a:prstGeom>
-        </p:spPr>
-      </p:pic>
-      <p:sp>
-        <p:nvSpPr>
-          <p:cNvPr id="9" name="コンテンツ プレースホルダー 1">
-            <a:extLst>
-              <a:ext uri="{FF2B5EF4-FFF2-40B4-BE49-F238E27FC236}">
-                <a16:creationId xmlns:a16="http://schemas.microsoft.com/office/drawing/2014/main" id="{898F02D5-4F90-9648-9F20-F4B535C12956}"/>
-              </a:ext>
-            </a:extLst>
-          </p:cNvPr>
-          <p:cNvSpPr txBox="1">
-            <a:spLocks/>
-          </p:cNvSpPr>
-          <p:nvPr/>
-        </p:nvSpPr>
-        <p:spPr>
-          <a:xfrm>
-            <a:off x="4876800" y="1639757"/>
-            <a:ext cx="4286900" cy="2221043"/>
-          </a:xfrm>
-          <a:prstGeom prst="rect">
-            <a:avLst/>
-          </a:prstGeom>
-        </p:spPr>
-        <p:txBody>
-          <a:bodyPr vert="horz" lIns="91440" tIns="45720" rIns="91440" bIns="45720" rtlCol="0">
-            <a:normAutofit/>
-          </a:bodyPr>
-          <a:lstStyle>
-            <a:lvl1pPr marL="228600" indent="-228600" algn="l" defTabSz="914400" rtl="0" eaLnBrk="1" latinLnBrk="0" hangingPunct="1">
-              <a:lnSpc>
-                <a:spcPct val="90000"/>
-              </a:lnSpc>
-              <a:spcBef>
-                <a:spcPts val="1000"/>
-              </a:spcBef>
-              <a:buClr>
-                <a:srgbClr val="0070C0"/>
-              </a:buClr>
-              <a:buFont typeface="Arial" panose="020B0604020202020204" pitchFamily="34" charset="0"/>
-              <a:buChar char="•"/>
-              <a:defRPr kumimoji="1" sz="2200" b="0" i="0" kern="1200">
-                <a:solidFill>
-                  <a:schemeClr val="tx1"/>
-                </a:solidFill>
-                <a:latin typeface="Cambria" panose="02040503050406030204" pitchFamily="18" charset="0"/>
-                <a:ea typeface="+mn-ea"/>
-                <a:cs typeface="+mn-cs"/>
-              </a:defRPr>
-            </a:lvl1pPr>
-            <a:lvl2pPr marL="685800" indent="-228600" algn="l" defTabSz="914400" rtl="0" eaLnBrk="1" latinLnBrk="0" hangingPunct="1">
-              <a:lnSpc>
-                <a:spcPct val="90000"/>
-              </a:lnSpc>
-              <a:spcBef>
-                <a:spcPts val="500"/>
-              </a:spcBef>
-              <a:buClr>
-                <a:srgbClr val="0070C0"/>
-              </a:buClr>
-              <a:buFont typeface="Arial" panose="020B0604020202020204" pitchFamily="34" charset="0"/>
-              <a:buChar char="•"/>
-              <a:defRPr kumimoji="1" sz="2000" b="0" i="0" kern="1200">
-                <a:solidFill>
-                  <a:schemeClr val="tx1"/>
-                </a:solidFill>
-                <a:latin typeface="Cambria" panose="02040503050406030204" pitchFamily="18" charset="0"/>
-                <a:ea typeface="+mn-ea"/>
-                <a:cs typeface="+mn-cs"/>
-              </a:defRPr>
-            </a:lvl2pPr>
-            <a:lvl3pPr marL="1143000" indent="-228600" algn="l" defTabSz="914400" rtl="0" eaLnBrk="1" latinLnBrk="0" hangingPunct="1">
-              <a:lnSpc>
-                <a:spcPct val="90000"/>
-              </a:lnSpc>
-              <a:spcBef>
-                <a:spcPts val="500"/>
-              </a:spcBef>
-              <a:buClr>
-                <a:srgbClr val="0070C0"/>
-              </a:buClr>
-              <a:buFont typeface="Arial" panose="020B0604020202020204" pitchFamily="34" charset="0"/>
-              <a:buChar char="•"/>
-              <a:defRPr kumimoji="1" sz="1800" b="0" i="0" kern="1200">
-                <a:solidFill>
-                  <a:schemeClr val="tx1"/>
-                </a:solidFill>
-                <a:latin typeface="Cambria" panose="02040503050406030204" pitchFamily="18" charset="0"/>
-                <a:ea typeface="+mn-ea"/>
-                <a:cs typeface="+mn-cs"/>
-              </a:defRPr>
-            </a:lvl3pPr>
-            <a:lvl4pPr marL="1600200" indent="-228600" algn="l" defTabSz="914400" rtl="0" eaLnBrk="1" latinLnBrk="0" hangingPunct="1">
-              <a:lnSpc>
-                <a:spcPct val="90000"/>
-              </a:lnSpc>
-              <a:spcBef>
-                <a:spcPts val="500"/>
-              </a:spcBef>
-              <a:buClr>
-                <a:srgbClr val="0070C0"/>
-              </a:buClr>
-              <a:buFont typeface="Arial" panose="020B0604020202020204" pitchFamily="34" charset="0"/>
-              <a:buChar char="•"/>
-              <a:defRPr kumimoji="1" sz="1600" b="0" i="0" kern="1200">
-                <a:solidFill>
-                  <a:schemeClr val="tx1"/>
-                </a:solidFill>
-                <a:latin typeface="Cambria" panose="02040503050406030204" pitchFamily="18" charset="0"/>
-                <a:ea typeface="+mn-ea"/>
-                <a:cs typeface="+mn-cs"/>
-              </a:defRPr>
-            </a:lvl4pPr>
-            <a:lvl5pPr marL="2057400" indent="-228600" algn="l" defTabSz="914400" rtl="0" eaLnBrk="1" latinLnBrk="0" hangingPunct="1">
-              <a:lnSpc>
-                <a:spcPct val="90000"/>
-              </a:lnSpc>
-              <a:spcBef>
-                <a:spcPts val="500"/>
-              </a:spcBef>
-              <a:buClr>
-                <a:srgbClr val="0070C0"/>
-              </a:buClr>
-              <a:buFont typeface="Arial" panose="020B0604020202020204" pitchFamily="34" charset="0"/>
-              <a:buChar char="•"/>
-              <a:defRPr kumimoji="1" sz="1400" b="0" i="0" kern="1200">
-                <a:solidFill>
-                  <a:schemeClr val="tx1"/>
-                </a:solidFill>
-                <a:latin typeface="Cambria" panose="02040503050406030204" pitchFamily="18" charset="0"/>
-                <a:ea typeface="+mn-ea"/>
-                <a:cs typeface="+mn-cs"/>
-              </a:defRPr>
-            </a:lvl5pPr>
-            <a:lvl6pPr marL="2514600" indent="-228600" algn="l" defTabSz="914400" rtl="0" eaLnBrk="1" latinLnBrk="0" hangingPunct="1">
-              <a:lnSpc>
-                <a:spcPct val="90000"/>
-              </a:lnSpc>
-              <a:spcBef>
-                <a:spcPts val="500"/>
-              </a:spcBef>
-              <a:buFont typeface="Arial" panose="020B0604020202020204" pitchFamily="34" charset="0"/>
-              <a:buChar char="•"/>
-              <a:defRPr kumimoji="1" sz="1800" kern="1200">
-                <a:solidFill>
-                  <a:schemeClr val="tx1"/>
-                </a:solidFill>
-                <a:latin typeface="+mn-lt"/>
-                <a:ea typeface="+mn-ea"/>
-                <a:cs typeface="+mn-cs"/>
-              </a:defRPr>
-            </a:lvl6pPr>
-            <a:lvl7pPr marL="2971800" indent="-228600" algn="l" defTabSz="914400" rtl="0" eaLnBrk="1" latinLnBrk="0" hangingPunct="1">
-              <a:lnSpc>
-                <a:spcPct val="90000"/>
-              </a:lnSpc>
-              <a:spcBef>
-                <a:spcPts val="500"/>
-              </a:spcBef>
-              <a:buFont typeface="Arial" panose="020B0604020202020204" pitchFamily="34" charset="0"/>
-              <a:buChar char="•"/>
-              <a:defRPr kumimoji="1" sz="1800" kern="1200">
-                <a:solidFill>
-                  <a:schemeClr val="tx1"/>
-                </a:solidFill>
-                <a:latin typeface="+mn-lt"/>
-                <a:ea typeface="+mn-ea"/>
-                <a:cs typeface="+mn-cs"/>
-              </a:defRPr>
-            </a:lvl7pPr>
-            <a:lvl8pPr marL="3429000" indent="-228600" algn="l" defTabSz="914400" rtl="0" eaLnBrk="1" latinLnBrk="0" hangingPunct="1">
-              <a:lnSpc>
-                <a:spcPct val="90000"/>
-              </a:lnSpc>
-              <a:spcBef>
-                <a:spcPts val="500"/>
-              </a:spcBef>
-              <a:buFont typeface="Arial" panose="020B0604020202020204" pitchFamily="34" charset="0"/>
-              <a:buChar char="•"/>
-              <a:defRPr kumimoji="1" sz="1800" kern="1200">
-                <a:solidFill>
-                  <a:schemeClr val="tx1"/>
-                </a:solidFill>
-                <a:latin typeface="+mn-lt"/>
-                <a:ea typeface="+mn-ea"/>
-                <a:cs typeface="+mn-cs"/>
-              </a:defRPr>
-            </a:lvl8pPr>
-            <a:lvl9pPr marL="3886200" indent="-228600" algn="l" defTabSz="914400" rtl="0" eaLnBrk="1" latinLnBrk="0" hangingPunct="1">
-              <a:lnSpc>
-                <a:spcPct val="90000"/>
-              </a:lnSpc>
-              <a:spcBef>
-                <a:spcPts val="500"/>
-              </a:spcBef>
-              <a:buFont typeface="Arial" panose="020B0604020202020204" pitchFamily="34" charset="0"/>
-              <a:buChar char="•"/>
-              <a:defRPr kumimoji="1" sz="1800" kern="1200">
-                <a:solidFill>
-                  <a:schemeClr val="tx1"/>
-                </a:solidFill>
-                <a:latin typeface="+mn-lt"/>
-                <a:ea typeface="+mn-ea"/>
-                <a:cs typeface="+mn-cs"/>
-              </a:defRPr>
-            </a:lvl9pPr>
-          </a:lstStyle>
-          <a:p>
-            <a:r>
-              <a:rPr lang="en-US" altLang="ja-JP" sz="1800" dirty="0"/>
-              <a:t>Assume</a:t>
-            </a:r>
-          </a:p>
-          <a:p>
-            <a:pPr lvl="1"/>
-            <a:r>
-              <a:rPr lang="en-US" altLang="ja-JP" sz="1600" dirty="0"/>
-              <a:t>Policy parameters are updated in all steps</a:t>
-            </a:r>
-          </a:p>
-          <a:p>
-            <a:pPr lvl="1"/>
-            <a:r>
-              <a:rPr lang="en-US" altLang="ja-JP" sz="1600" dirty="0"/>
-              <a:t>Initial policy stabilize all initial states</a:t>
-            </a:r>
-          </a:p>
-          <a:p>
-            <a:endParaRPr lang="en-US" altLang="ja-JP" sz="1800" dirty="0"/>
-          </a:p>
-        </p:txBody>
-      </p:sp>
-    </p:spTree>
-    <p:extLst>
-      <p:ext uri="{BB962C8B-B14F-4D97-AF65-F5344CB8AC3E}">
-        <p14:creationId xmlns:p14="http://schemas.microsoft.com/office/powerpoint/2010/main" val="2275386883"/>
-      </p:ext>
-    </p:extLst>
-  </p:cSld>
-  <p:clrMapOvr>
-    <a:masterClrMapping/>
-  </p:clrMapOvr>
-</p:sld>
-</file>
-
-<file path=ppt/slides/slide4.xml><?xml version="1.0" encoding="utf-8"?>
-<p:sld xmlns:a="http://schemas.openxmlformats.org/drawingml/2006/main" xmlns:r="http://schemas.openxmlformats.org/officeDocument/2006/relationships" xmlns:p="http://schemas.openxmlformats.org/presentationml/2006/main">
-  <p:cSld>
-    <p:spTree>
-      <p:nvGrpSpPr>
-        <p:cNvPr id="1" name=""/>
-        <p:cNvGrpSpPr/>
-        <p:nvPr/>
-      </p:nvGrpSpPr>
-      <p:grpSpPr>
-        <a:xfrm>
-          <a:off x="0" y="0"/>
-          <a:ext cx="0" cy="0"/>
-          <a:chOff x="0" y="0"/>
-          <a:chExt cx="0" cy="0"/>
-        </a:xfrm>
-      </p:grpSpPr>
-      <p:sp>
-        <p:nvSpPr>
-          <p:cNvPr id="2" name="コンテンツ プレースホルダー 1">
-            <a:extLst>
-              <a:ext uri="{FF2B5EF4-FFF2-40B4-BE49-F238E27FC236}">
-                <a16:creationId xmlns:a16="http://schemas.microsoft.com/office/drawing/2014/main" id="{22F62FFC-BDDE-364E-BF08-5CD6B2631324}"/>
-              </a:ext>
-            </a:extLst>
-          </p:cNvPr>
-          <p:cNvSpPr>
-            <a:spLocks noGrp="1"/>
-          </p:cNvSpPr>
-          <p:nvPr>
-            <p:ph idx="1"/>
-          </p:nvPr>
-        </p:nvSpPr>
-        <p:spPr/>
-        <p:txBody>
-          <a:bodyPr/>
-          <a:lstStyle/>
-          <a:p>
-            <a:r>
-              <a:rPr kumimoji="1" lang="en-US" altLang="ja-JP" dirty="0"/>
-              <a:t>How the policy changes in 2</a:t>
-            </a:r>
-            <a:r>
-              <a:rPr kumimoji="1" lang="en-US" altLang="ja-JP" baseline="30000" dirty="0"/>
-              <a:t>nd</a:t>
-            </a:r>
-            <a:r>
-              <a:rPr kumimoji="1" lang="en-US" altLang="ja-JP" dirty="0"/>
-              <a:t> episode</a:t>
-            </a:r>
-          </a:p>
-          <a:p>
-            <a:pPr lvl="1"/>
-            <a:r>
-              <a:rPr kumimoji="1" lang="en-US" altLang="ja-JP" dirty="0"/>
-              <a:t>Pick up policy in equally step interval</a:t>
-            </a:r>
-          </a:p>
-          <a:p>
-            <a:pPr marL="914400" lvl="2" indent="0">
-              <a:buNone/>
-            </a:pPr>
-            <a:r>
-              <a:rPr lang="en-US" altLang="ja-JP" dirty="0"/>
-              <a:t>ex.) step 100, 200, 300, ...</a:t>
-            </a:r>
-          </a:p>
-          <a:p>
-            <a:pPr marL="914400" lvl="2" indent="0">
-              <a:buNone/>
-            </a:pPr>
-            <a:endParaRPr kumimoji="1" lang="en-US" altLang="ja-JP" dirty="0"/>
-          </a:p>
-          <a:p>
-            <a:pPr marL="914400" lvl="2" indent="0">
-              <a:buNone/>
-            </a:pPr>
-            <a:endParaRPr lang="en-US" altLang="ja-JP" dirty="0"/>
-          </a:p>
-          <a:p>
-            <a:pPr marL="914400" lvl="2" indent="0">
-              <a:buNone/>
-            </a:pPr>
-            <a:endParaRPr kumimoji="1" lang="en-US" altLang="ja-JP" dirty="0"/>
-          </a:p>
-          <a:p>
-            <a:pPr marL="914400" lvl="2" indent="0">
-              <a:buNone/>
-            </a:pPr>
-            <a:endParaRPr lang="en-US" altLang="ja-JP" dirty="0"/>
-          </a:p>
-          <a:p>
-            <a:pPr marL="914400" lvl="2" indent="0">
-              <a:buNone/>
-            </a:pPr>
-            <a:endParaRPr kumimoji="1" lang="en-US" altLang="ja-JP" dirty="0"/>
-          </a:p>
-          <a:p>
-            <a:pPr marL="914400" lvl="2" indent="0">
-              <a:buNone/>
-            </a:pPr>
-            <a:endParaRPr lang="en-US" altLang="ja-JP" dirty="0"/>
-          </a:p>
-          <a:p>
-            <a:pPr marL="457200" lvl="1" indent="0">
-              <a:buNone/>
-            </a:pPr>
-            <a:endParaRPr lang="en-US" altLang="ja-JP" dirty="0"/>
-          </a:p>
-          <a:p>
-            <a:pPr marL="457200" lvl="1" indent="0">
-              <a:buNone/>
-            </a:pPr>
-            <a:endParaRPr lang="en-US" altLang="ja-JP" dirty="0"/>
-          </a:p>
-          <a:p>
-            <a:pPr marL="457200" lvl="1" indent="0">
-              <a:buNone/>
-            </a:pPr>
-            <a:r>
-              <a:rPr lang="en-US" altLang="ja-JP" dirty="0"/>
-              <a:t>	                                              </a:t>
-            </a:r>
-            <a:r>
-              <a:rPr lang="en-US" altLang="ja-JP" sz="1800" dirty="0">
-                <a:solidFill>
-                  <a:schemeClr val="bg2">
-                    <a:lumMod val="25000"/>
-                  </a:schemeClr>
-                </a:solidFill>
-              </a:rPr>
-              <a:t>(Attention: policy are not updated in each path)</a:t>
-            </a:r>
-          </a:p>
-          <a:p>
-            <a:pPr marL="914400" lvl="2" indent="0">
-              <a:buNone/>
-            </a:pPr>
-            <a:endParaRPr kumimoji="1" lang="en-US" altLang="ja-JP" dirty="0"/>
-          </a:p>
-          <a:p>
-            <a:r>
-              <a:rPr lang="en-US" altLang="ja-JP" dirty="0"/>
-              <a:t>Control path does not change suddenly</a:t>
-            </a:r>
-          </a:p>
-          <a:p>
-            <a:pPr lvl="1"/>
-            <a:r>
-              <a:rPr kumimoji="1" lang="en-US" altLang="ja-JP" dirty="0"/>
-              <a:t>The conjecture is not valid</a:t>
-            </a:r>
-            <a:endParaRPr kumimoji="1" lang="ja-JP" altLang="en-US"/>
-          </a:p>
-        </p:txBody>
-      </p:sp>
-      <p:sp>
-        <p:nvSpPr>
-          <p:cNvPr id="3" name="日付プレースホルダー 2">
-            <a:extLst>
-              <a:ext uri="{FF2B5EF4-FFF2-40B4-BE49-F238E27FC236}">
-                <a16:creationId xmlns:a16="http://schemas.microsoft.com/office/drawing/2014/main" id="{C7C95A83-2A1A-CD40-8A9D-519824E2FEFA}"/>
-              </a:ext>
-            </a:extLst>
-          </p:cNvPr>
-          <p:cNvSpPr>
-            <a:spLocks noGrp="1"/>
-          </p:cNvSpPr>
-          <p:nvPr>
-            <p:ph type="dt" sz="half" idx="10"/>
-          </p:nvPr>
-        </p:nvSpPr>
-        <p:spPr/>
-        <p:txBody>
-          <a:bodyPr/>
-          <a:lstStyle/>
-          <a:p>
-            <a:fld id="{90235FA2-C49A-5C4F-85BF-B1D7D24C5B31}" type="datetime1">
-              <a:rPr kumimoji="1" lang="ja-JP" altLang="en-US" smtClean="0"/>
-              <a:t>2020/11/16</a:t>
-            </a:fld>
-            <a:endParaRPr kumimoji="1" lang="ja-JP" altLang="en-US"/>
-          </a:p>
-        </p:txBody>
-      </p:sp>
-      <p:sp>
-        <p:nvSpPr>
-          <p:cNvPr id="4" name="フッター プレースホルダー 3">
-            <a:extLst>
-              <a:ext uri="{FF2B5EF4-FFF2-40B4-BE49-F238E27FC236}">
-                <a16:creationId xmlns:a16="http://schemas.microsoft.com/office/drawing/2014/main" id="{F0758CDB-E61A-BC4A-AF47-3EE2598A5E8F}"/>
-              </a:ext>
-            </a:extLst>
-          </p:cNvPr>
-          <p:cNvSpPr>
-            <a:spLocks noGrp="1"/>
-          </p:cNvSpPr>
-          <p:nvPr>
-            <p:ph type="ftr" sz="quarter" idx="11"/>
-          </p:nvPr>
-        </p:nvSpPr>
-        <p:spPr/>
-        <p:txBody>
-          <a:bodyPr/>
-          <a:lstStyle/>
-          <a:p>
-            <a:r>
-              <a:rPr kumimoji="1" lang="en-US" altLang="ja-JP"/>
-              <a:t>Control System Theory Group</a:t>
-            </a:r>
-            <a:endParaRPr kumimoji="1" lang="ja-JP" altLang="en-US"/>
-          </a:p>
-        </p:txBody>
-      </p:sp>
-      <p:sp>
-        <p:nvSpPr>
-          <p:cNvPr id="5" name="タイトル 4">
-            <a:extLst>
-              <a:ext uri="{FF2B5EF4-FFF2-40B4-BE49-F238E27FC236}">
-                <a16:creationId xmlns:a16="http://schemas.microsoft.com/office/drawing/2014/main" id="{05D1EBAD-C9C2-C242-84E1-3DB5F8E97FF9}"/>
-              </a:ext>
-            </a:extLst>
-          </p:cNvPr>
-          <p:cNvSpPr>
-            <a:spLocks noGrp="1"/>
-          </p:cNvSpPr>
-          <p:nvPr>
-            <p:ph type="title"/>
-          </p:nvPr>
-        </p:nvSpPr>
-        <p:spPr/>
-        <p:txBody>
-          <a:bodyPr/>
-          <a:lstStyle/>
-          <a:p>
-            <a:r>
-              <a:rPr kumimoji="1" lang="en-US" altLang="ja-JP" dirty="0"/>
-              <a:t>Weekly Report</a:t>
-            </a:r>
-            <a:endParaRPr kumimoji="1" lang="ja-JP" altLang="en-US"/>
-          </a:p>
-        </p:txBody>
-      </p:sp>
-      <p:pic>
-        <p:nvPicPr>
-          <p:cNvPr id="6" name="図 5">
-            <a:extLst>
-              <a:ext uri="{FF2B5EF4-FFF2-40B4-BE49-F238E27FC236}">
-                <a16:creationId xmlns:a16="http://schemas.microsoft.com/office/drawing/2014/main" id="{234EDC12-E804-AC4F-89F1-F7A6F048152C}"/>
-              </a:ext>
-            </a:extLst>
-          </p:cNvPr>
-          <p:cNvPicPr>
-            <a:picLocks noChangeAspect="1"/>
-          </p:cNvPicPr>
-          <p:nvPr/>
-        </p:nvPicPr>
-        <p:blipFill>
-          <a:blip r:embed="rId2"/>
-          <a:stretch>
-            <a:fillRect/>
-          </a:stretch>
-        </p:blipFill>
-        <p:spPr>
-          <a:xfrm>
-            <a:off x="4926530" y="2377887"/>
-            <a:ext cx="3253339" cy="1988542"/>
-          </a:xfrm>
-          <a:prstGeom prst="rect">
-            <a:avLst/>
-          </a:prstGeom>
-        </p:spPr>
-      </p:pic>
-      <p:grpSp>
-        <p:nvGrpSpPr>
-          <p:cNvPr id="7" name="グループ化 6">
-            <a:extLst>
-              <a:ext uri="{FF2B5EF4-FFF2-40B4-BE49-F238E27FC236}">
-                <a16:creationId xmlns:a16="http://schemas.microsoft.com/office/drawing/2014/main" id="{925D9BBC-D606-DB4B-8C02-DE60B8CA48A3}"/>
-              </a:ext>
-            </a:extLst>
-          </p:cNvPr>
-          <p:cNvGrpSpPr/>
-          <p:nvPr/>
-        </p:nvGrpSpPr>
-        <p:grpSpPr>
-          <a:xfrm>
-            <a:off x="690102" y="2364219"/>
-            <a:ext cx="3524250" cy="1944834"/>
-            <a:chOff x="0" y="1809019"/>
-            <a:chExt cx="4635673" cy="2785340"/>
-          </a:xfrm>
-        </p:grpSpPr>
-        <p:pic>
-          <p:nvPicPr>
-            <p:cNvPr id="8" name="図 7">
-              <a:extLst>
-                <a:ext uri="{FF2B5EF4-FFF2-40B4-BE49-F238E27FC236}">
-                  <a16:creationId xmlns:a16="http://schemas.microsoft.com/office/drawing/2014/main" id="{FAC0B8D8-7EE5-CE47-ACC5-467D27D64D2C}"/>
-                </a:ext>
-              </a:extLst>
-            </p:cNvPr>
-            <p:cNvPicPr>
-              <a:picLocks noChangeAspect="1"/>
-            </p:cNvPicPr>
-            <p:nvPr/>
-          </p:nvPicPr>
-          <p:blipFill>
-            <a:blip r:embed="rId3"/>
-            <a:stretch>
-              <a:fillRect/>
-            </a:stretch>
-          </p:blipFill>
-          <p:spPr>
-            <a:xfrm>
-              <a:off x="0" y="1809019"/>
-              <a:ext cx="4635673" cy="2785340"/>
-            </a:xfrm>
-            <a:prstGeom prst="rect">
-              <a:avLst/>
-            </a:prstGeom>
-          </p:spPr>
-        </p:pic>
-        <p:sp>
-          <p:nvSpPr>
-            <p:cNvPr id="9" name="円/楕円 8">
-              <a:extLst>
-                <a:ext uri="{FF2B5EF4-FFF2-40B4-BE49-F238E27FC236}">
-                  <a16:creationId xmlns:a16="http://schemas.microsoft.com/office/drawing/2014/main" id="{429F870E-D32F-6C49-A577-AD79E969BB02}"/>
-                </a:ext>
-              </a:extLst>
-            </p:cNvPr>
-            <p:cNvSpPr/>
-            <p:nvPr/>
-          </p:nvSpPr>
-          <p:spPr>
-            <a:xfrm>
-              <a:off x="3935034" y="2928804"/>
-              <a:ext cx="477407" cy="323759"/>
-            </a:xfrm>
-            <a:prstGeom prst="ellipse">
-              <a:avLst/>
-            </a:prstGeom>
-            <a:noFill/>
-            <a:ln w="22225">
-              <a:solidFill>
-                <a:srgbClr val="FF0000"/>
-              </a:solidFill>
-              <a:prstDash val="dash"/>
-            </a:ln>
-          </p:spPr>
-          <p:style>
-            <a:lnRef idx="2">
-              <a:schemeClr val="accent1">
-                <a:shade val="50000"/>
-              </a:schemeClr>
-            </a:lnRef>
-            <a:fillRef idx="1">
-              <a:schemeClr val="accent1"/>
-            </a:fillRef>
-            <a:effectRef idx="0">
-              <a:schemeClr val="accent1"/>
-            </a:effectRef>
-            <a:fontRef idx="minor">
-              <a:schemeClr val="lt1"/>
-            </a:fontRef>
-          </p:style>
-          <p:txBody>
-            <a:bodyPr rtlCol="0" anchor="ctr"/>
-            <a:lstStyle/>
-            <a:p>
-              <a:pPr algn="ctr"/>
-              <a:endParaRPr kumimoji="1" lang="ja-JP" altLang="en-US"/>
-            </a:p>
-          </p:txBody>
-        </p:sp>
-      </p:grpSp>
-      <p:sp>
-        <p:nvSpPr>
-          <p:cNvPr id="10" name="右矢印 9">
-            <a:extLst>
-              <a:ext uri="{FF2B5EF4-FFF2-40B4-BE49-F238E27FC236}">
-                <a16:creationId xmlns:a16="http://schemas.microsoft.com/office/drawing/2014/main" id="{4C54F9C9-8E87-9B4B-AC37-5817EE5D90BB}"/>
-              </a:ext>
-            </a:extLst>
-          </p:cNvPr>
-          <p:cNvSpPr/>
-          <p:nvPr/>
-        </p:nvSpPr>
-        <p:spPr>
-          <a:xfrm>
-            <a:off x="4214352" y="3078011"/>
-            <a:ext cx="545923" cy="423432"/>
-          </a:xfrm>
-          <a:prstGeom prst="rightArrow">
-            <a:avLst>
-              <a:gd name="adj1" fmla="val 37525"/>
-              <a:gd name="adj2" fmla="val 30183"/>
-            </a:avLst>
-          </a:prstGeom>
-          <a:solidFill>
-            <a:schemeClr val="tx1">
-              <a:lumMod val="95000"/>
-              <a:lumOff val="5000"/>
-              <a:alpha val="54000"/>
-            </a:schemeClr>
-          </a:solidFill>
-          <a:ln>
-            <a:solidFill>
-              <a:schemeClr val="tx1">
-                <a:lumMod val="95000"/>
-                <a:lumOff val="5000"/>
-              </a:schemeClr>
-            </a:solidFill>
-          </a:ln>
-        </p:spPr>
-        <p:style>
-          <a:lnRef idx="2">
-            <a:schemeClr val="accent1">
-              <a:shade val="50000"/>
-            </a:schemeClr>
-          </a:lnRef>
-          <a:fillRef idx="1">
-            <a:schemeClr val="accent1"/>
-          </a:fillRef>
-          <a:effectRef idx="0">
-            <a:schemeClr val="accent1"/>
-          </a:effectRef>
-          <a:fontRef idx="minor">
-            <a:schemeClr val="lt1"/>
-          </a:fontRef>
-        </p:style>
-        <p:txBody>
-          <a:bodyPr rtlCol="0" anchor="ctr"/>
-          <a:lstStyle/>
-          <a:p>
-            <a:pPr algn="ctr"/>
-            <a:r>
-              <a:rPr kumimoji="1" lang="en-US" altLang="ja-JP" sz="1000" dirty="0"/>
-              <a:t>detail</a:t>
-            </a:r>
-            <a:endParaRPr kumimoji="1" lang="ja-JP" altLang="en-US" sz="1000"/>
-          </a:p>
-        </p:txBody>
-      </p:sp>
-    </p:spTree>
-    <p:extLst>
-      <p:ext uri="{BB962C8B-B14F-4D97-AF65-F5344CB8AC3E}">
-        <p14:creationId xmlns:p14="http://schemas.microsoft.com/office/powerpoint/2010/main" val="1648693090"/>
-      </p:ext>
-    </p:extLst>
-  </p:cSld>
-  <p:clrMapOvr>
-    <a:masterClrMapping/>
-  </p:clrMapOvr>
-</p:sld>
-</file>
-
-<file path=ppt/slides/slide5.xml><?xml version="1.0" encoding="utf-8"?>
-<p:sld xmlns:a="http://schemas.openxmlformats.org/drawingml/2006/main" xmlns:r="http://schemas.openxmlformats.org/officeDocument/2006/relationships" xmlns:p="http://schemas.openxmlformats.org/presentationml/2006/main">
-  <p:cSld>
-    <p:spTree>
-      <p:nvGrpSpPr>
-        <p:cNvPr id="1" name=""/>
-        <p:cNvGrpSpPr/>
-        <p:nvPr/>
-      </p:nvGrpSpPr>
-      <p:grpSpPr>
-        <a:xfrm>
-          <a:off x="0" y="0"/>
-          <a:ext cx="0" cy="0"/>
-          <a:chOff x="0" y="0"/>
-          <a:chExt cx="0" cy="0"/>
-        </a:xfrm>
-      </p:grpSpPr>
-      <mc:AlternateContent xmlns:mc="http://schemas.openxmlformats.org/markup-compatibility/2006" xmlns:a14="http://schemas.microsoft.com/office/drawing/2010/main">
-        <mc:Choice Requires="a14">
+      <mc:AlternateContent xmlns:mc="http://schemas.openxmlformats.org/markup-compatibility/2006">
+        <mc:Choice xmlns:a14="http://schemas.microsoft.com/office/drawing/2010/main" Requires="a14">
           <p:sp>
             <p:nvSpPr>
               <p:cNvPr id="2" name="コンテンツ プレースホルダー 1">
                 <a:extLst>
                   <a:ext uri="{FF2B5EF4-FFF2-40B4-BE49-F238E27FC236}">
-                    <a16:creationId xmlns:a16="http://schemas.microsoft.com/office/drawing/2014/main" id="{6D63564D-5509-144B-A069-DD719154E54D}"/>
+                    <a16:creationId xmlns:a16="http://schemas.microsoft.com/office/drawing/2014/main" id="{01401A86-FE28-4144-AE07-0BAE2F10AAF8}"/>
                   </a:ext>
                 </a:extLst>
               </p:cNvPr>
@@ -5773,23 +3958,19 @@
               <a:lstStyle/>
               <a:p>
                 <a:r>
-                  <a:rPr kumimoji="1" lang="en-US" altLang="ja-JP" dirty="0"/>
-                  <a:t>Next step: Reconsider the </a:t>
-                </a:r>
-                <a:r>
                   <a:rPr lang="en-US" altLang="ja-JP" dirty="0"/>
-                  <a:t>cause for p</a:t>
-                </a:r>
-                <a:r>
-                  <a:rPr kumimoji="1" lang="en-US" altLang="ja-JP" dirty="0"/>
-                  <a:t>olicy deterioration</a:t>
+                  <a:t>Report on last week</a:t>
                 </a:r>
               </a:p>
               <a:p>
                 <a:pPr lvl="1"/>
                 <a:r>
+                  <a:rPr kumimoji="1" lang="en-US" altLang="ja-JP" dirty="0"/>
+                  <a:t>I could improve policy on RL for optimal sel</a:t>
+                </a:r>
+                <a:r>
                   <a:rPr lang="en-US" altLang="ja-JP" dirty="0"/>
-                  <a:t>policy gradient approximation</a:t>
+                  <a:t>f-triggered control</a:t>
                 </a:r>
               </a:p>
               <a:p>
@@ -5809,22 +3990,45 @@
                 <a:endParaRPr lang="en-US" altLang="ja-JP" dirty="0"/>
               </a:p>
               <a:p>
+                <a:pPr lvl="1"/>
+                <a:endParaRPr kumimoji="1" lang="en-US" altLang="ja-JP" dirty="0"/>
+              </a:p>
+              <a:p>
+                <a:pPr lvl="1"/>
+                <a:endParaRPr lang="en-US" altLang="ja-JP" dirty="0"/>
+              </a:p>
+              <a:p>
+                <a:r>
+                  <a:rPr lang="en-US" altLang="ja-JP" dirty="0"/>
+                  <a:t>This week</a:t>
+                </a:r>
+              </a:p>
+              <a:p>
+                <a:pPr lvl="1"/>
+                <a:r>
+                  <a:rPr lang="en-US" altLang="ja-JP" dirty="0"/>
+                  <a:t>Discuss the next step for master thesis</a:t>
+                </a:r>
+              </a:p>
+              <a:p>
+                <a:pPr lvl="1"/>
+                <a:r>
+                  <a:rPr lang="en-US" altLang="ja-JP" dirty="0"/>
+                  <a:t>Check that </a:t>
+                </a:r>
+              </a:p>
+              <a:p>
                 <a:pPr lvl="2"/>
                 <a:r>
-                  <a:rPr kumimoji="1" lang="en-US" altLang="ja-JP" dirty="0"/>
-                  <a:t>This</a:t>
+                  <a:rPr lang="en-US" altLang="ja-JP" dirty="0"/>
+                  <a:t>evaluation function for learned policy is larger than that for initial policy</a:t>
                 </a:r>
+              </a:p>
+              <a:p>
+                <a:pPr lvl="2"/>
                 <a:r>
                   <a:rPr lang="en-US" altLang="ja-JP" dirty="0"/>
-                  <a:t> assume</a:t>
-                </a:r>
-                <a:r>
-                  <a:rPr kumimoji="1" lang="en-US" altLang="ja-JP" dirty="0"/>
-                  <a:t>s experienced </a:t>
-                </a:r>
-                <a:r>
-                  <a:rPr lang="en-US" altLang="ja-JP" dirty="0"/>
-                  <a:t>states is well approximates </a:t>
+                  <a:t>approximation accuracy of value function </a:t>
                 </a:r>
                 <a14:m>
                   <m:oMath xmlns:m="http://schemas.openxmlformats.org/officeDocument/2006/math">
@@ -5833,7 +4037,6 @@
                         <m:ctrlPr>
                           <a:rPr lang="en-US" altLang="ja-JP" i="1">
                             <a:latin typeface="Cambria Math" panose="02040503050406030204" pitchFamily="18" charset="0"/>
-                            <a:ea typeface="Cambria Math" panose="02040503050406030204" pitchFamily="18" charset="0"/>
                           </a:rPr>
                         </m:ctrlPr>
                       </m:sSupPr>
@@ -5841,101 +4044,58 @@
                         <m:r>
                           <a:rPr lang="en-US" altLang="ja-JP" i="1">
                             <a:latin typeface="Cambria Math" panose="02040503050406030204" pitchFamily="18" charset="0"/>
-                            <a:ea typeface="Cambria Math" panose="02040503050406030204" pitchFamily="18" charset="0"/>
-                          </a:rPr>
-                          <m:t>𝜌</m:t>
+                          </a:rPr>
+                          <m:t>𝑉</m:t>
                         </m:r>
                       </m:e>
                       <m:sup>
-                        <m:sSub>
-                          <m:sSubPr>
-                            <m:ctrlPr>
-                              <a:rPr lang="en-US" altLang="ja-JP" i="1">
-                                <a:latin typeface="Cambria Math" panose="02040503050406030204" pitchFamily="18" charset="0"/>
-                                <a:ea typeface="Cambria Math" panose="02040503050406030204" pitchFamily="18" charset="0"/>
-                              </a:rPr>
-                            </m:ctrlPr>
-                          </m:sSubPr>
-                          <m:e>
-                            <m:r>
-                              <a:rPr lang="en-US" altLang="ja-JP" i="1">
-                                <a:latin typeface="Cambria Math" panose="02040503050406030204" pitchFamily="18" charset="0"/>
-                                <a:ea typeface="Cambria Math" panose="02040503050406030204" pitchFamily="18" charset="0"/>
-                              </a:rPr>
-                              <m:t>𝜋</m:t>
-                            </m:r>
-                          </m:e>
-                          <m:sub>
-                            <m:r>
-                              <a:rPr lang="en-US" altLang="ja-JP" i="1">
-                                <a:latin typeface="Cambria Math" panose="02040503050406030204" pitchFamily="18" charset="0"/>
-                                <a:ea typeface="Cambria Math" panose="02040503050406030204" pitchFamily="18" charset="0"/>
-                              </a:rPr>
-                              <m:t>𝜃</m:t>
-                            </m:r>
-                          </m:sub>
-                        </m:sSub>
+                        <m:r>
+                          <a:rPr lang="en-US" altLang="ja-JP" i="1">
+                            <a:latin typeface="Cambria Math" panose="02040503050406030204" pitchFamily="18" charset="0"/>
+                            <a:ea typeface="Cambria Math" panose="02040503050406030204" pitchFamily="18" charset="0"/>
+                          </a:rPr>
+                          <m:t>𝜋</m:t>
+                        </m:r>
                       </m:sup>
                     </m:sSup>
+                    <m:d>
+                      <m:dPr>
+                        <m:ctrlPr>
+                          <a:rPr lang="en-US" altLang="ja-JP" i="1">
+                            <a:latin typeface="Cambria Math" panose="02040503050406030204" pitchFamily="18" charset="0"/>
+                          </a:rPr>
+                        </m:ctrlPr>
+                      </m:dPr>
+                      <m:e>
+                        <m:r>
+                          <a:rPr lang="en-US" altLang="ja-JP" i="1">
+                            <a:latin typeface="Cambria Math" panose="02040503050406030204" pitchFamily="18" charset="0"/>
+                          </a:rPr>
+                          <m:t>𝑠</m:t>
+                        </m:r>
+                      </m:e>
+                    </m:d>
                   </m:oMath>
                 </a14:m>
-                <a:endParaRPr lang="en-US" altLang="ja-JP" dirty="0">
-                  <a:ea typeface="Cambria Math" panose="02040503050406030204" pitchFamily="18" charset="0"/>
-                </a:endParaRPr>
+                <a:endParaRPr lang="en-US" altLang="ja-JP" dirty="0"/>
               </a:p>
               <a:p>
                 <a:pPr lvl="2"/>
                 <a:r>
-                  <a:rPr kumimoji="1" lang="en-US" altLang="ja-JP" dirty="0"/>
-                  <a:t>In other words, improve policy by </a:t>
+                  <a:rPr lang="en-US" altLang="ja-JP" dirty="0"/>
+                  <a:t>learned policy’s dependence for initial policy</a:t>
                 </a:r>
-                <a:r>
-                  <a:rPr kumimoji="1" lang="en-US" altLang="ja-JP" dirty="0">
-                    <a:solidFill>
-                      <a:srgbClr val="FF0000"/>
-                    </a:solidFill>
-                  </a:rPr>
-                  <a:t>prioritizing only experienced states</a:t>
-                </a:r>
-                <a:endParaRPr kumimoji="1" lang="en-US" altLang="ja-JP" dirty="0"/>
-              </a:p>
-              <a:p>
-                <a:pPr lvl="2"/>
-                <a:r>
-                  <a:rPr kumimoji="1" lang="en-US" altLang="ja-JP" dirty="0"/>
-                  <a:t>Lack of the number of episodes makes policy overfitting </a:t>
-                </a:r>
-              </a:p>
-              <a:p>
-                <a:pPr lvl="2"/>
-                <a:endParaRPr lang="en-US" altLang="ja-JP" dirty="0"/>
-              </a:p>
-              <a:p>
-                <a:pPr lvl="1"/>
-                <a:r>
-                  <a:rPr kumimoji="1" lang="en-US" altLang="ja-JP" dirty="0"/>
-                  <a:t>For data efficiency, by enlarging minimum interval time, increase the number of control paths in replay buffer (</a:t>
-                </a:r>
-                <a:r>
-                  <a:rPr kumimoji="1" lang="en-US" altLang="ja-JP" i="1" dirty="0"/>
-                  <a:t>N </a:t>
-                </a:r>
-                <a:r>
-                  <a:rPr kumimoji="1" lang="en-US" altLang="ja-JP" dirty="0"/>
-                  <a:t>steps experienced data)</a:t>
-                </a:r>
-                <a:endParaRPr kumimoji="1" lang="ja-JP" altLang="en-US"/>
               </a:p>
             </p:txBody>
           </p:sp>
         </mc:Choice>
-        <mc:Fallback xmlns="">
+        <mc:Fallback>
           <p:sp>
             <p:nvSpPr>
               <p:cNvPr id="2" name="コンテンツ プレースホルダー 1">
                 <a:extLst>
                   <a:ext uri="{FF2B5EF4-FFF2-40B4-BE49-F238E27FC236}">
-                    <a16:creationId xmlns:a16="http://schemas.microsoft.com/office/drawing/2014/main" id="{6D63564D-5509-144B-A069-DD719154E54D}"/>
+                    <a16:creationId xmlns:a16="http://schemas.microsoft.com/office/drawing/2014/main" id="{01401A86-FE28-4144-AE07-0BAE2F10AAF8}"/>
                   </a:ext>
                 </a:extLst>
               </p:cNvPr>
@@ -5974,7 +4134,7 @@
           <p:cNvPr id="3" name="日付プレースホルダー 2">
             <a:extLst>
               <a:ext uri="{FF2B5EF4-FFF2-40B4-BE49-F238E27FC236}">
-                <a16:creationId xmlns:a16="http://schemas.microsoft.com/office/drawing/2014/main" id="{2416A86C-4221-9D4F-AECD-4D6F1E4EDAA8}"/>
+                <a16:creationId xmlns:a16="http://schemas.microsoft.com/office/drawing/2014/main" id="{DCC2135E-B7FC-724E-B827-01D51845B32B}"/>
               </a:ext>
             </a:extLst>
           </p:cNvPr>
@@ -5992,7 +4152,7 @@
           <a:p>
             <a:fld id="{90235FA2-C49A-5C4F-85BF-B1D7D24C5B31}" type="datetime1">
               <a:rPr kumimoji="1" lang="ja-JP" altLang="en-US" smtClean="0"/>
-              <a:t>2020/11/16</a:t>
+              <a:t>2020/11/24</a:t>
             </a:fld>
             <a:endParaRPr kumimoji="1" lang="ja-JP" altLang="en-US"/>
           </a:p>
@@ -6003,7 +4163,7 @@
           <p:cNvPr id="4" name="フッター プレースホルダー 3">
             <a:extLst>
               <a:ext uri="{FF2B5EF4-FFF2-40B4-BE49-F238E27FC236}">
-                <a16:creationId xmlns:a16="http://schemas.microsoft.com/office/drawing/2014/main" id="{5BBAEA3F-2D96-8F4A-A1FA-E7A7FC951FBE}"/>
+                <a16:creationId xmlns:a16="http://schemas.microsoft.com/office/drawing/2014/main" id="{D9643822-865C-0B4B-9132-52EDE62703C1}"/>
               </a:ext>
             </a:extLst>
           </p:cNvPr>
@@ -6032,7 +4192,7 @@
           <p:cNvPr id="5" name="タイトル 4">
             <a:extLst>
               <a:ext uri="{FF2B5EF4-FFF2-40B4-BE49-F238E27FC236}">
-                <a16:creationId xmlns:a16="http://schemas.microsoft.com/office/drawing/2014/main" id="{79366E48-23E4-5340-A456-07D34063906B}"/>
+                <a16:creationId xmlns:a16="http://schemas.microsoft.com/office/drawing/2014/main" id="{C2615C91-1DE6-9F4A-B0D4-4BB07C999850}"/>
               </a:ext>
             </a:extLst>
           </p:cNvPr>
@@ -6056,1104 +4216,12 @@
           </a:p>
         </p:txBody>
       </p:sp>
-      <mc:AlternateContent xmlns:mc="http://schemas.openxmlformats.org/markup-compatibility/2006" xmlns:a14="http://schemas.microsoft.com/office/drawing/2010/main">
-        <mc:Choice Requires="a14">
-          <p:sp>
-            <p:nvSpPr>
-              <p:cNvPr id="6" name="テキスト ボックス 5">
-                <a:extLst>
-                  <a:ext uri="{FF2B5EF4-FFF2-40B4-BE49-F238E27FC236}">
-                    <a16:creationId xmlns:a16="http://schemas.microsoft.com/office/drawing/2014/main" id="{E2D99380-D8E5-2942-BD3B-3563123E7E03}"/>
-                  </a:ext>
-                </a:extLst>
-              </p:cNvPr>
-              <p:cNvSpPr txBox="1"/>
-              <p:nvPr/>
-            </p:nvSpPr>
-            <p:spPr>
-              <a:xfrm>
-                <a:off x="1383015" y="1894817"/>
-                <a:ext cx="4487062" cy="1413785"/>
-              </a:xfrm>
-              <a:prstGeom prst="rect">
-                <a:avLst/>
-              </a:prstGeom>
-              <a:noFill/>
-            </p:spPr>
-            <p:txBody>
-              <a:bodyPr wrap="none" rtlCol="0">
-                <a:spAutoFit/>
-              </a:bodyPr>
-              <a:lstStyle/>
-              <a:p>
-                <a:pPr/>
-                <a14:m>
-                  <m:oMathPara xmlns:m="http://schemas.openxmlformats.org/officeDocument/2006/math">
-                    <m:oMathParaPr>
-                      <m:jc m:val="centerGroup"/>
-                    </m:oMathParaPr>
-                    <m:oMath xmlns:m="http://schemas.openxmlformats.org/officeDocument/2006/math">
-                      <m:r>
-                        <a:rPr kumimoji="1" lang="en-US" altLang="ja-JP" b="0" i="1" smtClean="0">
-                          <a:latin typeface="Cambria Math" panose="02040503050406030204" pitchFamily="18" charset="0"/>
-                        </a:rPr>
-                        <m:t>𝑔</m:t>
-                      </m:r>
-                      <m:r>
-                        <m:rPr>
-                          <m:aln/>
-                        </m:rPr>
-                        <a:rPr kumimoji="1" lang="en-US" altLang="ja-JP" b="0" i="1" smtClean="0">
-                          <a:latin typeface="Cambria Math" panose="02040503050406030204" pitchFamily="18" charset="0"/>
-                        </a:rPr>
-                        <m:t>=</m:t>
-                      </m:r>
-                      <m:f>
-                        <m:fPr>
-                          <m:ctrlPr>
-                            <a:rPr kumimoji="1" lang="en-US" altLang="ja-JP" i="1">
-                              <a:latin typeface="Cambria Math" panose="02040503050406030204" pitchFamily="18" charset="0"/>
-                            </a:rPr>
-                          </m:ctrlPr>
-                        </m:fPr>
-                        <m:num>
-                          <m:r>
-                            <a:rPr kumimoji="1" lang="en-US" altLang="ja-JP" i="1">
-                              <a:latin typeface="Cambria Math" panose="02040503050406030204" pitchFamily="18" charset="0"/>
-                            </a:rPr>
-                            <m:t>1</m:t>
-                          </m:r>
-                        </m:num>
-                        <m:den>
-                          <m:r>
-                            <a:rPr kumimoji="1" lang="en-US" altLang="ja-JP" i="1">
-                              <a:latin typeface="Cambria Math" panose="02040503050406030204" pitchFamily="18" charset="0"/>
-                            </a:rPr>
-                            <m:t>𝑁</m:t>
-                          </m:r>
-                        </m:den>
-                      </m:f>
-                      <m:nary>
-                        <m:naryPr>
-                          <m:chr m:val="∑"/>
-                          <m:supHide m:val="on"/>
-                          <m:ctrlPr>
-                            <a:rPr kumimoji="1" lang="en-US" altLang="ja-JP" i="1" smtClean="0">
-                              <a:latin typeface="Cambria Math" panose="02040503050406030204" pitchFamily="18" charset="0"/>
-                            </a:rPr>
-                          </m:ctrlPr>
-                        </m:naryPr>
-                        <m:sub>
-                          <m:r>
-                            <m:rPr>
-                              <m:brk m:alnAt="7"/>
-                            </m:rPr>
-                            <a:rPr kumimoji="1" lang="en-US" altLang="ja-JP" b="0" i="1" smtClean="0">
-                              <a:latin typeface="Cambria Math" panose="02040503050406030204" pitchFamily="18" charset="0"/>
-                            </a:rPr>
-                            <m:t>𝑠</m:t>
-                          </m:r>
-                          <m:r>
-                            <a:rPr kumimoji="1" lang="en-US" altLang="ja-JP" b="0" i="1" smtClean="0">
-                              <a:latin typeface="Cambria Math" panose="02040503050406030204" pitchFamily="18" charset="0"/>
-                              <a:ea typeface="Cambria Math" panose="02040503050406030204" pitchFamily="18" charset="0"/>
-                            </a:rPr>
-                            <m:t>∈</m:t>
-                          </m:r>
-                          <m:r>
-                            <a:rPr kumimoji="1" lang="en-US" altLang="ja-JP" b="0" i="1" smtClean="0">
-                              <a:solidFill>
-                                <a:srgbClr val="FF0000"/>
-                              </a:solidFill>
-                              <a:latin typeface="Cambria Math" panose="02040503050406030204" pitchFamily="18" charset="0"/>
-                              <a:ea typeface="Cambria Math" panose="02040503050406030204" pitchFamily="18" charset="0"/>
-                            </a:rPr>
-                            <m:t>𝐸</m:t>
-                          </m:r>
-                        </m:sub>
-                        <m:sup/>
-                        <m:e>
-                          <m:d>
-                            <m:dPr>
-                              <m:begChr m:val="["/>
-                              <m:endChr m:val="]"/>
-                              <m:ctrlPr>
-                                <a:rPr kumimoji="1" lang="en-US" altLang="ja-JP" i="1">
-                                  <a:latin typeface="Cambria Math" panose="02040503050406030204" pitchFamily="18" charset="0"/>
-                                  <a:ea typeface="Cambria Math" panose="02040503050406030204" pitchFamily="18" charset="0"/>
-                                </a:rPr>
-                              </m:ctrlPr>
-                            </m:dPr>
-                            <m:e>
-                              <m:sSub>
-                                <m:sSubPr>
-                                  <m:ctrlPr>
-                                    <a:rPr kumimoji="1" lang="en-US" altLang="ja-JP" i="1">
-                                      <a:latin typeface="Cambria Math" panose="02040503050406030204" pitchFamily="18" charset="0"/>
-                                    </a:rPr>
-                                  </m:ctrlPr>
-                                </m:sSubPr>
-                                <m:e>
-                                  <m:r>
-                                    <m:rPr>
-                                      <m:sty m:val="p"/>
-                                    </m:rPr>
-                                    <a:rPr kumimoji="1" lang="en-US" altLang="ja-JP" i="1">
-                                      <a:latin typeface="Cambria Math" panose="02040503050406030204" pitchFamily="18" charset="0"/>
-                                      <a:ea typeface="Cambria Math" panose="02040503050406030204" pitchFamily="18" charset="0"/>
-                                    </a:rPr>
-                                    <m:t>∇</m:t>
-                                  </m:r>
-                                </m:e>
-                                <m:sub>
-                                  <m:r>
-                                    <a:rPr kumimoji="1" lang="en-US" altLang="ja-JP" i="1">
-                                      <a:latin typeface="Cambria Math" panose="02040503050406030204" pitchFamily="18" charset="0"/>
-                                      <a:ea typeface="Cambria Math" panose="02040503050406030204" pitchFamily="18" charset="0"/>
-                                    </a:rPr>
-                                    <m:t>𝜃</m:t>
-                                  </m:r>
-                                </m:sub>
-                              </m:sSub>
-                              <m:r>
-                                <a:rPr kumimoji="1" lang="en-US" altLang="ja-JP" i="1">
-                                  <a:latin typeface="Cambria Math" panose="02040503050406030204" pitchFamily="18" charset="0"/>
-                                  <a:ea typeface="Cambria Math" panose="02040503050406030204" pitchFamily="18" charset="0"/>
-                                </a:rPr>
-                                <m:t>𝜋</m:t>
-                              </m:r>
-                              <m:d>
-                                <m:dPr>
-                                  <m:ctrlPr>
-                                    <a:rPr kumimoji="1" lang="en-US" altLang="ja-JP" i="1">
-                                      <a:latin typeface="Cambria Math" panose="02040503050406030204" pitchFamily="18" charset="0"/>
-                                    </a:rPr>
-                                  </m:ctrlPr>
-                                </m:dPr>
-                                <m:e>
-                                  <m:r>
-                                    <a:rPr kumimoji="1" lang="en-US" altLang="ja-JP" i="1">
-                                      <a:latin typeface="Cambria Math" panose="02040503050406030204" pitchFamily="18" charset="0"/>
-                                    </a:rPr>
-                                    <m:t>𝑠</m:t>
-                                  </m:r>
-                                  <m:r>
-                                    <a:rPr kumimoji="1" lang="en-US" altLang="ja-JP" i="1">
-                                      <a:latin typeface="Cambria Math" panose="02040503050406030204" pitchFamily="18" charset="0"/>
-                                    </a:rPr>
-                                    <m:t>|</m:t>
-                                  </m:r>
-                                  <m:r>
-                                    <a:rPr kumimoji="1" lang="en-US" altLang="ja-JP" i="1">
-                                      <a:latin typeface="Cambria Math" panose="02040503050406030204" pitchFamily="18" charset="0"/>
-                                      <a:ea typeface="Cambria Math" panose="02040503050406030204" pitchFamily="18" charset="0"/>
-                                    </a:rPr>
-                                    <m:t>𝜃</m:t>
-                                  </m:r>
-                                </m:e>
-                              </m:d>
-                              <m:sSub>
-                                <m:sSubPr>
-                                  <m:ctrlPr>
-                                    <a:rPr kumimoji="1" lang="en-US" altLang="ja-JP" i="1">
-                                      <a:latin typeface="Cambria Math" panose="02040503050406030204" pitchFamily="18" charset="0"/>
-                                    </a:rPr>
-                                  </m:ctrlPr>
-                                </m:sSubPr>
-                                <m:e>
-                                  <m:r>
-                                    <m:rPr>
-                                      <m:sty m:val="p"/>
-                                    </m:rPr>
-                                    <a:rPr kumimoji="1" lang="en-US" altLang="ja-JP" i="1">
-                                      <a:latin typeface="Cambria Math" panose="02040503050406030204" pitchFamily="18" charset="0"/>
-                                      <a:ea typeface="Cambria Math" panose="02040503050406030204" pitchFamily="18" charset="0"/>
-                                    </a:rPr>
-                                    <m:t>∇</m:t>
-                                  </m:r>
-                                </m:e>
-                                <m:sub>
-                                  <m:r>
-                                    <a:rPr kumimoji="1" lang="en-US" altLang="ja-JP" i="1">
-                                      <a:latin typeface="Cambria Math" panose="02040503050406030204" pitchFamily="18" charset="0"/>
-                                      <a:ea typeface="Cambria Math" panose="02040503050406030204" pitchFamily="18" charset="0"/>
-                                    </a:rPr>
-                                    <m:t>𝑎</m:t>
-                                  </m:r>
-                                </m:sub>
-                              </m:sSub>
-                              <m:r>
-                                <a:rPr kumimoji="1" lang="en-US" altLang="ja-JP" b="0" i="1" smtClean="0">
-                                  <a:solidFill>
-                                    <a:srgbClr val="0070C0"/>
-                                  </a:solidFill>
-                                  <a:latin typeface="Cambria Math" panose="02040503050406030204" pitchFamily="18" charset="0"/>
-                                  <a:ea typeface="Cambria Math" panose="02040503050406030204" pitchFamily="18" charset="0"/>
-                                </a:rPr>
-                                <m:t>𝑄</m:t>
-                              </m:r>
-                              <m:d>
-                                <m:dPr>
-                                  <m:ctrlPr>
-                                    <a:rPr kumimoji="1" lang="en-US" altLang="ja-JP" i="1" smtClean="0">
-                                      <a:solidFill>
-                                        <a:srgbClr val="0070C0"/>
-                                      </a:solidFill>
-                                      <a:latin typeface="Cambria Math" panose="02040503050406030204" pitchFamily="18" charset="0"/>
-                                    </a:rPr>
-                                  </m:ctrlPr>
-                                </m:dPr>
-                                <m:e>
-                                  <m:r>
-                                    <a:rPr kumimoji="1" lang="en-US" altLang="ja-JP" i="1">
-                                      <a:solidFill>
-                                        <a:srgbClr val="0070C0"/>
-                                      </a:solidFill>
-                                      <a:latin typeface="Cambria Math" panose="02040503050406030204" pitchFamily="18" charset="0"/>
-                                    </a:rPr>
-                                    <m:t>𝑠</m:t>
-                                  </m:r>
-                                  <m:r>
-                                    <a:rPr kumimoji="1" lang="en-US" altLang="ja-JP" i="1">
-                                      <a:solidFill>
-                                        <a:srgbClr val="0070C0"/>
-                                      </a:solidFill>
-                                      <a:latin typeface="Cambria Math" panose="02040503050406030204" pitchFamily="18" charset="0"/>
-                                    </a:rPr>
-                                    <m:t>,</m:t>
-                                  </m:r>
-                                  <m:r>
-                                    <a:rPr kumimoji="1" lang="en-US" altLang="ja-JP" i="1">
-                                      <a:solidFill>
-                                        <a:srgbClr val="0070C0"/>
-                                      </a:solidFill>
-                                      <a:latin typeface="Cambria Math" panose="02040503050406030204" pitchFamily="18" charset="0"/>
-                                    </a:rPr>
-                                    <m:t>𝑎</m:t>
-                                  </m:r>
-                                  <m:r>
-                                    <a:rPr kumimoji="1" lang="en-US" altLang="ja-JP" i="1">
-                                      <a:solidFill>
-                                        <a:srgbClr val="0070C0"/>
-                                      </a:solidFill>
-                                      <a:latin typeface="Cambria Math" panose="02040503050406030204" pitchFamily="18" charset="0"/>
-                                      <a:ea typeface="Cambria Math" panose="02040503050406030204" pitchFamily="18" charset="0"/>
-                                    </a:rPr>
-                                    <m:t>|</m:t>
-                                  </m:r>
-                                  <m:r>
-                                    <a:rPr kumimoji="1" lang="en-US" altLang="ja-JP" i="1">
-                                      <a:solidFill>
-                                        <a:srgbClr val="0070C0"/>
-                                      </a:solidFill>
-                                      <a:latin typeface="Cambria Math" panose="02040503050406030204" pitchFamily="18" charset="0"/>
-                                      <a:ea typeface="Cambria Math" panose="02040503050406030204" pitchFamily="18" charset="0"/>
-                                    </a:rPr>
-                                    <m:t>𝜔</m:t>
-                                  </m:r>
-                                </m:e>
-                              </m:d>
-                              <m:sSub>
-                                <m:sSubPr>
-                                  <m:ctrlPr>
-                                    <a:rPr kumimoji="1" lang="en-US" altLang="ja-JP" i="1">
-                                      <a:solidFill>
-                                        <a:schemeClr val="tx1"/>
-                                      </a:solidFill>
-                                      <a:latin typeface="Cambria Math" panose="02040503050406030204" pitchFamily="18" charset="0"/>
-                                      <a:ea typeface="Cambria Math" panose="02040503050406030204" pitchFamily="18" charset="0"/>
-                                    </a:rPr>
-                                  </m:ctrlPr>
-                                </m:sSubPr>
-                                <m:e>
-                                  <m:r>
-                                    <a:rPr kumimoji="1" lang="en-US" altLang="ja-JP" i="1">
-                                      <a:solidFill>
-                                        <a:schemeClr val="tx1"/>
-                                      </a:solidFill>
-                                      <a:latin typeface="Cambria Math" panose="02040503050406030204" pitchFamily="18" charset="0"/>
-                                      <a:ea typeface="Cambria Math" panose="02040503050406030204" pitchFamily="18" charset="0"/>
-                                    </a:rPr>
-                                    <m:t>|</m:t>
-                                  </m:r>
-                                </m:e>
-                                <m:sub>
-                                  <m:r>
-                                    <a:rPr kumimoji="1" lang="en-US" altLang="ja-JP" i="1">
-                                      <a:solidFill>
-                                        <a:schemeClr val="tx1"/>
-                                      </a:solidFill>
-                                      <a:latin typeface="Cambria Math" panose="02040503050406030204" pitchFamily="18" charset="0"/>
-                                      <a:ea typeface="Cambria Math" panose="02040503050406030204" pitchFamily="18" charset="0"/>
-                                    </a:rPr>
-                                    <m:t>𝑎</m:t>
-                                  </m:r>
-                                  <m:r>
-                                    <a:rPr kumimoji="1" lang="en-US" altLang="ja-JP" i="1">
-                                      <a:solidFill>
-                                        <a:schemeClr val="tx1"/>
-                                      </a:solidFill>
-                                      <a:latin typeface="Cambria Math" panose="02040503050406030204" pitchFamily="18" charset="0"/>
-                                      <a:ea typeface="Cambria Math" panose="02040503050406030204" pitchFamily="18" charset="0"/>
-                                    </a:rPr>
-                                    <m:t>=</m:t>
-                                  </m:r>
-                                  <m:r>
-                                    <a:rPr kumimoji="1" lang="en-US" altLang="ja-JP" i="1">
-                                      <a:solidFill>
-                                        <a:schemeClr val="tx1"/>
-                                      </a:solidFill>
-                                      <a:latin typeface="Cambria Math" panose="02040503050406030204" pitchFamily="18" charset="0"/>
-                                      <a:ea typeface="Cambria Math" panose="02040503050406030204" pitchFamily="18" charset="0"/>
-                                    </a:rPr>
-                                    <m:t>𝜋</m:t>
-                                  </m:r>
-                                  <m:d>
-                                    <m:dPr>
-                                      <m:ctrlPr>
-                                        <a:rPr kumimoji="1" lang="en-US" altLang="ja-JP" i="1">
-                                          <a:solidFill>
-                                            <a:schemeClr val="tx1"/>
-                                          </a:solidFill>
-                                          <a:latin typeface="Cambria Math" panose="02040503050406030204" pitchFamily="18" charset="0"/>
-                                        </a:rPr>
-                                      </m:ctrlPr>
-                                    </m:dPr>
-                                    <m:e>
-                                      <m:r>
-                                        <a:rPr kumimoji="1" lang="en-US" altLang="ja-JP" i="1">
-                                          <a:solidFill>
-                                            <a:schemeClr val="tx1"/>
-                                          </a:solidFill>
-                                          <a:latin typeface="Cambria Math" panose="02040503050406030204" pitchFamily="18" charset="0"/>
-                                        </a:rPr>
-                                        <m:t>𝑠</m:t>
-                                      </m:r>
-                                      <m:r>
-                                        <a:rPr kumimoji="1" lang="en-US" altLang="ja-JP" i="1">
-                                          <a:solidFill>
-                                            <a:schemeClr val="tx1"/>
-                                          </a:solidFill>
-                                          <a:latin typeface="Cambria Math" panose="02040503050406030204" pitchFamily="18" charset="0"/>
-                                        </a:rPr>
-                                        <m:t>|</m:t>
-                                      </m:r>
-                                      <m:r>
-                                        <a:rPr kumimoji="1" lang="en-US" altLang="ja-JP" i="1">
-                                          <a:solidFill>
-                                            <a:schemeClr val="tx1"/>
-                                          </a:solidFill>
-                                          <a:latin typeface="Cambria Math" panose="02040503050406030204" pitchFamily="18" charset="0"/>
-                                          <a:ea typeface="Cambria Math" panose="02040503050406030204" pitchFamily="18" charset="0"/>
-                                        </a:rPr>
-                                        <m:t>𝜃</m:t>
-                                      </m:r>
-                                    </m:e>
-                                  </m:d>
-                                </m:sub>
-                              </m:sSub>
-                            </m:e>
-                          </m:d>
-                        </m:e>
-                      </m:nary>
-                    </m:oMath>
-                  </m:oMathPara>
-                </a14:m>
-                <a:br>
-                  <a:rPr kumimoji="1" lang="en-US" altLang="ja-JP" i="1" dirty="0">
-                    <a:latin typeface="Cambria Math" panose="02040503050406030204" pitchFamily="18" charset="0"/>
-                  </a:rPr>
-                </a:br>
-                <a:r>
-                  <a:rPr kumimoji="1" lang="en-US" altLang="ja-JP" i="1" dirty="0">
-                    <a:latin typeface="Cambria Math" panose="02040503050406030204" pitchFamily="18" charset="0"/>
-                  </a:rPr>
-                  <a:t>      </a:t>
-                </a:r>
-                <a14:m>
-                  <m:oMath xmlns:m="http://schemas.openxmlformats.org/officeDocument/2006/math">
-                    <m:r>
-                      <a:rPr kumimoji="1" lang="en-US" altLang="ja-JP" b="0" i="1" smtClean="0">
-                        <a:latin typeface="Cambria Math" panose="02040503050406030204" pitchFamily="18" charset="0"/>
-                        <a:ea typeface="Cambria Math" panose="02040503050406030204" pitchFamily="18" charset="0"/>
-                      </a:rPr>
-                      <m:t> </m:t>
-                    </m:r>
-                    <m:r>
-                      <a:rPr kumimoji="1" lang="en-US" altLang="ja-JP" i="1" smtClean="0">
-                        <a:latin typeface="Cambria Math" panose="02040503050406030204" pitchFamily="18" charset="0"/>
-                        <a:ea typeface="Cambria Math" panose="02040503050406030204" pitchFamily="18" charset="0"/>
-                      </a:rPr>
-                      <m:t>≈</m:t>
-                    </m:r>
-                    <m:sSub>
-                      <m:sSubPr>
-                        <m:ctrlPr>
-                          <a:rPr kumimoji="1" lang="en-US" altLang="ja-JP" i="1">
-                            <a:latin typeface="Cambria Math" panose="02040503050406030204" pitchFamily="18" charset="0"/>
-                            <a:ea typeface="Cambria Math" panose="02040503050406030204" pitchFamily="18" charset="0"/>
-                          </a:rPr>
-                        </m:ctrlPr>
-                      </m:sSubPr>
-                      <m:e>
-                        <m:r>
-                          <a:rPr kumimoji="1" lang="en-US" altLang="ja-JP" i="1">
-                            <a:latin typeface="Cambria Math" panose="02040503050406030204" pitchFamily="18" charset="0"/>
-                            <a:ea typeface="Cambria Math" panose="02040503050406030204" pitchFamily="18" charset="0"/>
-                          </a:rPr>
-                          <m:t>𝔼</m:t>
-                        </m:r>
-                      </m:e>
-                      <m:sub>
-                        <m:r>
-                          <a:rPr kumimoji="1" lang="en-US" altLang="ja-JP" i="1">
-                            <a:latin typeface="Cambria Math" panose="02040503050406030204" pitchFamily="18" charset="0"/>
-                            <a:ea typeface="Cambria Math" panose="02040503050406030204" pitchFamily="18" charset="0"/>
-                          </a:rPr>
-                          <m:t>𝑠</m:t>
-                        </m:r>
-                        <m:r>
-                          <a:rPr kumimoji="1" lang="en-US" altLang="ja-JP" i="1">
-                            <a:latin typeface="Cambria Math" panose="02040503050406030204" pitchFamily="18" charset="0"/>
-                            <a:ea typeface="Cambria Math" panose="02040503050406030204" pitchFamily="18" charset="0"/>
-                          </a:rPr>
-                          <m:t>~</m:t>
-                        </m:r>
-                        <m:sSup>
-                          <m:sSupPr>
-                            <m:ctrlPr>
-                              <a:rPr kumimoji="1" lang="en-US" altLang="ja-JP" i="1">
-                                <a:latin typeface="Cambria Math" panose="02040503050406030204" pitchFamily="18" charset="0"/>
-                                <a:ea typeface="Cambria Math" panose="02040503050406030204" pitchFamily="18" charset="0"/>
-                              </a:rPr>
-                            </m:ctrlPr>
-                          </m:sSupPr>
-                          <m:e>
-                            <m:r>
-                              <a:rPr kumimoji="1" lang="en-US" altLang="ja-JP" i="1">
-                                <a:latin typeface="Cambria Math" panose="02040503050406030204" pitchFamily="18" charset="0"/>
-                                <a:ea typeface="Cambria Math" panose="02040503050406030204" pitchFamily="18" charset="0"/>
-                              </a:rPr>
-                              <m:t>𝜌</m:t>
-                            </m:r>
-                          </m:e>
-                          <m:sup>
-                            <m:sSub>
-                              <m:sSubPr>
-                                <m:ctrlPr>
-                                  <a:rPr kumimoji="1" lang="en-US" altLang="ja-JP" i="1" smtClean="0">
-                                    <a:latin typeface="Cambria Math" panose="02040503050406030204" pitchFamily="18" charset="0"/>
-                                    <a:ea typeface="Cambria Math" panose="02040503050406030204" pitchFamily="18" charset="0"/>
-                                  </a:rPr>
-                                </m:ctrlPr>
-                              </m:sSubPr>
-                              <m:e>
-                                <m:r>
-                                  <a:rPr kumimoji="1" lang="en-US" altLang="ja-JP" i="1">
-                                    <a:latin typeface="Cambria Math" panose="02040503050406030204" pitchFamily="18" charset="0"/>
-                                    <a:ea typeface="Cambria Math" panose="02040503050406030204" pitchFamily="18" charset="0"/>
-                                  </a:rPr>
-                                  <m:t>𝜋</m:t>
-                                </m:r>
-                              </m:e>
-                              <m:sub>
-                                <m:r>
-                                  <a:rPr kumimoji="1" lang="en-US" altLang="ja-JP" i="1" smtClean="0">
-                                    <a:latin typeface="Cambria Math" panose="02040503050406030204" pitchFamily="18" charset="0"/>
-                                    <a:ea typeface="Cambria Math" panose="02040503050406030204" pitchFamily="18" charset="0"/>
-                                  </a:rPr>
-                                  <m:t>𝜃</m:t>
-                                </m:r>
-                              </m:sub>
-                            </m:sSub>
-                          </m:sup>
-                        </m:sSup>
-                      </m:sub>
-                    </m:sSub>
-                    <m:d>
-                      <m:dPr>
-                        <m:begChr m:val="["/>
-                        <m:endChr m:val="]"/>
-                        <m:ctrlPr>
-                          <a:rPr kumimoji="1" lang="en-US" altLang="ja-JP" i="1">
-                            <a:latin typeface="Cambria Math" panose="02040503050406030204" pitchFamily="18" charset="0"/>
-                            <a:ea typeface="Cambria Math" panose="02040503050406030204" pitchFamily="18" charset="0"/>
-                          </a:rPr>
-                        </m:ctrlPr>
-                      </m:dPr>
-                      <m:e>
-                        <m:sSub>
-                          <m:sSubPr>
-                            <m:ctrlPr>
-                              <a:rPr kumimoji="1" lang="en-US" altLang="ja-JP" i="1">
-                                <a:latin typeface="Cambria Math" panose="02040503050406030204" pitchFamily="18" charset="0"/>
-                              </a:rPr>
-                            </m:ctrlPr>
-                          </m:sSubPr>
-                          <m:e>
-                            <m:r>
-                              <m:rPr>
-                                <m:sty m:val="p"/>
-                              </m:rPr>
-                              <a:rPr kumimoji="1" lang="en-US" altLang="ja-JP" i="1">
-                                <a:latin typeface="Cambria Math" panose="02040503050406030204" pitchFamily="18" charset="0"/>
-                                <a:ea typeface="Cambria Math" panose="02040503050406030204" pitchFamily="18" charset="0"/>
-                              </a:rPr>
-                              <m:t>∇</m:t>
-                            </m:r>
-                          </m:e>
-                          <m:sub>
-                            <m:r>
-                              <a:rPr kumimoji="1" lang="en-US" altLang="ja-JP" i="1">
-                                <a:latin typeface="Cambria Math" panose="02040503050406030204" pitchFamily="18" charset="0"/>
-                                <a:ea typeface="Cambria Math" panose="02040503050406030204" pitchFamily="18" charset="0"/>
-                              </a:rPr>
-                              <m:t>𝜃</m:t>
-                            </m:r>
-                          </m:sub>
-                        </m:sSub>
-                        <m:sSub>
-                          <m:sSubPr>
-                            <m:ctrlPr>
-                              <a:rPr lang="en-US" altLang="ja-JP" i="1">
-                                <a:latin typeface="Cambria Math" panose="02040503050406030204" pitchFamily="18" charset="0"/>
-                              </a:rPr>
-                            </m:ctrlPr>
-                          </m:sSubPr>
-                          <m:e>
-                            <m:r>
-                              <a:rPr lang="en-US" altLang="ja-JP" i="1">
-                                <a:latin typeface="Cambria Math" panose="02040503050406030204" pitchFamily="18" charset="0"/>
-                                <a:ea typeface="Cambria Math" panose="02040503050406030204" pitchFamily="18" charset="0"/>
-                              </a:rPr>
-                              <m:t>𝜋</m:t>
-                            </m:r>
-                          </m:e>
-                          <m:sub>
-                            <m:r>
-                              <a:rPr lang="en-US" altLang="ja-JP" i="1">
-                                <a:latin typeface="Cambria Math" panose="02040503050406030204" pitchFamily="18" charset="0"/>
-                                <a:ea typeface="Cambria Math" panose="02040503050406030204" pitchFamily="18" charset="0"/>
-                              </a:rPr>
-                              <m:t>𝜃</m:t>
-                            </m:r>
-                          </m:sub>
-                        </m:sSub>
-                        <m:d>
-                          <m:dPr>
-                            <m:ctrlPr>
-                              <a:rPr kumimoji="1" lang="en-US" altLang="ja-JP" i="1">
-                                <a:latin typeface="Cambria Math" panose="02040503050406030204" pitchFamily="18" charset="0"/>
-                              </a:rPr>
-                            </m:ctrlPr>
-                          </m:dPr>
-                          <m:e>
-                            <m:r>
-                              <a:rPr kumimoji="1" lang="en-US" altLang="ja-JP" i="1">
-                                <a:latin typeface="Cambria Math" panose="02040503050406030204" pitchFamily="18" charset="0"/>
-                              </a:rPr>
-                              <m:t>𝑠</m:t>
-                            </m:r>
-                          </m:e>
-                        </m:d>
-                        <m:sSub>
-                          <m:sSubPr>
-                            <m:ctrlPr>
-                              <a:rPr kumimoji="1" lang="en-US" altLang="ja-JP" i="1">
-                                <a:latin typeface="Cambria Math" panose="02040503050406030204" pitchFamily="18" charset="0"/>
-                              </a:rPr>
-                            </m:ctrlPr>
-                          </m:sSubPr>
-                          <m:e>
-                            <m:r>
-                              <m:rPr>
-                                <m:sty m:val="p"/>
-                              </m:rPr>
-                              <a:rPr kumimoji="1" lang="en-US" altLang="ja-JP" i="1">
-                                <a:latin typeface="Cambria Math" panose="02040503050406030204" pitchFamily="18" charset="0"/>
-                                <a:ea typeface="Cambria Math" panose="02040503050406030204" pitchFamily="18" charset="0"/>
-                              </a:rPr>
-                              <m:t>∇</m:t>
-                            </m:r>
-                          </m:e>
-                          <m:sub>
-                            <m:r>
-                              <a:rPr kumimoji="1" lang="en-US" altLang="ja-JP" i="1">
-                                <a:latin typeface="Cambria Math" panose="02040503050406030204" pitchFamily="18" charset="0"/>
-                                <a:ea typeface="Cambria Math" panose="02040503050406030204" pitchFamily="18" charset="0"/>
-                              </a:rPr>
-                              <m:t>𝑎</m:t>
-                            </m:r>
-                          </m:sub>
-                        </m:sSub>
-                        <m:sSup>
-                          <m:sSupPr>
-                            <m:ctrlPr>
-                              <a:rPr kumimoji="1" lang="en-US" altLang="ja-JP" i="1" smtClean="0">
-                                <a:solidFill>
-                                  <a:srgbClr val="0070C0"/>
-                                </a:solidFill>
-                                <a:latin typeface="Cambria Math" panose="02040503050406030204" pitchFamily="18" charset="0"/>
-                                <a:ea typeface="Cambria Math" panose="02040503050406030204" pitchFamily="18" charset="0"/>
-                              </a:rPr>
-                            </m:ctrlPr>
-                          </m:sSupPr>
-                          <m:e>
-                            <m:r>
-                              <a:rPr kumimoji="1" lang="en-US" altLang="ja-JP" i="1">
-                                <a:solidFill>
-                                  <a:srgbClr val="0070C0"/>
-                                </a:solidFill>
-                                <a:latin typeface="Cambria Math" panose="02040503050406030204" pitchFamily="18" charset="0"/>
-                                <a:ea typeface="Cambria Math" panose="02040503050406030204" pitchFamily="18" charset="0"/>
-                              </a:rPr>
-                              <m:t>𝑄</m:t>
-                            </m:r>
-                          </m:e>
-                          <m:sup>
-                            <m:r>
-                              <a:rPr kumimoji="1" lang="en-US" altLang="ja-JP" i="1">
-                                <a:solidFill>
-                                  <a:srgbClr val="0070C0"/>
-                                </a:solidFill>
-                                <a:latin typeface="Cambria Math" panose="02040503050406030204" pitchFamily="18" charset="0"/>
-                                <a:ea typeface="Cambria Math" panose="02040503050406030204" pitchFamily="18" charset="0"/>
-                              </a:rPr>
-                              <m:t>𝜃</m:t>
-                            </m:r>
-                          </m:sup>
-                        </m:sSup>
-                        <m:d>
-                          <m:dPr>
-                            <m:ctrlPr>
-                              <a:rPr kumimoji="1" lang="en-US" altLang="ja-JP" i="1">
-                                <a:solidFill>
-                                  <a:srgbClr val="0070C0"/>
-                                </a:solidFill>
-                                <a:latin typeface="Cambria Math" panose="02040503050406030204" pitchFamily="18" charset="0"/>
-                              </a:rPr>
-                            </m:ctrlPr>
-                          </m:dPr>
-                          <m:e>
-                            <m:r>
-                              <a:rPr kumimoji="1" lang="en-US" altLang="ja-JP" i="1">
-                                <a:solidFill>
-                                  <a:srgbClr val="0070C0"/>
-                                </a:solidFill>
-                                <a:latin typeface="Cambria Math" panose="02040503050406030204" pitchFamily="18" charset="0"/>
-                              </a:rPr>
-                              <m:t>𝑠</m:t>
-                            </m:r>
-                            <m:r>
-                              <a:rPr kumimoji="1" lang="en-US" altLang="ja-JP" i="1">
-                                <a:solidFill>
-                                  <a:srgbClr val="0070C0"/>
-                                </a:solidFill>
-                                <a:latin typeface="Cambria Math" panose="02040503050406030204" pitchFamily="18" charset="0"/>
-                              </a:rPr>
-                              <m:t>,</m:t>
-                            </m:r>
-                            <m:r>
-                              <a:rPr kumimoji="1" lang="en-US" altLang="ja-JP" i="1">
-                                <a:solidFill>
-                                  <a:srgbClr val="0070C0"/>
-                                </a:solidFill>
-                                <a:latin typeface="Cambria Math" panose="02040503050406030204" pitchFamily="18" charset="0"/>
-                              </a:rPr>
-                              <m:t>𝑎</m:t>
-                            </m:r>
-                          </m:e>
-                        </m:d>
-                        <m:sSub>
-                          <m:sSubPr>
-                            <m:ctrlPr>
-                              <a:rPr kumimoji="1" lang="en-US" altLang="ja-JP" i="1">
-                                <a:latin typeface="Cambria Math" panose="02040503050406030204" pitchFamily="18" charset="0"/>
-                                <a:ea typeface="Cambria Math" panose="02040503050406030204" pitchFamily="18" charset="0"/>
-                              </a:rPr>
-                            </m:ctrlPr>
-                          </m:sSubPr>
-                          <m:e>
-                            <m:r>
-                              <a:rPr kumimoji="1" lang="en-US" altLang="ja-JP" i="1">
-                                <a:latin typeface="Cambria Math" panose="02040503050406030204" pitchFamily="18" charset="0"/>
-                                <a:ea typeface="Cambria Math" panose="02040503050406030204" pitchFamily="18" charset="0"/>
-                              </a:rPr>
-                              <m:t>|</m:t>
-                            </m:r>
-                          </m:e>
-                          <m:sub>
-                            <m:r>
-                              <a:rPr kumimoji="1" lang="en-US" altLang="ja-JP" i="1">
-                                <a:latin typeface="Cambria Math" panose="02040503050406030204" pitchFamily="18" charset="0"/>
-                                <a:ea typeface="Cambria Math" panose="02040503050406030204" pitchFamily="18" charset="0"/>
-                              </a:rPr>
-                              <m:t>𝑎</m:t>
-                            </m:r>
-                            <m:r>
-                              <a:rPr kumimoji="1" lang="en-US" altLang="ja-JP" i="1">
-                                <a:latin typeface="Cambria Math" panose="02040503050406030204" pitchFamily="18" charset="0"/>
-                                <a:ea typeface="Cambria Math" panose="02040503050406030204" pitchFamily="18" charset="0"/>
-                              </a:rPr>
-                              <m:t>=</m:t>
-                            </m:r>
-                            <m:r>
-                              <a:rPr kumimoji="1" lang="en-US" altLang="ja-JP" i="1">
-                                <a:latin typeface="Cambria Math" panose="02040503050406030204" pitchFamily="18" charset="0"/>
-                                <a:ea typeface="Cambria Math" panose="02040503050406030204" pitchFamily="18" charset="0"/>
-                              </a:rPr>
-                              <m:t>𝜋</m:t>
-                            </m:r>
-                            <m:d>
-                              <m:dPr>
-                                <m:ctrlPr>
-                                  <a:rPr kumimoji="1" lang="en-US" altLang="ja-JP" i="1">
-                                    <a:latin typeface="Cambria Math" panose="02040503050406030204" pitchFamily="18" charset="0"/>
-                                  </a:rPr>
-                                </m:ctrlPr>
-                              </m:dPr>
-                              <m:e>
-                                <m:r>
-                                  <a:rPr kumimoji="1" lang="en-US" altLang="ja-JP" i="1">
-                                    <a:latin typeface="Cambria Math" panose="02040503050406030204" pitchFamily="18" charset="0"/>
-                                  </a:rPr>
-                                  <m:t>𝑠</m:t>
-                                </m:r>
-                                <m:r>
-                                  <a:rPr kumimoji="1" lang="en-US" altLang="ja-JP" i="1">
-                                    <a:latin typeface="Cambria Math" panose="02040503050406030204" pitchFamily="18" charset="0"/>
-                                  </a:rPr>
-                                  <m:t>|</m:t>
-                                </m:r>
-                                <m:r>
-                                  <a:rPr kumimoji="1" lang="en-US" altLang="ja-JP" i="1">
-                                    <a:latin typeface="Cambria Math" panose="02040503050406030204" pitchFamily="18" charset="0"/>
-                                    <a:ea typeface="Cambria Math" panose="02040503050406030204" pitchFamily="18" charset="0"/>
-                                  </a:rPr>
-                                  <m:t>𝜃</m:t>
-                                </m:r>
-                              </m:e>
-                            </m:d>
-                          </m:sub>
-                        </m:sSub>
-                      </m:e>
-                    </m:d>
-                  </m:oMath>
-                </a14:m>
-                <a:br>
-                  <a:rPr kumimoji="1" lang="en-US" altLang="ja-JP" i="1" dirty="0">
-                    <a:latin typeface="Cambria Math" panose="02040503050406030204" pitchFamily="18" charset="0"/>
-                    <a:ea typeface="Cambria Math" panose="02040503050406030204" pitchFamily="18" charset="0"/>
-                  </a:rPr>
-                </a:br>
-                <a:endParaRPr kumimoji="1" lang="ja-JP" altLang="en-US">
-                  <a:latin typeface="Cambria" panose="02040503050406030204" pitchFamily="18" charset="0"/>
-                </a:endParaRPr>
-              </a:p>
-            </p:txBody>
-          </p:sp>
-        </mc:Choice>
-        <mc:Fallback xmlns="">
-          <p:sp>
-            <p:nvSpPr>
-              <p:cNvPr id="6" name="テキスト ボックス 5">
-                <a:extLst>
-                  <a:ext uri="{FF2B5EF4-FFF2-40B4-BE49-F238E27FC236}">
-                    <a16:creationId xmlns:a16="http://schemas.microsoft.com/office/drawing/2014/main" id="{E2D99380-D8E5-2942-BD3B-3563123E7E03}"/>
-                  </a:ext>
-                </a:extLst>
-              </p:cNvPr>
-              <p:cNvSpPr txBox="1">
-                <a:spLocks noRot="1" noChangeAspect="1" noMove="1" noResize="1" noEditPoints="1" noAdjustHandles="1" noChangeArrowheads="1" noChangeShapeType="1" noTextEdit="1"/>
-              </p:cNvSpPr>
-              <p:nvPr/>
-            </p:nvSpPr>
-            <p:spPr>
-              <a:xfrm>
-                <a:off x="1383015" y="1894817"/>
-                <a:ext cx="4487062" cy="1413785"/>
-              </a:xfrm>
-              <a:prstGeom prst="rect">
-                <a:avLst/>
-              </a:prstGeom>
-              <a:blipFill>
-                <a:blip r:embed="rId3"/>
-                <a:stretch>
-                  <a:fillRect t="-65487" b="-45133"/>
-                </a:stretch>
-              </a:blipFill>
-            </p:spPr>
-            <p:txBody>
-              <a:bodyPr/>
-              <a:lstStyle/>
-              <a:p>
-                <a:r>
-                  <a:rPr lang="ja-JP" altLang="en-US">
-                    <a:noFill/>
-                  </a:rPr>
-                  <a:t> </a:t>
-                </a:r>
-              </a:p>
-            </p:txBody>
-          </p:sp>
-        </mc:Fallback>
-      </mc:AlternateContent>
-    </p:spTree>
-    <p:extLst>
-      <p:ext uri="{BB962C8B-B14F-4D97-AF65-F5344CB8AC3E}">
-        <p14:creationId xmlns:p14="http://schemas.microsoft.com/office/powerpoint/2010/main" val="2935265851"/>
-      </p:ext>
-    </p:extLst>
-  </p:cSld>
-  <p:clrMapOvr>
-    <a:masterClrMapping/>
-  </p:clrMapOvr>
-</p:sld>
-</file>
-
-<file path=ppt/slides/slide6.xml><?xml version="1.0" encoding="utf-8"?>
-<p:sld xmlns:a="http://schemas.openxmlformats.org/drawingml/2006/main" xmlns:r="http://schemas.openxmlformats.org/officeDocument/2006/relationships" xmlns:p="http://schemas.openxmlformats.org/presentationml/2006/main">
-  <p:cSld>
-    <p:spTree>
-      <p:nvGrpSpPr>
-        <p:cNvPr id="1" name=""/>
-        <p:cNvGrpSpPr/>
-        <p:nvPr/>
-      </p:nvGrpSpPr>
-      <p:grpSpPr>
-        <a:xfrm>
-          <a:off x="0" y="0"/>
-          <a:ext cx="0" cy="0"/>
-          <a:chOff x="0" y="0"/>
-          <a:chExt cx="0" cy="0"/>
-        </a:xfrm>
-      </p:grpSpPr>
       <p:sp>
         <p:nvSpPr>
-          <p:cNvPr id="2" name="コンテンツ プレースホルダー 1">
+          <p:cNvPr id="7" name="コンテンツ プレースホルダー 1">
             <a:extLst>
               <a:ext uri="{FF2B5EF4-FFF2-40B4-BE49-F238E27FC236}">
-                <a16:creationId xmlns:a16="http://schemas.microsoft.com/office/drawing/2014/main" id="{A703F7FD-E8C1-4D46-B10E-C8EF182F3C69}"/>
-              </a:ext>
-            </a:extLst>
-          </p:cNvPr>
-          <p:cNvSpPr>
-            <a:spLocks noGrp="1"/>
-          </p:cNvSpPr>
-          <p:nvPr>
-            <p:ph idx="1"/>
-          </p:nvPr>
-        </p:nvSpPr>
-        <p:spPr/>
-        <p:txBody>
-          <a:bodyPr>
-            <a:normAutofit/>
-          </a:bodyPr>
-          <a:lstStyle/>
-          <a:p>
-            <a:r>
-              <a:rPr kumimoji="1" lang="en-US" altLang="ja-JP" sz="2160" dirty="0"/>
-              <a:t>By changing learning configuration as last slide, policy may improved</a:t>
-            </a:r>
-          </a:p>
-          <a:p>
-            <a:pPr lvl="1"/>
-            <a:r>
-              <a:rPr lang="en-US" altLang="ja-JP" sz="1960" dirty="0"/>
-              <a:t>Distribution of replay buffer</a:t>
-            </a:r>
-          </a:p>
-          <a:p>
-            <a:pPr lvl="1"/>
-            <a:endParaRPr kumimoji="1" lang="en-US" altLang="ja-JP" sz="1960" dirty="0"/>
-          </a:p>
-          <a:p>
-            <a:pPr lvl="1"/>
-            <a:endParaRPr lang="en-US" altLang="ja-JP" sz="1960" dirty="0"/>
-          </a:p>
-          <a:p>
-            <a:pPr lvl="3"/>
-            <a:endParaRPr kumimoji="1" lang="en-US" altLang="ja-JP" sz="1560" dirty="0"/>
-          </a:p>
-          <a:p>
-            <a:pPr lvl="3"/>
-            <a:endParaRPr lang="en-US" altLang="ja-JP" sz="1560" dirty="0"/>
-          </a:p>
-          <a:p>
-            <a:pPr lvl="3"/>
-            <a:endParaRPr kumimoji="1" lang="en-US" altLang="ja-JP" sz="1560" dirty="0"/>
-          </a:p>
-          <a:p>
-            <a:pPr lvl="1"/>
-            <a:endParaRPr lang="en-US" altLang="ja-JP" sz="1960" dirty="0"/>
-          </a:p>
-          <a:p>
-            <a:pPr lvl="3"/>
-            <a:endParaRPr kumimoji="1" lang="en-US" altLang="ja-JP" sz="1560" dirty="0"/>
-          </a:p>
-          <a:p>
-            <a:pPr lvl="1"/>
-            <a:r>
-              <a:rPr kumimoji="1" lang="en-US" altLang="ja-JP" sz="1960" dirty="0"/>
-              <a:t>Learned policy</a:t>
-            </a:r>
-            <a:endParaRPr kumimoji="1" lang="ja-JP" altLang="en-US" sz="1960"/>
-          </a:p>
-        </p:txBody>
-      </p:sp>
-      <p:sp>
-        <p:nvSpPr>
-          <p:cNvPr id="3" name="日付プレースホルダー 2">
-            <a:extLst>
-              <a:ext uri="{FF2B5EF4-FFF2-40B4-BE49-F238E27FC236}">
-                <a16:creationId xmlns:a16="http://schemas.microsoft.com/office/drawing/2014/main" id="{A3424797-CE79-A140-BC76-A52E85F03E93}"/>
-              </a:ext>
-            </a:extLst>
-          </p:cNvPr>
-          <p:cNvSpPr>
-            <a:spLocks noGrp="1"/>
-          </p:cNvSpPr>
-          <p:nvPr>
-            <p:ph type="dt" sz="half" idx="10"/>
-          </p:nvPr>
-        </p:nvSpPr>
-        <p:spPr/>
-        <p:txBody>
-          <a:bodyPr/>
-          <a:lstStyle/>
-          <a:p>
-            <a:fld id="{90235FA2-C49A-5C4F-85BF-B1D7D24C5B31}" type="datetime1">
-              <a:rPr kumimoji="1" lang="ja-JP" altLang="en-US" smtClean="0"/>
-              <a:t>2020/11/16</a:t>
-            </a:fld>
-            <a:endParaRPr kumimoji="1" lang="ja-JP" altLang="en-US"/>
-          </a:p>
-        </p:txBody>
-      </p:sp>
-      <p:sp>
-        <p:nvSpPr>
-          <p:cNvPr id="4" name="フッター プレースホルダー 3">
-            <a:extLst>
-              <a:ext uri="{FF2B5EF4-FFF2-40B4-BE49-F238E27FC236}">
-                <a16:creationId xmlns:a16="http://schemas.microsoft.com/office/drawing/2014/main" id="{B117A829-E410-2741-A5CC-76E608DE1B22}"/>
-              </a:ext>
-            </a:extLst>
-          </p:cNvPr>
-          <p:cNvSpPr>
-            <a:spLocks noGrp="1"/>
-          </p:cNvSpPr>
-          <p:nvPr>
-            <p:ph type="ftr" sz="quarter" idx="11"/>
-          </p:nvPr>
-        </p:nvSpPr>
-        <p:spPr/>
-        <p:txBody>
-          <a:bodyPr/>
-          <a:lstStyle/>
-          <a:p>
-            <a:r>
-              <a:rPr kumimoji="1" lang="en-US" altLang="ja-JP" dirty="0"/>
-              <a:t>Control System Theory Group</a:t>
-            </a:r>
-            <a:endParaRPr kumimoji="1" lang="ja-JP" altLang="en-US"/>
-          </a:p>
-        </p:txBody>
-      </p:sp>
-      <p:sp>
-        <p:nvSpPr>
-          <p:cNvPr id="5" name="タイトル 4">
-            <a:extLst>
-              <a:ext uri="{FF2B5EF4-FFF2-40B4-BE49-F238E27FC236}">
-                <a16:creationId xmlns:a16="http://schemas.microsoft.com/office/drawing/2014/main" id="{B7050BD2-7634-2140-BA6C-9FC52B9D4A7B}"/>
-              </a:ext>
-            </a:extLst>
-          </p:cNvPr>
-          <p:cNvSpPr>
-            <a:spLocks noGrp="1"/>
-          </p:cNvSpPr>
-          <p:nvPr>
-            <p:ph type="title"/>
-          </p:nvPr>
-        </p:nvSpPr>
-        <p:spPr/>
-        <p:txBody>
-          <a:bodyPr/>
-          <a:lstStyle/>
-          <a:p>
-            <a:r>
-              <a:rPr kumimoji="1" lang="en-US" altLang="ja-JP" dirty="0"/>
-              <a:t>Weekly Report</a:t>
-            </a:r>
-            <a:endParaRPr kumimoji="1" lang="ja-JP" altLang="en-US"/>
-          </a:p>
-        </p:txBody>
-      </p:sp>
-      <p:pic>
-        <p:nvPicPr>
-          <p:cNvPr id="7" name="図 6">
-            <a:extLst>
-              <a:ext uri="{FF2B5EF4-FFF2-40B4-BE49-F238E27FC236}">
-                <a16:creationId xmlns:a16="http://schemas.microsoft.com/office/drawing/2014/main" id="{946727F0-A976-994D-9688-B829B77AD7A8}"/>
-              </a:ext>
-            </a:extLst>
-          </p:cNvPr>
-          <p:cNvPicPr>
-            <a:picLocks noChangeAspect="1"/>
-          </p:cNvPicPr>
-          <p:nvPr/>
-        </p:nvPicPr>
-        <p:blipFill>
-          <a:blip r:embed="rId2"/>
-          <a:stretch>
-            <a:fillRect/>
-          </a:stretch>
-        </p:blipFill>
-        <p:spPr>
-          <a:xfrm>
-            <a:off x="1167747" y="4319877"/>
-            <a:ext cx="3219871" cy="1972788"/>
-          </a:xfrm>
-          <a:prstGeom prst="rect">
-            <a:avLst/>
-          </a:prstGeom>
-        </p:spPr>
-      </p:pic>
-      <p:pic>
-        <p:nvPicPr>
-          <p:cNvPr id="9" name="図 8">
-            <a:extLst>
-              <a:ext uri="{FF2B5EF4-FFF2-40B4-BE49-F238E27FC236}">
-                <a16:creationId xmlns:a16="http://schemas.microsoft.com/office/drawing/2014/main" id="{C22392DB-326E-C74A-8602-9E25176AF7A3}"/>
-              </a:ext>
-            </a:extLst>
-          </p:cNvPr>
-          <p:cNvPicPr>
-            <a:picLocks noChangeAspect="1"/>
-          </p:cNvPicPr>
-          <p:nvPr/>
-        </p:nvPicPr>
-        <p:blipFill>
-          <a:blip r:embed="rId3"/>
-          <a:stretch>
-            <a:fillRect/>
-          </a:stretch>
-        </p:blipFill>
-        <p:spPr>
-          <a:xfrm>
-            <a:off x="1258193" y="1796432"/>
-            <a:ext cx="2855714" cy="1972788"/>
-          </a:xfrm>
-          <a:prstGeom prst="rect">
-            <a:avLst/>
-          </a:prstGeom>
-        </p:spPr>
-      </p:pic>
-      <p:sp>
-        <p:nvSpPr>
-          <p:cNvPr id="11" name="コンテンツ プレースホルダー 1">
-            <a:extLst>
-              <a:ext uri="{FF2B5EF4-FFF2-40B4-BE49-F238E27FC236}">
-                <a16:creationId xmlns:a16="http://schemas.microsoft.com/office/drawing/2014/main" id="{70BE5B87-72ED-4B42-87FA-711D512CD871}"/>
+                <a16:creationId xmlns:a16="http://schemas.microsoft.com/office/drawing/2014/main" id="{13943E3C-E8FF-5049-9B6C-1577E4F1B4B3}"/>
               </a:ext>
             </a:extLst>
           </p:cNvPr>
@@ -7164,7 +4232,7 @@
         </p:nvSpPr>
         <p:spPr>
           <a:xfrm>
-            <a:off x="4480290" y="1975215"/>
+            <a:off x="4388657" y="2110473"/>
             <a:ext cx="4286900" cy="1658109"/>
           </a:xfrm>
           <a:prstGeom prst="rect">
@@ -7355,246 +4423,62 @@
             </a:lvl9pPr>
           </a:lstStyle>
           <a:p>
+            <a:pPr marL="0" indent="0">
+              <a:buNone/>
+            </a:pPr>
+            <a:r>
+              <a:rPr lang="en-US" altLang="ja-JP" sz="1300" dirty="0"/>
+              <a:t>There is no guarantee that this policy is the best policy …</a:t>
+            </a:r>
+          </a:p>
+          <a:p>
             <a:r>
               <a:rPr lang="en-US" altLang="ja-JP" sz="1800" dirty="0"/>
-              <a:t>There is no divergent paths </a:t>
+              <a:t>Wide interval around origin and frequent otherwise</a:t>
+            </a:r>
+          </a:p>
+          <a:p>
+            <a:r>
+              <a:rPr lang="en-US" altLang="ja-JP" sz="1800" dirty="0"/>
+              <a:t>Stabilize the system</a:t>
             </a:r>
           </a:p>
         </p:txBody>
       </p:sp>
-      <p:sp>
-        <p:nvSpPr>
-          <p:cNvPr id="12" name="コンテンツ プレースホルダー 1">
+      <p:pic>
+        <p:nvPicPr>
+          <p:cNvPr id="9" name="図 8">
             <a:extLst>
               <a:ext uri="{FF2B5EF4-FFF2-40B4-BE49-F238E27FC236}">
-                <a16:creationId xmlns:a16="http://schemas.microsoft.com/office/drawing/2014/main" id="{F0648B79-E102-DF48-8A9C-65278914FD03}"/>
+                <a16:creationId xmlns:a16="http://schemas.microsoft.com/office/drawing/2014/main" id="{4F2568D8-1D4B-4948-AB45-4355EA70C42F}"/>
               </a:ext>
             </a:extLst>
           </p:cNvPr>
-          <p:cNvSpPr txBox="1">
-            <a:spLocks/>
-          </p:cNvSpPr>
+          <p:cNvPicPr>
+            <a:picLocks noChangeAspect="1"/>
+          </p:cNvPicPr>
           <p:nvPr/>
-        </p:nvSpPr>
+        </p:nvPicPr>
+        <p:blipFill>
+          <a:blip r:embed="rId3"/>
+          <a:stretch>
+            <a:fillRect/>
+          </a:stretch>
+        </p:blipFill>
         <p:spPr>
           <a:xfrm>
-            <a:off x="4480290" y="4496834"/>
-            <a:ext cx="4286900" cy="1658109"/>
+            <a:off x="929663" y="1903555"/>
+            <a:ext cx="3265126" cy="2071944"/>
           </a:xfrm>
           <a:prstGeom prst="rect">
             <a:avLst/>
           </a:prstGeom>
         </p:spPr>
-        <p:txBody>
-          <a:bodyPr vert="horz" lIns="91440" tIns="45720" rIns="91440" bIns="45720" rtlCol="0">
-            <a:normAutofit/>
-          </a:bodyPr>
-          <a:lstStyle>
-            <a:lvl1pPr marL="228600" indent="-228600" algn="l" defTabSz="914400" rtl="0" eaLnBrk="1" latinLnBrk="0" hangingPunct="1">
-              <a:lnSpc>
-                <a:spcPct val="90000"/>
-              </a:lnSpc>
-              <a:spcBef>
-                <a:spcPts val="1000"/>
-              </a:spcBef>
-              <a:buClr>
-                <a:srgbClr val="0070C0"/>
-              </a:buClr>
-              <a:buFont typeface="Arial" panose="020B0604020202020204" pitchFamily="34" charset="0"/>
-              <a:buChar char="•"/>
-              <a:defRPr kumimoji="1" sz="2200" b="0" i="0" kern="1200">
-                <a:solidFill>
-                  <a:schemeClr val="tx1"/>
-                </a:solidFill>
-                <a:latin typeface="Cambria" panose="02040503050406030204" pitchFamily="18" charset="0"/>
-                <a:ea typeface="+mn-ea"/>
-                <a:cs typeface="+mn-cs"/>
-              </a:defRPr>
-            </a:lvl1pPr>
-            <a:lvl2pPr marL="685800" indent="-228600" algn="l" defTabSz="914400" rtl="0" eaLnBrk="1" latinLnBrk="0" hangingPunct="1">
-              <a:lnSpc>
-                <a:spcPct val="90000"/>
-              </a:lnSpc>
-              <a:spcBef>
-                <a:spcPts val="500"/>
-              </a:spcBef>
-              <a:buClr>
-                <a:srgbClr val="0070C0"/>
-              </a:buClr>
-              <a:buFont typeface="Arial" panose="020B0604020202020204" pitchFamily="34" charset="0"/>
-              <a:buChar char="•"/>
-              <a:defRPr kumimoji="1" sz="2000" b="0" i="0" kern="1200">
-                <a:solidFill>
-                  <a:schemeClr val="tx1"/>
-                </a:solidFill>
-                <a:latin typeface="Cambria" panose="02040503050406030204" pitchFamily="18" charset="0"/>
-                <a:ea typeface="+mn-ea"/>
-                <a:cs typeface="+mn-cs"/>
-              </a:defRPr>
-            </a:lvl2pPr>
-            <a:lvl3pPr marL="1143000" indent="-228600" algn="l" defTabSz="914400" rtl="0" eaLnBrk="1" latinLnBrk="0" hangingPunct="1">
-              <a:lnSpc>
-                <a:spcPct val="90000"/>
-              </a:lnSpc>
-              <a:spcBef>
-                <a:spcPts val="500"/>
-              </a:spcBef>
-              <a:buClr>
-                <a:srgbClr val="0070C0"/>
-              </a:buClr>
-              <a:buFont typeface="Arial" panose="020B0604020202020204" pitchFamily="34" charset="0"/>
-              <a:buChar char="•"/>
-              <a:defRPr kumimoji="1" sz="1800" b="0" i="0" kern="1200">
-                <a:solidFill>
-                  <a:schemeClr val="tx1"/>
-                </a:solidFill>
-                <a:latin typeface="Cambria" panose="02040503050406030204" pitchFamily="18" charset="0"/>
-                <a:ea typeface="+mn-ea"/>
-                <a:cs typeface="+mn-cs"/>
-              </a:defRPr>
-            </a:lvl3pPr>
-            <a:lvl4pPr marL="1600200" indent="-228600" algn="l" defTabSz="914400" rtl="0" eaLnBrk="1" latinLnBrk="0" hangingPunct="1">
-              <a:lnSpc>
-                <a:spcPct val="90000"/>
-              </a:lnSpc>
-              <a:spcBef>
-                <a:spcPts val="500"/>
-              </a:spcBef>
-              <a:buClr>
-                <a:srgbClr val="0070C0"/>
-              </a:buClr>
-              <a:buFont typeface="Arial" panose="020B0604020202020204" pitchFamily="34" charset="0"/>
-              <a:buChar char="•"/>
-              <a:defRPr kumimoji="1" sz="1600" b="0" i="0" kern="1200">
-                <a:solidFill>
-                  <a:schemeClr val="tx1"/>
-                </a:solidFill>
-                <a:latin typeface="Cambria" panose="02040503050406030204" pitchFamily="18" charset="0"/>
-                <a:ea typeface="+mn-ea"/>
-                <a:cs typeface="+mn-cs"/>
-              </a:defRPr>
-            </a:lvl4pPr>
-            <a:lvl5pPr marL="2057400" indent="-228600" algn="l" defTabSz="914400" rtl="0" eaLnBrk="1" latinLnBrk="0" hangingPunct="1">
-              <a:lnSpc>
-                <a:spcPct val="90000"/>
-              </a:lnSpc>
-              <a:spcBef>
-                <a:spcPts val="500"/>
-              </a:spcBef>
-              <a:buClr>
-                <a:srgbClr val="0070C0"/>
-              </a:buClr>
-              <a:buFont typeface="Arial" panose="020B0604020202020204" pitchFamily="34" charset="0"/>
-              <a:buChar char="•"/>
-              <a:defRPr kumimoji="1" sz="1400" b="0" i="0" kern="1200">
-                <a:solidFill>
-                  <a:schemeClr val="tx1"/>
-                </a:solidFill>
-                <a:latin typeface="Cambria" panose="02040503050406030204" pitchFamily="18" charset="0"/>
-                <a:ea typeface="+mn-ea"/>
-                <a:cs typeface="+mn-cs"/>
-              </a:defRPr>
-            </a:lvl5pPr>
-            <a:lvl6pPr marL="2514600" indent="-228600" algn="l" defTabSz="914400" rtl="0" eaLnBrk="1" latinLnBrk="0" hangingPunct="1">
-              <a:lnSpc>
-                <a:spcPct val="90000"/>
-              </a:lnSpc>
-              <a:spcBef>
-                <a:spcPts val="500"/>
-              </a:spcBef>
-              <a:buFont typeface="Arial" panose="020B0604020202020204" pitchFamily="34" charset="0"/>
-              <a:buChar char="•"/>
-              <a:defRPr kumimoji="1" sz="1800" kern="1200">
-                <a:solidFill>
-                  <a:schemeClr val="tx1"/>
-                </a:solidFill>
-                <a:latin typeface="+mn-lt"/>
-                <a:ea typeface="+mn-ea"/>
-                <a:cs typeface="+mn-cs"/>
-              </a:defRPr>
-            </a:lvl6pPr>
-            <a:lvl7pPr marL="2971800" indent="-228600" algn="l" defTabSz="914400" rtl="0" eaLnBrk="1" latinLnBrk="0" hangingPunct="1">
-              <a:lnSpc>
-                <a:spcPct val="90000"/>
-              </a:lnSpc>
-              <a:spcBef>
-                <a:spcPts val="500"/>
-              </a:spcBef>
-              <a:buFont typeface="Arial" panose="020B0604020202020204" pitchFamily="34" charset="0"/>
-              <a:buChar char="•"/>
-              <a:defRPr kumimoji="1" sz="1800" kern="1200">
-                <a:solidFill>
-                  <a:schemeClr val="tx1"/>
-                </a:solidFill>
-                <a:latin typeface="+mn-lt"/>
-                <a:ea typeface="+mn-ea"/>
-                <a:cs typeface="+mn-cs"/>
-              </a:defRPr>
-            </a:lvl7pPr>
-            <a:lvl8pPr marL="3429000" indent="-228600" algn="l" defTabSz="914400" rtl="0" eaLnBrk="1" latinLnBrk="0" hangingPunct="1">
-              <a:lnSpc>
-                <a:spcPct val="90000"/>
-              </a:lnSpc>
-              <a:spcBef>
-                <a:spcPts val="500"/>
-              </a:spcBef>
-              <a:buFont typeface="Arial" panose="020B0604020202020204" pitchFamily="34" charset="0"/>
-              <a:buChar char="•"/>
-              <a:defRPr kumimoji="1" sz="1800" kern="1200">
-                <a:solidFill>
-                  <a:schemeClr val="tx1"/>
-                </a:solidFill>
-                <a:latin typeface="+mn-lt"/>
-                <a:ea typeface="+mn-ea"/>
-                <a:cs typeface="+mn-cs"/>
-              </a:defRPr>
-            </a:lvl8pPr>
-            <a:lvl9pPr marL="3886200" indent="-228600" algn="l" defTabSz="914400" rtl="0" eaLnBrk="1" latinLnBrk="0" hangingPunct="1">
-              <a:lnSpc>
-                <a:spcPct val="90000"/>
-              </a:lnSpc>
-              <a:spcBef>
-                <a:spcPts val="500"/>
-              </a:spcBef>
-              <a:buFont typeface="Arial" panose="020B0604020202020204" pitchFamily="34" charset="0"/>
-              <a:buChar char="•"/>
-              <a:defRPr kumimoji="1" sz="1800" kern="1200">
-                <a:solidFill>
-                  <a:schemeClr val="tx1"/>
-                </a:solidFill>
-                <a:latin typeface="+mn-lt"/>
-                <a:ea typeface="+mn-ea"/>
-                <a:cs typeface="+mn-cs"/>
-              </a:defRPr>
-            </a:lvl9pPr>
-          </a:lstStyle>
-          <a:p>
-            <a:pPr marL="0" indent="0">
-              <a:buNone/>
-            </a:pPr>
-            <a:r>
-              <a:rPr lang="en-US" altLang="ja-JP" sz="1300" dirty="0"/>
-              <a:t>There is no guarantee that this policy is the best policy …</a:t>
-            </a:r>
-          </a:p>
-          <a:p>
-            <a:r>
-              <a:rPr lang="en-US" altLang="ja-JP" sz="1800" dirty="0"/>
-              <a:t>Wide interval around origin and frequent otherwise</a:t>
-            </a:r>
-          </a:p>
-          <a:p>
-            <a:r>
-              <a:rPr lang="en-US" altLang="ja-JP" sz="1800" dirty="0"/>
-              <a:t>Stabilize the system</a:t>
-            </a:r>
-          </a:p>
-        </p:txBody>
-      </p:sp>
+      </p:pic>
     </p:spTree>
     <p:extLst>
       <p:ext uri="{BB962C8B-B14F-4D97-AF65-F5344CB8AC3E}">
-        <p14:creationId xmlns:p14="http://schemas.microsoft.com/office/powerpoint/2010/main" val="3477459638"/>
+        <p14:creationId xmlns:p14="http://schemas.microsoft.com/office/powerpoint/2010/main" val="560837707"/>
       </p:ext>
     </p:extLst>
   </p:cSld>
@@ -7604,7 +4488,1131 @@
 </p:sld>
 </file>
 
-<file path=ppt/slides/slide7.xml><?xml version="1.0" encoding="utf-8"?>
+<file path=ppt/slides/slide2.xml><?xml version="1.0" encoding="utf-8"?>
+<p:sld xmlns:a="http://schemas.openxmlformats.org/drawingml/2006/main" xmlns:r="http://schemas.openxmlformats.org/officeDocument/2006/relationships" xmlns:p="http://schemas.openxmlformats.org/presentationml/2006/main">
+  <p:cSld>
+    <p:spTree>
+      <p:nvGrpSpPr>
+        <p:cNvPr id="1" name=""/>
+        <p:cNvGrpSpPr/>
+        <p:nvPr/>
+      </p:nvGrpSpPr>
+      <p:grpSpPr>
+        <a:xfrm>
+          <a:off x="0" y="0"/>
+          <a:ext cx="0" cy="0"/>
+          <a:chOff x="0" y="0"/>
+          <a:chExt cx="0" cy="0"/>
+        </a:xfrm>
+      </p:grpSpPr>
+      <mc:AlternateContent xmlns:mc="http://schemas.openxmlformats.org/markup-compatibility/2006" xmlns:a14="http://schemas.microsoft.com/office/drawing/2010/main">
+        <mc:Choice Requires="a14">
+          <p:sp>
+            <p:nvSpPr>
+              <p:cNvPr id="2" name="コンテンツ プレースホルダー 1">
+                <a:extLst>
+                  <a:ext uri="{FF2B5EF4-FFF2-40B4-BE49-F238E27FC236}">
+                    <a16:creationId xmlns:a16="http://schemas.microsoft.com/office/drawing/2014/main" id="{E485DBA1-56BF-CE4B-8BA4-1720881EA9D0}"/>
+                  </a:ext>
+                </a:extLst>
+              </p:cNvPr>
+              <p:cNvSpPr>
+                <a:spLocks noGrp="1"/>
+              </p:cNvSpPr>
+              <p:nvPr>
+                <p:ph idx="1"/>
+              </p:nvPr>
+            </p:nvSpPr>
+            <p:spPr/>
+            <p:txBody>
+              <a:bodyPr/>
+              <a:lstStyle/>
+              <a:p>
+                <a:r>
+                  <a:rPr kumimoji="1" lang="en-US" altLang="ja-JP" dirty="0"/>
+                  <a:t>1: Comparison </a:t>
+                </a:r>
+                <a:r>
+                  <a:rPr lang="en-US" altLang="ja-JP" dirty="0"/>
+                  <a:t>of evaluation function</a:t>
+                </a:r>
+              </a:p>
+              <a:p>
+                <a:pPr lvl="1"/>
+                <a:r>
+                  <a:rPr lang="en-US" altLang="ja-JP" dirty="0"/>
+                  <a:t>Policies</a:t>
+                </a:r>
+              </a:p>
+              <a:p>
+                <a:pPr lvl="1"/>
+                <a:endParaRPr kumimoji="1" lang="en-US" altLang="ja-JP" dirty="0"/>
+              </a:p>
+              <a:p>
+                <a:pPr lvl="1"/>
+                <a:endParaRPr lang="en-US" altLang="ja-JP" dirty="0"/>
+              </a:p>
+              <a:p>
+                <a:pPr lvl="1"/>
+                <a:endParaRPr kumimoji="1" lang="en-US" altLang="ja-JP" dirty="0"/>
+              </a:p>
+              <a:p>
+                <a:pPr lvl="1"/>
+                <a:r>
+                  <a:rPr lang="en-US" altLang="ja-JP" dirty="0"/>
+                  <a:t>Evaluation criteria: </a:t>
+                </a:r>
+                <a14:m>
+                  <m:oMath xmlns:m="http://schemas.openxmlformats.org/officeDocument/2006/math">
+                    <m:r>
+                      <a:rPr lang="en-US" altLang="ja-JP" b="0" i="1" smtClean="0">
+                        <a:latin typeface="Cambria Math" panose="02040503050406030204" pitchFamily="18" charset="0"/>
+                      </a:rPr>
+                      <m:t>𝐽</m:t>
+                    </m:r>
+                    <m:d>
+                      <m:dPr>
+                        <m:ctrlPr>
+                          <a:rPr lang="en-US" altLang="ja-JP" b="0" i="1" smtClean="0">
+                            <a:latin typeface="Cambria Math" panose="02040503050406030204" pitchFamily="18" charset="0"/>
+                          </a:rPr>
+                        </m:ctrlPr>
+                      </m:dPr>
+                      <m:e>
+                        <m:r>
+                          <a:rPr lang="en-US" altLang="ja-JP" b="0" i="1" smtClean="0">
+                            <a:latin typeface="Cambria Math" panose="02040503050406030204" pitchFamily="18" charset="0"/>
+                            <a:ea typeface="Cambria Math" panose="02040503050406030204" pitchFamily="18" charset="0"/>
+                          </a:rPr>
+                          <m:t>𝜋</m:t>
+                        </m:r>
+                      </m:e>
+                    </m:d>
+                    <m:r>
+                      <a:rPr lang="en-US" altLang="ja-JP" b="0" i="1" smtClean="0">
+                        <a:latin typeface="Cambria Math" panose="02040503050406030204" pitchFamily="18" charset="0"/>
+                      </a:rPr>
+                      <m:t>=</m:t>
+                    </m:r>
+                    <m:sSub>
+                      <m:sSubPr>
+                        <m:ctrlPr>
+                          <a:rPr lang="en-US" altLang="ja-JP" b="0" i="1" smtClean="0">
+                            <a:latin typeface="Cambria Math" panose="02040503050406030204" pitchFamily="18" charset="0"/>
+                            <a:ea typeface="Cambria Math" panose="02040503050406030204" pitchFamily="18" charset="0"/>
+                          </a:rPr>
+                        </m:ctrlPr>
+                      </m:sSubPr>
+                      <m:e>
+                        <m:r>
+                          <a:rPr lang="en-US" altLang="ja-JP" i="1">
+                            <a:latin typeface="Cambria Math" panose="02040503050406030204" pitchFamily="18" charset="0"/>
+                            <a:ea typeface="Cambria Math" panose="02040503050406030204" pitchFamily="18" charset="0"/>
+                          </a:rPr>
+                          <m:t>𝔼</m:t>
+                        </m:r>
+                      </m:e>
+                      <m:sub>
+                        <m:sSub>
+                          <m:sSubPr>
+                            <m:ctrlPr>
+                              <a:rPr lang="en-US" altLang="ja-JP" b="0" i="1" smtClean="0">
+                                <a:latin typeface="Cambria Math" panose="02040503050406030204" pitchFamily="18" charset="0"/>
+                                <a:ea typeface="Cambria Math" panose="02040503050406030204" pitchFamily="18" charset="0"/>
+                              </a:rPr>
+                            </m:ctrlPr>
+                          </m:sSubPr>
+                          <m:e>
+                            <m:r>
+                              <a:rPr lang="en-US" altLang="ja-JP" b="0" i="1" smtClean="0">
+                                <a:latin typeface="Cambria Math" panose="02040503050406030204" pitchFamily="18" charset="0"/>
+                                <a:ea typeface="Cambria Math" panose="02040503050406030204" pitchFamily="18" charset="0"/>
+                              </a:rPr>
+                              <m:t>𝑠</m:t>
+                            </m:r>
+                          </m:e>
+                          <m:sub>
+                            <m:r>
+                              <a:rPr lang="en-US" altLang="ja-JP" b="0" i="1" smtClean="0">
+                                <a:latin typeface="Cambria Math" panose="02040503050406030204" pitchFamily="18" charset="0"/>
+                                <a:ea typeface="Cambria Math" panose="02040503050406030204" pitchFamily="18" charset="0"/>
+                              </a:rPr>
+                              <m:t>0</m:t>
+                            </m:r>
+                          </m:sub>
+                        </m:sSub>
+                      </m:sub>
+                    </m:sSub>
+                    <m:r>
+                      <a:rPr lang="en-US" altLang="ja-JP" b="0" i="1" smtClean="0">
+                        <a:latin typeface="Cambria Math" panose="02040503050406030204" pitchFamily="18" charset="0"/>
+                        <a:ea typeface="Cambria Math" panose="02040503050406030204" pitchFamily="18" charset="0"/>
+                      </a:rPr>
+                      <m:t>[</m:t>
+                    </m:r>
+                    <m:nary>
+                      <m:naryPr>
+                        <m:chr m:val="∑"/>
+                        <m:ctrlPr>
+                          <a:rPr lang="en-US" altLang="ja-JP" b="0" i="1" smtClean="0">
+                            <a:latin typeface="Cambria Math" panose="02040503050406030204" pitchFamily="18" charset="0"/>
+                            <a:ea typeface="Cambria Math" panose="02040503050406030204" pitchFamily="18" charset="0"/>
+                          </a:rPr>
+                        </m:ctrlPr>
+                      </m:naryPr>
+                      <m:sub>
+                        <m:r>
+                          <m:rPr>
+                            <m:brk m:alnAt="23"/>
+                          </m:rPr>
+                          <a:rPr lang="en-US" altLang="ja-JP" b="0" i="1" smtClean="0">
+                            <a:latin typeface="Cambria Math" panose="02040503050406030204" pitchFamily="18" charset="0"/>
+                            <a:ea typeface="Cambria Math" panose="02040503050406030204" pitchFamily="18" charset="0"/>
+                          </a:rPr>
+                          <m:t>𝑖</m:t>
+                        </m:r>
+                        <m:r>
+                          <a:rPr lang="en-US" altLang="ja-JP" b="0" i="1" smtClean="0">
+                            <a:latin typeface="Cambria Math" panose="02040503050406030204" pitchFamily="18" charset="0"/>
+                            <a:ea typeface="Cambria Math" panose="02040503050406030204" pitchFamily="18" charset="0"/>
+                          </a:rPr>
+                          <m:t>=0</m:t>
+                        </m:r>
+                      </m:sub>
+                      <m:sup>
+                        <m:r>
+                          <a:rPr lang="en-US" altLang="ja-JP" b="0" i="1" smtClean="0">
+                            <a:latin typeface="Cambria Math" panose="02040503050406030204" pitchFamily="18" charset="0"/>
+                            <a:ea typeface="Cambria Math" panose="02040503050406030204" pitchFamily="18" charset="0"/>
+                          </a:rPr>
+                          <m:t>∞</m:t>
+                        </m:r>
+                      </m:sup>
+                      <m:e>
+                        <m:sSup>
+                          <m:sSupPr>
+                            <m:ctrlPr>
+                              <a:rPr lang="en-US" altLang="ja-JP" b="0" i="1" smtClean="0">
+                                <a:latin typeface="Cambria Math" panose="02040503050406030204" pitchFamily="18" charset="0"/>
+                                <a:ea typeface="Cambria Math" panose="02040503050406030204" pitchFamily="18" charset="0"/>
+                              </a:rPr>
+                            </m:ctrlPr>
+                          </m:sSupPr>
+                          <m:e>
+                            <m:r>
+                              <a:rPr lang="en-US" altLang="ja-JP" i="1">
+                                <a:latin typeface="Cambria Math" panose="02040503050406030204" pitchFamily="18" charset="0"/>
+                                <a:ea typeface="Cambria Math" panose="02040503050406030204" pitchFamily="18" charset="0"/>
+                              </a:rPr>
+                              <m:t>𝛾</m:t>
+                            </m:r>
+                          </m:e>
+                          <m:sup>
+                            <m:r>
+                              <a:rPr lang="en-US" altLang="ja-JP" b="0" i="1" smtClean="0">
+                                <a:latin typeface="Cambria Math" panose="02040503050406030204" pitchFamily="18" charset="0"/>
+                                <a:ea typeface="Cambria Math" panose="02040503050406030204" pitchFamily="18" charset="0"/>
+                              </a:rPr>
+                              <m:t>𝑖</m:t>
+                            </m:r>
+                            <m:r>
+                              <a:rPr lang="en-US" altLang="ja-JP" b="0" i="1" smtClean="0">
+                                <a:latin typeface="Cambria Math" panose="02040503050406030204" pitchFamily="18" charset="0"/>
+                                <a:ea typeface="Cambria Math" panose="02040503050406030204" pitchFamily="18" charset="0"/>
+                              </a:rPr>
+                              <m:t> </m:t>
+                            </m:r>
+                          </m:sup>
+                        </m:sSup>
+                        <m:r>
+                          <a:rPr lang="en-US" altLang="ja-JP" b="0" i="1" smtClean="0">
+                            <a:latin typeface="Cambria Math" panose="02040503050406030204" pitchFamily="18" charset="0"/>
+                            <a:ea typeface="Cambria Math" panose="02040503050406030204" pitchFamily="18" charset="0"/>
+                          </a:rPr>
+                          <m:t>𝑟</m:t>
+                        </m:r>
+                        <m:r>
+                          <a:rPr lang="en-US" altLang="ja-JP" b="0" i="1" smtClean="0">
+                            <a:latin typeface="Cambria Math" panose="02040503050406030204" pitchFamily="18" charset="0"/>
+                            <a:ea typeface="Cambria Math" panose="02040503050406030204" pitchFamily="18" charset="0"/>
+                          </a:rPr>
+                          <m:t>(</m:t>
+                        </m:r>
+                        <m:sSub>
+                          <m:sSubPr>
+                            <m:ctrlPr>
+                              <a:rPr lang="en-US" altLang="ja-JP" b="0" i="1" smtClean="0">
+                                <a:latin typeface="Cambria Math" panose="02040503050406030204" pitchFamily="18" charset="0"/>
+                                <a:ea typeface="Cambria Math" panose="02040503050406030204" pitchFamily="18" charset="0"/>
+                              </a:rPr>
+                            </m:ctrlPr>
+                          </m:sSubPr>
+                          <m:e>
+                            <m:r>
+                              <a:rPr lang="en-US" altLang="ja-JP" b="0" i="1" smtClean="0">
+                                <a:latin typeface="Cambria Math" panose="02040503050406030204" pitchFamily="18" charset="0"/>
+                                <a:ea typeface="Cambria Math" panose="02040503050406030204" pitchFamily="18" charset="0"/>
+                              </a:rPr>
+                              <m:t>𝑠</m:t>
+                            </m:r>
+                          </m:e>
+                          <m:sub>
+                            <m:r>
+                              <a:rPr lang="en-US" altLang="ja-JP" b="0" i="1" smtClean="0">
+                                <a:latin typeface="Cambria Math" panose="02040503050406030204" pitchFamily="18" charset="0"/>
+                                <a:ea typeface="Cambria Math" panose="02040503050406030204" pitchFamily="18" charset="0"/>
+                              </a:rPr>
+                              <m:t>𝑖</m:t>
+                            </m:r>
+                          </m:sub>
+                        </m:sSub>
+                        <m:r>
+                          <a:rPr lang="en-US" altLang="ja-JP" b="0" i="1" smtClean="0">
+                            <a:latin typeface="Cambria Math" panose="02040503050406030204" pitchFamily="18" charset="0"/>
+                            <a:ea typeface="Cambria Math" panose="02040503050406030204" pitchFamily="18" charset="0"/>
+                          </a:rPr>
+                          <m:t>,</m:t>
+                        </m:r>
+                        <m:r>
+                          <a:rPr lang="en-US" altLang="ja-JP" b="0" i="1" smtClean="0">
+                            <a:latin typeface="Cambria Math" panose="02040503050406030204" pitchFamily="18" charset="0"/>
+                            <a:ea typeface="Cambria Math" panose="02040503050406030204" pitchFamily="18" charset="0"/>
+                          </a:rPr>
+                          <m:t>𝜋</m:t>
+                        </m:r>
+                        <m:r>
+                          <a:rPr lang="en-US" altLang="ja-JP" b="0" i="1" smtClean="0">
+                            <a:latin typeface="Cambria Math" panose="02040503050406030204" pitchFamily="18" charset="0"/>
+                            <a:ea typeface="Cambria Math" panose="02040503050406030204" pitchFamily="18" charset="0"/>
+                          </a:rPr>
+                          <m:t>(</m:t>
+                        </m:r>
+                        <m:sSub>
+                          <m:sSubPr>
+                            <m:ctrlPr>
+                              <a:rPr lang="en-US" altLang="ja-JP" b="0" i="1" smtClean="0">
+                                <a:latin typeface="Cambria Math" panose="02040503050406030204" pitchFamily="18" charset="0"/>
+                                <a:ea typeface="Cambria Math" panose="02040503050406030204" pitchFamily="18" charset="0"/>
+                              </a:rPr>
+                            </m:ctrlPr>
+                          </m:sSubPr>
+                          <m:e>
+                            <m:r>
+                              <a:rPr lang="en-US" altLang="ja-JP" b="0" i="1" smtClean="0">
+                                <a:latin typeface="Cambria Math" panose="02040503050406030204" pitchFamily="18" charset="0"/>
+                                <a:ea typeface="Cambria Math" panose="02040503050406030204" pitchFamily="18" charset="0"/>
+                              </a:rPr>
+                              <m:t>𝑠</m:t>
+                            </m:r>
+                          </m:e>
+                          <m:sub>
+                            <m:r>
+                              <a:rPr lang="en-US" altLang="ja-JP" b="0" i="1" smtClean="0">
+                                <a:latin typeface="Cambria Math" panose="02040503050406030204" pitchFamily="18" charset="0"/>
+                                <a:ea typeface="Cambria Math" panose="02040503050406030204" pitchFamily="18" charset="0"/>
+                              </a:rPr>
+                              <m:t>𝑖</m:t>
+                            </m:r>
+                          </m:sub>
+                        </m:sSub>
+                        <m:r>
+                          <a:rPr lang="en-US" altLang="ja-JP" b="0" i="1" smtClean="0">
+                            <a:latin typeface="Cambria Math" panose="02040503050406030204" pitchFamily="18" charset="0"/>
+                            <a:ea typeface="Cambria Math" panose="02040503050406030204" pitchFamily="18" charset="0"/>
+                          </a:rPr>
+                          <m:t>))</m:t>
+                        </m:r>
+                      </m:e>
+                    </m:nary>
+                    <m:r>
+                      <a:rPr lang="en-US" altLang="ja-JP" b="0" i="1" smtClean="0">
+                        <a:latin typeface="Cambria Math" panose="02040503050406030204" pitchFamily="18" charset="0"/>
+                        <a:ea typeface="Cambria Math" panose="02040503050406030204" pitchFamily="18" charset="0"/>
+                      </a:rPr>
+                      <m:t>]</m:t>
+                    </m:r>
+                  </m:oMath>
+                </a14:m>
+                <a:endParaRPr kumimoji="1" lang="en-US" altLang="ja-JP" dirty="0"/>
+              </a:p>
+              <a:p>
+                <a:pPr lvl="1"/>
+                <a:endParaRPr lang="en-US" altLang="ja-JP" dirty="0"/>
+              </a:p>
+              <a:p>
+                <a:pPr lvl="1"/>
+                <a:r>
+                  <a:rPr kumimoji="1" lang="en-US" altLang="ja-JP" dirty="0"/>
+                  <a:t>Result</a:t>
+                </a:r>
+              </a:p>
+              <a:p>
+                <a:pPr lvl="4"/>
+                <a:endParaRPr kumimoji="1" lang="en-US" altLang="ja-JP" dirty="0"/>
+              </a:p>
+              <a:p>
+                <a:pPr marL="914400" lvl="2" indent="0">
+                  <a:buNone/>
+                </a:pPr>
+                <a:r>
+                  <a:rPr lang="en-US" altLang="ja-JP" dirty="0"/>
+                  <a:t> </a:t>
+                </a:r>
+                <a14:m>
+                  <m:oMath xmlns:m="http://schemas.openxmlformats.org/officeDocument/2006/math">
+                    <m:r>
+                      <a:rPr lang="en-US" altLang="ja-JP" i="1">
+                        <a:latin typeface="Cambria Math" panose="02040503050406030204" pitchFamily="18" charset="0"/>
+                      </a:rPr>
+                      <m:t>𝐽</m:t>
+                    </m:r>
+                    <m:d>
+                      <m:dPr>
+                        <m:ctrlPr>
+                          <a:rPr lang="en-US" altLang="ja-JP" i="1">
+                            <a:latin typeface="Cambria Math" panose="02040503050406030204" pitchFamily="18" charset="0"/>
+                          </a:rPr>
+                        </m:ctrlPr>
+                      </m:dPr>
+                      <m:e>
+                        <m:sSub>
+                          <m:sSubPr>
+                            <m:ctrlPr>
+                              <a:rPr lang="en-US" altLang="ja-JP" i="1">
+                                <a:latin typeface="Cambria Math" panose="02040503050406030204" pitchFamily="18" charset="0"/>
+                              </a:rPr>
+                            </m:ctrlPr>
+                          </m:sSubPr>
+                          <m:e>
+                            <m:r>
+                              <a:rPr lang="ja-JP" altLang="en-US" i="1">
+                                <a:latin typeface="Cambria Math" panose="02040503050406030204" pitchFamily="18" charset="0"/>
+                              </a:rPr>
+                              <m:t>𝜋</m:t>
+                            </m:r>
+                          </m:e>
+                          <m:sub>
+                            <m:r>
+                              <a:rPr lang="en-US" altLang="ja-JP" i="1">
+                                <a:latin typeface="Cambria Math" panose="02040503050406030204" pitchFamily="18" charset="0"/>
+                              </a:rPr>
+                              <m:t>𝑖𝑛𝑖𝑡</m:t>
+                            </m:r>
+                          </m:sub>
+                        </m:sSub>
+                      </m:e>
+                    </m:d>
+                    <m:r>
+                      <a:rPr lang="en-US" altLang="ja-JP" b="0" i="1" smtClean="0">
+                        <a:latin typeface="Cambria Math" panose="02040503050406030204" pitchFamily="18" charset="0"/>
+                        <a:ea typeface="Cambria Math" panose="02040503050406030204" pitchFamily="18" charset="0"/>
+                      </a:rPr>
+                      <m:t>=</m:t>
+                    </m:r>
+                    <m:r>
+                      <a:rPr lang="en-US" altLang="ja-JP" b="0" i="0" smtClean="0">
+                        <a:latin typeface="Cambria Math" panose="02040503050406030204" pitchFamily="18" charset="0"/>
+                        <a:ea typeface="Cambria Math" panose="02040503050406030204" pitchFamily="18" charset="0"/>
+                      </a:rPr>
+                      <m:t>−14.769</m:t>
+                    </m:r>
+                    <m:r>
+                      <a:rPr lang="en-US" altLang="ja-JP" b="0" i="0" smtClean="0">
+                        <a:solidFill>
+                          <a:srgbClr val="FF0000"/>
+                        </a:solidFill>
+                        <a:latin typeface="Cambria Math" panose="02040503050406030204" pitchFamily="18" charset="0"/>
+                        <a:ea typeface="Cambria Math" panose="02040503050406030204" pitchFamily="18" charset="0"/>
+                      </a:rPr>
+                      <m:t>&lt;</m:t>
+                    </m:r>
+                    <m:r>
+                      <a:rPr lang="en-US" altLang="ja-JP" b="0" i="1" smtClean="0">
+                        <a:latin typeface="Cambria Math" panose="02040503050406030204" pitchFamily="18" charset="0"/>
+                        <a:ea typeface="Cambria Math" panose="02040503050406030204" pitchFamily="18" charset="0"/>
+                      </a:rPr>
+                      <m:t> </m:t>
+                    </m:r>
+                    <m:r>
+                      <a:rPr lang="en-US" altLang="ja-JP" i="1">
+                        <a:latin typeface="Cambria Math" panose="02040503050406030204" pitchFamily="18" charset="0"/>
+                      </a:rPr>
+                      <m:t>𝐽</m:t>
+                    </m:r>
+                    <m:d>
+                      <m:dPr>
+                        <m:ctrlPr>
+                          <a:rPr lang="en-US" altLang="ja-JP" i="1">
+                            <a:latin typeface="Cambria Math" panose="02040503050406030204" pitchFamily="18" charset="0"/>
+                          </a:rPr>
+                        </m:ctrlPr>
+                      </m:dPr>
+                      <m:e>
+                        <m:sSub>
+                          <m:sSubPr>
+                            <m:ctrlPr>
+                              <a:rPr lang="en-US" altLang="ja-JP" i="1">
+                                <a:latin typeface="Cambria Math" panose="02040503050406030204" pitchFamily="18" charset="0"/>
+                              </a:rPr>
+                            </m:ctrlPr>
+                          </m:sSubPr>
+                          <m:e>
+                            <m:r>
+                              <a:rPr lang="ja-JP" altLang="en-US" i="1">
+                                <a:latin typeface="Cambria Math" panose="02040503050406030204" pitchFamily="18" charset="0"/>
+                              </a:rPr>
+                              <m:t>𝜋</m:t>
+                            </m:r>
+                          </m:e>
+                          <m:sub>
+                            <m:r>
+                              <a:rPr lang="en-US" altLang="ja-JP" b="0" i="1" smtClean="0">
+                                <a:latin typeface="Cambria Math" panose="02040503050406030204" pitchFamily="18" charset="0"/>
+                              </a:rPr>
+                              <m:t>𝑅𝐿</m:t>
+                            </m:r>
+                          </m:sub>
+                        </m:sSub>
+                      </m:e>
+                    </m:d>
+                    <m:r>
+                      <a:rPr lang="en-US" altLang="ja-JP" i="1">
+                        <a:latin typeface="Cambria Math" panose="02040503050406030204" pitchFamily="18" charset="0"/>
+                        <a:ea typeface="Cambria Math" panose="02040503050406030204" pitchFamily="18" charset="0"/>
+                      </a:rPr>
+                      <m:t>=</m:t>
+                    </m:r>
+                    <m:r>
+                      <a:rPr lang="en-US" altLang="ja-JP">
+                        <a:latin typeface="Cambria Math" panose="02040503050406030204" pitchFamily="18" charset="0"/>
+                        <a:ea typeface="Cambria Math" panose="02040503050406030204" pitchFamily="18" charset="0"/>
+                      </a:rPr>
+                      <m:t>45.092</m:t>
+                    </m:r>
+                  </m:oMath>
+                </a14:m>
+                <a:endParaRPr lang="en-US" altLang="ja-JP" dirty="0"/>
+              </a:p>
+              <a:p>
+                <a:pPr marL="914400" lvl="2" indent="0">
+                  <a:buNone/>
+                </a:pPr>
+                <a:endParaRPr kumimoji="1" lang="en-US" altLang="ja-JP" dirty="0"/>
+              </a:p>
+            </p:txBody>
+          </p:sp>
+        </mc:Choice>
+        <mc:Fallback xmlns="">
+          <p:sp>
+            <p:nvSpPr>
+              <p:cNvPr id="2" name="コンテンツ プレースホルダー 1">
+                <a:extLst>
+                  <a:ext uri="{FF2B5EF4-FFF2-40B4-BE49-F238E27FC236}">
+                    <a16:creationId xmlns:a16="http://schemas.microsoft.com/office/drawing/2014/main" id="{E485DBA1-56BF-CE4B-8BA4-1720881EA9D0}"/>
+                  </a:ext>
+                </a:extLst>
+              </p:cNvPr>
+              <p:cNvSpPr>
+                <a:spLocks noGrp="1" noRot="1" noChangeAspect="1" noMove="1" noResize="1" noEditPoints="1" noAdjustHandles="1" noChangeArrowheads="1" noChangeShapeType="1" noTextEdit="1"/>
+              </p:cNvSpPr>
+              <p:nvPr>
+                <p:ph idx="1"/>
+              </p:nvPr>
+            </p:nvSpPr>
+            <p:spPr>
+              <a:blipFill>
+                <a:blip r:embed="rId2"/>
+                <a:stretch>
+                  <a:fillRect l="-598" t="-1266"/>
+                </a:stretch>
+              </a:blipFill>
+            </p:spPr>
+            <p:txBody>
+              <a:bodyPr/>
+              <a:lstStyle/>
+              <a:p>
+                <a:r>
+                  <a:rPr lang="ja-JP" altLang="en-US">
+                    <a:noFill/>
+                  </a:rPr>
+                  <a:t> </a:t>
+                </a:r>
+              </a:p>
+            </p:txBody>
+          </p:sp>
+        </mc:Fallback>
+      </mc:AlternateContent>
+      <p:sp>
+        <p:nvSpPr>
+          <p:cNvPr id="3" name="日付プレースホルダー 2">
+            <a:extLst>
+              <a:ext uri="{FF2B5EF4-FFF2-40B4-BE49-F238E27FC236}">
+                <a16:creationId xmlns:a16="http://schemas.microsoft.com/office/drawing/2014/main" id="{A83F4443-406E-E54F-82D3-7C22791C420C}"/>
+              </a:ext>
+            </a:extLst>
+          </p:cNvPr>
+          <p:cNvSpPr>
+            <a:spLocks noGrp="1"/>
+          </p:cNvSpPr>
+          <p:nvPr>
+            <p:ph type="dt" sz="half" idx="10"/>
+          </p:nvPr>
+        </p:nvSpPr>
+        <p:spPr/>
+        <p:txBody>
+          <a:bodyPr/>
+          <a:lstStyle/>
+          <a:p>
+            <a:fld id="{90235FA2-C49A-5C4F-85BF-B1D7D24C5B31}" type="datetime1">
+              <a:rPr kumimoji="1" lang="ja-JP" altLang="en-US" smtClean="0"/>
+              <a:t>2020/11/24</a:t>
+            </a:fld>
+            <a:endParaRPr kumimoji="1" lang="ja-JP" altLang="en-US"/>
+          </a:p>
+        </p:txBody>
+      </p:sp>
+      <p:sp>
+        <p:nvSpPr>
+          <p:cNvPr id="4" name="フッター プレースホルダー 3">
+            <a:extLst>
+              <a:ext uri="{FF2B5EF4-FFF2-40B4-BE49-F238E27FC236}">
+                <a16:creationId xmlns:a16="http://schemas.microsoft.com/office/drawing/2014/main" id="{7B87BA09-9841-6346-9559-212838053E8A}"/>
+              </a:ext>
+            </a:extLst>
+          </p:cNvPr>
+          <p:cNvSpPr>
+            <a:spLocks noGrp="1"/>
+          </p:cNvSpPr>
+          <p:nvPr>
+            <p:ph type="ftr" sz="quarter" idx="11"/>
+          </p:nvPr>
+        </p:nvSpPr>
+        <p:spPr/>
+        <p:txBody>
+          <a:bodyPr/>
+          <a:lstStyle/>
+          <a:p>
+            <a:r>
+              <a:rPr kumimoji="1" lang="en-US" altLang="ja-JP"/>
+              <a:t>Control System Theory Group</a:t>
+            </a:r>
+            <a:endParaRPr kumimoji="1" lang="ja-JP" altLang="en-US"/>
+          </a:p>
+        </p:txBody>
+      </p:sp>
+      <p:sp>
+        <p:nvSpPr>
+          <p:cNvPr id="5" name="タイトル 4">
+            <a:extLst>
+              <a:ext uri="{FF2B5EF4-FFF2-40B4-BE49-F238E27FC236}">
+                <a16:creationId xmlns:a16="http://schemas.microsoft.com/office/drawing/2014/main" id="{C3DEE809-E30D-6F4D-A06A-A4861C643349}"/>
+              </a:ext>
+            </a:extLst>
+          </p:cNvPr>
+          <p:cNvSpPr>
+            <a:spLocks noGrp="1"/>
+          </p:cNvSpPr>
+          <p:nvPr>
+            <p:ph type="title"/>
+          </p:nvPr>
+        </p:nvSpPr>
+        <p:spPr/>
+        <p:txBody>
+          <a:bodyPr/>
+          <a:lstStyle/>
+          <a:p>
+            <a:r>
+              <a:rPr kumimoji="1" lang="en-US" altLang="ja-JP" dirty="0"/>
+              <a:t>Weekly Report</a:t>
+            </a:r>
+            <a:endParaRPr kumimoji="1" lang="ja-JP" altLang="en-US"/>
+          </a:p>
+        </p:txBody>
+      </p:sp>
+      <mc:AlternateContent xmlns:mc="http://schemas.openxmlformats.org/markup-compatibility/2006" xmlns:a14="http://schemas.microsoft.com/office/drawing/2010/main">
+        <mc:Choice Requires="a14">
+          <p:sp>
+            <p:nvSpPr>
+              <p:cNvPr id="6" name="テキスト ボックス 5">
+                <a:extLst>
+                  <a:ext uri="{FF2B5EF4-FFF2-40B4-BE49-F238E27FC236}">
+                    <a16:creationId xmlns:a16="http://schemas.microsoft.com/office/drawing/2014/main" id="{5CA8D0E0-FFCC-1648-B1E7-3AD1378DA30E}"/>
+                  </a:ext>
+                </a:extLst>
+              </p:cNvPr>
+              <p:cNvSpPr txBox="1"/>
+              <p:nvPr/>
+            </p:nvSpPr>
+            <p:spPr>
+              <a:xfrm>
+                <a:off x="1595398" y="2038331"/>
+                <a:ext cx="2181303" cy="571054"/>
+              </a:xfrm>
+              <a:prstGeom prst="rect">
+                <a:avLst/>
+              </a:prstGeom>
+              <a:noFill/>
+            </p:spPr>
+            <p:txBody>
+              <a:bodyPr wrap="none" rtlCol="0">
+                <a:spAutoFit/>
+              </a:bodyPr>
+              <a:lstStyle/>
+              <a:p>
+                <a:pPr/>
+                <a14:m>
+                  <m:oMathPara xmlns:m="http://schemas.openxmlformats.org/officeDocument/2006/math">
+                    <m:oMathParaPr>
+                      <m:jc m:val="centerGroup"/>
+                    </m:oMathParaPr>
+                    <m:oMath xmlns:m="http://schemas.openxmlformats.org/officeDocument/2006/math">
+                      <m:sSub>
+                        <m:sSubPr>
+                          <m:ctrlPr>
+                            <a:rPr kumimoji="1" lang="en-US" altLang="ja-JP" i="1" smtClean="0">
+                              <a:latin typeface="Cambria Math" panose="02040503050406030204" pitchFamily="18" charset="0"/>
+                            </a:rPr>
+                          </m:ctrlPr>
+                        </m:sSubPr>
+                        <m:e>
+                          <m:r>
+                            <a:rPr kumimoji="1" lang="ja-JP" altLang="en-US" i="1">
+                              <a:latin typeface="Cambria Math" panose="02040503050406030204" pitchFamily="18" charset="0"/>
+                            </a:rPr>
+                            <m:t>𝜋</m:t>
+                          </m:r>
+                        </m:e>
+                        <m:sub>
+                          <m:r>
+                            <a:rPr kumimoji="1" lang="en-US" altLang="ja-JP" b="0" i="1" smtClean="0">
+                              <a:latin typeface="Cambria Math" panose="02040503050406030204" pitchFamily="18" charset="0"/>
+                            </a:rPr>
+                            <m:t>𝑖𝑛𝑖𝑡</m:t>
+                          </m:r>
+                        </m:sub>
+                      </m:sSub>
+                      <m:d>
+                        <m:dPr>
+                          <m:ctrlPr>
+                            <a:rPr kumimoji="1" lang="en-US" altLang="ja-JP" b="0" i="1" smtClean="0">
+                              <a:latin typeface="Cambria Math" panose="02040503050406030204" pitchFamily="18" charset="0"/>
+                            </a:rPr>
+                          </m:ctrlPr>
+                        </m:dPr>
+                        <m:e>
+                          <m:r>
+                            <a:rPr kumimoji="1" lang="en-US" altLang="ja-JP" b="0" i="1" smtClean="0">
+                              <a:latin typeface="Cambria Math" panose="02040503050406030204" pitchFamily="18" charset="0"/>
+                            </a:rPr>
+                            <m:t>𝑠</m:t>
+                          </m:r>
+                        </m:e>
+                      </m:d>
+                      <m:r>
+                        <a:rPr kumimoji="1" lang="en-US" altLang="ja-JP" b="0" i="1" smtClean="0">
+                          <a:latin typeface="Cambria Math" panose="02040503050406030204" pitchFamily="18" charset="0"/>
+                        </a:rPr>
+                        <m:t>=</m:t>
+                      </m:r>
+                      <m:d>
+                        <m:dPr>
+                          <m:begChr m:val="["/>
+                          <m:endChr m:val="]"/>
+                          <m:ctrlPr>
+                            <a:rPr kumimoji="1" lang="en-US" altLang="ja-JP" b="0" i="1" smtClean="0">
+                              <a:latin typeface="Cambria Math" panose="02040503050406030204" pitchFamily="18" charset="0"/>
+                            </a:rPr>
+                          </m:ctrlPr>
+                        </m:dPr>
+                        <m:e>
+                          <m:r>
+                            <a:rPr kumimoji="1" lang="en-US" altLang="ja-JP" b="0" i="1" smtClean="0">
+                              <a:latin typeface="Cambria Math" panose="02040503050406030204" pitchFamily="18" charset="0"/>
+                            </a:rPr>
+                            <m:t> </m:t>
+                          </m:r>
+                          <m:m>
+                            <m:mPr>
+                              <m:mcs>
+                                <m:mc>
+                                  <m:mcPr>
+                                    <m:count m:val="1"/>
+                                    <m:mcJc m:val="center"/>
+                                  </m:mcPr>
+                                </m:mc>
+                              </m:mcs>
+                              <m:ctrlPr>
+                                <a:rPr kumimoji="1" lang="en-US" altLang="ja-JP" b="0" i="1" smtClean="0">
+                                  <a:latin typeface="Cambria Math" panose="02040503050406030204" pitchFamily="18" charset="0"/>
+                                </a:rPr>
+                              </m:ctrlPr>
+                            </m:mPr>
+                            <m:mr>
+                              <m:e>
+                                <m:r>
+                                  <m:rPr>
+                                    <m:brk m:alnAt="7"/>
+                                  </m:rPr>
+                                  <a:rPr kumimoji="1" lang="en-US" altLang="ja-JP" b="0" i="1" smtClean="0">
+                                    <a:latin typeface="Cambria Math" panose="02040503050406030204" pitchFamily="18" charset="0"/>
+                                  </a:rPr>
+                                  <m:t>𝑙</m:t>
+                                </m:r>
+                                <m:r>
+                                  <a:rPr kumimoji="1" lang="en-US" altLang="ja-JP" b="0" i="1" smtClean="0">
+                                    <a:latin typeface="Cambria Math" panose="02040503050406030204" pitchFamily="18" charset="0"/>
+                                  </a:rPr>
+                                  <m:t>𝑞𝑟</m:t>
+                                </m:r>
+                                <m:r>
+                                  <a:rPr kumimoji="1" lang="en-US" altLang="ja-JP" b="0" i="1" smtClean="0">
+                                    <a:latin typeface="Cambria Math" panose="02040503050406030204" pitchFamily="18" charset="0"/>
+                                  </a:rPr>
+                                  <m:t>(</m:t>
+                                </m:r>
+                                <m:r>
+                                  <a:rPr kumimoji="1" lang="en-US" altLang="ja-JP" b="0" i="1" smtClean="0">
+                                    <a:latin typeface="Cambria Math" panose="02040503050406030204" pitchFamily="18" charset="0"/>
+                                  </a:rPr>
+                                  <m:t>𝑠</m:t>
+                                </m:r>
+                                <m:r>
+                                  <a:rPr kumimoji="1" lang="en-US" altLang="ja-JP" b="0" i="1" smtClean="0">
+                                    <a:latin typeface="Cambria Math" panose="02040503050406030204" pitchFamily="18" charset="0"/>
+                                  </a:rPr>
+                                  <m:t>)</m:t>
+                                </m:r>
+                              </m:e>
+                            </m:mr>
+                            <m:mr>
+                              <m:e>
+                                <m:r>
+                                  <a:rPr kumimoji="1" lang="en-US" altLang="ja-JP" b="0" i="1" smtClean="0">
+                                    <a:latin typeface="Cambria Math" panose="02040503050406030204" pitchFamily="18" charset="0"/>
+                                  </a:rPr>
+                                  <m:t>0.2</m:t>
+                                </m:r>
+                              </m:e>
+                            </m:mr>
+                          </m:m>
+                          <m:r>
+                            <a:rPr kumimoji="1" lang="en-US" altLang="ja-JP" b="0" i="1" smtClean="0">
+                              <a:latin typeface="Cambria Math" panose="02040503050406030204" pitchFamily="18" charset="0"/>
+                            </a:rPr>
+                            <m:t> </m:t>
+                          </m:r>
+                        </m:e>
+                      </m:d>
+                    </m:oMath>
+                  </m:oMathPara>
+                </a14:m>
+                <a:endParaRPr kumimoji="1" lang="ja-JP" altLang="en-US"/>
+              </a:p>
+            </p:txBody>
+          </p:sp>
+        </mc:Choice>
+        <mc:Fallback xmlns="">
+          <p:sp>
+            <p:nvSpPr>
+              <p:cNvPr id="6" name="テキスト ボックス 5">
+                <a:extLst>
+                  <a:ext uri="{FF2B5EF4-FFF2-40B4-BE49-F238E27FC236}">
+                    <a16:creationId xmlns:a16="http://schemas.microsoft.com/office/drawing/2014/main" id="{5CA8D0E0-FFCC-1648-B1E7-3AD1378DA30E}"/>
+                  </a:ext>
+                </a:extLst>
+              </p:cNvPr>
+              <p:cNvSpPr txBox="1">
+                <a:spLocks noRot="1" noChangeAspect="1" noMove="1" noResize="1" noEditPoints="1" noAdjustHandles="1" noChangeArrowheads="1" noChangeShapeType="1" noTextEdit="1"/>
+              </p:cNvSpPr>
+              <p:nvPr/>
+            </p:nvSpPr>
+            <p:spPr>
+              <a:xfrm>
+                <a:off x="1595398" y="2038331"/>
+                <a:ext cx="2181303" cy="571054"/>
+              </a:xfrm>
+              <a:prstGeom prst="rect">
+                <a:avLst/>
+              </a:prstGeom>
+              <a:blipFill>
+                <a:blip r:embed="rId3"/>
+                <a:stretch>
+                  <a:fillRect b="-4348"/>
+                </a:stretch>
+              </a:blipFill>
+            </p:spPr>
+            <p:txBody>
+              <a:bodyPr/>
+              <a:lstStyle/>
+              <a:p>
+                <a:r>
+                  <a:rPr lang="ja-JP" altLang="en-US">
+                    <a:noFill/>
+                  </a:rPr>
+                  <a:t> </a:t>
+                </a:r>
+              </a:p>
+            </p:txBody>
+          </p:sp>
+        </mc:Fallback>
+      </mc:AlternateContent>
+      <mc:AlternateContent xmlns:mc="http://schemas.openxmlformats.org/markup-compatibility/2006" xmlns:a14="http://schemas.microsoft.com/office/drawing/2010/main">
+        <mc:Choice Requires="a14">
+          <p:sp>
+            <p:nvSpPr>
+              <p:cNvPr id="7" name="テキスト ボックス 6">
+                <a:extLst>
+                  <a:ext uri="{FF2B5EF4-FFF2-40B4-BE49-F238E27FC236}">
+                    <a16:creationId xmlns:a16="http://schemas.microsoft.com/office/drawing/2014/main" id="{629AF8E2-E258-FC46-BB65-4A3560E880BF}"/>
+                  </a:ext>
+                </a:extLst>
+              </p:cNvPr>
+              <p:cNvSpPr txBox="1"/>
+              <p:nvPr/>
+            </p:nvSpPr>
+            <p:spPr>
+              <a:xfrm>
+                <a:off x="4791075" y="2139192"/>
+                <a:ext cx="2353914" cy="369332"/>
+              </a:xfrm>
+              <a:prstGeom prst="rect">
+                <a:avLst/>
+              </a:prstGeom>
+              <a:noFill/>
+            </p:spPr>
+            <p:txBody>
+              <a:bodyPr wrap="none" rtlCol="0">
+                <a:spAutoFit/>
+              </a:bodyPr>
+              <a:lstStyle/>
+              <a:p>
+                <a14:m>
+                  <m:oMath xmlns:m="http://schemas.openxmlformats.org/officeDocument/2006/math">
+                    <m:sSub>
+                      <m:sSubPr>
+                        <m:ctrlPr>
+                          <a:rPr kumimoji="1" lang="en-US" altLang="ja-JP" i="1" smtClean="0">
+                            <a:latin typeface="Cambria Math" panose="02040503050406030204" pitchFamily="18" charset="0"/>
+                          </a:rPr>
+                        </m:ctrlPr>
+                      </m:sSubPr>
+                      <m:e>
+                        <m:r>
+                          <a:rPr kumimoji="1" lang="ja-JP" altLang="en-US" i="1">
+                            <a:latin typeface="Cambria Math" panose="02040503050406030204" pitchFamily="18" charset="0"/>
+                          </a:rPr>
+                          <m:t>𝜋</m:t>
+                        </m:r>
+                      </m:e>
+                      <m:sub>
+                        <m:r>
+                          <a:rPr kumimoji="1" lang="en-US" altLang="ja-JP" b="0" i="1" smtClean="0">
+                            <a:latin typeface="Cambria Math" panose="02040503050406030204" pitchFamily="18" charset="0"/>
+                          </a:rPr>
+                          <m:t>𝑅𝐿</m:t>
+                        </m:r>
+                      </m:sub>
+                    </m:sSub>
+                    <m:d>
+                      <m:dPr>
+                        <m:ctrlPr>
+                          <a:rPr kumimoji="1" lang="en-US" altLang="ja-JP" b="0" i="1" smtClean="0">
+                            <a:latin typeface="Cambria Math" panose="02040503050406030204" pitchFamily="18" charset="0"/>
+                          </a:rPr>
+                        </m:ctrlPr>
+                      </m:dPr>
+                      <m:e>
+                        <m:r>
+                          <a:rPr kumimoji="1" lang="en-US" altLang="ja-JP" b="0" i="1" smtClean="0">
+                            <a:latin typeface="Cambria Math" panose="02040503050406030204" pitchFamily="18" charset="0"/>
+                          </a:rPr>
+                          <m:t>𝑠</m:t>
+                        </m:r>
+                      </m:e>
+                    </m:d>
+                  </m:oMath>
+                </a14:m>
+                <a:r>
+                  <a:rPr kumimoji="1" lang="en-US" altLang="ja-JP" dirty="0"/>
+                  <a:t>: </a:t>
+                </a:r>
+                <a:r>
+                  <a:rPr kumimoji="1" lang="en-US" altLang="ja-JP" dirty="0">
+                    <a:latin typeface="Cambria" panose="02040503050406030204" pitchFamily="18" charset="0"/>
+                  </a:rPr>
+                  <a:t>learned policy</a:t>
+                </a:r>
+                <a:endParaRPr kumimoji="1" lang="ja-JP" altLang="en-US">
+                  <a:latin typeface="Cambria" panose="02040503050406030204" pitchFamily="18" charset="0"/>
+                </a:endParaRPr>
+              </a:p>
+            </p:txBody>
+          </p:sp>
+        </mc:Choice>
+        <mc:Fallback xmlns="">
+          <p:sp>
+            <p:nvSpPr>
+              <p:cNvPr id="7" name="テキスト ボックス 6">
+                <a:extLst>
+                  <a:ext uri="{FF2B5EF4-FFF2-40B4-BE49-F238E27FC236}">
+                    <a16:creationId xmlns:a16="http://schemas.microsoft.com/office/drawing/2014/main" id="{629AF8E2-E258-FC46-BB65-4A3560E880BF}"/>
+                  </a:ext>
+                </a:extLst>
+              </p:cNvPr>
+              <p:cNvSpPr txBox="1">
+                <a:spLocks noRot="1" noChangeAspect="1" noMove="1" noResize="1" noEditPoints="1" noAdjustHandles="1" noChangeArrowheads="1" noChangeShapeType="1" noTextEdit="1"/>
+              </p:cNvSpPr>
+              <p:nvPr/>
+            </p:nvSpPr>
+            <p:spPr>
+              <a:xfrm>
+                <a:off x="4791075" y="2139192"/>
+                <a:ext cx="2353914" cy="369332"/>
+              </a:xfrm>
+              <a:prstGeom prst="rect">
+                <a:avLst/>
+              </a:prstGeom>
+              <a:blipFill>
+                <a:blip r:embed="rId4"/>
+                <a:stretch>
+                  <a:fillRect t="-10000" r="-535" b="-23333"/>
+                </a:stretch>
+              </a:blipFill>
+            </p:spPr>
+            <p:txBody>
+              <a:bodyPr/>
+              <a:lstStyle/>
+              <a:p>
+                <a:r>
+                  <a:rPr lang="ja-JP" altLang="en-US">
+                    <a:noFill/>
+                  </a:rPr>
+                  <a:t> </a:t>
+                </a:r>
+              </a:p>
+            </p:txBody>
+          </p:sp>
+        </mc:Fallback>
+      </mc:AlternateContent>
+      <p:sp>
+        <p:nvSpPr>
+          <p:cNvPr id="8" name="テキスト ボックス 7">
+            <a:extLst>
+              <a:ext uri="{FF2B5EF4-FFF2-40B4-BE49-F238E27FC236}">
+                <a16:creationId xmlns:a16="http://schemas.microsoft.com/office/drawing/2014/main" id="{C7193D62-4C36-7A45-8775-CEC01A1F4578}"/>
+              </a:ext>
+            </a:extLst>
+          </p:cNvPr>
+          <p:cNvSpPr txBox="1"/>
+          <p:nvPr/>
+        </p:nvSpPr>
+        <p:spPr>
+          <a:xfrm>
+            <a:off x="4000505" y="2139192"/>
+            <a:ext cx="478080" cy="369332"/>
+          </a:xfrm>
+          <a:prstGeom prst="rect">
+            <a:avLst/>
+          </a:prstGeom>
+          <a:noFill/>
+        </p:spPr>
+        <p:txBody>
+          <a:bodyPr wrap="none" rtlCol="0">
+            <a:spAutoFit/>
+          </a:bodyPr>
+          <a:lstStyle/>
+          <a:p>
+            <a:r>
+              <a:rPr kumimoji="1" lang="en-US" altLang="ja-JP" dirty="0" err="1">
+                <a:latin typeface="Cambria" panose="02040503050406030204" pitchFamily="18" charset="0"/>
+              </a:rPr>
+              <a:t>v.s</a:t>
+            </a:r>
+            <a:r>
+              <a:rPr kumimoji="1" lang="en-US" altLang="ja-JP" dirty="0">
+                <a:latin typeface="Cambria" panose="02040503050406030204" pitchFamily="18" charset="0"/>
+              </a:rPr>
+              <a:t>.</a:t>
+            </a:r>
+            <a:endParaRPr kumimoji="1" lang="ja-JP" altLang="en-US">
+              <a:latin typeface="Cambria" panose="02040503050406030204" pitchFamily="18" charset="0"/>
+            </a:endParaRPr>
+          </a:p>
+        </p:txBody>
+      </p:sp>
+      <p:sp>
+        <p:nvSpPr>
+          <p:cNvPr id="9" name="角丸四角形 8">
+            <a:extLst>
+              <a:ext uri="{FF2B5EF4-FFF2-40B4-BE49-F238E27FC236}">
+                <a16:creationId xmlns:a16="http://schemas.microsoft.com/office/drawing/2014/main" id="{5FD262C0-7301-D14F-AEE9-A241BCAE3D51}"/>
+              </a:ext>
+            </a:extLst>
+          </p:cNvPr>
+          <p:cNvSpPr/>
+          <p:nvPr/>
+        </p:nvSpPr>
+        <p:spPr>
+          <a:xfrm>
+            <a:off x="1212164" y="3922891"/>
+            <a:ext cx="4143619" cy="769434"/>
+          </a:xfrm>
+          <a:prstGeom prst="roundRect">
+            <a:avLst/>
+          </a:prstGeom>
+          <a:solidFill>
+            <a:srgbClr val="92D050">
+              <a:alpha val="22000"/>
+            </a:srgbClr>
+          </a:solidFill>
+          <a:ln>
+            <a:solidFill>
+              <a:schemeClr val="accent1">
+                <a:shade val="50000"/>
+                <a:alpha val="35000"/>
+              </a:schemeClr>
+            </a:solidFill>
+          </a:ln>
+        </p:spPr>
+        <p:style>
+          <a:lnRef idx="2">
+            <a:schemeClr val="accent1">
+              <a:shade val="50000"/>
+            </a:schemeClr>
+          </a:lnRef>
+          <a:fillRef idx="1">
+            <a:schemeClr val="accent1"/>
+          </a:fillRef>
+          <a:effectRef idx="0">
+            <a:schemeClr val="accent1"/>
+          </a:effectRef>
+          <a:fontRef idx="minor">
+            <a:schemeClr val="lt1"/>
+          </a:fontRef>
+        </p:style>
+        <p:txBody>
+          <a:bodyPr rtlCol="0" anchor="ctr"/>
+          <a:lstStyle/>
+          <a:p>
+            <a:pPr algn="ctr"/>
+            <a:endParaRPr kumimoji="1" lang="ja-JP" altLang="en-US"/>
+          </a:p>
+        </p:txBody>
+      </p:sp>
+    </p:spTree>
+    <p:extLst>
+      <p:ext uri="{BB962C8B-B14F-4D97-AF65-F5344CB8AC3E}">
+        <p14:creationId xmlns:p14="http://schemas.microsoft.com/office/powerpoint/2010/main" val="1178099040"/>
+      </p:ext>
+    </p:extLst>
+  </p:cSld>
+  <p:clrMapOvr>
+    <a:masterClrMapping/>
+  </p:clrMapOvr>
+</p:sld>
+</file>
+
+<file path=ppt/slides/slide3.xml><?xml version="1.0" encoding="utf-8"?>
 <p:sld xmlns:a="http://schemas.openxmlformats.org/drawingml/2006/main" xmlns:r="http://schemas.openxmlformats.org/officeDocument/2006/relationships" xmlns:p="http://schemas.openxmlformats.org/presentationml/2006/main">
   <p:cSld>
     <p:spTree>
@@ -7623,83 +5631,752 @@
       </p:grpSpPr>
       <p:sp>
         <p:nvSpPr>
-          <p:cNvPr id="2" name="コンテンツ プレースホルダー 1">
+          <p:cNvPr id="7" name="角丸四角形 6">
             <a:extLst>
               <a:ext uri="{FF2B5EF4-FFF2-40B4-BE49-F238E27FC236}">
-                <a16:creationId xmlns:a16="http://schemas.microsoft.com/office/drawing/2014/main" id="{0F39C7EF-A3AE-624D-A394-17926316BAC1}"/>
+                <a16:creationId xmlns:a16="http://schemas.microsoft.com/office/drawing/2014/main" id="{0DD84CF6-E2F6-3943-92FF-0AA030ED717E}"/>
               </a:ext>
             </a:extLst>
           </p:cNvPr>
-          <p:cNvSpPr>
-            <a:spLocks noGrp="1"/>
-          </p:cNvSpPr>
-          <p:nvPr>
-            <p:ph idx="1"/>
-          </p:nvPr>
+          <p:cNvSpPr/>
+          <p:nvPr/>
         </p:nvSpPr>
-        <p:spPr/>
+        <p:spPr>
+          <a:xfrm>
+            <a:off x="1014761" y="2524375"/>
+            <a:ext cx="6947210" cy="769434"/>
+          </a:xfrm>
+          <a:prstGeom prst="roundRect">
+            <a:avLst/>
+          </a:prstGeom>
+          <a:solidFill>
+            <a:srgbClr val="92D050">
+              <a:alpha val="22000"/>
+            </a:srgbClr>
+          </a:solidFill>
+          <a:ln>
+            <a:solidFill>
+              <a:schemeClr val="accent1">
+                <a:shade val="50000"/>
+                <a:alpha val="35000"/>
+              </a:schemeClr>
+            </a:solidFill>
+          </a:ln>
+        </p:spPr>
+        <p:style>
+          <a:lnRef idx="2">
+            <a:schemeClr val="accent1">
+              <a:shade val="50000"/>
+            </a:schemeClr>
+          </a:lnRef>
+          <a:fillRef idx="1">
+            <a:schemeClr val="accent1"/>
+          </a:fillRef>
+          <a:effectRef idx="0">
+            <a:schemeClr val="accent1"/>
+          </a:effectRef>
+          <a:fontRef idx="minor">
+            <a:schemeClr val="lt1"/>
+          </a:fontRef>
+        </p:style>
         <p:txBody>
-          <a:bodyPr/>
+          <a:bodyPr rtlCol="0" anchor="ctr"/>
           <a:lstStyle/>
           <a:p>
-            <a:r>
-              <a:rPr kumimoji="1" lang="en-US" altLang="ja-JP" dirty="0"/>
-              <a:t>This week</a:t>
-            </a:r>
-          </a:p>
-          <a:p>
-            <a:pPr lvl="1"/>
-            <a:r>
-              <a:rPr kumimoji="1" lang="en-US" altLang="ja-JP" dirty="0"/>
-              <a:t>Reconsider and discuss the theme</a:t>
-            </a:r>
-          </a:p>
-          <a:p>
-            <a:pPr lvl="1"/>
-            <a:endParaRPr lang="en-US" altLang="ja-JP" dirty="0"/>
-          </a:p>
-          <a:p>
-            <a:pPr lvl="1"/>
-            <a:r>
-              <a:rPr kumimoji="1" lang="en-US" altLang="ja-JP" dirty="0"/>
-              <a:t>Ideas for stable learning</a:t>
-            </a:r>
-          </a:p>
-          <a:p>
-            <a:pPr lvl="2"/>
-            <a:r>
-              <a:rPr lang="en-US" altLang="ja-JP" dirty="0"/>
-              <a:t>C</a:t>
-            </a:r>
-            <a:r>
-              <a:rPr kumimoji="1" lang="en-US" altLang="ja-JP" dirty="0"/>
-              <a:t>onfiguration of optimizer (learning late hyperparameter etc..)</a:t>
-            </a:r>
-          </a:p>
-          <a:p>
-            <a:pPr lvl="2"/>
-            <a:r>
-              <a:rPr lang="en-US" altLang="ja-JP" dirty="0"/>
-              <a:t>Safe learning </a:t>
-            </a:r>
-            <a:endParaRPr kumimoji="1" lang="en-US" altLang="ja-JP" dirty="0"/>
-          </a:p>
-          <a:p>
-            <a:pPr lvl="2"/>
-            <a:endParaRPr kumimoji="1" lang="en-US" altLang="ja-JP" dirty="0"/>
-          </a:p>
-          <a:p>
-            <a:pPr lvl="1"/>
-            <a:endParaRPr kumimoji="1" lang="en-US" altLang="ja-JP" dirty="0"/>
+            <a:pPr algn="ctr"/>
+            <a:endParaRPr kumimoji="1" lang="ja-JP" altLang="en-US"/>
           </a:p>
         </p:txBody>
       </p:sp>
+      <mc:AlternateContent xmlns:mc="http://schemas.openxmlformats.org/markup-compatibility/2006" xmlns:a14="http://schemas.microsoft.com/office/drawing/2010/main">
+        <mc:Choice Requires="a14">
+          <p:sp>
+            <p:nvSpPr>
+              <p:cNvPr id="2" name="コンテンツ プレースホルダー 1">
+                <a:extLst>
+                  <a:ext uri="{FF2B5EF4-FFF2-40B4-BE49-F238E27FC236}">
+                    <a16:creationId xmlns:a16="http://schemas.microsoft.com/office/drawing/2014/main" id="{583FFC00-053F-1249-9CCD-CD222B7C8859}"/>
+                  </a:ext>
+                </a:extLst>
+              </p:cNvPr>
+              <p:cNvSpPr>
+                <a:spLocks noGrp="1"/>
+              </p:cNvSpPr>
+              <p:nvPr>
+                <p:ph idx="1"/>
+              </p:nvPr>
+            </p:nvSpPr>
+            <p:spPr/>
+            <p:txBody>
+              <a:bodyPr/>
+              <a:lstStyle/>
+              <a:p>
+                <a:r>
+                  <a:rPr kumimoji="1" lang="en-US" altLang="ja-JP" dirty="0"/>
+                  <a:t>2: Approximation accuracy of value function </a:t>
+                </a:r>
+                <a14:m>
+                  <m:oMath xmlns:m="http://schemas.openxmlformats.org/officeDocument/2006/math">
+                    <m:sSup>
+                      <m:sSupPr>
+                        <m:ctrlPr>
+                          <a:rPr lang="en-US" altLang="ja-JP" i="1">
+                            <a:latin typeface="Cambria Math" panose="02040503050406030204" pitchFamily="18" charset="0"/>
+                          </a:rPr>
+                        </m:ctrlPr>
+                      </m:sSupPr>
+                      <m:e>
+                        <m:r>
+                          <a:rPr lang="en-US" altLang="ja-JP" i="1">
+                            <a:latin typeface="Cambria Math" panose="02040503050406030204" pitchFamily="18" charset="0"/>
+                          </a:rPr>
+                          <m:t>𝑉</m:t>
+                        </m:r>
+                      </m:e>
+                      <m:sup>
+                        <m:r>
+                          <a:rPr lang="en-US" altLang="ja-JP" i="1">
+                            <a:latin typeface="Cambria Math" panose="02040503050406030204" pitchFamily="18" charset="0"/>
+                            <a:ea typeface="Cambria Math" panose="02040503050406030204" pitchFamily="18" charset="0"/>
+                          </a:rPr>
+                          <m:t>𝜋</m:t>
+                        </m:r>
+                      </m:sup>
+                    </m:sSup>
+                    <m:d>
+                      <m:dPr>
+                        <m:ctrlPr>
+                          <a:rPr lang="en-US" altLang="ja-JP" i="1">
+                            <a:latin typeface="Cambria Math" panose="02040503050406030204" pitchFamily="18" charset="0"/>
+                          </a:rPr>
+                        </m:ctrlPr>
+                      </m:dPr>
+                      <m:e>
+                        <m:r>
+                          <a:rPr lang="en-US" altLang="ja-JP" i="1">
+                            <a:latin typeface="Cambria Math" panose="02040503050406030204" pitchFamily="18" charset="0"/>
+                          </a:rPr>
+                          <m:t>𝑠</m:t>
+                        </m:r>
+                      </m:e>
+                    </m:d>
+                  </m:oMath>
+                </a14:m>
+                <a:endParaRPr kumimoji="1" lang="en-US" altLang="ja-JP" dirty="0"/>
+              </a:p>
+              <a:p>
+                <a:pPr lvl="1"/>
+                <a14:m>
+                  <m:oMath xmlns:m="http://schemas.openxmlformats.org/officeDocument/2006/math">
+                    <m:sSup>
+                      <m:sSupPr>
+                        <m:ctrlPr>
+                          <a:rPr lang="en-US" altLang="ja-JP" i="1" smtClean="0">
+                            <a:latin typeface="Cambria Math" panose="02040503050406030204" pitchFamily="18" charset="0"/>
+                          </a:rPr>
+                        </m:ctrlPr>
+                      </m:sSupPr>
+                      <m:e>
+                        <m:r>
+                          <a:rPr lang="en-US" altLang="ja-JP" b="0" i="1" smtClean="0">
+                            <a:latin typeface="Cambria Math" panose="02040503050406030204" pitchFamily="18" charset="0"/>
+                          </a:rPr>
+                          <m:t>𝑉</m:t>
+                        </m:r>
+                      </m:e>
+                      <m:sup>
+                        <m:r>
+                          <a:rPr lang="en-US" altLang="ja-JP" i="1" smtClean="0">
+                            <a:latin typeface="Cambria Math" panose="02040503050406030204" pitchFamily="18" charset="0"/>
+                            <a:ea typeface="Cambria Math" panose="02040503050406030204" pitchFamily="18" charset="0"/>
+                          </a:rPr>
+                          <m:t>𝜋</m:t>
+                        </m:r>
+                      </m:sup>
+                    </m:sSup>
+                    <m:d>
+                      <m:dPr>
+                        <m:ctrlPr>
+                          <a:rPr lang="en-US" altLang="ja-JP" b="0" i="1" smtClean="0">
+                            <a:latin typeface="Cambria Math" panose="02040503050406030204" pitchFamily="18" charset="0"/>
+                          </a:rPr>
+                        </m:ctrlPr>
+                      </m:dPr>
+                      <m:e>
+                        <m:r>
+                          <a:rPr lang="en-US" altLang="ja-JP" b="0" i="1" smtClean="0">
+                            <a:latin typeface="Cambria Math" panose="02040503050406030204" pitchFamily="18" charset="0"/>
+                          </a:rPr>
+                          <m:t>𝑠</m:t>
+                        </m:r>
+                      </m:e>
+                    </m:d>
+                    <m:r>
+                      <a:rPr lang="en-US" altLang="ja-JP" b="0" i="1" smtClean="0">
+                        <a:latin typeface="Cambria Math" panose="02040503050406030204" pitchFamily="18" charset="0"/>
+                      </a:rPr>
+                      <m:t>=</m:t>
+                    </m:r>
+                    <m:sSup>
+                      <m:sSupPr>
+                        <m:ctrlPr>
+                          <a:rPr lang="en-US" altLang="ja-JP" i="1">
+                            <a:latin typeface="Cambria Math" panose="02040503050406030204" pitchFamily="18" charset="0"/>
+                          </a:rPr>
+                        </m:ctrlPr>
+                      </m:sSupPr>
+                      <m:e>
+                        <m:r>
+                          <a:rPr lang="en-US" altLang="ja-JP" i="1">
+                            <a:latin typeface="Cambria Math" panose="02040503050406030204" pitchFamily="18" charset="0"/>
+                          </a:rPr>
+                          <m:t>𝑄</m:t>
+                        </m:r>
+                      </m:e>
+                      <m:sup>
+                        <m:r>
+                          <a:rPr lang="en-US" altLang="ja-JP" i="1">
+                            <a:latin typeface="Cambria Math" panose="02040503050406030204" pitchFamily="18" charset="0"/>
+                            <a:ea typeface="Cambria Math" panose="02040503050406030204" pitchFamily="18" charset="0"/>
+                          </a:rPr>
+                          <m:t>𝜋</m:t>
+                        </m:r>
+                      </m:sup>
+                    </m:sSup>
+                    <m:d>
+                      <m:dPr>
+                        <m:ctrlPr>
+                          <a:rPr lang="en-US" altLang="ja-JP" i="1">
+                            <a:latin typeface="Cambria Math" panose="02040503050406030204" pitchFamily="18" charset="0"/>
+                          </a:rPr>
+                        </m:ctrlPr>
+                      </m:dPr>
+                      <m:e>
+                        <m:r>
+                          <a:rPr lang="en-US" altLang="ja-JP" i="1">
+                            <a:latin typeface="Cambria Math" panose="02040503050406030204" pitchFamily="18" charset="0"/>
+                          </a:rPr>
+                          <m:t>𝑠</m:t>
+                        </m:r>
+                        <m:r>
+                          <a:rPr lang="en-US" altLang="ja-JP" i="1">
+                            <a:latin typeface="Cambria Math" panose="02040503050406030204" pitchFamily="18" charset="0"/>
+                          </a:rPr>
+                          <m:t>,</m:t>
+                        </m:r>
+                        <m:r>
+                          <a:rPr lang="en-US" altLang="ja-JP" i="1" smtClean="0">
+                            <a:latin typeface="Cambria Math" panose="02040503050406030204" pitchFamily="18" charset="0"/>
+                            <a:ea typeface="Cambria Math" panose="02040503050406030204" pitchFamily="18" charset="0"/>
+                          </a:rPr>
+                          <m:t>𝜋</m:t>
+                        </m:r>
+                        <m:r>
+                          <a:rPr lang="en-US" altLang="ja-JP" b="0" i="1" smtClean="0">
+                            <a:latin typeface="Cambria Math" panose="02040503050406030204" pitchFamily="18" charset="0"/>
+                            <a:ea typeface="Cambria Math" panose="02040503050406030204" pitchFamily="18" charset="0"/>
+                          </a:rPr>
+                          <m:t>(</m:t>
+                        </m:r>
+                        <m:r>
+                          <a:rPr lang="en-US" altLang="ja-JP" b="0" i="1" smtClean="0">
+                            <a:latin typeface="Cambria Math" panose="02040503050406030204" pitchFamily="18" charset="0"/>
+                            <a:ea typeface="Cambria Math" panose="02040503050406030204" pitchFamily="18" charset="0"/>
+                          </a:rPr>
+                          <m:t>𝑠</m:t>
+                        </m:r>
+                        <m:r>
+                          <a:rPr lang="en-US" altLang="ja-JP" b="0" i="1" smtClean="0">
+                            <a:latin typeface="Cambria Math" panose="02040503050406030204" pitchFamily="18" charset="0"/>
+                            <a:ea typeface="Cambria Math" panose="02040503050406030204" pitchFamily="18" charset="0"/>
+                          </a:rPr>
+                          <m:t>)</m:t>
+                        </m:r>
+                      </m:e>
+                    </m:d>
+                  </m:oMath>
+                </a14:m>
+                <a:endParaRPr kumimoji="1" lang="en-US" altLang="ja-JP" dirty="0"/>
+              </a:p>
+              <a:p>
+                <a:pPr lvl="1"/>
+                <a:r>
+                  <a:rPr lang="en-US" altLang="ja-JP" dirty="0"/>
+                  <a:t>Agent fits </a:t>
+                </a:r>
+                <a14:m>
+                  <m:oMath xmlns:m="http://schemas.openxmlformats.org/officeDocument/2006/math">
+                    <m:r>
+                      <a:rPr lang="en-US" altLang="ja-JP" i="1">
+                        <a:latin typeface="Cambria Math" panose="02040503050406030204" pitchFamily="18" charset="0"/>
+                      </a:rPr>
+                      <m:t>𝑄</m:t>
+                    </m:r>
+                    <m:d>
+                      <m:dPr>
+                        <m:ctrlPr>
+                          <a:rPr lang="en-US" altLang="ja-JP" i="1">
+                            <a:latin typeface="Cambria Math" panose="02040503050406030204" pitchFamily="18" charset="0"/>
+                          </a:rPr>
+                        </m:ctrlPr>
+                      </m:dPr>
+                      <m:e>
+                        <m:r>
+                          <a:rPr lang="en-US" altLang="ja-JP" i="1">
+                            <a:latin typeface="Cambria Math" panose="02040503050406030204" pitchFamily="18" charset="0"/>
+                          </a:rPr>
+                          <m:t>𝑠</m:t>
+                        </m:r>
+                        <m:r>
+                          <a:rPr lang="en-US" altLang="ja-JP" i="1">
+                            <a:latin typeface="Cambria Math" panose="02040503050406030204" pitchFamily="18" charset="0"/>
+                          </a:rPr>
+                          <m:t>,</m:t>
+                        </m:r>
+                        <m:r>
+                          <a:rPr lang="en-US" altLang="ja-JP" i="1">
+                            <a:latin typeface="Cambria Math" panose="02040503050406030204" pitchFamily="18" charset="0"/>
+                          </a:rPr>
+                          <m:t>𝑎</m:t>
+                        </m:r>
+                        <m:r>
+                          <a:rPr lang="en-US" altLang="ja-JP" i="1">
+                            <a:latin typeface="Cambria Math" panose="02040503050406030204" pitchFamily="18" charset="0"/>
+                            <a:ea typeface="Cambria Math" panose="02040503050406030204" pitchFamily="18" charset="0"/>
+                          </a:rPr>
+                          <m:t>|</m:t>
+                        </m:r>
+                        <m:r>
+                          <a:rPr lang="en-US" altLang="ja-JP" i="1">
+                            <a:solidFill>
+                              <a:srgbClr val="FF0000"/>
+                            </a:solidFill>
+                            <a:latin typeface="Cambria Math" panose="02040503050406030204" pitchFamily="18" charset="0"/>
+                            <a:ea typeface="Cambria Math" panose="02040503050406030204" pitchFamily="18" charset="0"/>
+                          </a:rPr>
+                          <m:t>𝜔</m:t>
+                        </m:r>
+                      </m:e>
+                    </m:d>
+                    <m:r>
+                      <a:rPr lang="en-US" altLang="ja-JP" i="1">
+                        <a:solidFill>
+                          <a:srgbClr val="FF0000"/>
+                        </a:solidFill>
+                        <a:latin typeface="Cambria Math" panose="02040503050406030204" pitchFamily="18" charset="0"/>
+                        <a:ea typeface="Cambria Math" panose="02040503050406030204" pitchFamily="18" charset="0"/>
+                      </a:rPr>
+                      <m:t> </m:t>
+                    </m:r>
+                  </m:oMath>
+                </a14:m>
+                <a:r>
+                  <a:rPr lang="en-US" altLang="ja-JP" dirty="0"/>
+                  <a:t>to approximate </a:t>
+                </a:r>
+                <a14:m>
+                  <m:oMath xmlns:m="http://schemas.openxmlformats.org/officeDocument/2006/math">
+                    <m:sSup>
+                      <m:sSupPr>
+                        <m:ctrlPr>
+                          <a:rPr lang="en-US" altLang="ja-JP" i="1">
+                            <a:latin typeface="Cambria Math" panose="02040503050406030204" pitchFamily="18" charset="0"/>
+                          </a:rPr>
+                        </m:ctrlPr>
+                      </m:sSupPr>
+                      <m:e>
+                        <m:r>
+                          <a:rPr lang="en-US" altLang="ja-JP" i="1">
+                            <a:latin typeface="Cambria Math" panose="02040503050406030204" pitchFamily="18" charset="0"/>
+                          </a:rPr>
+                          <m:t>𝑄</m:t>
+                        </m:r>
+                      </m:e>
+                      <m:sup>
+                        <m:r>
+                          <a:rPr lang="en-US" altLang="ja-JP" i="1">
+                            <a:latin typeface="Cambria Math" panose="02040503050406030204" pitchFamily="18" charset="0"/>
+                            <a:ea typeface="Cambria Math" panose="02040503050406030204" pitchFamily="18" charset="0"/>
+                          </a:rPr>
+                          <m:t>𝜋</m:t>
+                        </m:r>
+                      </m:sup>
+                    </m:sSup>
+                    <m:d>
+                      <m:dPr>
+                        <m:ctrlPr>
+                          <a:rPr lang="en-US" altLang="ja-JP" i="1">
+                            <a:latin typeface="Cambria Math" panose="02040503050406030204" pitchFamily="18" charset="0"/>
+                          </a:rPr>
+                        </m:ctrlPr>
+                      </m:dPr>
+                      <m:e>
+                        <m:r>
+                          <a:rPr lang="en-US" altLang="ja-JP" i="1">
+                            <a:latin typeface="Cambria Math" panose="02040503050406030204" pitchFamily="18" charset="0"/>
+                          </a:rPr>
+                          <m:t>𝑠</m:t>
+                        </m:r>
+                        <m:r>
+                          <a:rPr lang="en-US" altLang="ja-JP" i="1">
+                            <a:latin typeface="Cambria Math" panose="02040503050406030204" pitchFamily="18" charset="0"/>
+                          </a:rPr>
+                          <m:t>,</m:t>
+                        </m:r>
+                        <m:r>
+                          <a:rPr lang="en-US" altLang="ja-JP" i="1">
+                            <a:latin typeface="Cambria Math" panose="02040503050406030204" pitchFamily="18" charset="0"/>
+                          </a:rPr>
+                          <m:t>𝑎</m:t>
+                        </m:r>
+                      </m:e>
+                    </m:d>
+                  </m:oMath>
+                </a14:m>
+                <a:endParaRPr kumimoji="1" lang="en-US" altLang="ja-JP" dirty="0"/>
+              </a:p>
+              <a:p>
+                <a:pPr lvl="1"/>
+                <a:r>
+                  <a:rPr lang="en-US" altLang="ja-JP" dirty="0"/>
+                  <a:t>Evaluation criteria</a:t>
+                </a:r>
+              </a:p>
+              <a:p>
+                <a:pPr lvl="4"/>
+                <a:endParaRPr lang="en-US" altLang="ja-JP" dirty="0"/>
+              </a:p>
+              <a:p>
+                <a:pPr marL="914400" lvl="2" indent="0">
+                  <a:buNone/>
+                </a:pPr>
+                <a:r>
+                  <a:rPr kumimoji="1" lang="en-US" altLang="ja-JP" dirty="0"/>
+                  <a:t>Does </a:t>
+                </a:r>
+                <a14:m>
+                  <m:oMath xmlns:m="http://schemas.openxmlformats.org/officeDocument/2006/math">
+                    <m:r>
+                      <a:rPr lang="en-US" altLang="ja-JP" b="0" i="1" smtClean="0">
+                        <a:latin typeface="Cambria Math" panose="02040503050406030204" pitchFamily="18" charset="0"/>
+                      </a:rPr>
+                      <m:t>𝑄</m:t>
+                    </m:r>
+                    <m:d>
+                      <m:dPr>
+                        <m:ctrlPr>
+                          <a:rPr lang="en-US" altLang="ja-JP" i="1">
+                            <a:latin typeface="Cambria Math" panose="02040503050406030204" pitchFamily="18" charset="0"/>
+                          </a:rPr>
+                        </m:ctrlPr>
+                      </m:dPr>
+                      <m:e>
+                        <m:r>
+                          <a:rPr lang="en-US" altLang="ja-JP" i="1">
+                            <a:latin typeface="Cambria Math" panose="02040503050406030204" pitchFamily="18" charset="0"/>
+                          </a:rPr>
+                          <m:t>𝑠</m:t>
+                        </m:r>
+                        <m:r>
+                          <a:rPr lang="en-US" altLang="ja-JP" i="1">
+                            <a:latin typeface="Cambria Math" panose="02040503050406030204" pitchFamily="18" charset="0"/>
+                          </a:rPr>
+                          <m:t>,</m:t>
+                        </m:r>
+                        <m:r>
+                          <a:rPr lang="en-US" altLang="ja-JP" i="1">
+                            <a:latin typeface="Cambria Math" panose="02040503050406030204" pitchFamily="18" charset="0"/>
+                            <a:ea typeface="Cambria Math" panose="02040503050406030204" pitchFamily="18" charset="0"/>
+                          </a:rPr>
+                          <m:t>𝜋</m:t>
+                        </m:r>
+                        <m:r>
+                          <a:rPr lang="en-US" altLang="ja-JP" i="1">
+                            <a:latin typeface="Cambria Math" panose="02040503050406030204" pitchFamily="18" charset="0"/>
+                            <a:ea typeface="Cambria Math" panose="02040503050406030204" pitchFamily="18" charset="0"/>
+                          </a:rPr>
+                          <m:t>(</m:t>
+                        </m:r>
+                        <m:r>
+                          <a:rPr lang="en-US" altLang="ja-JP" i="1">
+                            <a:latin typeface="Cambria Math" panose="02040503050406030204" pitchFamily="18" charset="0"/>
+                            <a:ea typeface="Cambria Math" panose="02040503050406030204" pitchFamily="18" charset="0"/>
+                          </a:rPr>
+                          <m:t>𝑠</m:t>
+                        </m:r>
+                        <m:r>
+                          <a:rPr lang="en-US" altLang="ja-JP" i="1">
+                            <a:latin typeface="Cambria Math" panose="02040503050406030204" pitchFamily="18" charset="0"/>
+                            <a:ea typeface="Cambria Math" panose="02040503050406030204" pitchFamily="18" charset="0"/>
+                          </a:rPr>
+                          <m:t>)|</m:t>
+                        </m:r>
+                        <m:r>
+                          <a:rPr lang="en-US" altLang="ja-JP" b="0" i="1" smtClean="0">
+                            <a:solidFill>
+                              <a:srgbClr val="FF0000"/>
+                            </a:solidFill>
+                            <a:latin typeface="Cambria Math" panose="02040503050406030204" pitchFamily="18" charset="0"/>
+                            <a:ea typeface="Cambria Math" panose="02040503050406030204" pitchFamily="18" charset="0"/>
+                          </a:rPr>
+                          <m:t>𝜔</m:t>
+                        </m:r>
+                      </m:e>
+                    </m:d>
+                  </m:oMath>
+                </a14:m>
+                <a:r>
+                  <a:rPr kumimoji="1" lang="en-US" altLang="ja-JP" dirty="0"/>
+                  <a:t> approximates </a:t>
+                </a:r>
+                <a14:m>
+                  <m:oMath xmlns:m="http://schemas.openxmlformats.org/officeDocument/2006/math">
+                    <m:nary>
+                      <m:naryPr>
+                        <m:chr m:val="∑"/>
+                        <m:ctrlPr>
+                          <a:rPr lang="en-US" altLang="ja-JP" i="1" smtClean="0">
+                            <a:latin typeface="Cambria Math" panose="02040503050406030204" pitchFamily="18" charset="0"/>
+                            <a:ea typeface="Cambria Math" panose="02040503050406030204" pitchFamily="18" charset="0"/>
+                          </a:rPr>
+                        </m:ctrlPr>
+                      </m:naryPr>
+                      <m:sub>
+                        <m:r>
+                          <m:rPr>
+                            <m:brk m:alnAt="23"/>
+                          </m:rPr>
+                          <a:rPr lang="en-US" altLang="ja-JP" i="1">
+                            <a:latin typeface="Cambria Math" panose="02040503050406030204" pitchFamily="18" charset="0"/>
+                            <a:ea typeface="Cambria Math" panose="02040503050406030204" pitchFamily="18" charset="0"/>
+                          </a:rPr>
+                          <m:t>𝑖</m:t>
+                        </m:r>
+                        <m:r>
+                          <a:rPr lang="en-US" altLang="ja-JP" i="1">
+                            <a:latin typeface="Cambria Math" panose="02040503050406030204" pitchFamily="18" charset="0"/>
+                            <a:ea typeface="Cambria Math" panose="02040503050406030204" pitchFamily="18" charset="0"/>
+                          </a:rPr>
+                          <m:t>=0</m:t>
+                        </m:r>
+                      </m:sub>
+                      <m:sup>
+                        <m:r>
+                          <a:rPr lang="en-US" altLang="ja-JP" i="1">
+                            <a:latin typeface="Cambria Math" panose="02040503050406030204" pitchFamily="18" charset="0"/>
+                            <a:ea typeface="Cambria Math" panose="02040503050406030204" pitchFamily="18" charset="0"/>
+                          </a:rPr>
+                          <m:t>∞</m:t>
+                        </m:r>
+                      </m:sup>
+                      <m:e>
+                        <m:sSup>
+                          <m:sSupPr>
+                            <m:ctrlPr>
+                              <a:rPr lang="en-US" altLang="ja-JP" i="1">
+                                <a:latin typeface="Cambria Math" panose="02040503050406030204" pitchFamily="18" charset="0"/>
+                                <a:ea typeface="Cambria Math" panose="02040503050406030204" pitchFamily="18" charset="0"/>
+                              </a:rPr>
+                            </m:ctrlPr>
+                          </m:sSupPr>
+                          <m:e>
+                            <m:r>
+                              <a:rPr lang="en-US" altLang="ja-JP" i="1">
+                                <a:latin typeface="Cambria Math" panose="02040503050406030204" pitchFamily="18" charset="0"/>
+                                <a:ea typeface="Cambria Math" panose="02040503050406030204" pitchFamily="18" charset="0"/>
+                              </a:rPr>
+                              <m:t>𝛾</m:t>
+                            </m:r>
+                          </m:e>
+                          <m:sup>
+                            <m:r>
+                              <a:rPr lang="en-US" altLang="ja-JP" i="1">
+                                <a:latin typeface="Cambria Math" panose="02040503050406030204" pitchFamily="18" charset="0"/>
+                                <a:ea typeface="Cambria Math" panose="02040503050406030204" pitchFamily="18" charset="0"/>
+                              </a:rPr>
+                              <m:t>𝑖</m:t>
+                            </m:r>
+                            <m:r>
+                              <a:rPr lang="en-US" altLang="ja-JP" i="1">
+                                <a:latin typeface="Cambria Math" panose="02040503050406030204" pitchFamily="18" charset="0"/>
+                                <a:ea typeface="Cambria Math" panose="02040503050406030204" pitchFamily="18" charset="0"/>
+                              </a:rPr>
+                              <m:t> </m:t>
+                            </m:r>
+                          </m:sup>
+                        </m:sSup>
+                        <m:r>
+                          <a:rPr lang="en-US" altLang="ja-JP" i="1">
+                            <a:latin typeface="Cambria Math" panose="02040503050406030204" pitchFamily="18" charset="0"/>
+                            <a:ea typeface="Cambria Math" panose="02040503050406030204" pitchFamily="18" charset="0"/>
+                          </a:rPr>
+                          <m:t>𝑟</m:t>
+                        </m:r>
+                        <m:r>
+                          <a:rPr lang="en-US" altLang="ja-JP" i="1">
+                            <a:latin typeface="Cambria Math" panose="02040503050406030204" pitchFamily="18" charset="0"/>
+                            <a:ea typeface="Cambria Math" panose="02040503050406030204" pitchFamily="18" charset="0"/>
+                          </a:rPr>
+                          <m:t>(</m:t>
+                        </m:r>
+                        <m:sSub>
+                          <m:sSubPr>
+                            <m:ctrlPr>
+                              <a:rPr lang="en-US" altLang="ja-JP" i="1">
+                                <a:latin typeface="Cambria Math" panose="02040503050406030204" pitchFamily="18" charset="0"/>
+                                <a:ea typeface="Cambria Math" panose="02040503050406030204" pitchFamily="18" charset="0"/>
+                              </a:rPr>
+                            </m:ctrlPr>
+                          </m:sSubPr>
+                          <m:e>
+                            <m:r>
+                              <a:rPr lang="en-US" altLang="ja-JP" i="1">
+                                <a:latin typeface="Cambria Math" panose="02040503050406030204" pitchFamily="18" charset="0"/>
+                                <a:ea typeface="Cambria Math" panose="02040503050406030204" pitchFamily="18" charset="0"/>
+                              </a:rPr>
+                              <m:t>𝑠</m:t>
+                            </m:r>
+                          </m:e>
+                          <m:sub>
+                            <m:r>
+                              <a:rPr lang="en-US" altLang="ja-JP" i="1">
+                                <a:latin typeface="Cambria Math" panose="02040503050406030204" pitchFamily="18" charset="0"/>
+                                <a:ea typeface="Cambria Math" panose="02040503050406030204" pitchFamily="18" charset="0"/>
+                              </a:rPr>
+                              <m:t>𝑖</m:t>
+                            </m:r>
+                          </m:sub>
+                        </m:sSub>
+                        <m:r>
+                          <a:rPr lang="en-US" altLang="ja-JP" i="1">
+                            <a:latin typeface="Cambria Math" panose="02040503050406030204" pitchFamily="18" charset="0"/>
+                            <a:ea typeface="Cambria Math" panose="02040503050406030204" pitchFamily="18" charset="0"/>
+                          </a:rPr>
+                          <m:t>,</m:t>
+                        </m:r>
+                        <m:r>
+                          <a:rPr lang="en-US" altLang="ja-JP" i="1">
+                            <a:latin typeface="Cambria Math" panose="02040503050406030204" pitchFamily="18" charset="0"/>
+                            <a:ea typeface="Cambria Math" panose="02040503050406030204" pitchFamily="18" charset="0"/>
+                          </a:rPr>
+                          <m:t>𝜋</m:t>
+                        </m:r>
+                        <m:r>
+                          <a:rPr lang="en-US" altLang="ja-JP" i="1">
+                            <a:latin typeface="Cambria Math" panose="02040503050406030204" pitchFamily="18" charset="0"/>
+                            <a:ea typeface="Cambria Math" panose="02040503050406030204" pitchFamily="18" charset="0"/>
+                          </a:rPr>
+                          <m:t>(</m:t>
+                        </m:r>
+                        <m:sSub>
+                          <m:sSubPr>
+                            <m:ctrlPr>
+                              <a:rPr lang="en-US" altLang="ja-JP" i="1">
+                                <a:latin typeface="Cambria Math" panose="02040503050406030204" pitchFamily="18" charset="0"/>
+                                <a:ea typeface="Cambria Math" panose="02040503050406030204" pitchFamily="18" charset="0"/>
+                              </a:rPr>
+                            </m:ctrlPr>
+                          </m:sSubPr>
+                          <m:e>
+                            <m:r>
+                              <a:rPr lang="en-US" altLang="ja-JP" i="1">
+                                <a:latin typeface="Cambria Math" panose="02040503050406030204" pitchFamily="18" charset="0"/>
+                                <a:ea typeface="Cambria Math" panose="02040503050406030204" pitchFamily="18" charset="0"/>
+                              </a:rPr>
+                              <m:t>𝑠</m:t>
+                            </m:r>
+                          </m:e>
+                          <m:sub>
+                            <m:r>
+                              <a:rPr lang="en-US" altLang="ja-JP" i="1">
+                                <a:latin typeface="Cambria Math" panose="02040503050406030204" pitchFamily="18" charset="0"/>
+                                <a:ea typeface="Cambria Math" panose="02040503050406030204" pitchFamily="18" charset="0"/>
+                              </a:rPr>
+                              <m:t>𝑖</m:t>
+                            </m:r>
+                          </m:sub>
+                        </m:sSub>
+                        <m:r>
+                          <a:rPr lang="en-US" altLang="ja-JP" i="1">
+                            <a:latin typeface="Cambria Math" panose="02040503050406030204" pitchFamily="18" charset="0"/>
+                            <a:ea typeface="Cambria Math" panose="02040503050406030204" pitchFamily="18" charset="0"/>
+                          </a:rPr>
+                          <m:t>))</m:t>
+                        </m:r>
+                      </m:e>
+                    </m:nary>
+                  </m:oMath>
+                </a14:m>
+                <a:r>
+                  <a:rPr kumimoji="1" lang="en-US" altLang="ja-JP" dirty="0"/>
+                  <a:t> well?</a:t>
+                </a:r>
+              </a:p>
+              <a:p>
+                <a:pPr lvl="1"/>
+                <a:endParaRPr lang="en-US" altLang="ja-JP" dirty="0"/>
+              </a:p>
+              <a:p>
+                <a:pPr lvl="1"/>
+                <a:endParaRPr kumimoji="1" lang="en-US" altLang="ja-JP" dirty="0"/>
+              </a:p>
+              <a:p>
+                <a:pPr lvl="1"/>
+                <a:endParaRPr lang="en-US" altLang="ja-JP" dirty="0"/>
+              </a:p>
+              <a:p>
+                <a:pPr lvl="1"/>
+                <a:endParaRPr kumimoji="1" lang="ja-JP" altLang="en-US"/>
+              </a:p>
+            </p:txBody>
+          </p:sp>
+        </mc:Choice>
+        <mc:Fallback xmlns="">
+          <p:sp>
+            <p:nvSpPr>
+              <p:cNvPr id="2" name="コンテンツ プレースホルダー 1">
+                <a:extLst>
+                  <a:ext uri="{FF2B5EF4-FFF2-40B4-BE49-F238E27FC236}">
+                    <a16:creationId xmlns:a16="http://schemas.microsoft.com/office/drawing/2014/main" id="{583FFC00-053F-1249-9CCD-CD222B7C8859}"/>
+                  </a:ext>
+                </a:extLst>
+              </p:cNvPr>
+              <p:cNvSpPr>
+                <a:spLocks noGrp="1" noRot="1" noChangeAspect="1" noMove="1" noResize="1" noEditPoints="1" noAdjustHandles="1" noChangeArrowheads="1" noChangeShapeType="1" noTextEdit="1"/>
+              </p:cNvSpPr>
+              <p:nvPr>
+                <p:ph idx="1"/>
+              </p:nvPr>
+            </p:nvSpPr>
+            <p:spPr>
+              <a:blipFill>
+                <a:blip r:embed="rId2"/>
+                <a:stretch>
+                  <a:fillRect l="-598" t="-1266"/>
+                </a:stretch>
+              </a:blipFill>
+            </p:spPr>
+            <p:txBody>
+              <a:bodyPr/>
+              <a:lstStyle/>
+              <a:p>
+                <a:r>
+                  <a:rPr lang="ja-JP" altLang="en-US">
+                    <a:noFill/>
+                  </a:rPr>
+                  <a:t> </a:t>
+                </a:r>
+              </a:p>
+            </p:txBody>
+          </p:sp>
+        </mc:Fallback>
+      </mc:AlternateContent>
       <p:sp>
         <p:nvSpPr>
           <p:cNvPr id="3" name="日付プレースホルダー 2">
             <a:extLst>
               <a:ext uri="{FF2B5EF4-FFF2-40B4-BE49-F238E27FC236}">
-                <a16:creationId xmlns:a16="http://schemas.microsoft.com/office/drawing/2014/main" id="{D76EAF5E-24E5-6C48-986E-DB50148CBEDF}"/>
+                <a16:creationId xmlns:a16="http://schemas.microsoft.com/office/drawing/2014/main" id="{41B93509-FE7A-2145-BB75-713D7AF42F63}"/>
               </a:ext>
             </a:extLst>
           </p:cNvPr>
@@ -7717,7 +6394,7 @@
           <a:p>
             <a:fld id="{90235FA2-C49A-5C4F-85BF-B1D7D24C5B31}" type="datetime1">
               <a:rPr kumimoji="1" lang="ja-JP" altLang="en-US" smtClean="0"/>
-              <a:t>2020/11/16</a:t>
+              <a:t>2020/11/24</a:t>
             </a:fld>
             <a:endParaRPr kumimoji="1" lang="ja-JP" altLang="en-US"/>
           </a:p>
@@ -7728,7 +6405,7 @@
           <p:cNvPr id="4" name="フッター プレースホルダー 3">
             <a:extLst>
               <a:ext uri="{FF2B5EF4-FFF2-40B4-BE49-F238E27FC236}">
-                <a16:creationId xmlns:a16="http://schemas.microsoft.com/office/drawing/2014/main" id="{7BA69EB3-3B8A-E644-ACCB-CF22356E2175}"/>
+                <a16:creationId xmlns:a16="http://schemas.microsoft.com/office/drawing/2014/main" id="{1F1FB699-8971-3446-9CA3-B42FB2681E0B}"/>
               </a:ext>
             </a:extLst>
           </p:cNvPr>
@@ -7745,7 +6422,7 @@
           <a:lstStyle/>
           <a:p>
             <a:r>
-              <a:rPr kumimoji="1" lang="en-US" altLang="ja-JP"/>
+              <a:rPr kumimoji="1" lang="en-US" altLang="ja-JP" dirty="0"/>
               <a:t>Control System Theory Group</a:t>
             </a:r>
             <a:endParaRPr kumimoji="1" lang="ja-JP" altLang="en-US"/>
@@ -7757,7 +6434,7 @@
           <p:cNvPr id="5" name="タイトル 4">
             <a:extLst>
               <a:ext uri="{FF2B5EF4-FFF2-40B4-BE49-F238E27FC236}">
-                <a16:creationId xmlns:a16="http://schemas.microsoft.com/office/drawing/2014/main" id="{7718F428-BEAC-114C-8163-AADCD92A31C7}"/>
+                <a16:creationId xmlns:a16="http://schemas.microsoft.com/office/drawing/2014/main" id="{DEF017F0-9017-B44C-A3C4-EC5BFCE37247}"/>
               </a:ext>
             </a:extLst>
           </p:cNvPr>
@@ -7781,10 +6458,2238 @@
           </a:p>
         </p:txBody>
       </p:sp>
+      <mc:AlternateContent xmlns:mc="http://schemas.openxmlformats.org/markup-compatibility/2006" xmlns:a14="http://schemas.microsoft.com/office/drawing/2010/main">
+        <mc:Choice Requires="a14">
+          <p:sp>
+            <p:nvSpPr>
+              <p:cNvPr id="8" name="テキスト ボックス 7">
+                <a:extLst>
+                  <a:ext uri="{FF2B5EF4-FFF2-40B4-BE49-F238E27FC236}">
+                    <a16:creationId xmlns:a16="http://schemas.microsoft.com/office/drawing/2014/main" id="{C091FB12-0EE3-064A-8A00-A23D8C80D95A}"/>
+                  </a:ext>
+                </a:extLst>
+              </p:cNvPr>
+              <p:cNvSpPr txBox="1"/>
+              <p:nvPr/>
+            </p:nvSpPr>
+            <p:spPr>
+              <a:xfrm>
+                <a:off x="6507197" y="3429000"/>
+                <a:ext cx="2042419" cy="369332"/>
+              </a:xfrm>
+              <a:prstGeom prst="rect">
+                <a:avLst/>
+              </a:prstGeom>
+              <a:noFill/>
+            </p:spPr>
+            <p:txBody>
+              <a:bodyPr wrap="none" rtlCol="0">
+                <a:spAutoFit/>
+              </a:bodyPr>
+              <a:lstStyle/>
+              <a:p>
+                <a:r>
+                  <a:rPr lang="en-US" altLang="ja-JP" dirty="0">
+                    <a:latin typeface="Cambria" panose="02040503050406030204" pitchFamily="18" charset="0"/>
+                  </a:rPr>
+                  <a:t>definition of </a:t>
+                </a:r>
+                <a14:m>
+                  <m:oMath xmlns:m="http://schemas.openxmlformats.org/officeDocument/2006/math">
+                    <m:sSup>
+                      <m:sSupPr>
+                        <m:ctrlPr>
+                          <a:rPr lang="en-US" altLang="ja-JP" i="1">
+                            <a:latin typeface="Cambria Math" panose="02040503050406030204" pitchFamily="18" charset="0"/>
+                          </a:rPr>
+                        </m:ctrlPr>
+                      </m:sSupPr>
+                      <m:e>
+                        <m:r>
+                          <a:rPr lang="en-US" altLang="ja-JP" i="1">
+                            <a:latin typeface="Cambria Math" panose="02040503050406030204" pitchFamily="18" charset="0"/>
+                          </a:rPr>
+                          <m:t>𝑉</m:t>
+                        </m:r>
+                      </m:e>
+                      <m:sup>
+                        <m:r>
+                          <a:rPr lang="en-US" altLang="ja-JP" i="1">
+                            <a:latin typeface="Cambria Math" panose="02040503050406030204" pitchFamily="18" charset="0"/>
+                            <a:ea typeface="Cambria Math" panose="02040503050406030204" pitchFamily="18" charset="0"/>
+                          </a:rPr>
+                          <m:t>𝜋</m:t>
+                        </m:r>
+                      </m:sup>
+                    </m:sSup>
+                    <m:d>
+                      <m:dPr>
+                        <m:ctrlPr>
+                          <a:rPr lang="en-US" altLang="ja-JP" i="1">
+                            <a:latin typeface="Cambria Math" panose="02040503050406030204" pitchFamily="18" charset="0"/>
+                          </a:rPr>
+                        </m:ctrlPr>
+                      </m:dPr>
+                      <m:e>
+                        <m:r>
+                          <a:rPr lang="en-US" altLang="ja-JP" i="1">
+                            <a:latin typeface="Cambria Math" panose="02040503050406030204" pitchFamily="18" charset="0"/>
+                          </a:rPr>
+                          <m:t>𝑠</m:t>
+                        </m:r>
+                      </m:e>
+                    </m:d>
+                  </m:oMath>
+                </a14:m>
+                <a:endParaRPr kumimoji="1" lang="ja-JP" altLang="en-US"/>
+              </a:p>
+            </p:txBody>
+          </p:sp>
+        </mc:Choice>
+        <mc:Fallback xmlns="">
+          <p:sp>
+            <p:nvSpPr>
+              <p:cNvPr id="8" name="テキスト ボックス 7">
+                <a:extLst>
+                  <a:ext uri="{FF2B5EF4-FFF2-40B4-BE49-F238E27FC236}">
+                    <a16:creationId xmlns:a16="http://schemas.microsoft.com/office/drawing/2014/main" id="{C091FB12-0EE3-064A-8A00-A23D8C80D95A}"/>
+                  </a:ext>
+                </a:extLst>
+              </p:cNvPr>
+              <p:cNvSpPr txBox="1">
+                <a:spLocks noRot="1" noChangeAspect="1" noMove="1" noResize="1" noEditPoints="1" noAdjustHandles="1" noChangeArrowheads="1" noChangeShapeType="1" noTextEdit="1"/>
+              </p:cNvSpPr>
+              <p:nvPr/>
+            </p:nvSpPr>
+            <p:spPr>
+              <a:xfrm>
+                <a:off x="6507197" y="3429000"/>
+                <a:ext cx="2042419" cy="369332"/>
+              </a:xfrm>
+              <a:prstGeom prst="rect">
+                <a:avLst/>
+              </a:prstGeom>
+              <a:blipFill>
+                <a:blip r:embed="rId3"/>
+                <a:stretch>
+                  <a:fillRect l="-1852" t="-10000" b="-20000"/>
+                </a:stretch>
+              </a:blipFill>
+            </p:spPr>
+            <p:txBody>
+              <a:bodyPr/>
+              <a:lstStyle/>
+              <a:p>
+                <a:r>
+                  <a:rPr lang="ja-JP" altLang="en-US">
+                    <a:noFill/>
+                  </a:rPr>
+                  <a:t> </a:t>
+                </a:r>
+              </a:p>
+            </p:txBody>
+          </p:sp>
+        </mc:Fallback>
+      </mc:AlternateContent>
+      <p:cxnSp>
+        <p:nvCxnSpPr>
+          <p:cNvPr id="10" name="直線コネクタ 9">
+            <a:extLst>
+              <a:ext uri="{FF2B5EF4-FFF2-40B4-BE49-F238E27FC236}">
+                <a16:creationId xmlns:a16="http://schemas.microsoft.com/office/drawing/2014/main" id="{C134EB31-0A24-524D-B173-DD74894BAB52}"/>
+              </a:ext>
+            </a:extLst>
+          </p:cNvPr>
+          <p:cNvCxnSpPr>
+            <a:cxnSpLocks/>
+          </p:cNvCxnSpPr>
+          <p:nvPr/>
+        </p:nvCxnSpPr>
+        <p:spPr>
+          <a:xfrm>
+            <a:off x="4572000" y="3087511"/>
+            <a:ext cx="1728439" cy="0"/>
+          </a:xfrm>
+          <a:prstGeom prst="line">
+            <a:avLst/>
+          </a:prstGeom>
+        </p:spPr>
+        <p:style>
+          <a:lnRef idx="1">
+            <a:schemeClr val="accent1"/>
+          </a:lnRef>
+          <a:fillRef idx="0">
+            <a:schemeClr val="accent1"/>
+          </a:fillRef>
+          <a:effectRef idx="0">
+            <a:schemeClr val="accent1"/>
+          </a:effectRef>
+          <a:fontRef idx="minor">
+            <a:schemeClr val="tx1"/>
+          </a:fontRef>
+        </p:style>
+      </p:cxnSp>
+      <p:sp>
+        <p:nvSpPr>
+          <p:cNvPr id="13" name="フリーフォーム 12">
+            <a:extLst>
+              <a:ext uri="{FF2B5EF4-FFF2-40B4-BE49-F238E27FC236}">
+                <a16:creationId xmlns:a16="http://schemas.microsoft.com/office/drawing/2014/main" id="{0EF97080-7C88-CD45-BD75-66897DBED7D8}"/>
+              </a:ext>
+            </a:extLst>
+          </p:cNvPr>
+          <p:cNvSpPr/>
+          <p:nvPr/>
+        </p:nvSpPr>
+        <p:spPr>
+          <a:xfrm rot="20632437">
+            <a:off x="6293684" y="3160684"/>
+            <a:ext cx="158915" cy="401443"/>
+          </a:xfrm>
+          <a:custGeom>
+            <a:avLst/>
+            <a:gdLst>
+              <a:gd name="connsiteX0" fmla="*/ 13949 w 158915"/>
+              <a:gd name="connsiteY0" fmla="*/ 0 h 401443"/>
+              <a:gd name="connsiteX1" fmla="*/ 13949 w 158915"/>
+              <a:gd name="connsiteY1" fmla="*/ 223024 h 401443"/>
+              <a:gd name="connsiteX2" fmla="*/ 158915 w 158915"/>
+              <a:gd name="connsiteY2" fmla="*/ 401443 h 401443"/>
+            </a:gdLst>
+            <a:ahLst/>
+            <a:cxnLst>
+              <a:cxn ang="0">
+                <a:pos x="connsiteX0" y="connsiteY0"/>
+              </a:cxn>
+              <a:cxn ang="0">
+                <a:pos x="connsiteX1" y="connsiteY1"/>
+              </a:cxn>
+              <a:cxn ang="0">
+                <a:pos x="connsiteX2" y="connsiteY2"/>
+              </a:cxn>
+            </a:cxnLst>
+            <a:rect l="l" t="t" r="r" b="b"/>
+            <a:pathLst>
+              <a:path w="158915" h="401443">
+                <a:moveTo>
+                  <a:pt x="13949" y="0"/>
+                </a:moveTo>
+                <a:cubicBezTo>
+                  <a:pt x="1868" y="78058"/>
+                  <a:pt x="-10212" y="156117"/>
+                  <a:pt x="13949" y="223024"/>
+                </a:cubicBezTo>
+                <a:cubicBezTo>
+                  <a:pt x="38110" y="289931"/>
+                  <a:pt x="98512" y="345687"/>
+                  <a:pt x="158915" y="401443"/>
+                </a:cubicBezTo>
+              </a:path>
+            </a:pathLst>
+          </a:custGeom>
+          <a:noFill/>
+        </p:spPr>
+        <p:style>
+          <a:lnRef idx="2">
+            <a:schemeClr val="accent1">
+              <a:shade val="50000"/>
+            </a:schemeClr>
+          </a:lnRef>
+          <a:fillRef idx="1">
+            <a:schemeClr val="accent1"/>
+          </a:fillRef>
+          <a:effectRef idx="0">
+            <a:schemeClr val="accent1"/>
+          </a:effectRef>
+          <a:fontRef idx="minor">
+            <a:schemeClr val="lt1"/>
+          </a:fontRef>
+        </p:style>
+        <p:txBody>
+          <a:bodyPr rtlCol="0" anchor="ctr"/>
+          <a:lstStyle/>
+          <a:p>
+            <a:pPr algn="ctr"/>
+            <a:endParaRPr kumimoji="1" lang="ja-JP" altLang="en-US"/>
+          </a:p>
+        </p:txBody>
+      </p:sp>
+      <p:pic>
+        <p:nvPicPr>
+          <p:cNvPr id="17" name="図 16">
+            <a:extLst>
+              <a:ext uri="{FF2B5EF4-FFF2-40B4-BE49-F238E27FC236}">
+                <a16:creationId xmlns:a16="http://schemas.microsoft.com/office/drawing/2014/main" id="{101574EA-AD29-174D-BA4A-8D6ED887EED8}"/>
+              </a:ext>
+            </a:extLst>
+          </p:cNvPr>
+          <p:cNvPicPr>
+            <a:picLocks noChangeAspect="1"/>
+          </p:cNvPicPr>
+          <p:nvPr/>
+        </p:nvPicPr>
+        <p:blipFill>
+          <a:blip r:embed="rId4"/>
+          <a:stretch>
+            <a:fillRect/>
+          </a:stretch>
+        </p:blipFill>
+        <p:spPr>
+          <a:xfrm>
+            <a:off x="2981175" y="3323305"/>
+            <a:ext cx="3122658" cy="3115115"/>
+          </a:xfrm>
+          <a:prstGeom prst="rect">
+            <a:avLst/>
+          </a:prstGeom>
+        </p:spPr>
+      </p:pic>
     </p:spTree>
     <p:extLst>
       <p:ext uri="{BB962C8B-B14F-4D97-AF65-F5344CB8AC3E}">
-        <p14:creationId xmlns:p14="http://schemas.microsoft.com/office/powerpoint/2010/main" val="2053433687"/>
+        <p14:creationId xmlns:p14="http://schemas.microsoft.com/office/powerpoint/2010/main" val="3561791104"/>
+      </p:ext>
+    </p:extLst>
+  </p:cSld>
+  <p:clrMapOvr>
+    <a:masterClrMapping/>
+  </p:clrMapOvr>
+</p:sld>
+</file>
+
+<file path=ppt/slides/slide4.xml><?xml version="1.0" encoding="utf-8"?>
+<p:sld xmlns:a="http://schemas.openxmlformats.org/drawingml/2006/main" xmlns:r="http://schemas.openxmlformats.org/officeDocument/2006/relationships" xmlns:p="http://schemas.openxmlformats.org/presentationml/2006/main">
+  <p:cSld>
+    <p:spTree>
+      <p:nvGrpSpPr>
+        <p:cNvPr id="1" name=""/>
+        <p:cNvGrpSpPr/>
+        <p:nvPr/>
+      </p:nvGrpSpPr>
+      <p:grpSpPr>
+        <a:xfrm>
+          <a:off x="0" y="0"/>
+          <a:ext cx="0" cy="0"/>
+          <a:chOff x="0" y="0"/>
+          <a:chExt cx="0" cy="0"/>
+        </a:xfrm>
+      </p:grpSpPr>
+      <mc:AlternateContent xmlns:mc="http://schemas.openxmlformats.org/markup-compatibility/2006" xmlns:a14="http://schemas.microsoft.com/office/drawing/2010/main">
+        <mc:Choice Requires="a14">
+          <p:sp>
+            <p:nvSpPr>
+              <p:cNvPr id="2" name="コンテンツ プレースホルダー 1">
+                <a:extLst>
+                  <a:ext uri="{FF2B5EF4-FFF2-40B4-BE49-F238E27FC236}">
+                    <a16:creationId xmlns:a16="http://schemas.microsoft.com/office/drawing/2014/main" id="{16684F78-5BBD-4A4F-B9FE-2A407C8264BD}"/>
+                  </a:ext>
+                </a:extLst>
+              </p:cNvPr>
+              <p:cNvSpPr>
+                <a:spLocks noGrp="1"/>
+              </p:cNvSpPr>
+              <p:nvPr>
+                <p:ph idx="1"/>
+              </p:nvPr>
+            </p:nvSpPr>
+            <p:spPr/>
+            <p:txBody>
+              <a:bodyPr/>
+              <a:lstStyle/>
+              <a:p>
+                <a:r>
+                  <a:rPr lang="en-US" altLang="ja-JP" dirty="0"/>
+                  <a:t>3: Learned policy’s dependence for initial policy</a:t>
+                </a:r>
+              </a:p>
+              <a:p>
+                <a:pPr lvl="1"/>
+                <a:r>
+                  <a:rPr lang="en-US" altLang="ja-JP" dirty="0"/>
+                  <a:t>Initial policies</a:t>
+                </a:r>
+              </a:p>
+              <a:p>
+                <a:pPr lvl="1"/>
+                <a:endParaRPr lang="en-US" altLang="ja-JP" dirty="0"/>
+              </a:p>
+              <a:p>
+                <a:pPr lvl="1"/>
+                <a:endParaRPr lang="en-US" altLang="ja-JP" dirty="0"/>
+              </a:p>
+              <a:p>
+                <a:pPr lvl="1"/>
+                <a:endParaRPr lang="en-US" altLang="ja-JP" dirty="0"/>
+              </a:p>
+              <a:p>
+                <a:pPr lvl="1"/>
+                <a:r>
+                  <a:rPr lang="en-US" altLang="ja-JP" dirty="0"/>
+                  <a:t>3 patterns of learning</a:t>
+                </a:r>
+              </a:p>
+              <a:p>
+                <a:pPr lvl="2"/>
+                <a:r>
+                  <a:rPr lang="en-US" altLang="ja-JP" dirty="0"/>
+                  <a:t>adaptive interval and stabilizing: </a:t>
+                </a:r>
+                <a14:m>
+                  <m:oMath xmlns:m="http://schemas.openxmlformats.org/officeDocument/2006/math">
+                    <m:sSub>
+                      <m:sSubPr>
+                        <m:ctrlPr>
+                          <a:rPr lang="en-US" altLang="ja-JP" i="1">
+                            <a:solidFill>
+                              <a:schemeClr val="accent1">
+                                <a:lumMod val="75000"/>
+                              </a:schemeClr>
+                            </a:solidFill>
+                            <a:latin typeface="Cambria Math" panose="02040503050406030204" pitchFamily="18" charset="0"/>
+                          </a:rPr>
+                        </m:ctrlPr>
+                      </m:sSubPr>
+                      <m:e>
+                        <m:r>
+                          <a:rPr lang="ja-JP" altLang="en-US" i="1">
+                            <a:solidFill>
+                              <a:schemeClr val="accent1">
+                                <a:lumMod val="75000"/>
+                              </a:schemeClr>
+                            </a:solidFill>
+                            <a:latin typeface="Cambria Math" panose="02040503050406030204" pitchFamily="18" charset="0"/>
+                          </a:rPr>
+                          <m:t>𝜋</m:t>
+                        </m:r>
+                      </m:e>
+                      <m:sub>
+                        <m:r>
+                          <a:rPr lang="en-US" altLang="ja-JP" i="1">
+                            <a:solidFill>
+                              <a:schemeClr val="accent1">
+                                <a:lumMod val="75000"/>
+                              </a:schemeClr>
+                            </a:solidFill>
+                            <a:latin typeface="Cambria Math" panose="02040503050406030204" pitchFamily="18" charset="0"/>
+                          </a:rPr>
+                          <m:t>2</m:t>
+                        </m:r>
+                      </m:sub>
+                    </m:sSub>
+                  </m:oMath>
+                </a14:m>
+                <a:r>
+                  <a:rPr lang="en-US" altLang="ja-JP" dirty="0"/>
+                  <a:t>, </a:t>
+                </a:r>
+                <a14:m>
+                  <m:oMath xmlns:m="http://schemas.openxmlformats.org/officeDocument/2006/math">
+                    <m:sSub>
+                      <m:sSubPr>
+                        <m:ctrlPr>
+                          <a:rPr lang="en-US" altLang="ja-JP" i="1">
+                            <a:solidFill>
+                              <a:schemeClr val="accent1">
+                                <a:lumMod val="75000"/>
+                              </a:schemeClr>
+                            </a:solidFill>
+                            <a:latin typeface="Cambria Math" panose="02040503050406030204" pitchFamily="18" charset="0"/>
+                          </a:rPr>
+                        </m:ctrlPr>
+                      </m:sSubPr>
+                      <m:e>
+                        <m:r>
+                          <a:rPr lang="ja-JP" altLang="en-US" i="1">
+                            <a:solidFill>
+                              <a:schemeClr val="accent1">
+                                <a:lumMod val="75000"/>
+                              </a:schemeClr>
+                            </a:solidFill>
+                            <a:latin typeface="Cambria Math" panose="02040503050406030204" pitchFamily="18" charset="0"/>
+                          </a:rPr>
+                          <m:t>𝜋</m:t>
+                        </m:r>
+                      </m:e>
+                      <m:sub>
+                        <m:r>
+                          <a:rPr lang="en-US" altLang="ja-JP" b="0" i="1" smtClean="0">
+                            <a:solidFill>
+                              <a:schemeClr val="accent1">
+                                <a:lumMod val="75000"/>
+                              </a:schemeClr>
+                            </a:solidFill>
+                            <a:latin typeface="Cambria Math" panose="02040503050406030204" pitchFamily="18" charset="0"/>
+                          </a:rPr>
+                          <m:t>3</m:t>
+                        </m:r>
+                      </m:sub>
+                    </m:sSub>
+                    <m:r>
+                      <m:rPr>
+                        <m:nor/>
+                      </m:rPr>
+                      <a:rPr lang="en-US" altLang="ja-JP" dirty="0"/>
+                      <m:t>, </m:t>
+                    </m:r>
+                    <m:sSub>
+                      <m:sSubPr>
+                        <m:ctrlPr>
+                          <a:rPr lang="en-US" altLang="ja-JP" i="1">
+                            <a:solidFill>
+                              <a:schemeClr val="accent1">
+                                <a:lumMod val="75000"/>
+                              </a:schemeClr>
+                            </a:solidFill>
+                            <a:latin typeface="Cambria Math" panose="02040503050406030204" pitchFamily="18" charset="0"/>
+                          </a:rPr>
+                        </m:ctrlPr>
+                      </m:sSubPr>
+                      <m:e>
+                        <m:r>
+                          <a:rPr lang="ja-JP" altLang="en-US" i="1">
+                            <a:solidFill>
+                              <a:schemeClr val="accent1">
+                                <a:lumMod val="75000"/>
+                              </a:schemeClr>
+                            </a:solidFill>
+                            <a:latin typeface="Cambria Math" panose="02040503050406030204" pitchFamily="18" charset="0"/>
+                          </a:rPr>
+                          <m:t>𝜋</m:t>
+                        </m:r>
+                      </m:e>
+                      <m:sub>
+                        <m:r>
+                          <a:rPr lang="en-US" altLang="ja-JP" i="1">
+                            <a:solidFill>
+                              <a:schemeClr val="accent1">
+                                <a:lumMod val="75000"/>
+                              </a:schemeClr>
+                            </a:solidFill>
+                            <a:latin typeface="Cambria Math" panose="02040503050406030204" pitchFamily="18" charset="0"/>
+                          </a:rPr>
+                          <m:t>4</m:t>
+                        </m:r>
+                      </m:sub>
+                    </m:sSub>
+                  </m:oMath>
+                </a14:m>
+                <a:endParaRPr lang="en-US" altLang="ja-JP" dirty="0"/>
+              </a:p>
+              <a:p>
+                <a:pPr marL="1371600" lvl="3" indent="0">
+                  <a:buNone/>
+                </a:pPr>
+                <a:r>
+                  <a:rPr lang="en-US" altLang="ja-JP" dirty="0"/>
+                  <a:t>※interval around origin point is different</a:t>
+                </a:r>
+              </a:p>
+              <a:p>
+                <a:pPr lvl="2"/>
+                <a:endParaRPr lang="en-US" altLang="ja-JP" dirty="0"/>
+              </a:p>
+              <a:p>
+                <a:pPr lvl="2"/>
+                <a:endParaRPr lang="en-US" altLang="ja-JP" dirty="0"/>
+              </a:p>
+              <a:p>
+                <a:pPr marL="914400" lvl="2" indent="0">
+                  <a:buNone/>
+                </a:pPr>
+                <a:endParaRPr lang="en-US" altLang="ja-JP" dirty="0"/>
+              </a:p>
+              <a:p>
+                <a:pPr marL="914400" lvl="2" indent="0">
+                  <a:buNone/>
+                </a:pPr>
+                <a:endParaRPr lang="en-US" altLang="ja-JP" dirty="0"/>
+              </a:p>
+              <a:p>
+                <a:pPr lvl="2"/>
+                <a:r>
+                  <a:rPr lang="en-US" altLang="ja-JP" dirty="0"/>
+                  <a:t>constant interval (minimum) and stabilizing</a:t>
+                </a:r>
+              </a:p>
+              <a:p>
+                <a:pPr lvl="2"/>
+                <a:r>
+                  <a:rPr lang="en-US" altLang="ja-JP" dirty="0"/>
+                  <a:t>constant interval (minimum) and </a:t>
+                </a:r>
+                <a:r>
+                  <a:rPr lang="en-US" altLang="ja-JP" dirty="0" err="1"/>
+                  <a:t>unstabilizing</a:t>
+                </a:r>
+                <a:endParaRPr lang="en-US" altLang="ja-JP" dirty="0"/>
+              </a:p>
+              <a:p>
+                <a:pPr lvl="1"/>
+                <a:endParaRPr lang="en-US" altLang="ja-JP" dirty="0"/>
+              </a:p>
+              <a:p>
+                <a:endParaRPr kumimoji="1" lang="ja-JP" altLang="en-US"/>
+              </a:p>
+            </p:txBody>
+          </p:sp>
+        </mc:Choice>
+        <mc:Fallback xmlns="">
+          <p:sp>
+            <p:nvSpPr>
+              <p:cNvPr id="2" name="コンテンツ プレースホルダー 1">
+                <a:extLst>
+                  <a:ext uri="{FF2B5EF4-FFF2-40B4-BE49-F238E27FC236}">
+                    <a16:creationId xmlns:a16="http://schemas.microsoft.com/office/drawing/2014/main" id="{16684F78-5BBD-4A4F-B9FE-2A407C8264BD}"/>
+                  </a:ext>
+                </a:extLst>
+              </p:cNvPr>
+              <p:cNvSpPr>
+                <a:spLocks noGrp="1" noRot="1" noChangeAspect="1" noMove="1" noResize="1" noEditPoints="1" noAdjustHandles="1" noChangeArrowheads="1" noChangeShapeType="1" noTextEdit="1"/>
+              </p:cNvSpPr>
+              <p:nvPr>
+                <p:ph idx="1"/>
+              </p:nvPr>
+            </p:nvSpPr>
+            <p:spPr>
+              <a:blipFill>
+                <a:blip r:embed="rId2"/>
+                <a:stretch>
+                  <a:fillRect l="-598" t="-1266"/>
+                </a:stretch>
+              </a:blipFill>
+            </p:spPr>
+            <p:txBody>
+              <a:bodyPr/>
+              <a:lstStyle/>
+              <a:p>
+                <a:r>
+                  <a:rPr lang="ja-JP" altLang="en-US">
+                    <a:noFill/>
+                  </a:rPr>
+                  <a:t> </a:t>
+                </a:r>
+              </a:p>
+            </p:txBody>
+          </p:sp>
+        </mc:Fallback>
+      </mc:AlternateContent>
+      <p:sp>
+        <p:nvSpPr>
+          <p:cNvPr id="3" name="日付プレースホルダー 2">
+            <a:extLst>
+              <a:ext uri="{FF2B5EF4-FFF2-40B4-BE49-F238E27FC236}">
+                <a16:creationId xmlns:a16="http://schemas.microsoft.com/office/drawing/2014/main" id="{C3DAE354-EDD2-6B4D-9F50-5861CE031C82}"/>
+              </a:ext>
+            </a:extLst>
+          </p:cNvPr>
+          <p:cNvSpPr>
+            <a:spLocks noGrp="1"/>
+          </p:cNvSpPr>
+          <p:nvPr>
+            <p:ph type="dt" sz="half" idx="10"/>
+          </p:nvPr>
+        </p:nvSpPr>
+        <p:spPr/>
+        <p:txBody>
+          <a:bodyPr/>
+          <a:lstStyle/>
+          <a:p>
+            <a:fld id="{90235FA2-C49A-5C4F-85BF-B1D7D24C5B31}" type="datetime1">
+              <a:rPr kumimoji="1" lang="ja-JP" altLang="en-US" smtClean="0"/>
+              <a:t>2020/11/24</a:t>
+            </a:fld>
+            <a:endParaRPr kumimoji="1" lang="ja-JP" altLang="en-US"/>
+          </a:p>
+        </p:txBody>
+      </p:sp>
+      <p:sp>
+        <p:nvSpPr>
+          <p:cNvPr id="4" name="フッター プレースホルダー 3">
+            <a:extLst>
+              <a:ext uri="{FF2B5EF4-FFF2-40B4-BE49-F238E27FC236}">
+                <a16:creationId xmlns:a16="http://schemas.microsoft.com/office/drawing/2014/main" id="{7332108E-50F2-6340-B9C3-7B2DEC22B26C}"/>
+              </a:ext>
+            </a:extLst>
+          </p:cNvPr>
+          <p:cNvSpPr>
+            <a:spLocks noGrp="1"/>
+          </p:cNvSpPr>
+          <p:nvPr>
+            <p:ph type="ftr" sz="quarter" idx="11"/>
+          </p:nvPr>
+        </p:nvSpPr>
+        <p:spPr/>
+        <p:txBody>
+          <a:bodyPr/>
+          <a:lstStyle/>
+          <a:p>
+            <a:r>
+              <a:rPr kumimoji="1" lang="en-US" altLang="ja-JP"/>
+              <a:t>Control System Theory Group</a:t>
+            </a:r>
+            <a:endParaRPr kumimoji="1" lang="ja-JP" altLang="en-US"/>
+          </a:p>
+        </p:txBody>
+      </p:sp>
+      <p:sp>
+        <p:nvSpPr>
+          <p:cNvPr id="5" name="タイトル 4">
+            <a:extLst>
+              <a:ext uri="{FF2B5EF4-FFF2-40B4-BE49-F238E27FC236}">
+                <a16:creationId xmlns:a16="http://schemas.microsoft.com/office/drawing/2014/main" id="{09106BD1-42EF-9B4E-A5B1-DEC13E7A3E2C}"/>
+              </a:ext>
+            </a:extLst>
+          </p:cNvPr>
+          <p:cNvSpPr>
+            <a:spLocks noGrp="1"/>
+          </p:cNvSpPr>
+          <p:nvPr>
+            <p:ph type="title"/>
+          </p:nvPr>
+        </p:nvSpPr>
+        <p:spPr/>
+        <p:txBody>
+          <a:bodyPr/>
+          <a:lstStyle/>
+          <a:p>
+            <a:r>
+              <a:rPr kumimoji="1" lang="en-US" altLang="ja-JP" dirty="0"/>
+              <a:t>Weekly Report</a:t>
+            </a:r>
+            <a:endParaRPr kumimoji="1" lang="ja-JP" altLang="en-US"/>
+          </a:p>
+        </p:txBody>
+      </p:sp>
+      <mc:AlternateContent xmlns:mc="http://schemas.openxmlformats.org/markup-compatibility/2006" xmlns:a14="http://schemas.microsoft.com/office/drawing/2010/main">
+        <mc:Choice Requires="a14">
+          <p:sp>
+            <p:nvSpPr>
+              <p:cNvPr id="6" name="テキスト ボックス 5">
+                <a:extLst>
+                  <a:ext uri="{FF2B5EF4-FFF2-40B4-BE49-F238E27FC236}">
+                    <a16:creationId xmlns:a16="http://schemas.microsoft.com/office/drawing/2014/main" id="{2B1D9EED-470F-7A4C-BDEC-301FA2273607}"/>
+                  </a:ext>
+                </a:extLst>
+              </p:cNvPr>
+              <p:cNvSpPr txBox="1"/>
+              <p:nvPr/>
+            </p:nvSpPr>
+            <p:spPr>
+              <a:xfrm>
+                <a:off x="1657350" y="1859911"/>
+                <a:ext cx="5066643" cy="576696"/>
+              </a:xfrm>
+              <a:prstGeom prst="rect">
+                <a:avLst/>
+              </a:prstGeom>
+              <a:noFill/>
+            </p:spPr>
+            <p:txBody>
+              <a:bodyPr wrap="none" rtlCol="0">
+                <a:spAutoFit/>
+              </a:bodyPr>
+              <a:lstStyle/>
+              <a:p>
+                <a:pPr/>
+                <a14:m>
+                  <m:oMathPara xmlns:m="http://schemas.openxmlformats.org/officeDocument/2006/math">
+                    <m:oMathParaPr>
+                      <m:jc m:val="centerGroup"/>
+                    </m:oMathParaPr>
+                    <m:oMath xmlns:m="http://schemas.openxmlformats.org/officeDocument/2006/math">
+                      <m:sSub>
+                        <m:sSubPr>
+                          <m:ctrlPr>
+                            <a:rPr kumimoji="1" lang="en-US" altLang="ja-JP" i="1" smtClean="0">
+                              <a:latin typeface="Cambria Math" panose="02040503050406030204" pitchFamily="18" charset="0"/>
+                            </a:rPr>
+                          </m:ctrlPr>
+                        </m:sSubPr>
+                        <m:e>
+                          <m:r>
+                            <a:rPr kumimoji="1" lang="ja-JP" altLang="en-US" i="1">
+                              <a:latin typeface="Cambria Math" panose="02040503050406030204" pitchFamily="18" charset="0"/>
+                            </a:rPr>
+                            <m:t>𝜋</m:t>
+                          </m:r>
+                        </m:e>
+                        <m:sub>
+                          <m:r>
+                            <a:rPr kumimoji="1" lang="en-US" altLang="ja-JP" b="0" i="1" smtClean="0">
+                              <a:latin typeface="Cambria Math" panose="02040503050406030204" pitchFamily="18" charset="0"/>
+                            </a:rPr>
+                            <m:t>𝑖𝑛𝑖𝑡</m:t>
+                          </m:r>
+                        </m:sub>
+                      </m:sSub>
+                      <m:d>
+                        <m:dPr>
+                          <m:ctrlPr>
+                            <a:rPr kumimoji="1" lang="en-US" altLang="ja-JP" b="0" i="1" smtClean="0">
+                              <a:latin typeface="Cambria Math" panose="02040503050406030204" pitchFamily="18" charset="0"/>
+                            </a:rPr>
+                          </m:ctrlPr>
+                        </m:dPr>
+                        <m:e>
+                          <m:r>
+                            <a:rPr kumimoji="1" lang="en-US" altLang="ja-JP" b="0" i="1" smtClean="0">
+                              <a:latin typeface="Cambria Math" panose="02040503050406030204" pitchFamily="18" charset="0"/>
+                            </a:rPr>
+                            <m:t>𝑠</m:t>
+                          </m:r>
+                        </m:e>
+                      </m:d>
+                      <m:r>
+                        <a:rPr kumimoji="1" lang="en-US" altLang="ja-JP" b="0" i="1" smtClean="0">
+                          <a:latin typeface="Cambria Math" panose="02040503050406030204" pitchFamily="18" charset="0"/>
+                        </a:rPr>
+                        <m:t>: </m:t>
+                      </m:r>
+                      <m:d>
+                        <m:dPr>
+                          <m:begChr m:val="["/>
+                          <m:endChr m:val="]"/>
+                          <m:ctrlPr>
+                            <a:rPr kumimoji="1" lang="en-US" altLang="ja-JP" b="0" i="1" smtClean="0">
+                              <a:latin typeface="Cambria Math" panose="02040503050406030204" pitchFamily="18" charset="0"/>
+                            </a:rPr>
+                          </m:ctrlPr>
+                        </m:dPr>
+                        <m:e>
+                          <m:r>
+                            <a:rPr kumimoji="1" lang="en-US" altLang="ja-JP" b="0" i="1" smtClean="0">
+                              <a:latin typeface="Cambria Math" panose="02040503050406030204" pitchFamily="18" charset="0"/>
+                            </a:rPr>
+                            <m:t> </m:t>
+                          </m:r>
+                          <m:m>
+                            <m:mPr>
+                              <m:mcs>
+                                <m:mc>
+                                  <m:mcPr>
+                                    <m:count m:val="1"/>
+                                    <m:mcJc m:val="center"/>
+                                  </m:mcPr>
+                                </m:mc>
+                              </m:mcs>
+                              <m:ctrlPr>
+                                <a:rPr kumimoji="1" lang="en-US" altLang="ja-JP" b="0" i="1" smtClean="0">
+                                  <a:latin typeface="Cambria Math" panose="02040503050406030204" pitchFamily="18" charset="0"/>
+                                </a:rPr>
+                              </m:ctrlPr>
+                            </m:mPr>
+                            <m:mr>
+                              <m:e>
+                                <m:r>
+                                  <m:rPr>
+                                    <m:brk m:alnAt="7"/>
+                                  </m:rPr>
+                                  <a:rPr kumimoji="1" lang="en-US" altLang="ja-JP" b="0" i="1" smtClean="0">
+                                    <a:latin typeface="Cambria Math" panose="02040503050406030204" pitchFamily="18" charset="0"/>
+                                  </a:rPr>
+                                  <m:t>𝑙</m:t>
+                                </m:r>
+                                <m:r>
+                                  <a:rPr kumimoji="1" lang="en-US" altLang="ja-JP" b="0" i="1" smtClean="0">
+                                    <a:latin typeface="Cambria Math" panose="02040503050406030204" pitchFamily="18" charset="0"/>
+                                  </a:rPr>
+                                  <m:t>𝑞𝑟</m:t>
+                                </m:r>
+                                <m:r>
+                                  <a:rPr kumimoji="1" lang="en-US" altLang="ja-JP" b="0" i="1" smtClean="0">
+                                    <a:latin typeface="Cambria Math" panose="02040503050406030204" pitchFamily="18" charset="0"/>
+                                  </a:rPr>
+                                  <m:t>(</m:t>
+                                </m:r>
+                                <m:r>
+                                  <a:rPr kumimoji="1" lang="en-US" altLang="ja-JP" b="0" i="1" smtClean="0">
+                                    <a:latin typeface="Cambria Math" panose="02040503050406030204" pitchFamily="18" charset="0"/>
+                                  </a:rPr>
+                                  <m:t>𝑠</m:t>
+                                </m:r>
+                                <m:r>
+                                  <a:rPr kumimoji="1" lang="en-US" altLang="ja-JP" b="0" i="1" smtClean="0">
+                                    <a:latin typeface="Cambria Math" panose="02040503050406030204" pitchFamily="18" charset="0"/>
+                                  </a:rPr>
+                                  <m:t>)</m:t>
+                                </m:r>
+                              </m:e>
+                            </m:mr>
+                            <m:mr>
+                              <m:e>
+                                <m:r>
+                                  <a:rPr kumimoji="1" lang="en-US" altLang="ja-JP" b="0" i="1" smtClean="0">
+                                    <a:latin typeface="Cambria Math" panose="02040503050406030204" pitchFamily="18" charset="0"/>
+                                  </a:rPr>
+                                  <m:t>0.01</m:t>
+                                </m:r>
+                              </m:e>
+                            </m:mr>
+                          </m:m>
+                          <m:r>
+                            <a:rPr kumimoji="1" lang="en-US" altLang="ja-JP" b="0" i="1" smtClean="0">
+                              <a:latin typeface="Cambria Math" panose="02040503050406030204" pitchFamily="18" charset="0"/>
+                            </a:rPr>
+                            <m:t> </m:t>
+                          </m:r>
+                        </m:e>
+                      </m:d>
+                      <m:r>
+                        <a:rPr kumimoji="1" lang="en-US" altLang="ja-JP" b="0" i="0" smtClean="0">
+                          <a:latin typeface="Cambria Math" panose="02040503050406030204" pitchFamily="18" charset="0"/>
+                        </a:rPr>
+                        <m:t>,</m:t>
+                      </m:r>
+                      <m:d>
+                        <m:dPr>
+                          <m:begChr m:val="["/>
+                          <m:endChr m:val="]"/>
+                          <m:ctrlPr>
+                            <a:rPr kumimoji="1" lang="en-US" altLang="ja-JP" i="1">
+                              <a:latin typeface="Cambria Math" panose="02040503050406030204" pitchFamily="18" charset="0"/>
+                            </a:rPr>
+                          </m:ctrlPr>
+                        </m:dPr>
+                        <m:e>
+                          <m:r>
+                            <a:rPr kumimoji="1" lang="en-US" altLang="ja-JP" i="1">
+                              <a:latin typeface="Cambria Math" panose="02040503050406030204" pitchFamily="18" charset="0"/>
+                            </a:rPr>
+                            <m:t> </m:t>
+                          </m:r>
+                          <m:m>
+                            <m:mPr>
+                              <m:mcs>
+                                <m:mc>
+                                  <m:mcPr>
+                                    <m:count m:val="1"/>
+                                    <m:mcJc m:val="center"/>
+                                  </m:mcPr>
+                                </m:mc>
+                              </m:mcs>
+                              <m:ctrlPr>
+                                <a:rPr kumimoji="1" lang="en-US" altLang="ja-JP" i="1">
+                                  <a:latin typeface="Cambria Math" panose="02040503050406030204" pitchFamily="18" charset="0"/>
+                                </a:rPr>
+                              </m:ctrlPr>
+                            </m:mPr>
+                            <m:mr>
+                              <m:e>
+                                <m:r>
+                                  <m:rPr>
+                                    <m:brk m:alnAt="7"/>
+                                  </m:rPr>
+                                  <a:rPr kumimoji="1" lang="en-US" altLang="ja-JP" i="1">
+                                    <a:latin typeface="Cambria Math" panose="02040503050406030204" pitchFamily="18" charset="0"/>
+                                  </a:rPr>
+                                  <m:t>𝑙</m:t>
+                                </m:r>
+                                <m:r>
+                                  <a:rPr kumimoji="1" lang="en-US" altLang="ja-JP" i="1">
+                                    <a:latin typeface="Cambria Math" panose="02040503050406030204" pitchFamily="18" charset="0"/>
+                                  </a:rPr>
+                                  <m:t>𝑞𝑟</m:t>
+                                </m:r>
+                                <m:r>
+                                  <a:rPr kumimoji="1" lang="en-US" altLang="ja-JP" i="1">
+                                    <a:latin typeface="Cambria Math" panose="02040503050406030204" pitchFamily="18" charset="0"/>
+                                  </a:rPr>
+                                  <m:t>(</m:t>
+                                </m:r>
+                                <m:r>
+                                  <a:rPr kumimoji="1" lang="en-US" altLang="ja-JP" i="1">
+                                    <a:latin typeface="Cambria Math" panose="02040503050406030204" pitchFamily="18" charset="0"/>
+                                  </a:rPr>
+                                  <m:t>𝑠</m:t>
+                                </m:r>
+                                <m:r>
+                                  <a:rPr kumimoji="1" lang="en-US" altLang="ja-JP" i="1">
+                                    <a:latin typeface="Cambria Math" panose="02040503050406030204" pitchFamily="18" charset="0"/>
+                                  </a:rPr>
+                                  <m:t>)</m:t>
+                                </m:r>
+                              </m:e>
+                            </m:mr>
+                            <m:mr>
+                              <m:e>
+                                <m:r>
+                                  <a:rPr kumimoji="1" lang="en-US" altLang="ja-JP" i="1">
+                                    <a:latin typeface="Cambria Math" panose="02040503050406030204" pitchFamily="18" charset="0"/>
+                                  </a:rPr>
+                                  <m:t>0.1</m:t>
+                                </m:r>
+                              </m:e>
+                            </m:mr>
+                          </m:m>
+                          <m:r>
+                            <a:rPr kumimoji="1" lang="en-US" altLang="ja-JP" i="1">
+                              <a:latin typeface="Cambria Math" panose="02040503050406030204" pitchFamily="18" charset="0"/>
+                            </a:rPr>
+                            <m:t> </m:t>
+                          </m:r>
+                        </m:e>
+                      </m:d>
+                      <m:r>
+                        <a:rPr kumimoji="1" lang="en-US" altLang="ja-JP" b="0" i="1" smtClean="0">
+                          <a:latin typeface="Cambria Math" panose="02040503050406030204" pitchFamily="18" charset="0"/>
+                        </a:rPr>
+                        <m:t>,</m:t>
+                      </m:r>
+                      <m:d>
+                        <m:dPr>
+                          <m:begChr m:val="["/>
+                          <m:endChr m:val="]"/>
+                          <m:ctrlPr>
+                            <a:rPr kumimoji="1" lang="en-US" altLang="ja-JP" i="1">
+                              <a:latin typeface="Cambria Math" panose="02040503050406030204" pitchFamily="18" charset="0"/>
+                            </a:rPr>
+                          </m:ctrlPr>
+                        </m:dPr>
+                        <m:e>
+                          <m:r>
+                            <a:rPr kumimoji="1" lang="en-US" altLang="ja-JP" i="1">
+                              <a:latin typeface="Cambria Math" panose="02040503050406030204" pitchFamily="18" charset="0"/>
+                            </a:rPr>
+                            <m:t> </m:t>
+                          </m:r>
+                          <m:m>
+                            <m:mPr>
+                              <m:mcs>
+                                <m:mc>
+                                  <m:mcPr>
+                                    <m:count m:val="1"/>
+                                    <m:mcJc m:val="center"/>
+                                  </m:mcPr>
+                                </m:mc>
+                              </m:mcs>
+                              <m:ctrlPr>
+                                <a:rPr kumimoji="1" lang="en-US" altLang="ja-JP" i="1">
+                                  <a:latin typeface="Cambria Math" panose="02040503050406030204" pitchFamily="18" charset="0"/>
+                                </a:rPr>
+                              </m:ctrlPr>
+                            </m:mPr>
+                            <m:mr>
+                              <m:e>
+                                <m:r>
+                                  <m:rPr>
+                                    <m:brk m:alnAt="7"/>
+                                  </m:rPr>
+                                  <a:rPr kumimoji="1" lang="en-US" altLang="ja-JP" i="1">
+                                    <a:latin typeface="Cambria Math" panose="02040503050406030204" pitchFamily="18" charset="0"/>
+                                  </a:rPr>
+                                  <m:t>𝑙</m:t>
+                                </m:r>
+                                <m:r>
+                                  <a:rPr kumimoji="1" lang="en-US" altLang="ja-JP" i="1">
+                                    <a:latin typeface="Cambria Math" panose="02040503050406030204" pitchFamily="18" charset="0"/>
+                                  </a:rPr>
+                                  <m:t>𝑞𝑟</m:t>
+                                </m:r>
+                                <m:r>
+                                  <a:rPr kumimoji="1" lang="en-US" altLang="ja-JP" i="1">
+                                    <a:latin typeface="Cambria Math" panose="02040503050406030204" pitchFamily="18" charset="0"/>
+                                  </a:rPr>
+                                  <m:t>(</m:t>
+                                </m:r>
+                                <m:r>
+                                  <a:rPr kumimoji="1" lang="en-US" altLang="ja-JP" i="1">
+                                    <a:latin typeface="Cambria Math" panose="02040503050406030204" pitchFamily="18" charset="0"/>
+                                  </a:rPr>
+                                  <m:t>𝑠</m:t>
+                                </m:r>
+                                <m:r>
+                                  <a:rPr kumimoji="1" lang="en-US" altLang="ja-JP" i="1">
+                                    <a:latin typeface="Cambria Math" panose="02040503050406030204" pitchFamily="18" charset="0"/>
+                                  </a:rPr>
+                                  <m:t>)</m:t>
+                                </m:r>
+                              </m:e>
+                            </m:mr>
+                            <m:mr>
+                              <m:e>
+                                <m:r>
+                                  <a:rPr kumimoji="1" lang="en-US" altLang="ja-JP" i="1">
+                                    <a:latin typeface="Cambria Math" panose="02040503050406030204" pitchFamily="18" charset="0"/>
+                                  </a:rPr>
+                                  <m:t>0.</m:t>
+                                </m:r>
+                                <m:r>
+                                  <a:rPr kumimoji="1" lang="en-US" altLang="ja-JP" b="0" i="1" smtClean="0">
+                                    <a:latin typeface="Cambria Math" panose="02040503050406030204" pitchFamily="18" charset="0"/>
+                                  </a:rPr>
+                                  <m:t>5</m:t>
+                                </m:r>
+                              </m:e>
+                            </m:mr>
+                          </m:m>
+                          <m:r>
+                            <a:rPr kumimoji="1" lang="en-US" altLang="ja-JP" i="1">
+                              <a:latin typeface="Cambria Math" panose="02040503050406030204" pitchFamily="18" charset="0"/>
+                            </a:rPr>
+                            <m:t> </m:t>
+                          </m:r>
+                        </m:e>
+                      </m:d>
+                      <m:r>
+                        <a:rPr kumimoji="1" lang="en-US" altLang="ja-JP" b="0" i="1" smtClean="0">
+                          <a:latin typeface="Cambria Math" panose="02040503050406030204" pitchFamily="18" charset="0"/>
+                        </a:rPr>
+                        <m:t>,</m:t>
+                      </m:r>
+                      <m:d>
+                        <m:dPr>
+                          <m:begChr m:val="["/>
+                          <m:endChr m:val="]"/>
+                          <m:ctrlPr>
+                            <a:rPr kumimoji="1" lang="en-US" altLang="ja-JP" i="1">
+                              <a:latin typeface="Cambria Math" panose="02040503050406030204" pitchFamily="18" charset="0"/>
+                            </a:rPr>
+                          </m:ctrlPr>
+                        </m:dPr>
+                        <m:e>
+                          <m:r>
+                            <a:rPr kumimoji="1" lang="en-US" altLang="ja-JP" i="1">
+                              <a:latin typeface="Cambria Math" panose="02040503050406030204" pitchFamily="18" charset="0"/>
+                            </a:rPr>
+                            <m:t> </m:t>
+                          </m:r>
+                          <m:m>
+                            <m:mPr>
+                              <m:mcs>
+                                <m:mc>
+                                  <m:mcPr>
+                                    <m:count m:val="1"/>
+                                    <m:mcJc m:val="center"/>
+                                  </m:mcPr>
+                                </m:mc>
+                              </m:mcs>
+                              <m:ctrlPr>
+                                <a:rPr kumimoji="1" lang="en-US" altLang="ja-JP" i="1">
+                                  <a:latin typeface="Cambria Math" panose="02040503050406030204" pitchFamily="18" charset="0"/>
+                                </a:rPr>
+                              </m:ctrlPr>
+                            </m:mPr>
+                            <m:mr>
+                              <m:e>
+                                <m:r>
+                                  <m:rPr>
+                                    <m:brk m:alnAt="7"/>
+                                  </m:rPr>
+                                  <a:rPr kumimoji="1" lang="en-US" altLang="ja-JP" i="1">
+                                    <a:latin typeface="Cambria Math" panose="02040503050406030204" pitchFamily="18" charset="0"/>
+                                  </a:rPr>
+                                  <m:t>𝑙</m:t>
+                                </m:r>
+                                <m:r>
+                                  <a:rPr kumimoji="1" lang="en-US" altLang="ja-JP" i="1">
+                                    <a:latin typeface="Cambria Math" panose="02040503050406030204" pitchFamily="18" charset="0"/>
+                                  </a:rPr>
+                                  <m:t>𝑞𝑟</m:t>
+                                </m:r>
+                                <m:r>
+                                  <a:rPr kumimoji="1" lang="en-US" altLang="ja-JP" i="1">
+                                    <a:latin typeface="Cambria Math" panose="02040503050406030204" pitchFamily="18" charset="0"/>
+                                  </a:rPr>
+                                  <m:t>(</m:t>
+                                </m:r>
+                                <m:r>
+                                  <a:rPr kumimoji="1" lang="en-US" altLang="ja-JP" i="1">
+                                    <a:latin typeface="Cambria Math" panose="02040503050406030204" pitchFamily="18" charset="0"/>
+                                  </a:rPr>
+                                  <m:t>𝑠</m:t>
+                                </m:r>
+                                <m:r>
+                                  <a:rPr kumimoji="1" lang="en-US" altLang="ja-JP" i="1">
+                                    <a:latin typeface="Cambria Math" panose="02040503050406030204" pitchFamily="18" charset="0"/>
+                                  </a:rPr>
+                                  <m:t>)</m:t>
+                                </m:r>
+                              </m:e>
+                            </m:mr>
+                            <m:mr>
+                              <m:e>
+                                <m:r>
+                                  <a:rPr kumimoji="1" lang="en-US" altLang="ja-JP" i="1">
+                                    <a:latin typeface="Cambria Math" panose="02040503050406030204" pitchFamily="18" charset="0"/>
+                                  </a:rPr>
+                                  <m:t>1</m:t>
+                                </m:r>
+                                <m:r>
+                                  <a:rPr kumimoji="1" lang="en-US" altLang="ja-JP" b="0" i="1" smtClean="0">
+                                    <a:latin typeface="Cambria Math" panose="02040503050406030204" pitchFamily="18" charset="0"/>
+                                  </a:rPr>
+                                  <m:t>.0</m:t>
+                                </m:r>
+                              </m:e>
+                            </m:mr>
+                          </m:m>
+                          <m:r>
+                            <a:rPr kumimoji="1" lang="en-US" altLang="ja-JP" i="1">
+                              <a:latin typeface="Cambria Math" panose="02040503050406030204" pitchFamily="18" charset="0"/>
+                            </a:rPr>
+                            <m:t> </m:t>
+                          </m:r>
+                        </m:e>
+                      </m:d>
+                    </m:oMath>
+                  </m:oMathPara>
+                </a14:m>
+                <a:endParaRPr kumimoji="1" lang="ja-JP" altLang="en-US"/>
+              </a:p>
+            </p:txBody>
+          </p:sp>
+        </mc:Choice>
+        <mc:Fallback xmlns="">
+          <p:sp>
+            <p:nvSpPr>
+              <p:cNvPr id="6" name="テキスト ボックス 5">
+                <a:extLst>
+                  <a:ext uri="{FF2B5EF4-FFF2-40B4-BE49-F238E27FC236}">
+                    <a16:creationId xmlns:a16="http://schemas.microsoft.com/office/drawing/2014/main" id="{2B1D9EED-470F-7A4C-BDEC-301FA2273607}"/>
+                  </a:ext>
+                </a:extLst>
+              </p:cNvPr>
+              <p:cNvSpPr txBox="1">
+                <a:spLocks noRot="1" noChangeAspect="1" noMove="1" noResize="1" noEditPoints="1" noAdjustHandles="1" noChangeArrowheads="1" noChangeShapeType="1" noTextEdit="1"/>
+              </p:cNvSpPr>
+              <p:nvPr/>
+            </p:nvSpPr>
+            <p:spPr>
+              <a:xfrm>
+                <a:off x="1657350" y="1859911"/>
+                <a:ext cx="5066643" cy="576696"/>
+              </a:xfrm>
+              <a:prstGeom prst="rect">
+                <a:avLst/>
+              </a:prstGeom>
+              <a:blipFill>
+                <a:blip r:embed="rId3"/>
+                <a:stretch>
+                  <a:fillRect b="-2128"/>
+                </a:stretch>
+              </a:blipFill>
+            </p:spPr>
+            <p:txBody>
+              <a:bodyPr/>
+              <a:lstStyle/>
+              <a:p>
+                <a:r>
+                  <a:rPr lang="ja-JP" altLang="en-US">
+                    <a:noFill/>
+                  </a:rPr>
+                  <a:t> </a:t>
+                </a:r>
+              </a:p>
+            </p:txBody>
+          </p:sp>
+        </mc:Fallback>
+      </mc:AlternateContent>
+      <mc:AlternateContent xmlns:mc="http://schemas.openxmlformats.org/markup-compatibility/2006" xmlns:a14="http://schemas.microsoft.com/office/drawing/2010/main">
+        <mc:Choice Requires="a14">
+          <p:sp>
+            <p:nvSpPr>
+              <p:cNvPr id="7" name="テキスト ボックス 6">
+                <a:extLst>
+                  <a:ext uri="{FF2B5EF4-FFF2-40B4-BE49-F238E27FC236}">
+                    <a16:creationId xmlns:a16="http://schemas.microsoft.com/office/drawing/2014/main" id="{A10987FB-2B9D-E948-84D2-05FD15E6BB89}"/>
+                  </a:ext>
+                </a:extLst>
+              </p:cNvPr>
+              <p:cNvSpPr txBox="1"/>
+              <p:nvPr/>
+            </p:nvSpPr>
+            <p:spPr>
+              <a:xfrm>
+                <a:off x="3267307" y="2375560"/>
+                <a:ext cx="475836" cy="369332"/>
+              </a:xfrm>
+              <a:prstGeom prst="rect">
+                <a:avLst/>
+              </a:prstGeom>
+              <a:noFill/>
+            </p:spPr>
+            <p:txBody>
+              <a:bodyPr wrap="square" rtlCol="0">
+                <a:spAutoFit/>
+              </a:bodyPr>
+              <a:lstStyle/>
+              <a:p>
+                <a:pPr/>
+                <a14:m>
+                  <m:oMathPara xmlns:m="http://schemas.openxmlformats.org/officeDocument/2006/math">
+                    <m:oMathParaPr>
+                      <m:jc m:val="centerGroup"/>
+                    </m:oMathParaPr>
+                    <m:oMath xmlns:m="http://schemas.openxmlformats.org/officeDocument/2006/math">
+                      <m:sSub>
+                        <m:sSubPr>
+                          <m:ctrlPr>
+                            <a:rPr kumimoji="1" lang="en-US" altLang="ja-JP" i="1" smtClean="0">
+                              <a:solidFill>
+                                <a:schemeClr val="accent1">
+                                  <a:lumMod val="75000"/>
+                                </a:schemeClr>
+                              </a:solidFill>
+                              <a:latin typeface="Cambria Math" panose="02040503050406030204" pitchFamily="18" charset="0"/>
+                            </a:rPr>
+                          </m:ctrlPr>
+                        </m:sSubPr>
+                        <m:e>
+                          <m:r>
+                            <a:rPr kumimoji="1" lang="ja-JP" altLang="en-US" i="1">
+                              <a:solidFill>
+                                <a:schemeClr val="accent1">
+                                  <a:lumMod val="75000"/>
+                                </a:schemeClr>
+                              </a:solidFill>
+                              <a:latin typeface="Cambria Math" panose="02040503050406030204" pitchFamily="18" charset="0"/>
+                            </a:rPr>
+                            <m:t>𝜋</m:t>
+                          </m:r>
+                        </m:e>
+                        <m:sub>
+                          <m:r>
+                            <a:rPr kumimoji="1" lang="en-US" altLang="ja-JP" b="0" i="1" smtClean="0">
+                              <a:solidFill>
+                                <a:schemeClr val="accent1">
+                                  <a:lumMod val="75000"/>
+                                </a:schemeClr>
+                              </a:solidFill>
+                              <a:latin typeface="Cambria Math" panose="02040503050406030204" pitchFamily="18" charset="0"/>
+                            </a:rPr>
+                            <m:t>1</m:t>
+                          </m:r>
+                        </m:sub>
+                      </m:sSub>
+                    </m:oMath>
+                  </m:oMathPara>
+                </a14:m>
+                <a:endParaRPr kumimoji="1" lang="ja-JP" altLang="en-US">
+                  <a:solidFill>
+                    <a:schemeClr val="accent1">
+                      <a:lumMod val="75000"/>
+                    </a:schemeClr>
+                  </a:solidFill>
+                </a:endParaRPr>
+              </a:p>
+            </p:txBody>
+          </p:sp>
+        </mc:Choice>
+        <mc:Fallback xmlns="">
+          <p:sp>
+            <p:nvSpPr>
+              <p:cNvPr id="7" name="テキスト ボックス 6">
+                <a:extLst>
+                  <a:ext uri="{FF2B5EF4-FFF2-40B4-BE49-F238E27FC236}">
+                    <a16:creationId xmlns:a16="http://schemas.microsoft.com/office/drawing/2014/main" id="{A10987FB-2B9D-E948-84D2-05FD15E6BB89}"/>
+                  </a:ext>
+                </a:extLst>
+              </p:cNvPr>
+              <p:cNvSpPr txBox="1">
+                <a:spLocks noRot="1" noChangeAspect="1" noMove="1" noResize="1" noEditPoints="1" noAdjustHandles="1" noChangeArrowheads="1" noChangeShapeType="1" noTextEdit="1"/>
+              </p:cNvSpPr>
+              <p:nvPr/>
+            </p:nvSpPr>
+            <p:spPr>
+              <a:xfrm>
+                <a:off x="3267307" y="2375560"/>
+                <a:ext cx="475836" cy="369332"/>
+              </a:xfrm>
+              <a:prstGeom prst="rect">
+                <a:avLst/>
+              </a:prstGeom>
+              <a:blipFill>
+                <a:blip r:embed="rId4"/>
+                <a:stretch>
+                  <a:fillRect/>
+                </a:stretch>
+              </a:blipFill>
+            </p:spPr>
+            <p:txBody>
+              <a:bodyPr/>
+              <a:lstStyle/>
+              <a:p>
+                <a:r>
+                  <a:rPr lang="ja-JP" altLang="en-US">
+                    <a:noFill/>
+                  </a:rPr>
+                  <a:t> </a:t>
+                </a:r>
+              </a:p>
+            </p:txBody>
+          </p:sp>
+        </mc:Fallback>
+      </mc:AlternateContent>
+      <p:cxnSp>
+        <p:nvCxnSpPr>
+          <p:cNvPr id="9" name="直線コネクタ 8">
+            <a:extLst>
+              <a:ext uri="{FF2B5EF4-FFF2-40B4-BE49-F238E27FC236}">
+                <a16:creationId xmlns:a16="http://schemas.microsoft.com/office/drawing/2014/main" id="{0ADDFD6A-5CF5-D544-BFEF-2F9EB5DD51E8}"/>
+              </a:ext>
+            </a:extLst>
+          </p:cNvPr>
+          <p:cNvCxnSpPr>
+            <a:cxnSpLocks/>
+          </p:cNvCxnSpPr>
+          <p:nvPr/>
+        </p:nvCxnSpPr>
+        <p:spPr>
+          <a:xfrm>
+            <a:off x="2686050" y="2420164"/>
+            <a:ext cx="893491" cy="0"/>
+          </a:xfrm>
+          <a:prstGeom prst="line">
+            <a:avLst/>
+          </a:prstGeom>
+        </p:spPr>
+        <p:style>
+          <a:lnRef idx="1">
+            <a:schemeClr val="accent1"/>
+          </a:lnRef>
+          <a:fillRef idx="0">
+            <a:schemeClr val="accent1"/>
+          </a:fillRef>
+          <a:effectRef idx="0">
+            <a:schemeClr val="accent1"/>
+          </a:effectRef>
+          <a:fontRef idx="minor">
+            <a:schemeClr val="tx1"/>
+          </a:fontRef>
+        </p:style>
+      </p:cxnSp>
+      <mc:AlternateContent xmlns:mc="http://schemas.openxmlformats.org/markup-compatibility/2006" xmlns:a14="http://schemas.microsoft.com/office/drawing/2010/main">
+        <mc:Choice Requires="a14">
+          <p:sp>
+            <p:nvSpPr>
+              <p:cNvPr id="13" name="テキスト ボックス 12">
+                <a:extLst>
+                  <a:ext uri="{FF2B5EF4-FFF2-40B4-BE49-F238E27FC236}">
+                    <a16:creationId xmlns:a16="http://schemas.microsoft.com/office/drawing/2014/main" id="{4EC17438-FDFD-0D4C-8B0A-229BD876A636}"/>
+                  </a:ext>
+                </a:extLst>
+              </p:cNvPr>
+              <p:cNvSpPr txBox="1"/>
+              <p:nvPr/>
+            </p:nvSpPr>
+            <p:spPr>
+              <a:xfrm>
+                <a:off x="4296007" y="2372631"/>
+                <a:ext cx="475836" cy="369332"/>
+              </a:xfrm>
+              <a:prstGeom prst="rect">
+                <a:avLst/>
+              </a:prstGeom>
+              <a:noFill/>
+            </p:spPr>
+            <p:txBody>
+              <a:bodyPr wrap="square" rtlCol="0">
+                <a:spAutoFit/>
+              </a:bodyPr>
+              <a:lstStyle/>
+              <a:p>
+                <a:pPr/>
+                <a14:m>
+                  <m:oMathPara xmlns:m="http://schemas.openxmlformats.org/officeDocument/2006/math">
+                    <m:oMathParaPr>
+                      <m:jc m:val="centerGroup"/>
+                    </m:oMathParaPr>
+                    <m:oMath xmlns:m="http://schemas.openxmlformats.org/officeDocument/2006/math">
+                      <m:sSub>
+                        <m:sSubPr>
+                          <m:ctrlPr>
+                            <a:rPr kumimoji="1" lang="en-US" altLang="ja-JP" i="1" smtClean="0">
+                              <a:solidFill>
+                                <a:schemeClr val="accent1">
+                                  <a:lumMod val="75000"/>
+                                </a:schemeClr>
+                              </a:solidFill>
+                              <a:latin typeface="Cambria Math" panose="02040503050406030204" pitchFamily="18" charset="0"/>
+                            </a:rPr>
+                          </m:ctrlPr>
+                        </m:sSubPr>
+                        <m:e>
+                          <m:r>
+                            <a:rPr kumimoji="1" lang="ja-JP" altLang="en-US" i="1">
+                              <a:solidFill>
+                                <a:schemeClr val="accent1">
+                                  <a:lumMod val="75000"/>
+                                </a:schemeClr>
+                              </a:solidFill>
+                              <a:latin typeface="Cambria Math" panose="02040503050406030204" pitchFamily="18" charset="0"/>
+                            </a:rPr>
+                            <m:t>𝜋</m:t>
+                          </m:r>
+                        </m:e>
+                        <m:sub>
+                          <m:r>
+                            <a:rPr kumimoji="1" lang="en-US" altLang="ja-JP" b="0" i="1" smtClean="0">
+                              <a:solidFill>
+                                <a:schemeClr val="accent1">
+                                  <a:lumMod val="75000"/>
+                                </a:schemeClr>
+                              </a:solidFill>
+                              <a:latin typeface="Cambria Math" panose="02040503050406030204" pitchFamily="18" charset="0"/>
+                            </a:rPr>
+                            <m:t>2</m:t>
+                          </m:r>
+                        </m:sub>
+                      </m:sSub>
+                    </m:oMath>
+                  </m:oMathPara>
+                </a14:m>
+                <a:endParaRPr kumimoji="1" lang="ja-JP" altLang="en-US">
+                  <a:solidFill>
+                    <a:schemeClr val="accent1">
+                      <a:lumMod val="75000"/>
+                    </a:schemeClr>
+                  </a:solidFill>
+                </a:endParaRPr>
+              </a:p>
+            </p:txBody>
+          </p:sp>
+        </mc:Choice>
+        <mc:Fallback xmlns="">
+          <p:sp>
+            <p:nvSpPr>
+              <p:cNvPr id="13" name="テキスト ボックス 12">
+                <a:extLst>
+                  <a:ext uri="{FF2B5EF4-FFF2-40B4-BE49-F238E27FC236}">
+                    <a16:creationId xmlns:a16="http://schemas.microsoft.com/office/drawing/2014/main" id="{4EC17438-FDFD-0D4C-8B0A-229BD876A636}"/>
+                  </a:ext>
+                </a:extLst>
+              </p:cNvPr>
+              <p:cNvSpPr txBox="1">
+                <a:spLocks noRot="1" noChangeAspect="1" noMove="1" noResize="1" noEditPoints="1" noAdjustHandles="1" noChangeArrowheads="1" noChangeShapeType="1" noTextEdit="1"/>
+              </p:cNvSpPr>
+              <p:nvPr/>
+            </p:nvSpPr>
+            <p:spPr>
+              <a:xfrm>
+                <a:off x="4296007" y="2372631"/>
+                <a:ext cx="475836" cy="369332"/>
+              </a:xfrm>
+              <a:prstGeom prst="rect">
+                <a:avLst/>
+              </a:prstGeom>
+              <a:blipFill>
+                <a:blip r:embed="rId5"/>
+                <a:stretch>
+                  <a:fillRect/>
+                </a:stretch>
+              </a:blipFill>
+            </p:spPr>
+            <p:txBody>
+              <a:bodyPr/>
+              <a:lstStyle/>
+              <a:p>
+                <a:r>
+                  <a:rPr lang="ja-JP" altLang="en-US">
+                    <a:noFill/>
+                  </a:rPr>
+                  <a:t> </a:t>
+                </a:r>
+              </a:p>
+            </p:txBody>
+          </p:sp>
+        </mc:Fallback>
+      </mc:AlternateContent>
+      <p:cxnSp>
+        <p:nvCxnSpPr>
+          <p:cNvPr id="14" name="直線コネクタ 13">
+            <a:extLst>
+              <a:ext uri="{FF2B5EF4-FFF2-40B4-BE49-F238E27FC236}">
+                <a16:creationId xmlns:a16="http://schemas.microsoft.com/office/drawing/2014/main" id="{D20D6388-FE73-6F4D-BD4B-8576EB22F290}"/>
+              </a:ext>
+            </a:extLst>
+          </p:cNvPr>
+          <p:cNvCxnSpPr>
+            <a:cxnSpLocks/>
+          </p:cNvCxnSpPr>
+          <p:nvPr/>
+        </p:nvCxnSpPr>
+        <p:spPr>
+          <a:xfrm>
+            <a:off x="3714750" y="2417235"/>
+            <a:ext cx="893491" cy="0"/>
+          </a:xfrm>
+          <a:prstGeom prst="line">
+            <a:avLst/>
+          </a:prstGeom>
+        </p:spPr>
+        <p:style>
+          <a:lnRef idx="1">
+            <a:schemeClr val="accent1"/>
+          </a:lnRef>
+          <a:fillRef idx="0">
+            <a:schemeClr val="accent1"/>
+          </a:fillRef>
+          <a:effectRef idx="0">
+            <a:schemeClr val="accent1"/>
+          </a:effectRef>
+          <a:fontRef idx="minor">
+            <a:schemeClr val="tx1"/>
+          </a:fontRef>
+        </p:style>
+      </p:cxnSp>
+      <mc:AlternateContent xmlns:mc="http://schemas.openxmlformats.org/markup-compatibility/2006" xmlns:a14="http://schemas.microsoft.com/office/drawing/2010/main">
+        <mc:Choice Requires="a14">
+          <p:sp>
+            <p:nvSpPr>
+              <p:cNvPr id="15" name="テキスト ボックス 14">
+                <a:extLst>
+                  <a:ext uri="{FF2B5EF4-FFF2-40B4-BE49-F238E27FC236}">
+                    <a16:creationId xmlns:a16="http://schemas.microsoft.com/office/drawing/2014/main" id="{AF155028-8C98-234D-A6F5-1399EEACBEEE}"/>
+                  </a:ext>
+                </a:extLst>
+              </p:cNvPr>
+              <p:cNvSpPr txBox="1"/>
+              <p:nvPr/>
+            </p:nvSpPr>
+            <p:spPr>
+              <a:xfrm>
+                <a:off x="5289873" y="2372187"/>
+                <a:ext cx="475836" cy="369332"/>
+              </a:xfrm>
+              <a:prstGeom prst="rect">
+                <a:avLst/>
+              </a:prstGeom>
+              <a:noFill/>
+            </p:spPr>
+            <p:txBody>
+              <a:bodyPr wrap="square" rtlCol="0">
+                <a:spAutoFit/>
+              </a:bodyPr>
+              <a:lstStyle/>
+              <a:p>
+                <a:pPr/>
+                <a14:m>
+                  <m:oMathPara xmlns:m="http://schemas.openxmlformats.org/officeDocument/2006/math">
+                    <m:oMathParaPr>
+                      <m:jc m:val="centerGroup"/>
+                    </m:oMathParaPr>
+                    <m:oMath xmlns:m="http://schemas.openxmlformats.org/officeDocument/2006/math">
+                      <m:sSub>
+                        <m:sSubPr>
+                          <m:ctrlPr>
+                            <a:rPr kumimoji="1" lang="en-US" altLang="ja-JP" i="1" smtClean="0">
+                              <a:solidFill>
+                                <a:schemeClr val="accent1">
+                                  <a:lumMod val="75000"/>
+                                </a:schemeClr>
+                              </a:solidFill>
+                              <a:latin typeface="Cambria Math" panose="02040503050406030204" pitchFamily="18" charset="0"/>
+                            </a:rPr>
+                          </m:ctrlPr>
+                        </m:sSubPr>
+                        <m:e>
+                          <m:r>
+                            <a:rPr kumimoji="1" lang="ja-JP" altLang="en-US" i="1">
+                              <a:solidFill>
+                                <a:schemeClr val="accent1">
+                                  <a:lumMod val="75000"/>
+                                </a:schemeClr>
+                              </a:solidFill>
+                              <a:latin typeface="Cambria Math" panose="02040503050406030204" pitchFamily="18" charset="0"/>
+                            </a:rPr>
+                            <m:t>𝜋</m:t>
+                          </m:r>
+                        </m:e>
+                        <m:sub>
+                          <m:r>
+                            <a:rPr kumimoji="1" lang="en-US" altLang="ja-JP" b="0" i="1" smtClean="0">
+                              <a:solidFill>
+                                <a:schemeClr val="accent1">
+                                  <a:lumMod val="75000"/>
+                                </a:schemeClr>
+                              </a:solidFill>
+                              <a:latin typeface="Cambria Math" panose="02040503050406030204" pitchFamily="18" charset="0"/>
+                            </a:rPr>
+                            <m:t>3</m:t>
+                          </m:r>
+                        </m:sub>
+                      </m:sSub>
+                    </m:oMath>
+                  </m:oMathPara>
+                </a14:m>
+                <a:endParaRPr kumimoji="1" lang="ja-JP" altLang="en-US">
+                  <a:solidFill>
+                    <a:schemeClr val="accent1">
+                      <a:lumMod val="75000"/>
+                    </a:schemeClr>
+                  </a:solidFill>
+                </a:endParaRPr>
+              </a:p>
+            </p:txBody>
+          </p:sp>
+        </mc:Choice>
+        <mc:Fallback xmlns="">
+          <p:sp>
+            <p:nvSpPr>
+              <p:cNvPr id="15" name="テキスト ボックス 14">
+                <a:extLst>
+                  <a:ext uri="{FF2B5EF4-FFF2-40B4-BE49-F238E27FC236}">
+                    <a16:creationId xmlns:a16="http://schemas.microsoft.com/office/drawing/2014/main" id="{AF155028-8C98-234D-A6F5-1399EEACBEEE}"/>
+                  </a:ext>
+                </a:extLst>
+              </p:cNvPr>
+              <p:cNvSpPr txBox="1">
+                <a:spLocks noRot="1" noChangeAspect="1" noMove="1" noResize="1" noEditPoints="1" noAdjustHandles="1" noChangeArrowheads="1" noChangeShapeType="1" noTextEdit="1"/>
+              </p:cNvSpPr>
+              <p:nvPr/>
+            </p:nvSpPr>
+            <p:spPr>
+              <a:xfrm>
+                <a:off x="5289873" y="2372187"/>
+                <a:ext cx="475836" cy="369332"/>
+              </a:xfrm>
+              <a:prstGeom prst="rect">
+                <a:avLst/>
+              </a:prstGeom>
+              <a:blipFill>
+                <a:blip r:embed="rId6"/>
+                <a:stretch>
+                  <a:fillRect/>
+                </a:stretch>
+              </a:blipFill>
+            </p:spPr>
+            <p:txBody>
+              <a:bodyPr/>
+              <a:lstStyle/>
+              <a:p>
+                <a:r>
+                  <a:rPr lang="ja-JP" altLang="en-US">
+                    <a:noFill/>
+                  </a:rPr>
+                  <a:t> </a:t>
+                </a:r>
+              </a:p>
+            </p:txBody>
+          </p:sp>
+        </mc:Fallback>
+      </mc:AlternateContent>
+      <p:cxnSp>
+        <p:nvCxnSpPr>
+          <p:cNvPr id="16" name="直線コネクタ 15">
+            <a:extLst>
+              <a:ext uri="{FF2B5EF4-FFF2-40B4-BE49-F238E27FC236}">
+                <a16:creationId xmlns:a16="http://schemas.microsoft.com/office/drawing/2014/main" id="{0CE6E9FC-5297-F94B-B4D3-E8E9F5D626CF}"/>
+              </a:ext>
+            </a:extLst>
+          </p:cNvPr>
+          <p:cNvCxnSpPr>
+            <a:cxnSpLocks/>
+          </p:cNvCxnSpPr>
+          <p:nvPr/>
+        </p:nvCxnSpPr>
+        <p:spPr>
+          <a:xfrm>
+            <a:off x="4708616" y="2416791"/>
+            <a:ext cx="893491" cy="0"/>
+          </a:xfrm>
+          <a:prstGeom prst="line">
+            <a:avLst/>
+          </a:prstGeom>
+        </p:spPr>
+        <p:style>
+          <a:lnRef idx="1">
+            <a:schemeClr val="accent1"/>
+          </a:lnRef>
+          <a:fillRef idx="0">
+            <a:schemeClr val="accent1"/>
+          </a:fillRef>
+          <a:effectRef idx="0">
+            <a:schemeClr val="accent1"/>
+          </a:effectRef>
+          <a:fontRef idx="minor">
+            <a:schemeClr val="tx1"/>
+          </a:fontRef>
+        </p:style>
+      </p:cxnSp>
+      <mc:AlternateContent xmlns:mc="http://schemas.openxmlformats.org/markup-compatibility/2006" xmlns:a14="http://schemas.microsoft.com/office/drawing/2010/main">
+        <mc:Choice Requires="a14">
+          <p:sp>
+            <p:nvSpPr>
+              <p:cNvPr id="17" name="テキスト ボックス 16">
+                <a:extLst>
+                  <a:ext uri="{FF2B5EF4-FFF2-40B4-BE49-F238E27FC236}">
+                    <a16:creationId xmlns:a16="http://schemas.microsoft.com/office/drawing/2014/main" id="{EA360970-E64C-384F-87A2-66AB30902009}"/>
+                  </a:ext>
+                </a:extLst>
+              </p:cNvPr>
+              <p:cNvSpPr txBox="1"/>
+              <p:nvPr/>
+            </p:nvSpPr>
+            <p:spPr>
+              <a:xfrm>
+                <a:off x="6289482" y="2378722"/>
+                <a:ext cx="475836" cy="369332"/>
+              </a:xfrm>
+              <a:prstGeom prst="rect">
+                <a:avLst/>
+              </a:prstGeom>
+              <a:noFill/>
+            </p:spPr>
+            <p:txBody>
+              <a:bodyPr wrap="square" rtlCol="0">
+                <a:spAutoFit/>
+              </a:bodyPr>
+              <a:lstStyle/>
+              <a:p>
+                <a:pPr/>
+                <a14:m>
+                  <m:oMathPara xmlns:m="http://schemas.openxmlformats.org/officeDocument/2006/math">
+                    <m:oMathParaPr>
+                      <m:jc m:val="centerGroup"/>
+                    </m:oMathParaPr>
+                    <m:oMath xmlns:m="http://schemas.openxmlformats.org/officeDocument/2006/math">
+                      <m:sSub>
+                        <m:sSubPr>
+                          <m:ctrlPr>
+                            <a:rPr kumimoji="1" lang="en-US" altLang="ja-JP" i="1" smtClean="0">
+                              <a:solidFill>
+                                <a:schemeClr val="accent1">
+                                  <a:lumMod val="75000"/>
+                                </a:schemeClr>
+                              </a:solidFill>
+                              <a:latin typeface="Cambria Math" panose="02040503050406030204" pitchFamily="18" charset="0"/>
+                            </a:rPr>
+                          </m:ctrlPr>
+                        </m:sSubPr>
+                        <m:e>
+                          <m:r>
+                            <a:rPr kumimoji="1" lang="ja-JP" altLang="en-US" i="1">
+                              <a:solidFill>
+                                <a:schemeClr val="accent1">
+                                  <a:lumMod val="75000"/>
+                                </a:schemeClr>
+                              </a:solidFill>
+                              <a:latin typeface="Cambria Math" panose="02040503050406030204" pitchFamily="18" charset="0"/>
+                            </a:rPr>
+                            <m:t>𝜋</m:t>
+                          </m:r>
+                        </m:e>
+                        <m:sub>
+                          <m:r>
+                            <a:rPr kumimoji="1" lang="en-US" altLang="ja-JP" b="0" i="1" smtClean="0">
+                              <a:solidFill>
+                                <a:schemeClr val="accent1">
+                                  <a:lumMod val="75000"/>
+                                </a:schemeClr>
+                              </a:solidFill>
+                              <a:latin typeface="Cambria Math" panose="02040503050406030204" pitchFamily="18" charset="0"/>
+                            </a:rPr>
+                            <m:t>4</m:t>
+                          </m:r>
+                        </m:sub>
+                      </m:sSub>
+                    </m:oMath>
+                  </m:oMathPara>
+                </a14:m>
+                <a:endParaRPr kumimoji="1" lang="ja-JP" altLang="en-US">
+                  <a:solidFill>
+                    <a:schemeClr val="accent1">
+                      <a:lumMod val="75000"/>
+                    </a:schemeClr>
+                  </a:solidFill>
+                </a:endParaRPr>
+              </a:p>
+            </p:txBody>
+          </p:sp>
+        </mc:Choice>
+        <mc:Fallback xmlns="">
+          <p:sp>
+            <p:nvSpPr>
+              <p:cNvPr id="17" name="テキスト ボックス 16">
+                <a:extLst>
+                  <a:ext uri="{FF2B5EF4-FFF2-40B4-BE49-F238E27FC236}">
+                    <a16:creationId xmlns:a16="http://schemas.microsoft.com/office/drawing/2014/main" id="{EA360970-E64C-384F-87A2-66AB30902009}"/>
+                  </a:ext>
+                </a:extLst>
+              </p:cNvPr>
+              <p:cNvSpPr txBox="1">
+                <a:spLocks noRot="1" noChangeAspect="1" noMove="1" noResize="1" noEditPoints="1" noAdjustHandles="1" noChangeArrowheads="1" noChangeShapeType="1" noTextEdit="1"/>
+              </p:cNvSpPr>
+              <p:nvPr/>
+            </p:nvSpPr>
+            <p:spPr>
+              <a:xfrm>
+                <a:off x="6289482" y="2378722"/>
+                <a:ext cx="475836" cy="369332"/>
+              </a:xfrm>
+              <a:prstGeom prst="rect">
+                <a:avLst/>
+              </a:prstGeom>
+              <a:blipFill>
+                <a:blip r:embed="rId7"/>
+                <a:stretch>
+                  <a:fillRect/>
+                </a:stretch>
+              </a:blipFill>
+            </p:spPr>
+            <p:txBody>
+              <a:bodyPr/>
+              <a:lstStyle/>
+              <a:p>
+                <a:r>
+                  <a:rPr lang="ja-JP" altLang="en-US">
+                    <a:noFill/>
+                  </a:rPr>
+                  <a:t> </a:t>
+                </a:r>
+              </a:p>
+            </p:txBody>
+          </p:sp>
+        </mc:Fallback>
+      </mc:AlternateContent>
+      <p:cxnSp>
+        <p:nvCxnSpPr>
+          <p:cNvPr id="18" name="直線コネクタ 17">
+            <a:extLst>
+              <a:ext uri="{FF2B5EF4-FFF2-40B4-BE49-F238E27FC236}">
+                <a16:creationId xmlns:a16="http://schemas.microsoft.com/office/drawing/2014/main" id="{8CB22079-4273-3444-8E89-243E337B2B74}"/>
+              </a:ext>
+            </a:extLst>
+          </p:cNvPr>
+          <p:cNvCxnSpPr>
+            <a:cxnSpLocks/>
+          </p:cNvCxnSpPr>
+          <p:nvPr/>
+        </p:nvCxnSpPr>
+        <p:spPr>
+          <a:xfrm>
+            <a:off x="5708225" y="2423326"/>
+            <a:ext cx="893491" cy="0"/>
+          </a:xfrm>
+          <a:prstGeom prst="line">
+            <a:avLst/>
+          </a:prstGeom>
+        </p:spPr>
+        <p:style>
+          <a:lnRef idx="1">
+            <a:schemeClr val="accent1"/>
+          </a:lnRef>
+          <a:fillRef idx="0">
+            <a:schemeClr val="accent1"/>
+          </a:fillRef>
+          <a:effectRef idx="0">
+            <a:schemeClr val="accent1"/>
+          </a:effectRef>
+          <a:fontRef idx="minor">
+            <a:schemeClr val="tx1"/>
+          </a:fontRef>
+        </p:style>
+      </p:cxnSp>
+      <p:sp>
+        <p:nvSpPr>
+          <p:cNvPr id="19" name="左中かっこ 18">
+            <a:extLst>
+              <a:ext uri="{FF2B5EF4-FFF2-40B4-BE49-F238E27FC236}">
+                <a16:creationId xmlns:a16="http://schemas.microsoft.com/office/drawing/2014/main" id="{06759C8E-75A9-904F-8409-7BA6F01FFBFE}"/>
+              </a:ext>
+            </a:extLst>
+          </p:cNvPr>
+          <p:cNvSpPr/>
+          <p:nvPr/>
+        </p:nvSpPr>
+        <p:spPr>
+          <a:xfrm rot="10800000">
+            <a:off x="6180899" y="4996456"/>
+            <a:ext cx="155448" cy="707364"/>
+          </a:xfrm>
+          <a:prstGeom prst="leftBrace">
+            <a:avLst>
+              <a:gd name="adj1" fmla="val 75661"/>
+              <a:gd name="adj2" fmla="val 50000"/>
+            </a:avLst>
+          </a:prstGeom>
+          <a:ln w="12700">
+            <a:solidFill>
+              <a:schemeClr val="bg2">
+                <a:lumMod val="50000"/>
+              </a:schemeClr>
+            </a:solidFill>
+          </a:ln>
+        </p:spPr>
+        <p:style>
+          <a:lnRef idx="1">
+            <a:schemeClr val="accent1"/>
+          </a:lnRef>
+          <a:fillRef idx="0">
+            <a:schemeClr val="accent1"/>
+          </a:fillRef>
+          <a:effectRef idx="0">
+            <a:schemeClr val="accent1"/>
+          </a:effectRef>
+          <a:fontRef idx="minor">
+            <a:schemeClr val="tx1"/>
+          </a:fontRef>
+        </p:style>
+        <p:txBody>
+          <a:bodyPr rtlCol="0" anchor="ctr"/>
+          <a:lstStyle/>
+          <a:p>
+            <a:pPr algn="ctr"/>
+            <a:endParaRPr kumimoji="1" lang="ja-JP" altLang="en-US"/>
+          </a:p>
+        </p:txBody>
+      </p:sp>
+      <mc:AlternateContent xmlns:mc="http://schemas.openxmlformats.org/markup-compatibility/2006" xmlns:a14="http://schemas.microsoft.com/office/drawing/2010/main">
+        <mc:Choice Requires="a14">
+          <p:sp>
+            <p:nvSpPr>
+              <p:cNvPr id="20" name="テキスト ボックス 19">
+                <a:extLst>
+                  <a:ext uri="{FF2B5EF4-FFF2-40B4-BE49-F238E27FC236}">
+                    <a16:creationId xmlns:a16="http://schemas.microsoft.com/office/drawing/2014/main" id="{65FA8810-01A1-A841-95D0-BD686D023F49}"/>
+                  </a:ext>
+                </a:extLst>
+              </p:cNvPr>
+              <p:cNvSpPr txBox="1"/>
+              <p:nvPr/>
+            </p:nvSpPr>
+            <p:spPr>
+              <a:xfrm>
+                <a:off x="6364127" y="5165472"/>
+                <a:ext cx="1664171" cy="646331"/>
+              </a:xfrm>
+              <a:prstGeom prst="rect">
+                <a:avLst/>
+              </a:prstGeom>
+              <a:noFill/>
+            </p:spPr>
+            <p:txBody>
+              <a:bodyPr wrap="square" rtlCol="0">
+                <a:spAutoFit/>
+              </a:bodyPr>
+              <a:lstStyle/>
+              <a:p>
+                <a14:m>
+                  <m:oMath xmlns:m="http://schemas.openxmlformats.org/officeDocument/2006/math">
+                    <m:sSub>
+                      <m:sSubPr>
+                        <m:ctrlPr>
+                          <a:rPr lang="en-US" altLang="ja-JP" i="1" smtClean="0">
+                            <a:solidFill>
+                              <a:schemeClr val="accent1">
+                                <a:lumMod val="75000"/>
+                              </a:schemeClr>
+                            </a:solidFill>
+                            <a:latin typeface="Cambria Math" panose="02040503050406030204" pitchFamily="18" charset="0"/>
+                          </a:rPr>
+                        </m:ctrlPr>
+                      </m:sSubPr>
+                      <m:e>
+                        <m:r>
+                          <a:rPr lang="ja-JP" altLang="en-US" i="1">
+                            <a:solidFill>
+                              <a:schemeClr val="accent1">
+                                <a:lumMod val="75000"/>
+                              </a:schemeClr>
+                            </a:solidFill>
+                            <a:latin typeface="Cambria Math" panose="02040503050406030204" pitchFamily="18" charset="0"/>
+                          </a:rPr>
+                          <m:t>𝜋</m:t>
+                        </m:r>
+                      </m:e>
+                      <m:sub>
+                        <m:r>
+                          <a:rPr lang="en-US" altLang="ja-JP" b="0" i="1" smtClean="0">
+                            <a:solidFill>
+                              <a:schemeClr val="accent1">
+                                <a:lumMod val="75000"/>
+                              </a:schemeClr>
+                            </a:solidFill>
+                            <a:latin typeface="Cambria Math" panose="02040503050406030204" pitchFamily="18" charset="0"/>
+                          </a:rPr>
+                          <m:t>1</m:t>
+                        </m:r>
+                      </m:sub>
+                    </m:sSub>
+                  </m:oMath>
+                </a14:m>
+                <a:r>
+                  <a:rPr lang="en-US" altLang="ja-JP" dirty="0"/>
+                  <a:t>, </a:t>
+                </a:r>
+                <a14:m>
+                  <m:oMath xmlns:m="http://schemas.openxmlformats.org/officeDocument/2006/math">
+                    <m:sSub>
+                      <m:sSubPr>
+                        <m:ctrlPr>
+                          <a:rPr lang="en-US" altLang="ja-JP" i="1">
+                            <a:solidFill>
+                              <a:schemeClr val="accent1">
+                                <a:lumMod val="75000"/>
+                              </a:schemeClr>
+                            </a:solidFill>
+                            <a:latin typeface="Cambria Math" panose="02040503050406030204" pitchFamily="18" charset="0"/>
+                          </a:rPr>
+                        </m:ctrlPr>
+                      </m:sSubPr>
+                      <m:e>
+                        <m:r>
+                          <a:rPr lang="ja-JP" altLang="en-US" i="1">
+                            <a:solidFill>
+                              <a:schemeClr val="accent1">
+                                <a:lumMod val="75000"/>
+                              </a:schemeClr>
+                            </a:solidFill>
+                            <a:latin typeface="Cambria Math" panose="02040503050406030204" pitchFamily="18" charset="0"/>
+                          </a:rPr>
+                          <m:t>𝜋</m:t>
+                        </m:r>
+                      </m:e>
+                      <m:sub>
+                        <m:r>
+                          <a:rPr lang="en-US" altLang="ja-JP" b="0" i="1" smtClean="0">
+                            <a:solidFill>
+                              <a:schemeClr val="accent1">
+                                <a:lumMod val="75000"/>
+                              </a:schemeClr>
+                            </a:solidFill>
+                            <a:latin typeface="Cambria Math" panose="02040503050406030204" pitchFamily="18" charset="0"/>
+                          </a:rPr>
+                          <m:t>2</m:t>
+                        </m:r>
+                      </m:sub>
+                    </m:sSub>
+                    <m:r>
+                      <m:rPr>
+                        <m:nor/>
+                      </m:rPr>
+                      <a:rPr lang="en-US" altLang="ja-JP" dirty="0"/>
+                      <m:t>, </m:t>
+                    </m:r>
+                    <m:sSub>
+                      <m:sSubPr>
+                        <m:ctrlPr>
+                          <a:rPr lang="en-US" altLang="ja-JP" i="1">
+                            <a:solidFill>
+                              <a:schemeClr val="accent1">
+                                <a:lumMod val="75000"/>
+                              </a:schemeClr>
+                            </a:solidFill>
+                            <a:latin typeface="Cambria Math" panose="02040503050406030204" pitchFamily="18" charset="0"/>
+                          </a:rPr>
+                        </m:ctrlPr>
+                      </m:sSubPr>
+                      <m:e>
+                        <m:r>
+                          <a:rPr lang="ja-JP" altLang="en-US" i="1">
+                            <a:solidFill>
+                              <a:schemeClr val="accent1">
+                                <a:lumMod val="75000"/>
+                              </a:schemeClr>
+                            </a:solidFill>
+                            <a:latin typeface="Cambria Math" panose="02040503050406030204" pitchFamily="18" charset="0"/>
+                          </a:rPr>
+                          <m:t>𝜋</m:t>
+                        </m:r>
+                      </m:e>
+                      <m:sub>
+                        <m:r>
+                          <a:rPr lang="en-US" altLang="ja-JP" i="1">
+                            <a:solidFill>
+                              <a:schemeClr val="accent1">
+                                <a:lumMod val="75000"/>
+                              </a:schemeClr>
+                            </a:solidFill>
+                            <a:latin typeface="Cambria Math" panose="02040503050406030204" pitchFamily="18" charset="0"/>
+                          </a:rPr>
+                          <m:t>4</m:t>
+                        </m:r>
+                      </m:sub>
+                    </m:sSub>
+                  </m:oMath>
+                </a14:m>
+                <a:endParaRPr kumimoji="1" lang="ja-JP" altLang="en-US"/>
+              </a:p>
+              <a:p>
+                <a:endParaRPr kumimoji="1" lang="ja-JP" altLang="en-US"/>
+              </a:p>
+            </p:txBody>
+          </p:sp>
+        </mc:Choice>
+        <mc:Fallback xmlns="">
+          <p:sp>
+            <p:nvSpPr>
+              <p:cNvPr id="20" name="テキスト ボックス 19">
+                <a:extLst>
+                  <a:ext uri="{FF2B5EF4-FFF2-40B4-BE49-F238E27FC236}">
+                    <a16:creationId xmlns:a16="http://schemas.microsoft.com/office/drawing/2014/main" id="{65FA8810-01A1-A841-95D0-BD686D023F49}"/>
+                  </a:ext>
+                </a:extLst>
+              </p:cNvPr>
+              <p:cNvSpPr txBox="1">
+                <a:spLocks noRot="1" noChangeAspect="1" noMove="1" noResize="1" noEditPoints="1" noAdjustHandles="1" noChangeArrowheads="1" noChangeShapeType="1" noTextEdit="1"/>
+              </p:cNvSpPr>
+              <p:nvPr/>
+            </p:nvSpPr>
+            <p:spPr>
+              <a:xfrm>
+                <a:off x="6364127" y="5165472"/>
+                <a:ext cx="1664171" cy="646331"/>
+              </a:xfrm>
+              <a:prstGeom prst="rect">
+                <a:avLst/>
+              </a:prstGeom>
+              <a:blipFill>
+                <a:blip r:embed="rId8"/>
+                <a:stretch>
+                  <a:fillRect t="-3846"/>
+                </a:stretch>
+              </a:blipFill>
+            </p:spPr>
+            <p:txBody>
+              <a:bodyPr/>
+              <a:lstStyle/>
+              <a:p>
+                <a:r>
+                  <a:rPr lang="ja-JP" altLang="en-US">
+                    <a:noFill/>
+                  </a:rPr>
+                  <a:t> </a:t>
+                </a:r>
+              </a:p>
+            </p:txBody>
+          </p:sp>
+        </mc:Fallback>
+      </mc:AlternateContent>
+      <p:pic>
+        <p:nvPicPr>
+          <p:cNvPr id="21" name="図 20">
+            <a:extLst>
+              <a:ext uri="{FF2B5EF4-FFF2-40B4-BE49-F238E27FC236}">
+                <a16:creationId xmlns:a16="http://schemas.microsoft.com/office/drawing/2014/main" id="{234D099C-7098-C941-8BA4-2FC6D9D5A129}"/>
+              </a:ext>
+            </a:extLst>
+          </p:cNvPr>
+          <p:cNvPicPr>
+            <a:picLocks noChangeAspect="1"/>
+          </p:cNvPicPr>
+          <p:nvPr/>
+        </p:nvPicPr>
+        <p:blipFill>
+          <a:blip r:embed="rId9"/>
+          <a:stretch>
+            <a:fillRect/>
+          </a:stretch>
+        </p:blipFill>
+        <p:spPr>
+          <a:xfrm>
+            <a:off x="5743407" y="2994421"/>
+            <a:ext cx="2698066" cy="1712105"/>
+          </a:xfrm>
+          <a:prstGeom prst="rect">
+            <a:avLst/>
+          </a:prstGeom>
+        </p:spPr>
+      </p:pic>
+    </p:spTree>
+    <p:extLst>
+      <p:ext uri="{BB962C8B-B14F-4D97-AF65-F5344CB8AC3E}">
+        <p14:creationId xmlns:p14="http://schemas.microsoft.com/office/powerpoint/2010/main" val="168060954"/>
       </p:ext>
     </p:extLst>
   </p:cSld>

--- a/report.pptx
+++ b/report.pptx
@@ -5,7 +5,7 @@
     <p:sldMasterId id="2147483684" r:id="rId1"/>
   </p:sldMasterIdLst>
   <p:notesMasterIdLst>
-    <p:notesMasterId r:id="rId9"/>
+    <p:notesMasterId r:id="rId13"/>
   </p:notesMasterIdLst>
   <p:sldIdLst>
     <p:sldId id="277" r:id="rId2"/>
@@ -15,6 +15,10 @@
     <p:sldId id="280" r:id="rId6"/>
     <p:sldId id="281" r:id="rId7"/>
     <p:sldId id="284" r:id="rId8"/>
+    <p:sldId id="289" r:id="rId9"/>
+    <p:sldId id="286" r:id="rId10"/>
+    <p:sldId id="290" r:id="rId11"/>
+    <p:sldId id="288" r:id="rId12"/>
   </p:sldIdLst>
   <p:sldSz cx="9144000" cy="6858000" type="screen4x3"/>
   <p:notesSz cx="6858000" cy="9144000"/>
@@ -214,7 +218,7 @@
           <a:p>
             <a:fld id="{4009ACC2-15F4-9549-B7EC-0A2B034E938B}" type="datetimeFigureOut">
               <a:rPr kumimoji="1" lang="ja-JP" altLang="en-US" smtClean="0"/>
-              <a:t>2020/12/7</a:t>
+              <a:t>2020/12/16</a:t>
             </a:fld>
             <a:endParaRPr kumimoji="1" lang="ja-JP" altLang="en-US"/>
           </a:p>
@@ -781,6 +785,93 @@
 </p:notes>
 </file>
 
+<file path=ppt/notesSlides/notesSlide4.xml><?xml version="1.0" encoding="utf-8"?>
+<p:notes xmlns:a="http://schemas.openxmlformats.org/drawingml/2006/main" xmlns:r="http://schemas.openxmlformats.org/officeDocument/2006/relationships" xmlns:p="http://schemas.openxmlformats.org/presentationml/2006/main">
+  <p:cSld>
+    <p:spTree>
+      <p:nvGrpSpPr>
+        <p:cNvPr id="1" name=""/>
+        <p:cNvGrpSpPr/>
+        <p:nvPr/>
+      </p:nvGrpSpPr>
+      <p:grpSpPr>
+        <a:xfrm>
+          <a:off x="0" y="0"/>
+          <a:ext cx="0" cy="0"/>
+          <a:chOff x="0" y="0"/>
+          <a:chExt cx="0" cy="0"/>
+        </a:xfrm>
+      </p:grpSpPr>
+      <p:sp>
+        <p:nvSpPr>
+          <p:cNvPr id="2" name="スライド イメージ プレースホルダー 1"/>
+          <p:cNvSpPr>
+            <a:spLocks noGrp="1" noRot="1" noChangeAspect="1"/>
+          </p:cNvSpPr>
+          <p:nvPr>
+            <p:ph type="sldImg"/>
+          </p:nvPr>
+        </p:nvSpPr>
+        <p:spPr/>
+      </p:sp>
+      <p:sp>
+        <p:nvSpPr>
+          <p:cNvPr id="3" name="ノート プレースホルダー 2"/>
+          <p:cNvSpPr>
+            <a:spLocks noGrp="1"/>
+          </p:cNvSpPr>
+          <p:nvPr>
+            <p:ph type="body" idx="1"/>
+          </p:nvPr>
+        </p:nvSpPr>
+        <p:spPr/>
+        <p:txBody>
+          <a:bodyPr/>
+          <a:lstStyle/>
+          <a:p>
+            <a:r>
+              <a:rPr kumimoji="1" lang="ja-JP" altLang="en-US"/>
+              <a:t>状態変化を小さくすれば、より良い報酬を求めて探索していることになるの？？って言われるかもしれない。</a:t>
+            </a:r>
+          </a:p>
+        </p:txBody>
+      </p:sp>
+      <p:sp>
+        <p:nvSpPr>
+          <p:cNvPr id="4" name="スライド番号プレースホルダー 3"/>
+          <p:cNvSpPr>
+            <a:spLocks noGrp="1"/>
+          </p:cNvSpPr>
+          <p:nvPr>
+            <p:ph type="sldNum" sz="quarter" idx="5"/>
+          </p:nvPr>
+        </p:nvSpPr>
+        <p:spPr/>
+        <p:txBody>
+          <a:bodyPr/>
+          <a:lstStyle/>
+          <a:p>
+            <a:fld id="{BAC2704F-7F34-5D4A-A451-26A3081CB5EA}" type="slidenum">
+              <a:rPr kumimoji="1" lang="ja-JP" altLang="en-US" smtClean="0"/>
+              <a:t>9</a:t>
+            </a:fld>
+            <a:endParaRPr kumimoji="1" lang="ja-JP" altLang="en-US"/>
+          </a:p>
+        </p:txBody>
+      </p:sp>
+    </p:spTree>
+    <p:extLst>
+      <p:ext uri="{BB962C8B-B14F-4D97-AF65-F5344CB8AC3E}">
+        <p14:creationId xmlns:p14="http://schemas.microsoft.com/office/powerpoint/2010/main" val="787433605"/>
+      </p:ext>
+    </p:extLst>
+  </p:cSld>
+  <p:clrMapOvr>
+    <a:masterClrMapping/>
+  </p:clrMapOvr>
+</p:notes>
+</file>
+
 <file path=ppt/slideLayouts/slideLayout1.xml><?xml version="1.0" encoding="utf-8"?>
 <p:sldLayout xmlns:a="http://schemas.openxmlformats.org/drawingml/2006/main" xmlns:r="http://schemas.openxmlformats.org/officeDocument/2006/relationships" xmlns:p="http://schemas.openxmlformats.org/presentationml/2006/main" type="title" preserve="1">
   <p:cSld name="タイトル スライド">
@@ -972,7 +1063,7 @@
           <a:p>
             <a:fld id="{E9E59658-536A-9C47-BE27-5916453304A2}" type="datetime1">
               <a:rPr kumimoji="1" lang="ja-JP" altLang="en-US" smtClean="0"/>
-              <a:t>2020/12/7</a:t>
+              <a:t>2020/12/16</a:t>
             </a:fld>
             <a:endParaRPr kumimoji="1" lang="ja-JP" altLang="en-US"/>
           </a:p>
@@ -1178,7 +1269,7 @@
           <a:p>
             <a:fld id="{BD3F9A9C-0CC8-724D-8CAB-CE583F909772}" type="datetime1">
               <a:rPr kumimoji="1" lang="ja-JP" altLang="en-US" smtClean="0"/>
-              <a:t>2020/12/7</a:t>
+              <a:t>2020/12/16</a:t>
             </a:fld>
             <a:endParaRPr kumimoji="1" lang="ja-JP" altLang="en-US"/>
           </a:p>
@@ -1394,7 +1485,7 @@
           <a:p>
             <a:fld id="{AC55A472-1073-0547-9A59-DD081FE17D43}" type="datetime1">
               <a:rPr kumimoji="1" lang="ja-JP" altLang="en-US" smtClean="0"/>
-              <a:t>2020/12/7</a:t>
+              <a:t>2020/12/16</a:t>
             </a:fld>
             <a:endParaRPr kumimoji="1" lang="ja-JP" altLang="en-US"/>
           </a:p>
@@ -1655,7 +1746,7 @@
           <a:p>
             <a:fld id="{90235FA2-C49A-5C4F-85BF-B1D7D24C5B31}" type="datetime1">
               <a:rPr kumimoji="1" lang="ja-JP" altLang="en-US" smtClean="0"/>
-              <a:t>2020/12/7</a:t>
+              <a:t>2020/12/16</a:t>
             </a:fld>
             <a:endParaRPr kumimoji="1" lang="ja-JP" altLang="en-US"/>
           </a:p>
@@ -1994,7 +2085,7 @@
           <a:p>
             <a:fld id="{F4B8FB07-8ABC-B147-BBD9-82E1124A9195}" type="datetime1">
               <a:rPr kumimoji="1" lang="ja-JP" altLang="en-US" smtClean="0"/>
-              <a:t>2020/12/7</a:t>
+              <a:t>2020/12/16</a:t>
             </a:fld>
             <a:endParaRPr kumimoji="1" lang="ja-JP" altLang="en-US"/>
           </a:p>
@@ -2294,7 +2385,7 @@
           <a:p>
             <a:fld id="{2E987E7E-FA9C-3947-926C-79EF22991022}" type="datetime1">
               <a:rPr kumimoji="1" lang="ja-JP" altLang="en-US" smtClean="0"/>
-              <a:t>2020/12/7</a:t>
+              <a:t>2020/12/16</a:t>
             </a:fld>
             <a:endParaRPr kumimoji="1" lang="ja-JP" altLang="en-US"/>
           </a:p>
@@ -2729,7 +2820,7 @@
           <a:p>
             <a:fld id="{6AA3599C-7060-A14F-A8FF-BFA2E3E43F87}" type="datetime1">
               <a:rPr kumimoji="1" lang="ja-JP" altLang="en-US" smtClean="0"/>
-              <a:t>2020/12/7</a:t>
+              <a:t>2020/12/16</a:t>
             </a:fld>
             <a:endParaRPr kumimoji="1" lang="ja-JP" altLang="en-US"/>
           </a:p>
@@ -2851,7 +2942,7 @@
           <a:p>
             <a:fld id="{2ACB3C61-04B3-8341-A053-431BFDE0369C}" type="datetime1">
               <a:rPr kumimoji="1" lang="ja-JP" altLang="en-US" smtClean="0"/>
-              <a:t>2020/12/7</a:t>
+              <a:t>2020/12/16</a:t>
             </a:fld>
             <a:endParaRPr kumimoji="1" lang="ja-JP" altLang="en-US"/>
           </a:p>
@@ -2950,7 +3041,7 @@
           <a:p>
             <a:fld id="{17E05920-A0FF-A94D-B91E-11B016CF8687}" type="datetime1">
               <a:rPr kumimoji="1" lang="ja-JP" altLang="en-US" smtClean="0"/>
-              <a:t>2020/12/7</a:t>
+              <a:t>2020/12/16</a:t>
             </a:fld>
             <a:endParaRPr kumimoji="1" lang="ja-JP" altLang="en-US"/>
           </a:p>
@@ -3263,7 +3354,7 @@
           <a:p>
             <a:fld id="{73151009-4B49-E243-94A4-1303689190AE}" type="datetime1">
               <a:rPr kumimoji="1" lang="ja-JP" altLang="en-US" smtClean="0"/>
-              <a:t>2020/12/7</a:t>
+              <a:t>2020/12/16</a:t>
             </a:fld>
             <a:endParaRPr kumimoji="1" lang="ja-JP" altLang="en-US"/>
           </a:p>
@@ -3524,7 +3615,7 @@
           <a:p>
             <a:fld id="{F948BB96-C546-0F48-8959-F4ED01CF136A}" type="datetime1">
               <a:rPr kumimoji="1" lang="ja-JP" altLang="en-US" smtClean="0"/>
-              <a:t>2020/12/7</a:t>
+              <a:t>2020/12/16</a:t>
             </a:fld>
             <a:endParaRPr kumimoji="1" lang="ja-JP" altLang="en-US"/>
           </a:p>
@@ -3778,7 +3869,7 @@
           <a:p>
             <a:fld id="{23C8A647-1D3A-F547-BEEB-E9A419355659}" type="datetime1">
               <a:rPr kumimoji="1" lang="ja-JP" altLang="en-US" smtClean="0"/>
-              <a:t>2020/12/7</a:t>
+              <a:t>2020/12/16</a:t>
             </a:fld>
             <a:endParaRPr kumimoji="1" lang="ja-JP" altLang="en-US"/>
           </a:p>
@@ -4242,8 +4333,8 @@
           </a:p>
         </p:txBody>
       </p:sp>
-      <mc:AlternateContent xmlns:mc="http://schemas.openxmlformats.org/markup-compatibility/2006">
-        <mc:Choice xmlns:a14="http://schemas.microsoft.com/office/drawing/2010/main" Requires="a14">
+      <mc:AlternateContent xmlns:mc="http://schemas.openxmlformats.org/markup-compatibility/2006" xmlns:a14="http://schemas.microsoft.com/office/drawing/2010/main">
+        <mc:Choice Requires="a14">
           <p:sp>
             <p:nvSpPr>
               <p:cNvPr id="10" name="コンテンツ プレースホルダー 1">
@@ -4511,7 +4602,7 @@
             </p:txBody>
           </p:sp>
         </mc:Choice>
-        <mc:Fallback>
+        <mc:Fallback xmlns="">
           <p:sp>
             <p:nvSpPr>
               <p:cNvPr id="10" name="コンテンツ プレースホルダー 1">
@@ -4645,8 +4736,8 @@
           </a:p>
         </p:txBody>
       </p:sp>
-      <mc:AlternateContent xmlns:mc="http://schemas.openxmlformats.org/markup-compatibility/2006">
-        <mc:Choice xmlns:a14="http://schemas.microsoft.com/office/drawing/2010/main" Requires="a14">
+      <mc:AlternateContent xmlns:mc="http://schemas.openxmlformats.org/markup-compatibility/2006" xmlns:a14="http://schemas.microsoft.com/office/drawing/2010/main">
+        <mc:Choice Requires="a14">
           <p:sp>
             <p:nvSpPr>
               <p:cNvPr id="16" name="テキスト ボックス 15">
@@ -4675,6 +4766,7 @@
               </a:bodyPr>
               <a:lstStyle/>
               <a:p>
+                <a:pPr/>
                 <a14:m>
                   <m:oMathPara xmlns:m="http://schemas.openxmlformats.org/officeDocument/2006/math">
                     <m:oMathParaPr>
@@ -5117,7 +5209,7 @@
             </p:txBody>
           </p:sp>
         </mc:Choice>
-        <mc:Fallback>
+        <mc:Fallback xmlns="">
           <p:sp>
             <p:nvSpPr>
               <p:cNvPr id="16" name="テキスト ボックス 15">
@@ -5318,7 +5410,7 @@
           <a:p>
             <a:fld id="{90235FA2-C49A-5C4F-85BF-B1D7D24C5B31}" type="datetime1">
               <a:rPr kumimoji="1" lang="ja-JP" altLang="en-US" smtClean="0"/>
-              <a:t>2020/12/8</a:t>
+              <a:t>2020/12/16</a:t>
             </a:fld>
             <a:endParaRPr kumimoji="1" lang="ja-JP" altLang="en-US"/>
           </a:p>
@@ -5382,8 +5474,8 @@
           </a:p>
         </p:txBody>
       </p:sp>
-      <mc:AlternateContent xmlns:mc="http://schemas.openxmlformats.org/markup-compatibility/2006">
-        <mc:Choice xmlns:a14="http://schemas.microsoft.com/office/drawing/2010/main" Requires="a14">
+      <mc:AlternateContent xmlns:mc="http://schemas.openxmlformats.org/markup-compatibility/2006" xmlns:a14="http://schemas.microsoft.com/office/drawing/2010/main">
+        <mc:Choice Requires="a14">
           <p:sp>
             <p:nvSpPr>
               <p:cNvPr id="29" name="テキスト ボックス 28">
@@ -5535,7 +5627,7 @@
             </p:txBody>
           </p:sp>
         </mc:Choice>
-        <mc:Fallback>
+        <mc:Fallback xmlns="">
           <p:sp>
             <p:nvSpPr>
               <p:cNvPr id="29" name="テキスト ボックス 28">
@@ -5674,7 +5766,302 @@
 </p:sld>
 </file>
 
-<file path=ppt/slides/slide2.xml><?xml version="1.0" encoding="utf-8"?>
+<file path=ppt/slides/slide10.xml><?xml version="1.0" encoding="utf-8"?>
+<p:sld xmlns:a="http://schemas.openxmlformats.org/drawingml/2006/main" xmlns:r="http://schemas.openxmlformats.org/officeDocument/2006/relationships" xmlns:p="http://schemas.openxmlformats.org/presentationml/2006/main">
+  <p:cSld>
+    <p:spTree>
+      <p:nvGrpSpPr>
+        <p:cNvPr id="1" name=""/>
+        <p:cNvGrpSpPr/>
+        <p:nvPr/>
+      </p:nvGrpSpPr>
+      <p:grpSpPr>
+        <a:xfrm>
+          <a:off x="0" y="0"/>
+          <a:ext cx="0" cy="0"/>
+          <a:chOff x="0" y="0"/>
+          <a:chExt cx="0" cy="0"/>
+        </a:xfrm>
+      </p:grpSpPr>
+      <p:sp>
+        <p:nvSpPr>
+          <p:cNvPr id="2" name="コンテンツ プレースホルダー 1">
+            <a:extLst>
+              <a:ext uri="{FF2B5EF4-FFF2-40B4-BE49-F238E27FC236}">
+                <a16:creationId xmlns:a16="http://schemas.microsoft.com/office/drawing/2014/main" id="{DEB61ED1-74F2-974B-BC51-57321F95AE74}"/>
+              </a:ext>
+            </a:extLst>
+          </p:cNvPr>
+          <p:cNvSpPr>
+            <a:spLocks noGrp="1"/>
+          </p:cNvSpPr>
+          <p:nvPr>
+            <p:ph idx="1"/>
+          </p:nvPr>
+        </p:nvSpPr>
+        <p:spPr/>
+        <p:txBody>
+          <a:bodyPr/>
+          <a:lstStyle/>
+          <a:p>
+            <a:pPr marL="0" indent="0">
+              <a:buNone/>
+            </a:pPr>
+            <a:r>
+              <a:rPr kumimoji="1" lang="ja-JP" altLang="en-US"/>
+              <a:t>タイトル</a:t>
+            </a:r>
+            <a:r>
+              <a:rPr kumimoji="1" lang="en-US" altLang="ja-JP" dirty="0"/>
+              <a:t>: </a:t>
+            </a:r>
+            <a:r>
+              <a:rPr kumimoji="1" lang="ja-JP" altLang="en-US"/>
+              <a:t>最適セルフトリガー制御問題に対する強化学習</a:t>
+            </a:r>
+            <a:endParaRPr kumimoji="1" lang="en-US" altLang="ja-JP" dirty="0"/>
+          </a:p>
+          <a:p>
+            <a:pPr marL="457200" indent="-457200">
+              <a:buAutoNum type="arabicPeriod"/>
+            </a:pPr>
+            <a:endParaRPr lang="en-US" altLang="ja-JP" dirty="0"/>
+          </a:p>
+          <a:p>
+            <a:pPr marL="457200" indent="-457200">
+              <a:buAutoNum type="arabicPeriod"/>
+            </a:pPr>
+            <a:r>
+              <a:rPr kumimoji="1" lang="ja-JP" altLang="en-US"/>
+              <a:t>はじめに</a:t>
+            </a:r>
+            <a:endParaRPr kumimoji="1" lang="en-US" altLang="ja-JP" dirty="0"/>
+          </a:p>
+          <a:p>
+            <a:pPr marL="457200" indent="-457200">
+              <a:buAutoNum type="arabicPeriod"/>
+            </a:pPr>
+            <a:r>
+              <a:rPr lang="ja-JP" altLang="en-US"/>
+              <a:t>強化学習・深層強化学習</a:t>
+            </a:r>
+            <a:endParaRPr lang="en-US" altLang="ja-JP" dirty="0"/>
+          </a:p>
+          <a:p>
+            <a:pPr marL="457200" indent="-457200">
+              <a:buAutoNum type="arabicPeriod"/>
+            </a:pPr>
+            <a:r>
+              <a:rPr kumimoji="1" lang="ja-JP" altLang="en-US"/>
+              <a:t>問題設定</a:t>
+            </a:r>
+            <a:endParaRPr kumimoji="1" lang="en-US" altLang="ja-JP" dirty="0"/>
+          </a:p>
+          <a:p>
+            <a:pPr marL="457200" indent="-457200">
+              <a:buAutoNum type="arabicPeriod"/>
+            </a:pPr>
+            <a:r>
+              <a:rPr kumimoji="1" lang="ja-JP" altLang="en-US"/>
+              <a:t>強化学習による解法</a:t>
+            </a:r>
+            <a:r>
+              <a:rPr kumimoji="1" lang="en-US" altLang="ja-JP" dirty="0"/>
+              <a:t>(?)</a:t>
+            </a:r>
+          </a:p>
+          <a:p>
+            <a:pPr marL="457200" lvl="1" indent="0">
+              <a:buNone/>
+            </a:pPr>
+            <a:r>
+              <a:rPr lang="en-US" altLang="ja-JP" dirty="0"/>
+              <a:t>	</a:t>
+            </a:r>
+            <a:r>
+              <a:rPr lang="ja-JP" altLang="en-US"/>
+              <a:t>モデルフリーでやった時の</a:t>
+            </a:r>
+            <a:endParaRPr kumimoji="1" lang="en-US" altLang="ja-JP" dirty="0"/>
+          </a:p>
+          <a:p>
+            <a:pPr marL="457200" lvl="1" indent="0">
+              <a:buNone/>
+            </a:pPr>
+            <a:r>
+              <a:rPr kumimoji="1" lang="en-US" altLang="ja-JP" dirty="0"/>
+              <a:t>	</a:t>
+            </a:r>
+            <a:r>
+              <a:rPr kumimoji="1" lang="ja-JP" altLang="en-US">
+                <a:solidFill>
+                  <a:srgbClr val="FF0000"/>
+                </a:solidFill>
+              </a:rPr>
+              <a:t>工夫</a:t>
+            </a:r>
+            <a:endParaRPr kumimoji="1" lang="en-US" altLang="ja-JP" dirty="0">
+              <a:solidFill>
+                <a:srgbClr val="FF0000"/>
+              </a:solidFill>
+            </a:endParaRPr>
+          </a:p>
+          <a:p>
+            <a:pPr marL="457200" lvl="1" indent="0">
+              <a:buNone/>
+            </a:pPr>
+            <a:r>
+              <a:rPr lang="en-US" altLang="ja-JP" dirty="0"/>
+              <a:t>	</a:t>
+            </a:r>
+            <a:r>
+              <a:rPr lang="ja-JP" altLang="en-US"/>
+              <a:t>収束性の証明</a:t>
+            </a:r>
+            <a:endParaRPr lang="en-US" altLang="ja-JP" dirty="0"/>
+          </a:p>
+          <a:p>
+            <a:pPr marL="457200" lvl="1" indent="0">
+              <a:buNone/>
+            </a:pPr>
+            <a:r>
+              <a:rPr kumimoji="1" lang="en-US" altLang="ja-JP" dirty="0"/>
+              <a:t>	</a:t>
+            </a:r>
+            <a:r>
+              <a:rPr kumimoji="1" lang="ja-JP" altLang="en-US"/>
+              <a:t>性能評価</a:t>
+            </a:r>
+            <a:endParaRPr kumimoji="1" lang="en-US" altLang="ja-JP" dirty="0"/>
+          </a:p>
+          <a:p>
+            <a:pPr marL="457200" indent="-457200">
+              <a:buAutoNum type="arabicPeriod"/>
+            </a:pPr>
+            <a:r>
+              <a:rPr lang="ja-JP" altLang="en-US"/>
+              <a:t>関連研究との比較</a:t>
+            </a:r>
+            <a:endParaRPr lang="en-US" altLang="ja-JP" dirty="0"/>
+          </a:p>
+          <a:p>
+            <a:pPr marL="457200" indent="-457200">
+              <a:buAutoNum type="arabicPeriod"/>
+            </a:pPr>
+            <a:r>
+              <a:rPr kumimoji="1" lang="ja-JP" altLang="en-US"/>
+              <a:t>まとめ</a:t>
+            </a:r>
+            <a:endParaRPr kumimoji="1" lang="en-US" altLang="ja-JP" dirty="0"/>
+          </a:p>
+          <a:p>
+            <a:pPr marL="457200" indent="-457200">
+              <a:buAutoNum type="arabicPeriod"/>
+            </a:pPr>
+            <a:endParaRPr kumimoji="1" lang="ja-JP" altLang="en-US"/>
+          </a:p>
+        </p:txBody>
+      </p:sp>
+      <p:sp>
+        <p:nvSpPr>
+          <p:cNvPr id="3" name="日付プレースホルダー 2">
+            <a:extLst>
+              <a:ext uri="{FF2B5EF4-FFF2-40B4-BE49-F238E27FC236}">
+                <a16:creationId xmlns:a16="http://schemas.microsoft.com/office/drawing/2014/main" id="{CB75D222-28C3-0740-8EC2-44CBF31ECDD3}"/>
+              </a:ext>
+            </a:extLst>
+          </p:cNvPr>
+          <p:cNvSpPr>
+            <a:spLocks noGrp="1"/>
+          </p:cNvSpPr>
+          <p:nvPr>
+            <p:ph type="dt" sz="half" idx="10"/>
+          </p:nvPr>
+        </p:nvSpPr>
+        <p:spPr/>
+        <p:txBody>
+          <a:bodyPr/>
+          <a:lstStyle/>
+          <a:p>
+            <a:fld id="{90235FA2-C49A-5C4F-85BF-B1D7D24C5B31}" type="datetime1">
+              <a:rPr kumimoji="1" lang="ja-JP" altLang="en-US" smtClean="0"/>
+              <a:t>2020/12/18</a:t>
+            </a:fld>
+            <a:endParaRPr kumimoji="1" lang="ja-JP" altLang="en-US"/>
+          </a:p>
+        </p:txBody>
+      </p:sp>
+      <p:sp>
+        <p:nvSpPr>
+          <p:cNvPr id="4" name="フッター プレースホルダー 3">
+            <a:extLst>
+              <a:ext uri="{FF2B5EF4-FFF2-40B4-BE49-F238E27FC236}">
+                <a16:creationId xmlns:a16="http://schemas.microsoft.com/office/drawing/2014/main" id="{E1C807E1-F004-6642-976F-41E93725331F}"/>
+              </a:ext>
+            </a:extLst>
+          </p:cNvPr>
+          <p:cNvSpPr>
+            <a:spLocks noGrp="1"/>
+          </p:cNvSpPr>
+          <p:nvPr>
+            <p:ph type="ftr" sz="quarter" idx="11"/>
+          </p:nvPr>
+        </p:nvSpPr>
+        <p:spPr/>
+        <p:txBody>
+          <a:bodyPr/>
+          <a:lstStyle/>
+          <a:p>
+            <a:r>
+              <a:rPr kumimoji="1" lang="en-US" altLang="ja-JP"/>
+              <a:t>Control System Theory Group</a:t>
+            </a:r>
+            <a:endParaRPr kumimoji="1" lang="ja-JP" altLang="en-US"/>
+          </a:p>
+        </p:txBody>
+      </p:sp>
+      <p:sp>
+        <p:nvSpPr>
+          <p:cNvPr id="5" name="タイトル 4">
+            <a:extLst>
+              <a:ext uri="{FF2B5EF4-FFF2-40B4-BE49-F238E27FC236}">
+                <a16:creationId xmlns:a16="http://schemas.microsoft.com/office/drawing/2014/main" id="{6BDB0503-5498-F645-8634-534C73F53F62}"/>
+              </a:ext>
+            </a:extLst>
+          </p:cNvPr>
+          <p:cNvSpPr>
+            <a:spLocks noGrp="1"/>
+          </p:cNvSpPr>
+          <p:nvPr>
+            <p:ph type="title"/>
+          </p:nvPr>
+        </p:nvSpPr>
+        <p:spPr/>
+        <p:txBody>
+          <a:bodyPr/>
+          <a:lstStyle/>
+          <a:p>
+            <a:r>
+              <a:rPr kumimoji="1" lang="ja-JP" altLang="en-US"/>
+              <a:t>修論の流れ</a:t>
+            </a:r>
+          </a:p>
+        </p:txBody>
+      </p:sp>
+    </p:spTree>
+    <p:extLst>
+      <p:ext uri="{BB962C8B-B14F-4D97-AF65-F5344CB8AC3E}">
+        <p14:creationId xmlns:p14="http://schemas.microsoft.com/office/powerpoint/2010/main" val="992765756"/>
+      </p:ext>
+    </p:extLst>
+  </p:cSld>
+  <p:clrMapOvr>
+    <a:masterClrMapping/>
+  </p:clrMapOvr>
+</p:sld>
+</file>
+
+<file path=ppt/slides/slide11.xml><?xml version="1.0" encoding="utf-8"?>
 <p:sld xmlns:a="http://schemas.openxmlformats.org/drawingml/2006/main" xmlns:r="http://schemas.openxmlformats.org/officeDocument/2006/relationships" xmlns:p="http://schemas.openxmlformats.org/presentationml/2006/main">
   <p:cSld>
     <p:spTree>
@@ -5693,6 +6080,397 @@
       </p:grpSpPr>
       <mc:AlternateContent xmlns:mc="http://schemas.openxmlformats.org/markup-compatibility/2006">
         <mc:Choice xmlns:a14="http://schemas.microsoft.com/office/drawing/2010/main" Requires="a14">
+          <p:sp>
+            <p:nvSpPr>
+              <p:cNvPr id="2" name="コンテンツ プレースホルダー 1">
+                <a:extLst>
+                  <a:ext uri="{FF2B5EF4-FFF2-40B4-BE49-F238E27FC236}">
+                    <a16:creationId xmlns:a16="http://schemas.microsoft.com/office/drawing/2014/main" id="{ACC753E1-6A30-B146-94AE-3AC5E1975EC0}"/>
+                  </a:ext>
+                </a:extLst>
+              </p:cNvPr>
+              <p:cNvSpPr>
+                <a:spLocks noGrp="1"/>
+              </p:cNvSpPr>
+              <p:nvPr>
+                <p:ph idx="1"/>
+              </p:nvPr>
+            </p:nvSpPr>
+            <p:spPr/>
+            <p:txBody>
+              <a:bodyPr/>
+              <a:lstStyle/>
+              <a:p>
+                <a:pPr marL="457200" indent="-457200">
+                  <a:buAutoNum type="arabicPeriod"/>
+                </a:pPr>
+                <a:r>
+                  <a:rPr kumimoji="1" lang="ja-JP" altLang="en-US"/>
+                  <a:t>全状態に対して</a:t>
+                </a:r>
+                <a14:m>
+                  <m:oMath xmlns:m="http://schemas.openxmlformats.org/officeDocument/2006/math">
+                    <m:sSup>
+                      <m:sSupPr>
+                        <m:ctrlPr>
+                          <a:rPr lang="en-US" altLang="ja-JP" i="1">
+                            <a:latin typeface="Cambria Math" panose="02040503050406030204" pitchFamily="18" charset="0"/>
+                          </a:rPr>
+                        </m:ctrlPr>
+                      </m:sSupPr>
+                      <m:e>
+                        <m:r>
+                          <a:rPr lang="en-US" altLang="ja-JP" i="1">
+                            <a:latin typeface="Cambria Math" panose="02040503050406030204" pitchFamily="18" charset="0"/>
+                          </a:rPr>
+                          <m:t>𝑉</m:t>
+                        </m:r>
+                      </m:e>
+                      <m:sup>
+                        <m:r>
+                          <a:rPr lang="en-US" altLang="ja-JP" i="1">
+                            <a:latin typeface="Cambria Math" panose="02040503050406030204" pitchFamily="18" charset="0"/>
+                            <a:ea typeface="Cambria Math" panose="02040503050406030204" pitchFamily="18" charset="0"/>
+                          </a:rPr>
+                          <m:t>𝜋</m:t>
+                        </m:r>
+                      </m:sup>
+                    </m:sSup>
+                    <m:d>
+                      <m:dPr>
+                        <m:ctrlPr>
+                          <a:rPr lang="en-US" altLang="ja-JP" i="1">
+                            <a:latin typeface="Cambria Math" panose="02040503050406030204" pitchFamily="18" charset="0"/>
+                            <a:ea typeface="Cambria Math" panose="02040503050406030204" pitchFamily="18" charset="0"/>
+                          </a:rPr>
+                        </m:ctrlPr>
+                      </m:dPr>
+                      <m:e>
+                        <m:r>
+                          <a:rPr lang="en-US" altLang="ja-JP" b="0" i="1" smtClean="0">
+                            <a:latin typeface="Cambria Math" panose="02040503050406030204" pitchFamily="18" charset="0"/>
+                          </a:rPr>
+                          <m:t>𝑠</m:t>
+                        </m:r>
+                      </m:e>
+                    </m:d>
+                  </m:oMath>
+                </a14:m>
+                <a:r>
+                  <a:rPr kumimoji="1" lang="ja-JP" altLang="en-US"/>
+                  <a:t>が初期方策に勝ってるのか調べる</a:t>
+                </a:r>
+                <a:endParaRPr lang="en-US" altLang="ja-JP" dirty="0"/>
+              </a:p>
+              <a:p>
+                <a:pPr marL="457200" indent="-457200">
+                  <a:buAutoNum type="arabicPeriod"/>
+                </a:pPr>
+                <a:endParaRPr lang="en-US" altLang="ja-JP" dirty="0"/>
+              </a:p>
+              <a:p>
+                <a:pPr marL="457200" indent="-457200">
+                  <a:buFont typeface="Arial" panose="020B0604020202020204" pitchFamily="34" charset="0"/>
+                  <a:buAutoNum type="arabicPeriod"/>
+                </a:pPr>
+                <a:r>
+                  <a:rPr lang="ja-JP" altLang="en-US"/>
+                  <a:t>先行研究と性能比較する</a:t>
+                </a:r>
+                <a:endParaRPr lang="en-US" altLang="ja-JP" dirty="0"/>
+              </a:p>
+              <a:p>
+                <a:pPr marL="457200" indent="-457200">
+                  <a:buFont typeface="Arial" panose="020B0604020202020204" pitchFamily="34" charset="0"/>
+                  <a:buAutoNum type="arabicPeriod"/>
+                </a:pPr>
+                <a:endParaRPr lang="en-US" altLang="ja-JP" i="1" dirty="0">
+                  <a:latin typeface="Cambria Math" panose="02040503050406030204" pitchFamily="18" charset="0"/>
+                </a:endParaRPr>
+              </a:p>
+              <a:p>
+                <a:pPr marL="457200" indent="-457200">
+                  <a:buFont typeface="Arial" panose="020B0604020202020204" pitchFamily="34" charset="0"/>
+                  <a:buAutoNum type="arabicPeriod"/>
+                </a:pPr>
+                <a:r>
+                  <a:rPr lang="ja-JP" altLang="en-US"/>
+                  <a:t>収束性を考える</a:t>
+                </a:r>
+                <a:endParaRPr lang="en-US" altLang="ja-JP" i="1" dirty="0">
+                  <a:latin typeface="Cambria Math" panose="02040503050406030204" pitchFamily="18" charset="0"/>
+                </a:endParaRPr>
+              </a:p>
+              <a:p>
+                <a:pPr marL="457200" indent="-457200">
+                  <a:buFont typeface="Arial" panose="020B0604020202020204" pitchFamily="34" charset="0"/>
+                  <a:buAutoNum type="arabicPeriod"/>
+                </a:pPr>
+                <a:endParaRPr lang="en-US" altLang="ja-JP" i="1" dirty="0">
+                  <a:latin typeface="Cambria Math" panose="02040503050406030204" pitchFamily="18" charset="0"/>
+                </a:endParaRPr>
+              </a:p>
+              <a:p>
+                <a:pPr marL="457200" indent="-457200">
+                  <a:buFont typeface="Arial" panose="020B0604020202020204" pitchFamily="34" charset="0"/>
+                  <a:buAutoNum type="arabicPeriod"/>
+                </a:pPr>
+                <a:r>
+                  <a:rPr lang="en-US" altLang="ja-JP" dirty="0"/>
+                  <a:t> </a:t>
+                </a:r>
+                <a14:m>
+                  <m:oMath xmlns:m="http://schemas.openxmlformats.org/officeDocument/2006/math">
+                    <m:sSup>
+                      <m:sSupPr>
+                        <m:ctrlPr>
+                          <a:rPr lang="en-US" altLang="ja-JP" i="1">
+                            <a:latin typeface="Cambria Math" panose="02040503050406030204" pitchFamily="18" charset="0"/>
+                          </a:rPr>
+                        </m:ctrlPr>
+                      </m:sSupPr>
+                      <m:e>
+                        <m:r>
+                          <a:rPr lang="en-US" altLang="ja-JP" i="1">
+                            <a:latin typeface="Cambria Math" panose="02040503050406030204" pitchFamily="18" charset="0"/>
+                          </a:rPr>
+                          <m:t>𝑄</m:t>
+                        </m:r>
+                      </m:e>
+                      <m:sup>
+                        <m:r>
+                          <a:rPr lang="en-US" altLang="ja-JP" i="1">
+                            <a:latin typeface="Cambria Math" panose="02040503050406030204" pitchFamily="18" charset="0"/>
+                            <a:ea typeface="Cambria Math" panose="02040503050406030204" pitchFamily="18" charset="0"/>
+                          </a:rPr>
+                          <m:t>𝜋</m:t>
+                        </m:r>
+                      </m:sup>
+                    </m:sSup>
+                    <m:r>
+                      <a:rPr lang="en-US" altLang="ja-JP" i="1">
+                        <a:latin typeface="Cambria Math" panose="02040503050406030204" pitchFamily="18" charset="0"/>
+                        <a:ea typeface="Cambria Math" panose="02040503050406030204" pitchFamily="18" charset="0"/>
+                      </a:rPr>
+                      <m:t>(</m:t>
+                    </m:r>
+                    <m:r>
+                      <a:rPr lang="en-US" altLang="ja-JP" i="1">
+                        <a:latin typeface="Cambria Math" panose="02040503050406030204" pitchFamily="18" charset="0"/>
+                        <a:ea typeface="Cambria Math" panose="02040503050406030204" pitchFamily="18" charset="0"/>
+                      </a:rPr>
+                      <m:t>𝑠</m:t>
+                    </m:r>
+                    <m:r>
+                      <a:rPr lang="en-US" altLang="ja-JP" i="1">
+                        <a:latin typeface="Cambria Math" panose="02040503050406030204" pitchFamily="18" charset="0"/>
+                        <a:ea typeface="Cambria Math" panose="02040503050406030204" pitchFamily="18" charset="0"/>
+                      </a:rPr>
+                      <m:t>,</m:t>
+                    </m:r>
+                    <m:r>
+                      <a:rPr lang="en-US" altLang="ja-JP" i="1">
+                        <a:latin typeface="Cambria Math" panose="02040503050406030204" pitchFamily="18" charset="0"/>
+                        <a:ea typeface="Cambria Math" panose="02040503050406030204" pitchFamily="18" charset="0"/>
+                      </a:rPr>
+                      <m:t>𝑎</m:t>
+                    </m:r>
+                    <m:r>
+                      <a:rPr lang="en-US" altLang="ja-JP" i="1">
+                        <a:latin typeface="Cambria Math" panose="02040503050406030204" pitchFamily="18" charset="0"/>
+                        <a:ea typeface="Cambria Math" panose="02040503050406030204" pitchFamily="18" charset="0"/>
+                      </a:rPr>
+                      <m:t>)</m:t>
+                    </m:r>
+                  </m:oMath>
+                </a14:m>
+                <a:r>
+                  <a:rPr lang="ja-JP" altLang="en-US"/>
+                  <a:t>の形がセルフトリガー制御特有なのか考える</a:t>
+                </a:r>
+                <a:endParaRPr lang="en-US" altLang="ja-JP" dirty="0"/>
+              </a:p>
+              <a:p>
+                <a:pPr marL="457200" indent="-457200">
+                  <a:buFont typeface="Arial" panose="020B0604020202020204" pitchFamily="34" charset="0"/>
+                  <a:buAutoNum type="arabicPeriod"/>
+                </a:pPr>
+                <a:endParaRPr lang="en-US" altLang="ja-JP" dirty="0"/>
+              </a:p>
+            </p:txBody>
+          </p:sp>
+        </mc:Choice>
+        <mc:Fallback>
+          <p:sp>
+            <p:nvSpPr>
+              <p:cNvPr id="2" name="コンテンツ プレースホルダー 1">
+                <a:extLst>
+                  <a:ext uri="{FF2B5EF4-FFF2-40B4-BE49-F238E27FC236}">
+                    <a16:creationId xmlns:a16="http://schemas.microsoft.com/office/drawing/2014/main" id="{ACC753E1-6A30-B146-94AE-3AC5E1975EC0}"/>
+                  </a:ext>
+                </a:extLst>
+              </p:cNvPr>
+              <p:cNvSpPr>
+                <a:spLocks noGrp="1" noRot="1" noChangeAspect="1" noMove="1" noResize="1" noEditPoints="1" noAdjustHandles="1" noChangeArrowheads="1" noChangeShapeType="1" noTextEdit="1"/>
+              </p:cNvSpPr>
+              <p:nvPr>
+                <p:ph idx="1"/>
+              </p:nvPr>
+            </p:nvSpPr>
+            <p:spPr>
+              <a:blipFill>
+                <a:blip r:embed="rId2"/>
+                <a:stretch>
+                  <a:fillRect l="-747" t="-1519"/>
+                </a:stretch>
+              </a:blipFill>
+            </p:spPr>
+            <p:txBody>
+              <a:bodyPr/>
+              <a:lstStyle/>
+              <a:p>
+                <a:r>
+                  <a:rPr lang="ja-JP" altLang="en-US">
+                    <a:noFill/>
+                  </a:rPr>
+                  <a:t> </a:t>
+                </a:r>
+              </a:p>
+            </p:txBody>
+          </p:sp>
+        </mc:Fallback>
+      </mc:AlternateContent>
+      <p:sp>
+        <p:nvSpPr>
+          <p:cNvPr id="3" name="日付プレースホルダー 2">
+            <a:extLst>
+              <a:ext uri="{FF2B5EF4-FFF2-40B4-BE49-F238E27FC236}">
+                <a16:creationId xmlns:a16="http://schemas.microsoft.com/office/drawing/2014/main" id="{93F0CB5B-6A80-9340-80BB-0321587FD43A}"/>
+              </a:ext>
+            </a:extLst>
+          </p:cNvPr>
+          <p:cNvSpPr>
+            <a:spLocks noGrp="1"/>
+          </p:cNvSpPr>
+          <p:nvPr>
+            <p:ph type="dt" sz="half" idx="10"/>
+          </p:nvPr>
+        </p:nvSpPr>
+        <p:spPr/>
+        <p:txBody>
+          <a:bodyPr/>
+          <a:lstStyle/>
+          <a:p>
+            <a:fld id="{90235FA2-C49A-5C4F-85BF-B1D7D24C5B31}" type="datetime1">
+              <a:rPr kumimoji="1" lang="ja-JP" altLang="en-US" smtClean="0"/>
+              <a:t>2020/12/18</a:t>
+            </a:fld>
+            <a:endParaRPr kumimoji="1" lang="ja-JP" altLang="en-US"/>
+          </a:p>
+        </p:txBody>
+      </p:sp>
+      <p:sp>
+        <p:nvSpPr>
+          <p:cNvPr id="4" name="フッター プレースホルダー 3">
+            <a:extLst>
+              <a:ext uri="{FF2B5EF4-FFF2-40B4-BE49-F238E27FC236}">
+                <a16:creationId xmlns:a16="http://schemas.microsoft.com/office/drawing/2014/main" id="{D195AC5F-2BC9-8A46-AED7-8BB5D107DAFE}"/>
+              </a:ext>
+            </a:extLst>
+          </p:cNvPr>
+          <p:cNvSpPr>
+            <a:spLocks noGrp="1"/>
+          </p:cNvSpPr>
+          <p:nvPr>
+            <p:ph type="ftr" sz="quarter" idx="11"/>
+          </p:nvPr>
+        </p:nvSpPr>
+        <p:spPr/>
+        <p:txBody>
+          <a:bodyPr/>
+          <a:lstStyle/>
+          <a:p>
+            <a:r>
+              <a:rPr kumimoji="1" lang="en-US" altLang="ja-JP"/>
+              <a:t>Control System Theory Group</a:t>
+            </a:r>
+            <a:endParaRPr kumimoji="1" lang="ja-JP" altLang="en-US"/>
+          </a:p>
+        </p:txBody>
+      </p:sp>
+      <p:sp>
+        <p:nvSpPr>
+          <p:cNvPr id="5" name="タイトル 4">
+            <a:extLst>
+              <a:ext uri="{FF2B5EF4-FFF2-40B4-BE49-F238E27FC236}">
+                <a16:creationId xmlns:a16="http://schemas.microsoft.com/office/drawing/2014/main" id="{9F2DFFFB-E9C4-444F-B6A4-D9FB3FDA3F01}"/>
+              </a:ext>
+            </a:extLst>
+          </p:cNvPr>
+          <p:cNvSpPr>
+            <a:spLocks noGrp="1"/>
+          </p:cNvSpPr>
+          <p:nvPr>
+            <p:ph type="title"/>
+          </p:nvPr>
+        </p:nvSpPr>
+        <p:spPr/>
+        <p:txBody>
+          <a:bodyPr/>
+          <a:lstStyle/>
+          <a:p>
+            <a:r>
+              <a:rPr kumimoji="1" lang="ja-JP" altLang="en-US"/>
+              <a:t>やるべきこと</a:t>
+            </a:r>
+            <a:r>
+              <a:rPr kumimoji="1" lang="en-US" altLang="ja-JP" dirty="0"/>
+              <a:t>(~1</a:t>
+            </a:r>
+            <a:r>
+              <a:rPr kumimoji="1" lang="ja-JP" altLang="en-US"/>
+              <a:t>月上旬</a:t>
+            </a:r>
+            <a:r>
+              <a:rPr kumimoji="1" lang="en-US" altLang="ja-JP" dirty="0"/>
+              <a:t>?)</a:t>
+            </a:r>
+            <a:endParaRPr kumimoji="1" lang="ja-JP" altLang="en-US"/>
+          </a:p>
+        </p:txBody>
+      </p:sp>
+    </p:spTree>
+    <p:extLst>
+      <p:ext uri="{BB962C8B-B14F-4D97-AF65-F5344CB8AC3E}">
+        <p14:creationId xmlns:p14="http://schemas.microsoft.com/office/powerpoint/2010/main" val="1409068546"/>
+      </p:ext>
+    </p:extLst>
+  </p:cSld>
+  <p:clrMapOvr>
+    <a:masterClrMapping/>
+  </p:clrMapOvr>
+</p:sld>
+</file>
+
+<file path=ppt/slides/slide2.xml><?xml version="1.0" encoding="utf-8"?>
+<p:sld xmlns:a="http://schemas.openxmlformats.org/drawingml/2006/main" xmlns:r="http://schemas.openxmlformats.org/officeDocument/2006/relationships" xmlns:p="http://schemas.openxmlformats.org/presentationml/2006/main">
+  <p:cSld>
+    <p:spTree>
+      <p:nvGrpSpPr>
+        <p:cNvPr id="1" name=""/>
+        <p:cNvGrpSpPr/>
+        <p:nvPr/>
+      </p:nvGrpSpPr>
+      <p:grpSpPr>
+        <a:xfrm>
+          <a:off x="0" y="0"/>
+          <a:ext cx="0" cy="0"/>
+          <a:chOff x="0" y="0"/>
+          <a:chExt cx="0" cy="0"/>
+        </a:xfrm>
+      </p:grpSpPr>
+      <mc:AlternateContent xmlns:mc="http://schemas.openxmlformats.org/markup-compatibility/2006" xmlns:a14="http://schemas.microsoft.com/office/drawing/2010/main">
+        <mc:Choice Requires="a14">
           <p:sp>
             <p:nvSpPr>
               <p:cNvPr id="2" name="コンテンツ プレースホルダー 1">
@@ -5912,7 +6690,7 @@
             </p:txBody>
           </p:sp>
         </mc:Choice>
-        <mc:Fallback>
+        <mc:Fallback xmlns="">
           <p:sp>
             <p:nvSpPr>
               <p:cNvPr id="2" name="コンテンツ プレースホルダー 1">
@@ -5975,7 +6753,7 @@
           <a:p>
             <a:fld id="{90235FA2-C49A-5C4F-85BF-B1D7D24C5B31}" type="datetime1">
               <a:rPr kumimoji="1" lang="ja-JP" altLang="en-US" smtClean="0"/>
-              <a:t>2020/12/8</a:t>
+              <a:t>2020/12/16</a:t>
             </a:fld>
             <a:endParaRPr kumimoji="1" lang="ja-JP" altLang="en-US"/>
           </a:p>
@@ -6039,8 +6817,8 @@
           </a:p>
         </p:txBody>
       </p:sp>
-      <mc:AlternateContent xmlns:mc="http://schemas.openxmlformats.org/markup-compatibility/2006">
-        <mc:Choice xmlns:a14="http://schemas.microsoft.com/office/drawing/2010/main" Requires="a14">
+      <mc:AlternateContent xmlns:mc="http://schemas.openxmlformats.org/markup-compatibility/2006" xmlns:a14="http://schemas.microsoft.com/office/drawing/2010/main">
+        <mc:Choice Requires="a14">
           <p:sp>
             <p:nvSpPr>
               <p:cNvPr id="6" name="テキスト ボックス 5">
@@ -6069,6 +6847,7 @@
               </a:bodyPr>
               <a:lstStyle/>
               <a:p>
+                <a:pPr/>
                 <a14:m>
                   <m:oMathPara xmlns:m="http://schemas.openxmlformats.org/officeDocument/2006/math">
                     <m:oMathParaPr>
@@ -6393,7 +7172,7 @@
             </p:txBody>
           </p:sp>
         </mc:Choice>
-        <mc:Fallback>
+        <mc:Fallback xmlns="">
           <p:sp>
             <p:nvSpPr>
               <p:cNvPr id="6" name="テキスト ボックス 5">
@@ -6438,8 +7217,8 @@
           </p:sp>
         </mc:Fallback>
       </mc:AlternateContent>
-      <mc:AlternateContent xmlns:mc="http://schemas.openxmlformats.org/markup-compatibility/2006">
-        <mc:Choice xmlns:a14="http://schemas.microsoft.com/office/drawing/2010/main" Requires="a14">
+      <mc:AlternateContent xmlns:mc="http://schemas.openxmlformats.org/markup-compatibility/2006" xmlns:a14="http://schemas.microsoft.com/office/drawing/2010/main">
+        <mc:Choice Requires="a14">
           <p:sp>
             <p:nvSpPr>
               <p:cNvPr id="7" name="テキスト ボックス 6">
@@ -6468,6 +7247,7 @@
               </a:bodyPr>
               <a:lstStyle/>
               <a:p>
+                <a:pPr/>
                 <a14:m>
                   <m:oMathPara xmlns:m="http://schemas.openxmlformats.org/officeDocument/2006/math">
                     <m:oMathParaPr>
@@ -6569,7 +7349,7 @@
             </p:txBody>
           </p:sp>
         </mc:Choice>
-        <mc:Fallback>
+        <mc:Fallback xmlns="">
           <p:sp>
             <p:nvSpPr>
               <p:cNvPr id="7" name="テキスト ボックス 6">
@@ -6644,8 +7424,8 @@
           <a:chExt cx="0" cy="0"/>
         </a:xfrm>
       </p:grpSpPr>
-      <mc:AlternateContent xmlns:mc="http://schemas.openxmlformats.org/markup-compatibility/2006">
-        <mc:Choice xmlns:a14="http://schemas.microsoft.com/office/drawing/2010/main" Requires="a14">
+      <mc:AlternateContent xmlns:mc="http://schemas.openxmlformats.org/markup-compatibility/2006" xmlns:a14="http://schemas.microsoft.com/office/drawing/2010/main">
+        <mc:Choice Requires="a14">
           <p:sp>
             <p:nvSpPr>
               <p:cNvPr id="2" name="コンテンツ プレースホルダー 1">
@@ -6878,7 +7658,7 @@
             </p:txBody>
           </p:sp>
         </mc:Choice>
-        <mc:Fallback>
+        <mc:Fallback xmlns="">
           <p:sp>
             <p:nvSpPr>
               <p:cNvPr id="2" name="コンテンツ プレースホルダー 1">
@@ -6945,7 +7725,7 @@
           <a:p>
             <a:fld id="{90235FA2-C49A-5C4F-85BF-B1D7D24C5B31}" type="datetime1">
               <a:rPr kumimoji="1" lang="ja-JP" altLang="en-US" smtClean="0"/>
-              <a:t>2020/12/8</a:t>
+              <a:t>2020/12/16</a:t>
             </a:fld>
             <a:endParaRPr kumimoji="1" lang="ja-JP" altLang="en-US"/>
           </a:p>
@@ -7009,8 +7789,8 @@
           </a:p>
         </p:txBody>
       </p:sp>
-      <mc:AlternateContent xmlns:mc="http://schemas.openxmlformats.org/markup-compatibility/2006">
-        <mc:Choice xmlns:a14="http://schemas.microsoft.com/office/drawing/2010/main" Requires="a14">
+      <mc:AlternateContent xmlns:mc="http://schemas.openxmlformats.org/markup-compatibility/2006" xmlns:a14="http://schemas.microsoft.com/office/drawing/2010/main">
+        <mc:Choice Requires="a14">
           <p:sp>
             <p:nvSpPr>
               <p:cNvPr id="61" name="正方形/長方形 60">
@@ -7038,6 +7818,7 @@
               </a:bodyPr>
               <a:lstStyle/>
               <a:p>
+                <a:pPr/>
                 <a14:m>
                   <m:oMathPara xmlns:m="http://schemas.openxmlformats.org/officeDocument/2006/math">
                     <m:oMathParaPr>
@@ -7127,7 +7908,7 @@
             </p:txBody>
           </p:sp>
         </mc:Choice>
-        <mc:Fallback>
+        <mc:Fallback xmlns="">
           <p:sp>
             <p:nvSpPr>
               <p:cNvPr id="61" name="正方形/長方形 60">
@@ -7202,8 +7983,8 @@
           <a:chExt cx="0" cy="0"/>
         </a:xfrm>
       </p:grpSpPr>
-      <mc:AlternateContent xmlns:mc="http://schemas.openxmlformats.org/markup-compatibility/2006">
-        <mc:Choice xmlns:a14="http://schemas.microsoft.com/office/drawing/2010/main" Requires="a14">
+      <mc:AlternateContent xmlns:mc="http://schemas.openxmlformats.org/markup-compatibility/2006" xmlns:a14="http://schemas.microsoft.com/office/drawing/2010/main">
+        <mc:Choice Requires="a14">
           <p:sp>
             <p:nvSpPr>
               <p:cNvPr id="2" name="コンテンツ プレースホルダー 1">
@@ -7300,7 +8081,7 @@
             </p:txBody>
           </p:sp>
         </mc:Choice>
-        <mc:Fallback>
+        <mc:Fallback xmlns="">
           <p:sp>
             <p:nvSpPr>
               <p:cNvPr id="2" name="コンテンツ プレースホルダー 1">
@@ -7340,8 +8121,8 @@
           </p:sp>
         </mc:Fallback>
       </mc:AlternateContent>
-      <mc:AlternateContent xmlns:mc="http://schemas.openxmlformats.org/markup-compatibility/2006">
-        <mc:Choice xmlns:a14="http://schemas.microsoft.com/office/drawing/2010/main" Requires="a14">
+      <mc:AlternateContent xmlns:mc="http://schemas.openxmlformats.org/markup-compatibility/2006" xmlns:a14="http://schemas.microsoft.com/office/drawing/2010/main">
+        <mc:Choice Requires="a14">
           <p:sp>
             <p:nvSpPr>
               <p:cNvPr id="15" name="コンテンツ プレースホルダー 1">
@@ -7688,7 +8469,7 @@
             </p:txBody>
           </p:sp>
         </mc:Choice>
-        <mc:Fallback>
+        <mc:Fallback xmlns="">
           <p:sp>
             <p:nvSpPr>
               <p:cNvPr id="15" name="コンテンツ プレースホルダー 1">
@@ -7954,7 +8735,7 @@
           <a:p>
             <a:fld id="{90235FA2-C49A-5C4F-85BF-B1D7D24C5B31}" type="datetime1">
               <a:rPr kumimoji="1" lang="ja-JP" altLang="en-US" smtClean="0"/>
-              <a:t>2020/12/8</a:t>
+              <a:t>2020/12/16</a:t>
             </a:fld>
             <a:endParaRPr kumimoji="1" lang="ja-JP" altLang="en-US"/>
           </a:p>
@@ -8048,8 +8829,8 @@
           <a:chExt cx="0" cy="0"/>
         </a:xfrm>
       </p:grpSpPr>
-      <mc:AlternateContent xmlns:mc="http://schemas.openxmlformats.org/markup-compatibility/2006">
-        <mc:Choice xmlns:a14="http://schemas.microsoft.com/office/drawing/2010/main" Requires="a14">
+      <mc:AlternateContent xmlns:mc="http://schemas.openxmlformats.org/markup-compatibility/2006" xmlns:a14="http://schemas.microsoft.com/office/drawing/2010/main">
+        <mc:Choice Requires="a14">
           <p:sp>
             <p:nvSpPr>
               <p:cNvPr id="2" name="コンテンツ プレースホルダー 1">
@@ -8332,7 +9113,7 @@
             </p:txBody>
           </p:sp>
         </mc:Choice>
-        <mc:Fallback>
+        <mc:Fallback xmlns="">
           <p:sp>
             <p:nvSpPr>
               <p:cNvPr id="2" name="コンテンツ プレースホルダー 1">
@@ -8395,7 +9176,7 @@
           <a:p>
             <a:fld id="{90235FA2-C49A-5C4F-85BF-B1D7D24C5B31}" type="datetime1">
               <a:rPr kumimoji="1" lang="ja-JP" altLang="en-US" smtClean="0"/>
-              <a:t>2020/12/7</a:t>
+              <a:t>2020/12/16</a:t>
             </a:fld>
             <a:endParaRPr kumimoji="1" lang="ja-JP" altLang="en-US"/>
           </a:p>
@@ -9066,8 +9847,8 @@
             </p:sp>
           </mc:Fallback>
         </mc:AlternateContent>
-        <mc:AlternateContent xmlns:mc="http://schemas.openxmlformats.org/markup-compatibility/2006">
-          <mc:Choice xmlns:a14="http://schemas.microsoft.com/office/drawing/2010/main" Requires="a14">
+        <mc:AlternateContent xmlns:mc="http://schemas.openxmlformats.org/markup-compatibility/2006" xmlns:a14="http://schemas.microsoft.com/office/drawing/2010/main">
+          <mc:Choice Requires="a14">
             <p:sp>
               <p:nvSpPr>
                 <p:cNvPr id="15" name="テキスト ボックス 14">
@@ -9151,7 +9932,7 @@
               </p:txBody>
             </p:sp>
           </mc:Choice>
-          <mc:Fallback>
+          <mc:Fallback xmlns="">
             <p:sp>
               <p:nvSpPr>
                 <p:cNvPr id="15" name="テキスト ボックス 14">
@@ -9196,8 +9977,8 @@
             </p:sp>
           </mc:Fallback>
         </mc:AlternateContent>
-        <mc:AlternateContent xmlns:mc="http://schemas.openxmlformats.org/markup-compatibility/2006">
-          <mc:Choice xmlns:a14="http://schemas.microsoft.com/office/drawing/2010/main" Requires="a14">
+        <mc:AlternateContent xmlns:mc="http://schemas.openxmlformats.org/markup-compatibility/2006" xmlns:a14="http://schemas.microsoft.com/office/drawing/2010/main">
+          <mc:Choice Requires="a14">
             <p:sp>
               <p:nvSpPr>
                 <p:cNvPr id="16" name="テキスト ボックス 15">
@@ -9259,7 +10040,7 @@
               </p:txBody>
             </p:sp>
           </mc:Choice>
-          <mc:Fallback>
+          <mc:Fallback xmlns="">
             <p:sp>
               <p:nvSpPr>
                 <p:cNvPr id="16" name="テキスト ボックス 15">
@@ -9407,7 +10188,7 @@
           <a:p>
             <a:fld id="{90235FA2-C49A-5C4F-85BF-B1D7D24C5B31}" type="datetime1">
               <a:rPr kumimoji="1" lang="ja-JP" altLang="en-US" smtClean="0"/>
-              <a:t>2020/12/7</a:t>
+              <a:t>2020/12/16</a:t>
             </a:fld>
             <a:endParaRPr kumimoji="1" lang="ja-JP" altLang="en-US"/>
           </a:p>
@@ -9471,8 +10252,8 @@
           </a:p>
         </p:txBody>
       </p:sp>
-      <mc:AlternateContent xmlns:mc="http://schemas.openxmlformats.org/markup-compatibility/2006">
-        <mc:Choice xmlns:a14="http://schemas.microsoft.com/office/drawing/2010/main" Requires="a14">
+      <mc:AlternateContent xmlns:mc="http://schemas.openxmlformats.org/markup-compatibility/2006" xmlns:a14="http://schemas.microsoft.com/office/drawing/2010/main">
+        <mc:Choice Requires="a14">
           <p:sp>
             <p:nvSpPr>
               <p:cNvPr id="6" name="テキスト ボックス 5">
@@ -9501,6 +10282,7 @@
               </a:bodyPr>
               <a:lstStyle/>
               <a:p>
+                <a:pPr/>
                 <a14:m>
                   <m:oMathPara xmlns:m="http://schemas.openxmlformats.org/officeDocument/2006/math">
                     <m:oMathParaPr>
@@ -9592,7 +10374,7 @@
             </p:txBody>
           </p:sp>
         </mc:Choice>
-        <mc:Fallback>
+        <mc:Fallback xmlns="">
           <p:sp>
             <p:nvSpPr>
               <p:cNvPr id="6" name="テキスト ボックス 5">
@@ -9637,8 +10419,8 @@
           </p:sp>
         </mc:Fallback>
       </mc:AlternateContent>
-      <mc:AlternateContent xmlns:mc="http://schemas.openxmlformats.org/markup-compatibility/2006">
-        <mc:Choice xmlns:a14="http://schemas.microsoft.com/office/drawing/2010/main" Requires="a14">
+      <mc:AlternateContent xmlns:mc="http://schemas.openxmlformats.org/markup-compatibility/2006" xmlns:a14="http://schemas.microsoft.com/office/drawing/2010/main">
+        <mc:Choice Requires="a14">
           <p:sp>
             <p:nvSpPr>
               <p:cNvPr id="7" name="テキスト ボックス 6">
@@ -9694,7 +10476,7 @@
             </p:txBody>
           </p:sp>
         </mc:Choice>
-        <mc:Fallback>
+        <mc:Fallback xmlns="">
           <p:sp>
             <p:nvSpPr>
               <p:cNvPr id="7" name="テキスト ボックス 6">
@@ -9821,7 +10603,7 @@
           <a:p>
             <a:fld id="{90235FA2-C49A-5C4F-85BF-B1D7D24C5B31}" type="datetime1">
               <a:rPr kumimoji="1" lang="ja-JP" altLang="en-US" smtClean="0"/>
-              <a:t>2020/12/7</a:t>
+              <a:t>2020/12/16</a:t>
             </a:fld>
             <a:endParaRPr kumimoji="1" lang="ja-JP" altLang="en-US"/>
           </a:p>
@@ -9885,8 +10667,8 @@
           </a:p>
         </p:txBody>
       </p:sp>
-      <mc:AlternateContent xmlns:mc="http://schemas.openxmlformats.org/markup-compatibility/2006">
-        <mc:Choice xmlns:a14="http://schemas.microsoft.com/office/drawing/2010/main" Requires="a14">
+      <mc:AlternateContent xmlns:mc="http://schemas.openxmlformats.org/markup-compatibility/2006" xmlns:a14="http://schemas.microsoft.com/office/drawing/2010/main">
+        <mc:Choice Requires="a14">
           <p:sp>
             <p:nvSpPr>
               <p:cNvPr id="6" name="テキスト ボックス 5">
@@ -9915,6 +10697,7 @@
               </a:bodyPr>
               <a:lstStyle/>
               <a:p>
+                <a:pPr/>
                 <a14:m>
                   <m:oMathPara xmlns:m="http://schemas.openxmlformats.org/officeDocument/2006/math">
                     <m:oMathParaPr>
@@ -10006,7 +10789,7 @@
             </p:txBody>
           </p:sp>
         </mc:Choice>
-        <mc:Fallback>
+        <mc:Fallback xmlns="">
           <p:sp>
             <p:nvSpPr>
               <p:cNvPr id="6" name="テキスト ボックス 5">
@@ -10051,8 +10834,8 @@
           </p:sp>
         </mc:Fallback>
       </mc:AlternateContent>
-      <mc:AlternateContent xmlns:mc="http://schemas.openxmlformats.org/markup-compatibility/2006">
-        <mc:Choice xmlns:a14="http://schemas.microsoft.com/office/drawing/2010/main" Requires="a14">
+      <mc:AlternateContent xmlns:mc="http://schemas.openxmlformats.org/markup-compatibility/2006" xmlns:a14="http://schemas.microsoft.com/office/drawing/2010/main">
+        <mc:Choice Requires="a14">
           <p:sp>
             <p:nvSpPr>
               <p:cNvPr id="7" name="テキスト ボックス 6">
@@ -10108,7 +10891,7 @@
             </p:txBody>
           </p:sp>
         </mc:Choice>
-        <mc:Fallback>
+        <mc:Fallback xmlns="">
           <p:sp>
             <p:nvSpPr>
               <p:cNvPr id="7" name="テキスト ボックス 6">
@@ -10217,6 +11000,1521 @@
     <p:extLst>
       <p:ext uri="{BB962C8B-B14F-4D97-AF65-F5344CB8AC3E}">
         <p14:creationId xmlns:p14="http://schemas.microsoft.com/office/powerpoint/2010/main" val="2759379747"/>
+      </p:ext>
+    </p:extLst>
+  </p:cSld>
+  <p:clrMapOvr>
+    <a:masterClrMapping/>
+  </p:clrMapOvr>
+</p:sld>
+</file>
+
+<file path=ppt/slides/slide8.xml><?xml version="1.0" encoding="utf-8"?>
+<p:sld xmlns:a="http://schemas.openxmlformats.org/drawingml/2006/main" xmlns:r="http://schemas.openxmlformats.org/officeDocument/2006/relationships" xmlns:p="http://schemas.openxmlformats.org/presentationml/2006/main">
+  <p:cSld>
+    <p:spTree>
+      <p:nvGrpSpPr>
+        <p:cNvPr id="1" name=""/>
+        <p:cNvGrpSpPr/>
+        <p:nvPr/>
+      </p:nvGrpSpPr>
+      <p:grpSpPr>
+        <a:xfrm>
+          <a:off x="0" y="0"/>
+          <a:ext cx="0" cy="0"/>
+          <a:chOff x="0" y="0"/>
+          <a:chExt cx="0" cy="0"/>
+        </a:xfrm>
+      </p:grpSpPr>
+      <mc:AlternateContent xmlns:mc="http://schemas.openxmlformats.org/markup-compatibility/2006">
+        <mc:Choice xmlns:a14="http://schemas.microsoft.com/office/drawing/2010/main" Requires="a14">
+          <p:sp>
+            <p:nvSpPr>
+              <p:cNvPr id="2" name="コンテンツ プレースホルダー 1">
+                <a:extLst>
+                  <a:ext uri="{FF2B5EF4-FFF2-40B4-BE49-F238E27FC236}">
+                    <a16:creationId xmlns:a16="http://schemas.microsoft.com/office/drawing/2014/main" id="{CB252931-C63C-BD40-9029-3146333D4099}"/>
+                  </a:ext>
+                </a:extLst>
+              </p:cNvPr>
+              <p:cNvSpPr>
+                <a:spLocks noGrp="1"/>
+              </p:cNvSpPr>
+              <p:nvPr>
+                <p:ph idx="1"/>
+              </p:nvPr>
+            </p:nvSpPr>
+            <p:spPr/>
+            <p:txBody>
+              <a:bodyPr/>
+              <a:lstStyle/>
+              <a:p>
+                <a:r>
+                  <a:rPr kumimoji="1" lang="ja-JP" altLang="en-US"/>
+                  <a:t>ベルマン方程式を使った計算</a:t>
+                </a:r>
+                <a:endParaRPr kumimoji="1" lang="en-US" altLang="ja-JP" dirty="0"/>
+              </a:p>
+              <a:p>
+                <a:endParaRPr lang="en-US" altLang="ja-JP" dirty="0"/>
+              </a:p>
+              <a:p>
+                <a:pPr lvl="3"/>
+                <a:endParaRPr kumimoji="1" lang="en-US" altLang="ja-JP" dirty="0"/>
+              </a:p>
+              <a:p>
+                <a:pPr lvl="1"/>
+                <a:r>
+                  <a:rPr lang="ja-JP" altLang="en-US"/>
+                  <a:t>システムノイズに対する期待値</a:t>
+                </a:r>
+                <a:endParaRPr lang="en-US" altLang="ja-JP" dirty="0"/>
+              </a:p>
+              <a:p>
+                <a:pPr lvl="2"/>
+                <a:r>
+                  <a:rPr lang="en-US" altLang="ja-JP" dirty="0"/>
+                  <a:t>10</a:t>
+                </a:r>
+                <a:r>
+                  <a:rPr lang="ja-JP" altLang="en-US"/>
+                  <a:t>個の制御パスから</a:t>
+                </a:r>
+                <a14:m>
+                  <m:oMath xmlns:m="http://schemas.openxmlformats.org/officeDocument/2006/math">
+                    <m:r>
+                      <a:rPr lang="en-US" altLang="ja-JP" i="1">
+                        <a:latin typeface="Cambria Math" panose="02040503050406030204" pitchFamily="18" charset="0"/>
+                      </a:rPr>
+                      <m:t>𝑟</m:t>
+                    </m:r>
+                    <m:d>
+                      <m:dPr>
+                        <m:ctrlPr>
+                          <a:rPr lang="en-US" altLang="ja-JP" i="1">
+                            <a:latin typeface="Cambria Math" panose="02040503050406030204" pitchFamily="18" charset="0"/>
+                          </a:rPr>
+                        </m:ctrlPr>
+                      </m:dPr>
+                      <m:e>
+                        <m:r>
+                          <a:rPr lang="en-US" altLang="ja-JP" i="1">
+                            <a:latin typeface="Cambria Math" panose="02040503050406030204" pitchFamily="18" charset="0"/>
+                          </a:rPr>
+                          <m:t>𝑠</m:t>
+                        </m:r>
+                        <m:r>
+                          <a:rPr lang="en-US" altLang="ja-JP" i="1">
+                            <a:latin typeface="Cambria Math" panose="02040503050406030204" pitchFamily="18" charset="0"/>
+                          </a:rPr>
+                          <m:t>,</m:t>
+                        </m:r>
+                        <m:r>
+                          <a:rPr lang="en-US" altLang="ja-JP" i="1">
+                            <a:latin typeface="Cambria Math" panose="02040503050406030204" pitchFamily="18" charset="0"/>
+                          </a:rPr>
+                          <m:t>𝑎</m:t>
+                        </m:r>
+                      </m:e>
+                    </m:d>
+                    <m:r>
+                      <a:rPr lang="en-US" altLang="ja-JP" i="1">
+                        <a:latin typeface="Cambria Math" panose="02040503050406030204" pitchFamily="18" charset="0"/>
+                      </a:rPr>
+                      <m:t>+</m:t>
+                    </m:r>
+                    <m:r>
+                      <a:rPr lang="en-US" altLang="ja-JP" i="1">
+                        <a:latin typeface="Cambria Math" panose="02040503050406030204" pitchFamily="18" charset="0"/>
+                        <a:ea typeface="Cambria Math" panose="02040503050406030204" pitchFamily="18" charset="0"/>
+                      </a:rPr>
+                      <m:t>𝛾</m:t>
+                    </m:r>
+                    <m:sSup>
+                      <m:sSupPr>
+                        <m:ctrlPr>
+                          <a:rPr lang="en-US" altLang="ja-JP" i="1">
+                            <a:latin typeface="Cambria Math" panose="02040503050406030204" pitchFamily="18" charset="0"/>
+                          </a:rPr>
+                        </m:ctrlPr>
+                      </m:sSupPr>
+                      <m:e>
+                        <m:r>
+                          <a:rPr lang="en-US" altLang="ja-JP" i="1">
+                            <a:latin typeface="Cambria Math" panose="02040503050406030204" pitchFamily="18" charset="0"/>
+                          </a:rPr>
+                          <m:t>𝑉</m:t>
+                        </m:r>
+                      </m:e>
+                      <m:sup>
+                        <m:r>
+                          <a:rPr lang="en-US" altLang="ja-JP" i="1">
+                            <a:latin typeface="Cambria Math" panose="02040503050406030204" pitchFamily="18" charset="0"/>
+                            <a:ea typeface="Cambria Math" panose="02040503050406030204" pitchFamily="18" charset="0"/>
+                          </a:rPr>
+                          <m:t>𝜋</m:t>
+                        </m:r>
+                      </m:sup>
+                    </m:sSup>
+                    <m:d>
+                      <m:dPr>
+                        <m:ctrlPr>
+                          <a:rPr lang="en-US" altLang="ja-JP" i="1">
+                            <a:latin typeface="Cambria Math" panose="02040503050406030204" pitchFamily="18" charset="0"/>
+                            <a:ea typeface="Cambria Math" panose="02040503050406030204" pitchFamily="18" charset="0"/>
+                          </a:rPr>
+                        </m:ctrlPr>
+                      </m:dPr>
+                      <m:e>
+                        <m:sSup>
+                          <m:sSupPr>
+                            <m:ctrlPr>
+                              <a:rPr lang="en-US" altLang="ja-JP" i="1">
+                                <a:latin typeface="Cambria Math" panose="02040503050406030204" pitchFamily="18" charset="0"/>
+                              </a:rPr>
+                            </m:ctrlPr>
+                          </m:sSupPr>
+                          <m:e>
+                            <m:r>
+                              <a:rPr lang="en-US" altLang="ja-JP" i="1">
+                                <a:latin typeface="Cambria Math" panose="02040503050406030204" pitchFamily="18" charset="0"/>
+                              </a:rPr>
+                              <m:t>𝑠</m:t>
+                            </m:r>
+                          </m:e>
+                          <m:sup>
+                            <m:r>
+                              <a:rPr lang="en-US" altLang="ja-JP" i="1">
+                                <a:latin typeface="Cambria Math" panose="02040503050406030204" pitchFamily="18" charset="0"/>
+                              </a:rPr>
+                              <m:t>′</m:t>
+                            </m:r>
+                          </m:sup>
+                        </m:sSup>
+                      </m:e>
+                    </m:d>
+                  </m:oMath>
+                </a14:m>
+                <a:r>
+                  <a:rPr lang="ja-JP" altLang="en-US" dirty="0"/>
+                  <a:t>を</a:t>
+                </a:r>
+                <a:r>
+                  <a:rPr lang="ja-JP" altLang="en-US"/>
+                  <a:t>計算してサンプル平均近似</a:t>
+                </a:r>
+                <a:endParaRPr lang="en-US" altLang="ja-JP" dirty="0"/>
+              </a:p>
+              <a:p>
+                <a:pPr lvl="1"/>
+                <a:r>
+                  <a:rPr lang="ja-JP" altLang="en-US"/>
+                  <a:t>システムノイズはウィーナー過程</a:t>
+                </a:r>
+                <a:endParaRPr lang="en-US" altLang="ja-JP" dirty="0"/>
+              </a:p>
+              <a:p>
+                <a:pPr lvl="2"/>
+                <a:endParaRPr kumimoji="1" lang="en-US" altLang="ja-JP" dirty="0"/>
+              </a:p>
+              <a:p>
+                <a14:m>
+                  <m:oMath xmlns:m="http://schemas.openxmlformats.org/officeDocument/2006/math">
+                    <m:r>
+                      <a:rPr lang="en-US" altLang="ja-JP" i="1">
+                        <a:latin typeface="Cambria Math" panose="02040503050406030204" pitchFamily="18" charset="0"/>
+                      </a:rPr>
+                      <m:t>𝑠</m:t>
+                    </m:r>
+                    <m:r>
+                      <a:rPr lang="en-US" altLang="ja-JP" b="0" i="1" smtClean="0">
+                        <a:latin typeface="Cambria Math" panose="02040503050406030204" pitchFamily="18" charset="0"/>
+                      </a:rPr>
+                      <m:t>=0</m:t>
+                    </m:r>
+                  </m:oMath>
+                </a14:m>
+                <a:r>
+                  <a:rPr lang="ja-JP" altLang="en-US"/>
+                  <a:t>における</a:t>
+                </a:r>
+                <a14:m>
+                  <m:oMath xmlns:m="http://schemas.openxmlformats.org/officeDocument/2006/math">
+                    <m:sSup>
+                      <m:sSupPr>
+                        <m:ctrlPr>
+                          <a:rPr lang="en-US" altLang="ja-JP" i="1">
+                            <a:latin typeface="Cambria Math" panose="02040503050406030204" pitchFamily="18" charset="0"/>
+                          </a:rPr>
+                        </m:ctrlPr>
+                      </m:sSupPr>
+                      <m:e>
+                        <m:r>
+                          <a:rPr lang="en-US" altLang="ja-JP" i="1">
+                            <a:latin typeface="Cambria Math" panose="02040503050406030204" pitchFamily="18" charset="0"/>
+                          </a:rPr>
+                          <m:t>𝑄</m:t>
+                        </m:r>
+                      </m:e>
+                      <m:sup>
+                        <m:r>
+                          <a:rPr lang="en-US" altLang="ja-JP" i="1">
+                            <a:latin typeface="Cambria Math" panose="02040503050406030204" pitchFamily="18" charset="0"/>
+                            <a:ea typeface="Cambria Math" panose="02040503050406030204" pitchFamily="18" charset="0"/>
+                          </a:rPr>
+                          <m:t>𝜋</m:t>
+                        </m:r>
+                      </m:sup>
+                    </m:sSup>
+                    <m:d>
+                      <m:dPr>
+                        <m:ctrlPr>
+                          <a:rPr lang="en-US" altLang="ja-JP" i="1">
+                            <a:latin typeface="Cambria Math" panose="02040503050406030204" pitchFamily="18" charset="0"/>
+                          </a:rPr>
+                        </m:ctrlPr>
+                      </m:dPr>
+                      <m:e>
+                        <m:r>
+                          <a:rPr lang="en-US" altLang="ja-JP" i="1">
+                            <a:latin typeface="Cambria Math" panose="02040503050406030204" pitchFamily="18" charset="0"/>
+                          </a:rPr>
+                          <m:t>𝑠</m:t>
+                        </m:r>
+                        <m:r>
+                          <a:rPr lang="en-US" altLang="ja-JP" i="1">
+                            <a:latin typeface="Cambria Math" panose="02040503050406030204" pitchFamily="18" charset="0"/>
+                          </a:rPr>
+                          <m:t>,</m:t>
+                        </m:r>
+                        <m:r>
+                          <a:rPr lang="en-US" altLang="ja-JP" i="1">
+                            <a:latin typeface="Cambria Math" panose="02040503050406030204" pitchFamily="18" charset="0"/>
+                          </a:rPr>
+                          <m:t>𝑎</m:t>
+                        </m:r>
+                      </m:e>
+                    </m:d>
+                  </m:oMath>
+                </a14:m>
+                <a:r>
+                  <a:rPr kumimoji="1" lang="en-US" altLang="ja-JP" dirty="0"/>
+                  <a:t> </a:t>
+                </a:r>
+                <a:r>
+                  <a:rPr kumimoji="1" lang="ja-JP" altLang="en-US"/>
+                  <a:t>のヒートマップ</a:t>
+                </a:r>
+                <a:endParaRPr kumimoji="1" lang="en-US" altLang="ja-JP" dirty="0"/>
+              </a:p>
+              <a:p>
+                <a:pPr lvl="1"/>
+                <a:r>
+                  <a:rPr kumimoji="1" lang="ja-JP" altLang="en-US"/>
+                  <a:t>システムノイズがない場合のものと比較</a:t>
+                </a:r>
+                <a:endParaRPr kumimoji="1" lang="en-US" altLang="ja-JP" dirty="0"/>
+              </a:p>
+            </p:txBody>
+          </p:sp>
+        </mc:Choice>
+        <mc:Fallback>
+          <p:sp>
+            <p:nvSpPr>
+              <p:cNvPr id="2" name="コンテンツ プレースホルダー 1">
+                <a:extLst>
+                  <a:ext uri="{FF2B5EF4-FFF2-40B4-BE49-F238E27FC236}">
+                    <a16:creationId xmlns:a16="http://schemas.microsoft.com/office/drawing/2014/main" id="{CB252931-C63C-BD40-9029-3146333D4099}"/>
+                  </a:ext>
+                </a:extLst>
+              </p:cNvPr>
+              <p:cNvSpPr>
+                <a:spLocks noGrp="1" noRot="1" noChangeAspect="1" noMove="1" noResize="1" noEditPoints="1" noAdjustHandles="1" noChangeArrowheads="1" noChangeShapeType="1" noTextEdit="1"/>
+              </p:cNvSpPr>
+              <p:nvPr>
+                <p:ph idx="1"/>
+              </p:nvPr>
+            </p:nvSpPr>
+            <p:spPr>
+              <a:blipFill>
+                <a:blip r:embed="rId2"/>
+                <a:stretch>
+                  <a:fillRect l="-598" t="-1266"/>
+                </a:stretch>
+              </a:blipFill>
+            </p:spPr>
+            <p:txBody>
+              <a:bodyPr/>
+              <a:lstStyle/>
+              <a:p>
+                <a:r>
+                  <a:rPr lang="ja-JP" altLang="en-US">
+                    <a:noFill/>
+                  </a:rPr>
+                  <a:t> </a:t>
+                </a:r>
+              </a:p>
+            </p:txBody>
+          </p:sp>
+        </mc:Fallback>
+      </mc:AlternateContent>
+      <p:sp>
+        <p:nvSpPr>
+          <p:cNvPr id="3" name="日付プレースホルダー 2">
+            <a:extLst>
+              <a:ext uri="{FF2B5EF4-FFF2-40B4-BE49-F238E27FC236}">
+                <a16:creationId xmlns:a16="http://schemas.microsoft.com/office/drawing/2014/main" id="{E3E07B18-F507-FC45-A5D6-B410F8D14FB7}"/>
+              </a:ext>
+            </a:extLst>
+          </p:cNvPr>
+          <p:cNvSpPr>
+            <a:spLocks noGrp="1"/>
+          </p:cNvSpPr>
+          <p:nvPr>
+            <p:ph type="dt" sz="half" idx="10"/>
+          </p:nvPr>
+        </p:nvSpPr>
+        <p:spPr/>
+        <p:txBody>
+          <a:bodyPr/>
+          <a:lstStyle/>
+          <a:p>
+            <a:fld id="{90235FA2-C49A-5C4F-85BF-B1D7D24C5B31}" type="datetime1">
+              <a:rPr kumimoji="1" lang="ja-JP" altLang="en-US" smtClean="0"/>
+              <a:t>2020/12/18</a:t>
+            </a:fld>
+            <a:endParaRPr kumimoji="1" lang="ja-JP" altLang="en-US"/>
+          </a:p>
+        </p:txBody>
+      </p:sp>
+      <p:sp>
+        <p:nvSpPr>
+          <p:cNvPr id="4" name="フッター プレースホルダー 3">
+            <a:extLst>
+              <a:ext uri="{FF2B5EF4-FFF2-40B4-BE49-F238E27FC236}">
+                <a16:creationId xmlns:a16="http://schemas.microsoft.com/office/drawing/2014/main" id="{2D566879-924B-9044-B825-15CAB4EB1659}"/>
+              </a:ext>
+            </a:extLst>
+          </p:cNvPr>
+          <p:cNvSpPr>
+            <a:spLocks noGrp="1"/>
+          </p:cNvSpPr>
+          <p:nvPr>
+            <p:ph type="ftr" sz="quarter" idx="11"/>
+          </p:nvPr>
+        </p:nvSpPr>
+        <p:spPr/>
+        <p:txBody>
+          <a:bodyPr/>
+          <a:lstStyle/>
+          <a:p>
+            <a:r>
+              <a:rPr kumimoji="1" lang="en-US" altLang="ja-JP"/>
+              <a:t>Control System Theory Group</a:t>
+            </a:r>
+            <a:endParaRPr kumimoji="1" lang="ja-JP" altLang="en-US"/>
+          </a:p>
+        </p:txBody>
+      </p:sp>
+      <p:sp>
+        <p:nvSpPr>
+          <p:cNvPr id="5" name="タイトル 4">
+            <a:extLst>
+              <a:ext uri="{FF2B5EF4-FFF2-40B4-BE49-F238E27FC236}">
+                <a16:creationId xmlns:a16="http://schemas.microsoft.com/office/drawing/2014/main" id="{29E78720-1837-684C-814A-961990F09CCD}"/>
+              </a:ext>
+            </a:extLst>
+          </p:cNvPr>
+          <p:cNvSpPr>
+            <a:spLocks noGrp="1"/>
+          </p:cNvSpPr>
+          <p:nvPr>
+            <p:ph type="title"/>
+          </p:nvPr>
+        </p:nvSpPr>
+        <p:spPr/>
+        <p:txBody>
+          <a:bodyPr/>
+          <a:lstStyle/>
+          <a:p>
+            <a:r>
+              <a:rPr kumimoji="1" lang="ja-JP" altLang="en-US"/>
+              <a:t>確率システムの</a:t>
+            </a:r>
+            <a:r>
+              <a:rPr kumimoji="1" lang="en-US" altLang="ja-JP" i="1" dirty="0">
+                <a:latin typeface="Cambria" panose="02040503050406030204" pitchFamily="18" charset="0"/>
+              </a:rPr>
+              <a:t>Q</a:t>
+            </a:r>
+            <a:r>
+              <a:rPr kumimoji="1" lang="ja-JP" altLang="en-US"/>
+              <a:t>関数</a:t>
+            </a:r>
+          </a:p>
+        </p:txBody>
+      </p:sp>
+      <mc:AlternateContent xmlns:mc="http://schemas.openxmlformats.org/markup-compatibility/2006">
+        <mc:Choice xmlns:a14="http://schemas.microsoft.com/office/drawing/2010/main" Requires="a14">
+          <p:sp>
+            <p:nvSpPr>
+              <p:cNvPr id="6" name="テキスト ボックス 5">
+                <a:extLst>
+                  <a:ext uri="{FF2B5EF4-FFF2-40B4-BE49-F238E27FC236}">
+                    <a16:creationId xmlns:a16="http://schemas.microsoft.com/office/drawing/2014/main" id="{6F437EE5-A997-4646-A7CE-C18CD3C4E120}"/>
+                  </a:ext>
+                </a:extLst>
+              </p:cNvPr>
+              <p:cNvSpPr txBox="1"/>
+              <p:nvPr/>
+            </p:nvSpPr>
+            <p:spPr>
+              <a:xfrm>
+                <a:off x="955282" y="1555792"/>
+                <a:ext cx="4376647" cy="434991"/>
+              </a:xfrm>
+              <a:prstGeom prst="rect">
+                <a:avLst/>
+              </a:prstGeom>
+              <a:noFill/>
+            </p:spPr>
+            <p:txBody>
+              <a:bodyPr wrap="none" rtlCol="0">
+                <a:spAutoFit/>
+              </a:bodyPr>
+              <a:lstStyle/>
+              <a:p>
+                <a:pPr/>
+                <a14:m>
+                  <m:oMathPara xmlns:m="http://schemas.openxmlformats.org/officeDocument/2006/math">
+                    <m:oMathParaPr>
+                      <m:jc m:val="centerGroup"/>
+                    </m:oMathParaPr>
+                    <m:oMath xmlns:m="http://schemas.openxmlformats.org/officeDocument/2006/math">
+                      <m:sSup>
+                        <m:sSupPr>
+                          <m:ctrlPr>
+                            <a:rPr kumimoji="1" lang="en-US" altLang="ja-JP" sz="2200" i="1" smtClean="0">
+                              <a:solidFill>
+                                <a:schemeClr val="tx1"/>
+                              </a:solidFill>
+                              <a:latin typeface="Cambria Math" panose="02040503050406030204" pitchFamily="18" charset="0"/>
+                            </a:rPr>
+                          </m:ctrlPr>
+                        </m:sSupPr>
+                        <m:e>
+                          <m:r>
+                            <a:rPr kumimoji="1" lang="en-US" altLang="ja-JP" sz="2200" b="0" i="1" smtClean="0">
+                              <a:solidFill>
+                                <a:schemeClr val="tx1"/>
+                              </a:solidFill>
+                              <a:latin typeface="Cambria Math" panose="02040503050406030204" pitchFamily="18" charset="0"/>
+                            </a:rPr>
+                            <m:t>𝑄</m:t>
+                          </m:r>
+                        </m:e>
+                        <m:sup>
+                          <m:r>
+                            <a:rPr kumimoji="1" lang="en-US" altLang="ja-JP" sz="2200" i="1" smtClean="0">
+                              <a:solidFill>
+                                <a:schemeClr val="tx1"/>
+                              </a:solidFill>
+                              <a:latin typeface="Cambria Math" panose="02040503050406030204" pitchFamily="18" charset="0"/>
+                              <a:ea typeface="Cambria Math" panose="02040503050406030204" pitchFamily="18" charset="0"/>
+                            </a:rPr>
+                            <m:t>𝜋</m:t>
+                          </m:r>
+                        </m:sup>
+                      </m:sSup>
+                      <m:d>
+                        <m:dPr>
+                          <m:ctrlPr>
+                            <a:rPr kumimoji="1" lang="en-US" altLang="ja-JP" sz="2200" i="1">
+                              <a:solidFill>
+                                <a:schemeClr val="tx1"/>
+                              </a:solidFill>
+                              <a:latin typeface="Cambria Math" panose="02040503050406030204" pitchFamily="18" charset="0"/>
+                            </a:rPr>
+                          </m:ctrlPr>
+                        </m:dPr>
+                        <m:e>
+                          <m:r>
+                            <a:rPr kumimoji="1" lang="en-US" altLang="ja-JP" sz="2200" i="1">
+                              <a:solidFill>
+                                <a:schemeClr val="tx1"/>
+                              </a:solidFill>
+                              <a:latin typeface="Cambria Math" panose="02040503050406030204" pitchFamily="18" charset="0"/>
+                            </a:rPr>
+                            <m:t>𝑠</m:t>
+                          </m:r>
+                          <m:r>
+                            <a:rPr kumimoji="1" lang="en-US" altLang="ja-JP" sz="2200" i="1">
+                              <a:solidFill>
+                                <a:schemeClr val="tx1"/>
+                              </a:solidFill>
+                              <a:latin typeface="Cambria Math" panose="02040503050406030204" pitchFamily="18" charset="0"/>
+                            </a:rPr>
+                            <m:t>,</m:t>
+                          </m:r>
+                          <m:r>
+                            <a:rPr kumimoji="1" lang="en-US" altLang="ja-JP" sz="2200" i="1">
+                              <a:solidFill>
+                                <a:schemeClr val="tx1"/>
+                              </a:solidFill>
+                              <a:latin typeface="Cambria Math" panose="02040503050406030204" pitchFamily="18" charset="0"/>
+                            </a:rPr>
+                            <m:t>𝑎</m:t>
+                          </m:r>
+                        </m:e>
+                      </m:d>
+                      <m:r>
+                        <a:rPr kumimoji="1" lang="en-US" altLang="ja-JP" sz="2200" b="0" i="1" smtClean="0">
+                          <a:solidFill>
+                            <a:schemeClr val="tx1"/>
+                          </a:solidFill>
+                          <a:latin typeface="Cambria Math" panose="02040503050406030204" pitchFamily="18" charset="0"/>
+                          <a:ea typeface="Cambria Math" panose="02040503050406030204" pitchFamily="18" charset="0"/>
+                        </a:rPr>
+                        <m:t>=</m:t>
+                      </m:r>
+                      <m:sSub>
+                        <m:sSubPr>
+                          <m:ctrlPr>
+                            <a:rPr kumimoji="1" lang="en-US" altLang="ja-JP" sz="2200" i="1">
+                              <a:solidFill>
+                                <a:srgbClr val="FF0000"/>
+                              </a:solidFill>
+                              <a:latin typeface="Cambria Math" panose="02040503050406030204" pitchFamily="18" charset="0"/>
+                              <a:ea typeface="Cambria Math" panose="02040503050406030204" pitchFamily="18" charset="0"/>
+                            </a:rPr>
+                          </m:ctrlPr>
+                        </m:sSubPr>
+                        <m:e>
+                          <m:r>
+                            <a:rPr kumimoji="1" lang="en-US" altLang="ja-JP" sz="2200" i="1">
+                              <a:solidFill>
+                                <a:srgbClr val="FF0000"/>
+                              </a:solidFill>
+                              <a:latin typeface="Cambria Math" panose="02040503050406030204" pitchFamily="18" charset="0"/>
+                              <a:ea typeface="Cambria Math" panose="02040503050406030204" pitchFamily="18" charset="0"/>
+                            </a:rPr>
+                            <m:t>𝔼</m:t>
+                          </m:r>
+                        </m:e>
+                        <m:sub>
+                          <m:r>
+                            <a:rPr kumimoji="1" lang="en-US" altLang="ja-JP" sz="2200" b="0" i="1" smtClean="0">
+                              <a:solidFill>
+                                <a:srgbClr val="FF0000"/>
+                              </a:solidFill>
+                              <a:latin typeface="Cambria Math" panose="02040503050406030204" pitchFamily="18" charset="0"/>
+                            </a:rPr>
+                            <m:t>𝑤</m:t>
+                          </m:r>
+                        </m:sub>
+                      </m:sSub>
+                      <m:r>
+                        <a:rPr kumimoji="1" lang="en-US" altLang="ja-JP" sz="2200" i="1">
+                          <a:solidFill>
+                            <a:srgbClr val="FF0000"/>
+                          </a:solidFill>
+                          <a:latin typeface="Cambria Math" panose="02040503050406030204" pitchFamily="18" charset="0"/>
+                          <a:ea typeface="Cambria Math" panose="02040503050406030204" pitchFamily="18" charset="0"/>
+                        </a:rPr>
+                        <m:t>[</m:t>
+                      </m:r>
+                      <m:r>
+                        <a:rPr kumimoji="1" lang="en-US" altLang="ja-JP" sz="2200" i="1">
+                          <a:solidFill>
+                            <a:schemeClr val="tx1"/>
+                          </a:solidFill>
+                          <a:latin typeface="Cambria Math" panose="02040503050406030204" pitchFamily="18" charset="0"/>
+                        </a:rPr>
+                        <m:t>𝑟</m:t>
+                      </m:r>
+                      <m:d>
+                        <m:dPr>
+                          <m:ctrlPr>
+                            <a:rPr kumimoji="1" lang="en-US" altLang="ja-JP" sz="2200" i="1">
+                              <a:solidFill>
+                                <a:schemeClr val="tx1"/>
+                              </a:solidFill>
+                              <a:latin typeface="Cambria Math" panose="02040503050406030204" pitchFamily="18" charset="0"/>
+                            </a:rPr>
+                          </m:ctrlPr>
+                        </m:dPr>
+                        <m:e>
+                          <m:r>
+                            <a:rPr kumimoji="1" lang="en-US" altLang="ja-JP" sz="2200" i="1">
+                              <a:solidFill>
+                                <a:schemeClr val="tx1"/>
+                              </a:solidFill>
+                              <a:latin typeface="Cambria Math" panose="02040503050406030204" pitchFamily="18" charset="0"/>
+                            </a:rPr>
+                            <m:t>𝑠</m:t>
+                          </m:r>
+                          <m:r>
+                            <a:rPr kumimoji="1" lang="en-US" altLang="ja-JP" sz="2200" i="1">
+                              <a:solidFill>
+                                <a:schemeClr val="tx1"/>
+                              </a:solidFill>
+                              <a:latin typeface="Cambria Math" panose="02040503050406030204" pitchFamily="18" charset="0"/>
+                            </a:rPr>
+                            <m:t>,</m:t>
+                          </m:r>
+                          <m:r>
+                            <a:rPr kumimoji="1" lang="en-US" altLang="ja-JP" sz="2200" i="1">
+                              <a:solidFill>
+                                <a:schemeClr val="tx1"/>
+                              </a:solidFill>
+                              <a:latin typeface="Cambria Math" panose="02040503050406030204" pitchFamily="18" charset="0"/>
+                            </a:rPr>
+                            <m:t>𝑎</m:t>
+                          </m:r>
+                        </m:e>
+                      </m:d>
+                      <m:r>
+                        <a:rPr kumimoji="1" lang="en-US" altLang="ja-JP" sz="2200" i="1">
+                          <a:solidFill>
+                            <a:schemeClr val="tx1"/>
+                          </a:solidFill>
+                          <a:latin typeface="Cambria Math" panose="02040503050406030204" pitchFamily="18" charset="0"/>
+                        </a:rPr>
+                        <m:t>+</m:t>
+                      </m:r>
+                      <m:r>
+                        <a:rPr kumimoji="1" lang="en-US" altLang="ja-JP" sz="2200" i="1">
+                          <a:solidFill>
+                            <a:schemeClr val="tx1"/>
+                          </a:solidFill>
+                          <a:latin typeface="Cambria Math" panose="02040503050406030204" pitchFamily="18" charset="0"/>
+                          <a:ea typeface="Cambria Math" panose="02040503050406030204" pitchFamily="18" charset="0"/>
+                        </a:rPr>
+                        <m:t>𝛾</m:t>
+                      </m:r>
+                      <m:sSup>
+                        <m:sSupPr>
+                          <m:ctrlPr>
+                            <a:rPr kumimoji="1" lang="en-US" altLang="ja-JP" sz="2200" i="1">
+                              <a:latin typeface="Cambria Math" panose="02040503050406030204" pitchFamily="18" charset="0"/>
+                            </a:rPr>
+                          </m:ctrlPr>
+                        </m:sSupPr>
+                        <m:e>
+                          <m:r>
+                            <a:rPr kumimoji="1" lang="en-US" altLang="ja-JP" sz="2200" b="0" i="1" smtClean="0">
+                              <a:latin typeface="Cambria Math" panose="02040503050406030204" pitchFamily="18" charset="0"/>
+                            </a:rPr>
+                            <m:t>𝑉</m:t>
+                          </m:r>
+                        </m:e>
+                        <m:sup>
+                          <m:r>
+                            <a:rPr kumimoji="1" lang="en-US" altLang="ja-JP" sz="2200" i="1">
+                              <a:latin typeface="Cambria Math" panose="02040503050406030204" pitchFamily="18" charset="0"/>
+                              <a:ea typeface="Cambria Math" panose="02040503050406030204" pitchFamily="18" charset="0"/>
+                            </a:rPr>
+                            <m:t>𝜋</m:t>
+                          </m:r>
+                        </m:sup>
+                      </m:sSup>
+                      <m:d>
+                        <m:dPr>
+                          <m:ctrlPr>
+                            <a:rPr kumimoji="1" lang="en-US" altLang="ja-JP" sz="2200" i="1">
+                              <a:solidFill>
+                                <a:schemeClr val="tx1"/>
+                              </a:solidFill>
+                              <a:latin typeface="Cambria Math" panose="02040503050406030204" pitchFamily="18" charset="0"/>
+                              <a:ea typeface="Cambria Math" panose="02040503050406030204" pitchFamily="18" charset="0"/>
+                            </a:rPr>
+                          </m:ctrlPr>
+                        </m:dPr>
+                        <m:e>
+                          <m:sSup>
+                            <m:sSupPr>
+                              <m:ctrlPr>
+                                <a:rPr kumimoji="1" lang="en-US" altLang="ja-JP" sz="2200" i="1">
+                                  <a:latin typeface="Cambria Math" panose="02040503050406030204" pitchFamily="18" charset="0"/>
+                                </a:rPr>
+                              </m:ctrlPr>
+                            </m:sSupPr>
+                            <m:e>
+                              <m:r>
+                                <a:rPr kumimoji="1" lang="en-US" altLang="ja-JP" sz="2200" b="0" i="1" smtClean="0">
+                                  <a:latin typeface="Cambria Math" panose="02040503050406030204" pitchFamily="18" charset="0"/>
+                                </a:rPr>
+                                <m:t>𝑠</m:t>
+                              </m:r>
+                            </m:e>
+                            <m:sup>
+                              <m:r>
+                                <a:rPr kumimoji="1" lang="en-US" altLang="ja-JP" sz="2200" b="0" i="1" smtClean="0">
+                                  <a:latin typeface="Cambria Math" panose="02040503050406030204" pitchFamily="18" charset="0"/>
+                                </a:rPr>
+                                <m:t>′</m:t>
+                              </m:r>
+                            </m:sup>
+                          </m:sSup>
+                        </m:e>
+                      </m:d>
+                      <m:r>
+                        <a:rPr kumimoji="1" lang="en-US" altLang="ja-JP" sz="2200" b="0" i="1" smtClean="0">
+                          <a:solidFill>
+                            <a:srgbClr val="FF0000"/>
+                          </a:solidFill>
+                          <a:latin typeface="Cambria Math" panose="02040503050406030204" pitchFamily="18" charset="0"/>
+                          <a:ea typeface="Cambria Math" panose="02040503050406030204" pitchFamily="18" charset="0"/>
+                        </a:rPr>
+                        <m:t>]</m:t>
+                      </m:r>
+                    </m:oMath>
+                  </m:oMathPara>
+                </a14:m>
+                <a:endParaRPr kumimoji="1" lang="ja-JP" altLang="en-US" sz="2200">
+                  <a:solidFill>
+                    <a:schemeClr val="tx1"/>
+                  </a:solidFill>
+                </a:endParaRPr>
+              </a:p>
+            </p:txBody>
+          </p:sp>
+        </mc:Choice>
+        <mc:Fallback>
+          <p:sp>
+            <p:nvSpPr>
+              <p:cNvPr id="6" name="テキスト ボックス 5">
+                <a:extLst>
+                  <a:ext uri="{FF2B5EF4-FFF2-40B4-BE49-F238E27FC236}">
+                    <a16:creationId xmlns:a16="http://schemas.microsoft.com/office/drawing/2014/main" id="{6F437EE5-A997-4646-A7CE-C18CD3C4E120}"/>
+                  </a:ext>
+                </a:extLst>
+              </p:cNvPr>
+              <p:cNvSpPr txBox="1">
+                <a:spLocks noRot="1" noChangeAspect="1" noMove="1" noResize="1" noEditPoints="1" noAdjustHandles="1" noChangeArrowheads="1" noChangeShapeType="1" noTextEdit="1"/>
+              </p:cNvSpPr>
+              <p:nvPr/>
+            </p:nvSpPr>
+            <p:spPr>
+              <a:xfrm>
+                <a:off x="955282" y="1555792"/>
+                <a:ext cx="4376647" cy="434991"/>
+              </a:xfrm>
+              <a:prstGeom prst="rect">
+                <a:avLst/>
+              </a:prstGeom>
+              <a:blipFill>
+                <a:blip r:embed="rId3"/>
+                <a:stretch>
+                  <a:fillRect b="-14286"/>
+                </a:stretch>
+              </a:blipFill>
+            </p:spPr>
+            <p:txBody>
+              <a:bodyPr/>
+              <a:lstStyle/>
+              <a:p>
+                <a:r>
+                  <a:rPr lang="ja-JP" altLang="en-US">
+                    <a:noFill/>
+                  </a:rPr>
+                  <a:t> </a:t>
+                </a:r>
+              </a:p>
+            </p:txBody>
+          </p:sp>
+        </mc:Fallback>
+      </mc:AlternateContent>
+      <mc:AlternateContent xmlns:mc="http://schemas.openxmlformats.org/markup-compatibility/2006">
+        <mc:Choice xmlns:a14="http://schemas.microsoft.com/office/drawing/2010/main" Requires="a14">
+          <p:sp>
+            <p:nvSpPr>
+              <p:cNvPr id="10" name="テキスト ボックス 9">
+                <a:extLst>
+                  <a:ext uri="{FF2B5EF4-FFF2-40B4-BE49-F238E27FC236}">
+                    <a16:creationId xmlns:a16="http://schemas.microsoft.com/office/drawing/2014/main" id="{78B8930B-361B-4F45-AEB7-DDC790439F64}"/>
+                  </a:ext>
+                </a:extLst>
+              </p:cNvPr>
+              <p:cNvSpPr txBox="1"/>
+              <p:nvPr/>
+            </p:nvSpPr>
+            <p:spPr>
+              <a:xfrm>
+                <a:off x="6222776" y="1103023"/>
+                <a:ext cx="1826141" cy="1077218"/>
+              </a:xfrm>
+              <a:prstGeom prst="rect">
+                <a:avLst/>
+              </a:prstGeom>
+              <a:noFill/>
+            </p:spPr>
+            <p:txBody>
+              <a:bodyPr wrap="none" rtlCol="0">
+                <a:spAutoFit/>
+              </a:bodyPr>
+              <a:lstStyle/>
+              <a:p>
+                <a14:m>
+                  <m:oMath xmlns:m="http://schemas.openxmlformats.org/officeDocument/2006/math">
+                    <m:sSup>
+                      <m:sSupPr>
+                        <m:ctrlPr>
+                          <a:rPr lang="en-US" altLang="ja-JP" sz="1600" i="1">
+                            <a:latin typeface="Cambria Math" panose="02040503050406030204" pitchFamily="18" charset="0"/>
+                          </a:rPr>
+                        </m:ctrlPr>
+                      </m:sSupPr>
+                      <m:e>
+                        <m:r>
+                          <a:rPr lang="en-US" altLang="ja-JP" sz="1600" i="1">
+                            <a:latin typeface="Cambria Math" panose="02040503050406030204" pitchFamily="18" charset="0"/>
+                          </a:rPr>
+                          <m:t>𝑉</m:t>
+                        </m:r>
+                      </m:e>
+                      <m:sup>
+                        <m:r>
+                          <a:rPr lang="en-US" altLang="ja-JP" sz="1600" i="1">
+                            <a:latin typeface="Cambria Math" panose="02040503050406030204" pitchFamily="18" charset="0"/>
+                            <a:ea typeface="Cambria Math" panose="02040503050406030204" pitchFamily="18" charset="0"/>
+                          </a:rPr>
+                          <m:t>𝜋</m:t>
+                        </m:r>
+                      </m:sup>
+                    </m:sSup>
+                    <m:r>
+                      <a:rPr lang="en-US" altLang="ja-JP" sz="1600" i="1">
+                        <a:latin typeface="Cambria Math" panose="02040503050406030204" pitchFamily="18" charset="0"/>
+                        <a:ea typeface="Cambria Math" panose="02040503050406030204" pitchFamily="18" charset="0"/>
+                      </a:rPr>
+                      <m:t>(</m:t>
+                    </m:r>
+                    <m:r>
+                      <a:rPr lang="en-US" altLang="ja-JP" sz="1600" i="1">
+                        <a:latin typeface="Cambria Math" panose="02040503050406030204" pitchFamily="18" charset="0"/>
+                        <a:ea typeface="Cambria Math" panose="02040503050406030204" pitchFamily="18" charset="0"/>
+                      </a:rPr>
+                      <m:t>𝑠</m:t>
+                    </m:r>
+                    <m:r>
+                      <a:rPr lang="en-US" altLang="ja-JP" sz="1600" i="1">
+                        <a:latin typeface="Cambria Math" panose="02040503050406030204" pitchFamily="18" charset="0"/>
+                        <a:ea typeface="Cambria Math" panose="02040503050406030204" pitchFamily="18" charset="0"/>
+                      </a:rPr>
+                      <m:t>)</m:t>
+                    </m:r>
+                  </m:oMath>
+                </a14:m>
+                <a:r>
+                  <a:rPr kumimoji="1" lang="en-US" altLang="ja-JP" sz="1600" dirty="0"/>
+                  <a:t> </a:t>
+                </a:r>
+                <a:r>
+                  <a:rPr kumimoji="1" lang="ja-JP" altLang="en-US" sz="1600"/>
+                  <a:t>は方策固定</a:t>
+                </a:r>
+                <a:endParaRPr kumimoji="1" lang="en-US" altLang="ja-JP" sz="1600" dirty="0"/>
+              </a:p>
+              <a:p>
+                <a:r>
+                  <a:rPr kumimoji="1" lang="ja-JP" altLang="en-US" sz="1600"/>
+                  <a:t>の経験データ</a:t>
+                </a:r>
+                <a:endParaRPr kumimoji="1" lang="en-US" altLang="ja-JP" sz="1600" dirty="0"/>
+              </a:p>
+              <a:p>
+                <a:r>
+                  <a:rPr kumimoji="1" lang="ja-JP" altLang="en-US" sz="1600"/>
+                  <a:t>から教師あり学習</a:t>
+                </a:r>
+                <a:endParaRPr kumimoji="1" lang="en-US" altLang="ja-JP" sz="1600" dirty="0"/>
+              </a:p>
+              <a:p>
+                <a:r>
+                  <a:rPr kumimoji="1" lang="en-US" altLang="ja-JP" sz="1600" dirty="0"/>
+                  <a:t>(Loss</a:t>
+                </a:r>
+                <a:r>
+                  <a:rPr kumimoji="1" lang="ja-JP" altLang="en-US" sz="1600"/>
+                  <a:t>は収束</a:t>
+                </a:r>
+                <a:r>
+                  <a:rPr kumimoji="1" lang="en-US" altLang="ja-JP" sz="1600" dirty="0"/>
+                  <a:t>)</a:t>
+                </a:r>
+                <a:endParaRPr kumimoji="1" lang="ja-JP" altLang="en-US" sz="1600"/>
+              </a:p>
+            </p:txBody>
+          </p:sp>
+        </mc:Choice>
+        <mc:Fallback>
+          <p:sp>
+            <p:nvSpPr>
+              <p:cNvPr id="10" name="テキスト ボックス 9">
+                <a:extLst>
+                  <a:ext uri="{FF2B5EF4-FFF2-40B4-BE49-F238E27FC236}">
+                    <a16:creationId xmlns:a16="http://schemas.microsoft.com/office/drawing/2014/main" id="{78B8930B-361B-4F45-AEB7-DDC790439F64}"/>
+                  </a:ext>
+                </a:extLst>
+              </p:cNvPr>
+              <p:cNvSpPr txBox="1">
+                <a:spLocks noRot="1" noChangeAspect="1" noMove="1" noResize="1" noEditPoints="1" noAdjustHandles="1" noChangeArrowheads="1" noChangeShapeType="1" noTextEdit="1"/>
+              </p:cNvSpPr>
+              <p:nvPr/>
+            </p:nvSpPr>
+            <p:spPr>
+              <a:xfrm>
+                <a:off x="6222776" y="1103023"/>
+                <a:ext cx="1826141" cy="1077218"/>
+              </a:xfrm>
+              <a:prstGeom prst="rect">
+                <a:avLst/>
+              </a:prstGeom>
+              <a:blipFill>
+                <a:blip r:embed="rId4"/>
+                <a:stretch>
+                  <a:fillRect l="-1379" t="-1163" r="-690" b="-5814"/>
+                </a:stretch>
+              </a:blipFill>
+            </p:spPr>
+            <p:txBody>
+              <a:bodyPr/>
+              <a:lstStyle/>
+              <a:p>
+                <a:r>
+                  <a:rPr lang="ja-JP" altLang="en-US">
+                    <a:noFill/>
+                  </a:rPr>
+                  <a:t> </a:t>
+                </a:r>
+              </a:p>
+            </p:txBody>
+          </p:sp>
+        </mc:Fallback>
+      </mc:AlternateContent>
+      <p:pic>
+        <p:nvPicPr>
+          <p:cNvPr id="12" name="図 11">
+            <a:extLst>
+              <a:ext uri="{FF2B5EF4-FFF2-40B4-BE49-F238E27FC236}">
+                <a16:creationId xmlns:a16="http://schemas.microsoft.com/office/drawing/2014/main" id="{D9F90BE4-5F99-F54F-A3B8-2F707B163F67}"/>
+              </a:ext>
+            </a:extLst>
+          </p:cNvPr>
+          <p:cNvPicPr>
+            <a:picLocks noChangeAspect="1"/>
+          </p:cNvPicPr>
+          <p:nvPr/>
+        </p:nvPicPr>
+        <p:blipFill>
+          <a:blip r:embed="rId5"/>
+          <a:stretch>
+            <a:fillRect/>
+          </a:stretch>
+        </p:blipFill>
+        <p:spPr>
+          <a:xfrm>
+            <a:off x="1592044" y="4371110"/>
+            <a:ext cx="2255608" cy="2012951"/>
+          </a:xfrm>
+          <a:prstGeom prst="rect">
+            <a:avLst/>
+          </a:prstGeom>
+        </p:spPr>
+      </p:pic>
+      <p:pic>
+        <p:nvPicPr>
+          <p:cNvPr id="13" name="図 12">
+            <a:extLst>
+              <a:ext uri="{FF2B5EF4-FFF2-40B4-BE49-F238E27FC236}">
+                <a16:creationId xmlns:a16="http://schemas.microsoft.com/office/drawing/2014/main" id="{425A03F7-FD16-9C49-88AC-1BA18CFBB802}"/>
+              </a:ext>
+            </a:extLst>
+          </p:cNvPr>
+          <p:cNvPicPr>
+            <a:picLocks noChangeAspect="1"/>
+          </p:cNvPicPr>
+          <p:nvPr/>
+        </p:nvPicPr>
+        <p:blipFill>
+          <a:blip r:embed="rId6"/>
+          <a:stretch>
+            <a:fillRect/>
+          </a:stretch>
+        </p:blipFill>
+        <p:spPr>
+          <a:xfrm>
+            <a:off x="5455699" y="4362706"/>
+            <a:ext cx="2185566" cy="2036173"/>
+          </a:xfrm>
+          <a:prstGeom prst="rect">
+            <a:avLst/>
+          </a:prstGeom>
+        </p:spPr>
+      </p:pic>
+      <p:sp>
+        <p:nvSpPr>
+          <p:cNvPr id="15" name="テキスト ボックス 14">
+            <a:extLst>
+              <a:ext uri="{FF2B5EF4-FFF2-40B4-BE49-F238E27FC236}">
+                <a16:creationId xmlns:a16="http://schemas.microsoft.com/office/drawing/2014/main" id="{B3B7A350-EDB1-634D-8409-2011AD502AC1}"/>
+              </a:ext>
+            </a:extLst>
+          </p:cNvPr>
+          <p:cNvSpPr txBox="1"/>
+          <p:nvPr/>
+        </p:nvSpPr>
+        <p:spPr>
+          <a:xfrm>
+            <a:off x="2132666" y="6419393"/>
+            <a:ext cx="1338828" cy="369332"/>
+          </a:xfrm>
+          <a:prstGeom prst="rect">
+            <a:avLst/>
+          </a:prstGeom>
+          <a:noFill/>
+        </p:spPr>
+        <p:txBody>
+          <a:bodyPr wrap="none" rtlCol="0">
+            <a:spAutoFit/>
+          </a:bodyPr>
+          <a:lstStyle/>
+          <a:p>
+            <a:r>
+              <a:rPr kumimoji="1" lang="ja-JP" altLang="en-US"/>
+              <a:t>ノイズあり</a:t>
+            </a:r>
+          </a:p>
+        </p:txBody>
+      </p:sp>
+      <p:sp>
+        <p:nvSpPr>
+          <p:cNvPr id="16" name="テキスト ボックス 15">
+            <a:extLst>
+              <a:ext uri="{FF2B5EF4-FFF2-40B4-BE49-F238E27FC236}">
+                <a16:creationId xmlns:a16="http://schemas.microsoft.com/office/drawing/2014/main" id="{6036D085-9C6F-064E-9727-B91EF4C7B416}"/>
+              </a:ext>
+            </a:extLst>
+          </p:cNvPr>
+          <p:cNvSpPr txBox="1"/>
+          <p:nvPr/>
+        </p:nvSpPr>
+        <p:spPr>
+          <a:xfrm>
+            <a:off x="5938885" y="6420406"/>
+            <a:ext cx="1338828" cy="369332"/>
+          </a:xfrm>
+          <a:prstGeom prst="rect">
+            <a:avLst/>
+          </a:prstGeom>
+          <a:noFill/>
+        </p:spPr>
+        <p:txBody>
+          <a:bodyPr wrap="none" rtlCol="0">
+            <a:spAutoFit/>
+          </a:bodyPr>
+          <a:lstStyle/>
+          <a:p>
+            <a:r>
+              <a:rPr kumimoji="1" lang="ja-JP" altLang="en-US"/>
+              <a:t>ノイズなし</a:t>
+            </a:r>
+          </a:p>
+        </p:txBody>
+      </p:sp>
+    </p:spTree>
+    <p:extLst>
+      <p:ext uri="{BB962C8B-B14F-4D97-AF65-F5344CB8AC3E}">
+        <p14:creationId xmlns:p14="http://schemas.microsoft.com/office/powerpoint/2010/main" val="3787409476"/>
+      </p:ext>
+    </p:extLst>
+  </p:cSld>
+  <p:clrMapOvr>
+    <a:masterClrMapping/>
+  </p:clrMapOvr>
+</p:sld>
+</file>
+
+<file path=ppt/slides/slide9.xml><?xml version="1.0" encoding="utf-8"?>
+<p:sld xmlns:a="http://schemas.openxmlformats.org/drawingml/2006/main" xmlns:r="http://schemas.openxmlformats.org/officeDocument/2006/relationships" xmlns:p="http://schemas.openxmlformats.org/presentationml/2006/main">
+  <p:cSld>
+    <p:spTree>
+      <p:nvGrpSpPr>
+        <p:cNvPr id="1" name=""/>
+        <p:cNvGrpSpPr/>
+        <p:nvPr/>
+      </p:nvGrpSpPr>
+      <p:grpSpPr>
+        <a:xfrm>
+          <a:off x="0" y="0"/>
+          <a:ext cx="0" cy="0"/>
+          <a:chOff x="0" y="0"/>
+          <a:chExt cx="0" cy="0"/>
+        </a:xfrm>
+      </p:grpSpPr>
+      <mc:AlternateContent xmlns:mc="http://schemas.openxmlformats.org/markup-compatibility/2006">
+        <mc:Choice xmlns:a14="http://schemas.microsoft.com/office/drawing/2010/main" Requires="a14">
+          <p:sp>
+            <p:nvSpPr>
+              <p:cNvPr id="2" name="コンテンツ プレースホルダー 1">
+                <a:extLst>
+                  <a:ext uri="{FF2B5EF4-FFF2-40B4-BE49-F238E27FC236}">
+                    <a16:creationId xmlns:a16="http://schemas.microsoft.com/office/drawing/2014/main" id="{D6FC9417-BDC7-FA4D-A6C0-5E6D80DC44F3}"/>
+                  </a:ext>
+                </a:extLst>
+              </p:cNvPr>
+              <p:cNvSpPr>
+                <a:spLocks noGrp="1"/>
+              </p:cNvSpPr>
+              <p:nvPr>
+                <p:ph idx="1"/>
+              </p:nvPr>
+            </p:nvSpPr>
+            <p:spPr/>
+            <p:txBody>
+              <a:bodyPr/>
+              <a:lstStyle/>
+              <a:p>
+                <a:r>
+                  <a:rPr kumimoji="1" lang="en-US" altLang="ja-JP" dirty="0"/>
+                  <a:t>(</a:t>
+                </a:r>
+                <a:r>
+                  <a:rPr kumimoji="1" lang="ja-JP" altLang="en-US"/>
+                  <a:t>最適ではないにしても</a:t>
+                </a:r>
+                <a:r>
+                  <a:rPr kumimoji="1" lang="en-US" altLang="ja-JP" dirty="0"/>
+                  <a:t>)</a:t>
+                </a:r>
+                <a:r>
+                  <a:rPr kumimoji="1" lang="ja-JP" altLang="en-US"/>
+                  <a:t>いい感じの方策を学習できる</a:t>
+                </a:r>
+                <a:endParaRPr kumimoji="1" lang="en-US" altLang="ja-JP" dirty="0"/>
+              </a:p>
+              <a:p>
+                <a:pPr lvl="1"/>
+                <a:r>
+                  <a:rPr lang="ja-JP" altLang="en-US"/>
+                  <a:t>探索手法を工夫すれば</a:t>
+                </a:r>
+                <a:r>
+                  <a:rPr lang="en-US" altLang="ja-JP" dirty="0"/>
+                  <a:t>, </a:t>
+                </a:r>
+                <a14:m>
+                  <m:oMath xmlns:m="http://schemas.openxmlformats.org/officeDocument/2006/math">
+                    <m:r>
+                      <a:rPr lang="en-US" altLang="ja-JP" b="0" i="1" smtClean="0">
+                        <a:latin typeface="Cambria Math" panose="02040503050406030204" pitchFamily="18" charset="0"/>
+                      </a:rPr>
+                      <m:t>𝐽</m:t>
+                    </m:r>
+                    <m:r>
+                      <a:rPr lang="en-US" altLang="ja-JP" b="0" i="1" smtClean="0">
+                        <a:latin typeface="Cambria Math" panose="02040503050406030204" pitchFamily="18" charset="0"/>
+                      </a:rPr>
+                      <m:t>(</m:t>
+                    </m:r>
+                    <m:r>
+                      <a:rPr lang="en-US" altLang="ja-JP" b="0" i="1" smtClean="0">
+                        <a:latin typeface="Cambria Math" panose="02040503050406030204" pitchFamily="18" charset="0"/>
+                        <a:ea typeface="Cambria Math" panose="02040503050406030204" pitchFamily="18" charset="0"/>
+                      </a:rPr>
+                      <m:t>𝜋</m:t>
+                    </m:r>
+                    <m:r>
+                      <a:rPr lang="en-US" altLang="ja-JP" b="0" i="1" smtClean="0">
+                        <a:latin typeface="Cambria Math" panose="02040503050406030204" pitchFamily="18" charset="0"/>
+                      </a:rPr>
+                      <m:t>)</m:t>
+                    </m:r>
+                  </m:oMath>
+                </a14:m>
+                <a:r>
+                  <a:rPr lang="ja-JP" altLang="en-US"/>
+                  <a:t>の意味でのさらなる改善も見られた</a:t>
+                </a:r>
+                <a:endParaRPr kumimoji="1" lang="en-US" altLang="ja-JP" dirty="0"/>
+              </a:p>
+              <a:p>
+                <a:endParaRPr lang="en-US" altLang="ja-JP" dirty="0"/>
+              </a:p>
+              <a:p>
+                <a:r>
+                  <a:rPr kumimoji="1" lang="ja-JP" altLang="en-US"/>
+                  <a:t>証明を加える</a:t>
+                </a:r>
+                <a:endParaRPr kumimoji="1" lang="en-US" altLang="ja-JP" dirty="0"/>
+              </a:p>
+              <a:p>
+                <a:r>
+                  <a:rPr lang="ja-JP" altLang="en-US"/>
+                  <a:t>理論的に解いたセルフトリガー制御と性能比較をする</a:t>
+                </a:r>
+                <a:endParaRPr lang="en-US" altLang="ja-JP" dirty="0"/>
+              </a:p>
+              <a:p>
+                <a:endParaRPr kumimoji="1" lang="en-US" altLang="ja-JP" dirty="0"/>
+              </a:p>
+              <a:p>
+                <a:r>
+                  <a:rPr lang="ja-JP" altLang="en-US"/>
+                  <a:t>適応的探索ノイズの意味合い</a:t>
+                </a:r>
+                <a:endParaRPr lang="en-US" altLang="ja-JP" dirty="0"/>
+              </a:p>
+              <a:p>
+                <a:pPr lvl="1"/>
+                <a:r>
+                  <a:rPr lang="ja-JP" altLang="en-US"/>
+                  <a:t>意味合いがまとまれば自信を持って論文に書ける</a:t>
+                </a:r>
+                <a:endParaRPr lang="en-US" altLang="ja-JP" dirty="0"/>
+              </a:p>
+              <a:p>
+                <a:pPr lvl="1"/>
+                <a:r>
+                  <a:rPr lang="ja-JP" altLang="en-US"/>
+                  <a:t>あれは本当に効果的なのか？</a:t>
+                </a:r>
+                <a:endParaRPr lang="en-US" altLang="ja-JP" dirty="0"/>
+              </a:p>
+              <a:p>
+                <a:pPr lvl="1"/>
+                <a:r>
+                  <a:rPr lang="ja-JP" altLang="en-US"/>
+                  <a:t>状態変化を抑えることは探索と言えるのか？？</a:t>
+                </a:r>
+                <a:endParaRPr lang="en-US" altLang="ja-JP" dirty="0"/>
+              </a:p>
+              <a:p>
+                <a:endParaRPr kumimoji="1" lang="ja-JP" altLang="en-US"/>
+              </a:p>
+            </p:txBody>
+          </p:sp>
+        </mc:Choice>
+        <mc:Fallback>
+          <p:sp>
+            <p:nvSpPr>
+              <p:cNvPr id="2" name="コンテンツ プレースホルダー 1">
+                <a:extLst>
+                  <a:ext uri="{FF2B5EF4-FFF2-40B4-BE49-F238E27FC236}">
+                    <a16:creationId xmlns:a16="http://schemas.microsoft.com/office/drawing/2014/main" id="{D6FC9417-BDC7-FA4D-A6C0-5E6D80DC44F3}"/>
+                  </a:ext>
+                </a:extLst>
+              </p:cNvPr>
+              <p:cNvSpPr>
+                <a:spLocks noGrp="1" noRot="1" noChangeAspect="1" noMove="1" noResize="1" noEditPoints="1" noAdjustHandles="1" noChangeArrowheads="1" noChangeShapeType="1" noTextEdit="1"/>
+              </p:cNvSpPr>
+              <p:nvPr>
+                <p:ph idx="1"/>
+              </p:nvPr>
+            </p:nvSpPr>
+            <p:spPr>
+              <a:blipFill>
+                <a:blip r:embed="rId3"/>
+                <a:stretch>
+                  <a:fillRect l="-598" t="-1519"/>
+                </a:stretch>
+              </a:blipFill>
+            </p:spPr>
+            <p:txBody>
+              <a:bodyPr/>
+              <a:lstStyle/>
+              <a:p>
+                <a:r>
+                  <a:rPr lang="ja-JP" altLang="en-US">
+                    <a:noFill/>
+                  </a:rPr>
+                  <a:t> </a:t>
+                </a:r>
+              </a:p>
+            </p:txBody>
+          </p:sp>
+        </mc:Fallback>
+      </mc:AlternateContent>
+      <p:sp>
+        <p:nvSpPr>
+          <p:cNvPr id="3" name="日付プレースホルダー 2">
+            <a:extLst>
+              <a:ext uri="{FF2B5EF4-FFF2-40B4-BE49-F238E27FC236}">
+                <a16:creationId xmlns:a16="http://schemas.microsoft.com/office/drawing/2014/main" id="{B43C1F64-7C3E-F246-97BA-2A388039D9F2}"/>
+              </a:ext>
+            </a:extLst>
+          </p:cNvPr>
+          <p:cNvSpPr>
+            <a:spLocks noGrp="1"/>
+          </p:cNvSpPr>
+          <p:nvPr>
+            <p:ph type="dt" sz="half" idx="10"/>
+          </p:nvPr>
+        </p:nvSpPr>
+        <p:spPr/>
+        <p:txBody>
+          <a:bodyPr/>
+          <a:lstStyle/>
+          <a:p>
+            <a:fld id="{90235FA2-C49A-5C4F-85BF-B1D7D24C5B31}" type="datetime1">
+              <a:rPr kumimoji="1" lang="ja-JP" altLang="en-US" smtClean="0"/>
+              <a:t>2020/12/18</a:t>
+            </a:fld>
+            <a:endParaRPr kumimoji="1" lang="ja-JP" altLang="en-US"/>
+          </a:p>
+        </p:txBody>
+      </p:sp>
+      <p:sp>
+        <p:nvSpPr>
+          <p:cNvPr id="4" name="フッター プレースホルダー 3">
+            <a:extLst>
+              <a:ext uri="{FF2B5EF4-FFF2-40B4-BE49-F238E27FC236}">
+                <a16:creationId xmlns:a16="http://schemas.microsoft.com/office/drawing/2014/main" id="{7AFFF7D2-47B0-0840-8383-3C67F950298A}"/>
+              </a:ext>
+            </a:extLst>
+          </p:cNvPr>
+          <p:cNvSpPr>
+            <a:spLocks noGrp="1"/>
+          </p:cNvSpPr>
+          <p:nvPr>
+            <p:ph type="ftr" sz="quarter" idx="11"/>
+          </p:nvPr>
+        </p:nvSpPr>
+        <p:spPr/>
+        <p:txBody>
+          <a:bodyPr/>
+          <a:lstStyle/>
+          <a:p>
+            <a:r>
+              <a:rPr kumimoji="1" lang="en-US" altLang="ja-JP"/>
+              <a:t>Control System Theory Group</a:t>
+            </a:r>
+            <a:endParaRPr kumimoji="1" lang="ja-JP" altLang="en-US"/>
+          </a:p>
+        </p:txBody>
+      </p:sp>
+      <p:sp>
+        <p:nvSpPr>
+          <p:cNvPr id="5" name="タイトル 4">
+            <a:extLst>
+              <a:ext uri="{FF2B5EF4-FFF2-40B4-BE49-F238E27FC236}">
+                <a16:creationId xmlns:a16="http://schemas.microsoft.com/office/drawing/2014/main" id="{B92742A1-97AF-FB4F-AFE1-A16C3498D8A3}"/>
+              </a:ext>
+            </a:extLst>
+          </p:cNvPr>
+          <p:cNvSpPr>
+            <a:spLocks noGrp="1"/>
+          </p:cNvSpPr>
+          <p:nvPr>
+            <p:ph type="title"/>
+          </p:nvPr>
+        </p:nvSpPr>
+        <p:spPr/>
+        <p:txBody>
+          <a:bodyPr/>
+          <a:lstStyle/>
+          <a:p>
+            <a:r>
+              <a:rPr kumimoji="1" lang="ja-JP" altLang="en-US"/>
+              <a:t>修論のストーリー</a:t>
+            </a:r>
+          </a:p>
+        </p:txBody>
+      </p:sp>
+      <p:sp>
+        <p:nvSpPr>
+          <p:cNvPr id="6" name="右矢印 5">
+            <a:extLst>
+              <a:ext uri="{FF2B5EF4-FFF2-40B4-BE49-F238E27FC236}">
+                <a16:creationId xmlns:a16="http://schemas.microsoft.com/office/drawing/2014/main" id="{3C6B015A-CF7A-C948-A1CE-95DB71D6104E}"/>
+              </a:ext>
+            </a:extLst>
+          </p:cNvPr>
+          <p:cNvSpPr/>
+          <p:nvPr/>
+        </p:nvSpPr>
+        <p:spPr>
+          <a:xfrm>
+            <a:off x="1081825" y="5071976"/>
+            <a:ext cx="759854" cy="484632"/>
+          </a:xfrm>
+          <a:prstGeom prst="rightArrow">
+            <a:avLst/>
+          </a:prstGeom>
+        </p:spPr>
+        <p:style>
+          <a:lnRef idx="2">
+            <a:schemeClr val="accent1">
+              <a:shade val="50000"/>
+            </a:schemeClr>
+          </a:lnRef>
+          <a:fillRef idx="1">
+            <a:schemeClr val="accent1"/>
+          </a:fillRef>
+          <a:effectRef idx="0">
+            <a:schemeClr val="accent1"/>
+          </a:effectRef>
+          <a:fontRef idx="minor">
+            <a:schemeClr val="lt1"/>
+          </a:fontRef>
+        </p:style>
+        <p:txBody>
+          <a:bodyPr rtlCol="0" anchor="ctr"/>
+          <a:lstStyle/>
+          <a:p>
+            <a:pPr algn="ctr"/>
+            <a:endParaRPr kumimoji="1" lang="ja-JP" altLang="en-US"/>
+          </a:p>
+        </p:txBody>
+      </p:sp>
+      <p:sp>
+        <p:nvSpPr>
+          <p:cNvPr id="7" name="テキスト ボックス 6">
+            <a:extLst>
+              <a:ext uri="{FF2B5EF4-FFF2-40B4-BE49-F238E27FC236}">
+                <a16:creationId xmlns:a16="http://schemas.microsoft.com/office/drawing/2014/main" id="{B09509FD-02CE-9A42-9858-B2B7EC385009}"/>
+              </a:ext>
+            </a:extLst>
+          </p:cNvPr>
+          <p:cNvSpPr txBox="1"/>
+          <p:nvPr/>
+        </p:nvSpPr>
+        <p:spPr>
+          <a:xfrm>
+            <a:off x="1903464" y="5126229"/>
+            <a:ext cx="6016391" cy="369332"/>
+          </a:xfrm>
+          <a:prstGeom prst="rect">
+            <a:avLst/>
+          </a:prstGeom>
+          <a:noFill/>
+        </p:spPr>
+        <p:txBody>
+          <a:bodyPr wrap="none" rtlCol="0">
+            <a:spAutoFit/>
+          </a:bodyPr>
+          <a:lstStyle/>
+          <a:p>
+            <a:r>
+              <a:rPr kumimoji="1" lang="ja-JP" altLang="en-US"/>
+              <a:t>妥当性があると思ったロジックを研究会資料</a:t>
+            </a:r>
+            <a:r>
+              <a:rPr kumimoji="1" lang="en-US" altLang="ja-JP" dirty="0"/>
+              <a:t>6.5</a:t>
+            </a:r>
+            <a:r>
+              <a:rPr kumimoji="1" lang="ja-JP" altLang="en-US"/>
+              <a:t>節に記載</a:t>
+            </a:r>
+          </a:p>
+        </p:txBody>
+      </p:sp>
+    </p:spTree>
+    <p:extLst>
+      <p:ext uri="{BB962C8B-B14F-4D97-AF65-F5344CB8AC3E}">
+        <p14:creationId xmlns:p14="http://schemas.microsoft.com/office/powerpoint/2010/main" val="1334248386"/>
       </p:ext>
     </p:extLst>
   </p:cSld>

--- a/report.pptx
+++ b/report.pptx
@@ -5,14 +5,15 @@
     <p:sldMasterId id="2147483684" r:id="rId1"/>
   </p:sldMasterIdLst>
   <p:notesMasterIdLst>
-    <p:notesMasterId r:id="rId7"/>
+    <p:notesMasterId r:id="rId8"/>
   </p:notesMasterIdLst>
   <p:sldIdLst>
-    <p:sldId id="291" r:id="rId2"/>
-    <p:sldId id="289" r:id="rId3"/>
-    <p:sldId id="286" r:id="rId4"/>
-    <p:sldId id="290" r:id="rId5"/>
-    <p:sldId id="288" r:id="rId6"/>
+    <p:sldId id="289" r:id="rId2"/>
+    <p:sldId id="292" r:id="rId3"/>
+    <p:sldId id="293" r:id="rId4"/>
+    <p:sldId id="286" r:id="rId5"/>
+    <p:sldId id="290" r:id="rId6"/>
+    <p:sldId id="288" r:id="rId7"/>
   </p:sldIdLst>
   <p:sldSz cx="9144000" cy="6858000" type="screen4x3"/>
   <p:notesSz cx="6858000" cy="9144000"/>
@@ -212,7 +213,7 @@
           <a:p>
             <a:fld id="{4009ACC2-15F4-9549-B7EC-0A2B034E938B}" type="datetimeFigureOut">
               <a:rPr kumimoji="1" lang="ja-JP" altLang="en-US" smtClean="0"/>
-              <a:t>2020/12/22</a:t>
+              <a:t>2020/12/26</a:t>
             </a:fld>
             <a:endParaRPr kumimoji="1" lang="ja-JP" altLang="en-US"/>
           </a:p>
@@ -557,7 +558,7 @@
           <a:p>
             <a:r>
               <a:rPr kumimoji="1" lang="ja-JP" altLang="en-US"/>
-              <a:t>状態変化を小さくすれば、より良い報酬を求めて探索していることになるの？？って言われるかもしれない。</a:t>
+              <a:t>原点以外を見てみたいのはなぜでしたっけ</a:t>
             </a:r>
           </a:p>
         </p:txBody>
@@ -579,7 +580,94 @@
           <a:p>
             <a:fld id="{BAC2704F-7F34-5D4A-A451-26A3081CB5EA}" type="slidenum">
               <a:rPr kumimoji="1" lang="ja-JP" altLang="en-US" smtClean="0"/>
-              <a:t>3</a:t>
+              <a:t>2</a:t>
+            </a:fld>
+            <a:endParaRPr kumimoji="1" lang="ja-JP" altLang="en-US"/>
+          </a:p>
+        </p:txBody>
+      </p:sp>
+    </p:spTree>
+    <p:extLst>
+      <p:ext uri="{BB962C8B-B14F-4D97-AF65-F5344CB8AC3E}">
+        <p14:creationId xmlns:p14="http://schemas.microsoft.com/office/powerpoint/2010/main" val="4138188649"/>
+      </p:ext>
+    </p:extLst>
+  </p:cSld>
+  <p:clrMapOvr>
+    <a:masterClrMapping/>
+  </p:clrMapOvr>
+</p:notes>
+</file>
+
+<file path=ppt/notesSlides/notesSlide2.xml><?xml version="1.0" encoding="utf-8"?>
+<p:notes xmlns:a="http://schemas.openxmlformats.org/drawingml/2006/main" xmlns:r="http://schemas.openxmlformats.org/officeDocument/2006/relationships" xmlns:p="http://schemas.openxmlformats.org/presentationml/2006/main">
+  <p:cSld>
+    <p:spTree>
+      <p:nvGrpSpPr>
+        <p:cNvPr id="1" name=""/>
+        <p:cNvGrpSpPr/>
+        <p:nvPr/>
+      </p:nvGrpSpPr>
+      <p:grpSpPr>
+        <a:xfrm>
+          <a:off x="0" y="0"/>
+          <a:ext cx="0" cy="0"/>
+          <a:chOff x="0" y="0"/>
+          <a:chExt cx="0" cy="0"/>
+        </a:xfrm>
+      </p:grpSpPr>
+      <p:sp>
+        <p:nvSpPr>
+          <p:cNvPr id="2" name="スライド イメージ プレースホルダー 1"/>
+          <p:cNvSpPr>
+            <a:spLocks noGrp="1" noRot="1" noChangeAspect="1"/>
+          </p:cNvSpPr>
+          <p:nvPr>
+            <p:ph type="sldImg"/>
+          </p:nvPr>
+        </p:nvSpPr>
+        <p:spPr/>
+      </p:sp>
+      <p:sp>
+        <p:nvSpPr>
+          <p:cNvPr id="3" name="ノート プレースホルダー 2"/>
+          <p:cNvSpPr>
+            <a:spLocks noGrp="1"/>
+          </p:cNvSpPr>
+          <p:nvPr>
+            <p:ph type="body" idx="1"/>
+          </p:nvPr>
+        </p:nvSpPr>
+        <p:spPr/>
+        <p:txBody>
+          <a:bodyPr/>
+          <a:lstStyle/>
+          <a:p>
+            <a:r>
+              <a:rPr kumimoji="1" lang="ja-JP" altLang="en-US"/>
+              <a:t>状態変化を小さくすれば、より良い報酬を求めて探索していることになるの？？って言われるかもしれない。</a:t>
+            </a:r>
+          </a:p>
+        </p:txBody>
+      </p:sp>
+      <p:sp>
+        <p:nvSpPr>
+          <p:cNvPr id="4" name="スライド番号プレースホルダー 3"/>
+          <p:cNvSpPr>
+            <a:spLocks noGrp="1"/>
+          </p:cNvSpPr>
+          <p:nvPr>
+            <p:ph type="sldNum" sz="quarter" idx="5"/>
+          </p:nvPr>
+        </p:nvSpPr>
+        <p:spPr/>
+        <p:txBody>
+          <a:bodyPr/>
+          <a:lstStyle/>
+          <a:p>
+            <a:fld id="{BAC2704F-7F34-5D4A-A451-26A3081CB5EA}" type="slidenum">
+              <a:rPr kumimoji="1" lang="ja-JP" altLang="en-US" smtClean="0"/>
+              <a:t>4</a:t>
             </a:fld>
             <a:endParaRPr kumimoji="1" lang="ja-JP" altLang="en-US"/>
           </a:p>
@@ -656,14 +744,14 @@
           </a:ln>
           <a:extLst>
             <a:ext uri="{909E8E84-426E-40dd-AFC4-6F175D3DCCD1}">
-              <a14:hiddenFill xmlns:a14="http://schemas.microsoft.com/office/drawing/2010/main" xmlns="">
+              <a14:hiddenFill xmlns="" xmlns:a14="http://schemas.microsoft.com/office/drawing/2010/main">
                 <a:solidFill>
                   <a:srgbClr val="FFFFFF"/>
                 </a:solidFill>
               </a14:hiddenFill>
             </a:ext>
             <a:ext uri="{91240B29-F687-4f45-9708-019B960494DF}">
-              <a14:hiddenLine xmlns:a14="http://schemas.microsoft.com/office/drawing/2010/main" xmlns="" w="9525">
+              <a14:hiddenLine xmlns="" xmlns:a14="http://schemas.microsoft.com/office/drawing/2010/main" w="9525">
                 <a:solidFill>
                   <a:srgbClr val="000000"/>
                 </a:solidFill>
@@ -789,7 +877,7 @@
           <a:p>
             <a:fld id="{E9E59658-536A-9C47-BE27-5916453304A2}" type="datetime1">
               <a:rPr kumimoji="1" lang="ja-JP" altLang="en-US" smtClean="0"/>
-              <a:t>2020/12/22</a:t>
+              <a:t>2020/12/26</a:t>
             </a:fld>
             <a:endParaRPr kumimoji="1" lang="ja-JP" altLang="en-US"/>
           </a:p>
@@ -995,7 +1083,7 @@
           <a:p>
             <a:fld id="{BD3F9A9C-0CC8-724D-8CAB-CE583F909772}" type="datetime1">
               <a:rPr kumimoji="1" lang="ja-JP" altLang="en-US" smtClean="0"/>
-              <a:t>2020/12/22</a:t>
+              <a:t>2020/12/26</a:t>
             </a:fld>
             <a:endParaRPr kumimoji="1" lang="ja-JP" altLang="en-US"/>
           </a:p>
@@ -1211,7 +1299,7 @@
           <a:p>
             <a:fld id="{AC55A472-1073-0547-9A59-DD081FE17D43}" type="datetime1">
               <a:rPr kumimoji="1" lang="ja-JP" altLang="en-US" smtClean="0"/>
-              <a:t>2020/12/22</a:t>
+              <a:t>2020/12/26</a:t>
             </a:fld>
             <a:endParaRPr kumimoji="1" lang="ja-JP" altLang="en-US"/>
           </a:p>
@@ -1334,14 +1422,14 @@
           </a:ln>
           <a:extLst>
             <a:ext uri="{909E8E84-426E-40dd-AFC4-6F175D3DCCD1}">
-              <a14:hiddenFill xmlns:a14="http://schemas.microsoft.com/office/drawing/2010/main" xmlns="">
+              <a14:hiddenFill xmlns="" xmlns:a14="http://schemas.microsoft.com/office/drawing/2010/main">
                 <a:solidFill>
                   <a:srgbClr val="FFFFFF"/>
                 </a:solidFill>
               </a14:hiddenFill>
             </a:ext>
             <a:ext uri="{91240B29-F687-4f45-9708-019B960494DF}">
-              <a14:hiddenLine xmlns:a14="http://schemas.microsoft.com/office/drawing/2010/main" xmlns="" w="9525">
+              <a14:hiddenLine xmlns="" xmlns:a14="http://schemas.microsoft.com/office/drawing/2010/main" w="9525">
                 <a:solidFill>
                   <a:srgbClr val="000000"/>
                 </a:solidFill>
@@ -1472,7 +1560,7 @@
           <a:p>
             <a:fld id="{90235FA2-C49A-5C4F-85BF-B1D7D24C5B31}" type="datetime1">
               <a:rPr kumimoji="1" lang="ja-JP" altLang="en-US" smtClean="0"/>
-              <a:t>2020/12/22</a:t>
+              <a:t>2020/12/26</a:t>
             </a:fld>
             <a:endParaRPr kumimoji="1" lang="ja-JP" altLang="en-US"/>
           </a:p>
@@ -1811,7 +1899,7 @@
           <a:p>
             <a:fld id="{F4B8FB07-8ABC-B147-BBD9-82E1124A9195}" type="datetime1">
               <a:rPr kumimoji="1" lang="ja-JP" altLang="en-US" smtClean="0"/>
-              <a:t>2020/12/22</a:t>
+              <a:t>2020/12/26</a:t>
             </a:fld>
             <a:endParaRPr kumimoji="1" lang="ja-JP" altLang="en-US"/>
           </a:p>
@@ -2111,7 +2199,7 @@
           <a:p>
             <a:fld id="{2E987E7E-FA9C-3947-926C-79EF22991022}" type="datetime1">
               <a:rPr kumimoji="1" lang="ja-JP" altLang="en-US" smtClean="0"/>
-              <a:t>2020/12/22</a:t>
+              <a:t>2020/12/26</a:t>
             </a:fld>
             <a:endParaRPr kumimoji="1" lang="ja-JP" altLang="en-US"/>
           </a:p>
@@ -2546,7 +2634,7 @@
           <a:p>
             <a:fld id="{6AA3599C-7060-A14F-A8FF-BFA2E3E43F87}" type="datetime1">
               <a:rPr kumimoji="1" lang="ja-JP" altLang="en-US" smtClean="0"/>
-              <a:t>2020/12/22</a:t>
+              <a:t>2020/12/26</a:t>
             </a:fld>
             <a:endParaRPr kumimoji="1" lang="ja-JP" altLang="en-US"/>
           </a:p>
@@ -2668,7 +2756,7 @@
           <a:p>
             <a:fld id="{2ACB3C61-04B3-8341-A053-431BFDE0369C}" type="datetime1">
               <a:rPr kumimoji="1" lang="ja-JP" altLang="en-US" smtClean="0"/>
-              <a:t>2020/12/22</a:t>
+              <a:t>2020/12/26</a:t>
             </a:fld>
             <a:endParaRPr kumimoji="1" lang="ja-JP" altLang="en-US"/>
           </a:p>
@@ -2767,7 +2855,7 @@
           <a:p>
             <a:fld id="{17E05920-A0FF-A94D-B91E-11B016CF8687}" type="datetime1">
               <a:rPr kumimoji="1" lang="ja-JP" altLang="en-US" smtClean="0"/>
-              <a:t>2020/12/22</a:t>
+              <a:t>2020/12/26</a:t>
             </a:fld>
             <a:endParaRPr kumimoji="1" lang="ja-JP" altLang="en-US"/>
           </a:p>
@@ -3080,7 +3168,7 @@
           <a:p>
             <a:fld id="{73151009-4B49-E243-94A4-1303689190AE}" type="datetime1">
               <a:rPr kumimoji="1" lang="ja-JP" altLang="en-US" smtClean="0"/>
-              <a:t>2020/12/22</a:t>
+              <a:t>2020/12/26</a:t>
             </a:fld>
             <a:endParaRPr kumimoji="1" lang="ja-JP" altLang="en-US"/>
           </a:p>
@@ -3341,7 +3429,7 @@
           <a:p>
             <a:fld id="{F948BB96-C546-0F48-8959-F4ED01CF136A}" type="datetime1">
               <a:rPr kumimoji="1" lang="ja-JP" altLang="en-US" smtClean="0"/>
-              <a:t>2020/12/22</a:t>
+              <a:t>2020/12/26</a:t>
             </a:fld>
             <a:endParaRPr kumimoji="1" lang="ja-JP" altLang="en-US"/>
           </a:p>
@@ -3595,7 +3683,7 @@
           <a:p>
             <a:fld id="{23C8A647-1D3A-F547-BEEB-E9A419355659}" type="datetime1">
               <a:rPr kumimoji="1" lang="ja-JP" altLang="en-US" smtClean="0"/>
-              <a:t>2020/12/22</a:t>
+              <a:t>2020/12/26</a:t>
             </a:fld>
             <a:endParaRPr kumimoji="1" lang="ja-JP" altLang="en-US"/>
           </a:p>
@@ -4022,513 +4110,6 @@
           <a:chExt cx="0" cy="0"/>
         </a:xfrm>
       </p:grpSpPr>
-      <p:sp>
-        <p:nvSpPr>
-          <p:cNvPr id="2" name="コンテンツ プレースホルダー 1">
-            <a:extLst>
-              <a:ext uri="{FF2B5EF4-FFF2-40B4-BE49-F238E27FC236}">
-                <a16:creationId xmlns:a16="http://schemas.microsoft.com/office/drawing/2014/main" id="{CBAC2809-ABA2-4945-9125-F755F84F9CC6}"/>
-              </a:ext>
-            </a:extLst>
-          </p:cNvPr>
-          <p:cNvSpPr>
-            <a:spLocks noGrp="1"/>
-          </p:cNvSpPr>
-          <p:nvPr>
-            <p:ph idx="1"/>
-          </p:nvPr>
-        </p:nvSpPr>
-        <p:spPr/>
-        <p:txBody>
-          <a:bodyPr/>
-          <a:lstStyle/>
-          <a:p>
-            <a:r>
-              <a:rPr kumimoji="1" lang="en-US" altLang="ja-JP" dirty="0"/>
-              <a:t>Consider the content of master thesis</a:t>
-            </a:r>
-          </a:p>
-          <a:p>
-            <a:pPr lvl="1"/>
-            <a:r>
-              <a:rPr lang="en-US" altLang="ja-JP" dirty="0">
-                <a:solidFill>
-                  <a:schemeClr val="bg1">
-                    <a:lumMod val="50000"/>
-                  </a:schemeClr>
-                </a:solidFill>
-              </a:rPr>
-              <a:t>Result of simple RL implementation</a:t>
-            </a:r>
-            <a:endParaRPr kumimoji="1" lang="en-US" altLang="ja-JP" dirty="0">
-              <a:solidFill>
-                <a:schemeClr val="bg1">
-                  <a:lumMod val="50000"/>
-                </a:schemeClr>
-              </a:solidFill>
-            </a:endParaRPr>
-          </a:p>
-          <a:p>
-            <a:pPr lvl="1"/>
-            <a:r>
-              <a:rPr lang="en-US" altLang="ja-JP" dirty="0">
-                <a:solidFill>
-                  <a:schemeClr val="bg1">
-                    <a:lumMod val="50000"/>
-                  </a:schemeClr>
-                </a:solidFill>
-              </a:rPr>
-              <a:t>Ingenuity with model information</a:t>
-            </a:r>
-          </a:p>
-          <a:p>
-            <a:pPr lvl="1"/>
-            <a:r>
-              <a:rPr lang="en-US" altLang="ja-JP" dirty="0">
-                <a:solidFill>
-                  <a:srgbClr val="FF0000"/>
-                </a:solidFill>
-              </a:rPr>
-              <a:t>Proof of convergence</a:t>
-            </a:r>
-          </a:p>
-          <a:p>
-            <a:pPr lvl="1"/>
-            <a:endParaRPr kumimoji="1" lang="en-US" altLang="ja-JP" dirty="0"/>
-          </a:p>
-          <a:p>
-            <a:r>
-              <a:rPr lang="en-US" altLang="ja-JP" dirty="0"/>
-              <a:t>Last week</a:t>
-            </a:r>
-          </a:p>
-          <a:p>
-            <a:pPr lvl="1"/>
-            <a:r>
-              <a:rPr lang="en-US" altLang="ja-JP" dirty="0">
-                <a:solidFill>
-                  <a:schemeClr val="bg1">
-                    <a:lumMod val="50000"/>
-                  </a:schemeClr>
-                </a:solidFill>
-              </a:rPr>
-              <a:t>Learn about convergence of DDPG</a:t>
-            </a:r>
-          </a:p>
-          <a:p>
-            <a:pPr lvl="2"/>
-            <a:r>
-              <a:rPr lang="en-US" altLang="ja-JP" dirty="0">
-                <a:solidFill>
-                  <a:schemeClr val="bg1">
-                    <a:lumMod val="50000"/>
-                  </a:schemeClr>
-                </a:solidFill>
-              </a:rPr>
-              <a:t>What is proven?</a:t>
-            </a:r>
-            <a:r>
-              <a:rPr lang="ja-JP" altLang="en-US">
-                <a:solidFill>
-                  <a:schemeClr val="bg1">
-                    <a:lumMod val="50000"/>
-                  </a:schemeClr>
-                </a:solidFill>
-              </a:rPr>
-              <a:t> </a:t>
-            </a:r>
-            <a:r>
-              <a:rPr lang="en-US" altLang="ja-JP" dirty="0">
-                <a:solidFill>
-                  <a:schemeClr val="bg1">
-                    <a:lumMod val="50000"/>
-                  </a:schemeClr>
-                </a:solidFill>
-              </a:rPr>
-              <a:t>Convergence for sub optimality?</a:t>
-            </a:r>
-          </a:p>
-          <a:p>
-            <a:pPr lvl="2"/>
-            <a:r>
-              <a:rPr lang="en-US" altLang="ja-JP" dirty="0">
-                <a:solidFill>
-                  <a:schemeClr val="bg1">
-                    <a:lumMod val="50000"/>
-                  </a:schemeClr>
-                </a:solidFill>
-              </a:rPr>
-              <a:t>Read [1][2] (</a:t>
-            </a:r>
-            <a:r>
-              <a:rPr lang="en-US" altLang="ja-JP">
-                <a:solidFill>
-                  <a:schemeClr val="bg1">
-                    <a:lumMod val="50000"/>
-                  </a:schemeClr>
-                </a:solidFill>
-              </a:rPr>
-              <a:t>Roughly read on this </a:t>
-            </a:r>
-            <a:r>
-              <a:rPr lang="en-US" altLang="ja-JP" dirty="0">
-                <a:solidFill>
-                  <a:schemeClr val="bg1">
-                    <a:lumMod val="50000"/>
-                  </a:schemeClr>
-                </a:solidFill>
-              </a:rPr>
-              <a:t>week)</a:t>
-            </a:r>
-          </a:p>
-          <a:p>
-            <a:pPr lvl="1"/>
-            <a:r>
-              <a:rPr lang="en-US" altLang="ja-JP" dirty="0"/>
-              <a:t>Category theory</a:t>
-            </a:r>
-          </a:p>
-          <a:p>
-            <a:pPr lvl="2"/>
-            <a:r>
-              <a:rPr lang="en-US" altLang="ja-JP" dirty="0"/>
-              <a:t>Done: decide what I talk</a:t>
-            </a:r>
-          </a:p>
-          <a:p>
-            <a:pPr lvl="2"/>
-            <a:r>
-              <a:rPr lang="en-US" altLang="ja-JP" dirty="0"/>
-              <a:t>Have not figure out the each content yet</a:t>
-            </a:r>
-          </a:p>
-        </p:txBody>
-      </p:sp>
-      <p:sp>
-        <p:nvSpPr>
-          <p:cNvPr id="3" name="日付プレースホルダー 2">
-            <a:extLst>
-              <a:ext uri="{FF2B5EF4-FFF2-40B4-BE49-F238E27FC236}">
-                <a16:creationId xmlns:a16="http://schemas.microsoft.com/office/drawing/2014/main" id="{349CC6BD-86D7-8842-BEB2-AC306AD740FC}"/>
-              </a:ext>
-            </a:extLst>
-          </p:cNvPr>
-          <p:cNvSpPr>
-            <a:spLocks noGrp="1"/>
-          </p:cNvSpPr>
-          <p:nvPr>
-            <p:ph type="dt" sz="half" idx="10"/>
-          </p:nvPr>
-        </p:nvSpPr>
-        <p:spPr/>
-        <p:txBody>
-          <a:bodyPr/>
-          <a:lstStyle/>
-          <a:p>
-            <a:fld id="{90235FA2-C49A-5C4F-85BF-B1D7D24C5B31}" type="datetime1">
-              <a:rPr kumimoji="1" lang="ja-JP" altLang="en-US" smtClean="0"/>
-              <a:t>2020/12/22</a:t>
-            </a:fld>
-            <a:endParaRPr kumimoji="1" lang="ja-JP" altLang="en-US"/>
-          </a:p>
-        </p:txBody>
-      </p:sp>
-      <p:sp>
-        <p:nvSpPr>
-          <p:cNvPr id="4" name="フッター プレースホルダー 3">
-            <a:extLst>
-              <a:ext uri="{FF2B5EF4-FFF2-40B4-BE49-F238E27FC236}">
-                <a16:creationId xmlns:a16="http://schemas.microsoft.com/office/drawing/2014/main" id="{34C1ECE7-7193-8248-99C9-007EE95CEA0A}"/>
-              </a:ext>
-            </a:extLst>
-          </p:cNvPr>
-          <p:cNvSpPr>
-            <a:spLocks noGrp="1"/>
-          </p:cNvSpPr>
-          <p:nvPr>
-            <p:ph type="ftr" sz="quarter" idx="11"/>
-          </p:nvPr>
-        </p:nvSpPr>
-        <p:spPr/>
-        <p:txBody>
-          <a:bodyPr/>
-          <a:lstStyle/>
-          <a:p>
-            <a:r>
-              <a:rPr kumimoji="1" lang="en-US" altLang="ja-JP" dirty="0"/>
-              <a:t>Control System Theory Group</a:t>
-            </a:r>
-            <a:endParaRPr kumimoji="1" lang="ja-JP" altLang="en-US"/>
-          </a:p>
-        </p:txBody>
-      </p:sp>
-      <p:sp>
-        <p:nvSpPr>
-          <p:cNvPr id="5" name="タイトル 4">
-            <a:extLst>
-              <a:ext uri="{FF2B5EF4-FFF2-40B4-BE49-F238E27FC236}">
-                <a16:creationId xmlns:a16="http://schemas.microsoft.com/office/drawing/2014/main" id="{F23A22BE-7834-564A-96EE-20E2838ED556}"/>
-              </a:ext>
-            </a:extLst>
-          </p:cNvPr>
-          <p:cNvSpPr>
-            <a:spLocks noGrp="1"/>
-          </p:cNvSpPr>
-          <p:nvPr>
-            <p:ph type="title"/>
-          </p:nvPr>
-        </p:nvSpPr>
-        <p:spPr/>
-        <p:txBody>
-          <a:bodyPr/>
-          <a:lstStyle/>
-          <a:p>
-            <a:r>
-              <a:rPr kumimoji="1" lang="en-US" altLang="ja-JP" dirty="0"/>
-              <a:t>Weekly Report</a:t>
-            </a:r>
-            <a:endParaRPr kumimoji="1" lang="ja-JP" altLang="en-US"/>
-          </a:p>
-        </p:txBody>
-      </p:sp>
-      <p:sp>
-        <p:nvSpPr>
-          <p:cNvPr id="6" name="テキスト ボックス 5">
-            <a:extLst>
-              <a:ext uri="{FF2B5EF4-FFF2-40B4-BE49-F238E27FC236}">
-                <a16:creationId xmlns:a16="http://schemas.microsoft.com/office/drawing/2014/main" id="{49E4DBC1-6B78-C94D-BDF5-9874B6280D11}"/>
-              </a:ext>
-            </a:extLst>
-          </p:cNvPr>
-          <p:cNvSpPr txBox="1"/>
-          <p:nvPr/>
-        </p:nvSpPr>
-        <p:spPr>
-          <a:xfrm>
-            <a:off x="5187567" y="1609859"/>
-            <a:ext cx="1293944" cy="369332"/>
-          </a:xfrm>
-          <a:prstGeom prst="rect">
-            <a:avLst/>
-          </a:prstGeom>
-          <a:noFill/>
-        </p:spPr>
-        <p:txBody>
-          <a:bodyPr wrap="none" rtlCol="0">
-            <a:spAutoFit/>
-          </a:bodyPr>
-          <a:lstStyle/>
-          <a:p>
-            <a:r>
-              <a:rPr kumimoji="1" lang="en-US" altLang="ja-JP" dirty="0">
-                <a:solidFill>
-                  <a:schemeClr val="bg1">
-                    <a:lumMod val="50000"/>
-                  </a:schemeClr>
-                </a:solidFill>
-                <a:latin typeface="Cambria" panose="02040503050406030204" pitchFamily="18" charset="0"/>
-              </a:rPr>
-              <a:t>colloquium</a:t>
-            </a:r>
-            <a:endParaRPr kumimoji="1" lang="ja-JP" altLang="en-US">
-              <a:solidFill>
-                <a:schemeClr val="bg1">
-                  <a:lumMod val="50000"/>
-                </a:schemeClr>
-              </a:solidFill>
-              <a:latin typeface="Cambria" panose="02040503050406030204" pitchFamily="18" charset="0"/>
-            </a:endParaRPr>
-          </a:p>
-        </p:txBody>
-      </p:sp>
-      <p:sp>
-        <p:nvSpPr>
-          <p:cNvPr id="7" name="右中かっこ 6">
-            <a:extLst>
-              <a:ext uri="{FF2B5EF4-FFF2-40B4-BE49-F238E27FC236}">
-                <a16:creationId xmlns:a16="http://schemas.microsoft.com/office/drawing/2014/main" id="{3127E86E-1098-4241-B77F-873FCBA10EF5}"/>
-              </a:ext>
-            </a:extLst>
-          </p:cNvPr>
-          <p:cNvSpPr/>
-          <p:nvPr/>
-        </p:nvSpPr>
-        <p:spPr>
-          <a:xfrm>
-            <a:off x="5016591" y="1497901"/>
-            <a:ext cx="155448" cy="593248"/>
-          </a:xfrm>
-          <a:prstGeom prst="rightBrace">
-            <a:avLst>
-              <a:gd name="adj1" fmla="val 61487"/>
-              <a:gd name="adj2" fmla="val 50000"/>
-            </a:avLst>
-          </a:prstGeom>
-          <a:ln w="12700">
-            <a:solidFill>
-              <a:schemeClr val="bg1">
-                <a:lumMod val="50000"/>
-              </a:schemeClr>
-            </a:solidFill>
-          </a:ln>
-        </p:spPr>
-        <p:style>
-          <a:lnRef idx="1">
-            <a:schemeClr val="accent1"/>
-          </a:lnRef>
-          <a:fillRef idx="0">
-            <a:schemeClr val="accent1"/>
-          </a:fillRef>
-          <a:effectRef idx="0">
-            <a:schemeClr val="accent1"/>
-          </a:effectRef>
-          <a:fontRef idx="minor">
-            <a:schemeClr val="tx1"/>
-          </a:fontRef>
-        </p:style>
-        <p:txBody>
-          <a:bodyPr rtlCol="0" anchor="ctr"/>
-          <a:lstStyle/>
-          <a:p>
-            <a:pPr algn="ctr"/>
-            <a:endParaRPr kumimoji="1" lang="ja-JP" altLang="en-US"/>
-          </a:p>
-        </p:txBody>
-      </p:sp>
-      <p:sp>
-        <p:nvSpPr>
-          <p:cNvPr id="8" name="テキスト ボックス 7">
-            <a:extLst>
-              <a:ext uri="{FF2B5EF4-FFF2-40B4-BE49-F238E27FC236}">
-                <a16:creationId xmlns:a16="http://schemas.microsoft.com/office/drawing/2014/main" id="{5AA51872-EBFA-924F-A2BF-1856971B406C}"/>
-              </a:ext>
-            </a:extLst>
-          </p:cNvPr>
-          <p:cNvSpPr txBox="1"/>
-          <p:nvPr/>
-        </p:nvSpPr>
-        <p:spPr>
-          <a:xfrm>
-            <a:off x="261257" y="5616477"/>
-            <a:ext cx="8621486" cy="646331"/>
-          </a:xfrm>
-          <a:prstGeom prst="rect">
-            <a:avLst/>
-          </a:prstGeom>
-          <a:noFill/>
-        </p:spPr>
-        <p:txBody>
-          <a:bodyPr wrap="square" rtlCol="0">
-            <a:spAutoFit/>
-          </a:bodyPr>
-          <a:lstStyle/>
-          <a:p>
-            <a:r>
-              <a:rPr kumimoji="1" lang="en-US" altLang="ja-JP" sz="1200" dirty="0">
-                <a:latin typeface="Cambria" panose="02040503050406030204" pitchFamily="18" charset="0"/>
-              </a:rPr>
-              <a:t>[1]: V. S. Konda and J. N. </a:t>
-            </a:r>
-            <a:r>
-              <a:rPr kumimoji="1" lang="en-US" altLang="ja-JP" sz="1200" dirty="0" err="1">
-                <a:latin typeface="Cambria" panose="02040503050406030204" pitchFamily="18" charset="0"/>
-              </a:rPr>
-              <a:t>Tsitsiklis</a:t>
-            </a:r>
-            <a:r>
-              <a:rPr kumimoji="1" lang="en-US" altLang="ja-JP" sz="1200" dirty="0">
-                <a:latin typeface="Cambria" panose="02040503050406030204" pitchFamily="18" charset="0"/>
-              </a:rPr>
-              <a:t>. “On actor-critic algorithms.” </a:t>
-            </a:r>
-            <a:r>
-              <a:rPr kumimoji="1" lang="en-US" altLang="ja-JP" sz="1200" i="1" dirty="0">
-                <a:latin typeface="Cambria" panose="02040503050406030204" pitchFamily="18" charset="0"/>
-              </a:rPr>
-              <a:t>SIAM Journal on Control and Optimization</a:t>
-            </a:r>
-            <a:r>
-              <a:rPr kumimoji="1" lang="en-US" altLang="ja-JP" sz="1200" dirty="0">
-                <a:latin typeface="Cambria" panose="02040503050406030204" pitchFamily="18" charset="0"/>
-              </a:rPr>
-              <a:t>, 42(4): 1143-1166, 2003</a:t>
-            </a:r>
-          </a:p>
-          <a:p>
-            <a:r>
-              <a:rPr kumimoji="1" lang="en-US" altLang="ja-JP" sz="1200" dirty="0">
-                <a:latin typeface="Cambria" panose="02040503050406030204" pitchFamily="18" charset="0"/>
-              </a:rPr>
-              <a:t>[2]: R. S. Sutton </a:t>
-            </a:r>
-            <a:r>
-              <a:rPr kumimoji="1" lang="en-US" altLang="ja-JP" sz="1200" dirty="0" err="1">
-                <a:latin typeface="Cambria" panose="02040503050406030204" pitchFamily="18" charset="0"/>
-              </a:rPr>
-              <a:t>et.al</a:t>
-            </a:r>
-            <a:r>
-              <a:rPr kumimoji="1" lang="en-US" altLang="ja-JP" sz="1200" dirty="0">
-                <a:latin typeface="Cambria" panose="02040503050406030204" pitchFamily="18" charset="0"/>
-              </a:rPr>
-              <a:t>. “Policy gradient methods for reinforcement learning with function approximation.” </a:t>
-            </a:r>
-            <a:r>
-              <a:rPr kumimoji="1" lang="en-US" altLang="ja-JP" sz="1200" i="1" dirty="0">
-                <a:latin typeface="Cambria" panose="02040503050406030204" pitchFamily="18" charset="0"/>
-              </a:rPr>
-              <a:t>In Advances in Neural </a:t>
-            </a:r>
-          </a:p>
-          <a:p>
-            <a:r>
-              <a:rPr kumimoji="1" lang="en-US" altLang="ja-JP" sz="1200" i="1" dirty="0">
-                <a:latin typeface="Cambria" panose="02040503050406030204" pitchFamily="18" charset="0"/>
-              </a:rPr>
-              <a:t>         Information Processing Systems</a:t>
-            </a:r>
-            <a:r>
-              <a:rPr kumimoji="1" lang="en-US" altLang="ja-JP" sz="1200" dirty="0">
-                <a:latin typeface="Cambria" panose="02040503050406030204" pitchFamily="18" charset="0"/>
-              </a:rPr>
-              <a:t>, pages 1609-1616, 2008.</a:t>
-            </a:r>
-            <a:endParaRPr kumimoji="1" lang="ja-JP" altLang="en-US" sz="1200">
-              <a:latin typeface="Cambria" panose="02040503050406030204" pitchFamily="18" charset="0"/>
-            </a:endParaRPr>
-          </a:p>
-        </p:txBody>
-      </p:sp>
-    </p:spTree>
-    <p:extLst>
-      <p:ext uri="{BB962C8B-B14F-4D97-AF65-F5344CB8AC3E}">
-        <p14:creationId xmlns:p14="http://schemas.microsoft.com/office/powerpoint/2010/main" val="257956569"/>
-      </p:ext>
-    </p:extLst>
-  </p:cSld>
-  <p:clrMapOvr>
-    <a:masterClrMapping/>
-  </p:clrMapOvr>
-</p:sld>
-</file>
-
-<file path=ppt/slides/slide2.xml><?xml version="1.0" encoding="utf-8"?>
-<p:sld xmlns:a="http://schemas.openxmlformats.org/drawingml/2006/main" xmlns:r="http://schemas.openxmlformats.org/officeDocument/2006/relationships" xmlns:p="http://schemas.openxmlformats.org/presentationml/2006/main">
-  <p:cSld>
-    <p:spTree>
-      <p:nvGrpSpPr>
-        <p:cNvPr id="1" name=""/>
-        <p:cNvGrpSpPr/>
-        <p:nvPr/>
-      </p:nvGrpSpPr>
-      <p:grpSpPr>
-        <a:xfrm>
-          <a:off x="0" y="0"/>
-          <a:ext cx="0" cy="0"/>
-          <a:chOff x="0" y="0"/>
-          <a:chExt cx="0" cy="0"/>
-        </a:xfrm>
-      </p:grpSpPr>
       <mc:AlternateContent xmlns:mc="http://schemas.openxmlformats.org/markup-compatibility/2006" xmlns:a14="http://schemas.microsoft.com/office/drawing/2010/main">
         <mc:Choice Requires="a14">
           <p:sp>
@@ -4884,7 +4465,7 @@
           <a:p>
             <a:fld id="{90235FA2-C49A-5C4F-85BF-B1D7D24C5B31}" type="datetime1">
               <a:rPr kumimoji="1" lang="ja-JP" altLang="en-US" smtClean="0"/>
-              <a:t>2020/12/22</a:t>
+              <a:t>2020/12/26</a:t>
             </a:fld>
             <a:endParaRPr kumimoji="1" lang="ja-JP" altLang="en-US"/>
           </a:p>
@@ -5639,7 +5220,698 @@
 </p:sld>
 </file>
 
+<file path=ppt/slides/slide2.xml><?xml version="1.0" encoding="utf-8"?>
+<p:sld xmlns:a="http://schemas.openxmlformats.org/drawingml/2006/main" xmlns:r="http://schemas.openxmlformats.org/officeDocument/2006/relationships" xmlns:p="http://schemas.openxmlformats.org/presentationml/2006/main">
+  <p:cSld>
+    <p:spTree>
+      <p:nvGrpSpPr>
+        <p:cNvPr id="1" name=""/>
+        <p:cNvGrpSpPr/>
+        <p:nvPr/>
+      </p:nvGrpSpPr>
+      <p:grpSpPr>
+        <a:xfrm>
+          <a:off x="0" y="0"/>
+          <a:ext cx="0" cy="0"/>
+          <a:chOff x="0" y="0"/>
+          <a:chExt cx="0" cy="0"/>
+        </a:xfrm>
+      </p:grpSpPr>
+      <mc:AlternateContent xmlns:mc="http://schemas.openxmlformats.org/markup-compatibility/2006">
+        <mc:Choice xmlns:a14="http://schemas.microsoft.com/office/drawing/2010/main" Requires="a14">
+          <p:sp>
+            <p:nvSpPr>
+              <p:cNvPr id="2" name="コンテンツ プレースホルダー 1">
+                <a:extLst>
+                  <a:ext uri="{FF2B5EF4-FFF2-40B4-BE49-F238E27FC236}">
+                    <a16:creationId xmlns:a16="http://schemas.microsoft.com/office/drawing/2014/main" id="{059C583E-2507-2848-B1C8-481CC37F4737}"/>
+                  </a:ext>
+                </a:extLst>
+              </p:cNvPr>
+              <p:cNvSpPr>
+                <a:spLocks noGrp="1"/>
+              </p:cNvSpPr>
+              <p:nvPr>
+                <p:ph idx="1"/>
+              </p:nvPr>
+            </p:nvSpPr>
+            <p:spPr/>
+            <p:txBody>
+              <a:bodyPr/>
+              <a:lstStyle/>
+              <a:p>
+                <a:r>
+                  <a:rPr kumimoji="1" lang="ja-JP" altLang="en-US"/>
+                  <a:t>確率系の</a:t>
+                </a:r>
+                <a:r>
+                  <a:rPr kumimoji="1" lang="en-US" altLang="ja-JP" dirty="0"/>
+                  <a:t>Q</a:t>
+                </a:r>
+                <a:r>
+                  <a:rPr kumimoji="1" lang="ja-JP" altLang="en-US"/>
+                  <a:t>関数は</a:t>
+                </a:r>
+                <a:r>
+                  <a:rPr kumimoji="1" lang="en-US" altLang="ja-JP" dirty="0"/>
+                  <a:t>, </a:t>
+                </a:r>
+                <a:r>
+                  <a:rPr lang="ja-JP" altLang="en-US"/>
+                  <a:t>原点において「入力を加えないでできるだけ通信間隔を長く」すればいいわけではなかった。</a:t>
+                </a:r>
+                <a:endParaRPr lang="en-US" altLang="ja-JP" dirty="0"/>
+              </a:p>
+              <a:p>
+                <a:pPr lvl="1"/>
+                <a:r>
+                  <a:rPr kumimoji="1" lang="en-US" altLang="ja-JP" dirty="0"/>
+                  <a:t>1</a:t>
+                </a:r>
+                <a:r>
+                  <a:rPr kumimoji="1" lang="ja-JP" altLang="en-US"/>
+                  <a:t>秒間も放置すると</a:t>
+                </a:r>
+                <a:r>
+                  <a:rPr kumimoji="1" lang="en-US" altLang="ja-JP" dirty="0"/>
+                  <a:t>, </a:t>
+                </a:r>
+                <a:r>
+                  <a:rPr kumimoji="1" lang="ja-JP" altLang="en-US"/>
+                  <a:t>振り子が下まで行ってしまうからではないか</a:t>
+                </a:r>
+                <a:endParaRPr kumimoji="1" lang="en-US" altLang="ja-JP" dirty="0"/>
+              </a:p>
+              <a:p>
+                <a:pPr lvl="1"/>
+                <a:endParaRPr lang="en-US" altLang="ja-JP" dirty="0"/>
+              </a:p>
+              <a:p>
+                <a:r>
+                  <a:rPr lang="en-US" altLang="ja-JP" dirty="0"/>
+                  <a:t>10</a:t>
+                </a:r>
+                <a:r>
+                  <a:rPr lang="ja-JP" altLang="en-US"/>
+                  <a:t>本の制御パス</a:t>
+                </a:r>
+                <a:endParaRPr lang="en-US" altLang="ja-JP" dirty="0"/>
+              </a:p>
+              <a:p>
+                <a:pPr lvl="1"/>
+                <a:r>
+                  <a:rPr lang="en-US" altLang="ja-JP" dirty="0"/>
+                  <a:t>0.01</a:t>
+                </a:r>
+                <a:r>
+                  <a:rPr lang="ja-JP" altLang="en-US"/>
+                  <a:t>秒ごとに点を打つ</a:t>
+                </a:r>
+                <a:endParaRPr lang="en-US" altLang="ja-JP" dirty="0"/>
+              </a:p>
+              <a:p>
+                <a:pPr lvl="1"/>
+                <a14:m>
+                  <m:oMath xmlns:m="http://schemas.openxmlformats.org/officeDocument/2006/math">
+                    <m:r>
+                      <a:rPr lang="en-US" altLang="ja-JP" b="0" i="1" smtClean="0">
+                        <a:latin typeface="Cambria Math" panose="02040503050406030204" pitchFamily="18" charset="0"/>
+                        <a:ea typeface="Cambria Math" panose="02040503050406030204" pitchFamily="18" charset="0"/>
+                      </a:rPr>
+                      <m:t>−</m:t>
+                    </m:r>
+                    <m:r>
+                      <a:rPr lang="en-US" altLang="ja-JP" i="1" smtClean="0">
+                        <a:latin typeface="Cambria Math" panose="02040503050406030204" pitchFamily="18" charset="0"/>
+                        <a:ea typeface="Cambria Math" panose="02040503050406030204" pitchFamily="18" charset="0"/>
+                      </a:rPr>
+                      <m:t>𝜋</m:t>
+                    </m:r>
+                    <m:r>
+                      <a:rPr lang="ja-JP" altLang="en-US" i="1">
+                        <a:latin typeface="Cambria Math" panose="02040503050406030204" pitchFamily="18" charset="0"/>
+                        <a:ea typeface="Cambria Math" panose="02040503050406030204" pitchFamily="18" charset="0"/>
+                      </a:rPr>
+                      <m:t>や</m:t>
+                    </m:r>
+                    <m:r>
+                      <a:rPr lang="en-US" altLang="ja-JP" i="1" smtClean="0">
+                        <a:latin typeface="Cambria Math" panose="02040503050406030204" pitchFamily="18" charset="0"/>
+                        <a:ea typeface="Cambria Math" panose="02040503050406030204" pitchFamily="18" charset="0"/>
+                      </a:rPr>
+                      <m:t>𝜋</m:t>
+                    </m:r>
+                  </m:oMath>
+                </a14:m>
+                <a:r>
+                  <a:rPr lang="ja-JP" altLang="en-US"/>
+                  <a:t>まで行っている</a:t>
+                </a:r>
+                <a:endParaRPr lang="en-US" altLang="ja-JP" dirty="0"/>
+              </a:p>
+            </p:txBody>
+          </p:sp>
+        </mc:Choice>
+        <mc:Fallback>
+          <p:sp>
+            <p:nvSpPr>
+              <p:cNvPr id="2" name="コンテンツ プレースホルダー 1">
+                <a:extLst>
+                  <a:ext uri="{FF2B5EF4-FFF2-40B4-BE49-F238E27FC236}">
+                    <a16:creationId xmlns:a16="http://schemas.microsoft.com/office/drawing/2014/main" id="{059C583E-2507-2848-B1C8-481CC37F4737}"/>
+                  </a:ext>
+                </a:extLst>
+              </p:cNvPr>
+              <p:cNvSpPr>
+                <a:spLocks noGrp="1" noRot="1" noChangeAspect="1" noMove="1" noResize="1" noEditPoints="1" noAdjustHandles="1" noChangeArrowheads="1" noChangeShapeType="1" noTextEdit="1"/>
+              </p:cNvSpPr>
+              <p:nvPr>
+                <p:ph idx="1"/>
+              </p:nvPr>
+            </p:nvSpPr>
+            <p:spPr>
+              <a:blipFill>
+                <a:blip r:embed="rId3"/>
+                <a:stretch>
+                  <a:fillRect l="-598" t="-1519"/>
+                </a:stretch>
+              </a:blipFill>
+            </p:spPr>
+            <p:txBody>
+              <a:bodyPr/>
+              <a:lstStyle/>
+              <a:p>
+                <a:r>
+                  <a:rPr lang="ja-JP" altLang="en-US">
+                    <a:noFill/>
+                  </a:rPr>
+                  <a:t> </a:t>
+                </a:r>
+              </a:p>
+            </p:txBody>
+          </p:sp>
+        </mc:Fallback>
+      </mc:AlternateContent>
+      <p:sp>
+        <p:nvSpPr>
+          <p:cNvPr id="3" name="日付プレースホルダー 2">
+            <a:extLst>
+              <a:ext uri="{FF2B5EF4-FFF2-40B4-BE49-F238E27FC236}">
+                <a16:creationId xmlns:a16="http://schemas.microsoft.com/office/drawing/2014/main" id="{F2779E74-DEA7-CB4D-BFE5-4E7F35902936}"/>
+              </a:ext>
+            </a:extLst>
+          </p:cNvPr>
+          <p:cNvSpPr>
+            <a:spLocks noGrp="1"/>
+          </p:cNvSpPr>
+          <p:nvPr>
+            <p:ph type="dt" sz="half" idx="10"/>
+          </p:nvPr>
+        </p:nvSpPr>
+        <p:spPr/>
+        <p:txBody>
+          <a:bodyPr/>
+          <a:lstStyle/>
+          <a:p>
+            <a:fld id="{90235FA2-C49A-5C4F-85BF-B1D7D24C5B31}" type="datetime1">
+              <a:rPr kumimoji="1" lang="ja-JP" altLang="en-US" smtClean="0"/>
+              <a:t>2020/12/28</a:t>
+            </a:fld>
+            <a:endParaRPr kumimoji="1" lang="ja-JP" altLang="en-US"/>
+          </a:p>
+        </p:txBody>
+      </p:sp>
+      <p:sp>
+        <p:nvSpPr>
+          <p:cNvPr id="4" name="フッター プレースホルダー 3">
+            <a:extLst>
+              <a:ext uri="{FF2B5EF4-FFF2-40B4-BE49-F238E27FC236}">
+                <a16:creationId xmlns:a16="http://schemas.microsoft.com/office/drawing/2014/main" id="{5B2D330E-0F00-E94E-B061-942CE8A98798}"/>
+              </a:ext>
+            </a:extLst>
+          </p:cNvPr>
+          <p:cNvSpPr>
+            <a:spLocks noGrp="1"/>
+          </p:cNvSpPr>
+          <p:nvPr>
+            <p:ph type="ftr" sz="quarter" idx="11"/>
+          </p:nvPr>
+        </p:nvSpPr>
+        <p:spPr/>
+        <p:txBody>
+          <a:bodyPr/>
+          <a:lstStyle/>
+          <a:p>
+            <a:r>
+              <a:rPr kumimoji="1" lang="en-US" altLang="ja-JP"/>
+              <a:t>Control System Theory Group</a:t>
+            </a:r>
+            <a:endParaRPr kumimoji="1" lang="ja-JP" altLang="en-US"/>
+          </a:p>
+        </p:txBody>
+      </p:sp>
+      <p:sp>
+        <p:nvSpPr>
+          <p:cNvPr id="5" name="タイトル 4">
+            <a:extLst>
+              <a:ext uri="{FF2B5EF4-FFF2-40B4-BE49-F238E27FC236}">
+                <a16:creationId xmlns:a16="http://schemas.microsoft.com/office/drawing/2014/main" id="{78E0D28E-05A2-7F46-BACB-D242C26922D2}"/>
+              </a:ext>
+            </a:extLst>
+          </p:cNvPr>
+          <p:cNvSpPr>
+            <a:spLocks noGrp="1"/>
+          </p:cNvSpPr>
+          <p:nvPr>
+            <p:ph type="title"/>
+          </p:nvPr>
+        </p:nvSpPr>
+        <p:spPr/>
+        <p:txBody>
+          <a:bodyPr/>
+          <a:lstStyle/>
+          <a:p>
+            <a:r>
+              <a:rPr kumimoji="1" lang="ja-JP" altLang="en-US"/>
+              <a:t>確率系のシミュレーション</a:t>
+            </a:r>
+          </a:p>
+        </p:txBody>
+      </p:sp>
+      <p:pic>
+        <p:nvPicPr>
+          <p:cNvPr id="6" name="図 5">
+            <a:extLst>
+              <a:ext uri="{FF2B5EF4-FFF2-40B4-BE49-F238E27FC236}">
+                <a16:creationId xmlns:a16="http://schemas.microsoft.com/office/drawing/2014/main" id="{628BB376-6324-A24D-AD60-B2A0F0C6254E}"/>
+              </a:ext>
+            </a:extLst>
+          </p:cNvPr>
+          <p:cNvPicPr>
+            <a:picLocks noChangeAspect="1"/>
+          </p:cNvPicPr>
+          <p:nvPr/>
+        </p:nvPicPr>
+        <p:blipFill>
+          <a:blip r:embed="rId4"/>
+          <a:stretch>
+            <a:fillRect/>
+          </a:stretch>
+        </p:blipFill>
+        <p:spPr>
+          <a:xfrm>
+            <a:off x="4076700" y="2708377"/>
+            <a:ext cx="3632200" cy="3400736"/>
+          </a:xfrm>
+          <a:prstGeom prst="rect">
+            <a:avLst/>
+          </a:prstGeom>
+        </p:spPr>
+      </p:pic>
+    </p:spTree>
+    <p:extLst>
+      <p:ext uri="{BB962C8B-B14F-4D97-AF65-F5344CB8AC3E}">
+        <p14:creationId xmlns:p14="http://schemas.microsoft.com/office/powerpoint/2010/main" val="1825222702"/>
+      </p:ext>
+    </p:extLst>
+  </p:cSld>
+  <p:clrMapOvr>
+    <a:masterClrMapping/>
+  </p:clrMapOvr>
+</p:sld>
+</file>
+
 <file path=ppt/slides/slide3.xml><?xml version="1.0" encoding="utf-8"?>
+<p:sld xmlns:a="http://schemas.openxmlformats.org/drawingml/2006/main" xmlns:r="http://schemas.openxmlformats.org/officeDocument/2006/relationships" xmlns:p="http://schemas.openxmlformats.org/presentationml/2006/main">
+  <p:cSld>
+    <p:spTree>
+      <p:nvGrpSpPr>
+        <p:cNvPr id="1" name=""/>
+        <p:cNvGrpSpPr/>
+        <p:nvPr/>
+      </p:nvGrpSpPr>
+      <p:grpSpPr>
+        <a:xfrm>
+          <a:off x="0" y="0"/>
+          <a:ext cx="0" cy="0"/>
+          <a:chOff x="0" y="0"/>
+          <a:chExt cx="0" cy="0"/>
+        </a:xfrm>
+      </p:grpSpPr>
+      <mc:AlternateContent xmlns:mc="http://schemas.openxmlformats.org/markup-compatibility/2006">
+        <mc:Choice xmlns:a14="http://schemas.microsoft.com/office/drawing/2010/main" Requires="a14">
+          <p:sp>
+            <p:nvSpPr>
+              <p:cNvPr id="2" name="コンテンツ プレースホルダー 1">
+                <a:extLst>
+                  <a:ext uri="{FF2B5EF4-FFF2-40B4-BE49-F238E27FC236}">
+                    <a16:creationId xmlns:a16="http://schemas.microsoft.com/office/drawing/2014/main" id="{A98D224F-17E8-D840-9339-44D9DBCE1D5F}"/>
+                  </a:ext>
+                </a:extLst>
+              </p:cNvPr>
+              <p:cNvSpPr>
+                <a:spLocks noGrp="1"/>
+              </p:cNvSpPr>
+              <p:nvPr>
+                <p:ph idx="1"/>
+              </p:nvPr>
+            </p:nvSpPr>
+            <p:spPr/>
+            <p:txBody>
+              <a:bodyPr/>
+              <a:lstStyle/>
+              <a:p>
+                <a:r>
+                  <a:rPr kumimoji="1" lang="en-US" altLang="ja-JP" dirty="0"/>
+                  <a:t>Critic</a:t>
+                </a:r>
+                <a:r>
+                  <a:rPr kumimoji="1" lang="ja-JP" altLang="en-US"/>
+                  <a:t>がとあるクラスの関数であれば</a:t>
+                </a:r>
+                <a:r>
+                  <a:rPr kumimoji="1" lang="en-US" altLang="ja-JP" dirty="0"/>
+                  <a:t>, (</a:t>
+                </a:r>
+                <a:r>
+                  <a:rPr kumimoji="1" lang="ja-JP" altLang="en-US"/>
+                  <a:t>学習方法は別にして</a:t>
+                </a:r>
+                <a:r>
+                  <a:rPr kumimoji="1" lang="en-US" altLang="ja-JP" dirty="0"/>
+                  <a:t>)</a:t>
+                </a:r>
+                <a:r>
+                  <a:rPr kumimoji="1" lang="ja-JP" altLang="en-US"/>
+                  <a:t>方策勾配を正しく計算できるパラメータが存在する</a:t>
+                </a:r>
+                <a:r>
+                  <a:rPr kumimoji="1" lang="en-US" altLang="ja-JP" dirty="0"/>
+                  <a:t>.</a:t>
+                </a:r>
+                <a:endParaRPr lang="en-US" altLang="ja-JP" dirty="0"/>
+              </a:p>
+              <a:p>
+                <a:pPr lvl="1"/>
+                <a:r>
+                  <a:rPr kumimoji="1" lang="ja-JP" altLang="en-US"/>
+                  <a:t>ただ</a:t>
+                </a:r>
+                <a:r>
+                  <a:rPr kumimoji="1" lang="en-US" altLang="ja-JP" dirty="0"/>
+                  <a:t>, DDPG</a:t>
+                </a:r>
+                <a:r>
+                  <a:rPr kumimoji="1" lang="ja-JP" altLang="en-US"/>
+                  <a:t>はそのクラスには入っていない</a:t>
+                </a:r>
+                <a:endParaRPr kumimoji="1" lang="en-US" altLang="ja-JP" dirty="0"/>
+              </a:p>
+              <a:p>
+                <a:pPr lvl="1"/>
+                <a:endParaRPr lang="en-US" altLang="ja-JP" dirty="0"/>
+              </a:p>
+              <a:p>
+                <a:pPr lvl="1"/>
+                <a:endParaRPr kumimoji="1" lang="en-US" altLang="ja-JP" dirty="0"/>
+              </a:p>
+              <a:p>
+                <a:r>
+                  <a:rPr lang="ja-JP" altLang="en-US"/>
+                  <a:t>何が言えるのか</a:t>
+                </a:r>
+                <a:endParaRPr lang="en-US" altLang="ja-JP" dirty="0"/>
+              </a:p>
+              <a:p>
+                <a:pPr lvl="1"/>
+                <a:r>
+                  <a:rPr kumimoji="1" lang="ja-JP" altLang="en-US"/>
+                  <a:t>セルフトリガーだからこそ言えることがあれば</a:t>
+                </a:r>
+                <a:endParaRPr kumimoji="1" lang="en-US" altLang="ja-JP" dirty="0"/>
+              </a:p>
+              <a:p>
+                <a:pPr lvl="1"/>
+                <a:r>
+                  <a:rPr lang="ja-JP" altLang="en-US"/>
+                  <a:t>局所解</a:t>
+                </a:r>
+                <a:r>
+                  <a:rPr lang="en-US" altLang="ja-JP" dirty="0"/>
+                  <a:t>(</a:t>
+                </a:r>
+                <a:r>
+                  <a:rPr lang="ja-JP" altLang="en-US"/>
+                  <a:t>方策勾配</a:t>
+                </a:r>
+                <a:r>
+                  <a:rPr lang="en-US" altLang="ja-JP" dirty="0"/>
+                  <a:t>=0)</a:t>
+                </a:r>
+                <a:r>
+                  <a:rPr lang="ja-JP" altLang="en-US"/>
+                  <a:t>となる方策はどのようなクラスか</a:t>
+                </a:r>
+                <a:endParaRPr lang="en-US" altLang="ja-JP" dirty="0"/>
+              </a:p>
+              <a:p>
+                <a:pPr lvl="2"/>
+                <a:r>
+                  <a:rPr lang="ja-JP" altLang="en-US"/>
+                  <a:t>解析不可能？？</a:t>
+                </a:r>
+                <a:endParaRPr lang="en-US" altLang="ja-JP" dirty="0"/>
+              </a:p>
+              <a:p>
+                <a:pPr lvl="1"/>
+                <a:endParaRPr lang="en-US" altLang="ja-JP" dirty="0"/>
+              </a:p>
+              <a:p>
+                <a:pPr marL="457200" lvl="1" indent="0">
+                  <a:buNone/>
+                </a:pPr>
+                <a:r>
+                  <a:rPr lang="en-US" altLang="ja-JP" sz="1800" dirty="0"/>
+                  <a:t>(</a:t>
+                </a:r>
+                <a:r>
+                  <a:rPr lang="ja-JP" altLang="en-US" sz="1800"/>
+                  <a:t>少し方向性は異なりますが</a:t>
+                </a:r>
+                <a:r>
+                  <a:rPr lang="en-US" altLang="ja-JP" sz="1800" dirty="0"/>
+                  <a:t>..)</a:t>
+                </a:r>
+              </a:p>
+              <a:p>
+                <a:pPr lvl="1"/>
+                <a:r>
+                  <a:rPr lang="ja-JP" altLang="en-US"/>
+                  <a:t>強化学習を安定して進める工夫</a:t>
+                </a:r>
+                <a:r>
+                  <a:rPr lang="en-US" altLang="ja-JP" dirty="0"/>
+                  <a:t>(actor</a:t>
+                </a:r>
+                <a:r>
+                  <a:rPr lang="ja-JP" altLang="en-US"/>
+                  <a:t>を分離して</a:t>
+                </a:r>
+                <a:r>
+                  <a:rPr lang="en-US" altLang="ja-JP" dirty="0"/>
+                  <a:t>, </a:t>
+                </a:r>
+                <a:r>
+                  <a:rPr lang="ja-JP" altLang="en-US"/>
+                  <a:t>別々に学習率を決めるもの</a:t>
+                </a:r>
+                <a:r>
+                  <a:rPr lang="en-US" altLang="ja-JP" dirty="0"/>
+                  <a:t>)</a:t>
+                </a:r>
+                <a:r>
+                  <a:rPr lang="ja-JP" altLang="en-US"/>
+                  <a:t>の理論的な裏付け</a:t>
+                </a:r>
+                <a:endParaRPr lang="en-US" altLang="ja-JP" dirty="0"/>
+              </a:p>
+              <a:p>
+                <a:pPr lvl="2"/>
+                <a:r>
+                  <a:rPr lang="ja-JP" altLang="en-US"/>
+                  <a:t>入力と通信間隔の変化に対する</a:t>
+                </a:r>
+                <a:r>
+                  <a:rPr lang="en-US" altLang="ja-JP" dirty="0"/>
+                  <a:t>, </a:t>
+                </a:r>
+                <a:r>
+                  <a:rPr lang="ja-JP" altLang="en-US"/>
+                  <a:t>状態</a:t>
+                </a:r>
+                <a14:m>
+                  <m:oMath xmlns:m="http://schemas.openxmlformats.org/officeDocument/2006/math">
+                    <m:r>
+                      <a:rPr lang="en-US" altLang="ja-JP" b="0" i="1" smtClean="0">
+                        <a:latin typeface="Cambria Math" panose="02040503050406030204" pitchFamily="18" charset="0"/>
+                      </a:rPr>
+                      <m:t>𝑠</m:t>
+                    </m:r>
+                  </m:oMath>
+                </a14:m>
+                <a:r>
+                  <a:rPr lang="ja-JP" altLang="en-US"/>
+                  <a:t>の変化の大きさの解析</a:t>
+                </a:r>
+                <a:endParaRPr lang="en-US" altLang="ja-JP" dirty="0"/>
+              </a:p>
+              <a:p>
+                <a:pPr lvl="1"/>
+                <a:endParaRPr kumimoji="1" lang="ja-JP" altLang="en-US"/>
+              </a:p>
+            </p:txBody>
+          </p:sp>
+        </mc:Choice>
+        <mc:Fallback>
+          <p:sp>
+            <p:nvSpPr>
+              <p:cNvPr id="2" name="コンテンツ プレースホルダー 1">
+                <a:extLst>
+                  <a:ext uri="{FF2B5EF4-FFF2-40B4-BE49-F238E27FC236}">
+                    <a16:creationId xmlns:a16="http://schemas.microsoft.com/office/drawing/2014/main" id="{A98D224F-17E8-D840-9339-44D9DBCE1D5F}"/>
+                  </a:ext>
+                </a:extLst>
+              </p:cNvPr>
+              <p:cNvSpPr>
+                <a:spLocks noGrp="1" noRot="1" noChangeAspect="1" noMove="1" noResize="1" noEditPoints="1" noAdjustHandles="1" noChangeArrowheads="1" noChangeShapeType="1" noTextEdit="1"/>
+              </p:cNvSpPr>
+              <p:nvPr>
+                <p:ph idx="1"/>
+              </p:nvPr>
+            </p:nvSpPr>
+            <p:spPr>
+              <a:blipFill>
+                <a:blip r:embed="rId2"/>
+                <a:stretch>
+                  <a:fillRect l="-598" t="-1519"/>
+                </a:stretch>
+              </a:blipFill>
+            </p:spPr>
+            <p:txBody>
+              <a:bodyPr/>
+              <a:lstStyle/>
+              <a:p>
+                <a:r>
+                  <a:rPr lang="ja-JP" altLang="en-US">
+                    <a:noFill/>
+                  </a:rPr>
+                  <a:t> </a:t>
+                </a:r>
+              </a:p>
+            </p:txBody>
+          </p:sp>
+        </mc:Fallback>
+      </mc:AlternateContent>
+      <p:sp>
+        <p:nvSpPr>
+          <p:cNvPr id="3" name="日付プレースホルダー 2">
+            <a:extLst>
+              <a:ext uri="{FF2B5EF4-FFF2-40B4-BE49-F238E27FC236}">
+                <a16:creationId xmlns:a16="http://schemas.microsoft.com/office/drawing/2014/main" id="{EA175F23-8879-C745-AD18-0E139884C1FA}"/>
+              </a:ext>
+            </a:extLst>
+          </p:cNvPr>
+          <p:cNvSpPr>
+            <a:spLocks noGrp="1"/>
+          </p:cNvSpPr>
+          <p:nvPr>
+            <p:ph type="dt" sz="half" idx="10"/>
+          </p:nvPr>
+        </p:nvSpPr>
+        <p:spPr/>
+        <p:txBody>
+          <a:bodyPr/>
+          <a:lstStyle/>
+          <a:p>
+            <a:fld id="{90235FA2-C49A-5C4F-85BF-B1D7D24C5B31}" type="datetime1">
+              <a:rPr kumimoji="1" lang="ja-JP" altLang="en-US" smtClean="0"/>
+              <a:t>2020/12/28</a:t>
+            </a:fld>
+            <a:endParaRPr kumimoji="1" lang="ja-JP" altLang="en-US"/>
+          </a:p>
+        </p:txBody>
+      </p:sp>
+      <p:sp>
+        <p:nvSpPr>
+          <p:cNvPr id="4" name="フッター プレースホルダー 3">
+            <a:extLst>
+              <a:ext uri="{FF2B5EF4-FFF2-40B4-BE49-F238E27FC236}">
+                <a16:creationId xmlns:a16="http://schemas.microsoft.com/office/drawing/2014/main" id="{13179F5C-3581-2543-ABDC-9F640FD4959E}"/>
+              </a:ext>
+            </a:extLst>
+          </p:cNvPr>
+          <p:cNvSpPr>
+            <a:spLocks noGrp="1"/>
+          </p:cNvSpPr>
+          <p:nvPr>
+            <p:ph type="ftr" sz="quarter" idx="11"/>
+          </p:nvPr>
+        </p:nvSpPr>
+        <p:spPr/>
+        <p:txBody>
+          <a:bodyPr/>
+          <a:lstStyle/>
+          <a:p>
+            <a:r>
+              <a:rPr kumimoji="1" lang="en-US" altLang="ja-JP" dirty="0"/>
+              <a:t>Control System Theory Group</a:t>
+            </a:r>
+            <a:endParaRPr kumimoji="1" lang="ja-JP" altLang="en-US"/>
+          </a:p>
+        </p:txBody>
+      </p:sp>
+      <p:sp>
+        <p:nvSpPr>
+          <p:cNvPr id="5" name="タイトル 4">
+            <a:extLst>
+              <a:ext uri="{FF2B5EF4-FFF2-40B4-BE49-F238E27FC236}">
+                <a16:creationId xmlns:a16="http://schemas.microsoft.com/office/drawing/2014/main" id="{6FF190CF-16CC-E54C-AFC8-5A0A4BA50E1E}"/>
+              </a:ext>
+            </a:extLst>
+          </p:cNvPr>
+          <p:cNvSpPr>
+            <a:spLocks noGrp="1"/>
+          </p:cNvSpPr>
+          <p:nvPr>
+            <p:ph type="title"/>
+          </p:nvPr>
+        </p:nvSpPr>
+        <p:spPr/>
+        <p:txBody>
+          <a:bodyPr/>
+          <a:lstStyle/>
+          <a:p>
+            <a:r>
+              <a:rPr kumimoji="1" lang="ja-JP" altLang="en-US"/>
+              <a:t>証明されていること</a:t>
+            </a:r>
+          </a:p>
+        </p:txBody>
+      </p:sp>
+    </p:spTree>
+    <p:extLst>
+      <p:ext uri="{BB962C8B-B14F-4D97-AF65-F5344CB8AC3E}">
+        <p14:creationId xmlns:p14="http://schemas.microsoft.com/office/powerpoint/2010/main" val="1787029129"/>
+      </p:ext>
+    </p:extLst>
+  </p:cSld>
+  <p:clrMapOvr>
+    <a:masterClrMapping/>
+  </p:clrMapOvr>
+</p:sld>
+</file>
+
+<file path=ppt/slides/slide4.xml><?xml version="1.0" encoding="utf-8"?>
 <p:sld xmlns:a="http://schemas.openxmlformats.org/drawingml/2006/main" xmlns:r="http://schemas.openxmlformats.org/officeDocument/2006/relationships" xmlns:p="http://schemas.openxmlformats.org/presentationml/2006/main">
   <p:cSld>
     <p:spTree>
@@ -5862,7 +6134,7 @@
           <a:p>
             <a:fld id="{90235FA2-C49A-5C4F-85BF-B1D7D24C5B31}" type="datetime1">
               <a:rPr kumimoji="1" lang="ja-JP" altLang="en-US" smtClean="0"/>
-              <a:t>2020/12/22</a:t>
+              <a:t>2020/12/26</a:t>
             </a:fld>
             <a:endParaRPr kumimoji="1" lang="ja-JP" altLang="en-US"/>
           </a:p>
@@ -6018,301 +6290,6 @@
     <p:extLst>
       <p:ext uri="{BB962C8B-B14F-4D97-AF65-F5344CB8AC3E}">
         <p14:creationId xmlns:p14="http://schemas.microsoft.com/office/powerpoint/2010/main" val="1334248386"/>
-      </p:ext>
-    </p:extLst>
-  </p:cSld>
-  <p:clrMapOvr>
-    <a:masterClrMapping/>
-  </p:clrMapOvr>
-</p:sld>
-</file>
-
-<file path=ppt/slides/slide4.xml><?xml version="1.0" encoding="utf-8"?>
-<p:sld xmlns:a="http://schemas.openxmlformats.org/drawingml/2006/main" xmlns:r="http://schemas.openxmlformats.org/officeDocument/2006/relationships" xmlns:p="http://schemas.openxmlformats.org/presentationml/2006/main">
-  <p:cSld>
-    <p:spTree>
-      <p:nvGrpSpPr>
-        <p:cNvPr id="1" name=""/>
-        <p:cNvGrpSpPr/>
-        <p:nvPr/>
-      </p:nvGrpSpPr>
-      <p:grpSpPr>
-        <a:xfrm>
-          <a:off x="0" y="0"/>
-          <a:ext cx="0" cy="0"/>
-          <a:chOff x="0" y="0"/>
-          <a:chExt cx="0" cy="0"/>
-        </a:xfrm>
-      </p:grpSpPr>
-      <p:sp>
-        <p:nvSpPr>
-          <p:cNvPr id="2" name="コンテンツ プレースホルダー 1">
-            <a:extLst>
-              <a:ext uri="{FF2B5EF4-FFF2-40B4-BE49-F238E27FC236}">
-                <a16:creationId xmlns:a16="http://schemas.microsoft.com/office/drawing/2014/main" id="{DEB61ED1-74F2-974B-BC51-57321F95AE74}"/>
-              </a:ext>
-            </a:extLst>
-          </p:cNvPr>
-          <p:cNvSpPr>
-            <a:spLocks noGrp="1"/>
-          </p:cNvSpPr>
-          <p:nvPr>
-            <p:ph idx="1"/>
-          </p:nvPr>
-        </p:nvSpPr>
-        <p:spPr/>
-        <p:txBody>
-          <a:bodyPr/>
-          <a:lstStyle/>
-          <a:p>
-            <a:pPr marL="0" indent="0">
-              <a:buNone/>
-            </a:pPr>
-            <a:r>
-              <a:rPr kumimoji="1" lang="ja-JP" altLang="en-US"/>
-              <a:t>タイトル</a:t>
-            </a:r>
-            <a:r>
-              <a:rPr kumimoji="1" lang="en-US" altLang="ja-JP" dirty="0"/>
-              <a:t>: </a:t>
-            </a:r>
-            <a:r>
-              <a:rPr kumimoji="1" lang="ja-JP" altLang="en-US"/>
-              <a:t>最適セルフトリガー制御問題に対する強化学習</a:t>
-            </a:r>
-            <a:endParaRPr kumimoji="1" lang="en-US" altLang="ja-JP" dirty="0"/>
-          </a:p>
-          <a:p>
-            <a:pPr marL="457200" indent="-457200">
-              <a:buAutoNum type="arabicPeriod"/>
-            </a:pPr>
-            <a:endParaRPr lang="en-US" altLang="ja-JP" dirty="0"/>
-          </a:p>
-          <a:p>
-            <a:pPr marL="457200" indent="-457200">
-              <a:buAutoNum type="arabicPeriod"/>
-            </a:pPr>
-            <a:r>
-              <a:rPr kumimoji="1" lang="ja-JP" altLang="en-US"/>
-              <a:t>はじめに</a:t>
-            </a:r>
-            <a:endParaRPr kumimoji="1" lang="en-US" altLang="ja-JP" dirty="0"/>
-          </a:p>
-          <a:p>
-            <a:pPr marL="457200" indent="-457200">
-              <a:buAutoNum type="arabicPeriod"/>
-            </a:pPr>
-            <a:r>
-              <a:rPr lang="ja-JP" altLang="en-US"/>
-              <a:t>強化学習・深層強化学習</a:t>
-            </a:r>
-            <a:endParaRPr lang="en-US" altLang="ja-JP" dirty="0"/>
-          </a:p>
-          <a:p>
-            <a:pPr marL="457200" indent="-457200">
-              <a:buAutoNum type="arabicPeriod"/>
-            </a:pPr>
-            <a:r>
-              <a:rPr kumimoji="1" lang="ja-JP" altLang="en-US"/>
-              <a:t>問題設定</a:t>
-            </a:r>
-            <a:endParaRPr kumimoji="1" lang="en-US" altLang="ja-JP" dirty="0"/>
-          </a:p>
-          <a:p>
-            <a:pPr marL="457200" indent="-457200">
-              <a:buAutoNum type="arabicPeriod"/>
-            </a:pPr>
-            <a:r>
-              <a:rPr kumimoji="1" lang="ja-JP" altLang="en-US"/>
-              <a:t>強化学習による解法</a:t>
-            </a:r>
-            <a:r>
-              <a:rPr kumimoji="1" lang="en-US" altLang="ja-JP" dirty="0"/>
-              <a:t>(?)</a:t>
-            </a:r>
-          </a:p>
-          <a:p>
-            <a:pPr marL="457200" lvl="1" indent="0">
-              <a:buNone/>
-            </a:pPr>
-            <a:r>
-              <a:rPr lang="en-US" altLang="ja-JP" dirty="0"/>
-              <a:t>	</a:t>
-            </a:r>
-            <a:r>
-              <a:rPr lang="ja-JP" altLang="en-US"/>
-              <a:t>モデルフリーでやった時の結果</a:t>
-            </a:r>
-            <a:endParaRPr kumimoji="1" lang="en-US" altLang="ja-JP" dirty="0"/>
-          </a:p>
-          <a:p>
-            <a:pPr marL="457200" lvl="1" indent="0">
-              <a:buNone/>
-            </a:pPr>
-            <a:r>
-              <a:rPr kumimoji="1" lang="en-US" altLang="ja-JP" dirty="0"/>
-              <a:t>	</a:t>
-            </a:r>
-            <a:r>
-              <a:rPr kumimoji="1" lang="ja-JP" altLang="en-US">
-                <a:solidFill>
-                  <a:srgbClr val="FF0000"/>
-                </a:solidFill>
-              </a:rPr>
-              <a:t>工夫</a:t>
-            </a:r>
-            <a:endParaRPr kumimoji="1" lang="en-US" altLang="ja-JP" dirty="0">
-              <a:solidFill>
-                <a:srgbClr val="FF0000"/>
-              </a:solidFill>
-            </a:endParaRPr>
-          </a:p>
-          <a:p>
-            <a:pPr marL="457200" lvl="1" indent="0">
-              <a:buNone/>
-            </a:pPr>
-            <a:r>
-              <a:rPr lang="en-US" altLang="ja-JP" dirty="0"/>
-              <a:t>	</a:t>
-            </a:r>
-            <a:r>
-              <a:rPr lang="ja-JP" altLang="en-US"/>
-              <a:t>収束性の証明</a:t>
-            </a:r>
-            <a:endParaRPr lang="en-US" altLang="ja-JP" dirty="0"/>
-          </a:p>
-          <a:p>
-            <a:pPr marL="457200" lvl="1" indent="0">
-              <a:buNone/>
-            </a:pPr>
-            <a:r>
-              <a:rPr kumimoji="1" lang="en-US" altLang="ja-JP" dirty="0"/>
-              <a:t>	</a:t>
-            </a:r>
-            <a:r>
-              <a:rPr kumimoji="1" lang="ja-JP" altLang="en-US"/>
-              <a:t>性能評価</a:t>
-            </a:r>
-            <a:endParaRPr kumimoji="1" lang="en-US" altLang="ja-JP" dirty="0"/>
-          </a:p>
-          <a:p>
-            <a:pPr marL="457200" indent="-457200">
-              <a:buAutoNum type="arabicPeriod"/>
-            </a:pPr>
-            <a:r>
-              <a:rPr lang="ja-JP" altLang="en-US"/>
-              <a:t>関連研究との比較</a:t>
-            </a:r>
-            <a:endParaRPr lang="en-US" altLang="ja-JP" dirty="0"/>
-          </a:p>
-          <a:p>
-            <a:pPr marL="457200" indent="-457200">
-              <a:buAutoNum type="arabicPeriod"/>
-            </a:pPr>
-            <a:r>
-              <a:rPr kumimoji="1" lang="ja-JP" altLang="en-US"/>
-              <a:t>まとめ</a:t>
-            </a:r>
-            <a:endParaRPr kumimoji="1" lang="en-US" altLang="ja-JP" dirty="0"/>
-          </a:p>
-          <a:p>
-            <a:pPr marL="457200" indent="-457200">
-              <a:buAutoNum type="arabicPeriod"/>
-            </a:pPr>
-            <a:endParaRPr kumimoji="1" lang="ja-JP" altLang="en-US"/>
-          </a:p>
-        </p:txBody>
-      </p:sp>
-      <p:sp>
-        <p:nvSpPr>
-          <p:cNvPr id="3" name="日付プレースホルダー 2">
-            <a:extLst>
-              <a:ext uri="{FF2B5EF4-FFF2-40B4-BE49-F238E27FC236}">
-                <a16:creationId xmlns:a16="http://schemas.microsoft.com/office/drawing/2014/main" id="{CB75D222-28C3-0740-8EC2-44CBF31ECDD3}"/>
-              </a:ext>
-            </a:extLst>
-          </p:cNvPr>
-          <p:cNvSpPr>
-            <a:spLocks noGrp="1"/>
-          </p:cNvSpPr>
-          <p:nvPr>
-            <p:ph type="dt" sz="half" idx="10"/>
-          </p:nvPr>
-        </p:nvSpPr>
-        <p:spPr/>
-        <p:txBody>
-          <a:bodyPr/>
-          <a:lstStyle/>
-          <a:p>
-            <a:fld id="{90235FA2-C49A-5C4F-85BF-B1D7D24C5B31}" type="datetime1">
-              <a:rPr kumimoji="1" lang="ja-JP" altLang="en-US" smtClean="0"/>
-              <a:t>2020/12/22</a:t>
-            </a:fld>
-            <a:endParaRPr kumimoji="1" lang="ja-JP" altLang="en-US"/>
-          </a:p>
-        </p:txBody>
-      </p:sp>
-      <p:sp>
-        <p:nvSpPr>
-          <p:cNvPr id="4" name="フッター プレースホルダー 3">
-            <a:extLst>
-              <a:ext uri="{FF2B5EF4-FFF2-40B4-BE49-F238E27FC236}">
-                <a16:creationId xmlns:a16="http://schemas.microsoft.com/office/drawing/2014/main" id="{E1C807E1-F004-6642-976F-41E93725331F}"/>
-              </a:ext>
-            </a:extLst>
-          </p:cNvPr>
-          <p:cNvSpPr>
-            <a:spLocks noGrp="1"/>
-          </p:cNvSpPr>
-          <p:nvPr>
-            <p:ph type="ftr" sz="quarter" idx="11"/>
-          </p:nvPr>
-        </p:nvSpPr>
-        <p:spPr/>
-        <p:txBody>
-          <a:bodyPr/>
-          <a:lstStyle/>
-          <a:p>
-            <a:r>
-              <a:rPr kumimoji="1" lang="en-US" altLang="ja-JP"/>
-              <a:t>Control System Theory Group</a:t>
-            </a:r>
-            <a:endParaRPr kumimoji="1" lang="ja-JP" altLang="en-US"/>
-          </a:p>
-        </p:txBody>
-      </p:sp>
-      <p:sp>
-        <p:nvSpPr>
-          <p:cNvPr id="5" name="タイトル 4">
-            <a:extLst>
-              <a:ext uri="{FF2B5EF4-FFF2-40B4-BE49-F238E27FC236}">
-                <a16:creationId xmlns:a16="http://schemas.microsoft.com/office/drawing/2014/main" id="{6BDB0503-5498-F645-8634-534C73F53F62}"/>
-              </a:ext>
-            </a:extLst>
-          </p:cNvPr>
-          <p:cNvSpPr>
-            <a:spLocks noGrp="1"/>
-          </p:cNvSpPr>
-          <p:nvPr>
-            <p:ph type="title"/>
-          </p:nvPr>
-        </p:nvSpPr>
-        <p:spPr/>
-        <p:txBody>
-          <a:bodyPr/>
-          <a:lstStyle/>
-          <a:p>
-            <a:r>
-              <a:rPr kumimoji="1" lang="ja-JP" altLang="en-US"/>
-              <a:t>修論の流れ</a:t>
-            </a:r>
-          </a:p>
-        </p:txBody>
-      </p:sp>
-    </p:spTree>
-    <p:extLst>
-      <p:ext uri="{BB962C8B-B14F-4D97-AF65-F5344CB8AC3E}">
-        <p14:creationId xmlns:p14="http://schemas.microsoft.com/office/powerpoint/2010/main" val="992765756"/>
       </p:ext>
     </p:extLst>
   </p:cSld>
@@ -6339,8 +6316,303 @@
           <a:chExt cx="0" cy="0"/>
         </a:xfrm>
       </p:grpSpPr>
-      <mc:AlternateContent xmlns:mc="http://schemas.openxmlformats.org/markup-compatibility/2006" xmlns:a14="http://schemas.microsoft.com/office/drawing/2010/main">
-        <mc:Choice Requires="a14">
+      <p:sp>
+        <p:nvSpPr>
+          <p:cNvPr id="2" name="コンテンツ プレースホルダー 1">
+            <a:extLst>
+              <a:ext uri="{FF2B5EF4-FFF2-40B4-BE49-F238E27FC236}">
+                <a16:creationId xmlns:a16="http://schemas.microsoft.com/office/drawing/2014/main" id="{DEB61ED1-74F2-974B-BC51-57321F95AE74}"/>
+              </a:ext>
+            </a:extLst>
+          </p:cNvPr>
+          <p:cNvSpPr>
+            <a:spLocks noGrp="1"/>
+          </p:cNvSpPr>
+          <p:nvPr>
+            <p:ph idx="1"/>
+          </p:nvPr>
+        </p:nvSpPr>
+        <p:spPr/>
+        <p:txBody>
+          <a:bodyPr/>
+          <a:lstStyle/>
+          <a:p>
+            <a:pPr marL="0" indent="0">
+              <a:buNone/>
+            </a:pPr>
+            <a:r>
+              <a:rPr kumimoji="1" lang="ja-JP" altLang="en-US"/>
+              <a:t>タイトル</a:t>
+            </a:r>
+            <a:r>
+              <a:rPr kumimoji="1" lang="en-US" altLang="ja-JP" dirty="0"/>
+              <a:t>: </a:t>
+            </a:r>
+            <a:r>
+              <a:rPr kumimoji="1" lang="ja-JP" altLang="en-US"/>
+              <a:t>最適セルフトリガー制御問題に対する強化学習</a:t>
+            </a:r>
+            <a:endParaRPr kumimoji="1" lang="en-US" altLang="ja-JP" dirty="0"/>
+          </a:p>
+          <a:p>
+            <a:pPr marL="457200" indent="-457200">
+              <a:buAutoNum type="arabicPeriod"/>
+            </a:pPr>
+            <a:endParaRPr lang="en-US" altLang="ja-JP" dirty="0"/>
+          </a:p>
+          <a:p>
+            <a:pPr marL="457200" indent="-457200">
+              <a:buAutoNum type="arabicPeriod"/>
+            </a:pPr>
+            <a:r>
+              <a:rPr kumimoji="1" lang="ja-JP" altLang="en-US"/>
+              <a:t>はじめに</a:t>
+            </a:r>
+            <a:endParaRPr kumimoji="1" lang="en-US" altLang="ja-JP" dirty="0"/>
+          </a:p>
+          <a:p>
+            <a:pPr marL="457200" indent="-457200">
+              <a:buAutoNum type="arabicPeriod"/>
+            </a:pPr>
+            <a:r>
+              <a:rPr lang="ja-JP" altLang="en-US"/>
+              <a:t>強化学習・深層強化学習</a:t>
+            </a:r>
+            <a:endParaRPr lang="en-US" altLang="ja-JP" dirty="0"/>
+          </a:p>
+          <a:p>
+            <a:pPr marL="457200" indent="-457200">
+              <a:buAutoNum type="arabicPeriod"/>
+            </a:pPr>
+            <a:r>
+              <a:rPr kumimoji="1" lang="ja-JP" altLang="en-US"/>
+              <a:t>問題設定</a:t>
+            </a:r>
+            <a:endParaRPr kumimoji="1" lang="en-US" altLang="ja-JP" dirty="0"/>
+          </a:p>
+          <a:p>
+            <a:pPr marL="457200" indent="-457200">
+              <a:buAutoNum type="arabicPeriod"/>
+            </a:pPr>
+            <a:r>
+              <a:rPr kumimoji="1" lang="ja-JP" altLang="en-US"/>
+              <a:t>強化学習による解法</a:t>
+            </a:r>
+            <a:r>
+              <a:rPr kumimoji="1" lang="en-US" altLang="ja-JP" dirty="0"/>
+              <a:t>(?)</a:t>
+            </a:r>
+          </a:p>
+          <a:p>
+            <a:pPr marL="457200" lvl="1" indent="0">
+              <a:buNone/>
+            </a:pPr>
+            <a:r>
+              <a:rPr lang="en-US" altLang="ja-JP" dirty="0"/>
+              <a:t>	</a:t>
+            </a:r>
+            <a:r>
+              <a:rPr lang="ja-JP" altLang="en-US"/>
+              <a:t>モデルフリーでやった時の結果</a:t>
+            </a:r>
+            <a:endParaRPr kumimoji="1" lang="en-US" altLang="ja-JP" dirty="0"/>
+          </a:p>
+          <a:p>
+            <a:pPr marL="457200" lvl="1" indent="0">
+              <a:buNone/>
+            </a:pPr>
+            <a:r>
+              <a:rPr kumimoji="1" lang="en-US" altLang="ja-JP" dirty="0"/>
+              <a:t>	</a:t>
+            </a:r>
+            <a:r>
+              <a:rPr kumimoji="1" lang="ja-JP" altLang="en-US">
+                <a:solidFill>
+                  <a:srgbClr val="FF0000"/>
+                </a:solidFill>
+              </a:rPr>
+              <a:t>工夫</a:t>
+            </a:r>
+            <a:endParaRPr kumimoji="1" lang="en-US" altLang="ja-JP" dirty="0">
+              <a:solidFill>
+                <a:srgbClr val="FF0000"/>
+              </a:solidFill>
+            </a:endParaRPr>
+          </a:p>
+          <a:p>
+            <a:pPr marL="457200" lvl="1" indent="0">
+              <a:buNone/>
+            </a:pPr>
+            <a:r>
+              <a:rPr lang="en-US" altLang="ja-JP" dirty="0"/>
+              <a:t>	</a:t>
+            </a:r>
+            <a:r>
+              <a:rPr lang="ja-JP" altLang="en-US"/>
+              <a:t>収束性の証明</a:t>
+            </a:r>
+            <a:endParaRPr lang="en-US" altLang="ja-JP" dirty="0"/>
+          </a:p>
+          <a:p>
+            <a:pPr marL="457200" lvl="1" indent="0">
+              <a:buNone/>
+            </a:pPr>
+            <a:r>
+              <a:rPr kumimoji="1" lang="en-US" altLang="ja-JP" dirty="0"/>
+              <a:t>	</a:t>
+            </a:r>
+            <a:r>
+              <a:rPr kumimoji="1" lang="ja-JP" altLang="en-US"/>
+              <a:t>性能評価</a:t>
+            </a:r>
+            <a:endParaRPr kumimoji="1" lang="en-US" altLang="ja-JP" dirty="0"/>
+          </a:p>
+          <a:p>
+            <a:pPr marL="457200" indent="-457200">
+              <a:buAutoNum type="arabicPeriod"/>
+            </a:pPr>
+            <a:r>
+              <a:rPr lang="ja-JP" altLang="en-US"/>
+              <a:t>関連研究との比較</a:t>
+            </a:r>
+            <a:endParaRPr lang="en-US" altLang="ja-JP" dirty="0"/>
+          </a:p>
+          <a:p>
+            <a:pPr marL="457200" indent="-457200">
+              <a:buAutoNum type="arabicPeriod"/>
+            </a:pPr>
+            <a:r>
+              <a:rPr kumimoji="1" lang="ja-JP" altLang="en-US"/>
+              <a:t>まとめ</a:t>
+            </a:r>
+            <a:endParaRPr kumimoji="1" lang="en-US" altLang="ja-JP" dirty="0"/>
+          </a:p>
+          <a:p>
+            <a:pPr marL="457200" indent="-457200">
+              <a:buAutoNum type="arabicPeriod"/>
+            </a:pPr>
+            <a:endParaRPr kumimoji="1" lang="ja-JP" altLang="en-US"/>
+          </a:p>
+        </p:txBody>
+      </p:sp>
+      <p:sp>
+        <p:nvSpPr>
+          <p:cNvPr id="3" name="日付プレースホルダー 2">
+            <a:extLst>
+              <a:ext uri="{FF2B5EF4-FFF2-40B4-BE49-F238E27FC236}">
+                <a16:creationId xmlns:a16="http://schemas.microsoft.com/office/drawing/2014/main" id="{CB75D222-28C3-0740-8EC2-44CBF31ECDD3}"/>
+              </a:ext>
+            </a:extLst>
+          </p:cNvPr>
+          <p:cNvSpPr>
+            <a:spLocks noGrp="1"/>
+          </p:cNvSpPr>
+          <p:nvPr>
+            <p:ph type="dt" sz="half" idx="10"/>
+          </p:nvPr>
+        </p:nvSpPr>
+        <p:spPr/>
+        <p:txBody>
+          <a:bodyPr/>
+          <a:lstStyle/>
+          <a:p>
+            <a:fld id="{90235FA2-C49A-5C4F-85BF-B1D7D24C5B31}" type="datetime1">
+              <a:rPr kumimoji="1" lang="ja-JP" altLang="en-US" smtClean="0"/>
+              <a:t>2020/12/26</a:t>
+            </a:fld>
+            <a:endParaRPr kumimoji="1" lang="ja-JP" altLang="en-US"/>
+          </a:p>
+        </p:txBody>
+      </p:sp>
+      <p:sp>
+        <p:nvSpPr>
+          <p:cNvPr id="4" name="フッター プレースホルダー 3">
+            <a:extLst>
+              <a:ext uri="{FF2B5EF4-FFF2-40B4-BE49-F238E27FC236}">
+                <a16:creationId xmlns:a16="http://schemas.microsoft.com/office/drawing/2014/main" id="{E1C807E1-F004-6642-976F-41E93725331F}"/>
+              </a:ext>
+            </a:extLst>
+          </p:cNvPr>
+          <p:cNvSpPr>
+            <a:spLocks noGrp="1"/>
+          </p:cNvSpPr>
+          <p:nvPr>
+            <p:ph type="ftr" sz="quarter" idx="11"/>
+          </p:nvPr>
+        </p:nvSpPr>
+        <p:spPr/>
+        <p:txBody>
+          <a:bodyPr/>
+          <a:lstStyle/>
+          <a:p>
+            <a:r>
+              <a:rPr kumimoji="1" lang="en-US" altLang="ja-JP"/>
+              <a:t>Control System Theory Group</a:t>
+            </a:r>
+            <a:endParaRPr kumimoji="1" lang="ja-JP" altLang="en-US"/>
+          </a:p>
+        </p:txBody>
+      </p:sp>
+      <p:sp>
+        <p:nvSpPr>
+          <p:cNvPr id="5" name="タイトル 4">
+            <a:extLst>
+              <a:ext uri="{FF2B5EF4-FFF2-40B4-BE49-F238E27FC236}">
+                <a16:creationId xmlns:a16="http://schemas.microsoft.com/office/drawing/2014/main" id="{6BDB0503-5498-F645-8634-534C73F53F62}"/>
+              </a:ext>
+            </a:extLst>
+          </p:cNvPr>
+          <p:cNvSpPr>
+            <a:spLocks noGrp="1"/>
+          </p:cNvSpPr>
+          <p:nvPr>
+            <p:ph type="title"/>
+          </p:nvPr>
+        </p:nvSpPr>
+        <p:spPr/>
+        <p:txBody>
+          <a:bodyPr/>
+          <a:lstStyle/>
+          <a:p>
+            <a:r>
+              <a:rPr kumimoji="1" lang="ja-JP" altLang="en-US"/>
+              <a:t>修論の流れ</a:t>
+            </a:r>
+          </a:p>
+        </p:txBody>
+      </p:sp>
+    </p:spTree>
+    <p:extLst>
+      <p:ext uri="{BB962C8B-B14F-4D97-AF65-F5344CB8AC3E}">
+        <p14:creationId xmlns:p14="http://schemas.microsoft.com/office/powerpoint/2010/main" val="992765756"/>
+      </p:ext>
+    </p:extLst>
+  </p:cSld>
+  <p:clrMapOvr>
+    <a:masterClrMapping/>
+  </p:clrMapOvr>
+</p:sld>
+</file>
+
+<file path=ppt/slides/slide6.xml><?xml version="1.0" encoding="utf-8"?>
+<p:sld xmlns:a="http://schemas.openxmlformats.org/drawingml/2006/main" xmlns:r="http://schemas.openxmlformats.org/officeDocument/2006/relationships" xmlns:p="http://schemas.openxmlformats.org/presentationml/2006/main">
+  <p:cSld>
+    <p:spTree>
+      <p:nvGrpSpPr>
+        <p:cNvPr id="1" name=""/>
+        <p:cNvGrpSpPr/>
+        <p:nvPr/>
+      </p:nvGrpSpPr>
+      <p:grpSpPr>
+        <a:xfrm>
+          <a:off x="0" y="0"/>
+          <a:ext cx="0" cy="0"/>
+          <a:chOff x="0" y="0"/>
+          <a:chExt cx="0" cy="0"/>
+        </a:xfrm>
+      </p:grpSpPr>
+      <mc:AlternateContent xmlns:mc="http://schemas.openxmlformats.org/markup-compatibility/2006">
+        <mc:Choice xmlns:a14="http://schemas.microsoft.com/office/drawing/2010/main" Requires="a14">
           <p:sp>
             <p:nvSpPr>
               <p:cNvPr id="2" name="コンテンツ プレースホルダー 1">
@@ -6458,110 +6730,27 @@
                   <a:rPr lang="ja-JP" altLang="en-US"/>
                   <a:t>収束性を考える</a:t>
                 </a:r>
-                <a:endParaRPr lang="en-US" altLang="ja-JP" i="1" dirty="0">
-                  <a:latin typeface="Cambria Math" panose="02040503050406030204" pitchFamily="18" charset="0"/>
-                </a:endParaRPr>
+                <a:endParaRPr lang="en-US" altLang="ja-JP" dirty="0"/>
               </a:p>
               <a:p>
-                <a:pPr marL="457200" indent="-457200">
+                <a:pPr marL="914400" lvl="1" indent="-457200">
                   <a:buFont typeface="Arial" panose="020B0604020202020204" pitchFamily="34" charset="0"/>
                   <a:buAutoNum type="arabicPeriod"/>
                 </a:pPr>
-                <a:endParaRPr lang="en-US" altLang="ja-JP" i="1" dirty="0">
-                  <a:latin typeface="Cambria Math" panose="02040503050406030204" pitchFamily="18" charset="0"/>
-                </a:endParaRPr>
-              </a:p>
-              <a:p>
-                <a:pPr marL="457200" indent="-457200">
-                  <a:buFont typeface="Arial" panose="020B0604020202020204" pitchFamily="34" charset="0"/>
-                  <a:buAutoNum type="arabicPeriod"/>
-                </a:pPr>
                 <a:r>
                   <a:rPr lang="en-US" altLang="ja-JP" dirty="0"/>
-                  <a:t> </a:t>
-                </a:r>
-                <a14:m>
-                  <m:oMath xmlns:m="http://schemas.openxmlformats.org/officeDocument/2006/math">
-                    <m:sSup>
-                      <m:sSupPr>
-                        <m:ctrlPr>
-                          <a:rPr lang="en-US" altLang="ja-JP" i="1">
-                            <a:latin typeface="Cambria Math" panose="02040503050406030204" pitchFamily="18" charset="0"/>
-                          </a:rPr>
-                        </m:ctrlPr>
-                      </m:sSupPr>
-                      <m:e>
-                        <m:r>
-                          <a:rPr lang="en-US" altLang="ja-JP" i="1">
-                            <a:latin typeface="Cambria Math" panose="02040503050406030204" pitchFamily="18" charset="0"/>
-                          </a:rPr>
-                          <m:t>𝑄</m:t>
-                        </m:r>
-                      </m:e>
-                      <m:sup>
-                        <m:r>
-                          <a:rPr lang="en-US" altLang="ja-JP" i="1">
-                            <a:latin typeface="Cambria Math" panose="02040503050406030204" pitchFamily="18" charset="0"/>
-                            <a:ea typeface="Cambria Math" panose="02040503050406030204" pitchFamily="18" charset="0"/>
-                          </a:rPr>
-                          <m:t>𝜋</m:t>
-                        </m:r>
-                      </m:sup>
-                    </m:sSup>
-                    <m:r>
-                      <a:rPr lang="en-US" altLang="ja-JP" i="1">
-                        <a:latin typeface="Cambria Math" panose="02040503050406030204" pitchFamily="18" charset="0"/>
-                        <a:ea typeface="Cambria Math" panose="02040503050406030204" pitchFamily="18" charset="0"/>
-                      </a:rPr>
-                      <m:t>(</m:t>
-                    </m:r>
-                    <m:r>
-                      <a:rPr lang="en-US" altLang="ja-JP" i="1">
-                        <a:latin typeface="Cambria Math" panose="02040503050406030204" pitchFamily="18" charset="0"/>
-                        <a:ea typeface="Cambria Math" panose="02040503050406030204" pitchFamily="18" charset="0"/>
-                      </a:rPr>
-                      <m:t>𝑠</m:t>
-                    </m:r>
-                    <m:r>
-                      <a:rPr lang="en-US" altLang="ja-JP" i="1">
-                        <a:latin typeface="Cambria Math" panose="02040503050406030204" pitchFamily="18" charset="0"/>
-                        <a:ea typeface="Cambria Math" panose="02040503050406030204" pitchFamily="18" charset="0"/>
-                      </a:rPr>
-                      <m:t>,</m:t>
-                    </m:r>
-                    <m:r>
-                      <a:rPr lang="en-US" altLang="ja-JP" i="1">
-                        <a:latin typeface="Cambria Math" panose="02040503050406030204" pitchFamily="18" charset="0"/>
-                        <a:ea typeface="Cambria Math" panose="02040503050406030204" pitchFamily="18" charset="0"/>
-                      </a:rPr>
-                      <m:t>𝑎</m:t>
-                    </m:r>
-                    <m:r>
-                      <a:rPr lang="en-US" altLang="ja-JP" i="1">
-                        <a:latin typeface="Cambria Math" panose="02040503050406030204" pitchFamily="18" charset="0"/>
-                        <a:ea typeface="Cambria Math" panose="02040503050406030204" pitchFamily="18" charset="0"/>
-                      </a:rPr>
-                      <m:t>)</m:t>
-                    </m:r>
-                  </m:oMath>
-                </a14:m>
+                  <a:t>TD</a:t>
+                </a:r>
                 <a:r>
                   <a:rPr lang="ja-JP" altLang="en-US"/>
-                  <a:t>の形がセルフトリガー制御特有なのか考える</a:t>
-                </a:r>
-                <a:endParaRPr lang="en-US" altLang="ja-JP" dirty="0"/>
-              </a:p>
-              <a:p>
-                <a:pPr marL="457200" indent="-457200">
-                  <a:buFont typeface="Arial" panose="020B0604020202020204" pitchFamily="34" charset="0"/>
-                  <a:buAutoNum type="arabicPeriod"/>
-                </a:pPr>
+                  <a:t>学習は収束するのか</a:t>
+                </a:r>
                 <a:endParaRPr lang="en-US" altLang="ja-JP" dirty="0"/>
               </a:p>
             </p:txBody>
           </p:sp>
         </mc:Choice>
-        <mc:Fallback xmlns="">
+        <mc:Fallback>
           <p:sp>
             <p:nvSpPr>
               <p:cNvPr id="2" name="コンテンツ プレースホルダー 1">
@@ -6624,7 +6813,7 @@
           <a:p>
             <a:fld id="{90235FA2-C49A-5C4F-85BF-B1D7D24C5B31}" type="datetime1">
               <a:rPr kumimoji="1" lang="ja-JP" altLang="en-US" smtClean="0"/>
-              <a:t>2020/12/22</a:t>
+              <a:t>2020/12/26</a:t>
             </a:fld>
             <a:endParaRPr kumimoji="1" lang="ja-JP" altLang="en-US"/>
           </a:p>

--- a/report.pptx
+++ b/report.pptx
@@ -5,15 +5,14 @@
     <p:sldMasterId id="2147483684" r:id="rId1"/>
   </p:sldMasterIdLst>
   <p:notesMasterIdLst>
-    <p:notesMasterId r:id="rId8"/>
+    <p:notesMasterId r:id="rId7"/>
   </p:notesMasterIdLst>
   <p:sldIdLst>
-    <p:sldId id="289" r:id="rId2"/>
-    <p:sldId id="292" r:id="rId3"/>
-    <p:sldId id="293" r:id="rId4"/>
+    <p:sldId id="294" r:id="rId2"/>
+    <p:sldId id="295" r:id="rId3"/>
+    <p:sldId id="296" r:id="rId4"/>
     <p:sldId id="286" r:id="rId5"/>
     <p:sldId id="290" r:id="rId6"/>
-    <p:sldId id="288" r:id="rId7"/>
   </p:sldIdLst>
   <p:sldSz cx="9144000" cy="6858000" type="screen4x3"/>
   <p:notesSz cx="6858000" cy="9144000"/>
@@ -213,7 +212,7 @@
           <a:p>
             <a:fld id="{4009ACC2-15F4-9549-B7EC-0A2B034E938B}" type="datetimeFigureOut">
               <a:rPr kumimoji="1" lang="ja-JP" altLang="en-US" smtClean="0"/>
-              <a:t>2020/12/26</a:t>
+              <a:t>2021/1/4</a:t>
             </a:fld>
             <a:endParaRPr kumimoji="1" lang="ja-JP" altLang="en-US"/>
           </a:p>
@@ -558,93 +557,6 @@
           <a:p>
             <a:r>
               <a:rPr kumimoji="1" lang="ja-JP" altLang="en-US"/>
-              <a:t>原点以外を見てみたいのはなぜでしたっけ</a:t>
-            </a:r>
-          </a:p>
-        </p:txBody>
-      </p:sp>
-      <p:sp>
-        <p:nvSpPr>
-          <p:cNvPr id="4" name="スライド番号プレースホルダー 3"/>
-          <p:cNvSpPr>
-            <a:spLocks noGrp="1"/>
-          </p:cNvSpPr>
-          <p:nvPr>
-            <p:ph type="sldNum" sz="quarter" idx="5"/>
-          </p:nvPr>
-        </p:nvSpPr>
-        <p:spPr/>
-        <p:txBody>
-          <a:bodyPr/>
-          <a:lstStyle/>
-          <a:p>
-            <a:fld id="{BAC2704F-7F34-5D4A-A451-26A3081CB5EA}" type="slidenum">
-              <a:rPr kumimoji="1" lang="ja-JP" altLang="en-US" smtClean="0"/>
-              <a:t>2</a:t>
-            </a:fld>
-            <a:endParaRPr kumimoji="1" lang="ja-JP" altLang="en-US"/>
-          </a:p>
-        </p:txBody>
-      </p:sp>
-    </p:spTree>
-    <p:extLst>
-      <p:ext uri="{BB962C8B-B14F-4D97-AF65-F5344CB8AC3E}">
-        <p14:creationId xmlns:p14="http://schemas.microsoft.com/office/powerpoint/2010/main" val="4138188649"/>
-      </p:ext>
-    </p:extLst>
-  </p:cSld>
-  <p:clrMapOvr>
-    <a:masterClrMapping/>
-  </p:clrMapOvr>
-</p:notes>
-</file>
-
-<file path=ppt/notesSlides/notesSlide2.xml><?xml version="1.0" encoding="utf-8"?>
-<p:notes xmlns:a="http://schemas.openxmlformats.org/drawingml/2006/main" xmlns:r="http://schemas.openxmlformats.org/officeDocument/2006/relationships" xmlns:p="http://schemas.openxmlformats.org/presentationml/2006/main">
-  <p:cSld>
-    <p:spTree>
-      <p:nvGrpSpPr>
-        <p:cNvPr id="1" name=""/>
-        <p:cNvGrpSpPr/>
-        <p:nvPr/>
-      </p:nvGrpSpPr>
-      <p:grpSpPr>
-        <a:xfrm>
-          <a:off x="0" y="0"/>
-          <a:ext cx="0" cy="0"/>
-          <a:chOff x="0" y="0"/>
-          <a:chExt cx="0" cy="0"/>
-        </a:xfrm>
-      </p:grpSpPr>
-      <p:sp>
-        <p:nvSpPr>
-          <p:cNvPr id="2" name="スライド イメージ プレースホルダー 1"/>
-          <p:cNvSpPr>
-            <a:spLocks noGrp="1" noRot="1" noChangeAspect="1"/>
-          </p:cNvSpPr>
-          <p:nvPr>
-            <p:ph type="sldImg"/>
-          </p:nvPr>
-        </p:nvSpPr>
-        <p:spPr/>
-      </p:sp>
-      <p:sp>
-        <p:nvSpPr>
-          <p:cNvPr id="3" name="ノート プレースホルダー 2"/>
-          <p:cNvSpPr>
-            <a:spLocks noGrp="1"/>
-          </p:cNvSpPr>
-          <p:nvPr>
-            <p:ph type="body" idx="1"/>
-          </p:nvPr>
-        </p:nvSpPr>
-        <p:spPr/>
-        <p:txBody>
-          <a:bodyPr/>
-          <a:lstStyle/>
-          <a:p>
-            <a:r>
-              <a:rPr kumimoji="1" lang="ja-JP" altLang="en-US"/>
               <a:t>状態変化を小さくすれば、より良い報酬を求めて探索していることになるの？？って言われるかもしれない。</a:t>
             </a:r>
           </a:p>
@@ -676,7 +588,7 @@
     </p:spTree>
     <p:extLst>
       <p:ext uri="{BB962C8B-B14F-4D97-AF65-F5344CB8AC3E}">
-        <p14:creationId xmlns:p14="http://schemas.microsoft.com/office/powerpoint/2010/main" val="787433605"/>
+        <p14:creationId xmlns:p14="http://schemas.microsoft.com/office/powerpoint/2010/main" val="448074188"/>
       </p:ext>
     </p:extLst>
   </p:cSld>
@@ -744,14 +656,14 @@
           </a:ln>
           <a:extLst>
             <a:ext uri="{909E8E84-426E-40dd-AFC4-6F175D3DCCD1}">
-              <a14:hiddenFill xmlns="" xmlns:a14="http://schemas.microsoft.com/office/drawing/2010/main">
+              <a14:hiddenFill xmlns:a14="http://schemas.microsoft.com/office/drawing/2010/main" xmlns="">
                 <a:solidFill>
                   <a:srgbClr val="FFFFFF"/>
                 </a:solidFill>
               </a14:hiddenFill>
             </a:ext>
             <a:ext uri="{91240B29-F687-4f45-9708-019B960494DF}">
-              <a14:hiddenLine xmlns="" xmlns:a14="http://schemas.microsoft.com/office/drawing/2010/main" w="9525">
+              <a14:hiddenLine xmlns:a14="http://schemas.microsoft.com/office/drawing/2010/main" xmlns="" w="9525">
                 <a:solidFill>
                   <a:srgbClr val="000000"/>
                 </a:solidFill>
@@ -875,9 +787,9 @@
           <a:bodyPr/>
           <a:lstStyle/>
           <a:p>
-            <a:fld id="{E9E59658-536A-9C47-BE27-5916453304A2}" type="datetime1">
+            <a:fld id="{F5752319-B829-ED46-ADA6-B5EF92082EBD}" type="datetime1">
               <a:rPr kumimoji="1" lang="ja-JP" altLang="en-US" smtClean="0"/>
-              <a:t>2020/12/26</a:t>
+              <a:t>2021/1/5</a:t>
             </a:fld>
             <a:endParaRPr kumimoji="1" lang="ja-JP" altLang="en-US"/>
           </a:p>
@@ -1081,9 +993,9 @@
           <a:bodyPr/>
           <a:lstStyle/>
           <a:p>
-            <a:fld id="{BD3F9A9C-0CC8-724D-8CAB-CE583F909772}" type="datetime1">
+            <a:fld id="{18BA8665-6307-E34F-9993-5756B8C1ED5A}" type="datetime1">
               <a:rPr kumimoji="1" lang="ja-JP" altLang="en-US" smtClean="0"/>
-              <a:t>2020/12/26</a:t>
+              <a:t>2021/1/5</a:t>
             </a:fld>
             <a:endParaRPr kumimoji="1" lang="ja-JP" altLang="en-US"/>
           </a:p>
@@ -1297,9 +1209,9 @@
           <a:bodyPr/>
           <a:lstStyle/>
           <a:p>
-            <a:fld id="{AC55A472-1073-0547-9A59-DD081FE17D43}" type="datetime1">
+            <a:fld id="{BA163E24-9316-CC4F-A528-4048346E2B2B}" type="datetime1">
               <a:rPr kumimoji="1" lang="ja-JP" altLang="en-US" smtClean="0"/>
-              <a:t>2020/12/26</a:t>
+              <a:t>2021/1/5</a:t>
             </a:fld>
             <a:endParaRPr kumimoji="1" lang="ja-JP" altLang="en-US"/>
           </a:p>
@@ -1422,14 +1334,14 @@
           </a:ln>
           <a:extLst>
             <a:ext uri="{909E8E84-426E-40dd-AFC4-6F175D3DCCD1}">
-              <a14:hiddenFill xmlns="" xmlns:a14="http://schemas.microsoft.com/office/drawing/2010/main">
+              <a14:hiddenFill xmlns:a14="http://schemas.microsoft.com/office/drawing/2010/main" xmlns="">
                 <a:solidFill>
                   <a:srgbClr val="FFFFFF"/>
                 </a:solidFill>
               </a14:hiddenFill>
             </a:ext>
             <a:ext uri="{91240B29-F687-4f45-9708-019B960494DF}">
-              <a14:hiddenLine xmlns="" xmlns:a14="http://schemas.microsoft.com/office/drawing/2010/main" w="9525">
+              <a14:hiddenLine xmlns:a14="http://schemas.microsoft.com/office/drawing/2010/main" xmlns="" w="9525">
                 <a:solidFill>
                   <a:srgbClr val="000000"/>
                 </a:solidFill>
@@ -1558,9 +1470,9 @@
           <a:bodyPr/>
           <a:lstStyle/>
           <a:p>
-            <a:fld id="{90235FA2-C49A-5C4F-85BF-B1D7D24C5B31}" type="datetime1">
+            <a:fld id="{69EB3D3C-47BC-0A46-B150-0282FFA83A55}" type="datetime1">
               <a:rPr kumimoji="1" lang="ja-JP" altLang="en-US" smtClean="0"/>
-              <a:t>2020/12/26</a:t>
+              <a:t>2021/1/5</a:t>
             </a:fld>
             <a:endParaRPr kumimoji="1" lang="ja-JP" altLang="en-US"/>
           </a:p>
@@ -1897,9 +1809,9 @@
           <a:bodyPr/>
           <a:lstStyle/>
           <a:p>
-            <a:fld id="{F4B8FB07-8ABC-B147-BBD9-82E1124A9195}" type="datetime1">
+            <a:fld id="{F6D0C204-C360-994C-92AB-2CB44E5DA57E}" type="datetime1">
               <a:rPr kumimoji="1" lang="ja-JP" altLang="en-US" smtClean="0"/>
-              <a:t>2020/12/26</a:t>
+              <a:t>2021/1/5</a:t>
             </a:fld>
             <a:endParaRPr kumimoji="1" lang="ja-JP" altLang="en-US"/>
           </a:p>
@@ -2197,9 +2109,9 @@
           <a:bodyPr/>
           <a:lstStyle/>
           <a:p>
-            <a:fld id="{2E987E7E-FA9C-3947-926C-79EF22991022}" type="datetime1">
+            <a:fld id="{78703307-FDF8-664D-8DE7-D62B1BAF763F}" type="datetime1">
               <a:rPr kumimoji="1" lang="ja-JP" altLang="en-US" smtClean="0"/>
-              <a:t>2020/12/26</a:t>
+              <a:t>2021/1/5</a:t>
             </a:fld>
             <a:endParaRPr kumimoji="1" lang="ja-JP" altLang="en-US"/>
           </a:p>
@@ -2632,9 +2544,9 @@
           <a:bodyPr/>
           <a:lstStyle/>
           <a:p>
-            <a:fld id="{6AA3599C-7060-A14F-A8FF-BFA2E3E43F87}" type="datetime1">
+            <a:fld id="{647498B2-7C02-6443-BCEA-B93AE01DA2B1}" type="datetime1">
               <a:rPr kumimoji="1" lang="ja-JP" altLang="en-US" smtClean="0"/>
-              <a:t>2020/12/26</a:t>
+              <a:t>2021/1/5</a:t>
             </a:fld>
             <a:endParaRPr kumimoji="1" lang="ja-JP" altLang="en-US"/>
           </a:p>
@@ -2754,9 +2666,9 @@
           <a:bodyPr/>
           <a:lstStyle/>
           <a:p>
-            <a:fld id="{2ACB3C61-04B3-8341-A053-431BFDE0369C}" type="datetime1">
+            <a:fld id="{39C86399-1BBC-C04D-97B6-2B922C86B074}" type="datetime1">
               <a:rPr kumimoji="1" lang="ja-JP" altLang="en-US" smtClean="0"/>
-              <a:t>2020/12/26</a:t>
+              <a:t>2021/1/5</a:t>
             </a:fld>
             <a:endParaRPr kumimoji="1" lang="ja-JP" altLang="en-US"/>
           </a:p>
@@ -2853,9 +2765,9 @@
           <a:bodyPr/>
           <a:lstStyle/>
           <a:p>
-            <a:fld id="{17E05920-A0FF-A94D-B91E-11B016CF8687}" type="datetime1">
+            <a:fld id="{479E3E2D-86CD-DD49-9D51-433317E5F995}" type="datetime1">
               <a:rPr kumimoji="1" lang="ja-JP" altLang="en-US" smtClean="0"/>
-              <a:t>2020/12/26</a:t>
+              <a:t>2021/1/5</a:t>
             </a:fld>
             <a:endParaRPr kumimoji="1" lang="ja-JP" altLang="en-US"/>
           </a:p>
@@ -3166,9 +3078,9 @@
           <a:bodyPr/>
           <a:lstStyle/>
           <a:p>
-            <a:fld id="{73151009-4B49-E243-94A4-1303689190AE}" type="datetime1">
+            <a:fld id="{25405065-D2E4-C941-BA93-1914EC18BE62}" type="datetime1">
               <a:rPr kumimoji="1" lang="ja-JP" altLang="en-US" smtClean="0"/>
-              <a:t>2020/12/26</a:t>
+              <a:t>2021/1/5</a:t>
             </a:fld>
             <a:endParaRPr kumimoji="1" lang="ja-JP" altLang="en-US"/>
           </a:p>
@@ -3427,9 +3339,9 @@
           <a:bodyPr/>
           <a:lstStyle/>
           <a:p>
-            <a:fld id="{F948BB96-C546-0F48-8959-F4ED01CF136A}" type="datetime1">
+            <a:fld id="{578C8D5F-3F79-C04C-8BCF-0EBE3F8C99F6}" type="datetime1">
               <a:rPr kumimoji="1" lang="ja-JP" altLang="en-US" smtClean="0"/>
-              <a:t>2020/12/26</a:t>
+              <a:t>2021/1/5</a:t>
             </a:fld>
             <a:endParaRPr kumimoji="1" lang="ja-JP" altLang="en-US"/>
           </a:p>
@@ -3681,9 +3593,9 @@
             </a:lvl1pPr>
           </a:lstStyle>
           <a:p>
-            <a:fld id="{23C8A647-1D3A-F547-BEEB-E9A419355659}" type="datetime1">
+            <a:fld id="{74280878-4306-8549-8B48-8201FD5C794D}" type="datetime1">
               <a:rPr kumimoji="1" lang="ja-JP" altLang="en-US" smtClean="0"/>
-              <a:t>2020/12/26</a:t>
+              <a:t>2021/1/5</a:t>
             </a:fld>
             <a:endParaRPr kumimoji="1" lang="ja-JP" altLang="en-US"/>
           </a:p>
@@ -4110,979 +4022,648 @@
           <a:chExt cx="0" cy="0"/>
         </a:xfrm>
       </p:grpSpPr>
-      <mc:AlternateContent xmlns:mc="http://schemas.openxmlformats.org/markup-compatibility/2006" xmlns:a14="http://schemas.microsoft.com/office/drawing/2010/main">
-        <mc:Choice Requires="a14">
-          <p:sp>
-            <p:nvSpPr>
-              <p:cNvPr id="2" name="コンテンツ プレースホルダー 1">
-                <a:extLst>
-                  <a:ext uri="{FF2B5EF4-FFF2-40B4-BE49-F238E27FC236}">
-                    <a16:creationId xmlns:a16="http://schemas.microsoft.com/office/drawing/2014/main" id="{CB252931-C63C-BD40-9029-3146333D4099}"/>
-                  </a:ext>
-                </a:extLst>
-              </p:cNvPr>
-              <p:cNvSpPr>
-                <a:spLocks noGrp="1"/>
-              </p:cNvSpPr>
-              <p:nvPr>
-                <p:ph idx="1"/>
-              </p:nvPr>
-            </p:nvSpPr>
-            <p:spPr/>
-            <p:txBody>
-              <a:bodyPr/>
-              <a:lstStyle/>
-              <a:p>
-                <a:r>
-                  <a:rPr kumimoji="1" lang="ja-JP" altLang="en-US"/>
-                  <a:t>ベルマン方程式を使った計算</a:t>
-                </a:r>
-                <a:endParaRPr kumimoji="1" lang="en-US" altLang="ja-JP" dirty="0"/>
-              </a:p>
-              <a:p>
-                <a:endParaRPr lang="en-US" altLang="ja-JP" dirty="0"/>
-              </a:p>
-              <a:p>
-                <a:pPr lvl="3"/>
-                <a:endParaRPr kumimoji="1" lang="en-US" altLang="ja-JP" dirty="0"/>
-              </a:p>
-              <a:p>
-                <a:pPr lvl="1"/>
-                <a:r>
-                  <a:rPr lang="ja-JP" altLang="en-US"/>
-                  <a:t>システムノイズに対する期待値</a:t>
-                </a:r>
-                <a:endParaRPr lang="en-US" altLang="ja-JP" dirty="0"/>
-              </a:p>
-              <a:p>
-                <a:pPr lvl="2"/>
-                <a:r>
-                  <a:rPr lang="en-US" altLang="ja-JP" dirty="0"/>
-                  <a:t>10</a:t>
-                </a:r>
-                <a:r>
-                  <a:rPr lang="ja-JP" altLang="en-US"/>
-                  <a:t>個の制御パスから</a:t>
-                </a:r>
-                <a14:m>
-                  <m:oMath xmlns:m="http://schemas.openxmlformats.org/officeDocument/2006/math">
-                    <m:r>
-                      <a:rPr lang="en-US" altLang="ja-JP" i="1">
-                        <a:latin typeface="Cambria Math" panose="02040503050406030204" pitchFamily="18" charset="0"/>
-                      </a:rPr>
-                      <m:t>𝑟</m:t>
-                    </m:r>
-                    <m:d>
-                      <m:dPr>
-                        <m:ctrlPr>
-                          <a:rPr lang="en-US" altLang="ja-JP" i="1">
+      <p:sp>
+        <p:nvSpPr>
+          <p:cNvPr id="2" name="コンテンツ プレースホルダー 1">
+            <a:extLst>
+              <a:ext uri="{FF2B5EF4-FFF2-40B4-BE49-F238E27FC236}">
+                <a16:creationId xmlns:a16="http://schemas.microsoft.com/office/drawing/2014/main" id="{3A8A944B-C3C3-174C-95B0-BD3EE1A15336}"/>
+              </a:ext>
+            </a:extLst>
+          </p:cNvPr>
+          <p:cNvSpPr>
+            <a:spLocks noGrp="1"/>
+          </p:cNvSpPr>
+          <p:nvPr>
+            <p:ph idx="1"/>
+          </p:nvPr>
+        </p:nvSpPr>
+        <p:spPr/>
+        <p:txBody>
+          <a:bodyPr/>
+          <a:lstStyle/>
+          <a:p>
+            <a:r>
+              <a:rPr kumimoji="1" lang="en-US" altLang="ja-JP" dirty="0"/>
+              <a:t>Apply RL to self-triggered control for linear system</a:t>
+            </a:r>
+          </a:p>
+          <a:p>
+            <a:pPr lvl="1"/>
+            <a:r>
+              <a:rPr lang="en-US" altLang="ja-JP" dirty="0"/>
+              <a:t>Same setting as inverted pendulum</a:t>
+            </a:r>
+          </a:p>
+          <a:p>
+            <a:pPr lvl="1"/>
+            <a:r>
+              <a:rPr lang="en-US" altLang="ja-JP" dirty="0"/>
+              <a:t>System</a:t>
+            </a:r>
+          </a:p>
+          <a:p>
+            <a:pPr lvl="1"/>
+            <a:endParaRPr lang="en-US" altLang="ja-JP" dirty="0"/>
+          </a:p>
+          <a:p>
+            <a:pPr lvl="1"/>
+            <a:endParaRPr lang="en-US" altLang="ja-JP" dirty="0"/>
+          </a:p>
+          <a:p>
+            <a:pPr lvl="1"/>
+            <a:endParaRPr lang="en-US" altLang="ja-JP" dirty="0"/>
+          </a:p>
+          <a:p>
+            <a:pPr marL="457200" lvl="1" indent="0">
+              <a:buNone/>
+            </a:pPr>
+            <a:endParaRPr lang="en-US" altLang="ja-JP" dirty="0"/>
+          </a:p>
+          <a:p>
+            <a:pPr lvl="1"/>
+            <a:r>
+              <a:rPr lang="en-US" altLang="ja-JP" dirty="0"/>
+              <a:t>Stabilize system</a:t>
+            </a:r>
+          </a:p>
+          <a:p>
+            <a:pPr lvl="1"/>
+            <a:endParaRPr kumimoji="1" lang="ja-JP" altLang="en-US"/>
+          </a:p>
+        </p:txBody>
+      </p:sp>
+      <p:sp>
+        <p:nvSpPr>
+          <p:cNvPr id="3" name="日付プレースホルダー 2">
+            <a:extLst>
+              <a:ext uri="{FF2B5EF4-FFF2-40B4-BE49-F238E27FC236}">
+                <a16:creationId xmlns:a16="http://schemas.microsoft.com/office/drawing/2014/main" id="{2EB90C1E-79BF-C542-995A-93F344DABADD}"/>
+              </a:ext>
+            </a:extLst>
+          </p:cNvPr>
+          <p:cNvSpPr>
+            <a:spLocks noGrp="1"/>
+          </p:cNvSpPr>
+          <p:nvPr>
+            <p:ph type="dt" sz="half" idx="10"/>
+          </p:nvPr>
+        </p:nvSpPr>
+        <p:spPr/>
+        <p:txBody>
+          <a:bodyPr/>
+          <a:lstStyle/>
+          <a:p>
+            <a:fld id="{6577A228-B8F0-A246-812C-D8D76D26F203}" type="datetime1">
+              <a:rPr kumimoji="1" lang="ja-JP" altLang="en-US" smtClean="0"/>
+              <a:t>2021/1/5</a:t>
+            </a:fld>
+            <a:endParaRPr kumimoji="1" lang="ja-JP" altLang="en-US"/>
+          </a:p>
+        </p:txBody>
+      </p:sp>
+      <p:sp>
+        <p:nvSpPr>
+          <p:cNvPr id="4" name="フッター プレースホルダー 3">
+            <a:extLst>
+              <a:ext uri="{FF2B5EF4-FFF2-40B4-BE49-F238E27FC236}">
+                <a16:creationId xmlns:a16="http://schemas.microsoft.com/office/drawing/2014/main" id="{0E2D5CB2-8607-954E-A7FE-7363D4EBA82E}"/>
+              </a:ext>
+            </a:extLst>
+          </p:cNvPr>
+          <p:cNvSpPr>
+            <a:spLocks noGrp="1"/>
+          </p:cNvSpPr>
+          <p:nvPr>
+            <p:ph type="ftr" sz="quarter" idx="11"/>
+          </p:nvPr>
+        </p:nvSpPr>
+        <p:spPr/>
+        <p:txBody>
+          <a:bodyPr/>
+          <a:lstStyle/>
+          <a:p>
+            <a:r>
+              <a:rPr kumimoji="1" lang="en-US" altLang="ja-JP"/>
+              <a:t>Control System Theory Group</a:t>
+            </a:r>
+            <a:endParaRPr kumimoji="1" lang="ja-JP" altLang="en-US"/>
+          </a:p>
+        </p:txBody>
+      </p:sp>
+      <p:sp>
+        <p:nvSpPr>
+          <p:cNvPr id="5" name="タイトル 4">
+            <a:extLst>
+              <a:ext uri="{FF2B5EF4-FFF2-40B4-BE49-F238E27FC236}">
+                <a16:creationId xmlns:a16="http://schemas.microsoft.com/office/drawing/2014/main" id="{42999BA1-7213-3E44-8959-F44D25AFE9ED}"/>
+              </a:ext>
+            </a:extLst>
+          </p:cNvPr>
+          <p:cNvSpPr>
+            <a:spLocks noGrp="1"/>
+          </p:cNvSpPr>
+          <p:nvPr>
+            <p:ph type="title"/>
+          </p:nvPr>
+        </p:nvSpPr>
+        <p:spPr/>
+        <p:txBody>
+          <a:bodyPr/>
+          <a:lstStyle/>
+          <a:p>
+            <a:r>
+              <a:rPr kumimoji="1" lang="en-US" altLang="ja-JP" dirty="0"/>
+              <a:t>Weekly Report</a:t>
+            </a:r>
+            <a:endParaRPr kumimoji="1" lang="ja-JP" altLang="en-US"/>
+          </a:p>
+        </p:txBody>
+      </p:sp>
+      <p:grpSp>
+        <p:nvGrpSpPr>
+          <p:cNvPr id="11" name="グループ化 10">
+            <a:extLst>
+              <a:ext uri="{FF2B5EF4-FFF2-40B4-BE49-F238E27FC236}">
+                <a16:creationId xmlns:a16="http://schemas.microsoft.com/office/drawing/2014/main" id="{C96D6FE8-E4DF-DC4B-81AA-1AD1CE62F264}"/>
+              </a:ext>
+            </a:extLst>
+          </p:cNvPr>
+          <p:cNvGrpSpPr/>
+          <p:nvPr/>
+        </p:nvGrpSpPr>
+        <p:grpSpPr>
+          <a:xfrm>
+            <a:off x="1506828" y="2331076"/>
+            <a:ext cx="3680110" cy="955445"/>
+            <a:chOff x="1506828" y="2331076"/>
+            <a:chExt cx="3680110" cy="955445"/>
+          </a:xfrm>
+        </p:grpSpPr>
+        <mc:AlternateContent xmlns:mc="http://schemas.openxmlformats.org/markup-compatibility/2006">
+          <mc:Choice xmlns:a14="http://schemas.microsoft.com/office/drawing/2010/main" Requires="a14">
+            <p:sp>
+              <p:nvSpPr>
+                <p:cNvPr id="6" name="テキスト ボックス 5">
+                  <a:extLst>
+                    <a:ext uri="{FF2B5EF4-FFF2-40B4-BE49-F238E27FC236}">
+                      <a16:creationId xmlns:a16="http://schemas.microsoft.com/office/drawing/2014/main" id="{05D15053-A1A9-804A-B2F4-96C980E11DC3}"/>
+                    </a:ext>
+                  </a:extLst>
+                </p:cNvPr>
+                <p:cNvSpPr txBox="1"/>
+                <p:nvPr/>
+              </p:nvSpPr>
+              <p:spPr>
+                <a:xfrm>
+                  <a:off x="1506828" y="2331076"/>
+                  <a:ext cx="3680110" cy="554254"/>
+                </a:xfrm>
+                <a:prstGeom prst="rect">
+                  <a:avLst/>
+                </a:prstGeom>
+                <a:noFill/>
+              </p:spPr>
+              <p:txBody>
+                <a:bodyPr wrap="none" rtlCol="0">
+                  <a:spAutoFit/>
+                </a:bodyPr>
+                <a:lstStyle/>
+                <a:p>
+                  <a14:m>
+                    <m:oMathPara xmlns:m="http://schemas.openxmlformats.org/officeDocument/2006/math">
+                      <m:oMathParaPr>
+                        <m:jc m:val="centerGroup"/>
+                      </m:oMathParaPr>
+                      <m:oMath xmlns:m="http://schemas.openxmlformats.org/officeDocument/2006/math">
+                        <m:acc>
+                          <m:accPr>
+                            <m:chr m:val="̇"/>
+                            <m:ctrlPr>
+                              <a:rPr kumimoji="1" lang="ja-JP" altLang="en-US" i="1" smtClean="0">
+                                <a:latin typeface="Cambria Math" panose="02040503050406030204" pitchFamily="18" charset="0"/>
+                              </a:rPr>
+                            </m:ctrlPr>
+                          </m:accPr>
+                          <m:e>
+                            <m:r>
+                              <a:rPr kumimoji="1" lang="en-US" altLang="ja-JP" b="0" i="1" smtClean="0">
+                                <a:latin typeface="Cambria Math" panose="02040503050406030204" pitchFamily="18" charset="0"/>
+                              </a:rPr>
+                              <m:t>𝑠</m:t>
+                            </m:r>
+                          </m:e>
+                        </m:acc>
+                        <m:r>
+                          <a:rPr kumimoji="1" lang="en-US" altLang="ja-JP" b="0" i="1" smtClean="0">
                             <a:latin typeface="Cambria Math" panose="02040503050406030204" pitchFamily="18" charset="0"/>
                           </a:rPr>
-                        </m:ctrlPr>
-                      </m:dPr>
-                      <m:e>
+                          <m:t>=</m:t>
+                        </m:r>
                         <m:r>
-                          <a:rPr lang="en-US" altLang="ja-JP" i="1">
+                          <a:rPr kumimoji="1" lang="en-US" altLang="ja-JP" b="0" i="1" smtClean="0">
+                            <a:latin typeface="Cambria Math" panose="02040503050406030204" pitchFamily="18" charset="0"/>
+                          </a:rPr>
+                          <m:t>𝐴𝑠</m:t>
+                        </m:r>
+                        <m:r>
+                          <a:rPr kumimoji="1" lang="en-US" altLang="ja-JP" b="0" i="1" smtClean="0">
+                            <a:latin typeface="Cambria Math" panose="02040503050406030204" pitchFamily="18" charset="0"/>
+                          </a:rPr>
+                          <m:t>+</m:t>
+                        </m:r>
+                        <m:r>
+                          <a:rPr kumimoji="1" lang="en-US" altLang="ja-JP" b="0" i="1" smtClean="0">
+                            <a:latin typeface="Cambria Math" panose="02040503050406030204" pitchFamily="18" charset="0"/>
+                          </a:rPr>
+                          <m:t>𝐵𝑢</m:t>
+                        </m:r>
+                        <m:r>
+                          <a:rPr kumimoji="1" lang="en-US" altLang="ja-JP" b="0" i="1" smtClean="0">
+                            <a:latin typeface="Cambria Math" panose="02040503050406030204" pitchFamily="18" charset="0"/>
+                          </a:rPr>
+                          <m:t>=</m:t>
+                        </m:r>
+                        <m:d>
+                          <m:dPr>
+                            <m:begChr m:val="["/>
+                            <m:endChr m:val="]"/>
+                            <m:ctrlPr>
+                              <a:rPr kumimoji="1" lang="en-US" altLang="ja-JP" b="0" i="1" smtClean="0">
+                                <a:latin typeface="Cambria Math" panose="02040503050406030204" pitchFamily="18" charset="0"/>
+                              </a:rPr>
+                            </m:ctrlPr>
+                          </m:dPr>
+                          <m:e>
+                            <m:m>
+                              <m:mPr>
+                                <m:mcs>
+                                  <m:mc>
+                                    <m:mcPr>
+                                      <m:count m:val="2"/>
+                                      <m:mcJc m:val="center"/>
+                                    </m:mcPr>
+                                  </m:mc>
+                                </m:mcs>
+                                <m:ctrlPr>
+                                  <a:rPr kumimoji="1" lang="en-US" altLang="ja-JP" b="0" i="1" smtClean="0">
+                                    <a:latin typeface="Cambria Math" panose="02040503050406030204" pitchFamily="18" charset="0"/>
+                                  </a:rPr>
+                                </m:ctrlPr>
+                              </m:mPr>
+                              <m:mr>
+                                <m:e>
+                                  <m:r>
+                                    <m:rPr>
+                                      <m:brk m:alnAt="7"/>
+                                    </m:rPr>
+                                    <a:rPr kumimoji="1" lang="en-US" altLang="ja-JP" b="0" i="1" smtClean="0">
+                                      <a:latin typeface="Cambria Math" panose="02040503050406030204" pitchFamily="18" charset="0"/>
+                                    </a:rPr>
+                                    <m:t>−1</m:t>
+                                  </m:r>
+                                </m:e>
+                                <m:e>
+                                  <m:r>
+                                    <a:rPr kumimoji="1" lang="en-US" altLang="ja-JP" b="0" i="1" smtClean="0">
+                                      <a:latin typeface="Cambria Math" panose="02040503050406030204" pitchFamily="18" charset="0"/>
+                                    </a:rPr>
+                                    <m:t>4</m:t>
+                                  </m:r>
+                                </m:e>
+                              </m:mr>
+                              <m:mr>
+                                <m:e>
+                                  <m:r>
+                                    <a:rPr kumimoji="1" lang="en-US" altLang="ja-JP" b="0" i="1" smtClean="0">
+                                      <a:latin typeface="Cambria Math" panose="02040503050406030204" pitchFamily="18" charset="0"/>
+                                    </a:rPr>
+                                    <m:t>2</m:t>
+                                  </m:r>
+                                </m:e>
+                                <m:e>
+                                  <m:r>
+                                    <a:rPr kumimoji="1" lang="en-US" altLang="ja-JP" b="0" i="1" smtClean="0">
+                                      <a:latin typeface="Cambria Math" panose="02040503050406030204" pitchFamily="18" charset="0"/>
+                                    </a:rPr>
+                                    <m:t>−3</m:t>
+                                  </m:r>
+                                </m:e>
+                              </m:mr>
+                            </m:m>
+                          </m:e>
+                        </m:d>
+                        <m:r>
+                          <a:rPr kumimoji="1" lang="en-US" altLang="ja-JP" b="0" i="1" smtClean="0">
                             <a:latin typeface="Cambria Math" panose="02040503050406030204" pitchFamily="18" charset="0"/>
                           </a:rPr>
                           <m:t>𝑠</m:t>
                         </m:r>
                         <m:r>
-                          <a:rPr lang="en-US" altLang="ja-JP" i="1">
+                          <a:rPr kumimoji="1" lang="en-US" altLang="ja-JP" b="0" i="1" smtClean="0">
                             <a:latin typeface="Cambria Math" panose="02040503050406030204" pitchFamily="18" charset="0"/>
                           </a:rPr>
-                          <m:t>,</m:t>
+                          <m:t>+</m:t>
                         </m:r>
-                        <m:r>
-                          <a:rPr lang="en-US" altLang="ja-JP" i="1">
-                            <a:latin typeface="Cambria Math" panose="02040503050406030204" pitchFamily="18" charset="0"/>
-                          </a:rPr>
-                          <m:t>𝑎</m:t>
-                        </m:r>
-                      </m:e>
-                    </m:d>
-                    <m:r>
-                      <a:rPr lang="en-US" altLang="ja-JP" i="1">
-                        <a:latin typeface="Cambria Math" panose="02040503050406030204" pitchFamily="18" charset="0"/>
-                      </a:rPr>
-                      <m:t>+</m:t>
-                    </m:r>
-                    <m:r>
-                      <a:rPr lang="en-US" altLang="ja-JP" i="1">
-                        <a:latin typeface="Cambria Math" panose="02040503050406030204" pitchFamily="18" charset="0"/>
-                        <a:ea typeface="Cambria Math" panose="02040503050406030204" pitchFamily="18" charset="0"/>
-                      </a:rPr>
-                      <m:t>𝛾</m:t>
-                    </m:r>
-                    <m:sSup>
-                      <m:sSupPr>
-                        <m:ctrlPr>
-                          <a:rPr lang="en-US" altLang="ja-JP" i="1">
-                            <a:latin typeface="Cambria Math" panose="02040503050406030204" pitchFamily="18" charset="0"/>
-                          </a:rPr>
-                        </m:ctrlPr>
-                      </m:sSupPr>
-                      <m:e>
-                        <m:r>
-                          <a:rPr lang="en-US" altLang="ja-JP" i="1">
-                            <a:latin typeface="Cambria Math" panose="02040503050406030204" pitchFamily="18" charset="0"/>
-                          </a:rPr>
-                          <m:t>𝑉</m:t>
-                        </m:r>
-                      </m:e>
-                      <m:sup>
-                        <m:r>
-                          <a:rPr lang="en-US" altLang="ja-JP" i="1">
-                            <a:latin typeface="Cambria Math" panose="02040503050406030204" pitchFamily="18" charset="0"/>
-                            <a:ea typeface="Cambria Math" panose="02040503050406030204" pitchFamily="18" charset="0"/>
-                          </a:rPr>
-                          <m:t>𝜋</m:t>
-                        </m:r>
-                      </m:sup>
-                    </m:sSup>
-                    <m:d>
-                      <m:dPr>
-                        <m:ctrlPr>
-                          <a:rPr lang="en-US" altLang="ja-JP" i="1">
-                            <a:latin typeface="Cambria Math" panose="02040503050406030204" pitchFamily="18" charset="0"/>
-                            <a:ea typeface="Cambria Math" panose="02040503050406030204" pitchFamily="18" charset="0"/>
-                          </a:rPr>
-                        </m:ctrlPr>
-                      </m:dPr>
-                      <m:e>
-                        <m:sSup>
-                          <m:sSupPr>
+                        <m:d>
+                          <m:dPr>
+                            <m:begChr m:val="["/>
+                            <m:endChr m:val="]"/>
                             <m:ctrlPr>
-                              <a:rPr lang="en-US" altLang="ja-JP" i="1">
+                              <a:rPr kumimoji="1" lang="en-US" altLang="ja-JP" b="0" i="1" smtClean="0">
                                 <a:latin typeface="Cambria Math" panose="02040503050406030204" pitchFamily="18" charset="0"/>
                               </a:rPr>
                             </m:ctrlPr>
-                          </m:sSupPr>
+                          </m:dPr>
+                          <m:e>
+                            <m:m>
+                              <m:mPr>
+                                <m:mcs>
+                                  <m:mc>
+                                    <m:mcPr>
+                                      <m:count m:val="1"/>
+                                      <m:mcJc m:val="center"/>
+                                    </m:mcPr>
+                                  </m:mc>
+                                </m:mcs>
+                                <m:ctrlPr>
+                                  <a:rPr kumimoji="1" lang="en-US" altLang="ja-JP" b="0" i="1" smtClean="0">
+                                    <a:latin typeface="Cambria Math" panose="02040503050406030204" pitchFamily="18" charset="0"/>
+                                  </a:rPr>
+                                </m:ctrlPr>
+                              </m:mPr>
+                              <m:mr>
+                                <m:e>
+                                  <m:r>
+                                    <m:rPr>
+                                      <m:brk m:alnAt="7"/>
+                                    </m:rPr>
+                                    <a:rPr kumimoji="1" lang="en-US" altLang="ja-JP" b="0" i="1" smtClean="0">
+                                      <a:latin typeface="Cambria Math" panose="02040503050406030204" pitchFamily="18" charset="0"/>
+                                    </a:rPr>
+                                    <m:t>2</m:t>
+                                  </m:r>
+                                </m:e>
+                              </m:mr>
+                              <m:mr>
+                                <m:e>
+                                  <m:r>
+                                    <a:rPr kumimoji="1" lang="en-US" altLang="ja-JP" b="0" i="1" smtClean="0">
+                                      <a:latin typeface="Cambria Math" panose="02040503050406030204" pitchFamily="18" charset="0"/>
+                                    </a:rPr>
+                                    <m:t>4</m:t>
+                                  </m:r>
+                                </m:e>
+                              </m:mr>
+                            </m:m>
+                          </m:e>
+                        </m:d>
+                        <m:r>
+                          <a:rPr kumimoji="1" lang="en-US" altLang="ja-JP" b="0" i="1" smtClean="0">
+                            <a:latin typeface="Cambria Math" panose="02040503050406030204" pitchFamily="18" charset="0"/>
+                          </a:rPr>
+                          <m:t>𝑢</m:t>
+                        </m:r>
+                      </m:oMath>
+                    </m:oMathPara>
+                  </a14:m>
+                  <a:endParaRPr kumimoji="1" lang="ja-JP" altLang="en-US"/>
+                </a:p>
+              </p:txBody>
+            </p:sp>
+          </mc:Choice>
+          <mc:Fallback>
+            <p:sp>
+              <p:nvSpPr>
+                <p:cNvPr id="6" name="テキスト ボックス 5">
+                  <a:extLst>
+                    <a:ext uri="{FF2B5EF4-FFF2-40B4-BE49-F238E27FC236}">
+                      <a16:creationId xmlns:a16="http://schemas.microsoft.com/office/drawing/2014/main" id="{05D15053-A1A9-804A-B2F4-96C980E11DC3}"/>
+                    </a:ext>
+                  </a:extLst>
+                </p:cNvPr>
+                <p:cNvSpPr txBox="1">
+                  <a:spLocks noRot="1" noChangeAspect="1" noMove="1" noResize="1" noEditPoints="1" noAdjustHandles="1" noChangeArrowheads="1" noChangeShapeType="1" noTextEdit="1"/>
+                </p:cNvSpPr>
+                <p:nvPr/>
+              </p:nvSpPr>
+              <p:spPr>
+                <a:xfrm>
+                  <a:off x="1506828" y="2331076"/>
+                  <a:ext cx="3680110" cy="554254"/>
+                </a:xfrm>
+                <a:prstGeom prst="rect">
+                  <a:avLst/>
+                </a:prstGeom>
+                <a:blipFill>
+                  <a:blip r:embed="rId2"/>
+                  <a:stretch>
+                    <a:fillRect b="-4545"/>
+                  </a:stretch>
+                </a:blipFill>
+              </p:spPr>
+              <p:txBody>
+                <a:bodyPr/>
+                <a:lstStyle/>
+                <a:p>
+                  <a:r>
+                    <a:rPr lang="ja-JP" altLang="en-US">
+                      <a:noFill/>
+                    </a:rPr>
+                    <a:t> </a:t>
+                  </a:r>
+                </a:p>
+              </p:txBody>
+            </p:sp>
+          </mc:Fallback>
+        </mc:AlternateContent>
+        <mc:AlternateContent xmlns:mc="http://schemas.openxmlformats.org/markup-compatibility/2006">
+          <mc:Choice xmlns:a14="http://schemas.microsoft.com/office/drawing/2010/main" Requires="a14">
+            <p:sp>
+              <p:nvSpPr>
+                <p:cNvPr id="7" name="テキスト ボックス 6">
+                  <a:extLst>
+                    <a:ext uri="{FF2B5EF4-FFF2-40B4-BE49-F238E27FC236}">
+                      <a16:creationId xmlns:a16="http://schemas.microsoft.com/office/drawing/2014/main" id="{31D0221B-4999-224C-BF91-93B8B2DDE5FA}"/>
+                    </a:ext>
+                  </a:extLst>
+                </p:cNvPr>
+                <p:cNvSpPr txBox="1"/>
+                <p:nvPr/>
+              </p:nvSpPr>
+              <p:spPr>
+                <a:xfrm>
+                  <a:off x="3346883" y="2978744"/>
+                  <a:ext cx="1349985" cy="307777"/>
+                </a:xfrm>
+                <a:prstGeom prst="rect">
+                  <a:avLst/>
+                </a:prstGeom>
+                <a:noFill/>
+              </p:spPr>
+              <p:txBody>
+                <a:bodyPr wrap="none" rtlCol="0">
+                  <a:spAutoFit/>
+                </a:bodyPr>
+                <a:lstStyle/>
+                <a:p>
+                  <a14:m>
+                    <m:oMathPara xmlns:m="http://schemas.openxmlformats.org/officeDocument/2006/math">
+                      <m:oMathParaPr>
+                        <m:jc m:val="centerGroup"/>
+                      </m:oMathParaPr>
+                      <m:oMath xmlns:m="http://schemas.openxmlformats.org/officeDocument/2006/math">
+                        <m:r>
+                          <m:rPr>
+                            <m:sty m:val="p"/>
+                          </m:rPr>
+                          <a:rPr kumimoji="1" lang="en-US" altLang="ja-JP" sz="1400" b="0" i="0" smtClean="0">
+                            <a:solidFill>
+                              <a:srgbClr val="FF0000"/>
+                            </a:solidFill>
+                            <a:latin typeface="Cambria Math" panose="02040503050406030204" pitchFamily="18" charset="0"/>
+                          </a:rPr>
+                          <m:t>eig</m:t>
+                        </m:r>
+                        <m:d>
+                          <m:dPr>
+                            <m:ctrlPr>
+                              <a:rPr kumimoji="1" lang="en-US" altLang="ja-JP" sz="1400" b="0" i="1" smtClean="0">
+                                <a:solidFill>
+                                  <a:srgbClr val="FF0000"/>
+                                </a:solidFill>
+                                <a:latin typeface="Cambria Math" panose="02040503050406030204" pitchFamily="18" charset="0"/>
+                              </a:rPr>
+                            </m:ctrlPr>
+                          </m:dPr>
                           <m:e>
                             <m:r>
-                              <a:rPr lang="en-US" altLang="ja-JP" i="1">
+                              <a:rPr kumimoji="1" lang="en-US" altLang="ja-JP" sz="1400" b="0" i="1" smtClean="0">
+                                <a:solidFill>
+                                  <a:srgbClr val="FF0000"/>
+                                </a:solidFill>
                                 <a:latin typeface="Cambria Math" panose="02040503050406030204" pitchFamily="18" charset="0"/>
                               </a:rPr>
-                              <m:t>𝑠</m:t>
+                              <m:t>𝐴</m:t>
                             </m:r>
                           </m:e>
-                          <m:sup>
-                            <m:r>
-                              <a:rPr lang="en-US" altLang="ja-JP" i="1">
-                                <a:latin typeface="Cambria Math" panose="02040503050406030204" pitchFamily="18" charset="0"/>
-                              </a:rPr>
-                              <m:t>′</m:t>
-                            </m:r>
-                          </m:sup>
-                        </m:sSup>
-                      </m:e>
-                    </m:d>
-                  </m:oMath>
-                </a14:m>
-                <a:r>
-                  <a:rPr lang="ja-JP" altLang="en-US" dirty="0"/>
-                  <a:t>を</a:t>
-                </a:r>
-                <a:r>
-                  <a:rPr lang="ja-JP" altLang="en-US"/>
-                  <a:t>計算してサンプル平均近似</a:t>
-                </a:r>
-                <a:endParaRPr lang="en-US" altLang="ja-JP" dirty="0"/>
-              </a:p>
-              <a:p>
-                <a:pPr lvl="1"/>
-                <a:r>
-                  <a:rPr lang="ja-JP" altLang="en-US"/>
-                  <a:t>システムノイズはウィーナー過程</a:t>
-                </a:r>
-                <a:endParaRPr lang="en-US" altLang="ja-JP" dirty="0"/>
-              </a:p>
-              <a:p>
-                <a:pPr lvl="2"/>
-                <a:endParaRPr kumimoji="1" lang="en-US" altLang="ja-JP" dirty="0"/>
-              </a:p>
-              <a:p>
-                <a14:m>
-                  <m:oMath xmlns:m="http://schemas.openxmlformats.org/officeDocument/2006/math">
-                    <m:r>
-                      <a:rPr lang="en-US" altLang="ja-JP" i="1">
-                        <a:latin typeface="Cambria Math" panose="02040503050406030204" pitchFamily="18" charset="0"/>
-                      </a:rPr>
-                      <m:t>𝑠</m:t>
-                    </m:r>
-                    <m:r>
-                      <a:rPr lang="en-US" altLang="ja-JP" b="0" i="1" smtClean="0">
-                        <a:latin typeface="Cambria Math" panose="02040503050406030204" pitchFamily="18" charset="0"/>
-                      </a:rPr>
-                      <m:t>=0</m:t>
-                    </m:r>
-                  </m:oMath>
-                </a14:m>
-                <a:r>
-                  <a:rPr lang="ja-JP" altLang="en-US"/>
-                  <a:t>における</a:t>
-                </a:r>
-                <a14:m>
-                  <m:oMath xmlns:m="http://schemas.openxmlformats.org/officeDocument/2006/math">
-                    <m:sSup>
-                      <m:sSupPr>
-                        <m:ctrlPr>
-                          <a:rPr lang="en-US" altLang="ja-JP" i="1">
+                        </m:d>
+                        <m:r>
+                          <a:rPr kumimoji="1" lang="en-US" altLang="ja-JP" sz="1400" b="0" i="1" smtClean="0">
+                            <a:solidFill>
+                              <a:srgbClr val="FF0000"/>
+                            </a:solidFill>
                             <a:latin typeface="Cambria Math" panose="02040503050406030204" pitchFamily="18" charset="0"/>
                           </a:rPr>
-                        </m:ctrlPr>
-                      </m:sSupPr>
-                      <m:e>
-                        <m:r>
-                          <a:rPr lang="en-US" altLang="ja-JP" i="1">
-                            <a:latin typeface="Cambria Math" panose="02040503050406030204" pitchFamily="18" charset="0"/>
-                          </a:rPr>
-                          <m:t>𝑄</m:t>
+                          <m:t>=1,−5</m:t>
                         </m:r>
-                      </m:e>
-                      <m:sup>
-                        <m:r>
-                          <a:rPr lang="en-US" altLang="ja-JP" i="1">
-                            <a:latin typeface="Cambria Math" panose="02040503050406030204" pitchFamily="18" charset="0"/>
-                            <a:ea typeface="Cambria Math" panose="02040503050406030204" pitchFamily="18" charset="0"/>
-                          </a:rPr>
-                          <m:t>𝜋</m:t>
-                        </m:r>
-                      </m:sup>
-                    </m:sSup>
-                    <m:d>
-                      <m:dPr>
-                        <m:ctrlPr>
-                          <a:rPr lang="en-US" altLang="ja-JP" i="1">
-                            <a:latin typeface="Cambria Math" panose="02040503050406030204" pitchFamily="18" charset="0"/>
-                          </a:rPr>
-                        </m:ctrlPr>
-                      </m:dPr>
-                      <m:e>
-                        <m:r>
-                          <a:rPr lang="en-US" altLang="ja-JP" i="1">
-                            <a:latin typeface="Cambria Math" panose="02040503050406030204" pitchFamily="18" charset="0"/>
-                          </a:rPr>
-                          <m:t>𝑠</m:t>
-                        </m:r>
-                        <m:r>
-                          <a:rPr lang="en-US" altLang="ja-JP" i="1">
-                            <a:latin typeface="Cambria Math" panose="02040503050406030204" pitchFamily="18" charset="0"/>
-                          </a:rPr>
-                          <m:t>,</m:t>
-                        </m:r>
-                        <m:r>
-                          <a:rPr lang="en-US" altLang="ja-JP" i="1">
-                            <a:latin typeface="Cambria Math" panose="02040503050406030204" pitchFamily="18" charset="0"/>
-                          </a:rPr>
-                          <m:t>𝑎</m:t>
-                        </m:r>
-                      </m:e>
-                    </m:d>
-                  </m:oMath>
-                </a14:m>
-                <a:r>
-                  <a:rPr kumimoji="1" lang="en-US" altLang="ja-JP" dirty="0"/>
-                  <a:t> </a:t>
-                </a:r>
-                <a:r>
-                  <a:rPr kumimoji="1" lang="ja-JP" altLang="en-US"/>
-                  <a:t>のヒートマップ</a:t>
-                </a:r>
-                <a:endParaRPr kumimoji="1" lang="en-US" altLang="ja-JP" dirty="0"/>
-              </a:p>
-              <a:p>
-                <a:pPr lvl="1"/>
-                <a:r>
-                  <a:rPr kumimoji="1" lang="ja-JP" altLang="en-US"/>
-                  <a:t>システムノイズがない場合のものと比較</a:t>
-                </a:r>
-                <a:endParaRPr kumimoji="1" lang="en-US" altLang="ja-JP" dirty="0"/>
-              </a:p>
-            </p:txBody>
-          </p:sp>
-        </mc:Choice>
-        <mc:Fallback xmlns="">
-          <p:sp>
-            <p:nvSpPr>
-              <p:cNvPr id="2" name="コンテンツ プレースホルダー 1">
-                <a:extLst>
-                  <a:ext uri="{FF2B5EF4-FFF2-40B4-BE49-F238E27FC236}">
-                    <a16:creationId xmlns:a16="http://schemas.microsoft.com/office/drawing/2014/main" id="{CB252931-C63C-BD40-9029-3146333D4099}"/>
-                  </a:ext>
-                </a:extLst>
-              </p:cNvPr>
-              <p:cNvSpPr>
-                <a:spLocks noGrp="1" noRot="1" noChangeAspect="1" noMove="1" noResize="1" noEditPoints="1" noAdjustHandles="1" noChangeArrowheads="1" noChangeShapeType="1" noTextEdit="1"/>
-              </p:cNvSpPr>
-              <p:nvPr>
-                <p:ph idx="1"/>
-              </p:nvPr>
-            </p:nvSpPr>
-            <p:spPr>
-              <a:blipFill>
-                <a:blip r:embed="rId2"/>
-                <a:stretch>
-                  <a:fillRect l="-598" t="-1266"/>
-                </a:stretch>
-              </a:blipFill>
-            </p:spPr>
-            <p:txBody>
-              <a:bodyPr/>
-              <a:lstStyle/>
-              <a:p>
-                <a:r>
-                  <a:rPr lang="ja-JP" altLang="en-US">
-                    <a:noFill/>
-                  </a:rPr>
-                  <a:t> </a:t>
-                </a:r>
-              </a:p>
-            </p:txBody>
-          </p:sp>
-        </mc:Fallback>
-      </mc:AlternateContent>
-      <p:sp>
-        <p:nvSpPr>
-          <p:cNvPr id="3" name="日付プレースホルダー 2">
+                      </m:oMath>
+                    </m:oMathPara>
+                  </a14:m>
+                  <a:endParaRPr kumimoji="1" lang="ja-JP" altLang="en-US" sz="1400">
+                    <a:solidFill>
+                      <a:srgbClr val="FF0000"/>
+                    </a:solidFill>
+                  </a:endParaRPr>
+                </a:p>
+              </p:txBody>
+            </p:sp>
+          </mc:Choice>
+          <mc:Fallback>
+            <p:sp>
+              <p:nvSpPr>
+                <p:cNvPr id="7" name="テキスト ボックス 6">
+                  <a:extLst>
+                    <a:ext uri="{FF2B5EF4-FFF2-40B4-BE49-F238E27FC236}">
+                      <a16:creationId xmlns:a16="http://schemas.microsoft.com/office/drawing/2014/main" id="{31D0221B-4999-224C-BF91-93B8B2DDE5FA}"/>
+                    </a:ext>
+                  </a:extLst>
+                </p:cNvPr>
+                <p:cNvSpPr txBox="1">
+                  <a:spLocks noRot="1" noChangeAspect="1" noMove="1" noResize="1" noEditPoints="1" noAdjustHandles="1" noChangeArrowheads="1" noChangeShapeType="1" noTextEdit="1"/>
+                </p:cNvSpPr>
+                <p:nvPr/>
+              </p:nvSpPr>
+              <p:spPr>
+                <a:xfrm>
+                  <a:off x="3346883" y="2978744"/>
+                  <a:ext cx="1349985" cy="307777"/>
+                </a:xfrm>
+                <a:prstGeom prst="rect">
+                  <a:avLst/>
+                </a:prstGeom>
+                <a:blipFill>
+                  <a:blip r:embed="rId3"/>
+                  <a:stretch>
+                    <a:fillRect b="-4000"/>
+                  </a:stretch>
+                </a:blipFill>
+              </p:spPr>
+              <p:txBody>
+                <a:bodyPr/>
+                <a:lstStyle/>
+                <a:p>
+                  <a:r>
+                    <a:rPr lang="ja-JP" altLang="en-US">
+                      <a:noFill/>
+                    </a:rPr>
+                    <a:t> </a:t>
+                  </a:r>
+                </a:p>
+              </p:txBody>
+            </p:sp>
+          </mc:Fallback>
+        </mc:AlternateContent>
+        <p:cxnSp>
+          <p:nvCxnSpPr>
+            <p:cNvPr id="9" name="直線コネクタ 8">
+              <a:extLst>
+                <a:ext uri="{FF2B5EF4-FFF2-40B4-BE49-F238E27FC236}">
+                  <a16:creationId xmlns:a16="http://schemas.microsoft.com/office/drawing/2014/main" id="{0E2FE155-F3A0-1E48-9042-2F744D6F01F6}"/>
+                </a:ext>
+              </a:extLst>
+            </p:cNvPr>
+            <p:cNvCxnSpPr>
+              <a:cxnSpLocks/>
+            </p:cNvCxnSpPr>
+            <p:nvPr/>
+          </p:nvCxnSpPr>
+          <p:spPr>
+            <a:xfrm>
+              <a:off x="3116487" y="2926339"/>
+              <a:ext cx="1080854" cy="0"/>
+            </a:xfrm>
+            <a:prstGeom prst="line">
+              <a:avLst/>
+            </a:prstGeom>
+            <a:ln w="12700">
+              <a:solidFill>
+                <a:srgbClr val="FF0000"/>
+              </a:solidFill>
+            </a:ln>
+          </p:spPr>
+          <p:style>
+            <a:lnRef idx="1">
+              <a:schemeClr val="accent1"/>
+            </a:lnRef>
+            <a:fillRef idx="0">
+              <a:schemeClr val="accent1"/>
+            </a:fillRef>
+            <a:effectRef idx="0">
+              <a:schemeClr val="accent1"/>
+            </a:effectRef>
+            <a:fontRef idx="minor">
+              <a:schemeClr val="tx1"/>
+            </a:fontRef>
+          </p:style>
+        </p:cxnSp>
+      </p:grpSp>
+      <p:pic>
+        <p:nvPicPr>
+          <p:cNvPr id="15" name="図 14">
             <a:extLst>
               <a:ext uri="{FF2B5EF4-FFF2-40B4-BE49-F238E27FC236}">
-                <a16:creationId xmlns:a16="http://schemas.microsoft.com/office/drawing/2014/main" id="{E3E07B18-F507-FC45-A5D6-B410F8D14FB7}"/>
-              </a:ext>
-            </a:extLst>
-          </p:cNvPr>
-          <p:cNvSpPr>
-            <a:spLocks noGrp="1"/>
-          </p:cNvSpPr>
-          <p:nvPr>
-            <p:ph type="dt" sz="half" idx="10"/>
-          </p:nvPr>
-        </p:nvSpPr>
-        <p:spPr/>
-        <p:txBody>
-          <a:bodyPr/>
-          <a:lstStyle/>
-          <a:p>
-            <a:fld id="{90235FA2-C49A-5C4F-85BF-B1D7D24C5B31}" type="datetime1">
-              <a:rPr kumimoji="1" lang="ja-JP" altLang="en-US" smtClean="0"/>
-              <a:t>2020/12/26</a:t>
-            </a:fld>
-            <a:endParaRPr kumimoji="1" lang="ja-JP" altLang="en-US"/>
-          </a:p>
-        </p:txBody>
-      </p:sp>
-      <p:sp>
-        <p:nvSpPr>
-          <p:cNvPr id="4" name="フッター プレースホルダー 3">
-            <a:extLst>
-              <a:ext uri="{FF2B5EF4-FFF2-40B4-BE49-F238E27FC236}">
-                <a16:creationId xmlns:a16="http://schemas.microsoft.com/office/drawing/2014/main" id="{2D566879-924B-9044-B825-15CAB4EB1659}"/>
-              </a:ext>
-            </a:extLst>
-          </p:cNvPr>
-          <p:cNvSpPr>
-            <a:spLocks noGrp="1"/>
-          </p:cNvSpPr>
-          <p:nvPr>
-            <p:ph type="ftr" sz="quarter" idx="11"/>
-          </p:nvPr>
-        </p:nvSpPr>
-        <p:spPr/>
-        <p:txBody>
-          <a:bodyPr/>
-          <a:lstStyle/>
-          <a:p>
-            <a:r>
-              <a:rPr kumimoji="1" lang="en-US" altLang="ja-JP"/>
-              <a:t>Control System Theory Group</a:t>
-            </a:r>
-            <a:endParaRPr kumimoji="1" lang="ja-JP" altLang="en-US"/>
-          </a:p>
-        </p:txBody>
-      </p:sp>
-      <p:sp>
-        <p:nvSpPr>
-          <p:cNvPr id="5" name="タイトル 4">
-            <a:extLst>
-              <a:ext uri="{FF2B5EF4-FFF2-40B4-BE49-F238E27FC236}">
-                <a16:creationId xmlns:a16="http://schemas.microsoft.com/office/drawing/2014/main" id="{29E78720-1837-684C-814A-961990F09CCD}"/>
-              </a:ext>
-            </a:extLst>
-          </p:cNvPr>
-          <p:cNvSpPr>
-            <a:spLocks noGrp="1"/>
-          </p:cNvSpPr>
-          <p:nvPr>
-            <p:ph type="title"/>
-          </p:nvPr>
-        </p:nvSpPr>
-        <p:spPr/>
-        <p:txBody>
-          <a:bodyPr/>
-          <a:lstStyle/>
-          <a:p>
-            <a:r>
-              <a:rPr kumimoji="1" lang="ja-JP" altLang="en-US"/>
-              <a:t>確率システムの</a:t>
-            </a:r>
-            <a:r>
-              <a:rPr kumimoji="1" lang="en-US" altLang="ja-JP" i="1" dirty="0">
-                <a:latin typeface="Cambria" panose="02040503050406030204" pitchFamily="18" charset="0"/>
-              </a:rPr>
-              <a:t>Q</a:t>
-            </a:r>
-            <a:r>
-              <a:rPr kumimoji="1" lang="ja-JP" altLang="en-US"/>
-              <a:t>関数</a:t>
-            </a:r>
-          </a:p>
-        </p:txBody>
-      </p:sp>
-      <mc:AlternateContent xmlns:mc="http://schemas.openxmlformats.org/markup-compatibility/2006" xmlns:a14="http://schemas.microsoft.com/office/drawing/2010/main">
-        <mc:Choice Requires="a14">
-          <p:sp>
-            <p:nvSpPr>
-              <p:cNvPr id="6" name="テキスト ボックス 5">
-                <a:extLst>
-                  <a:ext uri="{FF2B5EF4-FFF2-40B4-BE49-F238E27FC236}">
-                    <a16:creationId xmlns:a16="http://schemas.microsoft.com/office/drawing/2014/main" id="{6F437EE5-A997-4646-A7CE-C18CD3C4E120}"/>
-                  </a:ext>
-                </a:extLst>
-              </p:cNvPr>
-              <p:cNvSpPr txBox="1"/>
-              <p:nvPr/>
-            </p:nvSpPr>
-            <p:spPr>
-              <a:xfrm>
-                <a:off x="955282" y="1555792"/>
-                <a:ext cx="4376647" cy="434991"/>
-              </a:xfrm>
-              <a:prstGeom prst="rect">
-                <a:avLst/>
-              </a:prstGeom>
-              <a:noFill/>
-            </p:spPr>
-            <p:txBody>
-              <a:bodyPr wrap="none" rtlCol="0">
-                <a:spAutoFit/>
-              </a:bodyPr>
-              <a:lstStyle/>
-              <a:p>
-                <a:pPr/>
-                <a14:m>
-                  <m:oMathPara xmlns:m="http://schemas.openxmlformats.org/officeDocument/2006/math">
-                    <m:oMathParaPr>
-                      <m:jc m:val="centerGroup"/>
-                    </m:oMathParaPr>
-                    <m:oMath xmlns:m="http://schemas.openxmlformats.org/officeDocument/2006/math">
-                      <m:sSup>
-                        <m:sSupPr>
-                          <m:ctrlPr>
-                            <a:rPr kumimoji="1" lang="en-US" altLang="ja-JP" sz="2200" i="1" smtClean="0">
-                              <a:solidFill>
-                                <a:schemeClr val="tx1"/>
-                              </a:solidFill>
-                              <a:latin typeface="Cambria Math" panose="02040503050406030204" pitchFamily="18" charset="0"/>
-                            </a:rPr>
-                          </m:ctrlPr>
-                        </m:sSupPr>
-                        <m:e>
-                          <m:r>
-                            <a:rPr kumimoji="1" lang="en-US" altLang="ja-JP" sz="2200" b="0" i="1" smtClean="0">
-                              <a:solidFill>
-                                <a:schemeClr val="tx1"/>
-                              </a:solidFill>
-                              <a:latin typeface="Cambria Math" panose="02040503050406030204" pitchFamily="18" charset="0"/>
-                            </a:rPr>
-                            <m:t>𝑄</m:t>
-                          </m:r>
-                        </m:e>
-                        <m:sup>
-                          <m:r>
-                            <a:rPr kumimoji="1" lang="en-US" altLang="ja-JP" sz="2200" i="1" smtClean="0">
-                              <a:solidFill>
-                                <a:schemeClr val="tx1"/>
-                              </a:solidFill>
-                              <a:latin typeface="Cambria Math" panose="02040503050406030204" pitchFamily="18" charset="0"/>
-                              <a:ea typeface="Cambria Math" panose="02040503050406030204" pitchFamily="18" charset="0"/>
-                            </a:rPr>
-                            <m:t>𝜋</m:t>
-                          </m:r>
-                        </m:sup>
-                      </m:sSup>
-                      <m:d>
-                        <m:dPr>
-                          <m:ctrlPr>
-                            <a:rPr kumimoji="1" lang="en-US" altLang="ja-JP" sz="2200" i="1">
-                              <a:solidFill>
-                                <a:schemeClr val="tx1"/>
-                              </a:solidFill>
-                              <a:latin typeface="Cambria Math" panose="02040503050406030204" pitchFamily="18" charset="0"/>
-                            </a:rPr>
-                          </m:ctrlPr>
-                        </m:dPr>
-                        <m:e>
-                          <m:r>
-                            <a:rPr kumimoji="1" lang="en-US" altLang="ja-JP" sz="2200" i="1">
-                              <a:solidFill>
-                                <a:schemeClr val="tx1"/>
-                              </a:solidFill>
-                              <a:latin typeface="Cambria Math" panose="02040503050406030204" pitchFamily="18" charset="0"/>
-                            </a:rPr>
-                            <m:t>𝑠</m:t>
-                          </m:r>
-                          <m:r>
-                            <a:rPr kumimoji="1" lang="en-US" altLang="ja-JP" sz="2200" i="1">
-                              <a:solidFill>
-                                <a:schemeClr val="tx1"/>
-                              </a:solidFill>
-                              <a:latin typeface="Cambria Math" panose="02040503050406030204" pitchFamily="18" charset="0"/>
-                            </a:rPr>
-                            <m:t>,</m:t>
-                          </m:r>
-                          <m:r>
-                            <a:rPr kumimoji="1" lang="en-US" altLang="ja-JP" sz="2200" i="1">
-                              <a:solidFill>
-                                <a:schemeClr val="tx1"/>
-                              </a:solidFill>
-                              <a:latin typeface="Cambria Math" panose="02040503050406030204" pitchFamily="18" charset="0"/>
-                            </a:rPr>
-                            <m:t>𝑎</m:t>
-                          </m:r>
-                        </m:e>
-                      </m:d>
-                      <m:r>
-                        <a:rPr kumimoji="1" lang="en-US" altLang="ja-JP" sz="2200" b="0" i="1" smtClean="0">
-                          <a:solidFill>
-                            <a:schemeClr val="tx1"/>
-                          </a:solidFill>
-                          <a:latin typeface="Cambria Math" panose="02040503050406030204" pitchFamily="18" charset="0"/>
-                          <a:ea typeface="Cambria Math" panose="02040503050406030204" pitchFamily="18" charset="0"/>
-                        </a:rPr>
-                        <m:t>=</m:t>
-                      </m:r>
-                      <m:sSub>
-                        <m:sSubPr>
-                          <m:ctrlPr>
-                            <a:rPr kumimoji="1" lang="en-US" altLang="ja-JP" sz="2200" i="1">
-                              <a:solidFill>
-                                <a:srgbClr val="FF0000"/>
-                              </a:solidFill>
-                              <a:latin typeface="Cambria Math" panose="02040503050406030204" pitchFamily="18" charset="0"/>
-                              <a:ea typeface="Cambria Math" panose="02040503050406030204" pitchFamily="18" charset="0"/>
-                            </a:rPr>
-                          </m:ctrlPr>
-                        </m:sSubPr>
-                        <m:e>
-                          <m:r>
-                            <a:rPr kumimoji="1" lang="en-US" altLang="ja-JP" sz="2200" i="1">
-                              <a:solidFill>
-                                <a:srgbClr val="FF0000"/>
-                              </a:solidFill>
-                              <a:latin typeface="Cambria Math" panose="02040503050406030204" pitchFamily="18" charset="0"/>
-                              <a:ea typeface="Cambria Math" panose="02040503050406030204" pitchFamily="18" charset="0"/>
-                            </a:rPr>
-                            <m:t>𝔼</m:t>
-                          </m:r>
-                        </m:e>
-                        <m:sub>
-                          <m:r>
-                            <a:rPr kumimoji="1" lang="en-US" altLang="ja-JP" sz="2200" b="0" i="1" smtClean="0">
-                              <a:solidFill>
-                                <a:srgbClr val="FF0000"/>
-                              </a:solidFill>
-                              <a:latin typeface="Cambria Math" panose="02040503050406030204" pitchFamily="18" charset="0"/>
-                            </a:rPr>
-                            <m:t>𝑤</m:t>
-                          </m:r>
-                        </m:sub>
-                      </m:sSub>
-                      <m:r>
-                        <a:rPr kumimoji="1" lang="en-US" altLang="ja-JP" sz="2200" i="1">
-                          <a:solidFill>
-                            <a:srgbClr val="FF0000"/>
-                          </a:solidFill>
-                          <a:latin typeface="Cambria Math" panose="02040503050406030204" pitchFamily="18" charset="0"/>
-                          <a:ea typeface="Cambria Math" panose="02040503050406030204" pitchFamily="18" charset="0"/>
-                        </a:rPr>
-                        <m:t>[</m:t>
-                      </m:r>
-                      <m:r>
-                        <a:rPr kumimoji="1" lang="en-US" altLang="ja-JP" sz="2200" i="1">
-                          <a:solidFill>
-                            <a:schemeClr val="tx1"/>
-                          </a:solidFill>
-                          <a:latin typeface="Cambria Math" panose="02040503050406030204" pitchFamily="18" charset="0"/>
-                        </a:rPr>
-                        <m:t>𝑟</m:t>
-                      </m:r>
-                      <m:d>
-                        <m:dPr>
-                          <m:ctrlPr>
-                            <a:rPr kumimoji="1" lang="en-US" altLang="ja-JP" sz="2200" i="1">
-                              <a:solidFill>
-                                <a:schemeClr val="tx1"/>
-                              </a:solidFill>
-                              <a:latin typeface="Cambria Math" panose="02040503050406030204" pitchFamily="18" charset="0"/>
-                            </a:rPr>
-                          </m:ctrlPr>
-                        </m:dPr>
-                        <m:e>
-                          <m:r>
-                            <a:rPr kumimoji="1" lang="en-US" altLang="ja-JP" sz="2200" i="1">
-                              <a:solidFill>
-                                <a:schemeClr val="tx1"/>
-                              </a:solidFill>
-                              <a:latin typeface="Cambria Math" panose="02040503050406030204" pitchFamily="18" charset="0"/>
-                            </a:rPr>
-                            <m:t>𝑠</m:t>
-                          </m:r>
-                          <m:r>
-                            <a:rPr kumimoji="1" lang="en-US" altLang="ja-JP" sz="2200" i="1">
-                              <a:solidFill>
-                                <a:schemeClr val="tx1"/>
-                              </a:solidFill>
-                              <a:latin typeface="Cambria Math" panose="02040503050406030204" pitchFamily="18" charset="0"/>
-                            </a:rPr>
-                            <m:t>,</m:t>
-                          </m:r>
-                          <m:r>
-                            <a:rPr kumimoji="1" lang="en-US" altLang="ja-JP" sz="2200" i="1">
-                              <a:solidFill>
-                                <a:schemeClr val="tx1"/>
-                              </a:solidFill>
-                              <a:latin typeface="Cambria Math" panose="02040503050406030204" pitchFamily="18" charset="0"/>
-                            </a:rPr>
-                            <m:t>𝑎</m:t>
-                          </m:r>
-                        </m:e>
-                      </m:d>
-                      <m:r>
-                        <a:rPr kumimoji="1" lang="en-US" altLang="ja-JP" sz="2200" i="1">
-                          <a:solidFill>
-                            <a:schemeClr val="tx1"/>
-                          </a:solidFill>
-                          <a:latin typeface="Cambria Math" panose="02040503050406030204" pitchFamily="18" charset="0"/>
-                        </a:rPr>
-                        <m:t>+</m:t>
-                      </m:r>
-                      <m:r>
-                        <a:rPr kumimoji="1" lang="en-US" altLang="ja-JP" sz="2200" i="1">
-                          <a:solidFill>
-                            <a:schemeClr val="tx1"/>
-                          </a:solidFill>
-                          <a:latin typeface="Cambria Math" panose="02040503050406030204" pitchFamily="18" charset="0"/>
-                          <a:ea typeface="Cambria Math" panose="02040503050406030204" pitchFamily="18" charset="0"/>
-                        </a:rPr>
-                        <m:t>𝛾</m:t>
-                      </m:r>
-                      <m:sSup>
-                        <m:sSupPr>
-                          <m:ctrlPr>
-                            <a:rPr kumimoji="1" lang="en-US" altLang="ja-JP" sz="2200" i="1">
-                              <a:latin typeface="Cambria Math" panose="02040503050406030204" pitchFamily="18" charset="0"/>
-                            </a:rPr>
-                          </m:ctrlPr>
-                        </m:sSupPr>
-                        <m:e>
-                          <m:r>
-                            <a:rPr kumimoji="1" lang="en-US" altLang="ja-JP" sz="2200" b="0" i="1" smtClean="0">
-                              <a:latin typeface="Cambria Math" panose="02040503050406030204" pitchFamily="18" charset="0"/>
-                            </a:rPr>
-                            <m:t>𝑉</m:t>
-                          </m:r>
-                        </m:e>
-                        <m:sup>
-                          <m:r>
-                            <a:rPr kumimoji="1" lang="en-US" altLang="ja-JP" sz="2200" i="1">
-                              <a:latin typeface="Cambria Math" panose="02040503050406030204" pitchFamily="18" charset="0"/>
-                              <a:ea typeface="Cambria Math" panose="02040503050406030204" pitchFamily="18" charset="0"/>
-                            </a:rPr>
-                            <m:t>𝜋</m:t>
-                          </m:r>
-                        </m:sup>
-                      </m:sSup>
-                      <m:d>
-                        <m:dPr>
-                          <m:ctrlPr>
-                            <a:rPr kumimoji="1" lang="en-US" altLang="ja-JP" sz="2200" i="1">
-                              <a:solidFill>
-                                <a:schemeClr val="tx1"/>
-                              </a:solidFill>
-                              <a:latin typeface="Cambria Math" panose="02040503050406030204" pitchFamily="18" charset="0"/>
-                              <a:ea typeface="Cambria Math" panose="02040503050406030204" pitchFamily="18" charset="0"/>
-                            </a:rPr>
-                          </m:ctrlPr>
-                        </m:dPr>
-                        <m:e>
-                          <m:sSup>
-                            <m:sSupPr>
-                              <m:ctrlPr>
-                                <a:rPr kumimoji="1" lang="en-US" altLang="ja-JP" sz="2200" i="1">
-                                  <a:latin typeface="Cambria Math" panose="02040503050406030204" pitchFamily="18" charset="0"/>
-                                </a:rPr>
-                              </m:ctrlPr>
-                            </m:sSupPr>
-                            <m:e>
-                              <m:r>
-                                <a:rPr kumimoji="1" lang="en-US" altLang="ja-JP" sz="2200" b="0" i="1" smtClean="0">
-                                  <a:latin typeface="Cambria Math" panose="02040503050406030204" pitchFamily="18" charset="0"/>
-                                </a:rPr>
-                                <m:t>𝑠</m:t>
-                              </m:r>
-                            </m:e>
-                            <m:sup>
-                              <m:r>
-                                <a:rPr kumimoji="1" lang="en-US" altLang="ja-JP" sz="2200" b="0" i="1" smtClean="0">
-                                  <a:latin typeface="Cambria Math" panose="02040503050406030204" pitchFamily="18" charset="0"/>
-                                </a:rPr>
-                                <m:t>′</m:t>
-                              </m:r>
-                            </m:sup>
-                          </m:sSup>
-                        </m:e>
-                      </m:d>
-                      <m:r>
-                        <a:rPr kumimoji="1" lang="en-US" altLang="ja-JP" sz="2200" b="0" i="1" smtClean="0">
-                          <a:solidFill>
-                            <a:srgbClr val="FF0000"/>
-                          </a:solidFill>
-                          <a:latin typeface="Cambria Math" panose="02040503050406030204" pitchFamily="18" charset="0"/>
-                          <a:ea typeface="Cambria Math" panose="02040503050406030204" pitchFamily="18" charset="0"/>
-                        </a:rPr>
-                        <m:t>]</m:t>
-                      </m:r>
-                    </m:oMath>
-                  </m:oMathPara>
-                </a14:m>
-                <a:endParaRPr kumimoji="1" lang="ja-JP" altLang="en-US" sz="2200">
-                  <a:solidFill>
-                    <a:schemeClr val="tx1"/>
-                  </a:solidFill>
-                </a:endParaRPr>
-              </a:p>
-            </p:txBody>
-          </p:sp>
-        </mc:Choice>
-        <mc:Fallback xmlns="">
-          <p:sp>
-            <p:nvSpPr>
-              <p:cNvPr id="6" name="テキスト ボックス 5">
-                <a:extLst>
-                  <a:ext uri="{FF2B5EF4-FFF2-40B4-BE49-F238E27FC236}">
-                    <a16:creationId xmlns:a16="http://schemas.microsoft.com/office/drawing/2014/main" id="{6F437EE5-A997-4646-A7CE-C18CD3C4E120}"/>
-                  </a:ext>
-                </a:extLst>
-              </p:cNvPr>
-              <p:cNvSpPr txBox="1">
-                <a:spLocks noRot="1" noChangeAspect="1" noMove="1" noResize="1" noEditPoints="1" noAdjustHandles="1" noChangeArrowheads="1" noChangeShapeType="1" noTextEdit="1"/>
-              </p:cNvSpPr>
-              <p:nvPr/>
-            </p:nvSpPr>
-            <p:spPr>
-              <a:xfrm>
-                <a:off x="955282" y="1555792"/>
-                <a:ext cx="4376647" cy="434991"/>
-              </a:xfrm>
-              <a:prstGeom prst="rect">
-                <a:avLst/>
-              </a:prstGeom>
-              <a:blipFill>
-                <a:blip r:embed="rId3"/>
-                <a:stretch>
-                  <a:fillRect b="-14286"/>
-                </a:stretch>
-              </a:blipFill>
-            </p:spPr>
-            <p:txBody>
-              <a:bodyPr/>
-              <a:lstStyle/>
-              <a:p>
-                <a:r>
-                  <a:rPr lang="ja-JP" altLang="en-US">
-                    <a:noFill/>
-                  </a:rPr>
-                  <a:t> </a:t>
-                </a:r>
-              </a:p>
-            </p:txBody>
-          </p:sp>
-        </mc:Fallback>
-      </mc:AlternateContent>
-      <mc:AlternateContent xmlns:mc="http://schemas.openxmlformats.org/markup-compatibility/2006" xmlns:a14="http://schemas.microsoft.com/office/drawing/2010/main">
-        <mc:Choice Requires="a14">
-          <p:sp>
-            <p:nvSpPr>
-              <p:cNvPr id="10" name="テキスト ボックス 9">
-                <a:extLst>
-                  <a:ext uri="{FF2B5EF4-FFF2-40B4-BE49-F238E27FC236}">
-                    <a16:creationId xmlns:a16="http://schemas.microsoft.com/office/drawing/2014/main" id="{78B8930B-361B-4F45-AEB7-DDC790439F64}"/>
-                  </a:ext>
-                </a:extLst>
-              </p:cNvPr>
-              <p:cNvSpPr txBox="1"/>
-              <p:nvPr/>
-            </p:nvSpPr>
-            <p:spPr>
-              <a:xfrm>
-                <a:off x="6222776" y="1103023"/>
-                <a:ext cx="1826141" cy="1077218"/>
-              </a:xfrm>
-              <a:prstGeom prst="rect">
-                <a:avLst/>
-              </a:prstGeom>
-              <a:noFill/>
-            </p:spPr>
-            <p:txBody>
-              <a:bodyPr wrap="none" rtlCol="0">
-                <a:spAutoFit/>
-              </a:bodyPr>
-              <a:lstStyle/>
-              <a:p>
-                <a14:m>
-                  <m:oMath xmlns:m="http://schemas.openxmlformats.org/officeDocument/2006/math">
-                    <m:sSup>
-                      <m:sSupPr>
-                        <m:ctrlPr>
-                          <a:rPr lang="en-US" altLang="ja-JP" sz="1600" i="1">
-                            <a:latin typeface="Cambria Math" panose="02040503050406030204" pitchFamily="18" charset="0"/>
-                          </a:rPr>
-                        </m:ctrlPr>
-                      </m:sSupPr>
-                      <m:e>
-                        <m:r>
-                          <a:rPr lang="en-US" altLang="ja-JP" sz="1600" i="1">
-                            <a:latin typeface="Cambria Math" panose="02040503050406030204" pitchFamily="18" charset="0"/>
-                          </a:rPr>
-                          <m:t>𝑉</m:t>
-                        </m:r>
-                      </m:e>
-                      <m:sup>
-                        <m:r>
-                          <a:rPr lang="en-US" altLang="ja-JP" sz="1600" i="1">
-                            <a:latin typeface="Cambria Math" panose="02040503050406030204" pitchFamily="18" charset="0"/>
-                            <a:ea typeface="Cambria Math" panose="02040503050406030204" pitchFamily="18" charset="0"/>
-                          </a:rPr>
-                          <m:t>𝜋</m:t>
-                        </m:r>
-                      </m:sup>
-                    </m:sSup>
-                    <m:r>
-                      <a:rPr lang="en-US" altLang="ja-JP" sz="1600" i="1">
-                        <a:latin typeface="Cambria Math" panose="02040503050406030204" pitchFamily="18" charset="0"/>
-                        <a:ea typeface="Cambria Math" panose="02040503050406030204" pitchFamily="18" charset="0"/>
-                      </a:rPr>
-                      <m:t>(</m:t>
-                    </m:r>
-                    <m:r>
-                      <a:rPr lang="en-US" altLang="ja-JP" sz="1600" i="1">
-                        <a:latin typeface="Cambria Math" panose="02040503050406030204" pitchFamily="18" charset="0"/>
-                        <a:ea typeface="Cambria Math" panose="02040503050406030204" pitchFamily="18" charset="0"/>
-                      </a:rPr>
-                      <m:t>𝑠</m:t>
-                    </m:r>
-                    <m:r>
-                      <a:rPr lang="en-US" altLang="ja-JP" sz="1600" i="1">
-                        <a:latin typeface="Cambria Math" panose="02040503050406030204" pitchFamily="18" charset="0"/>
-                        <a:ea typeface="Cambria Math" panose="02040503050406030204" pitchFamily="18" charset="0"/>
-                      </a:rPr>
-                      <m:t>)</m:t>
-                    </m:r>
-                  </m:oMath>
-                </a14:m>
-                <a:r>
-                  <a:rPr kumimoji="1" lang="en-US" altLang="ja-JP" sz="1600" dirty="0"/>
-                  <a:t> </a:t>
-                </a:r>
-                <a:r>
-                  <a:rPr kumimoji="1" lang="ja-JP" altLang="en-US" sz="1600"/>
-                  <a:t>は方策固定</a:t>
-                </a:r>
-                <a:endParaRPr kumimoji="1" lang="en-US" altLang="ja-JP" sz="1600" dirty="0"/>
-              </a:p>
-              <a:p>
-                <a:r>
-                  <a:rPr kumimoji="1" lang="ja-JP" altLang="en-US" sz="1600"/>
-                  <a:t>の経験データ</a:t>
-                </a:r>
-                <a:endParaRPr kumimoji="1" lang="en-US" altLang="ja-JP" sz="1600" dirty="0"/>
-              </a:p>
-              <a:p>
-                <a:r>
-                  <a:rPr kumimoji="1" lang="ja-JP" altLang="en-US" sz="1600"/>
-                  <a:t>から教師あり学習</a:t>
-                </a:r>
-                <a:endParaRPr kumimoji="1" lang="en-US" altLang="ja-JP" sz="1600" dirty="0"/>
-              </a:p>
-              <a:p>
-                <a:r>
-                  <a:rPr kumimoji="1" lang="en-US" altLang="ja-JP" sz="1600" dirty="0"/>
-                  <a:t>(Loss</a:t>
-                </a:r>
-                <a:r>
-                  <a:rPr kumimoji="1" lang="ja-JP" altLang="en-US" sz="1600"/>
-                  <a:t>は収束</a:t>
-                </a:r>
-                <a:r>
-                  <a:rPr kumimoji="1" lang="en-US" altLang="ja-JP" sz="1600" dirty="0"/>
-                  <a:t>)</a:t>
-                </a:r>
-                <a:endParaRPr kumimoji="1" lang="ja-JP" altLang="en-US" sz="1600"/>
-              </a:p>
-            </p:txBody>
-          </p:sp>
-        </mc:Choice>
-        <mc:Fallback xmlns="">
-          <p:sp>
-            <p:nvSpPr>
-              <p:cNvPr id="10" name="テキスト ボックス 9">
-                <a:extLst>
-                  <a:ext uri="{FF2B5EF4-FFF2-40B4-BE49-F238E27FC236}">
-                    <a16:creationId xmlns:a16="http://schemas.microsoft.com/office/drawing/2014/main" id="{78B8930B-361B-4F45-AEB7-DDC790439F64}"/>
-                  </a:ext>
-                </a:extLst>
-              </p:cNvPr>
-              <p:cNvSpPr txBox="1">
-                <a:spLocks noRot="1" noChangeAspect="1" noMove="1" noResize="1" noEditPoints="1" noAdjustHandles="1" noChangeArrowheads="1" noChangeShapeType="1" noTextEdit="1"/>
-              </p:cNvSpPr>
-              <p:nvPr/>
-            </p:nvSpPr>
-            <p:spPr>
-              <a:xfrm>
-                <a:off x="6222776" y="1103023"/>
-                <a:ext cx="1826141" cy="1077218"/>
-              </a:xfrm>
-              <a:prstGeom prst="rect">
-                <a:avLst/>
-              </a:prstGeom>
-              <a:blipFill>
-                <a:blip r:embed="rId4"/>
-                <a:stretch>
-                  <a:fillRect l="-1379" t="-1163" r="-690" b="-5814"/>
-                </a:stretch>
-              </a:blipFill>
-            </p:spPr>
-            <p:txBody>
-              <a:bodyPr/>
-              <a:lstStyle/>
-              <a:p>
-                <a:r>
-                  <a:rPr lang="ja-JP" altLang="en-US">
-                    <a:noFill/>
-                  </a:rPr>
-                  <a:t> </a:t>
-                </a:r>
-              </a:p>
-            </p:txBody>
-          </p:sp>
-        </mc:Fallback>
-      </mc:AlternateContent>
-      <p:pic>
-        <p:nvPicPr>
-          <p:cNvPr id="12" name="図 11">
-            <a:extLst>
-              <a:ext uri="{FF2B5EF4-FFF2-40B4-BE49-F238E27FC236}">
-                <a16:creationId xmlns:a16="http://schemas.microsoft.com/office/drawing/2014/main" id="{D9F90BE4-5F99-F54F-A3B8-2F707B163F67}"/>
+                <a16:creationId xmlns:a16="http://schemas.microsoft.com/office/drawing/2014/main" id="{5923B092-F37E-F046-AFB7-3D3E868B699D}"/>
               </a:ext>
             </a:extLst>
           </p:cNvPr>
@@ -5092,125 +4673,25 @@
           <p:nvPr/>
         </p:nvPicPr>
         <p:blipFill>
-          <a:blip r:embed="rId5"/>
+          <a:blip r:embed="rId4"/>
           <a:stretch>
             <a:fillRect/>
           </a:stretch>
         </p:blipFill>
         <p:spPr>
           <a:xfrm>
-            <a:off x="1592044" y="4371110"/>
-            <a:ext cx="2255608" cy="2012951"/>
+            <a:off x="1073139" y="3972671"/>
+            <a:ext cx="6883660" cy="2343191"/>
           </a:xfrm>
           <a:prstGeom prst="rect">
             <a:avLst/>
           </a:prstGeom>
         </p:spPr>
       </p:pic>
-      <p:pic>
-        <p:nvPicPr>
-          <p:cNvPr id="13" name="図 12">
-            <a:extLst>
-              <a:ext uri="{FF2B5EF4-FFF2-40B4-BE49-F238E27FC236}">
-                <a16:creationId xmlns:a16="http://schemas.microsoft.com/office/drawing/2014/main" id="{425A03F7-FD16-9C49-88AC-1BA18CFBB802}"/>
-              </a:ext>
-            </a:extLst>
-          </p:cNvPr>
-          <p:cNvPicPr>
-            <a:picLocks noChangeAspect="1"/>
-          </p:cNvPicPr>
-          <p:nvPr/>
-        </p:nvPicPr>
-        <p:blipFill>
-          <a:blip r:embed="rId6"/>
-          <a:stretch>
-            <a:fillRect/>
-          </a:stretch>
-        </p:blipFill>
-        <p:spPr>
-          <a:xfrm>
-            <a:off x="5455699" y="4362706"/>
-            <a:ext cx="2185566" cy="2036173"/>
-          </a:xfrm>
-          <a:prstGeom prst="rect">
-            <a:avLst/>
-          </a:prstGeom>
-        </p:spPr>
-      </p:pic>
-      <p:sp>
-        <p:nvSpPr>
-          <p:cNvPr id="15" name="テキスト ボックス 14">
-            <a:extLst>
-              <a:ext uri="{FF2B5EF4-FFF2-40B4-BE49-F238E27FC236}">
-                <a16:creationId xmlns:a16="http://schemas.microsoft.com/office/drawing/2014/main" id="{B3B7A350-EDB1-634D-8409-2011AD502AC1}"/>
-              </a:ext>
-            </a:extLst>
-          </p:cNvPr>
-          <p:cNvSpPr txBox="1"/>
-          <p:nvPr/>
-        </p:nvSpPr>
-        <p:spPr>
-          <a:xfrm>
-            <a:off x="2132666" y="6419393"/>
-            <a:ext cx="1338828" cy="369332"/>
-          </a:xfrm>
-          <a:prstGeom prst="rect">
-            <a:avLst/>
-          </a:prstGeom>
-          <a:noFill/>
-        </p:spPr>
-        <p:txBody>
-          <a:bodyPr wrap="none" rtlCol="0">
-            <a:spAutoFit/>
-          </a:bodyPr>
-          <a:lstStyle/>
-          <a:p>
-            <a:r>
-              <a:rPr kumimoji="1" lang="ja-JP" altLang="en-US"/>
-              <a:t>ノイズあり</a:t>
-            </a:r>
-          </a:p>
-        </p:txBody>
-      </p:sp>
-      <p:sp>
-        <p:nvSpPr>
-          <p:cNvPr id="16" name="テキスト ボックス 15">
-            <a:extLst>
-              <a:ext uri="{FF2B5EF4-FFF2-40B4-BE49-F238E27FC236}">
-                <a16:creationId xmlns:a16="http://schemas.microsoft.com/office/drawing/2014/main" id="{6036D085-9C6F-064E-9727-B91EF4C7B416}"/>
-              </a:ext>
-            </a:extLst>
-          </p:cNvPr>
-          <p:cNvSpPr txBox="1"/>
-          <p:nvPr/>
-        </p:nvSpPr>
-        <p:spPr>
-          <a:xfrm>
-            <a:off x="5938885" y="6420406"/>
-            <a:ext cx="1338828" cy="369332"/>
-          </a:xfrm>
-          <a:prstGeom prst="rect">
-            <a:avLst/>
-          </a:prstGeom>
-          <a:noFill/>
-        </p:spPr>
-        <p:txBody>
-          <a:bodyPr wrap="none" rtlCol="0">
-            <a:spAutoFit/>
-          </a:bodyPr>
-          <a:lstStyle/>
-          <a:p>
-            <a:r>
-              <a:rPr kumimoji="1" lang="ja-JP" altLang="en-US"/>
-              <a:t>ノイズなし</a:t>
-            </a:r>
-          </a:p>
-        </p:txBody>
-      </p:sp>
     </p:spTree>
     <p:extLst>
       <p:ext uri="{BB962C8B-B14F-4D97-AF65-F5344CB8AC3E}">
-        <p14:creationId xmlns:p14="http://schemas.microsoft.com/office/powerpoint/2010/main" val="3787409476"/>
+        <p14:creationId xmlns:p14="http://schemas.microsoft.com/office/powerpoint/2010/main" val="555099622"/>
       </p:ext>
     </p:extLst>
   </p:cSld>
@@ -5237,137 +4718,654 @@
           <a:chExt cx="0" cy="0"/>
         </a:xfrm>
       </p:grpSpPr>
+      <p:sp>
+        <p:nvSpPr>
+          <p:cNvPr id="2" name="コンテンツ プレースホルダー 1">
+            <a:extLst>
+              <a:ext uri="{FF2B5EF4-FFF2-40B4-BE49-F238E27FC236}">
+                <a16:creationId xmlns:a16="http://schemas.microsoft.com/office/drawing/2014/main" id="{396BC654-5A53-8843-A7E9-BFD0462987F5}"/>
+              </a:ext>
+            </a:extLst>
+          </p:cNvPr>
+          <p:cNvSpPr>
+            <a:spLocks noGrp="1"/>
+          </p:cNvSpPr>
+          <p:nvPr>
+            <p:ph idx="1"/>
+          </p:nvPr>
+        </p:nvSpPr>
+        <p:spPr/>
+        <p:txBody>
+          <a:bodyPr/>
+          <a:lstStyle/>
+          <a:p>
+            <a:r>
+              <a:rPr kumimoji="1" lang="en-US" altLang="ja-JP" dirty="0"/>
+              <a:t>Comparison with naïve control law:</a:t>
+            </a:r>
+          </a:p>
+          <a:p>
+            <a:endParaRPr lang="en-US" altLang="ja-JP" dirty="0"/>
+          </a:p>
+          <a:p>
+            <a:endParaRPr kumimoji="1" lang="en-US" altLang="ja-JP" dirty="0"/>
+          </a:p>
+          <a:p>
+            <a:endParaRPr lang="en-US" altLang="ja-JP" dirty="0"/>
+          </a:p>
+          <a:p>
+            <a:endParaRPr kumimoji="1" lang="en-US" altLang="ja-JP" dirty="0"/>
+          </a:p>
+          <a:p>
+            <a:endParaRPr lang="en-US" altLang="ja-JP" dirty="0"/>
+          </a:p>
+          <a:p>
+            <a:r>
+              <a:rPr kumimoji="1" lang="en-US" altLang="ja-JP" dirty="0"/>
+              <a:t>Cannot stabilize the system</a:t>
+            </a:r>
+          </a:p>
+          <a:p>
+            <a:pPr marL="0" indent="0">
+              <a:buNone/>
+            </a:pPr>
+            <a:endParaRPr kumimoji="1" lang="en-US" altLang="ja-JP" dirty="0"/>
+          </a:p>
+          <a:p>
+            <a:endParaRPr lang="en-US" altLang="ja-JP" dirty="0"/>
+          </a:p>
+          <a:p>
+            <a:endParaRPr kumimoji="1" lang="ja-JP" altLang="en-US"/>
+          </a:p>
+        </p:txBody>
+      </p:sp>
+      <p:sp>
+        <p:nvSpPr>
+          <p:cNvPr id="3" name="日付プレースホルダー 2">
+            <a:extLst>
+              <a:ext uri="{FF2B5EF4-FFF2-40B4-BE49-F238E27FC236}">
+                <a16:creationId xmlns:a16="http://schemas.microsoft.com/office/drawing/2014/main" id="{35C7CC2B-2CDB-5346-8BF8-A789A13B63FD}"/>
+              </a:ext>
+            </a:extLst>
+          </p:cNvPr>
+          <p:cNvSpPr>
+            <a:spLocks noGrp="1"/>
+          </p:cNvSpPr>
+          <p:nvPr>
+            <p:ph type="dt" sz="half" idx="10"/>
+          </p:nvPr>
+        </p:nvSpPr>
+        <p:spPr/>
+        <p:txBody>
+          <a:bodyPr/>
+          <a:lstStyle/>
+          <a:p>
+            <a:fld id="{ABD608EE-CFF4-1943-BE86-ED48213EF391}" type="datetime1">
+              <a:rPr kumimoji="1" lang="ja-JP" altLang="en-US" smtClean="0"/>
+              <a:t>2021/1/5</a:t>
+            </a:fld>
+            <a:endParaRPr kumimoji="1" lang="ja-JP" altLang="en-US"/>
+          </a:p>
+        </p:txBody>
+      </p:sp>
+      <p:sp>
+        <p:nvSpPr>
+          <p:cNvPr id="4" name="フッター プレースホルダー 3">
+            <a:extLst>
+              <a:ext uri="{FF2B5EF4-FFF2-40B4-BE49-F238E27FC236}">
+                <a16:creationId xmlns:a16="http://schemas.microsoft.com/office/drawing/2014/main" id="{7DE92B7E-A1D5-6540-992E-89E02360A4E3}"/>
+              </a:ext>
+            </a:extLst>
+          </p:cNvPr>
+          <p:cNvSpPr>
+            <a:spLocks noGrp="1"/>
+          </p:cNvSpPr>
+          <p:nvPr>
+            <p:ph type="ftr" sz="quarter" idx="11"/>
+          </p:nvPr>
+        </p:nvSpPr>
+        <p:spPr/>
+        <p:txBody>
+          <a:bodyPr/>
+          <a:lstStyle/>
+          <a:p>
+            <a:r>
+              <a:rPr kumimoji="1" lang="en-US" altLang="ja-JP"/>
+              <a:t>Control System Theory Group</a:t>
+            </a:r>
+            <a:endParaRPr kumimoji="1" lang="ja-JP" altLang="en-US"/>
+          </a:p>
+        </p:txBody>
+      </p:sp>
+      <p:sp>
+        <p:nvSpPr>
+          <p:cNvPr id="5" name="タイトル 4">
+            <a:extLst>
+              <a:ext uri="{FF2B5EF4-FFF2-40B4-BE49-F238E27FC236}">
+                <a16:creationId xmlns:a16="http://schemas.microsoft.com/office/drawing/2014/main" id="{EA80BECB-780F-4942-AF62-7E62AC3A8EA8}"/>
+              </a:ext>
+            </a:extLst>
+          </p:cNvPr>
+          <p:cNvSpPr>
+            <a:spLocks noGrp="1"/>
+          </p:cNvSpPr>
+          <p:nvPr>
+            <p:ph type="title"/>
+          </p:nvPr>
+        </p:nvSpPr>
+        <p:spPr/>
+        <p:txBody>
+          <a:bodyPr/>
+          <a:lstStyle/>
+          <a:p>
+            <a:r>
+              <a:rPr kumimoji="1" lang="en-US" altLang="ja-JP" dirty="0"/>
+              <a:t>Weekly Report</a:t>
+            </a:r>
+            <a:endParaRPr kumimoji="1" lang="ja-JP" altLang="en-US"/>
+          </a:p>
+        </p:txBody>
+      </p:sp>
       <mc:AlternateContent xmlns:mc="http://schemas.openxmlformats.org/markup-compatibility/2006">
         <mc:Choice xmlns:a14="http://schemas.microsoft.com/office/drawing/2010/main" Requires="a14">
           <p:sp>
             <p:nvSpPr>
-              <p:cNvPr id="2" name="コンテンツ プレースホルダー 1">
+              <p:cNvPr id="6" name="テキスト ボックス 5">
                 <a:extLst>
                   <a:ext uri="{FF2B5EF4-FFF2-40B4-BE49-F238E27FC236}">
-                    <a16:creationId xmlns:a16="http://schemas.microsoft.com/office/drawing/2014/main" id="{059C583E-2507-2848-B1C8-481CC37F4737}"/>
+                    <a16:creationId xmlns:a16="http://schemas.microsoft.com/office/drawing/2014/main" id="{55778BB4-FB41-DA41-B744-4616D18DB07F}"/>
                   </a:ext>
                 </a:extLst>
               </p:cNvPr>
-              <p:cNvSpPr>
-                <a:spLocks noGrp="1"/>
-              </p:cNvSpPr>
-              <p:nvPr>
-                <p:ph idx="1"/>
-              </p:nvPr>
+              <p:cNvSpPr txBox="1"/>
+              <p:nvPr/>
             </p:nvSpPr>
-            <p:spPr/>
+            <p:spPr>
+              <a:xfrm>
+                <a:off x="1146220" y="1641664"/>
+                <a:ext cx="7087068" cy="698012"/>
+              </a:xfrm>
+              <a:prstGeom prst="rect">
+                <a:avLst/>
+              </a:prstGeom>
+              <a:noFill/>
+            </p:spPr>
             <p:txBody>
-              <a:bodyPr/>
+              <a:bodyPr wrap="none" rtlCol="0">
+                <a:spAutoFit/>
+              </a:bodyPr>
               <a:lstStyle/>
               <a:p>
-                <a:r>
-                  <a:rPr kumimoji="1" lang="ja-JP" altLang="en-US"/>
-                  <a:t>確率系の</a:t>
-                </a:r>
-                <a:r>
-                  <a:rPr kumimoji="1" lang="en-US" altLang="ja-JP" dirty="0"/>
-                  <a:t>Q</a:t>
-                </a:r>
-                <a:r>
-                  <a:rPr kumimoji="1" lang="ja-JP" altLang="en-US"/>
-                  <a:t>関数は</a:t>
-                </a:r>
-                <a:r>
-                  <a:rPr kumimoji="1" lang="en-US" altLang="ja-JP" dirty="0"/>
-                  <a:t>, </a:t>
-                </a:r>
-                <a:r>
-                  <a:rPr lang="ja-JP" altLang="en-US"/>
-                  <a:t>原点において「入力を加えないでできるだけ通信間隔を長く」すればいいわけではなかった。</a:t>
-                </a:r>
-                <a:endParaRPr lang="en-US" altLang="ja-JP" dirty="0"/>
-              </a:p>
-              <a:p>
-                <a:pPr lvl="1"/>
-                <a:r>
-                  <a:rPr kumimoji="1" lang="en-US" altLang="ja-JP" dirty="0"/>
-                  <a:t>1</a:t>
-                </a:r>
-                <a:r>
-                  <a:rPr kumimoji="1" lang="ja-JP" altLang="en-US"/>
-                  <a:t>秒間も放置すると</a:t>
-                </a:r>
-                <a:r>
-                  <a:rPr kumimoji="1" lang="en-US" altLang="ja-JP" dirty="0"/>
-                  <a:t>, </a:t>
-                </a:r>
-                <a:r>
-                  <a:rPr kumimoji="1" lang="ja-JP" altLang="en-US"/>
-                  <a:t>振り子が下まで行ってしまうからではないか</a:t>
-                </a:r>
-                <a:endParaRPr kumimoji="1" lang="en-US" altLang="ja-JP" dirty="0"/>
-              </a:p>
-              <a:p>
-                <a:pPr lvl="1"/>
-                <a:endParaRPr lang="en-US" altLang="ja-JP" dirty="0"/>
-              </a:p>
-              <a:p>
-                <a:r>
-                  <a:rPr lang="en-US" altLang="ja-JP" dirty="0"/>
-                  <a:t>10</a:t>
-                </a:r>
-                <a:r>
-                  <a:rPr lang="ja-JP" altLang="en-US"/>
-                  <a:t>本の制御パス</a:t>
-                </a:r>
-                <a:endParaRPr lang="en-US" altLang="ja-JP" dirty="0"/>
-              </a:p>
-              <a:p>
-                <a:pPr lvl="1"/>
-                <a:r>
-                  <a:rPr lang="en-US" altLang="ja-JP" dirty="0"/>
-                  <a:t>0.01</a:t>
-                </a:r>
-                <a:r>
-                  <a:rPr lang="ja-JP" altLang="en-US"/>
-                  <a:t>秒ごとに点を打つ</a:t>
-                </a:r>
-                <a:endParaRPr lang="en-US" altLang="ja-JP" dirty="0"/>
-              </a:p>
-              <a:p>
-                <a:pPr lvl="1"/>
                 <a14:m>
-                  <m:oMath xmlns:m="http://schemas.openxmlformats.org/officeDocument/2006/math">
-                    <m:r>
-                      <a:rPr lang="en-US" altLang="ja-JP" b="0" i="1" smtClean="0">
-                        <a:latin typeface="Cambria Math" panose="02040503050406030204" pitchFamily="18" charset="0"/>
-                        <a:ea typeface="Cambria Math" panose="02040503050406030204" pitchFamily="18" charset="0"/>
-                      </a:rPr>
-                      <m:t>−</m:t>
-                    </m:r>
-                    <m:r>
-                      <a:rPr lang="en-US" altLang="ja-JP" i="1" smtClean="0">
-                        <a:latin typeface="Cambria Math" panose="02040503050406030204" pitchFamily="18" charset="0"/>
-                        <a:ea typeface="Cambria Math" panose="02040503050406030204" pitchFamily="18" charset="0"/>
-                      </a:rPr>
-                      <m:t>𝜋</m:t>
-                    </m:r>
-                    <m:r>
-                      <a:rPr lang="ja-JP" altLang="en-US" i="1">
-                        <a:latin typeface="Cambria Math" panose="02040503050406030204" pitchFamily="18" charset="0"/>
-                        <a:ea typeface="Cambria Math" panose="02040503050406030204" pitchFamily="18" charset="0"/>
-                      </a:rPr>
-                      <m:t>や</m:t>
-                    </m:r>
-                    <m:r>
-                      <a:rPr lang="en-US" altLang="ja-JP" i="1" smtClean="0">
-                        <a:latin typeface="Cambria Math" panose="02040503050406030204" pitchFamily="18" charset="0"/>
-                        <a:ea typeface="Cambria Math" panose="02040503050406030204" pitchFamily="18" charset="0"/>
-                      </a:rPr>
-                      <m:t>𝜋</m:t>
-                    </m:r>
-                  </m:oMath>
+                  <m:oMathPara xmlns:m="http://schemas.openxmlformats.org/officeDocument/2006/math">
+                    <m:oMathParaPr>
+                      <m:jc m:val="centerGroup"/>
+                    </m:oMathParaPr>
+                    <m:oMath xmlns:m="http://schemas.openxmlformats.org/officeDocument/2006/math">
+                      <m:d>
+                        <m:dPr>
+                          <m:ctrlPr>
+                            <a:rPr kumimoji="1" lang="en-US" altLang="ja-JP" b="0" i="1" smtClean="0">
+                              <a:latin typeface="Cambria Math" panose="02040503050406030204" pitchFamily="18" charset="0"/>
+                            </a:rPr>
+                          </m:ctrlPr>
+                        </m:dPr>
+                        <m:e>
+                          <m:r>
+                            <a:rPr kumimoji="1" lang="en-US" altLang="ja-JP" b="0" i="1" smtClean="0">
+                              <a:latin typeface="Cambria Math" panose="02040503050406030204" pitchFamily="18" charset="0"/>
+                            </a:rPr>
+                            <m:t>𝑢</m:t>
+                          </m:r>
+                          <m:r>
+                            <a:rPr kumimoji="1" lang="en-US" altLang="ja-JP" b="0" i="1" smtClean="0">
+                              <a:latin typeface="Cambria Math" panose="02040503050406030204" pitchFamily="18" charset="0"/>
+                            </a:rPr>
+                            <m:t>,</m:t>
+                          </m:r>
+                          <m:r>
+                            <a:rPr kumimoji="1" lang="en-US" altLang="ja-JP" b="0" i="1" smtClean="0">
+                              <a:latin typeface="Cambria Math" panose="02040503050406030204" pitchFamily="18" charset="0"/>
+                              <a:ea typeface="Cambria Math" panose="02040503050406030204" pitchFamily="18" charset="0"/>
+                            </a:rPr>
+                            <m:t>𝜏</m:t>
+                          </m:r>
+                        </m:e>
+                      </m:d>
+                      <m:r>
+                        <a:rPr kumimoji="1" lang="en-US" altLang="ja-JP" b="0" i="1" smtClean="0">
+                          <a:latin typeface="Cambria Math" panose="02040503050406030204" pitchFamily="18" charset="0"/>
+                          <a:ea typeface="Cambria Math" panose="02040503050406030204" pitchFamily="18" charset="0"/>
+                        </a:rPr>
+                        <m:t>=</m:t>
+                      </m:r>
+                      <m:func>
+                        <m:funcPr>
+                          <m:ctrlPr>
+                            <a:rPr kumimoji="1" lang="en-US" altLang="ja-JP" b="0" i="1" smtClean="0">
+                              <a:latin typeface="Cambria Math" panose="02040503050406030204" pitchFamily="18" charset="0"/>
+                              <a:ea typeface="Cambria Math" panose="02040503050406030204" pitchFamily="18" charset="0"/>
+                            </a:rPr>
+                          </m:ctrlPr>
+                        </m:funcPr>
+                        <m:fName>
+                          <m:limLow>
+                            <m:limLowPr>
+                              <m:ctrlPr>
+                                <a:rPr kumimoji="1" lang="en-US" altLang="ja-JP" b="0" i="1" smtClean="0">
+                                  <a:latin typeface="Cambria Math" panose="02040503050406030204" pitchFamily="18" charset="0"/>
+                                  <a:ea typeface="Cambria Math" panose="02040503050406030204" pitchFamily="18" charset="0"/>
+                                </a:rPr>
+                              </m:ctrlPr>
+                            </m:limLowPr>
+                            <m:e>
+                              <m:r>
+                                <m:rPr>
+                                  <m:sty m:val="p"/>
+                                </m:rPr>
+                                <a:rPr kumimoji="1" lang="en-US" altLang="ja-JP" b="0" i="0" smtClean="0">
+                                  <a:latin typeface="Cambria Math" panose="02040503050406030204" pitchFamily="18" charset="0"/>
+                                  <a:ea typeface="Cambria Math" panose="02040503050406030204" pitchFamily="18" charset="0"/>
+                                </a:rPr>
+                                <m:t>arg</m:t>
+                              </m:r>
+                              <m:r>
+                                <m:rPr>
+                                  <m:sty m:val="p"/>
+                                </m:rPr>
+                                <a:rPr kumimoji="1" lang="en-US" altLang="ja-JP" b="0" i="0" smtClean="0">
+                                  <a:latin typeface="Cambria Math" panose="02040503050406030204" pitchFamily="18" charset="0"/>
+                                  <a:ea typeface="Cambria Math" panose="02040503050406030204" pitchFamily="18" charset="0"/>
+                                </a:rPr>
+                                <m:t>min</m:t>
+                              </m:r>
+                            </m:e>
+                            <m:lim>
+                              <m:r>
+                                <a:rPr kumimoji="1" lang="en-US" altLang="ja-JP" b="0" i="1" smtClean="0">
+                                  <a:latin typeface="Cambria Math" panose="02040503050406030204" pitchFamily="18" charset="0"/>
+                                  <a:ea typeface="Cambria Math" panose="02040503050406030204" pitchFamily="18" charset="0"/>
+                                </a:rPr>
+                                <m:t>(</m:t>
+                              </m:r>
+                              <m:r>
+                                <a:rPr kumimoji="1" lang="en-US" altLang="ja-JP" b="0" i="1" smtClean="0">
+                                  <a:latin typeface="Cambria Math" panose="02040503050406030204" pitchFamily="18" charset="0"/>
+                                  <a:ea typeface="Cambria Math" panose="02040503050406030204" pitchFamily="18" charset="0"/>
+                                </a:rPr>
+                                <m:t>𝑢</m:t>
+                              </m:r>
+                              <m:r>
+                                <a:rPr kumimoji="1" lang="en-US" altLang="ja-JP" b="0" i="1" smtClean="0">
+                                  <a:latin typeface="Cambria Math" panose="02040503050406030204" pitchFamily="18" charset="0"/>
+                                  <a:ea typeface="Cambria Math" panose="02040503050406030204" pitchFamily="18" charset="0"/>
+                                </a:rPr>
+                                <m:t>,</m:t>
+                              </m:r>
+                              <m:r>
+                                <a:rPr kumimoji="1" lang="en-US" altLang="ja-JP" b="0" i="1" smtClean="0">
+                                  <a:latin typeface="Cambria Math" panose="02040503050406030204" pitchFamily="18" charset="0"/>
+                                  <a:ea typeface="Cambria Math" panose="02040503050406030204" pitchFamily="18" charset="0"/>
+                                </a:rPr>
+                                <m:t>𝜏</m:t>
+                              </m:r>
+                              <m:r>
+                                <a:rPr kumimoji="1" lang="en-US" altLang="ja-JP" b="0" i="1" smtClean="0">
+                                  <a:latin typeface="Cambria Math" panose="02040503050406030204" pitchFamily="18" charset="0"/>
+                                  <a:ea typeface="Cambria Math" panose="02040503050406030204" pitchFamily="18" charset="0"/>
+                                </a:rPr>
+                                <m:t>)</m:t>
+                              </m:r>
+                            </m:lim>
+                          </m:limLow>
+                        </m:fName>
+                        <m:e>
+                          <m:r>
+                            <a:rPr kumimoji="1" lang="en-US" altLang="ja-JP" b="0" i="1" smtClean="0">
+                              <a:latin typeface="Cambria Math" panose="02040503050406030204" pitchFamily="18" charset="0"/>
+                              <a:ea typeface="Cambria Math" panose="02040503050406030204" pitchFamily="18" charset="0"/>
+                            </a:rPr>
+                            <m:t> </m:t>
+                          </m:r>
+                          <m:sSup>
+                            <m:sSupPr>
+                              <m:ctrlPr>
+                                <a:rPr kumimoji="1" lang="en-US" altLang="ja-JP" b="0" i="1" smtClean="0">
+                                  <a:latin typeface="Cambria Math" panose="02040503050406030204" pitchFamily="18" charset="0"/>
+                                  <a:ea typeface="Cambria Math" panose="02040503050406030204" pitchFamily="18" charset="0"/>
+                                </a:rPr>
+                              </m:ctrlPr>
+                            </m:sSupPr>
+                            <m:e>
+                              <m:r>
+                                <a:rPr kumimoji="1" lang="en-US" altLang="ja-JP" b="0" i="1" smtClean="0">
+                                  <a:latin typeface="Cambria Math" panose="02040503050406030204" pitchFamily="18" charset="0"/>
+                                  <a:ea typeface="Cambria Math" panose="02040503050406030204" pitchFamily="18" charset="0"/>
+                                </a:rPr>
+                                <m:t>{</m:t>
+                              </m:r>
+                              <m:nary>
+                                <m:naryPr>
+                                  <m:ctrlPr>
+                                    <a:rPr lang="en-US" altLang="ja-JP" i="1">
+                                      <a:latin typeface="Cambria Math" panose="02040503050406030204" pitchFamily="18" charset="0"/>
+                                    </a:rPr>
+                                  </m:ctrlPr>
+                                </m:naryPr>
+                                <m:sub>
+                                  <m:r>
+                                    <m:rPr>
+                                      <m:brk m:alnAt="23"/>
+                                    </m:rPr>
+                                    <a:rPr lang="en-US" altLang="ja-JP" i="1">
+                                      <a:latin typeface="Cambria Math" panose="02040503050406030204" pitchFamily="18" charset="0"/>
+                                    </a:rPr>
+                                    <m:t>0</m:t>
+                                  </m:r>
+                                </m:sub>
+                                <m:sup>
+                                  <m:r>
+                                    <a:rPr lang="en-US" altLang="ja-JP" i="1">
+                                      <a:latin typeface="Cambria Math" panose="02040503050406030204" pitchFamily="18" charset="0"/>
+                                      <a:ea typeface="Cambria Math" panose="02040503050406030204" pitchFamily="18" charset="0"/>
+                                    </a:rPr>
+                                    <m:t>𝜏</m:t>
+                                  </m:r>
+                                </m:sup>
+                                <m:e>
+                                  <m:sSup>
+                                    <m:sSupPr>
+                                      <m:ctrlPr>
+                                        <a:rPr lang="en-US" altLang="ja-JP" i="1">
+                                          <a:latin typeface="Cambria Math" panose="02040503050406030204" pitchFamily="18" charset="0"/>
+                                        </a:rPr>
+                                      </m:ctrlPr>
+                                    </m:sSupPr>
+                                    <m:e>
+                                      <m:r>
+                                        <a:rPr lang="en-US" altLang="ja-JP" i="1">
+                                          <a:latin typeface="Cambria Math" panose="02040503050406030204" pitchFamily="18" charset="0"/>
+                                        </a:rPr>
+                                        <m:t>𝑠</m:t>
+                                      </m:r>
+                                      <m:d>
+                                        <m:dPr>
+                                          <m:ctrlPr>
+                                            <a:rPr lang="en-US" altLang="ja-JP" i="1">
+                                              <a:latin typeface="Cambria Math" panose="02040503050406030204" pitchFamily="18" charset="0"/>
+                                            </a:rPr>
+                                          </m:ctrlPr>
+                                        </m:dPr>
+                                        <m:e>
+                                          <m:r>
+                                            <a:rPr lang="en-US" altLang="ja-JP" i="1">
+                                              <a:latin typeface="Cambria Math" panose="02040503050406030204" pitchFamily="18" charset="0"/>
+                                            </a:rPr>
+                                            <m:t>𝑡</m:t>
+                                          </m:r>
+                                        </m:e>
+                                      </m:d>
+                                    </m:e>
+                                    <m:sup>
+                                      <m:r>
+                                        <a:rPr lang="en-US" altLang="ja-JP" i="1">
+                                          <a:latin typeface="Cambria Math" panose="02040503050406030204" pitchFamily="18" charset="0"/>
+                                        </a:rPr>
+                                        <m:t>𝑇</m:t>
+                                      </m:r>
+                                    </m:sup>
+                                  </m:sSup>
+                                  <m:r>
+                                    <a:rPr lang="en-US" altLang="ja-JP" i="1">
+                                      <a:latin typeface="Cambria Math" panose="02040503050406030204" pitchFamily="18" charset="0"/>
+                                    </a:rPr>
+                                    <m:t>𝑠</m:t>
+                                  </m:r>
+                                  <m:d>
+                                    <m:dPr>
+                                      <m:ctrlPr>
+                                        <a:rPr lang="en-US" altLang="ja-JP" i="1">
+                                          <a:latin typeface="Cambria Math" panose="02040503050406030204" pitchFamily="18" charset="0"/>
+                                        </a:rPr>
+                                      </m:ctrlPr>
+                                    </m:dPr>
+                                    <m:e>
+                                      <m:r>
+                                        <a:rPr lang="en-US" altLang="ja-JP" i="1">
+                                          <a:latin typeface="Cambria Math" panose="02040503050406030204" pitchFamily="18" charset="0"/>
+                                        </a:rPr>
+                                        <m:t>𝑡</m:t>
+                                      </m:r>
+                                    </m:e>
+                                  </m:d>
+                                  <m:r>
+                                    <a:rPr lang="en-US" altLang="ja-JP" i="1">
+                                      <a:latin typeface="Cambria Math" panose="02040503050406030204" pitchFamily="18" charset="0"/>
+                                    </a:rPr>
+                                    <m:t>𝑑𝑡</m:t>
+                                  </m:r>
+                                </m:e>
+                              </m:nary>
+                              <m:r>
+                                <a:rPr lang="en-US" altLang="ja-JP" b="0" i="1" smtClean="0">
+                                  <a:latin typeface="Cambria Math" panose="02040503050406030204" pitchFamily="18" charset="0"/>
+                                </a:rPr>
+                                <m:t>+</m:t>
+                              </m:r>
+                              <m:r>
+                                <a:rPr kumimoji="1" lang="en-US" altLang="ja-JP" b="0" i="1" smtClean="0">
+                                  <a:latin typeface="Cambria Math" panose="02040503050406030204" pitchFamily="18" charset="0"/>
+                                  <a:ea typeface="Cambria Math" panose="02040503050406030204" pitchFamily="18" charset="0"/>
+                                </a:rPr>
+                                <m:t>𝑢</m:t>
+                              </m:r>
+                            </m:e>
+                            <m:sup>
+                              <m:r>
+                                <a:rPr kumimoji="1" lang="en-US" altLang="ja-JP" b="0" i="1" smtClean="0">
+                                  <a:latin typeface="Cambria Math" panose="02040503050406030204" pitchFamily="18" charset="0"/>
+                                  <a:ea typeface="Cambria Math" panose="02040503050406030204" pitchFamily="18" charset="0"/>
+                                </a:rPr>
+                                <m:t>2</m:t>
+                              </m:r>
+                            </m:sup>
+                          </m:sSup>
+                          <m:r>
+                            <a:rPr kumimoji="1" lang="en-US" altLang="ja-JP" b="0" i="1" smtClean="0">
+                              <a:latin typeface="Cambria Math" panose="02040503050406030204" pitchFamily="18" charset="0"/>
+                              <a:ea typeface="Cambria Math" panose="02040503050406030204" pitchFamily="18" charset="0"/>
+                            </a:rPr>
+                            <m:t>−</m:t>
+                          </m:r>
+                          <m:r>
+                            <a:rPr kumimoji="1" lang="en-US" altLang="ja-JP" b="0" i="1" smtClean="0">
+                              <a:latin typeface="Cambria Math" panose="02040503050406030204" pitchFamily="18" charset="0"/>
+                              <a:ea typeface="Cambria Math" panose="02040503050406030204" pitchFamily="18" charset="0"/>
+                            </a:rPr>
+                            <m:t>𝜆𝜏</m:t>
+                          </m:r>
+                          <m:r>
+                            <a:rPr kumimoji="1" lang="en-US" altLang="ja-JP" b="0" i="1" smtClean="0">
+                              <a:latin typeface="Cambria Math" panose="02040503050406030204" pitchFamily="18" charset="0"/>
+                              <a:ea typeface="Cambria Math" panose="02040503050406030204" pitchFamily="18" charset="0"/>
+                            </a:rPr>
+                            <m:t>+</m:t>
+                          </m:r>
+                          <m:sSub>
+                            <m:sSubPr>
+                              <m:ctrlPr>
+                                <a:rPr kumimoji="1" lang="en-US" altLang="ja-JP" b="0" i="1" smtClean="0">
+                                  <a:latin typeface="Cambria Math" panose="02040503050406030204" pitchFamily="18" charset="0"/>
+                                  <a:ea typeface="Cambria Math" panose="02040503050406030204" pitchFamily="18" charset="0"/>
+                                </a:rPr>
+                              </m:ctrlPr>
+                            </m:sSubPr>
+                            <m:e>
+                              <m:r>
+                                <a:rPr kumimoji="1" lang="en-US" altLang="ja-JP" b="0" i="1" smtClean="0">
+                                  <a:latin typeface="Cambria Math" panose="02040503050406030204" pitchFamily="18" charset="0"/>
+                                  <a:ea typeface="Cambria Math" panose="02040503050406030204" pitchFamily="18" charset="0"/>
+                                </a:rPr>
+                                <m:t>𝑉</m:t>
+                              </m:r>
+                            </m:e>
+                            <m:sub>
+                              <m:r>
+                                <a:rPr kumimoji="1" lang="en-US" altLang="ja-JP" b="0" i="1" smtClean="0">
+                                  <a:latin typeface="Cambria Math" panose="02040503050406030204" pitchFamily="18" charset="0"/>
+                                  <a:ea typeface="Cambria Math" panose="02040503050406030204" pitchFamily="18" charset="0"/>
+                                </a:rPr>
+                                <m:t>𝑙𝑞𝑟</m:t>
+                              </m:r>
+                            </m:sub>
+                          </m:sSub>
+                          <m:d>
+                            <m:dPr>
+                              <m:ctrlPr>
+                                <a:rPr kumimoji="1" lang="en-US" altLang="ja-JP" b="0" i="1" smtClean="0">
+                                  <a:latin typeface="Cambria Math" panose="02040503050406030204" pitchFamily="18" charset="0"/>
+                                  <a:ea typeface="Cambria Math" panose="02040503050406030204" pitchFamily="18" charset="0"/>
+                                </a:rPr>
+                              </m:ctrlPr>
+                            </m:dPr>
+                            <m:e>
+                              <m:sSup>
+                                <m:sSupPr>
+                                  <m:ctrlPr>
+                                    <a:rPr kumimoji="1" lang="en-US" altLang="ja-JP" b="0" i="1" smtClean="0">
+                                      <a:latin typeface="Cambria Math" panose="02040503050406030204" pitchFamily="18" charset="0"/>
+                                      <a:ea typeface="Cambria Math" panose="02040503050406030204" pitchFamily="18" charset="0"/>
+                                    </a:rPr>
+                                  </m:ctrlPr>
+                                </m:sSupPr>
+                                <m:e>
+                                  <m:r>
+                                    <a:rPr kumimoji="1" lang="en-US" altLang="ja-JP" b="0" i="1" smtClean="0">
+                                      <a:latin typeface="Cambria Math" panose="02040503050406030204" pitchFamily="18" charset="0"/>
+                                      <a:ea typeface="Cambria Math" panose="02040503050406030204" pitchFamily="18" charset="0"/>
+                                    </a:rPr>
+                                    <m:t>𝑠</m:t>
+                                  </m:r>
+                                </m:e>
+                                <m:sup>
+                                  <m:r>
+                                    <a:rPr kumimoji="1" lang="en-US" altLang="ja-JP" b="0" i="1" smtClean="0">
+                                      <a:latin typeface="Cambria Math" panose="02040503050406030204" pitchFamily="18" charset="0"/>
+                                      <a:ea typeface="Cambria Math" panose="02040503050406030204" pitchFamily="18" charset="0"/>
+                                    </a:rPr>
+                                    <m:t>′</m:t>
+                                  </m:r>
+                                </m:sup>
+                              </m:sSup>
+                              <m:d>
+                                <m:dPr>
+                                  <m:ctrlPr>
+                                    <a:rPr kumimoji="1" lang="en-US" altLang="ja-JP" b="0" i="1" smtClean="0">
+                                      <a:latin typeface="Cambria Math" panose="02040503050406030204" pitchFamily="18" charset="0"/>
+                                      <a:ea typeface="Cambria Math" panose="02040503050406030204" pitchFamily="18" charset="0"/>
+                                    </a:rPr>
+                                  </m:ctrlPr>
+                                </m:dPr>
+                                <m:e>
+                                  <m:r>
+                                    <a:rPr kumimoji="1" lang="en-US" altLang="ja-JP" b="0" i="1" smtClean="0">
+                                      <a:latin typeface="Cambria Math" panose="02040503050406030204" pitchFamily="18" charset="0"/>
+                                      <a:ea typeface="Cambria Math" panose="02040503050406030204" pitchFamily="18" charset="0"/>
+                                    </a:rPr>
+                                    <m:t>𝑠</m:t>
+                                  </m:r>
+                                  <m:r>
+                                    <a:rPr kumimoji="1" lang="en-US" altLang="ja-JP" b="0" i="1" smtClean="0">
+                                      <a:latin typeface="Cambria Math" panose="02040503050406030204" pitchFamily="18" charset="0"/>
+                                      <a:ea typeface="Cambria Math" panose="02040503050406030204" pitchFamily="18" charset="0"/>
+                                    </a:rPr>
+                                    <m:t>,</m:t>
+                                  </m:r>
+                                  <m:r>
+                                    <a:rPr kumimoji="1" lang="en-US" altLang="ja-JP" b="0" i="1" smtClean="0">
+                                      <a:latin typeface="Cambria Math" panose="02040503050406030204" pitchFamily="18" charset="0"/>
+                                      <a:ea typeface="Cambria Math" panose="02040503050406030204" pitchFamily="18" charset="0"/>
+                                    </a:rPr>
+                                    <m:t>𝑢</m:t>
+                                  </m:r>
+                                  <m:r>
+                                    <a:rPr kumimoji="1" lang="en-US" altLang="ja-JP" b="0" i="1" smtClean="0">
+                                      <a:latin typeface="Cambria Math" panose="02040503050406030204" pitchFamily="18" charset="0"/>
+                                      <a:ea typeface="Cambria Math" panose="02040503050406030204" pitchFamily="18" charset="0"/>
+                                    </a:rPr>
+                                    <m:t>,</m:t>
+                                  </m:r>
+                                  <m:r>
+                                    <a:rPr kumimoji="1" lang="en-US" altLang="ja-JP" b="0" i="1" smtClean="0">
+                                      <a:latin typeface="Cambria Math" panose="02040503050406030204" pitchFamily="18" charset="0"/>
+                                      <a:ea typeface="Cambria Math" panose="02040503050406030204" pitchFamily="18" charset="0"/>
+                                    </a:rPr>
+                                    <m:t>𝜏</m:t>
+                                  </m:r>
+                                </m:e>
+                              </m:d>
+                            </m:e>
+                          </m:d>
+                          <m:r>
+                            <a:rPr kumimoji="1" lang="en-US" altLang="ja-JP" b="0" i="1" smtClean="0">
+                              <a:latin typeface="Cambria Math" panose="02040503050406030204" pitchFamily="18" charset="0"/>
+                              <a:ea typeface="Cambria Math" panose="02040503050406030204" pitchFamily="18" charset="0"/>
+                            </a:rPr>
+                            <m:t>|</m:t>
+                          </m:r>
+                          <m:r>
+                            <a:rPr kumimoji="1" lang="en-US" altLang="ja-JP" b="0" i="1" smtClean="0">
+                              <a:latin typeface="Cambria Math" panose="02040503050406030204" pitchFamily="18" charset="0"/>
+                              <a:ea typeface="Cambria Math" panose="02040503050406030204" pitchFamily="18" charset="0"/>
+                            </a:rPr>
+                            <m:t>𝑠</m:t>
+                          </m:r>
+                          <m:d>
+                            <m:dPr>
+                              <m:ctrlPr>
+                                <a:rPr kumimoji="1" lang="en-US" altLang="ja-JP" b="0" i="1" smtClean="0">
+                                  <a:latin typeface="Cambria Math" panose="02040503050406030204" pitchFamily="18" charset="0"/>
+                                  <a:ea typeface="Cambria Math" panose="02040503050406030204" pitchFamily="18" charset="0"/>
+                                </a:rPr>
+                              </m:ctrlPr>
+                            </m:dPr>
+                            <m:e>
+                              <m:r>
+                                <a:rPr kumimoji="1" lang="en-US" altLang="ja-JP" b="0" i="1" smtClean="0">
+                                  <a:latin typeface="Cambria Math" panose="02040503050406030204" pitchFamily="18" charset="0"/>
+                                  <a:ea typeface="Cambria Math" panose="02040503050406030204" pitchFamily="18" charset="0"/>
+                                </a:rPr>
+                                <m:t>0</m:t>
+                              </m:r>
+                            </m:e>
+                          </m:d>
+                          <m:r>
+                            <a:rPr kumimoji="1" lang="en-US" altLang="ja-JP" b="0" i="1" smtClean="0">
+                              <a:latin typeface="Cambria Math" panose="02040503050406030204" pitchFamily="18" charset="0"/>
+                              <a:ea typeface="Cambria Math" panose="02040503050406030204" pitchFamily="18" charset="0"/>
+                            </a:rPr>
+                            <m:t>=</m:t>
+                          </m:r>
+                          <m:r>
+                            <a:rPr kumimoji="1" lang="en-US" altLang="ja-JP" b="0" i="1" smtClean="0">
+                              <a:latin typeface="Cambria Math" panose="02040503050406030204" pitchFamily="18" charset="0"/>
+                              <a:ea typeface="Cambria Math" panose="02040503050406030204" pitchFamily="18" charset="0"/>
+                            </a:rPr>
+                            <m:t>𝑠</m:t>
+                          </m:r>
+                          <m:r>
+                            <a:rPr kumimoji="1" lang="en-US" altLang="ja-JP" b="0" i="1" smtClean="0">
+                              <a:latin typeface="Cambria Math" panose="02040503050406030204" pitchFamily="18" charset="0"/>
+                              <a:ea typeface="Cambria Math" panose="02040503050406030204" pitchFamily="18" charset="0"/>
+                            </a:rPr>
+                            <m:t>}</m:t>
+                          </m:r>
+                        </m:e>
+                      </m:func>
+                    </m:oMath>
+                  </m:oMathPara>
                 </a14:m>
-                <a:r>
-                  <a:rPr lang="ja-JP" altLang="en-US"/>
-                  <a:t>まで行っている</a:t>
-                </a:r>
-                <a:endParaRPr lang="en-US" altLang="ja-JP" dirty="0"/>
+                <a:endParaRPr kumimoji="1" lang="ja-JP" altLang="en-US"/>
               </a:p>
             </p:txBody>
           </p:sp>
@@ -5375,25 +5373,30 @@
         <mc:Fallback>
           <p:sp>
             <p:nvSpPr>
-              <p:cNvPr id="2" name="コンテンツ プレースホルダー 1">
+              <p:cNvPr id="6" name="テキスト ボックス 5">
                 <a:extLst>
                   <a:ext uri="{FF2B5EF4-FFF2-40B4-BE49-F238E27FC236}">
-                    <a16:creationId xmlns:a16="http://schemas.microsoft.com/office/drawing/2014/main" id="{059C583E-2507-2848-B1C8-481CC37F4737}"/>
+                    <a16:creationId xmlns:a16="http://schemas.microsoft.com/office/drawing/2014/main" id="{55778BB4-FB41-DA41-B744-4616D18DB07F}"/>
                   </a:ext>
                 </a:extLst>
               </p:cNvPr>
-              <p:cNvSpPr>
-                <a:spLocks noGrp="1" noRot="1" noChangeAspect="1" noMove="1" noResize="1" noEditPoints="1" noAdjustHandles="1" noChangeArrowheads="1" noChangeShapeType="1" noTextEdit="1"/>
+              <p:cNvSpPr txBox="1">
+                <a:spLocks noRot="1" noChangeAspect="1" noMove="1" noResize="1" noEditPoints="1" noAdjustHandles="1" noChangeArrowheads="1" noChangeShapeType="1" noTextEdit="1"/>
               </p:cNvSpPr>
-              <p:nvPr>
-                <p:ph idx="1"/>
-              </p:nvPr>
+              <p:nvPr/>
             </p:nvSpPr>
             <p:spPr>
+              <a:xfrm>
+                <a:off x="1146220" y="1641664"/>
+                <a:ext cx="7087068" cy="698012"/>
+              </a:xfrm>
+              <a:prstGeom prst="rect">
+                <a:avLst/>
+              </a:prstGeom>
               <a:blipFill>
-                <a:blip r:embed="rId3"/>
+                <a:blip r:embed="rId2"/>
                 <a:stretch>
-                  <a:fillRect l="-598" t="-1519"/>
+                  <a:fillRect t="-155357" b="-232143"/>
                 </a:stretch>
               </a:blipFill>
             </p:spPr>
@@ -5412,98 +5415,285 @@
           </p:sp>
         </mc:Fallback>
       </mc:AlternateContent>
-      <p:sp>
-        <p:nvSpPr>
-          <p:cNvPr id="3" name="日付プレースホルダー 2">
+      <p:grpSp>
+        <p:nvGrpSpPr>
+          <p:cNvPr id="10" name="グループ化 9">
             <a:extLst>
               <a:ext uri="{FF2B5EF4-FFF2-40B4-BE49-F238E27FC236}">
-                <a16:creationId xmlns:a16="http://schemas.microsoft.com/office/drawing/2014/main" id="{F2779E74-DEA7-CB4D-BFE5-4E7F35902936}"/>
+                <a16:creationId xmlns:a16="http://schemas.microsoft.com/office/drawing/2014/main" id="{AC6387BD-0488-A941-B2AD-AAB02565DBB2}"/>
               </a:ext>
             </a:extLst>
           </p:cNvPr>
-          <p:cNvSpPr>
-            <a:spLocks noGrp="1"/>
-          </p:cNvSpPr>
-          <p:nvPr>
-            <p:ph type="dt" sz="half" idx="10"/>
-          </p:nvPr>
-        </p:nvSpPr>
-        <p:spPr/>
-        <p:txBody>
-          <a:bodyPr/>
-          <a:lstStyle/>
-          <a:p>
-            <a:fld id="{90235FA2-C49A-5C4F-85BF-B1D7D24C5B31}" type="datetime1">
-              <a:rPr kumimoji="1" lang="ja-JP" altLang="en-US" smtClean="0"/>
-              <a:t>2020/12/28</a:t>
-            </a:fld>
-            <a:endParaRPr kumimoji="1" lang="ja-JP" altLang="en-US"/>
-          </a:p>
-        </p:txBody>
-      </p:sp>
-      <p:sp>
-        <p:nvSpPr>
-          <p:cNvPr id="4" name="フッター プレースホルダー 3">
+          <p:cNvGrpSpPr/>
+          <p:nvPr/>
+        </p:nvGrpSpPr>
+        <p:grpSpPr>
+          <a:xfrm>
+            <a:off x="1146220" y="2586914"/>
+            <a:ext cx="3155800" cy="715571"/>
+            <a:chOff x="5754562" y="1515552"/>
+            <a:chExt cx="3155800" cy="715571"/>
+          </a:xfrm>
+        </p:grpSpPr>
+        <mc:AlternateContent xmlns:mc="http://schemas.openxmlformats.org/markup-compatibility/2006">
+          <mc:Choice xmlns:a14="http://schemas.microsoft.com/office/drawing/2010/main" Requires="a14">
+            <p:sp>
+              <p:nvSpPr>
+                <p:cNvPr id="8" name="テキスト ボックス 7">
+                  <a:extLst>
+                    <a:ext uri="{FF2B5EF4-FFF2-40B4-BE49-F238E27FC236}">
+                      <a16:creationId xmlns:a16="http://schemas.microsoft.com/office/drawing/2014/main" id="{FE2CBCA7-F337-7C49-939D-08A9F33D367C}"/>
+                    </a:ext>
+                  </a:extLst>
+                </p:cNvPr>
+                <p:cNvSpPr txBox="1"/>
+                <p:nvPr/>
+              </p:nvSpPr>
+              <p:spPr>
+                <a:xfrm>
+                  <a:off x="5754562" y="1515552"/>
+                  <a:ext cx="3155800" cy="390748"/>
+                </a:xfrm>
+                <a:prstGeom prst="rect">
+                  <a:avLst/>
+                </a:prstGeom>
+                <a:noFill/>
+              </p:spPr>
+              <p:txBody>
+                <a:bodyPr wrap="none" rtlCol="0">
+                  <a:spAutoFit/>
+                </a:bodyPr>
+                <a:lstStyle/>
+                <a:p>
+                  <a14:m>
+                    <m:oMath xmlns:m="http://schemas.openxmlformats.org/officeDocument/2006/math">
+                      <m:sSub>
+                        <m:sSubPr>
+                          <m:ctrlPr>
+                            <a:rPr kumimoji="1" lang="en-US" altLang="ja-JP" i="1" smtClean="0">
+                              <a:latin typeface="Cambria Math" panose="02040503050406030204" pitchFamily="18" charset="0"/>
+                              <a:ea typeface="Cambria Math" panose="02040503050406030204" pitchFamily="18" charset="0"/>
+                            </a:rPr>
+                          </m:ctrlPr>
+                        </m:sSubPr>
+                        <m:e>
+                          <m:r>
+                            <a:rPr kumimoji="1" lang="en-US" altLang="ja-JP" i="1">
+                              <a:latin typeface="Cambria Math" panose="02040503050406030204" pitchFamily="18" charset="0"/>
+                              <a:ea typeface="Cambria Math" panose="02040503050406030204" pitchFamily="18" charset="0"/>
+                            </a:rPr>
+                            <m:t>𝑉</m:t>
+                          </m:r>
+                        </m:e>
+                        <m:sub>
+                          <m:r>
+                            <a:rPr kumimoji="1" lang="en-US" altLang="ja-JP" i="1">
+                              <a:latin typeface="Cambria Math" panose="02040503050406030204" pitchFamily="18" charset="0"/>
+                              <a:ea typeface="Cambria Math" panose="02040503050406030204" pitchFamily="18" charset="0"/>
+                            </a:rPr>
+                            <m:t>𝑙𝑞𝑟</m:t>
+                          </m:r>
+                        </m:sub>
+                      </m:sSub>
+                      <m:d>
+                        <m:dPr>
+                          <m:ctrlPr>
+                            <a:rPr kumimoji="1" lang="en-US" altLang="ja-JP" i="1">
+                              <a:latin typeface="Cambria Math" panose="02040503050406030204" pitchFamily="18" charset="0"/>
+                              <a:ea typeface="Cambria Math" panose="02040503050406030204" pitchFamily="18" charset="0"/>
+                            </a:rPr>
+                          </m:ctrlPr>
+                        </m:dPr>
+                        <m:e>
+                          <m:r>
+                            <a:rPr kumimoji="1" lang="en-US" altLang="ja-JP" b="0" i="1" smtClean="0">
+                              <a:latin typeface="Cambria Math" panose="02040503050406030204" pitchFamily="18" charset="0"/>
+                              <a:ea typeface="Cambria Math" panose="02040503050406030204" pitchFamily="18" charset="0"/>
+                            </a:rPr>
+                            <m:t>𝑠</m:t>
+                          </m:r>
+                        </m:e>
+                      </m:d>
+                      <m:r>
+                        <a:rPr kumimoji="1" lang="en-US" altLang="ja-JP" b="0" i="1" smtClean="0">
+                          <a:latin typeface="Cambria Math" panose="02040503050406030204" pitchFamily="18" charset="0"/>
+                          <a:ea typeface="Cambria Math" panose="02040503050406030204" pitchFamily="18" charset="0"/>
+                        </a:rPr>
+                        <m:t>:</m:t>
+                      </m:r>
+                    </m:oMath>
+                  </a14:m>
+                  <a:r>
+                    <a:rPr kumimoji="1" lang="en-US" altLang="ja-JP" dirty="0">
+                      <a:latin typeface="Cambria" panose="02040503050406030204" pitchFamily="18" charset="0"/>
+                    </a:rPr>
+                    <a:t> control cost with LQR </a:t>
+                  </a:r>
+                  <a:endParaRPr kumimoji="1" lang="ja-JP" altLang="en-US">
+                    <a:latin typeface="Cambria" panose="02040503050406030204" pitchFamily="18" charset="0"/>
+                  </a:endParaRPr>
+                </a:p>
+              </p:txBody>
+            </p:sp>
+          </mc:Choice>
+          <mc:Fallback>
+            <p:sp>
+              <p:nvSpPr>
+                <p:cNvPr id="8" name="テキスト ボックス 7">
+                  <a:extLst>
+                    <a:ext uri="{FF2B5EF4-FFF2-40B4-BE49-F238E27FC236}">
+                      <a16:creationId xmlns:a16="http://schemas.microsoft.com/office/drawing/2014/main" id="{FE2CBCA7-F337-7C49-939D-08A9F33D367C}"/>
+                    </a:ext>
+                  </a:extLst>
+                </p:cNvPr>
+                <p:cNvSpPr txBox="1">
+                  <a:spLocks noRot="1" noChangeAspect="1" noMove="1" noResize="1" noEditPoints="1" noAdjustHandles="1" noChangeArrowheads="1" noChangeShapeType="1" noTextEdit="1"/>
+                </p:cNvSpPr>
+                <p:nvPr/>
+              </p:nvSpPr>
+              <p:spPr>
+                <a:xfrm>
+                  <a:off x="5754562" y="1515552"/>
+                  <a:ext cx="3155800" cy="390748"/>
+                </a:xfrm>
+                <a:prstGeom prst="rect">
+                  <a:avLst/>
+                </a:prstGeom>
+                <a:blipFill>
+                  <a:blip r:embed="rId3"/>
+                  <a:stretch>
+                    <a:fillRect t="-13333" r="-400" b="-16667"/>
+                  </a:stretch>
+                </a:blipFill>
+              </p:spPr>
+              <p:txBody>
+                <a:bodyPr/>
+                <a:lstStyle/>
+                <a:p>
+                  <a:r>
+                    <a:rPr lang="ja-JP" altLang="en-US">
+                      <a:noFill/>
+                    </a:rPr>
+                    <a:t> </a:t>
+                  </a:r>
+                </a:p>
+              </p:txBody>
+            </p:sp>
+          </mc:Fallback>
+        </mc:AlternateContent>
+        <mc:AlternateContent xmlns:mc="http://schemas.openxmlformats.org/markup-compatibility/2006">
+          <mc:Choice xmlns:a14="http://schemas.microsoft.com/office/drawing/2010/main" Requires="a14">
+            <p:sp>
+              <p:nvSpPr>
+                <p:cNvPr id="9" name="テキスト ボックス 8">
+                  <a:extLst>
+                    <a:ext uri="{FF2B5EF4-FFF2-40B4-BE49-F238E27FC236}">
+                      <a16:creationId xmlns:a16="http://schemas.microsoft.com/office/drawing/2014/main" id="{E0F8598B-0514-0248-AF16-2BCA8556F887}"/>
+                    </a:ext>
+                  </a:extLst>
+                </p:cNvPr>
+                <p:cNvSpPr txBox="1"/>
+                <p:nvPr/>
+              </p:nvSpPr>
+              <p:spPr>
+                <a:xfrm>
+                  <a:off x="6294264" y="1861791"/>
+                  <a:ext cx="2334357" cy="369332"/>
+                </a:xfrm>
+                <a:prstGeom prst="rect">
+                  <a:avLst/>
+                </a:prstGeom>
+                <a:noFill/>
+              </p:spPr>
+              <p:txBody>
+                <a:bodyPr wrap="none" rtlCol="0">
+                  <a:spAutoFit/>
+                </a:bodyPr>
+                <a:lstStyle/>
+                <a:p>
+                  <a14:m>
+                    <m:oMath xmlns:m="http://schemas.openxmlformats.org/officeDocument/2006/math">
+                      <m:r>
+                        <a:rPr kumimoji="1" lang="en-US" altLang="ja-JP" b="0" i="1" smtClean="0">
+                          <a:latin typeface="Cambria Math" panose="02040503050406030204" pitchFamily="18" charset="0"/>
+                          <a:ea typeface="Cambria Math" panose="02040503050406030204" pitchFamily="18" charset="0"/>
+                        </a:rPr>
+                        <m:t>𝜆</m:t>
+                      </m:r>
+                      <m:r>
+                        <a:rPr kumimoji="1" lang="en-US" altLang="ja-JP" b="0" i="1" smtClean="0">
+                          <a:latin typeface="Cambria Math" panose="02040503050406030204" pitchFamily="18" charset="0"/>
+                          <a:ea typeface="Cambria Math" panose="02040503050406030204" pitchFamily="18" charset="0"/>
+                        </a:rPr>
+                        <m:t>:</m:t>
+                      </m:r>
+                    </m:oMath>
+                  </a14:m>
+                  <a:r>
+                    <a:rPr kumimoji="1" lang="en-US" altLang="ja-JP" dirty="0">
+                      <a:latin typeface="Cambria" panose="02040503050406030204" pitchFamily="18" charset="0"/>
+                    </a:rPr>
+                    <a:t> positive parameter </a:t>
+                  </a:r>
+                  <a:endParaRPr kumimoji="1" lang="ja-JP" altLang="en-US">
+                    <a:latin typeface="Cambria" panose="02040503050406030204" pitchFamily="18" charset="0"/>
+                  </a:endParaRPr>
+                </a:p>
+              </p:txBody>
+            </p:sp>
+          </mc:Choice>
+          <mc:Fallback>
+            <p:sp>
+              <p:nvSpPr>
+                <p:cNvPr id="9" name="テキスト ボックス 8">
+                  <a:extLst>
+                    <a:ext uri="{FF2B5EF4-FFF2-40B4-BE49-F238E27FC236}">
+                      <a16:creationId xmlns:a16="http://schemas.microsoft.com/office/drawing/2014/main" id="{E0F8598B-0514-0248-AF16-2BCA8556F887}"/>
+                    </a:ext>
+                  </a:extLst>
+                </p:cNvPr>
+                <p:cNvSpPr txBox="1">
+                  <a:spLocks noRot="1" noChangeAspect="1" noMove="1" noResize="1" noEditPoints="1" noAdjustHandles="1" noChangeArrowheads="1" noChangeShapeType="1" noTextEdit="1"/>
+                </p:cNvSpPr>
+                <p:nvPr/>
+              </p:nvSpPr>
+              <p:spPr>
+                <a:xfrm>
+                  <a:off x="6294264" y="1861791"/>
+                  <a:ext cx="2334357" cy="369332"/>
+                </a:xfrm>
+                <a:prstGeom prst="rect">
+                  <a:avLst/>
+                </a:prstGeom>
+                <a:blipFill>
+                  <a:blip r:embed="rId4"/>
+                  <a:stretch>
+                    <a:fillRect t="-6667" r="-541" b="-23333"/>
+                  </a:stretch>
+                </a:blipFill>
+              </p:spPr>
+              <p:txBody>
+                <a:bodyPr/>
+                <a:lstStyle/>
+                <a:p>
+                  <a:r>
+                    <a:rPr lang="ja-JP" altLang="en-US">
+                      <a:noFill/>
+                    </a:rPr>
+                    <a:t> </a:t>
+                  </a:r>
+                </a:p>
+              </p:txBody>
+            </p:sp>
+          </mc:Fallback>
+        </mc:AlternateContent>
+      </p:grpSp>
+      <p:pic>
+        <p:nvPicPr>
+          <p:cNvPr id="12" name="図 11">
             <a:extLst>
               <a:ext uri="{FF2B5EF4-FFF2-40B4-BE49-F238E27FC236}">
-                <a16:creationId xmlns:a16="http://schemas.microsoft.com/office/drawing/2014/main" id="{5B2D330E-0F00-E94E-B061-942CE8A98798}"/>
-              </a:ext>
-            </a:extLst>
-          </p:cNvPr>
-          <p:cNvSpPr>
-            <a:spLocks noGrp="1"/>
-          </p:cNvSpPr>
-          <p:nvPr>
-            <p:ph type="ftr" sz="quarter" idx="11"/>
-          </p:nvPr>
-        </p:nvSpPr>
-        <p:spPr/>
-        <p:txBody>
-          <a:bodyPr/>
-          <a:lstStyle/>
-          <a:p>
-            <a:r>
-              <a:rPr kumimoji="1" lang="en-US" altLang="ja-JP"/>
-              <a:t>Control System Theory Group</a:t>
-            </a:r>
-            <a:endParaRPr kumimoji="1" lang="ja-JP" altLang="en-US"/>
-          </a:p>
-        </p:txBody>
-      </p:sp>
-      <p:sp>
-        <p:nvSpPr>
-          <p:cNvPr id="5" name="タイトル 4">
-            <a:extLst>
-              <a:ext uri="{FF2B5EF4-FFF2-40B4-BE49-F238E27FC236}">
-                <a16:creationId xmlns:a16="http://schemas.microsoft.com/office/drawing/2014/main" id="{78E0D28E-05A2-7F46-BACB-D242C26922D2}"/>
-              </a:ext>
-            </a:extLst>
-          </p:cNvPr>
-          <p:cNvSpPr>
-            <a:spLocks noGrp="1"/>
-          </p:cNvSpPr>
-          <p:nvPr>
-            <p:ph type="title"/>
-          </p:nvPr>
-        </p:nvSpPr>
-        <p:spPr/>
-        <p:txBody>
-          <a:bodyPr/>
-          <a:lstStyle/>
-          <a:p>
-            <a:r>
-              <a:rPr kumimoji="1" lang="ja-JP" altLang="en-US"/>
-              <a:t>確率系のシミュレーション</a:t>
-            </a:r>
-          </a:p>
-        </p:txBody>
-      </p:sp>
-      <p:pic>
-        <p:nvPicPr>
-          <p:cNvPr id="6" name="図 5">
-            <a:extLst>
-              <a:ext uri="{FF2B5EF4-FFF2-40B4-BE49-F238E27FC236}">
-                <a16:creationId xmlns:a16="http://schemas.microsoft.com/office/drawing/2014/main" id="{628BB376-6324-A24D-AD60-B2A0F0C6254E}"/>
+                <a16:creationId xmlns:a16="http://schemas.microsoft.com/office/drawing/2014/main" id="{263003CC-EB12-A346-9EDA-BD7EF4E82FC2}"/>
               </a:ext>
             </a:extLst>
           </p:cNvPr>
@@ -5513,15 +5703,15 @@
           <p:nvPr/>
         </p:nvPicPr>
         <p:blipFill>
-          <a:blip r:embed="rId4"/>
+          <a:blip r:embed="rId5"/>
           <a:stretch>
             <a:fillRect/>
           </a:stretch>
         </p:blipFill>
         <p:spPr>
           <a:xfrm>
-            <a:off x="4076700" y="2708377"/>
-            <a:ext cx="3632200" cy="3400736"/>
+            <a:off x="1146220" y="4057860"/>
+            <a:ext cx="6747164" cy="2316951"/>
           </a:xfrm>
           <a:prstGeom prst="rect">
             <a:avLst/>
@@ -5531,7 +5721,7 @@
     </p:spTree>
     <p:extLst>
       <p:ext uri="{BB962C8B-B14F-4D97-AF65-F5344CB8AC3E}">
-        <p14:creationId xmlns:p14="http://schemas.microsoft.com/office/powerpoint/2010/main" val="1825222702"/>
+        <p14:creationId xmlns:p14="http://schemas.microsoft.com/office/powerpoint/2010/main" val="2147436565"/>
       </p:ext>
     </p:extLst>
   </p:cSld>
@@ -5558,266 +5748,82 @@
           <a:chExt cx="0" cy="0"/>
         </a:xfrm>
       </p:grpSpPr>
-      <mc:AlternateContent xmlns:mc="http://schemas.openxmlformats.org/markup-compatibility/2006">
-        <mc:Choice xmlns:a14="http://schemas.microsoft.com/office/drawing/2010/main" Requires="a14">
-          <p:sp>
-            <p:nvSpPr>
-              <p:cNvPr id="2" name="コンテンツ プレースホルダー 1">
-                <a:extLst>
-                  <a:ext uri="{FF2B5EF4-FFF2-40B4-BE49-F238E27FC236}">
-                    <a16:creationId xmlns:a16="http://schemas.microsoft.com/office/drawing/2014/main" id="{A98D224F-17E8-D840-9339-44D9DBCE1D5F}"/>
-                  </a:ext>
-                </a:extLst>
-              </p:cNvPr>
-              <p:cNvSpPr>
-                <a:spLocks noGrp="1"/>
-              </p:cNvSpPr>
-              <p:nvPr>
-                <p:ph idx="1"/>
-              </p:nvPr>
-            </p:nvSpPr>
-            <p:spPr/>
-            <p:txBody>
-              <a:bodyPr/>
-              <a:lstStyle/>
-              <a:p>
-                <a:r>
-                  <a:rPr kumimoji="1" lang="en-US" altLang="ja-JP" dirty="0"/>
-                  <a:t>Critic</a:t>
-                </a:r>
-                <a:r>
-                  <a:rPr kumimoji="1" lang="ja-JP" altLang="en-US"/>
-                  <a:t>がとあるクラスの関数であれば</a:t>
-                </a:r>
-                <a:r>
-                  <a:rPr kumimoji="1" lang="en-US" altLang="ja-JP" dirty="0"/>
-                  <a:t>, (</a:t>
-                </a:r>
-                <a:r>
-                  <a:rPr kumimoji="1" lang="ja-JP" altLang="en-US"/>
-                  <a:t>学習方法は別にして</a:t>
-                </a:r>
-                <a:r>
-                  <a:rPr kumimoji="1" lang="en-US" altLang="ja-JP" dirty="0"/>
-                  <a:t>)</a:t>
-                </a:r>
-                <a:r>
-                  <a:rPr kumimoji="1" lang="ja-JP" altLang="en-US"/>
-                  <a:t>方策勾配を正しく計算できるパラメータが存在する</a:t>
-                </a:r>
-                <a:r>
-                  <a:rPr kumimoji="1" lang="en-US" altLang="ja-JP" dirty="0"/>
-                  <a:t>.</a:t>
-                </a:r>
-                <a:endParaRPr lang="en-US" altLang="ja-JP" dirty="0"/>
-              </a:p>
-              <a:p>
-                <a:pPr lvl="1"/>
-                <a:r>
-                  <a:rPr kumimoji="1" lang="ja-JP" altLang="en-US"/>
-                  <a:t>ただ</a:t>
-                </a:r>
-                <a:r>
-                  <a:rPr kumimoji="1" lang="en-US" altLang="ja-JP" dirty="0"/>
-                  <a:t>, DDPG</a:t>
-                </a:r>
-                <a:r>
-                  <a:rPr kumimoji="1" lang="ja-JP" altLang="en-US"/>
-                  <a:t>はそのクラスには入っていない</a:t>
-                </a:r>
-                <a:endParaRPr kumimoji="1" lang="en-US" altLang="ja-JP" dirty="0"/>
-              </a:p>
-              <a:p>
-                <a:pPr lvl="1"/>
-                <a:endParaRPr lang="en-US" altLang="ja-JP" dirty="0"/>
-              </a:p>
-              <a:p>
-                <a:pPr lvl="1"/>
-                <a:endParaRPr kumimoji="1" lang="en-US" altLang="ja-JP" dirty="0"/>
-              </a:p>
-              <a:p>
-                <a:r>
-                  <a:rPr lang="ja-JP" altLang="en-US"/>
-                  <a:t>何が言えるのか</a:t>
-                </a:r>
-                <a:endParaRPr lang="en-US" altLang="ja-JP" dirty="0"/>
-              </a:p>
-              <a:p>
-                <a:pPr lvl="1"/>
-                <a:r>
-                  <a:rPr kumimoji="1" lang="ja-JP" altLang="en-US"/>
-                  <a:t>セルフトリガーだからこそ言えることがあれば</a:t>
-                </a:r>
-                <a:endParaRPr kumimoji="1" lang="en-US" altLang="ja-JP" dirty="0"/>
-              </a:p>
-              <a:p>
-                <a:pPr lvl="1"/>
-                <a:r>
-                  <a:rPr lang="ja-JP" altLang="en-US"/>
-                  <a:t>局所解</a:t>
-                </a:r>
-                <a:r>
-                  <a:rPr lang="en-US" altLang="ja-JP" dirty="0"/>
-                  <a:t>(</a:t>
-                </a:r>
-                <a:r>
-                  <a:rPr lang="ja-JP" altLang="en-US"/>
-                  <a:t>方策勾配</a:t>
-                </a:r>
-                <a:r>
-                  <a:rPr lang="en-US" altLang="ja-JP" dirty="0"/>
-                  <a:t>=0)</a:t>
-                </a:r>
-                <a:r>
-                  <a:rPr lang="ja-JP" altLang="en-US"/>
-                  <a:t>となる方策はどのようなクラスか</a:t>
-                </a:r>
-                <a:endParaRPr lang="en-US" altLang="ja-JP" dirty="0"/>
-              </a:p>
-              <a:p>
-                <a:pPr lvl="2"/>
-                <a:r>
-                  <a:rPr lang="ja-JP" altLang="en-US"/>
-                  <a:t>解析不可能？？</a:t>
-                </a:r>
-                <a:endParaRPr lang="en-US" altLang="ja-JP" dirty="0"/>
-              </a:p>
-              <a:p>
-                <a:pPr lvl="1"/>
-                <a:endParaRPr lang="en-US" altLang="ja-JP" dirty="0"/>
-              </a:p>
-              <a:p>
-                <a:pPr marL="457200" lvl="1" indent="0">
-                  <a:buNone/>
-                </a:pPr>
-                <a:r>
-                  <a:rPr lang="en-US" altLang="ja-JP" sz="1800" dirty="0"/>
-                  <a:t>(</a:t>
-                </a:r>
-                <a:r>
-                  <a:rPr lang="ja-JP" altLang="en-US" sz="1800"/>
-                  <a:t>少し方向性は異なりますが</a:t>
-                </a:r>
-                <a:r>
-                  <a:rPr lang="en-US" altLang="ja-JP" sz="1800" dirty="0"/>
-                  <a:t>..)</a:t>
-                </a:r>
-              </a:p>
-              <a:p>
-                <a:pPr lvl="1"/>
-                <a:r>
-                  <a:rPr lang="ja-JP" altLang="en-US"/>
-                  <a:t>強化学習を安定して進める工夫</a:t>
-                </a:r>
-                <a:r>
-                  <a:rPr lang="en-US" altLang="ja-JP" dirty="0"/>
-                  <a:t>(actor</a:t>
-                </a:r>
-                <a:r>
-                  <a:rPr lang="ja-JP" altLang="en-US"/>
-                  <a:t>を分離して</a:t>
-                </a:r>
-                <a:r>
-                  <a:rPr lang="en-US" altLang="ja-JP" dirty="0"/>
-                  <a:t>, </a:t>
-                </a:r>
-                <a:r>
-                  <a:rPr lang="ja-JP" altLang="en-US"/>
-                  <a:t>別々に学習率を決めるもの</a:t>
-                </a:r>
-                <a:r>
-                  <a:rPr lang="en-US" altLang="ja-JP" dirty="0"/>
-                  <a:t>)</a:t>
-                </a:r>
-                <a:r>
-                  <a:rPr lang="ja-JP" altLang="en-US"/>
-                  <a:t>の理論的な裏付け</a:t>
-                </a:r>
-                <a:endParaRPr lang="en-US" altLang="ja-JP" dirty="0"/>
-              </a:p>
-              <a:p>
-                <a:pPr lvl="2"/>
-                <a:r>
-                  <a:rPr lang="ja-JP" altLang="en-US"/>
-                  <a:t>入力と通信間隔の変化に対する</a:t>
-                </a:r>
-                <a:r>
-                  <a:rPr lang="en-US" altLang="ja-JP" dirty="0"/>
-                  <a:t>, </a:t>
-                </a:r>
-                <a:r>
-                  <a:rPr lang="ja-JP" altLang="en-US"/>
-                  <a:t>状態</a:t>
-                </a:r>
-                <a14:m>
-                  <m:oMath xmlns:m="http://schemas.openxmlformats.org/officeDocument/2006/math">
-                    <m:r>
-                      <a:rPr lang="en-US" altLang="ja-JP" b="0" i="1" smtClean="0">
-                        <a:latin typeface="Cambria Math" panose="02040503050406030204" pitchFamily="18" charset="0"/>
-                      </a:rPr>
-                      <m:t>𝑠</m:t>
-                    </m:r>
-                  </m:oMath>
-                </a14:m>
-                <a:r>
-                  <a:rPr lang="ja-JP" altLang="en-US"/>
-                  <a:t>の変化の大きさの解析</a:t>
-                </a:r>
-                <a:endParaRPr lang="en-US" altLang="ja-JP" dirty="0"/>
-              </a:p>
-              <a:p>
-                <a:pPr lvl="1"/>
-                <a:endParaRPr kumimoji="1" lang="ja-JP" altLang="en-US"/>
-              </a:p>
-            </p:txBody>
-          </p:sp>
-        </mc:Choice>
-        <mc:Fallback>
-          <p:sp>
-            <p:nvSpPr>
-              <p:cNvPr id="2" name="コンテンツ プレースホルダー 1">
-                <a:extLst>
-                  <a:ext uri="{FF2B5EF4-FFF2-40B4-BE49-F238E27FC236}">
-                    <a16:creationId xmlns:a16="http://schemas.microsoft.com/office/drawing/2014/main" id="{A98D224F-17E8-D840-9339-44D9DBCE1D5F}"/>
-                  </a:ext>
-                </a:extLst>
-              </p:cNvPr>
-              <p:cNvSpPr>
-                <a:spLocks noGrp="1" noRot="1" noChangeAspect="1" noMove="1" noResize="1" noEditPoints="1" noAdjustHandles="1" noChangeArrowheads="1" noChangeShapeType="1" noTextEdit="1"/>
-              </p:cNvSpPr>
-              <p:nvPr>
-                <p:ph idx="1"/>
-              </p:nvPr>
-            </p:nvSpPr>
-            <p:spPr>
-              <a:blipFill>
-                <a:blip r:embed="rId2"/>
-                <a:stretch>
-                  <a:fillRect l="-598" t="-1519"/>
-                </a:stretch>
-              </a:blipFill>
-            </p:spPr>
-            <p:txBody>
-              <a:bodyPr/>
-              <a:lstStyle/>
-              <a:p>
-                <a:r>
-                  <a:rPr lang="ja-JP" altLang="en-US">
-                    <a:noFill/>
-                  </a:rPr>
-                  <a:t> </a:t>
-                </a:r>
-              </a:p>
-            </p:txBody>
-          </p:sp>
-        </mc:Fallback>
-      </mc:AlternateContent>
+      <p:sp>
+        <p:nvSpPr>
+          <p:cNvPr id="2" name="コンテンツ プレースホルダー 1">
+            <a:extLst>
+              <a:ext uri="{FF2B5EF4-FFF2-40B4-BE49-F238E27FC236}">
+                <a16:creationId xmlns:a16="http://schemas.microsoft.com/office/drawing/2014/main" id="{9616FD63-073E-3E4F-BE72-E19D2E7EDA9A}"/>
+              </a:ext>
+            </a:extLst>
+          </p:cNvPr>
+          <p:cNvSpPr>
+            <a:spLocks noGrp="1"/>
+          </p:cNvSpPr>
+          <p:nvPr>
+            <p:ph idx="1"/>
+          </p:nvPr>
+        </p:nvSpPr>
+        <p:spPr/>
+        <p:txBody>
+          <a:bodyPr/>
+          <a:lstStyle/>
+          <a:p>
+            <a:r>
+              <a:rPr kumimoji="1" lang="en-US" altLang="ja-JP" dirty="0"/>
+              <a:t>This week</a:t>
+            </a:r>
+          </a:p>
+          <a:p>
+            <a:pPr lvl="1"/>
+            <a:r>
+              <a:rPr kumimoji="1" lang="en-US" altLang="ja-JP" dirty="0"/>
+              <a:t>Write master thesis v-0 (until </a:t>
+            </a:r>
+            <a:r>
+              <a:rPr lang="en-US" altLang="ja-JP" dirty="0"/>
+              <a:t>F</a:t>
+            </a:r>
+            <a:r>
+              <a:rPr kumimoji="1" lang="en-US" altLang="ja-JP" dirty="0"/>
+              <a:t>riday, priority)</a:t>
+            </a:r>
+          </a:p>
+          <a:p>
+            <a:pPr lvl="2"/>
+            <a:r>
+              <a:rPr lang="en-US" altLang="ja-JP" dirty="0"/>
+              <a:t>Framework</a:t>
+            </a:r>
+            <a:endParaRPr kumimoji="1" lang="en-US" altLang="ja-JP" dirty="0"/>
+          </a:p>
+          <a:p>
+            <a:pPr lvl="1"/>
+            <a:endParaRPr lang="en" altLang="ja-JP" dirty="0"/>
+          </a:p>
+          <a:p>
+            <a:pPr lvl="1"/>
+            <a:r>
+              <a:rPr lang="en" altLang="ja-JP" dirty="0"/>
+              <a:t>More appropriate comparisons for naive control and RL</a:t>
+            </a:r>
+          </a:p>
+          <a:p>
+            <a:pPr lvl="2"/>
+            <a:r>
+              <a:rPr lang="en" altLang="ja-JP" dirty="0"/>
+              <a:t>Check the program for bugs</a:t>
+            </a:r>
+            <a:endParaRPr kumimoji="1" lang="ja-JP" altLang="en-US"/>
+          </a:p>
+        </p:txBody>
+      </p:sp>
       <p:sp>
         <p:nvSpPr>
           <p:cNvPr id="3" name="日付プレースホルダー 2">
             <a:extLst>
               <a:ext uri="{FF2B5EF4-FFF2-40B4-BE49-F238E27FC236}">
-                <a16:creationId xmlns:a16="http://schemas.microsoft.com/office/drawing/2014/main" id="{EA175F23-8879-C745-AD18-0E139884C1FA}"/>
+                <a16:creationId xmlns:a16="http://schemas.microsoft.com/office/drawing/2014/main" id="{B2602EB8-1959-924E-BA56-79FD74BFA7B5}"/>
               </a:ext>
             </a:extLst>
           </p:cNvPr>
@@ -5833,9 +5839,9 @@
           <a:bodyPr/>
           <a:lstStyle/>
           <a:p>
-            <a:fld id="{90235FA2-C49A-5C4F-85BF-B1D7D24C5B31}" type="datetime1">
+            <a:fld id="{CCD4361E-AE29-8642-BE07-3827F5FE9B5A}" type="datetime1">
               <a:rPr kumimoji="1" lang="ja-JP" altLang="en-US" smtClean="0"/>
-              <a:t>2020/12/28</a:t>
+              <a:t>2021/1/5</a:t>
             </a:fld>
             <a:endParaRPr kumimoji="1" lang="ja-JP" altLang="en-US"/>
           </a:p>
@@ -5846,7 +5852,7 @@
           <p:cNvPr id="4" name="フッター プレースホルダー 3">
             <a:extLst>
               <a:ext uri="{FF2B5EF4-FFF2-40B4-BE49-F238E27FC236}">
-                <a16:creationId xmlns:a16="http://schemas.microsoft.com/office/drawing/2014/main" id="{13179F5C-3581-2543-ABDC-9F640FD4959E}"/>
+                <a16:creationId xmlns:a16="http://schemas.microsoft.com/office/drawing/2014/main" id="{00E27574-EAFB-AB4F-849A-93E495533B8C}"/>
               </a:ext>
             </a:extLst>
           </p:cNvPr>
@@ -5863,7 +5869,7 @@
           <a:lstStyle/>
           <a:p>
             <a:r>
-              <a:rPr kumimoji="1" lang="en-US" altLang="ja-JP" dirty="0"/>
+              <a:rPr kumimoji="1" lang="en-US" altLang="ja-JP"/>
               <a:t>Control System Theory Group</a:t>
             </a:r>
             <a:endParaRPr kumimoji="1" lang="ja-JP" altLang="en-US"/>
@@ -5875,7 +5881,7 @@
           <p:cNvPr id="5" name="タイトル 4">
             <a:extLst>
               <a:ext uri="{FF2B5EF4-FFF2-40B4-BE49-F238E27FC236}">
-                <a16:creationId xmlns:a16="http://schemas.microsoft.com/office/drawing/2014/main" id="{6FF190CF-16CC-E54C-AFC8-5A0A4BA50E1E}"/>
+                <a16:creationId xmlns:a16="http://schemas.microsoft.com/office/drawing/2014/main" id="{0CA17B3D-C250-8D46-AA3A-D45DC7A682EC}"/>
               </a:ext>
             </a:extLst>
           </p:cNvPr>
@@ -5892,16 +5898,17 @@
           <a:lstStyle/>
           <a:p>
             <a:r>
-              <a:rPr kumimoji="1" lang="ja-JP" altLang="en-US"/>
-              <a:t>証明されていること</a:t>
-            </a:r>
+              <a:rPr lang="en-US" altLang="ja-JP" dirty="0"/>
+              <a:t>Weekly Report</a:t>
+            </a:r>
+            <a:endParaRPr kumimoji="1" lang="ja-JP" altLang="en-US"/>
           </a:p>
         </p:txBody>
       </p:sp>
     </p:spTree>
     <p:extLst>
       <p:ext uri="{BB962C8B-B14F-4D97-AF65-F5344CB8AC3E}">
-        <p14:creationId xmlns:p14="http://schemas.microsoft.com/office/powerpoint/2010/main" val="1787029129"/>
+        <p14:creationId xmlns:p14="http://schemas.microsoft.com/office/powerpoint/2010/main" val="963188408"/>
       </p:ext>
     </p:extLst>
   </p:cSld>
@@ -6132,9 +6139,9 @@
           <a:bodyPr/>
           <a:lstStyle/>
           <a:p>
-            <a:fld id="{90235FA2-C49A-5C4F-85BF-B1D7D24C5B31}" type="datetime1">
+            <a:fld id="{F76A8F17-C369-A441-AFD3-3119BCB5AC34}" type="datetime1">
               <a:rPr kumimoji="1" lang="ja-JP" altLang="en-US" smtClean="0"/>
-              <a:t>2020/12/26</a:t>
+              <a:t>2021/1/5</a:t>
             </a:fld>
             <a:endParaRPr kumimoji="1" lang="ja-JP" altLang="en-US"/>
           </a:p>
@@ -6289,7 +6296,7 @@
     </p:spTree>
     <p:extLst>
       <p:ext uri="{BB962C8B-B14F-4D97-AF65-F5344CB8AC3E}">
-        <p14:creationId xmlns:p14="http://schemas.microsoft.com/office/powerpoint/2010/main" val="1334248386"/>
+        <p14:creationId xmlns:p14="http://schemas.microsoft.com/office/powerpoint/2010/main" val="381114817"/>
       </p:ext>
     </p:extLst>
   </p:cSld>
@@ -6516,9 +6523,9 @@
           <a:bodyPr/>
           <a:lstStyle/>
           <a:p>
-            <a:fld id="{90235FA2-C49A-5C4F-85BF-B1D7D24C5B31}" type="datetime1">
+            <a:fld id="{E7DAAA32-BD65-2D4B-8535-DFA98C111816}" type="datetime1">
               <a:rPr kumimoji="1" lang="ja-JP" altLang="en-US" smtClean="0"/>
-              <a:t>2020/12/26</a:t>
+              <a:t>2021/1/5</a:t>
             </a:fld>
             <a:endParaRPr kumimoji="1" lang="ja-JP" altLang="en-US"/>
           </a:p>
@@ -6584,315 +6591,7 @@
     </p:spTree>
     <p:extLst>
       <p:ext uri="{BB962C8B-B14F-4D97-AF65-F5344CB8AC3E}">
-        <p14:creationId xmlns:p14="http://schemas.microsoft.com/office/powerpoint/2010/main" val="992765756"/>
-      </p:ext>
-    </p:extLst>
-  </p:cSld>
-  <p:clrMapOvr>
-    <a:masterClrMapping/>
-  </p:clrMapOvr>
-</p:sld>
-</file>
-
-<file path=ppt/slides/slide6.xml><?xml version="1.0" encoding="utf-8"?>
-<p:sld xmlns:a="http://schemas.openxmlformats.org/drawingml/2006/main" xmlns:r="http://schemas.openxmlformats.org/officeDocument/2006/relationships" xmlns:p="http://schemas.openxmlformats.org/presentationml/2006/main">
-  <p:cSld>
-    <p:spTree>
-      <p:nvGrpSpPr>
-        <p:cNvPr id="1" name=""/>
-        <p:cNvGrpSpPr/>
-        <p:nvPr/>
-      </p:nvGrpSpPr>
-      <p:grpSpPr>
-        <a:xfrm>
-          <a:off x="0" y="0"/>
-          <a:ext cx="0" cy="0"/>
-          <a:chOff x="0" y="0"/>
-          <a:chExt cx="0" cy="0"/>
-        </a:xfrm>
-      </p:grpSpPr>
-      <mc:AlternateContent xmlns:mc="http://schemas.openxmlformats.org/markup-compatibility/2006">
-        <mc:Choice xmlns:a14="http://schemas.microsoft.com/office/drawing/2010/main" Requires="a14">
-          <p:sp>
-            <p:nvSpPr>
-              <p:cNvPr id="2" name="コンテンツ プレースホルダー 1">
-                <a:extLst>
-                  <a:ext uri="{FF2B5EF4-FFF2-40B4-BE49-F238E27FC236}">
-                    <a16:creationId xmlns:a16="http://schemas.microsoft.com/office/drawing/2014/main" id="{ACC753E1-6A30-B146-94AE-3AC5E1975EC0}"/>
-                  </a:ext>
-                </a:extLst>
-              </p:cNvPr>
-              <p:cNvSpPr>
-                <a:spLocks noGrp="1"/>
-              </p:cNvSpPr>
-              <p:nvPr>
-                <p:ph idx="1"/>
-              </p:nvPr>
-            </p:nvSpPr>
-            <p:spPr/>
-            <p:txBody>
-              <a:bodyPr/>
-              <a:lstStyle/>
-              <a:p>
-                <a:pPr marL="457200" indent="-457200">
-                  <a:buAutoNum type="arabicPeriod"/>
-                </a:pPr>
-                <a:r>
-                  <a:rPr kumimoji="1" lang="ja-JP" altLang="en-US"/>
-                  <a:t>全状態に対して</a:t>
-                </a:r>
-                <a14:m>
-                  <m:oMath xmlns:m="http://schemas.openxmlformats.org/officeDocument/2006/math">
-                    <m:sSup>
-                      <m:sSupPr>
-                        <m:ctrlPr>
-                          <a:rPr lang="en-US" altLang="ja-JP" i="1">
-                            <a:latin typeface="Cambria Math" panose="02040503050406030204" pitchFamily="18" charset="0"/>
-                          </a:rPr>
-                        </m:ctrlPr>
-                      </m:sSupPr>
-                      <m:e>
-                        <m:r>
-                          <a:rPr lang="en-US" altLang="ja-JP" i="1">
-                            <a:latin typeface="Cambria Math" panose="02040503050406030204" pitchFamily="18" charset="0"/>
-                          </a:rPr>
-                          <m:t>𝑉</m:t>
-                        </m:r>
-                      </m:e>
-                      <m:sup>
-                        <m:r>
-                          <a:rPr lang="en-US" altLang="ja-JP" i="1">
-                            <a:latin typeface="Cambria Math" panose="02040503050406030204" pitchFamily="18" charset="0"/>
-                            <a:ea typeface="Cambria Math" panose="02040503050406030204" pitchFamily="18" charset="0"/>
-                          </a:rPr>
-                          <m:t>𝜋</m:t>
-                        </m:r>
-                      </m:sup>
-                    </m:sSup>
-                    <m:d>
-                      <m:dPr>
-                        <m:ctrlPr>
-                          <a:rPr lang="en-US" altLang="ja-JP" i="1">
-                            <a:latin typeface="Cambria Math" panose="02040503050406030204" pitchFamily="18" charset="0"/>
-                            <a:ea typeface="Cambria Math" panose="02040503050406030204" pitchFamily="18" charset="0"/>
-                          </a:rPr>
-                        </m:ctrlPr>
-                      </m:dPr>
-                      <m:e>
-                        <m:r>
-                          <a:rPr lang="en-US" altLang="ja-JP" b="0" i="1" smtClean="0">
-                            <a:latin typeface="Cambria Math" panose="02040503050406030204" pitchFamily="18" charset="0"/>
-                          </a:rPr>
-                          <m:t>𝑠</m:t>
-                        </m:r>
-                      </m:e>
-                    </m:d>
-                  </m:oMath>
-                </a14:m>
-                <a:r>
-                  <a:rPr kumimoji="1" lang="ja-JP" altLang="en-US"/>
-                  <a:t>が初期方策に勝ってるのか調べる</a:t>
-                </a:r>
-                <a:endParaRPr lang="en-US" altLang="ja-JP" dirty="0"/>
-              </a:p>
-              <a:p>
-                <a:pPr marL="457200" indent="-457200">
-                  <a:buAutoNum type="arabicPeriod"/>
-                </a:pPr>
-                <a:endParaRPr lang="en-US" altLang="ja-JP" dirty="0"/>
-              </a:p>
-              <a:p>
-                <a:pPr marL="457200" indent="-457200">
-                  <a:buFont typeface="Arial" panose="020B0604020202020204" pitchFamily="34" charset="0"/>
-                  <a:buAutoNum type="arabicPeriod"/>
-                </a:pPr>
-                <a:r>
-                  <a:rPr lang="ja-JP" altLang="en-US"/>
-                  <a:t>先行研究と性能比較する</a:t>
-                </a:r>
-                <a:endParaRPr lang="en-US" altLang="ja-JP" dirty="0"/>
-              </a:p>
-              <a:p>
-                <a:pPr marL="457200" indent="-457200">
-                  <a:buFont typeface="Arial" panose="020B0604020202020204" pitchFamily="34" charset="0"/>
-                  <a:buAutoNum type="arabicPeriod"/>
-                </a:pPr>
-                <a:endParaRPr lang="en-US" altLang="ja-JP" i="1" dirty="0">
-                  <a:latin typeface="Cambria Math" panose="02040503050406030204" pitchFamily="18" charset="0"/>
-                </a:endParaRPr>
-              </a:p>
-              <a:p>
-                <a:pPr marL="457200" indent="-457200">
-                  <a:buFont typeface="Arial" panose="020B0604020202020204" pitchFamily="34" charset="0"/>
-                  <a:buAutoNum type="arabicPeriod"/>
-                </a:pPr>
-                <a:r>
-                  <a:rPr lang="ja-JP" altLang="en-US"/>
-                  <a:t>収束性を考える</a:t>
-                </a:r>
-                <a:endParaRPr lang="en-US" altLang="ja-JP" dirty="0"/>
-              </a:p>
-              <a:p>
-                <a:pPr marL="914400" lvl="1" indent="-457200">
-                  <a:buFont typeface="Arial" panose="020B0604020202020204" pitchFamily="34" charset="0"/>
-                  <a:buAutoNum type="arabicPeriod"/>
-                </a:pPr>
-                <a:r>
-                  <a:rPr lang="en-US" altLang="ja-JP" dirty="0"/>
-                  <a:t>TD</a:t>
-                </a:r>
-                <a:r>
-                  <a:rPr lang="ja-JP" altLang="en-US"/>
-                  <a:t>学習は収束するのか</a:t>
-                </a:r>
-                <a:endParaRPr lang="en-US" altLang="ja-JP" dirty="0"/>
-              </a:p>
-            </p:txBody>
-          </p:sp>
-        </mc:Choice>
-        <mc:Fallback>
-          <p:sp>
-            <p:nvSpPr>
-              <p:cNvPr id="2" name="コンテンツ プレースホルダー 1">
-                <a:extLst>
-                  <a:ext uri="{FF2B5EF4-FFF2-40B4-BE49-F238E27FC236}">
-                    <a16:creationId xmlns:a16="http://schemas.microsoft.com/office/drawing/2014/main" id="{ACC753E1-6A30-B146-94AE-3AC5E1975EC0}"/>
-                  </a:ext>
-                </a:extLst>
-              </p:cNvPr>
-              <p:cNvSpPr>
-                <a:spLocks noGrp="1" noRot="1" noChangeAspect="1" noMove="1" noResize="1" noEditPoints="1" noAdjustHandles="1" noChangeArrowheads="1" noChangeShapeType="1" noTextEdit="1"/>
-              </p:cNvSpPr>
-              <p:nvPr>
-                <p:ph idx="1"/>
-              </p:nvPr>
-            </p:nvSpPr>
-            <p:spPr>
-              <a:blipFill>
-                <a:blip r:embed="rId2"/>
-                <a:stretch>
-                  <a:fillRect l="-747" t="-1519"/>
-                </a:stretch>
-              </a:blipFill>
-            </p:spPr>
-            <p:txBody>
-              <a:bodyPr/>
-              <a:lstStyle/>
-              <a:p>
-                <a:r>
-                  <a:rPr lang="ja-JP" altLang="en-US">
-                    <a:noFill/>
-                  </a:rPr>
-                  <a:t> </a:t>
-                </a:r>
-              </a:p>
-            </p:txBody>
-          </p:sp>
-        </mc:Fallback>
-      </mc:AlternateContent>
-      <p:sp>
-        <p:nvSpPr>
-          <p:cNvPr id="3" name="日付プレースホルダー 2">
-            <a:extLst>
-              <a:ext uri="{FF2B5EF4-FFF2-40B4-BE49-F238E27FC236}">
-                <a16:creationId xmlns:a16="http://schemas.microsoft.com/office/drawing/2014/main" id="{93F0CB5B-6A80-9340-80BB-0321587FD43A}"/>
-              </a:ext>
-            </a:extLst>
-          </p:cNvPr>
-          <p:cNvSpPr>
-            <a:spLocks noGrp="1"/>
-          </p:cNvSpPr>
-          <p:nvPr>
-            <p:ph type="dt" sz="half" idx="10"/>
-          </p:nvPr>
-        </p:nvSpPr>
-        <p:spPr/>
-        <p:txBody>
-          <a:bodyPr/>
-          <a:lstStyle/>
-          <a:p>
-            <a:fld id="{90235FA2-C49A-5C4F-85BF-B1D7D24C5B31}" type="datetime1">
-              <a:rPr kumimoji="1" lang="ja-JP" altLang="en-US" smtClean="0"/>
-              <a:t>2020/12/26</a:t>
-            </a:fld>
-            <a:endParaRPr kumimoji="1" lang="ja-JP" altLang="en-US"/>
-          </a:p>
-        </p:txBody>
-      </p:sp>
-      <p:sp>
-        <p:nvSpPr>
-          <p:cNvPr id="4" name="フッター プレースホルダー 3">
-            <a:extLst>
-              <a:ext uri="{FF2B5EF4-FFF2-40B4-BE49-F238E27FC236}">
-                <a16:creationId xmlns:a16="http://schemas.microsoft.com/office/drawing/2014/main" id="{D195AC5F-2BC9-8A46-AED7-8BB5D107DAFE}"/>
-              </a:ext>
-            </a:extLst>
-          </p:cNvPr>
-          <p:cNvSpPr>
-            <a:spLocks noGrp="1"/>
-          </p:cNvSpPr>
-          <p:nvPr>
-            <p:ph type="ftr" sz="quarter" idx="11"/>
-          </p:nvPr>
-        </p:nvSpPr>
-        <p:spPr/>
-        <p:txBody>
-          <a:bodyPr/>
-          <a:lstStyle/>
-          <a:p>
-            <a:r>
-              <a:rPr kumimoji="1" lang="en-US" altLang="ja-JP"/>
-              <a:t>Control System Theory Group</a:t>
-            </a:r>
-            <a:endParaRPr kumimoji="1" lang="ja-JP" altLang="en-US"/>
-          </a:p>
-        </p:txBody>
-      </p:sp>
-      <p:sp>
-        <p:nvSpPr>
-          <p:cNvPr id="5" name="タイトル 4">
-            <a:extLst>
-              <a:ext uri="{FF2B5EF4-FFF2-40B4-BE49-F238E27FC236}">
-                <a16:creationId xmlns:a16="http://schemas.microsoft.com/office/drawing/2014/main" id="{9F2DFFFB-E9C4-444F-B6A4-D9FB3FDA3F01}"/>
-              </a:ext>
-            </a:extLst>
-          </p:cNvPr>
-          <p:cNvSpPr>
-            <a:spLocks noGrp="1"/>
-          </p:cNvSpPr>
-          <p:nvPr>
-            <p:ph type="title"/>
-          </p:nvPr>
-        </p:nvSpPr>
-        <p:spPr/>
-        <p:txBody>
-          <a:bodyPr/>
-          <a:lstStyle/>
-          <a:p>
-            <a:r>
-              <a:rPr kumimoji="1" lang="ja-JP" altLang="en-US"/>
-              <a:t>やるべきこと</a:t>
-            </a:r>
-            <a:r>
-              <a:rPr kumimoji="1" lang="en-US" altLang="ja-JP" dirty="0"/>
-              <a:t>(~1</a:t>
-            </a:r>
-            <a:r>
-              <a:rPr kumimoji="1" lang="ja-JP" altLang="en-US"/>
-              <a:t>月上旬</a:t>
-            </a:r>
-            <a:r>
-              <a:rPr kumimoji="1" lang="en-US" altLang="ja-JP" dirty="0"/>
-              <a:t>?)</a:t>
-            </a:r>
-            <a:endParaRPr kumimoji="1" lang="ja-JP" altLang="en-US"/>
-          </a:p>
-        </p:txBody>
-      </p:sp>
-    </p:spTree>
-    <p:extLst>
-      <p:ext uri="{BB962C8B-B14F-4D97-AF65-F5344CB8AC3E}">
-        <p14:creationId xmlns:p14="http://schemas.microsoft.com/office/powerpoint/2010/main" val="1409068546"/>
+        <p14:creationId xmlns:p14="http://schemas.microsoft.com/office/powerpoint/2010/main" val="1843408291"/>
       </p:ext>
     </p:extLst>
   </p:cSld>
